--- a/docs/report.pptx
+++ b/docs/report.pptx
@@ -11,8 +11,9 @@
     <p:sldId id="260" r:id="rId5"/>
     <p:sldId id="261" r:id="rId6"/>
     <p:sldId id="262" r:id="rId7"/>
-    <p:sldId id="263" r:id="rId8"/>
-    <p:sldId id="264" r:id="rId9"/>
+    <p:sldId id="265" r:id="rId8"/>
+    <p:sldId id="263" r:id="rId9"/>
+    <p:sldId id="264" r:id="rId10"/>
   </p:sldIdLst>
   <p:sldSz cx="12192000" cy="6858000"/>
   <p:notesSz cx="6858000" cy="9144000"/>
@@ -111,7 +112,16 @@
       </a:defRPr>
     </a:lvl9pPr>
   </p:defaultTextStyle>
+  <p:extLst>
+    <p:ext uri="{EFAFB233-063F-42B5-8137-9DF3F51BA10A}">
+      <p15:sldGuideLst xmlns:p15="http://schemas.microsoft.com/office/powerpoint/2012/main"/>
+    </p:ext>
+  </p:extLst>
 </p:presentation>
+</file>
+
+<file path=ppt/revisionInfo.xml><?xml version="1.0" encoding="utf-8"?>
+<p1510:revInfo xmlns:a="http://schemas.openxmlformats.org/drawingml/2006/main" xmlns:r="http://schemas.openxmlformats.org/officeDocument/2006/relationships" xmlns:p1510="http://schemas.microsoft.com/office/powerpoint/2015/10/main"/>
 </file>
 
 <file path=ppt/slideLayouts/slideLayout1.xml><?xml version="1.0" encoding="utf-8"?>
@@ -3541,8 +3551,8 @@
           </a:p>
         </p:txBody>
       </p:sp>
-      <mc:AlternateContent xmlns:mc="http://schemas.openxmlformats.org/markup-compatibility/2006">
-        <mc:Choice xmlns:a14="http://schemas.microsoft.com/office/drawing/2010/main" Requires="a14">
+      <mc:AlternateContent xmlns:mc="http://schemas.openxmlformats.org/markup-compatibility/2006" xmlns:a14="http://schemas.microsoft.com/office/drawing/2010/main">
+        <mc:Choice Requires="a14">
           <p:sp>
             <p:nvSpPr>
               <p:cNvPr id="3" name="Content Placeholder 2">
@@ -3690,7 +3700,7 @@
             </p:txBody>
           </p:sp>
         </mc:Choice>
-        <mc:Fallback>
+        <mc:Fallback xmlns="">
           <p:sp>
             <p:nvSpPr>
               <p:cNvPr id="3" name="Content Placeholder 2">
@@ -3775,8 +3785,8 @@
           </a:fontRef>
         </p:style>
       </p:cxnSp>
-      <mc:AlternateContent xmlns:mc="http://schemas.openxmlformats.org/markup-compatibility/2006">
-        <mc:Choice xmlns:a14="http://schemas.microsoft.com/office/drawing/2010/main" Requires="a14">
+      <mc:AlternateContent xmlns:mc="http://schemas.openxmlformats.org/markup-compatibility/2006" xmlns:a14="http://schemas.microsoft.com/office/drawing/2010/main">
+        <mc:Choice Requires="a14">
           <p:sp>
             <p:nvSpPr>
               <p:cNvPr id="15" name="Content Placeholder 2">
@@ -4091,7 +4101,7 @@
             </p:txBody>
           </p:sp>
         </mc:Choice>
-        <mc:Fallback>
+        <mc:Fallback xmlns="">
           <p:sp>
             <p:nvSpPr>
               <p:cNvPr id="15" name="Content Placeholder 2">
@@ -4177,8 +4187,8 @@
           </a:fontRef>
         </p:style>
       </p:cxnSp>
-      <mc:AlternateContent xmlns:mc="http://schemas.openxmlformats.org/markup-compatibility/2006">
-        <mc:Choice xmlns:a14="http://schemas.microsoft.com/office/drawing/2010/main" Requires="a14">
+      <mc:AlternateContent xmlns:mc="http://schemas.openxmlformats.org/markup-compatibility/2006" xmlns:a14="http://schemas.microsoft.com/office/drawing/2010/main">
+        <mc:Choice Requires="a14">
           <p:sp>
             <p:nvSpPr>
               <p:cNvPr id="21" name="Content Placeholder 2">
@@ -4529,7 +4539,7 @@
             </p:txBody>
           </p:sp>
         </mc:Choice>
-        <mc:Fallback>
+        <mc:Fallback xmlns="">
           <p:sp>
             <p:nvSpPr>
               <p:cNvPr id="21" name="Content Placeholder 2">
@@ -4768,8 +4778,8 @@
           </a:p>
         </p:txBody>
       </p:sp>
-      <mc:AlternateContent xmlns:mc="http://schemas.openxmlformats.org/markup-compatibility/2006">
-        <mc:Choice xmlns:a14="http://schemas.microsoft.com/office/drawing/2010/main" Requires="a14">
+      <mc:AlternateContent xmlns:mc="http://schemas.openxmlformats.org/markup-compatibility/2006" xmlns:a14="http://schemas.microsoft.com/office/drawing/2010/main">
+        <mc:Choice Requires="a14">
           <p:sp>
             <p:nvSpPr>
               <p:cNvPr id="3" name="Content Placeholder 2">
@@ -4932,7 +4942,7 @@
             </p:txBody>
           </p:sp>
         </mc:Choice>
-        <mc:Fallback>
+        <mc:Fallback xmlns="">
           <p:sp>
             <p:nvSpPr>
               <p:cNvPr id="3" name="Content Placeholder 2">
@@ -5006,8 +5016,8 @@
           </a:prstGeom>
         </p:spPr>
       </p:pic>
-      <mc:AlternateContent xmlns:mc="http://schemas.openxmlformats.org/markup-compatibility/2006">
-        <mc:Choice xmlns:a14="http://schemas.microsoft.com/office/drawing/2010/main" Requires="a14">
+      <mc:AlternateContent xmlns:mc="http://schemas.openxmlformats.org/markup-compatibility/2006" xmlns:a14="http://schemas.microsoft.com/office/drawing/2010/main">
+        <mc:Choice Requires="a14">
           <p:sp>
             <p:nvSpPr>
               <p:cNvPr id="9" name="Content Placeholder 2">
@@ -5336,7 +5346,7 @@
             </p:txBody>
           </p:sp>
         </mc:Choice>
-        <mc:Fallback>
+        <mc:Fallback xmlns="">
           <p:sp>
             <p:nvSpPr>
               <p:cNvPr id="9" name="Content Placeholder 2">
@@ -5504,8 +5514,8 @@
           </a:fontRef>
         </p:style>
       </p:cxnSp>
-      <mc:AlternateContent xmlns:mc="http://schemas.openxmlformats.org/markup-compatibility/2006">
-        <mc:Choice xmlns:a14="http://schemas.microsoft.com/office/drawing/2010/main" Requires="a14">
+      <mc:AlternateContent xmlns:mc="http://schemas.openxmlformats.org/markup-compatibility/2006" xmlns:a14="http://schemas.microsoft.com/office/drawing/2010/main">
+        <mc:Choice Requires="a14">
           <p:sp>
             <p:nvSpPr>
               <p:cNvPr id="23" name="Rectangle 22">
@@ -5533,6 +5543,7 @@
               </a:bodyPr>
               <a:lstStyle/>
               <a:p>
+                <a:pPr/>
                 <a14:m>
                   <m:oMathPara xmlns:m="http://schemas.openxmlformats.org/officeDocument/2006/math">
                     <m:oMathParaPr>
@@ -5650,7 +5661,7 @@
             </p:txBody>
           </p:sp>
         </mc:Choice>
-        <mc:Fallback>
+        <mc:Fallback xmlns="">
           <p:sp>
             <p:nvSpPr>
               <p:cNvPr id="23" name="Rectangle 22">
@@ -5782,7 +5793,7 @@
         </p:blipFill>
         <p:spPr>
           <a:xfrm>
-            <a:off x="555661" y="1124316"/>
+            <a:off x="325424" y="1172009"/>
             <a:ext cx="5359533" cy="2697671"/>
           </a:xfrm>
           <a:prstGeom prst="rect">
@@ -5790,6 +5801,2253 @@
           </a:prstGeom>
         </p:spPr>
       </p:pic>
+      <mc:AlternateContent xmlns:mc="http://schemas.openxmlformats.org/markup-compatibility/2006">
+        <mc:Choice xmlns:a14="http://schemas.microsoft.com/office/drawing/2010/main" Requires="a14">
+          <p:sp>
+            <p:nvSpPr>
+              <p:cNvPr id="5" name="TextBox 4">
+                <a:extLst>
+                  <a:ext uri="{FF2B5EF4-FFF2-40B4-BE49-F238E27FC236}">
+                    <a16:creationId xmlns:a16="http://schemas.microsoft.com/office/drawing/2014/main" id="{EABE288E-B19A-4D0E-8015-C7CAB87F8A9D}"/>
+                  </a:ext>
+                </a:extLst>
+              </p:cNvPr>
+              <p:cNvSpPr txBox="1"/>
+              <p:nvPr/>
+            </p:nvSpPr>
+            <p:spPr>
+              <a:xfrm>
+                <a:off x="6796353" y="443656"/>
+                <a:ext cx="4952145" cy="5587683"/>
+              </a:xfrm>
+              <a:prstGeom prst="rect">
+                <a:avLst/>
+              </a:prstGeom>
+              <a:noFill/>
+            </p:spPr>
+            <p:txBody>
+              <a:bodyPr wrap="square" rtlCol="0">
+                <a:spAutoFit/>
+              </a:bodyPr>
+              <a:lstStyle/>
+              <a:p>
+                <a14:m>
+                  <m:oMathPara xmlns:m="http://schemas.openxmlformats.org/officeDocument/2006/math">
+                    <m:oMathParaPr>
+                      <m:jc m:val="centerGroup"/>
+                    </m:oMathParaPr>
+                    <m:oMath xmlns:m="http://schemas.openxmlformats.org/officeDocument/2006/math">
+                      <m:r>
+                        <m:rPr>
+                          <m:sty m:val="p"/>
+                        </m:rPr>
+                        <a:rPr lang="en-CA" b="0" i="0" smtClean="0">
+                          <a:latin typeface="Cambria Math" panose="02040503050406030204" pitchFamily="18" charset="0"/>
+                        </a:rPr>
+                        <m:t>Transfer</m:t>
+                      </m:r>
+                      <m:r>
+                        <a:rPr lang="en-CA" b="0" i="0" smtClean="0">
+                          <a:latin typeface="Cambria Math" panose="02040503050406030204" pitchFamily="18" charset="0"/>
+                        </a:rPr>
+                        <m:t> </m:t>
+                      </m:r>
+                      <m:r>
+                        <m:rPr>
+                          <m:sty m:val="p"/>
+                        </m:rPr>
+                        <a:rPr lang="en-CA" b="0" i="0" smtClean="0">
+                          <a:latin typeface="Cambria Math" panose="02040503050406030204" pitchFamily="18" charset="0"/>
+                        </a:rPr>
+                        <m:t>function</m:t>
+                      </m:r>
+                      <m:r>
+                        <a:rPr lang="en-CA" b="0" i="0" smtClean="0">
+                          <a:latin typeface="Cambria Math" panose="02040503050406030204" pitchFamily="18" charset="0"/>
+                        </a:rPr>
+                        <m:t>=</m:t>
+                      </m:r>
+                      <m:f>
+                        <m:fPr>
+                          <m:ctrlPr>
+                            <a:rPr lang="en-CA" b="0" smtClean="0">
+                              <a:latin typeface="Cambria Math" panose="02040503050406030204" pitchFamily="18" charset="0"/>
+                            </a:rPr>
+                          </m:ctrlPr>
+                        </m:fPr>
+                        <m:num>
+                          <m:sSub>
+                            <m:sSubPr>
+                              <m:ctrlPr>
+                                <a:rPr lang="en-CA" b="0" smtClean="0">
+                                  <a:latin typeface="Cambria Math" panose="02040503050406030204" pitchFamily="18" charset="0"/>
+                                </a:rPr>
+                              </m:ctrlPr>
+                            </m:sSubPr>
+                            <m:e>
+                              <m:r>
+                                <m:rPr>
+                                  <m:sty m:val="p"/>
+                                </m:rPr>
+                                <a:rPr lang="en-CA" b="0" i="0" smtClean="0">
+                                  <a:latin typeface="Cambria Math" panose="02040503050406030204" pitchFamily="18" charset="0"/>
+                                </a:rPr>
+                                <m:t>V</m:t>
+                              </m:r>
+                            </m:e>
+                            <m:sub>
+                              <m:r>
+                                <m:rPr>
+                                  <m:sty m:val="p"/>
+                                </m:rPr>
+                                <a:rPr lang="en-CA" b="0" i="0" smtClean="0">
+                                  <a:latin typeface="Cambria Math" panose="02040503050406030204" pitchFamily="18" charset="0"/>
+                                </a:rPr>
+                                <m:t>out</m:t>
+                              </m:r>
+                            </m:sub>
+                          </m:sSub>
+                        </m:num>
+                        <m:den>
+                          <m:sSub>
+                            <m:sSubPr>
+                              <m:ctrlPr>
+                                <a:rPr lang="en-CA" b="0" smtClean="0">
+                                  <a:latin typeface="Cambria Math" panose="02040503050406030204" pitchFamily="18" charset="0"/>
+                                </a:rPr>
+                              </m:ctrlPr>
+                            </m:sSubPr>
+                            <m:e>
+                              <m:r>
+                                <m:rPr>
+                                  <m:sty m:val="p"/>
+                                </m:rPr>
+                                <a:rPr lang="en-CA" b="0" i="0" smtClean="0">
+                                  <a:latin typeface="Cambria Math" panose="02040503050406030204" pitchFamily="18" charset="0"/>
+                                </a:rPr>
+                                <m:t>V</m:t>
+                              </m:r>
+                            </m:e>
+                            <m:sub>
+                              <m:r>
+                                <m:rPr>
+                                  <m:sty m:val="p"/>
+                                </m:rPr>
+                                <a:rPr lang="en-CA" b="0" i="0" smtClean="0">
+                                  <a:latin typeface="Cambria Math" panose="02040503050406030204" pitchFamily="18" charset="0"/>
+                                </a:rPr>
+                                <m:t>in</m:t>
+                              </m:r>
+                            </m:sub>
+                          </m:sSub>
+                        </m:den>
+                      </m:f>
+                    </m:oMath>
+                  </m:oMathPara>
+                </a14:m>
+                <a:endParaRPr lang="en-CA" b="0" dirty="0"/>
+              </a:p>
+              <a:p>
+                <a14:m>
+                  <m:oMathPara xmlns:m="http://schemas.openxmlformats.org/officeDocument/2006/math">
+                    <m:oMathParaPr>
+                      <m:jc m:val="centerGroup"/>
+                    </m:oMathParaPr>
+                    <m:oMath xmlns:m="http://schemas.openxmlformats.org/officeDocument/2006/math">
+                      <m:sSub>
+                        <m:sSubPr>
+                          <m:ctrlPr>
+                            <a:rPr lang="en-CA" b="0" smtClean="0">
+                              <a:latin typeface="Cambria Math" panose="02040503050406030204" pitchFamily="18" charset="0"/>
+                            </a:rPr>
+                          </m:ctrlPr>
+                        </m:sSubPr>
+                        <m:e>
+                          <m:r>
+                            <m:rPr>
+                              <m:sty m:val="p"/>
+                            </m:rPr>
+                            <a:rPr lang="en-CA" b="0" i="0" smtClean="0">
+                              <a:latin typeface="Cambria Math" panose="02040503050406030204" pitchFamily="18" charset="0"/>
+                            </a:rPr>
+                            <m:t>V</m:t>
+                          </m:r>
+                        </m:e>
+                        <m:sub>
+                          <m:r>
+                            <m:rPr>
+                              <m:sty m:val="p"/>
+                            </m:rPr>
+                            <a:rPr lang="en-CA" b="0" i="0" smtClean="0">
+                              <a:latin typeface="Cambria Math" panose="02040503050406030204" pitchFamily="18" charset="0"/>
+                            </a:rPr>
+                            <m:t>p</m:t>
+                          </m:r>
+                        </m:sub>
+                      </m:sSub>
+                      <m:r>
+                        <a:rPr lang="en-CA" b="0" i="0" smtClean="0">
+                          <a:latin typeface="Cambria Math" panose="02040503050406030204" pitchFamily="18" charset="0"/>
+                        </a:rPr>
+                        <m:t>=</m:t>
+                      </m:r>
+                      <m:sSub>
+                        <m:sSubPr>
+                          <m:ctrlPr>
+                            <a:rPr lang="en-CA" b="0" smtClean="0">
+                              <a:latin typeface="Cambria Math" panose="02040503050406030204" pitchFamily="18" charset="0"/>
+                            </a:rPr>
+                          </m:ctrlPr>
+                        </m:sSubPr>
+                        <m:e>
+                          <m:r>
+                            <m:rPr>
+                              <m:sty m:val="p"/>
+                            </m:rPr>
+                            <a:rPr lang="en-CA" b="0" i="0" smtClean="0">
+                              <a:latin typeface="Cambria Math" panose="02040503050406030204" pitchFamily="18" charset="0"/>
+                            </a:rPr>
+                            <m:t>V</m:t>
+                          </m:r>
+                        </m:e>
+                        <m:sub>
+                          <m:r>
+                            <m:rPr>
+                              <m:sty m:val="p"/>
+                            </m:rPr>
+                            <a:rPr lang="en-CA" b="0" i="0" smtClean="0">
+                              <a:latin typeface="Cambria Math" panose="02040503050406030204" pitchFamily="18" charset="0"/>
+                            </a:rPr>
+                            <m:t>n</m:t>
+                          </m:r>
+                        </m:sub>
+                      </m:sSub>
+                      <m:r>
+                        <a:rPr lang="en-CA" b="0" i="0" smtClean="0">
+                          <a:latin typeface="Cambria Math" panose="02040503050406030204" pitchFamily="18" charset="0"/>
+                        </a:rPr>
+                        <m:t> </m:t>
+                      </m:r>
+                      <m:r>
+                        <m:rPr>
+                          <m:sty m:val="p"/>
+                        </m:rPr>
+                        <a:rPr lang="en-CA" b="0" i="0" smtClean="0">
+                          <a:latin typeface="Cambria Math" panose="02040503050406030204" pitchFamily="18" charset="0"/>
+                        </a:rPr>
+                        <m:t>due</m:t>
+                      </m:r>
+                      <m:r>
+                        <a:rPr lang="en-CA" b="0" i="0" smtClean="0">
+                          <a:latin typeface="Cambria Math" panose="02040503050406030204" pitchFamily="18" charset="0"/>
+                        </a:rPr>
+                        <m:t> </m:t>
+                      </m:r>
+                      <m:r>
+                        <m:rPr>
+                          <m:sty m:val="p"/>
+                        </m:rPr>
+                        <a:rPr lang="en-CA" b="0" i="0" smtClean="0">
+                          <a:latin typeface="Cambria Math" panose="02040503050406030204" pitchFamily="18" charset="0"/>
+                        </a:rPr>
+                        <m:t>to</m:t>
+                      </m:r>
+                      <m:r>
+                        <a:rPr lang="en-CA" b="0" i="0" smtClean="0">
+                          <a:latin typeface="Cambria Math" panose="02040503050406030204" pitchFamily="18" charset="0"/>
+                        </a:rPr>
+                        <m:t> </m:t>
+                      </m:r>
+                      <m:r>
+                        <m:rPr>
+                          <m:sty m:val="p"/>
+                        </m:rPr>
+                        <a:rPr lang="en-CA" b="0" i="0" smtClean="0">
+                          <a:latin typeface="Cambria Math" panose="02040503050406030204" pitchFamily="18" charset="0"/>
+                        </a:rPr>
+                        <m:t>negative</m:t>
+                      </m:r>
+                      <m:r>
+                        <a:rPr lang="en-CA" b="0" i="0" smtClean="0">
+                          <a:latin typeface="Cambria Math" panose="02040503050406030204" pitchFamily="18" charset="0"/>
+                        </a:rPr>
+                        <m:t> </m:t>
+                      </m:r>
+                      <m:r>
+                        <m:rPr>
+                          <m:sty m:val="p"/>
+                        </m:rPr>
+                        <a:rPr lang="en-CA" b="0" i="0" smtClean="0">
+                          <a:latin typeface="Cambria Math" panose="02040503050406030204" pitchFamily="18" charset="0"/>
+                        </a:rPr>
+                        <m:t>feedback</m:t>
+                      </m:r>
+                    </m:oMath>
+                  </m:oMathPara>
+                </a14:m>
+                <a:endParaRPr lang="en-CA" dirty="0"/>
+              </a:p>
+              <a:p>
+                <a:endParaRPr lang="en-CA" dirty="0"/>
+              </a:p>
+              <a:p>
+                <a14:m>
+                  <m:oMathPara xmlns:m="http://schemas.openxmlformats.org/officeDocument/2006/math">
+                    <m:oMathParaPr>
+                      <m:jc m:val="centerGroup"/>
+                    </m:oMathParaPr>
+                    <m:oMath xmlns:m="http://schemas.openxmlformats.org/officeDocument/2006/math">
+                      <m:f>
+                        <m:fPr>
+                          <m:ctrlPr>
+                            <a:rPr lang="en-CA" b="0" smtClean="0">
+                              <a:latin typeface="Cambria Math" panose="02040503050406030204" pitchFamily="18" charset="0"/>
+                            </a:rPr>
+                          </m:ctrlPr>
+                        </m:fPr>
+                        <m:num>
+                          <m:sSub>
+                            <m:sSubPr>
+                              <m:ctrlPr>
+                                <a:rPr lang="en-CA" b="0" smtClean="0">
+                                  <a:latin typeface="Cambria Math" panose="02040503050406030204" pitchFamily="18" charset="0"/>
+                                </a:rPr>
+                              </m:ctrlPr>
+                            </m:sSubPr>
+                            <m:e>
+                              <m:r>
+                                <m:rPr>
+                                  <m:sty m:val="p"/>
+                                </m:rPr>
+                                <a:rPr lang="en-CA" b="0" i="0" smtClean="0">
+                                  <a:latin typeface="Cambria Math" panose="02040503050406030204" pitchFamily="18" charset="0"/>
+                                </a:rPr>
+                                <m:t>V</m:t>
+                              </m:r>
+                            </m:e>
+                            <m:sub>
+                              <m:r>
+                                <m:rPr>
+                                  <m:sty m:val="p"/>
+                                </m:rPr>
+                                <a:rPr lang="en-CA" b="0" i="0" smtClean="0">
+                                  <a:latin typeface="Cambria Math" panose="02040503050406030204" pitchFamily="18" charset="0"/>
+                                </a:rPr>
+                                <m:t>in</m:t>
+                              </m:r>
+                            </m:sub>
+                          </m:sSub>
+                          <m:r>
+                            <a:rPr lang="en-CA" b="0" i="0" smtClean="0">
+                              <a:latin typeface="Cambria Math" panose="02040503050406030204" pitchFamily="18" charset="0"/>
+                            </a:rPr>
+                            <m:t>−</m:t>
+                          </m:r>
+                          <m:sSub>
+                            <m:sSubPr>
+                              <m:ctrlPr>
+                                <a:rPr lang="en-CA">
+                                  <a:latin typeface="Cambria Math" panose="02040503050406030204" pitchFamily="18" charset="0"/>
+                                </a:rPr>
+                              </m:ctrlPr>
+                            </m:sSubPr>
+                            <m:e>
+                              <m:r>
+                                <m:rPr>
+                                  <m:sty m:val="p"/>
+                                </m:rPr>
+                                <a:rPr lang="en-CA" i="0">
+                                  <a:latin typeface="Cambria Math" panose="02040503050406030204" pitchFamily="18" charset="0"/>
+                                </a:rPr>
+                                <m:t>V</m:t>
+                              </m:r>
+                            </m:e>
+                            <m:sub>
+                              <m:r>
+                                <m:rPr>
+                                  <m:sty m:val="p"/>
+                                </m:rPr>
+                                <a:rPr lang="en-CA" b="0" i="0" smtClean="0">
+                                  <a:latin typeface="Cambria Math" panose="02040503050406030204" pitchFamily="18" charset="0"/>
+                                </a:rPr>
+                                <m:t>n</m:t>
+                              </m:r>
+                            </m:sub>
+                          </m:sSub>
+                        </m:num>
+                        <m:den>
+                          <m:sSub>
+                            <m:sSubPr>
+                              <m:ctrlPr>
+                                <a:rPr lang="en-CA">
+                                  <a:latin typeface="Cambria Math" panose="02040503050406030204" pitchFamily="18" charset="0"/>
+                                </a:rPr>
+                              </m:ctrlPr>
+                            </m:sSubPr>
+                            <m:e>
+                              <m:r>
+                                <m:rPr>
+                                  <m:sty m:val="p"/>
+                                </m:rPr>
+                                <a:rPr lang="en-CA" b="0" i="0" smtClean="0">
+                                  <a:latin typeface="Cambria Math" panose="02040503050406030204" pitchFamily="18" charset="0"/>
+                                </a:rPr>
+                                <m:t>R</m:t>
+                              </m:r>
+                            </m:e>
+                            <m:sub>
+                              <m:r>
+                                <a:rPr lang="en-CA" b="0" i="0" smtClean="0">
+                                  <a:latin typeface="Cambria Math" panose="02040503050406030204" pitchFamily="18" charset="0"/>
+                                </a:rPr>
+                                <m:t>1</m:t>
+                              </m:r>
+                            </m:sub>
+                          </m:sSub>
+                        </m:den>
+                      </m:f>
+                      <m:r>
+                        <a:rPr lang="en-CA" b="0" i="0" smtClean="0">
+                          <a:latin typeface="Cambria Math" panose="02040503050406030204" pitchFamily="18" charset="0"/>
+                        </a:rPr>
+                        <m:t>=</m:t>
+                      </m:r>
+                      <m:d>
+                        <m:dPr>
+                          <m:ctrlPr>
+                            <a:rPr lang="en-CA" b="0" smtClean="0">
+                              <a:latin typeface="Cambria Math" panose="02040503050406030204" pitchFamily="18" charset="0"/>
+                            </a:rPr>
+                          </m:ctrlPr>
+                        </m:dPr>
+                        <m:e>
+                          <m:sSub>
+                            <m:sSubPr>
+                              <m:ctrlPr>
+                                <a:rPr lang="en-CA" b="0" smtClean="0">
+                                  <a:latin typeface="Cambria Math" panose="02040503050406030204" pitchFamily="18" charset="0"/>
+                                </a:rPr>
+                              </m:ctrlPr>
+                            </m:sSubPr>
+                            <m:e>
+                              <m:r>
+                                <m:rPr>
+                                  <m:sty m:val="p"/>
+                                </m:rPr>
+                                <a:rPr lang="en-CA" b="0" i="0" smtClean="0">
+                                  <a:latin typeface="Cambria Math" panose="02040503050406030204" pitchFamily="18" charset="0"/>
+                                </a:rPr>
+                                <m:t>V</m:t>
+                              </m:r>
+                            </m:e>
+                            <m:sub>
+                              <m:r>
+                                <m:rPr>
+                                  <m:sty m:val="p"/>
+                                </m:rPr>
+                                <a:rPr lang="en-CA" b="0" i="0" smtClean="0">
+                                  <a:latin typeface="Cambria Math" panose="02040503050406030204" pitchFamily="18" charset="0"/>
+                                </a:rPr>
+                                <m:t>n</m:t>
+                              </m:r>
+                            </m:sub>
+                          </m:sSub>
+                          <m:r>
+                            <a:rPr lang="en-CA" b="0" i="0" smtClean="0">
+                              <a:latin typeface="Cambria Math" panose="02040503050406030204" pitchFamily="18" charset="0"/>
+                            </a:rPr>
+                            <m:t>−</m:t>
+                          </m:r>
+                          <m:sSub>
+                            <m:sSubPr>
+                              <m:ctrlPr>
+                                <a:rPr lang="en-CA" b="0" smtClean="0">
+                                  <a:latin typeface="Cambria Math" panose="02040503050406030204" pitchFamily="18" charset="0"/>
+                                </a:rPr>
+                              </m:ctrlPr>
+                            </m:sSubPr>
+                            <m:e>
+                              <m:r>
+                                <m:rPr>
+                                  <m:sty m:val="p"/>
+                                </m:rPr>
+                                <a:rPr lang="en-CA" b="0" i="0" smtClean="0">
+                                  <a:latin typeface="Cambria Math" panose="02040503050406030204" pitchFamily="18" charset="0"/>
+                                </a:rPr>
+                                <m:t>V</m:t>
+                              </m:r>
+                            </m:e>
+                            <m:sub>
+                              <m:r>
+                                <m:rPr>
+                                  <m:sty m:val="p"/>
+                                </m:rPr>
+                                <a:rPr lang="en-CA" b="0" i="0" smtClean="0">
+                                  <a:latin typeface="Cambria Math" panose="02040503050406030204" pitchFamily="18" charset="0"/>
+                                </a:rPr>
+                                <m:t>out</m:t>
+                              </m:r>
+                            </m:sub>
+                          </m:sSub>
+                        </m:e>
+                      </m:d>
+                      <m:r>
+                        <a:rPr lang="en-CA" b="0" i="0" smtClean="0">
+                          <a:latin typeface="Cambria Math" panose="02040503050406030204" pitchFamily="18" charset="0"/>
+                        </a:rPr>
+                        <m:t>×</m:t>
+                      </m:r>
+                      <m:r>
+                        <m:rPr>
+                          <m:sty m:val="p"/>
+                        </m:rPr>
+                        <a:rPr lang="en-CA" b="0" i="0" smtClean="0">
+                          <a:latin typeface="Cambria Math" panose="02040503050406030204" pitchFamily="18" charset="0"/>
+                        </a:rPr>
+                        <m:t>SC</m:t>
+                      </m:r>
+                      <m:r>
+                        <a:rPr lang="en-CA" b="0" i="0" smtClean="0">
+                          <a:latin typeface="Cambria Math" panose="02040503050406030204" pitchFamily="18" charset="0"/>
+                        </a:rPr>
+                        <m:t> →  </m:t>
+                      </m:r>
+                      <m:d>
+                        <m:dPr>
+                          <m:ctrlPr>
+                            <a:rPr lang="en-CA" b="0" smtClean="0">
+                              <a:latin typeface="Cambria Math" panose="02040503050406030204" pitchFamily="18" charset="0"/>
+                            </a:rPr>
+                          </m:ctrlPr>
+                        </m:dPr>
+                        <m:e>
+                          <m:r>
+                            <m:rPr>
+                              <m:sty m:val="p"/>
+                            </m:rPr>
+                            <a:rPr lang="en-CA" b="0" i="0" smtClean="0">
+                              <a:latin typeface="Cambria Math" panose="02040503050406030204" pitchFamily="18" charset="0"/>
+                            </a:rPr>
+                            <m:t>equation</m:t>
+                          </m:r>
+                          <m:r>
+                            <a:rPr lang="en-CA" b="0" i="0" smtClean="0">
+                              <a:latin typeface="Cambria Math" panose="02040503050406030204" pitchFamily="18" charset="0"/>
+                            </a:rPr>
+                            <m:t> 1</m:t>
+                          </m:r>
+                        </m:e>
+                      </m:d>
+                    </m:oMath>
+                  </m:oMathPara>
+                </a14:m>
+                <a:endParaRPr lang="en-CA" b="0" dirty="0"/>
+              </a:p>
+              <a:p>
+                <a14:m>
+                  <m:oMathPara xmlns:m="http://schemas.openxmlformats.org/officeDocument/2006/math">
+                    <m:oMathParaPr>
+                      <m:jc m:val="centerGroup"/>
+                    </m:oMathParaPr>
+                    <m:oMath xmlns:m="http://schemas.openxmlformats.org/officeDocument/2006/math">
+                      <m:f>
+                        <m:fPr>
+                          <m:ctrlPr>
+                            <a:rPr lang="en-CA">
+                              <a:latin typeface="Cambria Math" panose="02040503050406030204" pitchFamily="18" charset="0"/>
+                            </a:rPr>
+                          </m:ctrlPr>
+                        </m:fPr>
+                        <m:num>
+                          <m:sSub>
+                            <m:sSubPr>
+                              <m:ctrlPr>
+                                <a:rPr lang="en-CA">
+                                  <a:latin typeface="Cambria Math" panose="02040503050406030204" pitchFamily="18" charset="0"/>
+                                </a:rPr>
+                              </m:ctrlPr>
+                            </m:sSubPr>
+                            <m:e>
+                              <m:r>
+                                <m:rPr>
+                                  <m:sty m:val="p"/>
+                                </m:rPr>
+                                <a:rPr lang="en-CA" i="0">
+                                  <a:latin typeface="Cambria Math" panose="02040503050406030204" pitchFamily="18" charset="0"/>
+                                </a:rPr>
+                                <m:t>V</m:t>
+                              </m:r>
+                            </m:e>
+                            <m:sub>
+                              <m:r>
+                                <m:rPr>
+                                  <m:sty m:val="p"/>
+                                </m:rPr>
+                                <a:rPr lang="en-CA" i="0">
+                                  <a:latin typeface="Cambria Math" panose="02040503050406030204" pitchFamily="18" charset="0"/>
+                                </a:rPr>
+                                <m:t>in</m:t>
+                              </m:r>
+                            </m:sub>
+                          </m:sSub>
+                          <m:r>
+                            <a:rPr lang="en-CA" i="0">
+                              <a:latin typeface="Cambria Math" panose="02040503050406030204" pitchFamily="18" charset="0"/>
+                            </a:rPr>
+                            <m:t>−</m:t>
+                          </m:r>
+                          <m:sSub>
+                            <m:sSubPr>
+                              <m:ctrlPr>
+                                <a:rPr lang="en-CA">
+                                  <a:latin typeface="Cambria Math" panose="02040503050406030204" pitchFamily="18" charset="0"/>
+                                </a:rPr>
+                              </m:ctrlPr>
+                            </m:sSubPr>
+                            <m:e>
+                              <m:r>
+                                <m:rPr>
+                                  <m:sty m:val="p"/>
+                                </m:rPr>
+                                <a:rPr lang="en-CA" i="0">
+                                  <a:latin typeface="Cambria Math" panose="02040503050406030204" pitchFamily="18" charset="0"/>
+                                </a:rPr>
+                                <m:t>V</m:t>
+                              </m:r>
+                            </m:e>
+                            <m:sub>
+                              <m:r>
+                                <m:rPr>
+                                  <m:sty m:val="p"/>
+                                </m:rPr>
+                                <a:rPr lang="en-CA" i="0">
+                                  <a:latin typeface="Cambria Math" panose="02040503050406030204" pitchFamily="18" charset="0"/>
+                                </a:rPr>
+                                <m:t>n</m:t>
+                              </m:r>
+                            </m:sub>
+                          </m:sSub>
+                        </m:num>
+                        <m:den>
+                          <m:r>
+                            <m:rPr>
+                              <m:sty m:val="p"/>
+                            </m:rPr>
+                            <a:rPr lang="en-CA" b="0" i="0" smtClean="0">
+                              <a:latin typeface="Cambria Math" panose="02040503050406030204" pitchFamily="18" charset="0"/>
+                            </a:rPr>
+                            <m:t>L</m:t>
+                          </m:r>
+                          <m:r>
+                            <a:rPr lang="en-CA" b="0" i="0" smtClean="0">
+                              <a:latin typeface="Cambria Math" panose="02040503050406030204" pitchFamily="18" charset="0"/>
+                            </a:rPr>
+                            <m:t>×</m:t>
+                          </m:r>
+                          <m:r>
+                            <m:rPr>
+                              <m:sty m:val="p"/>
+                            </m:rPr>
+                            <a:rPr lang="en-CA" b="0" i="0" smtClean="0">
+                              <a:latin typeface="Cambria Math" panose="02040503050406030204" pitchFamily="18" charset="0"/>
+                            </a:rPr>
+                            <m:t>S</m:t>
+                          </m:r>
+                        </m:den>
+                      </m:f>
+                      <m:r>
+                        <a:rPr lang="en-CA" b="0" i="0" smtClean="0">
+                          <a:latin typeface="Cambria Math" panose="02040503050406030204" pitchFamily="18" charset="0"/>
+                        </a:rPr>
+                        <m:t>=</m:t>
+                      </m:r>
+                      <m:f>
+                        <m:fPr>
+                          <m:ctrlPr>
+                            <a:rPr lang="en-CA">
+                              <a:latin typeface="Cambria Math" panose="02040503050406030204" pitchFamily="18" charset="0"/>
+                            </a:rPr>
+                          </m:ctrlPr>
+                        </m:fPr>
+                        <m:num>
+                          <m:sSub>
+                            <m:sSubPr>
+                              <m:ctrlPr>
+                                <a:rPr lang="en-CA">
+                                  <a:latin typeface="Cambria Math" panose="02040503050406030204" pitchFamily="18" charset="0"/>
+                                </a:rPr>
+                              </m:ctrlPr>
+                            </m:sSubPr>
+                            <m:e>
+                              <m:r>
+                                <m:rPr>
+                                  <m:sty m:val="p"/>
+                                </m:rPr>
+                                <a:rPr lang="en-CA" i="0">
+                                  <a:latin typeface="Cambria Math" panose="02040503050406030204" pitchFamily="18" charset="0"/>
+                                </a:rPr>
+                                <m:t>V</m:t>
+                              </m:r>
+                            </m:e>
+                            <m:sub>
+                              <m:r>
+                                <m:rPr>
+                                  <m:sty m:val="p"/>
+                                </m:rPr>
+                                <a:rPr lang="en-CA" i="0">
+                                  <a:latin typeface="Cambria Math" panose="02040503050406030204" pitchFamily="18" charset="0"/>
+                                </a:rPr>
+                                <m:t>n</m:t>
+                              </m:r>
+                            </m:sub>
+                          </m:sSub>
+                        </m:num>
+                        <m:den>
+                          <m:sSub>
+                            <m:sSubPr>
+                              <m:ctrlPr>
+                                <a:rPr lang="en-CA">
+                                  <a:latin typeface="Cambria Math" panose="02040503050406030204" pitchFamily="18" charset="0"/>
+                                </a:rPr>
+                              </m:ctrlPr>
+                            </m:sSubPr>
+                            <m:e>
+                              <m:r>
+                                <m:rPr>
+                                  <m:sty m:val="p"/>
+                                </m:rPr>
+                                <a:rPr lang="en-CA" i="0">
+                                  <a:latin typeface="Cambria Math" panose="02040503050406030204" pitchFamily="18" charset="0"/>
+                                </a:rPr>
+                                <m:t>R</m:t>
+                              </m:r>
+                            </m:e>
+                            <m:sub>
+                              <m:r>
+                                <a:rPr lang="en-CA" b="0" i="0" smtClean="0">
+                                  <a:latin typeface="Cambria Math" panose="02040503050406030204" pitchFamily="18" charset="0"/>
+                                </a:rPr>
+                                <m:t>2</m:t>
+                              </m:r>
+                            </m:sub>
+                          </m:sSub>
+                        </m:den>
+                      </m:f>
+                      <m:r>
+                        <a:rPr lang="en-CA" i="0">
+                          <a:latin typeface="Cambria Math" panose="02040503050406030204" pitchFamily="18" charset="0"/>
+                        </a:rPr>
+                        <m:t>→  </m:t>
+                      </m:r>
+                      <m:d>
+                        <m:dPr>
+                          <m:ctrlPr>
+                            <a:rPr lang="en-CA">
+                              <a:latin typeface="Cambria Math" panose="02040503050406030204" pitchFamily="18" charset="0"/>
+                            </a:rPr>
+                          </m:ctrlPr>
+                        </m:dPr>
+                        <m:e>
+                          <m:r>
+                            <m:rPr>
+                              <m:sty m:val="p"/>
+                            </m:rPr>
+                            <a:rPr lang="en-CA" i="0">
+                              <a:latin typeface="Cambria Math" panose="02040503050406030204" pitchFamily="18" charset="0"/>
+                            </a:rPr>
+                            <m:t>equation</m:t>
+                          </m:r>
+                          <m:r>
+                            <a:rPr lang="en-CA" i="0">
+                              <a:latin typeface="Cambria Math" panose="02040503050406030204" pitchFamily="18" charset="0"/>
+                            </a:rPr>
+                            <m:t> 2</m:t>
+                          </m:r>
+                        </m:e>
+                      </m:d>
+                    </m:oMath>
+                  </m:oMathPara>
+                </a14:m>
+                <a:endParaRPr lang="en-CA" b="0" dirty="0"/>
+              </a:p>
+              <a:p>
+                <a:endParaRPr lang="en-CA" b="0" dirty="0"/>
+              </a:p>
+              <a:p>
+                <a14:m>
+                  <m:oMathPara xmlns:m="http://schemas.openxmlformats.org/officeDocument/2006/math">
+                    <m:oMathParaPr>
+                      <m:jc m:val="centerGroup"/>
+                    </m:oMathParaPr>
+                    <m:oMath xmlns:m="http://schemas.openxmlformats.org/officeDocument/2006/math">
+                      <m:r>
+                        <m:rPr>
+                          <m:sty m:val="p"/>
+                        </m:rPr>
+                        <a:rPr lang="en-CA" b="0" i="0" smtClean="0">
+                          <a:latin typeface="Cambria Math" panose="02040503050406030204" pitchFamily="18" charset="0"/>
+                        </a:rPr>
+                        <m:t>From</m:t>
+                      </m:r>
+                      <m:r>
+                        <a:rPr lang="en-CA" b="0" i="0" smtClean="0">
+                          <a:latin typeface="Cambria Math" panose="02040503050406030204" pitchFamily="18" charset="0"/>
+                        </a:rPr>
+                        <m:t> </m:t>
+                      </m:r>
+                      <m:r>
+                        <m:rPr>
+                          <m:sty m:val="p"/>
+                        </m:rPr>
+                        <a:rPr lang="en-CA" b="0" i="0" smtClean="0">
+                          <a:latin typeface="Cambria Math" panose="02040503050406030204" pitchFamily="18" charset="0"/>
+                        </a:rPr>
+                        <m:t>equation</m:t>
+                      </m:r>
+                      <m:r>
+                        <a:rPr lang="en-CA" b="0" i="0" smtClean="0">
+                          <a:latin typeface="Cambria Math" panose="02040503050406030204" pitchFamily="18" charset="0"/>
+                        </a:rPr>
+                        <m:t> 2,</m:t>
+                      </m:r>
+                      <m:sSub>
+                        <m:sSubPr>
+                          <m:ctrlPr>
+                            <a:rPr lang="en-CA">
+                              <a:latin typeface="Cambria Math" panose="02040503050406030204" pitchFamily="18" charset="0"/>
+                            </a:rPr>
+                          </m:ctrlPr>
+                        </m:sSubPr>
+                        <m:e>
+                          <m:r>
+                            <m:rPr>
+                              <m:sty m:val="p"/>
+                            </m:rPr>
+                            <a:rPr lang="en-CA" i="0">
+                              <a:latin typeface="Cambria Math" panose="02040503050406030204" pitchFamily="18" charset="0"/>
+                            </a:rPr>
+                            <m:t>V</m:t>
+                          </m:r>
+                        </m:e>
+                        <m:sub>
+                          <m:r>
+                            <m:rPr>
+                              <m:sty m:val="p"/>
+                            </m:rPr>
+                            <a:rPr lang="en-CA" i="0">
+                              <a:latin typeface="Cambria Math" panose="02040503050406030204" pitchFamily="18" charset="0"/>
+                            </a:rPr>
+                            <m:t>n</m:t>
+                          </m:r>
+                        </m:sub>
+                      </m:sSub>
+                      <m:r>
+                        <a:rPr lang="en-CA" b="0" i="0" smtClean="0">
+                          <a:latin typeface="Cambria Math" panose="02040503050406030204" pitchFamily="18" charset="0"/>
+                        </a:rPr>
+                        <m:t>=</m:t>
+                      </m:r>
+                      <m:f>
+                        <m:fPr>
+                          <m:ctrlPr>
+                            <a:rPr lang="en-CA">
+                              <a:latin typeface="Cambria Math" panose="02040503050406030204" pitchFamily="18" charset="0"/>
+                            </a:rPr>
+                          </m:ctrlPr>
+                        </m:fPr>
+                        <m:num>
+                          <m:sSub>
+                            <m:sSubPr>
+                              <m:ctrlPr>
+                                <a:rPr lang="en-CA">
+                                  <a:latin typeface="Cambria Math" panose="02040503050406030204" pitchFamily="18" charset="0"/>
+                                </a:rPr>
+                              </m:ctrlPr>
+                            </m:sSubPr>
+                            <m:e>
+                              <m:r>
+                                <m:rPr>
+                                  <m:sty m:val="p"/>
+                                </m:rPr>
+                                <a:rPr lang="en-CA" i="0">
+                                  <a:latin typeface="Cambria Math" panose="02040503050406030204" pitchFamily="18" charset="0"/>
+                                </a:rPr>
+                                <m:t>V</m:t>
+                              </m:r>
+                            </m:e>
+                            <m:sub>
+                              <m:r>
+                                <m:rPr>
+                                  <m:sty m:val="p"/>
+                                </m:rPr>
+                                <a:rPr lang="en-CA" b="0" i="0" smtClean="0">
+                                  <a:latin typeface="Cambria Math" panose="02040503050406030204" pitchFamily="18" charset="0"/>
+                                </a:rPr>
+                                <m:t>i</m:t>
+                              </m:r>
+                              <m:r>
+                                <m:rPr>
+                                  <m:sty m:val="p"/>
+                                </m:rPr>
+                                <a:rPr lang="en-CA" i="0">
+                                  <a:latin typeface="Cambria Math" panose="02040503050406030204" pitchFamily="18" charset="0"/>
+                                </a:rPr>
+                                <m:t>n</m:t>
+                              </m:r>
+                            </m:sub>
+                          </m:sSub>
+                        </m:num>
+                        <m:den>
+                          <m:f>
+                            <m:fPr>
+                              <m:ctrlPr>
+                                <a:rPr lang="en-CA" smtClean="0">
+                                  <a:latin typeface="Cambria Math" panose="02040503050406030204" pitchFamily="18" charset="0"/>
+                                </a:rPr>
+                              </m:ctrlPr>
+                            </m:fPr>
+                            <m:num>
+                              <m:r>
+                                <m:rPr>
+                                  <m:sty m:val="p"/>
+                                </m:rPr>
+                                <a:rPr lang="en-CA" b="0" i="0" smtClean="0">
+                                  <a:latin typeface="Cambria Math" panose="02040503050406030204" pitchFamily="18" charset="0"/>
+                                </a:rPr>
+                                <m:t>L</m:t>
+                              </m:r>
+                              <m:r>
+                                <a:rPr lang="en-CA" b="0" i="0" smtClean="0">
+                                  <a:latin typeface="Cambria Math" panose="02040503050406030204" pitchFamily="18" charset="0"/>
+                                </a:rPr>
+                                <m:t>×</m:t>
+                              </m:r>
+                              <m:r>
+                                <m:rPr>
+                                  <m:sty m:val="p"/>
+                                </m:rPr>
+                                <a:rPr lang="en-CA" b="0" i="0" smtClean="0">
+                                  <a:latin typeface="Cambria Math" panose="02040503050406030204" pitchFamily="18" charset="0"/>
+                                </a:rPr>
+                                <m:t>S</m:t>
+                              </m:r>
+                            </m:num>
+                            <m:den>
+                              <m:sSub>
+                                <m:sSubPr>
+                                  <m:ctrlPr>
+                                    <a:rPr lang="en-CA" smtClean="0">
+                                      <a:latin typeface="Cambria Math" panose="02040503050406030204" pitchFamily="18" charset="0"/>
+                                    </a:rPr>
+                                  </m:ctrlPr>
+                                </m:sSubPr>
+                                <m:e>
+                                  <m:r>
+                                    <m:rPr>
+                                      <m:sty m:val="p"/>
+                                    </m:rPr>
+                                    <a:rPr lang="en-CA" b="0" i="0" smtClean="0">
+                                      <a:latin typeface="Cambria Math" panose="02040503050406030204" pitchFamily="18" charset="0"/>
+                                    </a:rPr>
+                                    <m:t>R</m:t>
+                                  </m:r>
+                                </m:e>
+                                <m:sub>
+                                  <m:r>
+                                    <a:rPr lang="en-CA" b="0" i="0" smtClean="0">
+                                      <a:latin typeface="Cambria Math" panose="02040503050406030204" pitchFamily="18" charset="0"/>
+                                    </a:rPr>
+                                    <m:t>2</m:t>
+                                  </m:r>
+                                </m:sub>
+                              </m:sSub>
+                            </m:den>
+                          </m:f>
+                          <m:r>
+                            <a:rPr lang="en-CA" b="0" i="0" smtClean="0">
+                              <a:latin typeface="Cambria Math" panose="02040503050406030204" pitchFamily="18" charset="0"/>
+                            </a:rPr>
+                            <m:t>+1</m:t>
+                          </m:r>
+                        </m:den>
+                      </m:f>
+                    </m:oMath>
+                  </m:oMathPara>
+                </a14:m>
+                <a:endParaRPr lang="en-CA" b="0" dirty="0"/>
+              </a:p>
+              <a:p>
+                <a:endParaRPr lang="en-CA" b="0" dirty="0"/>
+              </a:p>
+              <a:p>
+                <a14:m>
+                  <m:oMathPara xmlns:m="http://schemas.openxmlformats.org/officeDocument/2006/math">
+                    <m:oMathParaPr>
+                      <m:jc m:val="centerGroup"/>
+                    </m:oMathParaPr>
+                    <m:oMath xmlns:m="http://schemas.openxmlformats.org/officeDocument/2006/math">
+                      <m:r>
+                        <m:rPr>
+                          <m:sty m:val="p"/>
+                        </m:rPr>
+                        <a:rPr lang="en-CA" b="0" i="0" smtClean="0">
+                          <a:latin typeface="Cambria Math" panose="02040503050406030204" pitchFamily="18" charset="0"/>
+                        </a:rPr>
+                        <m:t>substituting</m:t>
+                      </m:r>
+                      <m:r>
+                        <a:rPr lang="en-CA" b="0" i="0" smtClean="0">
+                          <a:latin typeface="Cambria Math" panose="02040503050406030204" pitchFamily="18" charset="0"/>
+                        </a:rPr>
+                        <m:t> </m:t>
+                      </m:r>
+                      <m:sSub>
+                        <m:sSubPr>
+                          <m:ctrlPr>
+                            <a:rPr lang="en-CA">
+                              <a:latin typeface="Cambria Math" panose="02040503050406030204" pitchFamily="18" charset="0"/>
+                            </a:rPr>
+                          </m:ctrlPr>
+                        </m:sSubPr>
+                        <m:e>
+                          <m:r>
+                            <m:rPr>
+                              <m:sty m:val="p"/>
+                            </m:rPr>
+                            <a:rPr lang="en-CA" i="0">
+                              <a:latin typeface="Cambria Math" panose="02040503050406030204" pitchFamily="18" charset="0"/>
+                            </a:rPr>
+                            <m:t>V</m:t>
+                          </m:r>
+                        </m:e>
+                        <m:sub>
+                          <m:r>
+                            <m:rPr>
+                              <m:sty m:val="p"/>
+                            </m:rPr>
+                            <a:rPr lang="en-CA" i="0">
+                              <a:latin typeface="Cambria Math" panose="02040503050406030204" pitchFamily="18" charset="0"/>
+                            </a:rPr>
+                            <m:t>n</m:t>
+                          </m:r>
+                        </m:sub>
+                      </m:sSub>
+                      <m:r>
+                        <a:rPr lang="en-CA" b="0" i="0" smtClean="0">
+                          <a:latin typeface="Cambria Math" panose="02040503050406030204" pitchFamily="18" charset="0"/>
+                        </a:rPr>
+                        <m:t> </m:t>
+                      </m:r>
+                      <m:r>
+                        <m:rPr>
+                          <m:sty m:val="p"/>
+                        </m:rPr>
+                        <a:rPr lang="en-CA" b="0" i="0" smtClean="0">
+                          <a:latin typeface="Cambria Math" panose="02040503050406030204" pitchFamily="18" charset="0"/>
+                        </a:rPr>
+                        <m:t>into</m:t>
+                      </m:r>
+                      <m:r>
+                        <a:rPr lang="en-CA" b="0" i="0" smtClean="0">
+                          <a:latin typeface="Cambria Math" panose="02040503050406030204" pitchFamily="18" charset="0"/>
+                        </a:rPr>
+                        <m:t> </m:t>
+                      </m:r>
+                      <m:r>
+                        <m:rPr>
+                          <m:sty m:val="p"/>
+                        </m:rPr>
+                        <a:rPr lang="en-CA" b="0" i="0" smtClean="0">
+                          <a:latin typeface="Cambria Math" panose="02040503050406030204" pitchFamily="18" charset="0"/>
+                        </a:rPr>
+                        <m:t>equation</m:t>
+                      </m:r>
+                      <m:r>
+                        <a:rPr lang="en-CA" b="0" i="0" smtClean="0">
+                          <a:latin typeface="Cambria Math" panose="02040503050406030204" pitchFamily="18" charset="0"/>
+                        </a:rPr>
+                        <m:t> 1 </m:t>
+                      </m:r>
+                      <m:r>
+                        <m:rPr>
+                          <m:sty m:val="p"/>
+                        </m:rPr>
+                        <a:rPr lang="en-CA" b="0" i="0" smtClean="0">
+                          <a:latin typeface="Cambria Math" panose="02040503050406030204" pitchFamily="18" charset="0"/>
+                        </a:rPr>
+                        <m:t>gives</m:t>
+                      </m:r>
+                    </m:oMath>
+                  </m:oMathPara>
+                </a14:m>
+                <a:endParaRPr lang="en-CA" b="0" dirty="0">
+                  <a:latin typeface="Cambria Math" panose="02040503050406030204" pitchFamily="18" charset="0"/>
+                </a:endParaRPr>
+              </a:p>
+              <a:p>
+                <a14:m>
+                  <m:oMathPara xmlns:m="http://schemas.openxmlformats.org/officeDocument/2006/math">
+                    <m:oMathParaPr>
+                      <m:jc m:val="centerGroup"/>
+                    </m:oMathParaPr>
+                    <m:oMath xmlns:m="http://schemas.openxmlformats.org/officeDocument/2006/math">
+                      <m:r>
+                        <a:rPr lang="en-CA" b="0" i="0" smtClean="0">
+                          <a:latin typeface="Cambria Math" panose="02040503050406030204" pitchFamily="18" charset="0"/>
+                        </a:rPr>
+                        <m:t> </m:t>
+                      </m:r>
+                      <m:f>
+                        <m:fPr>
+                          <m:ctrlPr>
+                            <a:rPr lang="en-CA">
+                              <a:latin typeface="Cambria Math" panose="02040503050406030204" pitchFamily="18" charset="0"/>
+                            </a:rPr>
+                          </m:ctrlPr>
+                        </m:fPr>
+                        <m:num>
+                          <m:sSub>
+                            <m:sSubPr>
+                              <m:ctrlPr>
+                                <a:rPr lang="en-CA">
+                                  <a:latin typeface="Cambria Math" panose="02040503050406030204" pitchFamily="18" charset="0"/>
+                                </a:rPr>
+                              </m:ctrlPr>
+                            </m:sSubPr>
+                            <m:e>
+                              <m:r>
+                                <m:rPr>
+                                  <m:sty m:val="p"/>
+                                </m:rPr>
+                                <a:rPr lang="en-CA" i="0">
+                                  <a:latin typeface="Cambria Math" panose="02040503050406030204" pitchFamily="18" charset="0"/>
+                                </a:rPr>
+                                <m:t>V</m:t>
+                              </m:r>
+                            </m:e>
+                            <m:sub>
+                              <m:r>
+                                <m:rPr>
+                                  <m:sty m:val="p"/>
+                                </m:rPr>
+                                <a:rPr lang="en-CA" i="0">
+                                  <a:latin typeface="Cambria Math" panose="02040503050406030204" pitchFamily="18" charset="0"/>
+                                </a:rPr>
+                                <m:t>in</m:t>
+                              </m:r>
+                            </m:sub>
+                          </m:sSub>
+                          <m:r>
+                            <a:rPr lang="en-CA" i="0">
+                              <a:latin typeface="Cambria Math" panose="02040503050406030204" pitchFamily="18" charset="0"/>
+                            </a:rPr>
+                            <m:t>−</m:t>
+                          </m:r>
+                          <m:f>
+                            <m:fPr>
+                              <m:ctrlPr>
+                                <a:rPr lang="en-CA">
+                                  <a:latin typeface="Cambria Math" panose="02040503050406030204" pitchFamily="18" charset="0"/>
+                                </a:rPr>
+                              </m:ctrlPr>
+                            </m:fPr>
+                            <m:num>
+                              <m:sSub>
+                                <m:sSubPr>
+                                  <m:ctrlPr>
+                                    <a:rPr lang="en-CA">
+                                      <a:latin typeface="Cambria Math" panose="02040503050406030204" pitchFamily="18" charset="0"/>
+                                    </a:rPr>
+                                  </m:ctrlPr>
+                                </m:sSubPr>
+                                <m:e>
+                                  <m:r>
+                                    <m:rPr>
+                                      <m:sty m:val="p"/>
+                                    </m:rPr>
+                                    <a:rPr lang="en-CA" i="0">
+                                      <a:latin typeface="Cambria Math" panose="02040503050406030204" pitchFamily="18" charset="0"/>
+                                    </a:rPr>
+                                    <m:t>V</m:t>
+                                  </m:r>
+                                </m:e>
+                                <m:sub>
+                                  <m:r>
+                                    <m:rPr>
+                                      <m:sty m:val="p"/>
+                                    </m:rPr>
+                                    <a:rPr lang="en-CA" i="0">
+                                      <a:latin typeface="Cambria Math" panose="02040503050406030204" pitchFamily="18" charset="0"/>
+                                    </a:rPr>
+                                    <m:t>i</m:t>
+                                  </m:r>
+                                  <m:r>
+                                    <m:rPr>
+                                      <m:sty m:val="p"/>
+                                    </m:rPr>
+                                    <a:rPr lang="en-CA" i="0">
+                                      <a:latin typeface="Cambria Math" panose="02040503050406030204" pitchFamily="18" charset="0"/>
+                                    </a:rPr>
+                                    <m:t>n</m:t>
+                                  </m:r>
+                                </m:sub>
+                              </m:sSub>
+                            </m:num>
+                            <m:den>
+                              <m:f>
+                                <m:fPr>
+                                  <m:ctrlPr>
+                                    <a:rPr lang="en-CA">
+                                      <a:latin typeface="Cambria Math" panose="02040503050406030204" pitchFamily="18" charset="0"/>
+                                    </a:rPr>
+                                  </m:ctrlPr>
+                                </m:fPr>
+                                <m:num>
+                                  <m:r>
+                                    <m:rPr>
+                                      <m:sty m:val="p"/>
+                                    </m:rPr>
+                                    <a:rPr lang="en-CA" i="0">
+                                      <a:latin typeface="Cambria Math" panose="02040503050406030204" pitchFamily="18" charset="0"/>
+                                    </a:rPr>
+                                    <m:t>L</m:t>
+                                  </m:r>
+                                  <m:r>
+                                    <a:rPr lang="en-CA" i="0">
+                                      <a:latin typeface="Cambria Math" panose="02040503050406030204" pitchFamily="18" charset="0"/>
+                                    </a:rPr>
+                                    <m:t>×</m:t>
+                                  </m:r>
+                                  <m:r>
+                                    <m:rPr>
+                                      <m:sty m:val="p"/>
+                                    </m:rPr>
+                                    <a:rPr lang="en-CA" i="0">
+                                      <a:latin typeface="Cambria Math" panose="02040503050406030204" pitchFamily="18" charset="0"/>
+                                    </a:rPr>
+                                    <m:t>S</m:t>
+                                  </m:r>
+                                </m:num>
+                                <m:den>
+                                  <m:sSub>
+                                    <m:sSubPr>
+                                      <m:ctrlPr>
+                                        <a:rPr lang="en-CA">
+                                          <a:latin typeface="Cambria Math" panose="02040503050406030204" pitchFamily="18" charset="0"/>
+                                        </a:rPr>
+                                      </m:ctrlPr>
+                                    </m:sSubPr>
+                                    <m:e>
+                                      <m:r>
+                                        <m:rPr>
+                                          <m:sty m:val="p"/>
+                                        </m:rPr>
+                                        <a:rPr lang="en-CA" i="0">
+                                          <a:latin typeface="Cambria Math" panose="02040503050406030204" pitchFamily="18" charset="0"/>
+                                        </a:rPr>
+                                        <m:t>R</m:t>
+                                      </m:r>
+                                    </m:e>
+                                    <m:sub>
+                                      <m:r>
+                                        <a:rPr lang="en-CA" i="0">
+                                          <a:latin typeface="Cambria Math" panose="02040503050406030204" pitchFamily="18" charset="0"/>
+                                        </a:rPr>
+                                        <m:t>2</m:t>
+                                      </m:r>
+                                    </m:sub>
+                                  </m:sSub>
+                                </m:den>
+                              </m:f>
+                              <m:r>
+                                <a:rPr lang="en-CA" i="0">
+                                  <a:latin typeface="Cambria Math" panose="02040503050406030204" pitchFamily="18" charset="0"/>
+                                </a:rPr>
+                                <m:t>+1</m:t>
+                              </m:r>
+                            </m:den>
+                          </m:f>
+                        </m:num>
+                        <m:den>
+                          <m:sSub>
+                            <m:sSubPr>
+                              <m:ctrlPr>
+                                <a:rPr lang="en-CA">
+                                  <a:latin typeface="Cambria Math" panose="02040503050406030204" pitchFamily="18" charset="0"/>
+                                </a:rPr>
+                              </m:ctrlPr>
+                            </m:sSubPr>
+                            <m:e>
+                              <m:r>
+                                <m:rPr>
+                                  <m:sty m:val="p"/>
+                                </m:rPr>
+                                <a:rPr lang="en-CA" i="0">
+                                  <a:latin typeface="Cambria Math" panose="02040503050406030204" pitchFamily="18" charset="0"/>
+                                </a:rPr>
+                                <m:t>R</m:t>
+                              </m:r>
+                            </m:e>
+                            <m:sub>
+                              <m:r>
+                                <a:rPr lang="en-CA" i="0">
+                                  <a:latin typeface="Cambria Math" panose="02040503050406030204" pitchFamily="18" charset="0"/>
+                                </a:rPr>
+                                <m:t>1</m:t>
+                              </m:r>
+                            </m:sub>
+                          </m:sSub>
+                        </m:den>
+                      </m:f>
+                      <m:r>
+                        <a:rPr lang="en-CA" i="0">
+                          <a:latin typeface="Cambria Math" panose="02040503050406030204" pitchFamily="18" charset="0"/>
+                        </a:rPr>
+                        <m:t>=</m:t>
+                      </m:r>
+                      <m:d>
+                        <m:dPr>
+                          <m:ctrlPr>
+                            <a:rPr lang="en-CA">
+                              <a:latin typeface="Cambria Math" panose="02040503050406030204" pitchFamily="18" charset="0"/>
+                            </a:rPr>
+                          </m:ctrlPr>
+                        </m:dPr>
+                        <m:e>
+                          <m:f>
+                            <m:fPr>
+                              <m:ctrlPr>
+                                <a:rPr lang="en-CA">
+                                  <a:latin typeface="Cambria Math" panose="02040503050406030204" pitchFamily="18" charset="0"/>
+                                </a:rPr>
+                              </m:ctrlPr>
+                            </m:fPr>
+                            <m:num>
+                              <m:sSub>
+                                <m:sSubPr>
+                                  <m:ctrlPr>
+                                    <a:rPr lang="en-CA">
+                                      <a:latin typeface="Cambria Math" panose="02040503050406030204" pitchFamily="18" charset="0"/>
+                                    </a:rPr>
+                                  </m:ctrlPr>
+                                </m:sSubPr>
+                                <m:e>
+                                  <m:r>
+                                    <m:rPr>
+                                      <m:sty m:val="p"/>
+                                    </m:rPr>
+                                    <a:rPr lang="en-CA" i="0">
+                                      <a:latin typeface="Cambria Math" panose="02040503050406030204" pitchFamily="18" charset="0"/>
+                                    </a:rPr>
+                                    <m:t>V</m:t>
+                                  </m:r>
+                                </m:e>
+                                <m:sub>
+                                  <m:r>
+                                    <m:rPr>
+                                      <m:sty m:val="p"/>
+                                    </m:rPr>
+                                    <a:rPr lang="en-CA" i="0">
+                                      <a:latin typeface="Cambria Math" panose="02040503050406030204" pitchFamily="18" charset="0"/>
+                                    </a:rPr>
+                                    <m:t>i</m:t>
+                                  </m:r>
+                                  <m:r>
+                                    <m:rPr>
+                                      <m:sty m:val="p"/>
+                                    </m:rPr>
+                                    <a:rPr lang="en-CA" i="0">
+                                      <a:latin typeface="Cambria Math" panose="02040503050406030204" pitchFamily="18" charset="0"/>
+                                    </a:rPr>
+                                    <m:t>n</m:t>
+                                  </m:r>
+                                </m:sub>
+                              </m:sSub>
+                            </m:num>
+                            <m:den>
+                              <m:f>
+                                <m:fPr>
+                                  <m:ctrlPr>
+                                    <a:rPr lang="en-CA">
+                                      <a:latin typeface="Cambria Math" panose="02040503050406030204" pitchFamily="18" charset="0"/>
+                                    </a:rPr>
+                                  </m:ctrlPr>
+                                </m:fPr>
+                                <m:num>
+                                  <m:r>
+                                    <m:rPr>
+                                      <m:sty m:val="p"/>
+                                    </m:rPr>
+                                    <a:rPr lang="en-CA" i="0">
+                                      <a:latin typeface="Cambria Math" panose="02040503050406030204" pitchFamily="18" charset="0"/>
+                                    </a:rPr>
+                                    <m:t>L</m:t>
+                                  </m:r>
+                                  <m:r>
+                                    <a:rPr lang="en-CA" i="0">
+                                      <a:latin typeface="Cambria Math" panose="02040503050406030204" pitchFamily="18" charset="0"/>
+                                    </a:rPr>
+                                    <m:t>×</m:t>
+                                  </m:r>
+                                  <m:r>
+                                    <m:rPr>
+                                      <m:sty m:val="p"/>
+                                    </m:rPr>
+                                    <a:rPr lang="en-CA" i="0">
+                                      <a:latin typeface="Cambria Math" panose="02040503050406030204" pitchFamily="18" charset="0"/>
+                                    </a:rPr>
+                                    <m:t>S</m:t>
+                                  </m:r>
+                                </m:num>
+                                <m:den>
+                                  <m:sSub>
+                                    <m:sSubPr>
+                                      <m:ctrlPr>
+                                        <a:rPr lang="en-CA">
+                                          <a:latin typeface="Cambria Math" panose="02040503050406030204" pitchFamily="18" charset="0"/>
+                                        </a:rPr>
+                                      </m:ctrlPr>
+                                    </m:sSubPr>
+                                    <m:e>
+                                      <m:r>
+                                        <m:rPr>
+                                          <m:sty m:val="p"/>
+                                        </m:rPr>
+                                        <a:rPr lang="en-CA" i="0">
+                                          <a:latin typeface="Cambria Math" panose="02040503050406030204" pitchFamily="18" charset="0"/>
+                                        </a:rPr>
+                                        <m:t>R</m:t>
+                                      </m:r>
+                                    </m:e>
+                                    <m:sub>
+                                      <m:r>
+                                        <a:rPr lang="en-CA" i="0">
+                                          <a:latin typeface="Cambria Math" panose="02040503050406030204" pitchFamily="18" charset="0"/>
+                                        </a:rPr>
+                                        <m:t>2</m:t>
+                                      </m:r>
+                                    </m:sub>
+                                  </m:sSub>
+                                </m:den>
+                              </m:f>
+                              <m:r>
+                                <a:rPr lang="en-CA" i="0">
+                                  <a:latin typeface="Cambria Math" panose="02040503050406030204" pitchFamily="18" charset="0"/>
+                                </a:rPr>
+                                <m:t>+1</m:t>
+                              </m:r>
+                            </m:den>
+                          </m:f>
+                          <m:r>
+                            <a:rPr lang="en-CA" i="0">
+                              <a:latin typeface="Cambria Math" panose="02040503050406030204" pitchFamily="18" charset="0"/>
+                            </a:rPr>
+                            <m:t>−</m:t>
+                          </m:r>
+                          <m:sSub>
+                            <m:sSubPr>
+                              <m:ctrlPr>
+                                <a:rPr lang="en-CA">
+                                  <a:latin typeface="Cambria Math" panose="02040503050406030204" pitchFamily="18" charset="0"/>
+                                </a:rPr>
+                              </m:ctrlPr>
+                            </m:sSubPr>
+                            <m:e>
+                              <m:r>
+                                <m:rPr>
+                                  <m:sty m:val="p"/>
+                                </m:rPr>
+                                <a:rPr lang="en-CA" i="0">
+                                  <a:latin typeface="Cambria Math" panose="02040503050406030204" pitchFamily="18" charset="0"/>
+                                </a:rPr>
+                                <m:t>V</m:t>
+                              </m:r>
+                            </m:e>
+                            <m:sub>
+                              <m:r>
+                                <m:rPr>
+                                  <m:sty m:val="p"/>
+                                </m:rPr>
+                                <a:rPr lang="en-CA" i="0">
+                                  <a:latin typeface="Cambria Math" panose="02040503050406030204" pitchFamily="18" charset="0"/>
+                                </a:rPr>
+                                <m:t>out</m:t>
+                              </m:r>
+                            </m:sub>
+                          </m:sSub>
+                        </m:e>
+                      </m:d>
+                      <m:r>
+                        <a:rPr lang="en-CA" i="0">
+                          <a:latin typeface="Cambria Math" panose="02040503050406030204" pitchFamily="18" charset="0"/>
+                        </a:rPr>
+                        <m:t>×</m:t>
+                      </m:r>
+                      <m:r>
+                        <m:rPr>
+                          <m:sty m:val="p"/>
+                        </m:rPr>
+                        <a:rPr lang="en-CA" i="0">
+                          <a:latin typeface="Cambria Math" panose="02040503050406030204" pitchFamily="18" charset="0"/>
+                        </a:rPr>
+                        <m:t>SC</m:t>
+                      </m:r>
+                    </m:oMath>
+                  </m:oMathPara>
+                </a14:m>
+                <a:endParaRPr lang="en-CA" dirty="0"/>
+              </a:p>
+              <a:p>
+                <a:endParaRPr lang="en-CA" dirty="0"/>
+              </a:p>
+            </p:txBody>
+          </p:sp>
+        </mc:Choice>
+        <mc:Fallback>
+          <p:sp>
+            <p:nvSpPr>
+              <p:cNvPr id="5" name="TextBox 4">
+                <a:extLst>
+                  <a:ext uri="{FF2B5EF4-FFF2-40B4-BE49-F238E27FC236}">
+                    <a16:creationId xmlns:a16="http://schemas.microsoft.com/office/drawing/2014/main" id="{EABE288E-B19A-4D0E-8015-C7CAB87F8A9D}"/>
+                  </a:ext>
+                </a:extLst>
+              </p:cNvPr>
+              <p:cNvSpPr txBox="1">
+                <a:spLocks noRot="1" noChangeAspect="1" noMove="1" noResize="1" noEditPoints="1" noAdjustHandles="1" noChangeArrowheads="1" noChangeShapeType="1" noTextEdit="1"/>
+              </p:cNvSpPr>
+              <p:nvPr/>
+            </p:nvSpPr>
+            <p:spPr>
+              <a:xfrm>
+                <a:off x="6796353" y="443656"/>
+                <a:ext cx="4952145" cy="5587683"/>
+              </a:xfrm>
+              <a:prstGeom prst="rect">
+                <a:avLst/>
+              </a:prstGeom>
+              <a:blipFill>
+                <a:blip r:embed="rId3"/>
+                <a:stretch>
+                  <a:fillRect/>
+                </a:stretch>
+              </a:blipFill>
+            </p:spPr>
+            <p:txBody>
+              <a:bodyPr/>
+              <a:lstStyle/>
+              <a:p>
+                <a:r>
+                  <a:rPr lang="en-CA">
+                    <a:noFill/>
+                  </a:rPr>
+                  <a:t> </a:t>
+                </a:r>
+              </a:p>
+            </p:txBody>
+          </p:sp>
+        </mc:Fallback>
+      </mc:AlternateContent>
+      <p:cxnSp>
+        <p:nvCxnSpPr>
+          <p:cNvPr id="7" name="Straight Arrow Connector 6">
+            <a:extLst>
+              <a:ext uri="{FF2B5EF4-FFF2-40B4-BE49-F238E27FC236}">
+                <a16:creationId xmlns:a16="http://schemas.microsoft.com/office/drawing/2014/main" id="{ABDBE72E-3499-4172-A81A-C3F6BC53E0DB}"/>
+              </a:ext>
+            </a:extLst>
+          </p:cNvPr>
+          <p:cNvCxnSpPr>
+            <a:cxnSpLocks/>
+          </p:cNvCxnSpPr>
+          <p:nvPr/>
+        </p:nvCxnSpPr>
+        <p:spPr>
+          <a:xfrm flipV="1">
+            <a:off x="3005191" y="2763749"/>
+            <a:ext cx="750015" cy="1402422"/>
+          </a:xfrm>
+          <a:prstGeom prst="straightConnector1">
+            <a:avLst/>
+          </a:prstGeom>
+          <a:ln w="38100">
+            <a:tailEnd type="triangle"/>
+          </a:ln>
+        </p:spPr>
+        <p:style>
+          <a:lnRef idx="1">
+            <a:schemeClr val="accent1"/>
+          </a:lnRef>
+          <a:fillRef idx="0">
+            <a:schemeClr val="accent1"/>
+          </a:fillRef>
+          <a:effectRef idx="0">
+            <a:schemeClr val="accent1"/>
+          </a:effectRef>
+          <a:fontRef idx="minor">
+            <a:schemeClr val="tx1"/>
+          </a:fontRef>
+        </p:style>
+      </p:cxnSp>
+      <mc:AlternateContent xmlns:mc="http://schemas.openxmlformats.org/markup-compatibility/2006">
+        <mc:Choice xmlns:a14="http://schemas.microsoft.com/office/drawing/2010/main" Requires="a14">
+          <p:sp>
+            <p:nvSpPr>
+              <p:cNvPr id="11" name="Rectangle 10">
+                <a:extLst>
+                  <a:ext uri="{FF2B5EF4-FFF2-40B4-BE49-F238E27FC236}">
+                    <a16:creationId xmlns:a16="http://schemas.microsoft.com/office/drawing/2014/main" id="{B16D8FD8-34AD-4BFD-A7A4-DEC3964B1980}"/>
+                  </a:ext>
+                </a:extLst>
+              </p:cNvPr>
+              <p:cNvSpPr/>
+              <p:nvPr/>
+            </p:nvSpPr>
+            <p:spPr>
+              <a:xfrm>
+                <a:off x="2566320" y="3973799"/>
+                <a:ext cx="528863" cy="667747"/>
+              </a:xfrm>
+              <a:prstGeom prst="rect">
+                <a:avLst/>
+              </a:prstGeom>
+            </p:spPr>
+            <p:txBody>
+              <a:bodyPr wrap="none">
+                <a:spAutoFit/>
+              </a:bodyPr>
+              <a:lstStyle/>
+              <a:p>
+                <a14:m>
+                  <m:oMathPara xmlns:m="http://schemas.openxmlformats.org/officeDocument/2006/math">
+                    <m:oMathParaPr>
+                      <m:jc m:val="centerGroup"/>
+                    </m:oMathParaPr>
+                    <m:oMath xmlns:m="http://schemas.openxmlformats.org/officeDocument/2006/math">
+                      <m:sSub>
+                        <m:sSubPr>
+                          <m:ctrlPr>
+                            <a:rPr lang="en-CA" b="0" i="1" smtClean="0">
+                              <a:solidFill>
+                                <a:schemeClr val="accent1"/>
+                              </a:solidFill>
+                              <a:latin typeface="Cambria Math" panose="02040503050406030204" pitchFamily="18" charset="0"/>
+                            </a:rPr>
+                          </m:ctrlPr>
+                        </m:sSubPr>
+                        <m:e>
+                          <m:r>
+                            <a:rPr lang="en-CA" b="0" i="1" smtClean="0">
+                              <a:solidFill>
+                                <a:schemeClr val="accent1"/>
+                              </a:solidFill>
+                              <a:latin typeface="Cambria Math" panose="02040503050406030204" pitchFamily="18" charset="0"/>
+                            </a:rPr>
+                            <m:t>𝑉</m:t>
+                          </m:r>
+                        </m:e>
+                        <m:sub>
+                          <m:r>
+                            <a:rPr lang="en-CA" b="0" i="1" smtClean="0">
+                              <a:solidFill>
+                                <a:schemeClr val="accent1"/>
+                              </a:solidFill>
+                              <a:latin typeface="Cambria Math" panose="02040503050406030204" pitchFamily="18" charset="0"/>
+                            </a:rPr>
+                            <m:t>𝑝</m:t>
+                          </m:r>
+                        </m:sub>
+                      </m:sSub>
+                    </m:oMath>
+                  </m:oMathPara>
+                </a14:m>
+                <a:endParaRPr lang="en-CA" b="0" dirty="0"/>
+              </a:p>
+              <a:p>
+                <a:endParaRPr lang="en-CA" dirty="0"/>
+              </a:p>
+            </p:txBody>
+          </p:sp>
+        </mc:Choice>
+        <mc:Fallback>
+          <p:sp>
+            <p:nvSpPr>
+              <p:cNvPr id="11" name="Rectangle 10">
+                <a:extLst>
+                  <a:ext uri="{FF2B5EF4-FFF2-40B4-BE49-F238E27FC236}">
+                    <a16:creationId xmlns:a16="http://schemas.microsoft.com/office/drawing/2014/main" id="{B16D8FD8-34AD-4BFD-A7A4-DEC3964B1980}"/>
+                  </a:ext>
+                </a:extLst>
+              </p:cNvPr>
+              <p:cNvSpPr>
+                <a:spLocks noRot="1" noChangeAspect="1" noMove="1" noResize="1" noEditPoints="1" noAdjustHandles="1" noChangeArrowheads="1" noChangeShapeType="1" noTextEdit="1"/>
+              </p:cNvSpPr>
+              <p:nvPr/>
+            </p:nvSpPr>
+            <p:spPr>
+              <a:xfrm>
+                <a:off x="2566320" y="3973799"/>
+                <a:ext cx="528863" cy="667747"/>
+              </a:xfrm>
+              <a:prstGeom prst="rect">
+                <a:avLst/>
+              </a:prstGeom>
+              <a:blipFill>
+                <a:blip r:embed="rId4"/>
+                <a:stretch>
+                  <a:fillRect/>
+                </a:stretch>
+              </a:blipFill>
+            </p:spPr>
+            <p:txBody>
+              <a:bodyPr/>
+              <a:lstStyle/>
+              <a:p>
+                <a:r>
+                  <a:rPr lang="en-CA">
+                    <a:noFill/>
+                  </a:rPr>
+                  <a:t> </a:t>
+                </a:r>
+              </a:p>
+            </p:txBody>
+          </p:sp>
+        </mc:Fallback>
+      </mc:AlternateContent>
+      <mc:AlternateContent xmlns:mc="http://schemas.openxmlformats.org/markup-compatibility/2006">
+        <mc:Choice xmlns:a14="http://schemas.microsoft.com/office/drawing/2010/main" Requires="a14">
+          <p:sp>
+            <p:nvSpPr>
+              <p:cNvPr id="12" name="Rectangle 11">
+                <a:extLst>
+                  <a:ext uri="{FF2B5EF4-FFF2-40B4-BE49-F238E27FC236}">
+                    <a16:creationId xmlns:a16="http://schemas.microsoft.com/office/drawing/2014/main" id="{8703D0EE-20EB-44A9-AC5C-E52A35055FAA}"/>
+                  </a:ext>
+                </a:extLst>
+              </p:cNvPr>
+              <p:cNvSpPr/>
+              <p:nvPr/>
+            </p:nvSpPr>
+            <p:spPr>
+              <a:xfrm>
+                <a:off x="3191230" y="1082011"/>
+                <a:ext cx="471507" cy="646331"/>
+              </a:xfrm>
+              <a:prstGeom prst="rect">
+                <a:avLst/>
+              </a:prstGeom>
+            </p:spPr>
+            <p:txBody>
+              <a:bodyPr wrap="square">
+                <a:spAutoFit/>
+              </a:bodyPr>
+              <a:lstStyle/>
+              <a:p>
+                <a14:m>
+                  <m:oMathPara xmlns:m="http://schemas.openxmlformats.org/officeDocument/2006/math">
+                    <m:oMathParaPr>
+                      <m:jc m:val="centerGroup"/>
+                    </m:oMathParaPr>
+                    <m:oMath xmlns:m="http://schemas.openxmlformats.org/officeDocument/2006/math">
+                      <m:sSub>
+                        <m:sSubPr>
+                          <m:ctrlPr>
+                            <a:rPr lang="en-CA" b="0" i="1" smtClean="0">
+                              <a:solidFill>
+                                <a:schemeClr val="accent1"/>
+                              </a:solidFill>
+                              <a:latin typeface="Cambria Math" panose="02040503050406030204" pitchFamily="18" charset="0"/>
+                            </a:rPr>
+                          </m:ctrlPr>
+                        </m:sSubPr>
+                        <m:e>
+                          <m:r>
+                            <a:rPr lang="en-CA" b="0" i="1" smtClean="0">
+                              <a:solidFill>
+                                <a:schemeClr val="accent1"/>
+                              </a:solidFill>
+                              <a:latin typeface="Cambria Math" panose="02040503050406030204" pitchFamily="18" charset="0"/>
+                            </a:rPr>
+                            <m:t>𝑉</m:t>
+                          </m:r>
+                        </m:e>
+                        <m:sub>
+                          <m:r>
+                            <a:rPr lang="en-CA" b="0" i="1" smtClean="0">
+                              <a:solidFill>
+                                <a:schemeClr val="accent1"/>
+                              </a:solidFill>
+                              <a:latin typeface="Cambria Math" panose="02040503050406030204" pitchFamily="18" charset="0"/>
+                            </a:rPr>
+                            <m:t>𝑛</m:t>
+                          </m:r>
+                        </m:sub>
+                      </m:sSub>
+                    </m:oMath>
+                  </m:oMathPara>
+                </a14:m>
+                <a:endParaRPr lang="en-CA" b="0" dirty="0"/>
+              </a:p>
+              <a:p>
+                <a:endParaRPr lang="en-CA" dirty="0"/>
+              </a:p>
+            </p:txBody>
+          </p:sp>
+        </mc:Choice>
+        <mc:Fallback>
+          <p:sp>
+            <p:nvSpPr>
+              <p:cNvPr id="12" name="Rectangle 11">
+                <a:extLst>
+                  <a:ext uri="{FF2B5EF4-FFF2-40B4-BE49-F238E27FC236}">
+                    <a16:creationId xmlns:a16="http://schemas.microsoft.com/office/drawing/2014/main" id="{8703D0EE-20EB-44A9-AC5C-E52A35055FAA}"/>
+                  </a:ext>
+                </a:extLst>
+              </p:cNvPr>
+              <p:cNvSpPr>
+                <a:spLocks noRot="1" noChangeAspect="1" noMove="1" noResize="1" noEditPoints="1" noAdjustHandles="1" noChangeArrowheads="1" noChangeShapeType="1" noTextEdit="1"/>
+              </p:cNvSpPr>
+              <p:nvPr/>
+            </p:nvSpPr>
+            <p:spPr>
+              <a:xfrm>
+                <a:off x="3191230" y="1082011"/>
+                <a:ext cx="471507" cy="646331"/>
+              </a:xfrm>
+              <a:prstGeom prst="rect">
+                <a:avLst/>
+              </a:prstGeom>
+              <a:blipFill>
+                <a:blip r:embed="rId5"/>
+                <a:stretch>
+                  <a:fillRect/>
+                </a:stretch>
+              </a:blipFill>
+            </p:spPr>
+            <p:txBody>
+              <a:bodyPr/>
+              <a:lstStyle/>
+              <a:p>
+                <a:r>
+                  <a:rPr lang="en-CA">
+                    <a:noFill/>
+                  </a:rPr>
+                  <a:t> </a:t>
+                </a:r>
+              </a:p>
+            </p:txBody>
+          </p:sp>
+        </mc:Fallback>
+      </mc:AlternateContent>
+      <p:cxnSp>
+        <p:nvCxnSpPr>
+          <p:cNvPr id="13" name="Straight Arrow Connector 12">
+            <a:extLst>
+              <a:ext uri="{FF2B5EF4-FFF2-40B4-BE49-F238E27FC236}">
+                <a16:creationId xmlns:a16="http://schemas.microsoft.com/office/drawing/2014/main" id="{1379E97D-0FE8-438E-BBAA-6401135A6E03}"/>
+              </a:ext>
+            </a:extLst>
+          </p:cNvPr>
+          <p:cNvCxnSpPr>
+            <a:cxnSpLocks/>
+          </p:cNvCxnSpPr>
+          <p:nvPr/>
+        </p:nvCxnSpPr>
+        <p:spPr>
+          <a:xfrm>
+            <a:off x="3586107" y="1462200"/>
+            <a:ext cx="169104" cy="1058645"/>
+          </a:xfrm>
+          <a:prstGeom prst="straightConnector1">
+            <a:avLst/>
+          </a:prstGeom>
+          <a:ln w="38100">
+            <a:tailEnd type="triangle"/>
+          </a:ln>
+        </p:spPr>
+        <p:style>
+          <a:lnRef idx="1">
+            <a:schemeClr val="accent1"/>
+          </a:lnRef>
+          <a:fillRef idx="0">
+            <a:schemeClr val="accent1"/>
+          </a:fillRef>
+          <a:effectRef idx="0">
+            <a:schemeClr val="accent1"/>
+          </a:effectRef>
+          <a:fontRef idx="minor">
+            <a:schemeClr val="tx1"/>
+          </a:fontRef>
+        </p:style>
+      </p:cxnSp>
+      <mc:AlternateContent xmlns:mc="http://schemas.openxmlformats.org/markup-compatibility/2006">
+        <mc:Choice xmlns:a14="http://schemas.microsoft.com/office/drawing/2010/main" Requires="a14">
+          <p:sp>
+            <p:nvSpPr>
+              <p:cNvPr id="21" name="Rectangle 20">
+                <a:extLst>
+                  <a:ext uri="{FF2B5EF4-FFF2-40B4-BE49-F238E27FC236}">
+                    <a16:creationId xmlns:a16="http://schemas.microsoft.com/office/drawing/2014/main" id="{7DA3F9B0-93DC-40F1-8823-E6C29A5E8D35}"/>
+                  </a:ext>
+                </a:extLst>
+              </p:cNvPr>
+              <p:cNvSpPr/>
+              <p:nvPr/>
+            </p:nvSpPr>
+            <p:spPr>
+              <a:xfrm>
+                <a:off x="7337344" y="5853883"/>
+                <a:ext cx="3870162" cy="658065"/>
+              </a:xfrm>
+              <a:prstGeom prst="rect">
+                <a:avLst/>
+              </a:prstGeom>
+            </p:spPr>
+            <p:txBody>
+              <a:bodyPr wrap="none">
+                <a:spAutoFit/>
+              </a:bodyPr>
+              <a:lstStyle/>
+              <a:p>
+                <a:pPr/>
+                <a14:m>
+                  <m:oMathPara xmlns:m="http://schemas.openxmlformats.org/officeDocument/2006/math">
+                    <m:oMathParaPr>
+                      <m:jc m:val="centerGroup"/>
+                    </m:oMathParaPr>
+                    <m:oMath xmlns:m="http://schemas.openxmlformats.org/officeDocument/2006/math">
+                      <m:r>
+                        <m:rPr>
+                          <m:sty m:val="p"/>
+                        </m:rPr>
+                        <a:rPr lang="en-CA">
+                          <a:latin typeface="Cambria Math" panose="02040503050406030204" pitchFamily="18" charset="0"/>
+                        </a:rPr>
+                        <m:t>simplifies</m:t>
+                      </m:r>
+                      <m:r>
+                        <a:rPr lang="en-CA">
+                          <a:latin typeface="Cambria Math" panose="02040503050406030204" pitchFamily="18" charset="0"/>
+                        </a:rPr>
+                        <m:t> </m:t>
+                      </m:r>
+                      <m:r>
+                        <m:rPr>
+                          <m:sty m:val="p"/>
+                        </m:rPr>
+                        <a:rPr lang="en-CA">
+                          <a:latin typeface="Cambria Math" panose="02040503050406030204" pitchFamily="18" charset="0"/>
+                        </a:rPr>
+                        <m:t>to</m:t>
+                      </m:r>
+                      <m:r>
+                        <a:rPr lang="en-CA">
+                          <a:latin typeface="Cambria Math" panose="02040503050406030204" pitchFamily="18" charset="0"/>
+                        </a:rPr>
+                        <m:t> </m:t>
+                      </m:r>
+                      <m:f>
+                        <m:fPr>
+                          <m:ctrlPr>
+                            <a:rPr lang="en-CA" b="1" i="1">
+                              <a:latin typeface="Cambria Math" panose="02040503050406030204" pitchFamily="18" charset="0"/>
+                            </a:rPr>
+                          </m:ctrlPr>
+                        </m:fPr>
+                        <m:num>
+                          <m:sSub>
+                            <m:sSubPr>
+                              <m:ctrlPr>
+                                <a:rPr lang="en-CA" b="1" i="1">
+                                  <a:latin typeface="Cambria Math" panose="02040503050406030204" pitchFamily="18" charset="0"/>
+                                </a:rPr>
+                              </m:ctrlPr>
+                            </m:sSubPr>
+                            <m:e>
+                              <m:r>
+                                <a:rPr lang="en-CA" b="1">
+                                  <a:latin typeface="Cambria Math" panose="02040503050406030204" pitchFamily="18" charset="0"/>
+                                </a:rPr>
+                                <m:t>𝐕</m:t>
+                              </m:r>
+                            </m:e>
+                            <m:sub>
+                              <m:r>
+                                <a:rPr lang="en-CA" b="1">
+                                  <a:latin typeface="Cambria Math" panose="02040503050406030204" pitchFamily="18" charset="0"/>
+                                </a:rPr>
+                                <m:t>𝐨𝐮𝐭</m:t>
+                              </m:r>
+                            </m:sub>
+                          </m:sSub>
+                        </m:num>
+                        <m:den>
+                          <m:sSub>
+                            <m:sSubPr>
+                              <m:ctrlPr>
+                                <a:rPr lang="en-CA" b="1" i="1">
+                                  <a:latin typeface="Cambria Math" panose="02040503050406030204" pitchFamily="18" charset="0"/>
+                                </a:rPr>
+                              </m:ctrlPr>
+                            </m:sSubPr>
+                            <m:e>
+                              <m:r>
+                                <a:rPr lang="en-CA" b="1">
+                                  <a:latin typeface="Cambria Math" panose="02040503050406030204" pitchFamily="18" charset="0"/>
+                                </a:rPr>
+                                <m:t>𝐕</m:t>
+                              </m:r>
+                            </m:e>
+                            <m:sub>
+                              <m:r>
+                                <a:rPr lang="en-CA" b="1">
+                                  <a:latin typeface="Cambria Math" panose="02040503050406030204" pitchFamily="18" charset="0"/>
+                                </a:rPr>
+                                <m:t>𝐢𝐧</m:t>
+                              </m:r>
+                            </m:sub>
+                          </m:sSub>
+                        </m:den>
+                      </m:f>
+                      <m:r>
+                        <a:rPr lang="en-CA" b="1">
+                          <a:latin typeface="Cambria Math" panose="02040503050406030204" pitchFamily="18" charset="0"/>
+                        </a:rPr>
+                        <m:t>=</m:t>
+                      </m:r>
+                      <m:f>
+                        <m:fPr>
+                          <m:ctrlPr>
+                            <a:rPr lang="en-CA" b="1" i="1">
+                              <a:latin typeface="Cambria Math" panose="02040503050406030204" pitchFamily="18" charset="0"/>
+                            </a:rPr>
+                          </m:ctrlPr>
+                        </m:fPr>
+                        <m:num>
+                          <m:r>
+                            <a:rPr lang="en-CA" b="1">
+                              <a:latin typeface="Cambria Math" panose="02040503050406030204" pitchFamily="18" charset="0"/>
+                            </a:rPr>
+                            <m:t>𝐂</m:t>
+                          </m:r>
+                          <m:sSub>
+                            <m:sSubPr>
+                              <m:ctrlPr>
+                                <a:rPr lang="en-CA" b="1" i="1">
+                                  <a:latin typeface="Cambria Math" panose="02040503050406030204" pitchFamily="18" charset="0"/>
+                                </a:rPr>
+                              </m:ctrlPr>
+                            </m:sSubPr>
+                            <m:e>
+                              <m:r>
+                                <a:rPr lang="en-CA" b="1">
+                                  <a:latin typeface="Cambria Math" panose="02040503050406030204" pitchFamily="18" charset="0"/>
+                                </a:rPr>
+                                <m:t>𝐑</m:t>
+                              </m:r>
+                            </m:e>
+                            <m:sub>
+                              <m:r>
+                                <a:rPr lang="en-CA" b="1">
+                                  <a:latin typeface="Cambria Math" panose="02040503050406030204" pitchFamily="18" charset="0"/>
+                                </a:rPr>
+                                <m:t>𝟐</m:t>
+                              </m:r>
+                            </m:sub>
+                          </m:sSub>
+                          <m:sSub>
+                            <m:sSubPr>
+                              <m:ctrlPr>
+                                <a:rPr lang="en-CA" b="1" i="1">
+                                  <a:latin typeface="Cambria Math" panose="02040503050406030204" pitchFamily="18" charset="0"/>
+                                </a:rPr>
+                              </m:ctrlPr>
+                            </m:sSubPr>
+                            <m:e>
+                              <m:r>
+                                <a:rPr lang="en-CA" b="1">
+                                  <a:latin typeface="Cambria Math" panose="02040503050406030204" pitchFamily="18" charset="0"/>
+                                </a:rPr>
+                                <m:t>𝐑</m:t>
+                              </m:r>
+                            </m:e>
+                            <m:sub>
+                              <m:r>
+                                <a:rPr lang="en-CA" b="1">
+                                  <a:latin typeface="Cambria Math" panose="02040503050406030204" pitchFamily="18" charset="0"/>
+                                </a:rPr>
+                                <m:t>𝟏</m:t>
+                              </m:r>
+                            </m:sub>
+                          </m:sSub>
+                          <m:r>
+                            <a:rPr lang="en-CA" b="1">
+                              <a:latin typeface="Cambria Math" panose="02040503050406030204" pitchFamily="18" charset="0"/>
+                            </a:rPr>
+                            <m:t>−</m:t>
+                          </m:r>
+                          <m:r>
+                            <a:rPr lang="en-CA" b="1">
+                              <a:latin typeface="Cambria Math" panose="02040503050406030204" pitchFamily="18" charset="0"/>
+                            </a:rPr>
+                            <m:t>𝐋</m:t>
+                          </m:r>
+                        </m:num>
+                        <m:den>
+                          <m:r>
+                            <a:rPr lang="en-CA" b="1">
+                              <a:latin typeface="Cambria Math" panose="02040503050406030204" pitchFamily="18" charset="0"/>
+                            </a:rPr>
+                            <m:t>𝐋𝐂</m:t>
+                          </m:r>
+                          <m:sSub>
+                            <m:sSubPr>
+                              <m:ctrlPr>
+                                <a:rPr lang="en-CA" b="1" i="1">
+                                  <a:latin typeface="Cambria Math" panose="02040503050406030204" pitchFamily="18" charset="0"/>
+                                </a:rPr>
+                              </m:ctrlPr>
+                            </m:sSubPr>
+                            <m:e>
+                              <m:r>
+                                <a:rPr lang="en-CA" b="1">
+                                  <a:latin typeface="Cambria Math" panose="02040503050406030204" pitchFamily="18" charset="0"/>
+                                </a:rPr>
+                                <m:t>𝐑</m:t>
+                              </m:r>
+                            </m:e>
+                            <m:sub>
+                              <m:r>
+                                <a:rPr lang="en-CA" b="1">
+                                  <a:latin typeface="Cambria Math" panose="02040503050406030204" pitchFamily="18" charset="0"/>
+                                </a:rPr>
+                                <m:t>𝟏</m:t>
+                              </m:r>
+                            </m:sub>
+                          </m:sSub>
+                          <m:r>
+                            <a:rPr lang="en-CA" b="1">
+                              <a:latin typeface="Cambria Math" panose="02040503050406030204" pitchFamily="18" charset="0"/>
+                            </a:rPr>
+                            <m:t>𝐒</m:t>
+                          </m:r>
+                          <m:r>
+                            <a:rPr lang="en-CA" b="1">
+                              <a:latin typeface="Cambria Math" panose="02040503050406030204" pitchFamily="18" charset="0"/>
+                            </a:rPr>
+                            <m:t>+</m:t>
+                          </m:r>
+                          <m:r>
+                            <a:rPr lang="en-CA" b="1">
+                              <a:latin typeface="Cambria Math" panose="02040503050406030204" pitchFamily="18" charset="0"/>
+                            </a:rPr>
+                            <m:t>𝐂</m:t>
+                          </m:r>
+                          <m:sSub>
+                            <m:sSubPr>
+                              <m:ctrlPr>
+                                <a:rPr lang="en-CA" b="1" i="1">
+                                  <a:latin typeface="Cambria Math" panose="02040503050406030204" pitchFamily="18" charset="0"/>
+                                </a:rPr>
+                              </m:ctrlPr>
+                            </m:sSubPr>
+                            <m:e>
+                              <m:r>
+                                <a:rPr lang="en-CA" b="1">
+                                  <a:latin typeface="Cambria Math" panose="02040503050406030204" pitchFamily="18" charset="0"/>
+                                </a:rPr>
+                                <m:t>𝐑</m:t>
+                              </m:r>
+                            </m:e>
+                            <m:sub>
+                              <m:r>
+                                <a:rPr lang="en-CA" b="1">
+                                  <a:latin typeface="Cambria Math" panose="02040503050406030204" pitchFamily="18" charset="0"/>
+                                </a:rPr>
+                                <m:t>𝟏</m:t>
+                              </m:r>
+                            </m:sub>
+                          </m:sSub>
+                          <m:sSub>
+                            <m:sSubPr>
+                              <m:ctrlPr>
+                                <a:rPr lang="en-CA" b="1" i="1">
+                                  <a:latin typeface="Cambria Math" panose="02040503050406030204" pitchFamily="18" charset="0"/>
+                                </a:rPr>
+                              </m:ctrlPr>
+                            </m:sSubPr>
+                            <m:e>
+                              <m:r>
+                                <a:rPr lang="en-CA" b="1">
+                                  <a:latin typeface="Cambria Math" panose="02040503050406030204" pitchFamily="18" charset="0"/>
+                                </a:rPr>
+                                <m:t>𝐑</m:t>
+                              </m:r>
+                            </m:e>
+                            <m:sub>
+                              <m:r>
+                                <a:rPr lang="en-CA" b="1">
+                                  <a:latin typeface="Cambria Math" panose="02040503050406030204" pitchFamily="18" charset="0"/>
+                                </a:rPr>
+                                <m:t>𝟐</m:t>
+                              </m:r>
+                            </m:sub>
+                          </m:sSub>
+                        </m:den>
+                      </m:f>
+                    </m:oMath>
+                  </m:oMathPara>
+                </a14:m>
+                <a:endParaRPr lang="en-CA" b="1" dirty="0"/>
+              </a:p>
+            </p:txBody>
+          </p:sp>
+        </mc:Choice>
+        <mc:Fallback>
+          <p:sp>
+            <p:nvSpPr>
+              <p:cNvPr id="21" name="Rectangle 20">
+                <a:extLst>
+                  <a:ext uri="{FF2B5EF4-FFF2-40B4-BE49-F238E27FC236}">
+                    <a16:creationId xmlns:a16="http://schemas.microsoft.com/office/drawing/2014/main" id="{7DA3F9B0-93DC-40F1-8823-E6C29A5E8D35}"/>
+                  </a:ext>
+                </a:extLst>
+              </p:cNvPr>
+              <p:cNvSpPr>
+                <a:spLocks noRot="1" noChangeAspect="1" noMove="1" noResize="1" noEditPoints="1" noAdjustHandles="1" noChangeArrowheads="1" noChangeShapeType="1" noTextEdit="1"/>
+              </p:cNvSpPr>
+              <p:nvPr/>
+            </p:nvSpPr>
+            <p:spPr>
+              <a:xfrm>
+                <a:off x="7337344" y="5853883"/>
+                <a:ext cx="3870162" cy="658065"/>
+              </a:xfrm>
+              <a:prstGeom prst="rect">
+                <a:avLst/>
+              </a:prstGeom>
+              <a:blipFill>
+                <a:blip r:embed="rId6"/>
+                <a:stretch>
+                  <a:fillRect/>
+                </a:stretch>
+              </a:blipFill>
+            </p:spPr>
+            <p:txBody>
+              <a:bodyPr/>
+              <a:lstStyle/>
+              <a:p>
+                <a:r>
+                  <a:rPr lang="en-CA">
+                    <a:noFill/>
+                  </a:rPr>
+                  <a:t> </a:t>
+                </a:r>
+              </a:p>
+            </p:txBody>
+          </p:sp>
+        </mc:Fallback>
+      </mc:AlternateContent>
     </p:spTree>
     <p:extLst>
       <p:ext uri="{BB962C8B-B14F-4D97-AF65-F5344CB8AC3E}">
@@ -5903,59 +8161,488 @@
           <a:chExt cx="0" cy="0"/>
         </a:xfrm>
       </p:grpSpPr>
-      <p:sp>
-        <p:nvSpPr>
-          <p:cNvPr id="2" name="Title 1">
-            <a:extLst>
-              <a:ext uri="{FF2B5EF4-FFF2-40B4-BE49-F238E27FC236}">
-                <a16:creationId xmlns:a16="http://schemas.microsoft.com/office/drawing/2014/main" id="{019E269D-B1C1-490B-B396-3F21DA34C801}"/>
-              </a:ext>
-            </a:extLst>
-          </p:cNvPr>
-          <p:cNvSpPr>
-            <a:spLocks noGrp="1"/>
-          </p:cNvSpPr>
-          <p:nvPr>
-            <p:ph type="title"/>
-          </p:nvPr>
-        </p:nvSpPr>
-        <p:spPr/>
-        <p:txBody>
-          <a:bodyPr/>
-          <a:lstStyle/>
-          <a:p>
-            <a:r>
-              <a:rPr lang="en-CA" dirty="0"/>
-              <a:t>Mechanical Motor Dynamics</a:t>
-            </a:r>
-          </a:p>
-        </p:txBody>
-      </p:sp>
-      <p:sp>
-        <p:nvSpPr>
-          <p:cNvPr id="3" name="Content Placeholder 2">
-            <a:extLst>
-              <a:ext uri="{FF2B5EF4-FFF2-40B4-BE49-F238E27FC236}">
-                <a16:creationId xmlns:a16="http://schemas.microsoft.com/office/drawing/2014/main" id="{0AB42021-00AE-452E-A533-B458B31E350D}"/>
-              </a:ext>
-            </a:extLst>
-          </p:cNvPr>
-          <p:cNvSpPr>
-            <a:spLocks noGrp="1"/>
-          </p:cNvSpPr>
-          <p:nvPr>
-            <p:ph idx="1"/>
-          </p:nvPr>
-        </p:nvSpPr>
-        <p:spPr/>
-        <p:txBody>
-          <a:bodyPr/>
-          <a:lstStyle/>
-          <a:p>
-            <a:endParaRPr lang="en-CA"/>
-          </a:p>
-        </p:txBody>
-      </p:sp>
+      <mc:AlternateContent xmlns:mc="http://schemas.openxmlformats.org/markup-compatibility/2006">
+        <mc:Choice xmlns:a14="http://schemas.microsoft.com/office/drawing/2010/main" Requires="a14">
+          <p:sp>
+            <p:nvSpPr>
+              <p:cNvPr id="2" name="Title 1">
+                <a:extLst>
+                  <a:ext uri="{FF2B5EF4-FFF2-40B4-BE49-F238E27FC236}">
+                    <a16:creationId xmlns:a16="http://schemas.microsoft.com/office/drawing/2014/main" id="{019E269D-B1C1-490B-B396-3F21DA34C801}"/>
+                  </a:ext>
+                </a:extLst>
+              </p:cNvPr>
+              <p:cNvSpPr>
+                <a:spLocks noGrp="1"/>
+              </p:cNvSpPr>
+              <p:nvPr>
+                <p:ph type="title"/>
+              </p:nvPr>
+            </p:nvSpPr>
+            <p:spPr/>
+            <p:txBody>
+              <a:bodyPr/>
+              <a:lstStyle/>
+              <a:p>
+                <a:r>
+                  <a:rPr lang="en-CA" dirty="0"/>
+                  <a:t>Mechanical Motor Dynamics (</a:t>
+                </a:r>
+                <a14:m>
+                  <m:oMath xmlns:m="http://schemas.openxmlformats.org/officeDocument/2006/math">
+                    <m:sSub>
+                      <m:sSubPr>
+                        <m:ctrlPr>
+                          <a:rPr lang="en-CA" b="0" i="1" smtClean="0">
+                            <a:latin typeface="Cambria Math" panose="02040503050406030204" pitchFamily="18" charset="0"/>
+                          </a:rPr>
+                        </m:ctrlPr>
+                      </m:sSubPr>
+                      <m:e>
+                        <m:r>
+                          <a:rPr lang="en-CA" b="0" i="1" smtClean="0">
+                            <a:latin typeface="Cambria Math" panose="02040503050406030204" pitchFamily="18" charset="0"/>
+                          </a:rPr>
+                          <m:t>𝑞</m:t>
+                        </m:r>
+                      </m:e>
+                      <m:sub>
+                        <m:r>
+                          <a:rPr lang="en-CA" b="0" i="1" smtClean="0">
+                            <a:latin typeface="Cambria Math" panose="02040503050406030204" pitchFamily="18" charset="0"/>
+                          </a:rPr>
+                          <m:t>1</m:t>
+                        </m:r>
+                      </m:sub>
+                    </m:sSub>
+                  </m:oMath>
+                </a14:m>
+                <a:r>
+                  <a:rPr lang="en-CA" dirty="0"/>
+                  <a:t>)</a:t>
+                </a:r>
+              </a:p>
+            </p:txBody>
+          </p:sp>
+        </mc:Choice>
+        <mc:Fallback>
+          <p:sp>
+            <p:nvSpPr>
+              <p:cNvPr id="2" name="Title 1">
+                <a:extLst>
+                  <a:ext uri="{FF2B5EF4-FFF2-40B4-BE49-F238E27FC236}">
+                    <a16:creationId xmlns:a16="http://schemas.microsoft.com/office/drawing/2014/main" id="{019E269D-B1C1-490B-B396-3F21DA34C801}"/>
+                  </a:ext>
+                </a:extLst>
+              </p:cNvPr>
+              <p:cNvSpPr>
+                <a:spLocks noGrp="1" noRot="1" noChangeAspect="1" noMove="1" noResize="1" noEditPoints="1" noAdjustHandles="1" noChangeArrowheads="1" noChangeShapeType="1" noTextEdit="1"/>
+              </p:cNvSpPr>
+              <p:nvPr>
+                <p:ph type="title"/>
+              </p:nvPr>
+            </p:nvSpPr>
+            <p:spPr>
+              <a:blipFill>
+                <a:blip r:embed="rId2"/>
+                <a:stretch>
+                  <a:fillRect l="-2377"/>
+                </a:stretch>
+              </a:blipFill>
+            </p:spPr>
+            <p:txBody>
+              <a:bodyPr/>
+              <a:lstStyle/>
+              <a:p>
+                <a:r>
+                  <a:rPr lang="en-CA">
+                    <a:noFill/>
+                  </a:rPr>
+                  <a:t> </a:t>
+                </a:r>
+              </a:p>
+            </p:txBody>
+          </p:sp>
+        </mc:Fallback>
+      </mc:AlternateContent>
+      <mc:AlternateContent xmlns:mc="http://schemas.openxmlformats.org/markup-compatibility/2006">
+        <mc:Choice xmlns:a14="http://schemas.microsoft.com/office/drawing/2010/main" Requires="a14">
+          <p:sp>
+            <p:nvSpPr>
+              <p:cNvPr id="3" name="Content Placeholder 2">
+                <a:extLst>
+                  <a:ext uri="{FF2B5EF4-FFF2-40B4-BE49-F238E27FC236}">
+                    <a16:creationId xmlns:a16="http://schemas.microsoft.com/office/drawing/2014/main" id="{0AB42021-00AE-452E-A533-B458B31E350D}"/>
+                  </a:ext>
+                </a:extLst>
+              </p:cNvPr>
+              <p:cNvSpPr>
+                <a:spLocks noGrp="1"/>
+              </p:cNvSpPr>
+              <p:nvPr>
+                <p:ph idx="1"/>
+              </p:nvPr>
+            </p:nvSpPr>
+            <p:spPr>
+              <a:xfrm>
+                <a:off x="838200" y="1825625"/>
+                <a:ext cx="2870771" cy="4351338"/>
+              </a:xfrm>
+            </p:spPr>
+            <p:txBody>
+              <a:bodyPr/>
+              <a:lstStyle/>
+              <a:p>
+                <a14:m>
+                  <m:oMath xmlns:m="http://schemas.openxmlformats.org/officeDocument/2006/math">
+                    <m:r>
+                      <a:rPr lang="en-CA" b="0" i="1" smtClean="0">
+                        <a:latin typeface="Cambria Math" panose="02040503050406030204" pitchFamily="18" charset="0"/>
+                      </a:rPr>
+                      <m:t>𝐽</m:t>
+                    </m:r>
+                    <m:r>
+                      <a:rPr lang="en-CA" b="0" i="1" smtClean="0">
+                        <a:latin typeface="Cambria Math" panose="02040503050406030204" pitchFamily="18" charset="0"/>
+                      </a:rPr>
+                      <m:t> </m:t>
+                    </m:r>
+                    <m:r>
+                      <a:rPr lang="en-CA" b="0" i="1" smtClean="0">
+                        <a:latin typeface="Cambria Math" panose="02040503050406030204" pitchFamily="18" charset="0"/>
+                      </a:rPr>
+                      <m:t>𝑐𝑎𝑙𝑐𝑢𝑙𝑎𝑡𝑖𝑜𝑛</m:t>
+                    </m:r>
+                  </m:oMath>
+                </a14:m>
+                <a:endParaRPr lang="en-CA" b="0" dirty="0"/>
+              </a:p>
+              <a:p>
+                <a:pPr marL="0" indent="0">
+                  <a:buNone/>
+                </a:pPr>
+                <a:endParaRPr lang="en-CA" b="1" dirty="0"/>
+              </a:p>
+            </p:txBody>
+          </p:sp>
+        </mc:Choice>
+        <mc:Fallback>
+          <p:sp>
+            <p:nvSpPr>
+              <p:cNvPr id="3" name="Content Placeholder 2">
+                <a:extLst>
+                  <a:ext uri="{FF2B5EF4-FFF2-40B4-BE49-F238E27FC236}">
+                    <a16:creationId xmlns:a16="http://schemas.microsoft.com/office/drawing/2014/main" id="{0AB42021-00AE-452E-A533-B458B31E350D}"/>
+                  </a:ext>
+                </a:extLst>
+              </p:cNvPr>
+              <p:cNvSpPr>
+                <a:spLocks noGrp="1" noRot="1" noChangeAspect="1" noMove="1" noResize="1" noEditPoints="1" noAdjustHandles="1" noChangeArrowheads="1" noChangeShapeType="1" noTextEdit="1"/>
+              </p:cNvSpPr>
+              <p:nvPr>
+                <p:ph idx="1"/>
+              </p:nvPr>
+            </p:nvSpPr>
+            <p:spPr>
+              <a:xfrm>
+                <a:off x="838200" y="1825625"/>
+                <a:ext cx="2870771" cy="4351338"/>
+              </a:xfrm>
+              <a:blipFill>
+                <a:blip r:embed="rId3"/>
+                <a:stretch>
+                  <a:fillRect/>
+                </a:stretch>
+              </a:blipFill>
+            </p:spPr>
+            <p:txBody>
+              <a:bodyPr/>
+              <a:lstStyle/>
+              <a:p>
+                <a:r>
+                  <a:rPr lang="en-CA">
+                    <a:noFill/>
+                  </a:rPr>
+                  <a:t> </a:t>
+                </a:r>
+              </a:p>
+            </p:txBody>
+          </p:sp>
+        </mc:Fallback>
+      </mc:AlternateContent>
+      <mc:AlternateContent xmlns:mc="http://schemas.openxmlformats.org/markup-compatibility/2006">
+        <mc:Choice xmlns:a14="http://schemas.microsoft.com/office/drawing/2010/main" Requires="a14">
+          <p:sp>
+            <p:nvSpPr>
+              <p:cNvPr id="4" name="Content Placeholder 2">
+                <a:extLst>
+                  <a:ext uri="{FF2B5EF4-FFF2-40B4-BE49-F238E27FC236}">
+                    <a16:creationId xmlns:a16="http://schemas.microsoft.com/office/drawing/2014/main" id="{358B6924-60BA-48F7-BED5-1995E21ADDE1}"/>
+                  </a:ext>
+                </a:extLst>
+              </p:cNvPr>
+              <p:cNvSpPr txBox="1">
+                <a:spLocks/>
+              </p:cNvSpPr>
+              <p:nvPr/>
+            </p:nvSpPr>
+            <p:spPr>
+              <a:xfrm>
+                <a:off x="3939283" y="1825625"/>
+                <a:ext cx="2870771" cy="4351338"/>
+              </a:xfrm>
+              <a:prstGeom prst="rect">
+                <a:avLst/>
+              </a:prstGeom>
+            </p:spPr>
+            <p:txBody>
+              <a:bodyPr vert="horz" lIns="91440" tIns="45720" rIns="91440" bIns="45720" rtlCol="0">
+                <a:normAutofit/>
+              </a:bodyPr>
+              <a:lstStyle>
+                <a:lvl1pPr marL="228600" indent="-228600" algn="l" defTabSz="914400" rtl="0" eaLnBrk="1" latinLnBrk="0" hangingPunct="1">
+                  <a:lnSpc>
+                    <a:spcPct val="90000"/>
+                  </a:lnSpc>
+                  <a:spcBef>
+                    <a:spcPts val="1000"/>
+                  </a:spcBef>
+                  <a:buFont typeface="Arial" panose="020B0604020202020204" pitchFamily="34" charset="0"/>
+                  <a:buChar char="•"/>
+                  <a:defRPr sz="2800" kern="1200">
+                    <a:solidFill>
+                      <a:schemeClr val="tx1"/>
+                    </a:solidFill>
+                    <a:latin typeface="+mn-lt"/>
+                    <a:ea typeface="+mn-ea"/>
+                    <a:cs typeface="+mn-cs"/>
+                  </a:defRPr>
+                </a:lvl1pPr>
+                <a:lvl2pPr marL="685800" indent="-228600" algn="l" defTabSz="914400" rtl="0" eaLnBrk="1" latinLnBrk="0" hangingPunct="1">
+                  <a:lnSpc>
+                    <a:spcPct val="90000"/>
+                  </a:lnSpc>
+                  <a:spcBef>
+                    <a:spcPts val="500"/>
+                  </a:spcBef>
+                  <a:buFont typeface="Arial" panose="020B0604020202020204" pitchFamily="34" charset="0"/>
+                  <a:buChar char="•"/>
+                  <a:defRPr sz="2400" kern="1200">
+                    <a:solidFill>
+                      <a:schemeClr val="tx1"/>
+                    </a:solidFill>
+                    <a:latin typeface="+mn-lt"/>
+                    <a:ea typeface="+mn-ea"/>
+                    <a:cs typeface="+mn-cs"/>
+                  </a:defRPr>
+                </a:lvl2pPr>
+                <a:lvl3pPr marL="1143000" indent="-228600" algn="l" defTabSz="914400" rtl="0" eaLnBrk="1" latinLnBrk="0" hangingPunct="1">
+                  <a:lnSpc>
+                    <a:spcPct val="90000"/>
+                  </a:lnSpc>
+                  <a:spcBef>
+                    <a:spcPts val="500"/>
+                  </a:spcBef>
+                  <a:buFont typeface="Arial" panose="020B0604020202020204" pitchFamily="34" charset="0"/>
+                  <a:buChar char="•"/>
+                  <a:defRPr sz="2000" kern="1200">
+                    <a:solidFill>
+                      <a:schemeClr val="tx1"/>
+                    </a:solidFill>
+                    <a:latin typeface="+mn-lt"/>
+                    <a:ea typeface="+mn-ea"/>
+                    <a:cs typeface="+mn-cs"/>
+                  </a:defRPr>
+                </a:lvl3pPr>
+                <a:lvl4pPr marL="1600200" indent="-228600" algn="l" defTabSz="914400" rtl="0" eaLnBrk="1" latinLnBrk="0" hangingPunct="1">
+                  <a:lnSpc>
+                    <a:spcPct val="90000"/>
+                  </a:lnSpc>
+                  <a:spcBef>
+                    <a:spcPts val="500"/>
+                  </a:spcBef>
+                  <a:buFont typeface="Arial" panose="020B0604020202020204" pitchFamily="34" charset="0"/>
+                  <a:buChar char="•"/>
+                  <a:defRPr sz="1800" kern="1200">
+                    <a:solidFill>
+                      <a:schemeClr val="tx1"/>
+                    </a:solidFill>
+                    <a:latin typeface="+mn-lt"/>
+                    <a:ea typeface="+mn-ea"/>
+                    <a:cs typeface="+mn-cs"/>
+                  </a:defRPr>
+                </a:lvl4pPr>
+                <a:lvl5pPr marL="2057400" indent="-228600" algn="l" defTabSz="914400" rtl="0" eaLnBrk="1" latinLnBrk="0" hangingPunct="1">
+                  <a:lnSpc>
+                    <a:spcPct val="90000"/>
+                  </a:lnSpc>
+                  <a:spcBef>
+                    <a:spcPts val="500"/>
+                  </a:spcBef>
+                  <a:buFont typeface="Arial" panose="020B0604020202020204" pitchFamily="34" charset="0"/>
+                  <a:buChar char="•"/>
+                  <a:defRPr sz="1800" kern="1200">
+                    <a:solidFill>
+                      <a:schemeClr val="tx1"/>
+                    </a:solidFill>
+                    <a:latin typeface="+mn-lt"/>
+                    <a:ea typeface="+mn-ea"/>
+                    <a:cs typeface="+mn-cs"/>
+                  </a:defRPr>
+                </a:lvl5pPr>
+                <a:lvl6pPr marL="2514600" indent="-228600" algn="l" defTabSz="914400" rtl="0" eaLnBrk="1" latinLnBrk="0" hangingPunct="1">
+                  <a:lnSpc>
+                    <a:spcPct val="90000"/>
+                  </a:lnSpc>
+                  <a:spcBef>
+                    <a:spcPts val="500"/>
+                  </a:spcBef>
+                  <a:buFont typeface="Arial" panose="020B0604020202020204" pitchFamily="34" charset="0"/>
+                  <a:buChar char="•"/>
+                  <a:defRPr sz="1800" kern="1200">
+                    <a:solidFill>
+                      <a:schemeClr val="tx1"/>
+                    </a:solidFill>
+                    <a:latin typeface="+mn-lt"/>
+                    <a:ea typeface="+mn-ea"/>
+                    <a:cs typeface="+mn-cs"/>
+                  </a:defRPr>
+                </a:lvl6pPr>
+                <a:lvl7pPr marL="2971800" indent="-228600" algn="l" defTabSz="914400" rtl="0" eaLnBrk="1" latinLnBrk="0" hangingPunct="1">
+                  <a:lnSpc>
+                    <a:spcPct val="90000"/>
+                  </a:lnSpc>
+                  <a:spcBef>
+                    <a:spcPts val="500"/>
+                  </a:spcBef>
+                  <a:buFont typeface="Arial" panose="020B0604020202020204" pitchFamily="34" charset="0"/>
+                  <a:buChar char="•"/>
+                  <a:defRPr sz="1800" kern="1200">
+                    <a:solidFill>
+                      <a:schemeClr val="tx1"/>
+                    </a:solidFill>
+                    <a:latin typeface="+mn-lt"/>
+                    <a:ea typeface="+mn-ea"/>
+                    <a:cs typeface="+mn-cs"/>
+                  </a:defRPr>
+                </a:lvl7pPr>
+                <a:lvl8pPr marL="3429000" indent="-228600" algn="l" defTabSz="914400" rtl="0" eaLnBrk="1" latinLnBrk="0" hangingPunct="1">
+                  <a:lnSpc>
+                    <a:spcPct val="90000"/>
+                  </a:lnSpc>
+                  <a:spcBef>
+                    <a:spcPts val="500"/>
+                  </a:spcBef>
+                  <a:buFont typeface="Arial" panose="020B0604020202020204" pitchFamily="34" charset="0"/>
+                  <a:buChar char="•"/>
+                  <a:defRPr sz="1800" kern="1200">
+                    <a:solidFill>
+                      <a:schemeClr val="tx1"/>
+                    </a:solidFill>
+                    <a:latin typeface="+mn-lt"/>
+                    <a:ea typeface="+mn-ea"/>
+                    <a:cs typeface="+mn-cs"/>
+                  </a:defRPr>
+                </a:lvl8pPr>
+                <a:lvl9pPr marL="3886200" indent="-228600" algn="l" defTabSz="914400" rtl="0" eaLnBrk="1" latinLnBrk="0" hangingPunct="1">
+                  <a:lnSpc>
+                    <a:spcPct val="90000"/>
+                  </a:lnSpc>
+                  <a:spcBef>
+                    <a:spcPts val="500"/>
+                  </a:spcBef>
+                  <a:buFont typeface="Arial" panose="020B0604020202020204" pitchFamily="34" charset="0"/>
+                  <a:buChar char="•"/>
+                  <a:defRPr sz="1800" kern="1200">
+                    <a:solidFill>
+                      <a:schemeClr val="tx1"/>
+                    </a:solidFill>
+                    <a:latin typeface="+mn-lt"/>
+                    <a:ea typeface="+mn-ea"/>
+                    <a:cs typeface="+mn-cs"/>
+                  </a:defRPr>
+                </a:lvl9pPr>
+              </a:lstStyle>
+              <a:p>
+                <a14:m>
+                  <m:oMath xmlns:m="http://schemas.openxmlformats.org/officeDocument/2006/math">
+                    <m:r>
+                      <a:rPr lang="en-CA" b="0" i="1" smtClean="0">
+                        <a:latin typeface="Cambria Math" panose="02040503050406030204" pitchFamily="18" charset="0"/>
+                      </a:rPr>
+                      <m:t>𝐵</m:t>
+                    </m:r>
+                    <m:r>
+                      <a:rPr lang="en-CA" i="1" smtClean="0">
+                        <a:latin typeface="Cambria Math" panose="02040503050406030204" pitchFamily="18" charset="0"/>
+                      </a:rPr>
+                      <m:t> </m:t>
+                    </m:r>
+                    <m:r>
+                      <a:rPr lang="en-CA" i="1" smtClean="0">
+                        <a:latin typeface="Cambria Math" panose="02040503050406030204" pitchFamily="18" charset="0"/>
+                      </a:rPr>
+                      <m:t>𝑐𝑎𝑙𝑐𝑢𝑙𝑎𝑡𝑖𝑜𝑛</m:t>
+                    </m:r>
+                  </m:oMath>
+                </a14:m>
+                <a:endParaRPr lang="en-CA" dirty="0"/>
+              </a:p>
+              <a:p>
+                <a:pPr marL="0" indent="0">
+                  <a:buFont typeface="Arial" panose="020B0604020202020204" pitchFamily="34" charset="0"/>
+                  <a:buNone/>
+                </a:pPr>
+                <a:endParaRPr lang="en-CA" b="1" dirty="0"/>
+              </a:p>
+            </p:txBody>
+          </p:sp>
+        </mc:Choice>
+        <mc:Fallback>
+          <p:sp>
+            <p:nvSpPr>
+              <p:cNvPr id="4" name="Content Placeholder 2">
+                <a:extLst>
+                  <a:ext uri="{FF2B5EF4-FFF2-40B4-BE49-F238E27FC236}">
+                    <a16:creationId xmlns:a16="http://schemas.microsoft.com/office/drawing/2014/main" id="{358B6924-60BA-48F7-BED5-1995E21ADDE1}"/>
+                  </a:ext>
+                </a:extLst>
+              </p:cNvPr>
+              <p:cNvSpPr txBox="1">
+                <a:spLocks noRot="1" noChangeAspect="1" noMove="1" noResize="1" noEditPoints="1" noAdjustHandles="1" noChangeArrowheads="1" noChangeShapeType="1" noTextEdit="1"/>
+              </p:cNvSpPr>
+              <p:nvPr/>
+            </p:nvSpPr>
+            <p:spPr>
+              <a:xfrm>
+                <a:off x="3939283" y="1825625"/>
+                <a:ext cx="2870771" cy="4351338"/>
+              </a:xfrm>
+              <a:prstGeom prst="rect">
+                <a:avLst/>
+              </a:prstGeom>
+              <a:blipFill>
+                <a:blip r:embed="rId4"/>
+                <a:stretch>
+                  <a:fillRect/>
+                </a:stretch>
+              </a:blipFill>
+            </p:spPr>
+            <p:txBody>
+              <a:bodyPr/>
+              <a:lstStyle/>
+              <a:p>
+                <a:r>
+                  <a:rPr lang="en-CA">
+                    <a:noFill/>
+                  </a:rPr>
+                  <a:t> </a:t>
+                </a:r>
+              </a:p>
+            </p:txBody>
+          </p:sp>
+        </mc:Fallback>
+      </mc:AlternateContent>
     </p:spTree>
     <p:extLst>
       <p:ext uri="{BB962C8B-B14F-4D97-AF65-F5344CB8AC3E}">
@@ -5970,6 +8657,3022 @@
 </file>
 
 <file path=ppt/slides/slide7.xml><?xml version="1.0" encoding="utf-8"?>
+<p:sld xmlns:a="http://schemas.openxmlformats.org/drawingml/2006/main" xmlns:r="http://schemas.openxmlformats.org/officeDocument/2006/relationships" xmlns:p="http://schemas.openxmlformats.org/presentationml/2006/main">
+  <p:cSld>
+    <p:spTree>
+      <p:nvGrpSpPr>
+        <p:cNvPr id="1" name=""/>
+        <p:cNvGrpSpPr/>
+        <p:nvPr/>
+      </p:nvGrpSpPr>
+      <p:grpSpPr>
+        <a:xfrm>
+          <a:off x="0" y="0"/>
+          <a:ext cx="0" cy="0"/>
+          <a:chOff x="0" y="0"/>
+          <a:chExt cx="0" cy="0"/>
+        </a:xfrm>
+      </p:grpSpPr>
+      <mc:AlternateContent xmlns:mc="http://schemas.openxmlformats.org/markup-compatibility/2006">
+        <mc:Choice xmlns:a14="http://schemas.microsoft.com/office/drawing/2010/main" Requires="a14">
+          <p:sp>
+            <p:nvSpPr>
+              <p:cNvPr id="2" name="Title 1">
+                <a:extLst>
+                  <a:ext uri="{FF2B5EF4-FFF2-40B4-BE49-F238E27FC236}">
+                    <a16:creationId xmlns:a16="http://schemas.microsoft.com/office/drawing/2014/main" id="{019E269D-B1C1-490B-B396-3F21DA34C801}"/>
+                  </a:ext>
+                </a:extLst>
+              </p:cNvPr>
+              <p:cNvSpPr>
+                <a:spLocks noGrp="1"/>
+              </p:cNvSpPr>
+              <p:nvPr>
+                <p:ph type="title"/>
+              </p:nvPr>
+            </p:nvSpPr>
+            <p:spPr/>
+            <p:txBody>
+              <a:bodyPr/>
+              <a:lstStyle/>
+              <a:p>
+                <a:r>
+                  <a:rPr lang="en-CA" dirty="0"/>
+                  <a:t>Mechanical Motor Dynamics (</a:t>
+                </a:r>
+                <a14:m>
+                  <m:oMath xmlns:m="http://schemas.openxmlformats.org/officeDocument/2006/math">
+                    <m:sSub>
+                      <m:sSubPr>
+                        <m:ctrlPr>
+                          <a:rPr lang="en-CA" b="0" i="1" smtClean="0">
+                            <a:latin typeface="Cambria Math" panose="02040503050406030204" pitchFamily="18" charset="0"/>
+                          </a:rPr>
+                        </m:ctrlPr>
+                      </m:sSubPr>
+                      <m:e>
+                        <m:r>
+                          <a:rPr lang="en-CA" b="0" i="1" smtClean="0">
+                            <a:latin typeface="Cambria Math" panose="02040503050406030204" pitchFamily="18" charset="0"/>
+                          </a:rPr>
+                          <m:t>𝑞</m:t>
+                        </m:r>
+                      </m:e>
+                      <m:sub>
+                        <m:r>
+                          <a:rPr lang="en-CA" b="0" i="1" smtClean="0">
+                            <a:latin typeface="Cambria Math" panose="02040503050406030204" pitchFamily="18" charset="0"/>
+                          </a:rPr>
+                          <m:t>0</m:t>
+                        </m:r>
+                      </m:sub>
+                    </m:sSub>
+                  </m:oMath>
+                </a14:m>
+                <a:r>
+                  <a:rPr lang="en-CA" dirty="0"/>
+                  <a:t>)</a:t>
+                </a:r>
+              </a:p>
+            </p:txBody>
+          </p:sp>
+        </mc:Choice>
+        <mc:Fallback>
+          <p:sp>
+            <p:nvSpPr>
+              <p:cNvPr id="2" name="Title 1">
+                <a:extLst>
+                  <a:ext uri="{FF2B5EF4-FFF2-40B4-BE49-F238E27FC236}">
+                    <a16:creationId xmlns:a16="http://schemas.microsoft.com/office/drawing/2014/main" id="{019E269D-B1C1-490B-B396-3F21DA34C801}"/>
+                  </a:ext>
+                </a:extLst>
+              </p:cNvPr>
+              <p:cNvSpPr>
+                <a:spLocks noGrp="1" noRot="1" noChangeAspect="1" noMove="1" noResize="1" noEditPoints="1" noAdjustHandles="1" noChangeArrowheads="1" noChangeShapeType="1" noTextEdit="1"/>
+              </p:cNvSpPr>
+              <p:nvPr>
+                <p:ph type="title"/>
+              </p:nvPr>
+            </p:nvSpPr>
+            <p:spPr>
+              <a:blipFill>
+                <a:blip r:embed="rId2"/>
+                <a:stretch>
+                  <a:fillRect l="-2377"/>
+                </a:stretch>
+              </a:blipFill>
+            </p:spPr>
+            <p:txBody>
+              <a:bodyPr/>
+              <a:lstStyle/>
+              <a:p>
+                <a:r>
+                  <a:rPr lang="en-CA">
+                    <a:noFill/>
+                  </a:rPr>
+                  <a:t> </a:t>
+                </a:r>
+              </a:p>
+            </p:txBody>
+          </p:sp>
+        </mc:Fallback>
+      </mc:AlternateContent>
+      <mc:AlternateContent xmlns:mc="http://schemas.openxmlformats.org/markup-compatibility/2006">
+        <mc:Choice xmlns:a14="http://schemas.microsoft.com/office/drawing/2010/main" Requires="a14">
+          <p:sp>
+            <p:nvSpPr>
+              <p:cNvPr id="3" name="Content Placeholder 2">
+                <a:extLst>
+                  <a:ext uri="{FF2B5EF4-FFF2-40B4-BE49-F238E27FC236}">
+                    <a16:creationId xmlns:a16="http://schemas.microsoft.com/office/drawing/2014/main" id="{0AB42021-00AE-452E-A533-B458B31E350D}"/>
+                  </a:ext>
+                </a:extLst>
+              </p:cNvPr>
+              <p:cNvSpPr>
+                <a:spLocks noGrp="1"/>
+              </p:cNvSpPr>
+              <p:nvPr>
+                <p:ph idx="1"/>
+              </p:nvPr>
+            </p:nvSpPr>
+            <p:spPr>
+              <a:xfrm>
+                <a:off x="776555" y="1563634"/>
+                <a:ext cx="10031858" cy="4351338"/>
+              </a:xfrm>
+            </p:spPr>
+            <p:txBody>
+              <a:bodyPr/>
+              <a:lstStyle/>
+              <a:p>
+                <a14:m>
+                  <m:oMath xmlns:m="http://schemas.openxmlformats.org/officeDocument/2006/math">
+                    <m:sSub>
+                      <m:sSubPr>
+                        <m:ctrlPr>
+                          <a:rPr lang="en-CA" i="1" smtClean="0">
+                            <a:latin typeface="Cambria Math" panose="02040503050406030204" pitchFamily="18" charset="0"/>
+                          </a:rPr>
+                        </m:ctrlPr>
+                      </m:sSubPr>
+                      <m:e>
+                        <m:r>
+                          <a:rPr lang="en-CA" b="0" i="1" smtClean="0">
+                            <a:latin typeface="Cambria Math" panose="02040503050406030204" pitchFamily="18" charset="0"/>
+                          </a:rPr>
+                          <m:t>𝐽</m:t>
+                        </m:r>
+                      </m:e>
+                      <m:sub>
+                        <m:r>
+                          <a:rPr lang="en-CA" b="0" i="1" smtClean="0">
+                            <a:latin typeface="Cambria Math" panose="02040503050406030204" pitchFamily="18" charset="0"/>
+                          </a:rPr>
+                          <m:t>𝑞</m:t>
+                        </m:r>
+                        <m:r>
+                          <a:rPr lang="en-CA" b="0" i="1" smtClean="0">
+                            <a:latin typeface="Cambria Math" panose="02040503050406030204" pitchFamily="18" charset="0"/>
+                          </a:rPr>
+                          <m:t>0</m:t>
+                        </m:r>
+                      </m:sub>
+                    </m:sSub>
+                    <m:r>
+                      <a:rPr lang="en-CA" b="0" i="1" smtClean="0">
+                        <a:latin typeface="Cambria Math" panose="02040503050406030204" pitchFamily="18" charset="0"/>
+                      </a:rPr>
+                      <m:t>=</m:t>
+                    </m:r>
+                  </m:oMath>
+                </a14:m>
+                <a:r>
+                  <a:rPr lang="en-CA" dirty="0"/>
+                  <a:t> </a:t>
+                </a:r>
+                <a14:m>
+                  <m:oMath xmlns:m="http://schemas.openxmlformats.org/officeDocument/2006/math">
+                    <m:sSub>
+                      <m:sSubPr>
+                        <m:ctrlPr>
+                          <a:rPr lang="en-CA" i="1">
+                            <a:latin typeface="Cambria Math" panose="02040503050406030204" pitchFamily="18" charset="0"/>
+                          </a:rPr>
+                        </m:ctrlPr>
+                      </m:sSubPr>
+                      <m:e>
+                        <m:r>
+                          <a:rPr lang="en-CA" b="0" i="1">
+                            <a:latin typeface="Cambria Math" panose="02040503050406030204" pitchFamily="18" charset="0"/>
+                          </a:rPr>
+                          <m:t>𝐽</m:t>
+                        </m:r>
+                      </m:e>
+                      <m:sub>
+                        <m:r>
+                          <a:rPr lang="en-CA" b="0" i="1" smtClean="0">
+                            <a:latin typeface="Cambria Math" panose="02040503050406030204" pitchFamily="18" charset="0"/>
+                          </a:rPr>
+                          <m:t>𝑙𝑖𝑛𝑘</m:t>
+                        </m:r>
+                      </m:sub>
+                    </m:sSub>
+                    <m:r>
+                      <a:rPr lang="en-CA" b="0" i="1" smtClean="0">
+                        <a:latin typeface="Cambria Math" panose="02040503050406030204" pitchFamily="18" charset="0"/>
+                      </a:rPr>
+                      <m:t>+</m:t>
+                    </m:r>
+                    <m:sSub>
+                      <m:sSubPr>
+                        <m:ctrlPr>
+                          <a:rPr lang="en-CA" i="1" smtClean="0">
+                            <a:latin typeface="Cambria Math" panose="02040503050406030204" pitchFamily="18" charset="0"/>
+                          </a:rPr>
+                        </m:ctrlPr>
+                      </m:sSubPr>
+                      <m:e>
+                        <m:r>
+                          <a:rPr lang="en-CA" b="0" i="1">
+                            <a:latin typeface="Cambria Math" panose="02040503050406030204" pitchFamily="18" charset="0"/>
+                          </a:rPr>
+                          <m:t>𝐽</m:t>
+                        </m:r>
+                      </m:e>
+                      <m:sub>
+                        <m:r>
+                          <a:rPr lang="en-CA" b="0" i="1" smtClean="0">
+                            <a:latin typeface="Cambria Math" panose="02040503050406030204" pitchFamily="18" charset="0"/>
+                          </a:rPr>
+                          <m:t>𝑟𝑜𝑡𝑜𝑟</m:t>
+                        </m:r>
+                      </m:sub>
+                    </m:sSub>
+                    <m:r>
+                      <a:rPr lang="en-CA" b="0" i="1" smtClean="0">
+                        <a:latin typeface="Cambria Math" panose="02040503050406030204" pitchFamily="18" charset="0"/>
+                      </a:rPr>
+                      <m:t>+</m:t>
+                    </m:r>
+                    <m:sSub>
+                      <m:sSubPr>
+                        <m:ctrlPr>
+                          <a:rPr lang="en-CA" i="1">
+                            <a:latin typeface="Cambria Math" panose="02040503050406030204" pitchFamily="18" charset="0"/>
+                          </a:rPr>
+                        </m:ctrlPr>
+                      </m:sSubPr>
+                      <m:e>
+                        <m:r>
+                          <a:rPr lang="en-CA" b="0" i="1">
+                            <a:latin typeface="Cambria Math" panose="02040503050406030204" pitchFamily="18" charset="0"/>
+                          </a:rPr>
+                          <m:t>𝐽</m:t>
+                        </m:r>
+                      </m:e>
+                      <m:sub>
+                        <m:r>
+                          <a:rPr lang="en-CA" b="0" i="1" smtClean="0">
+                            <a:latin typeface="Cambria Math" panose="02040503050406030204" pitchFamily="18" charset="0"/>
+                          </a:rPr>
+                          <m:t>𝑞</m:t>
+                        </m:r>
+                        <m:r>
+                          <a:rPr lang="en-CA" b="0" i="1" smtClean="0">
+                            <a:latin typeface="Cambria Math" panose="02040503050406030204" pitchFamily="18" charset="0"/>
+                          </a:rPr>
+                          <m:t>1 </m:t>
+                        </m:r>
+                        <m:r>
+                          <a:rPr lang="en-CA" b="0" i="1" smtClean="0">
+                            <a:latin typeface="Cambria Math" panose="02040503050406030204" pitchFamily="18" charset="0"/>
+                          </a:rPr>
+                          <m:t>𝑤𝑒𝑖𝑔h𝑡</m:t>
+                        </m:r>
+                      </m:sub>
+                    </m:sSub>
+                    <m:r>
+                      <a:rPr lang="en-CA" b="0" i="1" smtClean="0">
+                        <a:latin typeface="Cambria Math" panose="02040503050406030204" pitchFamily="18" charset="0"/>
+                      </a:rPr>
+                      <m:t>+</m:t>
+                    </m:r>
+                    <m:sSub>
+                      <m:sSubPr>
+                        <m:ctrlPr>
+                          <a:rPr lang="en-CA" i="1">
+                            <a:latin typeface="Cambria Math" panose="02040503050406030204" pitchFamily="18" charset="0"/>
+                          </a:rPr>
+                        </m:ctrlPr>
+                      </m:sSubPr>
+                      <m:e>
+                        <m:r>
+                          <a:rPr lang="en-CA" b="0" i="1">
+                            <a:latin typeface="Cambria Math" panose="02040503050406030204" pitchFamily="18" charset="0"/>
+                          </a:rPr>
+                          <m:t>𝐽</m:t>
+                        </m:r>
+                      </m:e>
+                      <m:sub>
+                        <m:r>
+                          <a:rPr lang="en-CA" b="0" i="1" smtClean="0">
+                            <a:latin typeface="Cambria Math" panose="02040503050406030204" pitchFamily="18" charset="0"/>
+                          </a:rPr>
+                          <m:t>𝑐𝑜𝑢𝑛𝑡𝑒𝑟</m:t>
+                        </m:r>
+                        <m:r>
+                          <a:rPr lang="en-CA" b="0" i="1" smtClean="0">
+                            <a:latin typeface="Cambria Math" panose="02040503050406030204" pitchFamily="18" charset="0"/>
+                          </a:rPr>
+                          <m:t> </m:t>
+                        </m:r>
+                        <m:r>
+                          <a:rPr lang="en-CA" b="0" i="1" smtClean="0">
+                            <a:latin typeface="Cambria Math" panose="02040503050406030204" pitchFamily="18" charset="0"/>
+                          </a:rPr>
+                          <m:t>𝑤𝑒𝑖𝑔h𝑡</m:t>
+                        </m:r>
+                      </m:sub>
+                    </m:sSub>
+                  </m:oMath>
+                </a14:m>
+                <a:endParaRPr lang="en-CA" dirty="0"/>
+              </a:p>
+              <a:p>
+                <a14:m>
+                  <m:oMath xmlns:m="http://schemas.openxmlformats.org/officeDocument/2006/math">
+                    <m:sSub>
+                      <m:sSubPr>
+                        <m:ctrlPr>
+                          <a:rPr lang="en-CA" i="1">
+                            <a:latin typeface="Cambria Math" panose="02040503050406030204" pitchFamily="18" charset="0"/>
+                          </a:rPr>
+                        </m:ctrlPr>
+                      </m:sSubPr>
+                      <m:e>
+                        <m:r>
+                          <a:rPr lang="en-CA" b="0" i="1">
+                            <a:latin typeface="Cambria Math" panose="02040503050406030204" pitchFamily="18" charset="0"/>
+                          </a:rPr>
+                          <m:t>𝐽</m:t>
+                        </m:r>
+                      </m:e>
+                      <m:sub>
+                        <m:r>
+                          <a:rPr lang="en-CA" b="0" i="1">
+                            <a:latin typeface="Cambria Math" panose="02040503050406030204" pitchFamily="18" charset="0"/>
+                          </a:rPr>
+                          <m:t>𝑞</m:t>
+                        </m:r>
+                        <m:r>
+                          <a:rPr lang="en-CA" b="0" i="1">
+                            <a:latin typeface="Cambria Math" panose="02040503050406030204" pitchFamily="18" charset="0"/>
+                          </a:rPr>
+                          <m:t>0</m:t>
+                        </m:r>
+                      </m:sub>
+                    </m:sSub>
+                    <m:r>
+                      <a:rPr lang="en-CA" b="0" i="1">
+                        <a:latin typeface="Cambria Math" panose="02040503050406030204" pitchFamily="18" charset="0"/>
+                      </a:rPr>
+                      <m:t>=</m:t>
+                    </m:r>
+                    <m:sSub>
+                      <m:sSubPr>
+                        <m:ctrlPr>
+                          <a:rPr lang="en-CA" i="1">
+                            <a:latin typeface="Cambria Math" panose="02040503050406030204" pitchFamily="18" charset="0"/>
+                          </a:rPr>
+                        </m:ctrlPr>
+                      </m:sSubPr>
+                      <m:e>
+                        <m:r>
+                          <a:rPr lang="en-CA" b="0" i="1">
+                            <a:latin typeface="Cambria Math" panose="02040503050406030204" pitchFamily="18" charset="0"/>
+                          </a:rPr>
+                          <m:t>𝐽</m:t>
+                        </m:r>
+                      </m:e>
+                      <m:sub>
+                        <m:r>
+                          <a:rPr lang="en-CA" b="0" i="1">
+                            <a:latin typeface="Cambria Math" panose="02040503050406030204" pitchFamily="18" charset="0"/>
+                          </a:rPr>
+                          <m:t>𝑙𝑖𝑛𝑘</m:t>
+                        </m:r>
+                      </m:sub>
+                    </m:sSub>
+                    <m:r>
+                      <a:rPr lang="en-CA" b="0" i="1">
+                        <a:latin typeface="Cambria Math" panose="02040503050406030204" pitchFamily="18" charset="0"/>
+                      </a:rPr>
+                      <m:t>+</m:t>
+                    </m:r>
+                    <m:sSub>
+                      <m:sSubPr>
+                        <m:ctrlPr>
+                          <a:rPr lang="en-CA" i="1">
+                            <a:latin typeface="Cambria Math" panose="02040503050406030204" pitchFamily="18" charset="0"/>
+                          </a:rPr>
+                        </m:ctrlPr>
+                      </m:sSubPr>
+                      <m:e>
+                        <m:r>
+                          <a:rPr lang="en-CA" b="0" i="1">
+                            <a:latin typeface="Cambria Math" panose="02040503050406030204" pitchFamily="18" charset="0"/>
+                          </a:rPr>
+                          <m:t>𝐽</m:t>
+                        </m:r>
+                      </m:e>
+                      <m:sub>
+                        <m:r>
+                          <a:rPr lang="en-CA" b="0" i="1">
+                            <a:latin typeface="Cambria Math" panose="02040503050406030204" pitchFamily="18" charset="0"/>
+                          </a:rPr>
+                          <m:t>𝑟𝑜𝑡𝑜𝑟</m:t>
+                        </m:r>
+                      </m:sub>
+                    </m:sSub>
+                    <m:r>
+                      <a:rPr lang="en-CA" b="0" i="1">
+                        <a:latin typeface="Cambria Math" panose="02040503050406030204" pitchFamily="18" charset="0"/>
+                      </a:rPr>
+                      <m:t>+</m:t>
+                    </m:r>
+                    <m:sSub>
+                      <m:sSubPr>
+                        <m:ctrlPr>
+                          <a:rPr lang="en-CA" i="1">
+                            <a:latin typeface="Cambria Math" panose="02040503050406030204" pitchFamily="18" charset="0"/>
+                          </a:rPr>
+                        </m:ctrlPr>
+                      </m:sSubPr>
+                      <m:e>
+                        <m:r>
+                          <a:rPr lang="en-CA" b="0" i="1" smtClean="0">
+                            <a:latin typeface="Cambria Math" panose="02040503050406030204" pitchFamily="18" charset="0"/>
+                          </a:rPr>
+                          <m:t>2</m:t>
+                        </m:r>
+                        <m:r>
+                          <a:rPr lang="en-CA" b="0" i="1">
+                            <a:latin typeface="Cambria Math" panose="02040503050406030204" pitchFamily="18" charset="0"/>
+                          </a:rPr>
+                          <m:t>𝐽</m:t>
+                        </m:r>
+                      </m:e>
+                      <m:sub>
+                        <m:r>
+                          <a:rPr lang="en-CA" b="0" i="1">
+                            <a:latin typeface="Cambria Math" panose="02040503050406030204" pitchFamily="18" charset="0"/>
+                          </a:rPr>
+                          <m:t>𝑞</m:t>
+                        </m:r>
+                        <m:r>
+                          <a:rPr lang="en-CA" b="0" i="1">
+                            <a:latin typeface="Cambria Math" panose="02040503050406030204" pitchFamily="18" charset="0"/>
+                          </a:rPr>
+                          <m:t>1 </m:t>
+                        </m:r>
+                        <m:r>
+                          <a:rPr lang="en-CA" b="0" i="1">
+                            <a:latin typeface="Cambria Math" panose="02040503050406030204" pitchFamily="18" charset="0"/>
+                          </a:rPr>
+                          <m:t>𝑤𝑒𝑖𝑔h𝑡</m:t>
+                        </m:r>
+                      </m:sub>
+                    </m:sSub>
+                  </m:oMath>
+                </a14:m>
+                <a:endParaRPr lang="en-CA" dirty="0"/>
+              </a:p>
+              <a:p>
+                <a:pPr marL="0" indent="0">
+                  <a:buNone/>
+                </a:pPr>
+                <a:endParaRPr lang="en-CA" dirty="0"/>
+              </a:p>
+              <a:p>
+                <a:endParaRPr lang="en-CA" dirty="0"/>
+              </a:p>
+            </p:txBody>
+          </p:sp>
+        </mc:Choice>
+        <mc:Fallback>
+          <p:sp>
+            <p:nvSpPr>
+              <p:cNvPr id="3" name="Content Placeholder 2">
+                <a:extLst>
+                  <a:ext uri="{FF2B5EF4-FFF2-40B4-BE49-F238E27FC236}">
+                    <a16:creationId xmlns:a16="http://schemas.microsoft.com/office/drawing/2014/main" id="{0AB42021-00AE-452E-A533-B458B31E350D}"/>
+                  </a:ext>
+                </a:extLst>
+              </p:cNvPr>
+              <p:cNvSpPr>
+                <a:spLocks noGrp="1" noRot="1" noChangeAspect="1" noMove="1" noResize="1" noEditPoints="1" noAdjustHandles="1" noChangeArrowheads="1" noChangeShapeType="1" noTextEdit="1"/>
+              </p:cNvSpPr>
+              <p:nvPr>
+                <p:ph idx="1"/>
+              </p:nvPr>
+            </p:nvSpPr>
+            <p:spPr>
+              <a:xfrm>
+                <a:off x="776555" y="1563634"/>
+                <a:ext cx="10031858" cy="4351338"/>
+              </a:xfrm>
+              <a:blipFill>
+                <a:blip r:embed="rId3"/>
+                <a:stretch>
+                  <a:fillRect/>
+                </a:stretch>
+              </a:blipFill>
+            </p:spPr>
+            <p:txBody>
+              <a:bodyPr/>
+              <a:lstStyle/>
+              <a:p>
+                <a:r>
+                  <a:rPr lang="en-CA">
+                    <a:noFill/>
+                  </a:rPr>
+                  <a:t> </a:t>
+                </a:r>
+              </a:p>
+            </p:txBody>
+          </p:sp>
+        </mc:Fallback>
+      </mc:AlternateContent>
+      <mc:AlternateContent xmlns:mc="http://schemas.openxmlformats.org/markup-compatibility/2006">
+        <mc:Choice xmlns:a14="http://schemas.microsoft.com/office/drawing/2010/main" Requires="a14">
+          <p:sp>
+            <p:nvSpPr>
+              <p:cNvPr id="5" name="Rectangle 4">
+                <a:extLst>
+                  <a:ext uri="{FF2B5EF4-FFF2-40B4-BE49-F238E27FC236}">
+                    <a16:creationId xmlns:a16="http://schemas.microsoft.com/office/drawing/2014/main" id="{28F78F1B-AA8A-4C47-B819-9D89BC9BDB01}"/>
+                  </a:ext>
+                </a:extLst>
+              </p:cNvPr>
+              <p:cNvSpPr/>
+              <p:nvPr/>
+            </p:nvSpPr>
+            <p:spPr>
+              <a:xfrm>
+                <a:off x="151876" y="3073917"/>
+                <a:ext cx="4030462" cy="609077"/>
+              </a:xfrm>
+              <a:prstGeom prst="rect">
+                <a:avLst/>
+              </a:prstGeom>
+            </p:spPr>
+            <p:txBody>
+              <a:bodyPr wrap="none">
+                <a:spAutoFit/>
+              </a:bodyPr>
+              <a:lstStyle/>
+              <a:p>
+                <a14:m>
+                  <m:oMathPara xmlns:m="http://schemas.openxmlformats.org/officeDocument/2006/math">
+                    <m:oMathParaPr>
+                      <m:jc m:val="centerGroup"/>
+                    </m:oMathParaPr>
+                    <m:oMath xmlns:m="http://schemas.openxmlformats.org/officeDocument/2006/math">
+                      <m:sSub>
+                        <m:sSubPr>
+                          <m:ctrlPr>
+                            <a:rPr lang="en-CA" i="1" smtClean="0">
+                              <a:latin typeface="Cambria Math" panose="02040503050406030204" pitchFamily="18" charset="0"/>
+                            </a:rPr>
+                          </m:ctrlPr>
+                        </m:sSubPr>
+                        <m:e>
+                          <m:r>
+                            <a:rPr lang="en-CA" i="1">
+                              <a:latin typeface="Cambria Math" panose="02040503050406030204" pitchFamily="18" charset="0"/>
+                            </a:rPr>
+                            <m:t>𝐽</m:t>
+                          </m:r>
+                        </m:e>
+                        <m:sub>
+                          <m:r>
+                            <a:rPr lang="en-CA" i="1">
+                              <a:latin typeface="Cambria Math" panose="02040503050406030204" pitchFamily="18" charset="0"/>
+                            </a:rPr>
+                            <m:t>𝑙𝑖𝑛𝑘</m:t>
+                          </m:r>
+                        </m:sub>
+                      </m:sSub>
+                      <m:r>
+                        <a:rPr lang="en-CA" i="1">
+                          <a:latin typeface="Cambria Math" panose="02040503050406030204" pitchFamily="18" charset="0"/>
+                        </a:rPr>
+                        <m:t>=</m:t>
+                      </m:r>
+                      <m:f>
+                        <m:fPr>
+                          <m:ctrlPr>
+                            <a:rPr lang="en-CA" i="1">
+                              <a:latin typeface="Cambria Math" panose="02040503050406030204" pitchFamily="18" charset="0"/>
+                            </a:rPr>
+                          </m:ctrlPr>
+                        </m:fPr>
+                        <m:num>
+                          <m:sSub>
+                            <m:sSubPr>
+                              <m:ctrlPr>
+                                <a:rPr lang="en-CA" i="1" smtClean="0">
+                                  <a:latin typeface="Cambria Math" panose="02040503050406030204" pitchFamily="18" charset="0"/>
+                                </a:rPr>
+                              </m:ctrlPr>
+                            </m:sSubPr>
+                            <m:e>
+                              <m:r>
+                                <a:rPr lang="en-CA" b="0" i="1" smtClean="0">
+                                  <a:latin typeface="Cambria Math" panose="02040503050406030204" pitchFamily="18" charset="0"/>
+                                </a:rPr>
+                                <m:t>𝑀𝑎𝑠𝑠</m:t>
+                              </m:r>
+                            </m:e>
+                            <m:sub>
+                              <m:r>
+                                <a:rPr lang="en-CA" b="0" i="1" smtClean="0">
+                                  <a:latin typeface="Cambria Math" panose="02040503050406030204" pitchFamily="18" charset="0"/>
+                                </a:rPr>
+                                <m:t>𝑙𝑖𝑛𝑘</m:t>
+                              </m:r>
+                            </m:sub>
+                          </m:sSub>
+                        </m:num>
+                        <m:den>
+                          <m:r>
+                            <a:rPr lang="en-CA" i="1">
+                              <a:latin typeface="Cambria Math" panose="02040503050406030204" pitchFamily="18" charset="0"/>
+                            </a:rPr>
+                            <m:t>12</m:t>
+                          </m:r>
+                        </m:den>
+                      </m:f>
+                      <m:r>
+                        <a:rPr lang="en-CA" i="1">
+                          <a:latin typeface="Cambria Math" panose="02040503050406030204" pitchFamily="18" charset="0"/>
+                        </a:rPr>
+                        <m:t>×</m:t>
+                      </m:r>
+                      <m:d>
+                        <m:dPr>
+                          <m:ctrlPr>
+                            <a:rPr lang="en-CA" i="1">
+                              <a:latin typeface="Cambria Math" panose="02040503050406030204" pitchFamily="18" charset="0"/>
+                            </a:rPr>
+                          </m:ctrlPr>
+                        </m:dPr>
+                        <m:e>
+                          <m:r>
+                            <a:rPr lang="en-CA" i="1">
+                              <a:latin typeface="Cambria Math" panose="02040503050406030204" pitchFamily="18" charset="0"/>
+                            </a:rPr>
+                            <m:t>3</m:t>
+                          </m:r>
+                          <m:d>
+                            <m:dPr>
+                              <m:ctrlPr>
+                                <a:rPr lang="en-CA" i="1">
+                                  <a:latin typeface="Cambria Math" panose="02040503050406030204" pitchFamily="18" charset="0"/>
+                                </a:rPr>
+                              </m:ctrlPr>
+                            </m:dPr>
+                            <m:e>
+                              <m:sSup>
+                                <m:sSupPr>
+                                  <m:ctrlPr>
+                                    <a:rPr lang="en-CA" i="1">
+                                      <a:latin typeface="Cambria Math" panose="02040503050406030204" pitchFamily="18" charset="0"/>
+                                    </a:rPr>
+                                  </m:ctrlPr>
+                                </m:sSupPr>
+                                <m:e>
+                                  <m:sSub>
+                                    <m:sSubPr>
+                                      <m:ctrlPr>
+                                        <a:rPr lang="en-CA" i="1">
+                                          <a:latin typeface="Cambria Math" panose="02040503050406030204" pitchFamily="18" charset="0"/>
+                                        </a:rPr>
+                                      </m:ctrlPr>
+                                    </m:sSubPr>
+                                    <m:e>
+                                      <m:r>
+                                        <a:rPr lang="en-CA" i="1">
+                                          <a:latin typeface="Cambria Math" panose="02040503050406030204" pitchFamily="18" charset="0"/>
+                                        </a:rPr>
+                                        <m:t>𝑟</m:t>
+                                      </m:r>
+                                    </m:e>
+                                    <m:sub>
+                                      <m:r>
+                                        <a:rPr lang="en-CA" i="1">
+                                          <a:latin typeface="Cambria Math" panose="02040503050406030204" pitchFamily="18" charset="0"/>
+                                        </a:rPr>
+                                        <m:t>2</m:t>
+                                      </m:r>
+                                    </m:sub>
+                                  </m:sSub>
+                                </m:e>
+                                <m:sup>
+                                  <m:r>
+                                    <a:rPr lang="en-CA" i="1">
+                                      <a:latin typeface="Cambria Math" panose="02040503050406030204" pitchFamily="18" charset="0"/>
+                                    </a:rPr>
+                                    <m:t>2</m:t>
+                                  </m:r>
+                                </m:sup>
+                              </m:sSup>
+                              <m:r>
+                                <a:rPr lang="en-CA" i="1">
+                                  <a:latin typeface="Cambria Math" panose="02040503050406030204" pitchFamily="18" charset="0"/>
+                                </a:rPr>
+                                <m:t>+</m:t>
+                              </m:r>
+                              <m:sSup>
+                                <m:sSupPr>
+                                  <m:ctrlPr>
+                                    <a:rPr lang="en-CA" i="1">
+                                      <a:latin typeface="Cambria Math" panose="02040503050406030204" pitchFamily="18" charset="0"/>
+                                    </a:rPr>
+                                  </m:ctrlPr>
+                                </m:sSupPr>
+                                <m:e>
+                                  <m:sSub>
+                                    <m:sSubPr>
+                                      <m:ctrlPr>
+                                        <a:rPr lang="en-CA" i="1">
+                                          <a:latin typeface="Cambria Math" panose="02040503050406030204" pitchFamily="18" charset="0"/>
+                                        </a:rPr>
+                                      </m:ctrlPr>
+                                    </m:sSubPr>
+                                    <m:e>
+                                      <m:r>
+                                        <a:rPr lang="en-CA" i="1">
+                                          <a:latin typeface="Cambria Math" panose="02040503050406030204" pitchFamily="18" charset="0"/>
+                                        </a:rPr>
+                                        <m:t>𝑟</m:t>
+                                      </m:r>
+                                    </m:e>
+                                    <m:sub>
+                                      <m:r>
+                                        <a:rPr lang="en-CA" i="1">
+                                          <a:latin typeface="Cambria Math" panose="02040503050406030204" pitchFamily="18" charset="0"/>
+                                        </a:rPr>
+                                        <m:t>1</m:t>
+                                      </m:r>
+                                    </m:sub>
+                                  </m:sSub>
+                                </m:e>
+                                <m:sup>
+                                  <m:r>
+                                    <a:rPr lang="en-CA" i="1">
+                                      <a:latin typeface="Cambria Math" panose="02040503050406030204" pitchFamily="18" charset="0"/>
+                                    </a:rPr>
+                                    <m:t>2</m:t>
+                                  </m:r>
+                                </m:sup>
+                              </m:sSup>
+                            </m:e>
+                          </m:d>
+                          <m:r>
+                            <a:rPr lang="en-CA" i="1">
+                              <a:latin typeface="Cambria Math" panose="02040503050406030204" pitchFamily="18" charset="0"/>
+                            </a:rPr>
+                            <m:t>+</m:t>
+                          </m:r>
+                          <m:sSup>
+                            <m:sSupPr>
+                              <m:ctrlPr>
+                                <a:rPr lang="en-CA" i="1">
+                                  <a:latin typeface="Cambria Math" panose="02040503050406030204" pitchFamily="18" charset="0"/>
+                                </a:rPr>
+                              </m:ctrlPr>
+                            </m:sSupPr>
+                            <m:e>
+                              <m:r>
+                                <a:rPr lang="en-CA" i="1">
+                                  <a:latin typeface="Cambria Math" panose="02040503050406030204" pitchFamily="18" charset="0"/>
+                                </a:rPr>
+                                <m:t>h</m:t>
+                              </m:r>
+                            </m:e>
+                            <m:sup>
+                              <m:r>
+                                <a:rPr lang="en-CA" i="1">
+                                  <a:latin typeface="Cambria Math" panose="02040503050406030204" pitchFamily="18" charset="0"/>
+                                </a:rPr>
+                                <m:t>2</m:t>
+                              </m:r>
+                            </m:sup>
+                          </m:sSup>
+                        </m:e>
+                      </m:d>
+                    </m:oMath>
+                  </m:oMathPara>
+                </a14:m>
+                <a:endParaRPr lang="en-CA" dirty="0"/>
+              </a:p>
+            </p:txBody>
+          </p:sp>
+        </mc:Choice>
+        <mc:Fallback>
+          <p:sp>
+            <p:nvSpPr>
+              <p:cNvPr id="5" name="Rectangle 4">
+                <a:extLst>
+                  <a:ext uri="{FF2B5EF4-FFF2-40B4-BE49-F238E27FC236}">
+                    <a16:creationId xmlns:a16="http://schemas.microsoft.com/office/drawing/2014/main" id="{28F78F1B-AA8A-4C47-B819-9D89BC9BDB01}"/>
+                  </a:ext>
+                </a:extLst>
+              </p:cNvPr>
+              <p:cNvSpPr>
+                <a:spLocks noRot="1" noChangeAspect="1" noMove="1" noResize="1" noEditPoints="1" noAdjustHandles="1" noChangeArrowheads="1" noChangeShapeType="1" noTextEdit="1"/>
+              </p:cNvSpPr>
+              <p:nvPr/>
+            </p:nvSpPr>
+            <p:spPr>
+              <a:xfrm>
+                <a:off x="151876" y="3073917"/>
+                <a:ext cx="4030462" cy="609077"/>
+              </a:xfrm>
+              <a:prstGeom prst="rect">
+                <a:avLst/>
+              </a:prstGeom>
+              <a:blipFill>
+                <a:blip r:embed="rId4"/>
+                <a:stretch>
+                  <a:fillRect/>
+                </a:stretch>
+              </a:blipFill>
+            </p:spPr>
+            <p:txBody>
+              <a:bodyPr/>
+              <a:lstStyle/>
+              <a:p>
+                <a:r>
+                  <a:rPr lang="en-CA">
+                    <a:noFill/>
+                  </a:rPr>
+                  <a:t> </a:t>
+                </a:r>
+              </a:p>
+            </p:txBody>
+          </p:sp>
+        </mc:Fallback>
+      </mc:AlternateContent>
+      <mc:AlternateContent xmlns:mc="http://schemas.openxmlformats.org/markup-compatibility/2006">
+        <mc:Choice xmlns:a14="http://schemas.microsoft.com/office/drawing/2010/main" Requires="a14">
+          <p:sp>
+            <p:nvSpPr>
+              <p:cNvPr id="6" name="Rectangle 5">
+                <a:extLst>
+                  <a:ext uri="{FF2B5EF4-FFF2-40B4-BE49-F238E27FC236}">
+                    <a16:creationId xmlns:a16="http://schemas.microsoft.com/office/drawing/2014/main" id="{78FFAE60-AFCA-485E-973C-1CA851832270}"/>
+                  </a:ext>
+                </a:extLst>
+              </p:cNvPr>
+              <p:cNvSpPr/>
+              <p:nvPr/>
+            </p:nvSpPr>
+            <p:spPr>
+              <a:xfrm>
+                <a:off x="4586971" y="3151763"/>
+                <a:ext cx="1535420" cy="369332"/>
+              </a:xfrm>
+              <a:prstGeom prst="rect">
+                <a:avLst/>
+              </a:prstGeom>
+            </p:spPr>
+            <p:txBody>
+              <a:bodyPr wrap="none">
+                <a:spAutoFit/>
+              </a:bodyPr>
+              <a:lstStyle/>
+              <a:p>
+                <a14:m>
+                  <m:oMathPara xmlns:m="http://schemas.openxmlformats.org/officeDocument/2006/math">
+                    <m:oMathParaPr>
+                      <m:jc m:val="centerGroup"/>
+                    </m:oMathParaPr>
+                    <m:oMath xmlns:m="http://schemas.openxmlformats.org/officeDocument/2006/math">
+                      <m:sSub>
+                        <m:sSubPr>
+                          <m:ctrlPr>
+                            <a:rPr lang="en-CA" i="1">
+                              <a:latin typeface="Cambria Math" panose="02040503050406030204" pitchFamily="18" charset="0"/>
+                            </a:rPr>
+                          </m:ctrlPr>
+                        </m:sSubPr>
+                        <m:e>
+                          <m:r>
+                            <a:rPr lang="en-CA" i="1">
+                              <a:latin typeface="Cambria Math" panose="02040503050406030204" pitchFamily="18" charset="0"/>
+                            </a:rPr>
+                            <m:t>𝐽</m:t>
+                          </m:r>
+                        </m:e>
+                        <m:sub>
+                          <m:r>
+                            <a:rPr lang="en-CA" i="1">
+                              <a:latin typeface="Cambria Math" panose="02040503050406030204" pitchFamily="18" charset="0"/>
+                            </a:rPr>
+                            <m:t>𝑟𝑜𝑡𝑜𝑟</m:t>
+                          </m:r>
+                        </m:sub>
+                      </m:sSub>
+                      <m:r>
+                        <a:rPr lang="en-CA" i="1">
+                          <a:latin typeface="Cambria Math" panose="02040503050406030204" pitchFamily="18" charset="0"/>
+                        </a:rPr>
+                        <m:t>=</m:t>
+                      </m:r>
+                      <m:r>
+                        <a:rPr lang="en-CA" i="1">
+                          <a:latin typeface="Cambria Math" panose="02040503050406030204" pitchFamily="18" charset="0"/>
+                        </a:rPr>
+                        <m:t>𝑅𝑜𝑡𝐽</m:t>
+                      </m:r>
+                    </m:oMath>
+                  </m:oMathPara>
+                </a14:m>
+                <a:endParaRPr lang="en-CA" dirty="0"/>
+              </a:p>
+            </p:txBody>
+          </p:sp>
+        </mc:Choice>
+        <mc:Fallback>
+          <p:sp>
+            <p:nvSpPr>
+              <p:cNvPr id="6" name="Rectangle 5">
+                <a:extLst>
+                  <a:ext uri="{FF2B5EF4-FFF2-40B4-BE49-F238E27FC236}">
+                    <a16:creationId xmlns:a16="http://schemas.microsoft.com/office/drawing/2014/main" id="{78FFAE60-AFCA-485E-973C-1CA851832270}"/>
+                  </a:ext>
+                </a:extLst>
+              </p:cNvPr>
+              <p:cNvSpPr>
+                <a:spLocks noRot="1" noChangeAspect="1" noMove="1" noResize="1" noEditPoints="1" noAdjustHandles="1" noChangeArrowheads="1" noChangeShapeType="1" noTextEdit="1"/>
+              </p:cNvSpPr>
+              <p:nvPr/>
+            </p:nvSpPr>
+            <p:spPr>
+              <a:xfrm>
+                <a:off x="4586971" y="3151763"/>
+                <a:ext cx="1535420" cy="369332"/>
+              </a:xfrm>
+              <a:prstGeom prst="rect">
+                <a:avLst/>
+              </a:prstGeom>
+              <a:blipFill>
+                <a:blip r:embed="rId5"/>
+                <a:stretch>
+                  <a:fillRect b="-9836"/>
+                </a:stretch>
+              </a:blipFill>
+            </p:spPr>
+            <p:txBody>
+              <a:bodyPr/>
+              <a:lstStyle/>
+              <a:p>
+                <a:r>
+                  <a:rPr lang="en-CA">
+                    <a:noFill/>
+                  </a:rPr>
+                  <a:t> </a:t>
+                </a:r>
+              </a:p>
+            </p:txBody>
+          </p:sp>
+        </mc:Fallback>
+      </mc:AlternateContent>
+      <mc:AlternateContent xmlns:mc="http://schemas.openxmlformats.org/markup-compatibility/2006">
+        <mc:Choice xmlns:a14="http://schemas.microsoft.com/office/drawing/2010/main" Requires="a14">
+          <p:sp>
+            <p:nvSpPr>
+              <p:cNvPr id="7" name="Rectangle 6">
+                <a:extLst>
+                  <a:ext uri="{FF2B5EF4-FFF2-40B4-BE49-F238E27FC236}">
+                    <a16:creationId xmlns:a16="http://schemas.microsoft.com/office/drawing/2014/main" id="{603A549B-0F6D-4629-9BC1-712D3E152050}"/>
+                  </a:ext>
+                </a:extLst>
+              </p:cNvPr>
+              <p:cNvSpPr/>
+              <p:nvPr/>
+            </p:nvSpPr>
+            <p:spPr>
+              <a:xfrm>
+                <a:off x="6352424" y="3126624"/>
+                <a:ext cx="4040272" cy="391902"/>
+              </a:xfrm>
+              <a:prstGeom prst="rect">
+                <a:avLst/>
+              </a:prstGeom>
+            </p:spPr>
+            <p:txBody>
+              <a:bodyPr wrap="none">
+                <a:spAutoFit/>
+              </a:bodyPr>
+              <a:lstStyle/>
+              <a:p>
+                <a14:m>
+                  <m:oMathPara xmlns:m="http://schemas.openxmlformats.org/officeDocument/2006/math">
+                    <m:oMathParaPr>
+                      <m:jc m:val="centerGroup"/>
+                    </m:oMathParaPr>
+                    <m:oMath xmlns:m="http://schemas.openxmlformats.org/officeDocument/2006/math">
+                      <m:sSub>
+                        <m:sSubPr>
+                          <m:ctrlPr>
+                            <a:rPr lang="en-CA" i="1">
+                              <a:latin typeface="Cambria Math" panose="02040503050406030204" pitchFamily="18" charset="0"/>
+                            </a:rPr>
+                          </m:ctrlPr>
+                        </m:sSubPr>
+                        <m:e>
+                          <m:r>
+                            <a:rPr lang="en-CA" i="1">
+                              <a:latin typeface="Cambria Math" panose="02040503050406030204" pitchFamily="18" charset="0"/>
+                            </a:rPr>
+                            <m:t>𝐽</m:t>
+                          </m:r>
+                        </m:e>
+                        <m:sub>
+                          <m:r>
+                            <a:rPr lang="en-CA" i="1">
+                              <a:latin typeface="Cambria Math" panose="02040503050406030204" pitchFamily="18" charset="0"/>
+                            </a:rPr>
+                            <m:t>𝑞</m:t>
+                          </m:r>
+                          <m:r>
+                            <a:rPr lang="en-CA" i="1">
+                              <a:latin typeface="Cambria Math" panose="02040503050406030204" pitchFamily="18" charset="0"/>
+                            </a:rPr>
+                            <m:t>1 </m:t>
+                          </m:r>
+                          <m:r>
+                            <a:rPr lang="en-CA" i="1">
+                              <a:latin typeface="Cambria Math" panose="02040503050406030204" pitchFamily="18" charset="0"/>
+                            </a:rPr>
+                            <m:t>𝑤𝑒𝑖𝑔h𝑡</m:t>
+                          </m:r>
+                        </m:sub>
+                      </m:sSub>
+                      <m:r>
+                        <a:rPr lang="en-CA" i="1">
+                          <a:latin typeface="Cambria Math" panose="02040503050406030204" pitchFamily="18" charset="0"/>
+                        </a:rPr>
+                        <m:t>=</m:t>
+                      </m:r>
+                      <m:sSub>
+                        <m:sSubPr>
+                          <m:ctrlPr>
+                            <a:rPr lang="en-CA" i="1">
+                              <a:latin typeface="Cambria Math" panose="02040503050406030204" pitchFamily="18" charset="0"/>
+                            </a:rPr>
+                          </m:ctrlPr>
+                        </m:sSubPr>
+                        <m:e>
+                          <m:r>
+                            <a:rPr lang="en-CA" i="1">
+                              <a:latin typeface="Cambria Math" panose="02040503050406030204" pitchFamily="18" charset="0"/>
+                            </a:rPr>
+                            <m:t>𝐽</m:t>
+                          </m:r>
+                        </m:e>
+                        <m:sub>
+                          <m:r>
+                            <a:rPr lang="en-CA" i="1">
+                              <a:latin typeface="Cambria Math" panose="02040503050406030204" pitchFamily="18" charset="0"/>
+                            </a:rPr>
+                            <m:t>𝑞</m:t>
+                          </m:r>
+                          <m:r>
+                            <a:rPr lang="en-CA" i="1">
+                              <a:latin typeface="Cambria Math" panose="02040503050406030204" pitchFamily="18" charset="0"/>
+                            </a:rPr>
+                            <m:t>1 </m:t>
+                          </m:r>
+                          <m:r>
+                            <a:rPr lang="en-CA" i="1">
+                              <a:latin typeface="Cambria Math" panose="02040503050406030204" pitchFamily="18" charset="0"/>
+                            </a:rPr>
+                            <m:t>𝑒𝑥𝑡𝑒𝑛𝑑𝑒𝑑</m:t>
+                          </m:r>
+                        </m:sub>
+                      </m:sSub>
+                      <m:r>
+                        <a:rPr lang="en-CA" i="1">
+                          <a:latin typeface="Cambria Math" panose="02040503050406030204" pitchFamily="18" charset="0"/>
+                        </a:rPr>
+                        <m:t>−</m:t>
+                      </m:r>
+                      <m:sSub>
+                        <m:sSubPr>
+                          <m:ctrlPr>
+                            <a:rPr lang="en-CA" i="1">
+                              <a:latin typeface="Cambria Math" panose="02040503050406030204" pitchFamily="18" charset="0"/>
+                            </a:rPr>
+                          </m:ctrlPr>
+                        </m:sSubPr>
+                        <m:e>
+                          <m:r>
+                            <a:rPr lang="en-CA" i="1">
+                              <a:latin typeface="Cambria Math" panose="02040503050406030204" pitchFamily="18" charset="0"/>
+                            </a:rPr>
+                            <m:t>𝐽</m:t>
+                          </m:r>
+                        </m:e>
+                        <m:sub>
+                          <m:r>
+                            <a:rPr lang="en-CA" i="1">
+                              <a:latin typeface="Cambria Math" panose="02040503050406030204" pitchFamily="18" charset="0"/>
+                            </a:rPr>
+                            <m:t>𝑞</m:t>
+                          </m:r>
+                          <m:r>
+                            <a:rPr lang="en-CA" i="1">
+                              <a:latin typeface="Cambria Math" panose="02040503050406030204" pitchFamily="18" charset="0"/>
+                            </a:rPr>
+                            <m:t>1 </m:t>
+                          </m:r>
+                          <m:r>
+                            <a:rPr lang="en-CA" i="1">
+                              <a:latin typeface="Cambria Math" panose="02040503050406030204" pitchFamily="18" charset="0"/>
+                            </a:rPr>
+                            <m:t>𝑖𝑚𝑎𝑔𝑖𝑛𝑎𝑟𝑦</m:t>
+                          </m:r>
+                        </m:sub>
+                      </m:sSub>
+                    </m:oMath>
+                  </m:oMathPara>
+                </a14:m>
+                <a:endParaRPr lang="en-CA" dirty="0"/>
+              </a:p>
+            </p:txBody>
+          </p:sp>
+        </mc:Choice>
+        <mc:Fallback>
+          <p:sp>
+            <p:nvSpPr>
+              <p:cNvPr id="7" name="Rectangle 6">
+                <a:extLst>
+                  <a:ext uri="{FF2B5EF4-FFF2-40B4-BE49-F238E27FC236}">
+                    <a16:creationId xmlns:a16="http://schemas.microsoft.com/office/drawing/2014/main" id="{603A549B-0F6D-4629-9BC1-712D3E152050}"/>
+                  </a:ext>
+                </a:extLst>
+              </p:cNvPr>
+              <p:cNvSpPr>
+                <a:spLocks noRot="1" noChangeAspect="1" noMove="1" noResize="1" noEditPoints="1" noAdjustHandles="1" noChangeArrowheads="1" noChangeShapeType="1" noTextEdit="1"/>
+              </p:cNvSpPr>
+              <p:nvPr/>
+            </p:nvSpPr>
+            <p:spPr>
+              <a:xfrm>
+                <a:off x="6352424" y="3126624"/>
+                <a:ext cx="4040272" cy="391902"/>
+              </a:xfrm>
+              <a:prstGeom prst="rect">
+                <a:avLst/>
+              </a:prstGeom>
+              <a:blipFill>
+                <a:blip r:embed="rId6"/>
+                <a:stretch>
+                  <a:fillRect b="-10938"/>
+                </a:stretch>
+              </a:blipFill>
+            </p:spPr>
+            <p:txBody>
+              <a:bodyPr/>
+              <a:lstStyle/>
+              <a:p>
+                <a:r>
+                  <a:rPr lang="en-CA">
+                    <a:noFill/>
+                  </a:rPr>
+                  <a:t> </a:t>
+                </a:r>
+              </a:p>
+            </p:txBody>
+          </p:sp>
+        </mc:Fallback>
+      </mc:AlternateContent>
+      <p:cxnSp>
+        <p:nvCxnSpPr>
+          <p:cNvPr id="8" name="Straight Arrow Connector 7">
+            <a:extLst>
+              <a:ext uri="{FF2B5EF4-FFF2-40B4-BE49-F238E27FC236}">
+                <a16:creationId xmlns:a16="http://schemas.microsoft.com/office/drawing/2014/main" id="{AAE5D2E7-073A-4C0C-B7C8-4828443C2A15}"/>
+              </a:ext>
+            </a:extLst>
+          </p:cNvPr>
+          <p:cNvCxnSpPr>
+            <a:cxnSpLocks/>
+          </p:cNvCxnSpPr>
+          <p:nvPr/>
+        </p:nvCxnSpPr>
+        <p:spPr>
+          <a:xfrm flipV="1">
+            <a:off x="2445249" y="2583951"/>
+            <a:ext cx="0" cy="642134"/>
+          </a:xfrm>
+          <a:prstGeom prst="straightConnector1">
+            <a:avLst/>
+          </a:prstGeom>
+          <a:ln w="38100">
+            <a:tailEnd type="triangle"/>
+          </a:ln>
+        </p:spPr>
+        <p:style>
+          <a:lnRef idx="1">
+            <a:schemeClr val="accent1"/>
+          </a:lnRef>
+          <a:fillRef idx="0">
+            <a:schemeClr val="accent1"/>
+          </a:fillRef>
+          <a:effectRef idx="0">
+            <a:schemeClr val="accent1"/>
+          </a:effectRef>
+          <a:fontRef idx="minor">
+            <a:schemeClr val="tx1"/>
+          </a:fontRef>
+        </p:style>
+      </p:cxnSp>
+      <p:cxnSp>
+        <p:nvCxnSpPr>
+          <p:cNvPr id="12" name="Straight Arrow Connector 11">
+            <a:extLst>
+              <a:ext uri="{FF2B5EF4-FFF2-40B4-BE49-F238E27FC236}">
+                <a16:creationId xmlns:a16="http://schemas.microsoft.com/office/drawing/2014/main" id="{75E4A335-04A6-47C4-A917-07A40963CE96}"/>
+              </a:ext>
+            </a:extLst>
+          </p:cNvPr>
+          <p:cNvCxnSpPr>
+            <a:cxnSpLocks/>
+          </p:cNvCxnSpPr>
+          <p:nvPr/>
+        </p:nvCxnSpPr>
+        <p:spPr>
+          <a:xfrm flipH="1" flipV="1">
+            <a:off x="3773342" y="2623752"/>
+            <a:ext cx="1384286" cy="602333"/>
+          </a:xfrm>
+          <a:prstGeom prst="straightConnector1">
+            <a:avLst/>
+          </a:prstGeom>
+          <a:ln w="38100">
+            <a:tailEnd type="triangle"/>
+          </a:ln>
+        </p:spPr>
+        <p:style>
+          <a:lnRef idx="1">
+            <a:schemeClr val="accent1"/>
+          </a:lnRef>
+          <a:fillRef idx="0">
+            <a:schemeClr val="accent1"/>
+          </a:fillRef>
+          <a:effectRef idx="0">
+            <a:schemeClr val="accent1"/>
+          </a:effectRef>
+          <a:fontRef idx="minor">
+            <a:schemeClr val="tx1"/>
+          </a:fontRef>
+        </p:style>
+      </p:cxnSp>
+      <p:cxnSp>
+        <p:nvCxnSpPr>
+          <p:cNvPr id="15" name="Straight Arrow Connector 14">
+            <a:extLst>
+              <a:ext uri="{FF2B5EF4-FFF2-40B4-BE49-F238E27FC236}">
+                <a16:creationId xmlns:a16="http://schemas.microsoft.com/office/drawing/2014/main" id="{3CE97068-133A-47EB-A54E-3B1805C811C2}"/>
+              </a:ext>
+            </a:extLst>
+          </p:cNvPr>
+          <p:cNvCxnSpPr>
+            <a:cxnSpLocks/>
+          </p:cNvCxnSpPr>
+          <p:nvPr/>
+        </p:nvCxnSpPr>
+        <p:spPr>
+          <a:xfrm flipH="1" flipV="1">
+            <a:off x="5681610" y="2638572"/>
+            <a:ext cx="1397284" cy="587029"/>
+          </a:xfrm>
+          <a:prstGeom prst="straightConnector1">
+            <a:avLst/>
+          </a:prstGeom>
+          <a:ln w="38100">
+            <a:tailEnd type="triangle"/>
+          </a:ln>
+        </p:spPr>
+        <p:style>
+          <a:lnRef idx="1">
+            <a:schemeClr val="accent1"/>
+          </a:lnRef>
+          <a:fillRef idx="0">
+            <a:schemeClr val="accent1"/>
+          </a:fillRef>
+          <a:effectRef idx="0">
+            <a:schemeClr val="accent1"/>
+          </a:effectRef>
+          <a:fontRef idx="minor">
+            <a:schemeClr val="tx1"/>
+          </a:fontRef>
+        </p:style>
+      </p:cxnSp>
+      <p:sp>
+        <p:nvSpPr>
+          <p:cNvPr id="19" name="TextBox 18">
+            <a:extLst>
+              <a:ext uri="{FF2B5EF4-FFF2-40B4-BE49-F238E27FC236}">
+                <a16:creationId xmlns:a16="http://schemas.microsoft.com/office/drawing/2014/main" id="{0009C103-EBC3-4906-9F5F-29EC93AC1163}"/>
+              </a:ext>
+            </a:extLst>
+          </p:cNvPr>
+          <p:cNvSpPr txBox="1"/>
+          <p:nvPr/>
+        </p:nvSpPr>
+        <p:spPr>
+          <a:xfrm>
+            <a:off x="8969339" y="323636"/>
+            <a:ext cx="1556535" cy="646331"/>
+          </a:xfrm>
+          <a:prstGeom prst="rect">
+            <a:avLst/>
+          </a:prstGeom>
+          <a:noFill/>
+        </p:spPr>
+        <p:txBody>
+          <a:bodyPr wrap="square" rtlCol="0">
+            <a:spAutoFit/>
+          </a:bodyPr>
+          <a:lstStyle/>
+          <a:p>
+            <a:r>
+              <a:rPr lang="en-CA" dirty="0"/>
+              <a:t>Insert drawing here</a:t>
+            </a:r>
+          </a:p>
+        </p:txBody>
+      </p:sp>
+      <p:cxnSp>
+        <p:nvCxnSpPr>
+          <p:cNvPr id="20" name="Straight Arrow Connector 19">
+            <a:extLst>
+              <a:ext uri="{FF2B5EF4-FFF2-40B4-BE49-F238E27FC236}">
+                <a16:creationId xmlns:a16="http://schemas.microsoft.com/office/drawing/2014/main" id="{2FEDF67B-CD33-4EF1-ABCD-D79DD89D3B94}"/>
+              </a:ext>
+            </a:extLst>
+          </p:cNvPr>
+          <p:cNvCxnSpPr>
+            <a:cxnSpLocks/>
+          </p:cNvCxnSpPr>
+          <p:nvPr/>
+        </p:nvCxnSpPr>
+        <p:spPr>
+          <a:xfrm flipV="1">
+            <a:off x="5953874" y="3536989"/>
+            <a:ext cx="1753508" cy="516166"/>
+          </a:xfrm>
+          <a:prstGeom prst="straightConnector1">
+            <a:avLst/>
+          </a:prstGeom>
+          <a:ln w="38100">
+            <a:tailEnd type="triangle"/>
+          </a:ln>
+        </p:spPr>
+        <p:style>
+          <a:lnRef idx="1">
+            <a:schemeClr val="accent1"/>
+          </a:lnRef>
+          <a:fillRef idx="0">
+            <a:schemeClr val="accent1"/>
+          </a:fillRef>
+          <a:effectRef idx="0">
+            <a:schemeClr val="accent1"/>
+          </a:effectRef>
+          <a:fontRef idx="minor">
+            <a:schemeClr val="tx1"/>
+          </a:fontRef>
+        </p:style>
+      </p:cxnSp>
+      <p:cxnSp>
+        <p:nvCxnSpPr>
+          <p:cNvPr id="23" name="Straight Arrow Connector 22">
+            <a:extLst>
+              <a:ext uri="{FF2B5EF4-FFF2-40B4-BE49-F238E27FC236}">
+                <a16:creationId xmlns:a16="http://schemas.microsoft.com/office/drawing/2014/main" id="{A2F361D2-557B-4104-8FC9-A48E10485047}"/>
+              </a:ext>
+            </a:extLst>
+          </p:cNvPr>
+          <p:cNvCxnSpPr>
+            <a:cxnSpLocks/>
+          </p:cNvCxnSpPr>
+          <p:nvPr/>
+        </p:nvCxnSpPr>
+        <p:spPr>
+          <a:xfrm flipH="1" flipV="1">
+            <a:off x="9647435" y="3518526"/>
+            <a:ext cx="590763" cy="534629"/>
+          </a:xfrm>
+          <a:prstGeom prst="straightConnector1">
+            <a:avLst/>
+          </a:prstGeom>
+          <a:ln w="38100">
+            <a:tailEnd type="triangle"/>
+          </a:ln>
+        </p:spPr>
+        <p:style>
+          <a:lnRef idx="1">
+            <a:schemeClr val="accent1"/>
+          </a:lnRef>
+          <a:fillRef idx="0">
+            <a:schemeClr val="accent1"/>
+          </a:fillRef>
+          <a:effectRef idx="0">
+            <a:schemeClr val="accent1"/>
+          </a:effectRef>
+          <a:fontRef idx="minor">
+            <a:schemeClr val="tx1"/>
+          </a:fontRef>
+        </p:style>
+      </p:cxnSp>
+      <mc:AlternateContent xmlns:mc="http://schemas.openxmlformats.org/markup-compatibility/2006">
+        <mc:Choice xmlns:a14="http://schemas.microsoft.com/office/drawing/2010/main" Requires="a14">
+          <p:sp>
+            <p:nvSpPr>
+              <p:cNvPr id="28" name="Rectangle 27">
+                <a:extLst>
+                  <a:ext uri="{FF2B5EF4-FFF2-40B4-BE49-F238E27FC236}">
+                    <a16:creationId xmlns:a16="http://schemas.microsoft.com/office/drawing/2014/main" id="{43230F75-80B8-4A4D-81E9-A51E017A4973}"/>
+                  </a:ext>
+                </a:extLst>
+              </p:cNvPr>
+              <p:cNvSpPr/>
+              <p:nvPr/>
+            </p:nvSpPr>
+            <p:spPr>
+              <a:xfrm>
+                <a:off x="3168072" y="3791826"/>
+                <a:ext cx="4464427" cy="612732"/>
+              </a:xfrm>
+              <a:prstGeom prst="rect">
+                <a:avLst/>
+              </a:prstGeom>
+            </p:spPr>
+            <p:txBody>
+              <a:bodyPr wrap="none">
+                <a:spAutoFit/>
+              </a:bodyPr>
+              <a:lstStyle/>
+              <a:p>
+                <a14:m>
+                  <m:oMathPara xmlns:m="http://schemas.openxmlformats.org/officeDocument/2006/math">
+                    <m:oMathParaPr>
+                      <m:jc m:val="centerGroup"/>
+                    </m:oMathParaPr>
+                    <m:oMath xmlns:m="http://schemas.openxmlformats.org/officeDocument/2006/math">
+                      <m:sSub>
+                        <m:sSubPr>
+                          <m:ctrlPr>
+                            <a:rPr lang="en-CA" i="1" smtClean="0">
+                              <a:latin typeface="Cambria Math" panose="02040503050406030204" pitchFamily="18" charset="0"/>
+                            </a:rPr>
+                          </m:ctrlPr>
+                        </m:sSubPr>
+                        <m:e>
+                          <m:r>
+                            <a:rPr lang="en-CA" i="1">
+                              <a:latin typeface="Cambria Math" panose="02040503050406030204" pitchFamily="18" charset="0"/>
+                            </a:rPr>
+                            <m:t>𝐽</m:t>
+                          </m:r>
+                        </m:e>
+                        <m:sub>
+                          <m:r>
+                            <a:rPr lang="en-CA" i="1">
+                              <a:latin typeface="Cambria Math" panose="02040503050406030204" pitchFamily="18" charset="0"/>
+                            </a:rPr>
+                            <m:t>𝑞</m:t>
+                          </m:r>
+                          <m:r>
+                            <a:rPr lang="en-CA" i="1">
+                              <a:latin typeface="Cambria Math" panose="02040503050406030204" pitchFamily="18" charset="0"/>
+                            </a:rPr>
+                            <m:t>1 </m:t>
+                          </m:r>
+                          <m:r>
+                            <a:rPr lang="en-CA" i="1">
+                              <a:latin typeface="Cambria Math" panose="02040503050406030204" pitchFamily="18" charset="0"/>
+                            </a:rPr>
+                            <m:t>𝑒𝑥𝑡𝑒𝑛𝑑𝑒𝑑</m:t>
+                          </m:r>
+                        </m:sub>
+                      </m:sSub>
+                      <m:r>
+                        <a:rPr lang="en-CA" i="1">
+                          <a:latin typeface="Cambria Math" panose="02040503050406030204" pitchFamily="18" charset="0"/>
+                        </a:rPr>
+                        <m:t>=</m:t>
+                      </m:r>
+                      <m:sSub>
+                        <m:sSubPr>
+                          <m:ctrlPr>
+                            <a:rPr lang="en-CA" i="1">
+                              <a:latin typeface="Cambria Math" panose="02040503050406030204" pitchFamily="18" charset="0"/>
+                            </a:rPr>
+                          </m:ctrlPr>
+                        </m:sSubPr>
+                        <m:e>
+                          <m:f>
+                            <m:fPr>
+                              <m:ctrlPr>
+                                <a:rPr lang="en-CA" i="1" smtClean="0">
+                                  <a:latin typeface="Cambria Math" panose="02040503050406030204" pitchFamily="18" charset="0"/>
+                                </a:rPr>
+                              </m:ctrlPr>
+                            </m:fPr>
+                            <m:num>
+                              <m:r>
+                                <a:rPr lang="en-CA" b="0" i="1" smtClean="0">
+                                  <a:latin typeface="Cambria Math" panose="02040503050406030204" pitchFamily="18" charset="0"/>
+                                </a:rPr>
+                                <m:t>1</m:t>
+                              </m:r>
+                            </m:num>
+                            <m:den>
+                              <m:r>
+                                <a:rPr lang="en-CA" b="0" i="1" smtClean="0">
+                                  <a:latin typeface="Cambria Math" panose="02040503050406030204" pitchFamily="18" charset="0"/>
+                                </a:rPr>
+                                <m:t>3</m:t>
+                              </m:r>
+                            </m:den>
+                          </m:f>
+                          <m:r>
+                            <a:rPr lang="en-CA" i="1">
+                              <a:latin typeface="Cambria Math" panose="02040503050406030204" pitchFamily="18" charset="0"/>
+                            </a:rPr>
+                            <m:t>𝑀𝑎𝑠𝑠</m:t>
+                          </m:r>
+                        </m:e>
+                        <m:sub>
+                          <m:r>
+                            <a:rPr lang="en-CA" b="0" i="1" smtClean="0">
+                              <a:latin typeface="Cambria Math" panose="02040503050406030204" pitchFamily="18" charset="0"/>
+                            </a:rPr>
+                            <m:t>𝑒𝑥𝑡𝑒𝑛𝑑𝑒𝑑</m:t>
+                          </m:r>
+                        </m:sub>
+                      </m:sSub>
+                      <m:r>
+                        <a:rPr lang="en-CA" b="0" i="1" smtClean="0">
+                          <a:latin typeface="Cambria Math" panose="02040503050406030204" pitchFamily="18" charset="0"/>
+                        </a:rPr>
+                        <m:t>×</m:t>
+                      </m:r>
+                      <m:sSup>
+                        <m:sSupPr>
+                          <m:ctrlPr>
+                            <a:rPr lang="en-CA" b="0" i="1" smtClean="0">
+                              <a:latin typeface="Cambria Math" panose="02040503050406030204" pitchFamily="18" charset="0"/>
+                            </a:rPr>
+                          </m:ctrlPr>
+                        </m:sSupPr>
+                        <m:e>
+                          <m:sSub>
+                            <m:sSubPr>
+                              <m:ctrlPr>
+                                <a:rPr lang="en-CA" b="0" i="1" smtClean="0">
+                                  <a:latin typeface="Cambria Math" panose="02040503050406030204" pitchFamily="18" charset="0"/>
+                                </a:rPr>
+                              </m:ctrlPr>
+                            </m:sSubPr>
+                            <m:e>
+                              <m:r>
+                                <a:rPr lang="en-CA" b="0" i="1" smtClean="0">
+                                  <a:latin typeface="Cambria Math" panose="02040503050406030204" pitchFamily="18" charset="0"/>
+                                </a:rPr>
+                                <m:t>𝐿</m:t>
+                              </m:r>
+                            </m:e>
+                            <m:sub>
+                              <m:r>
+                                <a:rPr lang="en-CA" b="0" i="1" smtClean="0">
+                                  <a:latin typeface="Cambria Math" panose="02040503050406030204" pitchFamily="18" charset="0"/>
+                                </a:rPr>
+                                <m:t>𝑒𝑥𝑡𝑒𝑛𝑑𝑒𝑑</m:t>
+                              </m:r>
+                            </m:sub>
+                          </m:sSub>
+                        </m:e>
+                        <m:sup>
+                          <m:r>
+                            <a:rPr lang="en-CA" b="0" i="1" smtClean="0">
+                              <a:latin typeface="Cambria Math" panose="02040503050406030204" pitchFamily="18" charset="0"/>
+                            </a:rPr>
+                            <m:t>2</m:t>
+                          </m:r>
+                        </m:sup>
+                      </m:sSup>
+                    </m:oMath>
+                  </m:oMathPara>
+                </a14:m>
+                <a:endParaRPr lang="en-CA" dirty="0"/>
+              </a:p>
+            </p:txBody>
+          </p:sp>
+        </mc:Choice>
+        <mc:Fallback>
+          <p:sp>
+            <p:nvSpPr>
+              <p:cNvPr id="28" name="Rectangle 27">
+                <a:extLst>
+                  <a:ext uri="{FF2B5EF4-FFF2-40B4-BE49-F238E27FC236}">
+                    <a16:creationId xmlns:a16="http://schemas.microsoft.com/office/drawing/2014/main" id="{43230F75-80B8-4A4D-81E9-A51E017A4973}"/>
+                  </a:ext>
+                </a:extLst>
+              </p:cNvPr>
+              <p:cNvSpPr>
+                <a:spLocks noRot="1" noChangeAspect="1" noMove="1" noResize="1" noEditPoints="1" noAdjustHandles="1" noChangeArrowheads="1" noChangeShapeType="1" noTextEdit="1"/>
+              </p:cNvSpPr>
+              <p:nvPr/>
+            </p:nvSpPr>
+            <p:spPr>
+              <a:xfrm>
+                <a:off x="3168072" y="3791826"/>
+                <a:ext cx="4464427" cy="612732"/>
+              </a:xfrm>
+              <a:prstGeom prst="rect">
+                <a:avLst/>
+              </a:prstGeom>
+              <a:blipFill>
+                <a:blip r:embed="rId7"/>
+                <a:stretch>
+                  <a:fillRect/>
+                </a:stretch>
+              </a:blipFill>
+            </p:spPr>
+            <p:txBody>
+              <a:bodyPr/>
+              <a:lstStyle/>
+              <a:p>
+                <a:r>
+                  <a:rPr lang="en-CA">
+                    <a:noFill/>
+                  </a:rPr>
+                  <a:t> </a:t>
+                </a:r>
+              </a:p>
+            </p:txBody>
+          </p:sp>
+        </mc:Fallback>
+      </mc:AlternateContent>
+      <mc:AlternateContent xmlns:mc="http://schemas.openxmlformats.org/markup-compatibility/2006">
+        <mc:Choice xmlns:a14="http://schemas.microsoft.com/office/drawing/2010/main" Requires="a14">
+          <p:sp>
+            <p:nvSpPr>
+              <p:cNvPr id="29" name="Rectangle 28">
+                <a:extLst>
+                  <a:ext uri="{FF2B5EF4-FFF2-40B4-BE49-F238E27FC236}">
+                    <a16:creationId xmlns:a16="http://schemas.microsoft.com/office/drawing/2014/main" id="{B9452C87-6060-47AF-B085-10D692D72902}"/>
+                  </a:ext>
+                </a:extLst>
+              </p:cNvPr>
+              <p:cNvSpPr/>
+              <p:nvPr/>
+            </p:nvSpPr>
+            <p:spPr>
+              <a:xfrm>
+                <a:off x="7541710" y="3785840"/>
+                <a:ext cx="4802212" cy="612732"/>
+              </a:xfrm>
+              <a:prstGeom prst="rect">
+                <a:avLst/>
+              </a:prstGeom>
+            </p:spPr>
+            <p:txBody>
+              <a:bodyPr wrap="none">
+                <a:spAutoFit/>
+              </a:bodyPr>
+              <a:lstStyle/>
+              <a:p>
+                <a14:m>
+                  <m:oMathPara xmlns:m="http://schemas.openxmlformats.org/officeDocument/2006/math">
+                    <m:oMathParaPr>
+                      <m:jc m:val="centerGroup"/>
+                    </m:oMathParaPr>
+                    <m:oMath xmlns:m="http://schemas.openxmlformats.org/officeDocument/2006/math">
+                      <m:sSub>
+                        <m:sSubPr>
+                          <m:ctrlPr>
+                            <a:rPr lang="en-CA" i="1" smtClean="0">
+                              <a:latin typeface="Cambria Math" panose="02040503050406030204" pitchFamily="18" charset="0"/>
+                            </a:rPr>
+                          </m:ctrlPr>
+                        </m:sSubPr>
+                        <m:e>
+                          <m:r>
+                            <a:rPr lang="en-CA" i="1">
+                              <a:latin typeface="Cambria Math" panose="02040503050406030204" pitchFamily="18" charset="0"/>
+                            </a:rPr>
+                            <m:t>𝐽</m:t>
+                          </m:r>
+                        </m:e>
+                        <m:sub>
+                          <m:r>
+                            <a:rPr lang="en-CA" i="1">
+                              <a:latin typeface="Cambria Math" panose="02040503050406030204" pitchFamily="18" charset="0"/>
+                            </a:rPr>
+                            <m:t>𝑞</m:t>
+                          </m:r>
+                          <m:r>
+                            <a:rPr lang="en-CA" i="1">
+                              <a:latin typeface="Cambria Math" panose="02040503050406030204" pitchFamily="18" charset="0"/>
+                            </a:rPr>
+                            <m:t>1 </m:t>
+                          </m:r>
+                          <m:r>
+                            <a:rPr lang="en-CA" b="0" i="1" smtClean="0">
+                              <a:latin typeface="Cambria Math" panose="02040503050406030204" pitchFamily="18" charset="0"/>
+                            </a:rPr>
+                            <m:t>𝑖𝑚𝑎𝑔𝑖𝑛𝑎𝑟𝑦</m:t>
+                          </m:r>
+                        </m:sub>
+                      </m:sSub>
+                      <m:r>
+                        <a:rPr lang="en-CA" i="1">
+                          <a:latin typeface="Cambria Math" panose="02040503050406030204" pitchFamily="18" charset="0"/>
+                        </a:rPr>
+                        <m:t>=</m:t>
+                      </m:r>
+                      <m:sSub>
+                        <m:sSubPr>
+                          <m:ctrlPr>
+                            <a:rPr lang="en-CA" i="1">
+                              <a:latin typeface="Cambria Math" panose="02040503050406030204" pitchFamily="18" charset="0"/>
+                            </a:rPr>
+                          </m:ctrlPr>
+                        </m:sSubPr>
+                        <m:e>
+                          <m:f>
+                            <m:fPr>
+                              <m:ctrlPr>
+                                <a:rPr lang="en-CA" i="1" smtClean="0">
+                                  <a:latin typeface="Cambria Math" panose="02040503050406030204" pitchFamily="18" charset="0"/>
+                                </a:rPr>
+                              </m:ctrlPr>
+                            </m:fPr>
+                            <m:num>
+                              <m:r>
+                                <a:rPr lang="en-CA" b="0" i="1" smtClean="0">
+                                  <a:latin typeface="Cambria Math" panose="02040503050406030204" pitchFamily="18" charset="0"/>
+                                </a:rPr>
+                                <m:t>1</m:t>
+                              </m:r>
+                            </m:num>
+                            <m:den>
+                              <m:r>
+                                <a:rPr lang="en-CA" b="0" i="1" smtClean="0">
+                                  <a:latin typeface="Cambria Math" panose="02040503050406030204" pitchFamily="18" charset="0"/>
+                                </a:rPr>
+                                <m:t>3</m:t>
+                              </m:r>
+                            </m:den>
+                          </m:f>
+                          <m:r>
+                            <a:rPr lang="en-CA" i="1">
+                              <a:latin typeface="Cambria Math" panose="02040503050406030204" pitchFamily="18" charset="0"/>
+                            </a:rPr>
+                            <m:t>𝑀𝑎𝑠𝑠</m:t>
+                          </m:r>
+                        </m:e>
+                        <m:sub>
+                          <m:r>
+                            <a:rPr lang="en-CA" b="0" i="1" smtClean="0">
+                              <a:latin typeface="Cambria Math" panose="02040503050406030204" pitchFamily="18" charset="0"/>
+                            </a:rPr>
+                            <m:t>𝑖𝑚𝑎𝑔𝑖𝑛𝑎𝑟𝑦</m:t>
+                          </m:r>
+                        </m:sub>
+                      </m:sSub>
+                      <m:r>
+                        <a:rPr lang="en-CA" b="0" i="1" smtClean="0">
+                          <a:latin typeface="Cambria Math" panose="02040503050406030204" pitchFamily="18" charset="0"/>
+                        </a:rPr>
+                        <m:t>×</m:t>
+                      </m:r>
+                      <m:sSup>
+                        <m:sSupPr>
+                          <m:ctrlPr>
+                            <a:rPr lang="en-CA" b="0" i="1" smtClean="0">
+                              <a:latin typeface="Cambria Math" panose="02040503050406030204" pitchFamily="18" charset="0"/>
+                            </a:rPr>
+                          </m:ctrlPr>
+                        </m:sSupPr>
+                        <m:e>
+                          <m:sSub>
+                            <m:sSubPr>
+                              <m:ctrlPr>
+                                <a:rPr lang="en-CA" b="0" i="1" smtClean="0">
+                                  <a:latin typeface="Cambria Math" panose="02040503050406030204" pitchFamily="18" charset="0"/>
+                                </a:rPr>
+                              </m:ctrlPr>
+                            </m:sSubPr>
+                            <m:e>
+                              <m:r>
+                                <a:rPr lang="en-CA" b="0" i="1" smtClean="0">
+                                  <a:latin typeface="Cambria Math" panose="02040503050406030204" pitchFamily="18" charset="0"/>
+                                </a:rPr>
+                                <m:t>𝐿</m:t>
+                              </m:r>
+                            </m:e>
+                            <m:sub>
+                              <m:r>
+                                <a:rPr lang="en-CA" b="0" i="1" smtClean="0">
+                                  <a:latin typeface="Cambria Math" panose="02040503050406030204" pitchFamily="18" charset="0"/>
+                                </a:rPr>
+                                <m:t>𝑖𝑚𝑎𝑔𝑖𝑛𝑎𝑟𝑦</m:t>
+                              </m:r>
+                            </m:sub>
+                          </m:sSub>
+                        </m:e>
+                        <m:sup>
+                          <m:r>
+                            <a:rPr lang="en-CA" b="0" i="1" smtClean="0">
+                              <a:latin typeface="Cambria Math" panose="02040503050406030204" pitchFamily="18" charset="0"/>
+                            </a:rPr>
+                            <m:t>2</m:t>
+                          </m:r>
+                        </m:sup>
+                      </m:sSup>
+                    </m:oMath>
+                  </m:oMathPara>
+                </a14:m>
+                <a:endParaRPr lang="en-CA" dirty="0"/>
+              </a:p>
+            </p:txBody>
+          </p:sp>
+        </mc:Choice>
+        <mc:Fallback>
+          <p:sp>
+            <p:nvSpPr>
+              <p:cNvPr id="29" name="Rectangle 28">
+                <a:extLst>
+                  <a:ext uri="{FF2B5EF4-FFF2-40B4-BE49-F238E27FC236}">
+                    <a16:creationId xmlns:a16="http://schemas.microsoft.com/office/drawing/2014/main" id="{B9452C87-6060-47AF-B085-10D692D72902}"/>
+                  </a:ext>
+                </a:extLst>
+              </p:cNvPr>
+              <p:cNvSpPr>
+                <a:spLocks noRot="1" noChangeAspect="1" noMove="1" noResize="1" noEditPoints="1" noAdjustHandles="1" noChangeArrowheads="1" noChangeShapeType="1" noTextEdit="1"/>
+              </p:cNvSpPr>
+              <p:nvPr/>
+            </p:nvSpPr>
+            <p:spPr>
+              <a:xfrm>
+                <a:off x="7541710" y="3785840"/>
+                <a:ext cx="4802212" cy="612732"/>
+              </a:xfrm>
+              <a:prstGeom prst="rect">
+                <a:avLst/>
+              </a:prstGeom>
+              <a:blipFill>
+                <a:blip r:embed="rId8"/>
+                <a:stretch>
+                  <a:fillRect/>
+                </a:stretch>
+              </a:blipFill>
+            </p:spPr>
+            <p:txBody>
+              <a:bodyPr/>
+              <a:lstStyle/>
+              <a:p>
+                <a:r>
+                  <a:rPr lang="en-CA">
+                    <a:noFill/>
+                  </a:rPr>
+                  <a:t> </a:t>
+                </a:r>
+              </a:p>
+            </p:txBody>
+          </p:sp>
+        </mc:Fallback>
+      </mc:AlternateContent>
+      <p:cxnSp>
+        <p:nvCxnSpPr>
+          <p:cNvPr id="33" name="Straight Arrow Connector 32">
+            <a:extLst>
+              <a:ext uri="{FF2B5EF4-FFF2-40B4-BE49-F238E27FC236}">
+                <a16:creationId xmlns:a16="http://schemas.microsoft.com/office/drawing/2014/main" id="{0FEA0F18-A4D7-4726-A64D-853EDFA6E1D7}"/>
+              </a:ext>
+            </a:extLst>
+          </p:cNvPr>
+          <p:cNvCxnSpPr>
+            <a:cxnSpLocks/>
+            <a:stCxn id="37" idx="0"/>
+          </p:cNvCxnSpPr>
+          <p:nvPr/>
+        </p:nvCxnSpPr>
+        <p:spPr>
+          <a:xfrm flipV="1">
+            <a:off x="4068724" y="4320285"/>
+            <a:ext cx="1433088" cy="806358"/>
+          </a:xfrm>
+          <a:prstGeom prst="straightConnector1">
+            <a:avLst/>
+          </a:prstGeom>
+          <a:ln w="38100">
+            <a:tailEnd type="triangle"/>
+          </a:ln>
+        </p:spPr>
+        <p:style>
+          <a:lnRef idx="1">
+            <a:schemeClr val="accent1"/>
+          </a:lnRef>
+          <a:fillRef idx="0">
+            <a:schemeClr val="accent1"/>
+          </a:fillRef>
+          <a:effectRef idx="0">
+            <a:schemeClr val="accent1"/>
+          </a:effectRef>
+          <a:fontRef idx="minor">
+            <a:schemeClr val="tx1"/>
+          </a:fontRef>
+        </p:style>
+      </p:cxnSp>
+      <mc:AlternateContent xmlns:mc="http://schemas.openxmlformats.org/markup-compatibility/2006">
+        <mc:Choice xmlns:a14="http://schemas.microsoft.com/office/drawing/2010/main" Requires="a14">
+          <p:sp>
+            <p:nvSpPr>
+              <p:cNvPr id="37" name="Rectangle 36">
+                <a:extLst>
+                  <a:ext uri="{FF2B5EF4-FFF2-40B4-BE49-F238E27FC236}">
+                    <a16:creationId xmlns:a16="http://schemas.microsoft.com/office/drawing/2014/main" id="{9417A3A2-E8F6-4764-BE56-E7E68E54AC07}"/>
+                  </a:ext>
+                </a:extLst>
+              </p:cNvPr>
+              <p:cNvSpPr/>
+              <p:nvPr/>
+            </p:nvSpPr>
+            <p:spPr>
+              <a:xfrm>
+                <a:off x="1556850" y="5126643"/>
+                <a:ext cx="5023748" cy="369332"/>
+              </a:xfrm>
+              <a:prstGeom prst="rect">
+                <a:avLst/>
+              </a:prstGeom>
+            </p:spPr>
+            <p:txBody>
+              <a:bodyPr wrap="none">
+                <a:spAutoFit/>
+              </a:bodyPr>
+              <a:lstStyle/>
+              <a:p>
+                <a14:m>
+                  <m:oMathPara xmlns:m="http://schemas.openxmlformats.org/officeDocument/2006/math">
+                    <m:oMathParaPr>
+                      <m:jc m:val="centerGroup"/>
+                    </m:oMathParaPr>
+                    <m:oMath xmlns:m="http://schemas.openxmlformats.org/officeDocument/2006/math">
+                      <m:sSub>
+                        <m:sSubPr>
+                          <m:ctrlPr>
+                            <a:rPr lang="en-CA" i="1" smtClean="0">
+                              <a:latin typeface="Cambria Math" panose="02040503050406030204" pitchFamily="18" charset="0"/>
+                            </a:rPr>
+                          </m:ctrlPr>
+                        </m:sSubPr>
+                        <m:e>
+                          <m:r>
+                            <a:rPr lang="en-CA" i="1">
+                              <a:latin typeface="Cambria Math" panose="02040503050406030204" pitchFamily="18" charset="0"/>
+                            </a:rPr>
+                            <m:t>𝑀𝑎𝑠𝑠</m:t>
+                          </m:r>
+                        </m:e>
+                        <m:sub>
+                          <m:r>
+                            <a:rPr lang="en-CA" i="1">
+                              <a:latin typeface="Cambria Math" panose="02040503050406030204" pitchFamily="18" charset="0"/>
+                            </a:rPr>
+                            <m:t>𝑒𝑥𝑡𝑒𝑛𝑑𝑒𝑑</m:t>
+                          </m:r>
+                        </m:sub>
+                      </m:sSub>
+                      <m:r>
+                        <a:rPr lang="en-CA" b="0" i="1" smtClean="0">
+                          <a:latin typeface="Cambria Math" panose="02040503050406030204" pitchFamily="18" charset="0"/>
+                        </a:rPr>
+                        <m:t>=</m:t>
+                      </m:r>
+                      <m:sSub>
+                        <m:sSubPr>
+                          <m:ctrlPr>
+                            <a:rPr lang="en-CA" i="1">
+                              <a:latin typeface="Cambria Math" panose="02040503050406030204" pitchFamily="18" charset="0"/>
+                            </a:rPr>
+                          </m:ctrlPr>
+                        </m:sSubPr>
+                        <m:e>
+                          <m:r>
+                            <a:rPr lang="en-CA" b="0" i="1" smtClean="0">
+                              <a:latin typeface="Cambria Math" panose="02040503050406030204" pitchFamily="18" charset="0"/>
+                            </a:rPr>
+                            <m:t>𝐷𝑒𝑛𝑠𝑖𝑡𝑦</m:t>
+                          </m:r>
+                        </m:e>
+                        <m:sub>
+                          <m:r>
+                            <a:rPr lang="en-CA" b="0" i="1" smtClean="0">
+                              <a:latin typeface="Cambria Math" panose="02040503050406030204" pitchFamily="18" charset="0"/>
+                            </a:rPr>
+                            <m:t>𝑚𝑜𝑡𝑜𝑟</m:t>
+                          </m:r>
+                        </m:sub>
+                      </m:sSub>
+                      <m:r>
+                        <a:rPr lang="en-CA" b="0" i="1" smtClean="0">
+                          <a:latin typeface="Cambria Math" panose="02040503050406030204" pitchFamily="18" charset="0"/>
+                        </a:rPr>
+                        <m:t>×</m:t>
+                      </m:r>
+                      <m:sSub>
+                        <m:sSubPr>
+                          <m:ctrlPr>
+                            <a:rPr lang="en-CA" i="1">
+                              <a:latin typeface="Cambria Math" panose="02040503050406030204" pitchFamily="18" charset="0"/>
+                            </a:rPr>
+                          </m:ctrlPr>
+                        </m:sSubPr>
+                        <m:e>
+                          <m:r>
+                            <a:rPr lang="en-CA" b="0" i="1" smtClean="0">
+                              <a:latin typeface="Cambria Math" panose="02040503050406030204" pitchFamily="18" charset="0"/>
+                            </a:rPr>
+                            <m:t>𝑉𝑜𝑙𝑢𝑚𝑒</m:t>
+                          </m:r>
+                        </m:e>
+                        <m:sub>
+                          <m:r>
+                            <a:rPr lang="en-CA" b="0" i="1" smtClean="0">
+                              <a:latin typeface="Cambria Math" panose="02040503050406030204" pitchFamily="18" charset="0"/>
+                            </a:rPr>
+                            <m:t>𝑒𝑥𝑡𝑒𝑛𝑑𝑒𝑑</m:t>
+                          </m:r>
+                        </m:sub>
+                      </m:sSub>
+                    </m:oMath>
+                  </m:oMathPara>
+                </a14:m>
+                <a:endParaRPr lang="en-CA" dirty="0"/>
+              </a:p>
+            </p:txBody>
+          </p:sp>
+        </mc:Choice>
+        <mc:Fallback>
+          <p:sp>
+            <p:nvSpPr>
+              <p:cNvPr id="37" name="Rectangle 36">
+                <a:extLst>
+                  <a:ext uri="{FF2B5EF4-FFF2-40B4-BE49-F238E27FC236}">
+                    <a16:creationId xmlns:a16="http://schemas.microsoft.com/office/drawing/2014/main" id="{9417A3A2-E8F6-4764-BE56-E7E68E54AC07}"/>
+                  </a:ext>
+                </a:extLst>
+              </p:cNvPr>
+              <p:cNvSpPr>
+                <a:spLocks noRot="1" noChangeAspect="1" noMove="1" noResize="1" noEditPoints="1" noAdjustHandles="1" noChangeArrowheads="1" noChangeShapeType="1" noTextEdit="1"/>
+              </p:cNvSpPr>
+              <p:nvPr/>
+            </p:nvSpPr>
+            <p:spPr>
+              <a:xfrm>
+                <a:off x="1556850" y="5126643"/>
+                <a:ext cx="5023748" cy="369332"/>
+              </a:xfrm>
+              <a:prstGeom prst="rect">
+                <a:avLst/>
+              </a:prstGeom>
+              <a:blipFill>
+                <a:blip r:embed="rId9"/>
+                <a:stretch>
+                  <a:fillRect b="-11475"/>
+                </a:stretch>
+              </a:blipFill>
+            </p:spPr>
+            <p:txBody>
+              <a:bodyPr/>
+              <a:lstStyle/>
+              <a:p>
+                <a:r>
+                  <a:rPr lang="en-CA">
+                    <a:noFill/>
+                  </a:rPr>
+                  <a:t> </a:t>
+                </a:r>
+              </a:p>
+            </p:txBody>
+          </p:sp>
+        </mc:Fallback>
+      </mc:AlternateContent>
+      <mc:AlternateContent xmlns:mc="http://schemas.openxmlformats.org/markup-compatibility/2006">
+        <mc:Choice xmlns:a14="http://schemas.microsoft.com/office/drawing/2010/main" Requires="a14">
+          <p:sp>
+            <p:nvSpPr>
+              <p:cNvPr id="42" name="Rectangle 41">
+                <a:extLst>
+                  <a:ext uri="{FF2B5EF4-FFF2-40B4-BE49-F238E27FC236}">
+                    <a16:creationId xmlns:a16="http://schemas.microsoft.com/office/drawing/2014/main" id="{3508689C-0840-45E4-A55F-3C2B4F055F98}"/>
+                  </a:ext>
+                </a:extLst>
+              </p:cNvPr>
+              <p:cNvSpPr/>
+              <p:nvPr/>
+            </p:nvSpPr>
+            <p:spPr>
+              <a:xfrm>
+                <a:off x="6875059" y="5086839"/>
+                <a:ext cx="5287409" cy="391902"/>
+              </a:xfrm>
+              <a:prstGeom prst="rect">
+                <a:avLst/>
+              </a:prstGeom>
+            </p:spPr>
+            <p:txBody>
+              <a:bodyPr wrap="none">
+                <a:spAutoFit/>
+              </a:bodyPr>
+              <a:lstStyle/>
+              <a:p>
+                <a14:m>
+                  <m:oMathPara xmlns:m="http://schemas.openxmlformats.org/officeDocument/2006/math">
+                    <m:oMathParaPr>
+                      <m:jc m:val="centerGroup"/>
+                    </m:oMathParaPr>
+                    <m:oMath xmlns:m="http://schemas.openxmlformats.org/officeDocument/2006/math">
+                      <m:sSub>
+                        <m:sSubPr>
+                          <m:ctrlPr>
+                            <a:rPr lang="en-CA" i="1">
+                              <a:latin typeface="Cambria Math" panose="02040503050406030204" pitchFamily="18" charset="0"/>
+                            </a:rPr>
+                          </m:ctrlPr>
+                        </m:sSubPr>
+                        <m:e>
+                          <m:r>
+                            <a:rPr lang="en-CA" i="1">
+                              <a:latin typeface="Cambria Math" panose="02040503050406030204" pitchFamily="18" charset="0"/>
+                            </a:rPr>
+                            <m:t>𝑀𝑎𝑠𝑠</m:t>
+                          </m:r>
+                        </m:e>
+                        <m:sub>
+                          <m:r>
+                            <a:rPr lang="en-CA" i="1">
+                              <a:latin typeface="Cambria Math" panose="02040503050406030204" pitchFamily="18" charset="0"/>
+                            </a:rPr>
+                            <m:t>𝑖𝑚𝑎𝑔𝑖𝑛𝑎𝑟𝑦</m:t>
+                          </m:r>
+                        </m:sub>
+                      </m:sSub>
+                      <m:r>
+                        <a:rPr lang="en-CA" i="1">
+                          <a:latin typeface="Cambria Math" panose="02040503050406030204" pitchFamily="18" charset="0"/>
+                        </a:rPr>
+                        <m:t>=</m:t>
+                      </m:r>
+                      <m:sSub>
+                        <m:sSubPr>
+                          <m:ctrlPr>
+                            <a:rPr lang="en-CA" i="1">
+                              <a:latin typeface="Cambria Math" panose="02040503050406030204" pitchFamily="18" charset="0"/>
+                            </a:rPr>
+                          </m:ctrlPr>
+                        </m:sSubPr>
+                        <m:e>
+                          <m:r>
+                            <a:rPr lang="en-CA" i="1">
+                              <a:latin typeface="Cambria Math" panose="02040503050406030204" pitchFamily="18" charset="0"/>
+                            </a:rPr>
+                            <m:t>𝐷𝑒𝑛𝑠𝑖𝑡𝑦</m:t>
+                          </m:r>
+                        </m:e>
+                        <m:sub>
+                          <m:r>
+                            <a:rPr lang="en-CA" i="1">
+                              <a:latin typeface="Cambria Math" panose="02040503050406030204" pitchFamily="18" charset="0"/>
+                            </a:rPr>
+                            <m:t>𝑚𝑜𝑡𝑜𝑟</m:t>
+                          </m:r>
+                        </m:sub>
+                      </m:sSub>
+                      <m:r>
+                        <a:rPr lang="en-CA" i="1">
+                          <a:latin typeface="Cambria Math" panose="02040503050406030204" pitchFamily="18" charset="0"/>
+                        </a:rPr>
+                        <m:t>×</m:t>
+                      </m:r>
+                      <m:sSub>
+                        <m:sSubPr>
+                          <m:ctrlPr>
+                            <a:rPr lang="en-CA" i="1">
+                              <a:latin typeface="Cambria Math" panose="02040503050406030204" pitchFamily="18" charset="0"/>
+                            </a:rPr>
+                          </m:ctrlPr>
+                        </m:sSubPr>
+                        <m:e>
+                          <m:r>
+                            <a:rPr lang="en-CA" i="1">
+                              <a:latin typeface="Cambria Math" panose="02040503050406030204" pitchFamily="18" charset="0"/>
+                            </a:rPr>
+                            <m:t>𝑉𝑜𝑙𝑢𝑚𝑒</m:t>
+                          </m:r>
+                        </m:e>
+                        <m:sub>
+                          <m:r>
+                            <a:rPr lang="en-CA" i="1">
+                              <a:latin typeface="Cambria Math" panose="02040503050406030204" pitchFamily="18" charset="0"/>
+                            </a:rPr>
+                            <m:t>𝑖𝑚𝑎𝑔𝑖𝑛𝑎𝑟𝑦</m:t>
+                          </m:r>
+                        </m:sub>
+                      </m:sSub>
+                    </m:oMath>
+                  </m:oMathPara>
+                </a14:m>
+                <a:endParaRPr lang="en-CA" dirty="0"/>
+              </a:p>
+            </p:txBody>
+          </p:sp>
+        </mc:Choice>
+        <mc:Fallback>
+          <p:sp>
+            <p:nvSpPr>
+              <p:cNvPr id="42" name="Rectangle 41">
+                <a:extLst>
+                  <a:ext uri="{FF2B5EF4-FFF2-40B4-BE49-F238E27FC236}">
+                    <a16:creationId xmlns:a16="http://schemas.microsoft.com/office/drawing/2014/main" id="{3508689C-0840-45E4-A55F-3C2B4F055F98}"/>
+                  </a:ext>
+                </a:extLst>
+              </p:cNvPr>
+              <p:cNvSpPr>
+                <a:spLocks noRot="1" noChangeAspect="1" noMove="1" noResize="1" noEditPoints="1" noAdjustHandles="1" noChangeArrowheads="1" noChangeShapeType="1" noTextEdit="1"/>
+              </p:cNvSpPr>
+              <p:nvPr/>
+            </p:nvSpPr>
+            <p:spPr>
+              <a:xfrm>
+                <a:off x="6875059" y="5086839"/>
+                <a:ext cx="5287409" cy="391902"/>
+              </a:xfrm>
+              <a:prstGeom prst="rect">
+                <a:avLst/>
+              </a:prstGeom>
+              <a:blipFill>
+                <a:blip r:embed="rId10"/>
+                <a:stretch>
+                  <a:fillRect b="-9231"/>
+                </a:stretch>
+              </a:blipFill>
+            </p:spPr>
+            <p:txBody>
+              <a:bodyPr/>
+              <a:lstStyle/>
+              <a:p>
+                <a:r>
+                  <a:rPr lang="en-CA">
+                    <a:noFill/>
+                  </a:rPr>
+                  <a:t> </a:t>
+                </a:r>
+              </a:p>
+            </p:txBody>
+          </p:sp>
+        </mc:Fallback>
+      </mc:AlternateContent>
+      <p:cxnSp>
+        <p:nvCxnSpPr>
+          <p:cNvPr id="43" name="Straight Arrow Connector 42">
+            <a:extLst>
+              <a:ext uri="{FF2B5EF4-FFF2-40B4-BE49-F238E27FC236}">
+                <a16:creationId xmlns:a16="http://schemas.microsoft.com/office/drawing/2014/main" id="{B3B203DD-8F56-49FD-94C5-95CC183A8A8A}"/>
+              </a:ext>
+            </a:extLst>
+          </p:cNvPr>
+          <p:cNvCxnSpPr>
+            <a:cxnSpLocks/>
+          </p:cNvCxnSpPr>
+          <p:nvPr/>
+        </p:nvCxnSpPr>
+        <p:spPr>
+          <a:xfrm flipH="1" flipV="1">
+            <a:off x="9564658" y="4266195"/>
+            <a:ext cx="182948" cy="860448"/>
+          </a:xfrm>
+          <a:prstGeom prst="straightConnector1">
+            <a:avLst/>
+          </a:prstGeom>
+          <a:ln w="38100">
+            <a:tailEnd type="triangle"/>
+          </a:ln>
+        </p:spPr>
+        <p:style>
+          <a:lnRef idx="1">
+            <a:schemeClr val="accent1"/>
+          </a:lnRef>
+          <a:fillRef idx="0">
+            <a:schemeClr val="accent1"/>
+          </a:fillRef>
+          <a:effectRef idx="0">
+            <a:schemeClr val="accent1"/>
+          </a:effectRef>
+          <a:fontRef idx="minor">
+            <a:schemeClr val="tx1"/>
+          </a:fontRef>
+        </p:style>
+      </p:cxnSp>
+      <p:cxnSp>
+        <p:nvCxnSpPr>
+          <p:cNvPr id="48" name="Straight Arrow Connector 47">
+            <a:extLst>
+              <a:ext uri="{FF2B5EF4-FFF2-40B4-BE49-F238E27FC236}">
+                <a16:creationId xmlns:a16="http://schemas.microsoft.com/office/drawing/2014/main" id="{C0C99D2E-23BD-44DE-8D21-AC3B539A7700}"/>
+              </a:ext>
+            </a:extLst>
+          </p:cNvPr>
+          <p:cNvCxnSpPr>
+            <a:cxnSpLocks/>
+          </p:cNvCxnSpPr>
+          <p:nvPr/>
+        </p:nvCxnSpPr>
+        <p:spPr>
+          <a:xfrm flipV="1">
+            <a:off x="3287572" y="5455041"/>
+            <a:ext cx="457358" cy="601974"/>
+          </a:xfrm>
+          <a:prstGeom prst="straightConnector1">
+            <a:avLst/>
+          </a:prstGeom>
+          <a:ln w="38100">
+            <a:tailEnd type="triangle"/>
+          </a:ln>
+        </p:spPr>
+        <p:style>
+          <a:lnRef idx="1">
+            <a:schemeClr val="accent1"/>
+          </a:lnRef>
+          <a:fillRef idx="0">
+            <a:schemeClr val="accent1"/>
+          </a:fillRef>
+          <a:effectRef idx="0">
+            <a:schemeClr val="accent1"/>
+          </a:effectRef>
+          <a:fontRef idx="minor">
+            <a:schemeClr val="tx1"/>
+          </a:fontRef>
+        </p:style>
+      </p:cxnSp>
+      <p:cxnSp>
+        <p:nvCxnSpPr>
+          <p:cNvPr id="50" name="Straight Arrow Connector 49">
+            <a:extLst>
+              <a:ext uri="{FF2B5EF4-FFF2-40B4-BE49-F238E27FC236}">
+                <a16:creationId xmlns:a16="http://schemas.microsoft.com/office/drawing/2014/main" id="{D9AE6B95-5544-4BA0-9961-1DFE1E4FC104}"/>
+              </a:ext>
+            </a:extLst>
+          </p:cNvPr>
+          <p:cNvCxnSpPr>
+            <a:cxnSpLocks/>
+          </p:cNvCxnSpPr>
+          <p:nvPr/>
+        </p:nvCxnSpPr>
+        <p:spPr>
+          <a:xfrm flipV="1">
+            <a:off x="5320521" y="5457123"/>
+            <a:ext cx="86116" cy="619317"/>
+          </a:xfrm>
+          <a:prstGeom prst="straightConnector1">
+            <a:avLst/>
+          </a:prstGeom>
+          <a:ln w="38100">
+            <a:tailEnd type="triangle"/>
+          </a:ln>
+        </p:spPr>
+        <p:style>
+          <a:lnRef idx="1">
+            <a:schemeClr val="accent1"/>
+          </a:lnRef>
+          <a:fillRef idx="0">
+            <a:schemeClr val="accent1"/>
+          </a:fillRef>
+          <a:effectRef idx="0">
+            <a:schemeClr val="accent1"/>
+          </a:effectRef>
+          <a:fontRef idx="minor">
+            <a:schemeClr val="tx1"/>
+          </a:fontRef>
+        </p:style>
+      </p:cxnSp>
+      <mc:AlternateContent xmlns:mc="http://schemas.openxmlformats.org/markup-compatibility/2006">
+        <mc:Choice xmlns:a14="http://schemas.microsoft.com/office/drawing/2010/main" Requires="a14">
+          <p:sp>
+            <p:nvSpPr>
+              <p:cNvPr id="55" name="Rectangle 54">
+                <a:extLst>
+                  <a:ext uri="{FF2B5EF4-FFF2-40B4-BE49-F238E27FC236}">
+                    <a16:creationId xmlns:a16="http://schemas.microsoft.com/office/drawing/2014/main" id="{E7789A4B-5BF5-4A73-B12A-C3267D077D9D}"/>
+                  </a:ext>
+                </a:extLst>
+              </p:cNvPr>
+              <p:cNvSpPr/>
+              <p:nvPr/>
+            </p:nvSpPr>
+            <p:spPr>
+              <a:xfrm>
+                <a:off x="296773" y="6016081"/>
+                <a:ext cx="3183885" cy="657681"/>
+              </a:xfrm>
+              <a:prstGeom prst="rect">
+                <a:avLst/>
+              </a:prstGeom>
+            </p:spPr>
+            <p:txBody>
+              <a:bodyPr wrap="none">
+                <a:spAutoFit/>
+              </a:bodyPr>
+              <a:lstStyle/>
+              <a:p>
+                <a14:m>
+                  <m:oMathPara xmlns:m="http://schemas.openxmlformats.org/officeDocument/2006/math">
+                    <m:oMathParaPr>
+                      <m:jc m:val="centerGroup"/>
+                    </m:oMathParaPr>
+                    <m:oMath xmlns:m="http://schemas.openxmlformats.org/officeDocument/2006/math">
+                      <m:sSub>
+                        <m:sSubPr>
+                          <m:ctrlPr>
+                            <a:rPr lang="en-CA" i="1" smtClean="0">
+                              <a:latin typeface="Cambria Math" panose="02040503050406030204" pitchFamily="18" charset="0"/>
+                            </a:rPr>
+                          </m:ctrlPr>
+                        </m:sSubPr>
+                        <m:e>
+                          <m:r>
+                            <a:rPr lang="en-CA" b="0" i="1" smtClean="0">
+                              <a:latin typeface="Cambria Math" panose="02040503050406030204" pitchFamily="18" charset="0"/>
+                            </a:rPr>
+                            <m:t>𝐷𝑒𝑛𝑠𝑖𝑡𝑦</m:t>
+                          </m:r>
+                        </m:e>
+                        <m:sub>
+                          <m:r>
+                            <a:rPr lang="en-CA" b="0" i="1" smtClean="0">
+                              <a:latin typeface="Cambria Math" panose="02040503050406030204" pitchFamily="18" charset="0"/>
+                            </a:rPr>
+                            <m:t>𝑚𝑜𝑡𝑜𝑟</m:t>
+                          </m:r>
+                        </m:sub>
+                      </m:sSub>
+                      <m:r>
+                        <a:rPr lang="en-CA" b="0" i="1" smtClean="0">
+                          <a:latin typeface="Cambria Math" panose="02040503050406030204" pitchFamily="18" charset="0"/>
+                        </a:rPr>
+                        <m:t>=</m:t>
+                      </m:r>
+                      <m:f>
+                        <m:fPr>
+                          <m:ctrlPr>
+                            <a:rPr lang="en-CA" b="0" i="1" smtClean="0">
+                              <a:latin typeface="Cambria Math" panose="02040503050406030204" pitchFamily="18" charset="0"/>
+                            </a:rPr>
+                          </m:ctrlPr>
+                        </m:fPr>
+                        <m:num>
+                          <m:sSub>
+                            <m:sSubPr>
+                              <m:ctrlPr>
+                                <a:rPr lang="en-CA" i="1">
+                                  <a:latin typeface="Cambria Math" panose="02040503050406030204" pitchFamily="18" charset="0"/>
+                                </a:rPr>
+                              </m:ctrlPr>
+                            </m:sSubPr>
+                            <m:e>
+                              <m:r>
+                                <a:rPr lang="en-CA" i="1">
+                                  <a:latin typeface="Cambria Math" panose="02040503050406030204" pitchFamily="18" charset="0"/>
+                                </a:rPr>
+                                <m:t>𝑀𝑎𝑠𝑠</m:t>
+                              </m:r>
+                            </m:e>
+                            <m:sub>
+                              <m:r>
+                                <a:rPr lang="en-CA" b="0" i="1" smtClean="0">
+                                  <a:latin typeface="Cambria Math" panose="02040503050406030204" pitchFamily="18" charset="0"/>
+                                </a:rPr>
+                                <m:t>𝑚𝑜𝑡𝑜𝑟</m:t>
+                              </m:r>
+                            </m:sub>
+                          </m:sSub>
+                        </m:num>
+                        <m:den>
+                          <m:sSub>
+                            <m:sSubPr>
+                              <m:ctrlPr>
+                                <a:rPr lang="en-CA" i="1">
+                                  <a:latin typeface="Cambria Math" panose="02040503050406030204" pitchFamily="18" charset="0"/>
+                                </a:rPr>
+                              </m:ctrlPr>
+                            </m:sSubPr>
+                            <m:e>
+                              <m:r>
+                                <a:rPr lang="en-CA" i="1">
+                                  <a:latin typeface="Cambria Math" panose="02040503050406030204" pitchFamily="18" charset="0"/>
+                                </a:rPr>
+                                <m:t>𝑉𝑜𝑙𝑢𝑚𝑒</m:t>
+                              </m:r>
+                            </m:e>
+                            <m:sub>
+                              <m:r>
+                                <a:rPr lang="en-CA" b="0" i="1" smtClean="0">
+                                  <a:latin typeface="Cambria Math" panose="02040503050406030204" pitchFamily="18" charset="0"/>
+                                </a:rPr>
+                                <m:t>𝑚𝑜𝑡𝑜𝑟</m:t>
+                              </m:r>
+                            </m:sub>
+                          </m:sSub>
+                        </m:den>
+                      </m:f>
+                    </m:oMath>
+                  </m:oMathPara>
+                </a14:m>
+                <a:endParaRPr lang="en-CA" dirty="0"/>
+              </a:p>
+            </p:txBody>
+          </p:sp>
+        </mc:Choice>
+        <mc:Fallback>
+          <p:sp>
+            <p:nvSpPr>
+              <p:cNvPr id="55" name="Rectangle 54">
+                <a:extLst>
+                  <a:ext uri="{FF2B5EF4-FFF2-40B4-BE49-F238E27FC236}">
+                    <a16:creationId xmlns:a16="http://schemas.microsoft.com/office/drawing/2014/main" id="{E7789A4B-5BF5-4A73-B12A-C3267D077D9D}"/>
+                  </a:ext>
+                </a:extLst>
+              </p:cNvPr>
+              <p:cNvSpPr>
+                <a:spLocks noRot="1" noChangeAspect="1" noMove="1" noResize="1" noEditPoints="1" noAdjustHandles="1" noChangeArrowheads="1" noChangeShapeType="1" noTextEdit="1"/>
+              </p:cNvSpPr>
+              <p:nvPr/>
+            </p:nvSpPr>
+            <p:spPr>
+              <a:xfrm>
+                <a:off x="296773" y="6016081"/>
+                <a:ext cx="3183885" cy="657681"/>
+              </a:xfrm>
+              <a:prstGeom prst="rect">
+                <a:avLst/>
+              </a:prstGeom>
+              <a:blipFill>
+                <a:blip r:embed="rId11"/>
+                <a:stretch>
+                  <a:fillRect/>
+                </a:stretch>
+              </a:blipFill>
+            </p:spPr>
+            <p:txBody>
+              <a:bodyPr/>
+              <a:lstStyle/>
+              <a:p>
+                <a:r>
+                  <a:rPr lang="en-CA">
+                    <a:noFill/>
+                  </a:rPr>
+                  <a:t> </a:t>
+                </a:r>
+              </a:p>
+            </p:txBody>
+          </p:sp>
+        </mc:Fallback>
+      </mc:AlternateContent>
+      <mc:AlternateContent xmlns:mc="http://schemas.openxmlformats.org/markup-compatibility/2006">
+        <mc:Choice xmlns:a14="http://schemas.microsoft.com/office/drawing/2010/main" Requires="a14">
+          <p:sp>
+            <p:nvSpPr>
+              <p:cNvPr id="56" name="Rectangle 55">
+                <a:extLst>
+                  <a:ext uri="{FF2B5EF4-FFF2-40B4-BE49-F238E27FC236}">
+                    <a16:creationId xmlns:a16="http://schemas.microsoft.com/office/drawing/2014/main" id="{55034C0B-09A6-4A76-BB5F-CDED3BB12C88}"/>
+                  </a:ext>
+                </a:extLst>
+              </p:cNvPr>
+              <p:cNvSpPr/>
+              <p:nvPr/>
+            </p:nvSpPr>
+            <p:spPr>
+              <a:xfrm>
+                <a:off x="4177201" y="6185703"/>
+                <a:ext cx="3376950" cy="369332"/>
+              </a:xfrm>
+              <a:prstGeom prst="rect">
+                <a:avLst/>
+              </a:prstGeom>
+            </p:spPr>
+            <p:txBody>
+              <a:bodyPr wrap="none">
+                <a:spAutoFit/>
+              </a:bodyPr>
+              <a:lstStyle/>
+              <a:p>
+                <a14:m>
+                  <m:oMathPara xmlns:m="http://schemas.openxmlformats.org/officeDocument/2006/math">
+                    <m:oMathParaPr>
+                      <m:jc m:val="centerGroup"/>
+                    </m:oMathParaPr>
+                    <m:oMath xmlns:m="http://schemas.openxmlformats.org/officeDocument/2006/math">
+                      <m:sSub>
+                        <m:sSubPr>
+                          <m:ctrlPr>
+                            <a:rPr lang="en-CA" i="1" smtClean="0">
+                              <a:latin typeface="Cambria Math" panose="02040503050406030204" pitchFamily="18" charset="0"/>
+                            </a:rPr>
+                          </m:ctrlPr>
+                        </m:sSubPr>
+                        <m:e>
+                          <m:r>
+                            <a:rPr lang="en-CA" i="1">
+                              <a:latin typeface="Cambria Math" panose="02040503050406030204" pitchFamily="18" charset="0"/>
+                            </a:rPr>
+                            <m:t>𝑉𝑜𝑙𝑢𝑚𝑒</m:t>
+                          </m:r>
+                        </m:e>
+                        <m:sub>
+                          <m:r>
+                            <a:rPr lang="en-CA" i="1">
+                              <a:latin typeface="Cambria Math" panose="02040503050406030204" pitchFamily="18" charset="0"/>
+                            </a:rPr>
+                            <m:t>𝑒𝑥𝑡𝑒𝑛𝑑𝑒𝑑</m:t>
+                          </m:r>
+                        </m:sub>
+                      </m:sSub>
+                      <m:r>
+                        <a:rPr lang="en-CA" b="0" i="1" smtClean="0">
+                          <a:latin typeface="Cambria Math" panose="02040503050406030204" pitchFamily="18" charset="0"/>
+                        </a:rPr>
+                        <m:t>=</m:t>
+                      </m:r>
+                      <m:r>
+                        <a:rPr lang="en-CA" b="0" i="1" smtClean="0">
+                          <a:latin typeface="Cambria Math" panose="02040503050406030204" pitchFamily="18" charset="0"/>
+                          <a:ea typeface="Cambria Math" panose="02040503050406030204" pitchFamily="18" charset="0"/>
+                        </a:rPr>
+                        <m:t>𝜋</m:t>
+                      </m:r>
+                      <m:sSup>
+                        <m:sSupPr>
+                          <m:ctrlPr>
+                            <a:rPr lang="en-CA" b="0" i="1" smtClean="0">
+                              <a:latin typeface="Cambria Math" panose="02040503050406030204" pitchFamily="18" charset="0"/>
+                              <a:ea typeface="Cambria Math" panose="02040503050406030204" pitchFamily="18" charset="0"/>
+                            </a:rPr>
+                          </m:ctrlPr>
+                        </m:sSupPr>
+                        <m:e>
+                          <m:r>
+                            <a:rPr lang="en-CA" b="0" i="1" smtClean="0">
+                              <a:latin typeface="Cambria Math" panose="02040503050406030204" pitchFamily="18" charset="0"/>
+                              <a:ea typeface="Cambria Math" panose="02040503050406030204" pitchFamily="18" charset="0"/>
+                            </a:rPr>
+                            <m:t>𝑟</m:t>
+                          </m:r>
+                        </m:e>
+                        <m:sup>
+                          <m:r>
+                            <a:rPr lang="en-CA" b="0" i="1" smtClean="0">
+                              <a:latin typeface="Cambria Math" panose="02040503050406030204" pitchFamily="18" charset="0"/>
+                              <a:ea typeface="Cambria Math" panose="02040503050406030204" pitchFamily="18" charset="0"/>
+                            </a:rPr>
+                            <m:t>2</m:t>
+                          </m:r>
+                        </m:sup>
+                      </m:sSup>
+                      <m:sSub>
+                        <m:sSubPr>
+                          <m:ctrlPr>
+                            <a:rPr lang="en-CA" i="1">
+                              <a:latin typeface="Cambria Math" panose="02040503050406030204" pitchFamily="18" charset="0"/>
+                            </a:rPr>
+                          </m:ctrlPr>
+                        </m:sSubPr>
+                        <m:e>
+                          <m:r>
+                            <a:rPr lang="en-CA" i="1">
+                              <a:latin typeface="Cambria Math" panose="02040503050406030204" pitchFamily="18" charset="0"/>
+                            </a:rPr>
+                            <m:t>𝐿</m:t>
+                          </m:r>
+                        </m:e>
+                        <m:sub>
+                          <m:r>
+                            <a:rPr lang="en-CA" i="1">
+                              <a:latin typeface="Cambria Math" panose="02040503050406030204" pitchFamily="18" charset="0"/>
+                            </a:rPr>
+                            <m:t>𝑒𝑥𝑡𝑒𝑛𝑑𝑒𝑑</m:t>
+                          </m:r>
+                        </m:sub>
+                      </m:sSub>
+                    </m:oMath>
+                  </m:oMathPara>
+                </a14:m>
+                <a:endParaRPr lang="en-CA" dirty="0"/>
+              </a:p>
+            </p:txBody>
+          </p:sp>
+        </mc:Choice>
+        <mc:Fallback>
+          <p:sp>
+            <p:nvSpPr>
+              <p:cNvPr id="56" name="Rectangle 55">
+                <a:extLst>
+                  <a:ext uri="{FF2B5EF4-FFF2-40B4-BE49-F238E27FC236}">
+                    <a16:creationId xmlns:a16="http://schemas.microsoft.com/office/drawing/2014/main" id="{55034C0B-09A6-4A76-BB5F-CDED3BB12C88}"/>
+                  </a:ext>
+                </a:extLst>
+              </p:cNvPr>
+              <p:cNvSpPr>
+                <a:spLocks noRot="1" noChangeAspect="1" noMove="1" noResize="1" noEditPoints="1" noAdjustHandles="1" noChangeArrowheads="1" noChangeShapeType="1" noTextEdit="1"/>
+              </p:cNvSpPr>
+              <p:nvPr/>
+            </p:nvSpPr>
+            <p:spPr>
+              <a:xfrm>
+                <a:off x="4177201" y="6185703"/>
+                <a:ext cx="3376950" cy="369332"/>
+              </a:xfrm>
+              <a:prstGeom prst="rect">
+                <a:avLst/>
+              </a:prstGeom>
+              <a:blipFill>
+                <a:blip r:embed="rId12"/>
+                <a:stretch>
+                  <a:fillRect/>
+                </a:stretch>
+              </a:blipFill>
+            </p:spPr>
+            <p:txBody>
+              <a:bodyPr/>
+              <a:lstStyle/>
+              <a:p>
+                <a:r>
+                  <a:rPr lang="en-CA">
+                    <a:noFill/>
+                  </a:rPr>
+                  <a:t> </a:t>
+                </a:r>
+              </a:p>
+            </p:txBody>
+          </p:sp>
+        </mc:Fallback>
+      </mc:AlternateContent>
+      <p:cxnSp>
+        <p:nvCxnSpPr>
+          <p:cNvPr id="57" name="Straight Arrow Connector 56">
+            <a:extLst>
+              <a:ext uri="{FF2B5EF4-FFF2-40B4-BE49-F238E27FC236}">
+                <a16:creationId xmlns:a16="http://schemas.microsoft.com/office/drawing/2014/main" id="{D2A87B04-177F-49AD-98BB-B6B8ADCC84A7}"/>
+              </a:ext>
+            </a:extLst>
+          </p:cNvPr>
+          <p:cNvCxnSpPr>
+            <a:cxnSpLocks/>
+          </p:cNvCxnSpPr>
+          <p:nvPr/>
+        </p:nvCxnSpPr>
+        <p:spPr>
+          <a:xfrm flipV="1">
+            <a:off x="10410489" y="5489778"/>
+            <a:ext cx="86116" cy="619317"/>
+          </a:xfrm>
+          <a:prstGeom prst="straightConnector1">
+            <a:avLst/>
+          </a:prstGeom>
+          <a:ln w="38100">
+            <a:tailEnd type="triangle"/>
+          </a:ln>
+        </p:spPr>
+        <p:style>
+          <a:lnRef idx="1">
+            <a:schemeClr val="accent1"/>
+          </a:lnRef>
+          <a:fillRef idx="0">
+            <a:schemeClr val="accent1"/>
+          </a:fillRef>
+          <a:effectRef idx="0">
+            <a:schemeClr val="accent1"/>
+          </a:effectRef>
+          <a:fontRef idx="minor">
+            <a:schemeClr val="tx1"/>
+          </a:fontRef>
+        </p:style>
+      </p:cxnSp>
+      <mc:AlternateContent xmlns:mc="http://schemas.openxmlformats.org/markup-compatibility/2006">
+        <mc:Choice xmlns:a14="http://schemas.microsoft.com/office/drawing/2010/main" Requires="a14">
+          <p:sp>
+            <p:nvSpPr>
+              <p:cNvPr id="58" name="Rectangle 57">
+                <a:extLst>
+                  <a:ext uri="{FF2B5EF4-FFF2-40B4-BE49-F238E27FC236}">
+                    <a16:creationId xmlns:a16="http://schemas.microsoft.com/office/drawing/2014/main" id="{870C735C-6FA1-4F8A-A989-0AB83D797048}"/>
+                  </a:ext>
+                </a:extLst>
+              </p:cNvPr>
+              <p:cNvSpPr/>
+              <p:nvPr/>
+            </p:nvSpPr>
+            <p:spPr>
+              <a:xfrm>
+                <a:off x="8404239" y="6161022"/>
+                <a:ext cx="3640612" cy="397416"/>
+              </a:xfrm>
+              <a:prstGeom prst="rect">
+                <a:avLst/>
+              </a:prstGeom>
+            </p:spPr>
+            <p:txBody>
+              <a:bodyPr wrap="none">
+                <a:spAutoFit/>
+              </a:bodyPr>
+              <a:lstStyle/>
+              <a:p>
+                <a14:m>
+                  <m:oMathPara xmlns:m="http://schemas.openxmlformats.org/officeDocument/2006/math">
+                    <m:oMathParaPr>
+                      <m:jc m:val="centerGroup"/>
+                    </m:oMathParaPr>
+                    <m:oMath xmlns:m="http://schemas.openxmlformats.org/officeDocument/2006/math">
+                      <m:sSub>
+                        <m:sSubPr>
+                          <m:ctrlPr>
+                            <a:rPr lang="en-CA" i="1" smtClean="0">
+                              <a:latin typeface="Cambria Math" panose="02040503050406030204" pitchFamily="18" charset="0"/>
+                            </a:rPr>
+                          </m:ctrlPr>
+                        </m:sSubPr>
+                        <m:e>
+                          <m:r>
+                            <a:rPr lang="en-CA" i="1">
+                              <a:latin typeface="Cambria Math" panose="02040503050406030204" pitchFamily="18" charset="0"/>
+                            </a:rPr>
+                            <m:t>𝑉𝑜𝑙𝑢𝑚𝑒</m:t>
+                          </m:r>
+                        </m:e>
+                        <m:sub>
+                          <m:r>
+                            <a:rPr lang="en-CA" b="0" i="1" smtClean="0">
+                              <a:latin typeface="Cambria Math" panose="02040503050406030204" pitchFamily="18" charset="0"/>
+                            </a:rPr>
+                            <m:t>𝑖𝑚𝑎𝑔𝑖𝑛𝑎𝑟𝑦</m:t>
+                          </m:r>
+                        </m:sub>
+                      </m:sSub>
+                      <m:r>
+                        <a:rPr lang="en-CA" b="0" i="1" smtClean="0">
+                          <a:latin typeface="Cambria Math" panose="02040503050406030204" pitchFamily="18" charset="0"/>
+                        </a:rPr>
+                        <m:t>=</m:t>
+                      </m:r>
+                      <m:r>
+                        <a:rPr lang="en-CA" b="0" i="1" smtClean="0">
+                          <a:latin typeface="Cambria Math" panose="02040503050406030204" pitchFamily="18" charset="0"/>
+                          <a:ea typeface="Cambria Math" panose="02040503050406030204" pitchFamily="18" charset="0"/>
+                        </a:rPr>
+                        <m:t>𝜋</m:t>
+                      </m:r>
+                      <m:sSup>
+                        <m:sSupPr>
+                          <m:ctrlPr>
+                            <a:rPr lang="en-CA" b="0" i="1" smtClean="0">
+                              <a:latin typeface="Cambria Math" panose="02040503050406030204" pitchFamily="18" charset="0"/>
+                              <a:ea typeface="Cambria Math" panose="02040503050406030204" pitchFamily="18" charset="0"/>
+                            </a:rPr>
+                          </m:ctrlPr>
+                        </m:sSupPr>
+                        <m:e>
+                          <m:r>
+                            <a:rPr lang="en-CA" b="0" i="1" smtClean="0">
+                              <a:latin typeface="Cambria Math" panose="02040503050406030204" pitchFamily="18" charset="0"/>
+                              <a:ea typeface="Cambria Math" panose="02040503050406030204" pitchFamily="18" charset="0"/>
+                            </a:rPr>
+                            <m:t>𝑟</m:t>
+                          </m:r>
+                        </m:e>
+                        <m:sup>
+                          <m:r>
+                            <a:rPr lang="en-CA" b="0" i="1" smtClean="0">
+                              <a:latin typeface="Cambria Math" panose="02040503050406030204" pitchFamily="18" charset="0"/>
+                              <a:ea typeface="Cambria Math" panose="02040503050406030204" pitchFamily="18" charset="0"/>
+                            </a:rPr>
+                            <m:t>2</m:t>
+                          </m:r>
+                        </m:sup>
+                      </m:sSup>
+                      <m:sSub>
+                        <m:sSubPr>
+                          <m:ctrlPr>
+                            <a:rPr lang="en-CA" i="1">
+                              <a:latin typeface="Cambria Math" panose="02040503050406030204" pitchFamily="18" charset="0"/>
+                            </a:rPr>
+                          </m:ctrlPr>
+                        </m:sSubPr>
+                        <m:e>
+                          <m:r>
+                            <a:rPr lang="en-CA" i="1">
+                              <a:latin typeface="Cambria Math" panose="02040503050406030204" pitchFamily="18" charset="0"/>
+                            </a:rPr>
+                            <m:t>𝐿</m:t>
+                          </m:r>
+                        </m:e>
+                        <m:sub>
+                          <m:r>
+                            <a:rPr lang="en-CA" b="0" i="1" smtClean="0">
+                              <a:latin typeface="Cambria Math" panose="02040503050406030204" pitchFamily="18" charset="0"/>
+                            </a:rPr>
+                            <m:t>𝑖𝑚𝑎𝑔𝑖𝑛𝑎𝑟𝑦</m:t>
+                          </m:r>
+                        </m:sub>
+                      </m:sSub>
+                    </m:oMath>
+                  </m:oMathPara>
+                </a14:m>
+                <a:endParaRPr lang="en-CA" dirty="0"/>
+              </a:p>
+            </p:txBody>
+          </p:sp>
+        </mc:Choice>
+        <mc:Fallback>
+          <p:sp>
+            <p:nvSpPr>
+              <p:cNvPr id="58" name="Rectangle 57">
+                <a:extLst>
+                  <a:ext uri="{FF2B5EF4-FFF2-40B4-BE49-F238E27FC236}">
+                    <a16:creationId xmlns:a16="http://schemas.microsoft.com/office/drawing/2014/main" id="{870C735C-6FA1-4F8A-A989-0AB83D797048}"/>
+                  </a:ext>
+                </a:extLst>
+              </p:cNvPr>
+              <p:cNvSpPr>
+                <a:spLocks noRot="1" noChangeAspect="1" noMove="1" noResize="1" noEditPoints="1" noAdjustHandles="1" noChangeArrowheads="1" noChangeShapeType="1" noTextEdit="1"/>
+              </p:cNvSpPr>
+              <p:nvPr/>
+            </p:nvSpPr>
+            <p:spPr>
+              <a:xfrm>
+                <a:off x="8404239" y="6161022"/>
+                <a:ext cx="3640612" cy="397416"/>
+              </a:xfrm>
+              <a:prstGeom prst="rect">
+                <a:avLst/>
+              </a:prstGeom>
+              <a:blipFill>
+                <a:blip r:embed="rId13"/>
+                <a:stretch>
+                  <a:fillRect b="-10769"/>
+                </a:stretch>
+              </a:blipFill>
+            </p:spPr>
+            <p:txBody>
+              <a:bodyPr/>
+              <a:lstStyle/>
+              <a:p>
+                <a:r>
+                  <a:rPr lang="en-CA">
+                    <a:noFill/>
+                  </a:rPr>
+                  <a:t> </a:t>
+                </a:r>
+              </a:p>
+            </p:txBody>
+          </p:sp>
+        </mc:Fallback>
+      </mc:AlternateContent>
+    </p:spTree>
+    <p:extLst>
+      <p:ext uri="{BB962C8B-B14F-4D97-AF65-F5344CB8AC3E}">
+        <p14:creationId xmlns:p14="http://schemas.microsoft.com/office/powerpoint/2010/main" val="2204211826"/>
+      </p:ext>
+    </p:extLst>
+  </p:cSld>
+  <p:clrMapOvr>
+    <a:masterClrMapping/>
+  </p:clrMapOvr>
+</p:sld>
+</file>
+
+<file path=ppt/slides/slide8.xml><?xml version="1.0" encoding="utf-8"?>
 <p:sld xmlns:a="http://schemas.openxmlformats.org/drawingml/2006/main" xmlns:r="http://schemas.openxmlformats.org/officeDocument/2006/relationships" xmlns:p="http://schemas.openxmlformats.org/presentationml/2006/main">
   <p:cSld>
     <p:spTree>
@@ -6052,7 +11755,7 @@
 </p:sld>
 </file>
 
-<file path=ppt/slides/slide8.xml><?xml version="1.0" encoding="utf-8"?>
+<file path=ppt/slides/slide9.xml><?xml version="1.0" encoding="utf-8"?>
 <p:sld xmlns:a="http://schemas.openxmlformats.org/drawingml/2006/main" xmlns:r="http://schemas.openxmlformats.org/officeDocument/2006/relationships" xmlns:p="http://schemas.openxmlformats.org/presentationml/2006/main">
   <p:cSld>
     <p:spTree>

--- a/docs/report.pptx
+++ b/docs/report.pptx
@@ -2,18 +2,20 @@
 <file path=ppt/presentation.xml><?xml version="1.0" encoding="utf-8"?>
 <p:presentation xmlns:a="http://schemas.openxmlformats.org/drawingml/2006/main" xmlns:r="http://schemas.openxmlformats.org/officeDocument/2006/relationships" xmlns:p="http://schemas.openxmlformats.org/presentationml/2006/main" saveSubsetFonts="1">
   <p:sldMasterIdLst>
-    <p:sldMasterId id="2147483648" r:id="rId1"/>
+    <p:sldMasterId id="2147483923" r:id="rId1"/>
   </p:sldMasterIdLst>
   <p:sldIdLst>
     <p:sldId id="256" r:id="rId2"/>
-    <p:sldId id="257" r:id="rId3"/>
-    <p:sldId id="259" r:id="rId4"/>
-    <p:sldId id="260" r:id="rId5"/>
-    <p:sldId id="261" r:id="rId6"/>
-    <p:sldId id="262" r:id="rId7"/>
-    <p:sldId id="265" r:id="rId8"/>
-    <p:sldId id="263" r:id="rId9"/>
-    <p:sldId id="264" r:id="rId10"/>
+    <p:sldId id="267" r:id="rId3"/>
+    <p:sldId id="266" r:id="rId4"/>
+    <p:sldId id="259" r:id="rId5"/>
+    <p:sldId id="257" r:id="rId6"/>
+    <p:sldId id="260" r:id="rId7"/>
+    <p:sldId id="261" r:id="rId8"/>
+    <p:sldId id="262" r:id="rId9"/>
+    <p:sldId id="265" r:id="rId10"/>
+    <p:sldId id="263" r:id="rId11"/>
+    <p:sldId id="264" r:id="rId12"/>
   </p:sldIdLst>
   <p:sldSz cx="12192000" cy="6858000"/>
   <p:notesSz cx="6858000" cy="9144000"/>
@@ -120,8 +122,930 @@
 </p:presentation>
 </file>
 
-<file path=ppt/revisionInfo.xml><?xml version="1.0" encoding="utf-8"?>
-<p1510:revInfo xmlns:a="http://schemas.openxmlformats.org/drawingml/2006/main" xmlns:r="http://schemas.openxmlformats.org/officeDocument/2006/relationships" xmlns:p1510="http://schemas.microsoft.com/office/powerpoint/2015/10/main"/>
+<file path=ppt/changesInfos/changesInfo1.xml><?xml version="1.0" encoding="utf-8"?>
+<pc:chgInfo xmlns:a="http://schemas.openxmlformats.org/drawingml/2006/main" xmlns:r="http://schemas.openxmlformats.org/officeDocument/2006/relationships" xmlns:ac="http://schemas.microsoft.com/office/drawing/2013/main/command" xmlns:pc="http://schemas.microsoft.com/office/powerpoint/2013/main/command">
+  <pc:docChgLst>
+    <pc:chgData name="Mansur He" userId="2cd3e99d6a3c3959" providerId="LiveId" clId="{16CB9BD3-0FD0-435F-BA63-C692E6031789}"/>
+    <pc:docChg chg="undo custSel addSld modSld sldOrd modMainMaster">
+      <pc:chgData name="Mansur He" userId="2cd3e99d6a3c3959" providerId="LiveId" clId="{16CB9BD3-0FD0-435F-BA63-C692E6031789}" dt="2017-11-16T19:40:31.918" v="1818" actId="1076"/>
+      <pc:docMkLst>
+        <pc:docMk/>
+      </pc:docMkLst>
+      <pc:sldChg chg="addSp delSp modSp">
+        <pc:chgData name="Mansur He" userId="2cd3e99d6a3c3959" providerId="LiveId" clId="{16CB9BD3-0FD0-435F-BA63-C692E6031789}" dt="2017-11-15T19:17:30.237" v="1381" actId="1076"/>
+        <pc:sldMkLst>
+          <pc:docMk/>
+          <pc:sldMk cId="776887676" sldId="256"/>
+        </pc:sldMkLst>
+        <pc:spChg chg="mod">
+          <ac:chgData name="Mansur He" userId="2cd3e99d6a3c3959" providerId="LiveId" clId="{16CB9BD3-0FD0-435F-BA63-C692E6031789}" dt="2017-11-15T19:17:14.764" v="1377" actId="1076"/>
+          <ac:spMkLst>
+            <pc:docMk/>
+            <pc:sldMk cId="776887676" sldId="256"/>
+            <ac:spMk id="2" creationId="{8144C1EB-4564-4853-93E8-C47F5147377A}"/>
+          </ac:spMkLst>
+        </pc:spChg>
+        <pc:spChg chg="del mod">
+          <ac:chgData name="Mansur He" userId="2cd3e99d6a3c3959" providerId="LiveId" clId="{16CB9BD3-0FD0-435F-BA63-C692E6031789}" dt="2017-11-15T19:16:13.492" v="1365" actId="478"/>
+          <ac:spMkLst>
+            <pc:docMk/>
+            <pc:sldMk cId="776887676" sldId="256"/>
+            <ac:spMk id="3" creationId="{079194BE-1C53-443B-831E-0AC86F2D2093}"/>
+          </ac:spMkLst>
+        </pc:spChg>
+        <pc:spChg chg="add mod">
+          <ac:chgData name="Mansur He" userId="2cd3e99d6a3c3959" providerId="LiveId" clId="{16CB9BD3-0FD0-435F-BA63-C692E6031789}" dt="2017-11-15T19:13:54.626" v="1267" actId="1076"/>
+          <ac:spMkLst>
+            <pc:docMk/>
+            <pc:sldMk cId="776887676" sldId="256"/>
+            <ac:spMk id="4" creationId="{89A9E5FF-DE6D-4304-A6C4-FCE5B7AF1953}"/>
+          </ac:spMkLst>
+        </pc:spChg>
+        <pc:spChg chg="add mod ord">
+          <ac:chgData name="Mansur He" userId="2cd3e99d6a3c3959" providerId="LiveId" clId="{16CB9BD3-0FD0-435F-BA63-C692E6031789}" dt="2017-11-15T19:17:22.216" v="1380" actId="1076"/>
+          <ac:spMkLst>
+            <pc:docMk/>
+            <pc:sldMk cId="776887676" sldId="256"/>
+            <ac:spMk id="5" creationId="{C2C794D6-1DAF-4A32-94FA-9B645C9E1A6F}"/>
+          </ac:spMkLst>
+        </pc:spChg>
+        <pc:spChg chg="add mod">
+          <ac:chgData name="Mansur He" userId="2cd3e99d6a3c3959" providerId="LiveId" clId="{16CB9BD3-0FD0-435F-BA63-C692E6031789}" dt="2017-11-15T19:17:30.237" v="1381" actId="1076"/>
+          <ac:spMkLst>
+            <pc:docMk/>
+            <pc:sldMk cId="776887676" sldId="256"/>
+            <ac:spMk id="6" creationId="{BFE63FD8-3EF9-47A0-A92A-585FF2C792DE}"/>
+          </ac:spMkLst>
+        </pc:spChg>
+        <pc:spChg chg="add del mod">
+          <ac:chgData name="Mansur He" userId="2cd3e99d6a3c3959" providerId="LiveId" clId="{16CB9BD3-0FD0-435F-BA63-C692E6031789}" dt="2017-11-15T19:16:15.602" v="1366" actId="478"/>
+          <ac:spMkLst>
+            <pc:docMk/>
+            <pc:sldMk cId="776887676" sldId="256"/>
+            <ac:spMk id="8" creationId="{DB4CF1C3-0A16-43FC-B8BD-1CD81E32411E}"/>
+          </ac:spMkLst>
+        </pc:spChg>
+      </pc:sldChg>
+      <pc:sldChg chg="addSp delSp modSp">
+        <pc:chgData name="Mansur He" userId="2cd3e99d6a3c3959" providerId="LiveId" clId="{16CB9BD3-0FD0-435F-BA63-C692E6031789}" dt="2017-11-15T21:55:29.793" v="1761" actId="1076"/>
+        <pc:sldMkLst>
+          <pc:docMk/>
+          <pc:sldMk cId="2183736248" sldId="257"/>
+        </pc:sldMkLst>
+        <pc:spChg chg="del">
+          <ac:chgData name="Mansur He" userId="2cd3e99d6a3c3959" providerId="LiveId" clId="{16CB9BD3-0FD0-435F-BA63-C692E6031789}" dt="2017-11-15T19:23:59.834" v="1664" actId="478"/>
+          <ac:spMkLst>
+            <pc:docMk/>
+            <pc:sldMk cId="2183736248" sldId="257"/>
+            <ac:spMk id="2" creationId="{88BE6DF1-2CDB-492C-B0C0-A5BCD8538591}"/>
+          </ac:spMkLst>
+        </pc:spChg>
+        <pc:spChg chg="add del mod">
+          <ac:chgData name="Mansur He" userId="2cd3e99d6a3c3959" providerId="LiveId" clId="{16CB9BD3-0FD0-435F-BA63-C692E6031789}" dt="2017-11-15T19:24:00.756" v="1665" actId="478"/>
+          <ac:spMkLst>
+            <pc:docMk/>
+            <pc:sldMk cId="2183736248" sldId="257"/>
+            <ac:spMk id="7" creationId="{3849B04C-BBC7-4E03-9096-71B962622E36}"/>
+          </ac:spMkLst>
+        </pc:spChg>
+        <pc:spChg chg="add mod">
+          <ac:chgData name="Mansur He" userId="2cd3e99d6a3c3959" providerId="LiveId" clId="{16CB9BD3-0FD0-435F-BA63-C692E6031789}" dt="2017-11-15T19:23:57.012" v="1663" actId="20577"/>
+          <ac:spMkLst>
+            <pc:docMk/>
+            <pc:sldMk cId="2183736248" sldId="257"/>
+            <ac:spMk id="12" creationId="{FB7DE5C9-E85E-4B70-90E7-99E3A9A57D1D}"/>
+          </ac:spMkLst>
+        </pc:spChg>
+        <pc:picChg chg="mod">
+          <ac:chgData name="Mansur He" userId="2cd3e99d6a3c3959" providerId="LiveId" clId="{16CB9BD3-0FD0-435F-BA63-C692E6031789}" dt="2017-11-15T21:55:28.557" v="1759" actId="1076"/>
+          <ac:picMkLst>
+            <pc:docMk/>
+            <pc:sldMk cId="2183736248" sldId="257"/>
+            <ac:picMk id="5" creationId="{8DDF4BFB-120C-4CF3-BB24-2F8CEBB5119F}"/>
+          </ac:picMkLst>
+        </pc:picChg>
+        <pc:picChg chg="mod">
+          <ac:chgData name="Mansur He" userId="2cd3e99d6a3c3959" providerId="LiveId" clId="{16CB9BD3-0FD0-435F-BA63-C692E6031789}" dt="2017-11-15T21:55:29.793" v="1761" actId="1076"/>
+          <ac:picMkLst>
+            <pc:docMk/>
+            <pc:sldMk cId="2183736248" sldId="257"/>
+            <ac:picMk id="24" creationId="{F4614E1D-5B23-402F-97DE-41ED7286733E}"/>
+          </ac:picMkLst>
+        </pc:picChg>
+      </pc:sldChg>
+      <pc:sldChg chg="addSp delSp modSp ord">
+        <pc:chgData name="Mansur He" userId="2cd3e99d6a3c3959" providerId="LiveId" clId="{16CB9BD3-0FD0-435F-BA63-C692E6031789}" dt="2017-11-15T19:23:48.214" v="1645" actId="122"/>
+        <pc:sldMkLst>
+          <pc:docMk/>
+          <pc:sldMk cId="2667552631" sldId="259"/>
+        </pc:sldMkLst>
+        <pc:spChg chg="del">
+          <ac:chgData name="Mansur He" userId="2cd3e99d6a3c3959" providerId="LiveId" clId="{16CB9BD3-0FD0-435F-BA63-C692E6031789}" dt="2017-11-15T19:23:30.831" v="1620" actId="478"/>
+          <ac:spMkLst>
+            <pc:docMk/>
+            <pc:sldMk cId="2667552631" sldId="259"/>
+            <ac:spMk id="2" creationId="{88BE6DF1-2CDB-492C-B0C0-A5BCD8538591}"/>
+          </ac:spMkLst>
+        </pc:spChg>
+        <pc:spChg chg="add del mod">
+          <ac:chgData name="Mansur He" userId="2cd3e99d6a3c3959" providerId="LiveId" clId="{16CB9BD3-0FD0-435F-BA63-C692E6031789}" dt="2017-11-15T19:23:33.378" v="1621" actId="478"/>
+          <ac:spMkLst>
+            <pc:docMk/>
+            <pc:sldMk cId="2667552631" sldId="259"/>
+            <ac:spMk id="8" creationId="{F74B7A78-4937-4232-8021-23C44358B97E}"/>
+          </ac:spMkLst>
+        </pc:spChg>
+        <pc:spChg chg="add mod">
+          <ac:chgData name="Mansur He" userId="2cd3e99d6a3c3959" providerId="LiveId" clId="{16CB9BD3-0FD0-435F-BA63-C692E6031789}" dt="2017-11-15T19:23:48.214" v="1645" actId="122"/>
+          <ac:spMkLst>
+            <pc:docMk/>
+            <pc:sldMk cId="2667552631" sldId="259"/>
+            <ac:spMk id="15" creationId="{0B7055AB-6AA9-4E53-9317-860D19E7ECAA}"/>
+          </ac:spMkLst>
+        </pc:spChg>
+        <pc:picChg chg="mod">
+          <ac:chgData name="Mansur He" userId="2cd3e99d6a3c3959" providerId="LiveId" clId="{16CB9BD3-0FD0-435F-BA63-C692E6031789}" dt="2017-11-15T19:23:35.097" v="1622" actId="1076"/>
+          <ac:picMkLst>
+            <pc:docMk/>
+            <pc:sldMk cId="2667552631" sldId="259"/>
+            <ac:picMk id="7" creationId="{90A79D8F-6925-4C38-BDA9-2A85496F38FA}"/>
+          </ac:picMkLst>
+        </pc:picChg>
+      </pc:sldChg>
+      <pc:sldChg chg="addSp delSp modSp">
+        <pc:chgData name="Mansur He" userId="2cd3e99d6a3c3959" providerId="LiveId" clId="{16CB9BD3-0FD0-435F-BA63-C692E6031789}" dt="2017-11-16T19:40:31.918" v="1818" actId="1076"/>
+        <pc:sldMkLst>
+          <pc:docMk/>
+          <pc:sldMk cId="3712254115" sldId="260"/>
+        </pc:sldMkLst>
+        <pc:spChg chg="del">
+          <ac:chgData name="Mansur He" userId="2cd3e99d6a3c3959" providerId="LiveId" clId="{16CB9BD3-0FD0-435F-BA63-C692E6031789}" dt="2017-11-15T19:24:26.530" v="1666" actId="478"/>
+          <ac:spMkLst>
+            <pc:docMk/>
+            <pc:sldMk cId="3712254115" sldId="260"/>
+            <ac:spMk id="2" creationId="{3D73F741-3EBF-4C82-B9A0-7CDAEBB07471}"/>
+          </ac:spMkLst>
+        </pc:spChg>
+        <pc:spChg chg="mod">
+          <ac:chgData name="Mansur He" userId="2cd3e99d6a3c3959" providerId="LiveId" clId="{16CB9BD3-0FD0-435F-BA63-C692E6031789}" dt="2017-11-16T19:38:22.001" v="1815" actId="20577"/>
+          <ac:spMkLst>
+            <pc:docMk/>
+            <pc:sldMk cId="3712254115" sldId="260"/>
+            <ac:spMk id="5" creationId="{EABE288E-B19A-4D0E-8015-C7CAB87F8A9D}"/>
+          </ac:spMkLst>
+        </pc:spChg>
+        <pc:spChg chg="add del mod">
+          <ac:chgData name="Mansur He" userId="2cd3e99d6a3c3959" providerId="LiveId" clId="{16CB9BD3-0FD0-435F-BA63-C692E6031789}" dt="2017-11-15T19:24:29.139" v="1667" actId="478"/>
+          <ac:spMkLst>
+            <pc:docMk/>
+            <pc:sldMk cId="3712254115" sldId="260"/>
+            <ac:spMk id="6" creationId="{95435D54-FE9A-4C1D-A3C8-1F964CA23EF4}"/>
+          </ac:spMkLst>
+        </pc:spChg>
+        <pc:spChg chg="add mod">
+          <ac:chgData name="Mansur He" userId="2cd3e99d6a3c3959" providerId="LiveId" clId="{16CB9BD3-0FD0-435F-BA63-C692E6031789}" dt="2017-11-15T19:24:41.936" v="1706" actId="20577"/>
+          <ac:spMkLst>
+            <pc:docMk/>
+            <pc:sldMk cId="3712254115" sldId="260"/>
+            <ac:spMk id="14" creationId="{C83B212C-1C07-4015-9C4C-A42A0AE246DE}"/>
+          </ac:spMkLst>
+        </pc:spChg>
+        <pc:spChg chg="mod">
+          <ac:chgData name="Mansur He" userId="2cd3e99d6a3c3959" providerId="LiveId" clId="{16CB9BD3-0FD0-435F-BA63-C692E6031789}" dt="2017-11-16T19:40:31.918" v="1818" actId="1076"/>
+          <ac:spMkLst>
+            <pc:docMk/>
+            <pc:sldMk cId="3712254115" sldId="260"/>
+            <ac:spMk id="21" creationId="{7DA3F9B0-93DC-40F1-8823-E6C29A5E8D35}"/>
+          </ac:spMkLst>
+        </pc:spChg>
+      </pc:sldChg>
+      <pc:sldChg chg="addSp delSp modSp">
+        <pc:chgData name="Mansur He" userId="2cd3e99d6a3c3959" providerId="LiveId" clId="{16CB9BD3-0FD0-435F-BA63-C692E6031789}" dt="2017-11-15T19:25:23.304" v="1730" actId="20577"/>
+        <pc:sldMkLst>
+          <pc:docMk/>
+          <pc:sldMk cId="2821594686" sldId="261"/>
+        </pc:sldMkLst>
+        <pc:spChg chg="del">
+          <ac:chgData name="Mansur He" userId="2cd3e99d6a3c3959" providerId="LiveId" clId="{16CB9BD3-0FD0-435F-BA63-C692E6031789}" dt="2017-11-15T19:24:51.519" v="1707" actId="478"/>
+          <ac:spMkLst>
+            <pc:docMk/>
+            <pc:sldMk cId="2821594686" sldId="261"/>
+            <ac:spMk id="2" creationId="{5627119E-A18E-468D-988F-32F7DB984723}"/>
+          </ac:spMkLst>
+        </pc:spChg>
+        <pc:spChg chg="del">
+          <ac:chgData name="Mansur He" userId="2cd3e99d6a3c3959" providerId="LiveId" clId="{16CB9BD3-0FD0-435F-BA63-C692E6031789}" dt="2017-11-15T19:24:51.519" v="1707" actId="478"/>
+          <ac:spMkLst>
+            <pc:docMk/>
+            <pc:sldMk cId="2821594686" sldId="261"/>
+            <ac:spMk id="3" creationId="{C13950B7-2D31-4110-92D4-014344DB4B3F}"/>
+          </ac:spMkLst>
+        </pc:spChg>
+        <pc:spChg chg="add del mod">
+          <ac:chgData name="Mansur He" userId="2cd3e99d6a3c3959" providerId="LiveId" clId="{16CB9BD3-0FD0-435F-BA63-C692E6031789}" dt="2017-11-15T19:24:53.394" v="1708" actId="478"/>
+          <ac:spMkLst>
+            <pc:docMk/>
+            <pc:sldMk cId="2821594686" sldId="261"/>
+            <ac:spMk id="5" creationId="{A8D67DF2-3E9A-4ADA-A932-59CC2FBE8970}"/>
+          </ac:spMkLst>
+        </pc:spChg>
+        <pc:spChg chg="add mod">
+          <ac:chgData name="Mansur He" userId="2cd3e99d6a3c3959" providerId="LiveId" clId="{16CB9BD3-0FD0-435F-BA63-C692E6031789}" dt="2017-11-15T19:25:23.304" v="1730" actId="20577"/>
+          <ac:spMkLst>
+            <pc:docMk/>
+            <pc:sldMk cId="2821594686" sldId="261"/>
+            <ac:spMk id="6" creationId="{4B16F63E-543A-45CE-B8A4-DA2F5634CCFA}"/>
+          </ac:spMkLst>
+        </pc:spChg>
+      </pc:sldChg>
+      <pc:sldChg chg="addSp delSp modSp add ord setBg">
+        <pc:chgData name="Mansur He" userId="2cd3e99d6a3c3959" providerId="LiveId" clId="{16CB9BD3-0FD0-435F-BA63-C692E6031789}" dt="2017-11-15T21:05:46.298" v="1758" actId="478"/>
+        <pc:sldMkLst>
+          <pc:docMk/>
+          <pc:sldMk cId="2375096294" sldId="266"/>
+        </pc:sldMkLst>
+        <pc:spChg chg="del">
+          <ac:chgData name="Mansur He" userId="2cd3e99d6a3c3959" providerId="LiveId" clId="{16CB9BD3-0FD0-435F-BA63-C692E6031789}" dt="2017-11-15T18:15:34.586" v="1" actId="478"/>
+          <ac:spMkLst>
+            <pc:docMk/>
+            <pc:sldMk cId="2375096294" sldId="266"/>
+            <ac:spMk id="2" creationId="{0945E794-810B-47D1-8A41-88F5B8B8116D}"/>
+          </ac:spMkLst>
+        </pc:spChg>
+        <pc:spChg chg="del">
+          <ac:chgData name="Mansur He" userId="2cd3e99d6a3c3959" providerId="LiveId" clId="{16CB9BD3-0FD0-435F-BA63-C692E6031789}" dt="2017-11-15T18:15:34.586" v="1" actId="478"/>
+          <ac:spMkLst>
+            <pc:docMk/>
+            <pc:sldMk cId="2375096294" sldId="266"/>
+            <ac:spMk id="3" creationId="{DB2BBEAF-38AA-4718-A6D8-07DB2D001F5F}"/>
+          </ac:spMkLst>
+        </pc:spChg>
+        <pc:spChg chg="add del mod">
+          <ac:chgData name="Mansur He" userId="2cd3e99d6a3c3959" providerId="LiveId" clId="{16CB9BD3-0FD0-435F-BA63-C692E6031789}" dt="2017-11-15T18:20:48.687" v="169" actId="478"/>
+          <ac:spMkLst>
+            <pc:docMk/>
+            <pc:sldMk cId="2375096294" sldId="266"/>
+            <ac:spMk id="22" creationId="{05223A8E-C481-4393-ADCD-21EF16FA6C75}"/>
+          </ac:spMkLst>
+        </pc:spChg>
+        <pc:spChg chg="add del mod">
+          <ac:chgData name="Mansur He" userId="2cd3e99d6a3c3959" providerId="LiveId" clId="{16CB9BD3-0FD0-435F-BA63-C692E6031789}" dt="2017-11-15T18:23:19.769" v="206" actId="478"/>
+          <ac:spMkLst>
+            <pc:docMk/>
+            <pc:sldMk cId="2375096294" sldId="266"/>
+            <ac:spMk id="23" creationId="{E1B79D96-66A7-4CE3-8776-8EBBE2E2B71E}"/>
+          </ac:spMkLst>
+        </pc:spChg>
+        <pc:spChg chg="add mod">
+          <ac:chgData name="Mansur He" userId="2cd3e99d6a3c3959" providerId="LiveId" clId="{16CB9BD3-0FD0-435F-BA63-C692E6031789}" dt="2017-11-15T21:02:56.532" v="1737" actId="339"/>
+          <ac:spMkLst>
+            <pc:docMk/>
+            <pc:sldMk cId="2375096294" sldId="266"/>
+            <ac:spMk id="24" creationId="{34E5A775-A8B9-41E7-9D00-562A3188AE13}"/>
+          </ac:spMkLst>
+        </pc:spChg>
+        <pc:spChg chg="add mod">
+          <ac:chgData name="Mansur He" userId="2cd3e99d6a3c3959" providerId="LiveId" clId="{16CB9BD3-0FD0-435F-BA63-C692E6031789}" dt="2017-11-15T19:07:27.395" v="1118" actId="164"/>
+          <ac:spMkLst>
+            <pc:docMk/>
+            <pc:sldMk cId="2375096294" sldId="266"/>
+            <ac:spMk id="25" creationId="{D46D9113-2DAD-4A53-9355-0298F9FF0594}"/>
+          </ac:spMkLst>
+        </pc:spChg>
+        <pc:spChg chg="add mod">
+          <ac:chgData name="Mansur He" userId="2cd3e99d6a3c3959" providerId="LiveId" clId="{16CB9BD3-0FD0-435F-BA63-C692E6031789}" dt="2017-11-15T19:07:27.395" v="1118" actId="164"/>
+          <ac:spMkLst>
+            <pc:docMk/>
+            <pc:sldMk cId="2375096294" sldId="266"/>
+            <ac:spMk id="26" creationId="{8CFC7844-04B8-4B77-AE7D-981DC376AB57}"/>
+          </ac:spMkLst>
+        </pc:spChg>
+        <pc:spChg chg="add mod">
+          <ac:chgData name="Mansur He" userId="2cd3e99d6a3c3959" providerId="LiveId" clId="{16CB9BD3-0FD0-435F-BA63-C692E6031789}" dt="2017-11-15T19:07:27.395" v="1118" actId="164"/>
+          <ac:spMkLst>
+            <pc:docMk/>
+            <pc:sldMk cId="2375096294" sldId="266"/>
+            <ac:spMk id="28" creationId="{9688CE68-4FA0-4066-BF62-DEF62842DA03}"/>
+          </ac:spMkLst>
+        </pc:spChg>
+        <pc:spChg chg="add mod">
+          <ac:chgData name="Mansur He" userId="2cd3e99d6a3c3959" providerId="LiveId" clId="{16CB9BD3-0FD0-435F-BA63-C692E6031789}" dt="2017-11-15T19:07:27.395" v="1118" actId="164"/>
+          <ac:spMkLst>
+            <pc:docMk/>
+            <pc:sldMk cId="2375096294" sldId="266"/>
+            <ac:spMk id="30" creationId="{2AE1A7CF-1339-42CC-9A87-676EF7F7C746}"/>
+          </ac:spMkLst>
+        </pc:spChg>
+        <pc:spChg chg="add mod">
+          <ac:chgData name="Mansur He" userId="2cd3e99d6a3c3959" providerId="LiveId" clId="{16CB9BD3-0FD0-435F-BA63-C692E6031789}" dt="2017-11-15T19:07:27.395" v="1118" actId="164"/>
+          <ac:spMkLst>
+            <pc:docMk/>
+            <pc:sldMk cId="2375096294" sldId="266"/>
+            <ac:spMk id="34" creationId="{B846D2E6-2649-4380-A1CA-6FAAC8B2E7ED}"/>
+          </ac:spMkLst>
+        </pc:spChg>
+        <pc:spChg chg="add del mod">
+          <ac:chgData name="Mansur He" userId="2cd3e99d6a3c3959" providerId="LiveId" clId="{16CB9BD3-0FD0-435F-BA63-C692E6031789}" dt="2017-11-15T18:37:48.188" v="369" actId="478"/>
+          <ac:spMkLst>
+            <pc:docMk/>
+            <pc:sldMk cId="2375096294" sldId="266"/>
+            <ac:spMk id="65" creationId="{5032D819-CF07-4E9F-8319-BB00A8705AAC}"/>
+          </ac:spMkLst>
+        </pc:spChg>
+        <pc:spChg chg="add mod">
+          <ac:chgData name="Mansur He" userId="2cd3e99d6a3c3959" providerId="LiveId" clId="{16CB9BD3-0FD0-435F-BA63-C692E6031789}" dt="2017-11-15T19:07:27.395" v="1118" actId="164"/>
+          <ac:spMkLst>
+            <pc:docMk/>
+            <pc:sldMk cId="2375096294" sldId="266"/>
+            <ac:spMk id="66" creationId="{01ADCA7F-AEEA-4480-81A1-73C7BD2BDFEC}"/>
+          </ac:spMkLst>
+        </pc:spChg>
+        <pc:spChg chg="add mod">
+          <ac:chgData name="Mansur He" userId="2cd3e99d6a3c3959" providerId="LiveId" clId="{16CB9BD3-0FD0-435F-BA63-C692E6031789}" dt="2017-11-15T19:07:27.395" v="1118" actId="164"/>
+          <ac:spMkLst>
+            <pc:docMk/>
+            <pc:sldMk cId="2375096294" sldId="266"/>
+            <ac:spMk id="67" creationId="{68D85C3B-B75F-4552-9687-67D298708E13}"/>
+          </ac:spMkLst>
+        </pc:spChg>
+        <pc:spChg chg="add mod">
+          <ac:chgData name="Mansur He" userId="2cd3e99d6a3c3959" providerId="LiveId" clId="{16CB9BD3-0FD0-435F-BA63-C692E6031789}" dt="2017-11-15T19:11:33.906" v="1180" actId="1076"/>
+          <ac:spMkLst>
+            <pc:docMk/>
+            <pc:sldMk cId="2375096294" sldId="266"/>
+            <ac:spMk id="68" creationId="{A1FBD319-DEB9-4910-9E00-B841AEC0A871}"/>
+          </ac:spMkLst>
+        </pc:spChg>
+        <pc:spChg chg="add mod">
+          <ac:chgData name="Mansur He" userId="2cd3e99d6a3c3959" providerId="LiveId" clId="{16CB9BD3-0FD0-435F-BA63-C692E6031789}" dt="2017-11-15T19:11:33.906" v="1180" actId="1076"/>
+          <ac:spMkLst>
+            <pc:docMk/>
+            <pc:sldMk cId="2375096294" sldId="266"/>
+            <ac:spMk id="69" creationId="{8B07EDBE-68EB-4D6A-892F-D97DC093912A}"/>
+          </ac:spMkLst>
+        </pc:spChg>
+        <pc:spChg chg="add del mod ord">
+          <ac:chgData name="Mansur He" userId="2cd3e99d6a3c3959" providerId="LiveId" clId="{16CB9BD3-0FD0-435F-BA63-C692E6031789}" dt="2017-11-15T18:43:04.298" v="464" actId="478"/>
+          <ac:spMkLst>
+            <pc:docMk/>
+            <pc:sldMk cId="2375096294" sldId="266"/>
+            <ac:spMk id="70" creationId="{A5B5E46B-C873-4EB3-9441-2986E6740410}"/>
+          </ac:spMkLst>
+        </pc:spChg>
+        <pc:spChg chg="add del mod">
+          <ac:chgData name="Mansur He" userId="2cd3e99d6a3c3959" providerId="LiveId" clId="{16CB9BD3-0FD0-435F-BA63-C692E6031789}" dt="2017-11-15T18:43:51.189" v="473" actId="478"/>
+          <ac:spMkLst>
+            <pc:docMk/>
+            <pc:sldMk cId="2375096294" sldId="266"/>
+            <ac:spMk id="71" creationId="{9B594E4B-7D89-4746-B593-427AFE3BCD0B}"/>
+          </ac:spMkLst>
+        </pc:spChg>
+        <pc:spChg chg="add del mod">
+          <ac:chgData name="Mansur He" userId="2cd3e99d6a3c3959" providerId="LiveId" clId="{16CB9BD3-0FD0-435F-BA63-C692E6031789}" dt="2017-11-15T19:01:18.546" v="1011" actId="478"/>
+          <ac:spMkLst>
+            <pc:docMk/>
+            <pc:sldMk cId="2375096294" sldId="266"/>
+            <ac:spMk id="78" creationId="{7752F111-FD86-480B-AA64-49F99C5A24E7}"/>
+          </ac:spMkLst>
+        </pc:spChg>
+        <pc:spChg chg="add del mod">
+          <ac:chgData name="Mansur He" userId="2cd3e99d6a3c3959" providerId="LiveId" clId="{16CB9BD3-0FD0-435F-BA63-C692E6031789}" dt="2017-11-15T19:02:01.739" v="1023" actId="20577"/>
+          <ac:spMkLst>
+            <pc:docMk/>
+            <pc:sldMk cId="2375096294" sldId="266"/>
+            <ac:spMk id="79" creationId="{4226EDAB-210C-40A8-981D-6FE70976E6C1}"/>
+          </ac:spMkLst>
+        </pc:spChg>
+        <pc:spChg chg="add del mod">
+          <ac:chgData name="Mansur He" userId="2cd3e99d6a3c3959" providerId="LiveId" clId="{16CB9BD3-0FD0-435F-BA63-C692E6031789}" dt="2017-11-15T19:02:01.739" v="1023" actId="20577"/>
+          <ac:spMkLst>
+            <pc:docMk/>
+            <pc:sldMk cId="2375096294" sldId="266"/>
+            <ac:spMk id="80" creationId="{90DA854E-2DAF-44AB-894F-4895D34BE85C}"/>
+          </ac:spMkLst>
+        </pc:spChg>
+        <pc:spChg chg="add del mod">
+          <ac:chgData name="Mansur He" userId="2cd3e99d6a3c3959" providerId="LiveId" clId="{16CB9BD3-0FD0-435F-BA63-C692E6031789}" dt="2017-11-15T19:02:16.053" v="1027" actId="478"/>
+          <ac:spMkLst>
+            <pc:docMk/>
+            <pc:sldMk cId="2375096294" sldId="266"/>
+            <ac:spMk id="81" creationId="{1708ED6A-CBA9-4C52-AC4D-26B85E9462BE}"/>
+          </ac:spMkLst>
+        </pc:spChg>
+        <pc:spChg chg="add del mod ord">
+          <ac:chgData name="Mansur He" userId="2cd3e99d6a3c3959" providerId="LiveId" clId="{16CB9BD3-0FD0-435F-BA63-C692E6031789}" dt="2017-11-15T19:01:22.703" v="1012" actId="478"/>
+          <ac:spMkLst>
+            <pc:docMk/>
+            <pc:sldMk cId="2375096294" sldId="266"/>
+            <ac:spMk id="82" creationId="{F7EE2175-B330-4BDF-B5AD-77DF13636DCB}"/>
+          </ac:spMkLst>
+        </pc:spChg>
+        <pc:spChg chg="add del mod ord">
+          <ac:chgData name="Mansur He" userId="2cd3e99d6a3c3959" providerId="LiveId" clId="{16CB9BD3-0FD0-435F-BA63-C692E6031789}" dt="2017-11-15T19:02:01.739" v="1023" actId="20577"/>
+          <ac:spMkLst>
+            <pc:docMk/>
+            <pc:sldMk cId="2375096294" sldId="266"/>
+            <ac:spMk id="83" creationId="{474BAC89-4BB8-4F77-8E50-334CBDCB6367}"/>
+          </ac:spMkLst>
+        </pc:spChg>
+        <pc:spChg chg="add mod topLvl">
+          <ac:chgData name="Mansur He" userId="2cd3e99d6a3c3959" providerId="LiveId" clId="{16CB9BD3-0FD0-435F-BA63-C692E6031789}" dt="2017-11-15T19:05:48.925" v="1059" actId="164"/>
+          <ac:spMkLst>
+            <pc:docMk/>
+            <pc:sldMk cId="2375096294" sldId="266"/>
+            <ac:spMk id="84" creationId="{4A2F3C25-8EAC-4BA2-BA76-154C3509626E}"/>
+          </ac:spMkLst>
+        </pc:spChg>
+        <pc:spChg chg="add mod topLvl">
+          <ac:chgData name="Mansur He" userId="2cd3e99d6a3c3959" providerId="LiveId" clId="{16CB9BD3-0FD0-435F-BA63-C692E6031789}" dt="2017-11-15T19:05:48.925" v="1059" actId="164"/>
+          <ac:spMkLst>
+            <pc:docMk/>
+            <pc:sldMk cId="2375096294" sldId="266"/>
+            <ac:spMk id="85" creationId="{1BEBFC12-DEFA-4B39-A08C-7CC8393C4088}"/>
+          </ac:spMkLst>
+        </pc:spChg>
+        <pc:spChg chg="add mod topLvl">
+          <ac:chgData name="Mansur He" userId="2cd3e99d6a3c3959" providerId="LiveId" clId="{16CB9BD3-0FD0-435F-BA63-C692E6031789}" dt="2017-11-15T19:05:48.925" v="1059" actId="164"/>
+          <ac:spMkLst>
+            <pc:docMk/>
+            <pc:sldMk cId="2375096294" sldId="266"/>
+            <ac:spMk id="86" creationId="{C97E694B-19C0-4C27-9F16-DE3B0D02AEFF}"/>
+          </ac:spMkLst>
+        </pc:spChg>
+        <pc:spChg chg="add del mod">
+          <ac:chgData name="Mansur He" userId="2cd3e99d6a3c3959" providerId="LiveId" clId="{16CB9BD3-0FD0-435F-BA63-C692E6031789}" dt="2017-11-15T19:02:40.790" v="1029" actId="478"/>
+          <ac:spMkLst>
+            <pc:docMk/>
+            <pc:sldMk cId="2375096294" sldId="266"/>
+            <ac:spMk id="88" creationId="{1E83A090-C581-473C-B90E-5364076FF977}"/>
+          </ac:spMkLst>
+        </pc:spChg>
+        <pc:spChg chg="add del mod">
+          <ac:chgData name="Mansur He" userId="2cd3e99d6a3c3959" providerId="LiveId" clId="{16CB9BD3-0FD0-435F-BA63-C692E6031789}" dt="2017-11-15T19:02:51.822" v="1031" actId="478"/>
+          <ac:spMkLst>
+            <pc:docMk/>
+            <pc:sldMk cId="2375096294" sldId="266"/>
+            <ac:spMk id="89" creationId="{8BEFC593-FC72-41F2-823A-34E4D04A20B9}"/>
+          </ac:spMkLst>
+        </pc:spChg>
+        <pc:spChg chg="add mod">
+          <ac:chgData name="Mansur He" userId="2cd3e99d6a3c3959" providerId="LiveId" clId="{16CB9BD3-0FD0-435F-BA63-C692E6031789}" dt="2017-11-15T19:05:55.832" v="1062" actId="164"/>
+          <ac:spMkLst>
+            <pc:docMk/>
+            <pc:sldMk cId="2375096294" sldId="266"/>
+            <ac:spMk id="93" creationId="{0CD6B321-C7DD-4C32-BE6C-E37D59000C1D}"/>
+          </ac:spMkLst>
+        </pc:spChg>
+        <pc:spChg chg="add mod">
+          <ac:chgData name="Mansur He" userId="2cd3e99d6a3c3959" providerId="LiveId" clId="{16CB9BD3-0FD0-435F-BA63-C692E6031789}" dt="2017-11-15T19:11:33.906" v="1180" actId="1076"/>
+          <ac:spMkLst>
+            <pc:docMk/>
+            <pc:sldMk cId="2375096294" sldId="266"/>
+            <ac:spMk id="100" creationId="{9B0787BA-C669-4186-B70A-2EF552858DF8}"/>
+          </ac:spMkLst>
+        </pc:spChg>
+        <pc:spChg chg="add">
+          <ac:chgData name="Mansur He" userId="2cd3e99d6a3c3959" providerId="LiveId" clId="{16CB9BD3-0FD0-435F-BA63-C692E6031789}" dt="2017-11-15T19:23:19.814" v="1619" actId="20577"/>
+          <ac:spMkLst>
+            <pc:docMk/>
+            <pc:sldMk cId="2375096294" sldId="266"/>
+            <ac:spMk id="114" creationId="{62036381-A91D-4761-913D-072445647454}"/>
+          </ac:spMkLst>
+        </pc:spChg>
+        <pc:grpChg chg="add del mod">
+          <ac:chgData name="Mansur He" userId="2cd3e99d6a3c3959" providerId="LiveId" clId="{16CB9BD3-0FD0-435F-BA63-C692E6031789}" dt="2017-11-15T19:05:45.769" v="1058" actId="165"/>
+          <ac:grpSpMkLst>
+            <pc:docMk/>
+            <pc:sldMk cId="2375096294" sldId="266"/>
+            <ac:grpSpMk id="87" creationId="{417BA4E6-138B-44DC-9543-D464CCA8105B}"/>
+          </ac:grpSpMkLst>
+        </pc:grpChg>
+        <pc:grpChg chg="add mod">
+          <ac:chgData name="Mansur He" userId="2cd3e99d6a3c3959" providerId="LiveId" clId="{16CB9BD3-0FD0-435F-BA63-C692E6031789}" dt="2017-11-15T19:05:03.502" v="1052" actId="571"/>
+          <ac:grpSpMkLst>
+            <pc:docMk/>
+            <pc:sldMk cId="2375096294" sldId="266"/>
+            <ac:grpSpMk id="94" creationId="{6A6F81C8-BA4E-41AC-96B3-FB54BA086917}"/>
+          </ac:grpSpMkLst>
+        </pc:grpChg>
+        <pc:grpChg chg="add mod">
+          <ac:chgData name="Mansur He" userId="2cd3e99d6a3c3959" providerId="LiveId" clId="{16CB9BD3-0FD0-435F-BA63-C692E6031789}" dt="2017-11-15T19:05:55.832" v="1062" actId="164"/>
+          <ac:grpSpMkLst>
+            <pc:docMk/>
+            <pc:sldMk cId="2375096294" sldId="266"/>
+            <ac:grpSpMk id="98" creationId="{D015474D-2B94-4755-B0CD-8BE12BA4D8A0}"/>
+          </ac:grpSpMkLst>
+        </pc:grpChg>
+        <pc:grpChg chg="add mod">
+          <ac:chgData name="Mansur He" userId="2cd3e99d6a3c3959" providerId="LiveId" clId="{16CB9BD3-0FD0-435F-BA63-C692E6031789}" dt="2017-11-15T19:11:33.906" v="1180" actId="1076"/>
+          <ac:grpSpMkLst>
+            <pc:docMk/>
+            <pc:sldMk cId="2375096294" sldId="266"/>
+            <ac:grpSpMk id="99" creationId="{743CA4BB-EF82-45E5-BF6B-C7C94C6B7E5E}"/>
+          </ac:grpSpMkLst>
+        </pc:grpChg>
+        <pc:grpChg chg="add mod">
+          <ac:chgData name="Mansur He" userId="2cd3e99d6a3c3959" providerId="LiveId" clId="{16CB9BD3-0FD0-435F-BA63-C692E6031789}" dt="2017-11-15T19:11:33.906" v="1180" actId="1076"/>
+          <ac:grpSpMkLst>
+            <pc:docMk/>
+            <pc:sldMk cId="2375096294" sldId="266"/>
+            <ac:grpSpMk id="101" creationId="{FAF5F5CD-BDB1-4786-83B8-D3BEEC90FCC1}"/>
+          </ac:grpSpMkLst>
+        </pc:grpChg>
+        <pc:graphicFrameChg chg="add del mod">
+          <ac:chgData name="Mansur He" userId="2cd3e99d6a3c3959" providerId="LiveId" clId="{16CB9BD3-0FD0-435F-BA63-C692E6031789}" dt="2017-11-15T21:03:27.360" v="1743" actId="478"/>
+          <ac:graphicFrameMkLst>
+            <pc:docMk/>
+            <pc:sldMk cId="2375096294" sldId="266"/>
+            <ac:graphicFrameMk id="2" creationId="{E3370AA0-D2C0-4124-8C27-65C1759221C7}"/>
+          </ac:graphicFrameMkLst>
+        </pc:graphicFrameChg>
+        <pc:graphicFrameChg chg="add del mod">
+          <ac:chgData name="Mansur He" userId="2cd3e99d6a3c3959" providerId="LiveId" clId="{16CB9BD3-0FD0-435F-BA63-C692E6031789}" dt="2017-11-15T21:04:45.907" v="1752" actId="478"/>
+          <ac:graphicFrameMkLst>
+            <pc:docMk/>
+            <pc:sldMk cId="2375096294" sldId="266"/>
+            <ac:graphicFrameMk id="3" creationId="{DD01958F-8A5B-4226-A177-D05F19D70371}"/>
+          </ac:graphicFrameMkLst>
+        </pc:graphicFrameChg>
+        <pc:graphicFrameChg chg="add del mod">
+          <ac:chgData name="Mansur He" userId="2cd3e99d6a3c3959" providerId="LiveId" clId="{16CB9BD3-0FD0-435F-BA63-C692E6031789}" dt="2017-11-15T21:04:40.973" v="1750" actId="478"/>
+          <ac:graphicFrameMkLst>
+            <pc:docMk/>
+            <pc:sldMk cId="2375096294" sldId="266"/>
+            <ac:graphicFrameMk id="4" creationId="{B51D2ED6-C6B0-4139-B19F-726CBA08D24B}"/>
+          </ac:graphicFrameMkLst>
+        </pc:graphicFrameChg>
+        <pc:graphicFrameChg chg="add del mod">
+          <ac:chgData name="Mansur He" userId="2cd3e99d6a3c3959" providerId="LiveId" clId="{16CB9BD3-0FD0-435F-BA63-C692E6031789}" dt="2017-11-15T21:04:38.956" v="1749" actId="478"/>
+          <ac:graphicFrameMkLst>
+            <pc:docMk/>
+            <pc:sldMk cId="2375096294" sldId="266"/>
+            <ac:graphicFrameMk id="6" creationId="{4AC4637C-E2BB-439A-B0A1-A216497E203B}"/>
+          </ac:graphicFrameMkLst>
+        </pc:graphicFrameChg>
+        <pc:graphicFrameChg chg="add del mod">
+          <ac:chgData name="Mansur He" userId="2cd3e99d6a3c3959" providerId="LiveId" clId="{16CB9BD3-0FD0-435F-BA63-C692E6031789}" dt="2017-11-15T21:05:46.298" v="1758" actId="478"/>
+          <ac:graphicFrameMkLst>
+            <pc:docMk/>
+            <pc:sldMk cId="2375096294" sldId="266"/>
+            <ac:graphicFrameMk id="8" creationId="{87EAB5DE-8A87-4E48-AE5D-1C80217F2E3A}"/>
+          </ac:graphicFrameMkLst>
+        </pc:graphicFrameChg>
+        <pc:graphicFrameChg chg="add del mod">
+          <ac:chgData name="Mansur He" userId="2cd3e99d6a3c3959" providerId="LiveId" clId="{16CB9BD3-0FD0-435F-BA63-C692E6031789}" dt="2017-11-15T18:28:14.294" v="272" actId="478"/>
+          <ac:graphicFrameMkLst>
+            <pc:docMk/>
+            <pc:sldMk cId="2375096294" sldId="266"/>
+            <ac:graphicFrameMk id="31" creationId="{84484C03-4899-4D14-84A1-C2FCF485E267}"/>
+          </ac:graphicFrameMkLst>
+        </pc:graphicFrameChg>
+        <pc:cxnChg chg="add mod ord">
+          <ac:chgData name="Mansur He" userId="2cd3e99d6a3c3959" providerId="LiveId" clId="{16CB9BD3-0FD0-435F-BA63-C692E6031789}" dt="2017-11-15T19:07:27.395" v="1118" actId="164"/>
+          <ac:cxnSpMkLst>
+            <pc:docMk/>
+            <pc:sldMk cId="2375096294" sldId="266"/>
+            <ac:cxnSpMk id="5" creationId="{99C3F584-E649-4513-929E-74F4A225DC15}"/>
+          </ac:cxnSpMkLst>
+        </pc:cxnChg>
+        <pc:cxnChg chg="add mod">
+          <ac:chgData name="Mansur He" userId="2cd3e99d6a3c3959" providerId="LiveId" clId="{16CB9BD3-0FD0-435F-BA63-C692E6031789}" dt="2017-11-15T19:07:27.395" v="1118" actId="164"/>
+          <ac:cxnSpMkLst>
+            <pc:docMk/>
+            <pc:sldMk cId="2375096294" sldId="266"/>
+            <ac:cxnSpMk id="7" creationId="{B32C66B6-6FD9-4E80-8A90-D58C3A546E79}"/>
+          </ac:cxnSpMkLst>
+        </pc:cxnChg>
+        <pc:cxnChg chg="add mod">
+          <ac:chgData name="Mansur He" userId="2cd3e99d6a3c3959" providerId="LiveId" clId="{16CB9BD3-0FD0-435F-BA63-C692E6031789}" dt="2017-11-15T19:07:27.395" v="1118" actId="164"/>
+          <ac:cxnSpMkLst>
+            <pc:docMk/>
+            <pc:sldMk cId="2375096294" sldId="266"/>
+            <ac:cxnSpMk id="9" creationId="{5252342C-70B8-44A8-949E-2999012ED314}"/>
+          </ac:cxnSpMkLst>
+        </pc:cxnChg>
+        <pc:cxnChg chg="add mod">
+          <ac:chgData name="Mansur He" userId="2cd3e99d6a3c3959" providerId="LiveId" clId="{16CB9BD3-0FD0-435F-BA63-C692E6031789}" dt="2017-11-15T19:07:27.395" v="1118" actId="164"/>
+          <ac:cxnSpMkLst>
+            <pc:docMk/>
+            <pc:sldMk cId="2375096294" sldId="266"/>
+            <ac:cxnSpMk id="19" creationId="{7B86B4B9-2874-4767-8FE2-BA1F2B83AF4A}"/>
+          </ac:cxnSpMkLst>
+        </pc:cxnChg>
+        <pc:cxnChg chg="add mod">
+          <ac:chgData name="Mansur He" userId="2cd3e99d6a3c3959" providerId="LiveId" clId="{16CB9BD3-0FD0-435F-BA63-C692E6031789}" dt="2017-11-15T19:07:27.395" v="1118" actId="164"/>
+          <ac:cxnSpMkLst>
+            <pc:docMk/>
+            <pc:sldMk cId="2375096294" sldId="266"/>
+            <ac:cxnSpMk id="20" creationId="{CCBE8010-FCAB-40DC-BEE4-F4F8C051B366}"/>
+          </ac:cxnSpMkLst>
+        </pc:cxnChg>
+        <pc:cxnChg chg="add del mod">
+          <ac:chgData name="Mansur He" userId="2cd3e99d6a3c3959" providerId="LiveId" clId="{16CB9BD3-0FD0-435F-BA63-C692E6031789}" dt="2017-11-15T18:28:29.052" v="276" actId="478"/>
+          <ac:cxnSpMkLst>
+            <pc:docMk/>
+            <pc:sldMk cId="2375096294" sldId="266"/>
+            <ac:cxnSpMk id="32" creationId="{E6B03D3E-5C96-4D3C-A85C-DF55B913FC26}"/>
+          </ac:cxnSpMkLst>
+        </pc:cxnChg>
+        <pc:cxnChg chg="add mod ord">
+          <ac:chgData name="Mansur He" userId="2cd3e99d6a3c3959" providerId="LiveId" clId="{16CB9BD3-0FD0-435F-BA63-C692E6031789}" dt="2017-11-15T19:07:27.395" v="1118" actId="164"/>
+          <ac:cxnSpMkLst>
+            <pc:docMk/>
+            <pc:sldMk cId="2375096294" sldId="266"/>
+            <ac:cxnSpMk id="36" creationId="{8845E012-D782-44B6-A77B-188C4388C6A2}"/>
+          </ac:cxnSpMkLst>
+        </pc:cxnChg>
+        <pc:cxnChg chg="add del mod">
+          <ac:chgData name="Mansur He" userId="2cd3e99d6a3c3959" providerId="LiveId" clId="{16CB9BD3-0FD0-435F-BA63-C692E6031789}" dt="2017-11-15T18:31:09.610" v="295" actId="478"/>
+          <ac:cxnSpMkLst>
+            <pc:docMk/>
+            <pc:sldMk cId="2375096294" sldId="266"/>
+            <ac:cxnSpMk id="37" creationId="{C77B2AC3-8696-426A-A72A-B372AE8A61A0}"/>
+          </ac:cxnSpMkLst>
+        </pc:cxnChg>
+        <pc:cxnChg chg="add mod">
+          <ac:chgData name="Mansur He" userId="2cd3e99d6a3c3959" providerId="LiveId" clId="{16CB9BD3-0FD0-435F-BA63-C692E6031789}" dt="2017-11-15T19:07:27.395" v="1118" actId="164"/>
+          <ac:cxnSpMkLst>
+            <pc:docMk/>
+            <pc:sldMk cId="2375096294" sldId="266"/>
+            <ac:cxnSpMk id="40" creationId="{85AD5BDA-E869-480F-954C-2D506F50ECE2}"/>
+          </ac:cxnSpMkLst>
+        </pc:cxnChg>
+        <pc:cxnChg chg="add mod">
+          <ac:chgData name="Mansur He" userId="2cd3e99d6a3c3959" providerId="LiveId" clId="{16CB9BD3-0FD0-435F-BA63-C692E6031789}" dt="2017-11-15T19:07:27.395" v="1118" actId="164"/>
+          <ac:cxnSpMkLst>
+            <pc:docMk/>
+            <pc:sldMk cId="2375096294" sldId="266"/>
+            <ac:cxnSpMk id="43" creationId="{9D642629-9E7B-4BC1-ACEB-B10434430B04}"/>
+          </ac:cxnSpMkLst>
+        </pc:cxnChg>
+        <pc:cxnChg chg="add mod">
+          <ac:chgData name="Mansur He" userId="2cd3e99d6a3c3959" providerId="LiveId" clId="{16CB9BD3-0FD0-435F-BA63-C692E6031789}" dt="2017-11-15T19:07:27.395" v="1118" actId="164"/>
+          <ac:cxnSpMkLst>
+            <pc:docMk/>
+            <pc:sldMk cId="2375096294" sldId="266"/>
+            <ac:cxnSpMk id="44" creationId="{E3DB727C-D37D-46E8-AA86-B86D842C5EE9}"/>
+          </ac:cxnSpMkLst>
+        </pc:cxnChg>
+        <pc:cxnChg chg="add del mod">
+          <ac:chgData name="Mansur He" userId="2cd3e99d6a3c3959" providerId="LiveId" clId="{16CB9BD3-0FD0-435F-BA63-C692E6031789}" dt="2017-11-15T18:34:56.380" v="342" actId="478"/>
+          <ac:cxnSpMkLst>
+            <pc:docMk/>
+            <pc:sldMk cId="2375096294" sldId="266"/>
+            <ac:cxnSpMk id="46" creationId="{3B6F9F3B-FD88-4735-9878-6CF49C4AB326}"/>
+          </ac:cxnSpMkLst>
+        </pc:cxnChg>
+        <pc:cxnChg chg="add del mod">
+          <ac:chgData name="Mansur He" userId="2cd3e99d6a3c3959" providerId="LiveId" clId="{16CB9BD3-0FD0-435F-BA63-C692E6031789}" dt="2017-11-15T18:34:46.614" v="338" actId="478"/>
+          <ac:cxnSpMkLst>
+            <pc:docMk/>
+            <pc:sldMk cId="2375096294" sldId="266"/>
+            <ac:cxnSpMk id="47" creationId="{FB312275-61A6-4D98-AFDE-6393FCA7A8A3}"/>
+          </ac:cxnSpMkLst>
+        </pc:cxnChg>
+        <pc:cxnChg chg="add mod">
+          <ac:chgData name="Mansur He" userId="2cd3e99d6a3c3959" providerId="LiveId" clId="{16CB9BD3-0FD0-435F-BA63-C692E6031789}" dt="2017-11-15T19:07:27.395" v="1118" actId="164"/>
+          <ac:cxnSpMkLst>
+            <pc:docMk/>
+            <pc:sldMk cId="2375096294" sldId="266"/>
+            <ac:cxnSpMk id="54" creationId="{5ABB14E1-E33B-4383-AE53-A0A2AC1EF9EA}"/>
+          </ac:cxnSpMkLst>
+        </pc:cxnChg>
+        <pc:cxnChg chg="add mod">
+          <ac:chgData name="Mansur He" userId="2cd3e99d6a3c3959" providerId="LiveId" clId="{16CB9BD3-0FD0-435F-BA63-C692E6031789}" dt="2017-11-15T19:07:27.395" v="1118" actId="164"/>
+          <ac:cxnSpMkLst>
+            <pc:docMk/>
+            <pc:sldMk cId="2375096294" sldId="266"/>
+            <ac:cxnSpMk id="55" creationId="{630CAF28-0E69-425A-84C0-441A54671605}"/>
+          </ac:cxnSpMkLst>
+        </pc:cxnChg>
+        <pc:cxnChg chg="add mod">
+          <ac:chgData name="Mansur He" userId="2cd3e99d6a3c3959" providerId="LiveId" clId="{16CB9BD3-0FD0-435F-BA63-C692E6031789}" dt="2017-11-15T19:07:27.395" v="1118" actId="164"/>
+          <ac:cxnSpMkLst>
+            <pc:docMk/>
+            <pc:sldMk cId="2375096294" sldId="266"/>
+            <ac:cxnSpMk id="57" creationId="{185F844D-B313-46A7-996F-80C2C8C2D081}"/>
+          </ac:cxnSpMkLst>
+        </pc:cxnChg>
+        <pc:cxnChg chg="add mod">
+          <ac:chgData name="Mansur He" userId="2cd3e99d6a3c3959" providerId="LiveId" clId="{16CB9BD3-0FD0-435F-BA63-C692E6031789}" dt="2017-11-15T19:07:27.395" v="1118" actId="164"/>
+          <ac:cxnSpMkLst>
+            <pc:docMk/>
+            <pc:sldMk cId="2375096294" sldId="266"/>
+            <ac:cxnSpMk id="58" creationId="{F521CC3A-F482-4E5C-8808-4B10ED9EDB51}"/>
+          </ac:cxnSpMkLst>
+        </pc:cxnChg>
+        <pc:cxnChg chg="add mod ord">
+          <ac:chgData name="Mansur He" userId="2cd3e99d6a3c3959" providerId="LiveId" clId="{16CB9BD3-0FD0-435F-BA63-C692E6031789}" dt="2017-11-15T19:07:27.395" v="1118" actId="164"/>
+          <ac:cxnSpMkLst>
+            <pc:docMk/>
+            <pc:sldMk cId="2375096294" sldId="266"/>
+            <ac:cxnSpMk id="59" creationId="{013789D5-30F0-4158-8E5A-FE910F9F7FC3}"/>
+          </ac:cxnSpMkLst>
+        </pc:cxnChg>
+        <pc:cxnChg chg="add mod">
+          <ac:chgData name="Mansur He" userId="2cd3e99d6a3c3959" providerId="LiveId" clId="{16CB9BD3-0FD0-435F-BA63-C692E6031789}" dt="2017-11-15T19:07:27.395" v="1118" actId="164"/>
+          <ac:cxnSpMkLst>
+            <pc:docMk/>
+            <pc:sldMk cId="2375096294" sldId="266"/>
+            <ac:cxnSpMk id="60" creationId="{04AFE6FD-B184-4D09-B984-3DFBB08B7A22}"/>
+          </ac:cxnSpMkLst>
+        </pc:cxnChg>
+        <pc:cxnChg chg="add mod ord">
+          <ac:chgData name="Mansur He" userId="2cd3e99d6a3c3959" providerId="LiveId" clId="{16CB9BD3-0FD0-435F-BA63-C692E6031789}" dt="2017-11-15T19:07:27.395" v="1118" actId="164"/>
+          <ac:cxnSpMkLst>
+            <pc:docMk/>
+            <pc:sldMk cId="2375096294" sldId="266"/>
+            <ac:cxnSpMk id="62" creationId="{55B91062-325B-4902-9D28-25D713F2F0A8}"/>
+          </ac:cxnSpMkLst>
+        </pc:cxnChg>
+        <pc:cxnChg chg="add mod">
+          <ac:chgData name="Mansur He" userId="2cd3e99d6a3c3959" providerId="LiveId" clId="{16CB9BD3-0FD0-435F-BA63-C692E6031789}" dt="2017-11-15T19:07:27.395" v="1118" actId="164"/>
+          <ac:cxnSpMkLst>
+            <pc:docMk/>
+            <pc:sldMk cId="2375096294" sldId="266"/>
+            <ac:cxnSpMk id="64" creationId="{3AB125F3-8802-47B9-9CCB-6278F1F7678A}"/>
+          </ac:cxnSpMkLst>
+        </pc:cxnChg>
+        <pc:cxnChg chg="add del mod">
+          <ac:chgData name="Mansur He" userId="2cd3e99d6a3c3959" providerId="LiveId" clId="{16CB9BD3-0FD0-435F-BA63-C692E6031789}" dt="2017-11-15T18:45:13.237" v="485" actId="478"/>
+          <ac:cxnSpMkLst>
+            <pc:docMk/>
+            <pc:sldMk cId="2375096294" sldId="266"/>
+            <ac:cxnSpMk id="73" creationId="{0F1D1BF1-5960-4F68-861E-7784A50CAFB1}"/>
+          </ac:cxnSpMkLst>
+        </pc:cxnChg>
+        <pc:cxnChg chg="add mod">
+          <ac:chgData name="Mansur He" userId="2cd3e99d6a3c3959" providerId="LiveId" clId="{16CB9BD3-0FD0-435F-BA63-C692E6031789}" dt="2017-11-15T19:07:27.395" v="1118" actId="164"/>
+          <ac:cxnSpMkLst>
+            <pc:docMk/>
+            <pc:sldMk cId="2375096294" sldId="266"/>
+            <ac:cxnSpMk id="76" creationId="{9227404B-EC2F-455A-9EE3-055A4E634FCF}"/>
+          </ac:cxnSpMkLst>
+        </pc:cxnChg>
+        <pc:cxnChg chg="add del mod ord">
+          <ac:chgData name="Mansur He" userId="2cd3e99d6a3c3959" providerId="LiveId" clId="{16CB9BD3-0FD0-435F-BA63-C692E6031789}" dt="2017-11-15T19:03:58.992" v="1040" actId="478"/>
+          <ac:cxnSpMkLst>
+            <pc:docMk/>
+            <pc:sldMk cId="2375096294" sldId="266"/>
+            <ac:cxnSpMk id="91" creationId="{1228A09E-BECA-40F2-A13E-73E2329E01D2}"/>
+          </ac:cxnSpMkLst>
+        </pc:cxnChg>
+        <pc:cxnChg chg="add mod">
+          <ac:chgData name="Mansur He" userId="2cd3e99d6a3c3959" providerId="LiveId" clId="{16CB9BD3-0FD0-435F-BA63-C692E6031789}" dt="2017-11-15T19:11:33.906" v="1180" actId="1076"/>
+          <ac:cxnSpMkLst>
+            <pc:docMk/>
+            <pc:sldMk cId="2375096294" sldId="266"/>
+            <ac:cxnSpMk id="103" creationId="{B6AA4BE9-9979-4F55-831D-07A7135C3EE0}"/>
+          </ac:cxnSpMkLst>
+        </pc:cxnChg>
+        <pc:cxnChg chg="add mod">
+          <ac:chgData name="Mansur He" userId="2cd3e99d6a3c3959" providerId="LiveId" clId="{16CB9BD3-0FD0-435F-BA63-C692E6031789}" dt="2017-11-15T19:11:33.906" v="1180" actId="1076"/>
+          <ac:cxnSpMkLst>
+            <pc:docMk/>
+            <pc:sldMk cId="2375096294" sldId="266"/>
+            <ac:cxnSpMk id="104" creationId="{3B373880-2EC9-4B31-93CA-1115E38F8F50}"/>
+          </ac:cxnSpMkLst>
+        </pc:cxnChg>
+        <pc:cxnChg chg="add mod">
+          <ac:chgData name="Mansur He" userId="2cd3e99d6a3c3959" providerId="LiveId" clId="{16CB9BD3-0FD0-435F-BA63-C692E6031789}" dt="2017-11-15T19:11:33.906" v="1180" actId="1076"/>
+          <ac:cxnSpMkLst>
+            <pc:docMk/>
+            <pc:sldMk cId="2375096294" sldId="266"/>
+            <ac:cxnSpMk id="106" creationId="{316DE81C-DCDC-46C6-91B2-D1F19B91504D}"/>
+          </ac:cxnSpMkLst>
+        </pc:cxnChg>
+      </pc:sldChg>
+      <pc:sldChg chg="addSp delSp modSp add">
+        <pc:chgData name="Mansur He" userId="2cd3e99d6a3c3959" providerId="LiveId" clId="{16CB9BD3-0FD0-435F-BA63-C692E6031789}" dt="2017-11-15T19:23:17.861" v="1618" actId="1076"/>
+        <pc:sldMkLst>
+          <pc:docMk/>
+          <pc:sldMk cId="1495167305" sldId="267"/>
+        </pc:sldMkLst>
+        <pc:spChg chg="del">
+          <ac:chgData name="Mansur He" userId="2cd3e99d6a3c3959" providerId="LiveId" clId="{16CB9BD3-0FD0-435F-BA63-C692E6031789}" dt="2017-11-15T19:18:20.571" v="1384" actId="478"/>
+          <ac:spMkLst>
+            <pc:docMk/>
+            <pc:sldMk cId="1495167305" sldId="267"/>
+            <ac:spMk id="2" creationId="{467FBE66-5456-452D-8833-886E791A0CE6}"/>
+          </ac:spMkLst>
+        </pc:spChg>
+        <pc:spChg chg="del">
+          <ac:chgData name="Mansur He" userId="2cd3e99d6a3c3959" providerId="LiveId" clId="{16CB9BD3-0FD0-435F-BA63-C692E6031789}" dt="2017-11-15T19:18:20.571" v="1384" actId="478"/>
+          <ac:spMkLst>
+            <pc:docMk/>
+            <pc:sldMk cId="1495167305" sldId="267"/>
+            <ac:spMk id="3" creationId="{608E8751-6351-463D-897E-69264E01D14E}"/>
+          </ac:spMkLst>
+        </pc:spChg>
+        <pc:spChg chg="add mod">
+          <ac:chgData name="Mansur He" userId="2cd3e99d6a3c3959" providerId="LiveId" clId="{16CB9BD3-0FD0-435F-BA63-C692E6031789}" dt="2017-11-15T19:23:17.861" v="1618" actId="1076"/>
+          <ac:spMkLst>
+            <pc:docMk/>
+            <pc:sldMk cId="1495167305" sldId="267"/>
+            <ac:spMk id="4" creationId="{25007B00-97D3-4EA5-8578-6C8DD490F41C}"/>
+          </ac:spMkLst>
+        </pc:spChg>
+      </pc:sldChg>
+      <pc:sldMasterChg chg="setBg modSldLayout">
+        <pc:chgData name="Mansur He" userId="2cd3e99d6a3c3959" providerId="LiveId" clId="{16CB9BD3-0FD0-435F-BA63-C692E6031789}" dt="2017-11-15T19:22:35.187" v="1582" actId="20577"/>
+        <pc:sldMasterMkLst>
+          <pc:docMk/>
+          <pc:sldMasterMk cId="1150089533" sldId="2147483923"/>
+        </pc:sldMasterMkLst>
+        <pc:sldLayoutChg chg="setBg">
+          <pc:chgData name="Mansur He" userId="2cd3e99d6a3c3959" providerId="LiveId" clId="{16CB9BD3-0FD0-435F-BA63-C692E6031789}" dt="2017-11-15T19:22:35.187" v="1582" actId="20577"/>
+          <pc:sldLayoutMkLst>
+            <pc:docMk/>
+            <pc:sldMasterMk cId="1150089533" sldId="2147483923"/>
+            <pc:sldLayoutMk cId="1470253142" sldId="2147483924"/>
+          </pc:sldLayoutMkLst>
+        </pc:sldLayoutChg>
+        <pc:sldLayoutChg chg="setBg">
+          <pc:chgData name="Mansur He" userId="2cd3e99d6a3c3959" providerId="LiveId" clId="{16CB9BD3-0FD0-435F-BA63-C692E6031789}" dt="2017-11-15T19:22:35.187" v="1582" actId="20577"/>
+          <pc:sldLayoutMkLst>
+            <pc:docMk/>
+            <pc:sldMasterMk cId="1150089533" sldId="2147483923"/>
+            <pc:sldLayoutMk cId="3666017602" sldId="2147483925"/>
+          </pc:sldLayoutMkLst>
+        </pc:sldLayoutChg>
+        <pc:sldLayoutChg chg="setBg">
+          <pc:chgData name="Mansur He" userId="2cd3e99d6a3c3959" providerId="LiveId" clId="{16CB9BD3-0FD0-435F-BA63-C692E6031789}" dt="2017-11-15T19:22:35.187" v="1582" actId="20577"/>
+          <pc:sldLayoutMkLst>
+            <pc:docMk/>
+            <pc:sldMasterMk cId="1150089533" sldId="2147483923"/>
+            <pc:sldLayoutMk cId="1761760546" sldId="2147483926"/>
+          </pc:sldLayoutMkLst>
+        </pc:sldLayoutChg>
+        <pc:sldLayoutChg chg="setBg">
+          <pc:chgData name="Mansur He" userId="2cd3e99d6a3c3959" providerId="LiveId" clId="{16CB9BD3-0FD0-435F-BA63-C692E6031789}" dt="2017-11-15T19:22:35.187" v="1582" actId="20577"/>
+          <pc:sldLayoutMkLst>
+            <pc:docMk/>
+            <pc:sldMasterMk cId="1150089533" sldId="2147483923"/>
+            <pc:sldLayoutMk cId="511291665" sldId="2147483927"/>
+          </pc:sldLayoutMkLst>
+        </pc:sldLayoutChg>
+        <pc:sldLayoutChg chg="setBg">
+          <pc:chgData name="Mansur He" userId="2cd3e99d6a3c3959" providerId="LiveId" clId="{16CB9BD3-0FD0-435F-BA63-C692E6031789}" dt="2017-11-15T19:22:35.187" v="1582" actId="20577"/>
+          <pc:sldLayoutMkLst>
+            <pc:docMk/>
+            <pc:sldMasterMk cId="1150089533" sldId="2147483923"/>
+            <pc:sldLayoutMk cId="2214827262" sldId="2147483928"/>
+          </pc:sldLayoutMkLst>
+        </pc:sldLayoutChg>
+        <pc:sldLayoutChg chg="setBg">
+          <pc:chgData name="Mansur He" userId="2cd3e99d6a3c3959" providerId="LiveId" clId="{16CB9BD3-0FD0-435F-BA63-C692E6031789}" dt="2017-11-15T19:22:35.187" v="1582" actId="20577"/>
+          <pc:sldLayoutMkLst>
+            <pc:docMk/>
+            <pc:sldMasterMk cId="1150089533" sldId="2147483923"/>
+            <pc:sldLayoutMk cId="3878126061" sldId="2147483929"/>
+          </pc:sldLayoutMkLst>
+        </pc:sldLayoutChg>
+        <pc:sldLayoutChg chg="setBg">
+          <pc:chgData name="Mansur He" userId="2cd3e99d6a3c3959" providerId="LiveId" clId="{16CB9BD3-0FD0-435F-BA63-C692E6031789}" dt="2017-11-15T19:22:35.187" v="1582" actId="20577"/>
+          <pc:sldLayoutMkLst>
+            <pc:docMk/>
+            <pc:sldMasterMk cId="1150089533" sldId="2147483923"/>
+            <pc:sldLayoutMk cId="788093854" sldId="2147483930"/>
+          </pc:sldLayoutMkLst>
+        </pc:sldLayoutChg>
+        <pc:sldLayoutChg chg="setBg">
+          <pc:chgData name="Mansur He" userId="2cd3e99d6a3c3959" providerId="LiveId" clId="{16CB9BD3-0FD0-435F-BA63-C692E6031789}" dt="2017-11-15T19:22:35.187" v="1582" actId="20577"/>
+          <pc:sldLayoutMkLst>
+            <pc:docMk/>
+            <pc:sldMasterMk cId="1150089533" sldId="2147483923"/>
+            <pc:sldLayoutMk cId="1666322605" sldId="2147483931"/>
+          </pc:sldLayoutMkLst>
+        </pc:sldLayoutChg>
+        <pc:sldLayoutChg chg="setBg">
+          <pc:chgData name="Mansur He" userId="2cd3e99d6a3c3959" providerId="LiveId" clId="{16CB9BD3-0FD0-435F-BA63-C692E6031789}" dt="2017-11-15T19:22:35.187" v="1582" actId="20577"/>
+          <pc:sldLayoutMkLst>
+            <pc:docMk/>
+            <pc:sldMasterMk cId="1150089533" sldId="2147483923"/>
+            <pc:sldLayoutMk cId="620821994" sldId="2147483932"/>
+          </pc:sldLayoutMkLst>
+        </pc:sldLayoutChg>
+        <pc:sldLayoutChg chg="setBg">
+          <pc:chgData name="Mansur He" userId="2cd3e99d6a3c3959" providerId="LiveId" clId="{16CB9BD3-0FD0-435F-BA63-C692E6031789}" dt="2017-11-15T19:22:35.187" v="1582" actId="20577"/>
+          <pc:sldLayoutMkLst>
+            <pc:docMk/>
+            <pc:sldMasterMk cId="1150089533" sldId="2147483923"/>
+            <pc:sldLayoutMk cId="30563872" sldId="2147483933"/>
+          </pc:sldLayoutMkLst>
+        </pc:sldLayoutChg>
+        <pc:sldLayoutChg chg="setBg">
+          <pc:chgData name="Mansur He" userId="2cd3e99d6a3c3959" providerId="LiveId" clId="{16CB9BD3-0FD0-435F-BA63-C692E6031789}" dt="2017-11-15T19:22:35.187" v="1582" actId="20577"/>
+          <pc:sldLayoutMkLst>
+            <pc:docMk/>
+            <pc:sldMasterMk cId="1150089533" sldId="2147483923"/>
+            <pc:sldLayoutMk cId="770030270" sldId="2147483934"/>
+          </pc:sldLayoutMkLst>
+        </pc:sldLayoutChg>
+      </pc:sldMasterChg>
+    </pc:docChg>
+  </pc:docChgLst>
+</pc:chgInfo>
 </file>
 
 <file path=ppt/slideLayouts/slideLayout1.xml><?xml version="1.0" encoding="utf-8"?>
@@ -146,7 +1070,7 @@
           <p:cNvPr id="2" name="Title 1">
             <a:extLst>
               <a:ext uri="{FF2B5EF4-FFF2-40B4-BE49-F238E27FC236}">
-                <a16:creationId xmlns:a16="http://schemas.microsoft.com/office/drawing/2014/main" id="{16F834FF-5B64-479E-95A4-BF05E89C3CE5}"/>
+                <a16:creationId xmlns:a16="http://schemas.microsoft.com/office/drawing/2014/main" id="{64CF5293-3D8F-433E-AF72-93AE3AD9ED0E}"/>
               </a:ext>
             </a:extLst>
           </p:cNvPr>
@@ -184,7 +1108,7 @@
           <p:cNvPr id="3" name="Subtitle 2">
             <a:extLst>
               <a:ext uri="{FF2B5EF4-FFF2-40B4-BE49-F238E27FC236}">
-                <a16:creationId xmlns:a16="http://schemas.microsoft.com/office/drawing/2014/main" id="{9AF23500-5DB4-4F8D-81C6-486DE0D65D84}"/>
+                <a16:creationId xmlns:a16="http://schemas.microsoft.com/office/drawing/2014/main" id="{E87955E1-F8F7-4C34-AEC7-825A8C454739}"/>
               </a:ext>
             </a:extLst>
           </p:cNvPr>
@@ -255,7 +1179,7 @@
           <p:cNvPr id="4" name="Date Placeholder 3">
             <a:extLst>
               <a:ext uri="{FF2B5EF4-FFF2-40B4-BE49-F238E27FC236}">
-                <a16:creationId xmlns:a16="http://schemas.microsoft.com/office/drawing/2014/main" id="{6BF4F7AA-0878-47AD-A16A-99FDC69CEA88}"/>
+                <a16:creationId xmlns:a16="http://schemas.microsoft.com/office/drawing/2014/main" id="{AAB18EF2-647A-4704-8AEE-69185A3BBAAF}"/>
               </a:ext>
             </a:extLst>
           </p:cNvPr>
@@ -273,7 +1197,7 @@
           <a:p>
             <a:fld id="{E6EB3096-FC29-47A4-99F1-5746391635D3}" type="datetimeFigureOut">
               <a:rPr lang="en-CA" smtClean="0"/>
-              <a:t>2017-11-13</a:t>
+              <a:t>2017-11-16</a:t>
             </a:fld>
             <a:endParaRPr lang="en-CA"/>
           </a:p>
@@ -284,7 +1208,7 @@
           <p:cNvPr id="5" name="Footer Placeholder 4">
             <a:extLst>
               <a:ext uri="{FF2B5EF4-FFF2-40B4-BE49-F238E27FC236}">
-                <a16:creationId xmlns:a16="http://schemas.microsoft.com/office/drawing/2014/main" id="{0657D88B-E67E-4BFC-B0E6-A5EF2B45B501}"/>
+                <a16:creationId xmlns:a16="http://schemas.microsoft.com/office/drawing/2014/main" id="{C474308B-6601-4F30-BDC0-059DD9786B88}"/>
               </a:ext>
             </a:extLst>
           </p:cNvPr>
@@ -309,7 +1233,7 @@
           <p:cNvPr id="6" name="Slide Number Placeholder 5">
             <a:extLst>
               <a:ext uri="{FF2B5EF4-FFF2-40B4-BE49-F238E27FC236}">
-                <a16:creationId xmlns:a16="http://schemas.microsoft.com/office/drawing/2014/main" id="{DE17AFCC-EB6C-4990-951B-0A908889CC71}"/>
+                <a16:creationId xmlns:a16="http://schemas.microsoft.com/office/drawing/2014/main" id="{4D2822C2-40B5-4B57-8AF2-1666D146E756}"/>
               </a:ext>
             </a:extLst>
           </p:cNvPr>
@@ -336,7 +1260,7 @@
     </p:spTree>
     <p:extLst>
       <p:ext uri="{BB962C8B-B14F-4D97-AF65-F5344CB8AC3E}">
-        <p14:creationId xmlns:p14="http://schemas.microsoft.com/office/powerpoint/2010/main" val="2366508742"/>
+        <p14:creationId xmlns:p14="http://schemas.microsoft.com/office/powerpoint/2010/main" val="1470253142"/>
       </p:ext>
     </p:extLst>
   </p:cSld>
@@ -368,7 +1292,7 @@
           <p:cNvPr id="2" name="Title 1">
             <a:extLst>
               <a:ext uri="{FF2B5EF4-FFF2-40B4-BE49-F238E27FC236}">
-                <a16:creationId xmlns:a16="http://schemas.microsoft.com/office/drawing/2014/main" id="{F7B89D01-F334-4738-83DE-9995803446E2}"/>
+                <a16:creationId xmlns:a16="http://schemas.microsoft.com/office/drawing/2014/main" id="{8BA68F8E-8C1E-413A-A751-A1F9B70ECF23}"/>
               </a:ext>
             </a:extLst>
           </p:cNvPr>
@@ -397,7 +1321,7 @@
           <p:cNvPr id="3" name="Vertical Text Placeholder 2">
             <a:extLst>
               <a:ext uri="{FF2B5EF4-FFF2-40B4-BE49-F238E27FC236}">
-                <a16:creationId xmlns:a16="http://schemas.microsoft.com/office/drawing/2014/main" id="{834F87AB-66FB-4C81-BF3D-E3FE14BB5C57}"/>
+                <a16:creationId xmlns:a16="http://schemas.microsoft.com/office/drawing/2014/main" id="{89CFDEF1-4DAF-47EF-B0A6-40F1DEC44871}"/>
               </a:ext>
             </a:extLst>
           </p:cNvPr>
@@ -455,7 +1379,7 @@
           <p:cNvPr id="4" name="Date Placeholder 3">
             <a:extLst>
               <a:ext uri="{FF2B5EF4-FFF2-40B4-BE49-F238E27FC236}">
-                <a16:creationId xmlns:a16="http://schemas.microsoft.com/office/drawing/2014/main" id="{48D877E3-6F2C-4838-A920-6B2B3B01B871}"/>
+                <a16:creationId xmlns:a16="http://schemas.microsoft.com/office/drawing/2014/main" id="{B75F2627-6C39-4442-9101-B58C799C1434}"/>
               </a:ext>
             </a:extLst>
           </p:cNvPr>
@@ -473,7 +1397,7 @@
           <a:p>
             <a:fld id="{E6EB3096-FC29-47A4-99F1-5746391635D3}" type="datetimeFigureOut">
               <a:rPr lang="en-CA" smtClean="0"/>
-              <a:t>2017-11-13</a:t>
+              <a:t>2017-11-16</a:t>
             </a:fld>
             <a:endParaRPr lang="en-CA"/>
           </a:p>
@@ -484,7 +1408,7 @@
           <p:cNvPr id="5" name="Footer Placeholder 4">
             <a:extLst>
               <a:ext uri="{FF2B5EF4-FFF2-40B4-BE49-F238E27FC236}">
-                <a16:creationId xmlns:a16="http://schemas.microsoft.com/office/drawing/2014/main" id="{3B033BE7-94B8-4783-A8B6-94E9E35862E7}"/>
+                <a16:creationId xmlns:a16="http://schemas.microsoft.com/office/drawing/2014/main" id="{01A9C02D-03D8-485B-B14B-9A6FE4F2239D}"/>
               </a:ext>
             </a:extLst>
           </p:cNvPr>
@@ -509,7 +1433,7 @@
           <p:cNvPr id="6" name="Slide Number Placeholder 5">
             <a:extLst>
               <a:ext uri="{FF2B5EF4-FFF2-40B4-BE49-F238E27FC236}">
-                <a16:creationId xmlns:a16="http://schemas.microsoft.com/office/drawing/2014/main" id="{4F8349CD-6017-4095-8E4A-9846D0667E6E}"/>
+                <a16:creationId xmlns:a16="http://schemas.microsoft.com/office/drawing/2014/main" id="{343EE735-44FC-4D5A-96EC-712639661AFA}"/>
               </a:ext>
             </a:extLst>
           </p:cNvPr>
@@ -536,7 +1460,7 @@
     </p:spTree>
     <p:extLst>
       <p:ext uri="{BB962C8B-B14F-4D97-AF65-F5344CB8AC3E}">
-        <p14:creationId xmlns:p14="http://schemas.microsoft.com/office/powerpoint/2010/main" val="3926978273"/>
+        <p14:creationId xmlns:p14="http://schemas.microsoft.com/office/powerpoint/2010/main" val="30563872"/>
       </p:ext>
     </p:extLst>
   </p:cSld>
@@ -568,7 +1492,7 @@
           <p:cNvPr id="2" name="Vertical Title 1">
             <a:extLst>
               <a:ext uri="{FF2B5EF4-FFF2-40B4-BE49-F238E27FC236}">
-                <a16:creationId xmlns:a16="http://schemas.microsoft.com/office/drawing/2014/main" id="{F18B5299-0C4E-49A3-B1C7-A32387DA1177}"/>
+                <a16:creationId xmlns:a16="http://schemas.microsoft.com/office/drawing/2014/main" id="{E1D65AE2-53BC-41E2-A33D-45A348AC9076}"/>
               </a:ext>
             </a:extLst>
           </p:cNvPr>
@@ -602,7 +1526,7 @@
           <p:cNvPr id="3" name="Vertical Text Placeholder 2">
             <a:extLst>
               <a:ext uri="{FF2B5EF4-FFF2-40B4-BE49-F238E27FC236}">
-                <a16:creationId xmlns:a16="http://schemas.microsoft.com/office/drawing/2014/main" id="{26BFE684-C97A-436C-AAEA-D71786851116}"/>
+                <a16:creationId xmlns:a16="http://schemas.microsoft.com/office/drawing/2014/main" id="{7576A507-2BAA-4D90-998C-D48ACF84D324}"/>
               </a:ext>
             </a:extLst>
           </p:cNvPr>
@@ -665,7 +1589,7 @@
           <p:cNvPr id="4" name="Date Placeholder 3">
             <a:extLst>
               <a:ext uri="{FF2B5EF4-FFF2-40B4-BE49-F238E27FC236}">
-                <a16:creationId xmlns:a16="http://schemas.microsoft.com/office/drawing/2014/main" id="{8A860503-4328-4BEA-898C-A5071482E416}"/>
+                <a16:creationId xmlns:a16="http://schemas.microsoft.com/office/drawing/2014/main" id="{07AC277B-B6B7-49E8-8EDC-FA7861E54205}"/>
               </a:ext>
             </a:extLst>
           </p:cNvPr>
@@ -683,7 +1607,7 @@
           <a:p>
             <a:fld id="{E6EB3096-FC29-47A4-99F1-5746391635D3}" type="datetimeFigureOut">
               <a:rPr lang="en-CA" smtClean="0"/>
-              <a:t>2017-11-13</a:t>
+              <a:t>2017-11-16</a:t>
             </a:fld>
             <a:endParaRPr lang="en-CA"/>
           </a:p>
@@ -694,7 +1618,7 @@
           <p:cNvPr id="5" name="Footer Placeholder 4">
             <a:extLst>
               <a:ext uri="{FF2B5EF4-FFF2-40B4-BE49-F238E27FC236}">
-                <a16:creationId xmlns:a16="http://schemas.microsoft.com/office/drawing/2014/main" id="{114F1FEF-136B-46E4-9DE5-467A6EF02C70}"/>
+                <a16:creationId xmlns:a16="http://schemas.microsoft.com/office/drawing/2014/main" id="{C97B5E51-C063-4F54-850A-8987A69227BE}"/>
               </a:ext>
             </a:extLst>
           </p:cNvPr>
@@ -719,7 +1643,7 @@
           <p:cNvPr id="6" name="Slide Number Placeholder 5">
             <a:extLst>
               <a:ext uri="{FF2B5EF4-FFF2-40B4-BE49-F238E27FC236}">
-                <a16:creationId xmlns:a16="http://schemas.microsoft.com/office/drawing/2014/main" id="{C7729A9F-860E-45DB-8A2C-870786E6929B}"/>
+                <a16:creationId xmlns:a16="http://schemas.microsoft.com/office/drawing/2014/main" id="{E12F5B98-52E6-4E71-99E4-F5C9F87F4521}"/>
               </a:ext>
             </a:extLst>
           </p:cNvPr>
@@ -746,7 +1670,7 @@
     </p:spTree>
     <p:extLst>
       <p:ext uri="{BB962C8B-B14F-4D97-AF65-F5344CB8AC3E}">
-        <p14:creationId xmlns:p14="http://schemas.microsoft.com/office/powerpoint/2010/main" val="1383559333"/>
+        <p14:creationId xmlns:p14="http://schemas.microsoft.com/office/powerpoint/2010/main" val="770030270"/>
       </p:ext>
     </p:extLst>
   </p:cSld>
@@ -778,7 +1702,7 @@
           <p:cNvPr id="2" name="Title 1">
             <a:extLst>
               <a:ext uri="{FF2B5EF4-FFF2-40B4-BE49-F238E27FC236}">
-                <a16:creationId xmlns:a16="http://schemas.microsoft.com/office/drawing/2014/main" id="{B9585C2F-1A26-41DF-BE3D-D85D73B498F3}"/>
+                <a16:creationId xmlns:a16="http://schemas.microsoft.com/office/drawing/2014/main" id="{D115808F-CC12-451D-90CB-F6A44DA41287}"/>
               </a:ext>
             </a:extLst>
           </p:cNvPr>
@@ -807,7 +1731,7 @@
           <p:cNvPr id="3" name="Content Placeholder 2">
             <a:extLst>
               <a:ext uri="{FF2B5EF4-FFF2-40B4-BE49-F238E27FC236}">
-                <a16:creationId xmlns:a16="http://schemas.microsoft.com/office/drawing/2014/main" id="{03583657-CE0B-4028-8680-8299665BE283}"/>
+                <a16:creationId xmlns:a16="http://schemas.microsoft.com/office/drawing/2014/main" id="{BFEAD333-2D9F-4D90-B762-5AFBD3311685}"/>
               </a:ext>
             </a:extLst>
           </p:cNvPr>
@@ -865,7 +1789,7 @@
           <p:cNvPr id="4" name="Date Placeholder 3">
             <a:extLst>
               <a:ext uri="{FF2B5EF4-FFF2-40B4-BE49-F238E27FC236}">
-                <a16:creationId xmlns:a16="http://schemas.microsoft.com/office/drawing/2014/main" id="{AB100609-0D3F-4A33-BA20-477566589210}"/>
+                <a16:creationId xmlns:a16="http://schemas.microsoft.com/office/drawing/2014/main" id="{7384D9BE-D688-4683-9180-92910173BAB9}"/>
               </a:ext>
             </a:extLst>
           </p:cNvPr>
@@ -883,7 +1807,7 @@
           <a:p>
             <a:fld id="{E6EB3096-FC29-47A4-99F1-5746391635D3}" type="datetimeFigureOut">
               <a:rPr lang="en-CA" smtClean="0"/>
-              <a:t>2017-11-13</a:t>
+              <a:t>2017-11-16</a:t>
             </a:fld>
             <a:endParaRPr lang="en-CA"/>
           </a:p>
@@ -894,7 +1818,7 @@
           <p:cNvPr id="5" name="Footer Placeholder 4">
             <a:extLst>
               <a:ext uri="{FF2B5EF4-FFF2-40B4-BE49-F238E27FC236}">
-                <a16:creationId xmlns:a16="http://schemas.microsoft.com/office/drawing/2014/main" id="{06EECAE0-0464-4DD6-B612-8C0B6B6682B8}"/>
+                <a16:creationId xmlns:a16="http://schemas.microsoft.com/office/drawing/2014/main" id="{D0314616-1C99-4A49-BF86-C854B704ED62}"/>
               </a:ext>
             </a:extLst>
           </p:cNvPr>
@@ -919,7 +1843,7 @@
           <p:cNvPr id="6" name="Slide Number Placeholder 5">
             <a:extLst>
               <a:ext uri="{FF2B5EF4-FFF2-40B4-BE49-F238E27FC236}">
-                <a16:creationId xmlns:a16="http://schemas.microsoft.com/office/drawing/2014/main" id="{25933498-ECEB-4C23-9B15-7711AB8E78F5}"/>
+                <a16:creationId xmlns:a16="http://schemas.microsoft.com/office/drawing/2014/main" id="{A89E4D2A-CB03-4F23-95E1-B64442F7FADB}"/>
               </a:ext>
             </a:extLst>
           </p:cNvPr>
@@ -946,7 +1870,7 @@
     </p:spTree>
     <p:extLst>
       <p:ext uri="{BB962C8B-B14F-4D97-AF65-F5344CB8AC3E}">
-        <p14:creationId xmlns:p14="http://schemas.microsoft.com/office/powerpoint/2010/main" val="45087382"/>
+        <p14:creationId xmlns:p14="http://schemas.microsoft.com/office/powerpoint/2010/main" val="3666017602"/>
       </p:ext>
     </p:extLst>
   </p:cSld>
@@ -978,7 +1902,7 @@
           <p:cNvPr id="2" name="Title 1">
             <a:extLst>
               <a:ext uri="{FF2B5EF4-FFF2-40B4-BE49-F238E27FC236}">
-                <a16:creationId xmlns:a16="http://schemas.microsoft.com/office/drawing/2014/main" id="{7DDAFB43-7BC1-4DEF-BE56-79C28F044B6C}"/>
+                <a16:creationId xmlns:a16="http://schemas.microsoft.com/office/drawing/2014/main" id="{84801448-1DB1-4144-A4D9-70245961B218}"/>
               </a:ext>
             </a:extLst>
           </p:cNvPr>
@@ -1016,7 +1940,7 @@
           <p:cNvPr id="3" name="Text Placeholder 2">
             <a:extLst>
               <a:ext uri="{FF2B5EF4-FFF2-40B4-BE49-F238E27FC236}">
-                <a16:creationId xmlns:a16="http://schemas.microsoft.com/office/drawing/2014/main" id="{37BB2BB9-8C5C-460A-A926-282B708F12A8}"/>
+                <a16:creationId xmlns:a16="http://schemas.microsoft.com/office/drawing/2014/main" id="{084E28E2-FE8B-41D0-BE30-60AFF3A37410}"/>
               </a:ext>
             </a:extLst>
           </p:cNvPr>
@@ -1141,7 +2065,7 @@
           <p:cNvPr id="4" name="Date Placeholder 3">
             <a:extLst>
               <a:ext uri="{FF2B5EF4-FFF2-40B4-BE49-F238E27FC236}">
-                <a16:creationId xmlns:a16="http://schemas.microsoft.com/office/drawing/2014/main" id="{72C6B2EF-A7E4-4AFD-AD50-7C329BF6DB1D}"/>
+                <a16:creationId xmlns:a16="http://schemas.microsoft.com/office/drawing/2014/main" id="{B8A1F05F-AD43-442A-B507-C6BA4399D61B}"/>
               </a:ext>
             </a:extLst>
           </p:cNvPr>
@@ -1159,7 +2083,7 @@
           <a:p>
             <a:fld id="{E6EB3096-FC29-47A4-99F1-5746391635D3}" type="datetimeFigureOut">
               <a:rPr lang="en-CA" smtClean="0"/>
-              <a:t>2017-11-13</a:t>
+              <a:t>2017-11-16</a:t>
             </a:fld>
             <a:endParaRPr lang="en-CA"/>
           </a:p>
@@ -1170,7 +2094,7 @@
           <p:cNvPr id="5" name="Footer Placeholder 4">
             <a:extLst>
               <a:ext uri="{FF2B5EF4-FFF2-40B4-BE49-F238E27FC236}">
-                <a16:creationId xmlns:a16="http://schemas.microsoft.com/office/drawing/2014/main" id="{B090AABE-FD98-484B-A9B5-D6C0549C4908}"/>
+                <a16:creationId xmlns:a16="http://schemas.microsoft.com/office/drawing/2014/main" id="{54A0BD7B-5AF9-4B79-9B42-55303CB0A45D}"/>
               </a:ext>
             </a:extLst>
           </p:cNvPr>
@@ -1195,7 +2119,7 @@
           <p:cNvPr id="6" name="Slide Number Placeholder 5">
             <a:extLst>
               <a:ext uri="{FF2B5EF4-FFF2-40B4-BE49-F238E27FC236}">
-                <a16:creationId xmlns:a16="http://schemas.microsoft.com/office/drawing/2014/main" id="{7FB1F5E8-81A5-4AB9-9145-2BDD96CA5EF3}"/>
+                <a16:creationId xmlns:a16="http://schemas.microsoft.com/office/drawing/2014/main" id="{0D425077-9AD2-40C3-AEFC-9EE1D0CAAC64}"/>
               </a:ext>
             </a:extLst>
           </p:cNvPr>
@@ -1222,7 +2146,7 @@
     </p:spTree>
     <p:extLst>
       <p:ext uri="{BB962C8B-B14F-4D97-AF65-F5344CB8AC3E}">
-        <p14:creationId xmlns:p14="http://schemas.microsoft.com/office/powerpoint/2010/main" val="941409168"/>
+        <p14:creationId xmlns:p14="http://schemas.microsoft.com/office/powerpoint/2010/main" val="1761760546"/>
       </p:ext>
     </p:extLst>
   </p:cSld>
@@ -1254,7 +2178,7 @@
           <p:cNvPr id="2" name="Title 1">
             <a:extLst>
               <a:ext uri="{FF2B5EF4-FFF2-40B4-BE49-F238E27FC236}">
-                <a16:creationId xmlns:a16="http://schemas.microsoft.com/office/drawing/2014/main" id="{76038F33-9737-4BB3-838A-F66409E18EFF}"/>
+                <a16:creationId xmlns:a16="http://schemas.microsoft.com/office/drawing/2014/main" id="{E2128769-C145-4971-B9D5-A21443B4EB14}"/>
               </a:ext>
             </a:extLst>
           </p:cNvPr>
@@ -1283,7 +2207,7 @@
           <p:cNvPr id="3" name="Content Placeholder 2">
             <a:extLst>
               <a:ext uri="{FF2B5EF4-FFF2-40B4-BE49-F238E27FC236}">
-                <a16:creationId xmlns:a16="http://schemas.microsoft.com/office/drawing/2014/main" id="{FC386941-9B9F-4579-92A0-811A3A48442B}"/>
+                <a16:creationId xmlns:a16="http://schemas.microsoft.com/office/drawing/2014/main" id="{AB5C779B-C98D-4DBB-8E0D-1B29A7B961B1}"/>
               </a:ext>
             </a:extLst>
           </p:cNvPr>
@@ -1346,7 +2270,7 @@
           <p:cNvPr id="4" name="Content Placeholder 3">
             <a:extLst>
               <a:ext uri="{FF2B5EF4-FFF2-40B4-BE49-F238E27FC236}">
-                <a16:creationId xmlns:a16="http://schemas.microsoft.com/office/drawing/2014/main" id="{7A555C4A-D4FC-4605-A7C8-7D05D53CA675}"/>
+                <a16:creationId xmlns:a16="http://schemas.microsoft.com/office/drawing/2014/main" id="{84C8B185-77F2-4AC7-A9EF-1D7F6F24DA1F}"/>
               </a:ext>
             </a:extLst>
           </p:cNvPr>
@@ -1409,7 +2333,7 @@
           <p:cNvPr id="5" name="Date Placeholder 4">
             <a:extLst>
               <a:ext uri="{FF2B5EF4-FFF2-40B4-BE49-F238E27FC236}">
-                <a16:creationId xmlns:a16="http://schemas.microsoft.com/office/drawing/2014/main" id="{35AA4C8A-99B7-4052-9461-C4859CEFA6D4}"/>
+                <a16:creationId xmlns:a16="http://schemas.microsoft.com/office/drawing/2014/main" id="{D7EFC317-5AA0-49FA-97BC-A90E25DDAF0F}"/>
               </a:ext>
             </a:extLst>
           </p:cNvPr>
@@ -1427,7 +2351,7 @@
           <a:p>
             <a:fld id="{E6EB3096-FC29-47A4-99F1-5746391635D3}" type="datetimeFigureOut">
               <a:rPr lang="en-CA" smtClean="0"/>
-              <a:t>2017-11-13</a:t>
+              <a:t>2017-11-16</a:t>
             </a:fld>
             <a:endParaRPr lang="en-CA"/>
           </a:p>
@@ -1438,7 +2362,7 @@
           <p:cNvPr id="6" name="Footer Placeholder 5">
             <a:extLst>
               <a:ext uri="{FF2B5EF4-FFF2-40B4-BE49-F238E27FC236}">
-                <a16:creationId xmlns:a16="http://schemas.microsoft.com/office/drawing/2014/main" id="{D5BF2A40-39B1-4C3A-8FBB-E0AE93BFCBC4}"/>
+                <a16:creationId xmlns:a16="http://schemas.microsoft.com/office/drawing/2014/main" id="{001E8A6B-B58A-4ECD-AB00-58A9F9BC37A3}"/>
               </a:ext>
             </a:extLst>
           </p:cNvPr>
@@ -1463,7 +2387,7 @@
           <p:cNvPr id="7" name="Slide Number Placeholder 6">
             <a:extLst>
               <a:ext uri="{FF2B5EF4-FFF2-40B4-BE49-F238E27FC236}">
-                <a16:creationId xmlns:a16="http://schemas.microsoft.com/office/drawing/2014/main" id="{977122AB-96A1-4CD5-881A-0FDE68176156}"/>
+                <a16:creationId xmlns:a16="http://schemas.microsoft.com/office/drawing/2014/main" id="{618CBB88-1DFA-4F96-AFD0-EF33B4150F0A}"/>
               </a:ext>
             </a:extLst>
           </p:cNvPr>
@@ -1490,7 +2414,7 @@
     </p:spTree>
     <p:extLst>
       <p:ext uri="{BB962C8B-B14F-4D97-AF65-F5344CB8AC3E}">
-        <p14:creationId xmlns:p14="http://schemas.microsoft.com/office/powerpoint/2010/main" val="3481006140"/>
+        <p14:creationId xmlns:p14="http://schemas.microsoft.com/office/powerpoint/2010/main" val="511291665"/>
       </p:ext>
     </p:extLst>
   </p:cSld>
@@ -1522,7 +2446,7 @@
           <p:cNvPr id="2" name="Title 1">
             <a:extLst>
               <a:ext uri="{FF2B5EF4-FFF2-40B4-BE49-F238E27FC236}">
-                <a16:creationId xmlns:a16="http://schemas.microsoft.com/office/drawing/2014/main" id="{4C1295E0-C195-41E8-BE3A-F7AFAC2FD71E}"/>
+                <a16:creationId xmlns:a16="http://schemas.microsoft.com/office/drawing/2014/main" id="{501B759F-5326-429A-9043-F8C60EE880E6}"/>
               </a:ext>
             </a:extLst>
           </p:cNvPr>
@@ -1556,7 +2480,7 @@
           <p:cNvPr id="3" name="Text Placeholder 2">
             <a:extLst>
               <a:ext uri="{FF2B5EF4-FFF2-40B4-BE49-F238E27FC236}">
-                <a16:creationId xmlns:a16="http://schemas.microsoft.com/office/drawing/2014/main" id="{2C38F76E-59FA-40E8-8A97-0EE1926F6681}"/>
+                <a16:creationId xmlns:a16="http://schemas.microsoft.com/office/drawing/2014/main" id="{B2AD7794-3169-45DF-B449-79D348CA3F9D}"/>
               </a:ext>
             </a:extLst>
           </p:cNvPr>
@@ -1627,7 +2551,7 @@
           <p:cNvPr id="4" name="Content Placeholder 3">
             <a:extLst>
               <a:ext uri="{FF2B5EF4-FFF2-40B4-BE49-F238E27FC236}">
-                <a16:creationId xmlns:a16="http://schemas.microsoft.com/office/drawing/2014/main" id="{8702BB7E-04B2-46F6-9327-B4892A24EF6A}"/>
+                <a16:creationId xmlns:a16="http://schemas.microsoft.com/office/drawing/2014/main" id="{17FC3D05-12ED-48B6-B7AC-B04B4F40B0E4}"/>
               </a:ext>
             </a:extLst>
           </p:cNvPr>
@@ -1690,7 +2614,7 @@
           <p:cNvPr id="5" name="Text Placeholder 4">
             <a:extLst>
               <a:ext uri="{FF2B5EF4-FFF2-40B4-BE49-F238E27FC236}">
-                <a16:creationId xmlns:a16="http://schemas.microsoft.com/office/drawing/2014/main" id="{3420A14A-8E0C-4DAF-A6AF-02E69368B4F1}"/>
+                <a16:creationId xmlns:a16="http://schemas.microsoft.com/office/drawing/2014/main" id="{5A4EF70B-F25E-4D78-83E7-C294BFC90B26}"/>
               </a:ext>
             </a:extLst>
           </p:cNvPr>
@@ -1761,7 +2685,7 @@
           <p:cNvPr id="6" name="Content Placeholder 5">
             <a:extLst>
               <a:ext uri="{FF2B5EF4-FFF2-40B4-BE49-F238E27FC236}">
-                <a16:creationId xmlns:a16="http://schemas.microsoft.com/office/drawing/2014/main" id="{20C73539-D935-45BE-AF0E-D5862A28A7C6}"/>
+                <a16:creationId xmlns:a16="http://schemas.microsoft.com/office/drawing/2014/main" id="{EE179BAF-8700-4F11-92BE-EA8A1D6FBAD6}"/>
               </a:ext>
             </a:extLst>
           </p:cNvPr>
@@ -1824,7 +2748,7 @@
           <p:cNvPr id="7" name="Date Placeholder 6">
             <a:extLst>
               <a:ext uri="{FF2B5EF4-FFF2-40B4-BE49-F238E27FC236}">
-                <a16:creationId xmlns:a16="http://schemas.microsoft.com/office/drawing/2014/main" id="{3198ADB7-FB1D-403F-8ED0-6AE207B97559}"/>
+                <a16:creationId xmlns:a16="http://schemas.microsoft.com/office/drawing/2014/main" id="{44F4C26A-CD39-4ECB-82B7-9F896DA97AED}"/>
               </a:ext>
             </a:extLst>
           </p:cNvPr>
@@ -1842,7 +2766,7 @@
           <a:p>
             <a:fld id="{E6EB3096-FC29-47A4-99F1-5746391635D3}" type="datetimeFigureOut">
               <a:rPr lang="en-CA" smtClean="0"/>
-              <a:t>2017-11-13</a:t>
+              <a:t>2017-11-16</a:t>
             </a:fld>
             <a:endParaRPr lang="en-CA"/>
           </a:p>
@@ -1853,7 +2777,7 @@
           <p:cNvPr id="8" name="Footer Placeholder 7">
             <a:extLst>
               <a:ext uri="{FF2B5EF4-FFF2-40B4-BE49-F238E27FC236}">
-                <a16:creationId xmlns:a16="http://schemas.microsoft.com/office/drawing/2014/main" id="{D6AF892C-1720-44E1-9927-453E340F407C}"/>
+                <a16:creationId xmlns:a16="http://schemas.microsoft.com/office/drawing/2014/main" id="{F993ADF8-A162-4890-8C66-3A8116B7E379}"/>
               </a:ext>
             </a:extLst>
           </p:cNvPr>
@@ -1878,7 +2802,7 @@
           <p:cNvPr id="9" name="Slide Number Placeholder 8">
             <a:extLst>
               <a:ext uri="{FF2B5EF4-FFF2-40B4-BE49-F238E27FC236}">
-                <a16:creationId xmlns:a16="http://schemas.microsoft.com/office/drawing/2014/main" id="{973A4052-F2F0-40E2-BE3C-AEE5323C923D}"/>
+                <a16:creationId xmlns:a16="http://schemas.microsoft.com/office/drawing/2014/main" id="{09B8FC75-5869-42A9-8276-EEB06DAC56C9}"/>
               </a:ext>
             </a:extLst>
           </p:cNvPr>
@@ -1905,7 +2829,7 @@
     </p:spTree>
     <p:extLst>
       <p:ext uri="{BB962C8B-B14F-4D97-AF65-F5344CB8AC3E}">
-        <p14:creationId xmlns:p14="http://schemas.microsoft.com/office/powerpoint/2010/main" val="3587803924"/>
+        <p14:creationId xmlns:p14="http://schemas.microsoft.com/office/powerpoint/2010/main" val="2214827262"/>
       </p:ext>
     </p:extLst>
   </p:cSld>
@@ -1937,7 +2861,7 @@
           <p:cNvPr id="2" name="Title 1">
             <a:extLst>
               <a:ext uri="{FF2B5EF4-FFF2-40B4-BE49-F238E27FC236}">
-                <a16:creationId xmlns:a16="http://schemas.microsoft.com/office/drawing/2014/main" id="{9F583CB9-2831-4A10-8796-A3949D250D1E}"/>
+                <a16:creationId xmlns:a16="http://schemas.microsoft.com/office/drawing/2014/main" id="{7E884E89-8AD9-46FD-A341-4B341E224B78}"/>
               </a:ext>
             </a:extLst>
           </p:cNvPr>
@@ -1966,7 +2890,7 @@
           <p:cNvPr id="3" name="Date Placeholder 2">
             <a:extLst>
               <a:ext uri="{FF2B5EF4-FFF2-40B4-BE49-F238E27FC236}">
-                <a16:creationId xmlns:a16="http://schemas.microsoft.com/office/drawing/2014/main" id="{5A8BE131-1DA3-4F5B-91DA-E6C67A250B08}"/>
+                <a16:creationId xmlns:a16="http://schemas.microsoft.com/office/drawing/2014/main" id="{86BBA47C-0004-42EB-8408-C406F28E997F}"/>
               </a:ext>
             </a:extLst>
           </p:cNvPr>
@@ -1984,7 +2908,7 @@
           <a:p>
             <a:fld id="{E6EB3096-FC29-47A4-99F1-5746391635D3}" type="datetimeFigureOut">
               <a:rPr lang="en-CA" smtClean="0"/>
-              <a:t>2017-11-13</a:t>
+              <a:t>2017-11-16</a:t>
             </a:fld>
             <a:endParaRPr lang="en-CA"/>
           </a:p>
@@ -1995,7 +2919,7 @@
           <p:cNvPr id="4" name="Footer Placeholder 3">
             <a:extLst>
               <a:ext uri="{FF2B5EF4-FFF2-40B4-BE49-F238E27FC236}">
-                <a16:creationId xmlns:a16="http://schemas.microsoft.com/office/drawing/2014/main" id="{1F7B86C1-228B-4935-91D5-2247D27E8104}"/>
+                <a16:creationId xmlns:a16="http://schemas.microsoft.com/office/drawing/2014/main" id="{C5DB284E-98DA-43EF-A17E-A28ACC83243C}"/>
               </a:ext>
             </a:extLst>
           </p:cNvPr>
@@ -2020,7 +2944,7 @@
           <p:cNvPr id="5" name="Slide Number Placeholder 4">
             <a:extLst>
               <a:ext uri="{FF2B5EF4-FFF2-40B4-BE49-F238E27FC236}">
-                <a16:creationId xmlns:a16="http://schemas.microsoft.com/office/drawing/2014/main" id="{874D359B-5D79-4638-AFA6-35BFCC74292C}"/>
+                <a16:creationId xmlns:a16="http://schemas.microsoft.com/office/drawing/2014/main" id="{E47F63CE-D2F2-4558-A1C8-5B525089107D}"/>
               </a:ext>
             </a:extLst>
           </p:cNvPr>
@@ -2047,7 +2971,7 @@
     </p:spTree>
     <p:extLst>
       <p:ext uri="{BB962C8B-B14F-4D97-AF65-F5344CB8AC3E}">
-        <p14:creationId xmlns:p14="http://schemas.microsoft.com/office/powerpoint/2010/main" val="2405565552"/>
+        <p14:creationId xmlns:p14="http://schemas.microsoft.com/office/powerpoint/2010/main" val="3878126061"/>
       </p:ext>
     </p:extLst>
   </p:cSld>
@@ -2079,7 +3003,7 @@
           <p:cNvPr id="2" name="Date Placeholder 1">
             <a:extLst>
               <a:ext uri="{FF2B5EF4-FFF2-40B4-BE49-F238E27FC236}">
-                <a16:creationId xmlns:a16="http://schemas.microsoft.com/office/drawing/2014/main" id="{7F57A543-88BC-4105-84C3-24FA15191C19}"/>
+                <a16:creationId xmlns:a16="http://schemas.microsoft.com/office/drawing/2014/main" id="{CFDB30D7-5D10-411F-920C-BFC265887EC3}"/>
               </a:ext>
             </a:extLst>
           </p:cNvPr>
@@ -2097,7 +3021,7 @@
           <a:p>
             <a:fld id="{E6EB3096-FC29-47A4-99F1-5746391635D3}" type="datetimeFigureOut">
               <a:rPr lang="en-CA" smtClean="0"/>
-              <a:t>2017-11-13</a:t>
+              <a:t>2017-11-16</a:t>
             </a:fld>
             <a:endParaRPr lang="en-CA"/>
           </a:p>
@@ -2108,7 +3032,7 @@
           <p:cNvPr id="3" name="Footer Placeholder 2">
             <a:extLst>
               <a:ext uri="{FF2B5EF4-FFF2-40B4-BE49-F238E27FC236}">
-                <a16:creationId xmlns:a16="http://schemas.microsoft.com/office/drawing/2014/main" id="{B7ADB79A-C346-4983-A253-0A7123D20A56}"/>
+                <a16:creationId xmlns:a16="http://schemas.microsoft.com/office/drawing/2014/main" id="{5CABEF04-2843-4533-9915-DB34EAA1AFBB}"/>
               </a:ext>
             </a:extLst>
           </p:cNvPr>
@@ -2133,7 +3057,7 @@
           <p:cNvPr id="4" name="Slide Number Placeholder 3">
             <a:extLst>
               <a:ext uri="{FF2B5EF4-FFF2-40B4-BE49-F238E27FC236}">
-                <a16:creationId xmlns:a16="http://schemas.microsoft.com/office/drawing/2014/main" id="{3ECE7480-6F05-4356-962D-073A623714CD}"/>
+                <a16:creationId xmlns:a16="http://schemas.microsoft.com/office/drawing/2014/main" id="{0A7A2886-FCB7-4A58-896C-29F94FAFF636}"/>
               </a:ext>
             </a:extLst>
           </p:cNvPr>
@@ -2160,7 +3084,7 @@
     </p:spTree>
     <p:extLst>
       <p:ext uri="{BB962C8B-B14F-4D97-AF65-F5344CB8AC3E}">
-        <p14:creationId xmlns:p14="http://schemas.microsoft.com/office/powerpoint/2010/main" val="3989629472"/>
+        <p14:creationId xmlns:p14="http://schemas.microsoft.com/office/powerpoint/2010/main" val="788093854"/>
       </p:ext>
     </p:extLst>
   </p:cSld>
@@ -2192,7 +3116,7 @@
           <p:cNvPr id="2" name="Title 1">
             <a:extLst>
               <a:ext uri="{FF2B5EF4-FFF2-40B4-BE49-F238E27FC236}">
-                <a16:creationId xmlns:a16="http://schemas.microsoft.com/office/drawing/2014/main" id="{581C3D17-3C2F-467E-907C-4B3AA59677EB}"/>
+                <a16:creationId xmlns:a16="http://schemas.microsoft.com/office/drawing/2014/main" id="{7F5A04E6-E45D-4C4F-B040-7F4754140247}"/>
               </a:ext>
             </a:extLst>
           </p:cNvPr>
@@ -2230,7 +3154,7 @@
           <p:cNvPr id="3" name="Content Placeholder 2">
             <a:extLst>
               <a:ext uri="{FF2B5EF4-FFF2-40B4-BE49-F238E27FC236}">
-                <a16:creationId xmlns:a16="http://schemas.microsoft.com/office/drawing/2014/main" id="{3CDBBBC2-082C-4495-9C4B-0FC0AAB4C085}"/>
+                <a16:creationId xmlns:a16="http://schemas.microsoft.com/office/drawing/2014/main" id="{A7758F6D-19D4-44FB-A3E7-B2D4431BE7F6}"/>
               </a:ext>
             </a:extLst>
           </p:cNvPr>
@@ -2321,7 +3245,7 @@
           <p:cNvPr id="4" name="Text Placeholder 3">
             <a:extLst>
               <a:ext uri="{FF2B5EF4-FFF2-40B4-BE49-F238E27FC236}">
-                <a16:creationId xmlns:a16="http://schemas.microsoft.com/office/drawing/2014/main" id="{453CCE41-9DA9-42BE-9A70-84F621264721}"/>
+                <a16:creationId xmlns:a16="http://schemas.microsoft.com/office/drawing/2014/main" id="{255B5CE6-49C8-43F4-BD83-698E448665A4}"/>
               </a:ext>
             </a:extLst>
           </p:cNvPr>
@@ -2392,7 +3316,7 @@
           <p:cNvPr id="5" name="Date Placeholder 4">
             <a:extLst>
               <a:ext uri="{FF2B5EF4-FFF2-40B4-BE49-F238E27FC236}">
-                <a16:creationId xmlns:a16="http://schemas.microsoft.com/office/drawing/2014/main" id="{87A1226B-50CF-4D7E-967D-5F8EEA38CA70}"/>
+                <a16:creationId xmlns:a16="http://schemas.microsoft.com/office/drawing/2014/main" id="{075F20E2-D4AE-4741-977E-30EC12123F5C}"/>
               </a:ext>
             </a:extLst>
           </p:cNvPr>
@@ -2410,7 +3334,7 @@
           <a:p>
             <a:fld id="{E6EB3096-FC29-47A4-99F1-5746391635D3}" type="datetimeFigureOut">
               <a:rPr lang="en-CA" smtClean="0"/>
-              <a:t>2017-11-13</a:t>
+              <a:t>2017-11-16</a:t>
             </a:fld>
             <a:endParaRPr lang="en-CA"/>
           </a:p>
@@ -2421,7 +3345,7 @@
           <p:cNvPr id="6" name="Footer Placeholder 5">
             <a:extLst>
               <a:ext uri="{FF2B5EF4-FFF2-40B4-BE49-F238E27FC236}">
-                <a16:creationId xmlns:a16="http://schemas.microsoft.com/office/drawing/2014/main" id="{3ECB2344-D1AD-4DA4-AD43-12D124FADC54}"/>
+                <a16:creationId xmlns:a16="http://schemas.microsoft.com/office/drawing/2014/main" id="{ED985AD3-586C-4D90-B905-41B449EF9E08}"/>
               </a:ext>
             </a:extLst>
           </p:cNvPr>
@@ -2446,7 +3370,7 @@
           <p:cNvPr id="7" name="Slide Number Placeholder 6">
             <a:extLst>
               <a:ext uri="{FF2B5EF4-FFF2-40B4-BE49-F238E27FC236}">
-                <a16:creationId xmlns:a16="http://schemas.microsoft.com/office/drawing/2014/main" id="{2B4768E0-50CF-41ED-B94F-E3E79785E9EC}"/>
+                <a16:creationId xmlns:a16="http://schemas.microsoft.com/office/drawing/2014/main" id="{F76645D0-107C-4B62-8E9B-228FEE561B84}"/>
               </a:ext>
             </a:extLst>
           </p:cNvPr>
@@ -2473,7 +3397,7 @@
     </p:spTree>
     <p:extLst>
       <p:ext uri="{BB962C8B-B14F-4D97-AF65-F5344CB8AC3E}">
-        <p14:creationId xmlns:p14="http://schemas.microsoft.com/office/powerpoint/2010/main" val="4174160677"/>
+        <p14:creationId xmlns:p14="http://schemas.microsoft.com/office/powerpoint/2010/main" val="1666322605"/>
       </p:ext>
     </p:extLst>
   </p:cSld>
@@ -2505,7 +3429,7 @@
           <p:cNvPr id="2" name="Title 1">
             <a:extLst>
               <a:ext uri="{FF2B5EF4-FFF2-40B4-BE49-F238E27FC236}">
-                <a16:creationId xmlns:a16="http://schemas.microsoft.com/office/drawing/2014/main" id="{937EA4CD-FE8C-427D-B580-0C1A219DA2DE}"/>
+                <a16:creationId xmlns:a16="http://schemas.microsoft.com/office/drawing/2014/main" id="{C292AD73-012F-4C7B-BE07-75E893356973}"/>
               </a:ext>
             </a:extLst>
           </p:cNvPr>
@@ -2543,7 +3467,7 @@
           <p:cNvPr id="3" name="Picture Placeholder 2">
             <a:extLst>
               <a:ext uri="{FF2B5EF4-FFF2-40B4-BE49-F238E27FC236}">
-                <a16:creationId xmlns:a16="http://schemas.microsoft.com/office/drawing/2014/main" id="{320A7207-49AC-4DF4-8F87-CAF663552E5D}"/>
+                <a16:creationId xmlns:a16="http://schemas.microsoft.com/office/drawing/2014/main" id="{13679370-5616-40A8-AAD9-95C33DBB5D4F}"/>
               </a:ext>
             </a:extLst>
           </p:cNvPr>
@@ -2610,7 +3534,7 @@
           <p:cNvPr id="4" name="Text Placeholder 3">
             <a:extLst>
               <a:ext uri="{FF2B5EF4-FFF2-40B4-BE49-F238E27FC236}">
-                <a16:creationId xmlns:a16="http://schemas.microsoft.com/office/drawing/2014/main" id="{0D9D82F8-EAE0-4F86-BD54-06D5282AC9E9}"/>
+                <a16:creationId xmlns:a16="http://schemas.microsoft.com/office/drawing/2014/main" id="{6C189195-1218-4FC1-80BA-632A55BCC024}"/>
               </a:ext>
             </a:extLst>
           </p:cNvPr>
@@ -2681,7 +3605,7 @@
           <p:cNvPr id="5" name="Date Placeholder 4">
             <a:extLst>
               <a:ext uri="{FF2B5EF4-FFF2-40B4-BE49-F238E27FC236}">
-                <a16:creationId xmlns:a16="http://schemas.microsoft.com/office/drawing/2014/main" id="{817C7147-67B3-4FC5-9F22-223B7E88A7D9}"/>
+                <a16:creationId xmlns:a16="http://schemas.microsoft.com/office/drawing/2014/main" id="{D640FAC3-C234-4A5B-B0E6-D8CEBB6C2C4D}"/>
               </a:ext>
             </a:extLst>
           </p:cNvPr>
@@ -2699,7 +3623,7 @@
           <a:p>
             <a:fld id="{E6EB3096-FC29-47A4-99F1-5746391635D3}" type="datetimeFigureOut">
               <a:rPr lang="en-CA" smtClean="0"/>
-              <a:t>2017-11-13</a:t>
+              <a:t>2017-11-16</a:t>
             </a:fld>
             <a:endParaRPr lang="en-CA"/>
           </a:p>
@@ -2710,7 +3634,7 @@
           <p:cNvPr id="6" name="Footer Placeholder 5">
             <a:extLst>
               <a:ext uri="{FF2B5EF4-FFF2-40B4-BE49-F238E27FC236}">
-                <a16:creationId xmlns:a16="http://schemas.microsoft.com/office/drawing/2014/main" id="{71D3B5A9-2269-4775-8F31-F09AD7999C87}"/>
+                <a16:creationId xmlns:a16="http://schemas.microsoft.com/office/drawing/2014/main" id="{3F59E7DF-68F3-4D22-9212-40EB3918DBE2}"/>
               </a:ext>
             </a:extLst>
           </p:cNvPr>
@@ -2735,7 +3659,7 @@
           <p:cNvPr id="7" name="Slide Number Placeholder 6">
             <a:extLst>
               <a:ext uri="{FF2B5EF4-FFF2-40B4-BE49-F238E27FC236}">
-                <a16:creationId xmlns:a16="http://schemas.microsoft.com/office/drawing/2014/main" id="{BCABA289-9448-418A-BA10-1B04D4F7F8AE}"/>
+                <a16:creationId xmlns:a16="http://schemas.microsoft.com/office/drawing/2014/main" id="{3CB51B97-AA5A-455A-A25B-6AD8ADF9350A}"/>
               </a:ext>
             </a:extLst>
           </p:cNvPr>
@@ -2762,7 +3686,7 @@
     </p:spTree>
     <p:extLst>
       <p:ext uri="{BB962C8B-B14F-4D97-AF65-F5344CB8AC3E}">
-        <p14:creationId xmlns:p14="http://schemas.microsoft.com/office/powerpoint/2010/main" val="2518871950"/>
+        <p14:creationId xmlns:p14="http://schemas.microsoft.com/office/powerpoint/2010/main" val="620821994"/>
       </p:ext>
     </p:extLst>
   </p:cSld>
@@ -2776,9 +3700,25 @@
 <p:sldMaster xmlns:a="http://schemas.openxmlformats.org/drawingml/2006/main" xmlns:r="http://schemas.openxmlformats.org/officeDocument/2006/relationships" xmlns:p="http://schemas.openxmlformats.org/presentationml/2006/main">
   <p:cSld>
     <p:bg>
-      <p:bgRef idx="1001">
-        <a:schemeClr val="bg1"/>
-      </p:bgRef>
+      <p:bgPr>
+        <a:gradFill flip="none" rotWithShape="1">
+          <a:gsLst>
+            <a:gs pos="100000">
+              <a:schemeClr val="bg1">
+                <a:lumMod val="85000"/>
+              </a:schemeClr>
+            </a:gs>
+            <a:gs pos="30000">
+              <a:schemeClr val="bg1"/>
+            </a:gs>
+          </a:gsLst>
+          <a:path path="circle">
+            <a:fillToRect l="50000" t="50000" r="50000" b="50000"/>
+          </a:path>
+          <a:tileRect/>
+        </a:gradFill>
+        <a:effectLst/>
+      </p:bgPr>
     </p:bg>
     <p:spTree>
       <p:nvGrpSpPr>
@@ -2799,7 +3739,7 @@
           <p:cNvPr id="2" name="Title Placeholder 1">
             <a:extLst>
               <a:ext uri="{FF2B5EF4-FFF2-40B4-BE49-F238E27FC236}">
-                <a16:creationId xmlns:a16="http://schemas.microsoft.com/office/drawing/2014/main" id="{6F26646D-69BA-4E62-86D2-84E47C3B53F0}"/>
+                <a16:creationId xmlns:a16="http://schemas.microsoft.com/office/drawing/2014/main" id="{4099CC62-C86A-41A4-89A8-142A3B69244C}"/>
               </a:ext>
             </a:extLst>
           </p:cNvPr>
@@ -2838,7 +3778,7 @@
           <p:cNvPr id="3" name="Text Placeholder 2">
             <a:extLst>
               <a:ext uri="{FF2B5EF4-FFF2-40B4-BE49-F238E27FC236}">
-                <a16:creationId xmlns:a16="http://schemas.microsoft.com/office/drawing/2014/main" id="{3E0E5BDE-8AE3-42F2-ACF7-88F13A2B3231}"/>
+                <a16:creationId xmlns:a16="http://schemas.microsoft.com/office/drawing/2014/main" id="{AFF574A3-F114-431F-B3E9-E4318C62A0B1}"/>
               </a:ext>
             </a:extLst>
           </p:cNvPr>
@@ -2906,7 +3846,7 @@
           <p:cNvPr id="4" name="Date Placeholder 3">
             <a:extLst>
               <a:ext uri="{FF2B5EF4-FFF2-40B4-BE49-F238E27FC236}">
-                <a16:creationId xmlns:a16="http://schemas.microsoft.com/office/drawing/2014/main" id="{1099CE68-1373-4E88-837D-8E200D9CB5BD}"/>
+                <a16:creationId xmlns:a16="http://schemas.microsoft.com/office/drawing/2014/main" id="{2935D6DD-4EE0-4380-8D6C-D38CF0B494C0}"/>
               </a:ext>
             </a:extLst>
           </p:cNvPr>
@@ -2942,7 +3882,7 @@
           <a:p>
             <a:fld id="{E6EB3096-FC29-47A4-99F1-5746391635D3}" type="datetimeFigureOut">
               <a:rPr lang="en-CA" smtClean="0"/>
-              <a:t>2017-11-13</a:t>
+              <a:t>2017-11-16</a:t>
             </a:fld>
             <a:endParaRPr lang="en-CA"/>
           </a:p>
@@ -2953,7 +3893,7 @@
           <p:cNvPr id="5" name="Footer Placeholder 4">
             <a:extLst>
               <a:ext uri="{FF2B5EF4-FFF2-40B4-BE49-F238E27FC236}">
-                <a16:creationId xmlns:a16="http://schemas.microsoft.com/office/drawing/2014/main" id="{6578BFC6-AE13-473C-B240-0A4AFA61196A}"/>
+                <a16:creationId xmlns:a16="http://schemas.microsoft.com/office/drawing/2014/main" id="{4BC8BC77-3BF9-4B21-B299-08AE90B2A77C}"/>
               </a:ext>
             </a:extLst>
           </p:cNvPr>
@@ -2996,7 +3936,7 @@
           <p:cNvPr id="6" name="Slide Number Placeholder 5">
             <a:extLst>
               <a:ext uri="{FF2B5EF4-FFF2-40B4-BE49-F238E27FC236}">
-                <a16:creationId xmlns:a16="http://schemas.microsoft.com/office/drawing/2014/main" id="{D4E524E2-B1E5-4F0E-A8F7-1FF29E74B864}"/>
+                <a16:creationId xmlns:a16="http://schemas.microsoft.com/office/drawing/2014/main" id="{C3D25A9C-48DF-4105-A6D0-870E20FF7613}"/>
               </a:ext>
             </a:extLst>
           </p:cNvPr>
@@ -3041,23 +3981,23 @@
     </p:spTree>
     <p:extLst>
       <p:ext uri="{BB962C8B-B14F-4D97-AF65-F5344CB8AC3E}">
-        <p14:creationId xmlns:p14="http://schemas.microsoft.com/office/powerpoint/2010/main" val="2539522540"/>
+        <p14:creationId xmlns:p14="http://schemas.microsoft.com/office/powerpoint/2010/main" val="1150089533"/>
       </p:ext>
     </p:extLst>
   </p:cSld>
   <p:clrMap bg1="lt1" tx1="dk1" bg2="lt2" tx2="dk2" accent1="accent1" accent2="accent2" accent3="accent3" accent4="accent4" accent5="accent5" accent6="accent6" hlink="hlink" folHlink="folHlink"/>
   <p:sldLayoutIdLst>
-    <p:sldLayoutId id="2147483649" r:id="rId1"/>
-    <p:sldLayoutId id="2147483650" r:id="rId2"/>
-    <p:sldLayoutId id="2147483651" r:id="rId3"/>
-    <p:sldLayoutId id="2147483652" r:id="rId4"/>
-    <p:sldLayoutId id="2147483653" r:id="rId5"/>
-    <p:sldLayoutId id="2147483654" r:id="rId6"/>
-    <p:sldLayoutId id="2147483655" r:id="rId7"/>
-    <p:sldLayoutId id="2147483656" r:id="rId8"/>
-    <p:sldLayoutId id="2147483657" r:id="rId9"/>
-    <p:sldLayoutId id="2147483658" r:id="rId10"/>
-    <p:sldLayoutId id="2147483659" r:id="rId11"/>
+    <p:sldLayoutId id="2147483924" r:id="rId1"/>
+    <p:sldLayoutId id="2147483925" r:id="rId2"/>
+    <p:sldLayoutId id="2147483926" r:id="rId3"/>
+    <p:sldLayoutId id="2147483927" r:id="rId4"/>
+    <p:sldLayoutId id="2147483928" r:id="rId5"/>
+    <p:sldLayoutId id="2147483929" r:id="rId6"/>
+    <p:sldLayoutId id="2147483930" r:id="rId7"/>
+    <p:sldLayoutId id="2147483931" r:id="rId8"/>
+    <p:sldLayoutId id="2147483932" r:id="rId9"/>
+    <p:sldLayoutId id="2147483933" r:id="rId10"/>
+    <p:sldLayoutId id="2147483934" r:id="rId11"/>
   </p:sldLayoutIdLst>
   <p:txStyles>
     <p:titleStyle>
@@ -3339,6 +4279,11 @@
       </a:lvl9pPr>
     </p:otherStyle>
   </p:txStyles>
+  <p:extLst>
+    <p:ext uri="{27BBF7A9-308A-43DC-89C8-2F10F3537804}">
+      <p15:sldGuideLst xmlns:p15="http://schemas.microsoft.com/office/powerpoint/2012/main"/>
+    </p:ext>
+  </p:extLst>
 </p:sldMaster>
 </file>
 
@@ -3361,6 +4306,45 @@
       </p:grpSpPr>
       <p:sp>
         <p:nvSpPr>
+          <p:cNvPr id="5" name="TextBox 4">
+            <a:extLst>
+              <a:ext uri="{FF2B5EF4-FFF2-40B4-BE49-F238E27FC236}">
+                <a16:creationId xmlns:a16="http://schemas.microsoft.com/office/drawing/2014/main" id="{C2C794D6-1DAF-4A32-94FA-9B645C9E1A6F}"/>
+              </a:ext>
+            </a:extLst>
+          </p:cNvPr>
+          <p:cNvSpPr txBox="1"/>
+          <p:nvPr/>
+        </p:nvSpPr>
+        <p:spPr>
+          <a:xfrm>
+            <a:off x="0" y="1564244"/>
+            <a:ext cx="12192000" cy="2646878"/>
+          </a:xfrm>
+          <a:prstGeom prst="rect">
+            <a:avLst/>
+          </a:prstGeom>
+          <a:noFill/>
+        </p:spPr>
+        <p:txBody>
+          <a:bodyPr wrap="square" rtlCol="0">
+            <a:spAutoFit/>
+          </a:bodyPr>
+          <a:lstStyle/>
+          <a:p>
+            <a:pPr algn="r"/>
+            <a:r>
+              <a:rPr lang="en-CA" sz="16600" dirty="0">
+                <a:latin typeface="Segoe UI Light" panose="020B0502040204020203" pitchFamily="34" charset="0"/>
+                <a:cs typeface="Segoe UI Light" panose="020B0502040204020203" pitchFamily="34" charset="0"/>
+              </a:rPr>
+              <a:t>Part 1</a:t>
+            </a:r>
+          </a:p>
+        </p:txBody>
+      </p:sp>
+      <p:sp>
+        <p:nvSpPr>
           <p:cNvPr id="2" name="Title 1">
             <a:extLst>
               <a:ext uri="{FF2B5EF4-FFF2-40B4-BE49-F238E27FC236}">
@@ -3375,13 +4359,24 @@
             <p:ph type="ctrTitle"/>
           </p:nvPr>
         </p:nvSpPr>
-        <p:spPr/>
+        <p:spPr>
+          <a:xfrm>
+            <a:off x="0" y="1299257"/>
+            <a:ext cx="12192000" cy="601885"/>
+          </a:xfrm>
+        </p:spPr>
         <p:txBody>
-          <a:bodyPr/>
+          <a:bodyPr anchor="ctr">
+            <a:normAutofit fontScale="90000"/>
+          </a:bodyPr>
           <a:lstStyle/>
           <a:p>
+            <a:pPr algn="r"/>
             <a:r>
-              <a:rPr lang="en-CA" dirty="0"/>
+              <a:rPr lang="en-CA" sz="4400" dirty="0">
+                <a:latin typeface="Segoe UI Light" panose="020B0502040204020203" pitchFamily="34" charset="0"/>
+                <a:cs typeface="Segoe UI Light" panose="020B0502040204020203" pitchFamily="34" charset="0"/>
+              </a:rPr>
               <a:t>Selective Laser Sintering 3D Printer</a:t>
             </a:r>
           </a:p>
@@ -3389,41 +4384,94 @@
       </p:sp>
       <p:sp>
         <p:nvSpPr>
-          <p:cNvPr id="3" name="Subtitle 2">
+          <p:cNvPr id="4" name="TextBox 3">
             <a:extLst>
               <a:ext uri="{FF2B5EF4-FFF2-40B4-BE49-F238E27FC236}">
-                <a16:creationId xmlns:a16="http://schemas.microsoft.com/office/drawing/2014/main" id="{079194BE-1C53-443B-831E-0AC86F2D2093}"/>
+                <a16:creationId xmlns:a16="http://schemas.microsoft.com/office/drawing/2014/main" id="{89A9E5FF-DE6D-4304-A6C4-FCE5B7AF1953}"/>
               </a:ext>
             </a:extLst>
           </p:cNvPr>
-          <p:cNvSpPr>
-            <a:spLocks noGrp="1"/>
-          </p:cNvSpPr>
-          <p:nvPr>
-            <p:ph type="subTitle" idx="1"/>
-          </p:nvPr>
+          <p:cNvSpPr txBox="1"/>
+          <p:nvPr/>
         </p:nvSpPr>
-        <p:spPr/>
+        <p:spPr>
+          <a:xfrm>
+            <a:off x="0" y="0"/>
+            <a:ext cx="12192000" cy="1323439"/>
+          </a:xfrm>
+          <a:prstGeom prst="rect">
+            <a:avLst/>
+          </a:prstGeom>
+          <a:noFill/>
+        </p:spPr>
         <p:txBody>
-          <a:bodyPr/>
+          <a:bodyPr wrap="square" rtlCol="0">
+            <a:spAutoFit/>
+          </a:bodyPr>
           <a:lstStyle/>
           <a:p>
-            <a:endParaRPr lang="en-CA" dirty="0"/>
+            <a:pPr algn="r"/>
+            <a:r>
+              <a:rPr lang="en-CA" sz="8000" dirty="0">
+                <a:latin typeface="Segoe UI" panose="020B0502040204020203" pitchFamily="34" charset="0"/>
+                <a:ea typeface="Segoe UI Black" panose="020B0A02040204020203" pitchFamily="34" charset="0"/>
+                <a:cs typeface="Segoe UI" panose="020B0502040204020203" pitchFamily="34" charset="0"/>
+              </a:rPr>
+              <a:t>ELEC 341 </a:t>
+            </a:r>
+            <a:r>
+              <a:rPr lang="en-CA" sz="8000" dirty="0">
+                <a:latin typeface="Segoe UI Light" panose="020B0502040204020203" pitchFamily="34" charset="0"/>
+                <a:cs typeface="Segoe UI Light" panose="020B0502040204020203" pitchFamily="34" charset="0"/>
+              </a:rPr>
+              <a:t>Design Project</a:t>
+            </a:r>
           </a:p>
+        </p:txBody>
+      </p:sp>
+      <p:sp>
+        <p:nvSpPr>
+          <p:cNvPr id="6" name="TextBox 5">
+            <a:extLst>
+              <a:ext uri="{FF2B5EF4-FFF2-40B4-BE49-F238E27FC236}">
+                <a16:creationId xmlns:a16="http://schemas.microsoft.com/office/drawing/2014/main" id="{BFE63FD8-3EF9-47A0-A92A-585FF2C792DE}"/>
+              </a:ext>
+            </a:extLst>
+          </p:cNvPr>
+          <p:cNvSpPr txBox="1"/>
+          <p:nvPr/>
+        </p:nvSpPr>
+        <p:spPr>
+          <a:xfrm>
+            <a:off x="7338351" y="3857179"/>
+            <a:ext cx="2595582" cy="707886"/>
+          </a:xfrm>
+          <a:prstGeom prst="rect">
+            <a:avLst/>
+          </a:prstGeom>
+          <a:noFill/>
+        </p:spPr>
+        <p:txBody>
+          <a:bodyPr wrap="none" rtlCol="0">
+            <a:spAutoFit/>
+          </a:bodyPr>
+          <a:lstStyle/>
           <a:p>
             <a:r>
-              <a:rPr lang="en-CA" dirty="0" err="1"/>
-              <a:t>Muchen</a:t>
-            </a:r>
-            <a:r>
-              <a:rPr lang="en-CA" dirty="0"/>
-              <a:t> He ()</a:t>
+              <a:rPr lang="en-CA" sz="2000" dirty="0">
+                <a:latin typeface="Segoe UI Light" panose="020B0502040204020203" pitchFamily="34" charset="0"/>
+                <a:cs typeface="Segoe UI Light" panose="020B0502040204020203" pitchFamily="34" charset="0"/>
+              </a:rPr>
+              <a:t>Muchen He	44638154</a:t>
             </a:r>
           </a:p>
           <a:p>
             <a:r>
-              <a:rPr lang="en-CA" dirty="0"/>
-              <a:t>Leo Liu (18800152)</a:t>
+              <a:rPr lang="en-CA" sz="2000" dirty="0">
+                <a:latin typeface="Segoe UI Light" panose="020B0502040204020203" pitchFamily="34" charset="0"/>
+                <a:cs typeface="Segoe UI Light" panose="020B0502040204020203" pitchFamily="34" charset="0"/>
+              </a:rPr>
+              <a:t>Leo Liu		18800152</a:t>
             </a:r>
           </a:p>
         </p:txBody>
@@ -3441,7 +4489,2889 @@
 </p:sld>
 </file>
 
+<file path=ppt/slides/slide10.xml><?xml version="1.0" encoding="utf-8"?>
+<p:sld xmlns:a="http://schemas.openxmlformats.org/drawingml/2006/main" xmlns:r="http://schemas.openxmlformats.org/officeDocument/2006/relationships" xmlns:p="http://schemas.openxmlformats.org/presentationml/2006/main">
+  <p:cSld>
+    <p:spTree>
+      <p:nvGrpSpPr>
+        <p:cNvPr id="1" name=""/>
+        <p:cNvGrpSpPr/>
+        <p:nvPr/>
+      </p:nvGrpSpPr>
+      <p:grpSpPr>
+        <a:xfrm>
+          <a:off x="0" y="0"/>
+          <a:ext cx="0" cy="0"/>
+          <a:chOff x="0" y="0"/>
+          <a:chExt cx="0" cy="0"/>
+        </a:xfrm>
+      </p:grpSpPr>
+      <p:sp>
+        <p:nvSpPr>
+          <p:cNvPr id="2" name="Title 1">
+            <a:extLst>
+              <a:ext uri="{FF2B5EF4-FFF2-40B4-BE49-F238E27FC236}">
+                <a16:creationId xmlns:a16="http://schemas.microsoft.com/office/drawing/2014/main" id="{5876BE58-00FA-4D86-85B1-AE60D67A376F}"/>
+              </a:ext>
+            </a:extLst>
+          </p:cNvPr>
+          <p:cNvSpPr>
+            <a:spLocks noGrp="1"/>
+          </p:cNvSpPr>
+          <p:nvPr>
+            <p:ph type="title"/>
+          </p:nvPr>
+        </p:nvSpPr>
+        <p:spPr/>
+        <p:txBody>
+          <a:bodyPr/>
+          <a:lstStyle/>
+          <a:p>
+            <a:r>
+              <a:rPr lang="en-CA" dirty="0"/>
+              <a:t>Sensor Dynamics </a:t>
+            </a:r>
+          </a:p>
+        </p:txBody>
+      </p:sp>
+      <p:sp>
+        <p:nvSpPr>
+          <p:cNvPr id="3" name="Content Placeholder 2">
+            <a:extLst>
+              <a:ext uri="{FF2B5EF4-FFF2-40B4-BE49-F238E27FC236}">
+                <a16:creationId xmlns:a16="http://schemas.microsoft.com/office/drawing/2014/main" id="{6B5C8586-2833-4790-A697-D19B2730A86C}"/>
+              </a:ext>
+            </a:extLst>
+          </p:cNvPr>
+          <p:cNvSpPr>
+            <a:spLocks noGrp="1"/>
+          </p:cNvSpPr>
+          <p:nvPr>
+            <p:ph idx="1"/>
+          </p:nvPr>
+        </p:nvSpPr>
+        <p:spPr/>
+        <p:txBody>
+          <a:bodyPr/>
+          <a:lstStyle/>
+          <a:p>
+            <a:endParaRPr lang="en-CA"/>
+          </a:p>
+        </p:txBody>
+      </p:sp>
+    </p:spTree>
+    <p:extLst>
+      <p:ext uri="{BB962C8B-B14F-4D97-AF65-F5344CB8AC3E}">
+        <p14:creationId xmlns:p14="http://schemas.microsoft.com/office/powerpoint/2010/main" val="1665947757"/>
+      </p:ext>
+    </p:extLst>
+  </p:cSld>
+  <p:clrMapOvr>
+    <a:masterClrMapping/>
+  </p:clrMapOvr>
+</p:sld>
+</file>
+
+<file path=ppt/slides/slide11.xml><?xml version="1.0" encoding="utf-8"?>
+<p:sld xmlns:a="http://schemas.openxmlformats.org/drawingml/2006/main" xmlns:r="http://schemas.openxmlformats.org/officeDocument/2006/relationships" xmlns:p="http://schemas.openxmlformats.org/presentationml/2006/main">
+  <p:cSld>
+    <p:spTree>
+      <p:nvGrpSpPr>
+        <p:cNvPr id="1" name=""/>
+        <p:cNvGrpSpPr/>
+        <p:nvPr/>
+      </p:nvGrpSpPr>
+      <p:grpSpPr>
+        <a:xfrm>
+          <a:off x="0" y="0"/>
+          <a:ext cx="0" cy="0"/>
+          <a:chOff x="0" y="0"/>
+          <a:chExt cx="0" cy="0"/>
+        </a:xfrm>
+      </p:grpSpPr>
+      <p:sp>
+        <p:nvSpPr>
+          <p:cNvPr id="2" name="Title 1">
+            <a:extLst>
+              <a:ext uri="{FF2B5EF4-FFF2-40B4-BE49-F238E27FC236}">
+                <a16:creationId xmlns:a16="http://schemas.microsoft.com/office/drawing/2014/main" id="{46E96500-B8EA-45C6-98EE-E1A92B9911C6}"/>
+              </a:ext>
+            </a:extLst>
+          </p:cNvPr>
+          <p:cNvSpPr>
+            <a:spLocks noGrp="1"/>
+          </p:cNvSpPr>
+          <p:nvPr>
+            <p:ph type="title"/>
+          </p:nvPr>
+        </p:nvSpPr>
+        <p:spPr/>
+        <p:txBody>
+          <a:bodyPr/>
+          <a:lstStyle/>
+          <a:p>
+            <a:r>
+              <a:rPr lang="en-CA" dirty="0"/>
+              <a:t>Static Friction </a:t>
+            </a:r>
+          </a:p>
+        </p:txBody>
+      </p:sp>
+      <p:sp>
+        <p:nvSpPr>
+          <p:cNvPr id="3" name="Content Placeholder 2">
+            <a:extLst>
+              <a:ext uri="{FF2B5EF4-FFF2-40B4-BE49-F238E27FC236}">
+                <a16:creationId xmlns:a16="http://schemas.microsoft.com/office/drawing/2014/main" id="{B2DA59EF-FDB1-4634-909C-A06CF0429113}"/>
+              </a:ext>
+            </a:extLst>
+          </p:cNvPr>
+          <p:cNvSpPr>
+            <a:spLocks noGrp="1"/>
+          </p:cNvSpPr>
+          <p:nvPr>
+            <p:ph idx="1"/>
+          </p:nvPr>
+        </p:nvSpPr>
+        <p:spPr/>
+        <p:txBody>
+          <a:bodyPr/>
+          <a:lstStyle/>
+          <a:p>
+            <a:endParaRPr lang="en-CA"/>
+          </a:p>
+        </p:txBody>
+      </p:sp>
+    </p:spTree>
+    <p:extLst>
+      <p:ext uri="{BB962C8B-B14F-4D97-AF65-F5344CB8AC3E}">
+        <p14:creationId xmlns:p14="http://schemas.microsoft.com/office/powerpoint/2010/main" val="2018042178"/>
+      </p:ext>
+    </p:extLst>
+  </p:cSld>
+  <p:clrMapOvr>
+    <a:masterClrMapping/>
+  </p:clrMapOvr>
+</p:sld>
+</file>
+
 <file path=ppt/slides/slide2.xml><?xml version="1.0" encoding="utf-8"?>
+<p:sld xmlns:a="http://schemas.openxmlformats.org/drawingml/2006/main" xmlns:r="http://schemas.openxmlformats.org/officeDocument/2006/relationships" xmlns:p="http://schemas.openxmlformats.org/presentationml/2006/main">
+  <p:cSld>
+    <p:spTree>
+      <p:nvGrpSpPr>
+        <p:cNvPr id="1" name=""/>
+        <p:cNvGrpSpPr/>
+        <p:nvPr/>
+      </p:nvGrpSpPr>
+      <p:grpSpPr>
+        <a:xfrm>
+          <a:off x="0" y="0"/>
+          <a:ext cx="0" cy="0"/>
+          <a:chOff x="0" y="0"/>
+          <a:chExt cx="0" cy="0"/>
+        </a:xfrm>
+      </p:grpSpPr>
+      <p:sp>
+        <p:nvSpPr>
+          <p:cNvPr id="4" name="TextBox 3">
+            <a:extLst>
+              <a:ext uri="{FF2B5EF4-FFF2-40B4-BE49-F238E27FC236}">
+                <a16:creationId xmlns:a16="http://schemas.microsoft.com/office/drawing/2014/main" id="{25007B00-97D3-4EA5-8578-6C8DD490F41C}"/>
+              </a:ext>
+            </a:extLst>
+          </p:cNvPr>
+          <p:cNvSpPr txBox="1"/>
+          <p:nvPr/>
+        </p:nvSpPr>
+        <p:spPr>
+          <a:xfrm>
+            <a:off x="4344110" y="150470"/>
+            <a:ext cx="3503780" cy="646331"/>
+          </a:xfrm>
+          <a:prstGeom prst="rect">
+            <a:avLst/>
+          </a:prstGeom>
+          <a:noFill/>
+        </p:spPr>
+        <p:txBody>
+          <a:bodyPr wrap="none" rtlCol="0">
+            <a:spAutoFit/>
+          </a:bodyPr>
+          <a:lstStyle/>
+          <a:p>
+            <a:r>
+              <a:rPr lang="en-CA" sz="3600" dirty="0">
+                <a:latin typeface="Segoe UI Light" panose="020B0502040204020203" pitchFamily="34" charset="0"/>
+                <a:cs typeface="Segoe UI Light" panose="020B0502040204020203" pitchFamily="34" charset="0"/>
+              </a:rPr>
+              <a:t>System Overview</a:t>
+            </a:r>
+          </a:p>
+        </p:txBody>
+      </p:sp>
+    </p:spTree>
+    <p:extLst>
+      <p:ext uri="{BB962C8B-B14F-4D97-AF65-F5344CB8AC3E}">
+        <p14:creationId xmlns:p14="http://schemas.microsoft.com/office/powerpoint/2010/main" val="1495167305"/>
+      </p:ext>
+    </p:extLst>
+  </p:cSld>
+  <p:clrMapOvr>
+    <a:masterClrMapping/>
+  </p:clrMapOvr>
+</p:sld>
+</file>
+
+<file path=ppt/slides/slide3.xml><?xml version="1.0" encoding="utf-8"?>
+<p:sld xmlns:a="http://schemas.openxmlformats.org/drawingml/2006/main" xmlns:r="http://schemas.openxmlformats.org/officeDocument/2006/relationships" xmlns:p="http://schemas.openxmlformats.org/presentationml/2006/main">
+  <p:cSld>
+    <p:spTree>
+      <p:nvGrpSpPr>
+        <p:cNvPr id="1" name=""/>
+        <p:cNvGrpSpPr/>
+        <p:nvPr/>
+      </p:nvGrpSpPr>
+      <p:grpSpPr>
+        <a:xfrm>
+          <a:off x="0" y="0"/>
+          <a:ext cx="0" cy="0"/>
+          <a:chOff x="0" y="0"/>
+          <a:chExt cx="0" cy="0"/>
+        </a:xfrm>
+      </p:grpSpPr>
+      <mc:AlternateContent xmlns:mc="http://schemas.openxmlformats.org/markup-compatibility/2006" xmlns:a14="http://schemas.microsoft.com/office/drawing/2010/main">
+        <mc:Choice Requires="a14">
+          <p:sp>
+            <p:nvSpPr>
+              <p:cNvPr id="68" name="TextBox 67">
+                <a:extLst>
+                  <a:ext uri="{FF2B5EF4-FFF2-40B4-BE49-F238E27FC236}">
+                    <a16:creationId xmlns:a16="http://schemas.microsoft.com/office/drawing/2014/main" id="{A1FBD319-DEB9-4910-9E00-B841AEC0A871}"/>
+                  </a:ext>
+                </a:extLst>
+              </p:cNvPr>
+              <p:cNvSpPr txBox="1"/>
+              <p:nvPr/>
+            </p:nvSpPr>
+            <p:spPr>
+              <a:xfrm>
+                <a:off x="3699052" y="2221676"/>
+                <a:ext cx="2223537" cy="369332"/>
+              </a:xfrm>
+              <a:prstGeom prst="rect">
+                <a:avLst/>
+              </a:prstGeom>
+              <a:solidFill>
+                <a:schemeClr val="accent2">
+                  <a:lumMod val="75000"/>
+                </a:schemeClr>
+              </a:solidFill>
+            </p:spPr>
+            <p:txBody>
+              <a:bodyPr wrap="square" rtlCol="0">
+                <a:spAutoFit/>
+              </a:bodyPr>
+              <a:lstStyle/>
+              <a:p>
+                <a14:m>
+                  <m:oMath xmlns:m="http://schemas.openxmlformats.org/officeDocument/2006/math">
+                    <m:sSub>
+                      <m:sSubPr>
+                        <m:ctrlPr>
+                          <a:rPr lang="en-CA" b="0" i="1" smtClean="0">
+                            <a:solidFill>
+                              <a:schemeClr val="accent2">
+                                <a:lumMod val="20000"/>
+                                <a:lumOff val="80000"/>
+                              </a:schemeClr>
+                            </a:solidFill>
+                            <a:latin typeface="Cambria Math" panose="02040503050406030204" pitchFamily="18" charset="0"/>
+                          </a:rPr>
+                        </m:ctrlPr>
+                      </m:sSubPr>
+                      <m:e>
+                        <m:r>
+                          <a:rPr lang="en-CA" b="0" i="1" smtClean="0">
+                            <a:solidFill>
+                              <a:schemeClr val="accent2">
+                                <a:lumMod val="20000"/>
+                                <a:lumOff val="80000"/>
+                              </a:schemeClr>
+                            </a:solidFill>
+                            <a:latin typeface="Cambria Math" panose="02040503050406030204" pitchFamily="18" charset="0"/>
+                          </a:rPr>
+                          <m:t>𝑞</m:t>
+                        </m:r>
+                      </m:e>
+                      <m:sub>
+                        <m:r>
+                          <a:rPr lang="en-CA" b="0" i="1" smtClean="0">
+                            <a:solidFill>
+                              <a:schemeClr val="accent2">
+                                <a:lumMod val="20000"/>
+                                <a:lumOff val="80000"/>
+                              </a:schemeClr>
+                            </a:solidFill>
+                            <a:latin typeface="Cambria Math" panose="02040503050406030204" pitchFamily="18" charset="0"/>
+                          </a:rPr>
+                          <m:t>0</m:t>
+                        </m:r>
+                      </m:sub>
+                    </m:sSub>
+                  </m:oMath>
+                </a14:m>
+                <a:r>
+                  <a:rPr lang="en-CA" b="0" dirty="0">
+                    <a:solidFill>
+                      <a:schemeClr val="accent2">
+                        <a:lumMod val="20000"/>
+                        <a:lumOff val="80000"/>
+                      </a:schemeClr>
+                    </a:solidFill>
+                    <a:latin typeface="Segoe UI" panose="020B0502040204020203" pitchFamily="34" charset="0"/>
+                    <a:cs typeface="Segoe UI" panose="020B0502040204020203" pitchFamily="34" charset="0"/>
+                  </a:rPr>
+                  <a:t>: </a:t>
+                </a:r>
+                <a:r>
+                  <a:rPr lang="en-CA" dirty="0">
+                    <a:solidFill>
+                      <a:schemeClr val="accent2">
+                        <a:lumMod val="20000"/>
+                        <a:lumOff val="80000"/>
+                      </a:schemeClr>
+                    </a:solidFill>
+                    <a:latin typeface="Segoe UI" panose="020B0502040204020203" pitchFamily="34" charset="0"/>
+                    <a:cs typeface="Segoe UI" panose="020B0502040204020203" pitchFamily="34" charset="0"/>
+                  </a:rPr>
+                  <a:t>angle of motor 0</a:t>
+                </a:r>
+                <a:endParaRPr lang="en-CA" b="0" dirty="0">
+                  <a:solidFill>
+                    <a:schemeClr val="accent2">
+                      <a:lumMod val="20000"/>
+                      <a:lumOff val="80000"/>
+                    </a:schemeClr>
+                  </a:solidFill>
+                  <a:latin typeface="Segoe UI" panose="020B0502040204020203" pitchFamily="34" charset="0"/>
+                  <a:cs typeface="Segoe UI" panose="020B0502040204020203" pitchFamily="34" charset="0"/>
+                </a:endParaRPr>
+              </a:p>
+            </p:txBody>
+          </p:sp>
+        </mc:Choice>
+        <mc:Fallback xmlns="">
+          <p:sp>
+            <p:nvSpPr>
+              <p:cNvPr id="68" name="TextBox 67">
+                <a:extLst>
+                  <a:ext uri="{FF2B5EF4-FFF2-40B4-BE49-F238E27FC236}">
+                    <a16:creationId xmlns:a16="http://schemas.microsoft.com/office/drawing/2014/main" id="{A1FBD319-DEB9-4910-9E00-B841AEC0A871}"/>
+                  </a:ext>
+                </a:extLst>
+              </p:cNvPr>
+              <p:cNvSpPr txBox="1">
+                <a:spLocks noRot="1" noChangeAspect="1" noMove="1" noResize="1" noEditPoints="1" noAdjustHandles="1" noChangeArrowheads="1" noChangeShapeType="1" noTextEdit="1"/>
+              </p:cNvSpPr>
+              <p:nvPr/>
+            </p:nvSpPr>
+            <p:spPr>
+              <a:xfrm>
+                <a:off x="3699052" y="2221676"/>
+                <a:ext cx="2223537" cy="369332"/>
+              </a:xfrm>
+              <a:prstGeom prst="rect">
+                <a:avLst/>
+              </a:prstGeom>
+              <a:blipFill>
+                <a:blip r:embed="rId2"/>
+                <a:stretch>
+                  <a:fillRect t="-6557" r="-1096" b="-26230"/>
+                </a:stretch>
+              </a:blipFill>
+            </p:spPr>
+            <p:txBody>
+              <a:bodyPr/>
+              <a:lstStyle/>
+              <a:p>
+                <a:r>
+                  <a:rPr lang="en-CA">
+                    <a:noFill/>
+                  </a:rPr>
+                  <a:t> </a:t>
+                </a:r>
+              </a:p>
+            </p:txBody>
+          </p:sp>
+        </mc:Fallback>
+      </mc:AlternateContent>
+      <mc:AlternateContent xmlns:mc="http://schemas.openxmlformats.org/markup-compatibility/2006" xmlns:a14="http://schemas.microsoft.com/office/drawing/2010/main">
+        <mc:Choice Requires="a14">
+          <p:sp>
+            <p:nvSpPr>
+              <p:cNvPr id="69" name="TextBox 68">
+                <a:extLst>
+                  <a:ext uri="{FF2B5EF4-FFF2-40B4-BE49-F238E27FC236}">
+                    <a16:creationId xmlns:a16="http://schemas.microsoft.com/office/drawing/2014/main" id="{8B07EDBE-68EB-4D6A-892F-D97DC093912A}"/>
+                  </a:ext>
+                </a:extLst>
+              </p:cNvPr>
+              <p:cNvSpPr txBox="1"/>
+              <p:nvPr/>
+            </p:nvSpPr>
+            <p:spPr>
+              <a:xfrm>
+                <a:off x="3714780" y="2653077"/>
+                <a:ext cx="2211937" cy="369332"/>
+              </a:xfrm>
+              <a:prstGeom prst="rect">
+                <a:avLst/>
+              </a:prstGeom>
+              <a:solidFill>
+                <a:schemeClr val="accent4"/>
+              </a:solidFill>
+            </p:spPr>
+            <p:txBody>
+              <a:bodyPr wrap="square" rtlCol="0">
+                <a:spAutoFit/>
+              </a:bodyPr>
+              <a:lstStyle/>
+              <a:p>
+                <a14:m>
+                  <m:oMath xmlns:m="http://schemas.openxmlformats.org/officeDocument/2006/math">
+                    <m:sSub>
+                      <m:sSubPr>
+                        <m:ctrlPr>
+                          <a:rPr lang="en-CA" b="0" i="1" smtClean="0">
+                            <a:solidFill>
+                              <a:schemeClr val="accent4">
+                                <a:lumMod val="20000"/>
+                                <a:lumOff val="80000"/>
+                              </a:schemeClr>
+                            </a:solidFill>
+                            <a:latin typeface="Cambria Math" panose="02040503050406030204" pitchFamily="18" charset="0"/>
+                          </a:rPr>
+                        </m:ctrlPr>
+                      </m:sSubPr>
+                      <m:e>
+                        <m:r>
+                          <a:rPr lang="en-CA" b="0" i="1" smtClean="0">
+                            <a:solidFill>
+                              <a:schemeClr val="accent4">
+                                <a:lumMod val="20000"/>
+                                <a:lumOff val="80000"/>
+                              </a:schemeClr>
+                            </a:solidFill>
+                            <a:latin typeface="Cambria Math" panose="02040503050406030204" pitchFamily="18" charset="0"/>
+                          </a:rPr>
+                          <m:t>𝑞</m:t>
+                        </m:r>
+                      </m:e>
+                      <m:sub>
+                        <m:r>
+                          <a:rPr lang="en-CA" b="0" i="1" smtClean="0">
+                            <a:solidFill>
+                              <a:schemeClr val="accent4">
+                                <a:lumMod val="20000"/>
+                                <a:lumOff val="80000"/>
+                              </a:schemeClr>
+                            </a:solidFill>
+                            <a:latin typeface="Cambria Math" panose="02040503050406030204" pitchFamily="18" charset="0"/>
+                          </a:rPr>
+                          <m:t>1</m:t>
+                        </m:r>
+                      </m:sub>
+                    </m:sSub>
+                  </m:oMath>
+                </a14:m>
+                <a:r>
+                  <a:rPr lang="en-CA" b="0" dirty="0">
+                    <a:solidFill>
+                      <a:schemeClr val="accent4">
+                        <a:lumMod val="20000"/>
+                        <a:lumOff val="80000"/>
+                      </a:schemeClr>
+                    </a:solidFill>
+                    <a:latin typeface="Segoe UI" panose="020B0502040204020203" pitchFamily="34" charset="0"/>
+                    <a:cs typeface="Segoe UI" panose="020B0502040204020203" pitchFamily="34" charset="0"/>
+                  </a:rPr>
+                  <a:t>: </a:t>
+                </a:r>
+                <a:r>
+                  <a:rPr lang="en-CA" dirty="0">
+                    <a:solidFill>
+                      <a:schemeClr val="accent4">
+                        <a:lumMod val="20000"/>
+                        <a:lumOff val="80000"/>
+                      </a:schemeClr>
+                    </a:solidFill>
+                    <a:latin typeface="Segoe UI" panose="020B0502040204020203" pitchFamily="34" charset="0"/>
+                    <a:cs typeface="Segoe UI" panose="020B0502040204020203" pitchFamily="34" charset="0"/>
+                  </a:rPr>
+                  <a:t>angle of motor 1</a:t>
+                </a:r>
+                <a:endParaRPr lang="en-CA" b="0" dirty="0">
+                  <a:solidFill>
+                    <a:schemeClr val="accent4">
+                      <a:lumMod val="20000"/>
+                      <a:lumOff val="80000"/>
+                    </a:schemeClr>
+                  </a:solidFill>
+                  <a:latin typeface="Segoe UI" panose="020B0502040204020203" pitchFamily="34" charset="0"/>
+                  <a:cs typeface="Segoe UI" panose="020B0502040204020203" pitchFamily="34" charset="0"/>
+                </a:endParaRPr>
+              </a:p>
+            </p:txBody>
+          </p:sp>
+        </mc:Choice>
+        <mc:Fallback xmlns="">
+          <p:sp>
+            <p:nvSpPr>
+              <p:cNvPr id="69" name="TextBox 68">
+                <a:extLst>
+                  <a:ext uri="{FF2B5EF4-FFF2-40B4-BE49-F238E27FC236}">
+                    <a16:creationId xmlns:a16="http://schemas.microsoft.com/office/drawing/2014/main" id="{8B07EDBE-68EB-4D6A-892F-D97DC093912A}"/>
+                  </a:ext>
+                </a:extLst>
+              </p:cNvPr>
+              <p:cNvSpPr txBox="1">
+                <a:spLocks noRot="1" noChangeAspect="1" noMove="1" noResize="1" noEditPoints="1" noAdjustHandles="1" noChangeArrowheads="1" noChangeShapeType="1" noTextEdit="1"/>
+              </p:cNvSpPr>
+              <p:nvPr/>
+            </p:nvSpPr>
+            <p:spPr>
+              <a:xfrm>
+                <a:off x="3714780" y="2653077"/>
+                <a:ext cx="2211937" cy="369332"/>
+              </a:xfrm>
+              <a:prstGeom prst="rect">
+                <a:avLst/>
+              </a:prstGeom>
+              <a:blipFill>
+                <a:blip r:embed="rId3"/>
+                <a:stretch>
+                  <a:fillRect t="-6557" r="-1653" b="-26230"/>
+                </a:stretch>
+              </a:blipFill>
+            </p:spPr>
+            <p:txBody>
+              <a:bodyPr/>
+              <a:lstStyle/>
+              <a:p>
+                <a:r>
+                  <a:rPr lang="en-CA">
+                    <a:noFill/>
+                  </a:rPr>
+                  <a:t> </a:t>
+                </a:r>
+              </a:p>
+            </p:txBody>
+          </p:sp>
+        </mc:Fallback>
+      </mc:AlternateContent>
+      <p:grpSp>
+        <p:nvGrpSpPr>
+          <p:cNvPr id="101" name="Group 100">
+            <a:extLst>
+              <a:ext uri="{FF2B5EF4-FFF2-40B4-BE49-F238E27FC236}">
+                <a16:creationId xmlns:a16="http://schemas.microsoft.com/office/drawing/2014/main" id="{FAF5F5CD-BDB1-4786-83B8-D3BEEC90FCC1}"/>
+              </a:ext>
+            </a:extLst>
+          </p:cNvPr>
+          <p:cNvGrpSpPr/>
+          <p:nvPr/>
+        </p:nvGrpSpPr>
+        <p:grpSpPr>
+          <a:xfrm>
+            <a:off x="4992046" y="943061"/>
+            <a:ext cx="4350593" cy="5205046"/>
+            <a:chOff x="1574777" y="826477"/>
+            <a:chExt cx="4350593" cy="5205046"/>
+          </a:xfrm>
+        </p:grpSpPr>
+        <p:cxnSp>
+          <p:nvCxnSpPr>
+            <p:cNvPr id="5" name="Straight Connector 4">
+              <a:extLst>
+                <a:ext uri="{FF2B5EF4-FFF2-40B4-BE49-F238E27FC236}">
+                  <a16:creationId xmlns:a16="http://schemas.microsoft.com/office/drawing/2014/main" id="{99C3F584-E649-4513-929E-74F4A225DC15}"/>
+                </a:ext>
+              </a:extLst>
+            </p:cNvPr>
+            <p:cNvCxnSpPr>
+              <a:cxnSpLocks/>
+            </p:cNvCxnSpPr>
+            <p:nvPr/>
+          </p:nvCxnSpPr>
+          <p:spPr>
+            <a:xfrm flipH="1">
+              <a:off x="2031024" y="4174262"/>
+              <a:ext cx="2205696" cy="1136292"/>
+            </a:xfrm>
+            <a:prstGeom prst="line">
+              <a:avLst/>
+            </a:prstGeom>
+          </p:spPr>
+          <p:style>
+            <a:lnRef idx="3">
+              <a:schemeClr val="dk1"/>
+            </a:lnRef>
+            <a:fillRef idx="0">
+              <a:schemeClr val="dk1"/>
+            </a:fillRef>
+            <a:effectRef idx="2">
+              <a:schemeClr val="dk1"/>
+            </a:effectRef>
+            <a:fontRef idx="minor">
+              <a:schemeClr val="tx1"/>
+            </a:fontRef>
+          </p:style>
+        </p:cxnSp>
+        <p:cxnSp>
+          <p:nvCxnSpPr>
+            <p:cNvPr id="62" name="Straight Arrow Connector 61">
+              <a:extLst>
+                <a:ext uri="{FF2B5EF4-FFF2-40B4-BE49-F238E27FC236}">
+                  <a16:creationId xmlns:a16="http://schemas.microsoft.com/office/drawing/2014/main" id="{55B91062-325B-4902-9D28-25D713F2F0A8}"/>
+                </a:ext>
+              </a:extLst>
+            </p:cNvPr>
+            <p:cNvCxnSpPr/>
+            <p:nvPr/>
+          </p:nvCxnSpPr>
+          <p:spPr>
+            <a:xfrm>
+              <a:off x="3510547" y="1981200"/>
+              <a:ext cx="323138" cy="806401"/>
+            </a:xfrm>
+            <a:prstGeom prst="straightConnector1">
+              <a:avLst/>
+            </a:prstGeom>
+            <a:ln w="38100">
+              <a:tailEnd type="triangle"/>
+            </a:ln>
+          </p:spPr>
+          <p:style>
+            <a:lnRef idx="3">
+              <a:schemeClr val="accent2"/>
+            </a:lnRef>
+            <a:fillRef idx="0">
+              <a:schemeClr val="accent2"/>
+            </a:fillRef>
+            <a:effectRef idx="2">
+              <a:schemeClr val="accent2"/>
+            </a:effectRef>
+            <a:fontRef idx="minor">
+              <a:schemeClr val="tx1"/>
+            </a:fontRef>
+          </p:style>
+        </p:cxnSp>
+        <p:cxnSp>
+          <p:nvCxnSpPr>
+            <p:cNvPr id="59" name="Straight Connector 58">
+              <a:extLst>
+                <a:ext uri="{FF2B5EF4-FFF2-40B4-BE49-F238E27FC236}">
+                  <a16:creationId xmlns:a16="http://schemas.microsoft.com/office/drawing/2014/main" id="{013789D5-30F0-4158-8E5A-FE910F9F7FC3}"/>
+                </a:ext>
+              </a:extLst>
+            </p:cNvPr>
+            <p:cNvCxnSpPr>
+              <a:cxnSpLocks/>
+            </p:cNvCxnSpPr>
+            <p:nvPr/>
+          </p:nvCxnSpPr>
+          <p:spPr>
+            <a:xfrm>
+              <a:off x="3833685" y="2795337"/>
+              <a:ext cx="1017491" cy="674680"/>
+            </a:xfrm>
+            <a:prstGeom prst="line">
+              <a:avLst/>
+            </a:prstGeom>
+            <a:ln>
+              <a:prstDash val="sysDot"/>
+            </a:ln>
+          </p:spPr>
+          <p:style>
+            <a:lnRef idx="3">
+              <a:schemeClr val="accent2"/>
+            </a:lnRef>
+            <a:fillRef idx="0">
+              <a:schemeClr val="accent2"/>
+            </a:fillRef>
+            <a:effectRef idx="2">
+              <a:schemeClr val="accent2"/>
+            </a:effectRef>
+            <a:fontRef idx="minor">
+              <a:schemeClr val="tx1"/>
+            </a:fontRef>
+          </p:style>
+        </p:cxnSp>
+        <p:cxnSp>
+          <p:nvCxnSpPr>
+            <p:cNvPr id="7" name="Straight Connector 6">
+              <a:extLst>
+                <a:ext uri="{FF2B5EF4-FFF2-40B4-BE49-F238E27FC236}">
+                  <a16:creationId xmlns:a16="http://schemas.microsoft.com/office/drawing/2014/main" id="{B32C66B6-6FD9-4E80-8A90-D58C3A546E79}"/>
+                </a:ext>
+              </a:extLst>
+            </p:cNvPr>
+            <p:cNvCxnSpPr>
+              <a:cxnSpLocks/>
+            </p:cNvCxnSpPr>
+            <p:nvPr/>
+          </p:nvCxnSpPr>
+          <p:spPr>
+            <a:xfrm>
+              <a:off x="3288323" y="4404946"/>
+              <a:ext cx="2453054" cy="1626577"/>
+            </a:xfrm>
+            <a:prstGeom prst="line">
+              <a:avLst/>
+            </a:prstGeom>
+          </p:spPr>
+          <p:style>
+            <a:lnRef idx="3">
+              <a:schemeClr val="dk1"/>
+            </a:lnRef>
+            <a:fillRef idx="0">
+              <a:schemeClr val="dk1"/>
+            </a:fillRef>
+            <a:effectRef idx="2">
+              <a:schemeClr val="dk1"/>
+            </a:effectRef>
+            <a:fontRef idx="minor">
+              <a:schemeClr val="tx1"/>
+            </a:fontRef>
+          </p:style>
+        </p:cxnSp>
+        <p:cxnSp>
+          <p:nvCxnSpPr>
+            <p:cNvPr id="9" name="Straight Connector 8">
+              <a:extLst>
+                <a:ext uri="{FF2B5EF4-FFF2-40B4-BE49-F238E27FC236}">
+                  <a16:creationId xmlns:a16="http://schemas.microsoft.com/office/drawing/2014/main" id="{5252342C-70B8-44A8-949E-2999012ED314}"/>
+                </a:ext>
+              </a:extLst>
+            </p:cNvPr>
+            <p:cNvCxnSpPr>
+              <a:cxnSpLocks/>
+            </p:cNvCxnSpPr>
+            <p:nvPr/>
+          </p:nvCxnSpPr>
+          <p:spPr>
+            <a:xfrm>
+              <a:off x="3525716" y="982980"/>
+              <a:ext cx="0" cy="3931920"/>
+            </a:xfrm>
+            <a:prstGeom prst="line">
+              <a:avLst/>
+            </a:prstGeom>
+          </p:spPr>
+          <p:style>
+            <a:lnRef idx="3">
+              <a:schemeClr val="dk1"/>
+            </a:lnRef>
+            <a:fillRef idx="0">
+              <a:schemeClr val="dk1"/>
+            </a:fillRef>
+            <a:effectRef idx="2">
+              <a:schemeClr val="dk1"/>
+            </a:effectRef>
+            <a:fontRef idx="minor">
+              <a:schemeClr val="tx1"/>
+            </a:fontRef>
+          </p:style>
+        </p:cxnSp>
+        <p:cxnSp>
+          <p:nvCxnSpPr>
+            <p:cNvPr id="19" name="Straight Connector 18">
+              <a:extLst>
+                <a:ext uri="{FF2B5EF4-FFF2-40B4-BE49-F238E27FC236}">
+                  <a16:creationId xmlns:a16="http://schemas.microsoft.com/office/drawing/2014/main" id="{7B86B4B9-2874-4767-8FE2-BA1F2B83AF4A}"/>
+                </a:ext>
+              </a:extLst>
+            </p:cNvPr>
+            <p:cNvCxnSpPr>
+              <a:cxnSpLocks/>
+            </p:cNvCxnSpPr>
+            <p:nvPr/>
+          </p:nvCxnSpPr>
+          <p:spPr>
+            <a:xfrm flipH="1">
+              <a:off x="3059724" y="1200150"/>
+              <a:ext cx="2057400" cy="1028700"/>
+            </a:xfrm>
+            <a:prstGeom prst="line">
+              <a:avLst/>
+            </a:prstGeom>
+            <a:ln w="12700" cap="flat" cmpd="sng" algn="ctr">
+              <a:solidFill>
+                <a:schemeClr val="dk1"/>
+              </a:solidFill>
+              <a:prstDash val="lgDashDot"/>
+              <a:round/>
+              <a:headEnd type="none" w="med" len="med"/>
+              <a:tailEnd type="none" w="med" len="med"/>
+            </a:ln>
+          </p:spPr>
+          <p:style>
+            <a:lnRef idx="0">
+              <a:scrgbClr r="0" g="0" b="0"/>
+            </a:lnRef>
+            <a:fillRef idx="0">
+              <a:scrgbClr r="0" g="0" b="0"/>
+            </a:fillRef>
+            <a:effectRef idx="0">
+              <a:scrgbClr r="0" g="0" b="0"/>
+            </a:effectRef>
+            <a:fontRef idx="minor">
+              <a:schemeClr val="tx1"/>
+            </a:fontRef>
+          </p:style>
+        </p:cxnSp>
+        <p:cxnSp>
+          <p:nvCxnSpPr>
+            <p:cNvPr id="20" name="Straight Connector 19">
+              <a:extLst>
+                <a:ext uri="{FF2B5EF4-FFF2-40B4-BE49-F238E27FC236}">
+                  <a16:creationId xmlns:a16="http://schemas.microsoft.com/office/drawing/2014/main" id="{CCBE8010-FCAB-40DC-BEE4-F4F8C051B366}"/>
+                </a:ext>
+              </a:extLst>
+            </p:cNvPr>
+            <p:cNvCxnSpPr>
+              <a:cxnSpLocks/>
+            </p:cNvCxnSpPr>
+            <p:nvPr/>
+          </p:nvCxnSpPr>
+          <p:spPr>
+            <a:xfrm>
+              <a:off x="2272812" y="1169670"/>
+              <a:ext cx="1573823" cy="1028700"/>
+            </a:xfrm>
+            <a:prstGeom prst="line">
+              <a:avLst/>
+            </a:prstGeom>
+            <a:ln w="12700" cap="flat" cmpd="sng" algn="ctr">
+              <a:solidFill>
+                <a:schemeClr val="dk1"/>
+              </a:solidFill>
+              <a:prstDash val="lgDashDot"/>
+              <a:round/>
+              <a:headEnd type="none" w="med" len="med"/>
+              <a:tailEnd type="none" w="med" len="med"/>
+            </a:ln>
+          </p:spPr>
+          <p:style>
+            <a:lnRef idx="0">
+              <a:scrgbClr r="0" g="0" b="0"/>
+            </a:lnRef>
+            <a:fillRef idx="0">
+              <a:scrgbClr r="0" g="0" b="0"/>
+            </a:fillRef>
+            <a:effectRef idx="0">
+              <a:scrgbClr r="0" g="0" b="0"/>
+            </a:effectRef>
+            <a:fontRef idx="minor">
+              <a:schemeClr val="tx1"/>
+            </a:fontRef>
+          </p:style>
+        </p:cxnSp>
+        <mc:AlternateContent xmlns:mc="http://schemas.openxmlformats.org/markup-compatibility/2006" xmlns:a14="http://schemas.microsoft.com/office/drawing/2010/main">
+          <mc:Choice Requires="a14">
+            <p:sp>
+              <p:nvSpPr>
+                <p:cNvPr id="24" name="Oval 23">
+                  <a:extLst>
+                    <a:ext uri="{FF2B5EF4-FFF2-40B4-BE49-F238E27FC236}">
+                      <a16:creationId xmlns:a16="http://schemas.microsoft.com/office/drawing/2014/main" id="{34E5A775-A8B9-41E7-9D00-562A3188AE13}"/>
+                    </a:ext>
+                  </a:extLst>
+                </p:cNvPr>
+                <p:cNvSpPr/>
+                <p:nvPr/>
+              </p:nvSpPr>
+              <p:spPr>
+                <a:xfrm>
+                  <a:off x="3899395" y="1395675"/>
+                  <a:ext cx="601980" cy="556260"/>
+                </a:xfrm>
+                <a:prstGeom prst="ellipse">
+                  <a:avLst/>
+                </a:prstGeom>
+                <a:solidFill>
+                  <a:schemeClr val="bg1">
+                    <a:lumMod val="50000"/>
+                  </a:schemeClr>
+                </a:solidFill>
+                <a:ln w="76200">
+                  <a:solidFill>
+                    <a:schemeClr val="bg1"/>
+                  </a:solidFill>
+                </a:ln>
+                <a:scene3d>
+                  <a:camera prst="orthographicFront">
+                    <a:rot lat="2280000" lon="3000000" rev="0"/>
+                  </a:camera>
+                  <a:lightRig rig="soft" dir="t"/>
+                </a:scene3d>
+                <a:sp3d extrusionH="635000" contourW="12700" prstMaterial="clear">
+                  <a:bevelT prst="convex"/>
+                  <a:extrusionClr>
+                    <a:schemeClr val="bg1"/>
+                  </a:extrusionClr>
+                  <a:contourClr>
+                    <a:schemeClr val="bg1"/>
+                  </a:contourClr>
+                </a:sp3d>
+              </p:spPr>
+              <p:style>
+                <a:lnRef idx="2">
+                  <a:schemeClr val="accent1">
+                    <a:shade val="50000"/>
+                  </a:schemeClr>
+                </a:lnRef>
+                <a:fillRef idx="1">
+                  <a:schemeClr val="accent1"/>
+                </a:fillRef>
+                <a:effectRef idx="0">
+                  <a:schemeClr val="accent1"/>
+                </a:effectRef>
+                <a:fontRef idx="minor">
+                  <a:schemeClr val="lt1"/>
+                </a:fontRef>
+              </p:style>
+              <p:txBody>
+                <a:bodyPr rtlCol="0" anchor="ctr"/>
+                <a:lstStyle/>
+                <a:p>
+                  <a:pPr algn="ctr"/>
+                  <a14:m>
+                    <m:oMathPara xmlns:m="http://schemas.openxmlformats.org/officeDocument/2006/math">
+                      <m:oMathParaPr>
+                        <m:jc m:val="centerGroup"/>
+                      </m:oMathParaPr>
+                      <m:oMath xmlns:m="http://schemas.openxmlformats.org/officeDocument/2006/math">
+                        <m:sSub>
+                          <m:sSubPr>
+                            <m:ctrlPr>
+                              <a:rPr lang="en-CA" b="0" i="1" smtClean="0">
+                                <a:latin typeface="Cambria Math" panose="02040503050406030204" pitchFamily="18" charset="0"/>
+                              </a:rPr>
+                            </m:ctrlPr>
+                          </m:sSubPr>
+                          <m:e>
+                            <m:r>
+                              <a:rPr lang="en-CA" b="0" i="1" smtClean="0">
+                                <a:latin typeface="Cambria Math" panose="02040503050406030204" pitchFamily="18" charset="0"/>
+                              </a:rPr>
+                              <m:t>𝑞</m:t>
+                            </m:r>
+                          </m:e>
+                          <m:sub>
+                            <m:r>
+                              <a:rPr lang="en-CA" b="0" i="1" smtClean="0">
+                                <a:latin typeface="Cambria Math" panose="02040503050406030204" pitchFamily="18" charset="0"/>
+                              </a:rPr>
+                              <m:t>0</m:t>
+                            </m:r>
+                          </m:sub>
+                        </m:sSub>
+                      </m:oMath>
+                    </m:oMathPara>
+                  </a14:m>
+                  <a:endParaRPr lang="en-CA" b="0" dirty="0"/>
+                </a:p>
+                <a:p>
+                  <a:pPr algn="ctr"/>
+                  <a:endParaRPr lang="en-CA" dirty="0"/>
+                </a:p>
+              </p:txBody>
+            </p:sp>
+          </mc:Choice>
+          <mc:Fallback xmlns="">
+            <p:sp>
+              <p:nvSpPr>
+                <p:cNvPr id="24" name="Oval 23">
+                  <a:extLst>
+                    <a:ext uri="{FF2B5EF4-FFF2-40B4-BE49-F238E27FC236}">
+                      <a16:creationId xmlns:a16="http://schemas.microsoft.com/office/drawing/2014/main" id="{34E5A775-A8B9-41E7-9D00-562A3188AE13}"/>
+                    </a:ext>
+                  </a:extLst>
+                </p:cNvPr>
+                <p:cNvSpPr>
+                  <a:spLocks noRot="1" noChangeAspect="1" noMove="1" noResize="1" noEditPoints="1" noAdjustHandles="1" noChangeArrowheads="1" noChangeShapeType="1" noTextEdit="1"/>
+                </p:cNvSpPr>
+                <p:nvPr/>
+              </p:nvSpPr>
+              <p:spPr>
+                <a:xfrm>
+                  <a:off x="3899395" y="1395675"/>
+                  <a:ext cx="601980" cy="556260"/>
+                </a:xfrm>
+                <a:prstGeom prst="ellipse">
+                  <a:avLst/>
+                </a:prstGeom>
+                <a:blipFill>
+                  <a:blip r:embed="rId4"/>
+                  <a:stretch>
+                    <a:fillRect/>
+                  </a:stretch>
+                </a:blipFill>
+                <a:ln w="76200">
+                  <a:solidFill>
+                    <a:schemeClr val="bg1"/>
+                  </a:solidFill>
+                </a:ln>
+              </p:spPr>
+              <p:txBody>
+                <a:bodyPr/>
+                <a:lstStyle/>
+                <a:p>
+                  <a:r>
+                    <a:rPr lang="en-CA">
+                      <a:noFill/>
+                    </a:rPr>
+                    <a:t> </a:t>
+                  </a:r>
+                </a:p>
+              </p:txBody>
+            </p:sp>
+          </mc:Fallback>
+        </mc:AlternateContent>
+        <mc:AlternateContent xmlns:mc="http://schemas.openxmlformats.org/markup-compatibility/2006" xmlns:a14="http://schemas.microsoft.com/office/drawing/2010/main">
+          <mc:Choice Requires="a14">
+            <p:sp>
+              <p:nvSpPr>
+                <p:cNvPr id="25" name="Oval 24">
+                  <a:extLst>
+                    <a:ext uri="{FF2B5EF4-FFF2-40B4-BE49-F238E27FC236}">
+                      <a16:creationId xmlns:a16="http://schemas.microsoft.com/office/drawing/2014/main" id="{D46D9113-2DAD-4A53-9355-0298F9FF0594}"/>
+                    </a:ext>
+                  </a:extLst>
+                </p:cNvPr>
+                <p:cNvSpPr/>
+                <p:nvPr/>
+              </p:nvSpPr>
+              <p:spPr>
+                <a:xfrm>
+                  <a:off x="2924910" y="1527844"/>
+                  <a:ext cx="601980" cy="556260"/>
+                </a:xfrm>
+                <a:prstGeom prst="ellipse">
+                  <a:avLst/>
+                </a:prstGeom>
+                <a:solidFill>
+                  <a:schemeClr val="bg1">
+                    <a:lumMod val="50000"/>
+                  </a:schemeClr>
+                </a:solidFill>
+                <a:ln w="76200">
+                  <a:solidFill>
+                    <a:schemeClr val="bg1"/>
+                  </a:solidFill>
+                </a:ln>
+                <a:scene3d>
+                  <a:camera prst="orthographicFront">
+                    <a:rot lat="1800000" lon="19200000" rev="0"/>
+                  </a:camera>
+                  <a:lightRig rig="soft" dir="t"/>
+                </a:scene3d>
+                <a:sp3d extrusionH="635000" contourW="12700" prstMaterial="clear">
+                  <a:bevelT prst="convex"/>
+                  <a:extrusionClr>
+                    <a:schemeClr val="bg1"/>
+                  </a:extrusionClr>
+                  <a:contourClr>
+                    <a:schemeClr val="bg1"/>
+                  </a:contourClr>
+                </a:sp3d>
+              </p:spPr>
+              <p:style>
+                <a:lnRef idx="2">
+                  <a:schemeClr val="accent1">
+                    <a:shade val="50000"/>
+                  </a:schemeClr>
+                </a:lnRef>
+                <a:fillRef idx="1">
+                  <a:schemeClr val="accent1"/>
+                </a:fillRef>
+                <a:effectRef idx="0">
+                  <a:schemeClr val="accent1"/>
+                </a:effectRef>
+                <a:fontRef idx="minor">
+                  <a:schemeClr val="lt1"/>
+                </a:fontRef>
+              </p:style>
+              <p:txBody>
+                <a:bodyPr rtlCol="0" anchor="ctr"/>
+                <a:lstStyle/>
+                <a:p>
+                  <a:pPr algn="ctr"/>
+                  <a14:m>
+                    <m:oMathPara xmlns:m="http://schemas.openxmlformats.org/officeDocument/2006/math">
+                      <m:oMathParaPr>
+                        <m:jc m:val="centerGroup"/>
+                      </m:oMathParaPr>
+                      <m:oMath xmlns:m="http://schemas.openxmlformats.org/officeDocument/2006/math">
+                        <m:sSub>
+                          <m:sSubPr>
+                            <m:ctrlPr>
+                              <a:rPr lang="en-CA" b="0" i="1" smtClean="0">
+                                <a:latin typeface="Cambria Math" panose="02040503050406030204" pitchFamily="18" charset="0"/>
+                              </a:rPr>
+                            </m:ctrlPr>
+                          </m:sSubPr>
+                          <m:e>
+                            <m:r>
+                              <a:rPr lang="en-CA" b="0" i="1" smtClean="0">
+                                <a:latin typeface="Cambria Math" panose="02040503050406030204" pitchFamily="18" charset="0"/>
+                              </a:rPr>
+                              <m:t>𝑞</m:t>
+                            </m:r>
+                          </m:e>
+                          <m:sub>
+                            <m:r>
+                              <a:rPr lang="en-CA" b="0" i="1" smtClean="0">
+                                <a:latin typeface="Cambria Math" panose="02040503050406030204" pitchFamily="18" charset="0"/>
+                              </a:rPr>
+                              <m:t>1</m:t>
+                            </m:r>
+                          </m:sub>
+                        </m:sSub>
+                      </m:oMath>
+                    </m:oMathPara>
+                  </a14:m>
+                  <a:endParaRPr lang="en-CA" b="0" dirty="0"/>
+                </a:p>
+                <a:p>
+                  <a:pPr algn="ctr"/>
+                  <a:endParaRPr lang="en-CA" dirty="0"/>
+                </a:p>
+              </p:txBody>
+            </p:sp>
+          </mc:Choice>
+          <mc:Fallback xmlns="">
+            <p:sp>
+              <p:nvSpPr>
+                <p:cNvPr id="25" name="Oval 24">
+                  <a:extLst>
+                    <a:ext uri="{FF2B5EF4-FFF2-40B4-BE49-F238E27FC236}">
+                      <a16:creationId xmlns:a16="http://schemas.microsoft.com/office/drawing/2014/main" id="{D46D9113-2DAD-4A53-9355-0298F9FF0594}"/>
+                    </a:ext>
+                  </a:extLst>
+                </p:cNvPr>
+                <p:cNvSpPr>
+                  <a:spLocks noRot="1" noChangeAspect="1" noMove="1" noResize="1" noEditPoints="1" noAdjustHandles="1" noChangeArrowheads="1" noChangeShapeType="1" noTextEdit="1"/>
+                </p:cNvSpPr>
+                <p:nvPr/>
+              </p:nvSpPr>
+              <p:spPr>
+                <a:xfrm>
+                  <a:off x="2924910" y="1527844"/>
+                  <a:ext cx="601980" cy="556260"/>
+                </a:xfrm>
+                <a:prstGeom prst="ellipse">
+                  <a:avLst/>
+                </a:prstGeom>
+                <a:blipFill>
+                  <a:blip r:embed="rId5"/>
+                  <a:stretch>
+                    <a:fillRect/>
+                  </a:stretch>
+                </a:blipFill>
+                <a:ln w="76200">
+                  <a:solidFill>
+                    <a:schemeClr val="bg1"/>
+                  </a:solidFill>
+                </a:ln>
+              </p:spPr>
+              <p:txBody>
+                <a:bodyPr/>
+                <a:lstStyle/>
+                <a:p>
+                  <a:r>
+                    <a:rPr lang="en-CA">
+                      <a:noFill/>
+                    </a:rPr>
+                    <a:t> </a:t>
+                  </a:r>
+                </a:p>
+              </p:txBody>
+            </p:sp>
+          </mc:Fallback>
+        </mc:AlternateContent>
+        <mc:AlternateContent xmlns:mc="http://schemas.openxmlformats.org/markup-compatibility/2006" xmlns:a14="http://schemas.microsoft.com/office/drawing/2010/main">
+          <mc:Choice Requires="a14">
+            <p:sp>
+              <p:nvSpPr>
+                <p:cNvPr id="26" name="TextBox 25">
+                  <a:extLst>
+                    <a:ext uri="{FF2B5EF4-FFF2-40B4-BE49-F238E27FC236}">
+                      <a16:creationId xmlns:a16="http://schemas.microsoft.com/office/drawing/2014/main" id="{8CFC7844-04B8-4B77-AE7D-981DC376AB57}"/>
+                    </a:ext>
+                  </a:extLst>
+                </p:cNvPr>
+                <p:cNvSpPr txBox="1"/>
+                <p:nvPr/>
+              </p:nvSpPr>
+              <p:spPr>
+                <a:xfrm>
+                  <a:off x="5557384" y="5662191"/>
+                  <a:ext cx="367986" cy="369332"/>
+                </a:xfrm>
+                <a:prstGeom prst="rect">
+                  <a:avLst/>
+                </a:prstGeom>
+                <a:noFill/>
+              </p:spPr>
+              <p:txBody>
+                <a:bodyPr wrap="none" rtlCol="0">
+                  <a:spAutoFit/>
+                </a:bodyPr>
+                <a:lstStyle/>
+                <a:p>
+                  <a:pPr/>
+                  <a14:m>
+                    <m:oMathPara xmlns:m="http://schemas.openxmlformats.org/officeDocument/2006/math">
+                      <m:oMathParaPr>
+                        <m:jc m:val="centerGroup"/>
+                      </m:oMathParaPr>
+                      <m:oMath xmlns:m="http://schemas.openxmlformats.org/officeDocument/2006/math">
+                        <m:r>
+                          <a:rPr lang="en-CA" b="0" i="1" smtClean="0">
+                            <a:latin typeface="Cambria Math" panose="02040503050406030204" pitchFamily="18" charset="0"/>
+                          </a:rPr>
+                          <m:t>𝑥</m:t>
+                        </m:r>
+                      </m:oMath>
+                    </m:oMathPara>
+                  </a14:m>
+                  <a:endParaRPr lang="en-CA" dirty="0"/>
+                </a:p>
+              </p:txBody>
+            </p:sp>
+          </mc:Choice>
+          <mc:Fallback xmlns="">
+            <p:sp>
+              <p:nvSpPr>
+                <p:cNvPr id="26" name="TextBox 25">
+                  <a:extLst>
+                    <a:ext uri="{FF2B5EF4-FFF2-40B4-BE49-F238E27FC236}">
+                      <a16:creationId xmlns:a16="http://schemas.microsoft.com/office/drawing/2014/main" id="{8CFC7844-04B8-4B77-AE7D-981DC376AB57}"/>
+                    </a:ext>
+                  </a:extLst>
+                </p:cNvPr>
+                <p:cNvSpPr txBox="1">
+                  <a:spLocks noRot="1" noChangeAspect="1" noMove="1" noResize="1" noEditPoints="1" noAdjustHandles="1" noChangeArrowheads="1" noChangeShapeType="1" noTextEdit="1"/>
+                </p:cNvSpPr>
+                <p:nvPr/>
+              </p:nvSpPr>
+              <p:spPr>
+                <a:xfrm>
+                  <a:off x="5557384" y="5662191"/>
+                  <a:ext cx="367986" cy="369332"/>
+                </a:xfrm>
+                <a:prstGeom prst="rect">
+                  <a:avLst/>
+                </a:prstGeom>
+                <a:blipFill>
+                  <a:blip r:embed="rId6"/>
+                  <a:stretch>
+                    <a:fillRect/>
+                  </a:stretch>
+                </a:blipFill>
+              </p:spPr>
+              <p:txBody>
+                <a:bodyPr/>
+                <a:lstStyle/>
+                <a:p>
+                  <a:r>
+                    <a:rPr lang="en-CA">
+                      <a:noFill/>
+                    </a:rPr>
+                    <a:t> </a:t>
+                  </a:r>
+                </a:p>
+              </p:txBody>
+            </p:sp>
+          </mc:Fallback>
+        </mc:AlternateContent>
+        <mc:AlternateContent xmlns:mc="http://schemas.openxmlformats.org/markup-compatibility/2006" xmlns:a14="http://schemas.microsoft.com/office/drawing/2010/main">
+          <mc:Choice Requires="a14">
+            <p:sp>
+              <p:nvSpPr>
+                <p:cNvPr id="28" name="TextBox 27">
+                  <a:extLst>
+                    <a:ext uri="{FF2B5EF4-FFF2-40B4-BE49-F238E27FC236}">
+                      <a16:creationId xmlns:a16="http://schemas.microsoft.com/office/drawing/2014/main" id="{9688CE68-4FA0-4066-BF62-DEF62842DA03}"/>
+                    </a:ext>
+                  </a:extLst>
+                </p:cNvPr>
+                <p:cNvSpPr txBox="1"/>
+                <p:nvPr/>
+              </p:nvSpPr>
+              <p:spPr>
+                <a:xfrm>
+                  <a:off x="1574777" y="5201895"/>
+                  <a:ext cx="544508" cy="369332"/>
+                </a:xfrm>
+                <a:prstGeom prst="rect">
+                  <a:avLst/>
+                </a:prstGeom>
+                <a:noFill/>
+              </p:spPr>
+              <p:txBody>
+                <a:bodyPr wrap="none" rtlCol="0">
+                  <a:spAutoFit/>
+                </a:bodyPr>
+                <a:lstStyle/>
+                <a:p>
+                  <a:pPr/>
+                  <a14:m>
+                    <m:oMathPara xmlns:m="http://schemas.openxmlformats.org/officeDocument/2006/math">
+                      <m:oMathParaPr>
+                        <m:jc m:val="centerGroup"/>
+                      </m:oMathParaPr>
+                      <m:oMath xmlns:m="http://schemas.openxmlformats.org/officeDocument/2006/math">
+                        <m:r>
+                          <a:rPr lang="en-CA" b="0" i="1" smtClean="0">
+                            <a:latin typeface="Cambria Math" panose="02040503050406030204" pitchFamily="18" charset="0"/>
+                          </a:rPr>
+                          <m:t>−</m:t>
+                        </m:r>
+                        <m:r>
+                          <a:rPr lang="en-CA" b="0" i="1" smtClean="0">
+                            <a:latin typeface="Cambria Math" panose="02040503050406030204" pitchFamily="18" charset="0"/>
+                          </a:rPr>
+                          <m:t>𝑦</m:t>
+                        </m:r>
+                      </m:oMath>
+                    </m:oMathPara>
+                  </a14:m>
+                  <a:endParaRPr lang="en-CA" dirty="0"/>
+                </a:p>
+              </p:txBody>
+            </p:sp>
+          </mc:Choice>
+          <mc:Fallback xmlns="">
+            <p:sp>
+              <p:nvSpPr>
+                <p:cNvPr id="28" name="TextBox 27">
+                  <a:extLst>
+                    <a:ext uri="{FF2B5EF4-FFF2-40B4-BE49-F238E27FC236}">
+                      <a16:creationId xmlns:a16="http://schemas.microsoft.com/office/drawing/2014/main" id="{9688CE68-4FA0-4066-BF62-DEF62842DA03}"/>
+                    </a:ext>
+                  </a:extLst>
+                </p:cNvPr>
+                <p:cNvSpPr txBox="1">
+                  <a:spLocks noRot="1" noChangeAspect="1" noMove="1" noResize="1" noEditPoints="1" noAdjustHandles="1" noChangeArrowheads="1" noChangeShapeType="1" noTextEdit="1"/>
+                </p:cNvSpPr>
+                <p:nvPr/>
+              </p:nvSpPr>
+              <p:spPr>
+                <a:xfrm>
+                  <a:off x="1574777" y="5201895"/>
+                  <a:ext cx="544508" cy="369332"/>
+                </a:xfrm>
+                <a:prstGeom prst="rect">
+                  <a:avLst/>
+                </a:prstGeom>
+                <a:blipFill>
+                  <a:blip r:embed="rId7"/>
+                  <a:stretch>
+                    <a:fillRect b="-6557"/>
+                  </a:stretch>
+                </a:blipFill>
+              </p:spPr>
+              <p:txBody>
+                <a:bodyPr/>
+                <a:lstStyle/>
+                <a:p>
+                  <a:r>
+                    <a:rPr lang="en-CA">
+                      <a:noFill/>
+                    </a:rPr>
+                    <a:t> </a:t>
+                  </a:r>
+                </a:p>
+              </p:txBody>
+            </p:sp>
+          </mc:Fallback>
+        </mc:AlternateContent>
+        <mc:AlternateContent xmlns:mc="http://schemas.openxmlformats.org/markup-compatibility/2006" xmlns:a14="http://schemas.microsoft.com/office/drawing/2010/main">
+          <mc:Choice Requires="a14">
+            <p:sp>
+              <p:nvSpPr>
+                <p:cNvPr id="30" name="TextBox 29">
+                  <a:extLst>
+                    <a:ext uri="{FF2B5EF4-FFF2-40B4-BE49-F238E27FC236}">
+                      <a16:creationId xmlns:a16="http://schemas.microsoft.com/office/drawing/2014/main" id="{2AE1A7CF-1339-42CC-9A87-676EF7F7C746}"/>
+                    </a:ext>
+                  </a:extLst>
+                </p:cNvPr>
+                <p:cNvSpPr txBox="1"/>
+                <p:nvPr/>
+              </p:nvSpPr>
+              <p:spPr>
+                <a:xfrm>
+                  <a:off x="3472956" y="826477"/>
+                  <a:ext cx="353750" cy="369332"/>
+                </a:xfrm>
+                <a:prstGeom prst="rect">
+                  <a:avLst/>
+                </a:prstGeom>
+                <a:noFill/>
+              </p:spPr>
+              <p:txBody>
+                <a:bodyPr wrap="none" rtlCol="0">
+                  <a:spAutoFit/>
+                </a:bodyPr>
+                <a:lstStyle/>
+                <a:p>
+                  <a:pPr/>
+                  <a14:m>
+                    <m:oMathPara xmlns:m="http://schemas.openxmlformats.org/officeDocument/2006/math">
+                      <m:oMathParaPr>
+                        <m:jc m:val="centerGroup"/>
+                      </m:oMathParaPr>
+                      <m:oMath xmlns:m="http://schemas.openxmlformats.org/officeDocument/2006/math">
+                        <m:r>
+                          <a:rPr lang="en-CA" b="0" i="1" smtClean="0">
+                            <a:latin typeface="Cambria Math" panose="02040503050406030204" pitchFamily="18" charset="0"/>
+                          </a:rPr>
+                          <m:t>𝑧</m:t>
+                        </m:r>
+                      </m:oMath>
+                    </m:oMathPara>
+                  </a14:m>
+                  <a:endParaRPr lang="en-CA" dirty="0"/>
+                </a:p>
+              </p:txBody>
+            </p:sp>
+          </mc:Choice>
+          <mc:Fallback xmlns="">
+            <p:sp>
+              <p:nvSpPr>
+                <p:cNvPr id="30" name="TextBox 29">
+                  <a:extLst>
+                    <a:ext uri="{FF2B5EF4-FFF2-40B4-BE49-F238E27FC236}">
+                      <a16:creationId xmlns:a16="http://schemas.microsoft.com/office/drawing/2014/main" id="{2AE1A7CF-1339-42CC-9A87-676EF7F7C746}"/>
+                    </a:ext>
+                  </a:extLst>
+                </p:cNvPr>
+                <p:cNvSpPr txBox="1">
+                  <a:spLocks noRot="1" noChangeAspect="1" noMove="1" noResize="1" noEditPoints="1" noAdjustHandles="1" noChangeArrowheads="1" noChangeShapeType="1" noTextEdit="1"/>
+                </p:cNvSpPr>
+                <p:nvPr/>
+              </p:nvSpPr>
+              <p:spPr>
+                <a:xfrm>
+                  <a:off x="3472956" y="826477"/>
+                  <a:ext cx="353750" cy="369332"/>
+                </a:xfrm>
+                <a:prstGeom prst="rect">
+                  <a:avLst/>
+                </a:prstGeom>
+                <a:blipFill>
+                  <a:blip r:embed="rId8"/>
+                  <a:stretch>
+                    <a:fillRect/>
+                  </a:stretch>
+                </a:blipFill>
+              </p:spPr>
+              <p:txBody>
+                <a:bodyPr/>
+                <a:lstStyle/>
+                <a:p>
+                  <a:r>
+                    <a:rPr lang="en-CA">
+                      <a:noFill/>
+                    </a:rPr>
+                    <a:t> </a:t>
+                  </a:r>
+                </a:p>
+              </p:txBody>
+            </p:sp>
+          </mc:Fallback>
+        </mc:AlternateContent>
+        <p:sp>
+          <p:nvSpPr>
+            <p:cNvPr id="34" name="Oval 33">
+              <a:extLst>
+                <a:ext uri="{FF2B5EF4-FFF2-40B4-BE49-F238E27FC236}">
+                  <a16:creationId xmlns:a16="http://schemas.microsoft.com/office/drawing/2014/main" id="{B846D2E6-2649-4380-A1CA-6FAAC8B2E7ED}"/>
+                </a:ext>
+              </a:extLst>
+            </p:cNvPr>
+            <p:cNvSpPr/>
+            <p:nvPr/>
+          </p:nvSpPr>
+          <p:spPr>
+            <a:xfrm>
+              <a:off x="4778621" y="3376979"/>
+              <a:ext cx="104042" cy="104042"/>
+            </a:xfrm>
+            <a:prstGeom prst="ellipse">
+              <a:avLst/>
+            </a:prstGeom>
+          </p:spPr>
+          <p:style>
+            <a:lnRef idx="2">
+              <a:schemeClr val="accent5">
+                <a:shade val="50000"/>
+              </a:schemeClr>
+            </a:lnRef>
+            <a:fillRef idx="1">
+              <a:schemeClr val="accent5"/>
+            </a:fillRef>
+            <a:effectRef idx="0">
+              <a:schemeClr val="accent5"/>
+            </a:effectRef>
+            <a:fontRef idx="minor">
+              <a:schemeClr val="lt1"/>
+            </a:fontRef>
+          </p:style>
+          <p:txBody>
+            <a:bodyPr rtlCol="0" anchor="ctr"/>
+            <a:lstStyle/>
+            <a:p>
+              <a:pPr algn="ctr"/>
+              <a:endParaRPr lang="en-CA"/>
+            </a:p>
+          </p:txBody>
+        </p:sp>
+        <p:cxnSp>
+          <p:nvCxnSpPr>
+            <p:cNvPr id="40" name="Straight Connector 39">
+              <a:extLst>
+                <a:ext uri="{FF2B5EF4-FFF2-40B4-BE49-F238E27FC236}">
+                  <a16:creationId xmlns:a16="http://schemas.microsoft.com/office/drawing/2014/main" id="{85AD5BDA-E869-480F-954C-2D506F50ECE2}"/>
+                </a:ext>
+              </a:extLst>
+            </p:cNvPr>
+            <p:cNvCxnSpPr>
+              <a:cxnSpLocks/>
+            </p:cNvCxnSpPr>
+            <p:nvPr/>
+          </p:nvCxnSpPr>
+          <p:spPr>
+            <a:xfrm flipH="1">
+              <a:off x="4514851" y="5056180"/>
+              <a:ext cx="315791" cy="162684"/>
+            </a:xfrm>
+            <a:prstGeom prst="line">
+              <a:avLst/>
+            </a:prstGeom>
+          </p:spPr>
+          <p:style>
+            <a:lnRef idx="3">
+              <a:schemeClr val="accent4"/>
+            </a:lnRef>
+            <a:fillRef idx="0">
+              <a:schemeClr val="accent4"/>
+            </a:fillRef>
+            <a:effectRef idx="2">
+              <a:schemeClr val="accent4"/>
+            </a:effectRef>
+            <a:fontRef idx="minor">
+              <a:schemeClr val="tx1"/>
+            </a:fontRef>
+          </p:style>
+        </p:cxnSp>
+        <p:cxnSp>
+          <p:nvCxnSpPr>
+            <p:cNvPr id="43" name="Straight Connector 42">
+              <a:extLst>
+                <a:ext uri="{FF2B5EF4-FFF2-40B4-BE49-F238E27FC236}">
+                  <a16:creationId xmlns:a16="http://schemas.microsoft.com/office/drawing/2014/main" id="{9D642629-9E7B-4BC1-ACEB-B10434430B04}"/>
+                </a:ext>
+              </a:extLst>
+            </p:cNvPr>
+            <p:cNvCxnSpPr>
+              <a:cxnSpLocks/>
+              <a:endCxn id="34" idx="4"/>
+            </p:cNvCxnSpPr>
+            <p:nvPr/>
+          </p:nvCxnSpPr>
+          <p:spPr>
+            <a:xfrm flipV="1">
+              <a:off x="4830642" y="3481021"/>
+              <a:ext cx="0" cy="1593899"/>
+            </a:xfrm>
+            <a:prstGeom prst="line">
+              <a:avLst/>
+            </a:prstGeom>
+          </p:spPr>
+          <p:style>
+            <a:lnRef idx="3">
+              <a:schemeClr val="accent6"/>
+            </a:lnRef>
+            <a:fillRef idx="0">
+              <a:schemeClr val="accent6"/>
+            </a:fillRef>
+            <a:effectRef idx="2">
+              <a:schemeClr val="accent6"/>
+            </a:effectRef>
+            <a:fontRef idx="minor">
+              <a:schemeClr val="tx1"/>
+            </a:fontRef>
+          </p:style>
+        </p:cxnSp>
+        <p:cxnSp>
+          <p:nvCxnSpPr>
+            <p:cNvPr id="44" name="Straight Connector 43">
+              <a:extLst>
+                <a:ext uri="{FF2B5EF4-FFF2-40B4-BE49-F238E27FC236}">
+                  <a16:creationId xmlns:a16="http://schemas.microsoft.com/office/drawing/2014/main" id="{E3DB727C-D37D-46E8-AA86-B86D842C5EE9}"/>
+                </a:ext>
+              </a:extLst>
+            </p:cNvPr>
+            <p:cNvCxnSpPr>
+              <a:cxnSpLocks/>
+            </p:cNvCxnSpPr>
+            <p:nvPr/>
+          </p:nvCxnSpPr>
+          <p:spPr>
+            <a:xfrm>
+              <a:off x="3815312" y="4381500"/>
+              <a:ext cx="1017491" cy="674680"/>
+            </a:xfrm>
+            <a:prstGeom prst="line">
+              <a:avLst/>
+            </a:prstGeom>
+          </p:spPr>
+          <p:style>
+            <a:lnRef idx="3">
+              <a:schemeClr val="accent2"/>
+            </a:lnRef>
+            <a:fillRef idx="0">
+              <a:schemeClr val="accent2"/>
+            </a:fillRef>
+            <a:effectRef idx="2">
+              <a:schemeClr val="accent2"/>
+            </a:effectRef>
+            <a:fontRef idx="minor">
+              <a:schemeClr val="tx1"/>
+            </a:fontRef>
+          </p:style>
+        </p:cxnSp>
+        <p:cxnSp>
+          <p:nvCxnSpPr>
+            <p:cNvPr id="54" name="Straight Connector 53">
+              <a:extLst>
+                <a:ext uri="{FF2B5EF4-FFF2-40B4-BE49-F238E27FC236}">
+                  <a16:creationId xmlns:a16="http://schemas.microsoft.com/office/drawing/2014/main" id="{5ABB14E1-E33B-4383-AE53-A0A2AC1EF9EA}"/>
+                </a:ext>
+              </a:extLst>
+            </p:cNvPr>
+            <p:cNvCxnSpPr>
+              <a:cxnSpLocks/>
+            </p:cNvCxnSpPr>
+            <p:nvPr/>
+          </p:nvCxnSpPr>
+          <p:spPr>
+            <a:xfrm>
+              <a:off x="3510547" y="2935719"/>
+              <a:ext cx="1017491" cy="674680"/>
+            </a:xfrm>
+            <a:prstGeom prst="line">
+              <a:avLst/>
+            </a:prstGeom>
+            <a:ln>
+              <a:prstDash val="sysDot"/>
+            </a:ln>
+          </p:spPr>
+          <p:style>
+            <a:lnRef idx="3">
+              <a:schemeClr val="accent2"/>
+            </a:lnRef>
+            <a:fillRef idx="0">
+              <a:schemeClr val="accent2"/>
+            </a:fillRef>
+            <a:effectRef idx="2">
+              <a:schemeClr val="accent2"/>
+            </a:effectRef>
+            <a:fontRef idx="minor">
+              <a:schemeClr val="tx1"/>
+            </a:fontRef>
+          </p:style>
+        </p:cxnSp>
+        <p:cxnSp>
+          <p:nvCxnSpPr>
+            <p:cNvPr id="55" name="Straight Connector 54">
+              <a:extLst>
+                <a:ext uri="{FF2B5EF4-FFF2-40B4-BE49-F238E27FC236}">
+                  <a16:creationId xmlns:a16="http://schemas.microsoft.com/office/drawing/2014/main" id="{630CAF28-0E69-425A-84C0-441A54671605}"/>
+                </a:ext>
+              </a:extLst>
+            </p:cNvPr>
+            <p:cNvCxnSpPr>
+              <a:cxnSpLocks/>
+            </p:cNvCxnSpPr>
+            <p:nvPr/>
+          </p:nvCxnSpPr>
+          <p:spPr>
+            <a:xfrm flipH="1">
+              <a:off x="3510547" y="2793167"/>
+              <a:ext cx="315791" cy="162684"/>
+            </a:xfrm>
+            <a:prstGeom prst="line">
+              <a:avLst/>
+            </a:prstGeom>
+            <a:ln>
+              <a:prstDash val="sysDot"/>
+            </a:ln>
+          </p:spPr>
+          <p:style>
+            <a:lnRef idx="3">
+              <a:schemeClr val="accent4"/>
+            </a:lnRef>
+            <a:fillRef idx="0">
+              <a:schemeClr val="accent4"/>
+            </a:fillRef>
+            <a:effectRef idx="2">
+              <a:schemeClr val="accent4"/>
+            </a:effectRef>
+            <a:fontRef idx="minor">
+              <a:schemeClr val="tx1"/>
+            </a:fontRef>
+          </p:style>
+        </p:cxnSp>
+        <p:cxnSp>
+          <p:nvCxnSpPr>
+            <p:cNvPr id="57" name="Straight Connector 56">
+              <a:extLst>
+                <a:ext uri="{FF2B5EF4-FFF2-40B4-BE49-F238E27FC236}">
+                  <a16:creationId xmlns:a16="http://schemas.microsoft.com/office/drawing/2014/main" id="{185F844D-B313-46A7-996F-80C2C8C2D081}"/>
+                </a:ext>
+              </a:extLst>
+            </p:cNvPr>
+            <p:cNvCxnSpPr>
+              <a:cxnSpLocks/>
+            </p:cNvCxnSpPr>
+            <p:nvPr/>
+          </p:nvCxnSpPr>
+          <p:spPr>
+            <a:xfrm flipV="1">
+              <a:off x="4514850" y="3607996"/>
+              <a:ext cx="0" cy="1593899"/>
+            </a:xfrm>
+            <a:prstGeom prst="line">
+              <a:avLst/>
+            </a:prstGeom>
+            <a:ln>
+              <a:prstDash val="sysDot"/>
+            </a:ln>
+          </p:spPr>
+          <p:style>
+            <a:lnRef idx="3">
+              <a:schemeClr val="accent6"/>
+            </a:lnRef>
+            <a:fillRef idx="0">
+              <a:schemeClr val="accent6"/>
+            </a:fillRef>
+            <a:effectRef idx="2">
+              <a:schemeClr val="accent6"/>
+            </a:effectRef>
+            <a:fontRef idx="minor">
+              <a:schemeClr val="tx1"/>
+            </a:fontRef>
+          </p:style>
+        </p:cxnSp>
+        <p:cxnSp>
+          <p:nvCxnSpPr>
+            <p:cNvPr id="58" name="Straight Connector 57">
+              <a:extLst>
+                <a:ext uri="{FF2B5EF4-FFF2-40B4-BE49-F238E27FC236}">
+                  <a16:creationId xmlns:a16="http://schemas.microsoft.com/office/drawing/2014/main" id="{F521CC3A-F482-4E5C-8808-4B10ED9EDB51}"/>
+                </a:ext>
+              </a:extLst>
+            </p:cNvPr>
+            <p:cNvCxnSpPr>
+              <a:cxnSpLocks/>
+            </p:cNvCxnSpPr>
+            <p:nvPr/>
+          </p:nvCxnSpPr>
+          <p:spPr>
+            <a:xfrm flipV="1">
+              <a:off x="3826706" y="2787601"/>
+              <a:ext cx="0" cy="1593899"/>
+            </a:xfrm>
+            <a:prstGeom prst="line">
+              <a:avLst/>
+            </a:prstGeom>
+            <a:ln>
+              <a:prstDash val="sysDot"/>
+            </a:ln>
+          </p:spPr>
+          <p:style>
+            <a:lnRef idx="3">
+              <a:schemeClr val="accent6"/>
+            </a:lnRef>
+            <a:fillRef idx="0">
+              <a:schemeClr val="accent6"/>
+            </a:fillRef>
+            <a:effectRef idx="2">
+              <a:schemeClr val="accent6"/>
+            </a:effectRef>
+            <a:fontRef idx="minor">
+              <a:schemeClr val="tx1"/>
+            </a:fontRef>
+          </p:style>
+        </p:cxnSp>
+        <p:cxnSp>
+          <p:nvCxnSpPr>
+            <p:cNvPr id="60" name="Straight Connector 59">
+              <a:extLst>
+                <a:ext uri="{FF2B5EF4-FFF2-40B4-BE49-F238E27FC236}">
+                  <a16:creationId xmlns:a16="http://schemas.microsoft.com/office/drawing/2014/main" id="{04AFE6FD-B184-4D09-B984-3DFBB08B7A22}"/>
+                </a:ext>
+              </a:extLst>
+            </p:cNvPr>
+            <p:cNvCxnSpPr>
+              <a:cxnSpLocks/>
+            </p:cNvCxnSpPr>
+            <p:nvPr/>
+          </p:nvCxnSpPr>
+          <p:spPr>
+            <a:xfrm flipH="1">
+              <a:off x="4509718" y="3445524"/>
+              <a:ext cx="315791" cy="162684"/>
+            </a:xfrm>
+            <a:prstGeom prst="line">
+              <a:avLst/>
+            </a:prstGeom>
+            <a:ln>
+              <a:prstDash val="sysDot"/>
+            </a:ln>
+          </p:spPr>
+          <p:style>
+            <a:lnRef idx="3">
+              <a:schemeClr val="accent4"/>
+            </a:lnRef>
+            <a:fillRef idx="0">
+              <a:schemeClr val="accent4"/>
+            </a:fillRef>
+            <a:effectRef idx="2">
+              <a:schemeClr val="accent4"/>
+            </a:effectRef>
+            <a:fontRef idx="minor">
+              <a:schemeClr val="tx1"/>
+            </a:fontRef>
+          </p:style>
+        </p:cxnSp>
+        <p:cxnSp>
+          <p:nvCxnSpPr>
+            <p:cNvPr id="64" name="Straight Arrow Connector 63">
+              <a:extLst>
+                <a:ext uri="{FF2B5EF4-FFF2-40B4-BE49-F238E27FC236}">
+                  <a16:creationId xmlns:a16="http://schemas.microsoft.com/office/drawing/2014/main" id="{3AB125F3-8802-47B9-9CCB-6278F1F7678A}"/>
+                </a:ext>
+              </a:extLst>
+            </p:cNvPr>
+            <p:cNvCxnSpPr/>
+            <p:nvPr/>
+          </p:nvCxnSpPr>
+          <p:spPr>
+            <a:xfrm>
+              <a:off x="3525194" y="1992997"/>
+              <a:ext cx="984524" cy="1598657"/>
+            </a:xfrm>
+            <a:prstGeom prst="straightConnector1">
+              <a:avLst/>
+            </a:prstGeom>
+            <a:ln w="38100">
+              <a:tailEnd type="triangle"/>
+            </a:ln>
+          </p:spPr>
+          <p:style>
+            <a:lnRef idx="3">
+              <a:schemeClr val="accent4"/>
+            </a:lnRef>
+            <a:fillRef idx="0">
+              <a:schemeClr val="accent4"/>
+            </a:fillRef>
+            <a:effectRef idx="2">
+              <a:schemeClr val="accent4"/>
+            </a:effectRef>
+            <a:fontRef idx="minor">
+              <a:schemeClr val="tx1"/>
+            </a:fontRef>
+          </p:style>
+        </p:cxnSp>
+        <p:cxnSp>
+          <p:nvCxnSpPr>
+            <p:cNvPr id="36" name="Straight Arrow Connector 35">
+              <a:extLst>
+                <a:ext uri="{FF2B5EF4-FFF2-40B4-BE49-F238E27FC236}">
+                  <a16:creationId xmlns:a16="http://schemas.microsoft.com/office/drawing/2014/main" id="{8845E012-D782-44B6-A77B-188C4388C6A2}"/>
+                </a:ext>
+              </a:extLst>
+            </p:cNvPr>
+            <p:cNvCxnSpPr>
+              <a:endCxn id="34" idx="1"/>
+            </p:cNvCxnSpPr>
+            <p:nvPr/>
+          </p:nvCxnSpPr>
+          <p:spPr>
+            <a:xfrm>
+              <a:off x="3525716" y="1981200"/>
+              <a:ext cx="1268142" cy="1411016"/>
+            </a:xfrm>
+            <a:prstGeom prst="straightConnector1">
+              <a:avLst/>
+            </a:prstGeom>
+            <a:ln w="38100">
+              <a:tailEnd type="triangle"/>
+            </a:ln>
+          </p:spPr>
+          <p:style>
+            <a:lnRef idx="3">
+              <a:schemeClr val="accent5"/>
+            </a:lnRef>
+            <a:fillRef idx="0">
+              <a:schemeClr val="accent5"/>
+            </a:fillRef>
+            <a:effectRef idx="2">
+              <a:schemeClr val="accent5"/>
+            </a:effectRef>
+            <a:fontRef idx="minor">
+              <a:schemeClr val="tx1"/>
+            </a:fontRef>
+          </p:style>
+        </p:cxnSp>
+        <p:sp>
+          <p:nvSpPr>
+            <p:cNvPr id="66" name="Arc 65">
+              <a:extLst>
+                <a:ext uri="{FF2B5EF4-FFF2-40B4-BE49-F238E27FC236}">
+                  <a16:creationId xmlns:a16="http://schemas.microsoft.com/office/drawing/2014/main" id="{01ADCA7F-AEEA-4480-81A1-73C7BD2BDFEC}"/>
+                </a:ext>
+              </a:extLst>
+            </p:cNvPr>
+            <p:cNvSpPr/>
+            <p:nvPr/>
+          </p:nvSpPr>
+          <p:spPr>
+            <a:xfrm>
+              <a:off x="3181353" y="1728599"/>
+              <a:ext cx="643377" cy="643377"/>
+            </a:xfrm>
+            <a:prstGeom prst="arc">
+              <a:avLst>
+                <a:gd name="adj1" fmla="val 3598766"/>
+                <a:gd name="adj2" fmla="val 5188585"/>
+              </a:avLst>
+            </a:prstGeom>
+            <a:ln w="38100"/>
+          </p:spPr>
+          <p:style>
+            <a:lnRef idx="1">
+              <a:schemeClr val="accent2"/>
+            </a:lnRef>
+            <a:fillRef idx="0">
+              <a:schemeClr val="accent2"/>
+            </a:fillRef>
+            <a:effectRef idx="0">
+              <a:schemeClr val="accent2"/>
+            </a:effectRef>
+            <a:fontRef idx="minor">
+              <a:schemeClr val="tx1"/>
+            </a:fontRef>
+          </p:style>
+          <p:txBody>
+            <a:bodyPr rtlCol="0" anchor="ctr"/>
+            <a:lstStyle/>
+            <a:p>
+              <a:pPr algn="ctr"/>
+              <a:endParaRPr lang="en-CA"/>
+            </a:p>
+          </p:txBody>
+        </p:sp>
+        <p:sp>
+          <p:nvSpPr>
+            <p:cNvPr id="67" name="Arc 66">
+              <a:extLst>
+                <a:ext uri="{FF2B5EF4-FFF2-40B4-BE49-F238E27FC236}">
+                  <a16:creationId xmlns:a16="http://schemas.microsoft.com/office/drawing/2014/main" id="{68D85C3B-B75F-4552-9687-67D298708E13}"/>
+                </a:ext>
+              </a:extLst>
+            </p:cNvPr>
+            <p:cNvSpPr/>
+            <p:nvPr/>
+          </p:nvSpPr>
+          <p:spPr>
+            <a:xfrm>
+              <a:off x="2884025" y="1417337"/>
+              <a:ext cx="1348735" cy="1348735"/>
+            </a:xfrm>
+            <a:prstGeom prst="arc">
+              <a:avLst>
+                <a:gd name="adj1" fmla="val 3302527"/>
+                <a:gd name="adj2" fmla="val 5541694"/>
+              </a:avLst>
+            </a:prstGeom>
+            <a:ln w="38100"/>
+          </p:spPr>
+          <p:style>
+            <a:lnRef idx="1">
+              <a:schemeClr val="accent4"/>
+            </a:lnRef>
+            <a:fillRef idx="0">
+              <a:schemeClr val="accent4"/>
+            </a:fillRef>
+            <a:effectRef idx="0">
+              <a:schemeClr val="accent4"/>
+            </a:effectRef>
+            <a:fontRef idx="minor">
+              <a:schemeClr val="tx1"/>
+            </a:fontRef>
+          </p:style>
+          <p:txBody>
+            <a:bodyPr rtlCol="0" anchor="ctr"/>
+            <a:lstStyle/>
+            <a:p>
+              <a:pPr algn="ctr"/>
+              <a:endParaRPr lang="en-CA"/>
+            </a:p>
+          </p:txBody>
+        </p:sp>
+        <p:cxnSp>
+          <p:nvCxnSpPr>
+            <p:cNvPr id="76" name="Straight Connector 75">
+              <a:extLst>
+                <a:ext uri="{FF2B5EF4-FFF2-40B4-BE49-F238E27FC236}">
+                  <a16:creationId xmlns:a16="http://schemas.microsoft.com/office/drawing/2014/main" id="{9227404B-EC2F-455A-9EE3-055A4E634FCF}"/>
+                </a:ext>
+              </a:extLst>
+            </p:cNvPr>
+            <p:cNvCxnSpPr>
+              <a:cxnSpLocks/>
+            </p:cNvCxnSpPr>
+            <p:nvPr/>
+          </p:nvCxnSpPr>
+          <p:spPr>
+            <a:xfrm>
+              <a:off x="3525194" y="1992997"/>
+              <a:ext cx="0" cy="962854"/>
+            </a:xfrm>
+            <a:prstGeom prst="line">
+              <a:avLst/>
+            </a:prstGeom>
+            <a:ln w="38100">
+              <a:solidFill>
+                <a:srgbClr val="7030A0"/>
+              </a:solidFill>
+            </a:ln>
+          </p:spPr>
+          <p:style>
+            <a:lnRef idx="1">
+              <a:schemeClr val="accent1"/>
+            </a:lnRef>
+            <a:fillRef idx="0">
+              <a:schemeClr val="accent1"/>
+            </a:fillRef>
+            <a:effectRef idx="0">
+              <a:schemeClr val="accent1"/>
+            </a:effectRef>
+            <a:fontRef idx="minor">
+              <a:schemeClr val="tx1"/>
+            </a:fontRef>
+          </p:style>
+        </p:cxnSp>
+      </p:grpSp>
+      <p:grpSp>
+        <p:nvGrpSpPr>
+          <p:cNvPr id="99" name="Group 98">
+            <a:extLst>
+              <a:ext uri="{FF2B5EF4-FFF2-40B4-BE49-F238E27FC236}">
+                <a16:creationId xmlns:a16="http://schemas.microsoft.com/office/drawing/2014/main" id="{743CA4BB-EF82-45E5-BF6B-C7C94C6B7E5E}"/>
+              </a:ext>
+            </a:extLst>
+          </p:cNvPr>
+          <p:cNvGrpSpPr/>
+          <p:nvPr/>
+        </p:nvGrpSpPr>
+        <p:grpSpPr>
+          <a:xfrm>
+            <a:off x="8392047" y="2881375"/>
+            <a:ext cx="1406692" cy="1361466"/>
+            <a:chOff x="7236069" y="4705828"/>
+            <a:chExt cx="1406692" cy="1361466"/>
+          </a:xfrm>
+        </p:grpSpPr>
+        <p:grpSp>
+          <p:nvGrpSpPr>
+            <p:cNvPr id="98" name="Group 97">
+              <a:extLst>
+                <a:ext uri="{FF2B5EF4-FFF2-40B4-BE49-F238E27FC236}">
+                  <a16:creationId xmlns:a16="http://schemas.microsoft.com/office/drawing/2014/main" id="{D015474D-2B94-4755-B0CD-8BE12BA4D8A0}"/>
+                </a:ext>
+              </a:extLst>
+            </p:cNvPr>
+            <p:cNvGrpSpPr/>
+            <p:nvPr/>
+          </p:nvGrpSpPr>
+          <p:grpSpPr>
+            <a:xfrm>
+              <a:off x="7349938" y="4782139"/>
+              <a:ext cx="1178954" cy="1208844"/>
+              <a:chOff x="7349938" y="4782139"/>
+              <a:chExt cx="1178954" cy="1208844"/>
+            </a:xfrm>
+          </p:grpSpPr>
+          <mc:AlternateContent xmlns:mc="http://schemas.openxmlformats.org/markup-compatibility/2006" xmlns:a14="http://schemas.microsoft.com/office/drawing/2010/main">
+            <mc:Choice Requires="a14">
+              <p:sp>
+                <p:nvSpPr>
+                  <p:cNvPr id="84" name="TextBox 83">
+                    <a:extLst>
+                      <a:ext uri="{FF2B5EF4-FFF2-40B4-BE49-F238E27FC236}">
+                        <a16:creationId xmlns:a16="http://schemas.microsoft.com/office/drawing/2014/main" id="{4A2F3C25-8EAC-4BA2-BA76-154C3509626E}"/>
+                      </a:ext>
+                    </a:extLst>
+                  </p:cNvPr>
+                  <p:cNvSpPr txBox="1"/>
+                  <p:nvPr/>
+                </p:nvSpPr>
+                <p:spPr>
+                  <a:xfrm>
+                    <a:off x="7350302" y="4782139"/>
+                    <a:ext cx="1178590" cy="369332"/>
+                  </a:xfrm>
+                  <a:prstGeom prst="rect">
+                    <a:avLst/>
+                  </a:prstGeom>
+                  <a:solidFill>
+                    <a:schemeClr val="accent2">
+                      <a:lumMod val="50000"/>
+                    </a:schemeClr>
+                  </a:solidFill>
+                </p:spPr>
+                <p:txBody>
+                  <a:bodyPr wrap="square" rtlCol="0">
+                    <a:spAutoFit/>
+                  </a:bodyPr>
+                  <a:lstStyle/>
+                  <a:p>
+                    <a:r>
+                      <a:rPr lang="en-CA" dirty="0">
+                        <a:solidFill>
+                          <a:schemeClr val="accent2">
+                            <a:lumMod val="20000"/>
+                            <a:lumOff val="80000"/>
+                          </a:schemeClr>
+                        </a:solidFill>
+                        <a:latin typeface="Segoe UI" panose="020B0502040204020203" pitchFamily="34" charset="0"/>
+                        <a:cs typeface="Segoe UI" panose="020B0502040204020203" pitchFamily="34" charset="0"/>
+                      </a:rPr>
+                      <a:t>Desired </a:t>
+                    </a:r>
+                    <a14:m>
+                      <m:oMath xmlns:m="http://schemas.openxmlformats.org/officeDocument/2006/math">
+                        <m:r>
+                          <a:rPr lang="en-CA" b="0" i="1" smtClean="0">
+                            <a:solidFill>
+                              <a:schemeClr val="accent2">
+                                <a:lumMod val="20000"/>
+                                <a:lumOff val="80000"/>
+                              </a:schemeClr>
+                            </a:solidFill>
+                            <a:latin typeface="Cambria Math" panose="02040503050406030204" pitchFamily="18" charset="0"/>
+                            <a:cs typeface="Segoe UI" panose="020B0502040204020203" pitchFamily="34" charset="0"/>
+                          </a:rPr>
+                          <m:t>𝑥</m:t>
+                        </m:r>
+                      </m:oMath>
+                    </a14:m>
+                    <a:endParaRPr lang="en-CA" dirty="0">
+                      <a:solidFill>
+                        <a:schemeClr val="accent2">
+                          <a:lumMod val="20000"/>
+                          <a:lumOff val="80000"/>
+                        </a:schemeClr>
+                      </a:solidFill>
+                      <a:latin typeface="Segoe UI" panose="020B0502040204020203" pitchFamily="34" charset="0"/>
+                      <a:cs typeface="Segoe UI" panose="020B0502040204020203" pitchFamily="34" charset="0"/>
+                    </a:endParaRPr>
+                  </a:p>
+                </p:txBody>
+              </p:sp>
+            </mc:Choice>
+            <mc:Fallback xmlns="">
+              <p:sp>
+                <p:nvSpPr>
+                  <p:cNvPr id="84" name="TextBox 83">
+                    <a:extLst>
+                      <a:ext uri="{FF2B5EF4-FFF2-40B4-BE49-F238E27FC236}">
+                        <a16:creationId xmlns:a16="http://schemas.microsoft.com/office/drawing/2014/main" id="{4A2F3C25-8EAC-4BA2-BA76-154C3509626E}"/>
+                      </a:ext>
+                    </a:extLst>
+                  </p:cNvPr>
+                  <p:cNvSpPr txBox="1">
+                    <a:spLocks noRot="1" noChangeAspect="1" noMove="1" noResize="1" noEditPoints="1" noAdjustHandles="1" noChangeArrowheads="1" noChangeShapeType="1" noTextEdit="1"/>
+                  </p:cNvSpPr>
+                  <p:nvPr/>
+                </p:nvSpPr>
+                <p:spPr>
+                  <a:xfrm>
+                    <a:off x="7350302" y="4782139"/>
+                    <a:ext cx="1178590" cy="369332"/>
+                  </a:xfrm>
+                  <a:prstGeom prst="rect">
+                    <a:avLst/>
+                  </a:prstGeom>
+                  <a:blipFill>
+                    <a:blip r:embed="rId9"/>
+                    <a:stretch>
+                      <a:fillRect l="-4124" t="-6557" b="-26230"/>
+                    </a:stretch>
+                  </a:blipFill>
+                </p:spPr>
+                <p:txBody>
+                  <a:bodyPr/>
+                  <a:lstStyle/>
+                  <a:p>
+                    <a:r>
+                      <a:rPr lang="en-CA">
+                        <a:noFill/>
+                      </a:rPr>
+                      <a:t> </a:t>
+                    </a:r>
+                  </a:p>
+                </p:txBody>
+              </p:sp>
+            </mc:Fallback>
+          </mc:AlternateContent>
+          <mc:AlternateContent xmlns:mc="http://schemas.openxmlformats.org/markup-compatibility/2006" xmlns:a14="http://schemas.microsoft.com/office/drawing/2010/main">
+            <mc:Choice Requires="a14">
+              <p:sp>
+                <p:nvSpPr>
+                  <p:cNvPr id="85" name="TextBox 84">
+                    <a:extLst>
+                      <a:ext uri="{FF2B5EF4-FFF2-40B4-BE49-F238E27FC236}">
+                        <a16:creationId xmlns:a16="http://schemas.microsoft.com/office/drawing/2014/main" id="{1BEBFC12-DEFA-4B39-A08C-7CC8393C4088}"/>
+                      </a:ext>
+                    </a:extLst>
+                  </p:cNvPr>
+                  <p:cNvSpPr txBox="1"/>
+                  <p:nvPr/>
+                </p:nvSpPr>
+                <p:spPr>
+                  <a:xfrm>
+                    <a:off x="7350302" y="5621651"/>
+                    <a:ext cx="1178590" cy="369332"/>
+                  </a:xfrm>
+                  <a:prstGeom prst="rect">
+                    <a:avLst/>
+                  </a:prstGeom>
+                  <a:solidFill>
+                    <a:schemeClr val="accent6"/>
+                  </a:solidFill>
+                </p:spPr>
+                <p:txBody>
+                  <a:bodyPr wrap="square" rtlCol="0">
+                    <a:spAutoFit/>
+                  </a:bodyPr>
+                  <a:lstStyle/>
+                  <a:p>
+                    <a:r>
+                      <a:rPr lang="en-CA" dirty="0">
+                        <a:solidFill>
+                          <a:schemeClr val="accent6">
+                            <a:lumMod val="20000"/>
+                            <a:lumOff val="80000"/>
+                          </a:schemeClr>
+                        </a:solidFill>
+                        <a:latin typeface="Segoe UI" panose="020B0502040204020203" pitchFamily="34" charset="0"/>
+                        <a:cs typeface="Segoe UI" panose="020B0502040204020203" pitchFamily="34" charset="0"/>
+                      </a:rPr>
+                      <a:t>Desired </a:t>
+                    </a:r>
+                    <a14:m>
+                      <m:oMath xmlns:m="http://schemas.openxmlformats.org/officeDocument/2006/math">
+                        <m:r>
+                          <a:rPr lang="en-CA" b="0" i="1" smtClean="0">
+                            <a:solidFill>
+                              <a:schemeClr val="accent6">
+                                <a:lumMod val="20000"/>
+                                <a:lumOff val="80000"/>
+                              </a:schemeClr>
+                            </a:solidFill>
+                            <a:latin typeface="Cambria Math" panose="02040503050406030204" pitchFamily="18" charset="0"/>
+                          </a:rPr>
+                          <m:t>𝑧</m:t>
+                        </m:r>
+                      </m:oMath>
+                    </a14:m>
+                    <a:endParaRPr lang="en-CA" dirty="0">
+                      <a:solidFill>
+                        <a:schemeClr val="accent6">
+                          <a:lumMod val="20000"/>
+                          <a:lumOff val="80000"/>
+                        </a:schemeClr>
+                      </a:solidFill>
+                      <a:latin typeface="Segoe UI" panose="020B0502040204020203" pitchFamily="34" charset="0"/>
+                      <a:cs typeface="Segoe UI" panose="020B0502040204020203" pitchFamily="34" charset="0"/>
+                    </a:endParaRPr>
+                  </a:p>
+                </p:txBody>
+              </p:sp>
+            </mc:Choice>
+            <mc:Fallback xmlns="">
+              <p:sp>
+                <p:nvSpPr>
+                  <p:cNvPr id="85" name="TextBox 84">
+                    <a:extLst>
+                      <a:ext uri="{FF2B5EF4-FFF2-40B4-BE49-F238E27FC236}">
+                        <a16:creationId xmlns:a16="http://schemas.microsoft.com/office/drawing/2014/main" id="{1BEBFC12-DEFA-4B39-A08C-7CC8393C4088}"/>
+                      </a:ext>
+                    </a:extLst>
+                  </p:cNvPr>
+                  <p:cNvSpPr txBox="1">
+                    <a:spLocks noRot="1" noChangeAspect="1" noMove="1" noResize="1" noEditPoints="1" noAdjustHandles="1" noChangeArrowheads="1" noChangeShapeType="1" noTextEdit="1"/>
+                  </p:cNvSpPr>
+                  <p:nvPr/>
+                </p:nvSpPr>
+                <p:spPr>
+                  <a:xfrm>
+                    <a:off x="7350302" y="5621651"/>
+                    <a:ext cx="1178590" cy="369332"/>
+                  </a:xfrm>
+                  <a:prstGeom prst="rect">
+                    <a:avLst/>
+                  </a:prstGeom>
+                  <a:blipFill>
+                    <a:blip r:embed="rId10"/>
+                    <a:stretch>
+                      <a:fillRect l="-4124" t="-8333" b="-28333"/>
+                    </a:stretch>
+                  </a:blipFill>
+                </p:spPr>
+                <p:txBody>
+                  <a:bodyPr/>
+                  <a:lstStyle/>
+                  <a:p>
+                    <a:r>
+                      <a:rPr lang="en-CA">
+                        <a:noFill/>
+                      </a:rPr>
+                      <a:t> </a:t>
+                    </a:r>
+                  </a:p>
+                </p:txBody>
+              </p:sp>
+            </mc:Fallback>
+          </mc:AlternateContent>
+          <mc:AlternateContent xmlns:mc="http://schemas.openxmlformats.org/markup-compatibility/2006" xmlns:a14="http://schemas.microsoft.com/office/drawing/2010/main">
+            <mc:Choice Requires="a14">
+              <p:sp>
+                <p:nvSpPr>
+                  <p:cNvPr id="86" name="TextBox 85">
+                    <a:extLst>
+                      <a:ext uri="{FF2B5EF4-FFF2-40B4-BE49-F238E27FC236}">
+                        <a16:creationId xmlns:a16="http://schemas.microsoft.com/office/drawing/2014/main" id="{C97E694B-19C0-4C27-9F16-DE3B0D02AEFF}"/>
+                      </a:ext>
+                    </a:extLst>
+                  </p:cNvPr>
+                  <p:cNvSpPr txBox="1"/>
+                  <p:nvPr/>
+                </p:nvSpPr>
+                <p:spPr>
+                  <a:xfrm>
+                    <a:off x="7349938" y="5197489"/>
+                    <a:ext cx="1178590" cy="369332"/>
+                  </a:xfrm>
+                  <a:prstGeom prst="rect">
+                    <a:avLst/>
+                  </a:prstGeom>
+                  <a:solidFill>
+                    <a:schemeClr val="accent4">
+                      <a:lumMod val="75000"/>
+                    </a:schemeClr>
+                  </a:solidFill>
+                </p:spPr>
+                <p:txBody>
+                  <a:bodyPr wrap="square" rtlCol="0">
+                    <a:spAutoFit/>
+                  </a:bodyPr>
+                  <a:lstStyle/>
+                  <a:p>
+                    <a:r>
+                      <a:rPr lang="en-CA" dirty="0">
+                        <a:solidFill>
+                          <a:schemeClr val="accent4">
+                            <a:lumMod val="20000"/>
+                            <a:lumOff val="80000"/>
+                          </a:schemeClr>
+                        </a:solidFill>
+                        <a:latin typeface="Segoe UI" panose="020B0502040204020203" pitchFamily="34" charset="0"/>
+                        <a:cs typeface="Segoe UI" panose="020B0502040204020203" pitchFamily="34" charset="0"/>
+                      </a:rPr>
+                      <a:t>Desired </a:t>
+                    </a:r>
+                    <a14:m>
+                      <m:oMath xmlns:m="http://schemas.openxmlformats.org/officeDocument/2006/math">
+                        <m:r>
+                          <a:rPr lang="en-CA" b="0" i="1" smtClean="0">
+                            <a:solidFill>
+                              <a:schemeClr val="accent4">
+                                <a:lumMod val="20000"/>
+                                <a:lumOff val="80000"/>
+                              </a:schemeClr>
+                            </a:solidFill>
+                            <a:latin typeface="Cambria Math" panose="02040503050406030204" pitchFamily="18" charset="0"/>
+                            <a:cs typeface="Segoe UI" panose="020B0502040204020203" pitchFamily="34" charset="0"/>
+                          </a:rPr>
+                          <m:t>𝑦</m:t>
+                        </m:r>
+                      </m:oMath>
+                    </a14:m>
+                    <a:endParaRPr lang="en-CA" dirty="0">
+                      <a:solidFill>
+                        <a:schemeClr val="accent4">
+                          <a:lumMod val="20000"/>
+                          <a:lumOff val="80000"/>
+                        </a:schemeClr>
+                      </a:solidFill>
+                      <a:latin typeface="Segoe UI" panose="020B0502040204020203" pitchFamily="34" charset="0"/>
+                      <a:cs typeface="Segoe UI" panose="020B0502040204020203" pitchFamily="34" charset="0"/>
+                    </a:endParaRPr>
+                  </a:p>
+                </p:txBody>
+              </p:sp>
+            </mc:Choice>
+            <mc:Fallback xmlns="">
+              <p:sp>
+                <p:nvSpPr>
+                  <p:cNvPr id="86" name="TextBox 85">
+                    <a:extLst>
+                      <a:ext uri="{FF2B5EF4-FFF2-40B4-BE49-F238E27FC236}">
+                        <a16:creationId xmlns:a16="http://schemas.microsoft.com/office/drawing/2014/main" id="{C97E694B-19C0-4C27-9F16-DE3B0D02AEFF}"/>
+                      </a:ext>
+                    </a:extLst>
+                  </p:cNvPr>
+                  <p:cNvSpPr txBox="1">
+                    <a:spLocks noRot="1" noChangeAspect="1" noMove="1" noResize="1" noEditPoints="1" noAdjustHandles="1" noChangeArrowheads="1" noChangeShapeType="1" noTextEdit="1"/>
+                  </p:cNvSpPr>
+                  <p:nvPr/>
+                </p:nvSpPr>
+                <p:spPr>
+                  <a:xfrm>
+                    <a:off x="7349938" y="5197489"/>
+                    <a:ext cx="1178590" cy="369332"/>
+                  </a:xfrm>
+                  <a:prstGeom prst="rect">
+                    <a:avLst/>
+                  </a:prstGeom>
+                  <a:blipFill>
+                    <a:blip r:embed="rId11"/>
+                    <a:stretch>
+                      <a:fillRect l="-4124" t="-6557" b="-26230"/>
+                    </a:stretch>
+                  </a:blipFill>
+                </p:spPr>
+                <p:txBody>
+                  <a:bodyPr/>
+                  <a:lstStyle/>
+                  <a:p>
+                    <a:r>
+                      <a:rPr lang="en-CA">
+                        <a:noFill/>
+                      </a:rPr>
+                      <a:t> </a:t>
+                    </a:r>
+                  </a:p>
+                </p:txBody>
+              </p:sp>
+            </mc:Fallback>
+          </mc:AlternateContent>
+        </p:grpSp>
+        <p:sp>
+          <p:nvSpPr>
+            <p:cNvPr id="93" name="Double Bracket 92">
+              <a:extLst>
+                <a:ext uri="{FF2B5EF4-FFF2-40B4-BE49-F238E27FC236}">
+                  <a16:creationId xmlns:a16="http://schemas.microsoft.com/office/drawing/2014/main" id="{0CD6B321-C7DD-4C32-BE6C-E37D59000C1D}"/>
+                </a:ext>
+              </a:extLst>
+            </p:cNvPr>
+            <p:cNvSpPr/>
+            <p:nvPr/>
+          </p:nvSpPr>
+          <p:spPr>
+            <a:xfrm>
+              <a:off x="7236069" y="4705828"/>
+              <a:ext cx="1406692" cy="1361466"/>
+            </a:xfrm>
+            <a:prstGeom prst="bracketPair">
+              <a:avLst>
+                <a:gd name="adj" fmla="val 5141"/>
+              </a:avLst>
+            </a:prstGeom>
+          </p:spPr>
+          <p:style>
+            <a:lnRef idx="3">
+              <a:schemeClr val="dk1"/>
+            </a:lnRef>
+            <a:fillRef idx="0">
+              <a:schemeClr val="dk1"/>
+            </a:fillRef>
+            <a:effectRef idx="2">
+              <a:schemeClr val="dk1"/>
+            </a:effectRef>
+            <a:fontRef idx="minor">
+              <a:schemeClr val="tx1"/>
+            </a:fontRef>
+          </p:style>
+          <p:txBody>
+            <a:bodyPr rtlCol="0" anchor="ctr"/>
+            <a:lstStyle/>
+            <a:p>
+              <a:pPr algn="ctr"/>
+              <a:endParaRPr lang="en-CA"/>
+            </a:p>
+          </p:txBody>
+        </p:sp>
+      </p:grpSp>
+      <mc:AlternateContent xmlns:mc="http://schemas.openxmlformats.org/markup-compatibility/2006" xmlns:a14="http://schemas.microsoft.com/office/drawing/2010/main">
+        <mc:Choice Requires="a14">
+          <p:sp>
+            <p:nvSpPr>
+              <p:cNvPr id="100" name="TextBox 99">
+                <a:extLst>
+                  <a:ext uri="{FF2B5EF4-FFF2-40B4-BE49-F238E27FC236}">
+                    <a16:creationId xmlns:a16="http://schemas.microsoft.com/office/drawing/2014/main" id="{9B0787BA-C669-4186-B70A-2EF552858DF8}"/>
+                  </a:ext>
+                </a:extLst>
+              </p:cNvPr>
+              <p:cNvSpPr txBox="1"/>
+              <p:nvPr/>
+            </p:nvSpPr>
+            <p:spPr>
+              <a:xfrm>
+                <a:off x="1514798" y="3084478"/>
+                <a:ext cx="4411464" cy="369332"/>
+              </a:xfrm>
+              <a:prstGeom prst="rect">
+                <a:avLst/>
+              </a:prstGeom>
+              <a:solidFill>
+                <a:srgbClr val="7030A0"/>
+              </a:solidFill>
+            </p:spPr>
+            <p:txBody>
+              <a:bodyPr wrap="square" rtlCol="0">
+                <a:spAutoFit/>
+              </a:bodyPr>
+              <a:lstStyle/>
+              <a:p>
+                <a14:m>
+                  <m:oMath xmlns:m="http://schemas.openxmlformats.org/officeDocument/2006/math">
+                    <m:r>
+                      <a:rPr lang="en-CA" b="0" i="1" smtClean="0">
+                        <a:solidFill>
+                          <a:schemeClr val="bg1">
+                            <a:lumMod val="95000"/>
+                          </a:schemeClr>
+                        </a:solidFill>
+                        <a:latin typeface="Cambria Math" panose="02040503050406030204" pitchFamily="18" charset="0"/>
+                        <a:cs typeface="Segoe UI" panose="020B0502040204020203" pitchFamily="34" charset="0"/>
+                      </a:rPr>
+                      <m:t>𝑧</m:t>
+                    </m:r>
+                    <m:r>
+                      <a:rPr lang="en-CA" b="0" i="1" smtClean="0">
+                        <a:solidFill>
+                          <a:schemeClr val="bg1">
+                            <a:lumMod val="95000"/>
+                          </a:schemeClr>
+                        </a:solidFill>
+                        <a:latin typeface="Cambria Math" panose="02040503050406030204" pitchFamily="18" charset="0"/>
+                        <a:cs typeface="Segoe UI" panose="020B0502040204020203" pitchFamily="34" charset="0"/>
+                      </a:rPr>
+                      <m:t>′</m:t>
+                    </m:r>
+                  </m:oMath>
+                </a14:m>
+                <a:r>
+                  <a:rPr lang="en-CA" dirty="0">
+                    <a:solidFill>
+                      <a:schemeClr val="bg1">
+                        <a:lumMod val="95000"/>
+                      </a:schemeClr>
+                    </a:solidFill>
+                    <a:latin typeface="Segoe UI" panose="020B0502040204020203" pitchFamily="34" charset="0"/>
+                    <a:cs typeface="Segoe UI" panose="020B0502040204020203" pitchFamily="34" charset="0"/>
+                  </a:rPr>
+                  <a:t>: Distance between laser and top of part</a:t>
+                </a:r>
+                <a:endParaRPr lang="en-CA" b="0" dirty="0">
+                  <a:solidFill>
+                    <a:schemeClr val="bg1">
+                      <a:lumMod val="95000"/>
+                    </a:schemeClr>
+                  </a:solidFill>
+                  <a:latin typeface="Segoe UI" panose="020B0502040204020203" pitchFamily="34" charset="0"/>
+                  <a:cs typeface="Segoe UI" panose="020B0502040204020203" pitchFamily="34" charset="0"/>
+                </a:endParaRPr>
+              </a:p>
+            </p:txBody>
+          </p:sp>
+        </mc:Choice>
+        <mc:Fallback xmlns="">
+          <p:sp>
+            <p:nvSpPr>
+              <p:cNvPr id="100" name="TextBox 99">
+                <a:extLst>
+                  <a:ext uri="{FF2B5EF4-FFF2-40B4-BE49-F238E27FC236}">
+                    <a16:creationId xmlns:a16="http://schemas.microsoft.com/office/drawing/2014/main" id="{9B0787BA-C669-4186-B70A-2EF552858DF8}"/>
+                  </a:ext>
+                </a:extLst>
+              </p:cNvPr>
+              <p:cNvSpPr txBox="1">
+                <a:spLocks noRot="1" noChangeAspect="1" noMove="1" noResize="1" noEditPoints="1" noAdjustHandles="1" noChangeArrowheads="1" noChangeShapeType="1" noTextEdit="1"/>
+              </p:cNvSpPr>
+              <p:nvPr/>
+            </p:nvSpPr>
+            <p:spPr>
+              <a:xfrm>
+                <a:off x="1514798" y="3084478"/>
+                <a:ext cx="4411464" cy="369332"/>
+              </a:xfrm>
+              <a:prstGeom prst="rect">
+                <a:avLst/>
+              </a:prstGeom>
+              <a:blipFill>
+                <a:blip r:embed="rId12"/>
+                <a:stretch>
+                  <a:fillRect t="-8197" r="-138" b="-26230"/>
+                </a:stretch>
+              </a:blipFill>
+            </p:spPr>
+            <p:txBody>
+              <a:bodyPr/>
+              <a:lstStyle/>
+              <a:p>
+                <a:r>
+                  <a:rPr lang="en-CA">
+                    <a:noFill/>
+                  </a:rPr>
+                  <a:t> </a:t>
+                </a:r>
+              </a:p>
+            </p:txBody>
+          </p:sp>
+        </mc:Fallback>
+      </mc:AlternateContent>
+      <p:cxnSp>
+        <p:nvCxnSpPr>
+          <p:cNvPr id="103" name="Straight Connector 102">
+            <a:extLst>
+              <a:ext uri="{FF2B5EF4-FFF2-40B4-BE49-F238E27FC236}">
+                <a16:creationId xmlns:a16="http://schemas.microsoft.com/office/drawing/2014/main" id="{B6AA4BE9-9979-4F55-831D-07A7135C3EE0}"/>
+              </a:ext>
+            </a:extLst>
+          </p:cNvPr>
+          <p:cNvCxnSpPr>
+            <a:cxnSpLocks/>
+            <a:endCxn id="66" idx="0"/>
+          </p:cNvCxnSpPr>
+          <p:nvPr/>
+        </p:nvCxnSpPr>
+        <p:spPr>
+          <a:xfrm>
+            <a:off x="5922589" y="2406342"/>
+            <a:ext cx="1158666" cy="39062"/>
+          </a:xfrm>
+          <a:prstGeom prst="line">
+            <a:avLst/>
+          </a:prstGeom>
+          <a:ln>
+            <a:headEnd type="oval" w="med" len="med"/>
+            <a:tailEnd type="oval" w="med" len="med"/>
+          </a:ln>
+          <a:effectLst>
+            <a:outerShdw blurRad="63500" sx="102000" sy="102000" algn="ctr" rotWithShape="0">
+              <a:prstClr val="black">
+                <a:alpha val="40000"/>
+              </a:prstClr>
+            </a:outerShdw>
+          </a:effectLst>
+        </p:spPr>
+        <p:style>
+          <a:lnRef idx="3">
+            <a:schemeClr val="accent2"/>
+          </a:lnRef>
+          <a:fillRef idx="0">
+            <a:schemeClr val="accent2"/>
+          </a:fillRef>
+          <a:effectRef idx="2">
+            <a:schemeClr val="accent2"/>
+          </a:effectRef>
+          <a:fontRef idx="minor">
+            <a:schemeClr val="tx1"/>
+          </a:fontRef>
+        </p:style>
+      </p:cxnSp>
+      <p:cxnSp>
+        <p:nvCxnSpPr>
+          <p:cNvPr id="104" name="Straight Connector 103">
+            <a:extLst>
+              <a:ext uri="{FF2B5EF4-FFF2-40B4-BE49-F238E27FC236}">
+                <a16:creationId xmlns:a16="http://schemas.microsoft.com/office/drawing/2014/main" id="{3B373880-2EC9-4B31-93CA-1115E38F8F50}"/>
+              </a:ext>
+            </a:extLst>
+          </p:cNvPr>
+          <p:cNvCxnSpPr>
+            <a:cxnSpLocks/>
+          </p:cNvCxnSpPr>
+          <p:nvPr/>
+        </p:nvCxnSpPr>
+        <p:spPr>
+          <a:xfrm>
+            <a:off x="5922588" y="2843289"/>
+            <a:ext cx="1214799" cy="22753"/>
+          </a:xfrm>
+          <a:prstGeom prst="line">
+            <a:avLst/>
+          </a:prstGeom>
+          <a:ln>
+            <a:solidFill>
+              <a:schemeClr val="accent4"/>
+            </a:solidFill>
+            <a:headEnd type="oval" w="med" len="med"/>
+            <a:tailEnd type="oval" w="med" len="med"/>
+          </a:ln>
+          <a:effectLst>
+            <a:outerShdw blurRad="63500" sx="102000" sy="102000" algn="ctr" rotWithShape="0">
+              <a:prstClr val="black">
+                <a:alpha val="40000"/>
+              </a:prstClr>
+            </a:outerShdw>
+          </a:effectLst>
+        </p:spPr>
+        <p:style>
+          <a:lnRef idx="3">
+            <a:schemeClr val="accent2"/>
+          </a:lnRef>
+          <a:fillRef idx="0">
+            <a:schemeClr val="accent2"/>
+          </a:fillRef>
+          <a:effectRef idx="2">
+            <a:schemeClr val="accent2"/>
+          </a:effectRef>
+          <a:fontRef idx="minor">
+            <a:schemeClr val="tx1"/>
+          </a:fontRef>
+        </p:style>
+      </p:cxnSp>
+      <p:cxnSp>
+        <p:nvCxnSpPr>
+          <p:cNvPr id="106" name="Straight Connector 105">
+            <a:extLst>
+              <a:ext uri="{FF2B5EF4-FFF2-40B4-BE49-F238E27FC236}">
+                <a16:creationId xmlns:a16="http://schemas.microsoft.com/office/drawing/2014/main" id="{316DE81C-DCDC-46C6-91B2-D1F19B91504D}"/>
+              </a:ext>
+            </a:extLst>
+          </p:cNvPr>
+          <p:cNvCxnSpPr>
+            <a:cxnSpLocks/>
+          </p:cNvCxnSpPr>
+          <p:nvPr/>
+        </p:nvCxnSpPr>
+        <p:spPr>
+          <a:xfrm flipV="1">
+            <a:off x="5922588" y="3052303"/>
+            <a:ext cx="1019875" cy="218577"/>
+          </a:xfrm>
+          <a:prstGeom prst="line">
+            <a:avLst/>
+          </a:prstGeom>
+          <a:ln>
+            <a:solidFill>
+              <a:srgbClr val="7030A0"/>
+            </a:solidFill>
+            <a:headEnd type="oval" w="med" len="med"/>
+            <a:tailEnd type="oval" w="med" len="med"/>
+          </a:ln>
+          <a:effectLst>
+            <a:outerShdw blurRad="63500" sx="102000" sy="102000" algn="ctr" rotWithShape="0">
+              <a:prstClr val="black">
+                <a:alpha val="40000"/>
+              </a:prstClr>
+            </a:outerShdw>
+          </a:effectLst>
+        </p:spPr>
+        <p:style>
+          <a:lnRef idx="3">
+            <a:schemeClr val="accent2"/>
+          </a:lnRef>
+          <a:fillRef idx="0">
+            <a:schemeClr val="accent2"/>
+          </a:fillRef>
+          <a:effectRef idx="2">
+            <a:schemeClr val="accent2"/>
+          </a:effectRef>
+          <a:fontRef idx="minor">
+            <a:schemeClr val="tx1"/>
+          </a:fontRef>
+        </p:style>
+      </p:cxnSp>
+      <p:sp>
+        <p:nvSpPr>
+          <p:cNvPr id="114" name="TextBox 113">
+            <a:extLst>
+              <a:ext uri="{FF2B5EF4-FFF2-40B4-BE49-F238E27FC236}">
+                <a16:creationId xmlns:a16="http://schemas.microsoft.com/office/drawing/2014/main" id="{62036381-A91D-4761-913D-072445647454}"/>
+              </a:ext>
+            </a:extLst>
+          </p:cNvPr>
+          <p:cNvSpPr txBox="1"/>
+          <p:nvPr/>
+        </p:nvSpPr>
+        <p:spPr>
+          <a:xfrm>
+            <a:off x="4344110" y="150470"/>
+            <a:ext cx="3503780" cy="646331"/>
+          </a:xfrm>
+          <a:prstGeom prst="rect">
+            <a:avLst/>
+          </a:prstGeom>
+          <a:noFill/>
+        </p:spPr>
+        <p:txBody>
+          <a:bodyPr wrap="none" rtlCol="0">
+            <a:spAutoFit/>
+          </a:bodyPr>
+          <a:lstStyle/>
+          <a:p>
+            <a:r>
+              <a:rPr lang="en-CA" sz="3600" dirty="0">
+                <a:latin typeface="Segoe UI Light" panose="020B0502040204020203" pitchFamily="34" charset="0"/>
+                <a:cs typeface="Segoe UI Light" panose="020B0502040204020203" pitchFamily="34" charset="0"/>
+              </a:rPr>
+              <a:t>System Overview</a:t>
+            </a:r>
+          </a:p>
+        </p:txBody>
+      </p:sp>
+    </p:spTree>
+    <p:extLst>
+      <p:ext uri="{BB962C8B-B14F-4D97-AF65-F5344CB8AC3E}">
+        <p14:creationId xmlns:p14="http://schemas.microsoft.com/office/powerpoint/2010/main" val="2375096294"/>
+      </p:ext>
+    </p:extLst>
+  </p:cSld>
+  <p:clrMapOvr>
+    <a:masterClrMapping/>
+  </p:clrMapOvr>
+</p:sld>
+</file>
+
+<file path=ppt/slides/slide4.xml><?xml version="1.0" encoding="utf-8"?>
 <p:sld xmlns:a="http://schemas.openxmlformats.org/drawingml/2006/main" xmlns:r="http://schemas.openxmlformats.org/officeDocument/2006/relationships" xmlns:p="http://schemas.openxmlformats.org/presentationml/2006/main">
   <p:cSld>
     <p:spTree>
@@ -3480,7 +7410,1064 @@
         </p:blipFill>
         <p:spPr>
           <a:xfrm>
-            <a:off x="2804009" y="1049787"/>
+            <a:off x="146960" y="909798"/>
+            <a:ext cx="3559094" cy="5613198"/>
+          </a:xfrm>
+          <a:prstGeom prst="rect">
+            <a:avLst/>
+          </a:prstGeom>
+        </p:spPr>
+      </p:pic>
+      <p:pic>
+        <p:nvPicPr>
+          <p:cNvPr id="4" name="Picture 3">
+            <a:extLst>
+              <a:ext uri="{FF2B5EF4-FFF2-40B4-BE49-F238E27FC236}">
+                <a16:creationId xmlns:a16="http://schemas.microsoft.com/office/drawing/2014/main" id="{EB52BED9-678F-4330-9B08-D6949B7E9D89}"/>
+              </a:ext>
+            </a:extLst>
+          </p:cNvPr>
+          <p:cNvPicPr>
+            <a:picLocks noChangeAspect="1"/>
+          </p:cNvPicPr>
+          <p:nvPr/>
+        </p:nvPicPr>
+        <p:blipFill>
+          <a:blip r:embed="rId3"/>
+          <a:stretch>
+            <a:fillRect/>
+          </a:stretch>
+        </p:blipFill>
+        <p:spPr>
+          <a:xfrm>
+            <a:off x="3339102" y="2126581"/>
+            <a:ext cx="8852898" cy="3947411"/>
+          </a:xfrm>
+          <a:prstGeom prst="rect">
+            <a:avLst/>
+          </a:prstGeom>
+        </p:spPr>
+      </p:pic>
+      <mc:AlternateContent xmlns:mc="http://schemas.openxmlformats.org/markup-compatibility/2006" xmlns:a14="http://schemas.microsoft.com/office/drawing/2010/main">
+        <mc:Choice Requires="a14">
+          <p:sp>
+            <p:nvSpPr>
+              <p:cNvPr id="3" name="Content Placeholder 2">
+                <a:extLst>
+                  <a:ext uri="{FF2B5EF4-FFF2-40B4-BE49-F238E27FC236}">
+                    <a16:creationId xmlns:a16="http://schemas.microsoft.com/office/drawing/2014/main" id="{5B1C1353-FB02-478A-8480-B6F9E92EE175}"/>
+                  </a:ext>
+                </a:extLst>
+              </p:cNvPr>
+              <p:cNvSpPr>
+                <a:spLocks noGrp="1"/>
+              </p:cNvSpPr>
+              <p:nvPr>
+                <p:ph idx="1"/>
+              </p:nvPr>
+            </p:nvSpPr>
+            <p:spPr>
+              <a:xfrm>
+                <a:off x="7549548" y="658957"/>
+                <a:ext cx="3369066" cy="950262"/>
+              </a:xfrm>
+            </p:spPr>
+            <p:txBody>
+              <a:bodyPr/>
+              <a:lstStyle/>
+              <a:p>
+                <a:pPr marL="0" indent="0">
+                  <a:buNone/>
+                </a:pPr>
+                <a14:m>
+                  <m:oMathPara xmlns:m="http://schemas.openxmlformats.org/officeDocument/2006/math">
+                    <m:oMathParaPr>
+                      <m:jc m:val="centerGroup"/>
+                    </m:oMathParaPr>
+                    <m:oMath xmlns:m="http://schemas.openxmlformats.org/officeDocument/2006/math">
+                      <m:sSub>
+                        <m:sSubPr>
+                          <m:ctrlPr>
+                            <a:rPr lang="en-CA" b="0" i="1" smtClean="0">
+                              <a:latin typeface="Cambria Math" panose="02040503050406030204" pitchFamily="18" charset="0"/>
+                            </a:rPr>
+                          </m:ctrlPr>
+                        </m:sSubPr>
+                        <m:e>
+                          <m:r>
+                            <a:rPr lang="en-CA" b="0" i="1" smtClean="0">
+                              <a:latin typeface="Cambria Math" panose="02040503050406030204" pitchFamily="18" charset="0"/>
+                            </a:rPr>
+                            <m:t>𝑞</m:t>
+                          </m:r>
+                        </m:e>
+                        <m:sub>
+                          <m:r>
+                            <a:rPr lang="en-CA" b="0" i="1" smtClean="0">
+                              <a:latin typeface="Cambria Math" panose="02040503050406030204" pitchFamily="18" charset="0"/>
+                            </a:rPr>
+                            <m:t>0</m:t>
+                          </m:r>
+                        </m:sub>
+                      </m:sSub>
+                      <m:r>
+                        <a:rPr lang="en-CA" b="0" i="1" smtClean="0">
+                          <a:latin typeface="Cambria Math" panose="02040503050406030204" pitchFamily="18" charset="0"/>
+                        </a:rPr>
+                        <m:t>=</m:t>
+                      </m:r>
+                      <m:func>
+                        <m:funcPr>
+                          <m:ctrlPr>
+                            <a:rPr lang="en-CA" b="0" i="1" smtClean="0">
+                              <a:latin typeface="Cambria Math" panose="02040503050406030204" pitchFamily="18" charset="0"/>
+                            </a:rPr>
+                          </m:ctrlPr>
+                        </m:funcPr>
+                        <m:fName>
+                          <m:sSup>
+                            <m:sSupPr>
+                              <m:ctrlPr>
+                                <a:rPr lang="en-CA" b="0" i="1" smtClean="0">
+                                  <a:latin typeface="Cambria Math" panose="02040503050406030204" pitchFamily="18" charset="0"/>
+                                </a:rPr>
+                              </m:ctrlPr>
+                            </m:sSupPr>
+                            <m:e>
+                              <m:r>
+                                <m:rPr>
+                                  <m:sty m:val="p"/>
+                                </m:rPr>
+                                <a:rPr lang="en-CA" b="0" i="0" smtClean="0">
+                                  <a:latin typeface="Cambria Math" panose="02040503050406030204" pitchFamily="18" charset="0"/>
+                                </a:rPr>
+                                <m:t>tan</m:t>
+                              </m:r>
+                            </m:e>
+                            <m:sup>
+                              <m:r>
+                                <a:rPr lang="en-CA" b="0" i="1" smtClean="0">
+                                  <a:latin typeface="Cambria Math" panose="02040503050406030204" pitchFamily="18" charset="0"/>
+                                </a:rPr>
+                                <m:t>−1</m:t>
+                              </m:r>
+                            </m:sup>
+                          </m:sSup>
+                        </m:fName>
+                        <m:e>
+                          <m:f>
+                            <m:fPr>
+                              <m:ctrlPr>
+                                <a:rPr lang="en-CA" b="0" i="1" smtClean="0">
+                                  <a:latin typeface="Cambria Math" panose="02040503050406030204" pitchFamily="18" charset="0"/>
+                                </a:rPr>
+                              </m:ctrlPr>
+                            </m:fPr>
+                            <m:num>
+                              <m:r>
+                                <a:rPr lang="en-CA" b="0" i="1" smtClean="0">
+                                  <a:latin typeface="Cambria Math" panose="02040503050406030204" pitchFamily="18" charset="0"/>
+                                </a:rPr>
+                                <m:t>𝑥</m:t>
+                              </m:r>
+                            </m:num>
+                            <m:den>
+                              <m:sSup>
+                                <m:sSupPr>
+                                  <m:ctrlPr>
+                                    <a:rPr lang="en-CA" b="0" i="1" smtClean="0">
+                                      <a:latin typeface="Cambria Math" panose="02040503050406030204" pitchFamily="18" charset="0"/>
+                                    </a:rPr>
+                                  </m:ctrlPr>
+                                </m:sSupPr>
+                                <m:e>
+                                  <m:r>
+                                    <a:rPr lang="en-CA" b="0" i="1" smtClean="0">
+                                      <a:latin typeface="Cambria Math" panose="02040503050406030204" pitchFamily="18" charset="0"/>
+                                    </a:rPr>
+                                    <m:t>𝑧</m:t>
+                                  </m:r>
+                                </m:e>
+                                <m:sup>
+                                  <m:r>
+                                    <a:rPr lang="en-CA" b="0" i="1" smtClean="0">
+                                      <a:latin typeface="Cambria Math" panose="02040503050406030204" pitchFamily="18" charset="0"/>
+                                    </a:rPr>
+                                    <m:t>′</m:t>
+                                  </m:r>
+                                </m:sup>
+                              </m:sSup>
+                            </m:den>
+                          </m:f>
+                        </m:e>
+                      </m:func>
+                    </m:oMath>
+                  </m:oMathPara>
+                </a14:m>
+                <a:endParaRPr lang="en-CA" b="0" dirty="0"/>
+              </a:p>
+              <a:p>
+                <a:endParaRPr lang="en-CA" dirty="0"/>
+              </a:p>
+            </p:txBody>
+          </p:sp>
+        </mc:Choice>
+        <mc:Fallback xmlns="">
+          <p:sp>
+            <p:nvSpPr>
+              <p:cNvPr id="3" name="Content Placeholder 2">
+                <a:extLst>
+                  <a:ext uri="{FF2B5EF4-FFF2-40B4-BE49-F238E27FC236}">
+                    <a16:creationId xmlns:a16="http://schemas.microsoft.com/office/drawing/2014/main" id="{5B1C1353-FB02-478A-8480-B6F9E92EE175}"/>
+                  </a:ext>
+                </a:extLst>
+              </p:cNvPr>
+              <p:cNvSpPr>
+                <a:spLocks noGrp="1" noRot="1" noChangeAspect="1" noMove="1" noResize="1" noEditPoints="1" noAdjustHandles="1" noChangeArrowheads="1" noChangeShapeType="1" noTextEdit="1"/>
+              </p:cNvSpPr>
+              <p:nvPr>
+                <p:ph idx="1"/>
+              </p:nvPr>
+            </p:nvSpPr>
+            <p:spPr>
+              <a:xfrm>
+                <a:off x="7549548" y="658957"/>
+                <a:ext cx="3369066" cy="950262"/>
+              </a:xfrm>
+              <a:blipFill>
+                <a:blip r:embed="rId4"/>
+                <a:stretch>
+                  <a:fillRect/>
+                </a:stretch>
+              </a:blipFill>
+            </p:spPr>
+            <p:txBody>
+              <a:bodyPr/>
+              <a:lstStyle/>
+              <a:p>
+                <a:r>
+                  <a:rPr lang="en-CA">
+                    <a:noFill/>
+                  </a:rPr>
+                  <a:t> </a:t>
+                </a:r>
+              </a:p>
+            </p:txBody>
+          </p:sp>
+        </mc:Fallback>
+      </mc:AlternateContent>
+      <p:pic>
+        <p:nvPicPr>
+          <p:cNvPr id="7" name="Picture 6">
+            <a:extLst>
+              <a:ext uri="{FF2B5EF4-FFF2-40B4-BE49-F238E27FC236}">
+                <a16:creationId xmlns:a16="http://schemas.microsoft.com/office/drawing/2014/main" id="{90A79D8F-6925-4C38-BDA9-2A85496F38FA}"/>
+              </a:ext>
+            </a:extLst>
+          </p:cNvPr>
+          <p:cNvPicPr>
+            <a:picLocks noChangeAspect="1"/>
+          </p:cNvPicPr>
+          <p:nvPr/>
+        </p:nvPicPr>
+        <p:blipFill>
+          <a:blip r:embed="rId5"/>
+          <a:stretch>
+            <a:fillRect/>
+          </a:stretch>
+        </p:blipFill>
+        <p:spPr>
+          <a:xfrm>
+            <a:off x="4212518" y="2643549"/>
+            <a:ext cx="2246411" cy="1761797"/>
+          </a:xfrm>
+          <a:prstGeom prst="rect">
+            <a:avLst/>
+          </a:prstGeom>
+        </p:spPr>
+      </p:pic>
+      <mc:AlternateContent xmlns:mc="http://schemas.openxmlformats.org/markup-compatibility/2006" xmlns:a14="http://schemas.microsoft.com/office/drawing/2010/main">
+        <mc:Choice Requires="a14">
+          <p:sp>
+            <p:nvSpPr>
+              <p:cNvPr id="9" name="Content Placeholder 2">
+                <a:extLst>
+                  <a:ext uri="{FF2B5EF4-FFF2-40B4-BE49-F238E27FC236}">
+                    <a16:creationId xmlns:a16="http://schemas.microsoft.com/office/drawing/2014/main" id="{34F9077E-BFD1-4E38-9ED7-784E3D31BD25}"/>
+                  </a:ext>
+                </a:extLst>
+              </p:cNvPr>
+              <p:cNvSpPr txBox="1">
+                <a:spLocks/>
+              </p:cNvSpPr>
+              <p:nvPr/>
+            </p:nvSpPr>
+            <p:spPr>
+              <a:xfrm>
+                <a:off x="6965394" y="5620441"/>
+                <a:ext cx="4128071" cy="731248"/>
+              </a:xfrm>
+              <a:prstGeom prst="rect">
+                <a:avLst/>
+              </a:prstGeom>
+            </p:spPr>
+            <p:txBody>
+              <a:bodyPr vert="horz" lIns="91440" tIns="45720" rIns="91440" bIns="45720" rtlCol="0">
+                <a:normAutofit fontScale="92500"/>
+              </a:bodyPr>
+              <a:lstStyle>
+                <a:lvl1pPr marL="228600" indent="-228600" algn="l" defTabSz="914400" rtl="0" eaLnBrk="1" latinLnBrk="0" hangingPunct="1">
+                  <a:lnSpc>
+                    <a:spcPct val="90000"/>
+                  </a:lnSpc>
+                  <a:spcBef>
+                    <a:spcPts val="1000"/>
+                  </a:spcBef>
+                  <a:buFont typeface="Arial" panose="020B0604020202020204" pitchFamily="34" charset="0"/>
+                  <a:buChar char="•"/>
+                  <a:defRPr sz="2800" kern="1200">
+                    <a:solidFill>
+                      <a:schemeClr val="tx1"/>
+                    </a:solidFill>
+                    <a:latin typeface="+mn-lt"/>
+                    <a:ea typeface="+mn-ea"/>
+                    <a:cs typeface="+mn-cs"/>
+                  </a:defRPr>
+                </a:lvl1pPr>
+                <a:lvl2pPr marL="685800" indent="-228600" algn="l" defTabSz="914400" rtl="0" eaLnBrk="1" latinLnBrk="0" hangingPunct="1">
+                  <a:lnSpc>
+                    <a:spcPct val="90000"/>
+                  </a:lnSpc>
+                  <a:spcBef>
+                    <a:spcPts val="500"/>
+                  </a:spcBef>
+                  <a:buFont typeface="Arial" panose="020B0604020202020204" pitchFamily="34" charset="0"/>
+                  <a:buChar char="•"/>
+                  <a:defRPr sz="2400" kern="1200">
+                    <a:solidFill>
+                      <a:schemeClr val="tx1"/>
+                    </a:solidFill>
+                    <a:latin typeface="+mn-lt"/>
+                    <a:ea typeface="+mn-ea"/>
+                    <a:cs typeface="+mn-cs"/>
+                  </a:defRPr>
+                </a:lvl2pPr>
+                <a:lvl3pPr marL="1143000" indent="-228600" algn="l" defTabSz="914400" rtl="0" eaLnBrk="1" latinLnBrk="0" hangingPunct="1">
+                  <a:lnSpc>
+                    <a:spcPct val="90000"/>
+                  </a:lnSpc>
+                  <a:spcBef>
+                    <a:spcPts val="500"/>
+                  </a:spcBef>
+                  <a:buFont typeface="Arial" panose="020B0604020202020204" pitchFamily="34" charset="0"/>
+                  <a:buChar char="•"/>
+                  <a:defRPr sz="2000" kern="1200">
+                    <a:solidFill>
+                      <a:schemeClr val="tx1"/>
+                    </a:solidFill>
+                    <a:latin typeface="+mn-lt"/>
+                    <a:ea typeface="+mn-ea"/>
+                    <a:cs typeface="+mn-cs"/>
+                  </a:defRPr>
+                </a:lvl3pPr>
+                <a:lvl4pPr marL="1600200" indent="-228600" algn="l" defTabSz="914400" rtl="0" eaLnBrk="1" latinLnBrk="0" hangingPunct="1">
+                  <a:lnSpc>
+                    <a:spcPct val="90000"/>
+                  </a:lnSpc>
+                  <a:spcBef>
+                    <a:spcPts val="500"/>
+                  </a:spcBef>
+                  <a:buFont typeface="Arial" panose="020B0604020202020204" pitchFamily="34" charset="0"/>
+                  <a:buChar char="•"/>
+                  <a:defRPr sz="1800" kern="1200">
+                    <a:solidFill>
+                      <a:schemeClr val="tx1"/>
+                    </a:solidFill>
+                    <a:latin typeface="+mn-lt"/>
+                    <a:ea typeface="+mn-ea"/>
+                    <a:cs typeface="+mn-cs"/>
+                  </a:defRPr>
+                </a:lvl4pPr>
+                <a:lvl5pPr marL="2057400" indent="-228600" algn="l" defTabSz="914400" rtl="0" eaLnBrk="1" latinLnBrk="0" hangingPunct="1">
+                  <a:lnSpc>
+                    <a:spcPct val="90000"/>
+                  </a:lnSpc>
+                  <a:spcBef>
+                    <a:spcPts val="500"/>
+                  </a:spcBef>
+                  <a:buFont typeface="Arial" panose="020B0604020202020204" pitchFamily="34" charset="0"/>
+                  <a:buChar char="•"/>
+                  <a:defRPr sz="1800" kern="1200">
+                    <a:solidFill>
+                      <a:schemeClr val="tx1"/>
+                    </a:solidFill>
+                    <a:latin typeface="+mn-lt"/>
+                    <a:ea typeface="+mn-ea"/>
+                    <a:cs typeface="+mn-cs"/>
+                  </a:defRPr>
+                </a:lvl5pPr>
+                <a:lvl6pPr marL="2514600" indent="-228600" algn="l" defTabSz="914400" rtl="0" eaLnBrk="1" latinLnBrk="0" hangingPunct="1">
+                  <a:lnSpc>
+                    <a:spcPct val="90000"/>
+                  </a:lnSpc>
+                  <a:spcBef>
+                    <a:spcPts val="500"/>
+                  </a:spcBef>
+                  <a:buFont typeface="Arial" panose="020B0604020202020204" pitchFamily="34" charset="0"/>
+                  <a:buChar char="•"/>
+                  <a:defRPr sz="1800" kern="1200">
+                    <a:solidFill>
+                      <a:schemeClr val="tx1"/>
+                    </a:solidFill>
+                    <a:latin typeface="+mn-lt"/>
+                    <a:ea typeface="+mn-ea"/>
+                    <a:cs typeface="+mn-cs"/>
+                  </a:defRPr>
+                </a:lvl6pPr>
+                <a:lvl7pPr marL="2971800" indent="-228600" algn="l" defTabSz="914400" rtl="0" eaLnBrk="1" latinLnBrk="0" hangingPunct="1">
+                  <a:lnSpc>
+                    <a:spcPct val="90000"/>
+                  </a:lnSpc>
+                  <a:spcBef>
+                    <a:spcPts val="500"/>
+                  </a:spcBef>
+                  <a:buFont typeface="Arial" panose="020B0604020202020204" pitchFamily="34" charset="0"/>
+                  <a:buChar char="•"/>
+                  <a:defRPr sz="1800" kern="1200">
+                    <a:solidFill>
+                      <a:schemeClr val="tx1"/>
+                    </a:solidFill>
+                    <a:latin typeface="+mn-lt"/>
+                    <a:ea typeface="+mn-ea"/>
+                    <a:cs typeface="+mn-cs"/>
+                  </a:defRPr>
+                </a:lvl7pPr>
+                <a:lvl8pPr marL="3429000" indent="-228600" algn="l" defTabSz="914400" rtl="0" eaLnBrk="1" latinLnBrk="0" hangingPunct="1">
+                  <a:lnSpc>
+                    <a:spcPct val="90000"/>
+                  </a:lnSpc>
+                  <a:spcBef>
+                    <a:spcPts val="500"/>
+                  </a:spcBef>
+                  <a:buFont typeface="Arial" panose="020B0604020202020204" pitchFamily="34" charset="0"/>
+                  <a:buChar char="•"/>
+                  <a:defRPr sz="1800" kern="1200">
+                    <a:solidFill>
+                      <a:schemeClr val="tx1"/>
+                    </a:solidFill>
+                    <a:latin typeface="+mn-lt"/>
+                    <a:ea typeface="+mn-ea"/>
+                    <a:cs typeface="+mn-cs"/>
+                  </a:defRPr>
+                </a:lvl8pPr>
+                <a:lvl9pPr marL="3886200" indent="-228600" algn="l" defTabSz="914400" rtl="0" eaLnBrk="1" latinLnBrk="0" hangingPunct="1">
+                  <a:lnSpc>
+                    <a:spcPct val="90000"/>
+                  </a:lnSpc>
+                  <a:spcBef>
+                    <a:spcPts val="500"/>
+                  </a:spcBef>
+                  <a:buFont typeface="Arial" panose="020B0604020202020204" pitchFamily="34" charset="0"/>
+                  <a:buChar char="•"/>
+                  <a:defRPr sz="1800" kern="1200">
+                    <a:solidFill>
+                      <a:schemeClr val="tx1"/>
+                    </a:solidFill>
+                    <a:latin typeface="+mn-lt"/>
+                    <a:ea typeface="+mn-ea"/>
+                    <a:cs typeface="+mn-cs"/>
+                  </a:defRPr>
+                </a:lvl9pPr>
+              </a:lstStyle>
+              <a:p>
+                <a:pPr marL="0" indent="0">
+                  <a:buNone/>
+                </a:pPr>
+                <a14:m>
+                  <m:oMathPara xmlns:m="http://schemas.openxmlformats.org/officeDocument/2006/math">
+                    <m:oMathParaPr>
+                      <m:jc m:val="centerGroup"/>
+                    </m:oMathParaPr>
+                    <m:oMath xmlns:m="http://schemas.openxmlformats.org/officeDocument/2006/math">
+                      <m:sSub>
+                        <m:sSubPr>
+                          <m:ctrlPr>
+                            <a:rPr lang="en-CA" b="0" i="1" smtClean="0">
+                              <a:latin typeface="Cambria Math" panose="02040503050406030204" pitchFamily="18" charset="0"/>
+                            </a:rPr>
+                          </m:ctrlPr>
+                        </m:sSubPr>
+                        <m:e>
+                          <m:r>
+                            <a:rPr lang="en-CA" b="0" i="1" smtClean="0">
+                              <a:latin typeface="Cambria Math" panose="02040503050406030204" pitchFamily="18" charset="0"/>
+                            </a:rPr>
+                            <m:t>𝑞</m:t>
+                          </m:r>
+                        </m:e>
+                        <m:sub>
+                          <m:r>
+                            <a:rPr lang="en-CA" b="0" i="1" smtClean="0">
+                              <a:latin typeface="Cambria Math" panose="02040503050406030204" pitchFamily="18" charset="0"/>
+                            </a:rPr>
+                            <m:t>1</m:t>
+                          </m:r>
+                        </m:sub>
+                      </m:sSub>
+                      <m:r>
+                        <a:rPr lang="en-CA" b="0" i="1" smtClean="0">
+                          <a:latin typeface="Cambria Math" panose="02040503050406030204" pitchFamily="18" charset="0"/>
+                        </a:rPr>
+                        <m:t>=</m:t>
+                      </m:r>
+                      <m:func>
+                        <m:funcPr>
+                          <m:ctrlPr>
+                            <a:rPr lang="en-CA" b="0" i="1" smtClean="0">
+                              <a:latin typeface="Cambria Math" panose="02040503050406030204" pitchFamily="18" charset="0"/>
+                            </a:rPr>
+                          </m:ctrlPr>
+                        </m:funcPr>
+                        <m:fName>
+                          <m:sSup>
+                            <m:sSupPr>
+                              <m:ctrlPr>
+                                <a:rPr lang="en-CA" b="0" i="1" smtClean="0">
+                                  <a:latin typeface="Cambria Math" panose="02040503050406030204" pitchFamily="18" charset="0"/>
+                                </a:rPr>
+                              </m:ctrlPr>
+                            </m:sSupPr>
+                            <m:e>
+                              <m:r>
+                                <m:rPr>
+                                  <m:sty m:val="p"/>
+                                </m:rPr>
+                                <a:rPr lang="en-CA" b="0" i="0" smtClean="0">
+                                  <a:latin typeface="Cambria Math" panose="02040503050406030204" pitchFamily="18" charset="0"/>
+                                </a:rPr>
+                                <m:t>tan</m:t>
+                              </m:r>
+                            </m:e>
+                            <m:sup>
+                              <m:r>
+                                <a:rPr lang="en-CA" b="0" i="1" smtClean="0">
+                                  <a:latin typeface="Cambria Math" panose="02040503050406030204" pitchFamily="18" charset="0"/>
+                                </a:rPr>
+                                <m:t>−1</m:t>
+                              </m:r>
+                            </m:sup>
+                          </m:sSup>
+                        </m:fName>
+                        <m:e>
+                          <m:f>
+                            <m:fPr>
+                              <m:ctrlPr>
+                                <a:rPr lang="en-CA" b="0" i="1" smtClean="0">
+                                  <a:latin typeface="Cambria Math" panose="02040503050406030204" pitchFamily="18" charset="0"/>
+                                </a:rPr>
+                              </m:ctrlPr>
+                            </m:fPr>
+                            <m:num>
+                              <m:r>
+                                <a:rPr lang="en-CA" b="0" i="1" smtClean="0">
+                                  <a:latin typeface="Cambria Math" panose="02040503050406030204" pitchFamily="18" charset="0"/>
+                                </a:rPr>
+                                <m:t>𝑦</m:t>
+                              </m:r>
+                            </m:num>
+                            <m:den>
+                              <m:sSup>
+                                <m:sSupPr>
+                                  <m:ctrlPr>
+                                    <a:rPr lang="en-CA" b="0" i="1" smtClean="0">
+                                      <a:latin typeface="Cambria Math" panose="02040503050406030204" pitchFamily="18" charset="0"/>
+                                    </a:rPr>
+                                  </m:ctrlPr>
+                                </m:sSupPr>
+                                <m:e>
+                                  <m:r>
+                                    <a:rPr lang="en-CA" b="0" i="1" smtClean="0">
+                                      <a:latin typeface="Cambria Math" panose="02040503050406030204" pitchFamily="18" charset="0"/>
+                                    </a:rPr>
+                                    <m:t>𝑧</m:t>
+                                  </m:r>
+                                </m:e>
+                                <m:sup>
+                                  <m:r>
+                                    <a:rPr lang="en-CA" b="0" i="1" smtClean="0">
+                                      <a:latin typeface="Cambria Math" panose="02040503050406030204" pitchFamily="18" charset="0"/>
+                                    </a:rPr>
+                                    <m:t>′</m:t>
+                                  </m:r>
+                                </m:sup>
+                              </m:sSup>
+                            </m:den>
+                          </m:f>
+                        </m:e>
+                      </m:func>
+                    </m:oMath>
+                  </m:oMathPara>
+                </a14:m>
+                <a:endParaRPr lang="en-CA" dirty="0"/>
+              </a:p>
+              <a:p>
+                <a:endParaRPr lang="en-CA" dirty="0"/>
+              </a:p>
+            </p:txBody>
+          </p:sp>
+        </mc:Choice>
+        <mc:Fallback xmlns="">
+          <p:sp>
+            <p:nvSpPr>
+              <p:cNvPr id="9" name="Content Placeholder 2">
+                <a:extLst>
+                  <a:ext uri="{FF2B5EF4-FFF2-40B4-BE49-F238E27FC236}">
+                    <a16:creationId xmlns:a16="http://schemas.microsoft.com/office/drawing/2014/main" id="{34F9077E-BFD1-4E38-9ED7-784E3D31BD25}"/>
+                  </a:ext>
+                </a:extLst>
+              </p:cNvPr>
+              <p:cNvSpPr txBox="1">
+                <a:spLocks noRot="1" noChangeAspect="1" noMove="1" noResize="1" noEditPoints="1" noAdjustHandles="1" noChangeArrowheads="1" noChangeShapeType="1" noTextEdit="1"/>
+              </p:cNvSpPr>
+              <p:nvPr/>
+            </p:nvSpPr>
+            <p:spPr>
+              <a:xfrm>
+                <a:off x="6965394" y="5620441"/>
+                <a:ext cx="4128071" cy="731248"/>
+              </a:xfrm>
+              <a:prstGeom prst="rect">
+                <a:avLst/>
+              </a:prstGeom>
+              <a:blipFill>
+                <a:blip r:embed="rId6"/>
+                <a:stretch>
+                  <a:fillRect/>
+                </a:stretch>
+              </a:blipFill>
+            </p:spPr>
+            <p:txBody>
+              <a:bodyPr/>
+              <a:lstStyle/>
+              <a:p>
+                <a:r>
+                  <a:rPr lang="en-CA">
+                    <a:noFill/>
+                  </a:rPr>
+                  <a:t> </a:t>
+                </a:r>
+              </a:p>
+            </p:txBody>
+          </p:sp>
+        </mc:Fallback>
+      </mc:AlternateContent>
+      <p:cxnSp>
+        <p:nvCxnSpPr>
+          <p:cNvPr id="10" name="Straight Arrow Connector 9">
+            <a:extLst>
+              <a:ext uri="{FF2B5EF4-FFF2-40B4-BE49-F238E27FC236}">
+                <a16:creationId xmlns:a16="http://schemas.microsoft.com/office/drawing/2014/main" id="{DAD39248-CF10-400A-82F7-F77DF6A2BB83}"/>
+              </a:ext>
+            </a:extLst>
+          </p:cNvPr>
+          <p:cNvCxnSpPr>
+            <a:cxnSpLocks/>
+          </p:cNvCxnSpPr>
+          <p:nvPr/>
+        </p:nvCxnSpPr>
+        <p:spPr>
+          <a:xfrm flipV="1">
+            <a:off x="9548636" y="4364286"/>
+            <a:ext cx="371063" cy="1345030"/>
+          </a:xfrm>
+          <a:prstGeom prst="straightConnector1">
+            <a:avLst/>
+          </a:prstGeom>
+          <a:ln w="57150">
+            <a:tailEnd type="triangle"/>
+          </a:ln>
+        </p:spPr>
+        <p:style>
+          <a:lnRef idx="1">
+            <a:schemeClr val="accent1"/>
+          </a:lnRef>
+          <a:fillRef idx="0">
+            <a:schemeClr val="accent1"/>
+          </a:fillRef>
+          <a:effectRef idx="0">
+            <a:schemeClr val="accent1"/>
+          </a:effectRef>
+          <a:fontRef idx="minor">
+            <a:schemeClr val="tx1"/>
+          </a:fontRef>
+        </p:style>
+      </p:cxnSp>
+      <p:cxnSp>
+        <p:nvCxnSpPr>
+          <p:cNvPr id="14" name="Straight Arrow Connector 13">
+            <a:extLst>
+              <a:ext uri="{FF2B5EF4-FFF2-40B4-BE49-F238E27FC236}">
+                <a16:creationId xmlns:a16="http://schemas.microsoft.com/office/drawing/2014/main" id="{3F0C767C-C14C-4ED7-8C4B-114A99D6C581}"/>
+              </a:ext>
+            </a:extLst>
+          </p:cNvPr>
+          <p:cNvCxnSpPr>
+            <a:cxnSpLocks/>
+          </p:cNvCxnSpPr>
+          <p:nvPr/>
+        </p:nvCxnSpPr>
+        <p:spPr>
+          <a:xfrm>
+            <a:off x="9431676" y="1309955"/>
+            <a:ext cx="400693" cy="1438382"/>
+          </a:xfrm>
+          <a:prstGeom prst="straightConnector1">
+            <a:avLst/>
+          </a:prstGeom>
+          <a:ln w="57150">
+            <a:tailEnd type="triangle"/>
+          </a:ln>
+        </p:spPr>
+        <p:style>
+          <a:lnRef idx="1">
+            <a:schemeClr val="accent1"/>
+          </a:lnRef>
+          <a:fillRef idx="0">
+            <a:schemeClr val="accent1"/>
+          </a:fillRef>
+          <a:effectRef idx="0">
+            <a:schemeClr val="accent1"/>
+          </a:effectRef>
+          <a:fontRef idx="minor">
+            <a:schemeClr val="tx1"/>
+          </a:fontRef>
+        </p:style>
+      </p:cxnSp>
+      <p:cxnSp>
+        <p:nvCxnSpPr>
+          <p:cNvPr id="19" name="Straight Arrow Connector 18">
+            <a:extLst>
+              <a:ext uri="{FF2B5EF4-FFF2-40B4-BE49-F238E27FC236}">
+                <a16:creationId xmlns:a16="http://schemas.microsoft.com/office/drawing/2014/main" id="{02F1EFC7-1C15-4958-BCE9-C2737574D47A}"/>
+              </a:ext>
+            </a:extLst>
+          </p:cNvPr>
+          <p:cNvCxnSpPr>
+            <a:cxnSpLocks/>
+          </p:cNvCxnSpPr>
+          <p:nvPr/>
+        </p:nvCxnSpPr>
+        <p:spPr>
+          <a:xfrm flipH="1" flipV="1">
+            <a:off x="5866860" y="5542909"/>
+            <a:ext cx="229140" cy="734601"/>
+          </a:xfrm>
+          <a:prstGeom prst="straightConnector1">
+            <a:avLst/>
+          </a:prstGeom>
+          <a:ln w="57150">
+            <a:tailEnd type="triangle"/>
+          </a:ln>
+        </p:spPr>
+        <p:style>
+          <a:lnRef idx="1">
+            <a:schemeClr val="accent1"/>
+          </a:lnRef>
+          <a:fillRef idx="0">
+            <a:schemeClr val="accent1"/>
+          </a:fillRef>
+          <a:effectRef idx="0">
+            <a:schemeClr val="accent1"/>
+          </a:effectRef>
+          <a:fontRef idx="minor">
+            <a:schemeClr val="tx1"/>
+          </a:fontRef>
+        </p:style>
+      </p:cxnSp>
+      <mc:AlternateContent xmlns:mc="http://schemas.openxmlformats.org/markup-compatibility/2006" xmlns:a14="http://schemas.microsoft.com/office/drawing/2010/main">
+        <mc:Choice Requires="a14">
+          <p:sp>
+            <p:nvSpPr>
+              <p:cNvPr id="23" name="Rectangle 22">
+                <a:extLst>
+                  <a:ext uri="{FF2B5EF4-FFF2-40B4-BE49-F238E27FC236}">
+                    <a16:creationId xmlns:a16="http://schemas.microsoft.com/office/drawing/2014/main" id="{9F845352-D29D-4E7E-8B84-824C79A33983}"/>
+                  </a:ext>
+                </a:extLst>
+              </p:cNvPr>
+              <p:cNvSpPr/>
+              <p:nvPr/>
+            </p:nvSpPr>
+            <p:spPr>
+              <a:xfrm>
+                <a:off x="3460678" y="6230519"/>
+                <a:ext cx="5410648" cy="461665"/>
+              </a:xfrm>
+              <a:prstGeom prst="rect">
+                <a:avLst/>
+              </a:prstGeom>
+            </p:spPr>
+            <p:txBody>
+              <a:bodyPr wrap="none">
+                <a:spAutoFit/>
+              </a:bodyPr>
+              <a:lstStyle/>
+              <a:p>
+                <a:pPr/>
+                <a14:m>
+                  <m:oMathPara xmlns:m="http://schemas.openxmlformats.org/officeDocument/2006/math">
+                    <m:oMathParaPr>
+                      <m:jc m:val="centerGroup"/>
+                    </m:oMathParaPr>
+                    <m:oMath xmlns:m="http://schemas.openxmlformats.org/officeDocument/2006/math">
+                      <m:sSup>
+                        <m:sSupPr>
+                          <m:ctrlPr>
+                            <a:rPr lang="en-CA" sz="2400" b="0" i="1" smtClean="0">
+                              <a:latin typeface="Cambria Math" panose="02040503050406030204" pitchFamily="18" charset="0"/>
+                            </a:rPr>
+                          </m:ctrlPr>
+                        </m:sSupPr>
+                        <m:e>
+                          <m:r>
+                            <a:rPr lang="en-CA" sz="2400" b="0" i="1" smtClean="0">
+                              <a:latin typeface="Cambria Math" panose="02040503050406030204" pitchFamily="18" charset="0"/>
+                            </a:rPr>
+                            <m:t>𝑧</m:t>
+                          </m:r>
+                        </m:e>
+                        <m:sup>
+                          <m:r>
+                            <a:rPr lang="en-CA" sz="2400" b="0" i="1" smtClean="0">
+                              <a:latin typeface="Cambria Math" panose="02040503050406030204" pitchFamily="18" charset="0"/>
+                            </a:rPr>
+                            <m:t>′</m:t>
+                          </m:r>
+                        </m:sup>
+                      </m:sSup>
+                      <m:r>
+                        <a:rPr lang="en-CA" sz="2400" b="0" i="1" smtClean="0">
+                          <a:latin typeface="Cambria Math" panose="02040503050406030204" pitchFamily="18" charset="0"/>
+                        </a:rPr>
+                        <m:t>=</m:t>
+                      </m:r>
+                      <m:r>
+                        <a:rPr lang="en-CA" sz="2400" b="0" i="1" smtClean="0">
+                          <a:latin typeface="Cambria Math" panose="02040503050406030204" pitchFamily="18" charset="0"/>
+                        </a:rPr>
+                        <m:t>𝑙𝑎𝑠𝑒𝑟</m:t>
+                      </m:r>
+                      <m:r>
+                        <a:rPr lang="en-CA" sz="2400" b="0" i="1" smtClean="0">
+                          <a:latin typeface="Cambria Math" panose="02040503050406030204" pitchFamily="18" charset="0"/>
+                        </a:rPr>
+                        <m:t> </m:t>
+                      </m:r>
+                      <m:r>
+                        <a:rPr lang="en-CA" sz="2400" b="0" i="1" smtClean="0">
+                          <a:latin typeface="Cambria Math" panose="02040503050406030204" pitchFamily="18" charset="0"/>
+                        </a:rPr>
+                        <m:t>h𝑒𝑖𝑔h𝑡</m:t>
+                      </m:r>
+                      <m:r>
+                        <a:rPr lang="en-CA" sz="2400" b="0" i="1" smtClean="0">
+                          <a:latin typeface="Cambria Math" panose="02040503050406030204" pitchFamily="18" charset="0"/>
+                        </a:rPr>
+                        <m:t>(</m:t>
+                      </m:r>
+                      <m:r>
+                        <a:rPr lang="en-CA" sz="2400" b="0" i="1" smtClean="0">
+                          <a:latin typeface="Cambria Math" panose="02040503050406030204" pitchFamily="18" charset="0"/>
+                        </a:rPr>
+                        <m:t>h</m:t>
+                      </m:r>
+                      <m:r>
+                        <a:rPr lang="en-CA" sz="2400" b="0" i="1" smtClean="0">
+                          <a:latin typeface="Cambria Math" panose="02040503050406030204" pitchFamily="18" charset="0"/>
+                        </a:rPr>
+                        <m:t>)−</m:t>
+                      </m:r>
+                      <m:r>
+                        <a:rPr lang="en-CA" sz="2400" b="0" i="1" smtClean="0">
+                          <a:latin typeface="Cambria Math" panose="02040503050406030204" pitchFamily="18" charset="0"/>
+                        </a:rPr>
+                        <m:t>𝑝𝑎𝑟𝑡</m:t>
+                      </m:r>
+                      <m:r>
+                        <a:rPr lang="en-CA" sz="2400" b="0" i="1" smtClean="0">
+                          <a:latin typeface="Cambria Math" panose="02040503050406030204" pitchFamily="18" charset="0"/>
+                        </a:rPr>
+                        <m:t> </m:t>
+                      </m:r>
+                      <m:r>
+                        <a:rPr lang="en-CA" sz="2400" b="0" i="1" smtClean="0">
+                          <a:latin typeface="Cambria Math" panose="02040503050406030204" pitchFamily="18" charset="0"/>
+                        </a:rPr>
+                        <m:t>h𝑒𝑖𝑔h𝑡</m:t>
+                      </m:r>
+                      <m:r>
+                        <a:rPr lang="en-CA" sz="2400" b="0" i="1" smtClean="0">
+                          <a:latin typeface="Cambria Math" panose="02040503050406030204" pitchFamily="18" charset="0"/>
+                        </a:rPr>
+                        <m:t>(</m:t>
+                      </m:r>
+                      <m:r>
+                        <a:rPr lang="en-CA" sz="2400" b="0" i="1" smtClean="0">
+                          <a:latin typeface="Cambria Math" panose="02040503050406030204" pitchFamily="18" charset="0"/>
+                        </a:rPr>
+                        <m:t>𝑧</m:t>
+                      </m:r>
+                      <m:r>
+                        <a:rPr lang="en-CA" sz="2400" b="0" i="1" smtClean="0">
+                          <a:latin typeface="Cambria Math" panose="02040503050406030204" pitchFamily="18" charset="0"/>
+                        </a:rPr>
+                        <m:t>)</m:t>
+                      </m:r>
+                    </m:oMath>
+                  </m:oMathPara>
+                </a14:m>
+                <a:endParaRPr lang="en-CA" sz="2400" dirty="0"/>
+              </a:p>
+            </p:txBody>
+          </p:sp>
+        </mc:Choice>
+        <mc:Fallback xmlns="">
+          <p:sp>
+            <p:nvSpPr>
+              <p:cNvPr id="23" name="Rectangle 22">
+                <a:extLst>
+                  <a:ext uri="{FF2B5EF4-FFF2-40B4-BE49-F238E27FC236}">
+                    <a16:creationId xmlns:a16="http://schemas.microsoft.com/office/drawing/2014/main" id="{9F845352-D29D-4E7E-8B84-824C79A33983}"/>
+                  </a:ext>
+                </a:extLst>
+              </p:cNvPr>
+              <p:cNvSpPr>
+                <a:spLocks noRot="1" noChangeAspect="1" noMove="1" noResize="1" noEditPoints="1" noAdjustHandles="1" noChangeArrowheads="1" noChangeShapeType="1" noTextEdit="1"/>
+              </p:cNvSpPr>
+              <p:nvPr/>
+            </p:nvSpPr>
+            <p:spPr>
+              <a:xfrm>
+                <a:off x="3460678" y="6230519"/>
+                <a:ext cx="5410648" cy="461665"/>
+              </a:xfrm>
+              <a:prstGeom prst="rect">
+                <a:avLst/>
+              </a:prstGeom>
+              <a:blipFill>
+                <a:blip r:embed="rId7"/>
+                <a:stretch>
+                  <a:fillRect b="-17105"/>
+                </a:stretch>
+              </a:blipFill>
+            </p:spPr>
+            <p:txBody>
+              <a:bodyPr/>
+              <a:lstStyle/>
+              <a:p>
+                <a:r>
+                  <a:rPr lang="en-CA">
+                    <a:noFill/>
+                  </a:rPr>
+                  <a:t> </a:t>
+                </a:r>
+              </a:p>
+            </p:txBody>
+          </p:sp>
+        </mc:Fallback>
+      </mc:AlternateContent>
+      <p:sp>
+        <p:nvSpPr>
+          <p:cNvPr id="15" name="TextBox 14">
+            <a:extLst>
+              <a:ext uri="{FF2B5EF4-FFF2-40B4-BE49-F238E27FC236}">
+                <a16:creationId xmlns:a16="http://schemas.microsoft.com/office/drawing/2014/main" id="{0B7055AB-6AA9-4E53-9317-860D19E7ECAA}"/>
+              </a:ext>
+            </a:extLst>
+          </p:cNvPr>
+          <p:cNvSpPr txBox="1"/>
+          <p:nvPr/>
+        </p:nvSpPr>
+        <p:spPr>
+          <a:xfrm>
+            <a:off x="4237318" y="150470"/>
+            <a:ext cx="3717364" cy="646331"/>
+          </a:xfrm>
+          <a:prstGeom prst="rect">
+            <a:avLst/>
+          </a:prstGeom>
+          <a:noFill/>
+        </p:spPr>
+        <p:txBody>
+          <a:bodyPr wrap="none" rtlCol="0">
+            <a:spAutoFit/>
+          </a:bodyPr>
+          <a:lstStyle/>
+          <a:p>
+            <a:pPr algn="ctr"/>
+            <a:r>
+              <a:rPr lang="en-CA" sz="3600" dirty="0">
+                <a:latin typeface="Segoe UI Light" panose="020B0502040204020203" pitchFamily="34" charset="0"/>
+                <a:cs typeface="Segoe UI Light" panose="020B0502040204020203" pitchFamily="34" charset="0"/>
+              </a:rPr>
+              <a:t>Inverse Kinematics</a:t>
+            </a:r>
+          </a:p>
+        </p:txBody>
+      </p:sp>
+    </p:spTree>
+    <p:extLst>
+      <p:ext uri="{BB962C8B-B14F-4D97-AF65-F5344CB8AC3E}">
+        <p14:creationId xmlns:p14="http://schemas.microsoft.com/office/powerpoint/2010/main" val="2667552631"/>
+      </p:ext>
+    </p:extLst>
+  </p:cSld>
+  <p:clrMapOvr>
+    <a:masterClrMapping/>
+  </p:clrMapOvr>
+</p:sld>
+</file>
+
+<file path=ppt/slides/slide5.xml><?xml version="1.0" encoding="utf-8"?>
+<p:sld xmlns:a="http://schemas.openxmlformats.org/drawingml/2006/main" xmlns:r="http://schemas.openxmlformats.org/officeDocument/2006/relationships" xmlns:p="http://schemas.openxmlformats.org/presentationml/2006/main">
+  <p:cSld>
+    <p:spTree>
+      <p:nvGrpSpPr>
+        <p:cNvPr id="1" name=""/>
+        <p:cNvGrpSpPr/>
+        <p:nvPr/>
+      </p:nvGrpSpPr>
+      <p:grpSpPr>
+        <a:xfrm>
+          <a:off x="0" y="0"/>
+          <a:ext cx="0" cy="0"/>
+          <a:chOff x="0" y="0"/>
+          <a:chExt cx="0" cy="0"/>
+        </a:xfrm>
+      </p:grpSpPr>
+      <p:pic>
+        <p:nvPicPr>
+          <p:cNvPr id="5" name="Picture 4">
+            <a:extLst>
+              <a:ext uri="{FF2B5EF4-FFF2-40B4-BE49-F238E27FC236}">
+                <a16:creationId xmlns:a16="http://schemas.microsoft.com/office/drawing/2014/main" id="{8DDF4BFB-120C-4CF3-BB24-2F8CEBB5119F}"/>
+              </a:ext>
+            </a:extLst>
+          </p:cNvPr>
+          <p:cNvPicPr>
+            <a:picLocks noChangeAspect="1"/>
+          </p:cNvPicPr>
+          <p:nvPr/>
+        </p:nvPicPr>
+        <p:blipFill>
+          <a:blip r:embed="rId2"/>
+          <a:stretch>
+            <a:fillRect/>
+          </a:stretch>
+        </p:blipFill>
+        <p:spPr>
+          <a:xfrm>
+            <a:off x="2704356" y="1011857"/>
             <a:ext cx="3573156" cy="5635375"/>
           </a:xfrm>
           <a:prstGeom prst="rect">
@@ -3518,39 +8505,6 @@
           </a:prstGeom>
         </p:spPr>
       </p:pic>
-      <p:sp>
-        <p:nvSpPr>
-          <p:cNvPr id="2" name="Title 1">
-            <a:extLst>
-              <a:ext uri="{FF2B5EF4-FFF2-40B4-BE49-F238E27FC236}">
-                <a16:creationId xmlns:a16="http://schemas.microsoft.com/office/drawing/2014/main" id="{88BE6DF1-2CDB-492C-B0C0-A5BCD8538591}"/>
-              </a:ext>
-            </a:extLst>
-          </p:cNvPr>
-          <p:cNvSpPr>
-            <a:spLocks noGrp="1"/>
-          </p:cNvSpPr>
-          <p:nvPr>
-            <p:ph type="title"/>
-          </p:nvPr>
-        </p:nvSpPr>
-        <p:spPr>
-          <a:xfrm>
-            <a:off x="447783" y="113408"/>
-            <a:ext cx="10515600" cy="1325563"/>
-          </a:xfrm>
-        </p:spPr>
-        <p:txBody>
-          <a:bodyPr/>
-          <a:lstStyle/>
-          <a:p>
-            <a:r>
-              <a:rPr lang="en-CA" dirty="0"/>
-              <a:t>Direct Kinematics</a:t>
-            </a:r>
-          </a:p>
-        </p:txBody>
-      </p:sp>
       <mc:AlternateContent xmlns:mc="http://schemas.openxmlformats.org/markup-compatibility/2006" xmlns:a14="http://schemas.microsoft.com/office/drawing/2010/main">
         <mc:Choice Requires="a14">
           <p:sp>
@@ -4606,7 +9560,7 @@
         </p:blipFill>
         <p:spPr>
           <a:xfrm>
-            <a:off x="567472" y="1226458"/>
+            <a:off x="501472" y="943533"/>
             <a:ext cx="2611598" cy="2048203"/>
           </a:xfrm>
           <a:prstGeom prst="rect">
@@ -4655,6 +9609,45 @@
           </a:fontRef>
         </p:style>
       </p:cxnSp>
+      <p:sp>
+        <p:nvSpPr>
+          <p:cNvPr id="12" name="TextBox 11">
+            <a:extLst>
+              <a:ext uri="{FF2B5EF4-FFF2-40B4-BE49-F238E27FC236}">
+                <a16:creationId xmlns:a16="http://schemas.microsoft.com/office/drawing/2014/main" id="{FB7DE5C9-E85E-4B70-90E7-99E3A9A57D1D}"/>
+              </a:ext>
+            </a:extLst>
+          </p:cNvPr>
+          <p:cNvSpPr txBox="1"/>
+          <p:nvPr/>
+        </p:nvSpPr>
+        <p:spPr>
+          <a:xfrm>
+            <a:off x="4357194" y="150470"/>
+            <a:ext cx="3477620" cy="646331"/>
+          </a:xfrm>
+          <a:prstGeom prst="rect">
+            <a:avLst/>
+          </a:prstGeom>
+          <a:noFill/>
+        </p:spPr>
+        <p:txBody>
+          <a:bodyPr wrap="none" rtlCol="0">
+            <a:spAutoFit/>
+          </a:bodyPr>
+          <a:lstStyle/>
+          <a:p>
+            <a:pPr algn="ctr"/>
+            <a:r>
+              <a:rPr lang="en-CA" sz="3600" dirty="0">
+                <a:latin typeface="Segoe UI Light" panose="020B0502040204020203" pitchFamily="34" charset="0"/>
+                <a:cs typeface="Segoe UI Light" panose="020B0502040204020203" pitchFamily="34" charset="0"/>
+              </a:rPr>
+              <a:t>Direct Kinematics</a:t>
+            </a:r>
+          </a:p>
+        </p:txBody>
+      </p:sp>
     </p:spTree>
     <p:extLst>
       <p:ext uri="{BB962C8B-B14F-4D97-AF65-F5344CB8AC3E}">
@@ -4668,7 +9661,7 @@
 </p:sld>
 </file>
 
-<file path=ppt/slides/slide3.xml><?xml version="1.0" encoding="utf-8"?>
+<file path=ppt/slides/slide6.xml><?xml version="1.0" encoding="utf-8"?>
 <p:sld xmlns:a="http://schemas.openxmlformats.org/drawingml/2006/main" xmlns:r="http://schemas.openxmlformats.org/officeDocument/2006/relationships" xmlns:p="http://schemas.openxmlformats.org/presentationml/2006/main">
   <p:cSld>
     <p:spTree>
@@ -4685,1090 +9678,6 @@
           <a:chExt cx="0" cy="0"/>
         </a:xfrm>
       </p:grpSpPr>
-      <p:pic>
-        <p:nvPicPr>
-          <p:cNvPr id="5" name="Picture 4">
-            <a:extLst>
-              <a:ext uri="{FF2B5EF4-FFF2-40B4-BE49-F238E27FC236}">
-                <a16:creationId xmlns:a16="http://schemas.microsoft.com/office/drawing/2014/main" id="{8DDF4BFB-120C-4CF3-BB24-2F8CEBB5119F}"/>
-              </a:ext>
-            </a:extLst>
-          </p:cNvPr>
-          <p:cNvPicPr>
-            <a:picLocks noChangeAspect="1"/>
-          </p:cNvPicPr>
-          <p:nvPr/>
-        </p:nvPicPr>
-        <p:blipFill>
-          <a:blip r:embed="rId2"/>
-          <a:stretch>
-            <a:fillRect/>
-          </a:stretch>
-        </p:blipFill>
-        <p:spPr>
-          <a:xfrm>
-            <a:off x="146960" y="909798"/>
-            <a:ext cx="3559094" cy="5613198"/>
-          </a:xfrm>
-          <a:prstGeom prst="rect">
-            <a:avLst/>
-          </a:prstGeom>
-        </p:spPr>
-      </p:pic>
-      <p:pic>
-        <p:nvPicPr>
-          <p:cNvPr id="4" name="Picture 3">
-            <a:extLst>
-              <a:ext uri="{FF2B5EF4-FFF2-40B4-BE49-F238E27FC236}">
-                <a16:creationId xmlns:a16="http://schemas.microsoft.com/office/drawing/2014/main" id="{EB52BED9-678F-4330-9B08-D6949B7E9D89}"/>
-              </a:ext>
-            </a:extLst>
-          </p:cNvPr>
-          <p:cNvPicPr>
-            <a:picLocks noChangeAspect="1"/>
-          </p:cNvPicPr>
-          <p:nvPr/>
-        </p:nvPicPr>
-        <p:blipFill>
-          <a:blip r:embed="rId3"/>
-          <a:stretch>
-            <a:fillRect/>
-          </a:stretch>
-        </p:blipFill>
-        <p:spPr>
-          <a:xfrm>
-            <a:off x="3339102" y="2126581"/>
-            <a:ext cx="8852898" cy="3947411"/>
-          </a:xfrm>
-          <a:prstGeom prst="rect">
-            <a:avLst/>
-          </a:prstGeom>
-        </p:spPr>
-      </p:pic>
-      <p:sp>
-        <p:nvSpPr>
-          <p:cNvPr id="2" name="Title 1">
-            <a:extLst>
-              <a:ext uri="{FF2B5EF4-FFF2-40B4-BE49-F238E27FC236}">
-                <a16:creationId xmlns:a16="http://schemas.microsoft.com/office/drawing/2014/main" id="{88BE6DF1-2CDB-492C-B0C0-A5BCD8538591}"/>
-              </a:ext>
-            </a:extLst>
-          </p:cNvPr>
-          <p:cNvSpPr>
-            <a:spLocks noGrp="1"/>
-          </p:cNvSpPr>
-          <p:nvPr>
-            <p:ph type="title"/>
-          </p:nvPr>
-        </p:nvSpPr>
-        <p:spPr>
-          <a:xfrm>
-            <a:off x="447783" y="113408"/>
-            <a:ext cx="10515600" cy="1325563"/>
-          </a:xfrm>
-        </p:spPr>
-        <p:txBody>
-          <a:bodyPr/>
-          <a:lstStyle/>
-          <a:p>
-            <a:r>
-              <a:rPr lang="en-CA" dirty="0"/>
-              <a:t>Inverse Kinematics</a:t>
-            </a:r>
-          </a:p>
-        </p:txBody>
-      </p:sp>
-      <mc:AlternateContent xmlns:mc="http://schemas.openxmlformats.org/markup-compatibility/2006" xmlns:a14="http://schemas.microsoft.com/office/drawing/2010/main">
-        <mc:Choice Requires="a14">
-          <p:sp>
-            <p:nvSpPr>
-              <p:cNvPr id="3" name="Content Placeholder 2">
-                <a:extLst>
-                  <a:ext uri="{FF2B5EF4-FFF2-40B4-BE49-F238E27FC236}">
-                    <a16:creationId xmlns:a16="http://schemas.microsoft.com/office/drawing/2014/main" id="{5B1C1353-FB02-478A-8480-B6F9E92EE175}"/>
-                  </a:ext>
-                </a:extLst>
-              </p:cNvPr>
-              <p:cNvSpPr>
-                <a:spLocks noGrp="1"/>
-              </p:cNvSpPr>
-              <p:nvPr>
-                <p:ph idx="1"/>
-              </p:nvPr>
-            </p:nvSpPr>
-            <p:spPr>
-              <a:xfrm>
-                <a:off x="7549548" y="658957"/>
-                <a:ext cx="3369066" cy="950262"/>
-              </a:xfrm>
-            </p:spPr>
-            <p:txBody>
-              <a:bodyPr/>
-              <a:lstStyle/>
-              <a:p>
-                <a:pPr marL="0" indent="0">
-                  <a:buNone/>
-                </a:pPr>
-                <a14:m>
-                  <m:oMathPara xmlns:m="http://schemas.openxmlformats.org/officeDocument/2006/math">
-                    <m:oMathParaPr>
-                      <m:jc m:val="centerGroup"/>
-                    </m:oMathParaPr>
-                    <m:oMath xmlns:m="http://schemas.openxmlformats.org/officeDocument/2006/math">
-                      <m:sSub>
-                        <m:sSubPr>
-                          <m:ctrlPr>
-                            <a:rPr lang="en-CA" b="0" i="1" smtClean="0">
-                              <a:latin typeface="Cambria Math" panose="02040503050406030204" pitchFamily="18" charset="0"/>
-                            </a:rPr>
-                          </m:ctrlPr>
-                        </m:sSubPr>
-                        <m:e>
-                          <m:r>
-                            <a:rPr lang="en-CA" b="0" i="1" smtClean="0">
-                              <a:latin typeface="Cambria Math" panose="02040503050406030204" pitchFamily="18" charset="0"/>
-                            </a:rPr>
-                            <m:t>𝑞</m:t>
-                          </m:r>
-                        </m:e>
-                        <m:sub>
-                          <m:r>
-                            <a:rPr lang="en-CA" b="0" i="1" smtClean="0">
-                              <a:latin typeface="Cambria Math" panose="02040503050406030204" pitchFamily="18" charset="0"/>
-                            </a:rPr>
-                            <m:t>0</m:t>
-                          </m:r>
-                        </m:sub>
-                      </m:sSub>
-                      <m:r>
-                        <a:rPr lang="en-CA" b="0" i="1" smtClean="0">
-                          <a:latin typeface="Cambria Math" panose="02040503050406030204" pitchFamily="18" charset="0"/>
-                        </a:rPr>
-                        <m:t>=</m:t>
-                      </m:r>
-                      <m:func>
-                        <m:funcPr>
-                          <m:ctrlPr>
-                            <a:rPr lang="en-CA" b="0" i="1" smtClean="0">
-                              <a:latin typeface="Cambria Math" panose="02040503050406030204" pitchFamily="18" charset="0"/>
-                            </a:rPr>
-                          </m:ctrlPr>
-                        </m:funcPr>
-                        <m:fName>
-                          <m:sSup>
-                            <m:sSupPr>
-                              <m:ctrlPr>
-                                <a:rPr lang="en-CA" b="0" i="1" smtClean="0">
-                                  <a:latin typeface="Cambria Math" panose="02040503050406030204" pitchFamily="18" charset="0"/>
-                                </a:rPr>
-                              </m:ctrlPr>
-                            </m:sSupPr>
-                            <m:e>
-                              <m:r>
-                                <m:rPr>
-                                  <m:sty m:val="p"/>
-                                </m:rPr>
-                                <a:rPr lang="en-CA" b="0" i="0" smtClean="0">
-                                  <a:latin typeface="Cambria Math" panose="02040503050406030204" pitchFamily="18" charset="0"/>
-                                </a:rPr>
-                                <m:t>tan</m:t>
-                              </m:r>
-                            </m:e>
-                            <m:sup>
-                              <m:r>
-                                <a:rPr lang="en-CA" b="0" i="1" smtClean="0">
-                                  <a:latin typeface="Cambria Math" panose="02040503050406030204" pitchFamily="18" charset="0"/>
-                                </a:rPr>
-                                <m:t>−1</m:t>
-                              </m:r>
-                            </m:sup>
-                          </m:sSup>
-                        </m:fName>
-                        <m:e>
-                          <m:f>
-                            <m:fPr>
-                              <m:ctrlPr>
-                                <a:rPr lang="en-CA" b="0" i="1" smtClean="0">
-                                  <a:latin typeface="Cambria Math" panose="02040503050406030204" pitchFamily="18" charset="0"/>
-                                </a:rPr>
-                              </m:ctrlPr>
-                            </m:fPr>
-                            <m:num>
-                              <m:r>
-                                <a:rPr lang="en-CA" b="0" i="1" smtClean="0">
-                                  <a:latin typeface="Cambria Math" panose="02040503050406030204" pitchFamily="18" charset="0"/>
-                                </a:rPr>
-                                <m:t>𝑥</m:t>
-                              </m:r>
-                            </m:num>
-                            <m:den>
-                              <m:sSup>
-                                <m:sSupPr>
-                                  <m:ctrlPr>
-                                    <a:rPr lang="en-CA" b="0" i="1" smtClean="0">
-                                      <a:latin typeface="Cambria Math" panose="02040503050406030204" pitchFamily="18" charset="0"/>
-                                    </a:rPr>
-                                  </m:ctrlPr>
-                                </m:sSupPr>
-                                <m:e>
-                                  <m:r>
-                                    <a:rPr lang="en-CA" b="0" i="1" smtClean="0">
-                                      <a:latin typeface="Cambria Math" panose="02040503050406030204" pitchFamily="18" charset="0"/>
-                                    </a:rPr>
-                                    <m:t>𝑧</m:t>
-                                  </m:r>
-                                </m:e>
-                                <m:sup>
-                                  <m:r>
-                                    <a:rPr lang="en-CA" b="0" i="1" smtClean="0">
-                                      <a:latin typeface="Cambria Math" panose="02040503050406030204" pitchFamily="18" charset="0"/>
-                                    </a:rPr>
-                                    <m:t>′</m:t>
-                                  </m:r>
-                                </m:sup>
-                              </m:sSup>
-                            </m:den>
-                          </m:f>
-                        </m:e>
-                      </m:func>
-                    </m:oMath>
-                  </m:oMathPara>
-                </a14:m>
-                <a:endParaRPr lang="en-CA" b="0" dirty="0"/>
-              </a:p>
-              <a:p>
-                <a:endParaRPr lang="en-CA" dirty="0"/>
-              </a:p>
-            </p:txBody>
-          </p:sp>
-        </mc:Choice>
-        <mc:Fallback xmlns="">
-          <p:sp>
-            <p:nvSpPr>
-              <p:cNvPr id="3" name="Content Placeholder 2">
-                <a:extLst>
-                  <a:ext uri="{FF2B5EF4-FFF2-40B4-BE49-F238E27FC236}">
-                    <a16:creationId xmlns:a16="http://schemas.microsoft.com/office/drawing/2014/main" id="{5B1C1353-FB02-478A-8480-B6F9E92EE175}"/>
-                  </a:ext>
-                </a:extLst>
-              </p:cNvPr>
-              <p:cNvSpPr>
-                <a:spLocks noGrp="1" noRot="1" noChangeAspect="1" noMove="1" noResize="1" noEditPoints="1" noAdjustHandles="1" noChangeArrowheads="1" noChangeShapeType="1" noTextEdit="1"/>
-              </p:cNvSpPr>
-              <p:nvPr>
-                <p:ph idx="1"/>
-              </p:nvPr>
-            </p:nvSpPr>
-            <p:spPr>
-              <a:xfrm>
-                <a:off x="7549548" y="658957"/>
-                <a:ext cx="3369066" cy="950262"/>
-              </a:xfrm>
-              <a:blipFill>
-                <a:blip r:embed="rId4"/>
-                <a:stretch>
-                  <a:fillRect/>
-                </a:stretch>
-              </a:blipFill>
-            </p:spPr>
-            <p:txBody>
-              <a:bodyPr/>
-              <a:lstStyle/>
-              <a:p>
-                <a:r>
-                  <a:rPr lang="en-CA">
-                    <a:noFill/>
-                  </a:rPr>
-                  <a:t> </a:t>
-                </a:r>
-              </a:p>
-            </p:txBody>
-          </p:sp>
-        </mc:Fallback>
-      </mc:AlternateContent>
-      <p:pic>
-        <p:nvPicPr>
-          <p:cNvPr id="7" name="Picture 6">
-            <a:extLst>
-              <a:ext uri="{FF2B5EF4-FFF2-40B4-BE49-F238E27FC236}">
-                <a16:creationId xmlns:a16="http://schemas.microsoft.com/office/drawing/2014/main" id="{90A79D8F-6925-4C38-BDA9-2A85496F38FA}"/>
-              </a:ext>
-            </a:extLst>
-          </p:cNvPr>
-          <p:cNvPicPr>
-            <a:picLocks noChangeAspect="1"/>
-          </p:cNvPicPr>
-          <p:nvPr/>
-        </p:nvPicPr>
-        <p:blipFill>
-          <a:blip r:embed="rId5"/>
-          <a:stretch>
-            <a:fillRect/>
-          </a:stretch>
-        </p:blipFill>
-        <p:spPr>
-          <a:xfrm>
-            <a:off x="4972794" y="636336"/>
-            <a:ext cx="2246411" cy="1761797"/>
-          </a:xfrm>
-          <a:prstGeom prst="rect">
-            <a:avLst/>
-          </a:prstGeom>
-        </p:spPr>
-      </p:pic>
-      <mc:AlternateContent xmlns:mc="http://schemas.openxmlformats.org/markup-compatibility/2006" xmlns:a14="http://schemas.microsoft.com/office/drawing/2010/main">
-        <mc:Choice Requires="a14">
-          <p:sp>
-            <p:nvSpPr>
-              <p:cNvPr id="9" name="Content Placeholder 2">
-                <a:extLst>
-                  <a:ext uri="{FF2B5EF4-FFF2-40B4-BE49-F238E27FC236}">
-                    <a16:creationId xmlns:a16="http://schemas.microsoft.com/office/drawing/2014/main" id="{34F9077E-BFD1-4E38-9ED7-784E3D31BD25}"/>
-                  </a:ext>
-                </a:extLst>
-              </p:cNvPr>
-              <p:cNvSpPr txBox="1">
-                <a:spLocks/>
-              </p:cNvSpPr>
-              <p:nvPr/>
-            </p:nvSpPr>
-            <p:spPr>
-              <a:xfrm>
-                <a:off x="6965394" y="5620441"/>
-                <a:ext cx="4128071" cy="731248"/>
-              </a:xfrm>
-              <a:prstGeom prst="rect">
-                <a:avLst/>
-              </a:prstGeom>
-            </p:spPr>
-            <p:txBody>
-              <a:bodyPr vert="horz" lIns="91440" tIns="45720" rIns="91440" bIns="45720" rtlCol="0">
-                <a:normAutofit fontScale="92500"/>
-              </a:bodyPr>
-              <a:lstStyle>
-                <a:lvl1pPr marL="228600" indent="-228600" algn="l" defTabSz="914400" rtl="0" eaLnBrk="1" latinLnBrk="0" hangingPunct="1">
-                  <a:lnSpc>
-                    <a:spcPct val="90000"/>
-                  </a:lnSpc>
-                  <a:spcBef>
-                    <a:spcPts val="1000"/>
-                  </a:spcBef>
-                  <a:buFont typeface="Arial" panose="020B0604020202020204" pitchFamily="34" charset="0"/>
-                  <a:buChar char="•"/>
-                  <a:defRPr sz="2800" kern="1200">
-                    <a:solidFill>
-                      <a:schemeClr val="tx1"/>
-                    </a:solidFill>
-                    <a:latin typeface="+mn-lt"/>
-                    <a:ea typeface="+mn-ea"/>
-                    <a:cs typeface="+mn-cs"/>
-                  </a:defRPr>
-                </a:lvl1pPr>
-                <a:lvl2pPr marL="685800" indent="-228600" algn="l" defTabSz="914400" rtl="0" eaLnBrk="1" latinLnBrk="0" hangingPunct="1">
-                  <a:lnSpc>
-                    <a:spcPct val="90000"/>
-                  </a:lnSpc>
-                  <a:spcBef>
-                    <a:spcPts val="500"/>
-                  </a:spcBef>
-                  <a:buFont typeface="Arial" panose="020B0604020202020204" pitchFamily="34" charset="0"/>
-                  <a:buChar char="•"/>
-                  <a:defRPr sz="2400" kern="1200">
-                    <a:solidFill>
-                      <a:schemeClr val="tx1"/>
-                    </a:solidFill>
-                    <a:latin typeface="+mn-lt"/>
-                    <a:ea typeface="+mn-ea"/>
-                    <a:cs typeface="+mn-cs"/>
-                  </a:defRPr>
-                </a:lvl2pPr>
-                <a:lvl3pPr marL="1143000" indent="-228600" algn="l" defTabSz="914400" rtl="0" eaLnBrk="1" latinLnBrk="0" hangingPunct="1">
-                  <a:lnSpc>
-                    <a:spcPct val="90000"/>
-                  </a:lnSpc>
-                  <a:spcBef>
-                    <a:spcPts val="500"/>
-                  </a:spcBef>
-                  <a:buFont typeface="Arial" panose="020B0604020202020204" pitchFamily="34" charset="0"/>
-                  <a:buChar char="•"/>
-                  <a:defRPr sz="2000" kern="1200">
-                    <a:solidFill>
-                      <a:schemeClr val="tx1"/>
-                    </a:solidFill>
-                    <a:latin typeface="+mn-lt"/>
-                    <a:ea typeface="+mn-ea"/>
-                    <a:cs typeface="+mn-cs"/>
-                  </a:defRPr>
-                </a:lvl3pPr>
-                <a:lvl4pPr marL="1600200" indent="-228600" algn="l" defTabSz="914400" rtl="0" eaLnBrk="1" latinLnBrk="0" hangingPunct="1">
-                  <a:lnSpc>
-                    <a:spcPct val="90000"/>
-                  </a:lnSpc>
-                  <a:spcBef>
-                    <a:spcPts val="500"/>
-                  </a:spcBef>
-                  <a:buFont typeface="Arial" panose="020B0604020202020204" pitchFamily="34" charset="0"/>
-                  <a:buChar char="•"/>
-                  <a:defRPr sz="1800" kern="1200">
-                    <a:solidFill>
-                      <a:schemeClr val="tx1"/>
-                    </a:solidFill>
-                    <a:latin typeface="+mn-lt"/>
-                    <a:ea typeface="+mn-ea"/>
-                    <a:cs typeface="+mn-cs"/>
-                  </a:defRPr>
-                </a:lvl4pPr>
-                <a:lvl5pPr marL="2057400" indent="-228600" algn="l" defTabSz="914400" rtl="0" eaLnBrk="1" latinLnBrk="0" hangingPunct="1">
-                  <a:lnSpc>
-                    <a:spcPct val="90000"/>
-                  </a:lnSpc>
-                  <a:spcBef>
-                    <a:spcPts val="500"/>
-                  </a:spcBef>
-                  <a:buFont typeface="Arial" panose="020B0604020202020204" pitchFamily="34" charset="0"/>
-                  <a:buChar char="•"/>
-                  <a:defRPr sz="1800" kern="1200">
-                    <a:solidFill>
-                      <a:schemeClr val="tx1"/>
-                    </a:solidFill>
-                    <a:latin typeface="+mn-lt"/>
-                    <a:ea typeface="+mn-ea"/>
-                    <a:cs typeface="+mn-cs"/>
-                  </a:defRPr>
-                </a:lvl5pPr>
-                <a:lvl6pPr marL="2514600" indent="-228600" algn="l" defTabSz="914400" rtl="0" eaLnBrk="1" latinLnBrk="0" hangingPunct="1">
-                  <a:lnSpc>
-                    <a:spcPct val="90000"/>
-                  </a:lnSpc>
-                  <a:spcBef>
-                    <a:spcPts val="500"/>
-                  </a:spcBef>
-                  <a:buFont typeface="Arial" panose="020B0604020202020204" pitchFamily="34" charset="0"/>
-                  <a:buChar char="•"/>
-                  <a:defRPr sz="1800" kern="1200">
-                    <a:solidFill>
-                      <a:schemeClr val="tx1"/>
-                    </a:solidFill>
-                    <a:latin typeface="+mn-lt"/>
-                    <a:ea typeface="+mn-ea"/>
-                    <a:cs typeface="+mn-cs"/>
-                  </a:defRPr>
-                </a:lvl6pPr>
-                <a:lvl7pPr marL="2971800" indent="-228600" algn="l" defTabSz="914400" rtl="0" eaLnBrk="1" latinLnBrk="0" hangingPunct="1">
-                  <a:lnSpc>
-                    <a:spcPct val="90000"/>
-                  </a:lnSpc>
-                  <a:spcBef>
-                    <a:spcPts val="500"/>
-                  </a:spcBef>
-                  <a:buFont typeface="Arial" panose="020B0604020202020204" pitchFamily="34" charset="0"/>
-                  <a:buChar char="•"/>
-                  <a:defRPr sz="1800" kern="1200">
-                    <a:solidFill>
-                      <a:schemeClr val="tx1"/>
-                    </a:solidFill>
-                    <a:latin typeface="+mn-lt"/>
-                    <a:ea typeface="+mn-ea"/>
-                    <a:cs typeface="+mn-cs"/>
-                  </a:defRPr>
-                </a:lvl7pPr>
-                <a:lvl8pPr marL="3429000" indent="-228600" algn="l" defTabSz="914400" rtl="0" eaLnBrk="1" latinLnBrk="0" hangingPunct="1">
-                  <a:lnSpc>
-                    <a:spcPct val="90000"/>
-                  </a:lnSpc>
-                  <a:spcBef>
-                    <a:spcPts val="500"/>
-                  </a:spcBef>
-                  <a:buFont typeface="Arial" panose="020B0604020202020204" pitchFamily="34" charset="0"/>
-                  <a:buChar char="•"/>
-                  <a:defRPr sz="1800" kern="1200">
-                    <a:solidFill>
-                      <a:schemeClr val="tx1"/>
-                    </a:solidFill>
-                    <a:latin typeface="+mn-lt"/>
-                    <a:ea typeface="+mn-ea"/>
-                    <a:cs typeface="+mn-cs"/>
-                  </a:defRPr>
-                </a:lvl8pPr>
-                <a:lvl9pPr marL="3886200" indent="-228600" algn="l" defTabSz="914400" rtl="0" eaLnBrk="1" latinLnBrk="0" hangingPunct="1">
-                  <a:lnSpc>
-                    <a:spcPct val="90000"/>
-                  </a:lnSpc>
-                  <a:spcBef>
-                    <a:spcPts val="500"/>
-                  </a:spcBef>
-                  <a:buFont typeface="Arial" panose="020B0604020202020204" pitchFamily="34" charset="0"/>
-                  <a:buChar char="•"/>
-                  <a:defRPr sz="1800" kern="1200">
-                    <a:solidFill>
-                      <a:schemeClr val="tx1"/>
-                    </a:solidFill>
-                    <a:latin typeface="+mn-lt"/>
-                    <a:ea typeface="+mn-ea"/>
-                    <a:cs typeface="+mn-cs"/>
-                  </a:defRPr>
-                </a:lvl9pPr>
-              </a:lstStyle>
-              <a:p>
-                <a:pPr marL="0" indent="0">
-                  <a:buNone/>
-                </a:pPr>
-                <a14:m>
-                  <m:oMathPara xmlns:m="http://schemas.openxmlformats.org/officeDocument/2006/math">
-                    <m:oMathParaPr>
-                      <m:jc m:val="centerGroup"/>
-                    </m:oMathParaPr>
-                    <m:oMath xmlns:m="http://schemas.openxmlformats.org/officeDocument/2006/math">
-                      <m:sSub>
-                        <m:sSubPr>
-                          <m:ctrlPr>
-                            <a:rPr lang="en-CA" b="0" i="1" smtClean="0">
-                              <a:latin typeface="Cambria Math" panose="02040503050406030204" pitchFamily="18" charset="0"/>
-                            </a:rPr>
-                          </m:ctrlPr>
-                        </m:sSubPr>
-                        <m:e>
-                          <m:r>
-                            <a:rPr lang="en-CA" b="0" i="1" smtClean="0">
-                              <a:latin typeface="Cambria Math" panose="02040503050406030204" pitchFamily="18" charset="0"/>
-                            </a:rPr>
-                            <m:t>𝑞</m:t>
-                          </m:r>
-                        </m:e>
-                        <m:sub>
-                          <m:r>
-                            <a:rPr lang="en-CA" b="0" i="1" smtClean="0">
-                              <a:latin typeface="Cambria Math" panose="02040503050406030204" pitchFamily="18" charset="0"/>
-                            </a:rPr>
-                            <m:t>1</m:t>
-                          </m:r>
-                        </m:sub>
-                      </m:sSub>
-                      <m:r>
-                        <a:rPr lang="en-CA" b="0" i="1" smtClean="0">
-                          <a:latin typeface="Cambria Math" panose="02040503050406030204" pitchFamily="18" charset="0"/>
-                        </a:rPr>
-                        <m:t>=</m:t>
-                      </m:r>
-                      <m:func>
-                        <m:funcPr>
-                          <m:ctrlPr>
-                            <a:rPr lang="en-CA" b="0" i="1" smtClean="0">
-                              <a:latin typeface="Cambria Math" panose="02040503050406030204" pitchFamily="18" charset="0"/>
-                            </a:rPr>
-                          </m:ctrlPr>
-                        </m:funcPr>
-                        <m:fName>
-                          <m:sSup>
-                            <m:sSupPr>
-                              <m:ctrlPr>
-                                <a:rPr lang="en-CA" b="0" i="1" smtClean="0">
-                                  <a:latin typeface="Cambria Math" panose="02040503050406030204" pitchFamily="18" charset="0"/>
-                                </a:rPr>
-                              </m:ctrlPr>
-                            </m:sSupPr>
-                            <m:e>
-                              <m:r>
-                                <m:rPr>
-                                  <m:sty m:val="p"/>
-                                </m:rPr>
-                                <a:rPr lang="en-CA" b="0" i="0" smtClean="0">
-                                  <a:latin typeface="Cambria Math" panose="02040503050406030204" pitchFamily="18" charset="0"/>
-                                </a:rPr>
-                                <m:t>tan</m:t>
-                              </m:r>
-                            </m:e>
-                            <m:sup>
-                              <m:r>
-                                <a:rPr lang="en-CA" b="0" i="1" smtClean="0">
-                                  <a:latin typeface="Cambria Math" panose="02040503050406030204" pitchFamily="18" charset="0"/>
-                                </a:rPr>
-                                <m:t>−1</m:t>
-                              </m:r>
-                            </m:sup>
-                          </m:sSup>
-                        </m:fName>
-                        <m:e>
-                          <m:f>
-                            <m:fPr>
-                              <m:ctrlPr>
-                                <a:rPr lang="en-CA" b="0" i="1" smtClean="0">
-                                  <a:latin typeface="Cambria Math" panose="02040503050406030204" pitchFamily="18" charset="0"/>
-                                </a:rPr>
-                              </m:ctrlPr>
-                            </m:fPr>
-                            <m:num>
-                              <m:r>
-                                <a:rPr lang="en-CA" b="0" i="1" smtClean="0">
-                                  <a:latin typeface="Cambria Math" panose="02040503050406030204" pitchFamily="18" charset="0"/>
-                                </a:rPr>
-                                <m:t>𝑦</m:t>
-                              </m:r>
-                            </m:num>
-                            <m:den>
-                              <m:sSup>
-                                <m:sSupPr>
-                                  <m:ctrlPr>
-                                    <a:rPr lang="en-CA" b="0" i="1" smtClean="0">
-                                      <a:latin typeface="Cambria Math" panose="02040503050406030204" pitchFamily="18" charset="0"/>
-                                    </a:rPr>
-                                  </m:ctrlPr>
-                                </m:sSupPr>
-                                <m:e>
-                                  <m:r>
-                                    <a:rPr lang="en-CA" b="0" i="1" smtClean="0">
-                                      <a:latin typeface="Cambria Math" panose="02040503050406030204" pitchFamily="18" charset="0"/>
-                                    </a:rPr>
-                                    <m:t>𝑧</m:t>
-                                  </m:r>
-                                </m:e>
-                                <m:sup>
-                                  <m:r>
-                                    <a:rPr lang="en-CA" b="0" i="1" smtClean="0">
-                                      <a:latin typeface="Cambria Math" panose="02040503050406030204" pitchFamily="18" charset="0"/>
-                                    </a:rPr>
-                                    <m:t>′</m:t>
-                                  </m:r>
-                                </m:sup>
-                              </m:sSup>
-                            </m:den>
-                          </m:f>
-                        </m:e>
-                      </m:func>
-                    </m:oMath>
-                  </m:oMathPara>
-                </a14:m>
-                <a:endParaRPr lang="en-CA" dirty="0"/>
-              </a:p>
-              <a:p>
-                <a:endParaRPr lang="en-CA" dirty="0"/>
-              </a:p>
-            </p:txBody>
-          </p:sp>
-        </mc:Choice>
-        <mc:Fallback xmlns="">
-          <p:sp>
-            <p:nvSpPr>
-              <p:cNvPr id="9" name="Content Placeholder 2">
-                <a:extLst>
-                  <a:ext uri="{FF2B5EF4-FFF2-40B4-BE49-F238E27FC236}">
-                    <a16:creationId xmlns:a16="http://schemas.microsoft.com/office/drawing/2014/main" id="{34F9077E-BFD1-4E38-9ED7-784E3D31BD25}"/>
-                  </a:ext>
-                </a:extLst>
-              </p:cNvPr>
-              <p:cNvSpPr txBox="1">
-                <a:spLocks noRot="1" noChangeAspect="1" noMove="1" noResize="1" noEditPoints="1" noAdjustHandles="1" noChangeArrowheads="1" noChangeShapeType="1" noTextEdit="1"/>
-              </p:cNvSpPr>
-              <p:nvPr/>
-            </p:nvSpPr>
-            <p:spPr>
-              <a:xfrm>
-                <a:off x="6965394" y="5620441"/>
-                <a:ext cx="4128071" cy="731248"/>
-              </a:xfrm>
-              <a:prstGeom prst="rect">
-                <a:avLst/>
-              </a:prstGeom>
-              <a:blipFill>
-                <a:blip r:embed="rId6"/>
-                <a:stretch>
-                  <a:fillRect/>
-                </a:stretch>
-              </a:blipFill>
-            </p:spPr>
-            <p:txBody>
-              <a:bodyPr/>
-              <a:lstStyle/>
-              <a:p>
-                <a:r>
-                  <a:rPr lang="en-CA">
-                    <a:noFill/>
-                  </a:rPr>
-                  <a:t> </a:t>
-                </a:r>
-              </a:p>
-            </p:txBody>
-          </p:sp>
-        </mc:Fallback>
-      </mc:AlternateContent>
-      <p:cxnSp>
-        <p:nvCxnSpPr>
-          <p:cNvPr id="10" name="Straight Arrow Connector 9">
-            <a:extLst>
-              <a:ext uri="{FF2B5EF4-FFF2-40B4-BE49-F238E27FC236}">
-                <a16:creationId xmlns:a16="http://schemas.microsoft.com/office/drawing/2014/main" id="{DAD39248-CF10-400A-82F7-F77DF6A2BB83}"/>
-              </a:ext>
-            </a:extLst>
-          </p:cNvPr>
-          <p:cNvCxnSpPr>
-            <a:cxnSpLocks/>
-          </p:cNvCxnSpPr>
-          <p:nvPr/>
-        </p:nvCxnSpPr>
-        <p:spPr>
-          <a:xfrm flipV="1">
-            <a:off x="9548636" y="4364286"/>
-            <a:ext cx="371063" cy="1345030"/>
-          </a:xfrm>
-          <a:prstGeom prst="straightConnector1">
-            <a:avLst/>
-          </a:prstGeom>
-          <a:ln w="57150">
-            <a:tailEnd type="triangle"/>
-          </a:ln>
-        </p:spPr>
-        <p:style>
-          <a:lnRef idx="1">
-            <a:schemeClr val="accent1"/>
-          </a:lnRef>
-          <a:fillRef idx="0">
-            <a:schemeClr val="accent1"/>
-          </a:fillRef>
-          <a:effectRef idx="0">
-            <a:schemeClr val="accent1"/>
-          </a:effectRef>
-          <a:fontRef idx="minor">
-            <a:schemeClr val="tx1"/>
-          </a:fontRef>
-        </p:style>
-      </p:cxnSp>
-      <p:cxnSp>
-        <p:nvCxnSpPr>
-          <p:cNvPr id="14" name="Straight Arrow Connector 13">
-            <a:extLst>
-              <a:ext uri="{FF2B5EF4-FFF2-40B4-BE49-F238E27FC236}">
-                <a16:creationId xmlns:a16="http://schemas.microsoft.com/office/drawing/2014/main" id="{3F0C767C-C14C-4ED7-8C4B-114A99D6C581}"/>
-              </a:ext>
-            </a:extLst>
-          </p:cNvPr>
-          <p:cNvCxnSpPr>
-            <a:cxnSpLocks/>
-          </p:cNvCxnSpPr>
-          <p:nvPr/>
-        </p:nvCxnSpPr>
-        <p:spPr>
-          <a:xfrm>
-            <a:off x="9431676" y="1309955"/>
-            <a:ext cx="400693" cy="1438382"/>
-          </a:xfrm>
-          <a:prstGeom prst="straightConnector1">
-            <a:avLst/>
-          </a:prstGeom>
-          <a:ln w="57150">
-            <a:tailEnd type="triangle"/>
-          </a:ln>
-        </p:spPr>
-        <p:style>
-          <a:lnRef idx="1">
-            <a:schemeClr val="accent1"/>
-          </a:lnRef>
-          <a:fillRef idx="0">
-            <a:schemeClr val="accent1"/>
-          </a:fillRef>
-          <a:effectRef idx="0">
-            <a:schemeClr val="accent1"/>
-          </a:effectRef>
-          <a:fontRef idx="minor">
-            <a:schemeClr val="tx1"/>
-          </a:fontRef>
-        </p:style>
-      </p:cxnSp>
-      <p:cxnSp>
-        <p:nvCxnSpPr>
-          <p:cNvPr id="19" name="Straight Arrow Connector 18">
-            <a:extLst>
-              <a:ext uri="{FF2B5EF4-FFF2-40B4-BE49-F238E27FC236}">
-                <a16:creationId xmlns:a16="http://schemas.microsoft.com/office/drawing/2014/main" id="{02F1EFC7-1C15-4958-BCE9-C2737574D47A}"/>
-              </a:ext>
-            </a:extLst>
-          </p:cNvPr>
-          <p:cNvCxnSpPr>
-            <a:cxnSpLocks/>
-          </p:cNvCxnSpPr>
-          <p:nvPr/>
-        </p:nvCxnSpPr>
-        <p:spPr>
-          <a:xfrm flipH="1" flipV="1">
-            <a:off x="5866860" y="5542909"/>
-            <a:ext cx="229140" cy="734601"/>
-          </a:xfrm>
-          <a:prstGeom prst="straightConnector1">
-            <a:avLst/>
-          </a:prstGeom>
-          <a:ln w="57150">
-            <a:tailEnd type="triangle"/>
-          </a:ln>
-        </p:spPr>
-        <p:style>
-          <a:lnRef idx="1">
-            <a:schemeClr val="accent1"/>
-          </a:lnRef>
-          <a:fillRef idx="0">
-            <a:schemeClr val="accent1"/>
-          </a:fillRef>
-          <a:effectRef idx="0">
-            <a:schemeClr val="accent1"/>
-          </a:effectRef>
-          <a:fontRef idx="minor">
-            <a:schemeClr val="tx1"/>
-          </a:fontRef>
-        </p:style>
-      </p:cxnSp>
-      <mc:AlternateContent xmlns:mc="http://schemas.openxmlformats.org/markup-compatibility/2006" xmlns:a14="http://schemas.microsoft.com/office/drawing/2010/main">
-        <mc:Choice Requires="a14">
-          <p:sp>
-            <p:nvSpPr>
-              <p:cNvPr id="23" name="Rectangle 22">
-                <a:extLst>
-                  <a:ext uri="{FF2B5EF4-FFF2-40B4-BE49-F238E27FC236}">
-                    <a16:creationId xmlns:a16="http://schemas.microsoft.com/office/drawing/2014/main" id="{9F845352-D29D-4E7E-8B84-824C79A33983}"/>
-                  </a:ext>
-                </a:extLst>
-              </p:cNvPr>
-              <p:cNvSpPr/>
-              <p:nvPr/>
-            </p:nvSpPr>
-            <p:spPr>
-              <a:xfrm>
-                <a:off x="3460678" y="6230519"/>
-                <a:ext cx="5410648" cy="461665"/>
-              </a:xfrm>
-              <a:prstGeom prst="rect">
-                <a:avLst/>
-              </a:prstGeom>
-            </p:spPr>
-            <p:txBody>
-              <a:bodyPr wrap="none">
-                <a:spAutoFit/>
-              </a:bodyPr>
-              <a:lstStyle/>
-              <a:p>
-                <a:pPr/>
-                <a14:m>
-                  <m:oMathPara xmlns:m="http://schemas.openxmlformats.org/officeDocument/2006/math">
-                    <m:oMathParaPr>
-                      <m:jc m:val="centerGroup"/>
-                    </m:oMathParaPr>
-                    <m:oMath xmlns:m="http://schemas.openxmlformats.org/officeDocument/2006/math">
-                      <m:sSup>
-                        <m:sSupPr>
-                          <m:ctrlPr>
-                            <a:rPr lang="en-CA" sz="2400" b="0" i="1" smtClean="0">
-                              <a:latin typeface="Cambria Math" panose="02040503050406030204" pitchFamily="18" charset="0"/>
-                            </a:rPr>
-                          </m:ctrlPr>
-                        </m:sSupPr>
-                        <m:e>
-                          <m:r>
-                            <a:rPr lang="en-CA" sz="2400" b="0" i="1" smtClean="0">
-                              <a:latin typeface="Cambria Math" panose="02040503050406030204" pitchFamily="18" charset="0"/>
-                            </a:rPr>
-                            <m:t>𝑧</m:t>
-                          </m:r>
-                        </m:e>
-                        <m:sup>
-                          <m:r>
-                            <a:rPr lang="en-CA" sz="2400" b="0" i="1" smtClean="0">
-                              <a:latin typeface="Cambria Math" panose="02040503050406030204" pitchFamily="18" charset="0"/>
-                            </a:rPr>
-                            <m:t>′</m:t>
-                          </m:r>
-                        </m:sup>
-                      </m:sSup>
-                      <m:r>
-                        <a:rPr lang="en-CA" sz="2400" b="0" i="1" smtClean="0">
-                          <a:latin typeface="Cambria Math" panose="02040503050406030204" pitchFamily="18" charset="0"/>
-                        </a:rPr>
-                        <m:t>=</m:t>
-                      </m:r>
-                      <m:r>
-                        <a:rPr lang="en-CA" sz="2400" b="0" i="1" smtClean="0">
-                          <a:latin typeface="Cambria Math" panose="02040503050406030204" pitchFamily="18" charset="0"/>
-                        </a:rPr>
-                        <m:t>𝑙𝑎𝑠𝑒𝑟</m:t>
-                      </m:r>
-                      <m:r>
-                        <a:rPr lang="en-CA" sz="2400" b="0" i="1" smtClean="0">
-                          <a:latin typeface="Cambria Math" panose="02040503050406030204" pitchFamily="18" charset="0"/>
-                        </a:rPr>
-                        <m:t> </m:t>
-                      </m:r>
-                      <m:r>
-                        <a:rPr lang="en-CA" sz="2400" b="0" i="1" smtClean="0">
-                          <a:latin typeface="Cambria Math" panose="02040503050406030204" pitchFamily="18" charset="0"/>
-                        </a:rPr>
-                        <m:t>h𝑒𝑖𝑔h𝑡</m:t>
-                      </m:r>
-                      <m:r>
-                        <a:rPr lang="en-CA" sz="2400" b="0" i="1" smtClean="0">
-                          <a:latin typeface="Cambria Math" panose="02040503050406030204" pitchFamily="18" charset="0"/>
-                        </a:rPr>
-                        <m:t>(</m:t>
-                      </m:r>
-                      <m:r>
-                        <a:rPr lang="en-CA" sz="2400" b="0" i="1" smtClean="0">
-                          <a:latin typeface="Cambria Math" panose="02040503050406030204" pitchFamily="18" charset="0"/>
-                        </a:rPr>
-                        <m:t>h</m:t>
-                      </m:r>
-                      <m:r>
-                        <a:rPr lang="en-CA" sz="2400" b="0" i="1" smtClean="0">
-                          <a:latin typeface="Cambria Math" panose="02040503050406030204" pitchFamily="18" charset="0"/>
-                        </a:rPr>
-                        <m:t>)−</m:t>
-                      </m:r>
-                      <m:r>
-                        <a:rPr lang="en-CA" sz="2400" b="0" i="1" smtClean="0">
-                          <a:latin typeface="Cambria Math" panose="02040503050406030204" pitchFamily="18" charset="0"/>
-                        </a:rPr>
-                        <m:t>𝑝𝑎𝑟𝑡</m:t>
-                      </m:r>
-                      <m:r>
-                        <a:rPr lang="en-CA" sz="2400" b="0" i="1" smtClean="0">
-                          <a:latin typeface="Cambria Math" panose="02040503050406030204" pitchFamily="18" charset="0"/>
-                        </a:rPr>
-                        <m:t> </m:t>
-                      </m:r>
-                      <m:r>
-                        <a:rPr lang="en-CA" sz="2400" b="0" i="1" smtClean="0">
-                          <a:latin typeface="Cambria Math" panose="02040503050406030204" pitchFamily="18" charset="0"/>
-                        </a:rPr>
-                        <m:t>h𝑒𝑖𝑔h𝑡</m:t>
-                      </m:r>
-                      <m:r>
-                        <a:rPr lang="en-CA" sz="2400" b="0" i="1" smtClean="0">
-                          <a:latin typeface="Cambria Math" panose="02040503050406030204" pitchFamily="18" charset="0"/>
-                        </a:rPr>
-                        <m:t>(</m:t>
-                      </m:r>
-                      <m:r>
-                        <a:rPr lang="en-CA" sz="2400" b="0" i="1" smtClean="0">
-                          <a:latin typeface="Cambria Math" panose="02040503050406030204" pitchFamily="18" charset="0"/>
-                        </a:rPr>
-                        <m:t>𝑧</m:t>
-                      </m:r>
-                      <m:r>
-                        <a:rPr lang="en-CA" sz="2400" b="0" i="1" smtClean="0">
-                          <a:latin typeface="Cambria Math" panose="02040503050406030204" pitchFamily="18" charset="0"/>
-                        </a:rPr>
-                        <m:t>)</m:t>
-                      </m:r>
-                    </m:oMath>
-                  </m:oMathPara>
-                </a14:m>
-                <a:endParaRPr lang="en-CA" sz="2400" dirty="0"/>
-              </a:p>
-            </p:txBody>
-          </p:sp>
-        </mc:Choice>
-        <mc:Fallback xmlns="">
-          <p:sp>
-            <p:nvSpPr>
-              <p:cNvPr id="23" name="Rectangle 22">
-                <a:extLst>
-                  <a:ext uri="{FF2B5EF4-FFF2-40B4-BE49-F238E27FC236}">
-                    <a16:creationId xmlns:a16="http://schemas.microsoft.com/office/drawing/2014/main" id="{9F845352-D29D-4E7E-8B84-824C79A33983}"/>
-                  </a:ext>
-                </a:extLst>
-              </p:cNvPr>
-              <p:cNvSpPr>
-                <a:spLocks noRot="1" noChangeAspect="1" noMove="1" noResize="1" noEditPoints="1" noAdjustHandles="1" noChangeArrowheads="1" noChangeShapeType="1" noTextEdit="1"/>
-              </p:cNvSpPr>
-              <p:nvPr/>
-            </p:nvSpPr>
-            <p:spPr>
-              <a:xfrm>
-                <a:off x="3460678" y="6230519"/>
-                <a:ext cx="5410648" cy="461665"/>
-              </a:xfrm>
-              <a:prstGeom prst="rect">
-                <a:avLst/>
-              </a:prstGeom>
-              <a:blipFill>
-                <a:blip r:embed="rId7"/>
-                <a:stretch>
-                  <a:fillRect b="-17105"/>
-                </a:stretch>
-              </a:blipFill>
-            </p:spPr>
-            <p:txBody>
-              <a:bodyPr/>
-              <a:lstStyle/>
-              <a:p>
-                <a:r>
-                  <a:rPr lang="en-CA">
-                    <a:noFill/>
-                  </a:rPr>
-                  <a:t> </a:t>
-                </a:r>
-              </a:p>
-            </p:txBody>
-          </p:sp>
-        </mc:Fallback>
-      </mc:AlternateContent>
-    </p:spTree>
-    <p:extLst>
-      <p:ext uri="{BB962C8B-B14F-4D97-AF65-F5344CB8AC3E}">
-        <p14:creationId xmlns:p14="http://schemas.microsoft.com/office/powerpoint/2010/main" val="2667552631"/>
-      </p:ext>
-    </p:extLst>
-  </p:cSld>
-  <p:clrMapOvr>
-    <a:masterClrMapping/>
-  </p:clrMapOvr>
-</p:sld>
-</file>
-
-<file path=ppt/slides/slide4.xml><?xml version="1.0" encoding="utf-8"?>
-<p:sld xmlns:a="http://schemas.openxmlformats.org/drawingml/2006/main" xmlns:r="http://schemas.openxmlformats.org/officeDocument/2006/relationships" xmlns:p="http://schemas.openxmlformats.org/presentationml/2006/main">
-  <p:cSld>
-    <p:spTree>
-      <p:nvGrpSpPr>
-        <p:cNvPr id="1" name=""/>
-        <p:cNvGrpSpPr/>
-        <p:nvPr/>
-      </p:nvGrpSpPr>
-      <p:grpSpPr>
-        <a:xfrm>
-          <a:off x="0" y="0"/>
-          <a:ext cx="0" cy="0"/>
-          <a:chOff x="0" y="0"/>
-          <a:chExt cx="0" cy="0"/>
-        </a:xfrm>
-      </p:grpSpPr>
-      <p:sp>
-        <p:nvSpPr>
-          <p:cNvPr id="2" name="Title 1">
-            <a:extLst>
-              <a:ext uri="{FF2B5EF4-FFF2-40B4-BE49-F238E27FC236}">
-                <a16:creationId xmlns:a16="http://schemas.microsoft.com/office/drawing/2014/main" id="{3D73F741-3EBF-4C82-B9A0-7CDAEBB07471}"/>
-              </a:ext>
-            </a:extLst>
-          </p:cNvPr>
-          <p:cNvSpPr>
-            <a:spLocks noGrp="1"/>
-          </p:cNvSpPr>
-          <p:nvPr>
-            <p:ph type="title"/>
-          </p:nvPr>
-        </p:nvSpPr>
-        <p:spPr>
-          <a:xfrm>
-            <a:off x="555661" y="216150"/>
-            <a:ext cx="10515600" cy="1325563"/>
-          </a:xfrm>
-        </p:spPr>
-        <p:txBody>
-          <a:bodyPr/>
-          <a:lstStyle/>
-          <a:p>
-            <a:r>
-              <a:rPr lang="en-CA" dirty="0"/>
-              <a:t>Amplifier Transfer Function</a:t>
-            </a:r>
-          </a:p>
-        </p:txBody>
-      </p:sp>
       <p:pic>
         <p:nvPicPr>
           <p:cNvPr id="4" name="Content Placeholder 3">
@@ -5818,7 +9727,7 @@
             <p:spPr>
               <a:xfrm>
                 <a:off x="6796353" y="443656"/>
-                <a:ext cx="4952145" cy="5587683"/>
+                <a:ext cx="4952145" cy="5307415"/>
               </a:xfrm>
               <a:prstGeom prst="rect">
                 <a:avLst/>
@@ -5831,6 +9740,7 @@
               </a:bodyPr>
               <a:lstStyle/>
               <a:p>
+                <a:pPr/>
                 <a14:m>
                   <m:oMathPara xmlns:m="http://schemas.openxmlformats.org/officeDocument/2006/math">
                     <m:oMathParaPr>
@@ -5870,7 +9780,7 @@
                       <m:f>
                         <m:fPr>
                           <m:ctrlPr>
-                            <a:rPr lang="en-CA" b="0" smtClean="0">
+                            <a:rPr lang="en-CA" b="0" i="1" smtClean="0">
                               <a:latin typeface="Cambria Math" panose="02040503050406030204" pitchFamily="18" charset="0"/>
                             </a:rPr>
                           </m:ctrlPr>
@@ -5879,7 +9789,7 @@
                           <m:sSub>
                             <m:sSubPr>
                               <m:ctrlPr>
-                                <a:rPr lang="en-CA" b="0" smtClean="0">
+                                <a:rPr lang="en-CA" b="0" i="1" smtClean="0">
                                   <a:latin typeface="Cambria Math" panose="02040503050406030204" pitchFamily="18" charset="0"/>
                                 </a:rPr>
                               </m:ctrlPr>
@@ -5912,7 +9822,7 @@
                           <m:sSub>
                             <m:sSubPr>
                               <m:ctrlPr>
-                                <a:rPr lang="en-CA" b="0" smtClean="0">
+                                <a:rPr lang="en-CA" b="0" i="1" smtClean="0">
                                   <a:latin typeface="Cambria Math" panose="02040503050406030204" pitchFamily="18" charset="0"/>
                                 </a:rPr>
                               </m:ctrlPr>
@@ -5948,149 +9858,74 @@
                 <a:endParaRPr lang="en-CA" b="0" dirty="0"/>
               </a:p>
               <a:p>
+                <a:pPr/>
                 <a14:m>
-                  <m:oMathPara xmlns:m="http://schemas.openxmlformats.org/officeDocument/2006/math">
-                    <m:oMathParaPr>
-                      <m:jc m:val="centerGroup"/>
-                    </m:oMathParaPr>
-                    <m:oMath xmlns:m="http://schemas.openxmlformats.org/officeDocument/2006/math">
-                      <m:sSub>
-                        <m:sSubPr>
-                          <m:ctrlPr>
-                            <a:rPr lang="en-CA" b="0" smtClean="0">
-                              <a:latin typeface="Cambria Math" panose="02040503050406030204" pitchFamily="18" charset="0"/>
-                            </a:rPr>
-                          </m:ctrlPr>
-                        </m:sSubPr>
-                        <m:e>
-                          <m:r>
-                            <m:rPr>
-                              <m:sty m:val="p"/>
-                            </m:rPr>
-                            <a:rPr lang="en-CA" b="0" i="0" smtClean="0">
-                              <a:latin typeface="Cambria Math" panose="02040503050406030204" pitchFamily="18" charset="0"/>
-                            </a:rPr>
-                            <m:t>V</m:t>
-                          </m:r>
-                        </m:e>
-                        <m:sub>
-                          <m:r>
-                            <m:rPr>
-                              <m:sty m:val="p"/>
-                            </m:rPr>
-                            <a:rPr lang="en-CA" b="0" i="0" smtClean="0">
-                              <a:latin typeface="Cambria Math" panose="02040503050406030204" pitchFamily="18" charset="0"/>
-                            </a:rPr>
-                            <m:t>p</m:t>
-                          </m:r>
-                        </m:sub>
-                      </m:sSub>
-                      <m:r>
-                        <a:rPr lang="en-CA" b="0" i="0" smtClean="0">
-                          <a:latin typeface="Cambria Math" panose="02040503050406030204" pitchFamily="18" charset="0"/>
-                        </a:rPr>
-                        <m:t>=</m:t>
-                      </m:r>
-                      <m:sSub>
-                        <m:sSubPr>
-                          <m:ctrlPr>
-                            <a:rPr lang="en-CA" b="0" smtClean="0">
-                              <a:latin typeface="Cambria Math" panose="02040503050406030204" pitchFamily="18" charset="0"/>
-                            </a:rPr>
-                          </m:ctrlPr>
-                        </m:sSubPr>
-                        <m:e>
-                          <m:r>
-                            <m:rPr>
-                              <m:sty m:val="p"/>
-                            </m:rPr>
-                            <a:rPr lang="en-CA" b="0" i="0" smtClean="0">
-                              <a:latin typeface="Cambria Math" panose="02040503050406030204" pitchFamily="18" charset="0"/>
-                            </a:rPr>
-                            <m:t>V</m:t>
-                          </m:r>
-                        </m:e>
-                        <m:sub>
-                          <m:r>
-                            <m:rPr>
-                              <m:sty m:val="p"/>
-                            </m:rPr>
-                            <a:rPr lang="en-CA" b="0" i="0" smtClean="0">
-                              <a:latin typeface="Cambria Math" panose="02040503050406030204" pitchFamily="18" charset="0"/>
-                            </a:rPr>
-                            <m:t>n</m:t>
-                          </m:r>
-                        </m:sub>
-                      </m:sSub>
-                      <m:r>
-                        <a:rPr lang="en-CA" b="0" i="0" smtClean="0">
-                          <a:latin typeface="Cambria Math" panose="02040503050406030204" pitchFamily="18" charset="0"/>
-                        </a:rPr>
-                        <m:t> </m:t>
-                      </m:r>
-                      <m:r>
-                        <m:rPr>
-                          <m:sty m:val="p"/>
-                        </m:rPr>
-                        <a:rPr lang="en-CA" b="0" i="0" smtClean="0">
-                          <a:latin typeface="Cambria Math" panose="02040503050406030204" pitchFamily="18" charset="0"/>
-                        </a:rPr>
-                        <m:t>due</m:t>
-                      </m:r>
-                      <m:r>
-                        <a:rPr lang="en-CA" b="0" i="0" smtClean="0">
-                          <a:latin typeface="Cambria Math" panose="02040503050406030204" pitchFamily="18" charset="0"/>
-                        </a:rPr>
-                        <m:t> </m:t>
-                      </m:r>
-                      <m:r>
-                        <m:rPr>
-                          <m:sty m:val="p"/>
-                        </m:rPr>
-                        <a:rPr lang="en-CA" b="0" i="0" smtClean="0">
-                          <a:latin typeface="Cambria Math" panose="02040503050406030204" pitchFamily="18" charset="0"/>
-                        </a:rPr>
-                        <m:t>to</m:t>
-                      </m:r>
-                      <m:r>
-                        <a:rPr lang="en-CA" b="0" i="0" smtClean="0">
-                          <a:latin typeface="Cambria Math" panose="02040503050406030204" pitchFamily="18" charset="0"/>
-                        </a:rPr>
-                        <m:t> </m:t>
-                      </m:r>
-                      <m:r>
-                        <m:rPr>
-                          <m:sty m:val="p"/>
-                        </m:rPr>
-                        <a:rPr lang="en-CA" b="0" i="0" smtClean="0">
-                          <a:latin typeface="Cambria Math" panose="02040503050406030204" pitchFamily="18" charset="0"/>
-                        </a:rPr>
-                        <m:t>negative</m:t>
-                      </m:r>
-                      <m:r>
-                        <a:rPr lang="en-CA" b="0" i="0" smtClean="0">
-                          <a:latin typeface="Cambria Math" panose="02040503050406030204" pitchFamily="18" charset="0"/>
-                        </a:rPr>
-                        <m:t> </m:t>
-                      </m:r>
-                      <m:r>
-                        <m:rPr>
-                          <m:sty m:val="p"/>
-                        </m:rPr>
-                        <a:rPr lang="en-CA" b="0" i="0" smtClean="0">
-                          <a:latin typeface="Cambria Math" panose="02040503050406030204" pitchFamily="18" charset="0"/>
-                        </a:rPr>
-                        <m:t>feedback</m:t>
-                      </m:r>
-                    </m:oMath>
-                  </m:oMathPara>
+                  <m:oMath xmlns:m="http://schemas.openxmlformats.org/officeDocument/2006/math">
+                    <m:sSub>
+                      <m:sSubPr>
+                        <m:ctrlPr>
+                          <a:rPr lang="en-CA" b="0" i="1" smtClean="0">
+                            <a:latin typeface="Cambria Math" panose="02040503050406030204" pitchFamily="18" charset="0"/>
+                          </a:rPr>
+                        </m:ctrlPr>
+                      </m:sSubPr>
+                      <m:e>
+                        <m:r>
+                          <a:rPr lang="en-CA" b="0" i="1" smtClean="0">
+                            <a:latin typeface="Cambria Math" panose="02040503050406030204" pitchFamily="18" charset="0"/>
+                          </a:rPr>
+                          <m:t>𝑉</m:t>
+                        </m:r>
+                      </m:e>
+                      <m:sub>
+                        <m:r>
+                          <a:rPr lang="en-CA" b="0" i="1" smtClean="0">
+                            <a:latin typeface="Cambria Math" panose="02040503050406030204" pitchFamily="18" charset="0"/>
+                          </a:rPr>
+                          <m:t>𝑝</m:t>
+                        </m:r>
+                      </m:sub>
+                    </m:sSub>
+                    <m:r>
+                      <a:rPr lang="en-CA" b="0" i="1" smtClean="0">
+                        <a:latin typeface="Cambria Math" panose="02040503050406030204" pitchFamily="18" charset="0"/>
+                      </a:rPr>
+                      <m:t>=</m:t>
+                    </m:r>
+                    <m:sSub>
+                      <m:sSubPr>
+                        <m:ctrlPr>
+                          <a:rPr lang="en-CA" b="0" i="1" smtClean="0">
+                            <a:latin typeface="Cambria Math" panose="02040503050406030204" pitchFamily="18" charset="0"/>
+                          </a:rPr>
+                        </m:ctrlPr>
+                      </m:sSubPr>
+                      <m:e>
+                        <m:r>
+                          <a:rPr lang="en-CA" b="0" i="1" smtClean="0">
+                            <a:latin typeface="Cambria Math" panose="02040503050406030204" pitchFamily="18" charset="0"/>
+                          </a:rPr>
+                          <m:t>𝑉</m:t>
+                        </m:r>
+                      </m:e>
+                      <m:sub>
+                        <m:r>
+                          <a:rPr lang="en-CA" b="0" i="1" smtClean="0">
+                            <a:latin typeface="Cambria Math" panose="02040503050406030204" pitchFamily="18" charset="0"/>
+                          </a:rPr>
+                          <m:t>𝑛</m:t>
+                        </m:r>
+                      </m:sub>
+                    </m:sSub>
+                  </m:oMath>
                 </a14:m>
-                <a:endParaRPr lang="en-CA" dirty="0"/>
+                <a:r>
+                  <a:rPr lang="en-CA" dirty="0"/>
+                  <a:t> due to negative feedback</a:t>
+                </a:r>
               </a:p>
               <a:p>
-                <a:endParaRPr lang="en-CA" dirty="0"/>
-              </a:p>
-              <a:p>
+                <a:pPr/>
                 <a14:m>
                   <m:oMathPara xmlns:m="http://schemas.openxmlformats.org/officeDocument/2006/math">
                     <m:oMathParaPr>
@@ -6100,7 +9935,7 @@
                       <m:f>
                         <m:fPr>
                           <m:ctrlPr>
-                            <a:rPr lang="en-CA" b="0" smtClean="0">
+                            <a:rPr lang="en-CA" b="0" i="1" smtClean="0">
                               <a:latin typeface="Cambria Math" panose="02040503050406030204" pitchFamily="18" charset="0"/>
                             </a:rPr>
                           </m:ctrlPr>
@@ -6109,36 +9944,30 @@
                           <m:sSub>
                             <m:sSubPr>
                               <m:ctrlPr>
-                                <a:rPr lang="en-CA" b="0" smtClean="0">
+                                <a:rPr lang="en-CA" b="0" i="1" smtClean="0">
                                   <a:latin typeface="Cambria Math" panose="02040503050406030204" pitchFamily="18" charset="0"/>
                                 </a:rPr>
                               </m:ctrlPr>
                             </m:sSubPr>
                             <m:e>
                               <m:r>
-                                <m:rPr>
-                                  <m:sty m:val="p"/>
-                                </m:rPr>
-                                <a:rPr lang="en-CA" b="0" i="0" smtClean="0">
+                                <a:rPr lang="en-CA" b="0" i="1" smtClean="0">
                                   <a:latin typeface="Cambria Math" panose="02040503050406030204" pitchFamily="18" charset="0"/>
                                 </a:rPr>
-                                <m:t>V</m:t>
+                                <m:t>𝑉</m:t>
                               </m:r>
                             </m:e>
                             <m:sub>
                               <m:r>
-                                <m:rPr>
-                                  <m:sty m:val="p"/>
-                                </m:rPr>
-                                <a:rPr lang="en-CA" b="0" i="0" smtClean="0">
+                                <a:rPr lang="en-CA" b="0" i="1" smtClean="0">
                                   <a:latin typeface="Cambria Math" panose="02040503050406030204" pitchFamily="18" charset="0"/>
                                 </a:rPr>
-                                <m:t>in</m:t>
+                                <m:t>𝑖𝑛</m:t>
                               </m:r>
                             </m:sub>
                           </m:sSub>
                           <m:r>
-                            <a:rPr lang="en-CA" b="0" i="0" smtClean="0">
+                            <a:rPr lang="en-CA" b="0" i="1" smtClean="0">
                               <a:latin typeface="Cambria Math" panose="02040503050406030204" pitchFamily="18" charset="0"/>
                             </a:rPr>
                             <m:t>−</m:t>
@@ -6146,31 +9975,25 @@
                           <m:sSub>
                             <m:sSubPr>
                               <m:ctrlPr>
-                                <a:rPr lang="en-CA">
+                                <a:rPr lang="en-CA" b="0" i="1">
                                   <a:latin typeface="Cambria Math" panose="02040503050406030204" pitchFamily="18" charset="0"/>
                                 </a:rPr>
                               </m:ctrlPr>
                             </m:sSubPr>
                             <m:e>
                               <m:r>
-                                <m:rPr>
-                                  <m:sty m:val="p"/>
-                                </m:rPr>
-                                <a:rPr lang="en-CA" i="0">
+                                <a:rPr lang="en-CA" i="1">
                                   <a:latin typeface="Cambria Math" panose="02040503050406030204" pitchFamily="18" charset="0"/>
                                 </a:rPr>
-                                <m:t>V</m:t>
+                                <m:t>𝑉</m:t>
                               </m:r>
                             </m:e>
                             <m:sub>
                               <m:r>
-                                <m:rPr>
-                                  <m:sty m:val="p"/>
-                                </m:rPr>
-                                <a:rPr lang="en-CA" b="0" i="0" smtClean="0">
+                                <a:rPr lang="en-CA" b="0" i="1" smtClean="0">
                                   <a:latin typeface="Cambria Math" panose="02040503050406030204" pitchFamily="18" charset="0"/>
                                 </a:rPr>
-                                <m:t>n</m:t>
+                                <m:t>𝑛</m:t>
                               </m:r>
                             </m:sub>
                           </m:sSub>
@@ -6179,25 +10002,22 @@
                           <m:sSub>
                             <m:sSubPr>
                               <m:ctrlPr>
-                                <a:rPr lang="en-CA">
+                                <a:rPr lang="en-CA" b="0" i="1">
                                   <a:latin typeface="Cambria Math" panose="02040503050406030204" pitchFamily="18" charset="0"/>
                                 </a:rPr>
                               </m:ctrlPr>
                             </m:sSubPr>
                             <m:e>
                               <m:r>
-                                <m:rPr>
-                                  <m:sty m:val="p"/>
-                                </m:rPr>
-                                <a:rPr lang="en-CA" b="0" i="0" smtClean="0">
+                                <a:rPr lang="en-CA" b="0" i="1" smtClean="0">
                                   <a:latin typeface="Cambria Math" panose="02040503050406030204" pitchFamily="18" charset="0"/>
                                 </a:rPr>
-                                <m:t>R</m:t>
+                                <m:t>𝑅</m:t>
                               </m:r>
                             </m:e>
                             <m:sub>
                               <m:r>
-                                <a:rPr lang="en-CA" b="0" i="0" smtClean="0">
+                                <a:rPr lang="en-CA" b="0" i="1" smtClean="0">
                                   <a:latin typeface="Cambria Math" panose="02040503050406030204" pitchFamily="18" charset="0"/>
                                 </a:rPr>
                                 <m:t>1</m:t>
@@ -6207,7 +10027,7 @@
                         </m:den>
                       </m:f>
                       <m:r>
-                        <a:rPr lang="en-CA" b="0" i="0" smtClean="0">
+                        <a:rPr lang="en-CA" b="0" i="1" smtClean="0">
                           <a:latin typeface="Cambria Math" panose="02040503050406030204" pitchFamily="18" charset="0"/>
                         </a:rPr>
                         <m:t>=</m:t>
@@ -6215,7 +10035,7 @@
                       <m:d>
                         <m:dPr>
                           <m:ctrlPr>
-                            <a:rPr lang="en-CA" b="0" smtClean="0">
+                            <a:rPr lang="en-CA" b="0" i="1" smtClean="0">
                               <a:latin typeface="Cambria Math" panose="02040503050406030204" pitchFamily="18" charset="0"/>
                             </a:rPr>
                           </m:ctrlPr>
@@ -6224,36 +10044,30 @@
                           <m:sSub>
                             <m:sSubPr>
                               <m:ctrlPr>
-                                <a:rPr lang="en-CA" b="0" smtClean="0">
+                                <a:rPr lang="en-CA" b="0" i="1" smtClean="0">
                                   <a:latin typeface="Cambria Math" panose="02040503050406030204" pitchFamily="18" charset="0"/>
                                 </a:rPr>
                               </m:ctrlPr>
                             </m:sSubPr>
                             <m:e>
                               <m:r>
-                                <m:rPr>
-                                  <m:sty m:val="p"/>
-                                </m:rPr>
-                                <a:rPr lang="en-CA" b="0" i="0" smtClean="0">
+                                <a:rPr lang="en-CA" b="0" i="1" smtClean="0">
                                   <a:latin typeface="Cambria Math" panose="02040503050406030204" pitchFamily="18" charset="0"/>
                                 </a:rPr>
-                                <m:t>V</m:t>
+                                <m:t>𝑉</m:t>
                               </m:r>
                             </m:e>
                             <m:sub>
                               <m:r>
-                                <m:rPr>
-                                  <m:sty m:val="p"/>
-                                </m:rPr>
-                                <a:rPr lang="en-CA" b="0" i="0" smtClean="0">
+                                <a:rPr lang="en-CA" b="0" i="1" smtClean="0">
                                   <a:latin typeface="Cambria Math" panose="02040503050406030204" pitchFamily="18" charset="0"/>
                                 </a:rPr>
-                                <m:t>n</m:t>
+                                <m:t>𝑛</m:t>
                               </m:r>
                             </m:sub>
                           </m:sSub>
                           <m:r>
-                            <a:rPr lang="en-CA" b="0" i="0" smtClean="0">
+                            <a:rPr lang="en-CA" b="0" i="1" smtClean="0">
                               <a:latin typeface="Cambria Math" panose="02040503050406030204" pitchFamily="18" charset="0"/>
                             </a:rPr>
                             <m:t>−</m:t>
@@ -6261,53 +10075,44 @@
                           <m:sSub>
                             <m:sSubPr>
                               <m:ctrlPr>
-                                <a:rPr lang="en-CA" b="0" smtClean="0">
+                                <a:rPr lang="en-CA" b="0" i="1" smtClean="0">
                                   <a:latin typeface="Cambria Math" panose="02040503050406030204" pitchFamily="18" charset="0"/>
                                 </a:rPr>
                               </m:ctrlPr>
                             </m:sSubPr>
                             <m:e>
                               <m:r>
-                                <m:rPr>
-                                  <m:sty m:val="p"/>
-                                </m:rPr>
-                                <a:rPr lang="en-CA" b="0" i="0" smtClean="0">
+                                <a:rPr lang="en-CA" b="0" i="1" smtClean="0">
                                   <a:latin typeface="Cambria Math" panose="02040503050406030204" pitchFamily="18" charset="0"/>
                                 </a:rPr>
-                                <m:t>V</m:t>
+                                <m:t>𝑉</m:t>
                               </m:r>
                             </m:e>
                             <m:sub>
                               <m:r>
-                                <m:rPr>
-                                  <m:sty m:val="p"/>
-                                </m:rPr>
-                                <a:rPr lang="en-CA" b="0" i="0" smtClean="0">
+                                <a:rPr lang="en-CA" b="0" i="1" smtClean="0">
                                   <a:latin typeface="Cambria Math" panose="02040503050406030204" pitchFamily="18" charset="0"/>
                                 </a:rPr>
-                                <m:t>out</m:t>
+                                <m:t>𝑜𝑢𝑡</m:t>
                               </m:r>
                             </m:sub>
                           </m:sSub>
                         </m:e>
                       </m:d>
                       <m:r>
-                        <a:rPr lang="en-CA" b="0" i="0" smtClean="0">
+                        <a:rPr lang="en-CA" b="0" i="1" smtClean="0">
                           <a:latin typeface="Cambria Math" panose="02040503050406030204" pitchFamily="18" charset="0"/>
                         </a:rPr>
                         <m:t>×</m:t>
                       </m:r>
                       <m:r>
-                        <m:rPr>
-                          <m:sty m:val="p"/>
-                        </m:rPr>
-                        <a:rPr lang="en-CA" b="0" i="0" smtClean="0">
+                        <a:rPr lang="en-CA" b="0" i="1" smtClean="0">
                           <a:latin typeface="Cambria Math" panose="02040503050406030204" pitchFamily="18" charset="0"/>
                         </a:rPr>
-                        <m:t>SC</m:t>
+                        <m:t>𝑆𝐶</m:t>
                       </m:r>
                       <m:r>
-                        <a:rPr lang="en-CA" b="0" i="0" smtClean="0">
+                        <a:rPr lang="en-CA" b="0" i="1" smtClean="0">
                           <a:latin typeface="Cambria Math" panose="02040503050406030204" pitchFamily="18" charset="0"/>
                         </a:rPr>
                         <m:t> →  </m:t>
@@ -6315,23 +10120,20 @@
                       <m:d>
                         <m:dPr>
                           <m:ctrlPr>
-                            <a:rPr lang="en-CA" b="0" smtClean="0">
+                            <a:rPr lang="en-CA" b="0" i="1" smtClean="0">
                               <a:latin typeface="Cambria Math" panose="02040503050406030204" pitchFamily="18" charset="0"/>
                             </a:rPr>
                           </m:ctrlPr>
                         </m:dPr>
                         <m:e>
                           <m:r>
-                            <m:rPr>
-                              <m:sty m:val="p"/>
-                            </m:rPr>
-                            <a:rPr lang="en-CA" b="0" i="0" smtClean="0">
+                            <a:rPr lang="en-CA" b="0" i="1" smtClean="0">
                               <a:latin typeface="Cambria Math" panose="02040503050406030204" pitchFamily="18" charset="0"/>
                             </a:rPr>
-                            <m:t>equation</m:t>
+                            <m:t>𝑒𝑞𝑢𝑎𝑡𝑖𝑜𝑛</m:t>
                           </m:r>
                           <m:r>
-                            <a:rPr lang="en-CA" b="0" i="0" smtClean="0">
+                            <a:rPr lang="en-CA" b="0" i="1" smtClean="0">
                               <a:latin typeface="Cambria Math" panose="02040503050406030204" pitchFamily="18" charset="0"/>
                             </a:rPr>
                             <m:t> 1</m:t>
@@ -6344,6 +10146,7 @@
                 <a:endParaRPr lang="en-CA" b="0" dirty="0"/>
               </a:p>
               <a:p>
+                <a:pPr/>
                 <a14:m>
                   <m:oMathPara xmlns:m="http://schemas.openxmlformats.org/officeDocument/2006/math">
                     <m:oMathParaPr>
@@ -6353,7 +10156,7 @@
                       <m:f>
                         <m:fPr>
                           <m:ctrlPr>
-                            <a:rPr lang="en-CA">
+                            <a:rPr lang="en-CA" i="1">
                               <a:latin typeface="Cambria Math" panose="02040503050406030204" pitchFamily="18" charset="0"/>
                             </a:rPr>
                           </m:ctrlPr>
@@ -6362,7 +10165,7 @@
                           <m:sSub>
                             <m:sSubPr>
                               <m:ctrlPr>
-                                <a:rPr lang="en-CA">
+                                <a:rPr lang="en-CA" i="1">
                                   <a:latin typeface="Cambria Math" panose="02040503050406030204" pitchFamily="18" charset="0"/>
                                 </a:rPr>
                               </m:ctrlPr>
@@ -6399,7 +10202,7 @@
                           <m:sSub>
                             <m:sSubPr>
                               <m:ctrlPr>
-                                <a:rPr lang="en-CA">
+                                <a:rPr lang="en-CA" i="1">
                                   <a:latin typeface="Cambria Math" panose="02040503050406030204" pitchFamily="18" charset="0"/>
                                 </a:rPr>
                               </m:ctrlPr>
@@ -6464,7 +10267,7 @@
                       <m:f>
                         <m:fPr>
                           <m:ctrlPr>
-                            <a:rPr lang="en-CA">
+                            <a:rPr lang="en-CA" i="1">
                               <a:latin typeface="Cambria Math" panose="02040503050406030204" pitchFamily="18" charset="0"/>
                             </a:rPr>
                           </m:ctrlPr>
@@ -6473,7 +10276,7 @@
                           <m:sSub>
                             <m:sSubPr>
                               <m:ctrlPr>
-                                <a:rPr lang="en-CA">
+                                <a:rPr lang="en-CA" i="1">
                                   <a:latin typeface="Cambria Math" panose="02040503050406030204" pitchFamily="18" charset="0"/>
                                 </a:rPr>
                               </m:ctrlPr>
@@ -6506,7 +10309,7 @@
                           <m:sSub>
                             <m:sSubPr>
                               <m:ctrlPr>
-                                <a:rPr lang="en-CA">
+                                <a:rPr lang="en-CA" i="1">
                                   <a:latin typeface="Cambria Math" panose="02040503050406030204" pitchFamily="18" charset="0"/>
                                 </a:rPr>
                               </m:ctrlPr>
@@ -6542,7 +10345,7 @@
                       <m:d>
                         <m:dPr>
                           <m:ctrlPr>
-                            <a:rPr lang="en-CA">
+                            <a:rPr lang="en-CA" i="1">
                               <a:latin typeface="Cambria Math" panose="02040503050406030204" pitchFamily="18" charset="0"/>
                             </a:rPr>
                           </m:ctrlPr>
@@ -6574,6 +10377,7 @@
                 <a:endParaRPr lang="en-CA" b="0" dirty="0"/>
               </a:p>
               <a:p>
+                <a:pPr/>
                 <a14:m>
                   <m:oMathPara xmlns:m="http://schemas.openxmlformats.org/officeDocument/2006/math">
                     <m:oMathParaPr>
@@ -6613,7 +10417,7 @@
                       <m:sSub>
                         <m:sSubPr>
                           <m:ctrlPr>
-                            <a:rPr lang="en-CA">
+                            <a:rPr lang="en-CA" i="1">
                               <a:latin typeface="Cambria Math" panose="02040503050406030204" pitchFamily="18" charset="0"/>
                             </a:rPr>
                           </m:ctrlPr>
@@ -6650,7 +10454,7 @@
                       <m:f>
                         <m:fPr>
                           <m:ctrlPr>
-                            <a:rPr lang="en-CA">
+                            <a:rPr lang="en-CA" i="1">
                               <a:latin typeface="Cambria Math" panose="02040503050406030204" pitchFamily="18" charset="0"/>
                             </a:rPr>
                           </m:ctrlPr>
@@ -6659,7 +10463,7 @@
                           <m:sSub>
                             <m:sSubPr>
                               <m:ctrlPr>
-                                <a:rPr lang="en-CA">
+                                <a:rPr lang="en-CA" i="1">
                                   <a:latin typeface="Cambria Math" panose="02040503050406030204" pitchFamily="18" charset="0"/>
                                 </a:rPr>
                               </m:ctrlPr>
@@ -6701,7 +10505,7 @@
                           <m:f>
                             <m:fPr>
                               <m:ctrlPr>
-                                <a:rPr lang="en-CA" smtClean="0">
+                                <a:rPr lang="en-CA" i="1" smtClean="0">
                                   <a:latin typeface="Cambria Math" panose="02040503050406030204" pitchFamily="18" charset="0"/>
                                 </a:rPr>
                               </m:ctrlPr>
@@ -6736,7 +10540,7 @@
                               <m:sSub>
                                 <m:sSubPr>
                                   <m:ctrlPr>
-                                    <a:rPr lang="en-CA" smtClean="0">
+                                    <a:rPr lang="en-CA" i="1" smtClean="0">
                                       <a:latin typeface="Cambria Math" panose="02040503050406030204" pitchFamily="18" charset="0"/>
                                     </a:rPr>
                                   </m:ctrlPr>
@@ -6780,6 +10584,7 @@
                 <a:endParaRPr lang="en-CA" b="0" dirty="0"/>
               </a:p>
               <a:p>
+                <a:pPr/>
                 <a14:m>
                   <m:oMathPara xmlns:m="http://schemas.openxmlformats.org/officeDocument/2006/math">
                     <m:oMathParaPr>
@@ -6804,7 +10609,7 @@
                       <m:sSub>
                         <m:sSubPr>
                           <m:ctrlPr>
-                            <a:rPr lang="en-CA">
+                            <a:rPr lang="en-CA" i="1">
                               <a:latin typeface="Cambria Math" panose="02040503050406030204" pitchFamily="18" charset="0"/>
                             </a:rPr>
                           </m:ctrlPr>
@@ -6885,6 +10690,7 @@
                 </a:endParaRPr>
               </a:p>
               <a:p>
+                <a:pPr/>
                 <a14:m>
                   <m:oMathPara xmlns:m="http://schemas.openxmlformats.org/officeDocument/2006/math">
                     <m:oMathParaPr>
@@ -6900,7 +10706,7 @@
                       <m:f>
                         <m:fPr>
                           <m:ctrlPr>
-                            <a:rPr lang="en-CA">
+                            <a:rPr lang="en-CA" i="1">
                               <a:latin typeface="Cambria Math" panose="02040503050406030204" pitchFamily="18" charset="0"/>
                             </a:rPr>
                           </m:ctrlPr>
@@ -6909,7 +10715,7 @@
                           <m:sSub>
                             <m:sSubPr>
                               <m:ctrlPr>
-                                <a:rPr lang="en-CA">
+                                <a:rPr lang="en-CA" i="1">
                                   <a:latin typeface="Cambria Math" panose="02040503050406030204" pitchFamily="18" charset="0"/>
                                 </a:rPr>
                               </m:ctrlPr>
@@ -6946,7 +10752,7 @@
                           <m:f>
                             <m:fPr>
                               <m:ctrlPr>
-                                <a:rPr lang="en-CA">
+                                <a:rPr lang="en-CA" i="1">
                                   <a:latin typeface="Cambria Math" panose="02040503050406030204" pitchFamily="18" charset="0"/>
                                 </a:rPr>
                               </m:ctrlPr>
@@ -6955,7 +10761,7 @@
                               <m:sSub>
                                 <m:sSubPr>
                                   <m:ctrlPr>
-                                    <a:rPr lang="en-CA">
+                                    <a:rPr lang="en-CA" i="1">
                                       <a:latin typeface="Cambria Math" panose="02040503050406030204" pitchFamily="18" charset="0"/>
                                     </a:rPr>
                                   </m:ctrlPr>
@@ -6979,16 +10785,7 @@
                                     <a:rPr lang="en-CA" i="0">
                                       <a:latin typeface="Cambria Math" panose="02040503050406030204" pitchFamily="18" charset="0"/>
                                     </a:rPr>
-                                    <m:t>i</m:t>
-                                  </m:r>
-                                  <m:r>
-                                    <m:rPr>
-                                      <m:sty m:val="p"/>
-                                    </m:rPr>
-                                    <a:rPr lang="en-CA" i="0">
-                                      <a:latin typeface="Cambria Math" panose="02040503050406030204" pitchFamily="18" charset="0"/>
-                                    </a:rPr>
-                                    <m:t>n</m:t>
+                                    <m:t>in</m:t>
                                   </m:r>
                                 </m:sub>
                               </m:sSub>
@@ -6997,7 +10794,7 @@
                               <m:f>
                                 <m:fPr>
                                   <m:ctrlPr>
-                                    <a:rPr lang="en-CA">
+                                    <a:rPr lang="en-CA" i="1">
                                       <a:latin typeface="Cambria Math" panose="02040503050406030204" pitchFamily="18" charset="0"/>
                                     </a:rPr>
                                   </m:ctrlPr>
@@ -7032,7 +10829,7 @@
                                   <m:sSub>
                                     <m:sSubPr>
                                       <m:ctrlPr>
-                                        <a:rPr lang="en-CA">
+                                        <a:rPr lang="en-CA" i="1">
                                           <a:latin typeface="Cambria Math" panose="02040503050406030204" pitchFamily="18" charset="0"/>
                                         </a:rPr>
                                       </m:ctrlPr>
@@ -7072,7 +10869,7 @@
                           <m:sSub>
                             <m:sSubPr>
                               <m:ctrlPr>
-                                <a:rPr lang="en-CA">
+                                <a:rPr lang="en-CA" i="1">
                                   <a:latin typeface="Cambria Math" panose="02040503050406030204" pitchFamily="18" charset="0"/>
                                 </a:rPr>
                               </m:ctrlPr>
@@ -7108,7 +10905,7 @@
                       <m:d>
                         <m:dPr>
                           <m:ctrlPr>
-                            <a:rPr lang="en-CA">
+                            <a:rPr lang="en-CA" i="1">
                               <a:latin typeface="Cambria Math" panose="02040503050406030204" pitchFamily="18" charset="0"/>
                             </a:rPr>
                           </m:ctrlPr>
@@ -7117,7 +10914,7 @@
                           <m:f>
                             <m:fPr>
                               <m:ctrlPr>
-                                <a:rPr lang="en-CA">
+                                <a:rPr lang="en-CA" i="1">
                                   <a:latin typeface="Cambria Math" panose="02040503050406030204" pitchFamily="18" charset="0"/>
                                 </a:rPr>
                               </m:ctrlPr>
@@ -7126,7 +10923,7 @@
                               <m:sSub>
                                 <m:sSubPr>
                                   <m:ctrlPr>
-                                    <a:rPr lang="en-CA">
+                                    <a:rPr lang="en-CA" i="1">
                                       <a:latin typeface="Cambria Math" panose="02040503050406030204" pitchFamily="18" charset="0"/>
                                     </a:rPr>
                                   </m:ctrlPr>
@@ -7150,16 +10947,7 @@
                                     <a:rPr lang="en-CA" i="0">
                                       <a:latin typeface="Cambria Math" panose="02040503050406030204" pitchFamily="18" charset="0"/>
                                     </a:rPr>
-                                    <m:t>i</m:t>
-                                  </m:r>
-                                  <m:r>
-                                    <m:rPr>
-                                      <m:sty m:val="p"/>
-                                    </m:rPr>
-                                    <a:rPr lang="en-CA" i="0">
-                                      <a:latin typeface="Cambria Math" panose="02040503050406030204" pitchFamily="18" charset="0"/>
-                                    </a:rPr>
-                                    <m:t>n</m:t>
+                                    <m:t>in</m:t>
                                   </m:r>
                                 </m:sub>
                               </m:sSub>
@@ -7168,7 +10956,7 @@
                               <m:f>
                                 <m:fPr>
                                   <m:ctrlPr>
-                                    <a:rPr lang="en-CA">
+                                    <a:rPr lang="en-CA" i="1">
                                       <a:latin typeface="Cambria Math" panose="02040503050406030204" pitchFamily="18" charset="0"/>
                                     </a:rPr>
                                   </m:ctrlPr>
@@ -7203,7 +10991,7 @@
                                   <m:sSub>
                                     <m:sSubPr>
                                       <m:ctrlPr>
-                                        <a:rPr lang="en-CA">
+                                        <a:rPr lang="en-CA" i="1">
                                           <a:latin typeface="Cambria Math" panose="02040503050406030204" pitchFamily="18" charset="0"/>
                                         </a:rPr>
                                       </m:ctrlPr>
@@ -7247,7 +11035,7 @@
                           <m:sSub>
                             <m:sSubPr>
                               <m:ctrlPr>
-                                <a:rPr lang="en-CA">
+                                <a:rPr lang="en-CA" i="1">
                                   <a:latin typeface="Cambria Math" panose="02040503050406030204" pitchFamily="18" charset="0"/>
                                 </a:rPr>
                               </m:ctrlPr>
@@ -7321,7 +11109,7 @@
             <p:spPr>
               <a:xfrm>
                 <a:off x="6796353" y="443656"/>
-                <a:ext cx="4952145" cy="5587683"/>
+                <a:ext cx="4952145" cy="5307415"/>
               </a:xfrm>
               <a:prstGeom prst="rect">
                 <a:avLst/>
@@ -7389,8 +11177,8 @@
           </a:fontRef>
         </p:style>
       </p:cxnSp>
-      <mc:AlternateContent xmlns:mc="http://schemas.openxmlformats.org/markup-compatibility/2006">
-        <mc:Choice xmlns:a14="http://schemas.microsoft.com/office/drawing/2010/main" Requires="a14">
+      <mc:AlternateContent xmlns:mc="http://schemas.openxmlformats.org/markup-compatibility/2006" xmlns:a14="http://schemas.microsoft.com/office/drawing/2010/main">
+        <mc:Choice Requires="a14">
           <p:sp>
             <p:nvSpPr>
               <p:cNvPr id="11" name="Rectangle 10">
@@ -7418,6 +11206,7 @@
               </a:bodyPr>
               <a:lstStyle/>
               <a:p>
+                <a:pPr/>
                 <a14:m>
                   <m:oMathPara xmlns:m="http://schemas.openxmlformats.org/officeDocument/2006/math">
                     <m:oMathParaPr>
@@ -7469,7 +11258,7 @@
             </p:txBody>
           </p:sp>
         </mc:Choice>
-        <mc:Fallback>
+        <mc:Fallback xmlns="">
           <p:sp>
             <p:nvSpPr>
               <p:cNvPr id="11" name="Rectangle 10">
@@ -7514,8 +11303,8 @@
           </p:sp>
         </mc:Fallback>
       </mc:AlternateContent>
-      <mc:AlternateContent xmlns:mc="http://schemas.openxmlformats.org/markup-compatibility/2006">
-        <mc:Choice xmlns:a14="http://schemas.microsoft.com/office/drawing/2010/main" Requires="a14">
+      <mc:AlternateContent xmlns:mc="http://schemas.openxmlformats.org/markup-compatibility/2006" xmlns:a14="http://schemas.microsoft.com/office/drawing/2010/main">
+        <mc:Choice Requires="a14">
           <p:sp>
             <p:nvSpPr>
               <p:cNvPr id="12" name="Rectangle 11">
@@ -7543,6 +11332,7 @@
               </a:bodyPr>
               <a:lstStyle/>
               <a:p>
+                <a:pPr/>
                 <a14:m>
                   <m:oMathPara xmlns:m="http://schemas.openxmlformats.org/officeDocument/2006/math">
                     <m:oMathParaPr>
@@ -7594,7 +11384,7 @@
             </p:txBody>
           </p:sp>
         </mc:Choice>
-        <mc:Fallback>
+        <mc:Fallback xmlns="">
           <p:sp>
             <p:nvSpPr>
               <p:cNvPr id="12" name="Rectangle 11">
@@ -7696,7 +11486,7 @@
             </p:nvSpPr>
             <p:spPr>
               <a:xfrm>
-                <a:off x="7337344" y="5853883"/>
+                <a:off x="7337344" y="5715224"/>
                 <a:ext cx="3870162" cy="658065"/>
               </a:xfrm>
               <a:prstGeom prst="rect">
@@ -7720,13 +11510,13 @@
                         <m:rPr>
                           <m:sty m:val="p"/>
                         </m:rPr>
-                        <a:rPr lang="en-CA">
+                        <a:rPr lang="en-CA" smtClean="0">
                           <a:latin typeface="Cambria Math" panose="02040503050406030204" pitchFamily="18" charset="0"/>
                         </a:rPr>
                         <m:t>simplifies</m:t>
                       </m:r>
                       <m:r>
-                        <a:rPr lang="en-CA">
+                        <a:rPr lang="en-CA" smtClean="0">
                           <a:latin typeface="Cambria Math" panose="02040503050406030204" pitchFamily="18" charset="0"/>
                         </a:rPr>
                         <m:t> </m:t>
@@ -7735,13 +11525,13 @@
                         <m:rPr>
                           <m:sty m:val="p"/>
                         </m:rPr>
-                        <a:rPr lang="en-CA">
+                        <a:rPr lang="en-CA" smtClean="0">
                           <a:latin typeface="Cambria Math" panose="02040503050406030204" pitchFamily="18" charset="0"/>
                         </a:rPr>
                         <m:t>to</m:t>
                       </m:r>
                       <m:r>
-                        <a:rPr lang="en-CA">
+                        <a:rPr lang="en-CA" smtClean="0">
                           <a:latin typeface="Cambria Math" panose="02040503050406030204" pitchFamily="18" charset="0"/>
                         </a:rPr>
                         <m:t> </m:t>
@@ -7926,10 +11716,10 @@
                             </m:sub>
                           </m:sSub>
                           <m:r>
-                            <a:rPr lang="en-CA" b="1">
+                            <a:rPr lang="en-CA" b="1" i="0" smtClean="0">
                               <a:latin typeface="Cambria Math" panose="02040503050406030204" pitchFamily="18" charset="0"/>
                             </a:rPr>
-                            <m:t>𝐒</m:t>
+                            <m:t>𝐬</m:t>
                           </m:r>
                           <m:r>
                             <a:rPr lang="en-CA" b="1">
@@ -8020,7 +11810,7 @@
             </p:nvSpPr>
             <p:spPr>
               <a:xfrm>
-                <a:off x="7337344" y="5853883"/>
+                <a:off x="7337344" y="5715224"/>
                 <a:ext cx="3870162" cy="658065"/>
               </a:xfrm>
               <a:prstGeom prst="rect">
@@ -8048,6 +11838,45 @@
           </p:sp>
         </mc:Fallback>
       </mc:AlternateContent>
+      <p:sp>
+        <p:nvSpPr>
+          <p:cNvPr id="14" name="TextBox 13">
+            <a:extLst>
+              <a:ext uri="{FF2B5EF4-FFF2-40B4-BE49-F238E27FC236}">
+                <a16:creationId xmlns:a16="http://schemas.microsoft.com/office/drawing/2014/main" id="{C83B212C-1C07-4015-9C4C-A42A0AE246DE}"/>
+              </a:ext>
+            </a:extLst>
+          </p:cNvPr>
+          <p:cNvSpPr txBox="1"/>
+          <p:nvPr/>
+        </p:nvSpPr>
+        <p:spPr>
+          <a:xfrm>
+            <a:off x="4487364" y="150470"/>
+            <a:ext cx="3217291" cy="646331"/>
+          </a:xfrm>
+          <a:prstGeom prst="rect">
+            <a:avLst/>
+          </a:prstGeom>
+          <a:noFill/>
+        </p:spPr>
+        <p:txBody>
+          <a:bodyPr wrap="none" rtlCol="0">
+            <a:spAutoFit/>
+          </a:bodyPr>
+          <a:lstStyle/>
+          <a:p>
+            <a:pPr algn="ctr"/>
+            <a:r>
+              <a:rPr lang="en-CA" sz="3600" dirty="0">
+                <a:latin typeface="Segoe UI Light" panose="020B0502040204020203" pitchFamily="34" charset="0"/>
+                <a:cs typeface="Segoe UI Light" panose="020B0502040204020203" pitchFamily="34" charset="0"/>
+              </a:rPr>
+              <a:t>Power Amplifier</a:t>
+            </a:r>
+          </a:p>
+        </p:txBody>
+      </p:sp>
     </p:spTree>
     <p:extLst>
       <p:ext uri="{BB962C8B-B14F-4D97-AF65-F5344CB8AC3E}">
@@ -8061,7 +11890,7 @@
 </p:sld>
 </file>
 
-<file path=ppt/slides/slide5.xml><?xml version="1.0" encoding="utf-8"?>
+<file path=ppt/slides/slide7.xml><?xml version="1.0" encoding="utf-8"?>
 <p:sld xmlns:a="http://schemas.openxmlformats.org/drawingml/2006/main" xmlns:r="http://schemas.openxmlformats.org/officeDocument/2006/relationships" xmlns:p="http://schemas.openxmlformats.org/presentationml/2006/main">
   <p:cSld>
     <p:spTree>
@@ -8080,54 +11909,44 @@
       </p:grpSpPr>
       <p:sp>
         <p:nvSpPr>
-          <p:cNvPr id="2" name="Title 1">
+          <p:cNvPr id="6" name="TextBox 5">
             <a:extLst>
               <a:ext uri="{FF2B5EF4-FFF2-40B4-BE49-F238E27FC236}">
-                <a16:creationId xmlns:a16="http://schemas.microsoft.com/office/drawing/2014/main" id="{5627119E-A18E-468D-988F-32F7DB984723}"/>
+                <a16:creationId xmlns:a16="http://schemas.microsoft.com/office/drawing/2014/main" id="{4B16F63E-543A-45CE-B8A4-DA2F5634CCFA}"/>
               </a:ext>
             </a:extLst>
           </p:cNvPr>
-          <p:cNvSpPr>
-            <a:spLocks noGrp="1"/>
-          </p:cNvSpPr>
-          <p:nvPr>
-            <p:ph type="title"/>
-          </p:nvPr>
+          <p:cNvSpPr txBox="1"/>
+          <p:nvPr/>
         </p:nvSpPr>
-        <p:spPr/>
+        <p:spPr>
+          <a:xfrm>
+            <a:off x="4336547" y="150470"/>
+            <a:ext cx="3518912" cy="646331"/>
+          </a:xfrm>
+          <a:prstGeom prst="rect">
+            <a:avLst/>
+          </a:prstGeom>
+          <a:noFill/>
+        </p:spPr>
         <p:txBody>
-          <a:bodyPr/>
+          <a:bodyPr wrap="none" rtlCol="0">
+            <a:spAutoFit/>
+          </a:bodyPr>
           <a:lstStyle/>
           <a:p>
+            <a:pPr algn="ctr"/>
             <a:r>
-              <a:rPr lang="en-CA" dirty="0"/>
-              <a:t>Electrical Motor Dynamics </a:t>
+              <a:rPr lang="en-CA" sz="3600">
+                <a:latin typeface="Segoe UI Light" panose="020B0502040204020203" pitchFamily="34" charset="0"/>
+                <a:cs typeface="Segoe UI Light" panose="020B0502040204020203" pitchFamily="34" charset="0"/>
+              </a:rPr>
+              <a:t>Electric Dynamics</a:t>
             </a:r>
-          </a:p>
-        </p:txBody>
-      </p:sp>
-      <p:sp>
-        <p:nvSpPr>
-          <p:cNvPr id="3" name="Content Placeholder 2">
-            <a:extLst>
-              <a:ext uri="{FF2B5EF4-FFF2-40B4-BE49-F238E27FC236}">
-                <a16:creationId xmlns:a16="http://schemas.microsoft.com/office/drawing/2014/main" id="{C13950B7-2D31-4110-92D4-014344DB4B3F}"/>
-              </a:ext>
-            </a:extLst>
-          </p:cNvPr>
-          <p:cNvSpPr>
-            <a:spLocks noGrp="1"/>
-          </p:cNvSpPr>
-          <p:nvPr>
-            <p:ph idx="1"/>
-          </p:nvPr>
-        </p:nvSpPr>
-        <p:spPr/>
-        <p:txBody>
-          <a:bodyPr/>
-          <a:lstStyle/>
-          <a:p>
-            <a:endParaRPr lang="en-CA" dirty="0"/>
+            <a:endParaRPr lang="en-CA" sz="3600" dirty="0">
+              <a:latin typeface="Segoe UI Light" panose="020B0502040204020203" pitchFamily="34" charset="0"/>
+              <a:cs typeface="Segoe UI Light" panose="020B0502040204020203" pitchFamily="34" charset="0"/>
+            </a:endParaRPr>
           </a:p>
         </p:txBody>
       </p:sp>
@@ -8144,7 +11963,7 @@
 </p:sld>
 </file>
 
-<file path=ppt/slides/slide6.xml><?xml version="1.0" encoding="utf-8"?>
+<file path=ppt/slides/slide8.xml><?xml version="1.0" encoding="utf-8"?>
 <p:sld xmlns:a="http://schemas.openxmlformats.org/drawingml/2006/main" xmlns:r="http://schemas.openxmlformats.org/officeDocument/2006/relationships" xmlns:p="http://schemas.openxmlformats.org/presentationml/2006/main">
   <p:cSld>
     <p:spTree>
@@ -8161,8 +11980,8 @@
           <a:chExt cx="0" cy="0"/>
         </a:xfrm>
       </p:grpSpPr>
-      <mc:AlternateContent xmlns:mc="http://schemas.openxmlformats.org/markup-compatibility/2006">
-        <mc:Choice xmlns:a14="http://schemas.microsoft.com/office/drawing/2010/main" Requires="a14">
+      <mc:AlternateContent xmlns:mc="http://schemas.openxmlformats.org/markup-compatibility/2006" xmlns:a14="http://schemas.microsoft.com/office/drawing/2010/main">
+        <mc:Choice Requires="a14">
           <p:sp>
             <p:nvSpPr>
               <p:cNvPr id="2" name="Title 1">
@@ -8225,7 +12044,7 @@
             </p:txBody>
           </p:sp>
         </mc:Choice>
-        <mc:Fallback>
+        <mc:Fallback xmlns="">
           <p:sp>
             <p:nvSpPr>
               <p:cNvPr id="2" name="Title 1">
@@ -8265,8 +12084,8 @@
           </p:sp>
         </mc:Fallback>
       </mc:AlternateContent>
-      <mc:AlternateContent xmlns:mc="http://schemas.openxmlformats.org/markup-compatibility/2006">
-        <mc:Choice xmlns:a14="http://schemas.microsoft.com/office/drawing/2010/main" Requires="a14">
+      <mc:AlternateContent xmlns:mc="http://schemas.openxmlformats.org/markup-compatibility/2006" xmlns:a14="http://schemas.microsoft.com/office/drawing/2010/main">
+        <mc:Choice Requires="a14">
           <p:sp>
             <p:nvSpPr>
               <p:cNvPr id="3" name="Content Placeholder 2">
@@ -8326,7 +12145,7 @@
             </p:txBody>
           </p:sp>
         </mc:Choice>
-        <mc:Fallback>
+        <mc:Fallback xmlns="">
           <p:sp>
             <p:nvSpPr>
               <p:cNvPr id="3" name="Content Placeholder 2">
@@ -8370,8 +12189,8 @@
           </p:sp>
         </mc:Fallback>
       </mc:AlternateContent>
-      <mc:AlternateContent xmlns:mc="http://schemas.openxmlformats.org/markup-compatibility/2006">
-        <mc:Choice xmlns:a14="http://schemas.microsoft.com/office/drawing/2010/main" Requires="a14">
+      <mc:AlternateContent xmlns:mc="http://schemas.openxmlformats.org/markup-compatibility/2006" xmlns:a14="http://schemas.microsoft.com/office/drawing/2010/main">
+        <mc:Choice Requires="a14">
           <p:sp>
             <p:nvSpPr>
               <p:cNvPr id="4" name="Content Placeholder 2">
@@ -8598,7 +12417,7 @@
             </p:txBody>
           </p:sp>
         </mc:Choice>
-        <mc:Fallback>
+        <mc:Fallback xmlns="">
           <p:sp>
             <p:nvSpPr>
               <p:cNvPr id="4" name="Content Placeholder 2">
@@ -8656,7 +12475,7 @@
 </p:sld>
 </file>
 
-<file path=ppt/slides/slide7.xml><?xml version="1.0" encoding="utf-8"?>
+<file path=ppt/slides/slide9.xml><?xml version="1.0" encoding="utf-8"?>
 <p:sld xmlns:a="http://schemas.openxmlformats.org/drawingml/2006/main" xmlns:r="http://schemas.openxmlformats.org/officeDocument/2006/relationships" xmlns:p="http://schemas.openxmlformats.org/presentationml/2006/main">
   <p:cSld>
     <p:spTree>
@@ -8673,8 +12492,8 @@
           <a:chExt cx="0" cy="0"/>
         </a:xfrm>
       </p:grpSpPr>
-      <mc:AlternateContent xmlns:mc="http://schemas.openxmlformats.org/markup-compatibility/2006">
-        <mc:Choice xmlns:a14="http://schemas.microsoft.com/office/drawing/2010/main" Requires="a14">
+      <mc:AlternateContent xmlns:mc="http://schemas.openxmlformats.org/markup-compatibility/2006" xmlns:a14="http://schemas.microsoft.com/office/drawing/2010/main">
+        <mc:Choice Requires="a14">
           <p:sp>
             <p:nvSpPr>
               <p:cNvPr id="2" name="Title 1">
@@ -8737,7 +12556,7 @@
             </p:txBody>
           </p:sp>
         </mc:Choice>
-        <mc:Fallback>
+        <mc:Fallback xmlns="">
           <p:sp>
             <p:nvSpPr>
               <p:cNvPr id="2" name="Title 1">
@@ -8777,8 +12596,8 @@
           </p:sp>
         </mc:Fallback>
       </mc:AlternateContent>
-      <mc:AlternateContent xmlns:mc="http://schemas.openxmlformats.org/markup-compatibility/2006">
-        <mc:Choice xmlns:a14="http://schemas.microsoft.com/office/drawing/2010/main" Requires="a14">
+      <mc:AlternateContent xmlns:mc="http://schemas.openxmlformats.org/markup-compatibility/2006" xmlns:a14="http://schemas.microsoft.com/office/drawing/2010/main">
+        <mc:Choice Requires="a14">
           <p:sp>
             <p:nvSpPr>
               <p:cNvPr id="3" name="Content Placeholder 2">
@@ -9159,7 +12978,7 @@
             </p:txBody>
           </p:sp>
         </mc:Choice>
-        <mc:Fallback>
+        <mc:Fallback xmlns="">
           <p:sp>
             <p:nvSpPr>
               <p:cNvPr id="3" name="Content Placeholder 2">
@@ -9203,8 +13022,8 @@
           </p:sp>
         </mc:Fallback>
       </mc:AlternateContent>
-      <mc:AlternateContent xmlns:mc="http://schemas.openxmlformats.org/markup-compatibility/2006">
-        <mc:Choice xmlns:a14="http://schemas.microsoft.com/office/drawing/2010/main" Requires="a14">
+      <mc:AlternateContent xmlns:mc="http://schemas.openxmlformats.org/markup-compatibility/2006" xmlns:a14="http://schemas.microsoft.com/office/drawing/2010/main">
+        <mc:Choice Requires="a14">
           <p:sp>
             <p:nvSpPr>
               <p:cNvPr id="5" name="Rectangle 4">
@@ -9232,6 +13051,7 @@
               </a:bodyPr>
               <a:lstStyle/>
               <a:p>
+                <a:pPr/>
                 <a14:m>
                   <m:oMathPara xmlns:m="http://schemas.openxmlformats.org/officeDocument/2006/math">
                     <m:oMathParaPr>
@@ -9480,7 +13300,7 @@
             </p:txBody>
           </p:sp>
         </mc:Choice>
-        <mc:Fallback>
+        <mc:Fallback xmlns="">
           <p:sp>
             <p:nvSpPr>
               <p:cNvPr id="5" name="Rectangle 4">
@@ -9525,8 +13345,8 @@
           </p:sp>
         </mc:Fallback>
       </mc:AlternateContent>
-      <mc:AlternateContent xmlns:mc="http://schemas.openxmlformats.org/markup-compatibility/2006">
-        <mc:Choice xmlns:a14="http://schemas.microsoft.com/office/drawing/2010/main" Requires="a14">
+      <mc:AlternateContent xmlns:mc="http://schemas.openxmlformats.org/markup-compatibility/2006" xmlns:a14="http://schemas.microsoft.com/office/drawing/2010/main">
+        <mc:Choice Requires="a14">
           <p:sp>
             <p:nvSpPr>
               <p:cNvPr id="6" name="Rectangle 5">
@@ -9554,6 +13374,7 @@
               </a:bodyPr>
               <a:lstStyle/>
               <a:p>
+                <a:pPr/>
                 <a14:m>
                   <m:oMathPara xmlns:m="http://schemas.openxmlformats.org/officeDocument/2006/math">
                     <m:oMathParaPr>
@@ -9605,7 +13426,7 @@
             </p:txBody>
           </p:sp>
         </mc:Choice>
-        <mc:Fallback>
+        <mc:Fallback xmlns="">
           <p:sp>
             <p:nvSpPr>
               <p:cNvPr id="6" name="Rectangle 5">
@@ -9650,8 +13471,8 @@
           </p:sp>
         </mc:Fallback>
       </mc:AlternateContent>
-      <mc:AlternateContent xmlns:mc="http://schemas.openxmlformats.org/markup-compatibility/2006">
-        <mc:Choice xmlns:a14="http://schemas.microsoft.com/office/drawing/2010/main" Requires="a14">
+      <mc:AlternateContent xmlns:mc="http://schemas.openxmlformats.org/markup-compatibility/2006" xmlns:a14="http://schemas.microsoft.com/office/drawing/2010/main">
+        <mc:Choice Requires="a14">
           <p:sp>
             <p:nvSpPr>
               <p:cNvPr id="7" name="Rectangle 6">
@@ -9679,6 +13500,7 @@
               </a:bodyPr>
               <a:lstStyle/>
               <a:p>
+                <a:pPr/>
                 <a14:m>
                   <m:oMathPara xmlns:m="http://schemas.openxmlformats.org/officeDocument/2006/math">
                     <m:oMathParaPr>
@@ -9816,7 +13638,7 @@
             </p:txBody>
           </p:sp>
         </mc:Choice>
-        <mc:Fallback>
+        <mc:Fallback xmlns="">
           <p:sp>
             <p:nvSpPr>
               <p:cNvPr id="7" name="Rectangle 6">
@@ -10101,8 +13923,8 @@
           </a:fontRef>
         </p:style>
       </p:cxnSp>
-      <mc:AlternateContent xmlns:mc="http://schemas.openxmlformats.org/markup-compatibility/2006">
-        <mc:Choice xmlns:a14="http://schemas.microsoft.com/office/drawing/2010/main" Requires="a14">
+      <mc:AlternateContent xmlns:mc="http://schemas.openxmlformats.org/markup-compatibility/2006" xmlns:a14="http://schemas.microsoft.com/office/drawing/2010/main">
+        <mc:Choice Requires="a14">
           <p:sp>
             <p:nvSpPr>
               <p:cNvPr id="28" name="Rectangle 27">
@@ -10130,6 +13952,7 @@
               </a:bodyPr>
               <a:lstStyle/>
               <a:p>
+                <a:pPr/>
                 <a14:m>
                   <m:oMathPara xmlns:m="http://schemas.openxmlformats.org/officeDocument/2006/math">
                     <m:oMathParaPr>
@@ -10287,7 +14110,7 @@
             </p:txBody>
           </p:sp>
         </mc:Choice>
-        <mc:Fallback>
+        <mc:Fallback xmlns="">
           <p:sp>
             <p:nvSpPr>
               <p:cNvPr id="28" name="Rectangle 27">
@@ -10332,8 +14155,8 @@
           </p:sp>
         </mc:Fallback>
       </mc:AlternateContent>
-      <mc:AlternateContent xmlns:mc="http://schemas.openxmlformats.org/markup-compatibility/2006">
-        <mc:Choice xmlns:a14="http://schemas.microsoft.com/office/drawing/2010/main" Requires="a14">
+      <mc:AlternateContent xmlns:mc="http://schemas.openxmlformats.org/markup-compatibility/2006" xmlns:a14="http://schemas.microsoft.com/office/drawing/2010/main">
+        <mc:Choice Requires="a14">
           <p:sp>
             <p:nvSpPr>
               <p:cNvPr id="29" name="Rectangle 28">
@@ -10361,6 +14184,7 @@
               </a:bodyPr>
               <a:lstStyle/>
               <a:p>
+                <a:pPr/>
                 <a14:m>
                   <m:oMathPara xmlns:m="http://schemas.openxmlformats.org/officeDocument/2006/math">
                     <m:oMathParaPr>
@@ -10518,7 +14342,7 @@
             </p:txBody>
           </p:sp>
         </mc:Choice>
-        <mc:Fallback>
+        <mc:Fallback xmlns="">
           <p:sp>
             <p:nvSpPr>
               <p:cNvPr id="29" name="Rectangle 28">
@@ -10605,8 +14429,8 @@
           </a:fontRef>
         </p:style>
       </p:cxnSp>
-      <mc:AlternateContent xmlns:mc="http://schemas.openxmlformats.org/markup-compatibility/2006">
-        <mc:Choice xmlns:a14="http://schemas.microsoft.com/office/drawing/2010/main" Requires="a14">
+      <mc:AlternateContent xmlns:mc="http://schemas.openxmlformats.org/markup-compatibility/2006" xmlns:a14="http://schemas.microsoft.com/office/drawing/2010/main">
+        <mc:Choice Requires="a14">
           <p:sp>
             <p:nvSpPr>
               <p:cNvPr id="37" name="Rectangle 36">
@@ -10634,6 +14458,7 @@
               </a:bodyPr>
               <a:lstStyle/>
               <a:p>
+                <a:pPr/>
                 <a14:m>
                   <m:oMathPara xmlns:m="http://schemas.openxmlformats.org/officeDocument/2006/math">
                     <m:oMathParaPr>
@@ -10735,7 +14560,7 @@
             </p:txBody>
           </p:sp>
         </mc:Choice>
-        <mc:Fallback>
+        <mc:Fallback xmlns="">
           <p:sp>
             <p:nvSpPr>
               <p:cNvPr id="37" name="Rectangle 36">
@@ -10780,8 +14605,8 @@
           </p:sp>
         </mc:Fallback>
       </mc:AlternateContent>
-      <mc:AlternateContent xmlns:mc="http://schemas.openxmlformats.org/markup-compatibility/2006">
-        <mc:Choice xmlns:a14="http://schemas.microsoft.com/office/drawing/2010/main" Requires="a14">
+      <mc:AlternateContent xmlns:mc="http://schemas.openxmlformats.org/markup-compatibility/2006" xmlns:a14="http://schemas.microsoft.com/office/drawing/2010/main">
+        <mc:Choice Requires="a14">
           <p:sp>
             <p:nvSpPr>
               <p:cNvPr id="42" name="Rectangle 41">
@@ -10809,6 +14634,7 @@
               </a:bodyPr>
               <a:lstStyle/>
               <a:p>
+                <a:pPr/>
                 <a14:m>
                   <m:oMathPara xmlns:m="http://schemas.openxmlformats.org/officeDocument/2006/math">
                     <m:oMathParaPr>
@@ -10910,7 +14736,7 @@
             </p:txBody>
           </p:sp>
         </mc:Choice>
-        <mc:Fallback>
+        <mc:Fallback xmlns="">
           <p:sp>
             <p:nvSpPr>
               <p:cNvPr id="42" name="Rectangle 41">
@@ -11078,8 +14904,8 @@
           </a:fontRef>
         </p:style>
       </p:cxnSp>
-      <mc:AlternateContent xmlns:mc="http://schemas.openxmlformats.org/markup-compatibility/2006">
-        <mc:Choice xmlns:a14="http://schemas.microsoft.com/office/drawing/2010/main" Requires="a14">
+      <mc:AlternateContent xmlns:mc="http://schemas.openxmlformats.org/markup-compatibility/2006" xmlns:a14="http://schemas.microsoft.com/office/drawing/2010/main">
+        <mc:Choice Requires="a14">
           <p:sp>
             <p:nvSpPr>
               <p:cNvPr id="55" name="Rectangle 54">
@@ -11107,6 +14933,7 @@
               </a:bodyPr>
               <a:lstStyle/>
               <a:p>
+                <a:pPr/>
                 <a14:m>
                   <m:oMathPara xmlns:m="http://schemas.openxmlformats.org/officeDocument/2006/math">
                     <m:oMathParaPr>
@@ -11215,7 +15042,7 @@
             </p:txBody>
           </p:sp>
         </mc:Choice>
-        <mc:Fallback>
+        <mc:Fallback xmlns="">
           <p:sp>
             <p:nvSpPr>
               <p:cNvPr id="55" name="Rectangle 54">
@@ -11260,8 +15087,8 @@
           </p:sp>
         </mc:Fallback>
       </mc:AlternateContent>
-      <mc:AlternateContent xmlns:mc="http://schemas.openxmlformats.org/markup-compatibility/2006">
-        <mc:Choice xmlns:a14="http://schemas.microsoft.com/office/drawing/2010/main" Requires="a14">
+      <mc:AlternateContent xmlns:mc="http://schemas.openxmlformats.org/markup-compatibility/2006" xmlns:a14="http://schemas.microsoft.com/office/drawing/2010/main">
+        <mc:Choice Requires="a14">
           <p:sp>
             <p:nvSpPr>
               <p:cNvPr id="56" name="Rectangle 55">
@@ -11289,6 +15116,7 @@
               </a:bodyPr>
               <a:lstStyle/>
               <a:p>
+                <a:pPr/>
                 <a14:m>
                   <m:oMathPara xmlns:m="http://schemas.openxmlformats.org/officeDocument/2006/math">
                     <m:oMathParaPr>
@@ -11394,7 +15222,7 @@
             </p:txBody>
           </p:sp>
         </mc:Choice>
-        <mc:Fallback>
+        <mc:Fallback xmlns="">
           <p:sp>
             <p:nvSpPr>
               <p:cNvPr id="56" name="Rectangle 55">
@@ -11480,8 +15308,8 @@
           </a:fontRef>
         </p:style>
       </p:cxnSp>
-      <mc:AlternateContent xmlns:mc="http://schemas.openxmlformats.org/markup-compatibility/2006">
-        <mc:Choice xmlns:a14="http://schemas.microsoft.com/office/drawing/2010/main" Requires="a14">
+      <mc:AlternateContent xmlns:mc="http://schemas.openxmlformats.org/markup-compatibility/2006" xmlns:a14="http://schemas.microsoft.com/office/drawing/2010/main">
+        <mc:Choice Requires="a14">
           <p:sp>
             <p:nvSpPr>
               <p:cNvPr id="58" name="Rectangle 57">
@@ -11509,6 +15337,7 @@
               </a:bodyPr>
               <a:lstStyle/>
               <a:p>
+                <a:pPr/>
                 <a14:m>
                   <m:oMathPara xmlns:m="http://schemas.openxmlformats.org/officeDocument/2006/math">
                     <m:oMathParaPr>
@@ -11614,7 +15443,7 @@
             </p:txBody>
           </p:sp>
         </mc:Choice>
-        <mc:Fallback>
+        <mc:Fallback xmlns="">
           <p:sp>
             <p:nvSpPr>
               <p:cNvPr id="58" name="Rectangle 57">
@@ -11663,172 +15492,6 @@
     <p:extLst>
       <p:ext uri="{BB962C8B-B14F-4D97-AF65-F5344CB8AC3E}">
         <p14:creationId xmlns:p14="http://schemas.microsoft.com/office/powerpoint/2010/main" val="2204211826"/>
-      </p:ext>
-    </p:extLst>
-  </p:cSld>
-  <p:clrMapOvr>
-    <a:masterClrMapping/>
-  </p:clrMapOvr>
-</p:sld>
-</file>
-
-<file path=ppt/slides/slide8.xml><?xml version="1.0" encoding="utf-8"?>
-<p:sld xmlns:a="http://schemas.openxmlformats.org/drawingml/2006/main" xmlns:r="http://schemas.openxmlformats.org/officeDocument/2006/relationships" xmlns:p="http://schemas.openxmlformats.org/presentationml/2006/main">
-  <p:cSld>
-    <p:spTree>
-      <p:nvGrpSpPr>
-        <p:cNvPr id="1" name=""/>
-        <p:cNvGrpSpPr/>
-        <p:nvPr/>
-      </p:nvGrpSpPr>
-      <p:grpSpPr>
-        <a:xfrm>
-          <a:off x="0" y="0"/>
-          <a:ext cx="0" cy="0"/>
-          <a:chOff x="0" y="0"/>
-          <a:chExt cx="0" cy="0"/>
-        </a:xfrm>
-      </p:grpSpPr>
-      <p:sp>
-        <p:nvSpPr>
-          <p:cNvPr id="2" name="Title 1">
-            <a:extLst>
-              <a:ext uri="{FF2B5EF4-FFF2-40B4-BE49-F238E27FC236}">
-                <a16:creationId xmlns:a16="http://schemas.microsoft.com/office/drawing/2014/main" id="{5876BE58-00FA-4D86-85B1-AE60D67A376F}"/>
-              </a:ext>
-            </a:extLst>
-          </p:cNvPr>
-          <p:cNvSpPr>
-            <a:spLocks noGrp="1"/>
-          </p:cNvSpPr>
-          <p:nvPr>
-            <p:ph type="title"/>
-          </p:nvPr>
-        </p:nvSpPr>
-        <p:spPr/>
-        <p:txBody>
-          <a:bodyPr/>
-          <a:lstStyle/>
-          <a:p>
-            <a:r>
-              <a:rPr lang="en-CA" dirty="0"/>
-              <a:t>Sensor Dynamics </a:t>
-            </a:r>
-          </a:p>
-        </p:txBody>
-      </p:sp>
-      <p:sp>
-        <p:nvSpPr>
-          <p:cNvPr id="3" name="Content Placeholder 2">
-            <a:extLst>
-              <a:ext uri="{FF2B5EF4-FFF2-40B4-BE49-F238E27FC236}">
-                <a16:creationId xmlns:a16="http://schemas.microsoft.com/office/drawing/2014/main" id="{6B5C8586-2833-4790-A697-D19B2730A86C}"/>
-              </a:ext>
-            </a:extLst>
-          </p:cNvPr>
-          <p:cNvSpPr>
-            <a:spLocks noGrp="1"/>
-          </p:cNvSpPr>
-          <p:nvPr>
-            <p:ph idx="1"/>
-          </p:nvPr>
-        </p:nvSpPr>
-        <p:spPr/>
-        <p:txBody>
-          <a:bodyPr/>
-          <a:lstStyle/>
-          <a:p>
-            <a:endParaRPr lang="en-CA"/>
-          </a:p>
-        </p:txBody>
-      </p:sp>
-    </p:spTree>
-    <p:extLst>
-      <p:ext uri="{BB962C8B-B14F-4D97-AF65-F5344CB8AC3E}">
-        <p14:creationId xmlns:p14="http://schemas.microsoft.com/office/powerpoint/2010/main" val="1665947757"/>
-      </p:ext>
-    </p:extLst>
-  </p:cSld>
-  <p:clrMapOvr>
-    <a:masterClrMapping/>
-  </p:clrMapOvr>
-</p:sld>
-</file>
-
-<file path=ppt/slides/slide9.xml><?xml version="1.0" encoding="utf-8"?>
-<p:sld xmlns:a="http://schemas.openxmlformats.org/drawingml/2006/main" xmlns:r="http://schemas.openxmlformats.org/officeDocument/2006/relationships" xmlns:p="http://schemas.openxmlformats.org/presentationml/2006/main">
-  <p:cSld>
-    <p:spTree>
-      <p:nvGrpSpPr>
-        <p:cNvPr id="1" name=""/>
-        <p:cNvGrpSpPr/>
-        <p:nvPr/>
-      </p:nvGrpSpPr>
-      <p:grpSpPr>
-        <a:xfrm>
-          <a:off x="0" y="0"/>
-          <a:ext cx="0" cy="0"/>
-          <a:chOff x="0" y="0"/>
-          <a:chExt cx="0" cy="0"/>
-        </a:xfrm>
-      </p:grpSpPr>
-      <p:sp>
-        <p:nvSpPr>
-          <p:cNvPr id="2" name="Title 1">
-            <a:extLst>
-              <a:ext uri="{FF2B5EF4-FFF2-40B4-BE49-F238E27FC236}">
-                <a16:creationId xmlns:a16="http://schemas.microsoft.com/office/drawing/2014/main" id="{46E96500-B8EA-45C6-98EE-E1A92B9911C6}"/>
-              </a:ext>
-            </a:extLst>
-          </p:cNvPr>
-          <p:cNvSpPr>
-            <a:spLocks noGrp="1"/>
-          </p:cNvSpPr>
-          <p:nvPr>
-            <p:ph type="title"/>
-          </p:nvPr>
-        </p:nvSpPr>
-        <p:spPr/>
-        <p:txBody>
-          <a:bodyPr/>
-          <a:lstStyle/>
-          <a:p>
-            <a:r>
-              <a:rPr lang="en-CA" dirty="0"/>
-              <a:t>Static Friction </a:t>
-            </a:r>
-          </a:p>
-        </p:txBody>
-      </p:sp>
-      <p:sp>
-        <p:nvSpPr>
-          <p:cNvPr id="3" name="Content Placeholder 2">
-            <a:extLst>
-              <a:ext uri="{FF2B5EF4-FFF2-40B4-BE49-F238E27FC236}">
-                <a16:creationId xmlns:a16="http://schemas.microsoft.com/office/drawing/2014/main" id="{B2DA59EF-FDB1-4634-909C-A06CF0429113}"/>
-              </a:ext>
-            </a:extLst>
-          </p:cNvPr>
-          <p:cNvSpPr>
-            <a:spLocks noGrp="1"/>
-          </p:cNvSpPr>
-          <p:nvPr>
-            <p:ph idx="1"/>
-          </p:nvPr>
-        </p:nvSpPr>
-        <p:spPr/>
-        <p:txBody>
-          <a:bodyPr/>
-          <a:lstStyle/>
-          <a:p>
-            <a:endParaRPr lang="en-CA"/>
-          </a:p>
-        </p:txBody>
-      </p:sp>
-    </p:spTree>
-    <p:extLst>
-      <p:ext uri="{BB962C8B-B14F-4D97-AF65-F5344CB8AC3E}">
-        <p14:creationId xmlns:p14="http://schemas.microsoft.com/office/powerpoint/2010/main" val="2018042178"/>
       </p:ext>
     </p:extLst>
   </p:cSld>

--- a/docs/report.pptx
+++ b/docs/report.pptx
@@ -2,7 +2,7 @@
 <file path=ppt/presentation.xml><?xml version="1.0" encoding="utf-8"?>
 <p:presentation xmlns:a="http://schemas.openxmlformats.org/drawingml/2006/main" xmlns:r="http://schemas.openxmlformats.org/officeDocument/2006/relationships" xmlns:p="http://schemas.openxmlformats.org/presentationml/2006/main" saveSubsetFonts="1">
   <p:sldMasterIdLst>
-    <p:sldMasterId id="2147483923" r:id="rId1"/>
+    <p:sldMasterId id="2147483959" r:id="rId1"/>
   </p:sldMasterIdLst>
   <p:sldIdLst>
     <p:sldId id="256" r:id="rId2"/>
@@ -23,7 +23,7 @@
     <a:defPPr>
       <a:defRPr lang="en-US"/>
     </a:defPPr>
-    <a:lvl1pPr marL="0" algn="l" defTabSz="914400" rtl="0" eaLnBrk="1" latinLnBrk="0" hangingPunct="1">
+    <a:lvl1pPr marL="0" algn="l" defTabSz="457200" rtl="0" eaLnBrk="1" latinLnBrk="0" hangingPunct="1">
       <a:defRPr sz="1800" kern="1200">
         <a:solidFill>
           <a:schemeClr val="tx1"/>
@@ -33,7 +33,7 @@
         <a:cs typeface="+mn-cs"/>
       </a:defRPr>
     </a:lvl1pPr>
-    <a:lvl2pPr marL="457200" algn="l" defTabSz="914400" rtl="0" eaLnBrk="1" latinLnBrk="0" hangingPunct="1">
+    <a:lvl2pPr marL="457200" algn="l" defTabSz="457200" rtl="0" eaLnBrk="1" latinLnBrk="0" hangingPunct="1">
       <a:defRPr sz="1800" kern="1200">
         <a:solidFill>
           <a:schemeClr val="tx1"/>
@@ -43,7 +43,7 @@
         <a:cs typeface="+mn-cs"/>
       </a:defRPr>
     </a:lvl2pPr>
-    <a:lvl3pPr marL="914400" algn="l" defTabSz="914400" rtl="0" eaLnBrk="1" latinLnBrk="0" hangingPunct="1">
+    <a:lvl3pPr marL="914400" algn="l" defTabSz="457200" rtl="0" eaLnBrk="1" latinLnBrk="0" hangingPunct="1">
       <a:defRPr sz="1800" kern="1200">
         <a:solidFill>
           <a:schemeClr val="tx1"/>
@@ -53,7 +53,7 @@
         <a:cs typeface="+mn-cs"/>
       </a:defRPr>
     </a:lvl3pPr>
-    <a:lvl4pPr marL="1371600" algn="l" defTabSz="914400" rtl="0" eaLnBrk="1" latinLnBrk="0" hangingPunct="1">
+    <a:lvl4pPr marL="1371600" algn="l" defTabSz="457200" rtl="0" eaLnBrk="1" latinLnBrk="0" hangingPunct="1">
       <a:defRPr sz="1800" kern="1200">
         <a:solidFill>
           <a:schemeClr val="tx1"/>
@@ -63,7 +63,7 @@
         <a:cs typeface="+mn-cs"/>
       </a:defRPr>
     </a:lvl4pPr>
-    <a:lvl5pPr marL="1828800" algn="l" defTabSz="914400" rtl="0" eaLnBrk="1" latinLnBrk="0" hangingPunct="1">
+    <a:lvl5pPr marL="1828800" algn="l" defTabSz="457200" rtl="0" eaLnBrk="1" latinLnBrk="0" hangingPunct="1">
       <a:defRPr sz="1800" kern="1200">
         <a:solidFill>
           <a:schemeClr val="tx1"/>
@@ -73,7 +73,7 @@
         <a:cs typeface="+mn-cs"/>
       </a:defRPr>
     </a:lvl5pPr>
-    <a:lvl6pPr marL="2286000" algn="l" defTabSz="914400" rtl="0" eaLnBrk="1" latinLnBrk="0" hangingPunct="1">
+    <a:lvl6pPr marL="2286000" algn="l" defTabSz="457200" rtl="0" eaLnBrk="1" latinLnBrk="0" hangingPunct="1">
       <a:defRPr sz="1800" kern="1200">
         <a:solidFill>
           <a:schemeClr val="tx1"/>
@@ -83,7 +83,7 @@
         <a:cs typeface="+mn-cs"/>
       </a:defRPr>
     </a:lvl6pPr>
-    <a:lvl7pPr marL="2743200" algn="l" defTabSz="914400" rtl="0" eaLnBrk="1" latinLnBrk="0" hangingPunct="1">
+    <a:lvl7pPr marL="2743200" algn="l" defTabSz="457200" rtl="0" eaLnBrk="1" latinLnBrk="0" hangingPunct="1">
       <a:defRPr sz="1800" kern="1200">
         <a:solidFill>
           <a:schemeClr val="tx1"/>
@@ -93,7 +93,7 @@
         <a:cs typeface="+mn-cs"/>
       </a:defRPr>
     </a:lvl7pPr>
-    <a:lvl8pPr marL="3200400" algn="l" defTabSz="914400" rtl="0" eaLnBrk="1" latinLnBrk="0" hangingPunct="1">
+    <a:lvl8pPr marL="3200400" algn="l" defTabSz="457200" rtl="0" eaLnBrk="1" latinLnBrk="0" hangingPunct="1">
       <a:defRPr sz="1800" kern="1200">
         <a:solidFill>
           <a:schemeClr val="tx1"/>
@@ -103,7 +103,7 @@
         <a:cs typeface="+mn-cs"/>
       </a:defRPr>
     </a:lvl8pPr>
-    <a:lvl9pPr marL="3657600" algn="l" defTabSz="914400" rtl="0" eaLnBrk="1" latinLnBrk="0" hangingPunct="1">
+    <a:lvl9pPr marL="3657600" algn="l" defTabSz="457200" rtl="0" eaLnBrk="1" latinLnBrk="0" hangingPunct="1">
       <a:defRPr sz="1800" kern="1200">
         <a:solidFill>
           <a:schemeClr val="tx1"/>
@@ -127,12 +127,12 @@
   <pc:docChgLst>
     <pc:chgData name="Mansur He" userId="2cd3e99d6a3c3959" providerId="LiveId" clId="{16CB9BD3-0FD0-435F-BA63-C692E6031789}"/>
     <pc:docChg chg="undo custSel addSld modSld sldOrd modMainMaster">
-      <pc:chgData name="Mansur He" userId="2cd3e99d6a3c3959" providerId="LiveId" clId="{16CB9BD3-0FD0-435F-BA63-C692E6031789}" dt="2017-11-16T19:40:31.918" v="1818" actId="1076"/>
+      <pc:chgData name="Mansur He" userId="2cd3e99d6a3c3959" providerId="LiveId" clId="{16CB9BD3-0FD0-435F-BA63-C692E6031789}" dt="2017-11-16T22:44:21.798" v="1893" actId="11529"/>
       <pc:docMkLst>
         <pc:docMk/>
       </pc:docMkLst>
       <pc:sldChg chg="addSp delSp modSp">
-        <pc:chgData name="Mansur He" userId="2cd3e99d6a3c3959" providerId="LiveId" clId="{16CB9BD3-0FD0-435F-BA63-C692E6031789}" dt="2017-11-15T19:17:30.237" v="1381" actId="1076"/>
+        <pc:chgData name="Mansur He" userId="2cd3e99d6a3c3959" providerId="LiveId" clId="{16CB9BD3-0FD0-435F-BA63-C692E6031789}" dt="2017-11-16T22:36:02.488" v="1888"/>
         <pc:sldMkLst>
           <pc:docMk/>
           <pc:sldMk cId="776887676" sldId="256"/>
@@ -185,6 +185,14 @@
             <ac:spMk id="8" creationId="{DB4CF1C3-0A16-43FC-B8BD-1CD81E32411E}"/>
           </ac:spMkLst>
         </pc:spChg>
+        <pc:picChg chg="add mod ord">
+          <ac:chgData name="Mansur He" userId="2cd3e99d6a3c3959" providerId="LiveId" clId="{16CB9BD3-0FD0-435F-BA63-C692E6031789}" dt="2017-11-16T22:36:02.488" v="1888"/>
+          <ac:picMkLst>
+            <pc:docMk/>
+            <pc:sldMk cId="776887676" sldId="256"/>
+            <ac:picMk id="3" creationId="{56E381CE-93BF-4CDB-B83C-F1D427444DA4}"/>
+          </ac:picMkLst>
+        </pc:picChg>
       </pc:sldChg>
       <pc:sldChg chg="addSp delSp modSp">
         <pc:chgData name="Mansur He" userId="2cd3e99d6a3c3959" providerId="LiveId" clId="{16CB9BD3-0FD0-435F-BA63-C692E6031789}" dt="2017-11-15T21:55:29.793" v="1761" actId="1076"/>
@@ -918,7 +926,7 @@
         </pc:cxnChg>
       </pc:sldChg>
       <pc:sldChg chg="addSp delSp modSp add">
-        <pc:chgData name="Mansur He" userId="2cd3e99d6a3c3959" providerId="LiveId" clId="{16CB9BD3-0FD0-435F-BA63-C692E6031789}" dt="2017-11-15T19:23:17.861" v="1618" actId="1076"/>
+        <pc:chgData name="Mansur He" userId="2cd3e99d6a3c3959" providerId="LiveId" clId="{16CB9BD3-0FD0-435F-BA63-C692E6031789}" dt="2017-11-16T22:44:21.798" v="1893" actId="11529"/>
         <pc:sldMkLst>
           <pc:docMk/>
           <pc:sldMk cId="1495167305" sldId="267"/>
@@ -940,6 +948,14 @@
           </ac:spMkLst>
         </pc:spChg>
         <pc:spChg chg="add mod">
+          <ac:chgData name="Mansur He" userId="2cd3e99d6a3c3959" providerId="LiveId" clId="{16CB9BD3-0FD0-435F-BA63-C692E6031789}" dt="2017-11-16T22:44:00.379" v="1890" actId="1076"/>
+          <ac:spMkLst>
+            <pc:docMk/>
+            <pc:sldMk cId="1495167305" sldId="267"/>
+            <ac:spMk id="3" creationId="{C25F7B17-B1C8-4E24-A2BB-20A6330C601E}"/>
+          </ac:spMkLst>
+        </pc:spChg>
+        <pc:spChg chg="add mod">
           <ac:chgData name="Mansur He" userId="2cd3e99d6a3c3959" providerId="LiveId" clId="{16CB9BD3-0FD0-435F-BA63-C692E6031789}" dt="2017-11-15T19:23:17.861" v="1618" actId="1076"/>
           <ac:spMkLst>
             <pc:docMk/>
@@ -947,6 +963,38 @@
             <ac:spMk id="4" creationId="{25007B00-97D3-4EA5-8578-6C8DD490F41C}"/>
           </ac:spMkLst>
         </pc:spChg>
+        <pc:spChg chg="add mod">
+          <ac:chgData name="Mansur He" userId="2cd3e99d6a3c3959" providerId="LiveId" clId="{16CB9BD3-0FD0-435F-BA63-C692E6031789}" dt="2017-11-16T22:44:11.076" v="1891" actId="11529"/>
+          <ac:spMkLst>
+            <pc:docMk/>
+            <pc:sldMk cId="1495167305" sldId="267"/>
+            <ac:spMk id="5" creationId="{BC166809-89EF-4FA6-A804-5F8E0C5614BA}"/>
+          </ac:spMkLst>
+        </pc:spChg>
+        <pc:spChg chg="add mod">
+          <ac:chgData name="Mansur He" userId="2cd3e99d6a3c3959" providerId="LiveId" clId="{16CB9BD3-0FD0-435F-BA63-C692E6031789}" dt="2017-11-16T22:44:19.255" v="1892" actId="11529"/>
+          <ac:spMkLst>
+            <pc:docMk/>
+            <pc:sldMk cId="1495167305" sldId="267"/>
+            <ac:spMk id="6" creationId="{5EE5616B-73E5-4D5C-84F0-D6A268A2DDD9}"/>
+          </ac:spMkLst>
+        </pc:spChg>
+        <pc:spChg chg="add mod">
+          <ac:chgData name="Mansur He" userId="2cd3e99d6a3c3959" providerId="LiveId" clId="{16CB9BD3-0FD0-435F-BA63-C692E6031789}" dt="2017-11-16T22:44:21.798" v="1893" actId="11529"/>
+          <ac:spMkLst>
+            <pc:docMk/>
+            <pc:sldMk cId="1495167305" sldId="267"/>
+            <ac:spMk id="7" creationId="{52B79740-11BB-4A4A-9D45-A29A2B5C8695}"/>
+          </ac:spMkLst>
+        </pc:spChg>
+        <pc:picChg chg="add del mod modCrop">
+          <ac:chgData name="Mansur He" userId="2cd3e99d6a3c3959" providerId="LiveId" clId="{16CB9BD3-0FD0-435F-BA63-C692E6031789}" dt="2017-11-16T22:31:42.463" v="1873" actId="478"/>
+          <ac:picMkLst>
+            <pc:docMk/>
+            <pc:sldMk cId="1495167305" sldId="267"/>
+            <ac:picMk id="2" creationId="{20836FED-62A4-476D-8AC0-DA3076F7A1B8}"/>
+          </ac:picMkLst>
+        </pc:picChg>
       </pc:sldChg>
       <pc:sldMasterChg chg="setBg modSldLayout">
         <pc:chgData name="Mansur He" userId="2cd3e99d6a3c3959" providerId="LiveId" clId="{16CB9BD3-0FD0-435F-BA63-C692E6031789}" dt="2017-11-15T19:22:35.187" v="1582" actId="20577"/>
@@ -1067,13 +1115,7 @@
       </p:grpSpPr>
       <p:sp>
         <p:nvSpPr>
-          <p:cNvPr id="2" name="Title 1">
-            <a:extLst>
-              <a:ext uri="{FF2B5EF4-FFF2-40B4-BE49-F238E27FC236}">
-                <a16:creationId xmlns:a16="http://schemas.microsoft.com/office/drawing/2014/main" id="{64CF5293-3D8F-433E-AF72-93AE3AD9ED0E}"/>
-              </a:ext>
-            </a:extLst>
-          </p:cNvPr>
+          <p:cNvPr id="2" name="Title 1"/>
           <p:cNvSpPr>
             <a:spLocks noGrp="1"/>
           </p:cNvSpPr>
@@ -1099,19 +1141,13 @@
               <a:rPr lang="en-US"/>
               <a:t>Click to edit Master title style</a:t>
             </a:r>
-            <a:endParaRPr lang="en-CA"/>
+            <a:endParaRPr lang="en-US" dirty="0"/>
           </a:p>
         </p:txBody>
       </p:sp>
       <p:sp>
         <p:nvSpPr>
-          <p:cNvPr id="3" name="Subtitle 2">
-            <a:extLst>
-              <a:ext uri="{FF2B5EF4-FFF2-40B4-BE49-F238E27FC236}">
-                <a16:creationId xmlns:a16="http://schemas.microsoft.com/office/drawing/2014/main" id="{E87955E1-F8F7-4C34-AEC7-825A8C454739}"/>
-              </a:ext>
-            </a:extLst>
-          </p:cNvPr>
+          <p:cNvPr id="3" name="Subtitle 2"/>
           <p:cNvSpPr>
             <a:spLocks noGrp="1"/>
           </p:cNvSpPr>
@@ -1170,19 +1206,13 @@
               <a:rPr lang="en-US"/>
               <a:t>Click to edit Master subtitle style</a:t>
             </a:r>
-            <a:endParaRPr lang="en-CA"/>
+            <a:endParaRPr lang="en-US" dirty="0"/>
           </a:p>
         </p:txBody>
       </p:sp>
       <p:sp>
         <p:nvSpPr>
-          <p:cNvPr id="4" name="Date Placeholder 3">
-            <a:extLst>
-              <a:ext uri="{FF2B5EF4-FFF2-40B4-BE49-F238E27FC236}">
-                <a16:creationId xmlns:a16="http://schemas.microsoft.com/office/drawing/2014/main" id="{AAB18EF2-647A-4704-8AEE-69185A3BBAAF}"/>
-              </a:ext>
-            </a:extLst>
-          </p:cNvPr>
+          <p:cNvPr id="4" name="Date Placeholder 3"/>
           <p:cNvSpPr>
             <a:spLocks noGrp="1"/>
           </p:cNvSpPr>
@@ -1205,13 +1235,7 @@
       </p:sp>
       <p:sp>
         <p:nvSpPr>
-          <p:cNvPr id="5" name="Footer Placeholder 4">
-            <a:extLst>
-              <a:ext uri="{FF2B5EF4-FFF2-40B4-BE49-F238E27FC236}">
-                <a16:creationId xmlns:a16="http://schemas.microsoft.com/office/drawing/2014/main" id="{C474308B-6601-4F30-BDC0-059DD9786B88}"/>
-              </a:ext>
-            </a:extLst>
-          </p:cNvPr>
+          <p:cNvPr id="5" name="Footer Placeholder 4"/>
           <p:cNvSpPr>
             <a:spLocks noGrp="1"/>
           </p:cNvSpPr>
@@ -1230,13 +1254,7 @@
       </p:sp>
       <p:sp>
         <p:nvSpPr>
-          <p:cNvPr id="6" name="Slide Number Placeholder 5">
-            <a:extLst>
-              <a:ext uri="{FF2B5EF4-FFF2-40B4-BE49-F238E27FC236}">
-                <a16:creationId xmlns:a16="http://schemas.microsoft.com/office/drawing/2014/main" id="{4D2822C2-40B5-4B57-8AF2-1666D146E756}"/>
-              </a:ext>
-            </a:extLst>
-          </p:cNvPr>
+          <p:cNvPr id="6" name="Slide Number Placeholder 5"/>
           <p:cNvSpPr>
             <a:spLocks noGrp="1"/>
           </p:cNvSpPr>
@@ -1260,7 +1278,7 @@
     </p:spTree>
     <p:extLst>
       <p:ext uri="{BB962C8B-B14F-4D97-AF65-F5344CB8AC3E}">
-        <p14:creationId xmlns:p14="http://schemas.microsoft.com/office/powerpoint/2010/main" val="1470253142"/>
+        <p14:creationId xmlns:p14="http://schemas.microsoft.com/office/powerpoint/2010/main" val="1182264936"/>
       </p:ext>
     </p:extLst>
   </p:cSld>
@@ -1289,13 +1307,7 @@
       </p:grpSpPr>
       <p:sp>
         <p:nvSpPr>
-          <p:cNvPr id="2" name="Title 1">
-            <a:extLst>
-              <a:ext uri="{FF2B5EF4-FFF2-40B4-BE49-F238E27FC236}">
-                <a16:creationId xmlns:a16="http://schemas.microsoft.com/office/drawing/2014/main" id="{8BA68F8E-8C1E-413A-A751-A1F9B70ECF23}"/>
-              </a:ext>
-            </a:extLst>
-          </p:cNvPr>
+          <p:cNvPr id="2" name="Title 1"/>
           <p:cNvSpPr>
             <a:spLocks noGrp="1"/>
           </p:cNvSpPr>
@@ -1312,19 +1324,13 @@
               <a:rPr lang="en-US"/>
               <a:t>Click to edit Master title style</a:t>
             </a:r>
-            <a:endParaRPr lang="en-CA"/>
+            <a:endParaRPr lang="en-US" dirty="0"/>
           </a:p>
         </p:txBody>
       </p:sp>
       <p:sp>
         <p:nvSpPr>
-          <p:cNvPr id="3" name="Vertical Text Placeholder 2">
-            <a:extLst>
-              <a:ext uri="{FF2B5EF4-FFF2-40B4-BE49-F238E27FC236}">
-                <a16:creationId xmlns:a16="http://schemas.microsoft.com/office/drawing/2014/main" id="{89CFDEF1-4DAF-47EF-B0A6-40F1DEC44871}"/>
-              </a:ext>
-            </a:extLst>
-          </p:cNvPr>
+          <p:cNvPr id="3" name="Vertical Text Placeholder 2"/>
           <p:cNvSpPr>
             <a:spLocks noGrp="1"/>
           </p:cNvSpPr>
@@ -1370,19 +1376,13 @@
               <a:rPr lang="en-US"/>
               <a:t>Fifth level</a:t>
             </a:r>
-            <a:endParaRPr lang="en-CA"/>
+            <a:endParaRPr lang="en-US" dirty="0"/>
           </a:p>
         </p:txBody>
       </p:sp>
       <p:sp>
         <p:nvSpPr>
-          <p:cNvPr id="4" name="Date Placeholder 3">
-            <a:extLst>
-              <a:ext uri="{FF2B5EF4-FFF2-40B4-BE49-F238E27FC236}">
-                <a16:creationId xmlns:a16="http://schemas.microsoft.com/office/drawing/2014/main" id="{B75F2627-6C39-4442-9101-B58C799C1434}"/>
-              </a:ext>
-            </a:extLst>
-          </p:cNvPr>
+          <p:cNvPr id="4" name="Date Placeholder 3"/>
           <p:cNvSpPr>
             <a:spLocks noGrp="1"/>
           </p:cNvSpPr>
@@ -1405,13 +1405,7 @@
       </p:sp>
       <p:sp>
         <p:nvSpPr>
-          <p:cNvPr id="5" name="Footer Placeholder 4">
-            <a:extLst>
-              <a:ext uri="{FF2B5EF4-FFF2-40B4-BE49-F238E27FC236}">
-                <a16:creationId xmlns:a16="http://schemas.microsoft.com/office/drawing/2014/main" id="{01A9C02D-03D8-485B-B14B-9A6FE4F2239D}"/>
-              </a:ext>
-            </a:extLst>
-          </p:cNvPr>
+          <p:cNvPr id="5" name="Footer Placeholder 4"/>
           <p:cNvSpPr>
             <a:spLocks noGrp="1"/>
           </p:cNvSpPr>
@@ -1430,13 +1424,7 @@
       </p:sp>
       <p:sp>
         <p:nvSpPr>
-          <p:cNvPr id="6" name="Slide Number Placeholder 5">
-            <a:extLst>
-              <a:ext uri="{FF2B5EF4-FFF2-40B4-BE49-F238E27FC236}">
-                <a16:creationId xmlns:a16="http://schemas.microsoft.com/office/drawing/2014/main" id="{343EE735-44FC-4D5A-96EC-712639661AFA}"/>
-              </a:ext>
-            </a:extLst>
-          </p:cNvPr>
+          <p:cNvPr id="6" name="Slide Number Placeholder 5"/>
           <p:cNvSpPr>
             <a:spLocks noGrp="1"/>
           </p:cNvSpPr>
@@ -1460,7 +1448,7 @@
     </p:spTree>
     <p:extLst>
       <p:ext uri="{BB962C8B-B14F-4D97-AF65-F5344CB8AC3E}">
-        <p14:creationId xmlns:p14="http://schemas.microsoft.com/office/powerpoint/2010/main" val="30563872"/>
+        <p14:creationId xmlns:p14="http://schemas.microsoft.com/office/powerpoint/2010/main" val="1001033487"/>
       </p:ext>
     </p:extLst>
   </p:cSld>
@@ -1489,13 +1477,7 @@
       </p:grpSpPr>
       <p:sp>
         <p:nvSpPr>
-          <p:cNvPr id="2" name="Vertical Title 1">
-            <a:extLst>
-              <a:ext uri="{FF2B5EF4-FFF2-40B4-BE49-F238E27FC236}">
-                <a16:creationId xmlns:a16="http://schemas.microsoft.com/office/drawing/2014/main" id="{E1D65AE2-53BC-41E2-A33D-45A348AC9076}"/>
-              </a:ext>
-            </a:extLst>
-          </p:cNvPr>
+          <p:cNvPr id="2" name="Vertical Title 1"/>
           <p:cNvSpPr>
             <a:spLocks noGrp="1"/>
           </p:cNvSpPr>
@@ -1517,19 +1499,13 @@
               <a:rPr lang="en-US"/>
               <a:t>Click to edit Master title style</a:t>
             </a:r>
-            <a:endParaRPr lang="en-CA"/>
+            <a:endParaRPr lang="en-US" dirty="0"/>
           </a:p>
         </p:txBody>
       </p:sp>
       <p:sp>
         <p:nvSpPr>
-          <p:cNvPr id="3" name="Vertical Text Placeholder 2">
-            <a:extLst>
-              <a:ext uri="{FF2B5EF4-FFF2-40B4-BE49-F238E27FC236}">
-                <a16:creationId xmlns:a16="http://schemas.microsoft.com/office/drawing/2014/main" id="{7576A507-2BAA-4D90-998C-D48ACF84D324}"/>
-              </a:ext>
-            </a:extLst>
-          </p:cNvPr>
+          <p:cNvPr id="3" name="Vertical Text Placeholder 2"/>
           <p:cNvSpPr>
             <a:spLocks noGrp="1"/>
           </p:cNvSpPr>
@@ -1580,19 +1556,13 @@
               <a:rPr lang="en-US"/>
               <a:t>Fifth level</a:t>
             </a:r>
-            <a:endParaRPr lang="en-CA"/>
+            <a:endParaRPr lang="en-US" dirty="0"/>
           </a:p>
         </p:txBody>
       </p:sp>
       <p:sp>
         <p:nvSpPr>
-          <p:cNvPr id="4" name="Date Placeholder 3">
-            <a:extLst>
-              <a:ext uri="{FF2B5EF4-FFF2-40B4-BE49-F238E27FC236}">
-                <a16:creationId xmlns:a16="http://schemas.microsoft.com/office/drawing/2014/main" id="{07AC277B-B6B7-49E8-8EDC-FA7861E54205}"/>
-              </a:ext>
-            </a:extLst>
-          </p:cNvPr>
+          <p:cNvPr id="4" name="Date Placeholder 3"/>
           <p:cNvSpPr>
             <a:spLocks noGrp="1"/>
           </p:cNvSpPr>
@@ -1615,13 +1585,7 @@
       </p:sp>
       <p:sp>
         <p:nvSpPr>
-          <p:cNvPr id="5" name="Footer Placeholder 4">
-            <a:extLst>
-              <a:ext uri="{FF2B5EF4-FFF2-40B4-BE49-F238E27FC236}">
-                <a16:creationId xmlns:a16="http://schemas.microsoft.com/office/drawing/2014/main" id="{C97B5E51-C063-4F54-850A-8987A69227BE}"/>
-              </a:ext>
-            </a:extLst>
-          </p:cNvPr>
+          <p:cNvPr id="5" name="Footer Placeholder 4"/>
           <p:cNvSpPr>
             <a:spLocks noGrp="1"/>
           </p:cNvSpPr>
@@ -1640,13 +1604,7 @@
       </p:sp>
       <p:sp>
         <p:nvSpPr>
-          <p:cNvPr id="6" name="Slide Number Placeholder 5">
-            <a:extLst>
-              <a:ext uri="{FF2B5EF4-FFF2-40B4-BE49-F238E27FC236}">
-                <a16:creationId xmlns:a16="http://schemas.microsoft.com/office/drawing/2014/main" id="{E12F5B98-52E6-4E71-99E4-F5C9F87F4521}"/>
-              </a:ext>
-            </a:extLst>
-          </p:cNvPr>
+          <p:cNvPr id="6" name="Slide Number Placeholder 5"/>
           <p:cNvSpPr>
             <a:spLocks noGrp="1"/>
           </p:cNvSpPr>
@@ -1670,7 +1628,7 @@
     </p:spTree>
     <p:extLst>
       <p:ext uri="{BB962C8B-B14F-4D97-AF65-F5344CB8AC3E}">
-        <p14:creationId xmlns:p14="http://schemas.microsoft.com/office/powerpoint/2010/main" val="770030270"/>
+        <p14:creationId xmlns:p14="http://schemas.microsoft.com/office/powerpoint/2010/main" val="1250271626"/>
       </p:ext>
     </p:extLst>
   </p:cSld>
@@ -1699,13 +1657,7 @@
       </p:grpSpPr>
       <p:sp>
         <p:nvSpPr>
-          <p:cNvPr id="2" name="Title 1">
-            <a:extLst>
-              <a:ext uri="{FF2B5EF4-FFF2-40B4-BE49-F238E27FC236}">
-                <a16:creationId xmlns:a16="http://schemas.microsoft.com/office/drawing/2014/main" id="{D115808F-CC12-451D-90CB-F6A44DA41287}"/>
-              </a:ext>
-            </a:extLst>
-          </p:cNvPr>
+          <p:cNvPr id="2" name="Title 1"/>
           <p:cNvSpPr>
             <a:spLocks noGrp="1"/>
           </p:cNvSpPr>
@@ -1722,19 +1674,13 @@
               <a:rPr lang="en-US"/>
               <a:t>Click to edit Master title style</a:t>
             </a:r>
-            <a:endParaRPr lang="en-CA"/>
+            <a:endParaRPr lang="en-US" dirty="0"/>
           </a:p>
         </p:txBody>
       </p:sp>
       <p:sp>
         <p:nvSpPr>
-          <p:cNvPr id="3" name="Content Placeholder 2">
-            <a:extLst>
-              <a:ext uri="{FF2B5EF4-FFF2-40B4-BE49-F238E27FC236}">
-                <a16:creationId xmlns:a16="http://schemas.microsoft.com/office/drawing/2014/main" id="{BFEAD333-2D9F-4D90-B762-5AFBD3311685}"/>
-              </a:ext>
-            </a:extLst>
-          </p:cNvPr>
+          <p:cNvPr id="3" name="Content Placeholder 2"/>
           <p:cNvSpPr>
             <a:spLocks noGrp="1"/>
           </p:cNvSpPr>
@@ -1780,19 +1726,13 @@
               <a:rPr lang="en-US"/>
               <a:t>Fifth level</a:t>
             </a:r>
-            <a:endParaRPr lang="en-CA"/>
+            <a:endParaRPr lang="en-US" dirty="0"/>
           </a:p>
         </p:txBody>
       </p:sp>
       <p:sp>
         <p:nvSpPr>
-          <p:cNvPr id="4" name="Date Placeholder 3">
-            <a:extLst>
-              <a:ext uri="{FF2B5EF4-FFF2-40B4-BE49-F238E27FC236}">
-                <a16:creationId xmlns:a16="http://schemas.microsoft.com/office/drawing/2014/main" id="{7384D9BE-D688-4683-9180-92910173BAB9}"/>
-              </a:ext>
-            </a:extLst>
-          </p:cNvPr>
+          <p:cNvPr id="4" name="Date Placeholder 3"/>
           <p:cNvSpPr>
             <a:spLocks noGrp="1"/>
           </p:cNvSpPr>
@@ -1815,13 +1755,7 @@
       </p:sp>
       <p:sp>
         <p:nvSpPr>
-          <p:cNvPr id="5" name="Footer Placeholder 4">
-            <a:extLst>
-              <a:ext uri="{FF2B5EF4-FFF2-40B4-BE49-F238E27FC236}">
-                <a16:creationId xmlns:a16="http://schemas.microsoft.com/office/drawing/2014/main" id="{D0314616-1C99-4A49-BF86-C854B704ED62}"/>
-              </a:ext>
-            </a:extLst>
-          </p:cNvPr>
+          <p:cNvPr id="5" name="Footer Placeholder 4"/>
           <p:cNvSpPr>
             <a:spLocks noGrp="1"/>
           </p:cNvSpPr>
@@ -1840,13 +1774,7 @@
       </p:sp>
       <p:sp>
         <p:nvSpPr>
-          <p:cNvPr id="6" name="Slide Number Placeholder 5">
-            <a:extLst>
-              <a:ext uri="{FF2B5EF4-FFF2-40B4-BE49-F238E27FC236}">
-                <a16:creationId xmlns:a16="http://schemas.microsoft.com/office/drawing/2014/main" id="{A89E4D2A-CB03-4F23-95E1-B64442F7FADB}"/>
-              </a:ext>
-            </a:extLst>
-          </p:cNvPr>
+          <p:cNvPr id="6" name="Slide Number Placeholder 5"/>
           <p:cNvSpPr>
             <a:spLocks noGrp="1"/>
           </p:cNvSpPr>
@@ -1870,7 +1798,7 @@
     </p:spTree>
     <p:extLst>
       <p:ext uri="{BB962C8B-B14F-4D97-AF65-F5344CB8AC3E}">
-        <p14:creationId xmlns:p14="http://schemas.microsoft.com/office/powerpoint/2010/main" val="3666017602"/>
+        <p14:creationId xmlns:p14="http://schemas.microsoft.com/office/powerpoint/2010/main" val="2079969860"/>
       </p:ext>
     </p:extLst>
   </p:cSld>
@@ -1899,13 +1827,7 @@
       </p:grpSpPr>
       <p:sp>
         <p:nvSpPr>
-          <p:cNvPr id="2" name="Title 1">
-            <a:extLst>
-              <a:ext uri="{FF2B5EF4-FFF2-40B4-BE49-F238E27FC236}">
-                <a16:creationId xmlns:a16="http://schemas.microsoft.com/office/drawing/2014/main" id="{84801448-1DB1-4144-A4D9-70245961B218}"/>
-              </a:ext>
-            </a:extLst>
-          </p:cNvPr>
+          <p:cNvPr id="2" name="Title 1"/>
           <p:cNvSpPr>
             <a:spLocks noGrp="1"/>
           </p:cNvSpPr>
@@ -1931,19 +1853,13 @@
               <a:rPr lang="en-US"/>
               <a:t>Click to edit Master title style</a:t>
             </a:r>
-            <a:endParaRPr lang="en-CA"/>
+            <a:endParaRPr lang="en-US" dirty="0"/>
           </a:p>
         </p:txBody>
       </p:sp>
       <p:sp>
         <p:nvSpPr>
-          <p:cNvPr id="3" name="Text Placeholder 2">
-            <a:extLst>
-              <a:ext uri="{FF2B5EF4-FFF2-40B4-BE49-F238E27FC236}">
-                <a16:creationId xmlns:a16="http://schemas.microsoft.com/office/drawing/2014/main" id="{084E28E2-FE8B-41D0-BE30-60AFF3A37410}"/>
-              </a:ext>
-            </a:extLst>
-          </p:cNvPr>
+          <p:cNvPr id="3" name="Text Placeholder 2"/>
           <p:cNvSpPr>
             <a:spLocks noGrp="1"/>
           </p:cNvSpPr>
@@ -2062,13 +1978,7 @@
       </p:sp>
       <p:sp>
         <p:nvSpPr>
-          <p:cNvPr id="4" name="Date Placeholder 3">
-            <a:extLst>
-              <a:ext uri="{FF2B5EF4-FFF2-40B4-BE49-F238E27FC236}">
-                <a16:creationId xmlns:a16="http://schemas.microsoft.com/office/drawing/2014/main" id="{B8A1F05F-AD43-442A-B507-C6BA4399D61B}"/>
-              </a:ext>
-            </a:extLst>
-          </p:cNvPr>
+          <p:cNvPr id="4" name="Date Placeholder 3"/>
           <p:cNvSpPr>
             <a:spLocks noGrp="1"/>
           </p:cNvSpPr>
@@ -2091,13 +2001,7 @@
       </p:sp>
       <p:sp>
         <p:nvSpPr>
-          <p:cNvPr id="5" name="Footer Placeholder 4">
-            <a:extLst>
-              <a:ext uri="{FF2B5EF4-FFF2-40B4-BE49-F238E27FC236}">
-                <a16:creationId xmlns:a16="http://schemas.microsoft.com/office/drawing/2014/main" id="{54A0BD7B-5AF9-4B79-9B42-55303CB0A45D}"/>
-              </a:ext>
-            </a:extLst>
-          </p:cNvPr>
+          <p:cNvPr id="5" name="Footer Placeholder 4"/>
           <p:cNvSpPr>
             <a:spLocks noGrp="1"/>
           </p:cNvSpPr>
@@ -2116,13 +2020,7 @@
       </p:sp>
       <p:sp>
         <p:nvSpPr>
-          <p:cNvPr id="6" name="Slide Number Placeholder 5">
-            <a:extLst>
-              <a:ext uri="{FF2B5EF4-FFF2-40B4-BE49-F238E27FC236}">
-                <a16:creationId xmlns:a16="http://schemas.microsoft.com/office/drawing/2014/main" id="{0D425077-9AD2-40C3-AEFC-9EE1D0CAAC64}"/>
-              </a:ext>
-            </a:extLst>
-          </p:cNvPr>
+          <p:cNvPr id="6" name="Slide Number Placeholder 5"/>
           <p:cNvSpPr>
             <a:spLocks noGrp="1"/>
           </p:cNvSpPr>
@@ -2146,7 +2044,7 @@
     </p:spTree>
     <p:extLst>
       <p:ext uri="{BB962C8B-B14F-4D97-AF65-F5344CB8AC3E}">
-        <p14:creationId xmlns:p14="http://schemas.microsoft.com/office/powerpoint/2010/main" val="1761760546"/>
+        <p14:creationId xmlns:p14="http://schemas.microsoft.com/office/powerpoint/2010/main" val="1102951379"/>
       </p:ext>
     </p:extLst>
   </p:cSld>
@@ -2175,13 +2073,7 @@
       </p:grpSpPr>
       <p:sp>
         <p:nvSpPr>
-          <p:cNvPr id="2" name="Title 1">
-            <a:extLst>
-              <a:ext uri="{FF2B5EF4-FFF2-40B4-BE49-F238E27FC236}">
-                <a16:creationId xmlns:a16="http://schemas.microsoft.com/office/drawing/2014/main" id="{E2128769-C145-4971-B9D5-A21443B4EB14}"/>
-              </a:ext>
-            </a:extLst>
-          </p:cNvPr>
+          <p:cNvPr id="2" name="Title 1"/>
           <p:cNvSpPr>
             <a:spLocks noGrp="1"/>
           </p:cNvSpPr>
@@ -2198,19 +2090,13 @@
               <a:rPr lang="en-US"/>
               <a:t>Click to edit Master title style</a:t>
             </a:r>
-            <a:endParaRPr lang="en-CA"/>
+            <a:endParaRPr lang="en-US" dirty="0"/>
           </a:p>
         </p:txBody>
       </p:sp>
       <p:sp>
         <p:nvSpPr>
-          <p:cNvPr id="3" name="Content Placeholder 2">
-            <a:extLst>
-              <a:ext uri="{FF2B5EF4-FFF2-40B4-BE49-F238E27FC236}">
-                <a16:creationId xmlns:a16="http://schemas.microsoft.com/office/drawing/2014/main" id="{AB5C779B-C98D-4DBB-8E0D-1B29A7B961B1}"/>
-              </a:ext>
-            </a:extLst>
-          </p:cNvPr>
+          <p:cNvPr id="3" name="Content Placeholder 2"/>
           <p:cNvSpPr>
             <a:spLocks noGrp="1"/>
           </p:cNvSpPr>
@@ -2261,19 +2147,13 @@
               <a:rPr lang="en-US"/>
               <a:t>Fifth level</a:t>
             </a:r>
-            <a:endParaRPr lang="en-CA"/>
+            <a:endParaRPr lang="en-US" dirty="0"/>
           </a:p>
         </p:txBody>
       </p:sp>
       <p:sp>
         <p:nvSpPr>
-          <p:cNvPr id="4" name="Content Placeholder 3">
-            <a:extLst>
-              <a:ext uri="{FF2B5EF4-FFF2-40B4-BE49-F238E27FC236}">
-                <a16:creationId xmlns:a16="http://schemas.microsoft.com/office/drawing/2014/main" id="{84C8B185-77F2-4AC7-A9EF-1D7F6F24DA1F}"/>
-              </a:ext>
-            </a:extLst>
-          </p:cNvPr>
+          <p:cNvPr id="4" name="Content Placeholder 3"/>
           <p:cNvSpPr>
             <a:spLocks noGrp="1"/>
           </p:cNvSpPr>
@@ -2324,19 +2204,13 @@
               <a:rPr lang="en-US"/>
               <a:t>Fifth level</a:t>
             </a:r>
-            <a:endParaRPr lang="en-CA"/>
+            <a:endParaRPr lang="en-US" dirty="0"/>
           </a:p>
         </p:txBody>
       </p:sp>
       <p:sp>
         <p:nvSpPr>
-          <p:cNvPr id="5" name="Date Placeholder 4">
-            <a:extLst>
-              <a:ext uri="{FF2B5EF4-FFF2-40B4-BE49-F238E27FC236}">
-                <a16:creationId xmlns:a16="http://schemas.microsoft.com/office/drawing/2014/main" id="{D7EFC317-5AA0-49FA-97BC-A90E25DDAF0F}"/>
-              </a:ext>
-            </a:extLst>
-          </p:cNvPr>
+          <p:cNvPr id="5" name="Date Placeholder 4"/>
           <p:cNvSpPr>
             <a:spLocks noGrp="1"/>
           </p:cNvSpPr>
@@ -2359,13 +2233,7 @@
       </p:sp>
       <p:sp>
         <p:nvSpPr>
-          <p:cNvPr id="6" name="Footer Placeholder 5">
-            <a:extLst>
-              <a:ext uri="{FF2B5EF4-FFF2-40B4-BE49-F238E27FC236}">
-                <a16:creationId xmlns:a16="http://schemas.microsoft.com/office/drawing/2014/main" id="{001E8A6B-B58A-4ECD-AB00-58A9F9BC37A3}"/>
-              </a:ext>
-            </a:extLst>
-          </p:cNvPr>
+          <p:cNvPr id="6" name="Footer Placeholder 5"/>
           <p:cNvSpPr>
             <a:spLocks noGrp="1"/>
           </p:cNvSpPr>
@@ -2384,13 +2252,7 @@
       </p:sp>
       <p:sp>
         <p:nvSpPr>
-          <p:cNvPr id="7" name="Slide Number Placeholder 6">
-            <a:extLst>
-              <a:ext uri="{FF2B5EF4-FFF2-40B4-BE49-F238E27FC236}">
-                <a16:creationId xmlns:a16="http://schemas.microsoft.com/office/drawing/2014/main" id="{618CBB88-1DFA-4F96-AFD0-EF33B4150F0A}"/>
-              </a:ext>
-            </a:extLst>
-          </p:cNvPr>
+          <p:cNvPr id="7" name="Slide Number Placeholder 6"/>
           <p:cNvSpPr>
             <a:spLocks noGrp="1"/>
           </p:cNvSpPr>
@@ -2414,7 +2276,7 @@
     </p:spTree>
     <p:extLst>
       <p:ext uri="{BB962C8B-B14F-4D97-AF65-F5344CB8AC3E}">
-        <p14:creationId xmlns:p14="http://schemas.microsoft.com/office/powerpoint/2010/main" val="511291665"/>
+        <p14:creationId xmlns:p14="http://schemas.microsoft.com/office/powerpoint/2010/main" val="2810553393"/>
       </p:ext>
     </p:extLst>
   </p:cSld>
@@ -2443,13 +2305,7 @@
       </p:grpSpPr>
       <p:sp>
         <p:nvSpPr>
-          <p:cNvPr id="2" name="Title 1">
-            <a:extLst>
-              <a:ext uri="{FF2B5EF4-FFF2-40B4-BE49-F238E27FC236}">
-                <a16:creationId xmlns:a16="http://schemas.microsoft.com/office/drawing/2014/main" id="{501B759F-5326-429A-9043-F8C60EE880E6}"/>
-              </a:ext>
-            </a:extLst>
-          </p:cNvPr>
+          <p:cNvPr id="2" name="Title 1"/>
           <p:cNvSpPr>
             <a:spLocks noGrp="1"/>
           </p:cNvSpPr>
@@ -2471,19 +2327,13 @@
               <a:rPr lang="en-US"/>
               <a:t>Click to edit Master title style</a:t>
             </a:r>
-            <a:endParaRPr lang="en-CA"/>
+            <a:endParaRPr lang="en-US" dirty="0"/>
           </a:p>
         </p:txBody>
       </p:sp>
       <p:sp>
         <p:nvSpPr>
-          <p:cNvPr id="3" name="Text Placeholder 2">
-            <a:extLst>
-              <a:ext uri="{FF2B5EF4-FFF2-40B4-BE49-F238E27FC236}">
-                <a16:creationId xmlns:a16="http://schemas.microsoft.com/office/drawing/2014/main" id="{B2AD7794-3169-45DF-B449-79D348CA3F9D}"/>
-              </a:ext>
-            </a:extLst>
-          </p:cNvPr>
+          <p:cNvPr id="3" name="Text Placeholder 2"/>
           <p:cNvSpPr>
             <a:spLocks noGrp="1"/>
           </p:cNvSpPr>
@@ -2548,13 +2398,7 @@
       </p:sp>
       <p:sp>
         <p:nvSpPr>
-          <p:cNvPr id="4" name="Content Placeholder 3">
-            <a:extLst>
-              <a:ext uri="{FF2B5EF4-FFF2-40B4-BE49-F238E27FC236}">
-                <a16:creationId xmlns:a16="http://schemas.microsoft.com/office/drawing/2014/main" id="{17FC3D05-12ED-48B6-B7AC-B04B4F40B0E4}"/>
-              </a:ext>
-            </a:extLst>
-          </p:cNvPr>
+          <p:cNvPr id="4" name="Content Placeholder 3"/>
           <p:cNvSpPr>
             <a:spLocks noGrp="1"/>
           </p:cNvSpPr>
@@ -2605,19 +2449,13 @@
               <a:rPr lang="en-US"/>
               <a:t>Fifth level</a:t>
             </a:r>
-            <a:endParaRPr lang="en-CA"/>
+            <a:endParaRPr lang="en-US" dirty="0"/>
           </a:p>
         </p:txBody>
       </p:sp>
       <p:sp>
         <p:nvSpPr>
-          <p:cNvPr id="5" name="Text Placeholder 4">
-            <a:extLst>
-              <a:ext uri="{FF2B5EF4-FFF2-40B4-BE49-F238E27FC236}">
-                <a16:creationId xmlns:a16="http://schemas.microsoft.com/office/drawing/2014/main" id="{5A4EF70B-F25E-4D78-83E7-C294BFC90B26}"/>
-              </a:ext>
-            </a:extLst>
-          </p:cNvPr>
+          <p:cNvPr id="5" name="Text Placeholder 4"/>
           <p:cNvSpPr>
             <a:spLocks noGrp="1"/>
           </p:cNvSpPr>
@@ -2682,13 +2520,7 @@
       </p:sp>
       <p:sp>
         <p:nvSpPr>
-          <p:cNvPr id="6" name="Content Placeholder 5">
-            <a:extLst>
-              <a:ext uri="{FF2B5EF4-FFF2-40B4-BE49-F238E27FC236}">
-                <a16:creationId xmlns:a16="http://schemas.microsoft.com/office/drawing/2014/main" id="{EE179BAF-8700-4F11-92BE-EA8A1D6FBAD6}"/>
-              </a:ext>
-            </a:extLst>
-          </p:cNvPr>
+          <p:cNvPr id="6" name="Content Placeholder 5"/>
           <p:cNvSpPr>
             <a:spLocks noGrp="1"/>
           </p:cNvSpPr>
@@ -2739,19 +2571,13 @@
               <a:rPr lang="en-US"/>
               <a:t>Fifth level</a:t>
             </a:r>
-            <a:endParaRPr lang="en-CA"/>
+            <a:endParaRPr lang="en-US" dirty="0"/>
           </a:p>
         </p:txBody>
       </p:sp>
       <p:sp>
         <p:nvSpPr>
-          <p:cNvPr id="7" name="Date Placeholder 6">
-            <a:extLst>
-              <a:ext uri="{FF2B5EF4-FFF2-40B4-BE49-F238E27FC236}">
-                <a16:creationId xmlns:a16="http://schemas.microsoft.com/office/drawing/2014/main" id="{44F4C26A-CD39-4ECB-82B7-9F896DA97AED}"/>
-              </a:ext>
-            </a:extLst>
-          </p:cNvPr>
+          <p:cNvPr id="7" name="Date Placeholder 6"/>
           <p:cNvSpPr>
             <a:spLocks noGrp="1"/>
           </p:cNvSpPr>
@@ -2774,13 +2600,7 @@
       </p:sp>
       <p:sp>
         <p:nvSpPr>
-          <p:cNvPr id="8" name="Footer Placeholder 7">
-            <a:extLst>
-              <a:ext uri="{FF2B5EF4-FFF2-40B4-BE49-F238E27FC236}">
-                <a16:creationId xmlns:a16="http://schemas.microsoft.com/office/drawing/2014/main" id="{F993ADF8-A162-4890-8C66-3A8116B7E379}"/>
-              </a:ext>
-            </a:extLst>
-          </p:cNvPr>
+          <p:cNvPr id="8" name="Footer Placeholder 7"/>
           <p:cNvSpPr>
             <a:spLocks noGrp="1"/>
           </p:cNvSpPr>
@@ -2799,13 +2619,7 @@
       </p:sp>
       <p:sp>
         <p:nvSpPr>
-          <p:cNvPr id="9" name="Slide Number Placeholder 8">
-            <a:extLst>
-              <a:ext uri="{FF2B5EF4-FFF2-40B4-BE49-F238E27FC236}">
-                <a16:creationId xmlns:a16="http://schemas.microsoft.com/office/drawing/2014/main" id="{09B8FC75-5869-42A9-8276-EEB06DAC56C9}"/>
-              </a:ext>
-            </a:extLst>
-          </p:cNvPr>
+          <p:cNvPr id="9" name="Slide Number Placeholder 8"/>
           <p:cNvSpPr>
             <a:spLocks noGrp="1"/>
           </p:cNvSpPr>
@@ -2829,7 +2643,7 @@
     </p:spTree>
     <p:extLst>
       <p:ext uri="{BB962C8B-B14F-4D97-AF65-F5344CB8AC3E}">
-        <p14:creationId xmlns:p14="http://schemas.microsoft.com/office/powerpoint/2010/main" val="2214827262"/>
+        <p14:creationId xmlns:p14="http://schemas.microsoft.com/office/powerpoint/2010/main" val="2628814679"/>
       </p:ext>
     </p:extLst>
   </p:cSld>
@@ -2858,13 +2672,7 @@
       </p:grpSpPr>
       <p:sp>
         <p:nvSpPr>
-          <p:cNvPr id="2" name="Title 1">
-            <a:extLst>
-              <a:ext uri="{FF2B5EF4-FFF2-40B4-BE49-F238E27FC236}">
-                <a16:creationId xmlns:a16="http://schemas.microsoft.com/office/drawing/2014/main" id="{7E884E89-8AD9-46FD-A341-4B341E224B78}"/>
-              </a:ext>
-            </a:extLst>
-          </p:cNvPr>
+          <p:cNvPr id="2" name="Title 1"/>
           <p:cNvSpPr>
             <a:spLocks noGrp="1"/>
           </p:cNvSpPr>
@@ -2881,19 +2689,13 @@
               <a:rPr lang="en-US"/>
               <a:t>Click to edit Master title style</a:t>
             </a:r>
-            <a:endParaRPr lang="en-CA"/>
+            <a:endParaRPr lang="en-US" dirty="0"/>
           </a:p>
         </p:txBody>
       </p:sp>
       <p:sp>
         <p:nvSpPr>
-          <p:cNvPr id="3" name="Date Placeholder 2">
-            <a:extLst>
-              <a:ext uri="{FF2B5EF4-FFF2-40B4-BE49-F238E27FC236}">
-                <a16:creationId xmlns:a16="http://schemas.microsoft.com/office/drawing/2014/main" id="{86BBA47C-0004-42EB-8408-C406F28E997F}"/>
-              </a:ext>
-            </a:extLst>
-          </p:cNvPr>
+          <p:cNvPr id="3" name="Date Placeholder 2"/>
           <p:cNvSpPr>
             <a:spLocks noGrp="1"/>
           </p:cNvSpPr>
@@ -2916,13 +2718,7 @@
       </p:sp>
       <p:sp>
         <p:nvSpPr>
-          <p:cNvPr id="4" name="Footer Placeholder 3">
-            <a:extLst>
-              <a:ext uri="{FF2B5EF4-FFF2-40B4-BE49-F238E27FC236}">
-                <a16:creationId xmlns:a16="http://schemas.microsoft.com/office/drawing/2014/main" id="{C5DB284E-98DA-43EF-A17E-A28ACC83243C}"/>
-              </a:ext>
-            </a:extLst>
-          </p:cNvPr>
+          <p:cNvPr id="4" name="Footer Placeholder 3"/>
           <p:cNvSpPr>
             <a:spLocks noGrp="1"/>
           </p:cNvSpPr>
@@ -2941,13 +2737,7 @@
       </p:sp>
       <p:sp>
         <p:nvSpPr>
-          <p:cNvPr id="5" name="Slide Number Placeholder 4">
-            <a:extLst>
-              <a:ext uri="{FF2B5EF4-FFF2-40B4-BE49-F238E27FC236}">
-                <a16:creationId xmlns:a16="http://schemas.microsoft.com/office/drawing/2014/main" id="{E47F63CE-D2F2-4558-A1C8-5B525089107D}"/>
-              </a:ext>
-            </a:extLst>
-          </p:cNvPr>
+          <p:cNvPr id="5" name="Slide Number Placeholder 4"/>
           <p:cNvSpPr>
             <a:spLocks noGrp="1"/>
           </p:cNvSpPr>
@@ -2971,7 +2761,7 @@
     </p:spTree>
     <p:extLst>
       <p:ext uri="{BB962C8B-B14F-4D97-AF65-F5344CB8AC3E}">
-        <p14:creationId xmlns:p14="http://schemas.microsoft.com/office/powerpoint/2010/main" val="3878126061"/>
+        <p14:creationId xmlns:p14="http://schemas.microsoft.com/office/powerpoint/2010/main" val="4074715518"/>
       </p:ext>
     </p:extLst>
   </p:cSld>
@@ -3000,13 +2790,7 @@
       </p:grpSpPr>
       <p:sp>
         <p:nvSpPr>
-          <p:cNvPr id="2" name="Date Placeholder 1">
-            <a:extLst>
-              <a:ext uri="{FF2B5EF4-FFF2-40B4-BE49-F238E27FC236}">
-                <a16:creationId xmlns:a16="http://schemas.microsoft.com/office/drawing/2014/main" id="{CFDB30D7-5D10-411F-920C-BFC265887EC3}"/>
-              </a:ext>
-            </a:extLst>
-          </p:cNvPr>
+          <p:cNvPr id="2" name="Date Placeholder 1"/>
           <p:cNvSpPr>
             <a:spLocks noGrp="1"/>
           </p:cNvSpPr>
@@ -3029,13 +2813,7 @@
       </p:sp>
       <p:sp>
         <p:nvSpPr>
-          <p:cNvPr id="3" name="Footer Placeholder 2">
-            <a:extLst>
-              <a:ext uri="{FF2B5EF4-FFF2-40B4-BE49-F238E27FC236}">
-                <a16:creationId xmlns:a16="http://schemas.microsoft.com/office/drawing/2014/main" id="{5CABEF04-2843-4533-9915-DB34EAA1AFBB}"/>
-              </a:ext>
-            </a:extLst>
-          </p:cNvPr>
+          <p:cNvPr id="3" name="Footer Placeholder 2"/>
           <p:cNvSpPr>
             <a:spLocks noGrp="1"/>
           </p:cNvSpPr>
@@ -3054,13 +2832,7 @@
       </p:sp>
       <p:sp>
         <p:nvSpPr>
-          <p:cNvPr id="4" name="Slide Number Placeholder 3">
-            <a:extLst>
-              <a:ext uri="{FF2B5EF4-FFF2-40B4-BE49-F238E27FC236}">
-                <a16:creationId xmlns:a16="http://schemas.microsoft.com/office/drawing/2014/main" id="{0A7A2886-FCB7-4A58-896C-29F94FAFF636}"/>
-              </a:ext>
-            </a:extLst>
-          </p:cNvPr>
+          <p:cNvPr id="4" name="Slide Number Placeholder 3"/>
           <p:cNvSpPr>
             <a:spLocks noGrp="1"/>
           </p:cNvSpPr>
@@ -3084,7 +2856,7 @@
     </p:spTree>
     <p:extLst>
       <p:ext uri="{BB962C8B-B14F-4D97-AF65-F5344CB8AC3E}">
-        <p14:creationId xmlns:p14="http://schemas.microsoft.com/office/powerpoint/2010/main" val="788093854"/>
+        <p14:creationId xmlns:p14="http://schemas.microsoft.com/office/powerpoint/2010/main" val="911761401"/>
       </p:ext>
     </p:extLst>
   </p:cSld>
@@ -3113,13 +2885,7 @@
       </p:grpSpPr>
       <p:sp>
         <p:nvSpPr>
-          <p:cNvPr id="2" name="Title 1">
-            <a:extLst>
-              <a:ext uri="{FF2B5EF4-FFF2-40B4-BE49-F238E27FC236}">
-                <a16:creationId xmlns:a16="http://schemas.microsoft.com/office/drawing/2014/main" id="{7F5A04E6-E45D-4C4F-B040-7F4754140247}"/>
-              </a:ext>
-            </a:extLst>
-          </p:cNvPr>
+          <p:cNvPr id="2" name="Title 1"/>
           <p:cNvSpPr>
             <a:spLocks noGrp="1"/>
           </p:cNvSpPr>
@@ -3145,19 +2911,13 @@
               <a:rPr lang="en-US"/>
               <a:t>Click to edit Master title style</a:t>
             </a:r>
-            <a:endParaRPr lang="en-CA"/>
+            <a:endParaRPr lang="en-US" dirty="0"/>
           </a:p>
         </p:txBody>
       </p:sp>
       <p:sp>
         <p:nvSpPr>
-          <p:cNvPr id="3" name="Content Placeholder 2">
-            <a:extLst>
-              <a:ext uri="{FF2B5EF4-FFF2-40B4-BE49-F238E27FC236}">
-                <a16:creationId xmlns:a16="http://schemas.microsoft.com/office/drawing/2014/main" id="{A7758F6D-19D4-44FB-A3E7-B2D4431BE7F6}"/>
-              </a:ext>
-            </a:extLst>
-          </p:cNvPr>
+          <p:cNvPr id="3" name="Content Placeholder 2"/>
           <p:cNvSpPr>
             <a:spLocks noGrp="1"/>
           </p:cNvSpPr>
@@ -3236,19 +2996,13 @@
               <a:rPr lang="en-US"/>
               <a:t>Fifth level</a:t>
             </a:r>
-            <a:endParaRPr lang="en-CA"/>
+            <a:endParaRPr lang="en-US" dirty="0"/>
           </a:p>
         </p:txBody>
       </p:sp>
       <p:sp>
         <p:nvSpPr>
-          <p:cNvPr id="4" name="Text Placeholder 3">
-            <a:extLst>
-              <a:ext uri="{FF2B5EF4-FFF2-40B4-BE49-F238E27FC236}">
-                <a16:creationId xmlns:a16="http://schemas.microsoft.com/office/drawing/2014/main" id="{255B5CE6-49C8-43F4-BD83-698E448665A4}"/>
-              </a:ext>
-            </a:extLst>
-          </p:cNvPr>
+          <p:cNvPr id="4" name="Text Placeholder 3"/>
           <p:cNvSpPr>
             <a:spLocks noGrp="1"/>
           </p:cNvSpPr>
@@ -3313,13 +3067,7 @@
       </p:sp>
       <p:sp>
         <p:nvSpPr>
-          <p:cNvPr id="5" name="Date Placeholder 4">
-            <a:extLst>
-              <a:ext uri="{FF2B5EF4-FFF2-40B4-BE49-F238E27FC236}">
-                <a16:creationId xmlns:a16="http://schemas.microsoft.com/office/drawing/2014/main" id="{075F20E2-D4AE-4741-977E-30EC12123F5C}"/>
-              </a:ext>
-            </a:extLst>
-          </p:cNvPr>
+          <p:cNvPr id="5" name="Date Placeholder 4"/>
           <p:cNvSpPr>
             <a:spLocks noGrp="1"/>
           </p:cNvSpPr>
@@ -3342,13 +3090,7 @@
       </p:sp>
       <p:sp>
         <p:nvSpPr>
-          <p:cNvPr id="6" name="Footer Placeholder 5">
-            <a:extLst>
-              <a:ext uri="{FF2B5EF4-FFF2-40B4-BE49-F238E27FC236}">
-                <a16:creationId xmlns:a16="http://schemas.microsoft.com/office/drawing/2014/main" id="{ED985AD3-586C-4D90-B905-41B449EF9E08}"/>
-              </a:ext>
-            </a:extLst>
-          </p:cNvPr>
+          <p:cNvPr id="6" name="Footer Placeholder 5"/>
           <p:cNvSpPr>
             <a:spLocks noGrp="1"/>
           </p:cNvSpPr>
@@ -3367,13 +3109,7 @@
       </p:sp>
       <p:sp>
         <p:nvSpPr>
-          <p:cNvPr id="7" name="Slide Number Placeholder 6">
-            <a:extLst>
-              <a:ext uri="{FF2B5EF4-FFF2-40B4-BE49-F238E27FC236}">
-                <a16:creationId xmlns:a16="http://schemas.microsoft.com/office/drawing/2014/main" id="{F76645D0-107C-4B62-8E9B-228FEE561B84}"/>
-              </a:ext>
-            </a:extLst>
-          </p:cNvPr>
+          <p:cNvPr id="7" name="Slide Number Placeholder 6"/>
           <p:cNvSpPr>
             <a:spLocks noGrp="1"/>
           </p:cNvSpPr>
@@ -3397,7 +3133,7 @@
     </p:spTree>
     <p:extLst>
       <p:ext uri="{BB962C8B-B14F-4D97-AF65-F5344CB8AC3E}">
-        <p14:creationId xmlns:p14="http://schemas.microsoft.com/office/powerpoint/2010/main" val="1666322605"/>
+        <p14:creationId xmlns:p14="http://schemas.microsoft.com/office/powerpoint/2010/main" val="3616256626"/>
       </p:ext>
     </p:extLst>
   </p:cSld>
@@ -3426,13 +3162,7 @@
       </p:grpSpPr>
       <p:sp>
         <p:nvSpPr>
-          <p:cNvPr id="2" name="Title 1">
-            <a:extLst>
-              <a:ext uri="{FF2B5EF4-FFF2-40B4-BE49-F238E27FC236}">
-                <a16:creationId xmlns:a16="http://schemas.microsoft.com/office/drawing/2014/main" id="{C292AD73-012F-4C7B-BE07-75E893356973}"/>
-              </a:ext>
-            </a:extLst>
-          </p:cNvPr>
+          <p:cNvPr id="2" name="Title 1"/>
           <p:cNvSpPr>
             <a:spLocks noGrp="1"/>
           </p:cNvSpPr>
@@ -3458,21 +3188,15 @@
               <a:rPr lang="en-US"/>
               <a:t>Click to edit Master title style</a:t>
             </a:r>
-            <a:endParaRPr lang="en-CA"/>
+            <a:endParaRPr lang="en-US" dirty="0"/>
           </a:p>
         </p:txBody>
       </p:sp>
       <p:sp>
         <p:nvSpPr>
-          <p:cNvPr id="3" name="Picture Placeholder 2">
-            <a:extLst>
-              <a:ext uri="{FF2B5EF4-FFF2-40B4-BE49-F238E27FC236}">
-                <a16:creationId xmlns:a16="http://schemas.microsoft.com/office/drawing/2014/main" id="{13679370-5616-40A8-AAD9-95C33DBB5D4F}"/>
-              </a:ext>
-            </a:extLst>
-          </p:cNvPr>
+          <p:cNvPr id="3" name="Picture Placeholder 2"/>
           <p:cNvSpPr>
-            <a:spLocks noGrp="1"/>
+            <a:spLocks noGrp="1" noChangeAspect="1"/>
           </p:cNvSpPr>
           <p:nvPr>
             <p:ph type="pic" idx="1"/>
@@ -3485,7 +3209,7 @@
           </a:xfrm>
         </p:spPr>
         <p:txBody>
-          <a:bodyPr/>
+          <a:bodyPr anchor="t"/>
           <a:lstStyle>
             <a:lvl1pPr marL="0" indent="0">
               <a:buNone/>
@@ -3525,19 +3249,17 @@
             </a:lvl9pPr>
           </a:lstStyle>
           <a:p>
-            <a:endParaRPr lang="en-CA"/>
+            <a:r>
+              <a:rPr lang="en-US"/>
+              <a:t>Click icon to add picture</a:t>
+            </a:r>
+            <a:endParaRPr lang="en-US" dirty="0"/>
           </a:p>
         </p:txBody>
       </p:sp>
       <p:sp>
         <p:nvSpPr>
-          <p:cNvPr id="4" name="Text Placeholder 3">
-            <a:extLst>
-              <a:ext uri="{FF2B5EF4-FFF2-40B4-BE49-F238E27FC236}">
-                <a16:creationId xmlns:a16="http://schemas.microsoft.com/office/drawing/2014/main" id="{6C189195-1218-4FC1-80BA-632A55BCC024}"/>
-              </a:ext>
-            </a:extLst>
-          </p:cNvPr>
+          <p:cNvPr id="4" name="Text Placeholder 3"/>
           <p:cNvSpPr>
             <a:spLocks noGrp="1"/>
           </p:cNvSpPr>
@@ -3602,13 +3324,7 @@
       </p:sp>
       <p:sp>
         <p:nvSpPr>
-          <p:cNvPr id="5" name="Date Placeholder 4">
-            <a:extLst>
-              <a:ext uri="{FF2B5EF4-FFF2-40B4-BE49-F238E27FC236}">
-                <a16:creationId xmlns:a16="http://schemas.microsoft.com/office/drawing/2014/main" id="{D640FAC3-C234-4A5B-B0E6-D8CEBB6C2C4D}"/>
-              </a:ext>
-            </a:extLst>
-          </p:cNvPr>
+          <p:cNvPr id="5" name="Date Placeholder 4"/>
           <p:cNvSpPr>
             <a:spLocks noGrp="1"/>
           </p:cNvSpPr>
@@ -3631,13 +3347,7 @@
       </p:sp>
       <p:sp>
         <p:nvSpPr>
-          <p:cNvPr id="6" name="Footer Placeholder 5">
-            <a:extLst>
-              <a:ext uri="{FF2B5EF4-FFF2-40B4-BE49-F238E27FC236}">
-                <a16:creationId xmlns:a16="http://schemas.microsoft.com/office/drawing/2014/main" id="{3F59E7DF-68F3-4D22-9212-40EB3918DBE2}"/>
-              </a:ext>
-            </a:extLst>
-          </p:cNvPr>
+          <p:cNvPr id="6" name="Footer Placeholder 5"/>
           <p:cNvSpPr>
             <a:spLocks noGrp="1"/>
           </p:cNvSpPr>
@@ -3656,13 +3366,7 @@
       </p:sp>
       <p:sp>
         <p:nvSpPr>
-          <p:cNvPr id="7" name="Slide Number Placeholder 6">
-            <a:extLst>
-              <a:ext uri="{FF2B5EF4-FFF2-40B4-BE49-F238E27FC236}">
-                <a16:creationId xmlns:a16="http://schemas.microsoft.com/office/drawing/2014/main" id="{3CB51B97-AA5A-455A-A25B-6AD8ADF9350A}"/>
-              </a:ext>
-            </a:extLst>
-          </p:cNvPr>
+          <p:cNvPr id="7" name="Slide Number Placeholder 6"/>
           <p:cNvSpPr>
             <a:spLocks noGrp="1"/>
           </p:cNvSpPr>
@@ -3686,7 +3390,7 @@
     </p:spTree>
     <p:extLst>
       <p:ext uri="{BB962C8B-B14F-4D97-AF65-F5344CB8AC3E}">
-        <p14:creationId xmlns:p14="http://schemas.microsoft.com/office/powerpoint/2010/main" val="620821994"/>
+        <p14:creationId xmlns:p14="http://schemas.microsoft.com/office/powerpoint/2010/main" val="3162468323"/>
       </p:ext>
     </p:extLst>
   </p:cSld>
@@ -3700,25 +3404,9 @@
 <p:sldMaster xmlns:a="http://schemas.openxmlformats.org/drawingml/2006/main" xmlns:r="http://schemas.openxmlformats.org/officeDocument/2006/relationships" xmlns:p="http://schemas.openxmlformats.org/presentationml/2006/main">
   <p:cSld>
     <p:bg>
-      <p:bgPr>
-        <a:gradFill flip="none" rotWithShape="1">
-          <a:gsLst>
-            <a:gs pos="100000">
-              <a:schemeClr val="bg1">
-                <a:lumMod val="85000"/>
-              </a:schemeClr>
-            </a:gs>
-            <a:gs pos="30000">
-              <a:schemeClr val="bg1"/>
-            </a:gs>
-          </a:gsLst>
-          <a:path path="circle">
-            <a:fillToRect l="50000" t="50000" r="50000" b="50000"/>
-          </a:path>
-          <a:tileRect/>
-        </a:gradFill>
-        <a:effectLst/>
-      </p:bgPr>
+      <p:bgRef idx="1001">
+        <a:schemeClr val="bg1"/>
+      </p:bgRef>
     </p:bg>
     <p:spTree>
       <p:nvGrpSpPr>
@@ -3736,13 +3424,7 @@
       </p:grpSpPr>
       <p:sp>
         <p:nvSpPr>
-          <p:cNvPr id="2" name="Title Placeholder 1">
-            <a:extLst>
-              <a:ext uri="{FF2B5EF4-FFF2-40B4-BE49-F238E27FC236}">
-                <a16:creationId xmlns:a16="http://schemas.microsoft.com/office/drawing/2014/main" id="{4099CC62-C86A-41A4-89A8-142A3B69244C}"/>
-              </a:ext>
-            </a:extLst>
-          </p:cNvPr>
+          <p:cNvPr id="2" name="Title Placeholder 1"/>
           <p:cNvSpPr>
             <a:spLocks noGrp="1"/>
           </p:cNvSpPr>
@@ -3769,19 +3451,13 @@
               <a:rPr lang="en-US"/>
               <a:t>Click to edit Master title style</a:t>
             </a:r>
-            <a:endParaRPr lang="en-CA"/>
+            <a:endParaRPr lang="en-US" dirty="0"/>
           </a:p>
         </p:txBody>
       </p:sp>
       <p:sp>
         <p:nvSpPr>
-          <p:cNvPr id="3" name="Text Placeholder 2">
-            <a:extLst>
-              <a:ext uri="{FF2B5EF4-FFF2-40B4-BE49-F238E27FC236}">
-                <a16:creationId xmlns:a16="http://schemas.microsoft.com/office/drawing/2014/main" id="{AFF574A3-F114-431F-B3E9-E4318C62A0B1}"/>
-              </a:ext>
-            </a:extLst>
-          </p:cNvPr>
+          <p:cNvPr id="3" name="Text Placeholder 2"/>
           <p:cNvSpPr>
             <a:spLocks noGrp="1"/>
           </p:cNvSpPr>
@@ -3837,19 +3513,13 @@
               <a:rPr lang="en-US"/>
               <a:t>Fifth level</a:t>
             </a:r>
-            <a:endParaRPr lang="en-CA"/>
+            <a:endParaRPr lang="en-US" dirty="0"/>
           </a:p>
         </p:txBody>
       </p:sp>
       <p:sp>
         <p:nvSpPr>
-          <p:cNvPr id="4" name="Date Placeholder 3">
-            <a:extLst>
-              <a:ext uri="{FF2B5EF4-FFF2-40B4-BE49-F238E27FC236}">
-                <a16:creationId xmlns:a16="http://schemas.microsoft.com/office/drawing/2014/main" id="{2935D6DD-4EE0-4380-8D6C-D38CF0B494C0}"/>
-              </a:ext>
-            </a:extLst>
-          </p:cNvPr>
+          <p:cNvPr id="4" name="Date Placeholder 3"/>
           <p:cNvSpPr>
             <a:spLocks noGrp="1"/>
           </p:cNvSpPr>
@@ -3890,13 +3560,7 @@
       </p:sp>
       <p:sp>
         <p:nvSpPr>
-          <p:cNvPr id="5" name="Footer Placeholder 4">
-            <a:extLst>
-              <a:ext uri="{FF2B5EF4-FFF2-40B4-BE49-F238E27FC236}">
-                <a16:creationId xmlns:a16="http://schemas.microsoft.com/office/drawing/2014/main" id="{4BC8BC77-3BF9-4B21-B299-08AE90B2A77C}"/>
-              </a:ext>
-            </a:extLst>
-          </p:cNvPr>
+          <p:cNvPr id="5" name="Footer Placeholder 4"/>
           <p:cNvSpPr>
             <a:spLocks noGrp="1"/>
           </p:cNvSpPr>
@@ -3933,13 +3597,7 @@
       </p:sp>
       <p:sp>
         <p:nvSpPr>
-          <p:cNvPr id="6" name="Slide Number Placeholder 5">
-            <a:extLst>
-              <a:ext uri="{FF2B5EF4-FFF2-40B4-BE49-F238E27FC236}">
-                <a16:creationId xmlns:a16="http://schemas.microsoft.com/office/drawing/2014/main" id="{C3D25A9C-48DF-4105-A6D0-870E20FF7613}"/>
-              </a:ext>
-            </a:extLst>
-          </p:cNvPr>
+          <p:cNvPr id="6" name="Slide Number Placeholder 5"/>
           <p:cNvSpPr>
             <a:spLocks noGrp="1"/>
           </p:cNvSpPr>
@@ -3981,23 +3639,23 @@
     </p:spTree>
     <p:extLst>
       <p:ext uri="{BB962C8B-B14F-4D97-AF65-F5344CB8AC3E}">
-        <p14:creationId xmlns:p14="http://schemas.microsoft.com/office/powerpoint/2010/main" val="1150089533"/>
+        <p14:creationId xmlns:p14="http://schemas.microsoft.com/office/powerpoint/2010/main" val="2441988093"/>
       </p:ext>
     </p:extLst>
   </p:cSld>
   <p:clrMap bg1="lt1" tx1="dk1" bg2="lt2" tx2="dk2" accent1="accent1" accent2="accent2" accent3="accent3" accent4="accent4" accent5="accent5" accent6="accent6" hlink="hlink" folHlink="folHlink"/>
   <p:sldLayoutIdLst>
-    <p:sldLayoutId id="2147483924" r:id="rId1"/>
-    <p:sldLayoutId id="2147483925" r:id="rId2"/>
-    <p:sldLayoutId id="2147483926" r:id="rId3"/>
-    <p:sldLayoutId id="2147483927" r:id="rId4"/>
-    <p:sldLayoutId id="2147483928" r:id="rId5"/>
-    <p:sldLayoutId id="2147483929" r:id="rId6"/>
-    <p:sldLayoutId id="2147483930" r:id="rId7"/>
-    <p:sldLayoutId id="2147483931" r:id="rId8"/>
-    <p:sldLayoutId id="2147483932" r:id="rId9"/>
-    <p:sldLayoutId id="2147483933" r:id="rId10"/>
-    <p:sldLayoutId id="2147483934" r:id="rId11"/>
+    <p:sldLayoutId id="2147483960" r:id="rId1"/>
+    <p:sldLayoutId id="2147483961" r:id="rId2"/>
+    <p:sldLayoutId id="2147483962" r:id="rId3"/>
+    <p:sldLayoutId id="2147483963" r:id="rId4"/>
+    <p:sldLayoutId id="2147483964" r:id="rId5"/>
+    <p:sldLayoutId id="2147483965" r:id="rId6"/>
+    <p:sldLayoutId id="2147483966" r:id="rId7"/>
+    <p:sldLayoutId id="2147483967" r:id="rId8"/>
+    <p:sldLayoutId id="2147483968" r:id="rId9"/>
+    <p:sldLayoutId id="2147483969" r:id="rId10"/>
+    <p:sldLayoutId id="2147483970" r:id="rId11"/>
   </p:sldLayoutIdLst>
   <p:txStyles>
     <p:titleStyle>
@@ -4304,6 +3962,54 @@
           <a:chExt cx="0" cy="0"/>
         </a:xfrm>
       </p:grpSpPr>
+      <p:pic>
+        <p:nvPicPr>
+          <p:cNvPr id="3" name="Picture 2">
+            <a:extLst>
+              <a:ext uri="{FF2B5EF4-FFF2-40B4-BE49-F238E27FC236}">
+                <a16:creationId xmlns:a16="http://schemas.microsoft.com/office/drawing/2014/main" id="{56E381CE-93BF-4CDB-B83C-F1D427444DA4}"/>
+              </a:ext>
+            </a:extLst>
+          </p:cNvPr>
+          <p:cNvPicPr>
+            <a:picLocks noChangeAspect="1"/>
+          </p:cNvPicPr>
+          <p:nvPr/>
+        </p:nvPicPr>
+        <p:blipFill>
+          <a:blip r:embed="rId2">
+            <a:extLst>
+              <a:ext uri="{BEBA8EAE-BF5A-486C-A8C5-ECC9F3942E4B}">
+                <a14:imgProps xmlns:a14="http://schemas.microsoft.com/office/drawing/2010/main">
+                  <a14:imgLayer r:embed="rId3">
+                    <a14:imgEffect>
+                      <a14:sharpenSoften amount="25000"/>
+                    </a14:imgEffect>
+                    <a14:imgEffect>
+                      <a14:colorTemperature colorTemp="5300"/>
+                    </a14:imgEffect>
+                    <a14:imgEffect>
+                      <a14:saturation sat="66000"/>
+                    </a14:imgEffect>
+                  </a14:imgLayer>
+                </a14:imgProps>
+              </a:ext>
+            </a:extLst>
+          </a:blip>
+          <a:stretch>
+            <a:fillRect/>
+          </a:stretch>
+        </p:blipFill>
+        <p:spPr>
+          <a:xfrm>
+            <a:off x="-22303" y="-22302"/>
+            <a:ext cx="12561051" cy="6969511"/>
+          </a:xfrm>
+          <a:prstGeom prst="rect">
+            <a:avLst/>
+          </a:prstGeom>
+        </p:spPr>
+      </p:pic>
       <p:sp>
         <p:nvSpPr>
           <p:cNvPr id="5" name="TextBox 4">
@@ -4707,6 +4413,190 @@
               </a:rPr>
               <a:t>System Overview</a:t>
             </a:r>
+          </a:p>
+        </p:txBody>
+      </p:sp>
+      <p:sp>
+        <p:nvSpPr>
+          <p:cNvPr id="3" name="Flowchart: Process 2">
+            <a:extLst>
+              <a:ext uri="{FF2B5EF4-FFF2-40B4-BE49-F238E27FC236}">
+                <a16:creationId xmlns:a16="http://schemas.microsoft.com/office/drawing/2014/main" id="{C25F7B17-B1C8-4E24-A2BB-20A6330C601E}"/>
+              </a:ext>
+            </a:extLst>
+          </p:cNvPr>
+          <p:cNvSpPr/>
+          <p:nvPr/>
+        </p:nvSpPr>
+        <p:spPr>
+          <a:xfrm>
+            <a:off x="1059366" y="1918010"/>
+            <a:ext cx="2386361" cy="1271239"/>
+          </a:xfrm>
+          <a:prstGeom prst="flowChartProcess">
+            <a:avLst/>
+          </a:prstGeom>
+        </p:spPr>
+        <p:style>
+          <a:lnRef idx="2">
+            <a:schemeClr val="accent1">
+              <a:shade val="50000"/>
+            </a:schemeClr>
+          </a:lnRef>
+          <a:fillRef idx="1">
+            <a:schemeClr val="accent1"/>
+          </a:fillRef>
+          <a:effectRef idx="0">
+            <a:schemeClr val="accent1"/>
+          </a:effectRef>
+          <a:fontRef idx="minor">
+            <a:schemeClr val="lt1"/>
+          </a:fontRef>
+        </p:style>
+        <p:txBody>
+          <a:bodyPr rtlCol="0" anchor="ctr"/>
+          <a:lstStyle/>
+          <a:p>
+            <a:pPr algn="ctr"/>
+            <a:endParaRPr lang="en-CA"/>
+          </a:p>
+        </p:txBody>
+      </p:sp>
+      <p:sp>
+        <p:nvSpPr>
+          <p:cNvPr id="5" name="Flowchart: Process 4">
+            <a:extLst>
+              <a:ext uri="{FF2B5EF4-FFF2-40B4-BE49-F238E27FC236}">
+                <a16:creationId xmlns:a16="http://schemas.microsoft.com/office/drawing/2014/main" id="{BC166809-89EF-4FA6-A804-5F8E0C5614BA}"/>
+              </a:ext>
+            </a:extLst>
+          </p:cNvPr>
+          <p:cNvSpPr/>
+          <p:nvPr/>
+        </p:nvSpPr>
+        <p:spPr>
+          <a:xfrm>
+            <a:off x="3947532" y="2007220"/>
+            <a:ext cx="1984917" cy="1182029"/>
+          </a:xfrm>
+          <a:prstGeom prst="flowChartProcess">
+            <a:avLst/>
+          </a:prstGeom>
+        </p:spPr>
+        <p:style>
+          <a:lnRef idx="2">
+            <a:schemeClr val="accent1">
+              <a:shade val="50000"/>
+            </a:schemeClr>
+          </a:lnRef>
+          <a:fillRef idx="1">
+            <a:schemeClr val="accent1"/>
+          </a:fillRef>
+          <a:effectRef idx="0">
+            <a:schemeClr val="accent1"/>
+          </a:effectRef>
+          <a:fontRef idx="minor">
+            <a:schemeClr val="lt1"/>
+          </a:fontRef>
+        </p:style>
+        <p:txBody>
+          <a:bodyPr rtlCol="0" anchor="ctr"/>
+          <a:lstStyle/>
+          <a:p>
+            <a:pPr algn="ctr"/>
+            <a:endParaRPr lang="en-CA"/>
+          </a:p>
+        </p:txBody>
+      </p:sp>
+      <p:sp>
+        <p:nvSpPr>
+          <p:cNvPr id="6" name="Flowchart: Process 5">
+            <a:extLst>
+              <a:ext uri="{FF2B5EF4-FFF2-40B4-BE49-F238E27FC236}">
+                <a16:creationId xmlns:a16="http://schemas.microsoft.com/office/drawing/2014/main" id="{5EE5616B-73E5-4D5C-84F0-D6A268A2DDD9}"/>
+              </a:ext>
+            </a:extLst>
+          </p:cNvPr>
+          <p:cNvSpPr/>
+          <p:nvPr/>
+        </p:nvSpPr>
+        <p:spPr>
+          <a:xfrm>
+            <a:off x="6434254" y="2040673"/>
+            <a:ext cx="2196790" cy="1148576"/>
+          </a:xfrm>
+          <a:prstGeom prst="flowChartProcess">
+            <a:avLst/>
+          </a:prstGeom>
+        </p:spPr>
+        <p:style>
+          <a:lnRef idx="2">
+            <a:schemeClr val="accent1">
+              <a:shade val="50000"/>
+            </a:schemeClr>
+          </a:lnRef>
+          <a:fillRef idx="1">
+            <a:schemeClr val="accent1"/>
+          </a:fillRef>
+          <a:effectRef idx="0">
+            <a:schemeClr val="accent1"/>
+          </a:effectRef>
+          <a:fontRef idx="minor">
+            <a:schemeClr val="lt1"/>
+          </a:fontRef>
+        </p:style>
+        <p:txBody>
+          <a:bodyPr rtlCol="0" anchor="ctr"/>
+          <a:lstStyle/>
+          <a:p>
+            <a:pPr algn="ctr"/>
+            <a:endParaRPr lang="en-CA"/>
+          </a:p>
+        </p:txBody>
+      </p:sp>
+      <p:sp>
+        <p:nvSpPr>
+          <p:cNvPr id="7" name="Flowchart: Process 6">
+            <a:extLst>
+              <a:ext uri="{FF2B5EF4-FFF2-40B4-BE49-F238E27FC236}">
+                <a16:creationId xmlns:a16="http://schemas.microsoft.com/office/drawing/2014/main" id="{52B79740-11BB-4A4A-9D45-A29A2B5C8695}"/>
+              </a:ext>
+            </a:extLst>
+          </p:cNvPr>
+          <p:cNvSpPr/>
+          <p:nvPr/>
+        </p:nvSpPr>
+        <p:spPr>
+          <a:xfrm>
+            <a:off x="9121698" y="2007220"/>
+            <a:ext cx="1984917" cy="1182029"/>
+          </a:xfrm>
+          <a:prstGeom prst="flowChartProcess">
+            <a:avLst/>
+          </a:prstGeom>
+        </p:spPr>
+        <p:style>
+          <a:lnRef idx="2">
+            <a:schemeClr val="accent1">
+              <a:shade val="50000"/>
+            </a:schemeClr>
+          </a:lnRef>
+          <a:fillRef idx="1">
+            <a:schemeClr val="accent1"/>
+          </a:fillRef>
+          <a:effectRef idx="0">
+            <a:schemeClr val="accent1"/>
+          </a:effectRef>
+          <a:fontRef idx="minor">
+            <a:schemeClr val="lt1"/>
+          </a:fontRef>
+        </p:style>
+        <p:txBody>
+          <a:bodyPr rtlCol="0" anchor="ctr"/>
+          <a:lstStyle/>
+          <a:p>
+            <a:pPr algn="ctr"/>
+            <a:endParaRPr lang="en-CA"/>
           </a:p>
         </p:txBody>
       </p:sp>
@@ -15504,7 +15394,7 @@
 <file path=ppt/theme/theme1.xml><?xml version="1.0" encoding="utf-8"?>
 <a:theme xmlns:a="http://schemas.openxmlformats.org/drawingml/2006/main" name="Office Theme">
   <a:themeElements>
-    <a:clrScheme name="Office">
+    <a:clrScheme name="Office Theme">
       <a:dk1>
         <a:sysClr val="windowText" lastClr="000000"/>
       </a:dk1>
@@ -15518,22 +15408,22 @@
         <a:srgbClr val="E7E6E6"/>
       </a:lt2>
       <a:accent1>
-        <a:srgbClr val="4472C4"/>
+        <a:srgbClr val="1D9A78"/>
       </a:accent1>
       <a:accent2>
-        <a:srgbClr val="ED7D31"/>
+        <a:srgbClr val="8BC145"/>
       </a:accent2>
       <a:accent3>
-        <a:srgbClr val="A5A5A5"/>
+        <a:srgbClr val="36AFCE"/>
       </a:accent3>
       <a:accent4>
-        <a:srgbClr val="FFC000"/>
+        <a:srgbClr val="1D6FA9"/>
       </a:accent4>
       <a:accent5>
-        <a:srgbClr val="5B9BD5"/>
+        <a:srgbClr val="B74919"/>
       </a:accent5>
       <a:accent6>
-        <a:srgbClr val="70AD47"/>
+        <a:srgbClr val="F19D19"/>
       </a:accent6>
       <a:hlink>
         <a:srgbClr val="0563C1"/>
@@ -15542,7 +15432,7 @@
         <a:srgbClr val="954F72"/>
       </a:folHlink>
     </a:clrScheme>
-    <a:fontScheme name="Office">
+    <a:fontScheme name="Office Theme">
       <a:majorFont>
         <a:latin typeface="Calibri Light" panose="020F0302020204030204"/>
         <a:ea typeface=""/>
@@ -15577,23 +15467,6 @@
         <a:font script="Viet" typeface="Times New Roman"/>
         <a:font script="Uigh" typeface="Microsoft Uighur"/>
         <a:font script="Geor" typeface="Sylfaen"/>
-        <a:font script="Armn" typeface="Arial"/>
-        <a:font script="Bugi" typeface="Leelawadee UI"/>
-        <a:font script="Bopo" typeface="Microsoft JhengHei"/>
-        <a:font script="Java" typeface="Javanese Text"/>
-        <a:font script="Lisu" typeface="Segoe UI"/>
-        <a:font script="Mymr" typeface="Myanmar Text"/>
-        <a:font script="Nkoo" typeface="Ebrima"/>
-        <a:font script="Olck" typeface="Nirmala UI"/>
-        <a:font script="Osma" typeface="Ebrima"/>
-        <a:font script="Phag" typeface="Phagspa"/>
-        <a:font script="Syrn" typeface="Estrangelo Edessa"/>
-        <a:font script="Syrj" typeface="Estrangelo Edessa"/>
-        <a:font script="Syre" typeface="Estrangelo Edessa"/>
-        <a:font script="Sora" typeface="Nirmala UI"/>
-        <a:font script="Tale" typeface="Microsoft Tai Le"/>
-        <a:font script="Talu" typeface="Microsoft New Tai Lue"/>
-        <a:font script="Tfng" typeface="Ebrima"/>
       </a:majorFont>
       <a:minorFont>
         <a:latin typeface="Calibri" panose="020F0502020204030204"/>
@@ -15629,26 +15502,9 @@
         <a:font script="Viet" typeface="Arial"/>
         <a:font script="Uigh" typeface="Microsoft Uighur"/>
         <a:font script="Geor" typeface="Sylfaen"/>
-        <a:font script="Armn" typeface="Arial"/>
-        <a:font script="Bugi" typeface="Leelawadee UI"/>
-        <a:font script="Bopo" typeface="Microsoft JhengHei"/>
-        <a:font script="Java" typeface="Javanese Text"/>
-        <a:font script="Lisu" typeface="Segoe UI"/>
-        <a:font script="Mymr" typeface="Myanmar Text"/>
-        <a:font script="Nkoo" typeface="Ebrima"/>
-        <a:font script="Olck" typeface="Nirmala UI"/>
-        <a:font script="Osma" typeface="Ebrima"/>
-        <a:font script="Phag" typeface="Phagspa"/>
-        <a:font script="Syrn" typeface="Estrangelo Edessa"/>
-        <a:font script="Syrj" typeface="Estrangelo Edessa"/>
-        <a:font script="Syre" typeface="Estrangelo Edessa"/>
-        <a:font script="Sora" typeface="Nirmala UI"/>
-        <a:font script="Tale" typeface="Microsoft Tai Le"/>
-        <a:font script="Talu" typeface="Microsoft New Tai Lue"/>
-        <a:font script="Tfng" typeface="Ebrima"/>
       </a:minorFont>
     </a:fontScheme>
-    <a:fmtScheme name="Office">
+    <a:fmtScheme name="Office Theme">
       <a:fillStyleLst>
         <a:solidFill>
           <a:schemeClr val="phClr"/>
@@ -15790,7 +15646,7 @@
   <a:extraClrSchemeLst/>
   <a:extLst>
     <a:ext uri="{05A4C25C-085E-4340-85A3-A5531E510DB2}">
-      <thm15:themeFamily xmlns:thm15="http://schemas.microsoft.com/office/thememl/2012/main" name="Office Theme" id="{62F939B6-93AF-4DB8-9C6B-D6C7DFDC589F}" vid="{4A3C46E8-61CC-4603-A589-7422A47A8E4A}"/>
+      <thm15:themeFamily xmlns:thm15="http://schemas.microsoft.com/office/thememl/2012/main" name="Office Theme" id="{62F939B6-93AF-4DB8-9C6B-D6C7DFDC589F}" vid="{AE6F2518-B084-4896-AF52-66CC2144AA26}"/>
     </a:ext>
   </a:extLst>
 </a:theme>

--- a/docs/report.pptx
+++ b/docs/report.pptx
@@ -2,7 +2,7 @@
 <file path=ppt/presentation.xml><?xml version="1.0" encoding="utf-8"?>
 <p:presentation xmlns:a="http://schemas.openxmlformats.org/drawingml/2006/main" xmlns:r="http://schemas.openxmlformats.org/officeDocument/2006/relationships" xmlns:p="http://schemas.openxmlformats.org/presentationml/2006/main" saveSubsetFonts="1">
   <p:sldMasterIdLst>
-    <p:sldMasterId id="2147483959" r:id="rId1"/>
+    <p:sldMasterId id="2147484007" r:id="rId1"/>
   </p:sldMasterIdLst>
   <p:sldIdLst>
     <p:sldId id="256" r:id="rId2"/>
@@ -11,11 +11,13 @@
     <p:sldId id="259" r:id="rId5"/>
     <p:sldId id="257" r:id="rId6"/>
     <p:sldId id="260" r:id="rId7"/>
-    <p:sldId id="261" r:id="rId8"/>
-    <p:sldId id="262" r:id="rId9"/>
+    <p:sldId id="269" r:id="rId8"/>
+    <p:sldId id="261" r:id="rId9"/>
     <p:sldId id="265" r:id="rId10"/>
-    <p:sldId id="263" r:id="rId11"/>
-    <p:sldId id="264" r:id="rId12"/>
+    <p:sldId id="270" r:id="rId11"/>
+    <p:sldId id="268" r:id="rId12"/>
+    <p:sldId id="263" r:id="rId13"/>
+    <p:sldId id="264" r:id="rId14"/>
   </p:sldIdLst>
   <p:sldSz cx="12192000" cy="6858000"/>
   <p:notesSz cx="6858000" cy="9144000"/>
@@ -122,6 +124,10 @@
 </p:presentation>
 </file>
 
+<file path=ppt/revisionInfo.xml><?xml version="1.0" encoding="utf-8"?>
+<p1510:revInfo xmlns:a="http://schemas.openxmlformats.org/drawingml/2006/main" xmlns:r="http://schemas.openxmlformats.org/officeDocument/2006/relationships" xmlns:p1510="http://schemas.microsoft.com/office/powerpoint/2015/10/main"/>
+</file>
+
 <file path=ppt/changesInfos/changesInfo1.xml><?xml version="1.0" encoding="utf-8"?>
 <pc:chgInfo xmlns:a="http://schemas.openxmlformats.org/drawingml/2006/main" xmlns:r="http://schemas.openxmlformats.org/officeDocument/2006/relationships" xmlns:ac="http://schemas.microsoft.com/office/drawing/2013/main/command" xmlns:pc="http://schemas.microsoft.com/office/powerpoint/2013/main/command">
   <pc:docChgLst>
@@ -132,7 +138,7 @@
         <pc:docMk/>
       </pc:docMkLst>
       <pc:sldChg chg="addSp delSp modSp">
-        <pc:chgData name="Mansur He" userId="2cd3e99d6a3c3959" providerId="LiveId" clId="{16CB9BD3-0FD0-435F-BA63-C692E6031789}" dt="2017-11-16T22:36:02.488" v="1888"/>
+        <pc:chgData name="Mansur He" userId="2cd3e99d6a3c3959" providerId="LiveId" clId="{16CB9BD3-0FD0-435F-BA63-C692E6031789}" dt="2017-11-16T22:36:02.488" v="1888" actId="11529"/>
         <pc:sldMkLst>
           <pc:docMk/>
           <pc:sldMk cId="776887676" sldId="256"/>
@@ -186,7 +192,7 @@
           </ac:spMkLst>
         </pc:spChg>
         <pc:picChg chg="add mod ord">
-          <ac:chgData name="Mansur He" userId="2cd3e99d6a3c3959" providerId="LiveId" clId="{16CB9BD3-0FD0-435F-BA63-C692E6031789}" dt="2017-11-16T22:36:02.488" v="1888"/>
+          <ac:chgData name="Mansur He" userId="2cd3e99d6a3c3959" providerId="LiveId" clId="{16CB9BD3-0FD0-435F-BA63-C692E6031789}" dt="2017-11-16T22:36:02.488" v="1888" actId="11529"/>
           <ac:picMkLst>
             <pc:docMk/>
             <pc:sldMk cId="776887676" sldId="256"/>
@@ -939,20 +945,20 @@
             <ac:spMk id="2" creationId="{467FBE66-5456-452D-8833-886E791A0CE6}"/>
           </ac:spMkLst>
         </pc:spChg>
+        <pc:spChg chg="add mod">
+          <ac:chgData name="Mansur He" userId="2cd3e99d6a3c3959" providerId="LiveId" clId="{16CB9BD3-0FD0-435F-BA63-C692E6031789}" dt="2017-11-16T22:44:00.379" v="1890" actId="1076"/>
+          <ac:spMkLst>
+            <pc:docMk/>
+            <pc:sldMk cId="1495167305" sldId="267"/>
+            <ac:spMk id="3" creationId="{C25F7B17-B1C8-4E24-A2BB-20A6330C601E}"/>
+          </ac:spMkLst>
+        </pc:spChg>
         <pc:spChg chg="del">
           <ac:chgData name="Mansur He" userId="2cd3e99d6a3c3959" providerId="LiveId" clId="{16CB9BD3-0FD0-435F-BA63-C692E6031789}" dt="2017-11-15T19:18:20.571" v="1384" actId="478"/>
           <ac:spMkLst>
             <pc:docMk/>
             <pc:sldMk cId="1495167305" sldId="267"/>
             <ac:spMk id="3" creationId="{608E8751-6351-463D-897E-69264E01D14E}"/>
-          </ac:spMkLst>
-        </pc:spChg>
-        <pc:spChg chg="add mod">
-          <ac:chgData name="Mansur He" userId="2cd3e99d6a3c3959" providerId="LiveId" clId="{16CB9BD3-0FD0-435F-BA63-C692E6031789}" dt="2017-11-16T22:44:00.379" v="1890" actId="1076"/>
-          <ac:spMkLst>
-            <pc:docMk/>
-            <pc:sldMk cId="1495167305" sldId="267"/>
-            <ac:spMk id="3" creationId="{C25F7B17-B1C8-4E24-A2BB-20A6330C601E}"/>
           </ac:spMkLst>
         </pc:spChg>
         <pc:spChg chg="add mod">
@@ -1278,7 +1284,7 @@
     </p:spTree>
     <p:extLst>
       <p:ext uri="{BB962C8B-B14F-4D97-AF65-F5344CB8AC3E}">
-        <p14:creationId xmlns:p14="http://schemas.microsoft.com/office/powerpoint/2010/main" val="1182264936"/>
+        <p14:creationId xmlns:p14="http://schemas.microsoft.com/office/powerpoint/2010/main" val="3728562039"/>
       </p:ext>
     </p:extLst>
   </p:cSld>
@@ -1448,7 +1454,7 @@
     </p:spTree>
     <p:extLst>
       <p:ext uri="{BB962C8B-B14F-4D97-AF65-F5344CB8AC3E}">
-        <p14:creationId xmlns:p14="http://schemas.microsoft.com/office/powerpoint/2010/main" val="1001033487"/>
+        <p14:creationId xmlns:p14="http://schemas.microsoft.com/office/powerpoint/2010/main" val="3147091824"/>
       </p:ext>
     </p:extLst>
   </p:cSld>
@@ -1628,7 +1634,7 @@
     </p:spTree>
     <p:extLst>
       <p:ext uri="{BB962C8B-B14F-4D97-AF65-F5344CB8AC3E}">
-        <p14:creationId xmlns:p14="http://schemas.microsoft.com/office/powerpoint/2010/main" val="1250271626"/>
+        <p14:creationId xmlns:p14="http://schemas.microsoft.com/office/powerpoint/2010/main" val="4189843137"/>
       </p:ext>
     </p:extLst>
   </p:cSld>
@@ -1798,7 +1804,7 @@
     </p:spTree>
     <p:extLst>
       <p:ext uri="{BB962C8B-B14F-4D97-AF65-F5344CB8AC3E}">
-        <p14:creationId xmlns:p14="http://schemas.microsoft.com/office/powerpoint/2010/main" val="2079969860"/>
+        <p14:creationId xmlns:p14="http://schemas.microsoft.com/office/powerpoint/2010/main" val="3717549268"/>
       </p:ext>
     </p:extLst>
   </p:cSld>
@@ -2044,7 +2050,7 @@
     </p:spTree>
     <p:extLst>
       <p:ext uri="{BB962C8B-B14F-4D97-AF65-F5344CB8AC3E}">
-        <p14:creationId xmlns:p14="http://schemas.microsoft.com/office/powerpoint/2010/main" val="1102951379"/>
+        <p14:creationId xmlns:p14="http://schemas.microsoft.com/office/powerpoint/2010/main" val="687514466"/>
       </p:ext>
     </p:extLst>
   </p:cSld>
@@ -2276,7 +2282,7 @@
     </p:spTree>
     <p:extLst>
       <p:ext uri="{BB962C8B-B14F-4D97-AF65-F5344CB8AC3E}">
-        <p14:creationId xmlns:p14="http://schemas.microsoft.com/office/powerpoint/2010/main" val="2810553393"/>
+        <p14:creationId xmlns:p14="http://schemas.microsoft.com/office/powerpoint/2010/main" val="1235292356"/>
       </p:ext>
     </p:extLst>
   </p:cSld>
@@ -2643,7 +2649,7 @@
     </p:spTree>
     <p:extLst>
       <p:ext uri="{BB962C8B-B14F-4D97-AF65-F5344CB8AC3E}">
-        <p14:creationId xmlns:p14="http://schemas.microsoft.com/office/powerpoint/2010/main" val="2628814679"/>
+        <p14:creationId xmlns:p14="http://schemas.microsoft.com/office/powerpoint/2010/main" val="1204301867"/>
       </p:ext>
     </p:extLst>
   </p:cSld>
@@ -2761,7 +2767,7 @@
     </p:spTree>
     <p:extLst>
       <p:ext uri="{BB962C8B-B14F-4D97-AF65-F5344CB8AC3E}">
-        <p14:creationId xmlns:p14="http://schemas.microsoft.com/office/powerpoint/2010/main" val="4074715518"/>
+        <p14:creationId xmlns:p14="http://schemas.microsoft.com/office/powerpoint/2010/main" val="1835909342"/>
       </p:ext>
     </p:extLst>
   </p:cSld>
@@ -2856,7 +2862,7 @@
     </p:spTree>
     <p:extLst>
       <p:ext uri="{BB962C8B-B14F-4D97-AF65-F5344CB8AC3E}">
-        <p14:creationId xmlns:p14="http://schemas.microsoft.com/office/powerpoint/2010/main" val="911761401"/>
+        <p14:creationId xmlns:p14="http://schemas.microsoft.com/office/powerpoint/2010/main" val="2911603046"/>
       </p:ext>
     </p:extLst>
   </p:cSld>
@@ -3133,7 +3139,7 @@
     </p:spTree>
     <p:extLst>
       <p:ext uri="{BB962C8B-B14F-4D97-AF65-F5344CB8AC3E}">
-        <p14:creationId xmlns:p14="http://schemas.microsoft.com/office/powerpoint/2010/main" val="3616256626"/>
+        <p14:creationId xmlns:p14="http://schemas.microsoft.com/office/powerpoint/2010/main" val="3698192420"/>
       </p:ext>
     </p:extLst>
   </p:cSld>
@@ -3390,7 +3396,7 @@
     </p:spTree>
     <p:extLst>
       <p:ext uri="{BB962C8B-B14F-4D97-AF65-F5344CB8AC3E}">
-        <p14:creationId xmlns:p14="http://schemas.microsoft.com/office/powerpoint/2010/main" val="3162468323"/>
+        <p14:creationId xmlns:p14="http://schemas.microsoft.com/office/powerpoint/2010/main" val="15045981"/>
       </p:ext>
     </p:extLst>
   </p:cSld>
@@ -3639,23 +3645,23 @@
     </p:spTree>
     <p:extLst>
       <p:ext uri="{BB962C8B-B14F-4D97-AF65-F5344CB8AC3E}">
-        <p14:creationId xmlns:p14="http://schemas.microsoft.com/office/powerpoint/2010/main" val="2441988093"/>
+        <p14:creationId xmlns:p14="http://schemas.microsoft.com/office/powerpoint/2010/main" val="1153121809"/>
       </p:ext>
     </p:extLst>
   </p:cSld>
   <p:clrMap bg1="lt1" tx1="dk1" bg2="lt2" tx2="dk2" accent1="accent1" accent2="accent2" accent3="accent3" accent4="accent4" accent5="accent5" accent6="accent6" hlink="hlink" folHlink="folHlink"/>
   <p:sldLayoutIdLst>
-    <p:sldLayoutId id="2147483960" r:id="rId1"/>
-    <p:sldLayoutId id="2147483961" r:id="rId2"/>
-    <p:sldLayoutId id="2147483962" r:id="rId3"/>
-    <p:sldLayoutId id="2147483963" r:id="rId4"/>
-    <p:sldLayoutId id="2147483964" r:id="rId5"/>
-    <p:sldLayoutId id="2147483965" r:id="rId6"/>
-    <p:sldLayoutId id="2147483966" r:id="rId7"/>
-    <p:sldLayoutId id="2147483967" r:id="rId8"/>
-    <p:sldLayoutId id="2147483968" r:id="rId9"/>
-    <p:sldLayoutId id="2147483969" r:id="rId10"/>
-    <p:sldLayoutId id="2147483970" r:id="rId11"/>
+    <p:sldLayoutId id="2147484008" r:id="rId1"/>
+    <p:sldLayoutId id="2147484009" r:id="rId2"/>
+    <p:sldLayoutId id="2147484010" r:id="rId3"/>
+    <p:sldLayoutId id="2147484011" r:id="rId4"/>
+    <p:sldLayoutId id="2147484012" r:id="rId5"/>
+    <p:sldLayoutId id="2147484013" r:id="rId6"/>
+    <p:sldLayoutId id="2147484014" r:id="rId7"/>
+    <p:sldLayoutId id="2147484015" r:id="rId8"/>
+    <p:sldLayoutId id="2147484016" r:id="rId9"/>
+    <p:sldLayoutId id="2147484017" r:id="rId10"/>
+    <p:sldLayoutId id="2147484018" r:id="rId11"/>
   </p:sldLayoutIdLst>
   <p:txStyles>
     <p:titleStyle>
@@ -4214,6 +4220,5902 @@
       </p:grpSpPr>
       <p:sp>
         <p:nvSpPr>
+          <p:cNvPr id="4" name="TextBox 3">
+            <a:extLst>
+              <a:ext uri="{FF2B5EF4-FFF2-40B4-BE49-F238E27FC236}">
+                <a16:creationId xmlns:a16="http://schemas.microsoft.com/office/drawing/2014/main" id="{1AE27D6A-04BF-4B29-BCF1-1DFE9862AFA8}"/>
+              </a:ext>
+            </a:extLst>
+          </p:cNvPr>
+          <p:cNvSpPr txBox="1"/>
+          <p:nvPr/>
+        </p:nvSpPr>
+        <p:spPr>
+          <a:xfrm>
+            <a:off x="3147925" y="150470"/>
+            <a:ext cx="5896166" cy="646331"/>
+          </a:xfrm>
+          <a:prstGeom prst="rect">
+            <a:avLst/>
+          </a:prstGeom>
+          <a:noFill/>
+        </p:spPr>
+        <p:txBody>
+          <a:bodyPr wrap="none" rtlCol="0">
+            <a:spAutoFit/>
+          </a:bodyPr>
+          <a:lstStyle/>
+          <a:p>
+            <a:pPr algn="ctr"/>
+            <a:r>
+              <a:rPr lang="en-CA" sz="3600" dirty="0">
+                <a:latin typeface="Segoe UI Light" panose="020B0502040204020203" pitchFamily="34" charset="0"/>
+                <a:cs typeface="Segoe UI Light" panose="020B0502040204020203" pitchFamily="34" charset="0"/>
+              </a:rPr>
+              <a:t>Mechanical Motor Dynamics</a:t>
+            </a:r>
+            <a:r>
+              <a:rPr lang="en-CA" sz="3600" dirty="0"/>
+              <a:t> </a:t>
+            </a:r>
+            <a:endParaRPr lang="en-CA" sz="3600" dirty="0">
+              <a:latin typeface="Segoe UI Light" panose="020B0502040204020203" pitchFamily="34" charset="0"/>
+              <a:cs typeface="Segoe UI Light" panose="020B0502040204020203" pitchFamily="34" charset="0"/>
+            </a:endParaRPr>
+          </a:p>
+        </p:txBody>
+      </p:sp>
+      <mc:AlternateContent xmlns:mc="http://schemas.openxmlformats.org/markup-compatibility/2006">
+        <mc:Choice xmlns:a14="http://schemas.microsoft.com/office/drawing/2010/main" Requires="a14">
+          <p:sp>
+            <p:nvSpPr>
+              <p:cNvPr id="5" name="TextBox 4">
+                <a:extLst>
+                  <a:ext uri="{FF2B5EF4-FFF2-40B4-BE49-F238E27FC236}">
+                    <a16:creationId xmlns:a16="http://schemas.microsoft.com/office/drawing/2014/main" id="{F5E31143-6685-41B1-80D0-045A7343C273}"/>
+                  </a:ext>
+                </a:extLst>
+              </p:cNvPr>
+              <p:cNvSpPr txBox="1"/>
+              <p:nvPr/>
+            </p:nvSpPr>
+            <p:spPr>
+              <a:xfrm>
+                <a:off x="7651750" y="1347462"/>
+                <a:ext cx="2946400" cy="1406026"/>
+              </a:xfrm>
+              <a:prstGeom prst="rect">
+                <a:avLst/>
+              </a:prstGeom>
+              <a:noFill/>
+            </p:spPr>
+            <p:txBody>
+              <a:bodyPr wrap="square" rtlCol="0">
+                <a:spAutoFit/>
+              </a:bodyPr>
+              <a:lstStyle/>
+              <a:p>
+                <a14:m>
+                  <m:oMathPara xmlns:m="http://schemas.openxmlformats.org/officeDocument/2006/math">
+                    <m:oMathParaPr>
+                      <m:jc m:val="centerGroup"/>
+                    </m:oMathParaPr>
+                    <m:oMath xmlns:m="http://schemas.openxmlformats.org/officeDocument/2006/math">
+                      <m:r>
+                        <a:rPr lang="en-CA" b="0" i="1" smtClean="0">
+                          <a:latin typeface="Cambria Math" panose="02040503050406030204" pitchFamily="18" charset="0"/>
+                          <a:ea typeface="Cambria Math" panose="02040503050406030204" pitchFamily="18" charset="0"/>
+                        </a:rPr>
+                        <m:t>𝜏</m:t>
+                      </m:r>
+                      <m:r>
+                        <a:rPr lang="en-CA" b="0" i="1" smtClean="0">
+                          <a:latin typeface="Cambria Math" panose="02040503050406030204" pitchFamily="18" charset="0"/>
+                          <a:ea typeface="Cambria Math" panose="02040503050406030204" pitchFamily="18" charset="0"/>
+                        </a:rPr>
+                        <m:t>=</m:t>
+                      </m:r>
+                      <m:r>
+                        <a:rPr lang="en-CA" b="0" i="1" smtClean="0">
+                          <a:latin typeface="Cambria Math" panose="02040503050406030204" pitchFamily="18" charset="0"/>
+                          <a:ea typeface="Cambria Math" panose="02040503050406030204" pitchFamily="18" charset="0"/>
+                        </a:rPr>
+                        <m:t>𝜔</m:t>
+                      </m:r>
+                      <m:r>
+                        <a:rPr lang="en-CA" b="0" i="1" smtClean="0">
+                          <a:latin typeface="Cambria Math" panose="02040503050406030204" pitchFamily="18" charset="0"/>
+                          <a:ea typeface="Cambria Math" panose="02040503050406030204" pitchFamily="18" charset="0"/>
+                        </a:rPr>
+                        <m:t>(</m:t>
+                      </m:r>
+                      <m:r>
+                        <a:rPr lang="en-CA" b="0" i="1" smtClean="0">
+                          <a:latin typeface="Cambria Math" panose="02040503050406030204" pitchFamily="18" charset="0"/>
+                          <a:ea typeface="Cambria Math" panose="02040503050406030204" pitchFamily="18" charset="0"/>
+                        </a:rPr>
+                        <m:t>𝐽𝑠</m:t>
+                      </m:r>
+                      <m:r>
+                        <a:rPr lang="en-CA" b="0" i="1" smtClean="0">
+                          <a:latin typeface="Cambria Math" panose="02040503050406030204" pitchFamily="18" charset="0"/>
+                          <a:ea typeface="Cambria Math" panose="02040503050406030204" pitchFamily="18" charset="0"/>
+                        </a:rPr>
+                        <m:t>+</m:t>
+                      </m:r>
+                      <m:r>
+                        <a:rPr lang="en-CA" b="0" i="1" smtClean="0">
+                          <a:latin typeface="Cambria Math" panose="02040503050406030204" pitchFamily="18" charset="0"/>
+                          <a:ea typeface="Cambria Math" panose="02040503050406030204" pitchFamily="18" charset="0"/>
+                        </a:rPr>
+                        <m:t>𝐵</m:t>
+                      </m:r>
+                      <m:r>
+                        <a:rPr lang="en-CA" b="0" i="1" smtClean="0">
+                          <a:latin typeface="Cambria Math" panose="02040503050406030204" pitchFamily="18" charset="0"/>
+                          <a:ea typeface="Cambria Math" panose="02040503050406030204" pitchFamily="18" charset="0"/>
+                        </a:rPr>
+                        <m:t>+</m:t>
+                      </m:r>
+                      <m:f>
+                        <m:fPr>
+                          <m:ctrlPr>
+                            <a:rPr lang="en-CA" b="0" i="1" smtClean="0">
+                              <a:latin typeface="Cambria Math" panose="02040503050406030204" pitchFamily="18" charset="0"/>
+                              <a:ea typeface="Cambria Math" panose="02040503050406030204" pitchFamily="18" charset="0"/>
+                            </a:rPr>
+                          </m:ctrlPr>
+                        </m:fPr>
+                        <m:num>
+                          <m:r>
+                            <a:rPr lang="en-CA" b="0" i="1" smtClean="0">
+                              <a:latin typeface="Cambria Math" panose="02040503050406030204" pitchFamily="18" charset="0"/>
+                              <a:ea typeface="Cambria Math" panose="02040503050406030204" pitchFamily="18" charset="0"/>
+                            </a:rPr>
+                            <m:t>1</m:t>
+                          </m:r>
+                        </m:num>
+                        <m:den>
+                          <m:r>
+                            <a:rPr lang="en-CA" b="0" i="1" smtClean="0">
+                              <a:latin typeface="Cambria Math" panose="02040503050406030204" pitchFamily="18" charset="0"/>
+                              <a:ea typeface="Cambria Math" panose="02040503050406030204" pitchFamily="18" charset="0"/>
+                            </a:rPr>
+                            <m:t>𝑆</m:t>
+                          </m:r>
+                        </m:den>
+                      </m:f>
+                      <m:r>
+                        <a:rPr lang="en-CA" b="0" i="1" smtClean="0">
+                          <a:latin typeface="Cambria Math" panose="02040503050406030204" pitchFamily="18" charset="0"/>
+                          <a:ea typeface="Cambria Math" panose="02040503050406030204" pitchFamily="18" charset="0"/>
+                        </a:rPr>
+                        <m:t>𝐾</m:t>
+                      </m:r>
+                      <m:r>
+                        <a:rPr lang="en-CA" b="0" i="1" smtClean="0">
+                          <a:latin typeface="Cambria Math" panose="02040503050406030204" pitchFamily="18" charset="0"/>
+                          <a:ea typeface="Cambria Math" panose="02040503050406030204" pitchFamily="18" charset="0"/>
+                        </a:rPr>
+                        <m:t>)</m:t>
+                      </m:r>
+                    </m:oMath>
+                  </m:oMathPara>
+                </a14:m>
+                <a:endParaRPr lang="en-CA" dirty="0"/>
+              </a:p>
+              <a:p>
+                <a14:m>
+                  <m:oMathPara xmlns:m="http://schemas.openxmlformats.org/officeDocument/2006/math">
+                    <m:oMathParaPr>
+                      <m:jc m:val="centerGroup"/>
+                    </m:oMathParaPr>
+                    <m:oMath xmlns:m="http://schemas.openxmlformats.org/officeDocument/2006/math">
+                      <m:f>
+                        <m:fPr>
+                          <m:ctrlPr>
+                            <a:rPr lang="en-CA" i="1" smtClean="0">
+                              <a:latin typeface="Cambria Math" panose="02040503050406030204" pitchFamily="18" charset="0"/>
+                            </a:rPr>
+                          </m:ctrlPr>
+                        </m:fPr>
+                        <m:num>
+                          <m:r>
+                            <a:rPr lang="en-CA" i="1" smtClean="0">
+                              <a:latin typeface="Cambria Math" panose="02040503050406030204" pitchFamily="18" charset="0"/>
+                              <a:ea typeface="Cambria Math" panose="02040503050406030204" pitchFamily="18" charset="0"/>
+                            </a:rPr>
+                            <m:t>𝜔</m:t>
+                          </m:r>
+                        </m:num>
+                        <m:den>
+                          <m:r>
+                            <a:rPr lang="en-CA" i="1" smtClean="0">
+                              <a:latin typeface="Cambria Math" panose="02040503050406030204" pitchFamily="18" charset="0"/>
+                              <a:ea typeface="Cambria Math" panose="02040503050406030204" pitchFamily="18" charset="0"/>
+                            </a:rPr>
+                            <m:t>𝜏</m:t>
+                          </m:r>
+                        </m:den>
+                      </m:f>
+                      <m:r>
+                        <a:rPr lang="en-CA" b="0" i="1" smtClean="0">
+                          <a:latin typeface="Cambria Math" panose="02040503050406030204" pitchFamily="18" charset="0"/>
+                        </a:rPr>
+                        <m:t>=</m:t>
+                      </m:r>
+                      <m:f>
+                        <m:fPr>
+                          <m:ctrlPr>
+                            <a:rPr lang="en-CA" b="0" i="1" smtClean="0">
+                              <a:latin typeface="Cambria Math" panose="02040503050406030204" pitchFamily="18" charset="0"/>
+                            </a:rPr>
+                          </m:ctrlPr>
+                        </m:fPr>
+                        <m:num>
+                          <m:r>
+                            <a:rPr lang="en-CA" b="0" i="1" smtClean="0">
+                              <a:latin typeface="Cambria Math" panose="02040503050406030204" pitchFamily="18" charset="0"/>
+                            </a:rPr>
+                            <m:t>𝑠</m:t>
+                          </m:r>
+                        </m:num>
+                        <m:den>
+                          <m:r>
+                            <a:rPr lang="en-CA" b="0" i="1" smtClean="0">
+                              <a:latin typeface="Cambria Math" panose="02040503050406030204" pitchFamily="18" charset="0"/>
+                            </a:rPr>
+                            <m:t>𝐽</m:t>
+                          </m:r>
+                          <m:sSup>
+                            <m:sSupPr>
+                              <m:ctrlPr>
+                                <a:rPr lang="en-CA" b="0" i="1" smtClean="0">
+                                  <a:latin typeface="Cambria Math" panose="02040503050406030204" pitchFamily="18" charset="0"/>
+                                </a:rPr>
+                              </m:ctrlPr>
+                            </m:sSupPr>
+                            <m:e>
+                              <m:r>
+                                <a:rPr lang="en-CA" b="0" i="1" smtClean="0">
+                                  <a:latin typeface="Cambria Math" panose="02040503050406030204" pitchFamily="18" charset="0"/>
+                                </a:rPr>
+                                <m:t>𝑠</m:t>
+                              </m:r>
+                            </m:e>
+                            <m:sup>
+                              <m:r>
+                                <a:rPr lang="en-CA" b="0" i="1" smtClean="0">
+                                  <a:latin typeface="Cambria Math" panose="02040503050406030204" pitchFamily="18" charset="0"/>
+                                </a:rPr>
+                                <m:t>2</m:t>
+                              </m:r>
+                            </m:sup>
+                          </m:sSup>
+                          <m:r>
+                            <a:rPr lang="en-CA" b="0" i="1" smtClean="0">
+                              <a:latin typeface="Cambria Math" panose="02040503050406030204" pitchFamily="18" charset="0"/>
+                            </a:rPr>
+                            <m:t>+</m:t>
+                          </m:r>
+                          <m:r>
+                            <a:rPr lang="en-CA" b="0" i="1" smtClean="0">
+                              <a:latin typeface="Cambria Math" panose="02040503050406030204" pitchFamily="18" charset="0"/>
+                            </a:rPr>
+                            <m:t>𝐵𝑠</m:t>
+                          </m:r>
+                          <m:r>
+                            <a:rPr lang="en-CA" b="0" i="1" smtClean="0">
+                              <a:latin typeface="Cambria Math" panose="02040503050406030204" pitchFamily="18" charset="0"/>
+                            </a:rPr>
+                            <m:t>+</m:t>
+                          </m:r>
+                          <m:r>
+                            <a:rPr lang="en-CA" b="0" i="1" smtClean="0">
+                              <a:latin typeface="Cambria Math" panose="02040503050406030204" pitchFamily="18" charset="0"/>
+                            </a:rPr>
+                            <m:t>𝐾</m:t>
+                          </m:r>
+                        </m:den>
+                      </m:f>
+                    </m:oMath>
+                  </m:oMathPara>
+                </a14:m>
+                <a:endParaRPr lang="en-CA" dirty="0"/>
+              </a:p>
+              <a:p>
+                <a:endParaRPr lang="en-CA" dirty="0"/>
+              </a:p>
+            </p:txBody>
+          </p:sp>
+        </mc:Choice>
+        <mc:Fallback>
+          <p:sp>
+            <p:nvSpPr>
+              <p:cNvPr id="5" name="TextBox 4">
+                <a:extLst>
+                  <a:ext uri="{FF2B5EF4-FFF2-40B4-BE49-F238E27FC236}">
+                    <a16:creationId xmlns:a16="http://schemas.microsoft.com/office/drawing/2014/main" id="{F5E31143-6685-41B1-80D0-045A7343C273}"/>
+                  </a:ext>
+                </a:extLst>
+              </p:cNvPr>
+              <p:cNvSpPr txBox="1">
+                <a:spLocks noRot="1" noChangeAspect="1" noMove="1" noResize="1" noEditPoints="1" noAdjustHandles="1" noChangeArrowheads="1" noChangeShapeType="1" noTextEdit="1"/>
+              </p:cNvSpPr>
+              <p:nvPr/>
+            </p:nvSpPr>
+            <p:spPr>
+              <a:xfrm>
+                <a:off x="7651750" y="1347462"/>
+                <a:ext cx="2946400" cy="1406026"/>
+              </a:xfrm>
+              <a:prstGeom prst="rect">
+                <a:avLst/>
+              </a:prstGeom>
+              <a:blipFill>
+                <a:blip r:embed="rId2"/>
+                <a:stretch>
+                  <a:fillRect/>
+                </a:stretch>
+              </a:blipFill>
+            </p:spPr>
+            <p:txBody>
+              <a:bodyPr/>
+              <a:lstStyle/>
+              <a:p>
+                <a:r>
+                  <a:rPr lang="en-CA">
+                    <a:noFill/>
+                  </a:rPr>
+                  <a:t> </a:t>
+                </a:r>
+              </a:p>
+            </p:txBody>
+          </p:sp>
+        </mc:Fallback>
+      </mc:AlternateContent>
+      <p:pic>
+        <p:nvPicPr>
+          <p:cNvPr id="13" name="Picture 12">
+            <a:extLst>
+              <a:ext uri="{FF2B5EF4-FFF2-40B4-BE49-F238E27FC236}">
+                <a16:creationId xmlns:a16="http://schemas.microsoft.com/office/drawing/2014/main" id="{3B47D951-3645-4300-9526-181827BF5023}"/>
+              </a:ext>
+            </a:extLst>
+          </p:cNvPr>
+          <p:cNvPicPr>
+            <a:picLocks noChangeAspect="1"/>
+          </p:cNvPicPr>
+          <p:nvPr/>
+        </p:nvPicPr>
+        <p:blipFill>
+          <a:blip r:embed="rId3"/>
+          <a:stretch>
+            <a:fillRect/>
+          </a:stretch>
+        </p:blipFill>
+        <p:spPr>
+          <a:xfrm>
+            <a:off x="394578" y="1225550"/>
+            <a:ext cx="6796923" cy="4406900"/>
+          </a:xfrm>
+          <a:prstGeom prst="rect">
+            <a:avLst/>
+          </a:prstGeom>
+        </p:spPr>
+      </p:pic>
+      <mc:AlternateContent xmlns:mc="http://schemas.openxmlformats.org/markup-compatibility/2006">
+        <mc:Choice xmlns:a14="http://schemas.microsoft.com/office/drawing/2010/main" Requires="a14">
+          <p:sp>
+            <p:nvSpPr>
+              <p:cNvPr id="17" name="TextBox 16">
+                <a:extLst>
+                  <a:ext uri="{FF2B5EF4-FFF2-40B4-BE49-F238E27FC236}">
+                    <a16:creationId xmlns:a16="http://schemas.microsoft.com/office/drawing/2014/main" id="{730FB988-6D48-4259-A171-E3BEDA09552D}"/>
+                  </a:ext>
+                </a:extLst>
+              </p:cNvPr>
+              <p:cNvSpPr txBox="1"/>
+              <p:nvPr/>
+            </p:nvSpPr>
+            <p:spPr>
+              <a:xfrm>
+                <a:off x="7277100" y="2808585"/>
+                <a:ext cx="3924300" cy="923330"/>
+              </a:xfrm>
+              <a:prstGeom prst="rect">
+                <a:avLst/>
+              </a:prstGeom>
+              <a:noFill/>
+            </p:spPr>
+            <p:txBody>
+              <a:bodyPr wrap="square" rtlCol="0">
+                <a:spAutoFit/>
+              </a:bodyPr>
+              <a:lstStyle/>
+              <a:p>
+                <a14:m>
+                  <m:oMathPara xmlns:m="http://schemas.openxmlformats.org/officeDocument/2006/math">
+                    <m:oMathParaPr>
+                      <m:jc m:val="centerGroup"/>
+                    </m:oMathParaPr>
+                    <m:oMath xmlns:m="http://schemas.openxmlformats.org/officeDocument/2006/math">
+                      <m:r>
+                        <a:rPr lang="en-CA" b="0" i="1" smtClean="0">
+                          <a:latin typeface="Cambria Math" panose="02040503050406030204" pitchFamily="18" charset="0"/>
+                        </a:rPr>
+                        <m:t>𝐽</m:t>
+                      </m:r>
+                      <m:r>
+                        <a:rPr lang="en-CA" b="0" i="1" smtClean="0">
+                          <a:latin typeface="Cambria Math" panose="02040503050406030204" pitchFamily="18" charset="0"/>
+                        </a:rPr>
+                        <m:t>=</m:t>
+                      </m:r>
+                      <m:r>
+                        <a:rPr lang="en-CA" b="0" i="1" smtClean="0">
+                          <a:latin typeface="Cambria Math" panose="02040503050406030204" pitchFamily="18" charset="0"/>
+                        </a:rPr>
+                        <m:t>𝑖𝑛𝑒𝑟𝑡𝑖𝑎</m:t>
+                      </m:r>
+                    </m:oMath>
+                  </m:oMathPara>
+                </a14:m>
+                <a:endParaRPr lang="en-CA" b="0" dirty="0"/>
+              </a:p>
+              <a:p>
+                <a14:m>
+                  <m:oMathPara xmlns:m="http://schemas.openxmlformats.org/officeDocument/2006/math">
+                    <m:oMathParaPr>
+                      <m:jc m:val="centerGroup"/>
+                    </m:oMathParaPr>
+                    <m:oMath xmlns:m="http://schemas.openxmlformats.org/officeDocument/2006/math">
+                      <m:r>
+                        <a:rPr lang="en-CA" b="0" i="1" smtClean="0">
+                          <a:latin typeface="Cambria Math" panose="02040503050406030204" pitchFamily="18" charset="0"/>
+                        </a:rPr>
+                        <m:t>𝐵</m:t>
+                      </m:r>
+                      <m:r>
+                        <a:rPr lang="en-CA" b="0" i="1" smtClean="0">
+                          <a:latin typeface="Cambria Math" panose="02040503050406030204" pitchFamily="18" charset="0"/>
+                        </a:rPr>
+                        <m:t>=</m:t>
+                      </m:r>
+                      <m:r>
+                        <a:rPr lang="en-CA" b="0" i="1" smtClean="0">
+                          <a:latin typeface="Cambria Math" panose="02040503050406030204" pitchFamily="18" charset="0"/>
+                        </a:rPr>
+                        <m:t>𝑘𝑖𝑛𝑒𝑡𝑖𝑐</m:t>
+                      </m:r>
+                      <m:r>
+                        <a:rPr lang="en-CA" b="0" i="1" smtClean="0">
+                          <a:latin typeface="Cambria Math" panose="02040503050406030204" pitchFamily="18" charset="0"/>
+                        </a:rPr>
+                        <m:t> </m:t>
+                      </m:r>
+                      <m:r>
+                        <a:rPr lang="en-CA" b="0" i="1" smtClean="0">
+                          <a:latin typeface="Cambria Math" panose="02040503050406030204" pitchFamily="18" charset="0"/>
+                        </a:rPr>
+                        <m:t>𝑓𝑟𝑖𝑐𝑡𝑖𝑜𝑛</m:t>
+                      </m:r>
+                      <m:r>
+                        <a:rPr lang="en-CA" b="0" i="1" smtClean="0">
+                          <a:latin typeface="Cambria Math" panose="02040503050406030204" pitchFamily="18" charset="0"/>
+                        </a:rPr>
+                        <m:t> </m:t>
+                      </m:r>
+                      <m:r>
+                        <a:rPr lang="en-CA" b="0" i="1" smtClean="0">
+                          <a:latin typeface="Cambria Math" panose="02040503050406030204" pitchFamily="18" charset="0"/>
+                        </a:rPr>
+                        <m:t>𝑐𝑜𝑛𝑠𝑡𝑎𝑛𝑡</m:t>
+                      </m:r>
+                    </m:oMath>
+                  </m:oMathPara>
+                </a14:m>
+                <a:endParaRPr lang="en-CA" b="0" dirty="0"/>
+              </a:p>
+              <a:p>
+                <a14:m>
+                  <m:oMathPara xmlns:m="http://schemas.openxmlformats.org/officeDocument/2006/math">
+                    <m:oMathParaPr>
+                      <m:jc m:val="centerGroup"/>
+                    </m:oMathParaPr>
+                    <m:oMath xmlns:m="http://schemas.openxmlformats.org/officeDocument/2006/math">
+                      <m:r>
+                        <a:rPr lang="en-CA" b="0" i="1" smtClean="0">
+                          <a:latin typeface="Cambria Math" panose="02040503050406030204" pitchFamily="18" charset="0"/>
+                        </a:rPr>
+                        <m:t>𝐾</m:t>
+                      </m:r>
+                      <m:r>
+                        <a:rPr lang="en-CA" b="0" i="1" smtClean="0">
+                          <a:latin typeface="Cambria Math" panose="02040503050406030204" pitchFamily="18" charset="0"/>
+                        </a:rPr>
+                        <m:t>=</m:t>
+                      </m:r>
+                      <m:r>
+                        <a:rPr lang="en-CA" b="0" i="1" smtClean="0">
+                          <a:latin typeface="Cambria Math" panose="02040503050406030204" pitchFamily="18" charset="0"/>
+                        </a:rPr>
+                        <m:t>𝑠𝑝𝑟𝑖𝑛𝑔</m:t>
+                      </m:r>
+                      <m:r>
+                        <a:rPr lang="en-CA" b="0" i="1" smtClean="0">
+                          <a:latin typeface="Cambria Math" panose="02040503050406030204" pitchFamily="18" charset="0"/>
+                        </a:rPr>
+                        <m:t> </m:t>
+                      </m:r>
+                      <m:r>
+                        <a:rPr lang="en-CA" b="0" i="1" smtClean="0">
+                          <a:latin typeface="Cambria Math" panose="02040503050406030204" pitchFamily="18" charset="0"/>
+                        </a:rPr>
+                        <m:t>𝑐𝑜𝑛𝑠𝑡𝑎𝑛𝑡</m:t>
+                      </m:r>
+                    </m:oMath>
+                  </m:oMathPara>
+                </a14:m>
+                <a:endParaRPr lang="en-CA" dirty="0"/>
+              </a:p>
+            </p:txBody>
+          </p:sp>
+        </mc:Choice>
+        <mc:Fallback>
+          <p:sp>
+            <p:nvSpPr>
+              <p:cNvPr id="17" name="TextBox 16">
+                <a:extLst>
+                  <a:ext uri="{FF2B5EF4-FFF2-40B4-BE49-F238E27FC236}">
+                    <a16:creationId xmlns:a16="http://schemas.microsoft.com/office/drawing/2014/main" id="{730FB988-6D48-4259-A171-E3BEDA09552D}"/>
+                  </a:ext>
+                </a:extLst>
+              </p:cNvPr>
+              <p:cNvSpPr txBox="1">
+                <a:spLocks noRot="1" noChangeAspect="1" noMove="1" noResize="1" noEditPoints="1" noAdjustHandles="1" noChangeArrowheads="1" noChangeShapeType="1" noTextEdit="1"/>
+              </p:cNvSpPr>
+              <p:nvPr/>
+            </p:nvSpPr>
+            <p:spPr>
+              <a:xfrm>
+                <a:off x="7277100" y="2808585"/>
+                <a:ext cx="3924300" cy="923330"/>
+              </a:xfrm>
+              <a:prstGeom prst="rect">
+                <a:avLst/>
+              </a:prstGeom>
+              <a:blipFill>
+                <a:blip r:embed="rId4"/>
+                <a:stretch>
+                  <a:fillRect b="-4636"/>
+                </a:stretch>
+              </a:blipFill>
+            </p:spPr>
+            <p:txBody>
+              <a:bodyPr/>
+              <a:lstStyle/>
+              <a:p>
+                <a:r>
+                  <a:rPr lang="en-CA">
+                    <a:noFill/>
+                  </a:rPr>
+                  <a:t> </a:t>
+                </a:r>
+              </a:p>
+            </p:txBody>
+          </p:sp>
+        </mc:Fallback>
+      </mc:AlternateContent>
+    </p:spTree>
+    <p:extLst>
+      <p:ext uri="{BB962C8B-B14F-4D97-AF65-F5344CB8AC3E}">
+        <p14:creationId xmlns:p14="http://schemas.microsoft.com/office/powerpoint/2010/main" val="335473643"/>
+      </p:ext>
+    </p:extLst>
+  </p:cSld>
+  <p:clrMapOvr>
+    <a:masterClrMapping/>
+  </p:clrMapOvr>
+</p:sld>
+</file>
+
+<file path=ppt/slides/slide11.xml><?xml version="1.0" encoding="utf-8"?>
+<p:sld xmlns:a="http://schemas.openxmlformats.org/drawingml/2006/main" xmlns:r="http://schemas.openxmlformats.org/officeDocument/2006/relationships" xmlns:p="http://schemas.openxmlformats.org/presentationml/2006/main">
+  <p:cSld>
+    <p:spTree>
+      <p:nvGrpSpPr>
+        <p:cNvPr id="1" name=""/>
+        <p:cNvGrpSpPr/>
+        <p:nvPr/>
+      </p:nvGrpSpPr>
+      <p:grpSpPr>
+        <a:xfrm>
+          <a:off x="0" y="0"/>
+          <a:ext cx="0" cy="0"/>
+          <a:chOff x="0" y="0"/>
+          <a:chExt cx="0" cy="0"/>
+        </a:xfrm>
+      </p:grpSpPr>
+      <p:cxnSp>
+        <p:nvCxnSpPr>
+          <p:cNvPr id="79" name="Connector: Elbow 78">
+            <a:extLst>
+              <a:ext uri="{FF2B5EF4-FFF2-40B4-BE49-F238E27FC236}">
+                <a16:creationId xmlns:a16="http://schemas.microsoft.com/office/drawing/2014/main" id="{1BA5BD07-7EC0-48A3-906E-E097E243F74E}"/>
+              </a:ext>
+            </a:extLst>
+          </p:cNvPr>
+          <p:cNvCxnSpPr>
+            <a:cxnSpLocks/>
+          </p:cNvCxnSpPr>
+          <p:nvPr/>
+        </p:nvCxnSpPr>
+        <p:spPr>
+          <a:xfrm rot="10800000">
+            <a:off x="3911799" y="2169307"/>
+            <a:ext cx="1570528" cy="1036496"/>
+          </a:xfrm>
+          <a:prstGeom prst="bentConnector3">
+            <a:avLst>
+              <a:gd name="adj1" fmla="val 99391"/>
+            </a:avLst>
+          </a:prstGeom>
+          <a:ln w="19050">
+            <a:tailEnd type="triangle"/>
+          </a:ln>
+        </p:spPr>
+        <p:style>
+          <a:lnRef idx="1">
+            <a:schemeClr val="accent1"/>
+          </a:lnRef>
+          <a:fillRef idx="0">
+            <a:schemeClr val="accent1"/>
+          </a:fillRef>
+          <a:effectRef idx="0">
+            <a:schemeClr val="accent1"/>
+          </a:effectRef>
+          <a:fontRef idx="minor">
+            <a:schemeClr val="tx1"/>
+          </a:fontRef>
+        </p:style>
+      </p:cxnSp>
+      <p:cxnSp>
+        <p:nvCxnSpPr>
+          <p:cNvPr id="70" name="Connector: Elbow 69">
+            <a:extLst>
+              <a:ext uri="{FF2B5EF4-FFF2-40B4-BE49-F238E27FC236}">
+                <a16:creationId xmlns:a16="http://schemas.microsoft.com/office/drawing/2014/main" id="{7B0E37AD-7E09-4030-807C-7921774AC450}"/>
+              </a:ext>
+            </a:extLst>
+          </p:cNvPr>
+          <p:cNvCxnSpPr>
+            <a:cxnSpLocks/>
+            <a:stCxn id="31" idx="3"/>
+          </p:cNvCxnSpPr>
+          <p:nvPr/>
+        </p:nvCxnSpPr>
+        <p:spPr>
+          <a:xfrm>
+            <a:off x="1309445" y="2493824"/>
+            <a:ext cx="1976644" cy="485823"/>
+          </a:xfrm>
+          <a:prstGeom prst="bentConnector3">
+            <a:avLst>
+              <a:gd name="adj1" fmla="val 50000"/>
+            </a:avLst>
+          </a:prstGeom>
+          <a:ln w="19050">
+            <a:tailEnd type="triangle"/>
+          </a:ln>
+        </p:spPr>
+        <p:style>
+          <a:lnRef idx="1">
+            <a:schemeClr val="accent1"/>
+          </a:lnRef>
+          <a:fillRef idx="0">
+            <a:schemeClr val="accent1"/>
+          </a:fillRef>
+          <a:effectRef idx="0">
+            <a:schemeClr val="accent1"/>
+          </a:effectRef>
+          <a:fontRef idx="minor">
+            <a:schemeClr val="tx1"/>
+          </a:fontRef>
+        </p:style>
+      </p:cxnSp>
+      <p:sp>
+        <p:nvSpPr>
+          <p:cNvPr id="8" name="TextBox 7">
+            <a:extLst>
+              <a:ext uri="{FF2B5EF4-FFF2-40B4-BE49-F238E27FC236}">
+                <a16:creationId xmlns:a16="http://schemas.microsoft.com/office/drawing/2014/main" id="{D13A479E-B221-4190-9891-3B02DE8B9F7A}"/>
+              </a:ext>
+            </a:extLst>
+          </p:cNvPr>
+          <p:cNvSpPr txBox="1"/>
+          <p:nvPr/>
+        </p:nvSpPr>
+        <p:spPr>
+          <a:xfrm>
+            <a:off x="3147925" y="150470"/>
+            <a:ext cx="5896166" cy="646331"/>
+          </a:xfrm>
+          <a:prstGeom prst="rect">
+            <a:avLst/>
+          </a:prstGeom>
+          <a:noFill/>
+        </p:spPr>
+        <p:txBody>
+          <a:bodyPr wrap="none" rtlCol="0">
+            <a:spAutoFit/>
+          </a:bodyPr>
+          <a:lstStyle/>
+          <a:p>
+            <a:pPr algn="ctr"/>
+            <a:r>
+              <a:rPr lang="en-CA" sz="3600" dirty="0">
+                <a:latin typeface="Segoe UI Light" panose="020B0502040204020203" pitchFamily="34" charset="0"/>
+                <a:cs typeface="Segoe UI Light" panose="020B0502040204020203" pitchFamily="34" charset="0"/>
+              </a:rPr>
+              <a:t>Mechanical Motor Dynamics</a:t>
+            </a:r>
+            <a:r>
+              <a:rPr lang="en-CA" sz="3600" dirty="0"/>
+              <a:t> </a:t>
+            </a:r>
+            <a:endParaRPr lang="en-CA" sz="3600" dirty="0">
+              <a:latin typeface="Segoe UI Light" panose="020B0502040204020203" pitchFamily="34" charset="0"/>
+              <a:cs typeface="Segoe UI Light" panose="020B0502040204020203" pitchFamily="34" charset="0"/>
+            </a:endParaRPr>
+          </a:p>
+        </p:txBody>
+      </p:sp>
+      <mc:AlternateContent xmlns:mc="http://schemas.openxmlformats.org/markup-compatibility/2006">
+        <mc:Choice xmlns:a14="http://schemas.microsoft.com/office/drawing/2010/main" Requires="a14">
+          <p:sp>
+            <p:nvSpPr>
+              <p:cNvPr id="11" name="TextBox 10">
+                <a:extLst>
+                  <a:ext uri="{FF2B5EF4-FFF2-40B4-BE49-F238E27FC236}">
+                    <a16:creationId xmlns:a16="http://schemas.microsoft.com/office/drawing/2014/main" id="{340CB77C-6A8D-414F-BA40-0FAED445E473}"/>
+                  </a:ext>
+                </a:extLst>
+              </p:cNvPr>
+              <p:cNvSpPr txBox="1"/>
+              <p:nvPr/>
+            </p:nvSpPr>
+            <p:spPr>
+              <a:xfrm>
+                <a:off x="201632" y="1120481"/>
+                <a:ext cx="1652854" cy="391902"/>
+              </a:xfrm>
+              <a:prstGeom prst="rect">
+                <a:avLst/>
+              </a:prstGeom>
+            </p:spPr>
+            <p:style>
+              <a:lnRef idx="2">
+                <a:schemeClr val="accent1">
+                  <a:shade val="50000"/>
+                </a:schemeClr>
+              </a:lnRef>
+              <a:fillRef idx="1">
+                <a:schemeClr val="accent1"/>
+              </a:fillRef>
+              <a:effectRef idx="0">
+                <a:schemeClr val="accent1"/>
+              </a:effectRef>
+              <a:fontRef idx="minor">
+                <a:schemeClr val="lt1"/>
+              </a:fontRef>
+            </p:style>
+            <p:txBody>
+              <a:bodyPr wrap="square" rtlCol="0">
+                <a:spAutoFit/>
+              </a:bodyPr>
+              <a:lstStyle/>
+              <a:p>
+                <a14:m>
+                  <m:oMathPara xmlns:m="http://schemas.openxmlformats.org/officeDocument/2006/math">
+                    <m:oMathParaPr>
+                      <m:jc m:val="centerGroup"/>
+                    </m:oMathParaPr>
+                    <m:oMath xmlns:m="http://schemas.openxmlformats.org/officeDocument/2006/math">
+                      <m:sSub>
+                        <m:sSubPr>
+                          <m:ctrlPr>
+                            <a:rPr lang="en-CA" i="1" smtClean="0">
+                              <a:latin typeface="Cambria Math" panose="02040503050406030204" pitchFamily="18" charset="0"/>
+                            </a:rPr>
+                          </m:ctrlPr>
+                        </m:sSubPr>
+                        <m:e>
+                          <m:r>
+                            <a:rPr lang="en-CA" b="0" i="1" smtClean="0">
+                              <a:latin typeface="Cambria Math" panose="02040503050406030204" pitchFamily="18" charset="0"/>
+                            </a:rPr>
+                            <m:t>𝐽</m:t>
+                          </m:r>
+                        </m:e>
+                        <m:sub>
+                          <m:r>
+                            <a:rPr lang="en-CA" b="0" i="1" smtClean="0">
+                              <a:latin typeface="Cambria Math" panose="02040503050406030204" pitchFamily="18" charset="0"/>
+                            </a:rPr>
+                            <m:t>𝑐𝑜𝑢𝑛𝑡𝑒𝑟</m:t>
+                          </m:r>
+                          <m:r>
+                            <a:rPr lang="en-CA" b="0" i="1" smtClean="0">
+                              <a:latin typeface="Cambria Math" panose="02040503050406030204" pitchFamily="18" charset="0"/>
+                            </a:rPr>
+                            <m:t> </m:t>
+                          </m:r>
+                          <m:r>
+                            <a:rPr lang="en-CA" b="0" i="1" smtClean="0">
+                              <a:latin typeface="Cambria Math" panose="02040503050406030204" pitchFamily="18" charset="0"/>
+                            </a:rPr>
+                            <m:t>𝑤𝑒𝑖𝑔h𝑡</m:t>
+                          </m:r>
+                        </m:sub>
+                      </m:sSub>
+                    </m:oMath>
+                  </m:oMathPara>
+                </a14:m>
+                <a:endParaRPr lang="en-CA" dirty="0"/>
+              </a:p>
+            </p:txBody>
+          </p:sp>
+        </mc:Choice>
+        <mc:Fallback>
+          <p:sp>
+            <p:nvSpPr>
+              <p:cNvPr id="11" name="TextBox 10">
+                <a:extLst>
+                  <a:ext uri="{FF2B5EF4-FFF2-40B4-BE49-F238E27FC236}">
+                    <a16:creationId xmlns:a16="http://schemas.microsoft.com/office/drawing/2014/main" id="{340CB77C-6A8D-414F-BA40-0FAED445E473}"/>
+                  </a:ext>
+                </a:extLst>
+              </p:cNvPr>
+              <p:cNvSpPr txBox="1">
+                <a:spLocks noRot="1" noChangeAspect="1" noMove="1" noResize="1" noEditPoints="1" noAdjustHandles="1" noChangeArrowheads="1" noChangeShapeType="1" noTextEdit="1"/>
+              </p:cNvSpPr>
+              <p:nvPr/>
+            </p:nvSpPr>
+            <p:spPr>
+              <a:xfrm>
+                <a:off x="201632" y="1120481"/>
+                <a:ext cx="1652854" cy="391902"/>
+              </a:xfrm>
+              <a:prstGeom prst="rect">
+                <a:avLst/>
+              </a:prstGeom>
+              <a:blipFill>
+                <a:blip r:embed="rId2"/>
+                <a:stretch>
+                  <a:fillRect b="-9091"/>
+                </a:stretch>
+              </a:blipFill>
+            </p:spPr>
+            <p:txBody>
+              <a:bodyPr/>
+              <a:lstStyle/>
+              <a:p>
+                <a:r>
+                  <a:rPr lang="en-CA">
+                    <a:noFill/>
+                  </a:rPr>
+                  <a:t> </a:t>
+                </a:r>
+              </a:p>
+            </p:txBody>
+          </p:sp>
+        </mc:Fallback>
+      </mc:AlternateContent>
+      <mc:AlternateContent xmlns:mc="http://schemas.openxmlformats.org/markup-compatibility/2006">
+        <mc:Choice xmlns:a14="http://schemas.microsoft.com/office/drawing/2010/main" Requires="a14">
+          <p:sp>
+            <p:nvSpPr>
+              <p:cNvPr id="3" name="TextBox 2">
+                <a:extLst>
+                  <a:ext uri="{FF2B5EF4-FFF2-40B4-BE49-F238E27FC236}">
+                    <a16:creationId xmlns:a16="http://schemas.microsoft.com/office/drawing/2014/main" id="{19E8F1AF-3237-4453-81D4-E8F9FCAD2136}"/>
+                  </a:ext>
+                </a:extLst>
+              </p:cNvPr>
+              <p:cNvSpPr txBox="1"/>
+              <p:nvPr/>
+            </p:nvSpPr>
+            <p:spPr>
+              <a:xfrm>
+                <a:off x="4856889" y="1157640"/>
+                <a:ext cx="1331699" cy="391902"/>
+              </a:xfrm>
+              <a:prstGeom prst="rect">
+                <a:avLst/>
+              </a:prstGeom>
+            </p:spPr>
+            <p:style>
+              <a:lnRef idx="2">
+                <a:schemeClr val="accent1">
+                  <a:shade val="50000"/>
+                </a:schemeClr>
+              </a:lnRef>
+              <a:fillRef idx="1">
+                <a:schemeClr val="accent1"/>
+              </a:fillRef>
+              <a:effectRef idx="0">
+                <a:schemeClr val="accent1"/>
+              </a:effectRef>
+              <a:fontRef idx="minor">
+                <a:schemeClr val="lt1"/>
+              </a:fontRef>
+            </p:style>
+            <p:txBody>
+              <a:bodyPr wrap="square" rtlCol="0">
+                <a:spAutoFit/>
+              </a:bodyPr>
+              <a:lstStyle/>
+              <a:p>
+                <a14:m>
+                  <m:oMathPara xmlns:m="http://schemas.openxmlformats.org/officeDocument/2006/math">
+                    <m:oMathParaPr>
+                      <m:jc m:val="centerGroup"/>
+                    </m:oMathParaPr>
+                    <m:oMath xmlns:m="http://schemas.openxmlformats.org/officeDocument/2006/math">
+                      <m:sSub>
+                        <m:sSubPr>
+                          <m:ctrlPr>
+                            <a:rPr lang="en-CA" b="0" i="1" smtClean="0">
+                              <a:latin typeface="Cambria Math" panose="02040503050406030204" pitchFamily="18" charset="0"/>
+                            </a:rPr>
+                          </m:ctrlPr>
+                        </m:sSubPr>
+                        <m:e>
+                          <m:r>
+                            <a:rPr lang="en-CA" b="0" i="1" smtClean="0">
+                              <a:latin typeface="Cambria Math" panose="02040503050406030204" pitchFamily="18" charset="0"/>
+                            </a:rPr>
+                            <m:t>𝐽</m:t>
+                          </m:r>
+                        </m:e>
+                        <m:sub>
+                          <m:r>
+                            <a:rPr lang="en-CA" b="0" i="1" smtClean="0">
+                              <a:latin typeface="Cambria Math" panose="02040503050406030204" pitchFamily="18" charset="0"/>
+                            </a:rPr>
+                            <m:t>𝑚𝑜𝑡𝑜𝑟</m:t>
+                          </m:r>
+                          <m:r>
+                            <a:rPr lang="en-CA" b="0" i="1" smtClean="0">
+                              <a:latin typeface="Cambria Math" panose="02040503050406030204" pitchFamily="18" charset="0"/>
+                            </a:rPr>
+                            <m:t> </m:t>
+                          </m:r>
+                          <m:r>
+                            <a:rPr lang="en-CA" b="0" i="1" smtClean="0">
+                              <a:latin typeface="Cambria Math" panose="02040503050406030204" pitchFamily="18" charset="0"/>
+                            </a:rPr>
+                            <m:t>𝑤𝑒𝑖𝑔h𝑡</m:t>
+                          </m:r>
+                        </m:sub>
+                      </m:sSub>
+                    </m:oMath>
+                  </m:oMathPara>
+                </a14:m>
+                <a:endParaRPr lang="en-CA" dirty="0"/>
+              </a:p>
+            </p:txBody>
+          </p:sp>
+        </mc:Choice>
+        <mc:Fallback>
+          <p:sp>
+            <p:nvSpPr>
+              <p:cNvPr id="3" name="TextBox 2">
+                <a:extLst>
+                  <a:ext uri="{FF2B5EF4-FFF2-40B4-BE49-F238E27FC236}">
+                    <a16:creationId xmlns:a16="http://schemas.microsoft.com/office/drawing/2014/main" id="{19E8F1AF-3237-4453-81D4-E8F9FCAD2136}"/>
+                  </a:ext>
+                </a:extLst>
+              </p:cNvPr>
+              <p:cNvSpPr txBox="1">
+                <a:spLocks noRot="1" noChangeAspect="1" noMove="1" noResize="1" noEditPoints="1" noAdjustHandles="1" noChangeArrowheads="1" noChangeShapeType="1" noTextEdit="1"/>
+              </p:cNvSpPr>
+              <p:nvPr/>
+            </p:nvSpPr>
+            <p:spPr>
+              <a:xfrm>
+                <a:off x="4856889" y="1157640"/>
+                <a:ext cx="1331699" cy="391902"/>
+              </a:xfrm>
+              <a:prstGeom prst="rect">
+                <a:avLst/>
+              </a:prstGeom>
+              <a:blipFill>
+                <a:blip r:embed="rId3"/>
+                <a:stretch>
+                  <a:fillRect l="-455" r="-3182" b="-9091"/>
+                </a:stretch>
+              </a:blipFill>
+            </p:spPr>
+            <p:txBody>
+              <a:bodyPr/>
+              <a:lstStyle/>
+              <a:p>
+                <a:r>
+                  <a:rPr lang="en-CA">
+                    <a:noFill/>
+                  </a:rPr>
+                  <a:t> </a:t>
+                </a:r>
+              </a:p>
+            </p:txBody>
+          </p:sp>
+        </mc:Fallback>
+      </mc:AlternateContent>
+      <mc:AlternateContent xmlns:mc="http://schemas.openxmlformats.org/markup-compatibility/2006">
+        <mc:Choice xmlns:a14="http://schemas.microsoft.com/office/drawing/2010/main" Requires="a14">
+          <p:sp>
+            <p:nvSpPr>
+              <p:cNvPr id="15" name="TextBox 14">
+                <a:extLst>
+                  <a:ext uri="{FF2B5EF4-FFF2-40B4-BE49-F238E27FC236}">
+                    <a16:creationId xmlns:a16="http://schemas.microsoft.com/office/drawing/2014/main" id="{58A6316A-E089-4A97-B2B0-03F9E4FAD3CE}"/>
+                  </a:ext>
+                </a:extLst>
+              </p:cNvPr>
+              <p:cNvSpPr txBox="1"/>
+              <p:nvPr/>
+            </p:nvSpPr>
+            <p:spPr>
+              <a:xfrm>
+                <a:off x="3938723" y="4079016"/>
+                <a:ext cx="602455" cy="369332"/>
+              </a:xfrm>
+              <a:prstGeom prst="rect">
+                <a:avLst/>
+              </a:prstGeom>
+            </p:spPr>
+            <p:style>
+              <a:lnRef idx="2">
+                <a:schemeClr val="accent1">
+                  <a:shade val="50000"/>
+                </a:schemeClr>
+              </a:lnRef>
+              <a:fillRef idx="1">
+                <a:schemeClr val="accent1"/>
+              </a:fillRef>
+              <a:effectRef idx="0">
+                <a:schemeClr val="accent1"/>
+              </a:effectRef>
+              <a:fontRef idx="minor">
+                <a:schemeClr val="lt1"/>
+              </a:fontRef>
+            </p:style>
+            <p:txBody>
+              <a:bodyPr wrap="square" rtlCol="0">
+                <a:spAutoFit/>
+              </a:bodyPr>
+              <a:lstStyle>
+                <a:defPPr>
+                  <a:defRPr lang="en-US"/>
+                </a:defPPr>
+                <a:lvl1pPr>
+                  <a:defRPr b="0" i="1">
+                    <a:solidFill>
+                      <a:schemeClr val="lt1"/>
+                    </a:solidFill>
+                    <a:latin typeface="Cambria Math" panose="02040503050406030204" pitchFamily="18" charset="0"/>
+                  </a:defRPr>
+                </a:lvl1pPr>
+                <a:lvl2pPr>
+                  <a:defRPr>
+                    <a:solidFill>
+                      <a:schemeClr val="lt1"/>
+                    </a:solidFill>
+                  </a:defRPr>
+                </a:lvl2pPr>
+                <a:lvl3pPr>
+                  <a:defRPr>
+                    <a:solidFill>
+                      <a:schemeClr val="lt1"/>
+                    </a:solidFill>
+                  </a:defRPr>
+                </a:lvl3pPr>
+                <a:lvl4pPr>
+                  <a:defRPr>
+                    <a:solidFill>
+                      <a:schemeClr val="lt1"/>
+                    </a:solidFill>
+                  </a:defRPr>
+                </a:lvl4pPr>
+                <a:lvl5pPr>
+                  <a:defRPr>
+                    <a:solidFill>
+                      <a:schemeClr val="lt1"/>
+                    </a:solidFill>
+                  </a:defRPr>
+                </a:lvl5pPr>
+                <a:lvl6pPr>
+                  <a:defRPr>
+                    <a:solidFill>
+                      <a:schemeClr val="lt1"/>
+                    </a:solidFill>
+                  </a:defRPr>
+                </a:lvl6pPr>
+                <a:lvl7pPr>
+                  <a:defRPr>
+                    <a:solidFill>
+                      <a:schemeClr val="lt1"/>
+                    </a:solidFill>
+                  </a:defRPr>
+                </a:lvl7pPr>
+                <a:lvl8pPr>
+                  <a:defRPr>
+                    <a:solidFill>
+                      <a:schemeClr val="lt1"/>
+                    </a:solidFill>
+                  </a:defRPr>
+                </a:lvl8pPr>
+                <a:lvl9pPr>
+                  <a:defRPr>
+                    <a:solidFill>
+                      <a:schemeClr val="lt1"/>
+                    </a:solidFill>
+                  </a:defRPr>
+                </a:lvl9pPr>
+              </a:lstStyle>
+              <a:p>
+                <a14:m>
+                  <m:oMathPara xmlns:m="http://schemas.openxmlformats.org/officeDocument/2006/math">
+                    <m:oMathParaPr>
+                      <m:jc m:val="centerGroup"/>
+                    </m:oMathParaPr>
+                    <m:oMath xmlns:m="http://schemas.openxmlformats.org/officeDocument/2006/math">
+                      <m:sSub>
+                        <m:sSubPr>
+                          <m:ctrlPr>
+                            <a:rPr lang="en-CA"/>
+                          </m:ctrlPr>
+                        </m:sSubPr>
+                        <m:e>
+                          <m:r>
+                            <a:rPr lang="en-CA"/>
+                            <m:t>𝐽</m:t>
+                          </m:r>
+                        </m:e>
+                        <m:sub>
+                          <m:r>
+                            <a:rPr lang="en-CA"/>
+                            <m:t>𝑙𝑖𝑛𝑘</m:t>
+                          </m:r>
+                        </m:sub>
+                      </m:sSub>
+                    </m:oMath>
+                  </m:oMathPara>
+                </a14:m>
+                <a:endParaRPr lang="en-CA" dirty="0"/>
+              </a:p>
+            </p:txBody>
+          </p:sp>
+        </mc:Choice>
+        <mc:Fallback>
+          <p:sp>
+            <p:nvSpPr>
+              <p:cNvPr id="15" name="TextBox 14">
+                <a:extLst>
+                  <a:ext uri="{FF2B5EF4-FFF2-40B4-BE49-F238E27FC236}">
+                    <a16:creationId xmlns:a16="http://schemas.microsoft.com/office/drawing/2014/main" id="{58A6316A-E089-4A97-B2B0-03F9E4FAD3CE}"/>
+                  </a:ext>
+                </a:extLst>
+              </p:cNvPr>
+              <p:cNvSpPr txBox="1">
+                <a:spLocks noRot="1" noChangeAspect="1" noMove="1" noResize="1" noEditPoints="1" noAdjustHandles="1" noChangeArrowheads="1" noChangeShapeType="1" noTextEdit="1"/>
+              </p:cNvSpPr>
+              <p:nvPr/>
+            </p:nvSpPr>
+            <p:spPr>
+              <a:xfrm>
+                <a:off x="3938723" y="4079016"/>
+                <a:ext cx="602455" cy="369332"/>
+              </a:xfrm>
+              <a:prstGeom prst="rect">
+                <a:avLst/>
+              </a:prstGeom>
+              <a:blipFill>
+                <a:blip r:embed="rId4"/>
+                <a:stretch>
+                  <a:fillRect l="-990" b="-9524"/>
+                </a:stretch>
+              </a:blipFill>
+            </p:spPr>
+            <p:txBody>
+              <a:bodyPr/>
+              <a:lstStyle/>
+              <a:p>
+                <a:r>
+                  <a:rPr lang="en-CA">
+                    <a:noFill/>
+                  </a:rPr>
+                  <a:t> </a:t>
+                </a:r>
+              </a:p>
+            </p:txBody>
+          </p:sp>
+        </mc:Fallback>
+      </mc:AlternateContent>
+      <mc:AlternateContent xmlns:mc="http://schemas.openxmlformats.org/markup-compatibility/2006">
+        <mc:Choice xmlns:a14="http://schemas.microsoft.com/office/drawing/2010/main" Requires="a14">
+          <p:sp>
+            <p:nvSpPr>
+              <p:cNvPr id="31" name="TextBox 30">
+                <a:extLst>
+                  <a:ext uri="{FF2B5EF4-FFF2-40B4-BE49-F238E27FC236}">
+                    <a16:creationId xmlns:a16="http://schemas.microsoft.com/office/drawing/2014/main" id="{A4DFA6C1-DA9F-4ECD-A2D2-A1C69F50D256}"/>
+                  </a:ext>
+                </a:extLst>
+              </p:cNvPr>
+              <p:cNvSpPr txBox="1"/>
+              <p:nvPr/>
+            </p:nvSpPr>
+            <p:spPr>
+              <a:xfrm>
+                <a:off x="658750" y="2309158"/>
+                <a:ext cx="650695" cy="369332"/>
+              </a:xfrm>
+              <a:prstGeom prst="rect">
+                <a:avLst/>
+              </a:prstGeom>
+            </p:spPr>
+            <p:style>
+              <a:lnRef idx="2">
+                <a:schemeClr val="accent1">
+                  <a:shade val="50000"/>
+                </a:schemeClr>
+              </a:lnRef>
+              <a:fillRef idx="1">
+                <a:schemeClr val="accent1"/>
+              </a:fillRef>
+              <a:effectRef idx="0">
+                <a:schemeClr val="accent1"/>
+              </a:effectRef>
+              <a:fontRef idx="minor">
+                <a:schemeClr val="lt1"/>
+              </a:fontRef>
+            </p:style>
+            <p:txBody>
+              <a:bodyPr wrap="square" rtlCol="0">
+                <a:spAutoFit/>
+              </a:bodyPr>
+              <a:lstStyle>
+                <a:defPPr>
+                  <a:defRPr lang="en-US"/>
+                </a:defPPr>
+                <a:lvl1pPr>
+                  <a:defRPr b="0" i="1">
+                    <a:solidFill>
+                      <a:schemeClr val="lt1"/>
+                    </a:solidFill>
+                    <a:latin typeface="Cambria Math" panose="02040503050406030204" pitchFamily="18" charset="0"/>
+                  </a:defRPr>
+                </a:lvl1pPr>
+                <a:lvl2pPr>
+                  <a:defRPr>
+                    <a:solidFill>
+                      <a:schemeClr val="lt1"/>
+                    </a:solidFill>
+                  </a:defRPr>
+                </a:lvl2pPr>
+                <a:lvl3pPr>
+                  <a:defRPr>
+                    <a:solidFill>
+                      <a:schemeClr val="lt1"/>
+                    </a:solidFill>
+                  </a:defRPr>
+                </a:lvl3pPr>
+                <a:lvl4pPr>
+                  <a:defRPr>
+                    <a:solidFill>
+                      <a:schemeClr val="lt1"/>
+                    </a:solidFill>
+                  </a:defRPr>
+                </a:lvl4pPr>
+                <a:lvl5pPr>
+                  <a:defRPr>
+                    <a:solidFill>
+                      <a:schemeClr val="lt1"/>
+                    </a:solidFill>
+                  </a:defRPr>
+                </a:lvl5pPr>
+                <a:lvl6pPr>
+                  <a:defRPr>
+                    <a:solidFill>
+                      <a:schemeClr val="lt1"/>
+                    </a:solidFill>
+                  </a:defRPr>
+                </a:lvl6pPr>
+                <a:lvl7pPr>
+                  <a:defRPr>
+                    <a:solidFill>
+                      <a:schemeClr val="lt1"/>
+                    </a:solidFill>
+                  </a:defRPr>
+                </a:lvl7pPr>
+                <a:lvl8pPr>
+                  <a:defRPr>
+                    <a:solidFill>
+                      <a:schemeClr val="lt1"/>
+                    </a:solidFill>
+                  </a:defRPr>
+                </a:lvl8pPr>
+                <a:lvl9pPr>
+                  <a:defRPr>
+                    <a:solidFill>
+                      <a:schemeClr val="lt1"/>
+                    </a:solidFill>
+                  </a:defRPr>
+                </a:lvl9pPr>
+              </a:lstStyle>
+              <a:p>
+                <a14:m>
+                  <m:oMathPara xmlns:m="http://schemas.openxmlformats.org/officeDocument/2006/math">
+                    <m:oMathParaPr>
+                      <m:jc m:val="centerGroup"/>
+                    </m:oMathParaPr>
+                    <m:oMath xmlns:m="http://schemas.openxmlformats.org/officeDocument/2006/math">
+                      <m:sSub>
+                        <m:sSubPr>
+                          <m:ctrlPr>
+                            <a:rPr lang="en-CA" smtClean="0"/>
+                          </m:ctrlPr>
+                        </m:sSubPr>
+                        <m:e>
+                          <m:r>
+                            <a:rPr lang="en-CA"/>
+                            <m:t>𝐽</m:t>
+                          </m:r>
+                        </m:e>
+                        <m:sub>
+                          <m:r>
+                            <a:rPr lang="en-CA" b="0" i="1" smtClean="0">
+                              <a:latin typeface="Cambria Math" panose="02040503050406030204" pitchFamily="18" charset="0"/>
+                            </a:rPr>
+                            <m:t>𝑟𝑜𝑡𝑜𝑟</m:t>
+                          </m:r>
+                        </m:sub>
+                      </m:sSub>
+                    </m:oMath>
+                  </m:oMathPara>
+                </a14:m>
+                <a:endParaRPr lang="en-CA" dirty="0"/>
+              </a:p>
+            </p:txBody>
+          </p:sp>
+        </mc:Choice>
+        <mc:Fallback>
+          <p:sp>
+            <p:nvSpPr>
+              <p:cNvPr id="31" name="TextBox 30">
+                <a:extLst>
+                  <a:ext uri="{FF2B5EF4-FFF2-40B4-BE49-F238E27FC236}">
+                    <a16:creationId xmlns:a16="http://schemas.microsoft.com/office/drawing/2014/main" id="{A4DFA6C1-DA9F-4ECD-A2D2-A1C69F50D256}"/>
+                  </a:ext>
+                </a:extLst>
+              </p:cNvPr>
+              <p:cNvSpPr txBox="1">
+                <a:spLocks noRot="1" noChangeAspect="1" noMove="1" noResize="1" noEditPoints="1" noAdjustHandles="1" noChangeArrowheads="1" noChangeShapeType="1" noTextEdit="1"/>
+              </p:cNvSpPr>
+              <p:nvPr/>
+            </p:nvSpPr>
+            <p:spPr>
+              <a:xfrm>
+                <a:off x="658750" y="2309158"/>
+                <a:ext cx="650695" cy="369332"/>
+              </a:xfrm>
+              <a:prstGeom prst="rect">
+                <a:avLst/>
+              </a:prstGeom>
+              <a:blipFill>
+                <a:blip r:embed="rId5"/>
+                <a:stretch>
+                  <a:fillRect l="-917" r="-2752" b="-9677"/>
+                </a:stretch>
+              </a:blipFill>
+            </p:spPr>
+            <p:txBody>
+              <a:bodyPr/>
+              <a:lstStyle/>
+              <a:p>
+                <a:r>
+                  <a:rPr lang="en-CA">
+                    <a:noFill/>
+                  </a:rPr>
+                  <a:t> </a:t>
+                </a:r>
+              </a:p>
+            </p:txBody>
+          </p:sp>
+        </mc:Fallback>
+      </mc:AlternateContent>
+      <mc:AlternateContent xmlns:mc="http://schemas.openxmlformats.org/markup-compatibility/2006">
+        <mc:Choice xmlns:a14="http://schemas.microsoft.com/office/drawing/2010/main" Requires="a14">
+          <p:sp>
+            <p:nvSpPr>
+              <p:cNvPr id="41" name="Rectangle 40">
+                <a:extLst>
+                  <a:ext uri="{FF2B5EF4-FFF2-40B4-BE49-F238E27FC236}">
+                    <a16:creationId xmlns:a16="http://schemas.microsoft.com/office/drawing/2014/main" id="{A84BF0BA-A6FF-4EA4-BF87-97639F3259BA}"/>
+                  </a:ext>
+                </a:extLst>
+              </p:cNvPr>
+              <p:cNvSpPr/>
+              <p:nvPr/>
+            </p:nvSpPr>
+            <p:spPr>
+              <a:xfrm>
+                <a:off x="5482327" y="3021137"/>
+                <a:ext cx="706261" cy="369332"/>
+              </a:xfrm>
+              <a:prstGeom prst="rect">
+                <a:avLst/>
+              </a:prstGeom>
+            </p:spPr>
+            <p:style>
+              <a:lnRef idx="2">
+                <a:schemeClr val="accent1">
+                  <a:shade val="50000"/>
+                </a:schemeClr>
+              </a:lnRef>
+              <a:fillRef idx="1">
+                <a:schemeClr val="accent1"/>
+              </a:fillRef>
+              <a:effectRef idx="0">
+                <a:schemeClr val="accent1"/>
+              </a:effectRef>
+              <a:fontRef idx="minor">
+                <a:schemeClr val="lt1"/>
+              </a:fontRef>
+            </p:style>
+            <p:txBody>
+              <a:bodyPr wrap="square" rtlCol="0">
+                <a:spAutoFit/>
+              </a:bodyPr>
+              <a:lstStyle/>
+              <a:p>
+                <a14:m>
+                  <m:oMathPara xmlns:m="http://schemas.openxmlformats.org/officeDocument/2006/math">
+                    <m:oMathParaPr>
+                      <m:jc m:val="centerGroup"/>
+                    </m:oMathParaPr>
+                    <m:oMath xmlns:m="http://schemas.openxmlformats.org/officeDocument/2006/math">
+                      <m:sSub>
+                        <m:sSubPr>
+                          <m:ctrlPr>
+                            <a:rPr lang="en-CA" i="1">
+                              <a:solidFill>
+                                <a:schemeClr val="lt1"/>
+                              </a:solidFill>
+                              <a:latin typeface="Cambria Math" panose="02040503050406030204" pitchFamily="18" charset="0"/>
+                            </a:rPr>
+                          </m:ctrlPr>
+                        </m:sSubPr>
+                        <m:e>
+                          <m:r>
+                            <a:rPr lang="en-CA" i="1">
+                              <a:solidFill>
+                                <a:schemeClr val="lt1"/>
+                              </a:solidFill>
+                              <a:latin typeface="Cambria Math" panose="02040503050406030204" pitchFamily="18" charset="0"/>
+                            </a:rPr>
+                            <m:t>𝐽</m:t>
+                          </m:r>
+                        </m:e>
+                        <m:sub>
+                          <m:r>
+                            <a:rPr lang="en-CA" i="1">
+                              <a:solidFill>
+                                <a:schemeClr val="lt1"/>
+                              </a:solidFill>
+                              <a:latin typeface="Cambria Math" panose="02040503050406030204" pitchFamily="18" charset="0"/>
+                            </a:rPr>
+                            <m:t>𝑟𝑜𝑡𝑜𝑟</m:t>
+                          </m:r>
+                        </m:sub>
+                      </m:sSub>
+                    </m:oMath>
+                  </m:oMathPara>
+                </a14:m>
+                <a:endParaRPr lang="en-CA" i="1" dirty="0">
+                  <a:solidFill>
+                    <a:schemeClr val="lt1"/>
+                  </a:solidFill>
+                  <a:latin typeface="Cambria Math" panose="02040503050406030204" pitchFamily="18" charset="0"/>
+                </a:endParaRPr>
+              </a:p>
+            </p:txBody>
+          </p:sp>
+        </mc:Choice>
+        <mc:Fallback>
+          <p:sp>
+            <p:nvSpPr>
+              <p:cNvPr id="41" name="Rectangle 40">
+                <a:extLst>
+                  <a:ext uri="{FF2B5EF4-FFF2-40B4-BE49-F238E27FC236}">
+                    <a16:creationId xmlns:a16="http://schemas.microsoft.com/office/drawing/2014/main" id="{A84BF0BA-A6FF-4EA4-BF87-97639F3259BA}"/>
+                  </a:ext>
+                </a:extLst>
+              </p:cNvPr>
+              <p:cNvSpPr>
+                <a:spLocks noRot="1" noChangeAspect="1" noMove="1" noResize="1" noEditPoints="1" noAdjustHandles="1" noChangeArrowheads="1" noChangeShapeType="1" noTextEdit="1"/>
+              </p:cNvSpPr>
+              <p:nvPr/>
+            </p:nvSpPr>
+            <p:spPr>
+              <a:xfrm>
+                <a:off x="5482327" y="3021137"/>
+                <a:ext cx="706261" cy="369332"/>
+              </a:xfrm>
+              <a:prstGeom prst="rect">
+                <a:avLst/>
+              </a:prstGeom>
+              <a:blipFill>
+                <a:blip r:embed="rId6"/>
+                <a:stretch>
+                  <a:fillRect l="-847" b="-9677"/>
+                </a:stretch>
+              </a:blipFill>
+            </p:spPr>
+            <p:txBody>
+              <a:bodyPr/>
+              <a:lstStyle/>
+              <a:p>
+                <a:r>
+                  <a:rPr lang="en-CA">
+                    <a:noFill/>
+                  </a:rPr>
+                  <a:t> </a:t>
+                </a:r>
+              </a:p>
+            </p:txBody>
+          </p:sp>
+        </mc:Fallback>
+      </mc:AlternateContent>
+      <mc:AlternateContent xmlns:mc="http://schemas.openxmlformats.org/markup-compatibility/2006">
+        <mc:Choice xmlns:am3d="http://schemas.microsoft.com/office/drawing/2017/model3d" Requires="am3d">
+          <p:graphicFrame>
+            <p:nvGraphicFramePr>
+              <p:cNvPr id="46" name="3D Model 45">
+                <a:extLst>
+                  <a:ext uri="{FF2B5EF4-FFF2-40B4-BE49-F238E27FC236}">
+                    <a16:creationId xmlns:a16="http://schemas.microsoft.com/office/drawing/2014/main" id="{1EFD5E57-A64F-4EF8-9650-D9039D561BC7}"/>
+                  </a:ext>
+                </a:extLst>
+              </p:cNvPr>
+              <p:cNvGraphicFramePr>
+                <a:graphicFrameLocks noChangeAspect="1"/>
+              </p:cNvGraphicFramePr>
+              <p:nvPr>
+                <p:extLst>
+                  <p:ext uri="{D42A27DB-BD31-4B8C-83A1-F6EECF244321}">
+                    <p14:modId xmlns:p14="http://schemas.microsoft.com/office/powerpoint/2010/main" val="1157042604"/>
+                  </p:ext>
+                </p:extLst>
+              </p:nvPr>
+            </p:nvGraphicFramePr>
+            <p:xfrm>
+              <a:off x="1604390" y="916621"/>
+              <a:ext cx="3667429" cy="3391042"/>
+            </p:xfrm>
+            <a:graphic>
+              <a:graphicData uri="http://schemas.microsoft.com/office/drawing/2017/model3d">
+                <am3d:model3d r:embed="rId7">
+                  <am3d:spPr>
+                    <a:xfrm>
+                      <a:off x="0" y="0"/>
+                      <a:ext cx="3667429" cy="3391042"/>
+                    </a:xfrm>
+                    <a:prstGeom prst="rect">
+                      <a:avLst/>
+                    </a:prstGeom>
+                  </am3d:spPr>
+                  <am3d:camera>
+                    <am3d:pos x="0" y="0" z="66739861"/>
+                    <am3d:up dx="0" dy="36000000" dz="0"/>
+                    <am3d:lookAt x="0" y="0" z="0"/>
+                    <am3d:perspective fov="2700000"/>
+                  </am3d:camera>
+                  <am3d:trans>
+                    <am3d:meterPerModelUnit n="12915385" d="1000000"/>
+                    <am3d:preTrans dx="-407458" dy="-2124343" dz="-7039176"/>
+                    <am3d:scale>
+                      <am3d:sx n="1000000" d="1000000"/>
+                      <am3d:sy n="1000000" d="1000000"/>
+                      <am3d:sz n="1000000" d="1000000"/>
+                    </am3d:scale>
+                    <am3d:rot ax="-4271001" ay="349396" az="9805664"/>
+                    <am3d:postTrans dx="0" dy="0" dz="0"/>
+                  </am3d:trans>
+                  <am3d:raster rName="Office3DRenderer" rVer="16.0.8326">
+                    <am3d:blip r:embed="rId8"/>
+                  </am3d:raster>
+                  <am3d:objViewport viewportSz="4915890"/>
+                  <am3d:ambientLight>
+                    <am3d:clr>
+                      <a:scrgbClr r="50000" g="50000" b="50000"/>
+                    </am3d:clr>
+                    <am3d:illuminance n="500000" d="1000000"/>
+                  </am3d:ambientLight>
+                  <am3d:ptLight rad="0">
+                    <am3d:clr>
+                      <a:scrgbClr r="100000" g="75000" b="50000"/>
+                    </am3d:clr>
+                    <am3d:intensity n="9765625" d="1000000"/>
+                    <am3d:pos x="21959998" y="70920001" z="16344003"/>
+                  </am3d:ptLight>
+                  <am3d:ptLight rad="0">
+                    <am3d:clr>
+                      <a:scrgbClr r="40000" g="60000" b="95000"/>
+                    </am3d:clr>
+                    <am3d:intensity n="12250000" d="1000000"/>
+                    <am3d:pos x="-37964106" y="51130435" z="57631972"/>
+                  </am3d:ptLight>
+                  <am3d:ptLight rad="0">
+                    <am3d:clr>
+                      <a:scrgbClr r="86837" g="72700" b="100000"/>
+                    </am3d:clr>
+                    <am3d:intensity n="3125000" d="1000000"/>
+                    <am3d:pos x="-37739122" y="58056624" z="-34769649"/>
+                  </am3d:ptLight>
+                </am3d:model3d>
+              </a:graphicData>
+            </a:graphic>
+          </p:graphicFrame>
+        </mc:Choice>
+        <mc:Fallback>
+          <p:pic>
+            <p:nvPicPr>
+              <p:cNvPr id="46" name="3D Model 45">
+                <a:extLst>
+                  <a:ext uri="{FF2B5EF4-FFF2-40B4-BE49-F238E27FC236}">
+                    <a16:creationId xmlns:a16="http://schemas.microsoft.com/office/drawing/2014/main" id="{1EFD5E57-A64F-4EF8-9650-D9039D561BC7}"/>
+                  </a:ext>
+                </a:extLst>
+              </p:cNvPr>
+              <p:cNvPicPr>
+                <a:picLocks noGrp="1" noRot="1" noChangeAspect="1" noMove="1" noResize="1" noEditPoints="1" noAdjustHandles="1" noChangeArrowheads="1" noChangeShapeType="1" noCrop="1"/>
+              </p:cNvPicPr>
+              <p:nvPr/>
+            </p:nvPicPr>
+            <p:blipFill>
+              <a:blip r:embed="rId8"/>
+              <a:stretch>
+                <a:fillRect/>
+              </a:stretch>
+            </p:blipFill>
+            <p:spPr>
+              <a:xfrm>
+                <a:off x="1604390" y="916621"/>
+                <a:ext cx="3667429" cy="3391042"/>
+              </a:xfrm>
+              <a:prstGeom prst="rect">
+                <a:avLst/>
+              </a:prstGeom>
+            </p:spPr>
+          </p:pic>
+        </mc:Fallback>
+      </mc:AlternateContent>
+      <p:cxnSp>
+        <p:nvCxnSpPr>
+          <p:cNvPr id="73" name="Connector: Elbow 72">
+            <a:extLst>
+              <a:ext uri="{FF2B5EF4-FFF2-40B4-BE49-F238E27FC236}">
+                <a16:creationId xmlns:a16="http://schemas.microsoft.com/office/drawing/2014/main" id="{8B36897D-52A9-4E6E-A3D6-D68AB99A2439}"/>
+              </a:ext>
+            </a:extLst>
+          </p:cNvPr>
+          <p:cNvCxnSpPr>
+            <a:cxnSpLocks/>
+            <a:stCxn id="15" idx="0"/>
+          </p:cNvCxnSpPr>
+          <p:nvPr/>
+        </p:nvCxnSpPr>
+        <p:spPr>
+          <a:xfrm rot="16200000" flipV="1">
+            <a:off x="3454086" y="3293151"/>
+            <a:ext cx="1057878" cy="513852"/>
+          </a:xfrm>
+          <a:prstGeom prst="bentConnector3">
+            <a:avLst>
+              <a:gd name="adj1" fmla="val 50000"/>
+            </a:avLst>
+          </a:prstGeom>
+          <a:ln w="19050">
+            <a:tailEnd type="triangle"/>
+          </a:ln>
+        </p:spPr>
+        <p:style>
+          <a:lnRef idx="1">
+            <a:schemeClr val="accent1"/>
+          </a:lnRef>
+          <a:fillRef idx="0">
+            <a:schemeClr val="accent1"/>
+          </a:fillRef>
+          <a:effectRef idx="0">
+            <a:schemeClr val="accent1"/>
+          </a:effectRef>
+          <a:fontRef idx="minor">
+            <a:schemeClr val="tx1"/>
+          </a:fontRef>
+        </p:style>
+      </p:cxnSp>
+      <p:cxnSp>
+        <p:nvCxnSpPr>
+          <p:cNvPr id="85" name="Straight Arrow Connector 84">
+            <a:extLst>
+              <a:ext uri="{FF2B5EF4-FFF2-40B4-BE49-F238E27FC236}">
+                <a16:creationId xmlns:a16="http://schemas.microsoft.com/office/drawing/2014/main" id="{7EAEBF54-DA66-4D7E-915F-724CA0195A1B}"/>
+              </a:ext>
+            </a:extLst>
+          </p:cNvPr>
+          <p:cNvCxnSpPr>
+            <a:stCxn id="11" idx="3"/>
+          </p:cNvCxnSpPr>
+          <p:nvPr/>
+        </p:nvCxnSpPr>
+        <p:spPr>
+          <a:xfrm>
+            <a:off x="1854486" y="1316432"/>
+            <a:ext cx="354774" cy="2944"/>
+          </a:xfrm>
+          <a:prstGeom prst="straightConnector1">
+            <a:avLst/>
+          </a:prstGeom>
+          <a:ln w="19050">
+            <a:tailEnd type="triangle"/>
+          </a:ln>
+        </p:spPr>
+        <p:style>
+          <a:lnRef idx="1">
+            <a:schemeClr val="accent1"/>
+          </a:lnRef>
+          <a:fillRef idx="0">
+            <a:schemeClr val="accent1"/>
+          </a:fillRef>
+          <a:effectRef idx="0">
+            <a:schemeClr val="accent1"/>
+          </a:effectRef>
+          <a:fontRef idx="minor">
+            <a:schemeClr val="tx1"/>
+          </a:fontRef>
+        </p:style>
+      </p:cxnSp>
+      <p:cxnSp>
+        <p:nvCxnSpPr>
+          <p:cNvPr id="89" name="Connector: Elbow 88">
+            <a:extLst>
+              <a:ext uri="{FF2B5EF4-FFF2-40B4-BE49-F238E27FC236}">
+                <a16:creationId xmlns:a16="http://schemas.microsoft.com/office/drawing/2014/main" id="{4EDF8EB1-38BC-4A64-A5DE-2FB7957008B7}"/>
+              </a:ext>
+            </a:extLst>
+          </p:cNvPr>
+          <p:cNvCxnSpPr>
+            <a:cxnSpLocks/>
+            <a:stCxn id="3" idx="2"/>
+          </p:cNvCxnSpPr>
+          <p:nvPr/>
+        </p:nvCxnSpPr>
+        <p:spPr>
+          <a:xfrm rot="5400000">
+            <a:off x="5093386" y="1670861"/>
+            <a:ext cx="550673" cy="308035"/>
+          </a:xfrm>
+          <a:prstGeom prst="bentConnector3">
+            <a:avLst>
+              <a:gd name="adj1" fmla="val 50000"/>
+            </a:avLst>
+          </a:prstGeom>
+          <a:ln w="19050">
+            <a:tailEnd type="triangle"/>
+          </a:ln>
+        </p:spPr>
+        <p:style>
+          <a:lnRef idx="1">
+            <a:schemeClr val="accent1"/>
+          </a:lnRef>
+          <a:fillRef idx="0">
+            <a:schemeClr val="accent1"/>
+          </a:fillRef>
+          <a:effectRef idx="0">
+            <a:schemeClr val="accent1"/>
+          </a:effectRef>
+          <a:fontRef idx="minor">
+            <a:schemeClr val="tx1"/>
+          </a:fontRef>
+        </p:style>
+      </p:cxnSp>
+      <mc:AlternateContent xmlns:mc="http://schemas.openxmlformats.org/markup-compatibility/2006">
+        <mc:Choice xmlns:a14="http://schemas.microsoft.com/office/drawing/2010/main" Requires="a14">
+          <p:sp>
+            <p:nvSpPr>
+              <p:cNvPr id="105" name="Rectangle 104">
+                <a:extLst>
+                  <a:ext uri="{FF2B5EF4-FFF2-40B4-BE49-F238E27FC236}">
+                    <a16:creationId xmlns:a16="http://schemas.microsoft.com/office/drawing/2014/main" id="{934C6A8A-D7A8-47A1-AD7F-37CC022E5201}"/>
+                  </a:ext>
+                </a:extLst>
+              </p:cNvPr>
+              <p:cNvSpPr/>
+              <p:nvPr/>
+            </p:nvSpPr>
+            <p:spPr>
+              <a:xfrm>
+                <a:off x="360654" y="3007280"/>
+                <a:ext cx="1535420" cy="369332"/>
+              </a:xfrm>
+              <a:prstGeom prst="rect">
+                <a:avLst/>
+              </a:prstGeom>
+            </p:spPr>
+            <p:txBody>
+              <a:bodyPr wrap="none">
+                <a:spAutoFit/>
+              </a:bodyPr>
+              <a:lstStyle/>
+              <a:p>
+                <a14:m>
+                  <m:oMathPara xmlns:m="http://schemas.openxmlformats.org/officeDocument/2006/math">
+                    <m:oMathParaPr>
+                      <m:jc m:val="centerGroup"/>
+                    </m:oMathParaPr>
+                    <m:oMath xmlns:m="http://schemas.openxmlformats.org/officeDocument/2006/math">
+                      <m:sSub>
+                        <m:sSubPr>
+                          <m:ctrlPr>
+                            <a:rPr lang="en-CA" i="1">
+                              <a:latin typeface="Cambria Math" panose="02040503050406030204" pitchFamily="18" charset="0"/>
+                            </a:rPr>
+                          </m:ctrlPr>
+                        </m:sSubPr>
+                        <m:e>
+                          <m:r>
+                            <a:rPr lang="en-CA" i="1">
+                              <a:latin typeface="Cambria Math" panose="02040503050406030204" pitchFamily="18" charset="0"/>
+                            </a:rPr>
+                            <m:t>𝐽</m:t>
+                          </m:r>
+                        </m:e>
+                        <m:sub>
+                          <m:r>
+                            <a:rPr lang="en-CA" i="1">
+                              <a:latin typeface="Cambria Math" panose="02040503050406030204" pitchFamily="18" charset="0"/>
+                            </a:rPr>
+                            <m:t>𝑟𝑜𝑡𝑜𝑟</m:t>
+                          </m:r>
+                        </m:sub>
+                      </m:sSub>
+                      <m:r>
+                        <a:rPr lang="en-CA" i="1">
+                          <a:latin typeface="Cambria Math" panose="02040503050406030204" pitchFamily="18" charset="0"/>
+                        </a:rPr>
+                        <m:t>=</m:t>
+                      </m:r>
+                      <m:r>
+                        <a:rPr lang="en-CA" b="0" i="1" smtClean="0">
+                          <a:latin typeface="Cambria Math" panose="02040503050406030204" pitchFamily="18" charset="0"/>
+                        </a:rPr>
+                        <m:t>𝑅𝑜𝑡𝐽</m:t>
+                      </m:r>
+                    </m:oMath>
+                  </m:oMathPara>
+                </a14:m>
+                <a:endParaRPr lang="en-CA" dirty="0"/>
+              </a:p>
+            </p:txBody>
+          </p:sp>
+        </mc:Choice>
+        <mc:Fallback>
+          <p:sp>
+            <p:nvSpPr>
+              <p:cNvPr id="105" name="Rectangle 104">
+                <a:extLst>
+                  <a:ext uri="{FF2B5EF4-FFF2-40B4-BE49-F238E27FC236}">
+                    <a16:creationId xmlns:a16="http://schemas.microsoft.com/office/drawing/2014/main" id="{934C6A8A-D7A8-47A1-AD7F-37CC022E5201}"/>
+                  </a:ext>
+                </a:extLst>
+              </p:cNvPr>
+              <p:cNvSpPr>
+                <a:spLocks noRot="1" noChangeAspect="1" noMove="1" noResize="1" noEditPoints="1" noAdjustHandles="1" noChangeArrowheads="1" noChangeShapeType="1" noTextEdit="1"/>
+              </p:cNvSpPr>
+              <p:nvPr/>
+            </p:nvSpPr>
+            <p:spPr>
+              <a:xfrm>
+                <a:off x="360654" y="3007280"/>
+                <a:ext cx="1535420" cy="369332"/>
+              </a:xfrm>
+              <a:prstGeom prst="rect">
+                <a:avLst/>
+              </a:prstGeom>
+              <a:blipFill>
+                <a:blip r:embed="rId9"/>
+                <a:stretch>
+                  <a:fillRect b="-9836"/>
+                </a:stretch>
+              </a:blipFill>
+            </p:spPr>
+            <p:txBody>
+              <a:bodyPr/>
+              <a:lstStyle/>
+              <a:p>
+                <a:r>
+                  <a:rPr lang="en-CA">
+                    <a:noFill/>
+                  </a:rPr>
+                  <a:t> </a:t>
+                </a:r>
+              </a:p>
+            </p:txBody>
+          </p:sp>
+        </mc:Fallback>
+      </mc:AlternateContent>
+      <p:cxnSp>
+        <p:nvCxnSpPr>
+          <p:cNvPr id="107" name="Straight Arrow Connector 106">
+            <a:extLst>
+              <a:ext uri="{FF2B5EF4-FFF2-40B4-BE49-F238E27FC236}">
+                <a16:creationId xmlns:a16="http://schemas.microsoft.com/office/drawing/2014/main" id="{58948B44-3E24-47D1-9BC4-3C290F39A9A7}"/>
+              </a:ext>
+            </a:extLst>
+          </p:cNvPr>
+          <p:cNvCxnSpPr>
+            <a:cxnSpLocks/>
+          </p:cNvCxnSpPr>
+          <p:nvPr/>
+        </p:nvCxnSpPr>
+        <p:spPr>
+          <a:xfrm flipV="1">
+            <a:off x="3462391" y="2073939"/>
+            <a:ext cx="187378" cy="681824"/>
+          </a:xfrm>
+          <a:prstGeom prst="straightConnector1">
+            <a:avLst/>
+          </a:prstGeom>
+          <a:ln>
+            <a:solidFill>
+              <a:srgbClr val="00B0F0"/>
+            </a:solidFill>
+            <a:headEnd type="triangle"/>
+            <a:tailEnd type="triangle"/>
+          </a:ln>
+        </p:spPr>
+        <p:style>
+          <a:lnRef idx="1">
+            <a:schemeClr val="accent1"/>
+          </a:lnRef>
+          <a:fillRef idx="0">
+            <a:schemeClr val="accent1"/>
+          </a:fillRef>
+          <a:effectRef idx="0">
+            <a:schemeClr val="accent1"/>
+          </a:effectRef>
+          <a:fontRef idx="minor">
+            <a:schemeClr val="tx1"/>
+          </a:fontRef>
+        </p:style>
+      </p:cxnSp>
+      <p:cxnSp>
+        <p:nvCxnSpPr>
+          <p:cNvPr id="109" name="Straight Arrow Connector 108">
+            <a:extLst>
+              <a:ext uri="{FF2B5EF4-FFF2-40B4-BE49-F238E27FC236}">
+                <a16:creationId xmlns:a16="http://schemas.microsoft.com/office/drawing/2014/main" id="{8E9CB784-2D05-411C-A265-AABD86270615}"/>
+              </a:ext>
+            </a:extLst>
+          </p:cNvPr>
+          <p:cNvCxnSpPr>
+            <a:cxnSpLocks/>
+          </p:cNvCxnSpPr>
+          <p:nvPr/>
+        </p:nvCxnSpPr>
+        <p:spPr>
+          <a:xfrm flipV="1">
+            <a:off x="3333964" y="1998324"/>
+            <a:ext cx="237644" cy="864728"/>
+          </a:xfrm>
+          <a:prstGeom prst="straightConnector1">
+            <a:avLst/>
+          </a:prstGeom>
+          <a:ln>
+            <a:solidFill>
+              <a:srgbClr val="00B0F0"/>
+            </a:solidFill>
+            <a:headEnd type="triangle"/>
+            <a:tailEnd type="triangle"/>
+          </a:ln>
+        </p:spPr>
+        <p:style>
+          <a:lnRef idx="1">
+            <a:schemeClr val="accent1"/>
+          </a:lnRef>
+          <a:fillRef idx="0">
+            <a:schemeClr val="accent1"/>
+          </a:fillRef>
+          <a:effectRef idx="0">
+            <a:schemeClr val="accent1"/>
+          </a:effectRef>
+          <a:fontRef idx="minor">
+            <a:schemeClr val="tx1"/>
+          </a:fontRef>
+        </p:style>
+      </p:cxnSp>
+      <p:cxnSp>
+        <p:nvCxnSpPr>
+          <p:cNvPr id="112" name="Straight Arrow Connector 111">
+            <a:extLst>
+              <a:ext uri="{FF2B5EF4-FFF2-40B4-BE49-F238E27FC236}">
+                <a16:creationId xmlns:a16="http://schemas.microsoft.com/office/drawing/2014/main" id="{1F278728-6CD4-419B-AFF5-0D9AD5C6D827}"/>
+              </a:ext>
+            </a:extLst>
+          </p:cNvPr>
+          <p:cNvCxnSpPr>
+            <a:cxnSpLocks/>
+          </p:cNvCxnSpPr>
+          <p:nvPr/>
+        </p:nvCxnSpPr>
+        <p:spPr>
+          <a:xfrm flipV="1">
+            <a:off x="2563402" y="2979648"/>
+            <a:ext cx="359289" cy="1032410"/>
+          </a:xfrm>
+          <a:prstGeom prst="straightConnector1">
+            <a:avLst/>
+          </a:prstGeom>
+          <a:ln>
+            <a:solidFill>
+              <a:srgbClr val="00B0F0"/>
+            </a:solidFill>
+            <a:headEnd type="triangle"/>
+            <a:tailEnd type="triangle"/>
+          </a:ln>
+        </p:spPr>
+        <p:style>
+          <a:lnRef idx="1">
+            <a:schemeClr val="accent1"/>
+          </a:lnRef>
+          <a:fillRef idx="0">
+            <a:schemeClr val="accent1"/>
+          </a:fillRef>
+          <a:effectRef idx="0">
+            <a:schemeClr val="accent1"/>
+          </a:effectRef>
+          <a:fontRef idx="minor">
+            <a:schemeClr val="tx1"/>
+          </a:fontRef>
+        </p:style>
+      </p:cxnSp>
+      <p:cxnSp>
+        <p:nvCxnSpPr>
+          <p:cNvPr id="117" name="Straight Arrow Connector 116">
+            <a:extLst>
+              <a:ext uri="{FF2B5EF4-FFF2-40B4-BE49-F238E27FC236}">
+                <a16:creationId xmlns:a16="http://schemas.microsoft.com/office/drawing/2014/main" id="{6E922031-6243-493B-81F3-4E54BE6F83F8}"/>
+              </a:ext>
+            </a:extLst>
+          </p:cNvPr>
+          <p:cNvCxnSpPr>
+            <a:cxnSpLocks/>
+          </p:cNvCxnSpPr>
+          <p:nvPr/>
+        </p:nvCxnSpPr>
+        <p:spPr>
+          <a:xfrm flipV="1">
+            <a:off x="5145105" y="2203529"/>
+            <a:ext cx="175066" cy="637023"/>
+          </a:xfrm>
+          <a:prstGeom prst="straightConnector1">
+            <a:avLst/>
+          </a:prstGeom>
+          <a:ln>
+            <a:solidFill>
+              <a:srgbClr val="00B0F0"/>
+            </a:solidFill>
+            <a:headEnd type="triangle"/>
+            <a:tailEnd type="triangle"/>
+          </a:ln>
+        </p:spPr>
+        <p:style>
+          <a:lnRef idx="1">
+            <a:schemeClr val="accent1"/>
+          </a:lnRef>
+          <a:fillRef idx="0">
+            <a:schemeClr val="accent1"/>
+          </a:fillRef>
+          <a:effectRef idx="0">
+            <a:schemeClr val="accent1"/>
+          </a:effectRef>
+          <a:fontRef idx="minor">
+            <a:schemeClr val="tx1"/>
+          </a:fontRef>
+        </p:style>
+      </p:cxnSp>
+      <mc:AlternateContent xmlns:mc="http://schemas.openxmlformats.org/markup-compatibility/2006">
+        <mc:Choice xmlns:a14="http://schemas.microsoft.com/office/drawing/2010/main" Requires="a14">
+          <p:sp>
+            <p:nvSpPr>
+              <p:cNvPr id="119" name="TextBox 118">
+                <a:extLst>
+                  <a:ext uri="{FF2B5EF4-FFF2-40B4-BE49-F238E27FC236}">
+                    <a16:creationId xmlns:a16="http://schemas.microsoft.com/office/drawing/2014/main" id="{52F91468-BDB5-4574-A418-B098762E0376}"/>
+                  </a:ext>
+                </a:extLst>
+              </p:cNvPr>
+              <p:cNvSpPr txBox="1"/>
+              <p:nvPr/>
+            </p:nvSpPr>
+            <p:spPr>
+              <a:xfrm rot="802131">
+                <a:off x="5195847" y="2376008"/>
+                <a:ext cx="318499" cy="369332"/>
+              </a:xfrm>
+              <a:prstGeom prst="rect">
+                <a:avLst/>
+              </a:prstGeom>
+              <a:noFill/>
+            </p:spPr>
+            <p:txBody>
+              <a:bodyPr wrap="square" rtlCol="0">
+                <a:spAutoFit/>
+              </a:bodyPr>
+              <a:lstStyle/>
+              <a:p>
+                <a14:m>
+                  <m:oMathPara xmlns:m="http://schemas.openxmlformats.org/officeDocument/2006/math">
+                    <m:oMathParaPr>
+                      <m:jc m:val="centerGroup"/>
+                    </m:oMathParaPr>
+                    <m:oMath xmlns:m="http://schemas.openxmlformats.org/officeDocument/2006/math">
+                      <m:r>
+                        <a:rPr lang="en-CA" b="0" i="1" smtClean="0">
+                          <a:latin typeface="Cambria Math" panose="02040503050406030204" pitchFamily="18" charset="0"/>
+                        </a:rPr>
+                        <m:t>𝑑</m:t>
+                      </m:r>
+                    </m:oMath>
+                  </m:oMathPara>
+                </a14:m>
+                <a:endParaRPr lang="en-CA" dirty="0"/>
+              </a:p>
+            </p:txBody>
+          </p:sp>
+        </mc:Choice>
+        <mc:Fallback>
+          <p:sp>
+            <p:nvSpPr>
+              <p:cNvPr id="119" name="TextBox 118">
+                <a:extLst>
+                  <a:ext uri="{FF2B5EF4-FFF2-40B4-BE49-F238E27FC236}">
+                    <a16:creationId xmlns:a16="http://schemas.microsoft.com/office/drawing/2014/main" id="{52F91468-BDB5-4574-A418-B098762E0376}"/>
+                  </a:ext>
+                </a:extLst>
+              </p:cNvPr>
+              <p:cNvSpPr txBox="1">
+                <a:spLocks noRot="1" noChangeAspect="1" noMove="1" noResize="1" noEditPoints="1" noAdjustHandles="1" noChangeArrowheads="1" noChangeShapeType="1" noTextEdit="1"/>
+              </p:cNvSpPr>
+              <p:nvPr/>
+            </p:nvSpPr>
+            <p:spPr>
+              <a:xfrm rot="802131">
+                <a:off x="5195847" y="2376008"/>
+                <a:ext cx="318499" cy="369332"/>
+              </a:xfrm>
+              <a:prstGeom prst="rect">
+                <a:avLst/>
+              </a:prstGeom>
+              <a:blipFill>
+                <a:blip r:embed="rId10"/>
+                <a:stretch>
+                  <a:fillRect/>
+                </a:stretch>
+              </a:blipFill>
+            </p:spPr>
+            <p:txBody>
+              <a:bodyPr/>
+              <a:lstStyle/>
+              <a:p>
+                <a:r>
+                  <a:rPr lang="en-CA">
+                    <a:noFill/>
+                  </a:rPr>
+                  <a:t> </a:t>
+                </a:r>
+              </a:p>
+            </p:txBody>
+          </p:sp>
+        </mc:Fallback>
+      </mc:AlternateContent>
+      <mc:AlternateContent xmlns:mc="http://schemas.openxmlformats.org/markup-compatibility/2006">
+        <mc:Choice xmlns:a14="http://schemas.microsoft.com/office/drawing/2010/main" Requires="a14">
+          <p:sp>
+            <p:nvSpPr>
+              <p:cNvPr id="120" name="TextBox 119">
+                <a:extLst>
+                  <a:ext uri="{FF2B5EF4-FFF2-40B4-BE49-F238E27FC236}">
+                    <a16:creationId xmlns:a16="http://schemas.microsoft.com/office/drawing/2014/main" id="{568ECC3C-73FE-401D-BCD0-256F31323E5A}"/>
+                  </a:ext>
+                </a:extLst>
+              </p:cNvPr>
+              <p:cNvSpPr txBox="1"/>
+              <p:nvPr/>
+            </p:nvSpPr>
+            <p:spPr>
+              <a:xfrm rot="936009">
+                <a:off x="3120151" y="2110858"/>
+                <a:ext cx="462337" cy="646331"/>
+              </a:xfrm>
+              <a:prstGeom prst="rect">
+                <a:avLst/>
+              </a:prstGeom>
+              <a:noFill/>
+            </p:spPr>
+            <p:txBody>
+              <a:bodyPr wrap="square" rtlCol="0">
+                <a:spAutoFit/>
+              </a:bodyPr>
+              <a:lstStyle/>
+              <a:p>
+                <a14:m>
+                  <m:oMathPara xmlns:m="http://schemas.openxmlformats.org/officeDocument/2006/math">
+                    <m:oMathParaPr>
+                      <m:jc m:val="centerGroup"/>
+                    </m:oMathParaPr>
+                    <m:oMath xmlns:m="http://schemas.openxmlformats.org/officeDocument/2006/math">
+                      <m:sSub>
+                        <m:sSubPr>
+                          <m:ctrlPr>
+                            <a:rPr lang="en-CA" b="0" i="1" smtClean="0">
+                              <a:latin typeface="Cambria Math" panose="02040503050406030204" pitchFamily="18" charset="0"/>
+                            </a:rPr>
+                          </m:ctrlPr>
+                        </m:sSubPr>
+                        <m:e>
+                          <m:r>
+                            <a:rPr lang="en-CA" b="0" i="1" smtClean="0">
+                              <a:latin typeface="Cambria Math" panose="02040503050406030204" pitchFamily="18" charset="0"/>
+                            </a:rPr>
+                            <m:t>𝑟</m:t>
+                          </m:r>
+                        </m:e>
+                        <m:sub>
+                          <m:r>
+                            <a:rPr lang="en-CA" b="0" i="1" smtClean="0">
+                              <a:latin typeface="Cambria Math" panose="02040503050406030204" pitchFamily="18" charset="0"/>
+                            </a:rPr>
+                            <m:t>2</m:t>
+                          </m:r>
+                        </m:sub>
+                      </m:sSub>
+                    </m:oMath>
+                  </m:oMathPara>
+                </a14:m>
+                <a:endParaRPr lang="en-CA" b="0" dirty="0"/>
+              </a:p>
+              <a:p>
+                <a:endParaRPr lang="en-CA" dirty="0"/>
+              </a:p>
+            </p:txBody>
+          </p:sp>
+        </mc:Choice>
+        <mc:Fallback>
+          <p:sp>
+            <p:nvSpPr>
+              <p:cNvPr id="120" name="TextBox 119">
+                <a:extLst>
+                  <a:ext uri="{FF2B5EF4-FFF2-40B4-BE49-F238E27FC236}">
+                    <a16:creationId xmlns:a16="http://schemas.microsoft.com/office/drawing/2014/main" id="{568ECC3C-73FE-401D-BCD0-256F31323E5A}"/>
+                  </a:ext>
+                </a:extLst>
+              </p:cNvPr>
+              <p:cNvSpPr txBox="1">
+                <a:spLocks noRot="1" noChangeAspect="1" noMove="1" noResize="1" noEditPoints="1" noAdjustHandles="1" noChangeArrowheads="1" noChangeShapeType="1" noTextEdit="1"/>
+              </p:cNvSpPr>
+              <p:nvPr/>
+            </p:nvSpPr>
+            <p:spPr>
+              <a:xfrm rot="936009">
+                <a:off x="3120151" y="2110858"/>
+                <a:ext cx="462337" cy="646331"/>
+              </a:xfrm>
+              <a:prstGeom prst="rect">
+                <a:avLst/>
+              </a:prstGeom>
+              <a:blipFill>
+                <a:blip r:embed="rId11"/>
+                <a:stretch>
+                  <a:fillRect/>
+                </a:stretch>
+              </a:blipFill>
+            </p:spPr>
+            <p:txBody>
+              <a:bodyPr/>
+              <a:lstStyle/>
+              <a:p>
+                <a:r>
+                  <a:rPr lang="en-CA">
+                    <a:noFill/>
+                  </a:rPr>
+                  <a:t> </a:t>
+                </a:r>
+              </a:p>
+            </p:txBody>
+          </p:sp>
+        </mc:Fallback>
+      </mc:AlternateContent>
+      <mc:AlternateContent xmlns:mc="http://schemas.openxmlformats.org/markup-compatibility/2006">
+        <mc:Choice xmlns:a14="http://schemas.microsoft.com/office/drawing/2010/main" Requires="a14">
+          <p:sp>
+            <p:nvSpPr>
+              <p:cNvPr id="121" name="Rectangle 120">
+                <a:extLst>
+                  <a:ext uri="{FF2B5EF4-FFF2-40B4-BE49-F238E27FC236}">
+                    <a16:creationId xmlns:a16="http://schemas.microsoft.com/office/drawing/2014/main" id="{FA351042-1495-47A2-9E09-B5C40A776E0F}"/>
+                  </a:ext>
+                </a:extLst>
+              </p:cNvPr>
+              <p:cNvSpPr/>
+              <p:nvPr/>
+            </p:nvSpPr>
+            <p:spPr>
+              <a:xfrm rot="747379">
+                <a:off x="3462274" y="2287128"/>
+                <a:ext cx="423193" cy="369332"/>
+              </a:xfrm>
+              <a:prstGeom prst="rect">
+                <a:avLst/>
+              </a:prstGeom>
+            </p:spPr>
+            <p:txBody>
+              <a:bodyPr wrap="none">
+                <a:spAutoFit/>
+              </a:bodyPr>
+              <a:lstStyle/>
+              <a:p>
+                <a14:m>
+                  <m:oMathPara xmlns:m="http://schemas.openxmlformats.org/officeDocument/2006/math">
+                    <m:oMathParaPr>
+                      <m:jc m:val="centerGroup"/>
+                    </m:oMathParaPr>
+                    <m:oMath xmlns:m="http://schemas.openxmlformats.org/officeDocument/2006/math">
+                      <m:sSub>
+                        <m:sSubPr>
+                          <m:ctrlPr>
+                            <a:rPr lang="en-CA" i="1" smtClean="0">
+                              <a:latin typeface="Cambria Math" panose="02040503050406030204" pitchFamily="18" charset="0"/>
+                            </a:rPr>
+                          </m:ctrlPr>
+                        </m:sSubPr>
+                        <m:e>
+                          <m:r>
+                            <a:rPr lang="en-CA" i="1">
+                              <a:latin typeface="Cambria Math" panose="02040503050406030204" pitchFamily="18" charset="0"/>
+                            </a:rPr>
+                            <m:t>𝑟</m:t>
+                          </m:r>
+                        </m:e>
+                        <m:sub>
+                          <m:r>
+                            <a:rPr lang="en-CA" b="0" i="1" smtClean="0">
+                              <a:latin typeface="Cambria Math" panose="02040503050406030204" pitchFamily="18" charset="0"/>
+                            </a:rPr>
+                            <m:t>1</m:t>
+                          </m:r>
+                        </m:sub>
+                      </m:sSub>
+                    </m:oMath>
+                  </m:oMathPara>
+                </a14:m>
+                <a:endParaRPr lang="en-CA" dirty="0"/>
+              </a:p>
+            </p:txBody>
+          </p:sp>
+        </mc:Choice>
+        <mc:Fallback>
+          <p:sp>
+            <p:nvSpPr>
+              <p:cNvPr id="121" name="Rectangle 120">
+                <a:extLst>
+                  <a:ext uri="{FF2B5EF4-FFF2-40B4-BE49-F238E27FC236}">
+                    <a16:creationId xmlns:a16="http://schemas.microsoft.com/office/drawing/2014/main" id="{FA351042-1495-47A2-9E09-B5C40A776E0F}"/>
+                  </a:ext>
+                </a:extLst>
+              </p:cNvPr>
+              <p:cNvSpPr>
+                <a:spLocks noRot="1" noChangeAspect="1" noMove="1" noResize="1" noEditPoints="1" noAdjustHandles="1" noChangeArrowheads="1" noChangeShapeType="1" noTextEdit="1"/>
+              </p:cNvSpPr>
+              <p:nvPr/>
+            </p:nvSpPr>
+            <p:spPr>
+              <a:xfrm rot="747379">
+                <a:off x="3462274" y="2287128"/>
+                <a:ext cx="423193" cy="369332"/>
+              </a:xfrm>
+              <a:prstGeom prst="rect">
+                <a:avLst/>
+              </a:prstGeom>
+              <a:blipFill>
+                <a:blip r:embed="rId12"/>
+                <a:stretch>
+                  <a:fillRect/>
+                </a:stretch>
+              </a:blipFill>
+            </p:spPr>
+            <p:txBody>
+              <a:bodyPr/>
+              <a:lstStyle/>
+              <a:p>
+                <a:r>
+                  <a:rPr lang="en-CA">
+                    <a:noFill/>
+                  </a:rPr>
+                  <a:t> </a:t>
+                </a:r>
+              </a:p>
+            </p:txBody>
+          </p:sp>
+        </mc:Fallback>
+      </mc:AlternateContent>
+      <mc:AlternateContent xmlns:mc="http://schemas.openxmlformats.org/markup-compatibility/2006">
+        <mc:Choice xmlns:a14="http://schemas.microsoft.com/office/drawing/2010/main" Requires="a14">
+          <p:sp>
+            <p:nvSpPr>
+              <p:cNvPr id="122" name="Rectangle 121">
+                <a:extLst>
+                  <a:ext uri="{FF2B5EF4-FFF2-40B4-BE49-F238E27FC236}">
+                    <a16:creationId xmlns:a16="http://schemas.microsoft.com/office/drawing/2014/main" id="{6EC66D23-558C-4C84-8CD7-C1E022465185}"/>
+                  </a:ext>
+                </a:extLst>
+              </p:cNvPr>
+              <p:cNvSpPr/>
+              <p:nvPr/>
+            </p:nvSpPr>
+            <p:spPr>
+              <a:xfrm rot="710569">
+                <a:off x="1974356" y="3187895"/>
+                <a:ext cx="900055" cy="369332"/>
+              </a:xfrm>
+              <a:prstGeom prst="rect">
+                <a:avLst/>
+              </a:prstGeom>
+            </p:spPr>
+            <p:txBody>
+              <a:bodyPr wrap="none">
+                <a:spAutoFit/>
+              </a:bodyPr>
+              <a:lstStyle/>
+              <a:p>
+                <a14:m>
+                  <m:oMathPara xmlns:m="http://schemas.openxmlformats.org/officeDocument/2006/math">
+                    <m:oMathParaPr>
+                      <m:jc m:val="centerGroup"/>
+                    </m:oMathParaPr>
+                    <m:oMath xmlns:m="http://schemas.openxmlformats.org/officeDocument/2006/math">
+                      <m:sSub>
+                        <m:sSubPr>
+                          <m:ctrlPr>
+                            <a:rPr lang="en-CA" i="1" smtClean="0">
+                              <a:latin typeface="Cambria Math" panose="02040503050406030204" pitchFamily="18" charset="0"/>
+                            </a:rPr>
+                          </m:ctrlPr>
+                        </m:sSubPr>
+                        <m:e>
+                          <m:r>
+                            <a:rPr lang="en-CA" i="1">
+                              <a:latin typeface="Cambria Math" panose="02040503050406030204" pitchFamily="18" charset="0"/>
+                            </a:rPr>
+                            <m:t>h</m:t>
+                          </m:r>
+                        </m:e>
+                        <m:sub>
+                          <m:r>
+                            <a:rPr lang="en-CA" b="0" i="1" smtClean="0">
+                              <a:latin typeface="Cambria Math" panose="02040503050406030204" pitchFamily="18" charset="0"/>
+                            </a:rPr>
+                            <m:t>𝑚𝑜𝑡𝑜𝑟</m:t>
+                          </m:r>
+                        </m:sub>
+                      </m:sSub>
+                    </m:oMath>
+                  </m:oMathPara>
+                </a14:m>
+                <a:endParaRPr lang="en-CA" dirty="0"/>
+              </a:p>
+            </p:txBody>
+          </p:sp>
+        </mc:Choice>
+        <mc:Fallback>
+          <p:sp>
+            <p:nvSpPr>
+              <p:cNvPr id="122" name="Rectangle 121">
+                <a:extLst>
+                  <a:ext uri="{FF2B5EF4-FFF2-40B4-BE49-F238E27FC236}">
+                    <a16:creationId xmlns:a16="http://schemas.microsoft.com/office/drawing/2014/main" id="{6EC66D23-558C-4C84-8CD7-C1E022465185}"/>
+                  </a:ext>
+                </a:extLst>
+              </p:cNvPr>
+              <p:cNvSpPr>
+                <a:spLocks noRot="1" noChangeAspect="1" noMove="1" noResize="1" noEditPoints="1" noAdjustHandles="1" noChangeArrowheads="1" noChangeShapeType="1" noTextEdit="1"/>
+              </p:cNvSpPr>
+              <p:nvPr/>
+            </p:nvSpPr>
+            <p:spPr>
+              <a:xfrm rot="710569">
+                <a:off x="1974356" y="3187895"/>
+                <a:ext cx="900055" cy="369332"/>
+              </a:xfrm>
+              <a:prstGeom prst="rect">
+                <a:avLst/>
+              </a:prstGeom>
+              <a:blipFill>
+                <a:blip r:embed="rId13"/>
+                <a:stretch>
+                  <a:fillRect/>
+                </a:stretch>
+              </a:blipFill>
+            </p:spPr>
+            <p:txBody>
+              <a:bodyPr/>
+              <a:lstStyle/>
+              <a:p>
+                <a:r>
+                  <a:rPr lang="en-CA">
+                    <a:noFill/>
+                  </a:rPr>
+                  <a:t> </a:t>
+                </a:r>
+              </a:p>
+            </p:txBody>
+          </p:sp>
+        </mc:Fallback>
+      </mc:AlternateContent>
+      <p:cxnSp>
+        <p:nvCxnSpPr>
+          <p:cNvPr id="129" name="Straight Arrow Connector 128">
+            <a:extLst>
+              <a:ext uri="{FF2B5EF4-FFF2-40B4-BE49-F238E27FC236}">
+                <a16:creationId xmlns:a16="http://schemas.microsoft.com/office/drawing/2014/main" id="{AAC24822-B9ED-425A-8575-EC8586BD33B9}"/>
+              </a:ext>
+            </a:extLst>
+          </p:cNvPr>
+          <p:cNvCxnSpPr>
+            <a:cxnSpLocks/>
+          </p:cNvCxnSpPr>
+          <p:nvPr/>
+        </p:nvCxnSpPr>
+        <p:spPr>
+          <a:xfrm flipH="1">
+            <a:off x="4323730" y="1624411"/>
+            <a:ext cx="12073" cy="237755"/>
+          </a:xfrm>
+          <a:prstGeom prst="straightConnector1">
+            <a:avLst/>
+          </a:prstGeom>
+          <a:ln>
+            <a:solidFill>
+              <a:srgbClr val="00B0F0"/>
+            </a:solidFill>
+            <a:headEnd type="triangle"/>
+            <a:tailEnd type="triangle"/>
+          </a:ln>
+        </p:spPr>
+        <p:style>
+          <a:lnRef idx="1">
+            <a:schemeClr val="accent1"/>
+          </a:lnRef>
+          <a:fillRef idx="0">
+            <a:schemeClr val="accent1"/>
+          </a:fillRef>
+          <a:effectRef idx="0">
+            <a:schemeClr val="accent1"/>
+          </a:effectRef>
+          <a:fontRef idx="minor">
+            <a:schemeClr val="tx1"/>
+          </a:fontRef>
+        </p:style>
+      </p:cxnSp>
+      <mc:AlternateContent xmlns:mc="http://schemas.openxmlformats.org/markup-compatibility/2006">
+        <mc:Choice xmlns:a14="http://schemas.microsoft.com/office/drawing/2010/main" Requires="a14">
+          <p:sp>
+            <p:nvSpPr>
+              <p:cNvPr id="146" name="Rectangle 145">
+                <a:extLst>
+                  <a:ext uri="{FF2B5EF4-FFF2-40B4-BE49-F238E27FC236}">
+                    <a16:creationId xmlns:a16="http://schemas.microsoft.com/office/drawing/2014/main" id="{A6ED8B58-0427-4512-B451-4A68D8033F41}"/>
+                  </a:ext>
+                </a:extLst>
+              </p:cNvPr>
+              <p:cNvSpPr/>
+              <p:nvPr/>
+            </p:nvSpPr>
+            <p:spPr>
+              <a:xfrm>
+                <a:off x="4269193" y="1577400"/>
+                <a:ext cx="742576" cy="369332"/>
+              </a:xfrm>
+              <a:prstGeom prst="rect">
+                <a:avLst/>
+              </a:prstGeom>
+            </p:spPr>
+            <p:txBody>
+              <a:bodyPr wrap="none">
+                <a:spAutoFit/>
+              </a:bodyPr>
+              <a:lstStyle/>
+              <a:p>
+                <a14:m>
+                  <m:oMathPara xmlns:m="http://schemas.openxmlformats.org/officeDocument/2006/math">
+                    <m:oMathParaPr>
+                      <m:jc m:val="centerGroup"/>
+                    </m:oMathParaPr>
+                    <m:oMath xmlns:m="http://schemas.openxmlformats.org/officeDocument/2006/math">
+                      <m:sSub>
+                        <m:sSubPr>
+                          <m:ctrlPr>
+                            <a:rPr lang="en-CA" i="1" smtClean="0">
+                              <a:latin typeface="Cambria Math" panose="02040503050406030204" pitchFamily="18" charset="0"/>
+                            </a:rPr>
+                          </m:ctrlPr>
+                        </m:sSubPr>
+                        <m:e>
+                          <m:r>
+                            <a:rPr lang="en-CA" b="0" i="1" smtClean="0">
+                              <a:latin typeface="Cambria Math" panose="02040503050406030204" pitchFamily="18" charset="0"/>
+                            </a:rPr>
+                            <m:t>h</m:t>
+                          </m:r>
+                        </m:e>
+                        <m:sub>
+                          <m:r>
+                            <a:rPr lang="en-CA" b="0" i="1" smtClean="0">
+                              <a:latin typeface="Cambria Math" panose="02040503050406030204" pitchFamily="18" charset="0"/>
+                            </a:rPr>
+                            <m:t>𝐿𝑖𝑛𝑘</m:t>
+                          </m:r>
+                        </m:sub>
+                      </m:sSub>
+                    </m:oMath>
+                  </m:oMathPara>
+                </a14:m>
+                <a:endParaRPr lang="en-CA" dirty="0"/>
+              </a:p>
+            </p:txBody>
+          </p:sp>
+        </mc:Choice>
+        <mc:Fallback>
+          <p:sp>
+            <p:nvSpPr>
+              <p:cNvPr id="146" name="Rectangle 145">
+                <a:extLst>
+                  <a:ext uri="{FF2B5EF4-FFF2-40B4-BE49-F238E27FC236}">
+                    <a16:creationId xmlns:a16="http://schemas.microsoft.com/office/drawing/2014/main" id="{A6ED8B58-0427-4512-B451-4A68D8033F41}"/>
+                  </a:ext>
+                </a:extLst>
+              </p:cNvPr>
+              <p:cNvSpPr>
+                <a:spLocks noRot="1" noChangeAspect="1" noMove="1" noResize="1" noEditPoints="1" noAdjustHandles="1" noChangeArrowheads="1" noChangeShapeType="1" noTextEdit="1"/>
+              </p:cNvSpPr>
+              <p:nvPr/>
+            </p:nvSpPr>
+            <p:spPr>
+              <a:xfrm>
+                <a:off x="4269193" y="1577400"/>
+                <a:ext cx="742576" cy="369332"/>
+              </a:xfrm>
+              <a:prstGeom prst="rect">
+                <a:avLst/>
+              </a:prstGeom>
+              <a:blipFill>
+                <a:blip r:embed="rId14"/>
+                <a:stretch>
+                  <a:fillRect b="-1667"/>
+                </a:stretch>
+              </a:blipFill>
+            </p:spPr>
+            <p:txBody>
+              <a:bodyPr/>
+              <a:lstStyle/>
+              <a:p>
+                <a:r>
+                  <a:rPr lang="en-CA">
+                    <a:noFill/>
+                  </a:rPr>
+                  <a:t> </a:t>
+                </a:r>
+              </a:p>
+            </p:txBody>
+          </p:sp>
+        </mc:Fallback>
+      </mc:AlternateContent>
+      <mc:AlternateContent xmlns:mc="http://schemas.openxmlformats.org/markup-compatibility/2006">
+        <mc:Choice xmlns:a14="http://schemas.microsoft.com/office/drawing/2010/main" Requires="a14">
+          <p:sp>
+            <p:nvSpPr>
+              <p:cNvPr id="148" name="Rectangle 147">
+                <a:extLst>
+                  <a:ext uri="{FF2B5EF4-FFF2-40B4-BE49-F238E27FC236}">
+                    <a16:creationId xmlns:a16="http://schemas.microsoft.com/office/drawing/2014/main" id="{229E3D2A-DEB3-4495-9797-07532615910F}"/>
+                  </a:ext>
+                </a:extLst>
+              </p:cNvPr>
+              <p:cNvSpPr/>
+              <p:nvPr/>
+            </p:nvSpPr>
+            <p:spPr>
+              <a:xfrm>
+                <a:off x="2209260" y="5392055"/>
+                <a:ext cx="4403257" cy="609077"/>
+              </a:xfrm>
+              <a:prstGeom prst="rect">
+                <a:avLst/>
+              </a:prstGeom>
+            </p:spPr>
+            <p:txBody>
+              <a:bodyPr wrap="none">
+                <a:spAutoFit/>
+              </a:bodyPr>
+              <a:lstStyle/>
+              <a:p>
+                <a:pPr/>
+                <a14:m>
+                  <m:oMathPara xmlns:m="http://schemas.openxmlformats.org/officeDocument/2006/math">
+                    <m:oMathParaPr>
+                      <m:jc m:val="centerGroup"/>
+                    </m:oMathParaPr>
+                    <m:oMath xmlns:m="http://schemas.openxmlformats.org/officeDocument/2006/math">
+                      <m:sSub>
+                        <m:sSubPr>
+                          <m:ctrlPr>
+                            <a:rPr lang="en-CA" i="1">
+                              <a:latin typeface="Cambria Math" panose="02040503050406030204" pitchFamily="18" charset="0"/>
+                            </a:rPr>
+                          </m:ctrlPr>
+                        </m:sSubPr>
+                        <m:e>
+                          <m:r>
+                            <a:rPr lang="en-CA" i="1">
+                              <a:latin typeface="Cambria Math" panose="02040503050406030204" pitchFamily="18" charset="0"/>
+                            </a:rPr>
+                            <m:t>𝐽</m:t>
+                          </m:r>
+                        </m:e>
+                        <m:sub>
+                          <m:r>
+                            <a:rPr lang="en-CA" i="1">
+                              <a:latin typeface="Cambria Math" panose="02040503050406030204" pitchFamily="18" charset="0"/>
+                            </a:rPr>
+                            <m:t>𝑙𝑖𝑛𝑘</m:t>
+                          </m:r>
+                        </m:sub>
+                      </m:sSub>
+                      <m:r>
+                        <a:rPr lang="en-CA" b="0" i="1" smtClean="0">
+                          <a:latin typeface="Cambria Math" panose="02040503050406030204" pitchFamily="18" charset="0"/>
+                        </a:rPr>
+                        <m:t>=</m:t>
+                      </m:r>
+                      <m:f>
+                        <m:fPr>
+                          <m:ctrlPr>
+                            <a:rPr lang="en-CA" i="1">
+                              <a:latin typeface="Cambria Math" panose="02040503050406030204" pitchFamily="18" charset="0"/>
+                            </a:rPr>
+                          </m:ctrlPr>
+                        </m:fPr>
+                        <m:num>
+                          <m:sSub>
+                            <m:sSubPr>
+                              <m:ctrlPr>
+                                <a:rPr lang="en-CA" i="1" smtClean="0">
+                                  <a:latin typeface="Cambria Math" panose="02040503050406030204" pitchFamily="18" charset="0"/>
+                                </a:rPr>
+                              </m:ctrlPr>
+                            </m:sSubPr>
+                            <m:e>
+                              <m:r>
+                                <a:rPr lang="en-CA" b="0" i="1" smtClean="0">
+                                  <a:latin typeface="Cambria Math" panose="02040503050406030204" pitchFamily="18" charset="0"/>
+                                </a:rPr>
+                                <m:t>𝑀𝑎𝑠𝑠</m:t>
+                              </m:r>
+                            </m:e>
+                            <m:sub>
+                              <m:r>
+                                <a:rPr lang="en-CA" b="0" i="1" smtClean="0">
+                                  <a:latin typeface="Cambria Math" panose="02040503050406030204" pitchFamily="18" charset="0"/>
+                                </a:rPr>
+                                <m:t>𝑙𝑖𝑛𝑘</m:t>
+                              </m:r>
+                            </m:sub>
+                          </m:sSub>
+                        </m:num>
+                        <m:den>
+                          <m:r>
+                            <a:rPr lang="en-CA" i="1">
+                              <a:latin typeface="Cambria Math" panose="02040503050406030204" pitchFamily="18" charset="0"/>
+                            </a:rPr>
+                            <m:t>12</m:t>
+                          </m:r>
+                        </m:den>
+                      </m:f>
+                      <m:r>
+                        <a:rPr lang="en-CA" i="1">
+                          <a:latin typeface="Cambria Math" panose="02040503050406030204" pitchFamily="18" charset="0"/>
+                        </a:rPr>
+                        <m:t>×</m:t>
+                      </m:r>
+                      <m:d>
+                        <m:dPr>
+                          <m:ctrlPr>
+                            <a:rPr lang="en-CA" i="1">
+                              <a:latin typeface="Cambria Math" panose="02040503050406030204" pitchFamily="18" charset="0"/>
+                            </a:rPr>
+                          </m:ctrlPr>
+                        </m:dPr>
+                        <m:e>
+                          <m:r>
+                            <a:rPr lang="en-CA" i="1">
+                              <a:latin typeface="Cambria Math" panose="02040503050406030204" pitchFamily="18" charset="0"/>
+                            </a:rPr>
+                            <m:t>3</m:t>
+                          </m:r>
+                          <m:d>
+                            <m:dPr>
+                              <m:ctrlPr>
+                                <a:rPr lang="en-CA" i="1">
+                                  <a:latin typeface="Cambria Math" panose="02040503050406030204" pitchFamily="18" charset="0"/>
+                                </a:rPr>
+                              </m:ctrlPr>
+                            </m:dPr>
+                            <m:e>
+                              <m:sSup>
+                                <m:sSupPr>
+                                  <m:ctrlPr>
+                                    <a:rPr lang="en-CA" i="1">
+                                      <a:latin typeface="Cambria Math" panose="02040503050406030204" pitchFamily="18" charset="0"/>
+                                    </a:rPr>
+                                  </m:ctrlPr>
+                                </m:sSupPr>
+                                <m:e>
+                                  <m:sSub>
+                                    <m:sSubPr>
+                                      <m:ctrlPr>
+                                        <a:rPr lang="en-CA" i="1">
+                                          <a:latin typeface="Cambria Math" panose="02040503050406030204" pitchFamily="18" charset="0"/>
+                                        </a:rPr>
+                                      </m:ctrlPr>
+                                    </m:sSubPr>
+                                    <m:e>
+                                      <m:r>
+                                        <a:rPr lang="en-CA" i="1">
+                                          <a:latin typeface="Cambria Math" panose="02040503050406030204" pitchFamily="18" charset="0"/>
+                                        </a:rPr>
+                                        <m:t>𝑟</m:t>
+                                      </m:r>
+                                    </m:e>
+                                    <m:sub>
+                                      <m:r>
+                                        <a:rPr lang="en-CA" i="1">
+                                          <a:latin typeface="Cambria Math" panose="02040503050406030204" pitchFamily="18" charset="0"/>
+                                        </a:rPr>
+                                        <m:t>2</m:t>
+                                      </m:r>
+                                    </m:sub>
+                                  </m:sSub>
+                                </m:e>
+                                <m:sup>
+                                  <m:r>
+                                    <a:rPr lang="en-CA" i="1">
+                                      <a:latin typeface="Cambria Math" panose="02040503050406030204" pitchFamily="18" charset="0"/>
+                                    </a:rPr>
+                                    <m:t>2</m:t>
+                                  </m:r>
+                                </m:sup>
+                              </m:sSup>
+                              <m:r>
+                                <a:rPr lang="en-CA" i="1">
+                                  <a:latin typeface="Cambria Math" panose="02040503050406030204" pitchFamily="18" charset="0"/>
+                                </a:rPr>
+                                <m:t>+</m:t>
+                              </m:r>
+                              <m:sSup>
+                                <m:sSupPr>
+                                  <m:ctrlPr>
+                                    <a:rPr lang="en-CA" i="1">
+                                      <a:latin typeface="Cambria Math" panose="02040503050406030204" pitchFamily="18" charset="0"/>
+                                    </a:rPr>
+                                  </m:ctrlPr>
+                                </m:sSupPr>
+                                <m:e>
+                                  <m:sSub>
+                                    <m:sSubPr>
+                                      <m:ctrlPr>
+                                        <a:rPr lang="en-CA" i="1">
+                                          <a:latin typeface="Cambria Math" panose="02040503050406030204" pitchFamily="18" charset="0"/>
+                                        </a:rPr>
+                                      </m:ctrlPr>
+                                    </m:sSubPr>
+                                    <m:e>
+                                      <m:r>
+                                        <a:rPr lang="en-CA" i="1">
+                                          <a:latin typeface="Cambria Math" panose="02040503050406030204" pitchFamily="18" charset="0"/>
+                                        </a:rPr>
+                                        <m:t>𝑟</m:t>
+                                      </m:r>
+                                    </m:e>
+                                    <m:sub>
+                                      <m:r>
+                                        <a:rPr lang="en-CA" i="1">
+                                          <a:latin typeface="Cambria Math" panose="02040503050406030204" pitchFamily="18" charset="0"/>
+                                        </a:rPr>
+                                        <m:t>1</m:t>
+                                      </m:r>
+                                    </m:sub>
+                                  </m:sSub>
+                                </m:e>
+                                <m:sup>
+                                  <m:r>
+                                    <a:rPr lang="en-CA" i="1">
+                                      <a:latin typeface="Cambria Math" panose="02040503050406030204" pitchFamily="18" charset="0"/>
+                                    </a:rPr>
+                                    <m:t>2</m:t>
+                                  </m:r>
+                                </m:sup>
+                              </m:sSup>
+                            </m:e>
+                          </m:d>
+                          <m:r>
+                            <a:rPr lang="en-CA" i="1">
+                              <a:latin typeface="Cambria Math" panose="02040503050406030204" pitchFamily="18" charset="0"/>
+                            </a:rPr>
+                            <m:t>+</m:t>
+                          </m:r>
+                          <m:sSup>
+                            <m:sSupPr>
+                              <m:ctrlPr>
+                                <a:rPr lang="en-CA" i="1">
+                                  <a:latin typeface="Cambria Math" panose="02040503050406030204" pitchFamily="18" charset="0"/>
+                                </a:rPr>
+                              </m:ctrlPr>
+                            </m:sSupPr>
+                            <m:e>
+                              <m:sSub>
+                                <m:sSubPr>
+                                  <m:ctrlPr>
+                                    <a:rPr lang="en-CA" i="1">
+                                      <a:latin typeface="Cambria Math" panose="02040503050406030204" pitchFamily="18" charset="0"/>
+                                    </a:rPr>
+                                  </m:ctrlPr>
+                                </m:sSubPr>
+                                <m:e>
+                                  <m:r>
+                                    <a:rPr lang="en-CA" i="1">
+                                      <a:latin typeface="Cambria Math" panose="02040503050406030204" pitchFamily="18" charset="0"/>
+                                    </a:rPr>
+                                    <m:t>h</m:t>
+                                  </m:r>
+                                </m:e>
+                                <m:sub>
+                                  <m:r>
+                                    <a:rPr lang="en-CA" i="1">
+                                      <a:latin typeface="Cambria Math" panose="02040503050406030204" pitchFamily="18" charset="0"/>
+                                    </a:rPr>
+                                    <m:t>𝐿𝑖𝑛𝑘</m:t>
+                                  </m:r>
+                                </m:sub>
+                              </m:sSub>
+                            </m:e>
+                            <m:sup>
+                              <m:r>
+                                <a:rPr lang="en-CA" i="1">
+                                  <a:latin typeface="Cambria Math" panose="02040503050406030204" pitchFamily="18" charset="0"/>
+                                </a:rPr>
+                                <m:t>2</m:t>
+                              </m:r>
+                            </m:sup>
+                          </m:sSup>
+                        </m:e>
+                      </m:d>
+                    </m:oMath>
+                  </m:oMathPara>
+                </a14:m>
+                <a:endParaRPr lang="en-CA" dirty="0"/>
+              </a:p>
+            </p:txBody>
+          </p:sp>
+        </mc:Choice>
+        <mc:Fallback>
+          <p:sp>
+            <p:nvSpPr>
+              <p:cNvPr id="148" name="Rectangle 147">
+                <a:extLst>
+                  <a:ext uri="{FF2B5EF4-FFF2-40B4-BE49-F238E27FC236}">
+                    <a16:creationId xmlns:a16="http://schemas.microsoft.com/office/drawing/2014/main" id="{229E3D2A-DEB3-4495-9797-07532615910F}"/>
+                  </a:ext>
+                </a:extLst>
+              </p:cNvPr>
+              <p:cNvSpPr>
+                <a:spLocks noRot="1" noChangeAspect="1" noMove="1" noResize="1" noEditPoints="1" noAdjustHandles="1" noChangeArrowheads="1" noChangeShapeType="1" noTextEdit="1"/>
+              </p:cNvSpPr>
+              <p:nvPr/>
+            </p:nvSpPr>
+            <p:spPr>
+              <a:xfrm>
+                <a:off x="2209260" y="5392055"/>
+                <a:ext cx="4403257" cy="609077"/>
+              </a:xfrm>
+              <a:prstGeom prst="rect">
+                <a:avLst/>
+              </a:prstGeom>
+              <a:blipFill>
+                <a:blip r:embed="rId15"/>
+                <a:stretch>
+                  <a:fillRect/>
+                </a:stretch>
+              </a:blipFill>
+            </p:spPr>
+            <p:txBody>
+              <a:bodyPr/>
+              <a:lstStyle/>
+              <a:p>
+                <a:r>
+                  <a:rPr lang="en-CA">
+                    <a:noFill/>
+                  </a:rPr>
+                  <a:t> </a:t>
+                </a:r>
+              </a:p>
+            </p:txBody>
+          </p:sp>
+        </mc:Fallback>
+      </mc:AlternateContent>
+      <p:cxnSp>
+        <p:nvCxnSpPr>
+          <p:cNvPr id="156" name="Straight Arrow Connector 155">
+            <a:extLst>
+              <a:ext uri="{FF2B5EF4-FFF2-40B4-BE49-F238E27FC236}">
+                <a16:creationId xmlns:a16="http://schemas.microsoft.com/office/drawing/2014/main" id="{15FB904A-AA30-438A-A5CC-C5EE742F58D5}"/>
+              </a:ext>
+            </a:extLst>
+          </p:cNvPr>
+          <p:cNvCxnSpPr>
+            <a:cxnSpLocks/>
+          </p:cNvCxnSpPr>
+          <p:nvPr/>
+        </p:nvCxnSpPr>
+        <p:spPr>
+          <a:xfrm>
+            <a:off x="3688859" y="1937972"/>
+            <a:ext cx="374873" cy="102755"/>
+          </a:xfrm>
+          <a:prstGeom prst="straightConnector1">
+            <a:avLst/>
+          </a:prstGeom>
+          <a:ln>
+            <a:solidFill>
+              <a:srgbClr val="00B0F0"/>
+            </a:solidFill>
+            <a:headEnd type="triangle"/>
+            <a:tailEnd type="triangle"/>
+          </a:ln>
+        </p:spPr>
+        <p:style>
+          <a:lnRef idx="1">
+            <a:schemeClr val="accent1"/>
+          </a:lnRef>
+          <a:fillRef idx="0">
+            <a:schemeClr val="accent1"/>
+          </a:fillRef>
+          <a:effectRef idx="0">
+            <a:schemeClr val="accent1"/>
+          </a:effectRef>
+          <a:fontRef idx="minor">
+            <a:schemeClr val="tx1"/>
+          </a:fontRef>
+        </p:style>
+      </p:cxnSp>
+      <mc:AlternateContent xmlns:mc="http://schemas.openxmlformats.org/markup-compatibility/2006">
+        <mc:Choice xmlns:a14="http://schemas.microsoft.com/office/drawing/2010/main" Requires="a14">
+          <p:sp>
+            <p:nvSpPr>
+              <p:cNvPr id="164" name="Rectangle 163">
+                <a:extLst>
+                  <a:ext uri="{FF2B5EF4-FFF2-40B4-BE49-F238E27FC236}">
+                    <a16:creationId xmlns:a16="http://schemas.microsoft.com/office/drawing/2014/main" id="{47D6C6B8-CA75-44DB-B2AC-A9FF69C77407}"/>
+                  </a:ext>
+                </a:extLst>
+              </p:cNvPr>
+              <p:cNvSpPr/>
+              <p:nvPr/>
+            </p:nvSpPr>
+            <p:spPr>
+              <a:xfrm rot="747379">
+                <a:off x="3780806" y="1674765"/>
+                <a:ext cx="317010" cy="369332"/>
+              </a:xfrm>
+              <a:prstGeom prst="rect">
+                <a:avLst/>
+              </a:prstGeom>
+            </p:spPr>
+            <p:txBody>
+              <a:bodyPr wrap="none">
+                <a:spAutoFit/>
+              </a:bodyPr>
+              <a:lstStyle/>
+              <a:p>
+                <a14:m>
+                  <m:oMathPara xmlns:m="http://schemas.openxmlformats.org/officeDocument/2006/math">
+                    <m:oMathParaPr>
+                      <m:jc m:val="centerGroup"/>
+                    </m:oMathParaPr>
+                    <m:oMath xmlns:m="http://schemas.openxmlformats.org/officeDocument/2006/math">
+                      <m:r>
+                        <a:rPr lang="en-CA" b="0" i="1" smtClean="0">
+                          <a:latin typeface="Cambria Math" panose="02040503050406030204" pitchFamily="18" charset="0"/>
+                        </a:rPr>
+                        <m:t>𝑙</m:t>
+                      </m:r>
+                    </m:oMath>
+                  </m:oMathPara>
+                </a14:m>
+                <a:endParaRPr lang="en-CA" dirty="0"/>
+              </a:p>
+            </p:txBody>
+          </p:sp>
+        </mc:Choice>
+        <mc:Fallback>
+          <p:sp>
+            <p:nvSpPr>
+              <p:cNvPr id="164" name="Rectangle 163">
+                <a:extLst>
+                  <a:ext uri="{FF2B5EF4-FFF2-40B4-BE49-F238E27FC236}">
+                    <a16:creationId xmlns:a16="http://schemas.microsoft.com/office/drawing/2014/main" id="{47D6C6B8-CA75-44DB-B2AC-A9FF69C77407}"/>
+                  </a:ext>
+                </a:extLst>
+              </p:cNvPr>
+              <p:cNvSpPr>
+                <a:spLocks noRot="1" noChangeAspect="1" noMove="1" noResize="1" noEditPoints="1" noAdjustHandles="1" noChangeArrowheads="1" noChangeShapeType="1" noTextEdit="1"/>
+              </p:cNvSpPr>
+              <p:nvPr/>
+            </p:nvSpPr>
+            <p:spPr>
+              <a:xfrm rot="747379">
+                <a:off x="3780806" y="1674765"/>
+                <a:ext cx="317010" cy="369332"/>
+              </a:xfrm>
+              <a:prstGeom prst="rect">
+                <a:avLst/>
+              </a:prstGeom>
+              <a:blipFill>
+                <a:blip r:embed="rId16"/>
+                <a:stretch>
+                  <a:fillRect/>
+                </a:stretch>
+              </a:blipFill>
+            </p:spPr>
+            <p:txBody>
+              <a:bodyPr/>
+              <a:lstStyle/>
+              <a:p>
+                <a:r>
+                  <a:rPr lang="en-CA">
+                    <a:noFill/>
+                  </a:rPr>
+                  <a:t> </a:t>
+                </a:r>
+              </a:p>
+            </p:txBody>
+          </p:sp>
+        </mc:Fallback>
+      </mc:AlternateContent>
+      <p:cxnSp>
+        <p:nvCxnSpPr>
+          <p:cNvPr id="166" name="Connector: Elbow 165">
+            <a:extLst>
+              <a:ext uri="{FF2B5EF4-FFF2-40B4-BE49-F238E27FC236}">
+                <a16:creationId xmlns:a16="http://schemas.microsoft.com/office/drawing/2014/main" id="{FC8754D0-2E26-4C9C-845C-95B2968D92C1}"/>
+              </a:ext>
+            </a:extLst>
+          </p:cNvPr>
+          <p:cNvCxnSpPr>
+            <a:cxnSpLocks/>
+          </p:cNvCxnSpPr>
+          <p:nvPr/>
+        </p:nvCxnSpPr>
+        <p:spPr>
+          <a:xfrm flipV="1">
+            <a:off x="1212634" y="4179511"/>
+            <a:ext cx="1606039" cy="723395"/>
+          </a:xfrm>
+          <a:prstGeom prst="bentConnector3">
+            <a:avLst>
+              <a:gd name="adj1" fmla="val 50000"/>
+            </a:avLst>
+          </a:prstGeom>
+          <a:ln w="19050">
+            <a:tailEnd type="triangle"/>
+          </a:ln>
+        </p:spPr>
+        <p:style>
+          <a:lnRef idx="1">
+            <a:schemeClr val="accent1"/>
+          </a:lnRef>
+          <a:fillRef idx="0">
+            <a:schemeClr val="accent1"/>
+          </a:fillRef>
+          <a:effectRef idx="0">
+            <a:schemeClr val="accent1"/>
+          </a:effectRef>
+          <a:fontRef idx="minor">
+            <a:schemeClr val="tx1"/>
+          </a:fontRef>
+        </p:style>
+      </p:cxnSp>
+      <mc:AlternateContent xmlns:mc="http://schemas.openxmlformats.org/markup-compatibility/2006">
+        <mc:Choice xmlns:a14="http://schemas.microsoft.com/office/drawing/2010/main" Requires="a14">
+          <p:sp>
+            <p:nvSpPr>
+              <p:cNvPr id="167" name="TextBox 166">
+                <a:extLst>
+                  <a:ext uri="{FF2B5EF4-FFF2-40B4-BE49-F238E27FC236}">
+                    <a16:creationId xmlns:a16="http://schemas.microsoft.com/office/drawing/2014/main" id="{D98E52AD-A689-4434-B48C-5237EDECD3C8}"/>
+                  </a:ext>
+                </a:extLst>
+              </p:cNvPr>
+              <p:cNvSpPr txBox="1"/>
+              <p:nvPr/>
+            </p:nvSpPr>
+            <p:spPr>
+              <a:xfrm>
+                <a:off x="765220" y="4771682"/>
+                <a:ext cx="650695" cy="369332"/>
+              </a:xfrm>
+              <a:prstGeom prst="rect">
+                <a:avLst/>
+              </a:prstGeom>
+            </p:spPr>
+            <p:style>
+              <a:lnRef idx="2">
+                <a:schemeClr val="accent1">
+                  <a:shade val="50000"/>
+                </a:schemeClr>
+              </a:lnRef>
+              <a:fillRef idx="1">
+                <a:schemeClr val="accent1"/>
+              </a:fillRef>
+              <a:effectRef idx="0">
+                <a:schemeClr val="accent1"/>
+              </a:effectRef>
+              <a:fontRef idx="minor">
+                <a:schemeClr val="lt1"/>
+              </a:fontRef>
+            </p:style>
+            <p:txBody>
+              <a:bodyPr wrap="square" rtlCol="0">
+                <a:spAutoFit/>
+              </a:bodyPr>
+              <a:lstStyle>
+                <a:defPPr>
+                  <a:defRPr lang="en-US"/>
+                </a:defPPr>
+                <a:lvl1pPr>
+                  <a:defRPr b="0" i="1">
+                    <a:solidFill>
+                      <a:schemeClr val="lt1"/>
+                    </a:solidFill>
+                    <a:latin typeface="Cambria Math" panose="02040503050406030204" pitchFamily="18" charset="0"/>
+                  </a:defRPr>
+                </a:lvl1pPr>
+                <a:lvl2pPr>
+                  <a:defRPr>
+                    <a:solidFill>
+                      <a:schemeClr val="lt1"/>
+                    </a:solidFill>
+                  </a:defRPr>
+                </a:lvl2pPr>
+                <a:lvl3pPr>
+                  <a:defRPr>
+                    <a:solidFill>
+                      <a:schemeClr val="lt1"/>
+                    </a:solidFill>
+                  </a:defRPr>
+                </a:lvl3pPr>
+                <a:lvl4pPr>
+                  <a:defRPr>
+                    <a:solidFill>
+                      <a:schemeClr val="lt1"/>
+                    </a:solidFill>
+                  </a:defRPr>
+                </a:lvl4pPr>
+                <a:lvl5pPr>
+                  <a:defRPr>
+                    <a:solidFill>
+                      <a:schemeClr val="lt1"/>
+                    </a:solidFill>
+                  </a:defRPr>
+                </a:lvl5pPr>
+                <a:lvl6pPr>
+                  <a:defRPr>
+                    <a:solidFill>
+                      <a:schemeClr val="lt1"/>
+                    </a:solidFill>
+                  </a:defRPr>
+                </a:lvl6pPr>
+                <a:lvl7pPr>
+                  <a:defRPr>
+                    <a:solidFill>
+                      <a:schemeClr val="lt1"/>
+                    </a:solidFill>
+                  </a:defRPr>
+                </a:lvl7pPr>
+                <a:lvl8pPr>
+                  <a:defRPr>
+                    <a:solidFill>
+                      <a:schemeClr val="lt1"/>
+                    </a:solidFill>
+                  </a:defRPr>
+                </a:lvl8pPr>
+                <a:lvl9pPr>
+                  <a:defRPr>
+                    <a:solidFill>
+                      <a:schemeClr val="lt1"/>
+                    </a:solidFill>
+                  </a:defRPr>
+                </a:lvl9pPr>
+              </a:lstStyle>
+              <a:p>
+                <a14:m>
+                  <m:oMathPara xmlns:m="http://schemas.openxmlformats.org/officeDocument/2006/math">
+                    <m:oMathParaPr>
+                      <m:jc m:val="centerGroup"/>
+                    </m:oMathParaPr>
+                    <m:oMath xmlns:m="http://schemas.openxmlformats.org/officeDocument/2006/math">
+                      <m:sSub>
+                        <m:sSubPr>
+                          <m:ctrlPr>
+                            <a:rPr lang="en-CA" smtClean="0"/>
+                          </m:ctrlPr>
+                        </m:sSubPr>
+                        <m:e>
+                          <m:r>
+                            <a:rPr lang="en-CA" b="0" i="1" smtClean="0">
+                              <a:latin typeface="Cambria Math" panose="02040503050406030204" pitchFamily="18" charset="0"/>
+                            </a:rPr>
+                            <m:t>𝑞</m:t>
+                          </m:r>
+                        </m:e>
+                        <m:sub>
+                          <m:r>
+                            <a:rPr lang="en-CA" b="0" i="1" smtClean="0">
+                              <a:latin typeface="Cambria Math" panose="02040503050406030204" pitchFamily="18" charset="0"/>
+                            </a:rPr>
+                            <m:t>0</m:t>
+                          </m:r>
+                        </m:sub>
+                      </m:sSub>
+                    </m:oMath>
+                  </m:oMathPara>
+                </a14:m>
+                <a:endParaRPr lang="en-CA" dirty="0"/>
+              </a:p>
+            </p:txBody>
+          </p:sp>
+        </mc:Choice>
+        <mc:Fallback>
+          <p:sp>
+            <p:nvSpPr>
+              <p:cNvPr id="167" name="TextBox 166">
+                <a:extLst>
+                  <a:ext uri="{FF2B5EF4-FFF2-40B4-BE49-F238E27FC236}">
+                    <a16:creationId xmlns:a16="http://schemas.microsoft.com/office/drawing/2014/main" id="{D98E52AD-A689-4434-B48C-5237EDECD3C8}"/>
+                  </a:ext>
+                </a:extLst>
+              </p:cNvPr>
+              <p:cNvSpPr txBox="1">
+                <a:spLocks noRot="1" noChangeAspect="1" noMove="1" noResize="1" noEditPoints="1" noAdjustHandles="1" noChangeArrowheads="1" noChangeShapeType="1" noTextEdit="1"/>
+              </p:cNvSpPr>
+              <p:nvPr/>
+            </p:nvSpPr>
+            <p:spPr>
+              <a:xfrm>
+                <a:off x="765220" y="4771682"/>
+                <a:ext cx="650695" cy="369332"/>
+              </a:xfrm>
+              <a:prstGeom prst="rect">
+                <a:avLst/>
+              </a:prstGeom>
+              <a:blipFill>
+                <a:blip r:embed="rId17"/>
+                <a:stretch>
+                  <a:fillRect b="-6452"/>
+                </a:stretch>
+              </a:blipFill>
+            </p:spPr>
+            <p:txBody>
+              <a:bodyPr/>
+              <a:lstStyle/>
+              <a:p>
+                <a:r>
+                  <a:rPr lang="en-CA">
+                    <a:noFill/>
+                  </a:rPr>
+                  <a:t> </a:t>
+                </a:r>
+              </a:p>
+            </p:txBody>
+          </p:sp>
+        </mc:Fallback>
+      </mc:AlternateContent>
+      <p:cxnSp>
+        <p:nvCxnSpPr>
+          <p:cNvPr id="170" name="Connector: Elbow 169">
+            <a:extLst>
+              <a:ext uri="{FF2B5EF4-FFF2-40B4-BE49-F238E27FC236}">
+                <a16:creationId xmlns:a16="http://schemas.microsoft.com/office/drawing/2014/main" id="{F58C4C72-096D-4EEA-9B41-7C31E9E4FA9D}"/>
+              </a:ext>
+            </a:extLst>
+          </p:cNvPr>
+          <p:cNvCxnSpPr>
+            <a:cxnSpLocks/>
+            <a:stCxn id="171" idx="1"/>
+          </p:cNvCxnSpPr>
+          <p:nvPr/>
+        </p:nvCxnSpPr>
+        <p:spPr>
+          <a:xfrm rot="10800000" flipV="1">
+            <a:off x="5214709" y="2053548"/>
+            <a:ext cx="803859" cy="115758"/>
+          </a:xfrm>
+          <a:prstGeom prst="bentConnector3">
+            <a:avLst>
+              <a:gd name="adj1" fmla="val 50000"/>
+            </a:avLst>
+          </a:prstGeom>
+          <a:ln w="19050">
+            <a:tailEnd type="triangle"/>
+          </a:ln>
+        </p:spPr>
+        <p:style>
+          <a:lnRef idx="1">
+            <a:schemeClr val="accent1"/>
+          </a:lnRef>
+          <a:fillRef idx="0">
+            <a:schemeClr val="accent1"/>
+          </a:fillRef>
+          <a:effectRef idx="0">
+            <a:schemeClr val="accent1"/>
+          </a:effectRef>
+          <a:fontRef idx="minor">
+            <a:schemeClr val="tx1"/>
+          </a:fontRef>
+        </p:style>
+      </p:cxnSp>
+      <mc:AlternateContent xmlns:mc="http://schemas.openxmlformats.org/markup-compatibility/2006">
+        <mc:Choice xmlns:a14="http://schemas.microsoft.com/office/drawing/2010/main" Requires="a14">
+          <p:sp>
+            <p:nvSpPr>
+              <p:cNvPr id="171" name="TextBox 170">
+                <a:extLst>
+                  <a:ext uri="{FF2B5EF4-FFF2-40B4-BE49-F238E27FC236}">
+                    <a16:creationId xmlns:a16="http://schemas.microsoft.com/office/drawing/2014/main" id="{F18CBC15-CEAA-409F-9D90-8F46AC807BFC}"/>
+                  </a:ext>
+                </a:extLst>
+              </p:cNvPr>
+              <p:cNvSpPr txBox="1"/>
+              <p:nvPr/>
+            </p:nvSpPr>
+            <p:spPr>
+              <a:xfrm>
+                <a:off x="6018567" y="1868882"/>
+                <a:ext cx="650695" cy="369332"/>
+              </a:xfrm>
+              <a:prstGeom prst="rect">
+                <a:avLst/>
+              </a:prstGeom>
+            </p:spPr>
+            <p:style>
+              <a:lnRef idx="2">
+                <a:schemeClr val="accent1">
+                  <a:shade val="50000"/>
+                </a:schemeClr>
+              </a:lnRef>
+              <a:fillRef idx="1">
+                <a:schemeClr val="accent1"/>
+              </a:fillRef>
+              <a:effectRef idx="0">
+                <a:schemeClr val="accent1"/>
+              </a:effectRef>
+              <a:fontRef idx="minor">
+                <a:schemeClr val="lt1"/>
+              </a:fontRef>
+            </p:style>
+            <p:txBody>
+              <a:bodyPr wrap="square" rtlCol="0">
+                <a:spAutoFit/>
+              </a:bodyPr>
+              <a:lstStyle>
+                <a:defPPr>
+                  <a:defRPr lang="en-US"/>
+                </a:defPPr>
+                <a:lvl1pPr>
+                  <a:defRPr b="0" i="1">
+                    <a:solidFill>
+                      <a:schemeClr val="lt1"/>
+                    </a:solidFill>
+                    <a:latin typeface="Cambria Math" panose="02040503050406030204" pitchFamily="18" charset="0"/>
+                  </a:defRPr>
+                </a:lvl1pPr>
+                <a:lvl2pPr>
+                  <a:defRPr>
+                    <a:solidFill>
+                      <a:schemeClr val="lt1"/>
+                    </a:solidFill>
+                  </a:defRPr>
+                </a:lvl2pPr>
+                <a:lvl3pPr>
+                  <a:defRPr>
+                    <a:solidFill>
+                      <a:schemeClr val="lt1"/>
+                    </a:solidFill>
+                  </a:defRPr>
+                </a:lvl3pPr>
+                <a:lvl4pPr>
+                  <a:defRPr>
+                    <a:solidFill>
+                      <a:schemeClr val="lt1"/>
+                    </a:solidFill>
+                  </a:defRPr>
+                </a:lvl4pPr>
+                <a:lvl5pPr>
+                  <a:defRPr>
+                    <a:solidFill>
+                      <a:schemeClr val="lt1"/>
+                    </a:solidFill>
+                  </a:defRPr>
+                </a:lvl5pPr>
+                <a:lvl6pPr>
+                  <a:defRPr>
+                    <a:solidFill>
+                      <a:schemeClr val="lt1"/>
+                    </a:solidFill>
+                  </a:defRPr>
+                </a:lvl6pPr>
+                <a:lvl7pPr>
+                  <a:defRPr>
+                    <a:solidFill>
+                      <a:schemeClr val="lt1"/>
+                    </a:solidFill>
+                  </a:defRPr>
+                </a:lvl7pPr>
+                <a:lvl8pPr>
+                  <a:defRPr>
+                    <a:solidFill>
+                      <a:schemeClr val="lt1"/>
+                    </a:solidFill>
+                  </a:defRPr>
+                </a:lvl8pPr>
+                <a:lvl9pPr>
+                  <a:defRPr>
+                    <a:solidFill>
+                      <a:schemeClr val="lt1"/>
+                    </a:solidFill>
+                  </a:defRPr>
+                </a:lvl9pPr>
+              </a:lstStyle>
+              <a:p>
+                <a14:m>
+                  <m:oMathPara xmlns:m="http://schemas.openxmlformats.org/officeDocument/2006/math">
+                    <m:oMathParaPr>
+                      <m:jc m:val="centerGroup"/>
+                    </m:oMathParaPr>
+                    <m:oMath xmlns:m="http://schemas.openxmlformats.org/officeDocument/2006/math">
+                      <m:sSub>
+                        <m:sSubPr>
+                          <m:ctrlPr>
+                            <a:rPr lang="en-CA" smtClean="0"/>
+                          </m:ctrlPr>
+                        </m:sSubPr>
+                        <m:e>
+                          <m:r>
+                            <a:rPr lang="en-CA" b="0" i="1" smtClean="0">
+                              <a:latin typeface="Cambria Math" panose="02040503050406030204" pitchFamily="18" charset="0"/>
+                            </a:rPr>
+                            <m:t>𝑞</m:t>
+                          </m:r>
+                        </m:e>
+                        <m:sub>
+                          <m:r>
+                            <a:rPr lang="en-CA" b="0" i="1" smtClean="0">
+                              <a:latin typeface="Cambria Math" panose="02040503050406030204" pitchFamily="18" charset="0"/>
+                            </a:rPr>
+                            <m:t>1</m:t>
+                          </m:r>
+                        </m:sub>
+                      </m:sSub>
+                    </m:oMath>
+                  </m:oMathPara>
+                </a14:m>
+                <a:endParaRPr lang="en-CA" dirty="0"/>
+              </a:p>
+            </p:txBody>
+          </p:sp>
+        </mc:Choice>
+        <mc:Fallback>
+          <p:sp>
+            <p:nvSpPr>
+              <p:cNvPr id="171" name="TextBox 170">
+                <a:extLst>
+                  <a:ext uri="{FF2B5EF4-FFF2-40B4-BE49-F238E27FC236}">
+                    <a16:creationId xmlns:a16="http://schemas.microsoft.com/office/drawing/2014/main" id="{F18CBC15-CEAA-409F-9D90-8F46AC807BFC}"/>
+                  </a:ext>
+                </a:extLst>
+              </p:cNvPr>
+              <p:cNvSpPr txBox="1">
+                <a:spLocks noRot="1" noChangeAspect="1" noMove="1" noResize="1" noEditPoints="1" noAdjustHandles="1" noChangeArrowheads="1" noChangeShapeType="1" noTextEdit="1"/>
+              </p:cNvSpPr>
+              <p:nvPr/>
+            </p:nvSpPr>
+            <p:spPr>
+              <a:xfrm>
+                <a:off x="6018567" y="1868882"/>
+                <a:ext cx="650695" cy="369332"/>
+              </a:xfrm>
+              <a:prstGeom prst="rect">
+                <a:avLst/>
+              </a:prstGeom>
+              <a:blipFill>
+                <a:blip r:embed="rId18"/>
+                <a:stretch>
+                  <a:fillRect b="-6452"/>
+                </a:stretch>
+              </a:blipFill>
+            </p:spPr>
+            <p:txBody>
+              <a:bodyPr/>
+              <a:lstStyle/>
+              <a:p>
+                <a:r>
+                  <a:rPr lang="en-CA">
+                    <a:noFill/>
+                  </a:rPr>
+                  <a:t> </a:t>
+                </a:r>
+              </a:p>
+            </p:txBody>
+          </p:sp>
+        </mc:Fallback>
+      </mc:AlternateContent>
+      <p:grpSp>
+        <p:nvGrpSpPr>
+          <p:cNvPr id="218" name="Group 217">
+            <a:extLst>
+              <a:ext uri="{FF2B5EF4-FFF2-40B4-BE49-F238E27FC236}">
+                <a16:creationId xmlns:a16="http://schemas.microsoft.com/office/drawing/2014/main" id="{D0FE371A-2800-454A-96BA-7DE6D5B7AB7A}"/>
+              </a:ext>
+            </a:extLst>
+          </p:cNvPr>
+          <p:cNvGrpSpPr/>
+          <p:nvPr/>
+        </p:nvGrpSpPr>
+        <p:grpSpPr>
+          <a:xfrm>
+            <a:off x="6229651" y="2240709"/>
+            <a:ext cx="5987915" cy="2315822"/>
+            <a:chOff x="5288164" y="4029174"/>
+            <a:chExt cx="6758499" cy="2503765"/>
+          </a:xfrm>
+        </p:grpSpPr>
+        <mc:AlternateContent xmlns:mc="http://schemas.openxmlformats.org/markup-compatibility/2006">
+          <mc:Choice xmlns:a14="http://schemas.microsoft.com/office/drawing/2010/main" Requires="a14">
+            <p:sp>
+              <p:nvSpPr>
+                <p:cNvPr id="186" name="Rectangle 185">
+                  <a:extLst>
+                    <a:ext uri="{FF2B5EF4-FFF2-40B4-BE49-F238E27FC236}">
+                      <a16:creationId xmlns:a16="http://schemas.microsoft.com/office/drawing/2014/main" id="{1335B970-8104-4F1A-89CD-AA9D0C160A73}"/>
+                    </a:ext>
+                  </a:extLst>
+                </p:cNvPr>
+                <p:cNvSpPr/>
+                <p:nvPr/>
+              </p:nvSpPr>
+              <p:spPr>
+                <a:xfrm>
+                  <a:off x="8077419" y="4029174"/>
+                  <a:ext cx="311430" cy="646331"/>
+                </a:xfrm>
+                <a:prstGeom prst="rect">
+                  <a:avLst/>
+                </a:prstGeom>
+              </p:spPr>
+              <p:txBody>
+                <a:bodyPr wrap="square">
+                  <a:spAutoFit/>
+                </a:bodyPr>
+                <a:lstStyle/>
+                <a:p>
+                  <a14:m>
+                    <m:oMathPara xmlns:m="http://schemas.openxmlformats.org/officeDocument/2006/math">
+                      <m:oMathParaPr>
+                        <m:jc m:val="centerGroup"/>
+                      </m:oMathParaPr>
+                      <m:oMath xmlns:m="http://schemas.openxmlformats.org/officeDocument/2006/math">
+                        <m:sSub>
+                          <m:sSubPr>
+                            <m:ctrlPr>
+                              <a:rPr lang="en-CA" i="1">
+                                <a:latin typeface="Cambria Math" panose="02040503050406030204" pitchFamily="18" charset="0"/>
+                              </a:rPr>
+                            </m:ctrlPr>
+                          </m:sSubPr>
+                          <m:e>
+                            <m:r>
+                              <a:rPr lang="en-CA" i="1">
+                                <a:latin typeface="Cambria Math" panose="02040503050406030204" pitchFamily="18" charset="0"/>
+                              </a:rPr>
+                              <m:t>h</m:t>
+                            </m:r>
+                          </m:e>
+                          <m:sub>
+                            <m:r>
+                              <a:rPr lang="en-CA" i="1">
+                                <a:latin typeface="Cambria Math" panose="02040503050406030204" pitchFamily="18" charset="0"/>
+                              </a:rPr>
+                              <m:t>𝑚𝑜𝑡𝑜𝑟</m:t>
+                            </m:r>
+                          </m:sub>
+                        </m:sSub>
+                      </m:oMath>
+                    </m:oMathPara>
+                  </a14:m>
+                  <a:endParaRPr lang="en-CA" dirty="0"/>
+                </a:p>
+                <a:p>
+                  <a:endParaRPr lang="en-CA" dirty="0"/>
+                </a:p>
+              </p:txBody>
+            </p:sp>
+          </mc:Choice>
+          <mc:Fallback>
+            <p:sp>
+              <p:nvSpPr>
+                <p:cNvPr id="186" name="Rectangle 185">
+                  <a:extLst>
+                    <a:ext uri="{FF2B5EF4-FFF2-40B4-BE49-F238E27FC236}">
+                      <a16:creationId xmlns:a16="http://schemas.microsoft.com/office/drawing/2014/main" id="{1335B970-8104-4F1A-89CD-AA9D0C160A73}"/>
+                    </a:ext>
+                  </a:extLst>
+                </p:cNvPr>
+                <p:cNvSpPr>
+                  <a:spLocks noRot="1" noChangeAspect="1" noMove="1" noResize="1" noEditPoints="1" noAdjustHandles="1" noChangeArrowheads="1" noChangeShapeType="1" noTextEdit="1"/>
+                </p:cNvSpPr>
+                <p:nvPr/>
+              </p:nvSpPr>
+              <p:spPr>
+                <a:xfrm>
+                  <a:off x="8077419" y="4029174"/>
+                  <a:ext cx="311430" cy="646331"/>
+                </a:xfrm>
+                <a:prstGeom prst="rect">
+                  <a:avLst/>
+                </a:prstGeom>
+                <a:blipFill>
+                  <a:blip r:embed="rId19"/>
+                  <a:stretch>
+                    <a:fillRect r="-182609"/>
+                  </a:stretch>
+                </a:blipFill>
+              </p:spPr>
+              <p:txBody>
+                <a:bodyPr/>
+                <a:lstStyle/>
+                <a:p>
+                  <a:r>
+                    <a:rPr lang="en-CA">
+                      <a:noFill/>
+                    </a:rPr>
+                    <a:t> </a:t>
+                  </a:r>
+                </a:p>
+              </p:txBody>
+            </p:sp>
+          </mc:Fallback>
+        </mc:AlternateContent>
+        <p:grpSp>
+          <p:nvGrpSpPr>
+            <p:cNvPr id="216" name="Group 215">
+              <a:extLst>
+                <a:ext uri="{FF2B5EF4-FFF2-40B4-BE49-F238E27FC236}">
+                  <a16:creationId xmlns:a16="http://schemas.microsoft.com/office/drawing/2014/main" id="{E64435FE-A710-4A83-B17A-E004447CFB42}"/>
+                </a:ext>
+              </a:extLst>
+            </p:cNvPr>
+            <p:cNvGrpSpPr/>
+            <p:nvPr/>
+          </p:nvGrpSpPr>
+          <p:grpSpPr>
+            <a:xfrm>
+              <a:off x="5288164" y="4396309"/>
+              <a:ext cx="6758499" cy="2136630"/>
+              <a:chOff x="5288164" y="4396309"/>
+              <a:chExt cx="6758499" cy="2136630"/>
+            </a:xfrm>
+          </p:grpSpPr>
+          <mc:AlternateContent xmlns:mc="http://schemas.openxmlformats.org/markup-compatibility/2006">
+            <mc:Choice xmlns:a14="http://schemas.microsoft.com/office/drawing/2010/main" Requires="a14">
+              <p:sp>
+                <p:nvSpPr>
+                  <p:cNvPr id="104" name="Rectangle 103">
+                    <a:extLst>
+                      <a:ext uri="{FF2B5EF4-FFF2-40B4-BE49-F238E27FC236}">
+                        <a16:creationId xmlns:a16="http://schemas.microsoft.com/office/drawing/2014/main" id="{5358FC00-4445-4E94-AB2E-EE408D4CCA5E}"/>
+                      </a:ext>
+                    </a:extLst>
+                  </p:cNvPr>
+                  <p:cNvSpPr/>
+                  <p:nvPr/>
+                </p:nvSpPr>
+                <p:spPr>
+                  <a:xfrm>
+                    <a:off x="5471258" y="5970861"/>
+                    <a:ext cx="6575405" cy="562078"/>
+                  </a:xfrm>
+                  <a:prstGeom prst="rect">
+                    <a:avLst/>
+                  </a:prstGeom>
+                </p:spPr>
+                <p:txBody>
+                  <a:bodyPr wrap="none">
+                    <a:spAutoFit/>
+                  </a:bodyPr>
+                  <a:lstStyle/>
+                  <a:p>
+                    <a14:m>
+                      <m:oMath xmlns:m="http://schemas.openxmlformats.org/officeDocument/2006/math">
+                        <m:sSub>
+                          <m:sSubPr>
+                            <m:ctrlPr>
+                              <a:rPr lang="en-CA" i="1" smtClean="0">
+                                <a:latin typeface="Cambria Math" panose="02040503050406030204" pitchFamily="18" charset="0"/>
+                              </a:rPr>
+                            </m:ctrlPr>
+                          </m:sSubPr>
+                          <m:e>
+                            <m:r>
+                              <a:rPr lang="en-CA" i="1">
+                                <a:latin typeface="Cambria Math" panose="02040503050406030204" pitchFamily="18" charset="0"/>
+                              </a:rPr>
+                              <m:t>𝐽</m:t>
+                            </m:r>
+                          </m:e>
+                          <m:sub>
+                            <m:r>
+                              <a:rPr lang="en-CA" i="1">
+                                <a:latin typeface="Cambria Math" panose="02040503050406030204" pitchFamily="18" charset="0"/>
+                              </a:rPr>
+                              <m:t>𝑞</m:t>
+                            </m:r>
+                            <m:r>
+                              <a:rPr lang="en-CA" i="1">
+                                <a:latin typeface="Cambria Math" panose="02040503050406030204" pitchFamily="18" charset="0"/>
+                              </a:rPr>
+                              <m:t>1 </m:t>
+                            </m:r>
+                            <m:r>
+                              <a:rPr lang="en-CA" i="1">
+                                <a:latin typeface="Cambria Math" panose="02040503050406030204" pitchFamily="18" charset="0"/>
+                              </a:rPr>
+                              <m:t>𝑤𝑒𝑖𝑔h𝑡</m:t>
+                            </m:r>
+                          </m:sub>
+                        </m:sSub>
+                        <m:r>
+                          <a:rPr lang="en-CA" b="0" i="1" smtClean="0">
+                            <a:latin typeface="Cambria Math" panose="02040503050406030204" pitchFamily="18" charset="0"/>
+                          </a:rPr>
+                          <m:t>=</m:t>
+                        </m:r>
+                        <m:sSub>
+                          <m:sSubPr>
+                            <m:ctrlPr>
+                              <a:rPr lang="en-CA" i="1">
+                                <a:latin typeface="Cambria Math" panose="02040503050406030204" pitchFamily="18" charset="0"/>
+                              </a:rPr>
+                            </m:ctrlPr>
+                          </m:sSubPr>
+                          <m:e>
+                            <m:r>
+                              <a:rPr lang="en-CA" i="1">
+                                <a:latin typeface="Cambria Math" panose="02040503050406030204" pitchFamily="18" charset="0"/>
+                              </a:rPr>
+                              <m:t>𝐽</m:t>
+                            </m:r>
+                          </m:e>
+                          <m:sub>
+                            <m:r>
+                              <a:rPr lang="en-CA" i="1">
+                                <a:latin typeface="Cambria Math" panose="02040503050406030204" pitchFamily="18" charset="0"/>
+                              </a:rPr>
+                              <m:t>𝑐𝑜𝑢𝑛𝑡𝑒𝑟</m:t>
+                            </m:r>
+                            <m:r>
+                              <a:rPr lang="en-CA" i="1">
+                                <a:latin typeface="Cambria Math" panose="02040503050406030204" pitchFamily="18" charset="0"/>
+                              </a:rPr>
+                              <m:t> </m:t>
+                            </m:r>
+                            <m:r>
+                              <a:rPr lang="en-CA" i="1">
+                                <a:latin typeface="Cambria Math" panose="02040503050406030204" pitchFamily="18" charset="0"/>
+                              </a:rPr>
+                              <m:t>𝑤𝑒𝑖𝑔h𝑡</m:t>
+                            </m:r>
+                          </m:sub>
+                        </m:sSub>
+                        <m:r>
+                          <a:rPr lang="en-CA" i="1">
+                            <a:latin typeface="Cambria Math" panose="02040503050406030204" pitchFamily="18" charset="0"/>
+                          </a:rPr>
+                          <m:t>=</m:t>
+                        </m:r>
+                        <m:f>
+                          <m:fPr>
+                            <m:ctrlPr>
+                              <a:rPr lang="en-CA" i="1" dirty="0" smtClean="0">
+                                <a:latin typeface="Cambria Math" panose="02040503050406030204" pitchFamily="18" charset="0"/>
+                              </a:rPr>
+                            </m:ctrlPr>
+                          </m:fPr>
+                          <m:num>
+                            <m:r>
+                              <a:rPr lang="en-CA" b="0" i="1" dirty="0" smtClean="0">
+                                <a:latin typeface="Cambria Math" panose="02040503050406030204" pitchFamily="18" charset="0"/>
+                              </a:rPr>
+                              <m:t>1</m:t>
+                            </m:r>
+                          </m:num>
+                          <m:den>
+                            <m:r>
+                              <a:rPr lang="en-CA" b="0" i="1" dirty="0" smtClean="0">
+                                <a:latin typeface="Cambria Math" panose="02040503050406030204" pitchFamily="18" charset="0"/>
+                              </a:rPr>
+                              <m:t>3</m:t>
+                            </m:r>
+                          </m:den>
+                        </m:f>
+                        <m:f>
+                          <m:fPr>
+                            <m:ctrlPr>
+                              <a:rPr lang="en-CA" i="1" dirty="0" smtClean="0">
+                                <a:latin typeface="Cambria Math" panose="02040503050406030204" pitchFamily="18" charset="0"/>
+                              </a:rPr>
+                            </m:ctrlPr>
+                          </m:fPr>
+                          <m:num>
+                            <m:sSub>
+                              <m:sSubPr>
+                                <m:ctrlPr>
+                                  <a:rPr lang="en-CA" i="1" dirty="0" smtClean="0">
+                                    <a:latin typeface="Cambria Math" panose="02040503050406030204" pitchFamily="18" charset="0"/>
+                                  </a:rPr>
+                                </m:ctrlPr>
+                              </m:sSubPr>
+                              <m:e>
+                                <m:r>
+                                  <a:rPr lang="en-CA" b="0" i="1" dirty="0" smtClean="0">
+                                    <a:latin typeface="Cambria Math" panose="02040503050406030204" pitchFamily="18" charset="0"/>
+                                  </a:rPr>
+                                  <m:t>𝑀𝑎𝑠𝑠</m:t>
+                                </m:r>
+                              </m:e>
+                              <m:sub>
+                                <m:r>
+                                  <a:rPr lang="en-CA" b="0" i="1" dirty="0" smtClean="0">
+                                    <a:latin typeface="Cambria Math" panose="02040503050406030204" pitchFamily="18" charset="0"/>
+                                  </a:rPr>
+                                  <m:t>𝑚𝑜𝑡𝑜𝑟</m:t>
+                                </m:r>
+                              </m:sub>
+                            </m:sSub>
+                          </m:num>
+                          <m:den>
+                            <m:sSub>
+                              <m:sSubPr>
+                                <m:ctrlPr>
+                                  <a:rPr lang="en-CA" i="1">
+                                    <a:latin typeface="Cambria Math" panose="02040503050406030204" pitchFamily="18" charset="0"/>
+                                  </a:rPr>
+                                </m:ctrlPr>
+                              </m:sSubPr>
+                              <m:e>
+                                <m:r>
+                                  <a:rPr lang="en-CA" i="1">
+                                    <a:latin typeface="Cambria Math" panose="02040503050406030204" pitchFamily="18" charset="0"/>
+                                  </a:rPr>
+                                  <m:t>h</m:t>
+                                </m:r>
+                              </m:e>
+                              <m:sub>
+                                <m:r>
+                                  <a:rPr lang="en-CA" i="1">
+                                    <a:latin typeface="Cambria Math" panose="02040503050406030204" pitchFamily="18" charset="0"/>
+                                  </a:rPr>
+                                  <m:t>𝑚𝑜𝑡𝑜𝑟</m:t>
+                                </m:r>
+                              </m:sub>
+                            </m:sSub>
+                          </m:den>
+                        </m:f>
+                      </m:oMath>
+                    </a14:m>
+                    <a:r>
+                      <a:rPr lang="en-CA" dirty="0"/>
+                      <a:t>(</a:t>
+                    </a:r>
+                    <a14:m>
+                      <m:oMath xmlns:m="http://schemas.openxmlformats.org/officeDocument/2006/math">
+                        <m:sSup>
+                          <m:sSupPr>
+                            <m:ctrlPr>
+                              <a:rPr lang="en-CA" b="0" i="1" dirty="0" smtClean="0">
+                                <a:latin typeface="Cambria Math" panose="02040503050406030204" pitchFamily="18" charset="0"/>
+                              </a:rPr>
+                            </m:ctrlPr>
+                          </m:sSupPr>
+                          <m:e>
+                            <m:sSub>
+                              <m:sSubPr>
+                                <m:ctrlPr>
+                                  <a:rPr lang="en-CA" i="1">
+                                    <a:latin typeface="Cambria Math" panose="02040503050406030204" pitchFamily="18" charset="0"/>
+                                  </a:rPr>
+                                </m:ctrlPr>
+                              </m:sSubPr>
+                              <m:e>
+                                <m:r>
+                                  <a:rPr lang="en-CA" i="1">
+                                    <a:latin typeface="Cambria Math" panose="02040503050406030204" pitchFamily="18" charset="0"/>
+                                  </a:rPr>
+                                  <m:t>(</m:t>
+                                </m:r>
+                                <m:r>
+                                  <a:rPr lang="en-CA" i="1">
+                                    <a:latin typeface="Cambria Math" panose="02040503050406030204" pitchFamily="18" charset="0"/>
+                                  </a:rPr>
+                                  <m:t>h</m:t>
+                                </m:r>
+                              </m:e>
+                              <m:sub>
+                                <m:r>
+                                  <a:rPr lang="en-CA" i="1">
+                                    <a:latin typeface="Cambria Math" panose="02040503050406030204" pitchFamily="18" charset="0"/>
+                                  </a:rPr>
+                                  <m:t>𝑚𝑜𝑡𝑜𝑟</m:t>
+                                </m:r>
+                              </m:sub>
+                            </m:sSub>
+                            <m:r>
+                              <m:rPr>
+                                <m:nor/>
+                              </m:rPr>
+                              <a:rPr lang="en-CA" dirty="0"/>
+                              <m:t>+</m:t>
+                            </m:r>
+                            <m:r>
+                              <a:rPr lang="en-CA" i="1" dirty="0">
+                                <a:latin typeface="Cambria Math" panose="02040503050406030204" pitchFamily="18" charset="0"/>
+                              </a:rPr>
+                              <m:t>𝑙</m:t>
+                            </m:r>
+                            <m:r>
+                              <a:rPr lang="en-CA" i="1" dirty="0">
+                                <a:latin typeface="Cambria Math" panose="02040503050406030204" pitchFamily="18" charset="0"/>
+                              </a:rPr>
+                              <m:t>)</m:t>
+                            </m:r>
+                          </m:e>
+                          <m:sup>
+                            <m:r>
+                              <a:rPr lang="en-CA" b="0" i="1" dirty="0" smtClean="0">
+                                <a:latin typeface="Cambria Math" panose="02040503050406030204" pitchFamily="18" charset="0"/>
+                              </a:rPr>
+                              <m:t>3</m:t>
+                            </m:r>
+                          </m:sup>
+                        </m:sSup>
+                        <m:r>
+                          <a:rPr lang="en-CA" b="0" i="1" dirty="0" smtClean="0">
+                            <a:latin typeface="Cambria Math" panose="02040503050406030204" pitchFamily="18" charset="0"/>
+                          </a:rPr>
+                          <m:t>−</m:t>
+                        </m:r>
+                        <m:sSup>
+                          <m:sSupPr>
+                            <m:ctrlPr>
+                              <a:rPr lang="en-CA" b="0" i="1" dirty="0" smtClean="0">
+                                <a:latin typeface="Cambria Math" panose="02040503050406030204" pitchFamily="18" charset="0"/>
+                              </a:rPr>
+                            </m:ctrlPr>
+                          </m:sSupPr>
+                          <m:e>
+                            <m:r>
+                              <a:rPr lang="en-CA" b="0" i="1" dirty="0" smtClean="0">
+                                <a:latin typeface="Cambria Math" panose="02040503050406030204" pitchFamily="18" charset="0"/>
+                              </a:rPr>
+                              <m:t>𝑙</m:t>
+                            </m:r>
+                          </m:e>
+                          <m:sup>
+                            <m:r>
+                              <a:rPr lang="en-CA" b="0" i="1" dirty="0" smtClean="0">
+                                <a:latin typeface="Cambria Math" panose="02040503050406030204" pitchFamily="18" charset="0"/>
+                              </a:rPr>
+                              <m:t>3</m:t>
+                            </m:r>
+                          </m:sup>
+                        </m:sSup>
+                      </m:oMath>
+                    </a14:m>
+                    <a:r>
+                      <a:rPr lang="en-CA" dirty="0"/>
+                      <a:t>)</a:t>
+                    </a:r>
+                  </a:p>
+                </p:txBody>
+              </p:sp>
+            </mc:Choice>
+            <mc:Fallback>
+              <p:sp>
+                <p:nvSpPr>
+                  <p:cNvPr id="104" name="Rectangle 103">
+                    <a:extLst>
+                      <a:ext uri="{FF2B5EF4-FFF2-40B4-BE49-F238E27FC236}">
+                        <a16:creationId xmlns:a16="http://schemas.microsoft.com/office/drawing/2014/main" id="{5358FC00-4445-4E94-AB2E-EE408D4CCA5E}"/>
+                      </a:ext>
+                    </a:extLst>
+                  </p:cNvPr>
+                  <p:cNvSpPr>
+                    <a:spLocks noRot="1" noChangeAspect="1" noMove="1" noResize="1" noEditPoints="1" noAdjustHandles="1" noChangeArrowheads="1" noChangeShapeType="1" noTextEdit="1"/>
+                  </p:cNvSpPr>
+                  <p:nvPr/>
+                </p:nvSpPr>
+                <p:spPr>
+                  <a:xfrm>
+                    <a:off x="5471258" y="5970861"/>
+                    <a:ext cx="6575405" cy="562078"/>
+                  </a:xfrm>
+                  <a:prstGeom prst="rect">
+                    <a:avLst/>
+                  </a:prstGeom>
+                  <a:blipFill>
+                    <a:blip r:embed="rId20"/>
+                    <a:stretch>
+                      <a:fillRect l="-209" b="-1176"/>
+                    </a:stretch>
+                  </a:blipFill>
+                </p:spPr>
+                <p:txBody>
+                  <a:bodyPr/>
+                  <a:lstStyle/>
+                  <a:p>
+                    <a:r>
+                      <a:rPr lang="en-CA">
+                        <a:noFill/>
+                      </a:rPr>
+                      <a:t> </a:t>
+                    </a:r>
+                  </a:p>
+                </p:txBody>
+              </p:sp>
+            </mc:Fallback>
+          </mc:AlternateContent>
+          <mc:AlternateContent xmlns:mc="http://schemas.openxmlformats.org/markup-compatibility/2006">
+            <mc:Choice xmlns:am3d="http://schemas.microsoft.com/office/drawing/2017/model3d" Requires="am3d">
+              <p:graphicFrame>
+                <p:nvGraphicFramePr>
+                  <p:cNvPr id="165" name="3D Model 164">
+                    <a:extLst>
+                      <a:ext uri="{FF2B5EF4-FFF2-40B4-BE49-F238E27FC236}">
+                        <a16:creationId xmlns:a16="http://schemas.microsoft.com/office/drawing/2014/main" id="{07A565B1-4CE0-441A-91F2-829849112BA9}"/>
+                      </a:ext>
+                    </a:extLst>
+                  </p:cNvPr>
+                  <p:cNvGraphicFramePr>
+                    <a:graphicFrameLocks noChangeAspect="1"/>
+                  </p:cNvGraphicFramePr>
+                  <p:nvPr>
+                    <p:extLst>
+                      <p:ext uri="{D42A27DB-BD31-4B8C-83A1-F6EECF244321}">
+                        <p14:modId xmlns:p14="http://schemas.microsoft.com/office/powerpoint/2010/main" val="3927133640"/>
+                      </p:ext>
+                    </p:extLst>
+                  </p:nvPr>
+                </p:nvGraphicFramePr>
+                <p:xfrm>
+                  <a:off x="7338739" y="4473196"/>
+                  <a:ext cx="2057455" cy="983942"/>
+                </p:xfrm>
+                <a:graphic>
+                  <a:graphicData uri="http://schemas.microsoft.com/office/drawing/2017/model3d">
+                    <am3d:model3d r:embed="rId21">
+                      <am3d:spPr>
+                        <a:xfrm>
+                          <a:off x="0" y="0"/>
+                          <a:ext cx="1822870" cy="910083"/>
+                        </a:xfrm>
+                        <a:prstGeom prst="rect">
+                          <a:avLst/>
+                        </a:prstGeom>
+                      </am3d:spPr>
+                      <am3d:camera>
+                        <am3d:pos x="0" y="0" z="56365043"/>
+                        <am3d:up dx="0" dy="36000000" dz="0"/>
+                        <am3d:lookAt x="0" y="0" z="0"/>
+                        <am3d:perspective fov="2700000"/>
+                      </am3d:camera>
+                      <am3d:trans>
+                        <am3d:meterPerModelUnit n="43273870" d="1000000"/>
+                        <am3d:preTrans dx="-2758998" dy="-17854418" dz="92"/>
+                        <am3d:scale>
+                          <am3d:sx n="1000000" d="1000000"/>
+                          <am3d:sy n="1000000" d="1000000"/>
+                          <am3d:sz n="1000000" d="1000000"/>
+                        </am3d:scale>
+                        <am3d:rot ax="-93513" ay="68739" az="-1863"/>
+                        <am3d:postTrans dx="0" dy="0" dz="0"/>
+                      </am3d:trans>
+                      <am3d:raster rName="Office3DRenderer" rVer="16.0.8326">
+                        <am3d:blip r:embed="rId22"/>
+                      </am3d:raster>
+                      <am3d:objViewport viewportSz="1999280"/>
+                      <am3d:ambientLight>
+                        <am3d:clr>
+                          <a:scrgbClr r="50000" g="50000" b="50000"/>
+                        </am3d:clr>
+                        <am3d:illuminance n="500000" d="1000000"/>
+                      </am3d:ambientLight>
+                      <am3d:ptLight rad="0">
+                        <am3d:clr>
+                          <a:scrgbClr r="100000" g="75000" b="50000"/>
+                        </am3d:clr>
+                        <am3d:intensity n="9765625" d="1000000"/>
+                        <am3d:pos x="21959998" y="70920001" z="16344003"/>
+                      </am3d:ptLight>
+                      <am3d:ptLight rad="0">
+                        <am3d:clr>
+                          <a:scrgbClr r="40000" g="60000" b="95000"/>
+                        </am3d:clr>
+                        <am3d:intensity n="12250000" d="1000000"/>
+                        <am3d:pos x="-37964106" y="51130435" z="57631972"/>
+                      </am3d:ptLight>
+                      <am3d:ptLight rad="0">
+                        <am3d:clr>
+                          <a:scrgbClr r="86837" g="72700" b="100000"/>
+                        </am3d:clr>
+                        <am3d:intensity n="3125000" d="1000000"/>
+                        <am3d:pos x="-37739122" y="58056624" z="-34769649"/>
+                      </am3d:ptLight>
+                    </am3d:model3d>
+                  </a:graphicData>
+                </a:graphic>
+              </p:graphicFrame>
+            </mc:Choice>
+            <mc:Fallback>
+              <p:pic>
+                <p:nvPicPr>
+                  <p:cNvPr id="165" name="3D Model 164">
+                    <a:extLst>
+                      <a:ext uri="{FF2B5EF4-FFF2-40B4-BE49-F238E27FC236}">
+                        <a16:creationId xmlns:a16="http://schemas.microsoft.com/office/drawing/2014/main" id="{07A565B1-4CE0-441A-91F2-829849112BA9}"/>
+                      </a:ext>
+                    </a:extLst>
+                  </p:cNvPr>
+                  <p:cNvPicPr>
+                    <a:picLocks noGrp="1" noRot="1" noChangeAspect="1" noMove="1" noResize="1" noEditPoints="1" noAdjustHandles="1" noChangeArrowheads="1" noChangeShapeType="1" noCrop="1"/>
+                  </p:cNvPicPr>
+                  <p:nvPr/>
+                </p:nvPicPr>
+                <p:blipFill>
+                  <a:blip r:embed="rId22"/>
+                  <a:stretch>
+                    <a:fillRect/>
+                  </a:stretch>
+                </p:blipFill>
+                <p:spPr>
+                  <a:xfrm>
+                    <a:off x="8046426" y="2651401"/>
+                    <a:ext cx="1822870" cy="910083"/>
+                  </a:xfrm>
+                  <a:prstGeom prst="rect">
+                    <a:avLst/>
+                  </a:prstGeom>
+                </p:spPr>
+              </p:pic>
+            </mc:Fallback>
+          </mc:AlternateContent>
+          <mc:AlternateContent xmlns:mc="http://schemas.openxmlformats.org/markup-compatibility/2006">
+            <mc:Choice xmlns:a14="http://schemas.microsoft.com/office/drawing/2010/main" Requires="a14">
+              <p:sp>
+                <p:nvSpPr>
+                  <p:cNvPr id="179" name="TextBox 178">
+                    <a:extLst>
+                      <a:ext uri="{FF2B5EF4-FFF2-40B4-BE49-F238E27FC236}">
+                        <a16:creationId xmlns:a16="http://schemas.microsoft.com/office/drawing/2014/main" id="{A428E842-2614-4014-B853-2BCE0B2413BB}"/>
+                      </a:ext>
+                    </a:extLst>
+                  </p:cNvPr>
+                  <p:cNvSpPr txBox="1"/>
+                  <p:nvPr/>
+                </p:nvSpPr>
+                <p:spPr>
+                  <a:xfrm>
+                    <a:off x="10281258" y="4786429"/>
+                    <a:ext cx="650695" cy="369332"/>
+                  </a:xfrm>
+                  <a:prstGeom prst="rect">
+                    <a:avLst/>
+                  </a:prstGeom>
+                </p:spPr>
+                <p:style>
+                  <a:lnRef idx="2">
+                    <a:schemeClr val="accent1">
+                      <a:shade val="50000"/>
+                    </a:schemeClr>
+                  </a:lnRef>
+                  <a:fillRef idx="1">
+                    <a:schemeClr val="accent1"/>
+                  </a:fillRef>
+                  <a:effectRef idx="0">
+                    <a:schemeClr val="accent1"/>
+                  </a:effectRef>
+                  <a:fontRef idx="minor">
+                    <a:schemeClr val="lt1"/>
+                  </a:fontRef>
+                </p:style>
+                <p:txBody>
+                  <a:bodyPr wrap="square" rtlCol="0">
+                    <a:spAutoFit/>
+                  </a:bodyPr>
+                  <a:lstStyle>
+                    <a:defPPr>
+                      <a:defRPr lang="en-US"/>
+                    </a:defPPr>
+                    <a:lvl1pPr>
+                      <a:defRPr b="0" i="1">
+                        <a:solidFill>
+                          <a:schemeClr val="lt1"/>
+                        </a:solidFill>
+                        <a:latin typeface="Cambria Math" panose="02040503050406030204" pitchFamily="18" charset="0"/>
+                      </a:defRPr>
+                    </a:lvl1pPr>
+                    <a:lvl2pPr>
+                      <a:defRPr>
+                        <a:solidFill>
+                          <a:schemeClr val="lt1"/>
+                        </a:solidFill>
+                      </a:defRPr>
+                    </a:lvl2pPr>
+                    <a:lvl3pPr>
+                      <a:defRPr>
+                        <a:solidFill>
+                          <a:schemeClr val="lt1"/>
+                        </a:solidFill>
+                      </a:defRPr>
+                    </a:lvl3pPr>
+                    <a:lvl4pPr>
+                      <a:defRPr>
+                        <a:solidFill>
+                          <a:schemeClr val="lt1"/>
+                        </a:solidFill>
+                      </a:defRPr>
+                    </a:lvl4pPr>
+                    <a:lvl5pPr>
+                      <a:defRPr>
+                        <a:solidFill>
+                          <a:schemeClr val="lt1"/>
+                        </a:solidFill>
+                      </a:defRPr>
+                    </a:lvl5pPr>
+                    <a:lvl6pPr>
+                      <a:defRPr>
+                        <a:solidFill>
+                          <a:schemeClr val="lt1"/>
+                        </a:solidFill>
+                      </a:defRPr>
+                    </a:lvl6pPr>
+                    <a:lvl7pPr>
+                      <a:defRPr>
+                        <a:solidFill>
+                          <a:schemeClr val="lt1"/>
+                        </a:solidFill>
+                      </a:defRPr>
+                    </a:lvl7pPr>
+                    <a:lvl8pPr>
+                      <a:defRPr>
+                        <a:solidFill>
+                          <a:schemeClr val="lt1"/>
+                        </a:solidFill>
+                      </a:defRPr>
+                    </a:lvl8pPr>
+                    <a:lvl9pPr>
+                      <a:defRPr>
+                        <a:solidFill>
+                          <a:schemeClr val="lt1"/>
+                        </a:solidFill>
+                      </a:defRPr>
+                    </a:lvl9pPr>
+                  </a:lstStyle>
+                  <a:p>
+                    <a14:m>
+                      <m:oMathPara xmlns:m="http://schemas.openxmlformats.org/officeDocument/2006/math">
+                        <m:oMathParaPr>
+                          <m:jc m:val="centerGroup"/>
+                        </m:oMathParaPr>
+                        <m:oMath xmlns:m="http://schemas.openxmlformats.org/officeDocument/2006/math">
+                          <m:sSub>
+                            <m:sSubPr>
+                              <m:ctrlPr>
+                                <a:rPr lang="en-CA" smtClean="0"/>
+                              </m:ctrlPr>
+                            </m:sSubPr>
+                            <m:e>
+                              <m:r>
+                                <a:rPr lang="en-CA" b="0" i="1" smtClean="0">
+                                  <a:latin typeface="Cambria Math" panose="02040503050406030204" pitchFamily="18" charset="0"/>
+                                </a:rPr>
+                                <m:t>𝑞</m:t>
+                              </m:r>
+                            </m:e>
+                            <m:sub>
+                              <m:r>
+                                <a:rPr lang="en-CA" b="0" i="1" smtClean="0">
+                                  <a:latin typeface="Cambria Math" panose="02040503050406030204" pitchFamily="18" charset="0"/>
+                                </a:rPr>
+                                <m:t>1</m:t>
+                              </m:r>
+                            </m:sub>
+                          </m:sSub>
+                        </m:oMath>
+                      </m:oMathPara>
+                    </a14:m>
+                    <a:endParaRPr lang="en-CA" dirty="0"/>
+                  </a:p>
+                </p:txBody>
+              </p:sp>
+            </mc:Choice>
+            <mc:Fallback>
+              <p:sp>
+                <p:nvSpPr>
+                  <p:cNvPr id="179" name="TextBox 178">
+                    <a:extLst>
+                      <a:ext uri="{FF2B5EF4-FFF2-40B4-BE49-F238E27FC236}">
+                        <a16:creationId xmlns:a16="http://schemas.microsoft.com/office/drawing/2014/main" id="{A428E842-2614-4014-B853-2BCE0B2413BB}"/>
+                      </a:ext>
+                    </a:extLst>
+                  </p:cNvPr>
+                  <p:cNvSpPr txBox="1">
+                    <a:spLocks noRot="1" noChangeAspect="1" noMove="1" noResize="1" noEditPoints="1" noAdjustHandles="1" noChangeArrowheads="1" noChangeShapeType="1" noTextEdit="1"/>
+                  </p:cNvSpPr>
+                  <p:nvPr/>
+                </p:nvSpPr>
+                <p:spPr>
+                  <a:xfrm>
+                    <a:off x="10281258" y="4786429"/>
+                    <a:ext cx="650695" cy="369332"/>
+                  </a:xfrm>
+                  <a:prstGeom prst="rect">
+                    <a:avLst/>
+                  </a:prstGeom>
+                  <a:blipFill>
+                    <a:blip r:embed="rId23"/>
+                    <a:stretch>
+                      <a:fillRect b="-13559"/>
+                    </a:stretch>
+                  </a:blipFill>
+                </p:spPr>
+                <p:txBody>
+                  <a:bodyPr/>
+                  <a:lstStyle/>
+                  <a:p>
+                    <a:r>
+                      <a:rPr lang="en-CA">
+                        <a:noFill/>
+                      </a:rPr>
+                      <a:t> </a:t>
+                    </a:r>
+                  </a:p>
+                </p:txBody>
+              </p:sp>
+            </mc:Fallback>
+          </mc:AlternateContent>
+          <p:cxnSp>
+            <p:nvCxnSpPr>
+              <p:cNvPr id="181" name="Straight Arrow Connector 180">
+                <a:extLst>
+                  <a:ext uri="{FF2B5EF4-FFF2-40B4-BE49-F238E27FC236}">
+                    <a16:creationId xmlns:a16="http://schemas.microsoft.com/office/drawing/2014/main" id="{AA584AC7-030E-4880-AA3C-D4F623FAA2E8}"/>
+                  </a:ext>
+                </a:extLst>
+              </p:cNvPr>
+              <p:cNvCxnSpPr>
+                <a:cxnSpLocks/>
+                <a:stCxn id="179" idx="1"/>
+                <a:endCxn id="165" idx="3"/>
+              </p:cNvCxnSpPr>
+              <p:nvPr/>
+            </p:nvCxnSpPr>
+            <p:spPr>
+              <a:xfrm flipH="1" flipV="1">
+                <a:off x="9401481" y="4965168"/>
+                <a:ext cx="879777" cy="5927"/>
+              </a:xfrm>
+              <a:prstGeom prst="straightConnector1">
+                <a:avLst/>
+              </a:prstGeom>
+              <a:ln>
+                <a:tailEnd type="triangle"/>
+              </a:ln>
+            </p:spPr>
+            <p:style>
+              <a:lnRef idx="1">
+                <a:schemeClr val="accent1"/>
+              </a:lnRef>
+              <a:fillRef idx="0">
+                <a:schemeClr val="accent1"/>
+              </a:fillRef>
+              <a:effectRef idx="0">
+                <a:schemeClr val="accent1"/>
+              </a:effectRef>
+              <a:fontRef idx="minor">
+                <a:schemeClr val="tx1"/>
+              </a:fontRef>
+            </p:style>
+          </p:cxnSp>
+          <mc:AlternateContent xmlns:mc="http://schemas.openxmlformats.org/markup-compatibility/2006">
+            <mc:Choice xmlns:a14="http://schemas.microsoft.com/office/drawing/2010/main" Requires="a14">
+              <p:sp>
+                <p:nvSpPr>
+                  <p:cNvPr id="183" name="Rectangle 182">
+                    <a:extLst>
+                      <a:ext uri="{FF2B5EF4-FFF2-40B4-BE49-F238E27FC236}">
+                        <a16:creationId xmlns:a16="http://schemas.microsoft.com/office/drawing/2014/main" id="{658E42E8-7FEF-4392-B9EA-358327C95C85}"/>
+                      </a:ext>
+                    </a:extLst>
+                  </p:cNvPr>
+                  <p:cNvSpPr/>
+                  <p:nvPr/>
+                </p:nvSpPr>
+                <p:spPr>
+                  <a:xfrm>
+                    <a:off x="6711634" y="4675505"/>
+                    <a:ext cx="317010" cy="369332"/>
+                  </a:xfrm>
+                  <a:prstGeom prst="rect">
+                    <a:avLst/>
+                  </a:prstGeom>
+                </p:spPr>
+                <p:txBody>
+                  <a:bodyPr wrap="square">
+                    <a:spAutoFit/>
+                  </a:bodyPr>
+                  <a:lstStyle/>
+                  <a:p>
+                    <a14:m>
+                      <m:oMathPara xmlns:m="http://schemas.openxmlformats.org/officeDocument/2006/math">
+                        <m:oMathParaPr>
+                          <m:jc m:val="centerGroup"/>
+                        </m:oMathParaPr>
+                        <m:oMath xmlns:m="http://schemas.openxmlformats.org/officeDocument/2006/math">
+                          <m:r>
+                            <a:rPr lang="en-CA" b="0" i="1" smtClean="0">
+                              <a:latin typeface="Cambria Math" panose="02040503050406030204" pitchFamily="18" charset="0"/>
+                            </a:rPr>
+                            <m:t>𝑙</m:t>
+                          </m:r>
+                        </m:oMath>
+                      </m:oMathPara>
+                    </a14:m>
+                    <a:endParaRPr lang="en-CA" dirty="0"/>
+                  </a:p>
+                </p:txBody>
+              </p:sp>
+            </mc:Choice>
+            <mc:Fallback>
+              <p:sp>
+                <p:nvSpPr>
+                  <p:cNvPr id="183" name="Rectangle 182">
+                    <a:extLst>
+                      <a:ext uri="{FF2B5EF4-FFF2-40B4-BE49-F238E27FC236}">
+                        <a16:creationId xmlns:a16="http://schemas.microsoft.com/office/drawing/2014/main" id="{658E42E8-7FEF-4392-B9EA-358327C95C85}"/>
+                      </a:ext>
+                    </a:extLst>
+                  </p:cNvPr>
+                  <p:cNvSpPr>
+                    <a:spLocks noRot="1" noChangeAspect="1" noMove="1" noResize="1" noEditPoints="1" noAdjustHandles="1" noChangeArrowheads="1" noChangeShapeType="1" noTextEdit="1"/>
+                  </p:cNvSpPr>
+                  <p:nvPr/>
+                </p:nvSpPr>
+                <p:spPr>
+                  <a:xfrm>
+                    <a:off x="6711634" y="4675505"/>
+                    <a:ext cx="317010" cy="369332"/>
+                  </a:xfrm>
+                  <a:prstGeom prst="rect">
+                    <a:avLst/>
+                  </a:prstGeom>
+                  <a:blipFill>
+                    <a:blip r:embed="rId24"/>
+                    <a:stretch>
+                      <a:fillRect/>
+                    </a:stretch>
+                  </a:blipFill>
+                </p:spPr>
+                <p:txBody>
+                  <a:bodyPr/>
+                  <a:lstStyle/>
+                  <a:p>
+                    <a:r>
+                      <a:rPr lang="en-CA">
+                        <a:noFill/>
+                      </a:rPr>
+                      <a:t> </a:t>
+                    </a:r>
+                  </a:p>
+                </p:txBody>
+              </p:sp>
+            </mc:Fallback>
+          </mc:AlternateContent>
+          <p:cxnSp>
+            <p:nvCxnSpPr>
+              <p:cNvPr id="184" name="Straight Arrow Connector 183">
+                <a:extLst>
+                  <a:ext uri="{FF2B5EF4-FFF2-40B4-BE49-F238E27FC236}">
+                    <a16:creationId xmlns:a16="http://schemas.microsoft.com/office/drawing/2014/main" id="{4491710D-7607-4B1A-A8BD-B177F6DE375D}"/>
+                  </a:ext>
+                </a:extLst>
+              </p:cNvPr>
+              <p:cNvCxnSpPr>
+                <a:cxnSpLocks/>
+              </p:cNvCxnSpPr>
+              <p:nvPr/>
+            </p:nvCxnSpPr>
+            <p:spPr>
+              <a:xfrm>
+                <a:off x="7381982" y="4396309"/>
+                <a:ext cx="1941816" cy="1"/>
+              </a:xfrm>
+              <a:prstGeom prst="straightConnector1">
+                <a:avLst/>
+              </a:prstGeom>
+              <a:ln>
+                <a:solidFill>
+                  <a:srgbClr val="00B0F0"/>
+                </a:solidFill>
+                <a:headEnd type="triangle"/>
+                <a:tailEnd type="triangle"/>
+              </a:ln>
+            </p:spPr>
+            <p:style>
+              <a:lnRef idx="1">
+                <a:schemeClr val="accent1"/>
+              </a:lnRef>
+              <a:fillRef idx="0">
+                <a:schemeClr val="accent1"/>
+              </a:fillRef>
+              <a:effectRef idx="0">
+                <a:schemeClr val="accent1"/>
+              </a:effectRef>
+              <a:fontRef idx="minor">
+                <a:schemeClr val="tx1"/>
+              </a:fontRef>
+            </p:style>
+          </p:cxnSp>
+          <mc:AlternateContent xmlns:mc="http://schemas.openxmlformats.org/markup-compatibility/2006">
+            <mc:Choice xmlns:a14="http://schemas.microsoft.com/office/drawing/2010/main" Requires="a14">
+              <p:sp>
+                <p:nvSpPr>
+                  <p:cNvPr id="189" name="Rectangle 188">
+                    <a:extLst>
+                      <a:ext uri="{FF2B5EF4-FFF2-40B4-BE49-F238E27FC236}">
+                        <a16:creationId xmlns:a16="http://schemas.microsoft.com/office/drawing/2014/main" id="{E9888A18-A017-49AC-B259-85E64D3CCF47}"/>
+                      </a:ext>
+                    </a:extLst>
+                  </p:cNvPr>
+                  <p:cNvSpPr/>
+                  <p:nvPr/>
+                </p:nvSpPr>
+                <p:spPr>
+                  <a:xfrm>
+                    <a:off x="5288164" y="5591700"/>
+                    <a:ext cx="1581597" cy="369332"/>
+                  </a:xfrm>
+                  <a:prstGeom prst="rect">
+                    <a:avLst/>
+                  </a:prstGeom>
+                </p:spPr>
+                <p:txBody>
+                  <a:bodyPr wrap="square">
+                    <a:spAutoFit/>
+                  </a:bodyPr>
+                  <a:lstStyle/>
+                  <a:p>
+                    <a14:m>
+                      <m:oMathPara xmlns:m="http://schemas.openxmlformats.org/officeDocument/2006/math">
+                        <m:oMathParaPr>
+                          <m:jc m:val="centerGroup"/>
+                        </m:oMathParaPr>
+                        <m:oMath xmlns:m="http://schemas.openxmlformats.org/officeDocument/2006/math">
+                          <m:r>
+                            <a:rPr lang="en-CA" i="1" smtClean="0">
+                              <a:latin typeface="Cambria Math" panose="02040503050406030204" pitchFamily="18" charset="0"/>
+                            </a:rPr>
+                            <m:t>𝑐</m:t>
+                          </m:r>
+                          <m:r>
+                            <a:rPr lang="en-CA" b="0" i="1" smtClean="0">
+                              <a:latin typeface="Cambria Math" panose="02040503050406030204" pitchFamily="18" charset="0"/>
+                            </a:rPr>
+                            <m:t>𝑒𝑛𝑡𝑒𝑟</m:t>
+                          </m:r>
+                          <m:r>
+                            <a:rPr lang="en-CA" b="0" i="1" smtClean="0">
+                              <a:latin typeface="Cambria Math" panose="02040503050406030204" pitchFamily="18" charset="0"/>
+                            </a:rPr>
+                            <m:t> </m:t>
+                          </m:r>
+                          <m:r>
+                            <a:rPr lang="en-CA" b="0" i="1" smtClean="0">
+                              <a:latin typeface="Cambria Math" panose="02040503050406030204" pitchFamily="18" charset="0"/>
+                            </a:rPr>
+                            <m:t>𝑜𝑓</m:t>
+                          </m:r>
+                          <m:r>
+                            <a:rPr lang="en-CA" b="0" i="1" smtClean="0">
+                              <a:latin typeface="Cambria Math" panose="02040503050406030204" pitchFamily="18" charset="0"/>
+                            </a:rPr>
+                            <m:t> </m:t>
+                          </m:r>
+                          <m:r>
+                            <a:rPr lang="en-CA" b="0" i="1" smtClean="0">
+                              <a:latin typeface="Cambria Math" panose="02040503050406030204" pitchFamily="18" charset="0"/>
+                            </a:rPr>
+                            <m:t>𝑙𝑖𝑛𝑘</m:t>
+                          </m:r>
+                        </m:oMath>
+                      </m:oMathPara>
+                    </a14:m>
+                    <a:endParaRPr lang="en-CA" dirty="0"/>
+                  </a:p>
+                </p:txBody>
+              </p:sp>
+            </mc:Choice>
+            <mc:Fallback>
+              <p:sp>
+                <p:nvSpPr>
+                  <p:cNvPr id="189" name="Rectangle 188">
+                    <a:extLst>
+                      <a:ext uri="{FF2B5EF4-FFF2-40B4-BE49-F238E27FC236}">
+                        <a16:creationId xmlns:a16="http://schemas.microsoft.com/office/drawing/2014/main" id="{E9888A18-A017-49AC-B259-85E64D3CCF47}"/>
+                      </a:ext>
+                    </a:extLst>
+                  </p:cNvPr>
+                  <p:cNvSpPr>
+                    <a:spLocks noRot="1" noChangeAspect="1" noMove="1" noResize="1" noEditPoints="1" noAdjustHandles="1" noChangeArrowheads="1" noChangeShapeType="1" noTextEdit="1"/>
+                  </p:cNvSpPr>
+                  <p:nvPr/>
+                </p:nvSpPr>
+                <p:spPr>
+                  <a:xfrm>
+                    <a:off x="5288164" y="5591700"/>
+                    <a:ext cx="1581597" cy="369332"/>
+                  </a:xfrm>
+                  <a:prstGeom prst="rect">
+                    <a:avLst/>
+                  </a:prstGeom>
+                  <a:blipFill>
+                    <a:blip r:embed="rId25"/>
+                    <a:stretch>
+                      <a:fillRect r="-14348" b="-21429"/>
+                    </a:stretch>
+                  </a:blipFill>
+                </p:spPr>
+                <p:txBody>
+                  <a:bodyPr/>
+                  <a:lstStyle/>
+                  <a:p>
+                    <a:r>
+                      <a:rPr lang="en-CA">
+                        <a:noFill/>
+                      </a:rPr>
+                      <a:t> </a:t>
+                    </a:r>
+                  </a:p>
+                </p:txBody>
+              </p:sp>
+            </mc:Fallback>
+          </mc:AlternateContent>
+          <p:cxnSp>
+            <p:nvCxnSpPr>
+              <p:cNvPr id="191" name="Straight Arrow Connector 190">
+                <a:extLst>
+                  <a:ext uri="{FF2B5EF4-FFF2-40B4-BE49-F238E27FC236}">
+                    <a16:creationId xmlns:a16="http://schemas.microsoft.com/office/drawing/2014/main" id="{137D190E-13EB-4599-981C-80B33D6D9FCB}"/>
+                  </a:ext>
+                </a:extLst>
+              </p:cNvPr>
+              <p:cNvCxnSpPr>
+                <a:cxnSpLocks/>
+              </p:cNvCxnSpPr>
+              <p:nvPr/>
+            </p:nvCxnSpPr>
+            <p:spPr>
+              <a:xfrm flipV="1">
+                <a:off x="9492299" y="4577137"/>
+                <a:ext cx="0" cy="760214"/>
+              </a:xfrm>
+              <a:prstGeom prst="straightConnector1">
+                <a:avLst/>
+              </a:prstGeom>
+              <a:ln>
+                <a:solidFill>
+                  <a:srgbClr val="00B0F0"/>
+                </a:solidFill>
+                <a:headEnd type="triangle"/>
+                <a:tailEnd type="triangle"/>
+              </a:ln>
+            </p:spPr>
+            <p:style>
+              <a:lnRef idx="1">
+                <a:schemeClr val="accent1"/>
+              </a:lnRef>
+              <a:fillRef idx="0">
+                <a:schemeClr val="accent1"/>
+              </a:fillRef>
+              <a:effectRef idx="0">
+                <a:schemeClr val="accent1"/>
+              </a:effectRef>
+              <a:fontRef idx="minor">
+                <a:schemeClr val="tx1"/>
+              </a:fontRef>
+            </p:style>
+          </p:cxnSp>
+          <mc:AlternateContent xmlns:mc="http://schemas.openxmlformats.org/markup-compatibility/2006">
+            <mc:Choice xmlns:a14="http://schemas.microsoft.com/office/drawing/2010/main" Requires="a14">
+              <p:sp>
+                <p:nvSpPr>
+                  <p:cNvPr id="192" name="TextBox 191">
+                    <a:extLst>
+                      <a:ext uri="{FF2B5EF4-FFF2-40B4-BE49-F238E27FC236}">
+                        <a16:creationId xmlns:a16="http://schemas.microsoft.com/office/drawing/2014/main" id="{136FC5E3-A709-4E35-A7D3-3CDB67C025C9}"/>
+                      </a:ext>
+                    </a:extLst>
+                  </p:cNvPr>
+                  <p:cNvSpPr txBox="1"/>
+                  <p:nvPr/>
+                </p:nvSpPr>
+                <p:spPr>
+                  <a:xfrm>
+                    <a:off x="9430048" y="4601763"/>
+                    <a:ext cx="318499" cy="369332"/>
+                  </a:xfrm>
+                  <a:prstGeom prst="rect">
+                    <a:avLst/>
+                  </a:prstGeom>
+                  <a:noFill/>
+                </p:spPr>
+                <p:txBody>
+                  <a:bodyPr wrap="square" rtlCol="0">
+                    <a:spAutoFit/>
+                  </a:bodyPr>
+                  <a:lstStyle/>
+                  <a:p>
+                    <a14:m>
+                      <m:oMathPara xmlns:m="http://schemas.openxmlformats.org/officeDocument/2006/math">
+                        <m:oMathParaPr>
+                          <m:jc m:val="centerGroup"/>
+                        </m:oMathParaPr>
+                        <m:oMath xmlns:m="http://schemas.openxmlformats.org/officeDocument/2006/math">
+                          <m:r>
+                            <a:rPr lang="en-CA" b="0" i="1" smtClean="0">
+                              <a:latin typeface="Cambria Math" panose="02040503050406030204" pitchFamily="18" charset="0"/>
+                            </a:rPr>
+                            <m:t>𝑑</m:t>
+                          </m:r>
+                        </m:oMath>
+                      </m:oMathPara>
+                    </a14:m>
+                    <a:endParaRPr lang="en-CA" dirty="0"/>
+                  </a:p>
+                </p:txBody>
+              </p:sp>
+            </mc:Choice>
+            <mc:Fallback>
+              <p:sp>
+                <p:nvSpPr>
+                  <p:cNvPr id="192" name="TextBox 191">
+                    <a:extLst>
+                      <a:ext uri="{FF2B5EF4-FFF2-40B4-BE49-F238E27FC236}">
+                        <a16:creationId xmlns:a16="http://schemas.microsoft.com/office/drawing/2014/main" id="{136FC5E3-A709-4E35-A7D3-3CDB67C025C9}"/>
+                      </a:ext>
+                    </a:extLst>
+                  </p:cNvPr>
+                  <p:cNvSpPr txBox="1">
+                    <a:spLocks noRot="1" noChangeAspect="1" noMove="1" noResize="1" noEditPoints="1" noAdjustHandles="1" noChangeArrowheads="1" noChangeShapeType="1" noTextEdit="1"/>
+                  </p:cNvSpPr>
+                  <p:nvPr/>
+                </p:nvSpPr>
+                <p:spPr>
+                  <a:xfrm>
+                    <a:off x="9430048" y="4601763"/>
+                    <a:ext cx="318499" cy="369332"/>
+                  </a:xfrm>
+                  <a:prstGeom prst="rect">
+                    <a:avLst/>
+                  </a:prstGeom>
+                  <a:blipFill>
+                    <a:blip r:embed="rId26"/>
+                    <a:stretch>
+                      <a:fillRect r="-10870" b="-1786"/>
+                    </a:stretch>
+                  </a:blipFill>
+                </p:spPr>
+                <p:txBody>
+                  <a:bodyPr/>
+                  <a:lstStyle/>
+                  <a:p>
+                    <a:r>
+                      <a:rPr lang="en-CA">
+                        <a:noFill/>
+                      </a:rPr>
+                      <a:t> </a:t>
+                    </a:r>
+                  </a:p>
+                </p:txBody>
+              </p:sp>
+            </mc:Fallback>
+          </mc:AlternateContent>
+          <p:grpSp>
+            <p:nvGrpSpPr>
+              <p:cNvPr id="208" name="Group 207">
+                <a:extLst>
+                  <a:ext uri="{FF2B5EF4-FFF2-40B4-BE49-F238E27FC236}">
+                    <a16:creationId xmlns:a16="http://schemas.microsoft.com/office/drawing/2014/main" id="{57ED0662-3DBF-47A5-ADE9-C82329FBF90E}"/>
+                  </a:ext>
+                </a:extLst>
+              </p:cNvPr>
+              <p:cNvGrpSpPr/>
+              <p:nvPr/>
+            </p:nvGrpSpPr>
+            <p:grpSpPr>
+              <a:xfrm>
+                <a:off x="5846992" y="4577137"/>
+                <a:ext cx="1582165" cy="799672"/>
+                <a:chOff x="5846992" y="4577137"/>
+                <a:chExt cx="1582165" cy="799672"/>
+              </a:xfrm>
+            </p:grpSpPr>
+            <p:cxnSp>
+              <p:nvCxnSpPr>
+                <p:cNvPr id="203" name="Straight Connector 202">
+                  <a:extLst>
+                    <a:ext uri="{FF2B5EF4-FFF2-40B4-BE49-F238E27FC236}">
+                      <a16:creationId xmlns:a16="http://schemas.microsoft.com/office/drawing/2014/main" id="{CB44267B-274B-431D-8D3F-B77BE2169E77}"/>
+                    </a:ext>
+                  </a:extLst>
+                </p:cNvPr>
+                <p:cNvCxnSpPr>
+                  <a:cxnSpLocks/>
+                </p:cNvCxnSpPr>
+                <p:nvPr/>
+              </p:nvCxnSpPr>
+              <p:spPr>
+                <a:xfrm>
+                  <a:off x="6018567" y="4577137"/>
+                  <a:ext cx="1386135" cy="0"/>
+                </a:xfrm>
+                <a:prstGeom prst="line">
+                  <a:avLst/>
+                </a:prstGeom>
+                <a:ln w="28575">
+                  <a:prstDash val="sysDash"/>
+                </a:ln>
+              </p:spPr>
+              <p:style>
+                <a:lnRef idx="1">
+                  <a:schemeClr val="accent1"/>
+                </a:lnRef>
+                <a:fillRef idx="0">
+                  <a:schemeClr val="accent1"/>
+                </a:fillRef>
+                <a:effectRef idx="0">
+                  <a:schemeClr val="accent1"/>
+                </a:effectRef>
+                <a:fontRef idx="minor">
+                  <a:schemeClr val="tx1"/>
+                </a:fontRef>
+              </p:style>
+            </p:cxnSp>
+            <p:cxnSp>
+              <p:nvCxnSpPr>
+                <p:cNvPr id="204" name="Straight Connector 203">
+                  <a:extLst>
+                    <a:ext uri="{FF2B5EF4-FFF2-40B4-BE49-F238E27FC236}">
+                      <a16:creationId xmlns:a16="http://schemas.microsoft.com/office/drawing/2014/main" id="{FF72AB69-6CA0-43C0-815F-1DD4473118ED}"/>
+                    </a:ext>
+                  </a:extLst>
+                </p:cNvPr>
+                <p:cNvCxnSpPr>
+                  <a:cxnSpLocks/>
+                </p:cNvCxnSpPr>
+                <p:nvPr/>
+              </p:nvCxnSpPr>
+              <p:spPr>
+                <a:xfrm>
+                  <a:off x="6018567" y="5376809"/>
+                  <a:ext cx="1410590" cy="0"/>
+                </a:xfrm>
+                <a:prstGeom prst="line">
+                  <a:avLst/>
+                </a:prstGeom>
+                <a:ln w="28575">
+                  <a:prstDash val="sysDash"/>
+                </a:ln>
+              </p:spPr>
+              <p:style>
+                <a:lnRef idx="1">
+                  <a:schemeClr val="accent1"/>
+                </a:lnRef>
+                <a:fillRef idx="0">
+                  <a:schemeClr val="accent1"/>
+                </a:fillRef>
+                <a:effectRef idx="0">
+                  <a:schemeClr val="accent1"/>
+                </a:effectRef>
+                <a:fontRef idx="minor">
+                  <a:schemeClr val="tx1"/>
+                </a:fontRef>
+              </p:style>
+            </p:cxnSp>
+            <p:sp>
+              <p:nvSpPr>
+                <p:cNvPr id="207" name="Oval 206">
+                  <a:extLst>
+                    <a:ext uri="{FF2B5EF4-FFF2-40B4-BE49-F238E27FC236}">
+                      <a16:creationId xmlns:a16="http://schemas.microsoft.com/office/drawing/2014/main" id="{8AC6A05B-19AD-46F7-8149-23551D8AA26C}"/>
+                    </a:ext>
+                  </a:extLst>
+                </p:cNvPr>
+                <p:cNvSpPr/>
+                <p:nvPr/>
+              </p:nvSpPr>
+              <p:spPr>
+                <a:xfrm>
+                  <a:off x="5846992" y="4588569"/>
+                  <a:ext cx="346998" cy="786823"/>
+                </a:xfrm>
+                <a:prstGeom prst="ellipse">
+                  <a:avLst/>
+                </a:prstGeom>
+                <a:solidFill>
+                  <a:schemeClr val="bg1"/>
+                </a:solidFill>
+                <a:ln w="28575">
+                  <a:prstDash val="sysDash"/>
+                </a:ln>
+              </p:spPr>
+              <p:style>
+                <a:lnRef idx="2">
+                  <a:schemeClr val="accent1">
+                    <a:shade val="50000"/>
+                  </a:schemeClr>
+                </a:lnRef>
+                <a:fillRef idx="1">
+                  <a:schemeClr val="accent1"/>
+                </a:fillRef>
+                <a:effectRef idx="0">
+                  <a:schemeClr val="accent1"/>
+                </a:effectRef>
+                <a:fontRef idx="minor">
+                  <a:schemeClr val="lt1"/>
+                </a:fontRef>
+              </p:style>
+              <p:txBody>
+                <a:bodyPr rtlCol="0" anchor="ctr"/>
+                <a:lstStyle/>
+                <a:p>
+                  <a:pPr algn="ctr"/>
+                  <a:endParaRPr lang="en-CA"/>
+                </a:p>
+              </p:txBody>
+            </p:sp>
+          </p:grpSp>
+          <p:sp>
+            <p:nvSpPr>
+              <p:cNvPr id="177" name="Oval 176">
+                <a:extLst>
+                  <a:ext uri="{FF2B5EF4-FFF2-40B4-BE49-F238E27FC236}">
+                    <a16:creationId xmlns:a16="http://schemas.microsoft.com/office/drawing/2014/main" id="{3D30BE92-CAE1-4BAA-8C9E-E122F9D8478F}"/>
+                  </a:ext>
+                </a:extLst>
+              </p:cNvPr>
+              <p:cNvSpPr/>
+              <p:nvPr/>
+            </p:nvSpPr>
+            <p:spPr>
+              <a:xfrm>
+                <a:off x="6011000" y="4962193"/>
+                <a:ext cx="51211" cy="51211"/>
+              </a:xfrm>
+              <a:prstGeom prst="ellipse">
+                <a:avLst/>
+              </a:prstGeom>
+              <a:solidFill>
+                <a:srgbClr val="00B0F0"/>
+              </a:solidFill>
+              <a:ln>
+                <a:solidFill>
+                  <a:srgbClr val="00B0F0"/>
+                </a:solidFill>
+              </a:ln>
+            </p:spPr>
+            <p:style>
+              <a:lnRef idx="2">
+                <a:schemeClr val="accent1">
+                  <a:shade val="50000"/>
+                </a:schemeClr>
+              </a:lnRef>
+              <a:fillRef idx="1">
+                <a:schemeClr val="accent1"/>
+              </a:fillRef>
+              <a:effectRef idx="0">
+                <a:schemeClr val="accent1"/>
+              </a:effectRef>
+              <a:fontRef idx="minor">
+                <a:schemeClr val="lt1"/>
+              </a:fontRef>
+            </p:style>
+            <p:txBody>
+              <a:bodyPr rtlCol="0" anchor="ctr"/>
+              <a:lstStyle/>
+              <a:p>
+                <a:pPr algn="ctr"/>
+                <a:endParaRPr lang="en-CA"/>
+              </a:p>
+            </p:txBody>
+          </p:sp>
+          <p:cxnSp>
+            <p:nvCxnSpPr>
+              <p:cNvPr id="175" name="Straight Arrow Connector 174">
+                <a:extLst>
+                  <a:ext uri="{FF2B5EF4-FFF2-40B4-BE49-F238E27FC236}">
+                    <a16:creationId xmlns:a16="http://schemas.microsoft.com/office/drawing/2014/main" id="{8794C0DC-4196-4A17-97FC-1808E4D8C839}"/>
+                  </a:ext>
+                </a:extLst>
+              </p:cNvPr>
+              <p:cNvCxnSpPr>
+                <a:cxnSpLocks/>
+              </p:cNvCxnSpPr>
+              <p:nvPr/>
+            </p:nvCxnSpPr>
+            <p:spPr>
+              <a:xfrm>
+                <a:off x="6062211" y="4981981"/>
+                <a:ext cx="1276528" cy="0"/>
+              </a:xfrm>
+              <a:prstGeom prst="straightConnector1">
+                <a:avLst/>
+              </a:prstGeom>
+              <a:ln>
+                <a:solidFill>
+                  <a:srgbClr val="00B0F0"/>
+                </a:solidFill>
+                <a:headEnd type="triangle"/>
+                <a:tailEnd type="triangle"/>
+              </a:ln>
+            </p:spPr>
+            <p:style>
+              <a:lnRef idx="1">
+                <a:schemeClr val="accent1"/>
+              </a:lnRef>
+              <a:fillRef idx="0">
+                <a:schemeClr val="accent1"/>
+              </a:fillRef>
+              <a:effectRef idx="0">
+                <a:schemeClr val="accent1"/>
+              </a:effectRef>
+              <a:fontRef idx="minor">
+                <a:schemeClr val="tx1"/>
+              </a:fontRef>
+            </p:style>
+          </p:cxnSp>
+          <p:cxnSp>
+            <p:nvCxnSpPr>
+              <p:cNvPr id="187" name="Straight Arrow Connector 186">
+                <a:extLst>
+                  <a:ext uri="{FF2B5EF4-FFF2-40B4-BE49-F238E27FC236}">
+                    <a16:creationId xmlns:a16="http://schemas.microsoft.com/office/drawing/2014/main" id="{3705E1A9-F9A3-47FF-B035-B4068858CC27}"/>
+                  </a:ext>
+                </a:extLst>
+              </p:cNvPr>
+              <p:cNvCxnSpPr>
+                <a:cxnSpLocks/>
+              </p:cNvCxnSpPr>
+              <p:nvPr/>
+            </p:nvCxnSpPr>
+            <p:spPr>
+              <a:xfrm flipH="1">
+                <a:off x="6034399" y="5013404"/>
+                <a:ext cx="1471" cy="635260"/>
+              </a:xfrm>
+              <a:prstGeom prst="straightConnector1">
+                <a:avLst/>
+              </a:prstGeom>
+              <a:ln w="9525" cap="flat" cmpd="sng" algn="ctr">
+                <a:solidFill>
+                  <a:schemeClr val="accent3"/>
+                </a:solidFill>
+                <a:prstDash val="solid"/>
+                <a:round/>
+                <a:headEnd type="none" w="med" len="med"/>
+                <a:tailEnd type="arrow" w="med" len="med"/>
+              </a:ln>
+            </p:spPr>
+            <p:style>
+              <a:lnRef idx="0">
+                <a:scrgbClr r="0" g="0" b="0"/>
+              </a:lnRef>
+              <a:fillRef idx="0">
+                <a:scrgbClr r="0" g="0" b="0"/>
+              </a:fillRef>
+              <a:effectRef idx="0">
+                <a:scrgbClr r="0" g="0" b="0"/>
+              </a:effectRef>
+              <a:fontRef idx="minor">
+                <a:schemeClr val="tx1"/>
+              </a:fontRef>
+            </p:style>
+          </p:cxnSp>
+        </p:grpSp>
+      </p:grpSp>
+      <p:cxnSp>
+        <p:nvCxnSpPr>
+          <p:cNvPr id="219" name="Connector: Elbow 218">
+            <a:extLst>
+              <a:ext uri="{FF2B5EF4-FFF2-40B4-BE49-F238E27FC236}">
+                <a16:creationId xmlns:a16="http://schemas.microsoft.com/office/drawing/2014/main" id="{F5E02A0D-0ECD-4791-8345-5654D874821D}"/>
+              </a:ext>
+            </a:extLst>
+          </p:cNvPr>
+          <p:cNvCxnSpPr>
+            <a:cxnSpLocks/>
+            <a:stCxn id="148" idx="0"/>
+          </p:cNvCxnSpPr>
+          <p:nvPr/>
+        </p:nvCxnSpPr>
+        <p:spPr>
+          <a:xfrm rot="16200000" flipV="1">
+            <a:off x="3880908" y="4862074"/>
+            <a:ext cx="918164" cy="141798"/>
+          </a:xfrm>
+          <a:prstGeom prst="bentConnector3">
+            <a:avLst>
+              <a:gd name="adj1" fmla="val 50000"/>
+            </a:avLst>
+          </a:prstGeom>
+          <a:ln w="19050">
+            <a:tailEnd type="triangle"/>
+          </a:ln>
+        </p:spPr>
+        <p:style>
+          <a:lnRef idx="1">
+            <a:schemeClr val="accent1"/>
+          </a:lnRef>
+          <a:fillRef idx="0">
+            <a:schemeClr val="accent1"/>
+          </a:fillRef>
+          <a:effectRef idx="0">
+            <a:schemeClr val="accent1"/>
+          </a:effectRef>
+          <a:fontRef idx="minor">
+            <a:schemeClr val="tx1"/>
+          </a:fontRef>
+        </p:style>
+      </p:cxnSp>
+      <p:cxnSp>
+        <p:nvCxnSpPr>
+          <p:cNvPr id="221" name="Connector: Elbow 220">
+            <a:extLst>
+              <a:ext uri="{FF2B5EF4-FFF2-40B4-BE49-F238E27FC236}">
+                <a16:creationId xmlns:a16="http://schemas.microsoft.com/office/drawing/2014/main" id="{33D20492-B450-4573-807D-BE2219E61C1F}"/>
+              </a:ext>
+            </a:extLst>
+          </p:cNvPr>
+          <p:cNvCxnSpPr>
+            <a:cxnSpLocks/>
+            <a:stCxn id="105" idx="0"/>
+            <a:endCxn id="31" idx="2"/>
+          </p:cNvCxnSpPr>
+          <p:nvPr/>
+        </p:nvCxnSpPr>
+        <p:spPr>
+          <a:xfrm rot="16200000" flipV="1">
+            <a:off x="891836" y="2770752"/>
+            <a:ext cx="328790" cy="144266"/>
+          </a:xfrm>
+          <a:prstGeom prst="bentConnector3">
+            <a:avLst>
+              <a:gd name="adj1" fmla="val 50000"/>
+            </a:avLst>
+          </a:prstGeom>
+          <a:ln w="19050">
+            <a:tailEnd type="triangle"/>
+          </a:ln>
+        </p:spPr>
+        <p:style>
+          <a:lnRef idx="1">
+            <a:schemeClr val="accent1"/>
+          </a:lnRef>
+          <a:fillRef idx="0">
+            <a:schemeClr val="accent1"/>
+          </a:fillRef>
+          <a:effectRef idx="0">
+            <a:schemeClr val="accent1"/>
+          </a:effectRef>
+          <a:fontRef idx="minor">
+            <a:schemeClr val="tx1"/>
+          </a:fontRef>
+        </p:style>
+      </p:cxnSp>
+      <mc:AlternateContent xmlns:mc="http://schemas.openxmlformats.org/markup-compatibility/2006">
+        <mc:Choice xmlns:a14="http://schemas.microsoft.com/office/drawing/2010/main" Requires="a14">
+          <p:sp>
+            <p:nvSpPr>
+              <p:cNvPr id="225" name="Rectangle 224">
+                <a:extLst>
+                  <a:ext uri="{FF2B5EF4-FFF2-40B4-BE49-F238E27FC236}">
+                    <a16:creationId xmlns:a16="http://schemas.microsoft.com/office/drawing/2014/main" id="{16CE865D-C5CB-41D2-A664-EEAB8D17A352}"/>
+                  </a:ext>
+                </a:extLst>
+              </p:cNvPr>
+              <p:cNvSpPr/>
+              <p:nvPr/>
+            </p:nvSpPr>
+            <p:spPr>
+              <a:xfrm>
+                <a:off x="7095679" y="4898417"/>
+                <a:ext cx="4812408" cy="391902"/>
+              </a:xfrm>
+              <a:prstGeom prst="rect">
+                <a:avLst/>
+              </a:prstGeom>
+            </p:spPr>
+            <p:style>
+              <a:lnRef idx="2">
+                <a:schemeClr val="accent2">
+                  <a:shade val="50000"/>
+                </a:schemeClr>
+              </a:lnRef>
+              <a:fillRef idx="1">
+                <a:schemeClr val="accent2"/>
+              </a:fillRef>
+              <a:effectRef idx="0">
+                <a:schemeClr val="accent2"/>
+              </a:effectRef>
+              <a:fontRef idx="minor">
+                <a:schemeClr val="lt1"/>
+              </a:fontRef>
+            </p:style>
+            <p:txBody>
+              <a:bodyPr wrap="square" rtlCol="0">
+                <a:spAutoFit/>
+              </a:bodyPr>
+              <a:lstStyle/>
+              <a:p>
+                <a14:m>
+                  <m:oMath xmlns:m="http://schemas.openxmlformats.org/officeDocument/2006/math">
+                    <m:sSub>
+                      <m:sSubPr>
+                        <m:ctrlPr>
+                          <a:rPr lang="en-CA" i="1">
+                            <a:solidFill>
+                              <a:schemeClr val="lt1"/>
+                            </a:solidFill>
+                            <a:latin typeface="Cambria Math" panose="02040503050406030204" pitchFamily="18" charset="0"/>
+                          </a:rPr>
+                        </m:ctrlPr>
+                      </m:sSubPr>
+                      <m:e>
+                        <m:r>
+                          <a:rPr lang="en-CA" i="1">
+                            <a:solidFill>
+                              <a:schemeClr val="lt1"/>
+                            </a:solidFill>
+                            <a:latin typeface="Cambria Math" panose="02040503050406030204" pitchFamily="18" charset="0"/>
+                          </a:rPr>
+                          <m:t>𝐽</m:t>
+                        </m:r>
+                      </m:e>
+                      <m:sub>
+                        <m:r>
+                          <a:rPr lang="en-CA" i="1">
+                            <a:solidFill>
+                              <a:schemeClr val="lt1"/>
+                            </a:solidFill>
+                            <a:latin typeface="Cambria Math" panose="02040503050406030204" pitchFamily="18" charset="0"/>
+                          </a:rPr>
+                          <m:t>𝑞</m:t>
+                        </m:r>
+                        <m:r>
+                          <a:rPr lang="en-CA" i="1">
+                            <a:solidFill>
+                              <a:schemeClr val="lt1"/>
+                            </a:solidFill>
+                            <a:latin typeface="Cambria Math" panose="02040503050406030204" pitchFamily="18" charset="0"/>
+                          </a:rPr>
+                          <m:t>0</m:t>
+                        </m:r>
+                      </m:sub>
+                    </m:sSub>
+                    <m:r>
+                      <a:rPr lang="en-CA" i="1">
+                        <a:solidFill>
+                          <a:schemeClr val="lt1"/>
+                        </a:solidFill>
+                        <a:latin typeface="Cambria Math" panose="02040503050406030204" pitchFamily="18" charset="0"/>
+                      </a:rPr>
+                      <m:t>=</m:t>
+                    </m:r>
+                  </m:oMath>
+                </a14:m>
+                <a:r>
+                  <a:rPr lang="en-CA" i="1" dirty="0">
+                    <a:solidFill>
+                      <a:schemeClr val="lt1"/>
+                    </a:solidFill>
+                    <a:latin typeface="Cambria Math" panose="02040503050406030204" pitchFamily="18" charset="0"/>
+                  </a:rPr>
+                  <a:t> </a:t>
+                </a:r>
+                <a14:m>
+                  <m:oMath xmlns:m="http://schemas.openxmlformats.org/officeDocument/2006/math">
+                    <m:sSub>
+                      <m:sSubPr>
+                        <m:ctrlPr>
+                          <a:rPr lang="en-CA" i="1">
+                            <a:latin typeface="Cambria Math" panose="02040503050406030204" pitchFamily="18" charset="0"/>
+                          </a:rPr>
+                        </m:ctrlPr>
+                      </m:sSubPr>
+                      <m:e>
+                        <m:r>
+                          <a:rPr lang="en-CA" i="1">
+                            <a:latin typeface="Cambria Math" panose="02040503050406030204" pitchFamily="18" charset="0"/>
+                          </a:rPr>
+                          <m:t>𝐽</m:t>
+                        </m:r>
+                      </m:e>
+                      <m:sub>
+                        <m:r>
+                          <a:rPr lang="en-CA" i="1">
+                            <a:latin typeface="Cambria Math" panose="02040503050406030204" pitchFamily="18" charset="0"/>
+                          </a:rPr>
+                          <m:t>𝑙𝑖𝑛𝑘</m:t>
+                        </m:r>
+                      </m:sub>
+                    </m:sSub>
+                    <m:r>
+                      <a:rPr lang="en-CA" i="1">
+                        <a:latin typeface="Cambria Math" panose="02040503050406030204" pitchFamily="18" charset="0"/>
+                      </a:rPr>
+                      <m:t>+</m:t>
+                    </m:r>
+                    <m:sSub>
+                      <m:sSubPr>
+                        <m:ctrlPr>
+                          <a:rPr lang="en-CA" i="1">
+                            <a:latin typeface="Cambria Math" panose="02040503050406030204" pitchFamily="18" charset="0"/>
+                          </a:rPr>
+                        </m:ctrlPr>
+                      </m:sSubPr>
+                      <m:e>
+                        <m:r>
+                          <a:rPr lang="en-CA" i="1">
+                            <a:latin typeface="Cambria Math" panose="02040503050406030204" pitchFamily="18" charset="0"/>
+                          </a:rPr>
+                          <m:t>𝐽</m:t>
+                        </m:r>
+                      </m:e>
+                      <m:sub>
+                        <m:r>
+                          <a:rPr lang="en-CA" i="1">
+                            <a:latin typeface="Cambria Math" panose="02040503050406030204" pitchFamily="18" charset="0"/>
+                          </a:rPr>
+                          <m:t>𝑟𝑜𝑡𝑜𝑟</m:t>
+                        </m:r>
+                      </m:sub>
+                    </m:sSub>
+                    <m:r>
+                      <a:rPr lang="en-CA" i="1">
+                        <a:latin typeface="Cambria Math" panose="02040503050406030204" pitchFamily="18" charset="0"/>
+                      </a:rPr>
+                      <m:t>+</m:t>
+                    </m:r>
+                    <m:sSub>
+                      <m:sSubPr>
+                        <m:ctrlPr>
+                          <a:rPr lang="en-CA" i="1">
+                            <a:latin typeface="Cambria Math" panose="02040503050406030204" pitchFamily="18" charset="0"/>
+                          </a:rPr>
+                        </m:ctrlPr>
+                      </m:sSubPr>
+                      <m:e>
+                        <m:r>
+                          <a:rPr lang="en-CA" i="1">
+                            <a:latin typeface="Cambria Math" panose="02040503050406030204" pitchFamily="18" charset="0"/>
+                          </a:rPr>
+                          <m:t>𝐽</m:t>
+                        </m:r>
+                      </m:e>
+                      <m:sub>
+                        <m:r>
+                          <a:rPr lang="en-CA" i="1">
+                            <a:latin typeface="Cambria Math" panose="02040503050406030204" pitchFamily="18" charset="0"/>
+                          </a:rPr>
+                          <m:t>𝑞</m:t>
+                        </m:r>
+                        <m:r>
+                          <a:rPr lang="en-CA" i="1">
+                            <a:latin typeface="Cambria Math" panose="02040503050406030204" pitchFamily="18" charset="0"/>
+                          </a:rPr>
+                          <m:t>1 </m:t>
+                        </m:r>
+                        <m:r>
+                          <a:rPr lang="en-CA" i="1">
+                            <a:latin typeface="Cambria Math" panose="02040503050406030204" pitchFamily="18" charset="0"/>
+                          </a:rPr>
+                          <m:t>𝑤𝑒𝑖𝑔h𝑡</m:t>
+                        </m:r>
+                      </m:sub>
+                    </m:sSub>
+                    <m:r>
+                      <a:rPr lang="en-CA" i="1">
+                        <a:latin typeface="Cambria Math" panose="02040503050406030204" pitchFamily="18" charset="0"/>
+                      </a:rPr>
+                      <m:t>+</m:t>
+                    </m:r>
+                    <m:sSub>
+                      <m:sSubPr>
+                        <m:ctrlPr>
+                          <a:rPr lang="en-CA" i="1">
+                            <a:latin typeface="Cambria Math" panose="02040503050406030204" pitchFamily="18" charset="0"/>
+                          </a:rPr>
+                        </m:ctrlPr>
+                      </m:sSubPr>
+                      <m:e>
+                        <m:r>
+                          <a:rPr lang="en-CA" i="1">
+                            <a:latin typeface="Cambria Math" panose="02040503050406030204" pitchFamily="18" charset="0"/>
+                          </a:rPr>
+                          <m:t>𝐽</m:t>
+                        </m:r>
+                      </m:e>
+                      <m:sub>
+                        <m:r>
+                          <a:rPr lang="en-CA" i="1">
+                            <a:latin typeface="Cambria Math" panose="02040503050406030204" pitchFamily="18" charset="0"/>
+                          </a:rPr>
+                          <m:t>𝑐𝑜𝑢𝑛𝑡𝑒𝑟</m:t>
+                        </m:r>
+                        <m:r>
+                          <a:rPr lang="en-CA" i="1">
+                            <a:latin typeface="Cambria Math" panose="02040503050406030204" pitchFamily="18" charset="0"/>
+                          </a:rPr>
+                          <m:t> </m:t>
+                        </m:r>
+                        <m:r>
+                          <a:rPr lang="en-CA" i="1">
+                            <a:latin typeface="Cambria Math" panose="02040503050406030204" pitchFamily="18" charset="0"/>
+                          </a:rPr>
+                          <m:t>𝑤𝑒𝑖𝑔h𝑡</m:t>
+                        </m:r>
+                      </m:sub>
+                    </m:sSub>
+                  </m:oMath>
+                </a14:m>
+                <a:endParaRPr lang="en-CA" i="1" dirty="0">
+                  <a:latin typeface="Cambria Math" panose="02040503050406030204" pitchFamily="18" charset="0"/>
+                </a:endParaRPr>
+              </a:p>
+            </p:txBody>
+          </p:sp>
+        </mc:Choice>
+        <mc:Fallback>
+          <p:sp>
+            <p:nvSpPr>
+              <p:cNvPr id="225" name="Rectangle 224">
+                <a:extLst>
+                  <a:ext uri="{FF2B5EF4-FFF2-40B4-BE49-F238E27FC236}">
+                    <a16:creationId xmlns:a16="http://schemas.microsoft.com/office/drawing/2014/main" id="{16CE865D-C5CB-41D2-A664-EEAB8D17A352}"/>
+                  </a:ext>
+                </a:extLst>
+              </p:cNvPr>
+              <p:cNvSpPr>
+                <a:spLocks noRot="1" noChangeAspect="1" noMove="1" noResize="1" noEditPoints="1" noAdjustHandles="1" noChangeArrowheads="1" noChangeShapeType="1" noTextEdit="1"/>
+              </p:cNvSpPr>
+              <p:nvPr/>
+            </p:nvSpPr>
+            <p:spPr>
+              <a:xfrm>
+                <a:off x="7095679" y="4898417"/>
+                <a:ext cx="4812408" cy="391902"/>
+              </a:xfrm>
+              <a:prstGeom prst="rect">
+                <a:avLst/>
+              </a:prstGeom>
+              <a:blipFill>
+                <a:blip r:embed="rId27"/>
+                <a:stretch>
+                  <a:fillRect l="-126" b="-9091"/>
+                </a:stretch>
+              </a:blipFill>
+            </p:spPr>
+            <p:txBody>
+              <a:bodyPr/>
+              <a:lstStyle/>
+              <a:p>
+                <a:r>
+                  <a:rPr lang="en-CA">
+                    <a:noFill/>
+                  </a:rPr>
+                  <a:t> </a:t>
+                </a:r>
+              </a:p>
+            </p:txBody>
+          </p:sp>
+        </mc:Fallback>
+      </mc:AlternateContent>
+      <mc:AlternateContent xmlns:mc="http://schemas.openxmlformats.org/markup-compatibility/2006">
+        <mc:Choice xmlns:a14="http://schemas.microsoft.com/office/drawing/2010/main" Requires="a14">
+          <p:sp>
+            <p:nvSpPr>
+              <p:cNvPr id="226" name="Rectangle 225">
+                <a:extLst>
+                  <a:ext uri="{FF2B5EF4-FFF2-40B4-BE49-F238E27FC236}">
+                    <a16:creationId xmlns:a16="http://schemas.microsoft.com/office/drawing/2014/main" id="{9593F7CB-87AE-4613-AA07-631F1A7DFE92}"/>
+                  </a:ext>
+                </a:extLst>
+              </p:cNvPr>
+              <p:cNvSpPr/>
+              <p:nvPr/>
+            </p:nvSpPr>
+            <p:spPr>
+              <a:xfrm>
+                <a:off x="7095679" y="5316269"/>
+                <a:ext cx="1299330" cy="390748"/>
+              </a:xfrm>
+              <a:prstGeom prst="rect">
+                <a:avLst/>
+              </a:prstGeom>
+            </p:spPr>
+            <p:style>
+              <a:lnRef idx="2">
+                <a:schemeClr val="accent2">
+                  <a:shade val="50000"/>
+                </a:schemeClr>
+              </a:lnRef>
+              <a:fillRef idx="1">
+                <a:schemeClr val="accent2"/>
+              </a:fillRef>
+              <a:effectRef idx="0">
+                <a:schemeClr val="accent2"/>
+              </a:effectRef>
+              <a:fontRef idx="minor">
+                <a:schemeClr val="lt1"/>
+              </a:fontRef>
+            </p:style>
+            <p:txBody>
+              <a:bodyPr wrap="square" rtlCol="0">
+                <a:spAutoFit/>
+              </a:bodyPr>
+              <a:lstStyle/>
+              <a:p>
+                <a14:m>
+                  <m:oMath xmlns:m="http://schemas.openxmlformats.org/officeDocument/2006/math">
+                    <m:sSub>
+                      <m:sSubPr>
+                        <m:ctrlPr>
+                          <a:rPr lang="en-CA" i="1">
+                            <a:solidFill>
+                              <a:schemeClr val="lt1"/>
+                            </a:solidFill>
+                            <a:latin typeface="Cambria Math" panose="02040503050406030204" pitchFamily="18" charset="0"/>
+                          </a:rPr>
+                        </m:ctrlPr>
+                      </m:sSubPr>
+                      <m:e>
+                        <m:r>
+                          <a:rPr lang="en-CA" i="1">
+                            <a:solidFill>
+                              <a:schemeClr val="lt1"/>
+                            </a:solidFill>
+                            <a:latin typeface="Cambria Math" panose="02040503050406030204" pitchFamily="18" charset="0"/>
+                          </a:rPr>
+                          <m:t>𝐽</m:t>
+                        </m:r>
+                      </m:e>
+                      <m:sub>
+                        <m:r>
+                          <a:rPr lang="en-CA" i="1">
+                            <a:solidFill>
+                              <a:schemeClr val="lt1"/>
+                            </a:solidFill>
+                            <a:latin typeface="Cambria Math" panose="02040503050406030204" pitchFamily="18" charset="0"/>
+                          </a:rPr>
+                          <m:t>𝑞</m:t>
+                        </m:r>
+                        <m:r>
+                          <a:rPr lang="en-CA" i="1">
+                            <a:solidFill>
+                              <a:schemeClr val="lt1"/>
+                            </a:solidFill>
+                            <a:latin typeface="Cambria Math" panose="02040503050406030204" pitchFamily="18" charset="0"/>
+                          </a:rPr>
+                          <m:t>1</m:t>
+                        </m:r>
+                      </m:sub>
+                    </m:sSub>
+                    <m:r>
+                      <a:rPr lang="en-CA" i="1">
+                        <a:solidFill>
+                          <a:schemeClr val="lt1"/>
+                        </a:solidFill>
+                        <a:latin typeface="Cambria Math" panose="02040503050406030204" pitchFamily="18" charset="0"/>
+                      </a:rPr>
+                      <m:t>=</m:t>
+                    </m:r>
+                  </m:oMath>
+                </a14:m>
+                <a:r>
+                  <a:rPr lang="en-CA" i="1" dirty="0">
+                    <a:solidFill>
+                      <a:schemeClr val="lt1"/>
+                    </a:solidFill>
+                    <a:latin typeface="Cambria Math" panose="02040503050406030204" pitchFamily="18" charset="0"/>
+                  </a:rPr>
+                  <a:t> </a:t>
+                </a:r>
+                <a14:m>
+                  <m:oMath xmlns:m="http://schemas.openxmlformats.org/officeDocument/2006/math">
+                    <m:sSub>
+                      <m:sSubPr>
+                        <m:ctrlPr>
+                          <a:rPr lang="en-CA" i="1">
+                            <a:solidFill>
+                              <a:schemeClr val="lt1"/>
+                            </a:solidFill>
+                            <a:latin typeface="Cambria Math" panose="02040503050406030204" pitchFamily="18" charset="0"/>
+                          </a:rPr>
+                        </m:ctrlPr>
+                      </m:sSubPr>
+                      <m:e>
+                        <m:r>
+                          <a:rPr lang="en-CA" i="1">
+                            <a:solidFill>
+                              <a:schemeClr val="lt1"/>
+                            </a:solidFill>
+                            <a:latin typeface="Cambria Math" panose="02040503050406030204" pitchFamily="18" charset="0"/>
+                          </a:rPr>
+                          <m:t>𝐽</m:t>
+                        </m:r>
+                      </m:e>
+                      <m:sub>
+                        <m:r>
+                          <a:rPr lang="en-CA" i="1">
+                            <a:solidFill>
+                              <a:schemeClr val="lt1"/>
+                            </a:solidFill>
+                            <a:latin typeface="Cambria Math" panose="02040503050406030204" pitchFamily="18" charset="0"/>
+                          </a:rPr>
+                          <m:t>𝑟𝑜𝑡𝑜𝑟</m:t>
+                        </m:r>
+                      </m:sub>
+                    </m:sSub>
+                  </m:oMath>
+                </a14:m>
+                <a:endParaRPr lang="en-CA" i="1" dirty="0">
+                  <a:solidFill>
+                    <a:schemeClr val="lt1"/>
+                  </a:solidFill>
+                  <a:latin typeface="Cambria Math" panose="02040503050406030204" pitchFamily="18" charset="0"/>
+                </a:endParaRPr>
+              </a:p>
+            </p:txBody>
+          </p:sp>
+        </mc:Choice>
+        <mc:Fallback>
+          <p:sp>
+            <p:nvSpPr>
+              <p:cNvPr id="226" name="Rectangle 225">
+                <a:extLst>
+                  <a:ext uri="{FF2B5EF4-FFF2-40B4-BE49-F238E27FC236}">
+                    <a16:creationId xmlns:a16="http://schemas.microsoft.com/office/drawing/2014/main" id="{9593F7CB-87AE-4613-AA07-631F1A7DFE92}"/>
+                  </a:ext>
+                </a:extLst>
+              </p:cNvPr>
+              <p:cNvSpPr>
+                <a:spLocks noRot="1" noChangeAspect="1" noMove="1" noResize="1" noEditPoints="1" noAdjustHandles="1" noChangeArrowheads="1" noChangeShapeType="1" noTextEdit="1"/>
+              </p:cNvSpPr>
+              <p:nvPr/>
+            </p:nvSpPr>
+            <p:spPr>
+              <a:xfrm>
+                <a:off x="7095679" y="5316269"/>
+                <a:ext cx="1299330" cy="390748"/>
+              </a:xfrm>
+              <a:prstGeom prst="rect">
+                <a:avLst/>
+              </a:prstGeom>
+              <a:blipFill>
+                <a:blip r:embed="rId28"/>
+                <a:stretch>
+                  <a:fillRect l="-465" b="-6061"/>
+                </a:stretch>
+              </a:blipFill>
+            </p:spPr>
+            <p:txBody>
+              <a:bodyPr/>
+              <a:lstStyle/>
+              <a:p>
+                <a:r>
+                  <a:rPr lang="en-CA">
+                    <a:noFill/>
+                  </a:rPr>
+                  <a:t> </a:t>
+                </a:r>
+              </a:p>
+            </p:txBody>
+          </p:sp>
+        </mc:Fallback>
+      </mc:AlternateContent>
+    </p:spTree>
+    <p:extLst>
+      <p:ext uri="{BB962C8B-B14F-4D97-AF65-F5344CB8AC3E}">
+        <p14:creationId xmlns:p14="http://schemas.microsoft.com/office/powerpoint/2010/main" val="270049934"/>
+      </p:ext>
+    </p:extLst>
+  </p:cSld>
+  <p:clrMapOvr>
+    <a:masterClrMapping/>
+  </p:clrMapOvr>
+</p:sld>
+</file>
+
+<file path=ppt/slides/slide12.xml><?xml version="1.0" encoding="utf-8"?>
+<p:sld xmlns:a="http://schemas.openxmlformats.org/drawingml/2006/main" xmlns:r="http://schemas.openxmlformats.org/officeDocument/2006/relationships" xmlns:p="http://schemas.openxmlformats.org/presentationml/2006/main">
+  <p:cSld>
+    <p:spTree>
+      <p:nvGrpSpPr>
+        <p:cNvPr id="1" name=""/>
+        <p:cNvGrpSpPr/>
+        <p:nvPr/>
+      </p:nvGrpSpPr>
+      <p:grpSpPr>
+        <a:xfrm>
+          <a:off x="0" y="0"/>
+          <a:ext cx="0" cy="0"/>
+          <a:chOff x="0" y="0"/>
+          <a:chExt cx="0" cy="0"/>
+        </a:xfrm>
+      </p:grpSpPr>
+      <p:sp>
+        <p:nvSpPr>
           <p:cNvPr id="2" name="Title 1">
             <a:extLst>
               <a:ext uri="{FF2B5EF4-FFF2-40B4-BE49-F238E27FC236}">
@@ -4240,31 +10142,224 @@
           </a:p>
         </p:txBody>
       </p:sp>
-      <p:sp>
-        <p:nvSpPr>
-          <p:cNvPr id="3" name="Content Placeholder 2">
+      <p:pic>
+        <p:nvPicPr>
+          <p:cNvPr id="4" name="Picture 3">
             <a:extLst>
               <a:ext uri="{FF2B5EF4-FFF2-40B4-BE49-F238E27FC236}">
-                <a16:creationId xmlns:a16="http://schemas.microsoft.com/office/drawing/2014/main" id="{6B5C8586-2833-4790-A697-D19B2730A86C}"/>
+                <a16:creationId xmlns:a16="http://schemas.microsoft.com/office/drawing/2014/main" id="{4772C0B0-398A-437F-84ED-CE9A57D5E7F5}"/>
               </a:ext>
             </a:extLst>
           </p:cNvPr>
-          <p:cNvSpPr>
-            <a:spLocks noGrp="1"/>
-          </p:cNvSpPr>
-          <p:nvPr>
-            <p:ph idx="1"/>
-          </p:nvPr>
-        </p:nvSpPr>
-        <p:spPr/>
-        <p:txBody>
-          <a:bodyPr/>
-          <a:lstStyle/>
-          <a:p>
-            <a:endParaRPr lang="en-CA"/>
-          </a:p>
-        </p:txBody>
-      </p:sp>
+          <p:cNvPicPr>
+            <a:picLocks noChangeAspect="1"/>
+          </p:cNvPicPr>
+          <p:nvPr/>
+        </p:nvPicPr>
+        <p:blipFill>
+          <a:blip r:embed="rId2"/>
+          <a:stretch>
+            <a:fillRect/>
+          </a:stretch>
+        </p:blipFill>
+        <p:spPr>
+          <a:xfrm>
+            <a:off x="1335087" y="1296987"/>
+            <a:ext cx="3286125" cy="2028825"/>
+          </a:xfrm>
+          <a:prstGeom prst="rect">
+            <a:avLst/>
+          </a:prstGeom>
+        </p:spPr>
+      </p:pic>
+      <mc:AlternateContent xmlns:mc="http://schemas.openxmlformats.org/markup-compatibility/2006">
+        <mc:Choice xmlns:a14="http://schemas.microsoft.com/office/drawing/2010/main" Requires="a14">
+          <p:sp>
+            <p:nvSpPr>
+              <p:cNvPr id="5" name="Rectangle 4">
+                <a:extLst>
+                  <a:ext uri="{FF2B5EF4-FFF2-40B4-BE49-F238E27FC236}">
+                    <a16:creationId xmlns:a16="http://schemas.microsoft.com/office/drawing/2014/main" id="{1F40652F-D830-409F-9D1C-4084A499E6CE}"/>
+                  </a:ext>
+                </a:extLst>
+              </p:cNvPr>
+              <p:cNvSpPr/>
+              <p:nvPr/>
+            </p:nvSpPr>
+            <p:spPr>
+              <a:xfrm>
+                <a:off x="4550372" y="1885434"/>
+                <a:ext cx="615168" cy="369332"/>
+              </a:xfrm>
+              <a:prstGeom prst="rect">
+                <a:avLst/>
+              </a:prstGeom>
+            </p:spPr>
+            <p:txBody>
+              <a:bodyPr wrap="none">
+                <a:spAutoFit/>
+              </a:bodyPr>
+              <a:lstStyle/>
+              <a:p>
+                <a14:m>
+                  <m:oMathPara xmlns:m="http://schemas.openxmlformats.org/officeDocument/2006/math">
+                    <m:oMathParaPr>
+                      <m:jc m:val="centerGroup"/>
+                    </m:oMathParaPr>
+                    <m:oMath xmlns:m="http://schemas.openxmlformats.org/officeDocument/2006/math">
+                      <m:r>
+                        <a:rPr lang="en-CA" b="0" i="1" smtClean="0">
+                          <a:latin typeface="Cambria Math" panose="02040503050406030204" pitchFamily="18" charset="0"/>
+                        </a:rPr>
+                        <m:t>𝑟𝑎𝑑</m:t>
+                      </m:r>
+                    </m:oMath>
+                  </m:oMathPara>
+                </a14:m>
+                <a:endParaRPr lang="en-CA" dirty="0"/>
+              </a:p>
+            </p:txBody>
+          </p:sp>
+        </mc:Choice>
+        <mc:Fallback>
+          <p:sp>
+            <p:nvSpPr>
+              <p:cNvPr id="5" name="Rectangle 4">
+                <a:extLst>
+                  <a:ext uri="{FF2B5EF4-FFF2-40B4-BE49-F238E27FC236}">
+                    <a16:creationId xmlns:a16="http://schemas.microsoft.com/office/drawing/2014/main" id="{1F40652F-D830-409F-9D1C-4084A499E6CE}"/>
+                  </a:ext>
+                </a:extLst>
+              </p:cNvPr>
+              <p:cNvSpPr>
+                <a:spLocks noRot="1" noChangeAspect="1" noMove="1" noResize="1" noEditPoints="1" noAdjustHandles="1" noChangeArrowheads="1" noChangeShapeType="1" noTextEdit="1"/>
+              </p:cNvSpPr>
+              <p:nvPr/>
+            </p:nvSpPr>
+            <p:spPr>
+              <a:xfrm>
+                <a:off x="4550372" y="1885434"/>
+                <a:ext cx="615168" cy="369332"/>
+              </a:xfrm>
+              <a:prstGeom prst="rect">
+                <a:avLst/>
+              </a:prstGeom>
+              <a:blipFill>
+                <a:blip r:embed="rId3"/>
+                <a:stretch>
+                  <a:fillRect/>
+                </a:stretch>
+              </a:blipFill>
+            </p:spPr>
+            <p:txBody>
+              <a:bodyPr/>
+              <a:lstStyle/>
+              <a:p>
+                <a:r>
+                  <a:rPr lang="en-CA">
+                    <a:noFill/>
+                  </a:rPr>
+                  <a:t> </a:t>
+                </a:r>
+              </a:p>
+            </p:txBody>
+          </p:sp>
+        </mc:Fallback>
+      </mc:AlternateContent>
+      <mc:AlternateContent xmlns:mc="http://schemas.openxmlformats.org/markup-compatibility/2006">
+        <mc:Choice xmlns:a14="http://schemas.microsoft.com/office/drawing/2010/main" Requires="a14">
+          <p:sp>
+            <p:nvSpPr>
+              <p:cNvPr id="6" name="Rectangle 5">
+                <a:extLst>
+                  <a:ext uri="{FF2B5EF4-FFF2-40B4-BE49-F238E27FC236}">
+                    <a16:creationId xmlns:a16="http://schemas.microsoft.com/office/drawing/2014/main" id="{7DFCED84-D6F9-4704-8DB4-4FACF063E86F}"/>
+                  </a:ext>
+                </a:extLst>
+              </p:cNvPr>
+              <p:cNvSpPr/>
+              <p:nvPr/>
+            </p:nvSpPr>
+            <p:spPr>
+              <a:xfrm>
+                <a:off x="397059" y="1873250"/>
+                <a:ext cx="612178" cy="369332"/>
+              </a:xfrm>
+              <a:prstGeom prst="rect">
+                <a:avLst/>
+              </a:prstGeom>
+            </p:spPr>
+            <p:txBody>
+              <a:bodyPr wrap="square">
+                <a:spAutoFit/>
+              </a:bodyPr>
+              <a:lstStyle/>
+              <a:p>
+                <a14:m>
+                  <m:oMathPara xmlns:m="http://schemas.openxmlformats.org/officeDocument/2006/math">
+                    <m:oMathParaPr>
+                      <m:jc m:val="centerGroup"/>
+                    </m:oMathParaPr>
+                    <m:oMath xmlns:m="http://schemas.openxmlformats.org/officeDocument/2006/math">
+                      <m:r>
+                        <a:rPr lang="en-CA" b="0" i="1" smtClean="0">
+                          <a:latin typeface="Cambria Math" panose="02040503050406030204" pitchFamily="18" charset="0"/>
+                        </a:rPr>
+                        <m:t>𝑉𝑜𝑙𝑡𝑎𝑔𝑒</m:t>
+                      </m:r>
+                    </m:oMath>
+                  </m:oMathPara>
+                </a14:m>
+                <a:endParaRPr lang="en-CA" dirty="0"/>
+              </a:p>
+            </p:txBody>
+          </p:sp>
+        </mc:Choice>
+        <mc:Fallback>
+          <p:sp>
+            <p:nvSpPr>
+              <p:cNvPr id="6" name="Rectangle 5">
+                <a:extLst>
+                  <a:ext uri="{FF2B5EF4-FFF2-40B4-BE49-F238E27FC236}">
+                    <a16:creationId xmlns:a16="http://schemas.microsoft.com/office/drawing/2014/main" id="{7DFCED84-D6F9-4704-8DB4-4FACF063E86F}"/>
+                  </a:ext>
+                </a:extLst>
+              </p:cNvPr>
+              <p:cNvSpPr>
+                <a:spLocks noRot="1" noChangeAspect="1" noMove="1" noResize="1" noEditPoints="1" noAdjustHandles="1" noChangeArrowheads="1" noChangeShapeType="1" noTextEdit="1"/>
+              </p:cNvSpPr>
+              <p:nvPr/>
+            </p:nvSpPr>
+            <p:spPr>
+              <a:xfrm>
+                <a:off x="397059" y="1873250"/>
+                <a:ext cx="612178" cy="369332"/>
+              </a:xfrm>
+              <a:prstGeom prst="rect">
+                <a:avLst/>
+              </a:prstGeom>
+              <a:blipFill>
+                <a:blip r:embed="rId4"/>
+                <a:stretch>
+                  <a:fillRect l="-2970" r="-64356" b="-13115"/>
+                </a:stretch>
+              </a:blipFill>
+            </p:spPr>
+            <p:txBody>
+              <a:bodyPr/>
+              <a:lstStyle/>
+              <a:p>
+                <a:r>
+                  <a:rPr lang="en-CA">
+                    <a:noFill/>
+                  </a:rPr>
+                  <a:t> </a:t>
+                </a:r>
+              </a:p>
+            </p:txBody>
+          </p:sp>
+        </mc:Fallback>
+      </mc:AlternateContent>
     </p:spTree>
     <p:extLst>
       <p:ext uri="{BB962C8B-B14F-4D97-AF65-F5344CB8AC3E}">
@@ -4278,7 +10373,7 @@
 </p:sld>
 </file>
 
-<file path=ppt/slides/slide11.xml><?xml version="1.0" encoding="utf-8"?>
+<file path=ppt/slides/slide13.xml><?xml version="1.0" encoding="utf-8"?>
 <p:sld xmlns:a="http://schemas.openxmlformats.org/drawingml/2006/main" xmlns:r="http://schemas.openxmlformats.org/officeDocument/2006/relationships" xmlns:p="http://schemas.openxmlformats.org/presentationml/2006/main">
   <p:cSld>
     <p:spTree>
@@ -7280,36 +13375,6 @@
       </p:grpSpPr>
       <p:pic>
         <p:nvPicPr>
-          <p:cNvPr id="5" name="Picture 4">
-            <a:extLst>
-              <a:ext uri="{FF2B5EF4-FFF2-40B4-BE49-F238E27FC236}">
-                <a16:creationId xmlns:a16="http://schemas.microsoft.com/office/drawing/2014/main" id="{8DDF4BFB-120C-4CF3-BB24-2F8CEBB5119F}"/>
-              </a:ext>
-            </a:extLst>
-          </p:cNvPr>
-          <p:cNvPicPr>
-            <a:picLocks noChangeAspect="1"/>
-          </p:cNvPicPr>
-          <p:nvPr/>
-        </p:nvPicPr>
-        <p:blipFill>
-          <a:blip r:embed="rId2"/>
-          <a:stretch>
-            <a:fillRect/>
-          </a:stretch>
-        </p:blipFill>
-        <p:spPr>
-          <a:xfrm>
-            <a:off x="146960" y="909798"/>
-            <a:ext cx="3559094" cy="5613198"/>
-          </a:xfrm>
-          <a:prstGeom prst="rect">
-            <a:avLst/>
-          </a:prstGeom>
-        </p:spPr>
-      </p:pic>
-      <p:pic>
-        <p:nvPicPr>
           <p:cNvPr id="4" name="Picture 3">
             <a:extLst>
               <a:ext uri="{FF2B5EF4-FFF2-40B4-BE49-F238E27FC236}">
@@ -7323,7 +13388,7 @@
           <p:nvPr/>
         </p:nvPicPr>
         <p:blipFill>
-          <a:blip r:embed="rId3"/>
+          <a:blip r:embed="rId2"/>
           <a:stretch>
             <a:fillRect/>
           </a:stretch>
@@ -7568,7 +13633,7 @@
         </p:blipFill>
         <p:spPr>
           <a:xfrm>
-            <a:off x="4212518" y="2643549"/>
+            <a:off x="758118" y="986540"/>
             <a:ext cx="2246411" cy="1761797"/>
           </a:xfrm>
           <a:prstGeom prst="rect">
@@ -8337,10 +14402,10 @@
       </p:grpSpPr>
       <p:pic>
         <p:nvPicPr>
-          <p:cNvPr id="5" name="Picture 4">
+          <p:cNvPr id="6" name="Picture 5">
             <a:extLst>
               <a:ext uri="{FF2B5EF4-FFF2-40B4-BE49-F238E27FC236}">
-                <a16:creationId xmlns:a16="http://schemas.microsoft.com/office/drawing/2014/main" id="{8DDF4BFB-120C-4CF3-BB24-2F8CEBB5119F}"/>
+                <a16:creationId xmlns:a16="http://schemas.microsoft.com/office/drawing/2014/main" id="{8A7C2E0D-7A7C-403D-932F-1F754D76311D}"/>
               </a:ext>
             </a:extLst>
           </p:cNvPr>
@@ -8357,38 +14422,8 @@
         </p:blipFill>
         <p:spPr>
           <a:xfrm>
-            <a:off x="2704356" y="1011857"/>
-            <a:ext cx="3573156" cy="5635375"/>
-          </a:xfrm>
-          <a:prstGeom prst="rect">
-            <a:avLst/>
-          </a:prstGeom>
-        </p:spPr>
-      </p:pic>
-      <p:pic>
-        <p:nvPicPr>
-          <p:cNvPr id="6" name="Picture 5">
-            <a:extLst>
-              <a:ext uri="{FF2B5EF4-FFF2-40B4-BE49-F238E27FC236}">
-                <a16:creationId xmlns:a16="http://schemas.microsoft.com/office/drawing/2014/main" id="{8A7C2E0D-7A7C-403D-932F-1F754D76311D}"/>
-              </a:ext>
-            </a:extLst>
-          </p:cNvPr>
-          <p:cNvPicPr>
-            <a:picLocks noChangeAspect="1"/>
-          </p:cNvPicPr>
-          <p:nvPr/>
-        </p:nvPicPr>
-        <p:blipFill>
-          <a:blip r:embed="rId3"/>
-          <a:stretch>
-            <a:fillRect/>
-          </a:stretch>
-        </p:blipFill>
-        <p:spPr>
-          <a:xfrm>
-            <a:off x="5910356" y="914498"/>
-            <a:ext cx="6020154" cy="5830094"/>
+            <a:off x="4963886" y="914498"/>
+            <a:ext cx="6966624" cy="5830094"/>
           </a:xfrm>
           <a:prstGeom prst="rect">
             <a:avLst/>
@@ -8605,7 +14640,7 @@
         <p:spPr>
           <a:xfrm>
             <a:off x="9718722" y="976310"/>
-            <a:ext cx="441564" cy="1397020"/>
+            <a:ext cx="293445" cy="1367747"/>
           </a:xfrm>
           <a:prstGeom prst="straightConnector1">
             <a:avLst/>
@@ -9031,8 +15066,8 @@
           </a:fontRef>
         </p:style>
       </p:cxnSp>
-      <mc:AlternateContent xmlns:mc="http://schemas.openxmlformats.org/markup-compatibility/2006" xmlns:a14="http://schemas.microsoft.com/office/drawing/2010/main">
-        <mc:Choice Requires="a14">
+      <mc:AlternateContent xmlns:mc="http://schemas.openxmlformats.org/markup-compatibility/2006">
+        <mc:Choice xmlns:a14="http://schemas.microsoft.com/office/drawing/2010/main" Requires="a14">
           <p:sp>
             <p:nvSpPr>
               <p:cNvPr id="21" name="Content Placeholder 2">
@@ -9049,7 +15084,7 @@
             </p:nvSpPr>
             <p:spPr>
               <a:xfrm>
-                <a:off x="45713" y="4202130"/>
+                <a:off x="901288" y="3483673"/>
                 <a:ext cx="3433890" cy="962495"/>
               </a:xfrm>
               <a:prstGeom prst="rect">
@@ -9383,7 +15418,7 @@
             </p:txBody>
           </p:sp>
         </mc:Choice>
-        <mc:Fallback xmlns="">
+        <mc:Fallback>
           <p:sp>
             <p:nvSpPr>
               <p:cNvPr id="21" name="Content Placeholder 2">
@@ -9400,7 +15435,7 @@
             </p:nvSpPr>
             <p:spPr>
               <a:xfrm>
-                <a:off x="45713" y="4202130"/>
+                <a:off x="901288" y="3483673"/>
                 <a:ext cx="3433890" cy="962495"/>
               </a:xfrm>
               <a:prstGeom prst="rect">
@@ -9458,47 +15493,6 @@
           </a:prstGeom>
         </p:spPr>
       </p:pic>
-      <p:cxnSp>
-        <p:nvCxnSpPr>
-          <p:cNvPr id="25" name="Straight Arrow Connector 24">
-            <a:extLst>
-              <a:ext uri="{FF2B5EF4-FFF2-40B4-BE49-F238E27FC236}">
-                <a16:creationId xmlns:a16="http://schemas.microsoft.com/office/drawing/2014/main" id="{126BAE34-5610-4BAF-B67A-4D39D1BF2A01}"/>
-              </a:ext>
-            </a:extLst>
-          </p:cNvPr>
-          <p:cNvCxnSpPr>
-            <a:cxnSpLocks/>
-          </p:cNvCxnSpPr>
-          <p:nvPr/>
-        </p:nvCxnSpPr>
-        <p:spPr>
-          <a:xfrm flipH="1">
-            <a:off x="2178122" y="3829545"/>
-            <a:ext cx="1869896" cy="372585"/>
-          </a:xfrm>
-          <a:prstGeom prst="straightConnector1">
-            <a:avLst/>
-          </a:prstGeom>
-          <a:ln w="57150">
-            <a:tailEnd type="triangle"/>
-          </a:ln>
-        </p:spPr>
-        <p:style>
-          <a:lnRef idx="1">
-            <a:schemeClr val="accent1"/>
-          </a:lnRef>
-          <a:fillRef idx="0">
-            <a:schemeClr val="accent1"/>
-          </a:fillRef>
-          <a:effectRef idx="0">
-            <a:schemeClr val="accent1"/>
-          </a:effectRef>
-          <a:fontRef idx="minor">
-            <a:schemeClr val="tx1"/>
-          </a:fontRef>
-        </p:style>
-      </p:cxnSp>
       <p:sp>
         <p:nvSpPr>
           <p:cNvPr id="12" name="TextBox 11">
@@ -9600,8 +15594,8 @@
           </a:prstGeom>
         </p:spPr>
       </p:pic>
-      <mc:AlternateContent xmlns:mc="http://schemas.openxmlformats.org/markup-compatibility/2006">
-        <mc:Choice xmlns:a14="http://schemas.microsoft.com/office/drawing/2010/main" Requires="a14">
+      <mc:AlternateContent xmlns:mc="http://schemas.openxmlformats.org/markup-compatibility/2006" xmlns:a14="http://schemas.microsoft.com/office/drawing/2010/main">
+        <mc:Choice Requires="a14">
           <p:sp>
             <p:nvSpPr>
               <p:cNvPr id="5" name="TextBox 4">
@@ -9748,7 +15742,6 @@
                 <a:endParaRPr lang="en-CA" b="0" dirty="0"/>
               </a:p>
               <a:p>
-                <a:pPr/>
                 <a14:m>
                   <m:oMath xmlns:m="http://schemas.openxmlformats.org/officeDocument/2006/math">
                     <m:sSub>
@@ -10981,7 +16974,7 @@
             </p:txBody>
           </p:sp>
         </mc:Choice>
-        <mc:Fallback>
+        <mc:Fallback xmlns="">
           <p:sp>
             <p:nvSpPr>
               <p:cNvPr id="5" name="TextBox 4">
@@ -11360,8 +17353,8 @@
           </a:fontRef>
         </p:style>
       </p:cxnSp>
-      <mc:AlternateContent xmlns:mc="http://schemas.openxmlformats.org/markup-compatibility/2006">
-        <mc:Choice xmlns:a14="http://schemas.microsoft.com/office/drawing/2010/main" Requires="a14">
+      <mc:AlternateContent xmlns:mc="http://schemas.openxmlformats.org/markup-compatibility/2006" xmlns:a14="http://schemas.microsoft.com/office/drawing/2010/main">
+        <mc:Choice Requires="a14">
           <p:sp>
             <p:nvSpPr>
               <p:cNvPr id="21" name="Rectangle 20">
@@ -11683,7 +17676,7 @@
             </p:txBody>
           </p:sp>
         </mc:Choice>
-        <mc:Fallback>
+        <mc:Fallback xmlns="">
           <p:sp>
             <p:nvSpPr>
               <p:cNvPr id="21" name="Rectangle 20">
@@ -11797,12 +17790,1188 @@
           <a:chExt cx="0" cy="0"/>
         </a:xfrm>
       </p:grpSpPr>
+      <p:pic>
+        <p:nvPicPr>
+          <p:cNvPr id="4" name="Content Placeholder 3">
+            <a:extLst>
+              <a:ext uri="{FF2B5EF4-FFF2-40B4-BE49-F238E27FC236}">
+                <a16:creationId xmlns:a16="http://schemas.microsoft.com/office/drawing/2014/main" id="{C600A99C-DDE5-4061-8884-F2BFC1F2F614}"/>
+              </a:ext>
+            </a:extLst>
+          </p:cNvPr>
+          <p:cNvPicPr>
+            <a:picLocks noGrp="1" noChangeAspect="1"/>
+          </p:cNvPicPr>
+          <p:nvPr>
+            <p:ph idx="1"/>
+          </p:nvPr>
+        </p:nvPicPr>
+        <p:blipFill>
+          <a:blip r:embed="rId2"/>
+          <a:stretch>
+            <a:fillRect/>
+          </a:stretch>
+        </p:blipFill>
+        <p:spPr>
+          <a:xfrm>
+            <a:off x="700431" y="897210"/>
+            <a:ext cx="5359533" cy="2697671"/>
+          </a:xfrm>
+          <a:prstGeom prst="rect">
+            <a:avLst/>
+          </a:prstGeom>
+        </p:spPr>
+      </p:pic>
+      <mc:AlternateContent xmlns:mc="http://schemas.openxmlformats.org/markup-compatibility/2006">
+        <mc:Choice xmlns:a14="http://schemas.microsoft.com/office/drawing/2010/main" Requires="a14">
+          <p:sp>
+            <p:nvSpPr>
+              <p:cNvPr id="5" name="TextBox 4">
+                <a:extLst>
+                  <a:ext uri="{FF2B5EF4-FFF2-40B4-BE49-F238E27FC236}">
+                    <a16:creationId xmlns:a16="http://schemas.microsoft.com/office/drawing/2014/main" id="{EABE288E-B19A-4D0E-8015-C7CAB87F8A9D}"/>
+                  </a:ext>
+                </a:extLst>
+              </p:cNvPr>
+              <p:cNvSpPr txBox="1"/>
+              <p:nvPr/>
+            </p:nvSpPr>
+            <p:spPr>
+              <a:xfrm>
+                <a:off x="6369356" y="1235652"/>
+                <a:ext cx="3811371" cy="3756093"/>
+              </a:xfrm>
+              <a:prstGeom prst="rect">
+                <a:avLst/>
+              </a:prstGeom>
+              <a:noFill/>
+            </p:spPr>
+            <p:txBody>
+              <a:bodyPr wrap="square" rtlCol="0">
+                <a:spAutoFit/>
+              </a:bodyPr>
+              <a:lstStyle/>
+              <a:p>
+                <a:pPr/>
+                <a14:m>
+                  <m:oMathPara xmlns:m="http://schemas.openxmlformats.org/officeDocument/2006/math">
+                    <m:oMathParaPr>
+                      <m:jc m:val="centerGroup"/>
+                    </m:oMathParaPr>
+                    <m:oMath xmlns:m="http://schemas.openxmlformats.org/officeDocument/2006/math">
+                      <m:r>
+                        <m:rPr>
+                          <m:sty m:val="p"/>
+                        </m:rPr>
+                        <a:rPr lang="en-CA" b="0" i="0" smtClean="0"/>
+                        <m:t>Transfer</m:t>
+                      </m:r>
+                      <m:r>
+                        <a:rPr lang="en-CA" b="0" i="0" smtClean="0"/>
+                        <m:t> </m:t>
+                      </m:r>
+                      <m:r>
+                        <m:rPr>
+                          <m:sty m:val="p"/>
+                        </m:rPr>
+                        <a:rPr lang="en-CA" b="0" i="0" smtClean="0"/>
+                        <m:t>function</m:t>
+                      </m:r>
+                      <m:r>
+                        <a:rPr lang="en-CA" b="0" i="0" smtClean="0"/>
+                        <m:t>=</m:t>
+                      </m:r>
+                      <m:f>
+                        <m:fPr>
+                          <m:ctrlPr>
+                            <a:rPr lang="en-CA" b="0" smtClean="0"/>
+                          </m:ctrlPr>
+                        </m:fPr>
+                        <m:num>
+                          <m:sSub>
+                            <m:sSubPr>
+                              <m:ctrlPr>
+                                <a:rPr lang="en-CA" b="0" smtClean="0"/>
+                              </m:ctrlPr>
+                            </m:sSubPr>
+                            <m:e>
+                              <m:r>
+                                <m:rPr>
+                                  <m:sty m:val="p"/>
+                                </m:rPr>
+                                <a:rPr lang="en-CA" b="0" i="0" smtClean="0"/>
+                                <m:t>V</m:t>
+                              </m:r>
+                            </m:e>
+                            <m:sub>
+                              <m:r>
+                                <m:rPr>
+                                  <m:sty m:val="p"/>
+                                </m:rPr>
+                                <a:rPr lang="en-CA" b="0" i="0" smtClean="0"/>
+                                <m:t>out</m:t>
+                              </m:r>
+                            </m:sub>
+                          </m:sSub>
+                        </m:num>
+                        <m:den>
+                          <m:sSub>
+                            <m:sSubPr>
+                              <m:ctrlPr>
+                                <a:rPr lang="en-CA" b="0" smtClean="0"/>
+                              </m:ctrlPr>
+                            </m:sSubPr>
+                            <m:e>
+                              <m:r>
+                                <m:rPr>
+                                  <m:sty m:val="p"/>
+                                </m:rPr>
+                                <a:rPr lang="en-CA" b="0" i="0" smtClean="0"/>
+                                <m:t>V</m:t>
+                              </m:r>
+                            </m:e>
+                            <m:sub>
+                              <m:r>
+                                <m:rPr>
+                                  <m:sty m:val="p"/>
+                                </m:rPr>
+                                <a:rPr lang="en-CA" b="0" i="0" smtClean="0"/>
+                                <m:t>in</m:t>
+                              </m:r>
+                            </m:sub>
+                          </m:sSub>
+                        </m:den>
+                      </m:f>
+                    </m:oMath>
+                  </m:oMathPara>
+                </a14:m>
+                <a:endParaRPr lang="en-CA" b="0" dirty="0"/>
+              </a:p>
+              <a:p>
+                <a:pPr algn="ctr"/>
+                <a:r>
+                  <a:rPr lang="en-CA" b="0" dirty="0"/>
+                  <a:t>Negative feedback: </a:t>
+                </a:r>
+                <a14:m>
+                  <m:oMath xmlns:m="http://schemas.openxmlformats.org/officeDocument/2006/math">
+                    <m:sSub>
+                      <m:sSubPr>
+                        <m:ctrlPr>
+                          <a:rPr lang="en-CA" b="0" smtClean="0"/>
+                        </m:ctrlPr>
+                      </m:sSubPr>
+                      <m:e>
+                        <m:r>
+                          <m:rPr>
+                            <m:sty m:val="p"/>
+                          </m:rPr>
+                          <a:rPr lang="en-CA" b="0" i="0" smtClean="0"/>
+                          <m:t>V</m:t>
+                        </m:r>
+                      </m:e>
+                      <m:sub>
+                        <m:r>
+                          <m:rPr>
+                            <m:sty m:val="p"/>
+                          </m:rPr>
+                          <a:rPr lang="en-CA" b="0" i="0" smtClean="0"/>
+                          <m:t>p</m:t>
+                        </m:r>
+                      </m:sub>
+                    </m:sSub>
+                    <m:r>
+                      <a:rPr lang="en-CA" b="0" i="0" smtClean="0"/>
+                      <m:t>=</m:t>
+                    </m:r>
+                    <m:sSub>
+                      <m:sSubPr>
+                        <m:ctrlPr>
+                          <a:rPr lang="en-CA" b="0" smtClean="0"/>
+                        </m:ctrlPr>
+                      </m:sSubPr>
+                      <m:e>
+                        <m:r>
+                          <m:rPr>
+                            <m:sty m:val="p"/>
+                          </m:rPr>
+                          <a:rPr lang="en-CA" b="0" i="0" smtClean="0"/>
+                          <m:t>V</m:t>
+                        </m:r>
+                      </m:e>
+                      <m:sub>
+                        <m:r>
+                          <m:rPr>
+                            <m:sty m:val="p"/>
+                          </m:rPr>
+                          <a:rPr lang="en-CA" b="0" i="0" smtClean="0"/>
+                          <m:t>n</m:t>
+                        </m:r>
+                      </m:sub>
+                    </m:sSub>
+                  </m:oMath>
+                </a14:m>
+                <a:endParaRPr lang="en-CA" dirty="0"/>
+              </a:p>
+              <a:p>
+                <a:pPr/>
+                <a14:m>
+                  <m:oMathPara xmlns:m="http://schemas.openxmlformats.org/officeDocument/2006/math">
+                    <m:oMathParaPr>
+                      <m:jc m:val="centerGroup"/>
+                    </m:oMathParaPr>
+                    <m:oMath xmlns:m="http://schemas.openxmlformats.org/officeDocument/2006/math">
+                      <m:f>
+                        <m:fPr>
+                          <m:ctrlPr>
+                            <a:rPr lang="en-CA" b="0" smtClean="0"/>
+                          </m:ctrlPr>
+                        </m:fPr>
+                        <m:num>
+                          <m:sSub>
+                            <m:sSubPr>
+                              <m:ctrlPr>
+                                <a:rPr lang="en-CA" b="0" smtClean="0"/>
+                              </m:ctrlPr>
+                            </m:sSubPr>
+                            <m:e>
+                              <m:r>
+                                <m:rPr>
+                                  <m:sty m:val="p"/>
+                                </m:rPr>
+                                <a:rPr lang="en-CA" b="0" i="0" smtClean="0"/>
+                                <m:t>V</m:t>
+                              </m:r>
+                            </m:e>
+                            <m:sub>
+                              <m:r>
+                                <m:rPr>
+                                  <m:sty m:val="p"/>
+                                </m:rPr>
+                                <a:rPr lang="en-CA" b="0" i="0" smtClean="0"/>
+                                <m:t>in</m:t>
+                              </m:r>
+                            </m:sub>
+                          </m:sSub>
+                          <m:r>
+                            <a:rPr lang="en-CA" b="0" i="0" smtClean="0"/>
+                            <m:t>−</m:t>
+                          </m:r>
+                          <m:sSub>
+                            <m:sSubPr>
+                              <m:ctrlPr>
+                                <a:rPr lang="en-CA" b="0"/>
+                              </m:ctrlPr>
+                            </m:sSubPr>
+                            <m:e>
+                              <m:r>
+                                <m:rPr>
+                                  <m:sty m:val="p"/>
+                                </m:rPr>
+                                <a:rPr lang="en-CA" i="0"/>
+                                <m:t>V</m:t>
+                              </m:r>
+                            </m:e>
+                            <m:sub>
+                              <m:r>
+                                <m:rPr>
+                                  <m:sty m:val="p"/>
+                                </m:rPr>
+                                <a:rPr lang="en-CA" b="0" i="0" smtClean="0"/>
+                                <m:t>n</m:t>
+                              </m:r>
+                            </m:sub>
+                          </m:sSub>
+                        </m:num>
+                        <m:den>
+                          <m:sSub>
+                            <m:sSubPr>
+                              <m:ctrlPr>
+                                <a:rPr lang="en-CA" b="0"/>
+                              </m:ctrlPr>
+                            </m:sSubPr>
+                            <m:e>
+                              <m:r>
+                                <m:rPr>
+                                  <m:sty m:val="p"/>
+                                </m:rPr>
+                                <a:rPr lang="en-CA" b="0" i="0" smtClean="0"/>
+                                <m:t>R</m:t>
+                              </m:r>
+                            </m:e>
+                            <m:sub>
+                              <m:r>
+                                <a:rPr lang="en-CA" b="0" i="0" smtClean="0"/>
+                                <m:t>1</m:t>
+                              </m:r>
+                            </m:sub>
+                          </m:sSub>
+                        </m:den>
+                      </m:f>
+                      <m:r>
+                        <a:rPr lang="en-CA" b="0" i="0" smtClean="0"/>
+                        <m:t>=</m:t>
+                      </m:r>
+                      <m:d>
+                        <m:dPr>
+                          <m:ctrlPr>
+                            <a:rPr lang="en-CA" b="0" smtClean="0"/>
+                          </m:ctrlPr>
+                        </m:dPr>
+                        <m:e>
+                          <m:sSub>
+                            <m:sSubPr>
+                              <m:ctrlPr>
+                                <a:rPr lang="en-CA" b="0" smtClean="0"/>
+                              </m:ctrlPr>
+                            </m:sSubPr>
+                            <m:e>
+                              <m:r>
+                                <m:rPr>
+                                  <m:sty m:val="p"/>
+                                </m:rPr>
+                                <a:rPr lang="en-CA" b="0" i="0" smtClean="0"/>
+                                <m:t>V</m:t>
+                              </m:r>
+                            </m:e>
+                            <m:sub>
+                              <m:r>
+                                <m:rPr>
+                                  <m:sty m:val="p"/>
+                                </m:rPr>
+                                <a:rPr lang="en-CA" b="0" i="0" smtClean="0"/>
+                                <m:t>n</m:t>
+                              </m:r>
+                            </m:sub>
+                          </m:sSub>
+                          <m:r>
+                            <a:rPr lang="en-CA" b="0" i="0" smtClean="0"/>
+                            <m:t>−</m:t>
+                          </m:r>
+                          <m:sSub>
+                            <m:sSubPr>
+                              <m:ctrlPr>
+                                <a:rPr lang="en-CA" b="0" smtClean="0"/>
+                              </m:ctrlPr>
+                            </m:sSubPr>
+                            <m:e>
+                              <m:r>
+                                <m:rPr>
+                                  <m:sty m:val="p"/>
+                                </m:rPr>
+                                <a:rPr lang="en-CA" b="0" i="0" smtClean="0"/>
+                                <m:t>V</m:t>
+                              </m:r>
+                            </m:e>
+                            <m:sub>
+                              <m:r>
+                                <m:rPr>
+                                  <m:sty m:val="p"/>
+                                </m:rPr>
+                                <a:rPr lang="en-CA" b="0" i="0" smtClean="0"/>
+                                <m:t>out</m:t>
+                              </m:r>
+                            </m:sub>
+                          </m:sSub>
+                        </m:e>
+                      </m:d>
+                      <m:r>
+                        <a:rPr lang="en-CA" b="0" i="0" smtClean="0"/>
+                        <m:t>×</m:t>
+                      </m:r>
+                      <m:r>
+                        <m:rPr>
+                          <m:sty m:val="p"/>
+                        </m:rPr>
+                        <a:rPr lang="en-CA" b="0" i="0" smtClean="0"/>
+                        <m:t>SC</m:t>
+                      </m:r>
+                    </m:oMath>
+                  </m:oMathPara>
+                </a14:m>
+                <a:endParaRPr lang="en-CA" b="0" dirty="0"/>
+              </a:p>
+              <a:p>
+                <a:pPr/>
+                <a14:m>
+                  <m:oMathPara xmlns:m="http://schemas.openxmlformats.org/officeDocument/2006/math">
+                    <m:oMathParaPr>
+                      <m:jc m:val="centerGroup"/>
+                    </m:oMathParaPr>
+                    <m:oMath xmlns:m="http://schemas.openxmlformats.org/officeDocument/2006/math">
+                      <m:f>
+                        <m:fPr>
+                          <m:ctrlPr>
+                            <a:rPr lang="en-CA"/>
+                          </m:ctrlPr>
+                        </m:fPr>
+                        <m:num>
+                          <m:sSub>
+                            <m:sSubPr>
+                              <m:ctrlPr>
+                                <a:rPr lang="en-CA"/>
+                              </m:ctrlPr>
+                            </m:sSubPr>
+                            <m:e>
+                              <m:r>
+                                <m:rPr>
+                                  <m:sty m:val="p"/>
+                                </m:rPr>
+                                <a:rPr lang="en-CA" i="0"/>
+                                <m:t>V</m:t>
+                              </m:r>
+                            </m:e>
+                            <m:sub>
+                              <m:r>
+                                <m:rPr>
+                                  <m:sty m:val="p"/>
+                                </m:rPr>
+                                <a:rPr lang="en-CA" i="0"/>
+                                <m:t>in</m:t>
+                              </m:r>
+                            </m:sub>
+                          </m:sSub>
+                          <m:r>
+                            <a:rPr lang="en-CA" i="0"/>
+                            <m:t>−</m:t>
+                          </m:r>
+                          <m:sSub>
+                            <m:sSubPr>
+                              <m:ctrlPr>
+                                <a:rPr lang="en-CA"/>
+                              </m:ctrlPr>
+                            </m:sSubPr>
+                            <m:e>
+                              <m:r>
+                                <m:rPr>
+                                  <m:sty m:val="p"/>
+                                </m:rPr>
+                                <a:rPr lang="en-CA" i="0"/>
+                                <m:t>V</m:t>
+                              </m:r>
+                            </m:e>
+                            <m:sub>
+                              <m:r>
+                                <m:rPr>
+                                  <m:sty m:val="p"/>
+                                </m:rPr>
+                                <a:rPr lang="en-CA" i="0"/>
+                                <m:t>n</m:t>
+                              </m:r>
+                            </m:sub>
+                          </m:sSub>
+                        </m:num>
+                        <m:den>
+                          <m:r>
+                            <m:rPr>
+                              <m:sty m:val="p"/>
+                            </m:rPr>
+                            <a:rPr lang="en-CA" b="0" i="0" smtClean="0"/>
+                            <m:t>L</m:t>
+                          </m:r>
+                          <m:r>
+                            <a:rPr lang="en-CA" b="0" i="0" smtClean="0"/>
+                            <m:t>×</m:t>
+                          </m:r>
+                          <m:r>
+                            <m:rPr>
+                              <m:sty m:val="p"/>
+                            </m:rPr>
+                            <a:rPr lang="en-CA" b="0" i="0" smtClean="0"/>
+                            <m:t>S</m:t>
+                          </m:r>
+                        </m:den>
+                      </m:f>
+                      <m:r>
+                        <a:rPr lang="en-CA" b="0" i="0" smtClean="0"/>
+                        <m:t>=</m:t>
+                      </m:r>
+                      <m:f>
+                        <m:fPr>
+                          <m:ctrlPr>
+                            <a:rPr lang="en-CA"/>
+                          </m:ctrlPr>
+                        </m:fPr>
+                        <m:num>
+                          <m:sSub>
+                            <m:sSubPr>
+                              <m:ctrlPr>
+                                <a:rPr lang="en-CA"/>
+                              </m:ctrlPr>
+                            </m:sSubPr>
+                            <m:e>
+                              <m:r>
+                                <m:rPr>
+                                  <m:sty m:val="p"/>
+                                </m:rPr>
+                                <a:rPr lang="en-CA" i="0"/>
+                                <m:t>V</m:t>
+                              </m:r>
+                            </m:e>
+                            <m:sub>
+                              <m:r>
+                                <m:rPr>
+                                  <m:sty m:val="p"/>
+                                </m:rPr>
+                                <a:rPr lang="en-CA" i="0"/>
+                                <m:t>n</m:t>
+                              </m:r>
+                            </m:sub>
+                          </m:sSub>
+                        </m:num>
+                        <m:den>
+                          <m:sSub>
+                            <m:sSubPr>
+                              <m:ctrlPr>
+                                <a:rPr lang="en-CA"/>
+                              </m:ctrlPr>
+                            </m:sSubPr>
+                            <m:e>
+                              <m:r>
+                                <m:rPr>
+                                  <m:sty m:val="p"/>
+                                </m:rPr>
+                                <a:rPr lang="en-CA" i="0"/>
+                                <m:t>R</m:t>
+                              </m:r>
+                            </m:e>
+                            <m:sub>
+                              <m:r>
+                                <a:rPr lang="en-CA" b="0" i="0" smtClean="0"/>
+                                <m:t>2</m:t>
+                              </m:r>
+                            </m:sub>
+                          </m:sSub>
+                        </m:den>
+                      </m:f>
+                    </m:oMath>
+                  </m:oMathPara>
+                </a14:m>
+                <a:endParaRPr lang="en-CA" b="0" dirty="0"/>
+              </a:p>
+              <a:p>
+                <a14:m>
+                  <m:oMathPara xmlns:m="http://schemas.openxmlformats.org/officeDocument/2006/math">
+                    <m:oMathParaPr>
+                      <m:jc m:val="centerGroup"/>
+                    </m:oMathParaPr>
+                    <m:oMath xmlns:m="http://schemas.openxmlformats.org/officeDocument/2006/math">
+                      <m:r>
+                        <m:rPr>
+                          <m:sty m:val="p"/>
+                        </m:rPr>
+                        <a:rPr lang="en-CA" i="0"/>
+                        <m:t>solve</m:t>
+                      </m:r>
+                      <m:r>
+                        <a:rPr lang="en-CA" i="0"/>
+                        <m:t> </m:t>
+                      </m:r>
+                      <m:r>
+                        <m:rPr>
+                          <m:sty m:val="p"/>
+                        </m:rPr>
+                        <a:rPr lang="en-CA" i="0"/>
+                        <m:t>for</m:t>
+                      </m:r>
+                      <m:r>
+                        <a:rPr lang="en-CA" i="0"/>
+                        <m:t> </m:t>
+                      </m:r>
+                      <m:f>
+                        <m:fPr>
+                          <m:ctrlPr>
+                            <a:rPr lang="en-CA" b="1"/>
+                          </m:ctrlPr>
+                        </m:fPr>
+                        <m:num>
+                          <m:sSub>
+                            <m:sSubPr>
+                              <m:ctrlPr>
+                                <a:rPr lang="en-CA" b="1"/>
+                              </m:ctrlPr>
+                            </m:sSubPr>
+                            <m:e>
+                              <m:r>
+                                <a:rPr lang="en-CA" b="1" i="0"/>
+                                <m:t>𝐕</m:t>
+                              </m:r>
+                            </m:e>
+                            <m:sub>
+                              <m:r>
+                                <a:rPr lang="en-CA" b="1" i="0"/>
+                                <m:t>𝐨𝐮𝐭</m:t>
+                              </m:r>
+                            </m:sub>
+                          </m:sSub>
+                        </m:num>
+                        <m:den>
+                          <m:sSub>
+                            <m:sSubPr>
+                              <m:ctrlPr>
+                                <a:rPr lang="en-CA" b="1"/>
+                              </m:ctrlPr>
+                            </m:sSubPr>
+                            <m:e>
+                              <m:r>
+                                <a:rPr lang="en-CA" b="1" i="0"/>
+                                <m:t>𝐕</m:t>
+                              </m:r>
+                            </m:e>
+                            <m:sub>
+                              <m:r>
+                                <a:rPr lang="en-CA" b="1" i="0"/>
+                                <m:t>𝐢𝐧</m:t>
+                              </m:r>
+                            </m:sub>
+                          </m:sSub>
+                        </m:den>
+                      </m:f>
+                      <m:r>
+                        <a:rPr lang="en-CA" b="1" i="0"/>
+                        <m:t>=</m:t>
+                      </m:r>
+                      <m:f>
+                        <m:fPr>
+                          <m:ctrlPr>
+                            <a:rPr lang="en-CA" b="1"/>
+                          </m:ctrlPr>
+                        </m:fPr>
+                        <m:num>
+                          <m:r>
+                            <a:rPr lang="en-CA" b="1" i="0"/>
+                            <m:t>𝐂</m:t>
+                          </m:r>
+                          <m:sSub>
+                            <m:sSubPr>
+                              <m:ctrlPr>
+                                <a:rPr lang="en-CA" b="1"/>
+                              </m:ctrlPr>
+                            </m:sSubPr>
+                            <m:e>
+                              <m:r>
+                                <a:rPr lang="en-CA" b="1" i="0"/>
+                                <m:t>𝐑</m:t>
+                              </m:r>
+                            </m:e>
+                            <m:sub>
+                              <m:r>
+                                <a:rPr lang="en-CA" b="1" i="0"/>
+                                <m:t>𝟐</m:t>
+                              </m:r>
+                            </m:sub>
+                          </m:sSub>
+                          <m:sSub>
+                            <m:sSubPr>
+                              <m:ctrlPr>
+                                <a:rPr lang="en-CA" b="1"/>
+                              </m:ctrlPr>
+                            </m:sSubPr>
+                            <m:e>
+                              <m:r>
+                                <a:rPr lang="en-CA" b="1" i="0"/>
+                                <m:t>𝐑</m:t>
+                              </m:r>
+                            </m:e>
+                            <m:sub>
+                              <m:r>
+                                <a:rPr lang="en-CA" b="1" i="0"/>
+                                <m:t>𝟏</m:t>
+                              </m:r>
+                            </m:sub>
+                          </m:sSub>
+                          <m:r>
+                            <a:rPr lang="en-CA" b="1" i="0"/>
+                            <m:t>−</m:t>
+                          </m:r>
+                          <m:r>
+                            <a:rPr lang="en-CA" b="1" i="0"/>
+                            <m:t>𝐋</m:t>
+                          </m:r>
+                        </m:num>
+                        <m:den>
+                          <m:r>
+                            <a:rPr lang="en-CA" b="1" i="0"/>
+                            <m:t>𝐋𝐂</m:t>
+                          </m:r>
+                          <m:sSub>
+                            <m:sSubPr>
+                              <m:ctrlPr>
+                                <a:rPr lang="en-CA" b="1"/>
+                              </m:ctrlPr>
+                            </m:sSubPr>
+                            <m:e>
+                              <m:r>
+                                <a:rPr lang="en-CA" b="1" i="0"/>
+                                <m:t>𝐑</m:t>
+                              </m:r>
+                            </m:e>
+                            <m:sub>
+                              <m:r>
+                                <a:rPr lang="en-CA" b="1" i="0"/>
+                                <m:t>𝟏</m:t>
+                              </m:r>
+                            </m:sub>
+                          </m:sSub>
+                          <m:r>
+                            <a:rPr lang="en-CA" b="1" i="0"/>
+                            <m:t>𝐬</m:t>
+                          </m:r>
+                          <m:r>
+                            <a:rPr lang="en-CA" b="1" i="0"/>
+                            <m:t>+</m:t>
+                          </m:r>
+                          <m:r>
+                            <a:rPr lang="en-CA" b="1" i="0"/>
+                            <m:t>𝐂</m:t>
+                          </m:r>
+                          <m:sSub>
+                            <m:sSubPr>
+                              <m:ctrlPr>
+                                <a:rPr lang="en-CA" b="1"/>
+                              </m:ctrlPr>
+                            </m:sSubPr>
+                            <m:e>
+                              <m:r>
+                                <a:rPr lang="en-CA" b="1" i="0"/>
+                                <m:t>𝐑</m:t>
+                              </m:r>
+                            </m:e>
+                            <m:sub>
+                              <m:r>
+                                <a:rPr lang="en-CA" b="1" i="0"/>
+                                <m:t>𝟏</m:t>
+                              </m:r>
+                            </m:sub>
+                          </m:sSub>
+                          <m:sSub>
+                            <m:sSubPr>
+                              <m:ctrlPr>
+                                <a:rPr lang="en-CA" b="1"/>
+                              </m:ctrlPr>
+                            </m:sSubPr>
+                            <m:e>
+                              <m:r>
+                                <a:rPr lang="en-CA" b="1" i="0"/>
+                                <m:t>𝐑</m:t>
+                              </m:r>
+                            </m:e>
+                            <m:sub>
+                              <m:r>
+                                <a:rPr lang="en-CA" b="1" i="0"/>
+                                <m:t>𝟐</m:t>
+                              </m:r>
+                            </m:sub>
+                          </m:sSub>
+                        </m:den>
+                      </m:f>
+                    </m:oMath>
+                  </m:oMathPara>
+                </a14:m>
+                <a:endParaRPr lang="en-CA" b="1" dirty="0"/>
+              </a:p>
+              <a:p>
+                <a:pPr/>
+                <a:endParaRPr lang="en-CA" b="0" dirty="0"/>
+              </a:p>
+              <a:p>
+                <a:pPr/>
+                <a:endParaRPr lang="en-CA" b="0" dirty="0"/>
+              </a:p>
+              <a:p>
+                <a:endParaRPr lang="en-CA" b="0" dirty="0"/>
+              </a:p>
+              <a:p>
+                <a:endParaRPr lang="en-CA" dirty="0"/>
+              </a:p>
+            </p:txBody>
+          </p:sp>
+        </mc:Choice>
+        <mc:Fallback>
+          <p:sp>
+            <p:nvSpPr>
+              <p:cNvPr id="5" name="TextBox 4">
+                <a:extLst>
+                  <a:ext uri="{FF2B5EF4-FFF2-40B4-BE49-F238E27FC236}">
+                    <a16:creationId xmlns:a16="http://schemas.microsoft.com/office/drawing/2014/main" id="{EABE288E-B19A-4D0E-8015-C7CAB87F8A9D}"/>
+                  </a:ext>
+                </a:extLst>
+              </p:cNvPr>
+              <p:cNvSpPr txBox="1">
+                <a:spLocks noRot="1" noChangeAspect="1" noMove="1" noResize="1" noEditPoints="1" noAdjustHandles="1" noChangeArrowheads="1" noChangeShapeType="1" noTextEdit="1"/>
+              </p:cNvSpPr>
+              <p:nvPr/>
+            </p:nvSpPr>
+            <p:spPr>
+              <a:xfrm>
+                <a:off x="6369356" y="1235652"/>
+                <a:ext cx="3811371" cy="3756093"/>
+              </a:xfrm>
+              <a:prstGeom prst="rect">
+                <a:avLst/>
+              </a:prstGeom>
+              <a:blipFill>
+                <a:blip r:embed="rId3"/>
+                <a:stretch>
+                  <a:fillRect/>
+                </a:stretch>
+              </a:blipFill>
+            </p:spPr>
+            <p:txBody>
+              <a:bodyPr/>
+              <a:lstStyle/>
+              <a:p>
+                <a:r>
+                  <a:rPr lang="en-CA">
+                    <a:noFill/>
+                  </a:rPr>
+                  <a:t> </a:t>
+                </a:r>
+              </a:p>
+            </p:txBody>
+          </p:sp>
+        </mc:Fallback>
+      </mc:AlternateContent>
+      <p:cxnSp>
+        <p:nvCxnSpPr>
+          <p:cNvPr id="7" name="Straight Arrow Connector 6">
+            <a:extLst>
+              <a:ext uri="{FF2B5EF4-FFF2-40B4-BE49-F238E27FC236}">
+                <a16:creationId xmlns:a16="http://schemas.microsoft.com/office/drawing/2014/main" id="{ABDBE72E-3499-4172-A81A-C3F6BC53E0DB}"/>
+              </a:ext>
+            </a:extLst>
+          </p:cNvPr>
+          <p:cNvCxnSpPr>
+            <a:cxnSpLocks/>
+          </p:cNvCxnSpPr>
+          <p:nvPr/>
+        </p:nvCxnSpPr>
+        <p:spPr>
+          <a:xfrm flipV="1">
+            <a:off x="3370474" y="2520845"/>
+            <a:ext cx="750015" cy="1402422"/>
+          </a:xfrm>
+          <a:prstGeom prst="straightConnector1">
+            <a:avLst/>
+          </a:prstGeom>
+          <a:ln w="38100">
+            <a:tailEnd type="triangle"/>
+          </a:ln>
+        </p:spPr>
+        <p:style>
+          <a:lnRef idx="1">
+            <a:schemeClr val="accent1"/>
+          </a:lnRef>
+          <a:fillRef idx="0">
+            <a:schemeClr val="accent1"/>
+          </a:fillRef>
+          <a:effectRef idx="0">
+            <a:schemeClr val="accent1"/>
+          </a:effectRef>
+          <a:fontRef idx="minor">
+            <a:schemeClr val="tx1"/>
+          </a:fontRef>
+        </p:style>
+      </p:cxnSp>
+      <mc:AlternateContent xmlns:mc="http://schemas.openxmlformats.org/markup-compatibility/2006">
+        <mc:Choice xmlns:a14="http://schemas.microsoft.com/office/drawing/2010/main" Requires="a14">
+          <p:sp>
+            <p:nvSpPr>
+              <p:cNvPr id="11" name="Rectangle 10">
+                <a:extLst>
+                  <a:ext uri="{FF2B5EF4-FFF2-40B4-BE49-F238E27FC236}">
+                    <a16:creationId xmlns:a16="http://schemas.microsoft.com/office/drawing/2014/main" id="{B16D8FD8-34AD-4BFD-A7A4-DEC3964B1980}"/>
+                  </a:ext>
+                </a:extLst>
+              </p:cNvPr>
+              <p:cNvSpPr/>
+              <p:nvPr/>
+            </p:nvSpPr>
+            <p:spPr>
+              <a:xfrm>
+                <a:off x="2926798" y="3719637"/>
+                <a:ext cx="528863" cy="667747"/>
+              </a:xfrm>
+              <a:prstGeom prst="rect">
+                <a:avLst/>
+              </a:prstGeom>
+            </p:spPr>
+            <p:txBody>
+              <a:bodyPr wrap="none">
+                <a:spAutoFit/>
+              </a:bodyPr>
+              <a:lstStyle/>
+              <a:p>
+                <a:pPr/>
+                <a14:m>
+                  <m:oMathPara xmlns:m="http://schemas.openxmlformats.org/officeDocument/2006/math">
+                    <m:oMathParaPr>
+                      <m:jc m:val="centerGroup"/>
+                    </m:oMathParaPr>
+                    <m:oMath xmlns:m="http://schemas.openxmlformats.org/officeDocument/2006/math">
+                      <m:sSub>
+                        <m:sSubPr>
+                          <m:ctrlPr>
+                            <a:rPr lang="en-CA" b="0" i="1" smtClean="0">
+                              <a:solidFill>
+                                <a:schemeClr val="accent1"/>
+                              </a:solidFill>
+                              <a:latin typeface="Cambria Math" panose="02040503050406030204" pitchFamily="18" charset="0"/>
+                            </a:rPr>
+                          </m:ctrlPr>
+                        </m:sSubPr>
+                        <m:e>
+                          <m:r>
+                            <a:rPr lang="en-CA" b="0" i="1" smtClean="0">
+                              <a:solidFill>
+                                <a:schemeClr val="accent1"/>
+                              </a:solidFill>
+                              <a:latin typeface="Cambria Math" panose="02040503050406030204" pitchFamily="18" charset="0"/>
+                            </a:rPr>
+                            <m:t>𝑉</m:t>
+                          </m:r>
+                        </m:e>
+                        <m:sub>
+                          <m:r>
+                            <a:rPr lang="en-CA" b="0" i="1" smtClean="0">
+                              <a:solidFill>
+                                <a:schemeClr val="accent1"/>
+                              </a:solidFill>
+                              <a:latin typeface="Cambria Math" panose="02040503050406030204" pitchFamily="18" charset="0"/>
+                            </a:rPr>
+                            <m:t>𝑝</m:t>
+                          </m:r>
+                        </m:sub>
+                      </m:sSub>
+                    </m:oMath>
+                  </m:oMathPara>
+                </a14:m>
+                <a:endParaRPr lang="en-CA" b="0" dirty="0"/>
+              </a:p>
+              <a:p>
+                <a:endParaRPr lang="en-CA" dirty="0"/>
+              </a:p>
+            </p:txBody>
+          </p:sp>
+        </mc:Choice>
+        <mc:Fallback>
+          <p:sp>
+            <p:nvSpPr>
+              <p:cNvPr id="11" name="Rectangle 10">
+                <a:extLst>
+                  <a:ext uri="{FF2B5EF4-FFF2-40B4-BE49-F238E27FC236}">
+                    <a16:creationId xmlns:a16="http://schemas.microsoft.com/office/drawing/2014/main" id="{B16D8FD8-34AD-4BFD-A7A4-DEC3964B1980}"/>
+                  </a:ext>
+                </a:extLst>
+              </p:cNvPr>
+              <p:cNvSpPr>
+                <a:spLocks noRot="1" noChangeAspect="1" noMove="1" noResize="1" noEditPoints="1" noAdjustHandles="1" noChangeArrowheads="1" noChangeShapeType="1" noTextEdit="1"/>
+              </p:cNvSpPr>
+              <p:nvPr/>
+            </p:nvSpPr>
+            <p:spPr>
+              <a:xfrm>
+                <a:off x="2926798" y="3719637"/>
+                <a:ext cx="528863" cy="667747"/>
+              </a:xfrm>
+              <a:prstGeom prst="rect">
+                <a:avLst/>
+              </a:prstGeom>
+              <a:blipFill>
+                <a:blip r:embed="rId4"/>
+                <a:stretch>
+                  <a:fillRect/>
+                </a:stretch>
+              </a:blipFill>
+            </p:spPr>
+            <p:txBody>
+              <a:bodyPr/>
+              <a:lstStyle/>
+              <a:p>
+                <a:r>
+                  <a:rPr lang="en-CA">
+                    <a:noFill/>
+                  </a:rPr>
+                  <a:t> </a:t>
+                </a:r>
+              </a:p>
+            </p:txBody>
+          </p:sp>
+        </mc:Fallback>
+      </mc:AlternateContent>
+      <mc:AlternateContent xmlns:mc="http://schemas.openxmlformats.org/markup-compatibility/2006">
+        <mc:Choice xmlns:a14="http://schemas.microsoft.com/office/drawing/2010/main" Requires="a14">
+          <p:sp>
+            <p:nvSpPr>
+              <p:cNvPr id="12" name="Rectangle 11">
+                <a:extLst>
+                  <a:ext uri="{FF2B5EF4-FFF2-40B4-BE49-F238E27FC236}">
+                    <a16:creationId xmlns:a16="http://schemas.microsoft.com/office/drawing/2014/main" id="{8703D0EE-20EB-44A9-AC5C-E52A35055FAA}"/>
+                  </a:ext>
+                </a:extLst>
+              </p:cNvPr>
+              <p:cNvSpPr/>
+              <p:nvPr/>
+            </p:nvSpPr>
+            <p:spPr>
+              <a:xfrm>
+                <a:off x="3614126" y="791497"/>
+                <a:ext cx="471507" cy="646331"/>
+              </a:xfrm>
+              <a:prstGeom prst="rect">
+                <a:avLst/>
+              </a:prstGeom>
+            </p:spPr>
+            <p:txBody>
+              <a:bodyPr wrap="square">
+                <a:spAutoFit/>
+              </a:bodyPr>
+              <a:lstStyle/>
+              <a:p>
+                <a:pPr/>
+                <a14:m>
+                  <m:oMathPara xmlns:m="http://schemas.openxmlformats.org/officeDocument/2006/math">
+                    <m:oMathParaPr>
+                      <m:jc m:val="centerGroup"/>
+                    </m:oMathParaPr>
+                    <m:oMath xmlns:m="http://schemas.openxmlformats.org/officeDocument/2006/math">
+                      <m:sSub>
+                        <m:sSubPr>
+                          <m:ctrlPr>
+                            <a:rPr lang="en-CA" b="0" i="1" smtClean="0">
+                              <a:solidFill>
+                                <a:schemeClr val="accent1"/>
+                              </a:solidFill>
+                              <a:latin typeface="Cambria Math" panose="02040503050406030204" pitchFamily="18" charset="0"/>
+                            </a:rPr>
+                          </m:ctrlPr>
+                        </m:sSubPr>
+                        <m:e>
+                          <m:r>
+                            <a:rPr lang="en-CA" b="0" i="1" smtClean="0">
+                              <a:solidFill>
+                                <a:schemeClr val="accent1"/>
+                              </a:solidFill>
+                              <a:latin typeface="Cambria Math" panose="02040503050406030204" pitchFamily="18" charset="0"/>
+                            </a:rPr>
+                            <m:t>𝑉</m:t>
+                          </m:r>
+                        </m:e>
+                        <m:sub>
+                          <m:r>
+                            <a:rPr lang="en-CA" b="0" i="1" smtClean="0">
+                              <a:solidFill>
+                                <a:schemeClr val="accent1"/>
+                              </a:solidFill>
+                              <a:latin typeface="Cambria Math" panose="02040503050406030204" pitchFamily="18" charset="0"/>
+                            </a:rPr>
+                            <m:t>𝑛</m:t>
+                          </m:r>
+                        </m:sub>
+                      </m:sSub>
+                    </m:oMath>
+                  </m:oMathPara>
+                </a14:m>
+                <a:endParaRPr lang="en-CA" b="0" dirty="0"/>
+              </a:p>
+              <a:p>
+                <a:endParaRPr lang="en-CA" dirty="0"/>
+              </a:p>
+            </p:txBody>
+          </p:sp>
+        </mc:Choice>
+        <mc:Fallback>
+          <p:sp>
+            <p:nvSpPr>
+              <p:cNvPr id="12" name="Rectangle 11">
+                <a:extLst>
+                  <a:ext uri="{FF2B5EF4-FFF2-40B4-BE49-F238E27FC236}">
+                    <a16:creationId xmlns:a16="http://schemas.microsoft.com/office/drawing/2014/main" id="{8703D0EE-20EB-44A9-AC5C-E52A35055FAA}"/>
+                  </a:ext>
+                </a:extLst>
+              </p:cNvPr>
+              <p:cNvSpPr>
+                <a:spLocks noRot="1" noChangeAspect="1" noMove="1" noResize="1" noEditPoints="1" noAdjustHandles="1" noChangeArrowheads="1" noChangeShapeType="1" noTextEdit="1"/>
+              </p:cNvSpPr>
+              <p:nvPr/>
+            </p:nvSpPr>
+            <p:spPr>
+              <a:xfrm>
+                <a:off x="3614126" y="791497"/>
+                <a:ext cx="471507" cy="646331"/>
+              </a:xfrm>
+              <a:prstGeom prst="rect">
+                <a:avLst/>
+              </a:prstGeom>
+              <a:blipFill>
+                <a:blip r:embed="rId5"/>
+                <a:stretch>
+                  <a:fillRect/>
+                </a:stretch>
+              </a:blipFill>
+            </p:spPr>
+            <p:txBody>
+              <a:bodyPr/>
+              <a:lstStyle/>
+              <a:p>
+                <a:r>
+                  <a:rPr lang="en-CA">
+                    <a:noFill/>
+                  </a:rPr>
+                  <a:t> </a:t>
+                </a:r>
+              </a:p>
+            </p:txBody>
+          </p:sp>
+        </mc:Fallback>
+      </mc:AlternateContent>
+      <p:cxnSp>
+        <p:nvCxnSpPr>
+          <p:cNvPr id="13" name="Straight Arrow Connector 12">
+            <a:extLst>
+              <a:ext uri="{FF2B5EF4-FFF2-40B4-BE49-F238E27FC236}">
+                <a16:creationId xmlns:a16="http://schemas.microsoft.com/office/drawing/2014/main" id="{1379E97D-0FE8-438E-BBAA-6401135A6E03}"/>
+              </a:ext>
+            </a:extLst>
+          </p:cNvPr>
+          <p:cNvCxnSpPr>
+            <a:cxnSpLocks/>
+          </p:cNvCxnSpPr>
+          <p:nvPr/>
+        </p:nvCxnSpPr>
+        <p:spPr>
+          <a:xfrm>
+            <a:off x="4001784" y="1119883"/>
+            <a:ext cx="118705" cy="1137781"/>
+          </a:xfrm>
+          <a:prstGeom prst="straightConnector1">
+            <a:avLst/>
+          </a:prstGeom>
+          <a:ln w="38100">
+            <a:tailEnd type="triangle"/>
+          </a:ln>
+        </p:spPr>
+        <p:style>
+          <a:lnRef idx="1">
+            <a:schemeClr val="accent1"/>
+          </a:lnRef>
+          <a:fillRef idx="0">
+            <a:schemeClr val="accent1"/>
+          </a:fillRef>
+          <a:effectRef idx="0">
+            <a:schemeClr val="accent1"/>
+          </a:effectRef>
+          <a:fontRef idx="minor">
+            <a:schemeClr val="tx1"/>
+          </a:fontRef>
+        </p:style>
+      </p:cxnSp>
       <p:sp>
         <p:nvSpPr>
-          <p:cNvPr id="6" name="TextBox 5">
+          <p:cNvPr id="14" name="TextBox 13">
             <a:extLst>
               <a:ext uri="{FF2B5EF4-FFF2-40B4-BE49-F238E27FC236}">
-                <a16:creationId xmlns:a16="http://schemas.microsoft.com/office/drawing/2014/main" id="{4B16F63E-543A-45CE-B8A4-DA2F5634CCFA}"/>
+                <a16:creationId xmlns:a16="http://schemas.microsoft.com/office/drawing/2014/main" id="{C83B212C-1C07-4015-9C4C-A42A0AE246DE}"/>
               </a:ext>
             </a:extLst>
           </p:cNvPr>
@@ -11811,8 +18980,8 @@
         </p:nvSpPr>
         <p:spPr>
           <a:xfrm>
-            <a:off x="4336547" y="150470"/>
-            <a:ext cx="3518912" cy="646331"/>
+            <a:off x="4487364" y="150470"/>
+            <a:ext cx="3217291" cy="646331"/>
           </a:xfrm>
           <a:prstGeom prst="rect">
             <a:avLst/>
@@ -11827,23 +18996,19 @@
           <a:p>
             <a:pPr algn="ctr"/>
             <a:r>
-              <a:rPr lang="en-CA" sz="3600">
+              <a:rPr lang="en-CA" sz="3600" dirty="0">
                 <a:latin typeface="Segoe UI Light" panose="020B0502040204020203" pitchFamily="34" charset="0"/>
                 <a:cs typeface="Segoe UI Light" panose="020B0502040204020203" pitchFamily="34" charset="0"/>
               </a:rPr>
-              <a:t>Electric Dynamics</a:t>
+              <a:t>Power Amplifier</a:t>
             </a:r>
-            <a:endParaRPr lang="en-CA" sz="3600" dirty="0">
-              <a:latin typeface="Segoe UI Light" panose="020B0502040204020203" pitchFamily="34" charset="0"/>
-              <a:cs typeface="Segoe UI Light" panose="020B0502040204020203" pitchFamily="34" charset="0"/>
-            </a:endParaRPr>
           </a:p>
         </p:txBody>
       </p:sp>
     </p:spTree>
     <p:extLst>
       <p:ext uri="{BB962C8B-B14F-4D97-AF65-F5344CB8AC3E}">
-        <p14:creationId xmlns:p14="http://schemas.microsoft.com/office/powerpoint/2010/main" val="2821594686"/>
+        <p14:creationId xmlns:p14="http://schemas.microsoft.com/office/powerpoint/2010/main" val="1087011548"/>
       </p:ext>
     </p:extLst>
   </p:cSld>
@@ -11870,35 +19035,702 @@
           <a:chExt cx="0" cy="0"/>
         </a:xfrm>
       </p:grpSpPr>
-      <mc:AlternateContent xmlns:mc="http://schemas.openxmlformats.org/markup-compatibility/2006" xmlns:a14="http://schemas.microsoft.com/office/drawing/2010/main">
-        <mc:Choice Requires="a14">
+      <p:sp>
+        <p:nvSpPr>
+          <p:cNvPr id="6" name="TextBox 5">
+            <a:extLst>
+              <a:ext uri="{FF2B5EF4-FFF2-40B4-BE49-F238E27FC236}">
+                <a16:creationId xmlns:a16="http://schemas.microsoft.com/office/drawing/2014/main" id="{4B16F63E-543A-45CE-B8A4-DA2F5634CCFA}"/>
+              </a:ext>
+            </a:extLst>
+          </p:cNvPr>
+          <p:cNvSpPr txBox="1"/>
+          <p:nvPr/>
+        </p:nvSpPr>
+        <p:spPr>
+          <a:xfrm>
+            <a:off x="3676111" y="150470"/>
+            <a:ext cx="4839787" cy="646331"/>
+          </a:xfrm>
+          <a:prstGeom prst="rect">
+            <a:avLst/>
+          </a:prstGeom>
+          <a:noFill/>
+        </p:spPr>
+        <p:txBody>
+          <a:bodyPr wrap="none" rtlCol="0">
+            <a:spAutoFit/>
+          </a:bodyPr>
+          <a:lstStyle/>
+          <a:p>
+            <a:pPr algn="ctr"/>
+            <a:r>
+              <a:rPr lang="en-CA" sz="3600" dirty="0">
+                <a:latin typeface="Segoe UI Light" panose="020B0502040204020203" pitchFamily="34" charset="0"/>
+                <a:cs typeface="Segoe UI Light" panose="020B0502040204020203" pitchFamily="34" charset="0"/>
+              </a:rPr>
+              <a:t>Electric Motor Dynamics</a:t>
+            </a:r>
+          </a:p>
+        </p:txBody>
+      </p:sp>
+      <mc:AlternateContent xmlns:mc="http://schemas.openxmlformats.org/markup-compatibility/2006">
+        <mc:Choice xmlns:a14="http://schemas.microsoft.com/office/drawing/2010/main" Requires="a14">
           <p:sp>
             <p:nvSpPr>
-              <p:cNvPr id="2" name="Title 1">
+              <p:cNvPr id="8" name="TextBox 7">
                 <a:extLst>
                   <a:ext uri="{FF2B5EF4-FFF2-40B4-BE49-F238E27FC236}">
-                    <a16:creationId xmlns:a16="http://schemas.microsoft.com/office/drawing/2014/main" id="{019E269D-B1C1-490B-B396-3F21DA34C801}"/>
+                    <a16:creationId xmlns:a16="http://schemas.microsoft.com/office/drawing/2014/main" id="{D8155AAD-9962-4CA6-ACC4-F0B27FBC8556}"/>
                   </a:ext>
                 </a:extLst>
               </p:cNvPr>
-              <p:cNvSpPr>
-                <a:spLocks noGrp="1"/>
+              <p:cNvSpPr txBox="1"/>
+              <p:nvPr/>
+            </p:nvSpPr>
+            <p:spPr>
+              <a:xfrm>
+                <a:off x="1263656" y="1876676"/>
+                <a:ext cx="1652854" cy="369332"/>
+              </a:xfrm>
+              <a:prstGeom prst="rect">
+                <a:avLst/>
+              </a:prstGeom>
+            </p:spPr>
+            <p:style>
+              <a:lnRef idx="2">
+                <a:schemeClr val="accent1">
+                  <a:shade val="50000"/>
+                </a:schemeClr>
+              </a:lnRef>
+              <a:fillRef idx="1">
+                <a:schemeClr val="accent1"/>
+              </a:fillRef>
+              <a:effectRef idx="0">
+                <a:schemeClr val="accent1"/>
+              </a:effectRef>
+              <a:fontRef idx="minor">
+                <a:schemeClr val="lt1"/>
+              </a:fontRef>
+            </p:style>
+            <p:txBody>
+              <a:bodyPr wrap="square" rtlCol="0">
+                <a:spAutoFit/>
+              </a:bodyPr>
+              <a:lstStyle/>
+              <a:p>
+                <a14:m>
+                  <m:oMathPara xmlns:m="http://schemas.openxmlformats.org/officeDocument/2006/math">
+                    <m:oMathParaPr>
+                      <m:jc m:val="centerGroup"/>
+                    </m:oMathParaPr>
+                    <m:oMath xmlns:m="http://schemas.openxmlformats.org/officeDocument/2006/math">
+                      <m:r>
+                        <a:rPr lang="en-CA" i="1" smtClean="0">
+                          <a:latin typeface="Cambria Math" panose="02040503050406030204" pitchFamily="18" charset="0"/>
+                          <a:ea typeface="Cambria Math" panose="02040503050406030204" pitchFamily="18" charset="0"/>
+                        </a:rPr>
+                        <m:t>𝜏</m:t>
+                      </m:r>
+                      <m:r>
+                        <a:rPr lang="en-CA" b="0" i="1" smtClean="0">
+                          <a:latin typeface="Cambria Math" panose="02040503050406030204" pitchFamily="18" charset="0"/>
+                          <a:ea typeface="Cambria Math" panose="02040503050406030204" pitchFamily="18" charset="0"/>
+                        </a:rPr>
+                        <m:t>=</m:t>
+                      </m:r>
+                      <m:sSub>
+                        <m:sSubPr>
+                          <m:ctrlPr>
+                            <a:rPr lang="en-CA" b="0" i="1" smtClean="0">
+                              <a:latin typeface="Cambria Math" panose="02040503050406030204" pitchFamily="18" charset="0"/>
+                              <a:ea typeface="Cambria Math" panose="02040503050406030204" pitchFamily="18" charset="0"/>
+                            </a:rPr>
+                          </m:ctrlPr>
+                        </m:sSubPr>
+                        <m:e>
+                          <m:r>
+                            <a:rPr lang="en-CA" b="0" i="1" smtClean="0">
+                              <a:latin typeface="Cambria Math" panose="02040503050406030204" pitchFamily="18" charset="0"/>
+                              <a:ea typeface="Cambria Math" panose="02040503050406030204" pitchFamily="18" charset="0"/>
+                            </a:rPr>
+                            <m:t>𝑘</m:t>
+                          </m:r>
+                        </m:e>
+                        <m:sub>
+                          <m:r>
+                            <a:rPr lang="en-CA" b="0" i="1" smtClean="0">
+                              <a:latin typeface="Cambria Math" panose="02040503050406030204" pitchFamily="18" charset="0"/>
+                              <a:ea typeface="Cambria Math" panose="02040503050406030204" pitchFamily="18" charset="0"/>
+                            </a:rPr>
+                            <m:t>𝜏</m:t>
+                          </m:r>
+                        </m:sub>
+                      </m:sSub>
+                      <m:r>
+                        <a:rPr lang="en-CA" b="0" i="1" smtClean="0">
+                          <a:latin typeface="Cambria Math" panose="02040503050406030204" pitchFamily="18" charset="0"/>
+                          <a:ea typeface="Cambria Math" panose="02040503050406030204" pitchFamily="18" charset="0"/>
+                        </a:rPr>
+                        <m:t>𝑖</m:t>
+                      </m:r>
+                    </m:oMath>
+                  </m:oMathPara>
+                </a14:m>
+                <a:endParaRPr lang="en-CA" dirty="0"/>
+              </a:p>
+            </p:txBody>
+          </p:sp>
+        </mc:Choice>
+        <mc:Fallback>
+          <p:sp>
+            <p:nvSpPr>
+              <p:cNvPr id="8" name="TextBox 7">
+                <a:extLst>
+                  <a:ext uri="{FF2B5EF4-FFF2-40B4-BE49-F238E27FC236}">
+                    <a16:creationId xmlns:a16="http://schemas.microsoft.com/office/drawing/2014/main" id="{D8155AAD-9962-4CA6-ACC4-F0B27FBC8556}"/>
+                  </a:ext>
+                </a:extLst>
+              </p:cNvPr>
+              <p:cNvSpPr txBox="1">
+                <a:spLocks noRot="1" noChangeAspect="1" noMove="1" noResize="1" noEditPoints="1" noAdjustHandles="1" noChangeArrowheads="1" noChangeShapeType="1" noTextEdit="1"/>
               </p:cNvSpPr>
-              <p:nvPr>
-                <p:ph type="title"/>
-              </p:nvPr>
+              <p:nvPr/>
             </p:nvSpPr>
-            <p:spPr/>
+            <p:spPr>
+              <a:xfrm>
+                <a:off x="1263656" y="1876676"/>
+                <a:ext cx="1652854" cy="369332"/>
+              </a:xfrm>
+              <a:prstGeom prst="rect">
+                <a:avLst/>
+              </a:prstGeom>
+              <a:blipFill>
+                <a:blip r:embed="rId2"/>
+                <a:stretch>
+                  <a:fillRect/>
+                </a:stretch>
+              </a:blipFill>
+            </p:spPr>
             <p:txBody>
               <a:bodyPr/>
               <a:lstStyle/>
               <a:p>
                 <a:r>
+                  <a:rPr lang="en-CA">
+                    <a:noFill/>
+                  </a:rPr>
+                  <a:t> </a:t>
+                </a:r>
+              </a:p>
+            </p:txBody>
+          </p:sp>
+        </mc:Fallback>
+      </mc:AlternateContent>
+      <p:sp>
+        <p:nvSpPr>
+          <p:cNvPr id="5" name="TextBox 4">
+            <a:extLst>
+              <a:ext uri="{FF2B5EF4-FFF2-40B4-BE49-F238E27FC236}">
+                <a16:creationId xmlns:a16="http://schemas.microsoft.com/office/drawing/2014/main" id="{01B75C1B-E27B-45F2-9AE6-6706045192DC}"/>
+              </a:ext>
+            </a:extLst>
+          </p:cNvPr>
+          <p:cNvSpPr txBox="1"/>
+          <p:nvPr/>
+        </p:nvSpPr>
+        <p:spPr>
+          <a:xfrm>
+            <a:off x="779210" y="1414462"/>
+            <a:ext cx="5048250" cy="369332"/>
+          </a:xfrm>
+          <a:prstGeom prst="rect">
+            <a:avLst/>
+          </a:prstGeom>
+          <a:noFill/>
+        </p:spPr>
+        <p:txBody>
+          <a:bodyPr wrap="square" rtlCol="0">
+            <a:spAutoFit/>
+          </a:bodyPr>
+          <a:lstStyle/>
+          <a:p>
+            <a:r>
+              <a:rPr lang="en-CA" dirty="0"/>
+              <a:t>The DC motor has the following relationships</a:t>
+            </a:r>
+          </a:p>
+        </p:txBody>
+      </p:sp>
+      <mc:AlternateContent xmlns:mc="http://schemas.openxmlformats.org/markup-compatibility/2006">
+        <mc:Choice xmlns:a14="http://schemas.microsoft.com/office/drawing/2010/main" Requires="a14">
+          <p:sp>
+            <p:nvSpPr>
+              <p:cNvPr id="9" name="TextBox 8">
+                <a:extLst>
+                  <a:ext uri="{FF2B5EF4-FFF2-40B4-BE49-F238E27FC236}">
+                    <a16:creationId xmlns:a16="http://schemas.microsoft.com/office/drawing/2014/main" id="{55A22FEF-B129-4417-8A4C-F657E472FF17}"/>
+                  </a:ext>
+                </a:extLst>
+              </p:cNvPr>
+              <p:cNvSpPr txBox="1"/>
+              <p:nvPr/>
+            </p:nvSpPr>
+            <p:spPr>
+              <a:xfrm>
+                <a:off x="1276362" y="2343397"/>
+                <a:ext cx="1885943" cy="391582"/>
+              </a:xfrm>
+              <a:prstGeom prst="rect">
+                <a:avLst/>
+              </a:prstGeom>
+            </p:spPr>
+            <p:style>
+              <a:lnRef idx="2">
+                <a:schemeClr val="accent1">
+                  <a:shade val="50000"/>
+                </a:schemeClr>
+              </a:lnRef>
+              <a:fillRef idx="1">
+                <a:schemeClr val="accent1"/>
+              </a:fillRef>
+              <a:effectRef idx="0">
+                <a:schemeClr val="accent1"/>
+              </a:effectRef>
+              <a:fontRef idx="minor">
+                <a:schemeClr val="lt1"/>
+              </a:fontRef>
+            </p:style>
+            <p:txBody>
+              <a:bodyPr wrap="square" rtlCol="0">
+                <a:spAutoFit/>
+              </a:bodyPr>
+              <a:lstStyle/>
+              <a:p>
+                <a14:m>
+                  <m:oMathPara xmlns:m="http://schemas.openxmlformats.org/officeDocument/2006/math">
+                    <m:oMathParaPr>
+                      <m:jc m:val="centerGroup"/>
+                    </m:oMathParaPr>
+                    <m:oMath xmlns:m="http://schemas.openxmlformats.org/officeDocument/2006/math">
+                      <m:sSub>
+                        <m:sSubPr>
+                          <m:ctrlPr>
+                            <a:rPr lang="en-CA" b="0" i="1" smtClean="0">
+                              <a:latin typeface="Cambria Math" panose="02040503050406030204" pitchFamily="18" charset="0"/>
+                              <a:ea typeface="Cambria Math" panose="02040503050406030204" pitchFamily="18" charset="0"/>
+                            </a:rPr>
+                          </m:ctrlPr>
+                        </m:sSubPr>
+                        <m:e>
+                          <m:r>
+                            <a:rPr lang="en-CA" b="0" i="1" smtClean="0">
+                              <a:latin typeface="Cambria Math" panose="02040503050406030204" pitchFamily="18" charset="0"/>
+                              <a:ea typeface="Cambria Math" panose="02040503050406030204" pitchFamily="18" charset="0"/>
+                            </a:rPr>
+                            <m:t>𝑉</m:t>
+                          </m:r>
+                        </m:e>
+                        <m:sub>
+                          <m:r>
+                            <a:rPr lang="en-CA" b="0" i="1" smtClean="0">
+                              <a:latin typeface="Cambria Math" panose="02040503050406030204" pitchFamily="18" charset="0"/>
+                              <a:ea typeface="Cambria Math" panose="02040503050406030204" pitchFamily="18" charset="0"/>
+                            </a:rPr>
+                            <m:t>𝑒𝑚𝑓</m:t>
+                          </m:r>
+                        </m:sub>
+                      </m:sSub>
+                      <m:r>
+                        <a:rPr lang="en-CA" b="0" i="1" smtClean="0">
+                          <a:latin typeface="Cambria Math" panose="02040503050406030204" pitchFamily="18" charset="0"/>
+                          <a:ea typeface="Cambria Math" panose="02040503050406030204" pitchFamily="18" charset="0"/>
+                        </a:rPr>
+                        <m:t>=</m:t>
+                      </m:r>
+                      <m:sSub>
+                        <m:sSubPr>
+                          <m:ctrlPr>
+                            <a:rPr lang="en-CA" b="0" i="1" smtClean="0">
+                              <a:latin typeface="Cambria Math" panose="02040503050406030204" pitchFamily="18" charset="0"/>
+                              <a:ea typeface="Cambria Math" panose="02040503050406030204" pitchFamily="18" charset="0"/>
+                            </a:rPr>
+                          </m:ctrlPr>
+                        </m:sSubPr>
+                        <m:e>
+                          <m:r>
+                            <a:rPr lang="en-CA" b="0" i="1" smtClean="0">
+                              <a:latin typeface="Cambria Math" panose="02040503050406030204" pitchFamily="18" charset="0"/>
+                              <a:ea typeface="Cambria Math" panose="02040503050406030204" pitchFamily="18" charset="0"/>
+                            </a:rPr>
+                            <m:t>𝑘</m:t>
+                          </m:r>
+                        </m:e>
+                        <m:sub>
+                          <m:r>
+                            <a:rPr lang="en-CA" b="0" i="1" smtClean="0">
+                              <a:latin typeface="Cambria Math" panose="02040503050406030204" pitchFamily="18" charset="0"/>
+                              <a:ea typeface="Cambria Math" panose="02040503050406030204" pitchFamily="18" charset="0"/>
+                            </a:rPr>
+                            <m:t>𝑏</m:t>
+                          </m:r>
+                        </m:sub>
+                      </m:sSub>
+                      <m:r>
+                        <a:rPr lang="en-CA" b="0" i="1" smtClean="0">
+                          <a:latin typeface="Cambria Math" panose="02040503050406030204" pitchFamily="18" charset="0"/>
+                          <a:ea typeface="Cambria Math" panose="02040503050406030204" pitchFamily="18" charset="0"/>
+                        </a:rPr>
+                        <m:t>𝜔</m:t>
+                      </m:r>
+                    </m:oMath>
+                  </m:oMathPara>
+                </a14:m>
+                <a:endParaRPr lang="en-CA" dirty="0"/>
+              </a:p>
+            </p:txBody>
+          </p:sp>
+        </mc:Choice>
+        <mc:Fallback>
+          <p:sp>
+            <p:nvSpPr>
+              <p:cNvPr id="9" name="TextBox 8">
+                <a:extLst>
+                  <a:ext uri="{FF2B5EF4-FFF2-40B4-BE49-F238E27FC236}">
+                    <a16:creationId xmlns:a16="http://schemas.microsoft.com/office/drawing/2014/main" id="{55A22FEF-B129-4417-8A4C-F657E472FF17}"/>
+                  </a:ext>
+                </a:extLst>
+              </p:cNvPr>
+              <p:cNvSpPr txBox="1">
+                <a:spLocks noRot="1" noChangeAspect="1" noMove="1" noResize="1" noEditPoints="1" noAdjustHandles="1" noChangeArrowheads="1" noChangeShapeType="1" noTextEdit="1"/>
+              </p:cNvSpPr>
+              <p:nvPr/>
+            </p:nvSpPr>
+            <p:spPr>
+              <a:xfrm>
+                <a:off x="1276362" y="2343397"/>
+                <a:ext cx="1885943" cy="391582"/>
+              </a:xfrm>
+              <a:prstGeom prst="rect">
+                <a:avLst/>
+              </a:prstGeom>
+              <a:blipFill>
+                <a:blip r:embed="rId3"/>
+                <a:stretch>
+                  <a:fillRect b="-7463"/>
+                </a:stretch>
+              </a:blipFill>
+            </p:spPr>
+            <p:txBody>
+              <a:bodyPr/>
+              <a:lstStyle/>
+              <a:p>
+                <a:r>
+                  <a:rPr lang="en-CA">
+                    <a:noFill/>
+                  </a:rPr>
+                  <a:t> </a:t>
+                </a:r>
+              </a:p>
+            </p:txBody>
+          </p:sp>
+        </mc:Fallback>
+      </mc:AlternateContent>
+      <mc:AlternateContent xmlns:mc="http://schemas.openxmlformats.org/markup-compatibility/2006">
+        <mc:Choice xmlns:a14="http://schemas.microsoft.com/office/drawing/2010/main" Requires="a14">
+          <p:sp>
+            <p:nvSpPr>
+              <p:cNvPr id="10" name="TextBox 9">
+                <a:extLst>
+                  <a:ext uri="{FF2B5EF4-FFF2-40B4-BE49-F238E27FC236}">
+                    <a16:creationId xmlns:a16="http://schemas.microsoft.com/office/drawing/2014/main" id="{B384EE35-9580-4293-ADE6-638BA1C467C5}"/>
+                  </a:ext>
+                </a:extLst>
+              </p:cNvPr>
+              <p:cNvSpPr txBox="1"/>
+              <p:nvPr/>
+            </p:nvSpPr>
+            <p:spPr>
+              <a:xfrm>
+                <a:off x="1308112" y="2810118"/>
+                <a:ext cx="1652854" cy="623376"/>
+              </a:xfrm>
+              <a:prstGeom prst="rect">
+                <a:avLst/>
+              </a:prstGeom>
+            </p:spPr>
+            <p:style>
+              <a:lnRef idx="2">
+                <a:schemeClr val="accent1">
+                  <a:shade val="50000"/>
+                </a:schemeClr>
+              </a:lnRef>
+              <a:fillRef idx="1">
+                <a:schemeClr val="accent1"/>
+              </a:fillRef>
+              <a:effectRef idx="0">
+                <a:schemeClr val="accent1"/>
+              </a:effectRef>
+              <a:fontRef idx="minor">
+                <a:schemeClr val="lt1"/>
+              </a:fontRef>
+            </p:style>
+            <p:txBody>
+              <a:bodyPr wrap="square" rtlCol="0">
+                <a:spAutoFit/>
+              </a:bodyPr>
+              <a:lstStyle/>
+              <a:p>
+                <a14:m>
+                  <m:oMathPara xmlns:m="http://schemas.openxmlformats.org/officeDocument/2006/math">
+                    <m:oMathParaPr>
+                      <m:jc m:val="centerGroup"/>
+                    </m:oMathParaPr>
+                    <m:oMath xmlns:m="http://schemas.openxmlformats.org/officeDocument/2006/math">
+                      <m:r>
+                        <a:rPr lang="en-CA" b="0" i="1" smtClean="0">
+                          <a:latin typeface="Cambria Math" panose="02040503050406030204" pitchFamily="18" charset="0"/>
+                          <a:ea typeface="Cambria Math" panose="02040503050406030204" pitchFamily="18" charset="0"/>
+                        </a:rPr>
+                        <m:t>𝑖</m:t>
+                      </m:r>
+                      <m:r>
+                        <a:rPr lang="en-CA" b="0" i="1" smtClean="0">
+                          <a:latin typeface="Cambria Math" panose="02040503050406030204" pitchFamily="18" charset="0"/>
+                          <a:ea typeface="Cambria Math" panose="02040503050406030204" pitchFamily="18" charset="0"/>
+                        </a:rPr>
+                        <m:t>=</m:t>
+                      </m:r>
+                      <m:f>
+                        <m:fPr>
+                          <m:ctrlPr>
+                            <a:rPr lang="en-CA" b="0" i="1" smtClean="0">
+                              <a:latin typeface="Cambria Math" panose="02040503050406030204" pitchFamily="18" charset="0"/>
+                              <a:ea typeface="Cambria Math" panose="02040503050406030204" pitchFamily="18" charset="0"/>
+                            </a:rPr>
+                          </m:ctrlPr>
+                        </m:fPr>
+                        <m:num>
+                          <m:sSub>
+                            <m:sSubPr>
+                              <m:ctrlPr>
+                                <a:rPr lang="en-CA" b="0" i="1" smtClean="0">
+                                  <a:latin typeface="Cambria Math" panose="02040503050406030204" pitchFamily="18" charset="0"/>
+                                  <a:ea typeface="Cambria Math" panose="02040503050406030204" pitchFamily="18" charset="0"/>
+                                </a:rPr>
+                              </m:ctrlPr>
+                            </m:sSubPr>
+                            <m:e>
+                              <m:r>
+                                <a:rPr lang="en-CA" b="0" i="1" smtClean="0">
+                                  <a:latin typeface="Cambria Math" panose="02040503050406030204" pitchFamily="18" charset="0"/>
+                                  <a:ea typeface="Cambria Math" panose="02040503050406030204" pitchFamily="18" charset="0"/>
+                                </a:rPr>
+                                <m:t>𝑉</m:t>
+                              </m:r>
+                            </m:e>
+                            <m:sub>
+                              <m:r>
+                                <a:rPr lang="en-CA" b="0" i="1" smtClean="0">
+                                  <a:latin typeface="Cambria Math" panose="02040503050406030204" pitchFamily="18" charset="0"/>
+                                  <a:ea typeface="Cambria Math" panose="02040503050406030204" pitchFamily="18" charset="0"/>
+                                </a:rPr>
+                                <m:t>𝑖𝑛</m:t>
+                              </m:r>
+                            </m:sub>
+                          </m:sSub>
+                          <m:r>
+                            <a:rPr lang="en-CA" b="0" i="1" smtClean="0">
+                              <a:latin typeface="Cambria Math" panose="02040503050406030204" pitchFamily="18" charset="0"/>
+                              <a:ea typeface="Cambria Math" panose="02040503050406030204" pitchFamily="18" charset="0"/>
+                            </a:rPr>
+                            <m:t>−</m:t>
+                          </m:r>
+                          <m:sSub>
+                            <m:sSubPr>
+                              <m:ctrlPr>
+                                <a:rPr lang="en-CA" i="1">
+                                  <a:latin typeface="Cambria Math" panose="02040503050406030204" pitchFamily="18" charset="0"/>
+                                  <a:ea typeface="Cambria Math" panose="02040503050406030204" pitchFamily="18" charset="0"/>
+                                </a:rPr>
+                              </m:ctrlPr>
+                            </m:sSubPr>
+                            <m:e>
+                              <m:r>
+                                <a:rPr lang="en-CA" i="1">
+                                  <a:latin typeface="Cambria Math" panose="02040503050406030204" pitchFamily="18" charset="0"/>
+                                  <a:ea typeface="Cambria Math" panose="02040503050406030204" pitchFamily="18" charset="0"/>
+                                </a:rPr>
+                                <m:t>𝑉</m:t>
+                              </m:r>
+                            </m:e>
+                            <m:sub>
+                              <m:r>
+                                <a:rPr lang="en-CA" i="1">
+                                  <a:latin typeface="Cambria Math" panose="02040503050406030204" pitchFamily="18" charset="0"/>
+                                  <a:ea typeface="Cambria Math" panose="02040503050406030204" pitchFamily="18" charset="0"/>
+                                </a:rPr>
+                                <m:t>𝑒𝑚𝑓</m:t>
+                              </m:r>
+                            </m:sub>
+                          </m:sSub>
+                        </m:num>
+                        <m:den>
+                          <m:r>
+                            <a:rPr lang="en-CA" b="0" i="1" smtClean="0">
+                              <a:latin typeface="Cambria Math" panose="02040503050406030204" pitchFamily="18" charset="0"/>
+                              <a:ea typeface="Cambria Math" panose="02040503050406030204" pitchFamily="18" charset="0"/>
+                            </a:rPr>
+                            <m:t>𝐿𝑆</m:t>
+                          </m:r>
+                          <m:r>
+                            <a:rPr lang="en-CA" b="0" i="1" smtClean="0">
+                              <a:latin typeface="Cambria Math" panose="02040503050406030204" pitchFamily="18" charset="0"/>
+                              <a:ea typeface="Cambria Math" panose="02040503050406030204" pitchFamily="18" charset="0"/>
+                            </a:rPr>
+                            <m:t>+</m:t>
+                          </m:r>
+                          <m:r>
+                            <a:rPr lang="en-CA" b="0" i="1" smtClean="0">
+                              <a:latin typeface="Cambria Math" panose="02040503050406030204" pitchFamily="18" charset="0"/>
+                              <a:ea typeface="Cambria Math" panose="02040503050406030204" pitchFamily="18" charset="0"/>
+                            </a:rPr>
+                            <m:t>𝑅</m:t>
+                          </m:r>
+                        </m:den>
+                      </m:f>
+                    </m:oMath>
+                  </m:oMathPara>
+                </a14:m>
+                <a:endParaRPr lang="en-CA" dirty="0"/>
+              </a:p>
+            </p:txBody>
+          </p:sp>
+        </mc:Choice>
+        <mc:Fallback>
+          <p:sp>
+            <p:nvSpPr>
+              <p:cNvPr id="10" name="TextBox 9">
+                <a:extLst>
+                  <a:ext uri="{FF2B5EF4-FFF2-40B4-BE49-F238E27FC236}">
+                    <a16:creationId xmlns:a16="http://schemas.microsoft.com/office/drawing/2014/main" id="{B384EE35-9580-4293-ADE6-638BA1C467C5}"/>
+                  </a:ext>
+                </a:extLst>
+              </p:cNvPr>
+              <p:cNvSpPr txBox="1">
+                <a:spLocks noRot="1" noChangeAspect="1" noMove="1" noResize="1" noEditPoints="1" noAdjustHandles="1" noChangeArrowheads="1" noChangeShapeType="1" noTextEdit="1"/>
+              </p:cNvSpPr>
+              <p:nvPr/>
+            </p:nvSpPr>
+            <p:spPr>
+              <a:xfrm>
+                <a:off x="1308112" y="2810118"/>
+                <a:ext cx="1652854" cy="623376"/>
+              </a:xfrm>
+              <a:prstGeom prst="rect">
+                <a:avLst/>
+              </a:prstGeom>
+              <a:blipFill>
+                <a:blip r:embed="rId4"/>
+                <a:stretch>
+                  <a:fillRect/>
+                </a:stretch>
+              </a:blipFill>
+            </p:spPr>
+            <p:txBody>
+              <a:bodyPr/>
+              <a:lstStyle/>
+              <a:p>
+                <a:r>
+                  <a:rPr lang="en-CA">
+                    <a:noFill/>
+                  </a:rPr>
+                  <a:t> </a:t>
+                </a:r>
+              </a:p>
+            </p:txBody>
+          </p:sp>
+        </mc:Fallback>
+      </mc:AlternateContent>
+      <mc:AlternateContent xmlns:mc="http://schemas.openxmlformats.org/markup-compatibility/2006">
+        <mc:Choice xmlns:a14="http://schemas.microsoft.com/office/drawing/2010/main" Requires="a14">
+          <p:sp>
+            <p:nvSpPr>
+              <p:cNvPr id="12" name="TextBox 11">
+                <a:extLst>
+                  <a:ext uri="{FF2B5EF4-FFF2-40B4-BE49-F238E27FC236}">
+                    <a16:creationId xmlns:a16="http://schemas.microsoft.com/office/drawing/2014/main" id="{2D53ABCF-F81E-4817-8A74-4D0F87A8D9DE}"/>
+                  </a:ext>
+                </a:extLst>
+              </p:cNvPr>
+              <p:cNvSpPr txBox="1"/>
+              <p:nvPr/>
+            </p:nvSpPr>
+            <p:spPr>
+              <a:xfrm>
+                <a:off x="449678" y="3661357"/>
+                <a:ext cx="5048250" cy="923330"/>
+              </a:xfrm>
+              <a:prstGeom prst="rect">
+                <a:avLst/>
+              </a:prstGeom>
+              <a:noFill/>
+            </p:spPr>
+            <p:txBody>
+              <a:bodyPr wrap="square" rtlCol="0">
+                <a:spAutoFit/>
+              </a:bodyPr>
+              <a:lstStyle/>
+              <a:p>
+                <a:r>
                   <a:rPr lang="en-CA" dirty="0"/>
-                  <a:t>Mechanical Motor Dynamics (</a:t>
+                  <a:t>The two motors for </a:t>
                 </a:r>
                 <a14:m>
                   <m:oMath xmlns:m="http://schemas.openxmlformats.org/officeDocument/2006/math">
+                    <m:sSub>
+                      <m:sSubPr>
+                        <m:ctrlPr>
+                          <a:rPr lang="en-CA" b="0" i="1" smtClean="0">
+                            <a:latin typeface="Cambria Math" panose="02040503050406030204" pitchFamily="18" charset="0"/>
+                          </a:rPr>
+                        </m:ctrlPr>
+                      </m:sSubPr>
+                      <m:e>
+                        <m:r>
+                          <a:rPr lang="en-CA" b="0" i="1" smtClean="0">
+                            <a:latin typeface="Cambria Math" panose="02040503050406030204" pitchFamily="18" charset="0"/>
+                          </a:rPr>
+                          <m:t>𝑞</m:t>
+                        </m:r>
+                      </m:e>
+                      <m:sub>
+                        <m:r>
+                          <a:rPr lang="en-CA" b="0" i="1" smtClean="0">
+                            <a:latin typeface="Cambria Math" panose="02040503050406030204" pitchFamily="18" charset="0"/>
+                          </a:rPr>
+                          <m:t>0</m:t>
+                        </m:r>
+                      </m:sub>
+                    </m:sSub>
+                    <m:r>
+                      <a:rPr lang="en-CA" b="0" i="1" smtClean="0">
+                        <a:latin typeface="Cambria Math" panose="02040503050406030204" pitchFamily="18" charset="0"/>
+                      </a:rPr>
+                      <m:t> </m:t>
+                    </m:r>
+                    <m:r>
+                      <a:rPr lang="en-CA" b="0" i="1" smtClean="0">
+                        <a:latin typeface="Cambria Math" panose="02040503050406030204" pitchFamily="18" charset="0"/>
+                      </a:rPr>
+                      <m:t>𝑎𝑛𝑑</m:t>
+                    </m:r>
+                    <m:r>
+                      <a:rPr lang="en-CA" b="0" i="1" smtClean="0">
+                        <a:latin typeface="Cambria Math" panose="02040503050406030204" pitchFamily="18" charset="0"/>
+                      </a:rPr>
+                      <m:t> </m:t>
+                    </m:r>
                     <m:sSub>
                       <m:sSubPr>
                         <m:ctrlPr>
@@ -11927,35 +19759,43 @@
                   </m:oMath>
                 </a14:m>
                 <a:r>
-                  <a:rPr lang="en-CA" dirty="0"/>
-                  <a:t>)</a:t>
+                  <a:rPr lang="en-CA" b="0" dirty="0"/>
+                  <a:t> are identical, so the relationships are the same for both motors</a:t>
                 </a:r>
+              </a:p>
+              <a:p>
+                <a:endParaRPr lang="en-CA" dirty="0"/>
               </a:p>
             </p:txBody>
           </p:sp>
         </mc:Choice>
-        <mc:Fallback xmlns="">
+        <mc:Fallback>
           <p:sp>
             <p:nvSpPr>
-              <p:cNvPr id="2" name="Title 1">
+              <p:cNvPr id="12" name="TextBox 11">
                 <a:extLst>
                   <a:ext uri="{FF2B5EF4-FFF2-40B4-BE49-F238E27FC236}">
-                    <a16:creationId xmlns:a16="http://schemas.microsoft.com/office/drawing/2014/main" id="{019E269D-B1C1-490B-B396-3F21DA34C801}"/>
+                    <a16:creationId xmlns:a16="http://schemas.microsoft.com/office/drawing/2014/main" id="{2D53ABCF-F81E-4817-8A74-4D0F87A8D9DE}"/>
                   </a:ext>
                 </a:extLst>
               </p:cNvPr>
-              <p:cNvSpPr>
-                <a:spLocks noGrp="1" noRot="1" noChangeAspect="1" noMove="1" noResize="1" noEditPoints="1" noAdjustHandles="1" noChangeArrowheads="1" noChangeShapeType="1" noTextEdit="1"/>
+              <p:cNvSpPr txBox="1">
+                <a:spLocks noRot="1" noChangeAspect="1" noMove="1" noResize="1" noEditPoints="1" noAdjustHandles="1" noChangeArrowheads="1" noChangeShapeType="1" noTextEdit="1"/>
               </p:cNvSpPr>
-              <p:nvPr>
-                <p:ph type="title"/>
-              </p:nvPr>
+              <p:nvPr/>
             </p:nvSpPr>
             <p:spPr>
+              <a:xfrm>
+                <a:off x="449678" y="3661357"/>
+                <a:ext cx="5048250" cy="923330"/>
+              </a:xfrm>
+              <a:prstGeom prst="rect">
+                <a:avLst/>
+              </a:prstGeom>
               <a:blipFill>
-                <a:blip r:embed="rId2"/>
+                <a:blip r:embed="rId5"/>
                 <a:stretch>
-                  <a:fillRect l="-2377"/>
+                  <a:fillRect l="-1087" t="-3974"/>
                 </a:stretch>
               </a:blipFill>
             </p:spPr>
@@ -11974,388 +19814,226 @@
           </p:sp>
         </mc:Fallback>
       </mc:AlternateContent>
-      <mc:AlternateContent xmlns:mc="http://schemas.openxmlformats.org/markup-compatibility/2006" xmlns:a14="http://schemas.microsoft.com/office/drawing/2010/main">
-        <mc:Choice Requires="a14">
-          <p:sp>
-            <p:nvSpPr>
-              <p:cNvPr id="3" name="Content Placeholder 2">
+      <mc:AlternateContent xmlns:mc="http://schemas.openxmlformats.org/markup-compatibility/2006">
+        <mc:Choice xmlns:am3d="http://schemas.microsoft.com/office/drawing/2017/model3d" Requires="am3d">
+          <p:graphicFrame>
+            <p:nvGraphicFramePr>
+              <p:cNvPr id="29" name="3D Model 28">
                 <a:extLst>
                   <a:ext uri="{FF2B5EF4-FFF2-40B4-BE49-F238E27FC236}">
-                    <a16:creationId xmlns:a16="http://schemas.microsoft.com/office/drawing/2014/main" id="{0AB42021-00AE-452E-A533-B458B31E350D}"/>
+                    <a16:creationId xmlns:a16="http://schemas.microsoft.com/office/drawing/2014/main" id="{55249C3D-060C-4E3A-9671-A84E78BE0CDA}"/>
                   </a:ext>
                 </a:extLst>
               </p:cNvPr>
-              <p:cNvSpPr>
-                <a:spLocks noGrp="1"/>
-              </p:cNvSpPr>
+              <p:cNvGraphicFramePr>
+                <a:graphicFrameLocks noChangeAspect="1"/>
+              </p:cNvGraphicFramePr>
               <p:nvPr>
-                <p:ph idx="1"/>
+                <p:extLst>
+                  <p:ext uri="{D42A27DB-BD31-4B8C-83A1-F6EECF244321}">
+                    <p14:modId xmlns:p14="http://schemas.microsoft.com/office/powerpoint/2010/main" val="1050354867"/>
+                  </p:ext>
+                </p:extLst>
               </p:nvPr>
-            </p:nvSpPr>
-            <p:spPr>
-              <a:xfrm>
-                <a:off x="838200" y="1825625"/>
-                <a:ext cx="2870771" cy="4351338"/>
-              </a:xfrm>
-            </p:spPr>
-            <p:txBody>
-              <a:bodyPr/>
-              <a:lstStyle/>
-              <a:p>
-                <a14:m>
-                  <m:oMath xmlns:m="http://schemas.openxmlformats.org/officeDocument/2006/math">
-                    <m:r>
-                      <a:rPr lang="en-CA" b="0" i="1" smtClean="0">
-                        <a:latin typeface="Cambria Math" panose="02040503050406030204" pitchFamily="18" charset="0"/>
-                      </a:rPr>
-                      <m:t>𝐽</m:t>
-                    </m:r>
-                    <m:r>
-                      <a:rPr lang="en-CA" b="0" i="1" smtClean="0">
-                        <a:latin typeface="Cambria Math" panose="02040503050406030204" pitchFamily="18" charset="0"/>
-                      </a:rPr>
-                      <m:t> </m:t>
-                    </m:r>
-                    <m:r>
-                      <a:rPr lang="en-CA" b="0" i="1" smtClean="0">
-                        <a:latin typeface="Cambria Math" panose="02040503050406030204" pitchFamily="18" charset="0"/>
-                      </a:rPr>
-                      <m:t>𝑐𝑎𝑙𝑐𝑢𝑙𝑎𝑡𝑖𝑜𝑛</m:t>
-                    </m:r>
-                  </m:oMath>
-                </a14:m>
-                <a:endParaRPr lang="en-CA" b="0" dirty="0"/>
-              </a:p>
-              <a:p>
-                <a:pPr marL="0" indent="0">
-                  <a:buNone/>
-                </a:pPr>
-                <a:endParaRPr lang="en-CA" b="1" dirty="0"/>
-              </a:p>
-            </p:txBody>
-          </p:sp>
+            </p:nvGraphicFramePr>
+            <p:xfrm rot="5400000">
+              <a:off x="4142199" y="1095944"/>
+              <a:ext cx="8097313" cy="8245447"/>
+            </p:xfrm>
+            <a:graphic>
+              <a:graphicData uri="http://schemas.microsoft.com/office/drawing/2017/model3d">
+                <am3d:model3d r:embed="rId6">
+                  <am3d:spPr>
+                    <a:xfrm rot="5400000">
+                      <a:off x="0" y="0"/>
+                      <a:ext cx="8097313" cy="8245447"/>
+                    </a:xfrm>
+                    <a:prstGeom prst="rect">
+                      <a:avLst/>
+                    </a:prstGeom>
+                  </am3d:spPr>
+                  <am3d:camera>
+                    <am3d:pos x="0" y="0" z="66739861"/>
+                    <am3d:up dx="0" dy="36000000" dz="0"/>
+                    <am3d:lookAt x="0" y="0" z="0"/>
+                    <am3d:perspective fov="2700000"/>
+                  </am3d:camera>
+                  <am3d:trans>
+                    <am3d:meterPerModelUnit n="12915385" d="1000000"/>
+                    <am3d:preTrans dx="-407458" dy="-2124343" dz="-7039176"/>
+                    <am3d:scale>
+                      <am3d:sx n="1000000" d="1000000"/>
+                      <am3d:sy n="1000000" d="1000000"/>
+                      <am3d:sz n="1000000" d="1000000"/>
+                    </am3d:scale>
+                    <am3d:rot ax="5400000"/>
+                    <am3d:postTrans dx="0" dy="0" dz="0"/>
+                  </am3d:trans>
+                  <am3d:raster rName="Office3DRenderer" rVer="16.0.8326">
+                    <am3d:blip r:embed="rId7"/>
+                  </am3d:raster>
+                  <am3d:objViewport viewportSz="11988142"/>
+                  <am3d:ambientLight>
+                    <am3d:clr>
+                      <a:scrgbClr r="50000" g="50000" b="50000"/>
+                    </am3d:clr>
+                    <am3d:illuminance n="500000" d="1000000"/>
+                  </am3d:ambientLight>
+                  <am3d:ptLight rad="0">
+                    <am3d:clr>
+                      <a:scrgbClr r="100000" g="75000" b="50000"/>
+                    </am3d:clr>
+                    <am3d:intensity n="9765625" d="1000000"/>
+                    <am3d:pos x="21959998" y="70920001" z="16344003"/>
+                  </am3d:ptLight>
+                  <am3d:ptLight rad="0">
+                    <am3d:clr>
+                      <a:scrgbClr r="40000" g="60000" b="95000"/>
+                    </am3d:clr>
+                    <am3d:intensity n="12250000" d="1000000"/>
+                    <am3d:pos x="-37964106" y="51130435" z="57631972"/>
+                  </am3d:ptLight>
+                  <am3d:ptLight rad="0">
+                    <am3d:clr>
+                      <a:scrgbClr r="86837" g="72700" b="100000"/>
+                    </am3d:clr>
+                    <am3d:intensity n="3125000" d="1000000"/>
+                    <am3d:pos x="-37739122" y="58056624" z="-34769649"/>
+                  </am3d:ptLight>
+                </am3d:model3d>
+              </a:graphicData>
+            </a:graphic>
+          </p:graphicFrame>
         </mc:Choice>
-        <mc:Fallback xmlns="">
-          <p:sp>
-            <p:nvSpPr>
-              <p:cNvPr id="3" name="Content Placeholder 2">
+        <mc:Fallback>
+          <p:pic>
+            <p:nvPicPr>
+              <p:cNvPr id="29" name="3D Model 28">
                 <a:extLst>
                   <a:ext uri="{FF2B5EF4-FFF2-40B4-BE49-F238E27FC236}">
-                    <a16:creationId xmlns:a16="http://schemas.microsoft.com/office/drawing/2014/main" id="{0AB42021-00AE-452E-A533-B458B31E350D}"/>
+                    <a16:creationId xmlns:a16="http://schemas.microsoft.com/office/drawing/2014/main" id="{55249C3D-060C-4E3A-9671-A84E78BE0CDA}"/>
                   </a:ext>
                 </a:extLst>
               </p:cNvPr>
-              <p:cNvSpPr>
-                <a:spLocks noGrp="1" noRot="1" noChangeAspect="1" noMove="1" noResize="1" noEditPoints="1" noAdjustHandles="1" noChangeArrowheads="1" noChangeShapeType="1" noTextEdit="1"/>
-              </p:cNvSpPr>
-              <p:nvPr>
-                <p:ph idx="1"/>
-              </p:nvPr>
-            </p:nvSpPr>
+              <p:cNvPicPr>
+                <a:picLocks noGrp="1" noRot="1" noChangeAspect="1" noMove="1" noResize="1" noEditPoints="1" noAdjustHandles="1" noChangeArrowheads="1" noChangeShapeType="1" noCrop="1"/>
+              </p:cNvPicPr>
+              <p:nvPr/>
+            </p:nvPicPr>
+            <p:blipFill>
+              <a:blip r:embed="rId7"/>
+              <a:stretch>
+                <a:fillRect/>
+              </a:stretch>
+            </p:blipFill>
             <p:spPr>
-              <a:xfrm>
-                <a:off x="838200" y="1825625"/>
-                <a:ext cx="2870771" cy="4351338"/>
-              </a:xfrm>
-              <a:blipFill>
-                <a:blip r:embed="rId3"/>
-                <a:stretch>
-                  <a:fillRect/>
-                </a:stretch>
-              </a:blipFill>
-            </p:spPr>
-            <p:txBody>
-              <a:bodyPr/>
-              <a:lstStyle/>
-              <a:p>
-                <a:r>
-                  <a:rPr lang="en-CA">
-                    <a:noFill/>
-                  </a:rPr>
-                  <a:t> </a:t>
-                </a:r>
-              </a:p>
-            </p:txBody>
-          </p:sp>
-        </mc:Fallback>
-      </mc:AlternateContent>
-      <mc:AlternateContent xmlns:mc="http://schemas.openxmlformats.org/markup-compatibility/2006" xmlns:a14="http://schemas.microsoft.com/office/drawing/2010/main">
-        <mc:Choice Requires="a14">
-          <p:sp>
-            <p:nvSpPr>
-              <p:cNvPr id="4" name="Content Placeholder 2">
-                <a:extLst>
-                  <a:ext uri="{FF2B5EF4-FFF2-40B4-BE49-F238E27FC236}">
-                    <a16:creationId xmlns:a16="http://schemas.microsoft.com/office/drawing/2014/main" id="{358B6924-60BA-48F7-BED5-1995E21ADDE1}"/>
-                  </a:ext>
-                </a:extLst>
-              </p:cNvPr>
-              <p:cNvSpPr txBox="1">
-                <a:spLocks/>
-              </p:cNvSpPr>
-              <p:nvPr/>
-            </p:nvSpPr>
-            <p:spPr>
-              <a:xfrm>
-                <a:off x="3939283" y="1825625"/>
-                <a:ext cx="2870771" cy="4351338"/>
+              <a:xfrm rot="5400000">
+                <a:off x="4142199" y="1095944"/>
+                <a:ext cx="8097313" cy="8245447"/>
               </a:xfrm>
               <a:prstGeom prst="rect">
                 <a:avLst/>
               </a:prstGeom>
             </p:spPr>
-            <p:txBody>
-              <a:bodyPr vert="horz" lIns="91440" tIns="45720" rIns="91440" bIns="45720" rtlCol="0">
-                <a:normAutofit/>
-              </a:bodyPr>
-              <a:lstStyle>
-                <a:lvl1pPr marL="228600" indent="-228600" algn="l" defTabSz="914400" rtl="0" eaLnBrk="1" latinLnBrk="0" hangingPunct="1">
-                  <a:lnSpc>
-                    <a:spcPct val="90000"/>
-                  </a:lnSpc>
-                  <a:spcBef>
-                    <a:spcPts val="1000"/>
-                  </a:spcBef>
-                  <a:buFont typeface="Arial" panose="020B0604020202020204" pitchFamily="34" charset="0"/>
-                  <a:buChar char="•"/>
-                  <a:defRPr sz="2800" kern="1200">
-                    <a:solidFill>
-                      <a:schemeClr val="tx1"/>
-                    </a:solidFill>
-                    <a:latin typeface="+mn-lt"/>
-                    <a:ea typeface="+mn-ea"/>
-                    <a:cs typeface="+mn-cs"/>
-                  </a:defRPr>
-                </a:lvl1pPr>
-                <a:lvl2pPr marL="685800" indent="-228600" algn="l" defTabSz="914400" rtl="0" eaLnBrk="1" latinLnBrk="0" hangingPunct="1">
-                  <a:lnSpc>
-                    <a:spcPct val="90000"/>
-                  </a:lnSpc>
-                  <a:spcBef>
-                    <a:spcPts val="500"/>
-                  </a:spcBef>
-                  <a:buFont typeface="Arial" panose="020B0604020202020204" pitchFamily="34" charset="0"/>
-                  <a:buChar char="•"/>
-                  <a:defRPr sz="2400" kern="1200">
-                    <a:solidFill>
-                      <a:schemeClr val="tx1"/>
-                    </a:solidFill>
-                    <a:latin typeface="+mn-lt"/>
-                    <a:ea typeface="+mn-ea"/>
-                    <a:cs typeface="+mn-cs"/>
-                  </a:defRPr>
-                </a:lvl2pPr>
-                <a:lvl3pPr marL="1143000" indent="-228600" algn="l" defTabSz="914400" rtl="0" eaLnBrk="1" latinLnBrk="0" hangingPunct="1">
-                  <a:lnSpc>
-                    <a:spcPct val="90000"/>
-                  </a:lnSpc>
-                  <a:spcBef>
-                    <a:spcPts val="500"/>
-                  </a:spcBef>
-                  <a:buFont typeface="Arial" panose="020B0604020202020204" pitchFamily="34" charset="0"/>
-                  <a:buChar char="•"/>
-                  <a:defRPr sz="2000" kern="1200">
-                    <a:solidFill>
-                      <a:schemeClr val="tx1"/>
-                    </a:solidFill>
-                    <a:latin typeface="+mn-lt"/>
-                    <a:ea typeface="+mn-ea"/>
-                    <a:cs typeface="+mn-cs"/>
-                  </a:defRPr>
-                </a:lvl3pPr>
-                <a:lvl4pPr marL="1600200" indent="-228600" algn="l" defTabSz="914400" rtl="0" eaLnBrk="1" latinLnBrk="0" hangingPunct="1">
-                  <a:lnSpc>
-                    <a:spcPct val="90000"/>
-                  </a:lnSpc>
-                  <a:spcBef>
-                    <a:spcPts val="500"/>
-                  </a:spcBef>
-                  <a:buFont typeface="Arial" panose="020B0604020202020204" pitchFamily="34" charset="0"/>
-                  <a:buChar char="•"/>
-                  <a:defRPr sz="1800" kern="1200">
-                    <a:solidFill>
-                      <a:schemeClr val="tx1"/>
-                    </a:solidFill>
-                    <a:latin typeface="+mn-lt"/>
-                    <a:ea typeface="+mn-ea"/>
-                    <a:cs typeface="+mn-cs"/>
-                  </a:defRPr>
-                </a:lvl4pPr>
-                <a:lvl5pPr marL="2057400" indent="-228600" algn="l" defTabSz="914400" rtl="0" eaLnBrk="1" latinLnBrk="0" hangingPunct="1">
-                  <a:lnSpc>
-                    <a:spcPct val="90000"/>
-                  </a:lnSpc>
-                  <a:spcBef>
-                    <a:spcPts val="500"/>
-                  </a:spcBef>
-                  <a:buFont typeface="Arial" panose="020B0604020202020204" pitchFamily="34" charset="0"/>
-                  <a:buChar char="•"/>
-                  <a:defRPr sz="1800" kern="1200">
-                    <a:solidFill>
-                      <a:schemeClr val="tx1"/>
-                    </a:solidFill>
-                    <a:latin typeface="+mn-lt"/>
-                    <a:ea typeface="+mn-ea"/>
-                    <a:cs typeface="+mn-cs"/>
-                  </a:defRPr>
-                </a:lvl5pPr>
-                <a:lvl6pPr marL="2514600" indent="-228600" algn="l" defTabSz="914400" rtl="0" eaLnBrk="1" latinLnBrk="0" hangingPunct="1">
-                  <a:lnSpc>
-                    <a:spcPct val="90000"/>
-                  </a:lnSpc>
-                  <a:spcBef>
-                    <a:spcPts val="500"/>
-                  </a:spcBef>
-                  <a:buFont typeface="Arial" panose="020B0604020202020204" pitchFamily="34" charset="0"/>
-                  <a:buChar char="•"/>
-                  <a:defRPr sz="1800" kern="1200">
-                    <a:solidFill>
-                      <a:schemeClr val="tx1"/>
-                    </a:solidFill>
-                    <a:latin typeface="+mn-lt"/>
-                    <a:ea typeface="+mn-ea"/>
-                    <a:cs typeface="+mn-cs"/>
-                  </a:defRPr>
-                </a:lvl6pPr>
-                <a:lvl7pPr marL="2971800" indent="-228600" algn="l" defTabSz="914400" rtl="0" eaLnBrk="1" latinLnBrk="0" hangingPunct="1">
-                  <a:lnSpc>
-                    <a:spcPct val="90000"/>
-                  </a:lnSpc>
-                  <a:spcBef>
-                    <a:spcPts val="500"/>
-                  </a:spcBef>
-                  <a:buFont typeface="Arial" panose="020B0604020202020204" pitchFamily="34" charset="0"/>
-                  <a:buChar char="•"/>
-                  <a:defRPr sz="1800" kern="1200">
-                    <a:solidFill>
-                      <a:schemeClr val="tx1"/>
-                    </a:solidFill>
-                    <a:latin typeface="+mn-lt"/>
-                    <a:ea typeface="+mn-ea"/>
-                    <a:cs typeface="+mn-cs"/>
-                  </a:defRPr>
-                </a:lvl7pPr>
-                <a:lvl8pPr marL="3429000" indent="-228600" algn="l" defTabSz="914400" rtl="0" eaLnBrk="1" latinLnBrk="0" hangingPunct="1">
-                  <a:lnSpc>
-                    <a:spcPct val="90000"/>
-                  </a:lnSpc>
-                  <a:spcBef>
-                    <a:spcPts val="500"/>
-                  </a:spcBef>
-                  <a:buFont typeface="Arial" panose="020B0604020202020204" pitchFamily="34" charset="0"/>
-                  <a:buChar char="•"/>
-                  <a:defRPr sz="1800" kern="1200">
-                    <a:solidFill>
-                      <a:schemeClr val="tx1"/>
-                    </a:solidFill>
-                    <a:latin typeface="+mn-lt"/>
-                    <a:ea typeface="+mn-ea"/>
-                    <a:cs typeface="+mn-cs"/>
-                  </a:defRPr>
-                </a:lvl8pPr>
-                <a:lvl9pPr marL="3886200" indent="-228600" algn="l" defTabSz="914400" rtl="0" eaLnBrk="1" latinLnBrk="0" hangingPunct="1">
-                  <a:lnSpc>
-                    <a:spcPct val="90000"/>
-                  </a:lnSpc>
-                  <a:spcBef>
-                    <a:spcPts val="500"/>
-                  </a:spcBef>
-                  <a:buFont typeface="Arial" panose="020B0604020202020204" pitchFamily="34" charset="0"/>
-                  <a:buChar char="•"/>
-                  <a:defRPr sz="1800" kern="1200">
-                    <a:solidFill>
-                      <a:schemeClr val="tx1"/>
-                    </a:solidFill>
-                    <a:latin typeface="+mn-lt"/>
-                    <a:ea typeface="+mn-ea"/>
-                    <a:cs typeface="+mn-cs"/>
-                  </a:defRPr>
-                </a:lvl9pPr>
-              </a:lstStyle>
-              <a:p>
-                <a14:m>
-                  <m:oMath xmlns:m="http://schemas.openxmlformats.org/officeDocument/2006/math">
-                    <m:r>
-                      <a:rPr lang="en-CA" b="0" i="1" smtClean="0">
-                        <a:latin typeface="Cambria Math" panose="02040503050406030204" pitchFamily="18" charset="0"/>
-                      </a:rPr>
-                      <m:t>𝐵</m:t>
-                    </m:r>
-                    <m:r>
-                      <a:rPr lang="en-CA" i="1" smtClean="0">
-                        <a:latin typeface="Cambria Math" panose="02040503050406030204" pitchFamily="18" charset="0"/>
-                      </a:rPr>
-                      <m:t> </m:t>
-                    </m:r>
-                    <m:r>
-                      <a:rPr lang="en-CA" i="1" smtClean="0">
-                        <a:latin typeface="Cambria Math" panose="02040503050406030204" pitchFamily="18" charset="0"/>
-                      </a:rPr>
-                      <m:t>𝑐𝑎𝑙𝑐𝑢𝑙𝑎𝑡𝑖𝑜𝑛</m:t>
-                    </m:r>
-                  </m:oMath>
-                </a14:m>
-                <a:endParaRPr lang="en-CA" dirty="0"/>
-              </a:p>
-              <a:p>
-                <a:pPr marL="0" indent="0">
-                  <a:buFont typeface="Arial" panose="020B0604020202020204" pitchFamily="34" charset="0"/>
-                  <a:buNone/>
-                </a:pPr>
-                <a:endParaRPr lang="en-CA" b="1" dirty="0"/>
-              </a:p>
-            </p:txBody>
-          </p:sp>
-        </mc:Choice>
-        <mc:Fallback xmlns="">
-          <p:sp>
-            <p:nvSpPr>
-              <p:cNvPr id="4" name="Content Placeholder 2">
-                <a:extLst>
-                  <a:ext uri="{FF2B5EF4-FFF2-40B4-BE49-F238E27FC236}">
-                    <a16:creationId xmlns:a16="http://schemas.microsoft.com/office/drawing/2014/main" id="{358B6924-60BA-48F7-BED5-1995E21ADDE1}"/>
-                  </a:ext>
-                </a:extLst>
-              </p:cNvPr>
-              <p:cNvSpPr txBox="1">
-                <a:spLocks noRot="1" noChangeAspect="1" noMove="1" noResize="1" noEditPoints="1" noAdjustHandles="1" noChangeArrowheads="1" noChangeShapeType="1" noTextEdit="1"/>
-              </p:cNvSpPr>
-              <p:nvPr/>
-            </p:nvSpPr>
-            <p:spPr>
-              <a:xfrm>
-                <a:off x="3939283" y="1825625"/>
-                <a:ext cx="2870771" cy="4351338"/>
-              </a:xfrm>
-              <a:prstGeom prst="rect">
-                <a:avLst/>
-              </a:prstGeom>
-              <a:blipFill>
-                <a:blip r:embed="rId4"/>
-                <a:stretch>
-                  <a:fillRect/>
-                </a:stretch>
-              </a:blipFill>
-            </p:spPr>
-            <p:txBody>
-              <a:bodyPr/>
-              <a:lstStyle/>
-              <a:p>
-                <a:r>
-                  <a:rPr lang="en-CA">
-                    <a:noFill/>
-                  </a:rPr>
-                  <a:t> </a:t>
-                </a:r>
-              </a:p>
-            </p:txBody>
-          </p:sp>
+          </p:pic>
         </mc:Fallback>
       </mc:AlternateContent>
+      <p:pic>
+        <p:nvPicPr>
+          <p:cNvPr id="36" name="Graphic 35">
+            <a:extLst>
+              <a:ext uri="{FF2B5EF4-FFF2-40B4-BE49-F238E27FC236}">
+                <a16:creationId xmlns:a16="http://schemas.microsoft.com/office/drawing/2014/main" id="{16E6F12A-BDEA-4947-8182-5C4E9409BDEA}"/>
+              </a:ext>
+            </a:extLst>
+          </p:cNvPr>
+          <p:cNvPicPr>
+            <a:picLocks noChangeAspect="1"/>
+          </p:cNvPicPr>
+          <p:nvPr/>
+        </p:nvPicPr>
+        <p:blipFill>
+          <a:blip r:embed="rId8">
+            <a:extLst>
+              <a:ext uri="{28A0092B-C50C-407E-A947-70E740481C1C}">
+                <a14:useLocalDpi xmlns:a14="http://schemas.microsoft.com/office/drawing/2010/main" val="0"/>
+              </a:ext>
+              <a:ext uri="{96DAC541-7B7A-43D3-8B79-37D633B846F1}">
+                <asvg:svgBlip xmlns:asvg="http://schemas.microsoft.com/office/drawing/2016/SVG/main" r:embed="rId9"/>
+              </a:ext>
+            </a:extLst>
+          </a:blip>
+          <a:stretch>
+            <a:fillRect/>
+          </a:stretch>
+        </p:blipFill>
+        <p:spPr>
+          <a:xfrm>
+            <a:off x="4068132" y="4209143"/>
+            <a:ext cx="2968170" cy="1589314"/>
+          </a:xfrm>
+          <a:prstGeom prst="rect">
+            <a:avLst/>
+          </a:prstGeom>
+          <a:effectLst>
+            <a:outerShdw blurRad="63500" sx="102000" sy="102000" algn="ctr" rotWithShape="0">
+              <a:prstClr val="black">
+                <a:alpha val="40000"/>
+              </a:prstClr>
+            </a:outerShdw>
+          </a:effectLst>
+        </p:spPr>
+      </p:pic>
+      <p:pic>
+        <p:nvPicPr>
+          <p:cNvPr id="38" name="Graphic 37">
+            <a:extLst>
+              <a:ext uri="{FF2B5EF4-FFF2-40B4-BE49-F238E27FC236}">
+                <a16:creationId xmlns:a16="http://schemas.microsoft.com/office/drawing/2014/main" id="{48E93331-9B9E-4B5A-8081-5441C8B1CBBA}"/>
+              </a:ext>
+            </a:extLst>
+          </p:cNvPr>
+          <p:cNvPicPr>
+            <a:picLocks noChangeAspect="1"/>
+          </p:cNvPicPr>
+          <p:nvPr/>
+        </p:nvPicPr>
+        <p:blipFill>
+          <a:blip r:embed="rId8">
+            <a:extLst>
+              <a:ext uri="{28A0092B-C50C-407E-A947-70E740481C1C}">
+                <a14:useLocalDpi xmlns:a14="http://schemas.microsoft.com/office/drawing/2010/main" val="0"/>
+              </a:ext>
+              <a:ext uri="{96DAC541-7B7A-43D3-8B79-37D633B846F1}">
+                <asvg:svgBlip xmlns:asvg="http://schemas.microsoft.com/office/drawing/2016/SVG/main" r:embed="rId9"/>
+              </a:ext>
+            </a:extLst>
+          </a:blip>
+          <a:stretch>
+            <a:fillRect/>
+          </a:stretch>
+        </p:blipFill>
+        <p:spPr>
+          <a:xfrm rot="5400000">
+            <a:off x="8439778" y="1930401"/>
+            <a:ext cx="2968170" cy="1589314"/>
+          </a:xfrm>
+          <a:prstGeom prst="rect">
+            <a:avLst/>
+          </a:prstGeom>
+          <a:effectLst>
+            <a:outerShdw blurRad="63500" sx="102000" sy="102000" algn="ctr" rotWithShape="0">
+              <a:prstClr val="black">
+                <a:alpha val="40000"/>
+              </a:prstClr>
+            </a:outerShdw>
+          </a:effectLst>
+        </p:spPr>
+      </p:pic>
     </p:spTree>
     <p:extLst>
       <p:ext uri="{BB962C8B-B14F-4D97-AF65-F5344CB8AC3E}">
-        <p14:creationId xmlns:p14="http://schemas.microsoft.com/office/powerpoint/2010/main" val="916007148"/>
+        <p14:creationId xmlns:p14="http://schemas.microsoft.com/office/powerpoint/2010/main" val="2821594686"/>
       </p:ext>
     </p:extLst>
   </p:cSld>

--- a/docs/report.pptx
+++ b/docs/report.pptx
@@ -126,7 +126,7 @@
   <pc:docChgLst>
     <pc:chgData name="Mansur He" userId="2cd3e99d6a3c3959" providerId="LiveId" clId="{16CB9BD3-0FD0-435F-BA63-C692E6031789}"/>
     <pc:docChg chg="undo redo custSel addSld delSld modSld sldOrd modMainMaster">
-      <pc:chgData name="Mansur He" userId="2cd3e99d6a3c3959" providerId="LiveId" clId="{16CB9BD3-0FD0-435F-BA63-C692E6031789}" dt="2017-11-17T18:00:36.767" v="4879" actId="1035"/>
+      <pc:chgData name="Mansur He" userId="2cd3e99d6a3c3959" providerId="LiveId" clId="{16CB9BD3-0FD0-435F-BA63-C692E6031789}" dt="2017-11-17T21:05:55.637" v="4904" actId="1076"/>
       <pc:docMkLst>
         <pc:docMk/>
       </pc:docMkLst>
@@ -567,7 +567,7 @@
         </pc:cxnChg>
       </pc:sldChg>
       <pc:sldChg chg="addSp delSp modSp">
-        <pc:chgData name="Mansur He" userId="2cd3e99d6a3c3959" providerId="LiveId" clId="{16CB9BD3-0FD0-435F-BA63-C692E6031789}" dt="2017-11-15T19:25:23.304" v="1730" actId="20577"/>
+        <pc:chgData name="Mansur He" userId="2cd3e99d6a3c3959" providerId="LiveId" clId="{16CB9BD3-0FD0-435F-BA63-C692E6031789}" dt="2017-11-17T21:05:55.637" v="4904" actId="1076"/>
         <pc:sldMkLst>
           <pc:docMk/>
           <pc:sldMk cId="2821594686" sldId="261"/>
@@ -588,6 +588,14 @@
             <ac:spMk id="3" creationId="{C13950B7-2D31-4110-92D4-014344DB4B3F}"/>
           </ac:spMkLst>
         </pc:spChg>
+        <pc:spChg chg="mod">
+          <ac:chgData name="Mansur He" userId="2cd3e99d6a3c3959" providerId="LiveId" clId="{16CB9BD3-0FD0-435F-BA63-C692E6031789}" dt="2017-11-17T21:05:55.637" v="4904" actId="1076"/>
+          <ac:spMkLst>
+            <pc:docMk/>
+            <pc:sldMk cId="2821594686" sldId="261"/>
+            <ac:spMk id="5" creationId="{01B75C1B-E27B-45F2-9AE6-6706045192DC}"/>
+          </ac:spMkLst>
+        </pc:spChg>
         <pc:spChg chg="add del mod">
           <ac:chgData name="Mansur He" userId="2cd3e99d6a3c3959" providerId="LiveId" clId="{16CB9BD3-0FD0-435F-BA63-C692E6031789}" dt="2017-11-15T19:24:53.394" v="1708" actId="478"/>
           <ac:spMkLst>
@@ -597,13 +605,61 @@
           </ac:spMkLst>
         </pc:spChg>
         <pc:spChg chg="add mod">
-          <ac:chgData name="Mansur He" userId="2cd3e99d6a3c3959" providerId="LiveId" clId="{16CB9BD3-0FD0-435F-BA63-C692E6031789}" dt="2017-11-15T19:25:23.304" v="1730" actId="20577"/>
+          <ac:chgData name="Mansur He" userId="2cd3e99d6a3c3959" providerId="LiveId" clId="{16CB9BD3-0FD0-435F-BA63-C692E6031789}" dt="2017-11-17T21:05:48.045" v="4902" actId="1076"/>
           <ac:spMkLst>
             <pc:docMk/>
             <pc:sldMk cId="2821594686" sldId="261"/>
             <ac:spMk id="6" creationId="{4B16F63E-543A-45CE-B8A4-DA2F5634CCFA}"/>
           </ac:spMkLst>
         </pc:spChg>
+        <pc:spChg chg="mod">
+          <ac:chgData name="Mansur He" userId="2cd3e99d6a3c3959" providerId="LiveId" clId="{16CB9BD3-0FD0-435F-BA63-C692E6031789}" dt="2017-11-17T21:03:58.001" v="4893" actId="1076"/>
+          <ac:spMkLst>
+            <pc:docMk/>
+            <pc:sldMk cId="2821594686" sldId="261"/>
+            <ac:spMk id="8" creationId="{D8155AAD-9962-4CA6-ACC4-F0B27FBC8556}"/>
+          </ac:spMkLst>
+        </pc:spChg>
+        <pc:spChg chg="mod">
+          <ac:chgData name="Mansur He" userId="2cd3e99d6a3c3959" providerId="LiveId" clId="{16CB9BD3-0FD0-435F-BA63-C692E6031789}" dt="2017-11-17T21:04:08.645" v="4895" actId="1076"/>
+          <ac:spMkLst>
+            <pc:docMk/>
+            <pc:sldMk cId="2821594686" sldId="261"/>
+            <ac:spMk id="9" creationId="{55A22FEF-B129-4417-8A4C-F657E472FF17}"/>
+          </ac:spMkLst>
+        </pc:spChg>
+        <pc:spChg chg="mod">
+          <ac:chgData name="Mansur He" userId="2cd3e99d6a3c3959" providerId="LiveId" clId="{16CB9BD3-0FD0-435F-BA63-C692E6031789}" dt="2017-11-17T21:04:31.730" v="4898" actId="1076"/>
+          <ac:spMkLst>
+            <pc:docMk/>
+            <pc:sldMk cId="2821594686" sldId="261"/>
+            <ac:spMk id="10" creationId="{B384EE35-9580-4293-ADE6-638BA1C467C5}"/>
+          </ac:spMkLst>
+        </pc:spChg>
+        <pc:picChg chg="add mod">
+          <ac:chgData name="Mansur He" userId="2cd3e99d6a3c3959" providerId="LiveId" clId="{16CB9BD3-0FD0-435F-BA63-C692E6031789}" dt="2017-11-17T21:03:46.961" v="4891" actId="1076"/>
+          <ac:picMkLst>
+            <pc:docMk/>
+            <pc:sldMk cId="2821594686" sldId="261"/>
+            <ac:picMk id="11" creationId="{19E6C715-AB73-49B8-BA17-1E2F1337181D}"/>
+          </ac:picMkLst>
+        </pc:picChg>
+        <pc:picChg chg="mod">
+          <ac:chgData name="Mansur He" userId="2cd3e99d6a3c3959" providerId="LiveId" clId="{16CB9BD3-0FD0-435F-BA63-C692E6031789}" dt="2017-11-17T21:03:36.922" v="4887" actId="1076"/>
+          <ac:picMkLst>
+            <pc:docMk/>
+            <pc:sldMk cId="2821594686" sldId="261"/>
+            <ac:picMk id="36" creationId="{16E6F12A-BDEA-4947-8182-5C4E9409BDEA}"/>
+          </ac:picMkLst>
+        </pc:picChg>
+        <pc:picChg chg="del">
+          <ac:chgData name="Mansur He" userId="2cd3e99d6a3c3959" providerId="LiveId" clId="{16CB9BD3-0FD0-435F-BA63-C692E6031789}" dt="2017-11-17T21:03:39.641" v="4888" actId="478"/>
+          <ac:picMkLst>
+            <pc:docMk/>
+            <pc:sldMk cId="2821594686" sldId="261"/>
+            <ac:picMk id="38" creationId="{48E93331-9B9E-4B5A-8081-5441C8B1CBBA}"/>
+          </ac:picMkLst>
+        </pc:picChg>
       </pc:sldChg>
       <pc:sldChg chg="del">
         <pc:chgData name="Mansur He" userId="2cd3e99d6a3c3959" providerId="LiveId" clId="{16CB9BD3-0FD0-435F-BA63-C692E6031789}" dt="2017-11-17T12:00:45.923" v="4802" actId="2696"/>
@@ -698,20 +754,20 @@
             <ac:spMk id="22" creationId="{05223A8E-C481-4393-ADCD-21EF16FA6C75}"/>
           </ac:spMkLst>
         </pc:spChg>
+        <pc:spChg chg="add del mod">
+          <ac:chgData name="Mansur He" userId="2cd3e99d6a3c3959" providerId="LiveId" clId="{16CB9BD3-0FD0-435F-BA63-C692E6031789}" dt="2017-11-15T18:23:19.769" v="206" actId="478"/>
+          <ac:spMkLst>
+            <pc:docMk/>
+            <pc:sldMk cId="2375096294" sldId="266"/>
+            <ac:spMk id="23" creationId="{E1B79D96-66A7-4CE3-8776-8EBBE2E2B71E}"/>
+          </ac:spMkLst>
+        </pc:spChg>
         <pc:spChg chg="add del mod ord">
           <ac:chgData name="Mansur He" userId="2cd3e99d6a3c3959" providerId="LiveId" clId="{16CB9BD3-0FD0-435F-BA63-C692E6031789}" dt="2017-11-17T09:05:44.992" v="4003" actId="478"/>
           <ac:spMkLst>
             <pc:docMk/>
             <pc:sldMk cId="2375096294" sldId="266"/>
             <ac:spMk id="23" creationId="{DDA844A3-3434-453B-BE67-4D4B8CC06F4E}"/>
-          </ac:spMkLst>
-        </pc:spChg>
-        <pc:spChg chg="add del mod">
-          <ac:chgData name="Mansur He" userId="2cd3e99d6a3c3959" providerId="LiveId" clId="{16CB9BD3-0FD0-435F-BA63-C692E6031789}" dt="2017-11-15T18:23:19.769" v="206" actId="478"/>
-          <ac:spMkLst>
-            <pc:docMk/>
-            <pc:sldMk cId="2375096294" sldId="266"/>
-            <ac:spMk id="23" creationId="{E1B79D96-66A7-4CE3-8776-8EBBE2E2B71E}"/>
           </ac:spMkLst>
         </pc:spChg>
         <pc:spChg chg="add mod">
@@ -858,14 +914,6 @@
             <ac:spMk id="69" creationId="{8B07EDBE-68EB-4D6A-892F-D97DC093912A}"/>
           </ac:spMkLst>
         </pc:spChg>
-        <pc:spChg chg="add del mod">
-          <ac:chgData name="Mansur He" userId="2cd3e99d6a3c3959" providerId="LiveId" clId="{16CB9BD3-0FD0-435F-BA63-C692E6031789}" dt="2017-11-17T09:02:21.722" v="3893" actId="478"/>
-          <ac:spMkLst>
-            <pc:docMk/>
-            <pc:sldMk cId="2375096294" sldId="266"/>
-            <ac:spMk id="70" creationId="{6C05AB66-A0D6-4D58-93D2-BFFA129732BA}"/>
-          </ac:spMkLst>
-        </pc:spChg>
         <pc:spChg chg="add del mod ord">
           <ac:chgData name="Mansur He" userId="2cd3e99d6a3c3959" providerId="LiveId" clId="{16CB9BD3-0FD0-435F-BA63-C692E6031789}" dt="2017-11-15T18:43:04.298" v="464" actId="478"/>
           <ac:spMkLst>
@@ -875,11 +923,11 @@
           </ac:spMkLst>
         </pc:spChg>
         <pc:spChg chg="add del mod">
-          <ac:chgData name="Mansur He" userId="2cd3e99d6a3c3959" providerId="LiveId" clId="{16CB9BD3-0FD0-435F-BA63-C692E6031789}" dt="2017-11-15T18:43:51.189" v="473" actId="478"/>
+          <ac:chgData name="Mansur He" userId="2cd3e99d6a3c3959" providerId="LiveId" clId="{16CB9BD3-0FD0-435F-BA63-C692E6031789}" dt="2017-11-17T09:02:21.722" v="3893" actId="478"/>
           <ac:spMkLst>
             <pc:docMk/>
             <pc:sldMk cId="2375096294" sldId="266"/>
-            <ac:spMk id="71" creationId="{9B594E4B-7D89-4746-B593-427AFE3BCD0B}"/>
+            <ac:spMk id="70" creationId="{6C05AB66-A0D6-4D58-93D2-BFFA129732BA}"/>
           </ac:spMkLst>
         </pc:spChg>
         <pc:spChg chg="add mod ord">
@@ -888,6 +936,14 @@
             <pc:docMk/>
             <pc:sldMk cId="2375096294" sldId="266"/>
             <ac:spMk id="71" creationId="{4545D4EE-449D-42A6-8A4D-8AB2E61019F3}"/>
+          </ac:spMkLst>
+        </pc:spChg>
+        <pc:spChg chg="add del mod">
+          <ac:chgData name="Mansur He" userId="2cd3e99d6a3c3959" providerId="LiveId" clId="{16CB9BD3-0FD0-435F-BA63-C692E6031789}" dt="2017-11-15T18:43:51.189" v="473" actId="478"/>
+          <ac:spMkLst>
+            <pc:docMk/>
+            <pc:sldMk cId="2375096294" sldId="266"/>
+            <ac:spMk id="71" creationId="{9B594E4B-7D89-4746-B593-427AFE3BCD0B}"/>
           </ac:spMkLst>
         </pc:spChg>
         <pc:spChg chg="add del mod">
@@ -1361,20 +1417,20 @@
             <ac:spMk id="2" creationId="{467FBE66-5456-452D-8833-886E791A0CE6}"/>
           </ac:spMkLst>
         </pc:spChg>
+        <pc:spChg chg="del">
+          <ac:chgData name="Mansur He" userId="2cd3e99d6a3c3959" providerId="LiveId" clId="{16CB9BD3-0FD0-435F-BA63-C692E6031789}" dt="2017-11-15T19:18:20.571" v="1384" actId="478"/>
+          <ac:spMkLst>
+            <pc:docMk/>
+            <pc:sldMk cId="1495167305" sldId="267"/>
+            <ac:spMk id="3" creationId="{608E8751-6351-463D-897E-69264E01D14E}"/>
+          </ac:spMkLst>
+        </pc:spChg>
         <pc:spChg chg="add mod">
           <ac:chgData name="Mansur He" userId="2cd3e99d6a3c3959" providerId="LiveId" clId="{16CB9BD3-0FD0-435F-BA63-C692E6031789}" dt="2017-11-17T08:06:52.757" v="2423" actId="2085"/>
           <ac:spMkLst>
             <pc:docMk/>
             <pc:sldMk cId="1495167305" sldId="267"/>
             <ac:spMk id="3" creationId="{C25F7B17-B1C8-4E24-A2BB-20A6330C601E}"/>
-          </ac:spMkLst>
-        </pc:spChg>
-        <pc:spChg chg="del">
-          <ac:chgData name="Mansur He" userId="2cd3e99d6a3c3959" providerId="LiveId" clId="{16CB9BD3-0FD0-435F-BA63-C692E6031789}" dt="2017-11-15T19:18:20.571" v="1384" actId="478"/>
-          <ac:spMkLst>
-            <pc:docMk/>
-            <pc:sldMk cId="1495167305" sldId="267"/>
-            <ac:spMk id="3" creationId="{608E8751-6351-463D-897E-69264E01D14E}"/>
           </ac:spMkLst>
         </pc:spChg>
         <pc:spChg chg="add mod ord">
@@ -1746,8 +1802,47 @@
           </ac:cxnSpMkLst>
         </pc:cxnChg>
       </pc:sldChg>
+      <pc:sldChg chg="modSp">
+        <pc:chgData name="Mansur He" userId="2cd3e99d6a3c3959" providerId="LiveId" clId="{16CB9BD3-0FD0-435F-BA63-C692E6031789}" dt="2017-11-17T21:04:56.196" v="4901" actId="339"/>
+        <pc:sldMkLst>
+          <pc:docMk/>
+          <pc:sldMk cId="270049934" sldId="268"/>
+        </pc:sldMkLst>
+        <pc:grpChg chg="mod">
+          <ac:chgData name="Mansur He" userId="2cd3e99d6a3c3959" providerId="LiveId" clId="{16CB9BD3-0FD0-435F-BA63-C692E6031789}" dt="2017-11-17T21:04:56.196" v="4901" actId="339"/>
+          <ac:grpSpMkLst>
+            <pc:docMk/>
+            <pc:sldMk cId="270049934" sldId="268"/>
+            <ac:grpSpMk id="216" creationId="{E64435FE-A710-4A83-B17A-E004447CFB42}"/>
+          </ac:grpSpMkLst>
+        </pc:grpChg>
+        <pc:grpChg chg="mod">
+          <ac:chgData name="Mansur He" userId="2cd3e99d6a3c3959" providerId="LiveId" clId="{16CB9BD3-0FD0-435F-BA63-C692E6031789}" dt="2017-11-17T21:04:56.196" v="4901" actId="339"/>
+          <ac:grpSpMkLst>
+            <pc:docMk/>
+            <pc:sldMk cId="270049934" sldId="268"/>
+            <ac:grpSpMk id="218" creationId="{D0FE371A-2800-454A-96BA-7DE6D5B7AB7A}"/>
+          </ac:grpSpMkLst>
+        </pc:grpChg>
+        <pc:graphicFrameChg chg="mod">
+          <ac:chgData name="Mansur He" userId="2cd3e99d6a3c3959" providerId="LiveId" clId="{16CB9BD3-0FD0-435F-BA63-C692E6031789}" dt="2017-11-17T21:04:51.404" v="4899" actId="339"/>
+          <ac:graphicFrameMkLst>
+            <pc:docMk/>
+            <pc:sldMk cId="270049934" sldId="268"/>
+            <ac:graphicFrameMk id="46" creationId="{1EFD5E57-A64F-4EF8-9650-D9039D561BC7}"/>
+          </ac:graphicFrameMkLst>
+        </pc:graphicFrameChg>
+        <pc:graphicFrameChg chg="mod">
+          <ac:chgData name="Mansur He" userId="2cd3e99d6a3c3959" providerId="LiveId" clId="{16CB9BD3-0FD0-435F-BA63-C692E6031789}" dt="2017-11-17T21:04:55.099" v="4900" actId="339"/>
+          <ac:graphicFrameMkLst>
+            <pc:docMk/>
+            <pc:sldMk cId="270049934" sldId="268"/>
+            <ac:graphicFrameMk id="165" creationId="{07A565B1-4CE0-441A-91F2-829849112BA9}"/>
+          </ac:graphicFrameMkLst>
+        </pc:graphicFrameChg>
+      </pc:sldChg>
       <pc:sldChg chg="addSp delSp modSp">
-        <pc:chgData name="Mansur He" userId="2cd3e99d6a3c3959" providerId="LiveId" clId="{16CB9BD3-0FD0-435F-BA63-C692E6031789}" dt="2017-11-17T18:00:27.815" v="4864" actId="20577"/>
+        <pc:chgData name="Mansur He" userId="2cd3e99d6a3c3959" providerId="LiveId" clId="{16CB9BD3-0FD0-435F-BA63-C692E6031789}" dt="2017-11-17T21:02:19.209" v="4880" actId="1076"/>
         <pc:sldMkLst>
           <pc:docMk/>
           <pc:sldMk cId="1087011548" sldId="269"/>
@@ -1793,7 +1888,7 @@
           </ac:spMkLst>
         </pc:spChg>
         <pc:spChg chg="mod">
-          <ac:chgData name="Mansur He" userId="2cd3e99d6a3c3959" providerId="LiveId" clId="{16CB9BD3-0FD0-435F-BA63-C692E6031789}" dt="2017-11-17T11:40:05.494" v="4185"/>
+          <ac:chgData name="Mansur He" userId="2cd3e99d6a3c3959" providerId="LiveId" clId="{16CB9BD3-0FD0-435F-BA63-C692E6031789}" dt="2017-11-17T11:40:05.494" v="4185" actId="20577"/>
           <ac:spMkLst>
             <pc:docMk/>
             <pc:sldMk cId="1087011548" sldId="269"/>
@@ -1817,7 +1912,7 @@
           </ac:spMkLst>
         </pc:spChg>
         <pc:spChg chg="add del mod">
-          <ac:chgData name="Mansur He" userId="2cd3e99d6a3c3959" providerId="LiveId" clId="{16CB9BD3-0FD0-435F-BA63-C692E6031789}" dt="2017-11-17T11:41:55.737" v="4206"/>
+          <ac:chgData name="Mansur He" userId="2cd3e99d6a3c3959" providerId="LiveId" clId="{16CB9BD3-0FD0-435F-BA63-C692E6031789}" dt="2017-11-17T11:41:55.737" v="4206" actId="20577"/>
           <ac:spMkLst>
             <pc:docMk/>
             <pc:sldMk cId="1087011548" sldId="269"/>
@@ -1857,7 +1952,7 @@
           </ac:spMkLst>
         </pc:spChg>
         <pc:spChg chg="add mod">
-          <ac:chgData name="Mansur He" userId="2cd3e99d6a3c3959" providerId="LiveId" clId="{16CB9BD3-0FD0-435F-BA63-C692E6031789}" dt="2017-11-17T18:00:27.815" v="4864" actId="20577"/>
+          <ac:chgData name="Mansur He" userId="2cd3e99d6a3c3959" providerId="LiveId" clId="{16CB9BD3-0FD0-435F-BA63-C692E6031789}" dt="2017-11-17T21:02:19.209" v="4880" actId="1076"/>
           <ac:spMkLst>
             <pc:docMk/>
             <pc:sldMk cId="1087011548" sldId="269"/>
@@ -1865,7 +1960,7 @@
           </ac:spMkLst>
         </pc:spChg>
         <pc:spChg chg="add mod">
-          <ac:chgData name="Mansur He" userId="2cd3e99d6a3c3959" providerId="LiveId" clId="{16CB9BD3-0FD0-435F-BA63-C692E6031789}" dt="2017-11-17T11:52:45.812" v="4668"/>
+          <ac:chgData name="Mansur He" userId="2cd3e99d6a3c3959" providerId="LiveId" clId="{16CB9BD3-0FD0-435F-BA63-C692E6031789}" dt="2017-11-17T21:02:19.209" v="4880" actId="1076"/>
           <ac:spMkLst>
             <pc:docMk/>
             <pc:sldMk cId="1087011548" sldId="269"/>
@@ -2024,7 +2119,7 @@
           </ac:picMkLst>
         </pc:picChg>
         <pc:inkChg chg="add del">
-          <ac:chgData name="Mansur He" userId="2cd3e99d6a3c3959" providerId="LiveId" clId="{16CB9BD3-0FD0-435F-BA63-C692E6031789}" dt="2017-11-17T12:04:13.693" v="4805"/>
+          <ac:chgData name="Mansur He" userId="2cd3e99d6a3c3959" providerId="LiveId" clId="{16CB9BD3-0FD0-435F-BA63-C692E6031789}" dt="2017-11-17T12:04:13.693" v="4805" actId="1076"/>
           <ac:inkMkLst>
             <pc:docMk/>
             <pc:sldMk cId="335473643" sldId="270"/>
@@ -2032,7 +2127,7 @@
           </ac:inkMkLst>
         </pc:inkChg>
         <pc:inkChg chg="add del">
-          <ac:chgData name="Mansur He" userId="2cd3e99d6a3c3959" providerId="LiveId" clId="{16CB9BD3-0FD0-435F-BA63-C692E6031789}" dt="2017-11-17T12:04:33.043" v="4810"/>
+          <ac:chgData name="Mansur He" userId="2cd3e99d6a3c3959" providerId="LiveId" clId="{16CB9BD3-0FD0-435F-BA63-C692E6031789}" dt="2017-11-17T12:04:33.043" v="4810" actId="1076"/>
           <ac:inkMkLst>
             <pc:docMk/>
             <pc:sldMk cId="335473643" sldId="270"/>
@@ -2040,7 +2135,7 @@
           </ac:inkMkLst>
         </pc:inkChg>
         <pc:inkChg chg="add del">
-          <ac:chgData name="Mansur He" userId="2cd3e99d6a3c3959" providerId="LiveId" clId="{16CB9BD3-0FD0-435F-BA63-C692E6031789}" dt="2017-11-17T12:04:33.028" v="4809"/>
+          <ac:chgData name="Mansur He" userId="2cd3e99d6a3c3959" providerId="LiveId" clId="{16CB9BD3-0FD0-435F-BA63-C692E6031789}" dt="2017-11-17T12:04:33.028" v="4809" actId="1076"/>
           <ac:inkMkLst>
             <pc:docMk/>
             <pc:sldMk cId="335473643" sldId="270"/>
@@ -2048,7 +2143,7 @@
           </ac:inkMkLst>
         </pc:inkChg>
         <pc:inkChg chg="add del">
-          <ac:chgData name="Mansur He" userId="2cd3e99d6a3c3959" providerId="LiveId" clId="{16CB9BD3-0FD0-435F-BA63-C692E6031789}" dt="2017-11-17T12:04:33.059" v="4811"/>
+          <ac:chgData name="Mansur He" userId="2cd3e99d6a3c3959" providerId="LiveId" clId="{16CB9BD3-0FD0-435F-BA63-C692E6031789}" dt="2017-11-17T12:04:33.059" v="4811" actId="1076"/>
           <ac:inkMkLst>
             <pc:docMk/>
             <pc:sldMk cId="335473643" sldId="270"/>
@@ -2056,7 +2151,7 @@
           </ac:inkMkLst>
         </pc:inkChg>
         <pc:inkChg chg="add del">
-          <ac:chgData name="Mansur He" userId="2cd3e99d6a3c3959" providerId="LiveId" clId="{16CB9BD3-0FD0-435F-BA63-C692E6031789}" dt="2017-11-17T12:04:36.360" v="4813"/>
+          <ac:chgData name="Mansur He" userId="2cd3e99d6a3c3959" providerId="LiveId" clId="{16CB9BD3-0FD0-435F-BA63-C692E6031789}" dt="2017-11-17T12:04:36.360" v="4813" actId="1076"/>
           <ac:inkMkLst>
             <pc:docMk/>
             <pc:sldMk cId="335473643" sldId="270"/>
@@ -2064,7 +2159,7 @@
           </ac:inkMkLst>
         </pc:inkChg>
         <pc:inkChg chg="add del">
-          <ac:chgData name="Mansur He" userId="2cd3e99d6a3c3959" providerId="LiveId" clId="{16CB9BD3-0FD0-435F-BA63-C692E6031789}" dt="2017-11-17T12:04:41.580" v="4816"/>
+          <ac:chgData name="Mansur He" userId="2cd3e99d6a3c3959" providerId="LiveId" clId="{16CB9BD3-0FD0-435F-BA63-C692E6031789}" dt="2017-11-17T12:04:41.580" v="4816" actId="1076"/>
           <ac:inkMkLst>
             <pc:docMk/>
             <pc:sldMk cId="335473643" sldId="270"/>
@@ -2072,7 +2167,7 @@
           </ac:inkMkLst>
         </pc:inkChg>
         <pc:inkChg chg="add del">
-          <ac:chgData name="Mansur He" userId="2cd3e99d6a3c3959" providerId="LiveId" clId="{16CB9BD3-0FD0-435F-BA63-C692E6031789}" dt="2017-11-17T12:04:41.580" v="4816"/>
+          <ac:chgData name="Mansur He" userId="2cd3e99d6a3c3959" providerId="LiveId" clId="{16CB9BD3-0FD0-435F-BA63-C692E6031789}" dt="2017-11-17T12:04:41.580" v="4816" actId="1076"/>
           <ac:inkMkLst>
             <pc:docMk/>
             <pc:sldMk cId="335473643" sldId="270"/>
@@ -2080,7 +2175,7 @@
           </ac:inkMkLst>
         </pc:inkChg>
         <pc:inkChg chg="add del">
-          <ac:chgData name="Mansur He" userId="2cd3e99d6a3c3959" providerId="LiveId" clId="{16CB9BD3-0FD0-435F-BA63-C692E6031789}" dt="2017-11-17T12:04:42.998" v="4818"/>
+          <ac:chgData name="Mansur He" userId="2cd3e99d6a3c3959" providerId="LiveId" clId="{16CB9BD3-0FD0-435F-BA63-C692E6031789}" dt="2017-11-17T12:04:42.998" v="4818" actId="1076"/>
           <ac:inkMkLst>
             <pc:docMk/>
             <pc:sldMk cId="335473643" sldId="270"/>
@@ -2088,7 +2183,7 @@
           </ac:inkMkLst>
         </pc:inkChg>
         <pc:inkChg chg="add del">
-          <ac:chgData name="Mansur He" userId="2cd3e99d6a3c3959" providerId="LiveId" clId="{16CB9BD3-0FD0-435F-BA63-C692E6031789}" dt="2017-11-17T12:04:42.998" v="4818"/>
+          <ac:chgData name="Mansur He" userId="2cd3e99d6a3c3959" providerId="LiveId" clId="{16CB9BD3-0FD0-435F-BA63-C692E6031789}" dt="2017-11-17T12:04:42.998" v="4818" actId="1076"/>
           <ac:inkMkLst>
             <pc:docMk/>
             <pc:sldMk cId="335473643" sldId="270"/>
@@ -2096,7 +2191,7 @@
           </ac:inkMkLst>
         </pc:inkChg>
         <pc:inkChg chg="add del">
-          <ac:chgData name="Mansur He" userId="2cd3e99d6a3c3959" providerId="LiveId" clId="{16CB9BD3-0FD0-435F-BA63-C692E6031789}" dt="2017-11-17T12:04:44.315" v="4820"/>
+          <ac:chgData name="Mansur He" userId="2cd3e99d6a3c3959" providerId="LiveId" clId="{16CB9BD3-0FD0-435F-BA63-C692E6031789}" dt="2017-11-17T12:04:44.315" v="4820" actId="1076"/>
           <ac:inkMkLst>
             <pc:docMk/>
             <pc:sldMk cId="335473643" sldId="270"/>
@@ -2104,7 +2199,7 @@
           </ac:inkMkLst>
         </pc:inkChg>
         <pc:inkChg chg="add del">
-          <ac:chgData name="Mansur He" userId="2cd3e99d6a3c3959" providerId="LiveId" clId="{16CB9BD3-0FD0-435F-BA63-C692E6031789}" dt="2017-11-17T12:04:44.315" v="4820"/>
+          <ac:chgData name="Mansur He" userId="2cd3e99d6a3c3959" providerId="LiveId" clId="{16CB9BD3-0FD0-435F-BA63-C692E6031789}" dt="2017-11-17T12:04:44.315" v="4820" actId="1076"/>
           <ac:inkMkLst>
             <pc:docMk/>
             <pc:sldMk cId="335473643" sldId="270"/>
@@ -2112,7 +2207,7 @@
           </ac:inkMkLst>
         </pc:inkChg>
         <pc:inkChg chg="add del">
-          <ac:chgData name="Mansur He" userId="2cd3e99d6a3c3959" providerId="LiveId" clId="{16CB9BD3-0FD0-435F-BA63-C692E6031789}" dt="2017-11-17T12:04:46.769" v="4823"/>
+          <ac:chgData name="Mansur He" userId="2cd3e99d6a3c3959" providerId="LiveId" clId="{16CB9BD3-0FD0-435F-BA63-C692E6031789}" dt="2017-11-17T12:04:46.769" v="4823" actId="1076"/>
           <ac:inkMkLst>
             <pc:docMk/>
             <pc:sldMk cId="335473643" sldId="270"/>
@@ -2120,7 +2215,7 @@
           </ac:inkMkLst>
         </pc:inkChg>
         <pc:inkChg chg="add del">
-          <ac:chgData name="Mansur He" userId="2cd3e99d6a3c3959" providerId="LiveId" clId="{16CB9BD3-0FD0-435F-BA63-C692E6031789}" dt="2017-11-17T12:04:46.769" v="4823"/>
+          <ac:chgData name="Mansur He" userId="2cd3e99d6a3c3959" providerId="LiveId" clId="{16CB9BD3-0FD0-435F-BA63-C692E6031789}" dt="2017-11-17T12:04:46.769" v="4823" actId="1076"/>
           <ac:inkMkLst>
             <pc:docMk/>
             <pc:sldMk cId="335473643" sldId="270"/>
@@ -2128,7 +2223,7 @@
           </ac:inkMkLst>
         </pc:inkChg>
         <pc:inkChg chg="add del">
-          <ac:chgData name="Mansur He" userId="2cd3e99d6a3c3959" providerId="LiveId" clId="{16CB9BD3-0FD0-435F-BA63-C692E6031789}" dt="2017-11-17T12:04:46.769" v="4823"/>
+          <ac:chgData name="Mansur He" userId="2cd3e99d6a3c3959" providerId="LiveId" clId="{16CB9BD3-0FD0-435F-BA63-C692E6031789}" dt="2017-11-17T12:04:46.769" v="4823" actId="1076"/>
           <ac:inkMkLst>
             <pc:docMk/>
             <pc:sldMk cId="335473643" sldId="270"/>
@@ -2136,7 +2231,7 @@
           </ac:inkMkLst>
         </pc:inkChg>
         <pc:inkChg chg="add del">
-          <ac:chgData name="Mansur He" userId="2cd3e99d6a3c3959" providerId="LiveId" clId="{16CB9BD3-0FD0-435F-BA63-C692E6031789}" dt="2017-11-17T12:04:50.871" v="4825"/>
+          <ac:chgData name="Mansur He" userId="2cd3e99d6a3c3959" providerId="LiveId" clId="{16CB9BD3-0FD0-435F-BA63-C692E6031789}" dt="2017-11-17T12:04:50.871" v="4825" actId="1076"/>
           <ac:inkMkLst>
             <pc:docMk/>
             <pc:sldMk cId="335473643" sldId="270"/>
@@ -2144,7 +2239,7 @@
           </ac:inkMkLst>
         </pc:inkChg>
         <pc:inkChg chg="add del">
-          <ac:chgData name="Mansur He" userId="2cd3e99d6a3c3959" providerId="LiveId" clId="{16CB9BD3-0FD0-435F-BA63-C692E6031789}" dt="2017-11-17T12:04:50.871" v="4825"/>
+          <ac:chgData name="Mansur He" userId="2cd3e99d6a3c3959" providerId="LiveId" clId="{16CB9BD3-0FD0-435F-BA63-C692E6031789}" dt="2017-11-17T12:04:50.871" v="4825" actId="1076"/>
           <ac:inkMkLst>
             <pc:docMk/>
             <pc:sldMk cId="335473643" sldId="270"/>
@@ -2152,7 +2247,7 @@
           </ac:inkMkLst>
         </pc:inkChg>
         <pc:inkChg chg="add del">
-          <ac:chgData name="Mansur He" userId="2cd3e99d6a3c3959" providerId="LiveId" clId="{16CB9BD3-0FD0-435F-BA63-C692E6031789}" dt="2017-11-17T12:04:52.987" v="4827"/>
+          <ac:chgData name="Mansur He" userId="2cd3e99d6a3c3959" providerId="LiveId" clId="{16CB9BD3-0FD0-435F-BA63-C692E6031789}" dt="2017-11-17T12:04:52.987" v="4827" actId="1076"/>
           <ac:inkMkLst>
             <pc:docMk/>
             <pc:sldMk cId="335473643" sldId="270"/>
@@ -2160,7 +2255,7 @@
           </ac:inkMkLst>
         </pc:inkChg>
         <pc:inkChg chg="add del">
-          <ac:chgData name="Mansur He" userId="2cd3e99d6a3c3959" providerId="LiveId" clId="{16CB9BD3-0FD0-435F-BA63-C692E6031789}" dt="2017-11-17T12:04:52.987" v="4827"/>
+          <ac:chgData name="Mansur He" userId="2cd3e99d6a3c3959" providerId="LiveId" clId="{16CB9BD3-0FD0-435F-BA63-C692E6031789}" dt="2017-11-17T12:04:52.987" v="4827" actId="1076"/>
           <ac:inkMkLst>
             <pc:docMk/>
             <pc:sldMk cId="335473643" sldId="270"/>
@@ -2168,7 +2263,7 @@
           </ac:inkMkLst>
         </pc:inkChg>
         <pc:inkChg chg="add del">
-          <ac:chgData name="Mansur He" userId="2cd3e99d6a3c3959" providerId="LiveId" clId="{16CB9BD3-0FD0-435F-BA63-C692E6031789}" dt="2017-11-17T12:04:54.288" v="4830"/>
+          <ac:chgData name="Mansur He" userId="2cd3e99d6a3c3959" providerId="LiveId" clId="{16CB9BD3-0FD0-435F-BA63-C692E6031789}" dt="2017-11-17T12:04:54.288" v="4830" actId="1076"/>
           <ac:inkMkLst>
             <pc:docMk/>
             <pc:sldMk cId="335473643" sldId="270"/>
@@ -2176,7 +2271,7 @@
           </ac:inkMkLst>
         </pc:inkChg>
         <pc:inkChg chg="add del">
-          <ac:chgData name="Mansur He" userId="2cd3e99d6a3c3959" providerId="LiveId" clId="{16CB9BD3-0FD0-435F-BA63-C692E6031789}" dt="2017-11-17T12:04:54.288" v="4830"/>
+          <ac:chgData name="Mansur He" userId="2cd3e99d6a3c3959" providerId="LiveId" clId="{16CB9BD3-0FD0-435F-BA63-C692E6031789}" dt="2017-11-17T12:04:54.288" v="4830" actId="1076"/>
           <ac:inkMkLst>
             <pc:docMk/>
             <pc:sldMk cId="335473643" sldId="270"/>
@@ -2184,7 +2279,7 @@
           </ac:inkMkLst>
         </pc:inkChg>
         <pc:inkChg chg="add del">
-          <ac:chgData name="Mansur He" userId="2cd3e99d6a3c3959" providerId="LiveId" clId="{16CB9BD3-0FD0-435F-BA63-C692E6031789}" dt="2017-11-17T12:04:54.288" v="4830"/>
+          <ac:chgData name="Mansur He" userId="2cd3e99d6a3c3959" providerId="LiveId" clId="{16CB9BD3-0FD0-435F-BA63-C692E6031789}" dt="2017-11-17T12:04:54.288" v="4830" actId="1076"/>
           <ac:inkMkLst>
             <pc:docMk/>
             <pc:sldMk cId="335473643" sldId="270"/>
@@ -2192,7 +2287,7 @@
           </ac:inkMkLst>
         </pc:inkChg>
         <pc:inkChg chg="add del">
-          <ac:chgData name="Mansur He" userId="2cd3e99d6a3c3959" providerId="LiveId" clId="{16CB9BD3-0FD0-435F-BA63-C692E6031789}" dt="2017-11-17T12:05:03.826" v="4832"/>
+          <ac:chgData name="Mansur He" userId="2cd3e99d6a3c3959" providerId="LiveId" clId="{16CB9BD3-0FD0-435F-BA63-C692E6031789}" dt="2017-11-17T12:05:03.826" v="4832" actId="1076"/>
           <ac:inkMkLst>
             <pc:docMk/>
             <pc:sldMk cId="335473643" sldId="270"/>
@@ -2200,7 +2295,7 @@
           </ac:inkMkLst>
         </pc:inkChg>
         <pc:inkChg chg="add del">
-          <ac:chgData name="Mansur He" userId="2cd3e99d6a3c3959" providerId="LiveId" clId="{16CB9BD3-0FD0-435F-BA63-C692E6031789}" dt="2017-11-17T12:05:03.826" v="4832"/>
+          <ac:chgData name="Mansur He" userId="2cd3e99d6a3c3959" providerId="LiveId" clId="{16CB9BD3-0FD0-435F-BA63-C692E6031789}" dt="2017-11-17T12:05:03.826" v="4832" actId="1076"/>
           <ac:inkMkLst>
             <pc:docMk/>
             <pc:sldMk cId="335473643" sldId="270"/>
@@ -2208,7 +2303,7 @@
           </ac:inkMkLst>
         </pc:inkChg>
         <pc:inkChg chg="add del">
-          <ac:chgData name="Mansur He" userId="2cd3e99d6a3c3959" providerId="LiveId" clId="{16CB9BD3-0FD0-435F-BA63-C692E6031789}" dt="2017-11-17T12:05:04.610" v="4834"/>
+          <ac:chgData name="Mansur He" userId="2cd3e99d6a3c3959" providerId="LiveId" clId="{16CB9BD3-0FD0-435F-BA63-C692E6031789}" dt="2017-11-17T12:05:04.610" v="4834" actId="1076"/>
           <ac:inkMkLst>
             <pc:docMk/>
             <pc:sldMk cId="335473643" sldId="270"/>
@@ -2216,7 +2311,7 @@
           </ac:inkMkLst>
         </pc:inkChg>
         <pc:inkChg chg="add del">
-          <ac:chgData name="Mansur He" userId="2cd3e99d6a3c3959" providerId="LiveId" clId="{16CB9BD3-0FD0-435F-BA63-C692E6031789}" dt="2017-11-17T12:05:04.610" v="4834"/>
+          <ac:chgData name="Mansur He" userId="2cd3e99d6a3c3959" providerId="LiveId" clId="{16CB9BD3-0FD0-435F-BA63-C692E6031789}" dt="2017-11-17T12:05:04.610" v="4834" actId="1076"/>
           <ac:inkMkLst>
             <pc:docMk/>
             <pc:sldMk cId="335473643" sldId="270"/>
@@ -2224,7 +2319,7 @@
           </ac:inkMkLst>
         </pc:inkChg>
         <pc:inkChg chg="add del">
-          <ac:chgData name="Mansur He" userId="2cd3e99d6a3c3959" providerId="LiveId" clId="{16CB9BD3-0FD0-435F-BA63-C692E6031789}" dt="2017-11-17T12:05:12.003" v="4836"/>
+          <ac:chgData name="Mansur He" userId="2cd3e99d6a3c3959" providerId="LiveId" clId="{16CB9BD3-0FD0-435F-BA63-C692E6031789}" dt="2017-11-17T12:05:12.003" v="4836" actId="1076"/>
           <ac:inkMkLst>
             <pc:docMk/>
             <pc:sldMk cId="335473643" sldId="270"/>
@@ -2232,7 +2327,7 @@
           </ac:inkMkLst>
         </pc:inkChg>
         <pc:inkChg chg="add del">
-          <ac:chgData name="Mansur He" userId="2cd3e99d6a3c3959" providerId="LiveId" clId="{16CB9BD3-0FD0-435F-BA63-C692E6031789}" dt="2017-11-17T12:05:12.003" v="4836"/>
+          <ac:chgData name="Mansur He" userId="2cd3e99d6a3c3959" providerId="LiveId" clId="{16CB9BD3-0FD0-435F-BA63-C692E6031789}" dt="2017-11-17T12:05:12.003" v="4836" actId="1076"/>
           <ac:inkMkLst>
             <pc:docMk/>
             <pc:sldMk cId="335473643" sldId="270"/>
@@ -2240,7 +2335,7 @@
           </ac:inkMkLst>
         </pc:inkChg>
         <pc:inkChg chg="add del">
-          <ac:chgData name="Mansur He" userId="2cd3e99d6a3c3959" providerId="LiveId" clId="{16CB9BD3-0FD0-435F-BA63-C692E6031789}" dt="2017-11-17T12:05:12.636" v="4838"/>
+          <ac:chgData name="Mansur He" userId="2cd3e99d6a3c3959" providerId="LiveId" clId="{16CB9BD3-0FD0-435F-BA63-C692E6031789}" dt="2017-11-17T12:05:12.636" v="4838" actId="1076"/>
           <ac:inkMkLst>
             <pc:docMk/>
             <pc:sldMk cId="335473643" sldId="270"/>
@@ -2248,7 +2343,7 @@
           </ac:inkMkLst>
         </pc:inkChg>
         <pc:inkChg chg="add del">
-          <ac:chgData name="Mansur He" userId="2cd3e99d6a3c3959" providerId="LiveId" clId="{16CB9BD3-0FD0-435F-BA63-C692E6031789}" dt="2017-11-17T12:05:12.636" v="4838"/>
+          <ac:chgData name="Mansur He" userId="2cd3e99d6a3c3959" providerId="LiveId" clId="{16CB9BD3-0FD0-435F-BA63-C692E6031789}" dt="2017-11-17T12:05:12.636" v="4838" actId="1076"/>
           <ac:inkMkLst>
             <pc:docMk/>
             <pc:sldMk cId="335473643" sldId="270"/>
@@ -2256,7 +2351,7 @@
           </ac:inkMkLst>
         </pc:inkChg>
         <pc:inkChg chg="add del">
-          <ac:chgData name="Mansur He" userId="2cd3e99d6a3c3959" providerId="LiveId" clId="{16CB9BD3-0FD0-435F-BA63-C692E6031789}" dt="2017-11-17T12:05:14.173" v="4840"/>
+          <ac:chgData name="Mansur He" userId="2cd3e99d6a3c3959" providerId="LiveId" clId="{16CB9BD3-0FD0-435F-BA63-C692E6031789}" dt="2017-11-17T12:05:14.173" v="4840" actId="1076"/>
           <ac:inkMkLst>
             <pc:docMk/>
             <pc:sldMk cId="335473643" sldId="270"/>
@@ -2264,7 +2359,7 @@
           </ac:inkMkLst>
         </pc:inkChg>
         <pc:inkChg chg="add del">
-          <ac:chgData name="Mansur He" userId="2cd3e99d6a3c3959" providerId="LiveId" clId="{16CB9BD3-0FD0-435F-BA63-C692E6031789}" dt="2017-11-17T12:05:14.173" v="4840"/>
+          <ac:chgData name="Mansur He" userId="2cd3e99d6a3c3959" providerId="LiveId" clId="{16CB9BD3-0FD0-435F-BA63-C692E6031789}" dt="2017-11-17T12:05:14.173" v="4840" actId="1076"/>
           <ac:inkMkLst>
             <pc:docMk/>
             <pc:sldMk cId="335473643" sldId="270"/>
@@ -2272,7 +2367,7 @@
           </ac:inkMkLst>
         </pc:inkChg>
         <pc:inkChg chg="add del">
-          <ac:chgData name="Mansur He" userId="2cd3e99d6a3c3959" providerId="LiveId" clId="{16CB9BD3-0FD0-435F-BA63-C692E6031789}" dt="2017-11-17T12:05:17.540" v="4842"/>
+          <ac:chgData name="Mansur He" userId="2cd3e99d6a3c3959" providerId="LiveId" clId="{16CB9BD3-0FD0-435F-BA63-C692E6031789}" dt="2017-11-17T12:05:17.540" v="4842" actId="1076"/>
           <ac:inkMkLst>
             <pc:docMk/>
             <pc:sldMk cId="335473643" sldId="270"/>
@@ -2280,7 +2375,7 @@
           </ac:inkMkLst>
         </pc:inkChg>
         <pc:inkChg chg="add del">
-          <ac:chgData name="Mansur He" userId="2cd3e99d6a3c3959" providerId="LiveId" clId="{16CB9BD3-0FD0-435F-BA63-C692E6031789}" dt="2017-11-17T12:05:17.540" v="4842"/>
+          <ac:chgData name="Mansur He" userId="2cd3e99d6a3c3959" providerId="LiveId" clId="{16CB9BD3-0FD0-435F-BA63-C692E6031789}" dt="2017-11-17T12:05:17.540" v="4842" actId="1076"/>
           <ac:inkMkLst>
             <pc:docMk/>
             <pc:sldMk cId="335473643" sldId="270"/>
@@ -2288,7 +2383,7 @@
           </ac:inkMkLst>
         </pc:inkChg>
         <pc:inkChg chg="add del">
-          <ac:chgData name="Mansur He" userId="2cd3e99d6a3c3959" providerId="LiveId" clId="{16CB9BD3-0FD0-435F-BA63-C692E6031789}" dt="2017-11-17T12:05:19.596" v="4844"/>
+          <ac:chgData name="Mansur He" userId="2cd3e99d6a3c3959" providerId="LiveId" clId="{16CB9BD3-0FD0-435F-BA63-C692E6031789}" dt="2017-11-17T12:05:19.596" v="4844" actId="1076"/>
           <ac:inkMkLst>
             <pc:docMk/>
             <pc:sldMk cId="335473643" sldId="270"/>
@@ -2296,7 +2391,7 @@
           </ac:inkMkLst>
         </pc:inkChg>
         <pc:inkChg chg="add del">
-          <ac:chgData name="Mansur He" userId="2cd3e99d6a3c3959" providerId="LiveId" clId="{16CB9BD3-0FD0-435F-BA63-C692E6031789}" dt="2017-11-17T12:05:19.596" v="4844"/>
+          <ac:chgData name="Mansur He" userId="2cd3e99d6a3c3959" providerId="LiveId" clId="{16CB9BD3-0FD0-435F-BA63-C692E6031789}" dt="2017-11-17T12:05:19.596" v="4844" actId="1076"/>
           <ac:inkMkLst>
             <pc:docMk/>
             <pc:sldMk cId="335473643" sldId="270"/>
@@ -2304,7 +2399,7 @@
           </ac:inkMkLst>
         </pc:inkChg>
         <pc:inkChg chg="add del">
-          <ac:chgData name="Mansur He" userId="2cd3e99d6a3c3959" providerId="LiveId" clId="{16CB9BD3-0FD0-435F-BA63-C692E6031789}" dt="2017-11-17T12:05:20.196" v="4846"/>
+          <ac:chgData name="Mansur He" userId="2cd3e99d6a3c3959" providerId="LiveId" clId="{16CB9BD3-0FD0-435F-BA63-C692E6031789}" dt="2017-11-17T12:05:20.196" v="4846" actId="1076"/>
           <ac:inkMkLst>
             <pc:docMk/>
             <pc:sldMk cId="335473643" sldId="270"/>
@@ -2312,7 +2407,7 @@
           </ac:inkMkLst>
         </pc:inkChg>
         <pc:inkChg chg="add del">
-          <ac:chgData name="Mansur He" userId="2cd3e99d6a3c3959" providerId="LiveId" clId="{16CB9BD3-0FD0-435F-BA63-C692E6031789}" dt="2017-11-17T12:05:20.196" v="4846"/>
+          <ac:chgData name="Mansur He" userId="2cd3e99d6a3c3959" providerId="LiveId" clId="{16CB9BD3-0FD0-435F-BA63-C692E6031789}" dt="2017-11-17T12:05:20.196" v="4846" actId="1076"/>
           <ac:inkMkLst>
             <pc:docMk/>
             <pc:sldMk cId="335473643" sldId="270"/>
@@ -2320,7 +2415,7 @@
           </ac:inkMkLst>
         </pc:inkChg>
         <pc:inkChg chg="add del">
-          <ac:chgData name="Mansur He" userId="2cd3e99d6a3c3959" providerId="LiveId" clId="{16CB9BD3-0FD0-435F-BA63-C692E6031789}" dt="2017-11-17T12:05:26.546" v="4848"/>
+          <ac:chgData name="Mansur He" userId="2cd3e99d6a3c3959" providerId="LiveId" clId="{16CB9BD3-0FD0-435F-BA63-C692E6031789}" dt="2017-11-17T12:05:26.546" v="4848" actId="1076"/>
           <ac:inkMkLst>
             <pc:docMk/>
             <pc:sldMk cId="335473643" sldId="270"/>
@@ -2328,7 +2423,7 @@
           </ac:inkMkLst>
         </pc:inkChg>
         <pc:inkChg chg="add del">
-          <ac:chgData name="Mansur He" userId="2cd3e99d6a3c3959" providerId="LiveId" clId="{16CB9BD3-0FD0-435F-BA63-C692E6031789}" dt="2017-11-17T12:05:26.546" v="4848"/>
+          <ac:chgData name="Mansur He" userId="2cd3e99d6a3c3959" providerId="LiveId" clId="{16CB9BD3-0FD0-435F-BA63-C692E6031789}" dt="2017-11-17T12:05:26.546" v="4848" actId="1076"/>
           <ac:inkMkLst>
             <pc:docMk/>
             <pc:sldMk cId="335473643" sldId="270"/>
@@ -2336,7 +2431,7 @@
           </ac:inkMkLst>
         </pc:inkChg>
         <pc:inkChg chg="add del">
-          <ac:chgData name="Mansur He" userId="2cd3e99d6a3c3959" providerId="LiveId" clId="{16CB9BD3-0FD0-435F-BA63-C692E6031789}" dt="2017-11-17T12:05:27.648" v="4850"/>
+          <ac:chgData name="Mansur He" userId="2cd3e99d6a3c3959" providerId="LiveId" clId="{16CB9BD3-0FD0-435F-BA63-C692E6031789}" dt="2017-11-17T12:05:27.648" v="4850" actId="1076"/>
           <ac:inkMkLst>
             <pc:docMk/>
             <pc:sldMk cId="335473643" sldId="270"/>
@@ -2344,7 +2439,7 @@
           </ac:inkMkLst>
         </pc:inkChg>
         <pc:inkChg chg="add del">
-          <ac:chgData name="Mansur He" userId="2cd3e99d6a3c3959" providerId="LiveId" clId="{16CB9BD3-0FD0-435F-BA63-C692E6031789}" dt="2017-11-17T12:05:27.648" v="4850"/>
+          <ac:chgData name="Mansur He" userId="2cd3e99d6a3c3959" providerId="LiveId" clId="{16CB9BD3-0FD0-435F-BA63-C692E6031789}" dt="2017-11-17T12:05:27.648" v="4850" actId="1076"/>
           <ac:inkMkLst>
             <pc:docMk/>
             <pc:sldMk cId="335473643" sldId="270"/>
@@ -2352,7 +2447,7 @@
           </ac:inkMkLst>
         </pc:inkChg>
         <pc:inkChg chg="add del">
-          <ac:chgData name="Mansur He" userId="2cd3e99d6a3c3959" providerId="LiveId" clId="{16CB9BD3-0FD0-435F-BA63-C692E6031789}" dt="2017-11-17T12:05:28.569" v="4852"/>
+          <ac:chgData name="Mansur He" userId="2cd3e99d6a3c3959" providerId="LiveId" clId="{16CB9BD3-0FD0-435F-BA63-C692E6031789}" dt="2017-11-17T12:05:28.569" v="4852" actId="1076"/>
           <ac:inkMkLst>
             <pc:docMk/>
             <pc:sldMk cId="335473643" sldId="270"/>
@@ -2360,7 +2455,7 @@
           </ac:inkMkLst>
         </pc:inkChg>
         <pc:inkChg chg="add del">
-          <ac:chgData name="Mansur He" userId="2cd3e99d6a3c3959" providerId="LiveId" clId="{16CB9BD3-0FD0-435F-BA63-C692E6031789}" dt="2017-11-17T12:05:28.569" v="4852"/>
+          <ac:chgData name="Mansur He" userId="2cd3e99d6a3c3959" providerId="LiveId" clId="{16CB9BD3-0FD0-435F-BA63-C692E6031789}" dt="2017-11-17T12:05:28.569" v="4852" actId="1076"/>
           <ac:inkMkLst>
             <pc:docMk/>
             <pc:sldMk cId="335473643" sldId="270"/>
@@ -2368,7 +2463,7 @@
           </ac:inkMkLst>
         </pc:inkChg>
         <pc:inkChg chg="add del">
-          <ac:chgData name="Mansur He" userId="2cd3e99d6a3c3959" providerId="LiveId" clId="{16CB9BD3-0FD0-435F-BA63-C692E6031789}" dt="2017-11-17T12:05:30.686" v="4854"/>
+          <ac:chgData name="Mansur He" userId="2cd3e99d6a3c3959" providerId="LiveId" clId="{16CB9BD3-0FD0-435F-BA63-C692E6031789}" dt="2017-11-17T12:05:30.686" v="4854" actId="1076"/>
           <ac:inkMkLst>
             <pc:docMk/>
             <pc:sldMk cId="335473643" sldId="270"/>
@@ -2376,7 +2471,7 @@
           </ac:inkMkLst>
         </pc:inkChg>
         <pc:inkChg chg="add del">
-          <ac:chgData name="Mansur He" userId="2cd3e99d6a3c3959" providerId="LiveId" clId="{16CB9BD3-0FD0-435F-BA63-C692E6031789}" dt="2017-11-17T12:05:30.686" v="4854"/>
+          <ac:chgData name="Mansur He" userId="2cd3e99d6a3c3959" providerId="LiveId" clId="{16CB9BD3-0FD0-435F-BA63-C692E6031789}" dt="2017-11-17T12:05:30.686" v="4854" actId="1076"/>
           <ac:inkMkLst>
             <pc:docMk/>
             <pc:sldMk cId="335473643" sldId="270"/>
@@ -2384,7 +2479,7 @@
           </ac:inkMkLst>
         </pc:inkChg>
         <pc:inkChg chg="add del">
-          <ac:chgData name="Mansur He" userId="2cd3e99d6a3c3959" providerId="LiveId" clId="{16CB9BD3-0FD0-435F-BA63-C692E6031789}" dt="2017-11-17T12:05:31.171" v="4856"/>
+          <ac:chgData name="Mansur He" userId="2cd3e99d6a3c3959" providerId="LiveId" clId="{16CB9BD3-0FD0-435F-BA63-C692E6031789}" dt="2017-11-17T12:05:31.171" v="4856" actId="1076"/>
           <ac:inkMkLst>
             <pc:docMk/>
             <pc:sldMk cId="335473643" sldId="270"/>
@@ -2392,7 +2487,7 @@
           </ac:inkMkLst>
         </pc:inkChg>
         <pc:inkChg chg="add del">
-          <ac:chgData name="Mansur He" userId="2cd3e99d6a3c3959" providerId="LiveId" clId="{16CB9BD3-0FD0-435F-BA63-C692E6031789}" dt="2017-11-17T12:05:31.171" v="4856"/>
+          <ac:chgData name="Mansur He" userId="2cd3e99d6a3c3959" providerId="LiveId" clId="{16CB9BD3-0FD0-435F-BA63-C692E6031789}" dt="2017-11-17T12:05:31.171" v="4856" actId="1076"/>
           <ac:inkMkLst>
             <pc:docMk/>
             <pc:sldMk cId="335473643" sldId="270"/>
@@ -2553,8 +2648,8 @@
   <inkml:trace contextRef="#ctx0" brushRef="#br0" timeOffset="868.9457">171 2614 4864,'0'0'0,"0"0"256,0 0 0,0 0 768,0 0 128,0 0-768,0 0 128,-24 0-256,24 24 128,0 25-256,24 24 128,1 25 256,-1-25 128,1 49-512,-1 1 128,25 23 0,0-24 0,0 0-128,0-48 0,-25-1 0,1-24 0,-25-25-128,24 1 0,-24-1 256,0-24 0,0 0-256,0 0 0,0 0 0,0 0 128,0 0-128,0 0 128,0-24-128,0 24 0,0-25 0,-24 1 0,24-1-256,0 1 0,-25 0 0,25-1 0,0 25-640,0-24 0,0-1-1536,0 25 128,0-24-640</inkml:trace>
   <inkml:trace contextRef="#ctx0" brushRef="#br0" timeOffset="2286.8149">0 2638 4992,'25'0'0,"24"25"128,-49-25 0,0 0 640,0 0 128,0 0 0,0 24 128,24-24-640,1 0 128,-1 25-128,0-25 0,25 0-256,0 0 128,0 0-256,0 0 0,24 0 0,-24 0 0,0 0 0,0-25 0,0 25 0,-25 0 0,25-24 128,-25 24 128,1 0-384,-1-25 128,1 25 0,-1 0 0,-24 0 128,0 0 0,24 0-128,-24 0 0,0 0 0,0 0 0,0 0 0,0 0 128,0 0-128,0 0 0,0 0-128,0 0 128,25 0 0,-25 0 128,0 0-128,0 0 0,0 0 0,0 0 128,0 0-128,0 0 0,0 0 0,0 0 0,0 0-128,0 0 128,24 0 0,-24 0 0,0 0 0,0 0 128,25 0-128,-25 0 0,0 0 0,0 0 0,0 0 0,0 0 128,0 0-128,0 0 0,0 0 0,0 0 128,0 0-128,0 0 0,0 0-128,0 25 128,-25-25 0,1 24 128,-1 25-128,1 0 0,0 0 128,-1 24 0,1 0 0,-1 25 128,1 24-256,-1 0 128,1 49-128,0-49 0,-1 0 0,25-24 0,0-25 128,0-24 0,0-49-128,0 25 128,0-25-128,0 0 0,25-25 0,-25-24 128,0 25-512,24-1 0,-24-23-3328,0-1 0,0 0 1280</inkml:trace>
   <inkml:trace contextRef="#ctx0" brushRef="#br0" timeOffset="3603.6092">490 2907 1792,'-25'0'0,"-24"0"128,25 0 128,-1 0 128,1-24 0,-1 24 256,25 0 0,25-25-128,-25 25 0,24-24 128,1 24 0,-1-25-384,1 1 128,-1-1-256,1 1 0,24 0 0,-25 24 0,1-25 0,-1 25 0,1-24 0,-25 24 128,24 0-128,-24 0 0,25 0 0,-25 0 128,0 0-128,0 0 0,0 0 0,0 0 128,-25 24-128,25-24 0,0 25 0,0-25 128,-24 24-128,24-24 0,0 24-128,-25 1 128,25-1-128,-24 1 128,-1-25 256,25 49 0,-24-25-384,24 0 0,-25 25 0,1-24 0,24 24 128,0-25 0,0-24 0,0 24 0,0-24-128,0 0 128,24 0 0,1-24 128,-25-25-256,24 25 0,1-1 0,-1-24 0,-24 25 0,25 0 0,-25-1 0,0 1 0,0 24 0,0-25 0,0 25 0,0 0 0,0 25 0,0-1 128,-25 25-128,25 0 0,-24 24 0,24 0 0,-25 1 0,1-1 0,24 0 0,-25 1 0,25-1 0,0 0 0,0-24 0,-24 0 0,24 0 0,0-25 0,0 0 0,0-24 0,0 0 0,0 0 0,24 0 0,-24-24 0,25 24 0,-25-24 128,0 24-128,0 0 0,0-25 0,0 25 128,0 0-128,0 0 0,0-24 0,0-1 0,0 25 0,0-24 0,0-1 0,0 1 0,0 0 0,0 24 0,0-25-256,0 1 128,0 24-128,0-25 128,0 1 128,0 0 0,0-1 0,0 1 0,0-1-128,0 25 128,0 0 0,0 0 0,0 0 0,0 25 0,0-1 0,0 25 0,24 0-128,-24 24 128,0-24 0,25 24 0,-25-24-256,0-25 0,0 25-1664,0-49 128,0 25-3072</inkml:trace>
-  <inkml:trace contextRef="#ctx0" brushRef="#br0" timeOffset="23114.1965">452 4531 1024,'0'0'0,"92"0"1536,-92 0 0,-61 0-896,30 0 128,1 0 512,-1 31 0,31-31-1024,0 0 128,0 30 256,31-30 128,-1 0-512,31-30 128,31 30-384,-31-31 0,30 0 0,1 1 0,0-1 0,30 1 128,-31-1 0,1 31 128,-31-30-128,0-1 0,0 31-256,0-30 128,-30 30 0,-31-31 0,30 31-128,-30 0 128,0-30-1280,0 30 128,0 30 128,-30-30 0,30 0-3328</inkml:trace>
-  <inkml:trace contextRef="#ctx0" brushRef="#br0" timeOffset="23899.0335">972 4427 128,'0'0'0,"30"-31"0,-30 31 0,0 0 896,0 0-640,0 0-128,0 0 128,0 0 128,0 0 0,0 31 128,0-31 0,0 0 512,0 0 0,0 0-1024,0 0 128,0 30 128,0-30 128,0 31-256,0 0 128,0 30 128,0 0 0,31 0-256,-31 0 0,30 30 0,1-30 128,-1 0 128,-30 1 0,31-1-384,-31-31 128,0 31 0,0-30 128,0 30-128,0-31 128,-31-30 256,1 31 128,-1-1-384,-30-30 128,31 31 0,-1-31 0,1 0-384,-31 0 128,30 0 0,1 0 0,30 0-128,-31 0 0,31-31-128,0 31 0,0-30-1792,0-1 128,31 1-3840</inkml:trace>
+  <inkml:trace contextRef="#ctx0" brushRef="#br0" timeOffset="23114.1964">452 4531 1024,'0'0'0,"92"0"1536,-92 0 0,-61 0-896,30 0 128,1 0 512,-1 31 0,31-31-1024,0 0 128,0 30 256,31-30 128,-1 0-512,31-30 128,31 30-384,-31-31 0,30 0 0,1 1 0,0-1 0,30 1 128,-31-1 0,1 31 128,-31-30-128,0-1 0,0 31-256,0-30 128,-30 30 0,-31-31 0,30 31-128,-30 0 128,0-30-1280,0 30 128,0 30 128,-30-30 0,30 0-3328</inkml:trace>
+  <inkml:trace contextRef="#ctx0" brushRef="#br0" timeOffset="23899.0334">972 4427 128,'0'0'0,"30"-31"0,-30 31 0,0 0 896,0 0-640,0 0-128,0 0 128,0 0 128,0 0 0,0 31 128,0-31 0,0 0 512,0 0 0,0 0-1024,0 0 128,0 30 128,0-30 128,0 31-256,0 0 128,0 30 128,0 0 0,31 0-256,-31 0 0,30 30 0,1-30 128,-1 0 128,-30 1 0,31-1-384,-31-31 128,0 31 0,0-30 128,0 30-128,0-31 128,-31-30 256,1 31 128,-1-1-384,-30-30 128,31 31 0,-1-31 0,1 0-384,-31 0 128,30 0 0,1 0 0,30 0-128,-31 0 0,31-31-128,0 31 0,0-30-1792,0-1 128,31 1-3840</inkml:trace>
   <inkml:trace contextRef="#ctx0" brushRef="#br1" timeOffset="31291.5942">3639 147 3712,'-24'25'0,"24"-25"0,0 0 128,-25 0 128,25 0 0,0-25 1280,-24 25 0,24-24-1536,-24 24 128,-1 0 256,-24 0 128,25 0-128,-25 0 0,25 0-128,-25 0 0,0 24 128,0 1 0,-24-25-256,0 24 0,-1 0 384,-23 1 0,23 24-384,1 0 0,-25-1 128,1 26 0,-26-1 0,26 0 0,-1 0-256,25 1 128,0-1-128,-1 0 128,25 25-128,1-25 128,-1 1-128,0-1 128,24 0-128,-23-24 128,23 0-128,1 24 128,-1 0-128,1-24 128,-25 0 128,49 0 0,-24 0-256,-1-25 0,25 25 0,-24-25 0,24 1 128,0-1 128,0 1-256,0-25 0,0 24 0,0-24 0,0 0 0,0 0 128,0 25-128,0-25 128,0 0-128,0 0 128,0 0-256,0 0 0,0 0-1792,0 0 0,0 0-5504</inkml:trace>
   <inkml:trace contextRef="#ctx0" brushRef="#br1" timeOffset="31907.3334">1380 1637 896,'31'0'0,"-1"30"384,-30-30 0,0 0 512,0 0 128,0-30-512,0 30 0,0 0 384,0 0 0,0 0-256,0 0 128,0 0-640,0 30 0,-30 1 640,30-1 0,0 31-768,0 0 128,-31 31 0,31 0 0,0-1 128,-30-30 128,-1 31-384,31-1 0,0-30 128,31 0 0,-31 1-128,0-32 128,30 1-128,-30-31 128,0 30-512,0-30 0,0 0-2688,0-30 128,0-1 896</inkml:trace>
   <inkml:trace contextRef="#ctx0" brushRef="#br1" timeOffset="36812.1525">1350 1588 2560,'0'30'0,"30"1"128,-30-31 128,0 0 768,0 0 0,0 30-640,0 1 0,0-1 0,-30 31 128,30 0 128,0 31 0,0-31 0,0 31 0,-31-1-640,62-30 0,-31 31 128,0-1 0,30 1-128,-30-31 0,0 0 0,31 0 128,-31-30-128,0 30 128,0-31-128,0-30 128,0 31 128,0-31 0,0 0-256,0 0 0,0 0 0,0 0 0,0 0 128,0 0 128,0 0-128,0-31 0,0 1 0,0 30 0,-31-31-128,31 1 0,0-1 0,0 31 0,0-30 0,0-1 0,0 1 128,0-1 0,-30 1-256,30-1 128,0 0 0,0-30 0,0 31-128,0-31 128,0 0 0,0 30 0,30-30 0,-30 31 0,0-1 0,0 1 128,0-1-128,31-30 0,-31 30 0,0 1 0,0 30 0,0-31 0,0 1 0,0 30 0,0-31-128,0 1 128,0 30 0,0-31 0,30 31 0,-30 0 0,0 0 0,0 0 128,0 0-128,0 0 0,0 0 0,0 0 128,0 0-128,0 0 0,0 0-128,0 0 128,0 0 0,0 0 0,0 0 0,0 0 0,0 0 0,0 0 0,0 0-128,0 0 128,31 0-128,-1 0 128,1 0 0,-1 0 0,1 0 0,-1 0 128,1 0-256,30 31 128,-30-31 0,-1 0 0,31 0 0,-30 0 0,-31 0 0,30 0 0,1 0 0,-31 0 0,0 0 0,0 0 128,0 0-128,0 0 0,0 0 0,0 0 0,0 0 0,0 0 0,0 0 0,0 0 128,-31 0-128,31 0 0,0 0 0,-30 30 128,-1-30-256,1 31 128,30-1-128,-31-30 128,31 31 0,-30-1 0,30 1 0,-31 0 0,-30-1 0,30 31 0,1 0 128,30 0 0,-31 0-128,1-30 0,-1 30 0,31 0 0,-30-31 128,30 1 0,-31 0-128,31-31 0,0 30 0,0 1 128,-30-31-128,30 0 0,0 30 128,0-30 0,0 0-128,0 0 0,0 0 0,0 0 128,0 0-256,0 0 0,0 0 128,0 0 0,0 0 0,0 0 0,0 0 0,0 0 0,0 0 0,0 0 128,0 0-128,0 0 0,0 0 0,0 0 0,0 0-128,0 0 128,0 0 0,0 0 0,0 0 0,0 0 128,0 0-128,0 0 0,0 31 0,0-31 0,0 0-2688,0 0 0,0 0-1280</inkml:trace>
@@ -2564,7 +2659,7 @@
   <inkml:trace contextRef="#ctx0" brushRef="#br2" timeOffset="46935.439">2718 1014 3712,'0'0'0,"30"0"384,-30 0 0,0 0 384,0 0 0,0 0 0,0-31 128,0 31-512,0 0 0,0-30-128,-30 60 0,30 1 384,0 30 128,0-31-768,-31 32 128,31 29 0,-30-30 128,-1 0-128,31-30 0,-30 30 128,-1 0 0,31-31 0,0 31 0,0-30-128,0 0 128,0-31-256,0 0 128,0 0-128,0 0 128,0 0-128,0 0 128,0-31-128,31 0 128,-1 1-128,-30-1 128,31 1-128,30-1 128,0-30-128,0 31 0,0-1 0,31-30 128,-1 31-128,-30-1 0,31 1 0,-31-1 128,30 1-128,-60-1 0,30 0 0,-30 31 0,-1-30 0,-30 30 0,31 0 0,-31 0 0,0 0 0,0 0 128,0 0-128,0 0 128,0 0-128,0 0 0,0 0 0,-31 0 0,31 0 0,-30 0 0,30 0 0,-31 0 0,31 0 0,-31-31 128,1 31-128,-1-30 128,1 30 0,-1 0 0,-30 0-128,31-31 0,-1 31 0,-30 0 0,31-30 0,-31 30 128,30 0 0,1 0 128,-32 0-128,32 0 0,30 0-128,-31 0 0,31 0 0,0 0 128,-30 0-128,30 0 128,0 0-256,0 0 128,0 0 0,0 0 0,0 0 0,0 0 0,0 0 0,0 0 0,0 0 0,0 0 0,0 0 0,0 0 0,0 0 0,0 0 0,0 0 0,0 0 128,0 0-128,0 0 0,0 0 0,0 0 128,0 0-128,0 0 0,0 0-512,0 0 128,0 0-5632,0 0 0,0 0 6016</inkml:trace>
   <inkml:trace contextRef="#ctx0" brushRef="#br2" timeOffset="47851.6558">2834 1277 2048,'30'-31'0,"1"31"256,-31-30 128,0 30 0,31 0 128,-1-31 0,31 1 128,0 30 0,0-31 0,-30 0-256,30 1 128,0 30-512,-31-31 0,1 1-384,-1 30 128,1 0-3968</inkml:trace>
   <inkml:trace contextRef="#ctx0" brushRef="#br2" timeOffset="49968.4493">4421 807 2176,'0'30'0,"31"1"640,-31-31 0,0 0 384,0 0 128,-31 0-1024,31 30 128,0 31 1408,0 0 128,0 0-1280,0 31 0,31 0-384,-31-1 0,0 1 256,30-31 0,-30 30-128,0-30 0,0 1-128,0-32 128,0 1-256,0-31 0,31 0-2304,-62-31 0,31 31-2560</inkml:trace>
-  <inkml:trace contextRef="#ctx0" brushRef="#br2" timeOffset="50453.0664">4970 861 3968,'0'0'0,"0"30"640,0-30 0,0-30-256,31 30 0,-31-31 0,0 31 0,0 31 1024,-31-1 0,-30 1-1280,31 30 0,-1-31 384,-30 1 128,0 30-256,0-31 128,31 1-384,-1 0 0,0-1 0,1-30 0,30 31-128,0-31 128,30 0-128,1 0 0,0 0 0,-1 0 128,1 0-128,-1 0 0,1 30 0,-1 1 128,1-1 0,-1 31 0,-30-30-128,0-1 128,31 1-128,-1-1 128,1 1-128,-1-1 0,31-30 0,-30 0 128,-1-30-256,1 30 0,0 0-2432,-1-31 128,-30 1-2688</inkml:trace>
+  <inkml:trace contextRef="#ctx0" brushRef="#br2" timeOffset="50453.0663">4970 861 3968,'0'0'0,"0"30"640,0-30 0,0-30-256,31 30 0,-31-31 0,0 31 0,0 31 1024,-31-1 0,-30 1-1280,31 30 0,-1-31 384,-30 1 128,0 30-256,0-31 128,31 1-384,-1 0 0,0-1 0,1-30 0,30 31-128,0-31 128,30 0-128,1 0 0,0 0 0,-1 0 128,1 0-128,-1 0 0,1 30 0,-1 1 128,1-1 0,-1 31 0,-30-30-128,0-1 128,31 1-128,-1-1 128,1 1-128,-1-1 0,31-30 0,-30 0 128,-1-30-256,1 30 0,0 0-2432,-1-31 128,-30 1-2688</inkml:trace>
 </inkml:ink>
 </file>
 
@@ -10696,8 +10791,8 @@
           </a:p>
         </p:txBody>
       </p:sp>
-      <mc:AlternateContent xmlns:mc="http://schemas.openxmlformats.org/markup-compatibility/2006">
-        <mc:Choice xmlns:a14="http://schemas.microsoft.com/office/drawing/2010/main" Requires="a14">
+      <mc:AlternateContent xmlns:mc="http://schemas.openxmlformats.org/markup-compatibility/2006" xmlns:a14="http://schemas.microsoft.com/office/drawing/2010/main">
+        <mc:Choice Requires="a14">
           <p:sp>
             <p:nvSpPr>
               <p:cNvPr id="4" name="TextBox 3">
@@ -10726,6 +10821,7 @@
               </a:bodyPr>
               <a:lstStyle/>
               <a:p>
+                <a:pPr/>
                 <a14:m>
                   <m:oMathPara xmlns:m="http://schemas.openxmlformats.org/officeDocument/2006/math">
                     <m:oMathParaPr>
@@ -10881,7 +10977,7 @@
             </p:txBody>
           </p:sp>
         </mc:Choice>
-        <mc:Fallback>
+        <mc:Fallback xmlns="">
           <p:sp>
             <p:nvSpPr>
               <p:cNvPr id="4" name="TextBox 3">
@@ -10926,8 +11022,8 @@
           </p:sp>
         </mc:Fallback>
       </mc:AlternateContent>
-      <mc:AlternateContent xmlns:mc="http://schemas.openxmlformats.org/markup-compatibility/2006">
-        <mc:Choice xmlns:a14="http://schemas.microsoft.com/office/drawing/2010/main" Requires="a14">
+      <mc:AlternateContent xmlns:mc="http://schemas.openxmlformats.org/markup-compatibility/2006" xmlns:a14="http://schemas.microsoft.com/office/drawing/2010/main">
+        <mc:Choice Requires="a14">
           <p:sp>
             <p:nvSpPr>
               <p:cNvPr id="5" name="TextBox 4">
@@ -10956,6 +11052,7 @@
               </a:bodyPr>
               <a:lstStyle/>
               <a:p>
+                <a:pPr/>
                 <a14:m>
                   <m:oMathPara xmlns:m="http://schemas.openxmlformats.org/officeDocument/2006/math">
                     <m:oMathParaPr>
@@ -11111,7 +11208,7 @@
             </p:txBody>
           </p:sp>
         </mc:Choice>
-        <mc:Fallback>
+        <mc:Fallback xmlns="">
           <p:sp>
             <p:nvSpPr>
               <p:cNvPr id="5" name="TextBox 4">
@@ -11156,8 +11253,8 @@
           </p:sp>
         </mc:Fallback>
       </mc:AlternateContent>
-      <mc:AlternateContent xmlns:mc="http://schemas.openxmlformats.org/markup-compatibility/2006">
-        <mc:Choice xmlns:a14="http://schemas.microsoft.com/office/drawing/2010/main" Requires="a14">
+      <mc:AlternateContent xmlns:mc="http://schemas.openxmlformats.org/markup-compatibility/2006" xmlns:a14="http://schemas.microsoft.com/office/drawing/2010/main">
+        <mc:Choice Requires="a14">
           <p:sp>
             <p:nvSpPr>
               <p:cNvPr id="7" name="TextBox 6">
@@ -11186,6 +11283,7 @@
               </a:bodyPr>
               <a:lstStyle/>
               <a:p>
+                <a:pPr/>
                 <a14:m>
                   <m:oMathPara xmlns:m="http://schemas.openxmlformats.org/officeDocument/2006/math">
                     <m:oMathParaPr>
@@ -11427,7 +11525,7 @@
             </p:txBody>
           </p:sp>
         </mc:Choice>
-        <mc:Fallback>
+        <mc:Fallback xmlns="">
           <p:sp>
             <p:nvSpPr>
               <p:cNvPr id="7" name="TextBox 6">
@@ -11667,8 +11765,8 @@
             </a:prstGeom>
           </p:spPr>
         </p:pic>
-        <mc:AlternateContent xmlns:mc="http://schemas.openxmlformats.org/markup-compatibility/2006">
-          <mc:Choice xmlns:a14="http://schemas.microsoft.com/office/drawing/2010/main" Requires="a14">
+        <mc:AlternateContent xmlns:mc="http://schemas.openxmlformats.org/markup-compatibility/2006" xmlns:a14="http://schemas.microsoft.com/office/drawing/2010/main">
+          <mc:Choice Requires="a14">
             <p:sp>
               <p:nvSpPr>
                 <p:cNvPr id="11" name="Rectangle 10">
@@ -11764,7 +11862,7 @@
               </p:txBody>
             </p:sp>
           </mc:Choice>
-          <mc:Fallback>
+          <mc:Fallback xmlns="">
             <p:sp>
               <p:nvSpPr>
                 <p:cNvPr id="11" name="Rectangle 10">
@@ -11809,8 +11907,8 @@
             </p:sp>
           </mc:Fallback>
         </mc:AlternateContent>
-        <mc:AlternateContent xmlns:mc="http://schemas.openxmlformats.org/markup-compatibility/2006">
-          <mc:Choice xmlns:a14="http://schemas.microsoft.com/office/drawing/2010/main" Requires="a14">
+        <mc:AlternateContent xmlns:mc="http://schemas.openxmlformats.org/markup-compatibility/2006" xmlns:a14="http://schemas.microsoft.com/office/drawing/2010/main">
+          <mc:Choice Requires="a14">
             <p:sp>
               <p:nvSpPr>
                 <p:cNvPr id="12" name="Rectangle 11">
@@ -11906,7 +12004,7 @@
               </p:txBody>
             </p:sp>
           </mc:Choice>
-          <mc:Fallback>
+          <mc:Fallback xmlns="">
             <p:sp>
               <p:nvSpPr>
                 <p:cNvPr id="12" name="Rectangle 11">
@@ -12260,8 +12358,8 @@
           </a:prstGeom>
         </p:spPr>
       </p:pic>
-      <mc:AlternateContent xmlns:mc="http://schemas.openxmlformats.org/markup-compatibility/2006">
-        <mc:Choice xmlns:a14="http://schemas.microsoft.com/office/drawing/2010/main" Requires="a14">
+      <mc:AlternateContent xmlns:mc="http://schemas.openxmlformats.org/markup-compatibility/2006" xmlns:a14="http://schemas.microsoft.com/office/drawing/2010/main">
+        <mc:Choice Requires="a14">
           <p:sp>
             <p:nvSpPr>
               <p:cNvPr id="29" name="TextBox 28">
@@ -12402,7 +12500,7 @@
             </p:txBody>
           </p:sp>
         </mc:Choice>
-        <mc:Fallback>
+        <mc:Fallback xmlns="">
           <p:sp>
             <p:nvSpPr>
               <p:cNvPr id="29" name="TextBox 28">
@@ -12504,7 +12602,7 @@
             </p:nvSpPr>
             <p:spPr>
               <a:xfrm>
-                <a:off x="294510" y="4803409"/>
+                <a:off x="268133" y="5015659"/>
                 <a:ext cx="3411062" cy="526106"/>
               </a:xfrm>
               <a:prstGeom prst="rect">
@@ -12954,7 +13052,7 @@
             </p:nvSpPr>
             <p:spPr>
               <a:xfrm>
-                <a:off x="294510" y="4803409"/>
+                <a:off x="268133" y="5015659"/>
                 <a:ext cx="3411062" cy="526106"/>
               </a:xfrm>
               <a:prstGeom prst="rect">
@@ -12998,7 +13096,7 @@
             </p:nvSpPr>
             <p:spPr>
               <a:xfrm>
-                <a:off x="294510" y="3604652"/>
+                <a:off x="268133" y="3816902"/>
                 <a:ext cx="2443253" cy="1461810"/>
               </a:xfrm>
               <a:prstGeom prst="rect">
@@ -13012,7 +13110,6 @@
               </a:bodyPr>
               <a:lstStyle/>
               <a:p>
-                <a:pPr/>
                 <a:r>
                   <a:rPr lang="en-CA" sz="1400" dirty="0">
                     <a:solidFill>
@@ -13269,6 +13366,7 @@
                 </a:endParaRPr>
               </a:p>
               <a:p>
+                <a:pPr/>
                 <a14:m>
                   <m:oMathPara xmlns:m="http://schemas.openxmlformats.org/officeDocument/2006/math">
                     <m:oMathParaPr>
@@ -13566,7 +13664,6 @@
                 </a:endParaRPr>
               </a:p>
               <a:p>
-                <a:pPr/>
                 <a:endParaRPr lang="en-CA" dirty="0">
                   <a:solidFill>
                     <a:schemeClr val="bg1"/>
@@ -13593,7 +13690,7 @@
             </p:nvSpPr>
             <p:spPr>
               <a:xfrm>
-                <a:off x="294510" y="3604652"/>
+                <a:off x="268133" y="3816902"/>
                 <a:ext cx="2443253" cy="1461810"/>
               </a:xfrm>
               <a:prstGeom prst="rect">
@@ -13602,7 +13699,7 @@
               <a:blipFill>
                 <a:blip r:embed="rId8"/>
                 <a:stretch>
-                  <a:fillRect l="-748" t="-833"/>
+                  <a:fillRect l="-748" t="-1250"/>
                 </a:stretch>
               </a:blipFill>
             </p:spPr>
@@ -13826,7 +13923,7 @@
         </p:nvSpPr>
         <p:spPr>
           <a:xfrm>
-            <a:off x="3676111" y="150470"/>
+            <a:off x="141603" y="150313"/>
             <a:ext cx="4839787" cy="646331"/>
           </a:xfrm>
           <a:prstGeom prst="rect">
@@ -13851,8 +13948,8 @@
           </a:p>
         </p:txBody>
       </p:sp>
-      <mc:AlternateContent xmlns:mc="http://schemas.openxmlformats.org/markup-compatibility/2006" xmlns:a14="http://schemas.microsoft.com/office/drawing/2010/main">
-        <mc:Choice Requires="a14">
+      <mc:AlternateContent xmlns:mc="http://schemas.openxmlformats.org/markup-compatibility/2006">
+        <mc:Choice xmlns:a14="http://schemas.microsoft.com/office/drawing/2010/main" Requires="a14">
           <p:sp>
             <p:nvSpPr>
               <p:cNvPr id="8" name="TextBox 7">
@@ -13867,8 +13964,8 @@
             </p:nvSpPr>
             <p:spPr>
               <a:xfrm>
-                <a:off x="1263656" y="1876676"/>
-                <a:ext cx="1652854" cy="369332"/>
+                <a:off x="3775599" y="2058591"/>
+                <a:ext cx="987743" cy="369332"/>
               </a:xfrm>
               <a:prstGeom prst="rect">
                 <a:avLst/>
@@ -13960,7 +14057,7 @@
             </p:txBody>
           </p:sp>
         </mc:Choice>
-        <mc:Fallback xmlns="">
+        <mc:Fallback>
           <p:sp>
             <p:nvSpPr>
               <p:cNvPr id="8" name="TextBox 7">
@@ -13977,8 +14074,8 @@
             </p:nvSpPr>
             <p:spPr>
               <a:xfrm>
-                <a:off x="1263656" y="1876676"/>
-                <a:ext cx="1652854" cy="369332"/>
+                <a:off x="3775599" y="2058591"/>
+                <a:ext cx="987743" cy="369332"/>
               </a:xfrm>
               <a:prstGeom prst="rect">
                 <a:avLst/>
@@ -14019,7 +14116,7 @@
         </p:nvSpPr>
         <p:spPr>
           <a:xfrm>
-            <a:off x="779210" y="1414462"/>
+            <a:off x="141603" y="984479"/>
             <a:ext cx="5048250" cy="369332"/>
           </a:xfrm>
           <a:prstGeom prst="rect">
@@ -14040,8 +14137,8 @@
           </a:p>
         </p:txBody>
       </p:sp>
-      <mc:AlternateContent xmlns:mc="http://schemas.openxmlformats.org/markup-compatibility/2006" xmlns:a14="http://schemas.microsoft.com/office/drawing/2010/main">
-        <mc:Choice Requires="a14">
+      <mc:AlternateContent xmlns:mc="http://schemas.openxmlformats.org/markup-compatibility/2006">
+        <mc:Choice xmlns:a14="http://schemas.microsoft.com/office/drawing/2010/main" Requires="a14">
           <p:sp>
             <p:nvSpPr>
               <p:cNvPr id="9" name="TextBox 8">
@@ -14056,7 +14153,7 @@
             </p:nvSpPr>
             <p:spPr>
               <a:xfrm>
-                <a:off x="1276362" y="2343397"/>
+                <a:off x="3786137" y="2506929"/>
                 <a:ext cx="1885943" cy="391582"/>
               </a:xfrm>
               <a:prstGeom prst="rect">
@@ -14170,7 +14267,7 @@
             </p:txBody>
           </p:sp>
         </mc:Choice>
-        <mc:Fallback xmlns="">
+        <mc:Fallback>
           <p:sp>
             <p:nvSpPr>
               <p:cNvPr id="9" name="TextBox 8">
@@ -14187,7 +14284,7 @@
             </p:nvSpPr>
             <p:spPr>
               <a:xfrm>
-                <a:off x="1276362" y="2343397"/>
+                <a:off x="3786137" y="2506929"/>
                 <a:ext cx="1885943" cy="391582"/>
               </a:xfrm>
               <a:prstGeom prst="rect">
@@ -14196,7 +14293,7 @@
               <a:blipFill>
                 <a:blip r:embed="rId3"/>
                 <a:stretch>
-                  <a:fillRect b="-7463"/>
+                  <a:fillRect b="-9091"/>
                 </a:stretch>
               </a:blipFill>
             </p:spPr>
@@ -14215,8 +14312,8 @@
           </p:sp>
         </mc:Fallback>
       </mc:AlternateContent>
-      <mc:AlternateContent xmlns:mc="http://schemas.openxmlformats.org/markup-compatibility/2006" xmlns:a14="http://schemas.microsoft.com/office/drawing/2010/main">
-        <mc:Choice Requires="a14">
+      <mc:AlternateContent xmlns:mc="http://schemas.openxmlformats.org/markup-compatibility/2006">
+        <mc:Choice xmlns:a14="http://schemas.microsoft.com/office/drawing/2010/main" Requires="a14">
           <p:sp>
             <p:nvSpPr>
               <p:cNvPr id="10" name="TextBox 9">
@@ -14231,7 +14328,7 @@
             </p:nvSpPr>
             <p:spPr>
               <a:xfrm>
-                <a:off x="1308112" y="2810118"/>
+                <a:off x="5359822" y="3154471"/>
                 <a:ext cx="1652854" cy="623376"/>
               </a:xfrm>
               <a:prstGeom prst="rect">
@@ -14361,7 +14458,14 @@
                               <a:latin typeface="Cambria Math" panose="02040503050406030204" pitchFamily="18" charset="0"/>
                               <a:ea typeface="Cambria Math" panose="02040503050406030204" pitchFamily="18" charset="0"/>
                             </a:rPr>
-                            <m:t>𝐿𝑆</m:t>
+                            <m:t>𝐿</m:t>
+                          </m:r>
+                          <m:r>
+                            <a:rPr lang="en-CA" b="0" i="1" smtClean="0">
+                              <a:latin typeface="Cambria Math" panose="02040503050406030204" pitchFamily="18" charset="0"/>
+                              <a:ea typeface="Cambria Math" panose="02040503050406030204" pitchFamily="18" charset="0"/>
+                            </a:rPr>
+                            <m:t>𝑠</m:t>
                           </m:r>
                           <m:r>
                             <a:rPr lang="en-CA" b="0" i="1" smtClean="0">
@@ -14387,7 +14491,7 @@
             </p:txBody>
           </p:sp>
         </mc:Choice>
-        <mc:Fallback xmlns="">
+        <mc:Fallback>
           <p:sp>
             <p:nvSpPr>
               <p:cNvPr id="10" name="TextBox 9">
@@ -14404,7 +14508,7 @@
             </p:nvSpPr>
             <p:spPr>
               <a:xfrm>
-                <a:off x="1308112" y="2810118"/>
+                <a:off x="5359822" y="3154471"/>
                 <a:ext cx="1652854" cy="623376"/>
               </a:xfrm>
               <a:prstGeom prst="rect">
@@ -14749,8 +14853,8 @@
         </p:blipFill>
         <p:spPr>
           <a:xfrm>
-            <a:off x="4068132" y="4209143"/>
-            <a:ext cx="2968170" cy="1589314"/>
+            <a:off x="4160624" y="4453152"/>
+            <a:ext cx="2674607" cy="1234837"/>
           </a:xfrm>
           <a:prstGeom prst="rect">
             <a:avLst/>
@@ -14766,10 +14870,10 @@
       </p:pic>
       <p:pic>
         <p:nvPicPr>
-          <p:cNvPr id="38" name="Graphic 37">
+          <p:cNvPr id="11" name="Graphic 10">
             <a:extLst>
               <a:ext uri="{FF2B5EF4-FFF2-40B4-BE49-F238E27FC236}">
-                <a16:creationId xmlns:a16="http://schemas.microsoft.com/office/drawing/2014/main" id="{48E93331-9B9E-4B5A-8081-5441C8B1CBBA}"/>
+                <a16:creationId xmlns:a16="http://schemas.microsoft.com/office/drawing/2014/main" id="{19E6C715-AB73-49B8-BA17-1E2F1337181D}"/>
               </a:ext>
             </a:extLst>
           </p:cNvPr>
@@ -14795,8 +14899,8 @@
         </p:blipFill>
         <p:spPr>
           <a:xfrm rot="5400000">
-            <a:off x="8439778" y="1930401"/>
-            <a:ext cx="2968170" cy="1589314"/>
+            <a:off x="8542124" y="2077045"/>
+            <a:ext cx="2674607" cy="1234837"/>
           </a:xfrm>
           <a:prstGeom prst="rect">
             <a:avLst/>
@@ -15454,8 +15558,8 @@
             </a:prstGeom>
           </p:spPr>
         </p:pic>
-        <mc:AlternateContent xmlns:mc="http://schemas.openxmlformats.org/markup-compatibility/2006">
-          <mc:Choice xmlns:p14="http://schemas.microsoft.com/office/powerpoint/2010/main" Requires="p14">
+        <mc:AlternateContent xmlns:mc="http://schemas.openxmlformats.org/markup-compatibility/2006" xmlns:p14="http://schemas.microsoft.com/office/powerpoint/2010/main">
+          <mc:Choice Requires="p14">
             <p:contentPart p14:bwMode="auto" r:id="rId6">
               <p14:nvContentPartPr>
                 <p14:cNvPr id="53" name="Ink 52">
@@ -15474,7 +15578,7 @@
               </p14:xfrm>
             </p:contentPart>
           </mc:Choice>
-          <mc:Fallback>
+          <mc:Fallback xmlns="">
             <p:pic>
               <p:nvPicPr>
                 <p:cNvPr id="53" name="Ink 52">
@@ -16494,8 +16598,8 @@
           </p:sp>
         </mc:Fallback>
       </mc:AlternateContent>
-      <mc:AlternateContent xmlns:mc="http://schemas.openxmlformats.org/markup-compatibility/2006" xmlns:am3d="http://schemas.microsoft.com/office/drawing/2017/model3d">
-        <mc:Choice Requires="am3d">
+      <mc:AlternateContent xmlns:mc="http://schemas.openxmlformats.org/markup-compatibility/2006">
+        <mc:Choice xmlns:am3d="http://schemas.microsoft.com/office/drawing/2017/model3d" Requires="am3d">
           <p:graphicFrame>
             <p:nvGraphicFramePr>
               <p:cNvPr id="46" name="3D Model 45">
@@ -16511,14 +16615,14 @@
               <p:nvPr>
                 <p:extLst>
                   <p:ext uri="{D42A27DB-BD31-4B8C-83A1-F6EECF244321}">
-                    <p14:modId xmlns:p14="http://schemas.microsoft.com/office/powerpoint/2010/main" val="1157042604"/>
+                    <p14:modId xmlns:p14="http://schemas.microsoft.com/office/powerpoint/2010/main" val="2385898841"/>
                   </p:ext>
                 </p:extLst>
               </p:nvPr>
             </p:nvGraphicFramePr>
             <p:xfrm>
-              <a:off x="1604390" y="916621"/>
-              <a:ext cx="3667429" cy="3391042"/>
+              <a:off x="1646917" y="887899"/>
+              <a:ext cx="3582374" cy="3448485"/>
             </p:xfrm>
             <a:graphic>
               <a:graphicData uri="http://schemas.microsoft.com/office/drawing/2017/model3d">
@@ -16526,7 +16630,7 @@
                   <am3d:spPr>
                     <a:xfrm>
                       <a:off x="0" y="0"/>
-                      <a:ext cx="3667429" cy="3391042"/>
+                      <a:ext cx="3582374" cy="3448485"/>
                     </a:xfrm>
                     <a:prstGeom prst="rect">
                       <a:avLst/>
@@ -16546,13 +16650,13 @@
                       <am3d:sy n="1000000" d="1000000"/>
                       <am3d:sz n="1000000" d="1000000"/>
                     </am3d:scale>
-                    <am3d:rot ax="-4271001" ay="349396" az="9805664"/>
+                    <am3d:rot ax="-3811369" ay="437107" az="9943411"/>
                     <am3d:postTrans dx="0" dy="0" dz="0"/>
                   </am3d:trans>
                   <am3d:raster rName="Office3DRenderer" rVer="16.0.8326">
                     <am3d:blip r:embed="rId8"/>
                   </am3d:raster>
-                  <am3d:objViewport viewportSz="4915890"/>
+                  <am3d:objViewport viewportSz="4915889"/>
                   <am3d:ambientLight>
                     <am3d:clr>
                       <a:scrgbClr r="50000" g="50000" b="50000"/>
@@ -16585,7 +16689,7 @@
             </a:graphic>
           </p:graphicFrame>
         </mc:Choice>
-        <mc:Fallback xmlns="">
+        <mc:Fallback>
           <p:pic>
             <p:nvPicPr>
               <p:cNvPr id="46" name="3D Model 45">
@@ -16601,15 +16705,15 @@
               <p:nvPr/>
             </p:nvPicPr>
             <p:blipFill>
-              <a:blip r:embed="rId9"/>
+              <a:blip r:embed="rId8"/>
               <a:stretch>
                 <a:fillRect/>
               </a:stretch>
             </p:blipFill>
             <p:spPr>
               <a:xfrm>
-                <a:off x="1604390" y="916621"/>
-                <a:ext cx="3667429" cy="3391042"/>
+                <a:off x="1646917" y="887899"/>
+                <a:ext cx="3582374" cy="3448485"/>
               </a:xfrm>
               <a:prstGeom prst="rect">
                 <a:avLst/>
@@ -19167,7 +19271,7 @@
                   </p:nvPr>
                 </p:nvGraphicFramePr>
                 <p:xfrm>
-                  <a:off x="7338739" y="4473196"/>
+                  <a:off x="7338740" y="4473197"/>
                   <a:ext cx="2057455" cy="983942"/>
                 </p:xfrm>
                 <a:graphic>

--- a/docs/report.pptx
+++ b/docs/report.pptx
@@ -16,6 +16,12 @@
     <p:sldId id="274" r:id="rId10"/>
     <p:sldId id="275" r:id="rId11"/>
     <p:sldId id="276" r:id="rId12"/>
+    <p:sldId id="278" r:id="rId13"/>
+    <p:sldId id="280" r:id="rId14"/>
+    <p:sldId id="281" r:id="rId15"/>
+    <p:sldId id="284" r:id="rId16"/>
+    <p:sldId id="282" r:id="rId17"/>
+    <p:sldId id="283" r:id="rId18"/>
   </p:sldIdLst>
   <p:sldSz cx="12192000" cy="6858000"/>
   <p:notesSz cx="6858000" cy="9144000"/>
@@ -127,12 +133,12 @@
   <pc:docChgLst>
     <pc:chgData name="Mansur He" userId="2cd3e99d6a3c3959" providerId="LiveId" clId="{16CB9BD3-0FD0-435F-BA63-C692E6031789}"/>
     <pc:docChg chg="undo redo custSel addSld delSld modSld sldOrd modMainMaster">
-      <pc:chgData name="Mansur He" userId="2cd3e99d6a3c3959" providerId="LiveId" clId="{16CB9BD3-0FD0-435F-BA63-C692E6031789}" dt="2017-11-18T07:01:14.240" v="15920" actId="1076"/>
+      <pc:chgData name="Mansur He" userId="2cd3e99d6a3c3959" providerId="LiveId" clId="{16CB9BD3-0FD0-435F-BA63-C692E6031789}" dt="2017-12-01T00:51:54.632" v="16315" actId="14100"/>
       <pc:docMkLst>
         <pc:docMk/>
       </pc:docMkLst>
       <pc:sldChg chg="addSp delSp modSp">
-        <pc:chgData name="Mansur He" userId="2cd3e99d6a3c3959" providerId="LiveId" clId="{16CB9BD3-0FD0-435F-BA63-C692E6031789}" dt="2017-11-18T06:19:08.703" v="14995" actId="1076"/>
+        <pc:chgData name="Mansur He" userId="2cd3e99d6a3c3959" providerId="LiveId" clId="{16CB9BD3-0FD0-435F-BA63-C692E6031789}" dt="2017-12-01T00:34:34.981" v="15922" actId="20577"/>
         <pc:sldMkLst>
           <pc:docMk/>
           <pc:sldMk cId="776887676" sldId="256"/>
@@ -162,7 +168,7 @@
           </ac:spMkLst>
         </pc:spChg>
         <pc:spChg chg="add mod ord">
-          <ac:chgData name="Mansur He" userId="2cd3e99d6a3c3959" providerId="LiveId" clId="{16CB9BD3-0FD0-435F-BA63-C692E6031789}" dt="2017-11-18T06:17:48.046" v="14968" actId="1076"/>
+          <ac:chgData name="Mansur He" userId="2cd3e99d6a3c3959" providerId="LiveId" clId="{16CB9BD3-0FD0-435F-BA63-C692E6031789}" dt="2017-12-01T00:34:34.981" v="15922" actId="20577"/>
           <ac:spMkLst>
             <pc:docMk/>
             <pc:sldMk cId="776887676" sldId="256"/>
@@ -170,7 +176,7 @@
           </ac:spMkLst>
         </pc:spChg>
         <pc:spChg chg="add del mod ord">
-          <ac:chgData name="Mansur He" userId="2cd3e99d6a3c3959" providerId="LiveId" clId="{16CB9BD3-0FD0-435F-BA63-C692E6031789}" dt="2017-11-18T06:18:12.112" v="14978"/>
+          <ac:chgData name="Mansur He" userId="2cd3e99d6a3c3959" providerId="LiveId" clId="{16CB9BD3-0FD0-435F-BA63-C692E6031789}" dt="2017-11-18T06:18:12.112" v="14978" actId="1076"/>
           <ac:spMkLst>
             <pc:docMk/>
             <pc:sldMk cId="776887676" sldId="256"/>
@@ -193,6 +199,14 @@
             <ac:spMk id="8" creationId="{DB4CF1C3-0A16-43FC-B8BD-1CD81E32411E}"/>
           </ac:spMkLst>
         </pc:spChg>
+        <pc:spChg chg="add mod">
+          <ac:chgData name="Mansur He" userId="2cd3e99d6a3c3959" providerId="LiveId" clId="{16CB9BD3-0FD0-435F-BA63-C692E6031789}" dt="2017-11-18T06:18:29.079" v="14984" actId="1076"/>
+          <ac:spMkLst>
+            <pc:docMk/>
+            <pc:sldMk cId="776887676" sldId="256"/>
+            <ac:spMk id="9" creationId="{EE3F8A20-F91E-4E3A-967F-8E9F6DAB1D3E}"/>
+          </ac:spMkLst>
+        </pc:spChg>
         <pc:spChg chg="add del mod">
           <ac:chgData name="Mansur He" userId="2cd3e99d6a3c3959" providerId="LiveId" clId="{16CB9BD3-0FD0-435F-BA63-C692E6031789}" dt="2017-11-17T07:43:35.172" v="2253" actId="478"/>
           <ac:spMkLst>
@@ -201,14 +215,6 @@
             <ac:spMk id="9" creationId="{E4F1658D-81FF-46F8-8398-FDE1D2A78BDB}"/>
           </ac:spMkLst>
         </pc:spChg>
-        <pc:spChg chg="add mod">
-          <ac:chgData name="Mansur He" userId="2cd3e99d6a3c3959" providerId="LiveId" clId="{16CB9BD3-0FD0-435F-BA63-C692E6031789}" dt="2017-11-18T06:18:29.079" v="14984" actId="1076"/>
-          <ac:spMkLst>
-            <pc:docMk/>
-            <pc:sldMk cId="776887676" sldId="256"/>
-            <ac:spMk id="9" creationId="{EE3F8A20-F91E-4E3A-967F-8E9F6DAB1D3E}"/>
-          </ac:spMkLst>
-        </pc:spChg>
         <pc:spChg chg="add del mod">
           <ac:chgData name="Mansur He" userId="2cd3e99d6a3c3959" providerId="LiveId" clId="{16CB9BD3-0FD0-435F-BA63-C692E6031789}" dt="2017-11-17T07:43:13.461" v="2244" actId="478"/>
           <ac:spMkLst>
@@ -234,7 +240,7 @@
           </ac:spMkLst>
         </pc:spChg>
         <pc:grpChg chg="add del mod">
-          <ac:chgData name="Mansur He" userId="2cd3e99d6a3c3959" providerId="LiveId" clId="{16CB9BD3-0FD0-435F-BA63-C692E6031789}" dt="2017-11-18T06:18:12.112" v="14978"/>
+          <ac:chgData name="Mansur He" userId="2cd3e99d6a3c3959" providerId="LiveId" clId="{16CB9BD3-0FD0-435F-BA63-C692E6031789}" dt="2017-11-18T06:18:12.112" v="14978" actId="1076"/>
           <ac:grpSpMkLst>
             <pc:docMk/>
             <pc:sldMk cId="776887676" sldId="256"/>
@@ -431,20 +437,20 @@
           <pc:docMk/>
           <pc:sldMk cId="2667552631" sldId="259"/>
         </pc:sldMkLst>
+        <pc:spChg chg="add mod">
+          <ac:chgData name="Mansur He" userId="2cd3e99d6a3c3959" providerId="LiveId" clId="{16CB9BD3-0FD0-435F-BA63-C692E6031789}" dt="2017-11-17T09:00:42.435" v="3861" actId="2696"/>
+          <ac:spMkLst>
+            <pc:docMk/>
+            <pc:sldMk cId="2667552631" sldId="259"/>
+            <ac:spMk id="2" creationId="{2BD7D3BE-63C7-48FB-B790-98B1433DC984}"/>
+          </ac:spMkLst>
+        </pc:spChg>
         <pc:spChg chg="del">
           <ac:chgData name="Mansur He" userId="2cd3e99d6a3c3959" providerId="LiveId" clId="{16CB9BD3-0FD0-435F-BA63-C692E6031789}" dt="2017-11-15T19:23:30.831" v="1620" actId="478"/>
           <ac:spMkLst>
             <pc:docMk/>
             <pc:sldMk cId="2667552631" sldId="259"/>
             <ac:spMk id="2" creationId="{88BE6DF1-2CDB-492C-B0C0-A5BCD8538591}"/>
-          </ac:spMkLst>
-        </pc:spChg>
-        <pc:spChg chg="add mod">
-          <ac:chgData name="Mansur He" userId="2cd3e99d6a3c3959" providerId="LiveId" clId="{16CB9BD3-0FD0-435F-BA63-C692E6031789}" dt="2017-11-17T09:00:42.435" v="3861" actId="2696"/>
-          <ac:spMkLst>
-            <pc:docMk/>
-            <pc:sldMk cId="2667552631" sldId="259"/>
-            <ac:spMk id="2" creationId="{2BD7D3BE-63C7-48FB-B790-98B1433DC984}"/>
           </ac:spMkLst>
         </pc:spChg>
         <pc:spChg chg="del mod">
@@ -605,6 +611,14 @@
           <pc:docMk/>
           <pc:sldMk cId="2821594686" sldId="261"/>
         </pc:sldMkLst>
+        <pc:spChg chg="add mod ord">
+          <ac:chgData name="Mansur He" userId="2cd3e99d6a3c3959" providerId="LiveId" clId="{16CB9BD3-0FD0-435F-BA63-C692E6031789}" dt="2017-11-17T22:05:40.631" v="5228" actId="688"/>
+          <ac:spMkLst>
+            <pc:docMk/>
+            <pc:sldMk cId="2821594686" sldId="261"/>
+            <ac:spMk id="2" creationId="{F34251B7-464C-437B-B0F8-1044020551FC}"/>
+          </ac:spMkLst>
+        </pc:spChg>
         <pc:spChg chg="del">
           <ac:chgData name="Mansur He" userId="2cd3e99d6a3c3959" providerId="LiveId" clId="{16CB9BD3-0FD0-435F-BA63-C692E6031789}" dt="2017-11-15T19:24:51.519" v="1707" actId="478"/>
           <ac:spMkLst>
@@ -613,14 +627,6 @@
             <ac:spMk id="2" creationId="{5627119E-A18E-468D-988F-32F7DB984723}"/>
           </ac:spMkLst>
         </pc:spChg>
-        <pc:spChg chg="add mod ord">
-          <ac:chgData name="Mansur He" userId="2cd3e99d6a3c3959" providerId="LiveId" clId="{16CB9BD3-0FD0-435F-BA63-C692E6031789}" dt="2017-11-17T22:05:40.631" v="5228" actId="688"/>
-          <ac:spMkLst>
-            <pc:docMk/>
-            <pc:sldMk cId="2821594686" sldId="261"/>
-            <ac:spMk id="2" creationId="{F34251B7-464C-437B-B0F8-1044020551FC}"/>
-          </ac:spMkLst>
-        </pc:spChg>
         <pc:spChg chg="del">
           <ac:chgData name="Mansur He" userId="2cd3e99d6a3c3959" providerId="LiveId" clId="{16CB9BD3-0FD0-435F-BA63-C692E6031789}" dt="2017-11-15T19:24:51.519" v="1707" actId="478"/>
           <ac:spMkLst>
@@ -637,6 +643,14 @@
             <ac:spMk id="4" creationId="{E21462CE-EA96-4F86-9E6E-C524CA03E446}"/>
           </ac:spMkLst>
         </pc:spChg>
+        <pc:spChg chg="add del mod">
+          <ac:chgData name="Mansur He" userId="2cd3e99d6a3c3959" providerId="LiveId" clId="{16CB9BD3-0FD0-435F-BA63-C692E6031789}" dt="2017-11-15T19:24:53.394" v="1708" actId="478"/>
+          <ac:spMkLst>
+            <pc:docMk/>
+            <pc:sldMk cId="2821594686" sldId="261"/>
+            <ac:spMk id="5" creationId="{A8D67DF2-3E9A-4ADA-A932-59CC2FBE8970}"/>
+          </ac:spMkLst>
+        </pc:spChg>
         <pc:spChg chg="mod">
           <ac:chgData name="Mansur He" userId="2cd3e99d6a3c3959" providerId="LiveId" clId="{16CB9BD3-0FD0-435F-BA63-C692E6031789}" dt="2017-11-17T22:06:26.588" v="5350" actId="1076"/>
           <ac:spMkLst>
@@ -645,14 +659,6 @@
             <ac:spMk id="5" creationId="{01B75C1B-E27B-45F2-9AE6-6706045192DC}"/>
           </ac:spMkLst>
         </pc:spChg>
-        <pc:spChg chg="add del mod">
-          <ac:chgData name="Mansur He" userId="2cd3e99d6a3c3959" providerId="LiveId" clId="{16CB9BD3-0FD0-435F-BA63-C692E6031789}" dt="2017-11-15T19:24:53.394" v="1708" actId="478"/>
-          <ac:spMkLst>
-            <pc:docMk/>
-            <pc:sldMk cId="2821594686" sldId="261"/>
-            <ac:spMk id="5" creationId="{A8D67DF2-3E9A-4ADA-A932-59CC2FBE8970}"/>
-          </ac:spMkLst>
-        </pc:spChg>
         <pc:spChg chg="add mod">
           <ac:chgData name="Mansur He" userId="2cd3e99d6a3c3959" providerId="LiveId" clId="{16CB9BD3-0FD0-435F-BA63-C692E6031789}" dt="2017-11-17T21:51:36.339" v="5211" actId="1076"/>
           <ac:spMkLst>
@@ -717,20 +723,20 @@
             <ac:spMk id="15" creationId="{8B943369-DE19-4E19-9A1A-8C218E2AD575}"/>
           </ac:spMkLst>
         </pc:spChg>
+        <pc:spChg chg="add mod">
+          <ac:chgData name="Mansur He" userId="2cd3e99d6a3c3959" providerId="LiveId" clId="{16CB9BD3-0FD0-435F-BA63-C692E6031789}" dt="2017-11-17T22:09:07.798" v="5403" actId="20577"/>
+          <ac:spMkLst>
+            <pc:docMk/>
+            <pc:sldMk cId="2821594686" sldId="261"/>
+            <ac:spMk id="16" creationId="{53CE2BA2-BCBC-4107-9273-3AE8F39AE13F}"/>
+          </ac:spMkLst>
+        </pc:spChg>
         <pc:spChg chg="add del mod ord">
           <ac:chgData name="Mansur He" userId="2cd3e99d6a3c3959" providerId="LiveId" clId="{16CB9BD3-0FD0-435F-BA63-C692E6031789}" dt="2017-11-17T21:48:22.831" v="5191" actId="478"/>
           <ac:spMkLst>
             <pc:docMk/>
             <pc:sldMk cId="2821594686" sldId="261"/>
             <ac:spMk id="16" creationId="{B3386A4D-912A-4A7E-8292-1F506AD396B1}"/>
-          </ac:spMkLst>
-        </pc:spChg>
-        <pc:spChg chg="add mod">
-          <ac:chgData name="Mansur He" userId="2cd3e99d6a3c3959" providerId="LiveId" clId="{16CB9BD3-0FD0-435F-BA63-C692E6031789}" dt="2017-11-17T22:09:07.798" v="5403" actId="20577"/>
-          <ac:spMkLst>
-            <pc:docMk/>
-            <pc:sldMk cId="2821594686" sldId="261"/>
-            <ac:spMk id="16" creationId="{53CE2BA2-BCBC-4107-9273-3AE8F39AE13F}"/>
           </ac:spMkLst>
         </pc:spChg>
         <pc:spChg chg="add mod ord">
@@ -1107,6 +1113,14 @@
             <ac:spMk id="41" creationId="{837FE55E-F4A1-4FBB-B63F-7B881A7F2D66}"/>
           </ac:spMkLst>
         </pc:spChg>
+        <pc:spChg chg="add del">
+          <ac:chgData name="Mansur He" userId="2cd3e99d6a3c3959" providerId="LiveId" clId="{16CB9BD3-0FD0-435F-BA63-C692E6031789}" dt="2017-11-18T05:14:45.342" v="12882" actId="478"/>
+          <ac:spMkLst>
+            <pc:docMk/>
+            <pc:sldMk cId="2018042178" sldId="264"/>
+            <ac:spMk id="42" creationId="{186D7EE1-366D-404E-9C74-EC60D066A52E}"/>
+          </ac:spMkLst>
+        </pc:spChg>
         <pc:spChg chg="del">
           <ac:chgData name="Mansur He" userId="2cd3e99d6a3c3959" providerId="LiveId" clId="{16CB9BD3-0FD0-435F-BA63-C692E6031789}" dt="2017-11-18T04:05:45.752" v="11362" actId="478"/>
           <ac:spMkLst>
@@ -1115,14 +1129,6 @@
             <ac:spMk id="42" creationId="{59377EA2-F5E2-4070-8501-BD9357D47332}"/>
           </ac:spMkLst>
         </pc:spChg>
-        <pc:spChg chg="add del">
-          <ac:chgData name="Mansur He" userId="2cd3e99d6a3c3959" providerId="LiveId" clId="{16CB9BD3-0FD0-435F-BA63-C692E6031789}" dt="2017-11-18T05:14:45.342" v="12882" actId="478"/>
-          <ac:spMkLst>
-            <pc:docMk/>
-            <pc:sldMk cId="2018042178" sldId="264"/>
-            <ac:spMk id="42" creationId="{186D7EE1-366D-404E-9C74-EC60D066A52E}"/>
-          </ac:spMkLst>
-        </pc:spChg>
         <pc:spChg chg="del mod">
           <ac:chgData name="Mansur He" userId="2cd3e99d6a3c3959" providerId="LiveId" clId="{16CB9BD3-0FD0-435F-BA63-C692E6031789}" dt="2017-11-18T04:05:44.585" v="11361" actId="478"/>
           <ac:spMkLst>
@@ -1195,6 +1201,14 @@
             <ac:spMk id="51" creationId="{BA632FF7-D577-4DBC-B761-1A608F26850C}"/>
           </ac:spMkLst>
         </pc:spChg>
+        <pc:spChg chg="del">
+          <ac:chgData name="Mansur He" userId="2cd3e99d6a3c3959" providerId="LiveId" clId="{16CB9BD3-0FD0-435F-BA63-C692E6031789}" dt="2017-11-18T04:05:49.287" v="11364" actId="478"/>
+          <ac:spMkLst>
+            <pc:docMk/>
+            <pc:sldMk cId="2018042178" sldId="264"/>
+            <ac:spMk id="52" creationId="{064CA86B-360C-4626-BC0A-8667D1ED0DD1}"/>
+          </ac:spMkLst>
+        </pc:spChg>
         <pc:spChg chg="add">
           <ac:chgData name="Mansur He" userId="2cd3e99d6a3c3959" providerId="LiveId" clId="{16CB9BD3-0FD0-435F-BA63-C692E6031789}" dt="2017-11-18T04:20:28.114" v="11497" actId="313"/>
           <ac:spMkLst>
@@ -1204,14 +1218,6 @@
           </ac:spMkLst>
         </pc:spChg>
         <pc:spChg chg="del">
-          <ac:chgData name="Mansur He" userId="2cd3e99d6a3c3959" providerId="LiveId" clId="{16CB9BD3-0FD0-435F-BA63-C692E6031789}" dt="2017-11-18T04:05:49.287" v="11364" actId="478"/>
-          <ac:spMkLst>
-            <pc:docMk/>
-            <pc:sldMk cId="2018042178" sldId="264"/>
-            <ac:spMk id="52" creationId="{064CA86B-360C-4626-BC0A-8667D1ED0DD1}"/>
-          </ac:spMkLst>
-        </pc:spChg>
-        <pc:spChg chg="del">
           <ac:chgData name="Mansur He" userId="2cd3e99d6a3c3959" providerId="LiveId" clId="{16CB9BD3-0FD0-435F-BA63-C692E6031789}" dt="2017-11-18T04:05:50.604" v="11365" actId="478"/>
           <ac:spMkLst>
             <pc:docMk/>
@@ -1284,7 +1290,7 @@
           </ac:spMkLst>
         </pc:spChg>
         <pc:spChg chg="add mod">
-          <ac:chgData name="Mansur He" userId="2cd3e99d6a3c3959" providerId="LiveId" clId="{16CB9BD3-0FD0-435F-BA63-C692E6031789}" dt="2017-11-18T06:57:31.852" v="15787"/>
+          <ac:chgData name="Mansur He" userId="2cd3e99d6a3c3959" providerId="LiveId" clId="{16CB9BD3-0FD0-435F-BA63-C692E6031789}" dt="2017-11-18T06:57:31.852" v="15787" actId="1076"/>
           <ac:spMkLst>
             <pc:docMk/>
             <pc:sldMk cId="2018042178" sldId="264"/>
@@ -1300,7 +1306,7 @@
           </ac:spMkLst>
         </pc:spChg>
         <pc:spChg chg="add mod">
-          <ac:chgData name="Mansur He" userId="2cd3e99d6a3c3959" providerId="LiveId" clId="{16CB9BD3-0FD0-435F-BA63-C692E6031789}" dt="2017-11-18T06:57:31.852" v="15787"/>
+          <ac:chgData name="Mansur He" userId="2cd3e99d6a3c3959" providerId="LiveId" clId="{16CB9BD3-0FD0-435F-BA63-C692E6031789}" dt="2017-11-18T06:57:31.852" v="15787" actId="1076"/>
           <ac:spMkLst>
             <pc:docMk/>
             <pc:sldMk cId="2018042178" sldId="264"/>
@@ -1308,7 +1314,7 @@
           </ac:spMkLst>
         </pc:spChg>
         <pc:spChg chg="add mod">
-          <ac:chgData name="Mansur He" userId="2cd3e99d6a3c3959" providerId="LiveId" clId="{16CB9BD3-0FD0-435F-BA63-C692E6031789}" dt="2017-11-18T06:58:00.510" v="15791"/>
+          <ac:chgData name="Mansur He" userId="2cd3e99d6a3c3959" providerId="LiveId" clId="{16CB9BD3-0FD0-435F-BA63-C692E6031789}" dt="2017-11-18T06:58:00.510" v="15791" actId="1076"/>
           <ac:spMkLst>
             <pc:docMk/>
             <pc:sldMk cId="2018042178" sldId="264"/>
@@ -1745,6 +1751,14 @@
             <ac:spMk id="21" creationId="{284CA72E-B45C-4EB5-9193-E5F52B74C228}"/>
           </ac:spMkLst>
         </pc:spChg>
+        <pc:spChg chg="add del mod">
+          <ac:chgData name="Mansur He" userId="2cd3e99d6a3c3959" providerId="LiveId" clId="{16CB9BD3-0FD0-435F-BA63-C692E6031789}" dt="2017-11-15T18:20:48.687" v="169" actId="478"/>
+          <ac:spMkLst>
+            <pc:docMk/>
+            <pc:sldMk cId="2375096294" sldId="266"/>
+            <ac:spMk id="22" creationId="{05223A8E-C481-4393-ADCD-21EF16FA6C75}"/>
+          </ac:spMkLst>
+        </pc:spChg>
         <pc:spChg chg="add mod">
           <ac:chgData name="Mansur He" userId="2cd3e99d6a3c3959" providerId="LiveId" clId="{16CB9BD3-0FD0-435F-BA63-C692E6031789}" dt="2017-11-17T21:37:50.315" v="5084" actId="1076"/>
           <ac:spMkLst>
@@ -1754,14 +1768,6 @@
           </ac:spMkLst>
         </pc:spChg>
         <pc:spChg chg="add del mod">
-          <ac:chgData name="Mansur He" userId="2cd3e99d6a3c3959" providerId="LiveId" clId="{16CB9BD3-0FD0-435F-BA63-C692E6031789}" dt="2017-11-15T18:20:48.687" v="169" actId="478"/>
-          <ac:spMkLst>
-            <pc:docMk/>
-            <pc:sldMk cId="2375096294" sldId="266"/>
-            <ac:spMk id="22" creationId="{05223A8E-C481-4393-ADCD-21EF16FA6C75}"/>
-          </ac:spMkLst>
-        </pc:spChg>
-        <pc:spChg chg="add del mod">
           <ac:chgData name="Mansur He" userId="2cd3e99d6a3c3959" providerId="LiveId" clId="{16CB9BD3-0FD0-435F-BA63-C692E6031789}" dt="2017-11-15T18:23:19.769" v="206" actId="478"/>
           <ac:spMkLst>
             <pc:docMk/>
@@ -1857,6 +1863,14 @@
             <ac:spMk id="51" creationId="{7015E2BE-073B-4A32-9A4D-A11FA23E8B7C}"/>
           </ac:spMkLst>
         </pc:spChg>
+        <pc:spChg chg="add del mod">
+          <ac:chgData name="Mansur He" userId="2cd3e99d6a3c3959" providerId="LiveId" clId="{16CB9BD3-0FD0-435F-BA63-C692E6031789}" dt="2017-11-17T08:57:39.428" v="3744" actId="478"/>
+          <ac:spMkLst>
+            <pc:docMk/>
+            <pc:sldMk cId="2375096294" sldId="266"/>
+            <ac:spMk id="56" creationId="{B589A9C6-5C3D-4433-A082-0315370C7CD4}"/>
+          </ac:spMkLst>
+        </pc:spChg>
         <pc:spChg chg="add mod">
           <ac:chgData name="Mansur He" userId="2cd3e99d6a3c3959" providerId="LiveId" clId="{16CB9BD3-0FD0-435F-BA63-C692E6031789}" dt="2017-11-17T21:34:02.258" v="5009" actId="164"/>
           <ac:spMkLst>
@@ -1866,11 +1880,11 @@
           </ac:spMkLst>
         </pc:spChg>
         <pc:spChg chg="add del mod">
-          <ac:chgData name="Mansur He" userId="2cd3e99d6a3c3959" providerId="LiveId" clId="{16CB9BD3-0FD0-435F-BA63-C692E6031789}" dt="2017-11-17T08:57:39.428" v="3744" actId="478"/>
+          <ac:chgData name="Mansur He" userId="2cd3e99d6a3c3959" providerId="LiveId" clId="{16CB9BD3-0FD0-435F-BA63-C692E6031789}" dt="2017-11-17T08:57:38.943" v="3743" actId="478"/>
           <ac:spMkLst>
             <pc:docMk/>
             <pc:sldMk cId="2375096294" sldId="266"/>
-            <ac:spMk id="56" creationId="{B589A9C6-5C3D-4433-A082-0315370C7CD4}"/>
+            <ac:spMk id="61" creationId="{E34CE4CD-01DD-4AEF-9B45-61ACE3DC9AC8}"/>
           </ac:spMkLst>
         </pc:spChg>
         <pc:spChg chg="add mod">
@@ -1881,12 +1895,12 @@
             <ac:spMk id="61" creationId="{8A960487-63C0-469D-9D89-317292870679}"/>
           </ac:spMkLst>
         </pc:spChg>
-        <pc:spChg chg="add del mod">
-          <ac:chgData name="Mansur He" userId="2cd3e99d6a3c3959" providerId="LiveId" clId="{16CB9BD3-0FD0-435F-BA63-C692E6031789}" dt="2017-11-17T08:57:38.943" v="3743" actId="478"/>
+        <pc:spChg chg="add mod">
+          <ac:chgData name="Mansur He" userId="2cd3e99d6a3c3959" providerId="LiveId" clId="{16CB9BD3-0FD0-435F-BA63-C692E6031789}" dt="2017-11-17T21:36:18.508" v="5065" actId="164"/>
           <ac:spMkLst>
             <pc:docMk/>
             <pc:sldMk cId="2375096294" sldId="266"/>
-            <ac:spMk id="61" creationId="{E34CE4CD-01DD-4AEF-9B45-61ACE3DC9AC8}"/>
+            <ac:spMk id="63" creationId="{30488623-116D-4A6C-A2A8-5FADC77CDC44}"/>
           </ac:spMkLst>
         </pc:spChg>
         <pc:spChg chg="add del mod">
@@ -1897,14 +1911,6 @@
             <ac:spMk id="63" creationId="{253F346B-5C6D-485C-97A3-E5E42B077627}"/>
           </ac:spMkLst>
         </pc:spChg>
-        <pc:spChg chg="add mod">
-          <ac:chgData name="Mansur He" userId="2cd3e99d6a3c3959" providerId="LiveId" clId="{16CB9BD3-0FD0-435F-BA63-C692E6031789}" dt="2017-11-17T21:36:18.508" v="5065" actId="164"/>
-          <ac:spMkLst>
-            <pc:docMk/>
-            <pc:sldMk cId="2375096294" sldId="266"/>
-            <ac:spMk id="63" creationId="{30488623-116D-4A6C-A2A8-5FADC77CDC44}"/>
-          </ac:spMkLst>
-        </pc:spChg>
         <pc:spChg chg="add del mod">
           <ac:chgData name="Mansur He" userId="2cd3e99d6a3c3959" providerId="LiveId" clId="{16CB9BD3-0FD0-435F-BA63-C692E6031789}" dt="2017-11-17T09:02:02.610" v="3881" actId="478"/>
           <ac:spMkLst>
@@ -1913,6 +1919,14 @@
             <ac:spMk id="65" creationId="{9CCA3FFE-4D6C-42C9-BED9-04BBD8DDB77A}"/>
           </ac:spMkLst>
         </pc:spChg>
+        <pc:spChg chg="add mod ord">
+          <ac:chgData name="Mansur He" userId="2cd3e99d6a3c3959" providerId="LiveId" clId="{16CB9BD3-0FD0-435F-BA63-C692E6031789}" dt="2017-11-18T01:01:20.923" v="7377" actId="688"/>
+          <ac:spMkLst>
+            <pc:docMk/>
+            <pc:sldMk cId="2375096294" sldId="266"/>
+            <ac:spMk id="65" creationId="{80BFBC70-B5BE-4E78-9403-5F660B44DD84}"/>
+          </ac:spMkLst>
+        </pc:spChg>
         <pc:spChg chg="add del mod">
           <ac:chgData name="Mansur He" userId="2cd3e99d6a3c3959" providerId="LiveId" clId="{16CB9BD3-0FD0-435F-BA63-C692E6031789}" dt="2017-11-15T18:37:48.188" v="369" actId="478"/>
           <ac:spMkLst>
@@ -1921,14 +1935,6 @@
             <ac:spMk id="65" creationId="{5032D819-CF07-4E9F-8319-BB00A8705AAC}"/>
           </ac:spMkLst>
         </pc:spChg>
-        <pc:spChg chg="add mod ord">
-          <ac:chgData name="Mansur He" userId="2cd3e99d6a3c3959" providerId="LiveId" clId="{16CB9BD3-0FD0-435F-BA63-C692E6031789}" dt="2017-11-18T01:01:20.923" v="7377" actId="688"/>
-          <ac:spMkLst>
-            <pc:docMk/>
-            <pc:sldMk cId="2375096294" sldId="266"/>
-            <ac:spMk id="65" creationId="{80BFBC70-B5BE-4E78-9403-5F660B44DD84}"/>
-          </ac:spMkLst>
-        </pc:spChg>
         <pc:spChg chg="add mod">
           <ac:chgData name="Mansur He" userId="2cd3e99d6a3c3959" providerId="LiveId" clId="{16CB9BD3-0FD0-435F-BA63-C692E6031789}" dt="2017-11-15T19:07:27.395" v="1118" actId="164"/>
           <ac:spMkLst>
@@ -1962,6 +1968,14 @@
           </ac:spMkLst>
         </pc:spChg>
         <pc:spChg chg="add del mod ord">
+          <ac:chgData name="Mansur He" userId="2cd3e99d6a3c3959" providerId="LiveId" clId="{16CB9BD3-0FD0-435F-BA63-C692E6031789}" dt="2017-11-15T18:43:04.298" v="464" actId="478"/>
+          <ac:spMkLst>
+            <pc:docMk/>
+            <pc:sldMk cId="2375096294" sldId="266"/>
+            <ac:spMk id="70" creationId="{A5B5E46B-C873-4EB3-9441-2986E6740410}"/>
+          </ac:spMkLst>
+        </pc:spChg>
+        <pc:spChg chg="add del mod ord">
           <ac:chgData name="Mansur He" userId="2cd3e99d6a3c3959" providerId="LiveId" clId="{16CB9BD3-0FD0-435F-BA63-C692E6031789}" dt="2017-11-17T21:37:14.381" v="5073" actId="478"/>
           <ac:spMkLst>
             <pc:docMk/>
@@ -1969,14 +1983,6 @@
             <ac:spMk id="70" creationId="{9218F0B4-147F-45BE-A9C6-77537D48A2EF}"/>
           </ac:spMkLst>
         </pc:spChg>
-        <pc:spChg chg="add del mod ord">
-          <ac:chgData name="Mansur He" userId="2cd3e99d6a3c3959" providerId="LiveId" clId="{16CB9BD3-0FD0-435F-BA63-C692E6031789}" dt="2017-11-15T18:43:04.298" v="464" actId="478"/>
-          <ac:spMkLst>
-            <pc:docMk/>
-            <pc:sldMk cId="2375096294" sldId="266"/>
-            <ac:spMk id="70" creationId="{A5B5E46B-C873-4EB3-9441-2986E6740410}"/>
-          </ac:spMkLst>
-        </pc:spChg>
         <pc:spChg chg="add del mod">
           <ac:chgData name="Mansur He" userId="2cd3e99d6a3c3959" providerId="LiveId" clId="{16CB9BD3-0FD0-435F-BA63-C692E6031789}" dt="2017-11-17T09:02:21.722" v="3893" actId="478"/>
           <ac:spMkLst>
@@ -1985,20 +1991,20 @@
             <ac:spMk id="70" creationId="{6C05AB66-A0D6-4D58-93D2-BFFA129732BA}"/>
           </ac:spMkLst>
         </pc:spChg>
+        <pc:spChg chg="add mod ord">
+          <ac:chgData name="Mansur He" userId="2cd3e99d6a3c3959" providerId="LiveId" clId="{16CB9BD3-0FD0-435F-BA63-C692E6031789}" dt="2017-11-17T21:47:43.269" v="5186" actId="14861"/>
+          <ac:spMkLst>
+            <pc:docMk/>
+            <pc:sldMk cId="2375096294" sldId="266"/>
+            <ac:spMk id="71" creationId="{4545D4EE-449D-42A6-8A4D-8AB2E61019F3}"/>
+          </ac:spMkLst>
+        </pc:spChg>
         <pc:spChg chg="add del mod">
           <ac:chgData name="Mansur He" userId="2cd3e99d6a3c3959" providerId="LiveId" clId="{16CB9BD3-0FD0-435F-BA63-C692E6031789}" dt="2017-11-15T18:43:51.189" v="473" actId="478"/>
           <ac:spMkLst>
             <pc:docMk/>
             <pc:sldMk cId="2375096294" sldId="266"/>
             <ac:spMk id="71" creationId="{9B594E4B-7D89-4746-B593-427AFE3BCD0B}"/>
-          </ac:spMkLst>
-        </pc:spChg>
-        <pc:spChg chg="add mod ord">
-          <ac:chgData name="Mansur He" userId="2cd3e99d6a3c3959" providerId="LiveId" clId="{16CB9BD3-0FD0-435F-BA63-C692E6031789}" dt="2017-11-17T21:47:43.269" v="5186" actId="14861"/>
-          <ac:spMkLst>
-            <pc:docMk/>
-            <pc:sldMk cId="2375096294" sldId="266"/>
-            <ac:spMk id="71" creationId="{4545D4EE-449D-42A6-8A4D-8AB2E61019F3}"/>
           </ac:spMkLst>
         </pc:spChg>
         <pc:spChg chg="add del mod">
@@ -2569,7 +2575,7 @@
           </ac:spMkLst>
         </pc:spChg>
         <pc:spChg chg="add del mod">
-          <ac:chgData name="Mansur He" userId="2cd3e99d6a3c3959" providerId="LiveId" clId="{16CB9BD3-0FD0-435F-BA63-C692E6031789}" dt="2017-11-18T06:23:25.357" v="15030"/>
+          <ac:chgData name="Mansur He" userId="2cd3e99d6a3c3959" providerId="LiveId" clId="{16CB9BD3-0FD0-435F-BA63-C692E6031789}" dt="2017-11-18T06:23:25.357" v="15030" actId="20577"/>
           <ac:spMkLst>
             <pc:docMk/>
             <pc:sldMk cId="1495167305" sldId="267"/>
@@ -2601,7 +2607,7 @@
           </ac:spMkLst>
         </pc:spChg>
         <pc:spChg chg="add mod">
-          <ac:chgData name="Mansur He" userId="2cd3e99d6a3c3959" providerId="LiveId" clId="{16CB9BD3-0FD0-435F-BA63-C692E6031789}" dt="2017-11-18T06:23:18.985" v="15029"/>
+          <ac:chgData name="Mansur He" userId="2cd3e99d6a3c3959" providerId="LiveId" clId="{16CB9BD3-0FD0-435F-BA63-C692E6031789}" dt="2017-11-18T06:23:18.985" v="15029" actId="20577"/>
           <ac:spMkLst>
             <pc:docMk/>
             <pc:sldMk cId="1495167305" sldId="267"/>
@@ -2633,7 +2639,7 @@
           </ac:spMkLst>
         </pc:spChg>
         <pc:spChg chg="add mod">
-          <ac:chgData name="Mansur He" userId="2cd3e99d6a3c3959" providerId="LiveId" clId="{16CB9BD3-0FD0-435F-BA63-C692E6031789}" dt="2017-11-18T06:23:27.727" v="15031"/>
+          <ac:chgData name="Mansur He" userId="2cd3e99d6a3c3959" providerId="LiveId" clId="{16CB9BD3-0FD0-435F-BA63-C692E6031789}" dt="2017-11-18T06:23:27.727" v="15031" actId="20577"/>
           <ac:spMkLst>
             <pc:docMk/>
             <pc:sldMk cId="1495167305" sldId="267"/>
@@ -4052,20 +4058,20 @@
             <ac:grpSpMk id="40" creationId="{CEFFEECB-D474-4A28-8C9F-AE10F6C9EFE1}"/>
           </ac:grpSpMkLst>
         </pc:grpChg>
+        <pc:grpChg chg="add mod">
+          <ac:chgData name="Mansur He" userId="2cd3e99d6a3c3959" providerId="LiveId" clId="{16CB9BD3-0FD0-435F-BA63-C692E6031789}" dt="2017-11-17T22:54:52.475" v="5827" actId="571"/>
+          <ac:grpSpMkLst>
+            <pc:docMk/>
+            <pc:sldMk cId="2334962476" sldId="271"/>
+            <ac:grpSpMk id="42" creationId="{589546BD-82FC-4E60-86CB-14F5C5C4A1DE}"/>
+          </ac:grpSpMkLst>
+        </pc:grpChg>
         <pc:grpChg chg="add del mod">
           <ac:chgData name="Mansur He" userId="2cd3e99d6a3c3959" providerId="LiveId" clId="{16CB9BD3-0FD0-435F-BA63-C692E6031789}" dt="2017-11-18T05:36:42.093" v="14220" actId="165"/>
           <ac:grpSpMkLst>
             <pc:docMk/>
             <pc:sldMk cId="2334962476" sldId="271"/>
             <ac:grpSpMk id="42" creationId="{5732BD14-AB24-4677-8203-05E386DC801C}"/>
-          </ac:grpSpMkLst>
-        </pc:grpChg>
-        <pc:grpChg chg="add mod">
-          <ac:chgData name="Mansur He" userId="2cd3e99d6a3c3959" providerId="LiveId" clId="{16CB9BD3-0FD0-435F-BA63-C692E6031789}" dt="2017-11-17T22:54:52.475" v="5827" actId="571"/>
-          <ac:grpSpMkLst>
-            <pc:docMk/>
-            <pc:sldMk cId="2334962476" sldId="271"/>
-            <ac:grpSpMk id="42" creationId="{589546BD-82FC-4E60-86CB-14F5C5C4A1DE}"/>
           </ac:grpSpMkLst>
         </pc:grpChg>
         <pc:grpChg chg="mod topLvl">
@@ -4411,6 +4417,14 @@
             <ac:spMk id="24" creationId="{8B293022-FBB5-4823-99C7-B020C7F4D83D}"/>
           </ac:spMkLst>
         </pc:spChg>
+        <pc:spChg chg="add del mod">
+          <ac:chgData name="Mansur He" userId="2cd3e99d6a3c3959" providerId="LiveId" clId="{16CB9BD3-0FD0-435F-BA63-C692E6031789}" dt="2017-11-18T00:57:57.895" v="7364" actId="478"/>
+          <ac:spMkLst>
+            <pc:docMk/>
+            <pc:sldMk cId="3057123245" sldId="272"/>
+            <ac:spMk id="25" creationId="{92B3949D-75E4-4939-A417-1AEE1A195D07}"/>
+          </ac:spMkLst>
+        </pc:spChg>
         <pc:spChg chg="add mod">
           <ac:chgData name="Mansur He" userId="2cd3e99d6a3c3959" providerId="LiveId" clId="{16CB9BD3-0FD0-435F-BA63-C692E6031789}" dt="2017-11-18T06:34:38.347" v="15242" actId="14100"/>
           <ac:spMkLst>
@@ -4420,14 +4434,6 @@
           </ac:spMkLst>
         </pc:spChg>
         <pc:spChg chg="add del mod">
-          <ac:chgData name="Mansur He" userId="2cd3e99d6a3c3959" providerId="LiveId" clId="{16CB9BD3-0FD0-435F-BA63-C692E6031789}" dt="2017-11-18T00:57:57.895" v="7364" actId="478"/>
-          <ac:spMkLst>
-            <pc:docMk/>
-            <pc:sldMk cId="3057123245" sldId="272"/>
-            <ac:spMk id="25" creationId="{92B3949D-75E4-4939-A417-1AEE1A195D07}"/>
-          </ac:spMkLst>
-        </pc:spChg>
-        <pc:spChg chg="add del mod">
           <ac:chgData name="Mansur He" userId="2cd3e99d6a3c3959" providerId="LiveId" clId="{16CB9BD3-0FD0-435F-BA63-C692E6031789}" dt="2017-11-18T00:58:39.430" v="7369" actId="478"/>
           <ac:spMkLst>
             <pc:docMk/>
@@ -4452,7 +4458,7 @@
           </ac:spMkLst>
         </pc:spChg>
         <pc:spChg chg="add mod">
-          <ac:chgData name="Mansur He" userId="2cd3e99d6a3c3959" providerId="LiveId" clId="{16CB9BD3-0FD0-435F-BA63-C692E6031789}" dt="2017-11-18T06:33:27.316" v="15200"/>
+          <ac:chgData name="Mansur He" userId="2cd3e99d6a3c3959" providerId="LiveId" clId="{16CB9BD3-0FD0-435F-BA63-C692E6031789}" dt="2017-11-18T06:33:27.316" v="15200" actId="14100"/>
           <ac:spMkLst>
             <pc:docMk/>
             <pc:sldMk cId="3057123245" sldId="272"/>
@@ -4540,7 +4546,7 @@
           </ac:inkMkLst>
         </pc:inkChg>
         <pc:inkChg chg="add del">
-          <ac:chgData name="Mansur He" userId="2cd3e99d6a3c3959" providerId="LiveId" clId="{16CB9BD3-0FD0-435F-BA63-C692E6031789}" dt="2017-11-18T05:40:14.315" v="14305"/>
+          <ac:chgData name="Mansur He" userId="2cd3e99d6a3c3959" providerId="LiveId" clId="{16CB9BD3-0FD0-435F-BA63-C692E6031789}" dt="2017-11-18T05:40:14.315" v="14305" actId="14100"/>
           <ac:inkMkLst>
             <pc:docMk/>
             <pc:sldMk cId="3057123245" sldId="272"/>
@@ -4548,7 +4554,7 @@
           </ac:inkMkLst>
         </pc:inkChg>
         <pc:inkChg chg="add del">
-          <ac:chgData name="Mansur He" userId="2cd3e99d6a3c3959" providerId="LiveId" clId="{16CB9BD3-0FD0-435F-BA63-C692E6031789}" dt="2017-11-18T05:40:35.163" v="14307"/>
+          <ac:chgData name="Mansur He" userId="2cd3e99d6a3c3959" providerId="LiveId" clId="{16CB9BD3-0FD0-435F-BA63-C692E6031789}" dt="2017-11-18T05:40:35.163" v="14307" actId="14100"/>
           <ac:inkMkLst>
             <pc:docMk/>
             <pc:sldMk cId="3057123245" sldId="272"/>
@@ -4556,7 +4562,7 @@
           </ac:inkMkLst>
         </pc:inkChg>
         <pc:inkChg chg="add del">
-          <ac:chgData name="Mansur He" userId="2cd3e99d6a3c3959" providerId="LiveId" clId="{16CB9BD3-0FD0-435F-BA63-C692E6031789}" dt="2017-11-18T05:40:37.811" v="14309"/>
+          <ac:chgData name="Mansur He" userId="2cd3e99d6a3c3959" providerId="LiveId" clId="{16CB9BD3-0FD0-435F-BA63-C692E6031789}" dt="2017-11-18T05:40:37.811" v="14309" actId="14100"/>
           <ac:inkMkLst>
             <pc:docMk/>
             <pc:sldMk cId="3057123245" sldId="272"/>
@@ -4564,7 +4570,7 @@
           </ac:inkMkLst>
         </pc:inkChg>
         <pc:inkChg chg="add del">
-          <ac:chgData name="Mansur He" userId="2cd3e99d6a3c3959" providerId="LiveId" clId="{16CB9BD3-0FD0-435F-BA63-C692E6031789}" dt="2017-11-18T05:40:40.033" v="14312"/>
+          <ac:chgData name="Mansur He" userId="2cd3e99d6a3c3959" providerId="LiveId" clId="{16CB9BD3-0FD0-435F-BA63-C692E6031789}" dt="2017-11-18T05:40:40.033" v="14312" actId="14100"/>
           <ac:inkMkLst>
             <pc:docMk/>
             <pc:sldMk cId="3057123245" sldId="272"/>
@@ -4572,7 +4578,7 @@
           </ac:inkMkLst>
         </pc:inkChg>
         <pc:inkChg chg="add del">
-          <ac:chgData name="Mansur He" userId="2cd3e99d6a3c3959" providerId="LiveId" clId="{16CB9BD3-0FD0-435F-BA63-C692E6031789}" dt="2017-11-18T05:40:40.033" v="14312"/>
+          <ac:chgData name="Mansur He" userId="2cd3e99d6a3c3959" providerId="LiveId" clId="{16CB9BD3-0FD0-435F-BA63-C692E6031789}" dt="2017-11-18T05:40:40.033" v="14312" actId="14100"/>
           <ac:inkMkLst>
             <pc:docMk/>
             <pc:sldMk cId="3057123245" sldId="272"/>
@@ -4580,7 +4586,7 @@
           </ac:inkMkLst>
         </pc:inkChg>
         <pc:inkChg chg="add del">
-          <ac:chgData name="Mansur He" userId="2cd3e99d6a3c3959" providerId="LiveId" clId="{16CB9BD3-0FD0-435F-BA63-C692E6031789}" dt="2017-11-18T05:40:42.118" v="14314"/>
+          <ac:chgData name="Mansur He" userId="2cd3e99d6a3c3959" providerId="LiveId" clId="{16CB9BD3-0FD0-435F-BA63-C692E6031789}" dt="2017-11-18T05:40:42.118" v="14314" actId="14100"/>
           <ac:inkMkLst>
             <pc:docMk/>
             <pc:sldMk cId="3057123245" sldId="272"/>
@@ -4588,7 +4594,7 @@
           </ac:inkMkLst>
         </pc:inkChg>
         <pc:inkChg chg="add del">
-          <ac:chgData name="Mansur He" userId="2cd3e99d6a3c3959" providerId="LiveId" clId="{16CB9BD3-0FD0-435F-BA63-C692E6031789}" dt="2017-11-18T05:40:42.118" v="14314"/>
+          <ac:chgData name="Mansur He" userId="2cd3e99d6a3c3959" providerId="LiveId" clId="{16CB9BD3-0FD0-435F-BA63-C692E6031789}" dt="2017-11-18T05:40:42.118" v="14314" actId="14100"/>
           <ac:inkMkLst>
             <pc:docMk/>
             <pc:sldMk cId="3057123245" sldId="272"/>
@@ -4596,7 +4602,7 @@
           </ac:inkMkLst>
         </pc:inkChg>
         <pc:inkChg chg="add del">
-          <ac:chgData name="Mansur He" userId="2cd3e99d6a3c3959" providerId="LiveId" clId="{16CB9BD3-0FD0-435F-BA63-C692E6031789}" dt="2017-11-18T05:40:49.257" v="14323"/>
+          <ac:chgData name="Mansur He" userId="2cd3e99d6a3c3959" providerId="LiveId" clId="{16CB9BD3-0FD0-435F-BA63-C692E6031789}" dt="2017-11-18T05:40:49.257" v="14323" actId="14100"/>
           <ac:inkMkLst>
             <pc:docMk/>
             <pc:sldMk cId="3057123245" sldId="272"/>
@@ -4604,7 +4610,7 @@
           </ac:inkMkLst>
         </pc:inkChg>
         <pc:inkChg chg="add del">
-          <ac:chgData name="Mansur He" userId="2cd3e99d6a3c3959" providerId="LiveId" clId="{16CB9BD3-0FD0-435F-BA63-C692E6031789}" dt="2017-11-18T05:40:44.868" v="14317"/>
+          <ac:chgData name="Mansur He" userId="2cd3e99d6a3c3959" providerId="LiveId" clId="{16CB9BD3-0FD0-435F-BA63-C692E6031789}" dt="2017-11-18T05:40:44.868" v="14317" actId="14100"/>
           <ac:inkMkLst>
             <pc:docMk/>
             <pc:sldMk cId="3057123245" sldId="272"/>
@@ -4612,7 +4618,7 @@
           </ac:inkMkLst>
         </pc:inkChg>
         <pc:inkChg chg="add del">
-          <ac:chgData name="Mansur He" userId="2cd3e99d6a3c3959" providerId="LiveId" clId="{16CB9BD3-0FD0-435F-BA63-C692E6031789}" dt="2017-11-18T05:40:44.868" v="14317"/>
+          <ac:chgData name="Mansur He" userId="2cd3e99d6a3c3959" providerId="LiveId" clId="{16CB9BD3-0FD0-435F-BA63-C692E6031789}" dt="2017-11-18T05:40:44.868" v="14317" actId="14100"/>
           <ac:inkMkLst>
             <pc:docMk/>
             <pc:sldMk cId="3057123245" sldId="272"/>
@@ -4620,7 +4626,7 @@
           </ac:inkMkLst>
         </pc:inkChg>
         <pc:inkChg chg="add del">
-          <ac:chgData name="Mansur He" userId="2cd3e99d6a3c3959" providerId="LiveId" clId="{16CB9BD3-0FD0-435F-BA63-C692E6031789}" dt="2017-11-18T05:40:45.483" v="14319"/>
+          <ac:chgData name="Mansur He" userId="2cd3e99d6a3c3959" providerId="LiveId" clId="{16CB9BD3-0FD0-435F-BA63-C692E6031789}" dt="2017-11-18T05:40:45.483" v="14319" actId="14100"/>
           <ac:inkMkLst>
             <pc:docMk/>
             <pc:sldMk cId="3057123245" sldId="272"/>
@@ -4628,7 +4634,7 @@
           </ac:inkMkLst>
         </pc:inkChg>
         <pc:inkChg chg="add del">
-          <ac:chgData name="Mansur He" userId="2cd3e99d6a3c3959" providerId="LiveId" clId="{16CB9BD3-0FD0-435F-BA63-C692E6031789}" dt="2017-11-18T05:40:45.483" v="14319"/>
+          <ac:chgData name="Mansur He" userId="2cd3e99d6a3c3959" providerId="LiveId" clId="{16CB9BD3-0FD0-435F-BA63-C692E6031789}" dt="2017-11-18T05:40:45.483" v="14319" actId="14100"/>
           <ac:inkMkLst>
             <pc:docMk/>
             <pc:sldMk cId="3057123245" sldId="272"/>
@@ -4636,7 +4642,7 @@
           </ac:inkMkLst>
         </pc:inkChg>
         <pc:inkChg chg="add del">
-          <ac:chgData name="Mansur He" userId="2cd3e99d6a3c3959" providerId="LiveId" clId="{16CB9BD3-0FD0-435F-BA63-C692E6031789}" dt="2017-11-18T05:40:45.953" v="14321"/>
+          <ac:chgData name="Mansur He" userId="2cd3e99d6a3c3959" providerId="LiveId" clId="{16CB9BD3-0FD0-435F-BA63-C692E6031789}" dt="2017-11-18T05:40:45.953" v="14321" actId="14100"/>
           <ac:inkMkLst>
             <pc:docMk/>
             <pc:sldMk cId="3057123245" sldId="272"/>
@@ -4644,7 +4650,7 @@
           </ac:inkMkLst>
         </pc:inkChg>
         <pc:inkChg chg="add del">
-          <ac:chgData name="Mansur He" userId="2cd3e99d6a3c3959" providerId="LiveId" clId="{16CB9BD3-0FD0-435F-BA63-C692E6031789}" dt="2017-11-18T05:40:45.953" v="14321"/>
+          <ac:chgData name="Mansur He" userId="2cd3e99d6a3c3959" providerId="LiveId" clId="{16CB9BD3-0FD0-435F-BA63-C692E6031789}" dt="2017-11-18T05:40:45.953" v="14321" actId="14100"/>
           <ac:inkMkLst>
             <pc:docMk/>
             <pc:sldMk cId="3057123245" sldId="272"/>
@@ -4652,7 +4658,7 @@
           </ac:inkMkLst>
         </pc:inkChg>
         <pc:inkChg chg="add del">
-          <ac:chgData name="Mansur He" userId="2cd3e99d6a3c3959" providerId="LiveId" clId="{16CB9BD3-0FD0-435F-BA63-C692E6031789}" dt="2017-11-18T05:40:46.770" v="14322"/>
+          <ac:chgData name="Mansur He" userId="2cd3e99d6a3c3959" providerId="LiveId" clId="{16CB9BD3-0FD0-435F-BA63-C692E6031789}" dt="2017-11-18T05:40:46.770" v="14322" actId="14100"/>
           <ac:inkMkLst>
             <pc:docMk/>
             <pc:sldMk cId="3057123245" sldId="272"/>
@@ -4660,7 +4666,7 @@
           </ac:inkMkLst>
         </pc:inkChg>
         <pc:inkChg chg="add del">
-          <ac:chgData name="Mansur He" userId="2cd3e99d6a3c3959" providerId="LiveId" clId="{16CB9BD3-0FD0-435F-BA63-C692E6031789}" dt="2017-11-18T05:40:52.927" v="14327"/>
+          <ac:chgData name="Mansur He" userId="2cd3e99d6a3c3959" providerId="LiveId" clId="{16CB9BD3-0FD0-435F-BA63-C692E6031789}" dt="2017-11-18T05:40:52.927" v="14327" actId="14100"/>
           <ac:inkMkLst>
             <pc:docMk/>
             <pc:sldMk cId="3057123245" sldId="272"/>
@@ -4668,7 +4674,7 @@
           </ac:inkMkLst>
         </pc:inkChg>
         <pc:inkChg chg="add del">
-          <ac:chgData name="Mansur He" userId="2cd3e99d6a3c3959" providerId="LiveId" clId="{16CB9BD3-0FD0-435F-BA63-C692E6031789}" dt="2017-11-18T05:40:52.927" v="14327"/>
+          <ac:chgData name="Mansur He" userId="2cd3e99d6a3c3959" providerId="LiveId" clId="{16CB9BD3-0FD0-435F-BA63-C692E6031789}" dt="2017-11-18T05:40:52.927" v="14327" actId="14100"/>
           <ac:inkMkLst>
             <pc:docMk/>
             <pc:sldMk cId="3057123245" sldId="272"/>
@@ -4676,7 +4682,7 @@
           </ac:inkMkLst>
         </pc:inkChg>
         <pc:inkChg chg="add del">
-          <ac:chgData name="Mansur He" userId="2cd3e99d6a3c3959" providerId="LiveId" clId="{16CB9BD3-0FD0-435F-BA63-C692E6031789}" dt="2017-11-18T05:40:52.927" v="14327"/>
+          <ac:chgData name="Mansur He" userId="2cd3e99d6a3c3959" providerId="LiveId" clId="{16CB9BD3-0FD0-435F-BA63-C692E6031789}" dt="2017-11-18T05:40:52.927" v="14327" actId="14100"/>
           <ac:inkMkLst>
             <pc:docMk/>
             <pc:sldMk cId="3057123245" sldId="272"/>
@@ -4684,7 +4690,7 @@
           </ac:inkMkLst>
         </pc:inkChg>
         <pc:inkChg chg="add del">
-          <ac:chgData name="Mansur He" userId="2cd3e99d6a3c3959" providerId="LiveId" clId="{16CB9BD3-0FD0-435F-BA63-C692E6031789}" dt="2017-11-18T05:40:54.949" v="14329"/>
+          <ac:chgData name="Mansur He" userId="2cd3e99d6a3c3959" providerId="LiveId" clId="{16CB9BD3-0FD0-435F-BA63-C692E6031789}" dt="2017-11-18T05:40:54.949" v="14329" actId="14100"/>
           <ac:inkMkLst>
             <pc:docMk/>
             <pc:sldMk cId="3057123245" sldId="272"/>
@@ -4692,7 +4698,7 @@
           </ac:inkMkLst>
         </pc:inkChg>
         <pc:inkChg chg="add del">
-          <ac:chgData name="Mansur He" userId="2cd3e99d6a3c3959" providerId="LiveId" clId="{16CB9BD3-0FD0-435F-BA63-C692E6031789}" dt="2017-11-18T05:40:54.949" v="14329"/>
+          <ac:chgData name="Mansur He" userId="2cd3e99d6a3c3959" providerId="LiveId" clId="{16CB9BD3-0FD0-435F-BA63-C692E6031789}" dt="2017-11-18T05:40:54.949" v="14329" actId="14100"/>
           <ac:inkMkLst>
             <pc:docMk/>
             <pc:sldMk cId="3057123245" sldId="272"/>
@@ -4700,7 +4706,7 @@
           </ac:inkMkLst>
         </pc:inkChg>
         <pc:inkChg chg="add del">
-          <ac:chgData name="Mansur He" userId="2cd3e99d6a3c3959" providerId="LiveId" clId="{16CB9BD3-0FD0-435F-BA63-C692E6031789}" dt="2017-11-18T05:41:05.124" v="14333"/>
+          <ac:chgData name="Mansur He" userId="2cd3e99d6a3c3959" providerId="LiveId" clId="{16CB9BD3-0FD0-435F-BA63-C692E6031789}" dt="2017-11-18T05:41:05.124" v="14333" actId="14100"/>
           <ac:inkMkLst>
             <pc:docMk/>
             <pc:sldMk cId="3057123245" sldId="272"/>
@@ -4708,7 +4714,7 @@
           </ac:inkMkLst>
         </pc:inkChg>
         <pc:inkChg chg="add del">
-          <ac:chgData name="Mansur He" userId="2cd3e99d6a3c3959" providerId="LiveId" clId="{16CB9BD3-0FD0-435F-BA63-C692E6031789}" dt="2017-11-18T05:41:03.689" v="14331"/>
+          <ac:chgData name="Mansur He" userId="2cd3e99d6a3c3959" providerId="LiveId" clId="{16CB9BD3-0FD0-435F-BA63-C692E6031789}" dt="2017-11-18T05:41:03.689" v="14331" actId="14100"/>
           <ac:inkMkLst>
             <pc:docMk/>
             <pc:sldMk cId="3057123245" sldId="272"/>
@@ -4716,7 +4722,7 @@
           </ac:inkMkLst>
         </pc:inkChg>
         <pc:inkChg chg="add del">
-          <ac:chgData name="Mansur He" userId="2cd3e99d6a3c3959" providerId="LiveId" clId="{16CB9BD3-0FD0-435F-BA63-C692E6031789}" dt="2017-11-18T05:41:05.124" v="14333"/>
+          <ac:chgData name="Mansur He" userId="2cd3e99d6a3c3959" providerId="LiveId" clId="{16CB9BD3-0FD0-435F-BA63-C692E6031789}" dt="2017-11-18T05:41:05.124" v="14333" actId="14100"/>
           <ac:inkMkLst>
             <pc:docMk/>
             <pc:sldMk cId="3057123245" sldId="272"/>
@@ -4724,7 +4730,7 @@
           </ac:inkMkLst>
         </pc:inkChg>
         <pc:inkChg chg="add del">
-          <ac:chgData name="Mansur He" userId="2cd3e99d6a3c3959" providerId="LiveId" clId="{16CB9BD3-0FD0-435F-BA63-C692E6031789}" dt="2017-11-18T05:41:06.593" v="14335"/>
+          <ac:chgData name="Mansur He" userId="2cd3e99d6a3c3959" providerId="LiveId" clId="{16CB9BD3-0FD0-435F-BA63-C692E6031789}" dt="2017-11-18T05:41:06.593" v="14335" actId="14100"/>
           <ac:inkMkLst>
             <pc:docMk/>
             <pc:sldMk cId="3057123245" sldId="272"/>
@@ -4732,7 +4738,7 @@
           </ac:inkMkLst>
         </pc:inkChg>
         <pc:inkChg chg="add del">
-          <ac:chgData name="Mansur He" userId="2cd3e99d6a3c3959" providerId="LiveId" clId="{16CB9BD3-0FD0-435F-BA63-C692E6031789}" dt="2017-11-18T05:41:06.593" v="14335"/>
+          <ac:chgData name="Mansur He" userId="2cd3e99d6a3c3959" providerId="LiveId" clId="{16CB9BD3-0FD0-435F-BA63-C692E6031789}" dt="2017-11-18T05:41:06.593" v="14335" actId="14100"/>
           <ac:inkMkLst>
             <pc:docMk/>
             <pc:sldMk cId="3057123245" sldId="272"/>
@@ -4740,7 +4746,7 @@
           </ac:inkMkLst>
         </pc:inkChg>
         <pc:inkChg chg="add del">
-          <ac:chgData name="Mansur He" userId="2cd3e99d6a3c3959" providerId="LiveId" clId="{16CB9BD3-0FD0-435F-BA63-C692E6031789}" dt="2017-11-18T05:41:07.841" v="14337"/>
+          <ac:chgData name="Mansur He" userId="2cd3e99d6a3c3959" providerId="LiveId" clId="{16CB9BD3-0FD0-435F-BA63-C692E6031789}" dt="2017-11-18T05:41:07.841" v="14337" actId="14100"/>
           <ac:inkMkLst>
             <pc:docMk/>
             <pc:sldMk cId="3057123245" sldId="272"/>
@@ -4748,7 +4754,7 @@
           </ac:inkMkLst>
         </pc:inkChg>
         <pc:inkChg chg="add del">
-          <ac:chgData name="Mansur He" userId="2cd3e99d6a3c3959" providerId="LiveId" clId="{16CB9BD3-0FD0-435F-BA63-C692E6031789}" dt="2017-11-18T05:41:07.841" v="14337"/>
+          <ac:chgData name="Mansur He" userId="2cd3e99d6a3c3959" providerId="LiveId" clId="{16CB9BD3-0FD0-435F-BA63-C692E6031789}" dt="2017-11-18T05:41:07.841" v="14337" actId="14100"/>
           <ac:inkMkLst>
             <pc:docMk/>
             <pc:sldMk cId="3057123245" sldId="272"/>
@@ -4756,7 +4762,7 @@
           </ac:inkMkLst>
         </pc:inkChg>
         <pc:inkChg chg="add del">
-          <ac:chgData name="Mansur He" userId="2cd3e99d6a3c3959" providerId="LiveId" clId="{16CB9BD3-0FD0-435F-BA63-C692E6031789}" dt="2017-11-18T05:41:12.665" v="14339"/>
+          <ac:chgData name="Mansur He" userId="2cd3e99d6a3c3959" providerId="LiveId" clId="{16CB9BD3-0FD0-435F-BA63-C692E6031789}" dt="2017-11-18T05:41:12.665" v="14339" actId="14100"/>
           <ac:inkMkLst>
             <pc:docMk/>
             <pc:sldMk cId="3057123245" sldId="272"/>
@@ -4764,7 +4770,7 @@
           </ac:inkMkLst>
         </pc:inkChg>
         <pc:inkChg chg="add del">
-          <ac:chgData name="Mansur He" userId="2cd3e99d6a3c3959" providerId="LiveId" clId="{16CB9BD3-0FD0-435F-BA63-C692E6031789}" dt="2017-11-18T05:41:12.665" v="14339"/>
+          <ac:chgData name="Mansur He" userId="2cd3e99d6a3c3959" providerId="LiveId" clId="{16CB9BD3-0FD0-435F-BA63-C692E6031789}" dt="2017-11-18T05:41:12.665" v="14339" actId="14100"/>
           <ac:inkMkLst>
             <pc:docMk/>
             <pc:sldMk cId="3057123245" sldId="272"/>
@@ -4772,7 +4778,7 @@
           </ac:inkMkLst>
         </pc:inkChg>
         <pc:inkChg chg="add del">
-          <ac:chgData name="Mansur He" userId="2cd3e99d6a3c3959" providerId="LiveId" clId="{16CB9BD3-0FD0-435F-BA63-C692E6031789}" dt="2017-11-18T05:41:13.712" v="14341"/>
+          <ac:chgData name="Mansur He" userId="2cd3e99d6a3c3959" providerId="LiveId" clId="{16CB9BD3-0FD0-435F-BA63-C692E6031789}" dt="2017-11-18T05:41:13.712" v="14341" actId="14100"/>
           <ac:inkMkLst>
             <pc:docMk/>
             <pc:sldMk cId="3057123245" sldId="272"/>
@@ -4780,7 +4786,7 @@
           </ac:inkMkLst>
         </pc:inkChg>
         <pc:inkChg chg="add del">
-          <ac:chgData name="Mansur He" userId="2cd3e99d6a3c3959" providerId="LiveId" clId="{16CB9BD3-0FD0-435F-BA63-C692E6031789}" dt="2017-11-18T05:41:13.712" v="14341"/>
+          <ac:chgData name="Mansur He" userId="2cd3e99d6a3c3959" providerId="LiveId" clId="{16CB9BD3-0FD0-435F-BA63-C692E6031789}" dt="2017-11-18T05:41:13.712" v="14341" actId="14100"/>
           <ac:inkMkLst>
             <pc:docMk/>
             <pc:sldMk cId="3057123245" sldId="272"/>
@@ -4788,7 +4794,7 @@
           </ac:inkMkLst>
         </pc:inkChg>
         <pc:inkChg chg="add del">
-          <ac:chgData name="Mansur He" userId="2cd3e99d6a3c3959" providerId="LiveId" clId="{16CB9BD3-0FD0-435F-BA63-C692E6031789}" dt="2017-11-18T05:41:15.067" v="14343"/>
+          <ac:chgData name="Mansur He" userId="2cd3e99d6a3c3959" providerId="LiveId" clId="{16CB9BD3-0FD0-435F-BA63-C692E6031789}" dt="2017-11-18T05:41:15.067" v="14343" actId="14100"/>
           <ac:inkMkLst>
             <pc:docMk/>
             <pc:sldMk cId="3057123245" sldId="272"/>
@@ -4796,7 +4802,7 @@
           </ac:inkMkLst>
         </pc:inkChg>
         <pc:inkChg chg="add del">
-          <ac:chgData name="Mansur He" userId="2cd3e99d6a3c3959" providerId="LiveId" clId="{16CB9BD3-0FD0-435F-BA63-C692E6031789}" dt="2017-11-18T05:41:15.067" v="14343"/>
+          <ac:chgData name="Mansur He" userId="2cd3e99d6a3c3959" providerId="LiveId" clId="{16CB9BD3-0FD0-435F-BA63-C692E6031789}" dt="2017-11-18T05:41:15.067" v="14343" actId="14100"/>
           <ac:inkMkLst>
             <pc:docMk/>
             <pc:sldMk cId="3057123245" sldId="272"/>
@@ -4804,7 +4810,7 @@
           </ac:inkMkLst>
         </pc:inkChg>
         <pc:inkChg chg="add del">
-          <ac:chgData name="Mansur He" userId="2cd3e99d6a3c3959" providerId="LiveId" clId="{16CB9BD3-0FD0-435F-BA63-C692E6031789}" dt="2017-11-18T05:41:17.287" v="14345"/>
+          <ac:chgData name="Mansur He" userId="2cd3e99d6a3c3959" providerId="LiveId" clId="{16CB9BD3-0FD0-435F-BA63-C692E6031789}" dt="2017-11-18T05:41:17.287" v="14345" actId="14100"/>
           <ac:inkMkLst>
             <pc:docMk/>
             <pc:sldMk cId="3057123245" sldId="272"/>
@@ -4812,7 +4818,7 @@
           </ac:inkMkLst>
         </pc:inkChg>
         <pc:inkChg chg="add del">
-          <ac:chgData name="Mansur He" userId="2cd3e99d6a3c3959" providerId="LiveId" clId="{16CB9BD3-0FD0-435F-BA63-C692E6031789}" dt="2017-11-18T05:41:17.287" v="14345"/>
+          <ac:chgData name="Mansur He" userId="2cd3e99d6a3c3959" providerId="LiveId" clId="{16CB9BD3-0FD0-435F-BA63-C692E6031789}" dt="2017-11-18T05:41:17.287" v="14345" actId="14100"/>
           <ac:inkMkLst>
             <pc:docMk/>
             <pc:sldMk cId="3057123245" sldId="272"/>
@@ -4820,7 +4826,7 @@
           </ac:inkMkLst>
         </pc:inkChg>
         <pc:inkChg chg="add del">
-          <ac:chgData name="Mansur He" userId="2cd3e99d6a3c3959" providerId="LiveId" clId="{16CB9BD3-0FD0-435F-BA63-C692E6031789}" dt="2017-11-18T05:41:18.602" v="14347"/>
+          <ac:chgData name="Mansur He" userId="2cd3e99d6a3c3959" providerId="LiveId" clId="{16CB9BD3-0FD0-435F-BA63-C692E6031789}" dt="2017-11-18T05:41:18.602" v="14347" actId="14100"/>
           <ac:inkMkLst>
             <pc:docMk/>
             <pc:sldMk cId="3057123245" sldId="272"/>
@@ -4828,7 +4834,7 @@
           </ac:inkMkLst>
         </pc:inkChg>
         <pc:inkChg chg="add del">
-          <ac:chgData name="Mansur He" userId="2cd3e99d6a3c3959" providerId="LiveId" clId="{16CB9BD3-0FD0-435F-BA63-C692E6031789}" dt="2017-11-18T05:41:18.602" v="14347"/>
+          <ac:chgData name="Mansur He" userId="2cd3e99d6a3c3959" providerId="LiveId" clId="{16CB9BD3-0FD0-435F-BA63-C692E6031789}" dt="2017-11-18T05:41:18.602" v="14347" actId="14100"/>
           <ac:inkMkLst>
             <pc:docMk/>
             <pc:sldMk cId="3057123245" sldId="272"/>
@@ -4836,7 +4842,7 @@
           </ac:inkMkLst>
         </pc:inkChg>
         <pc:inkChg chg="add del">
-          <ac:chgData name="Mansur He" userId="2cd3e99d6a3c3959" providerId="LiveId" clId="{16CB9BD3-0FD0-435F-BA63-C692E6031789}" dt="2017-11-18T05:41:25.539" v="14353"/>
+          <ac:chgData name="Mansur He" userId="2cd3e99d6a3c3959" providerId="LiveId" clId="{16CB9BD3-0FD0-435F-BA63-C692E6031789}" dt="2017-11-18T05:41:25.539" v="14353" actId="14100"/>
           <ac:inkMkLst>
             <pc:docMk/>
             <pc:sldMk cId="3057123245" sldId="272"/>
@@ -4844,7 +4850,7 @@
           </ac:inkMkLst>
         </pc:inkChg>
         <pc:inkChg chg="add del">
-          <ac:chgData name="Mansur He" userId="2cd3e99d6a3c3959" providerId="LiveId" clId="{16CB9BD3-0FD0-435F-BA63-C692E6031789}" dt="2017-11-18T05:41:22.657" v="14349"/>
+          <ac:chgData name="Mansur He" userId="2cd3e99d6a3c3959" providerId="LiveId" clId="{16CB9BD3-0FD0-435F-BA63-C692E6031789}" dt="2017-11-18T05:41:22.657" v="14349" actId="14100"/>
           <ac:inkMkLst>
             <pc:docMk/>
             <pc:sldMk cId="3057123245" sldId="272"/>
@@ -4852,7 +4858,7 @@
           </ac:inkMkLst>
         </pc:inkChg>
         <pc:inkChg chg="add del">
-          <ac:chgData name="Mansur He" userId="2cd3e99d6a3c3959" providerId="LiveId" clId="{16CB9BD3-0FD0-435F-BA63-C692E6031789}" dt="2017-11-18T05:41:24.037" v="14351"/>
+          <ac:chgData name="Mansur He" userId="2cd3e99d6a3c3959" providerId="LiveId" clId="{16CB9BD3-0FD0-435F-BA63-C692E6031789}" dt="2017-11-18T05:41:24.037" v="14351" actId="14100"/>
           <ac:inkMkLst>
             <pc:docMk/>
             <pc:sldMk cId="3057123245" sldId="272"/>
@@ -4860,7 +4866,7 @@
           </ac:inkMkLst>
         </pc:inkChg>
         <pc:inkChg chg="add del">
-          <ac:chgData name="Mansur He" userId="2cd3e99d6a3c3959" providerId="LiveId" clId="{16CB9BD3-0FD0-435F-BA63-C692E6031789}" dt="2017-11-18T05:41:25.539" v="14353"/>
+          <ac:chgData name="Mansur He" userId="2cd3e99d6a3c3959" providerId="LiveId" clId="{16CB9BD3-0FD0-435F-BA63-C692E6031789}" dt="2017-11-18T05:41:25.539" v="14353" actId="14100"/>
           <ac:inkMkLst>
             <pc:docMk/>
             <pc:sldMk cId="3057123245" sldId="272"/>
@@ -4868,7 +4874,7 @@
           </ac:inkMkLst>
         </pc:inkChg>
         <pc:inkChg chg="add del">
-          <ac:chgData name="Mansur He" userId="2cd3e99d6a3c3959" providerId="LiveId" clId="{16CB9BD3-0FD0-435F-BA63-C692E6031789}" dt="2017-11-18T05:41:27.041" v="14355"/>
+          <ac:chgData name="Mansur He" userId="2cd3e99d6a3c3959" providerId="LiveId" clId="{16CB9BD3-0FD0-435F-BA63-C692E6031789}" dt="2017-11-18T05:41:27.041" v="14355" actId="14100"/>
           <ac:inkMkLst>
             <pc:docMk/>
             <pc:sldMk cId="3057123245" sldId="272"/>
@@ -4876,7 +4882,7 @@
           </ac:inkMkLst>
         </pc:inkChg>
         <pc:inkChg chg="add del">
-          <ac:chgData name="Mansur He" userId="2cd3e99d6a3c3959" providerId="LiveId" clId="{16CB9BD3-0FD0-435F-BA63-C692E6031789}" dt="2017-11-18T05:41:27.041" v="14355"/>
+          <ac:chgData name="Mansur He" userId="2cd3e99d6a3c3959" providerId="LiveId" clId="{16CB9BD3-0FD0-435F-BA63-C692E6031789}" dt="2017-11-18T05:41:27.041" v="14355" actId="14100"/>
           <ac:inkMkLst>
             <pc:docMk/>
             <pc:sldMk cId="3057123245" sldId="272"/>
@@ -4884,7 +4890,7 @@
           </ac:inkMkLst>
         </pc:inkChg>
         <pc:inkChg chg="add del">
-          <ac:chgData name="Mansur He" userId="2cd3e99d6a3c3959" providerId="LiveId" clId="{16CB9BD3-0FD0-435F-BA63-C692E6031789}" dt="2017-11-18T05:41:29.444" v="14357"/>
+          <ac:chgData name="Mansur He" userId="2cd3e99d6a3c3959" providerId="LiveId" clId="{16CB9BD3-0FD0-435F-BA63-C692E6031789}" dt="2017-11-18T05:41:29.444" v="14357" actId="14100"/>
           <ac:inkMkLst>
             <pc:docMk/>
             <pc:sldMk cId="3057123245" sldId="272"/>
@@ -4892,7 +4898,7 @@
           </ac:inkMkLst>
         </pc:inkChg>
         <pc:inkChg chg="add del">
-          <ac:chgData name="Mansur He" userId="2cd3e99d6a3c3959" providerId="LiveId" clId="{16CB9BD3-0FD0-435F-BA63-C692E6031789}" dt="2017-11-18T05:41:29.444" v="14357"/>
+          <ac:chgData name="Mansur He" userId="2cd3e99d6a3c3959" providerId="LiveId" clId="{16CB9BD3-0FD0-435F-BA63-C692E6031789}" dt="2017-11-18T05:41:29.444" v="14357" actId="14100"/>
           <ac:inkMkLst>
             <pc:docMk/>
             <pc:sldMk cId="3057123245" sldId="272"/>
@@ -4900,7 +4906,7 @@
           </ac:inkMkLst>
         </pc:inkChg>
         <pc:inkChg chg="add del">
-          <ac:chgData name="Mansur He" userId="2cd3e99d6a3c3959" providerId="LiveId" clId="{16CB9BD3-0FD0-435F-BA63-C692E6031789}" dt="2017-11-18T05:41:30.114" v="14359"/>
+          <ac:chgData name="Mansur He" userId="2cd3e99d6a3c3959" providerId="LiveId" clId="{16CB9BD3-0FD0-435F-BA63-C692E6031789}" dt="2017-11-18T05:41:30.114" v="14359" actId="14100"/>
           <ac:inkMkLst>
             <pc:docMk/>
             <pc:sldMk cId="3057123245" sldId="272"/>
@@ -4908,7 +4914,7 @@
           </ac:inkMkLst>
         </pc:inkChg>
         <pc:inkChg chg="add del">
-          <ac:chgData name="Mansur He" userId="2cd3e99d6a3c3959" providerId="LiveId" clId="{16CB9BD3-0FD0-435F-BA63-C692E6031789}" dt="2017-11-18T05:41:30.114" v="14359"/>
+          <ac:chgData name="Mansur He" userId="2cd3e99d6a3c3959" providerId="LiveId" clId="{16CB9BD3-0FD0-435F-BA63-C692E6031789}" dt="2017-11-18T05:41:30.114" v="14359" actId="14100"/>
           <ac:inkMkLst>
             <pc:docMk/>
             <pc:sldMk cId="3057123245" sldId="272"/>
@@ -4916,7 +4922,7 @@
           </ac:inkMkLst>
         </pc:inkChg>
         <pc:inkChg chg="add del">
-          <ac:chgData name="Mansur He" userId="2cd3e99d6a3c3959" providerId="LiveId" clId="{16CB9BD3-0FD0-435F-BA63-C692E6031789}" dt="2017-11-18T05:45:23.716" v="14488"/>
+          <ac:chgData name="Mansur He" userId="2cd3e99d6a3c3959" providerId="LiveId" clId="{16CB9BD3-0FD0-435F-BA63-C692E6031789}" dt="2017-11-18T05:45:23.716" v="14488" actId="14100"/>
           <ac:inkMkLst>
             <pc:docMk/>
             <pc:sldMk cId="3057123245" sldId="272"/>
@@ -4924,7 +4930,7 @@
           </ac:inkMkLst>
         </pc:inkChg>
         <pc:inkChg chg="add del">
-          <ac:chgData name="Mansur He" userId="2cd3e99d6a3c3959" providerId="LiveId" clId="{16CB9BD3-0FD0-435F-BA63-C692E6031789}" dt="2017-11-18T05:41:47.844" v="14362"/>
+          <ac:chgData name="Mansur He" userId="2cd3e99d6a3c3959" providerId="LiveId" clId="{16CB9BD3-0FD0-435F-BA63-C692E6031789}" dt="2017-11-18T05:41:47.844" v="14362" actId="14100"/>
           <ac:inkMkLst>
             <pc:docMk/>
             <pc:sldMk cId="3057123245" sldId="272"/>
@@ -4932,7 +4938,7 @@
           </ac:inkMkLst>
         </pc:inkChg>
         <pc:inkChg chg="add del">
-          <ac:chgData name="Mansur He" userId="2cd3e99d6a3c3959" providerId="LiveId" clId="{16CB9BD3-0FD0-435F-BA63-C692E6031789}" dt="2017-11-18T05:41:47.844" v="14362"/>
+          <ac:chgData name="Mansur He" userId="2cd3e99d6a3c3959" providerId="LiveId" clId="{16CB9BD3-0FD0-435F-BA63-C692E6031789}" dt="2017-11-18T05:41:47.844" v="14362" actId="14100"/>
           <ac:inkMkLst>
             <pc:docMk/>
             <pc:sldMk cId="3057123245" sldId="272"/>
@@ -4940,7 +4946,7 @@
           </ac:inkMkLst>
         </pc:inkChg>
         <pc:inkChg chg="add del">
-          <ac:chgData name="Mansur He" userId="2cd3e99d6a3c3959" providerId="LiveId" clId="{16CB9BD3-0FD0-435F-BA63-C692E6031789}" dt="2017-11-18T05:41:48.482" v="14364"/>
+          <ac:chgData name="Mansur He" userId="2cd3e99d6a3c3959" providerId="LiveId" clId="{16CB9BD3-0FD0-435F-BA63-C692E6031789}" dt="2017-11-18T05:41:48.482" v="14364" actId="14100"/>
           <ac:inkMkLst>
             <pc:docMk/>
             <pc:sldMk cId="3057123245" sldId="272"/>
@@ -4948,7 +4954,7 @@
           </ac:inkMkLst>
         </pc:inkChg>
         <pc:inkChg chg="add del">
-          <ac:chgData name="Mansur He" userId="2cd3e99d6a3c3959" providerId="LiveId" clId="{16CB9BD3-0FD0-435F-BA63-C692E6031789}" dt="2017-11-18T05:41:48.498" v="14365"/>
+          <ac:chgData name="Mansur He" userId="2cd3e99d6a3c3959" providerId="LiveId" clId="{16CB9BD3-0FD0-435F-BA63-C692E6031789}" dt="2017-11-18T05:41:48.498" v="14365" actId="14100"/>
           <ac:inkMkLst>
             <pc:docMk/>
             <pc:sldMk cId="3057123245" sldId="272"/>
@@ -4956,7 +4962,7 @@
           </ac:inkMkLst>
         </pc:inkChg>
         <pc:inkChg chg="add del">
-          <ac:chgData name="Mansur He" userId="2cd3e99d6a3c3959" providerId="LiveId" clId="{16CB9BD3-0FD0-435F-BA63-C692E6031789}" dt="2017-11-18T05:41:51.734" v="14368"/>
+          <ac:chgData name="Mansur He" userId="2cd3e99d6a3c3959" providerId="LiveId" clId="{16CB9BD3-0FD0-435F-BA63-C692E6031789}" dt="2017-11-18T05:41:51.734" v="14368" actId="14100"/>
           <ac:inkMkLst>
             <pc:docMk/>
             <pc:sldMk cId="3057123245" sldId="272"/>
@@ -4964,7 +4970,7 @@
           </ac:inkMkLst>
         </pc:inkChg>
         <pc:inkChg chg="add del">
-          <ac:chgData name="Mansur He" userId="2cd3e99d6a3c3959" providerId="LiveId" clId="{16CB9BD3-0FD0-435F-BA63-C692E6031789}" dt="2017-11-18T05:41:51.734" v="14368"/>
+          <ac:chgData name="Mansur He" userId="2cd3e99d6a3c3959" providerId="LiveId" clId="{16CB9BD3-0FD0-435F-BA63-C692E6031789}" dt="2017-11-18T05:41:51.734" v="14368" actId="14100"/>
           <ac:inkMkLst>
             <pc:docMk/>
             <pc:sldMk cId="3057123245" sldId="272"/>
@@ -4972,7 +4978,7 @@
           </ac:inkMkLst>
         </pc:inkChg>
         <pc:inkChg chg="add del">
-          <ac:chgData name="Mansur He" userId="2cd3e99d6a3c3959" providerId="LiveId" clId="{16CB9BD3-0FD0-435F-BA63-C692E6031789}" dt="2017-11-18T05:41:52.935" v="14370"/>
+          <ac:chgData name="Mansur He" userId="2cd3e99d6a3c3959" providerId="LiveId" clId="{16CB9BD3-0FD0-435F-BA63-C692E6031789}" dt="2017-11-18T05:41:52.935" v="14370" actId="14100"/>
           <ac:inkMkLst>
             <pc:docMk/>
             <pc:sldMk cId="3057123245" sldId="272"/>
@@ -4980,7 +4986,7 @@
           </ac:inkMkLst>
         </pc:inkChg>
         <pc:inkChg chg="add del">
-          <ac:chgData name="Mansur He" userId="2cd3e99d6a3c3959" providerId="LiveId" clId="{16CB9BD3-0FD0-435F-BA63-C692E6031789}" dt="2017-11-18T05:41:52.935" v="14370"/>
+          <ac:chgData name="Mansur He" userId="2cd3e99d6a3c3959" providerId="LiveId" clId="{16CB9BD3-0FD0-435F-BA63-C692E6031789}" dt="2017-11-18T05:41:52.935" v="14370" actId="14100"/>
           <ac:inkMkLst>
             <pc:docMk/>
             <pc:sldMk cId="3057123245" sldId="272"/>
@@ -4988,7 +4994,7 @@
           </ac:inkMkLst>
         </pc:inkChg>
         <pc:inkChg chg="add del">
-          <ac:chgData name="Mansur He" userId="2cd3e99d6a3c3959" providerId="LiveId" clId="{16CB9BD3-0FD0-435F-BA63-C692E6031789}" dt="2017-11-18T05:42:01.159" v="14372"/>
+          <ac:chgData name="Mansur He" userId="2cd3e99d6a3c3959" providerId="LiveId" clId="{16CB9BD3-0FD0-435F-BA63-C692E6031789}" dt="2017-11-18T05:42:01.159" v="14372" actId="14100"/>
           <ac:inkMkLst>
             <pc:docMk/>
             <pc:sldMk cId="3057123245" sldId="272"/>
@@ -4996,7 +5002,7 @@
           </ac:inkMkLst>
         </pc:inkChg>
         <pc:inkChg chg="add del">
-          <ac:chgData name="Mansur He" userId="2cd3e99d6a3c3959" providerId="LiveId" clId="{16CB9BD3-0FD0-435F-BA63-C692E6031789}" dt="2017-11-18T05:42:01.159" v="14372"/>
+          <ac:chgData name="Mansur He" userId="2cd3e99d6a3c3959" providerId="LiveId" clId="{16CB9BD3-0FD0-435F-BA63-C692E6031789}" dt="2017-11-18T05:42:01.159" v="14372" actId="14100"/>
           <ac:inkMkLst>
             <pc:docMk/>
             <pc:sldMk cId="3057123245" sldId="272"/>
@@ -5004,7 +5010,7 @@
           </ac:inkMkLst>
         </pc:inkChg>
         <pc:inkChg chg="add del">
-          <ac:chgData name="Mansur He" userId="2cd3e99d6a3c3959" providerId="LiveId" clId="{16CB9BD3-0FD0-435F-BA63-C692E6031789}" dt="2017-11-18T05:42:02.459" v="14374"/>
+          <ac:chgData name="Mansur He" userId="2cd3e99d6a3c3959" providerId="LiveId" clId="{16CB9BD3-0FD0-435F-BA63-C692E6031789}" dt="2017-11-18T05:42:02.459" v="14374" actId="14100"/>
           <ac:inkMkLst>
             <pc:docMk/>
             <pc:sldMk cId="3057123245" sldId="272"/>
@@ -5012,7 +5018,7 @@
           </ac:inkMkLst>
         </pc:inkChg>
         <pc:inkChg chg="add del">
-          <ac:chgData name="Mansur He" userId="2cd3e99d6a3c3959" providerId="LiveId" clId="{16CB9BD3-0FD0-435F-BA63-C692E6031789}" dt="2017-11-18T05:42:02.459" v="14374"/>
+          <ac:chgData name="Mansur He" userId="2cd3e99d6a3c3959" providerId="LiveId" clId="{16CB9BD3-0FD0-435F-BA63-C692E6031789}" dt="2017-11-18T05:42:02.459" v="14374" actId="14100"/>
           <ac:inkMkLst>
             <pc:docMk/>
             <pc:sldMk cId="3057123245" sldId="272"/>
@@ -5020,7 +5026,7 @@
           </ac:inkMkLst>
         </pc:inkChg>
         <pc:inkChg chg="add del">
-          <ac:chgData name="Mansur He" userId="2cd3e99d6a3c3959" providerId="LiveId" clId="{16CB9BD3-0FD0-435F-BA63-C692E6031789}" dt="2017-11-18T05:42:12.423" v="14376"/>
+          <ac:chgData name="Mansur He" userId="2cd3e99d6a3c3959" providerId="LiveId" clId="{16CB9BD3-0FD0-435F-BA63-C692E6031789}" dt="2017-11-18T05:42:12.423" v="14376" actId="14100"/>
           <ac:inkMkLst>
             <pc:docMk/>
             <pc:sldMk cId="3057123245" sldId="272"/>
@@ -5028,7 +5034,7 @@
           </ac:inkMkLst>
         </pc:inkChg>
         <pc:inkChg chg="add del">
-          <ac:chgData name="Mansur He" userId="2cd3e99d6a3c3959" providerId="LiveId" clId="{16CB9BD3-0FD0-435F-BA63-C692E6031789}" dt="2017-11-18T05:42:12.423" v="14376"/>
+          <ac:chgData name="Mansur He" userId="2cd3e99d6a3c3959" providerId="LiveId" clId="{16CB9BD3-0FD0-435F-BA63-C692E6031789}" dt="2017-11-18T05:42:12.423" v="14376" actId="14100"/>
           <ac:inkMkLst>
             <pc:docMk/>
             <pc:sldMk cId="3057123245" sldId="272"/>
@@ -5036,7 +5042,7 @@
           </ac:inkMkLst>
         </pc:inkChg>
         <pc:inkChg chg="add del">
-          <ac:chgData name="Mansur He" userId="2cd3e99d6a3c3959" providerId="LiveId" clId="{16CB9BD3-0FD0-435F-BA63-C692E6031789}" dt="2017-11-18T05:42:15.313" v="14378"/>
+          <ac:chgData name="Mansur He" userId="2cd3e99d6a3c3959" providerId="LiveId" clId="{16CB9BD3-0FD0-435F-BA63-C692E6031789}" dt="2017-11-18T05:42:15.313" v="14378" actId="14100"/>
           <ac:inkMkLst>
             <pc:docMk/>
             <pc:sldMk cId="3057123245" sldId="272"/>
@@ -5044,7 +5050,7 @@
           </ac:inkMkLst>
         </pc:inkChg>
         <pc:inkChg chg="add del">
-          <ac:chgData name="Mansur He" userId="2cd3e99d6a3c3959" providerId="LiveId" clId="{16CB9BD3-0FD0-435F-BA63-C692E6031789}" dt="2017-11-18T05:42:15.313" v="14378"/>
+          <ac:chgData name="Mansur He" userId="2cd3e99d6a3c3959" providerId="LiveId" clId="{16CB9BD3-0FD0-435F-BA63-C692E6031789}" dt="2017-11-18T05:42:15.313" v="14378" actId="14100"/>
           <ac:inkMkLst>
             <pc:docMk/>
             <pc:sldMk cId="3057123245" sldId="272"/>
@@ -5052,7 +5058,7 @@
           </ac:inkMkLst>
         </pc:inkChg>
         <pc:inkChg chg="add del">
-          <ac:chgData name="Mansur He" userId="2cd3e99d6a3c3959" providerId="LiveId" clId="{16CB9BD3-0FD0-435F-BA63-C692E6031789}" dt="2017-11-18T05:42:18.179" v="14380"/>
+          <ac:chgData name="Mansur He" userId="2cd3e99d6a3c3959" providerId="LiveId" clId="{16CB9BD3-0FD0-435F-BA63-C692E6031789}" dt="2017-11-18T05:42:18.179" v="14380" actId="14100"/>
           <ac:inkMkLst>
             <pc:docMk/>
             <pc:sldMk cId="3057123245" sldId="272"/>
@@ -5060,7 +5066,7 @@
           </ac:inkMkLst>
         </pc:inkChg>
         <pc:inkChg chg="add del">
-          <ac:chgData name="Mansur He" userId="2cd3e99d6a3c3959" providerId="LiveId" clId="{16CB9BD3-0FD0-435F-BA63-C692E6031789}" dt="2017-11-18T05:42:18.179" v="14380"/>
+          <ac:chgData name="Mansur He" userId="2cd3e99d6a3c3959" providerId="LiveId" clId="{16CB9BD3-0FD0-435F-BA63-C692E6031789}" dt="2017-11-18T05:42:18.179" v="14380" actId="14100"/>
           <ac:inkMkLst>
             <pc:docMk/>
             <pc:sldMk cId="3057123245" sldId="272"/>
@@ -5068,7 +5074,7 @@
           </ac:inkMkLst>
         </pc:inkChg>
         <pc:inkChg chg="add del">
-          <ac:chgData name="Mansur He" userId="2cd3e99d6a3c3959" providerId="LiveId" clId="{16CB9BD3-0FD0-435F-BA63-C692E6031789}" dt="2017-11-18T05:42:20.134" v="14382"/>
+          <ac:chgData name="Mansur He" userId="2cd3e99d6a3c3959" providerId="LiveId" clId="{16CB9BD3-0FD0-435F-BA63-C692E6031789}" dt="2017-11-18T05:42:20.134" v="14382" actId="14100"/>
           <ac:inkMkLst>
             <pc:docMk/>
             <pc:sldMk cId="3057123245" sldId="272"/>
@@ -5076,7 +5082,7 @@
           </ac:inkMkLst>
         </pc:inkChg>
         <pc:inkChg chg="add del">
-          <ac:chgData name="Mansur He" userId="2cd3e99d6a3c3959" providerId="LiveId" clId="{16CB9BD3-0FD0-435F-BA63-C692E6031789}" dt="2017-11-18T05:42:20.134" v="14382"/>
+          <ac:chgData name="Mansur He" userId="2cd3e99d6a3c3959" providerId="LiveId" clId="{16CB9BD3-0FD0-435F-BA63-C692E6031789}" dt="2017-11-18T05:42:20.134" v="14382" actId="14100"/>
           <ac:inkMkLst>
             <pc:docMk/>
             <pc:sldMk cId="3057123245" sldId="272"/>
@@ -5084,7 +5090,7 @@
           </ac:inkMkLst>
         </pc:inkChg>
         <pc:inkChg chg="add del">
-          <ac:chgData name="Mansur He" userId="2cd3e99d6a3c3959" providerId="LiveId" clId="{16CB9BD3-0FD0-435F-BA63-C692E6031789}" dt="2017-11-18T05:42:24.068" v="14384"/>
+          <ac:chgData name="Mansur He" userId="2cd3e99d6a3c3959" providerId="LiveId" clId="{16CB9BD3-0FD0-435F-BA63-C692E6031789}" dt="2017-11-18T05:42:24.068" v="14384" actId="14100"/>
           <ac:inkMkLst>
             <pc:docMk/>
             <pc:sldMk cId="3057123245" sldId="272"/>
@@ -5092,7 +5098,7 @@
           </ac:inkMkLst>
         </pc:inkChg>
         <pc:inkChg chg="add del">
-          <ac:chgData name="Mansur He" userId="2cd3e99d6a3c3959" providerId="LiveId" clId="{16CB9BD3-0FD0-435F-BA63-C692E6031789}" dt="2017-11-18T05:42:24.068" v="14384"/>
+          <ac:chgData name="Mansur He" userId="2cd3e99d6a3c3959" providerId="LiveId" clId="{16CB9BD3-0FD0-435F-BA63-C692E6031789}" dt="2017-11-18T05:42:24.068" v="14384" actId="14100"/>
           <ac:inkMkLst>
             <pc:docMk/>
             <pc:sldMk cId="3057123245" sldId="272"/>
@@ -5100,7 +5106,7 @@
           </ac:inkMkLst>
         </pc:inkChg>
         <pc:inkChg chg="add del">
-          <ac:chgData name="Mansur He" userId="2cd3e99d6a3c3959" providerId="LiveId" clId="{16CB9BD3-0FD0-435F-BA63-C692E6031789}" dt="2017-11-18T05:42:30.488" v="14386"/>
+          <ac:chgData name="Mansur He" userId="2cd3e99d6a3c3959" providerId="LiveId" clId="{16CB9BD3-0FD0-435F-BA63-C692E6031789}" dt="2017-11-18T05:42:30.488" v="14386" actId="14100"/>
           <ac:inkMkLst>
             <pc:docMk/>
             <pc:sldMk cId="3057123245" sldId="272"/>
@@ -5108,7 +5114,7 @@
           </ac:inkMkLst>
         </pc:inkChg>
         <pc:inkChg chg="add del">
-          <ac:chgData name="Mansur He" userId="2cd3e99d6a3c3959" providerId="LiveId" clId="{16CB9BD3-0FD0-435F-BA63-C692E6031789}" dt="2017-11-18T05:42:30.488" v="14386"/>
+          <ac:chgData name="Mansur He" userId="2cd3e99d6a3c3959" providerId="LiveId" clId="{16CB9BD3-0FD0-435F-BA63-C692E6031789}" dt="2017-11-18T05:42:30.488" v="14386" actId="14100"/>
           <ac:inkMkLst>
             <pc:docMk/>
             <pc:sldMk cId="3057123245" sldId="272"/>
@@ -5116,7 +5122,7 @@
           </ac:inkMkLst>
         </pc:inkChg>
         <pc:inkChg chg="add del">
-          <ac:chgData name="Mansur He" userId="2cd3e99d6a3c3959" providerId="LiveId" clId="{16CB9BD3-0FD0-435F-BA63-C692E6031789}" dt="2017-11-18T05:42:33.342" v="14388"/>
+          <ac:chgData name="Mansur He" userId="2cd3e99d6a3c3959" providerId="LiveId" clId="{16CB9BD3-0FD0-435F-BA63-C692E6031789}" dt="2017-11-18T05:42:33.342" v="14388" actId="14100"/>
           <ac:inkMkLst>
             <pc:docMk/>
             <pc:sldMk cId="3057123245" sldId="272"/>
@@ -5124,7 +5130,7 @@
           </ac:inkMkLst>
         </pc:inkChg>
         <pc:inkChg chg="add del">
-          <ac:chgData name="Mansur He" userId="2cd3e99d6a3c3959" providerId="LiveId" clId="{16CB9BD3-0FD0-435F-BA63-C692E6031789}" dt="2017-11-18T05:42:33.342" v="14388"/>
+          <ac:chgData name="Mansur He" userId="2cd3e99d6a3c3959" providerId="LiveId" clId="{16CB9BD3-0FD0-435F-BA63-C692E6031789}" dt="2017-11-18T05:42:33.342" v="14388" actId="14100"/>
           <ac:inkMkLst>
             <pc:docMk/>
             <pc:sldMk cId="3057123245" sldId="272"/>
@@ -5132,7 +5138,7 @@
           </ac:inkMkLst>
         </pc:inkChg>
         <pc:inkChg chg="add del">
-          <ac:chgData name="Mansur He" userId="2cd3e99d6a3c3959" providerId="LiveId" clId="{16CB9BD3-0FD0-435F-BA63-C692E6031789}" dt="2017-11-18T05:42:43.171" v="14392"/>
+          <ac:chgData name="Mansur He" userId="2cd3e99d6a3c3959" providerId="LiveId" clId="{16CB9BD3-0FD0-435F-BA63-C692E6031789}" dt="2017-11-18T05:42:43.171" v="14392" actId="14100"/>
           <ac:inkMkLst>
             <pc:docMk/>
             <pc:sldMk cId="3057123245" sldId="272"/>
@@ -5140,7 +5146,7 @@
           </ac:inkMkLst>
         </pc:inkChg>
         <pc:inkChg chg="add del">
-          <ac:chgData name="Mansur He" userId="2cd3e99d6a3c3959" providerId="LiveId" clId="{16CB9BD3-0FD0-435F-BA63-C692E6031789}" dt="2017-11-18T05:42:37.948" v="14390"/>
+          <ac:chgData name="Mansur He" userId="2cd3e99d6a3c3959" providerId="LiveId" clId="{16CB9BD3-0FD0-435F-BA63-C692E6031789}" dt="2017-11-18T05:42:37.948" v="14390" actId="14100"/>
           <ac:inkMkLst>
             <pc:docMk/>
             <pc:sldMk cId="3057123245" sldId="272"/>
@@ -5148,7 +5154,7 @@
           </ac:inkMkLst>
         </pc:inkChg>
         <pc:inkChg chg="add del">
-          <ac:chgData name="Mansur He" userId="2cd3e99d6a3c3959" providerId="LiveId" clId="{16CB9BD3-0FD0-435F-BA63-C692E6031789}" dt="2017-11-18T05:42:43.171" v="14392"/>
+          <ac:chgData name="Mansur He" userId="2cd3e99d6a3c3959" providerId="LiveId" clId="{16CB9BD3-0FD0-435F-BA63-C692E6031789}" dt="2017-11-18T05:42:43.171" v="14392" actId="14100"/>
           <ac:inkMkLst>
             <pc:docMk/>
             <pc:sldMk cId="3057123245" sldId="272"/>
@@ -5156,7 +5162,7 @@
           </ac:inkMkLst>
         </pc:inkChg>
         <pc:inkChg chg="add del">
-          <ac:chgData name="Mansur He" userId="2cd3e99d6a3c3959" providerId="LiveId" clId="{16CB9BD3-0FD0-435F-BA63-C692E6031789}" dt="2017-11-18T05:42:43.755" v="14395"/>
+          <ac:chgData name="Mansur He" userId="2cd3e99d6a3c3959" providerId="LiveId" clId="{16CB9BD3-0FD0-435F-BA63-C692E6031789}" dt="2017-11-18T05:42:43.755" v="14395" actId="14100"/>
           <ac:inkMkLst>
             <pc:docMk/>
             <pc:sldMk cId="3057123245" sldId="272"/>
@@ -5164,7 +5170,7 @@
           </ac:inkMkLst>
         </pc:inkChg>
         <pc:inkChg chg="add del">
-          <ac:chgData name="Mansur He" userId="2cd3e99d6a3c3959" providerId="LiveId" clId="{16CB9BD3-0FD0-435F-BA63-C692E6031789}" dt="2017-11-18T05:42:43.755" v="14395"/>
+          <ac:chgData name="Mansur He" userId="2cd3e99d6a3c3959" providerId="LiveId" clId="{16CB9BD3-0FD0-435F-BA63-C692E6031789}" dt="2017-11-18T05:42:43.755" v="14395" actId="14100"/>
           <ac:inkMkLst>
             <pc:docMk/>
             <pc:sldMk cId="3057123245" sldId="272"/>
@@ -5172,7 +5178,7 @@
           </ac:inkMkLst>
         </pc:inkChg>
         <pc:inkChg chg="add del">
-          <ac:chgData name="Mansur He" userId="2cd3e99d6a3c3959" providerId="LiveId" clId="{16CB9BD3-0FD0-435F-BA63-C692E6031789}" dt="2017-11-18T05:42:43.755" v="14395"/>
+          <ac:chgData name="Mansur He" userId="2cd3e99d6a3c3959" providerId="LiveId" clId="{16CB9BD3-0FD0-435F-BA63-C692E6031789}" dt="2017-11-18T05:42:43.755" v="14395" actId="14100"/>
           <ac:inkMkLst>
             <pc:docMk/>
             <pc:sldMk cId="3057123245" sldId="272"/>
@@ -5180,7 +5186,7 @@
           </ac:inkMkLst>
         </pc:inkChg>
         <pc:inkChg chg="add del">
-          <ac:chgData name="Mansur He" userId="2cd3e99d6a3c3959" providerId="LiveId" clId="{16CB9BD3-0FD0-435F-BA63-C692E6031789}" dt="2017-11-18T05:42:45.989" v="14397"/>
+          <ac:chgData name="Mansur He" userId="2cd3e99d6a3c3959" providerId="LiveId" clId="{16CB9BD3-0FD0-435F-BA63-C692E6031789}" dt="2017-11-18T05:42:45.989" v="14397" actId="14100"/>
           <ac:inkMkLst>
             <pc:docMk/>
             <pc:sldMk cId="3057123245" sldId="272"/>
@@ -5188,7 +5194,7 @@
           </ac:inkMkLst>
         </pc:inkChg>
         <pc:inkChg chg="add del">
-          <ac:chgData name="Mansur He" userId="2cd3e99d6a3c3959" providerId="LiveId" clId="{16CB9BD3-0FD0-435F-BA63-C692E6031789}" dt="2017-11-18T05:42:45.989" v="14397"/>
+          <ac:chgData name="Mansur He" userId="2cd3e99d6a3c3959" providerId="LiveId" clId="{16CB9BD3-0FD0-435F-BA63-C692E6031789}" dt="2017-11-18T05:42:45.989" v="14397" actId="14100"/>
           <ac:inkMkLst>
             <pc:docMk/>
             <pc:sldMk cId="3057123245" sldId="272"/>
@@ -5196,7 +5202,7 @@
           </ac:inkMkLst>
         </pc:inkChg>
         <pc:inkChg chg="add del">
-          <ac:chgData name="Mansur He" userId="2cd3e99d6a3c3959" providerId="LiveId" clId="{16CB9BD3-0FD0-435F-BA63-C692E6031789}" dt="2017-11-18T05:42:49.963" v="14400"/>
+          <ac:chgData name="Mansur He" userId="2cd3e99d6a3c3959" providerId="LiveId" clId="{16CB9BD3-0FD0-435F-BA63-C692E6031789}" dt="2017-11-18T05:42:49.963" v="14400" actId="14100"/>
           <ac:inkMkLst>
             <pc:docMk/>
             <pc:sldMk cId="3057123245" sldId="272"/>
@@ -5204,7 +5210,7 @@
           </ac:inkMkLst>
         </pc:inkChg>
         <pc:inkChg chg="add del">
-          <ac:chgData name="Mansur He" userId="2cd3e99d6a3c3959" providerId="LiveId" clId="{16CB9BD3-0FD0-435F-BA63-C692E6031789}" dt="2017-11-18T05:42:49.963" v="14400"/>
+          <ac:chgData name="Mansur He" userId="2cd3e99d6a3c3959" providerId="LiveId" clId="{16CB9BD3-0FD0-435F-BA63-C692E6031789}" dt="2017-11-18T05:42:49.963" v="14400" actId="14100"/>
           <ac:inkMkLst>
             <pc:docMk/>
             <pc:sldMk cId="3057123245" sldId="272"/>
@@ -5212,7 +5218,7 @@
           </ac:inkMkLst>
         </pc:inkChg>
         <pc:inkChg chg="add del">
-          <ac:chgData name="Mansur He" userId="2cd3e99d6a3c3959" providerId="LiveId" clId="{16CB9BD3-0FD0-435F-BA63-C692E6031789}" dt="2017-11-18T05:42:49.963" v="14400"/>
+          <ac:chgData name="Mansur He" userId="2cd3e99d6a3c3959" providerId="LiveId" clId="{16CB9BD3-0FD0-435F-BA63-C692E6031789}" dt="2017-11-18T05:42:49.963" v="14400" actId="14100"/>
           <ac:inkMkLst>
             <pc:docMk/>
             <pc:sldMk cId="3057123245" sldId="272"/>
@@ -5220,7 +5226,7 @@
           </ac:inkMkLst>
         </pc:inkChg>
         <pc:inkChg chg="add del">
-          <ac:chgData name="Mansur He" userId="2cd3e99d6a3c3959" providerId="LiveId" clId="{16CB9BD3-0FD0-435F-BA63-C692E6031789}" dt="2017-11-18T05:42:51.946" v="14402"/>
+          <ac:chgData name="Mansur He" userId="2cd3e99d6a3c3959" providerId="LiveId" clId="{16CB9BD3-0FD0-435F-BA63-C692E6031789}" dt="2017-11-18T05:42:51.946" v="14402" actId="14100"/>
           <ac:inkMkLst>
             <pc:docMk/>
             <pc:sldMk cId="3057123245" sldId="272"/>
@@ -5228,7 +5234,7 @@
           </ac:inkMkLst>
         </pc:inkChg>
         <pc:inkChg chg="add del">
-          <ac:chgData name="Mansur He" userId="2cd3e99d6a3c3959" providerId="LiveId" clId="{16CB9BD3-0FD0-435F-BA63-C692E6031789}" dt="2017-11-18T05:42:51.946" v="14402"/>
+          <ac:chgData name="Mansur He" userId="2cd3e99d6a3c3959" providerId="LiveId" clId="{16CB9BD3-0FD0-435F-BA63-C692E6031789}" dt="2017-11-18T05:42:51.946" v="14402" actId="14100"/>
           <ac:inkMkLst>
             <pc:docMk/>
             <pc:sldMk cId="3057123245" sldId="272"/>
@@ -5236,7 +5242,7 @@
           </ac:inkMkLst>
         </pc:inkChg>
         <pc:inkChg chg="add del">
-          <ac:chgData name="Mansur He" userId="2cd3e99d6a3c3959" providerId="LiveId" clId="{16CB9BD3-0FD0-435F-BA63-C692E6031789}" dt="2017-11-18T05:42:52.645" v="14405"/>
+          <ac:chgData name="Mansur He" userId="2cd3e99d6a3c3959" providerId="LiveId" clId="{16CB9BD3-0FD0-435F-BA63-C692E6031789}" dt="2017-11-18T05:42:52.645" v="14405" actId="14100"/>
           <ac:inkMkLst>
             <pc:docMk/>
             <pc:sldMk cId="3057123245" sldId="272"/>
@@ -5244,7 +5250,7 @@
           </ac:inkMkLst>
         </pc:inkChg>
         <pc:inkChg chg="add del">
-          <ac:chgData name="Mansur He" userId="2cd3e99d6a3c3959" providerId="LiveId" clId="{16CB9BD3-0FD0-435F-BA63-C692E6031789}" dt="2017-11-18T05:42:52.645" v="14405"/>
+          <ac:chgData name="Mansur He" userId="2cd3e99d6a3c3959" providerId="LiveId" clId="{16CB9BD3-0FD0-435F-BA63-C692E6031789}" dt="2017-11-18T05:42:52.645" v="14405" actId="14100"/>
           <ac:inkMkLst>
             <pc:docMk/>
             <pc:sldMk cId="3057123245" sldId="272"/>
@@ -5252,7 +5258,7 @@
           </ac:inkMkLst>
         </pc:inkChg>
         <pc:inkChg chg="add del">
-          <ac:chgData name="Mansur He" userId="2cd3e99d6a3c3959" providerId="LiveId" clId="{16CB9BD3-0FD0-435F-BA63-C692E6031789}" dt="2017-11-18T05:42:52.645" v="14405"/>
+          <ac:chgData name="Mansur He" userId="2cd3e99d6a3c3959" providerId="LiveId" clId="{16CB9BD3-0FD0-435F-BA63-C692E6031789}" dt="2017-11-18T05:42:52.645" v="14405" actId="14100"/>
           <ac:inkMkLst>
             <pc:docMk/>
             <pc:sldMk cId="3057123245" sldId="272"/>
@@ -5260,7 +5266,7 @@
           </ac:inkMkLst>
         </pc:inkChg>
         <pc:inkChg chg="add del">
-          <ac:chgData name="Mansur He" userId="2cd3e99d6a3c3959" providerId="LiveId" clId="{16CB9BD3-0FD0-435F-BA63-C692E6031789}" dt="2017-11-18T05:42:58.137" v="14407"/>
+          <ac:chgData name="Mansur He" userId="2cd3e99d6a3c3959" providerId="LiveId" clId="{16CB9BD3-0FD0-435F-BA63-C692E6031789}" dt="2017-11-18T05:42:58.137" v="14407" actId="14100"/>
           <ac:inkMkLst>
             <pc:docMk/>
             <pc:sldMk cId="3057123245" sldId="272"/>
@@ -5268,7 +5274,7 @@
           </ac:inkMkLst>
         </pc:inkChg>
         <pc:inkChg chg="add del">
-          <ac:chgData name="Mansur He" userId="2cd3e99d6a3c3959" providerId="LiveId" clId="{16CB9BD3-0FD0-435F-BA63-C692E6031789}" dt="2017-11-18T05:42:58.137" v="14407"/>
+          <ac:chgData name="Mansur He" userId="2cd3e99d6a3c3959" providerId="LiveId" clId="{16CB9BD3-0FD0-435F-BA63-C692E6031789}" dt="2017-11-18T05:42:58.137" v="14407" actId="14100"/>
           <ac:inkMkLst>
             <pc:docMk/>
             <pc:sldMk cId="3057123245" sldId="272"/>
@@ -5276,7 +5282,7 @@
           </ac:inkMkLst>
         </pc:inkChg>
         <pc:inkChg chg="add del">
-          <ac:chgData name="Mansur He" userId="2cd3e99d6a3c3959" providerId="LiveId" clId="{16CB9BD3-0FD0-435F-BA63-C692E6031789}" dt="2017-11-18T05:42:58.707" v="14409"/>
+          <ac:chgData name="Mansur He" userId="2cd3e99d6a3c3959" providerId="LiveId" clId="{16CB9BD3-0FD0-435F-BA63-C692E6031789}" dt="2017-11-18T05:42:58.707" v="14409" actId="14100"/>
           <ac:inkMkLst>
             <pc:docMk/>
             <pc:sldMk cId="3057123245" sldId="272"/>
@@ -5284,7 +5290,7 @@
           </ac:inkMkLst>
         </pc:inkChg>
         <pc:inkChg chg="add del">
-          <ac:chgData name="Mansur He" userId="2cd3e99d6a3c3959" providerId="LiveId" clId="{16CB9BD3-0FD0-435F-BA63-C692E6031789}" dt="2017-11-18T05:42:58.707" v="14409"/>
+          <ac:chgData name="Mansur He" userId="2cd3e99d6a3c3959" providerId="LiveId" clId="{16CB9BD3-0FD0-435F-BA63-C692E6031789}" dt="2017-11-18T05:42:58.707" v="14409" actId="14100"/>
           <ac:inkMkLst>
             <pc:docMk/>
             <pc:sldMk cId="3057123245" sldId="272"/>
@@ -5292,7 +5298,7 @@
           </ac:inkMkLst>
         </pc:inkChg>
         <pc:inkChg chg="add del">
-          <ac:chgData name="Mansur He" userId="2cd3e99d6a3c3959" providerId="LiveId" clId="{16CB9BD3-0FD0-435F-BA63-C692E6031789}" dt="2017-11-18T05:42:59.193" v="14411"/>
+          <ac:chgData name="Mansur He" userId="2cd3e99d6a3c3959" providerId="LiveId" clId="{16CB9BD3-0FD0-435F-BA63-C692E6031789}" dt="2017-11-18T05:42:59.193" v="14411" actId="14100"/>
           <ac:inkMkLst>
             <pc:docMk/>
             <pc:sldMk cId="3057123245" sldId="272"/>
@@ -5300,7 +5306,7 @@
           </ac:inkMkLst>
         </pc:inkChg>
         <pc:inkChg chg="add del">
-          <ac:chgData name="Mansur He" userId="2cd3e99d6a3c3959" providerId="LiveId" clId="{16CB9BD3-0FD0-435F-BA63-C692E6031789}" dt="2017-11-18T05:42:59.193" v="14411"/>
+          <ac:chgData name="Mansur He" userId="2cd3e99d6a3c3959" providerId="LiveId" clId="{16CB9BD3-0FD0-435F-BA63-C692E6031789}" dt="2017-11-18T05:42:59.193" v="14411" actId="14100"/>
           <ac:inkMkLst>
             <pc:docMk/>
             <pc:sldMk cId="3057123245" sldId="272"/>
@@ -5308,7 +5314,7 @@
           </ac:inkMkLst>
         </pc:inkChg>
         <pc:inkChg chg="add del">
-          <ac:chgData name="Mansur He" userId="2cd3e99d6a3c3959" providerId="LiveId" clId="{16CB9BD3-0FD0-435F-BA63-C692E6031789}" dt="2017-11-18T05:43:00.579" v="14413"/>
+          <ac:chgData name="Mansur He" userId="2cd3e99d6a3c3959" providerId="LiveId" clId="{16CB9BD3-0FD0-435F-BA63-C692E6031789}" dt="2017-11-18T05:43:00.579" v="14413" actId="14100"/>
           <ac:inkMkLst>
             <pc:docMk/>
             <pc:sldMk cId="3057123245" sldId="272"/>
@@ -5316,7 +5322,7 @@
           </ac:inkMkLst>
         </pc:inkChg>
         <pc:inkChg chg="add del">
-          <ac:chgData name="Mansur He" userId="2cd3e99d6a3c3959" providerId="LiveId" clId="{16CB9BD3-0FD0-435F-BA63-C692E6031789}" dt="2017-11-18T05:43:00.579" v="14413"/>
+          <ac:chgData name="Mansur He" userId="2cd3e99d6a3c3959" providerId="LiveId" clId="{16CB9BD3-0FD0-435F-BA63-C692E6031789}" dt="2017-11-18T05:43:00.579" v="14413" actId="14100"/>
           <ac:inkMkLst>
             <pc:docMk/>
             <pc:sldMk cId="3057123245" sldId="272"/>
@@ -5324,7 +5330,7 @@
           </ac:inkMkLst>
         </pc:inkChg>
         <pc:inkChg chg="add del">
-          <ac:chgData name="Mansur He" userId="2cd3e99d6a3c3959" providerId="LiveId" clId="{16CB9BD3-0FD0-435F-BA63-C692E6031789}" dt="2017-11-18T05:43:33.883" v="14417"/>
+          <ac:chgData name="Mansur He" userId="2cd3e99d6a3c3959" providerId="LiveId" clId="{16CB9BD3-0FD0-435F-BA63-C692E6031789}" dt="2017-11-18T05:43:33.883" v="14417" actId="14100"/>
           <ac:inkMkLst>
             <pc:docMk/>
             <pc:sldMk cId="3057123245" sldId="272"/>
@@ -5332,7 +5338,7 @@
           </ac:inkMkLst>
         </pc:inkChg>
         <pc:inkChg chg="add del">
-          <ac:chgData name="Mansur He" userId="2cd3e99d6a3c3959" providerId="LiveId" clId="{16CB9BD3-0FD0-435F-BA63-C692E6031789}" dt="2017-11-18T05:43:27.307" v="14415"/>
+          <ac:chgData name="Mansur He" userId="2cd3e99d6a3c3959" providerId="LiveId" clId="{16CB9BD3-0FD0-435F-BA63-C692E6031789}" dt="2017-11-18T05:43:27.307" v="14415" actId="14100"/>
           <ac:inkMkLst>
             <pc:docMk/>
             <pc:sldMk cId="3057123245" sldId="272"/>
@@ -5340,7 +5346,7 @@
           </ac:inkMkLst>
         </pc:inkChg>
         <pc:inkChg chg="add del">
-          <ac:chgData name="Mansur He" userId="2cd3e99d6a3c3959" providerId="LiveId" clId="{16CB9BD3-0FD0-435F-BA63-C692E6031789}" dt="2017-11-18T05:43:33.883" v="14417"/>
+          <ac:chgData name="Mansur He" userId="2cd3e99d6a3c3959" providerId="LiveId" clId="{16CB9BD3-0FD0-435F-BA63-C692E6031789}" dt="2017-11-18T05:43:33.883" v="14417" actId="14100"/>
           <ac:inkMkLst>
             <pc:docMk/>
             <pc:sldMk cId="3057123245" sldId="272"/>
@@ -5348,7 +5354,7 @@
           </ac:inkMkLst>
         </pc:inkChg>
         <pc:inkChg chg="add del">
-          <ac:chgData name="Mansur He" userId="2cd3e99d6a3c3959" providerId="LiveId" clId="{16CB9BD3-0FD0-435F-BA63-C692E6031789}" dt="2017-11-18T05:43:35.863" v="14421"/>
+          <ac:chgData name="Mansur He" userId="2cd3e99d6a3c3959" providerId="LiveId" clId="{16CB9BD3-0FD0-435F-BA63-C692E6031789}" dt="2017-11-18T05:43:35.863" v="14421" actId="14100"/>
           <ac:inkMkLst>
             <pc:docMk/>
             <pc:sldMk cId="3057123245" sldId="272"/>
@@ -5356,7 +5362,7 @@
           </ac:inkMkLst>
         </pc:inkChg>
         <pc:inkChg chg="add del">
-          <ac:chgData name="Mansur He" userId="2cd3e99d6a3c3959" providerId="LiveId" clId="{16CB9BD3-0FD0-435F-BA63-C692E6031789}" dt="2017-11-18T05:43:34.761" v="14419"/>
+          <ac:chgData name="Mansur He" userId="2cd3e99d6a3c3959" providerId="LiveId" clId="{16CB9BD3-0FD0-435F-BA63-C692E6031789}" dt="2017-11-18T05:43:34.761" v="14419" actId="14100"/>
           <ac:inkMkLst>
             <pc:docMk/>
             <pc:sldMk cId="3057123245" sldId="272"/>
@@ -5364,7 +5370,7 @@
           </ac:inkMkLst>
         </pc:inkChg>
         <pc:inkChg chg="add del">
-          <ac:chgData name="Mansur He" userId="2cd3e99d6a3c3959" providerId="LiveId" clId="{16CB9BD3-0FD0-435F-BA63-C692E6031789}" dt="2017-11-18T05:43:35.863" v="14421"/>
+          <ac:chgData name="Mansur He" userId="2cd3e99d6a3c3959" providerId="LiveId" clId="{16CB9BD3-0FD0-435F-BA63-C692E6031789}" dt="2017-11-18T05:43:35.863" v="14421" actId="14100"/>
           <ac:inkMkLst>
             <pc:docMk/>
             <pc:sldMk cId="3057123245" sldId="272"/>
@@ -5372,7 +5378,7 @@
           </ac:inkMkLst>
         </pc:inkChg>
         <pc:inkChg chg="add del">
-          <ac:chgData name="Mansur He" userId="2cd3e99d6a3c3959" providerId="LiveId" clId="{16CB9BD3-0FD0-435F-BA63-C692E6031789}" dt="2017-11-18T05:43:36.516" v="14423"/>
+          <ac:chgData name="Mansur He" userId="2cd3e99d6a3c3959" providerId="LiveId" clId="{16CB9BD3-0FD0-435F-BA63-C692E6031789}" dt="2017-11-18T05:43:36.516" v="14423" actId="14100"/>
           <ac:inkMkLst>
             <pc:docMk/>
             <pc:sldMk cId="3057123245" sldId="272"/>
@@ -5380,7 +5386,7 @@
           </ac:inkMkLst>
         </pc:inkChg>
         <pc:inkChg chg="add del">
-          <ac:chgData name="Mansur He" userId="2cd3e99d6a3c3959" providerId="LiveId" clId="{16CB9BD3-0FD0-435F-BA63-C692E6031789}" dt="2017-11-18T05:43:36.516" v="14423"/>
+          <ac:chgData name="Mansur He" userId="2cd3e99d6a3c3959" providerId="LiveId" clId="{16CB9BD3-0FD0-435F-BA63-C692E6031789}" dt="2017-11-18T05:43:36.516" v="14423" actId="14100"/>
           <ac:inkMkLst>
             <pc:docMk/>
             <pc:sldMk cId="3057123245" sldId="272"/>
@@ -5388,7 +5394,7 @@
           </ac:inkMkLst>
         </pc:inkChg>
         <pc:inkChg chg="add del">
-          <ac:chgData name="Mansur He" userId="2cd3e99d6a3c3959" providerId="LiveId" clId="{16CB9BD3-0FD0-435F-BA63-C692E6031789}" dt="2017-11-18T05:43:37.317" v="14425"/>
+          <ac:chgData name="Mansur He" userId="2cd3e99d6a3c3959" providerId="LiveId" clId="{16CB9BD3-0FD0-435F-BA63-C692E6031789}" dt="2017-11-18T05:43:37.317" v="14425" actId="14100"/>
           <ac:inkMkLst>
             <pc:docMk/>
             <pc:sldMk cId="3057123245" sldId="272"/>
@@ -5396,7 +5402,7 @@
           </ac:inkMkLst>
         </pc:inkChg>
         <pc:inkChg chg="add del">
-          <ac:chgData name="Mansur He" userId="2cd3e99d6a3c3959" providerId="LiveId" clId="{16CB9BD3-0FD0-435F-BA63-C692E6031789}" dt="2017-11-18T05:43:37.317" v="14425"/>
+          <ac:chgData name="Mansur He" userId="2cd3e99d6a3c3959" providerId="LiveId" clId="{16CB9BD3-0FD0-435F-BA63-C692E6031789}" dt="2017-11-18T05:43:37.317" v="14425" actId="14100"/>
           <ac:inkMkLst>
             <pc:docMk/>
             <pc:sldMk cId="3057123245" sldId="272"/>
@@ -5404,7 +5410,7 @@
           </ac:inkMkLst>
         </pc:inkChg>
         <pc:inkChg chg="add del">
-          <ac:chgData name="Mansur He" userId="2cd3e99d6a3c3959" providerId="LiveId" clId="{16CB9BD3-0FD0-435F-BA63-C692E6031789}" dt="2017-11-18T05:43:38.102" v="14428"/>
+          <ac:chgData name="Mansur He" userId="2cd3e99d6a3c3959" providerId="LiveId" clId="{16CB9BD3-0FD0-435F-BA63-C692E6031789}" dt="2017-11-18T05:43:38.102" v="14428" actId="14100"/>
           <ac:inkMkLst>
             <pc:docMk/>
             <pc:sldMk cId="3057123245" sldId="272"/>
@@ -5412,7 +5418,7 @@
           </ac:inkMkLst>
         </pc:inkChg>
         <pc:inkChg chg="add del">
-          <ac:chgData name="Mansur He" userId="2cd3e99d6a3c3959" providerId="LiveId" clId="{16CB9BD3-0FD0-435F-BA63-C692E6031789}" dt="2017-11-18T05:43:38.102" v="14428"/>
+          <ac:chgData name="Mansur He" userId="2cd3e99d6a3c3959" providerId="LiveId" clId="{16CB9BD3-0FD0-435F-BA63-C692E6031789}" dt="2017-11-18T05:43:38.102" v="14428" actId="14100"/>
           <ac:inkMkLst>
             <pc:docMk/>
             <pc:sldMk cId="3057123245" sldId="272"/>
@@ -5420,7 +5426,7 @@
           </ac:inkMkLst>
         </pc:inkChg>
         <pc:inkChg chg="add del">
-          <ac:chgData name="Mansur He" userId="2cd3e99d6a3c3959" providerId="LiveId" clId="{16CB9BD3-0FD0-435F-BA63-C692E6031789}" dt="2017-11-18T05:43:38.102" v="14428"/>
+          <ac:chgData name="Mansur He" userId="2cd3e99d6a3c3959" providerId="LiveId" clId="{16CB9BD3-0FD0-435F-BA63-C692E6031789}" dt="2017-11-18T05:43:38.102" v="14428" actId="14100"/>
           <ac:inkMkLst>
             <pc:docMk/>
             <pc:sldMk cId="3057123245" sldId="272"/>
@@ -5428,7 +5434,7 @@
           </ac:inkMkLst>
         </pc:inkChg>
         <pc:inkChg chg="add del">
-          <ac:chgData name="Mansur He" userId="2cd3e99d6a3c3959" providerId="LiveId" clId="{16CB9BD3-0FD0-435F-BA63-C692E6031789}" dt="2017-11-18T05:43:39.435" v="14430"/>
+          <ac:chgData name="Mansur He" userId="2cd3e99d6a3c3959" providerId="LiveId" clId="{16CB9BD3-0FD0-435F-BA63-C692E6031789}" dt="2017-11-18T05:43:39.435" v="14430" actId="14100"/>
           <ac:inkMkLst>
             <pc:docMk/>
             <pc:sldMk cId="3057123245" sldId="272"/>
@@ -5436,7 +5442,7 @@
           </ac:inkMkLst>
         </pc:inkChg>
         <pc:inkChg chg="add del">
-          <ac:chgData name="Mansur He" userId="2cd3e99d6a3c3959" providerId="LiveId" clId="{16CB9BD3-0FD0-435F-BA63-C692E6031789}" dt="2017-11-18T05:43:39.435" v="14430"/>
+          <ac:chgData name="Mansur He" userId="2cd3e99d6a3c3959" providerId="LiveId" clId="{16CB9BD3-0FD0-435F-BA63-C692E6031789}" dt="2017-11-18T05:43:39.435" v="14430" actId="14100"/>
           <ac:inkMkLst>
             <pc:docMk/>
             <pc:sldMk cId="3057123245" sldId="272"/>
@@ -5444,7 +5450,7 @@
           </ac:inkMkLst>
         </pc:inkChg>
         <pc:inkChg chg="add del">
-          <ac:chgData name="Mansur He" userId="2cd3e99d6a3c3959" providerId="LiveId" clId="{16CB9BD3-0FD0-435F-BA63-C692E6031789}" dt="2017-11-18T05:43:47.342" v="14432"/>
+          <ac:chgData name="Mansur He" userId="2cd3e99d6a3c3959" providerId="LiveId" clId="{16CB9BD3-0FD0-435F-BA63-C692E6031789}" dt="2017-11-18T05:43:47.342" v="14432" actId="14100"/>
           <ac:inkMkLst>
             <pc:docMk/>
             <pc:sldMk cId="3057123245" sldId="272"/>
@@ -5452,7 +5458,7 @@
           </ac:inkMkLst>
         </pc:inkChg>
         <pc:inkChg chg="add del">
-          <ac:chgData name="Mansur He" userId="2cd3e99d6a3c3959" providerId="LiveId" clId="{16CB9BD3-0FD0-435F-BA63-C692E6031789}" dt="2017-11-18T05:43:47.342" v="14432"/>
+          <ac:chgData name="Mansur He" userId="2cd3e99d6a3c3959" providerId="LiveId" clId="{16CB9BD3-0FD0-435F-BA63-C692E6031789}" dt="2017-11-18T05:43:47.342" v="14432" actId="14100"/>
           <ac:inkMkLst>
             <pc:docMk/>
             <pc:sldMk cId="3057123245" sldId="272"/>
@@ -5460,7 +5466,7 @@
           </ac:inkMkLst>
         </pc:inkChg>
         <pc:inkChg chg="add del">
-          <ac:chgData name="Mansur He" userId="2cd3e99d6a3c3959" providerId="LiveId" clId="{16CB9BD3-0FD0-435F-BA63-C692E6031789}" dt="2017-11-18T05:43:53.470" v="14437"/>
+          <ac:chgData name="Mansur He" userId="2cd3e99d6a3c3959" providerId="LiveId" clId="{16CB9BD3-0FD0-435F-BA63-C692E6031789}" dt="2017-11-18T05:43:53.470" v="14437" actId="14100"/>
           <ac:inkMkLst>
             <pc:docMk/>
             <pc:sldMk cId="3057123245" sldId="272"/>
@@ -5468,7 +5474,7 @@
           </ac:inkMkLst>
         </pc:inkChg>
         <pc:inkChg chg="add del">
-          <ac:chgData name="Mansur He" userId="2cd3e99d6a3c3959" providerId="LiveId" clId="{16CB9BD3-0FD0-435F-BA63-C692E6031789}" dt="2017-11-18T05:43:53.470" v="14437"/>
+          <ac:chgData name="Mansur He" userId="2cd3e99d6a3c3959" providerId="LiveId" clId="{16CB9BD3-0FD0-435F-BA63-C692E6031789}" dt="2017-11-18T05:43:53.470" v="14437" actId="14100"/>
           <ac:inkMkLst>
             <pc:docMk/>
             <pc:sldMk cId="3057123245" sldId="272"/>
@@ -5476,7 +5482,7 @@
           </ac:inkMkLst>
         </pc:inkChg>
         <pc:inkChg chg="add del">
-          <ac:chgData name="Mansur He" userId="2cd3e99d6a3c3959" providerId="LiveId" clId="{16CB9BD3-0FD0-435F-BA63-C692E6031789}" dt="2017-11-18T05:43:53.470" v="14437"/>
+          <ac:chgData name="Mansur He" userId="2cd3e99d6a3c3959" providerId="LiveId" clId="{16CB9BD3-0FD0-435F-BA63-C692E6031789}" dt="2017-11-18T05:43:53.470" v="14437" actId="14100"/>
           <ac:inkMkLst>
             <pc:docMk/>
             <pc:sldMk cId="3057123245" sldId="272"/>
@@ -5484,7 +5490,7 @@
           </ac:inkMkLst>
         </pc:inkChg>
         <pc:inkChg chg="add del">
-          <ac:chgData name="Mansur He" userId="2cd3e99d6a3c3959" providerId="LiveId" clId="{16CB9BD3-0FD0-435F-BA63-C692E6031789}" dt="2017-11-18T05:43:53.470" v="14437"/>
+          <ac:chgData name="Mansur He" userId="2cd3e99d6a3c3959" providerId="LiveId" clId="{16CB9BD3-0FD0-435F-BA63-C692E6031789}" dt="2017-11-18T05:43:53.470" v="14437" actId="14100"/>
           <ac:inkMkLst>
             <pc:docMk/>
             <pc:sldMk cId="3057123245" sldId="272"/>
@@ -5492,7 +5498,7 @@
           </ac:inkMkLst>
         </pc:inkChg>
         <pc:inkChg chg="add del">
-          <ac:chgData name="Mansur He" userId="2cd3e99d6a3c3959" providerId="LiveId" clId="{16CB9BD3-0FD0-435F-BA63-C692E6031789}" dt="2017-11-18T05:43:53.470" v="14437"/>
+          <ac:chgData name="Mansur He" userId="2cd3e99d6a3c3959" providerId="LiveId" clId="{16CB9BD3-0FD0-435F-BA63-C692E6031789}" dt="2017-11-18T05:43:53.470" v="14437" actId="14100"/>
           <ac:inkMkLst>
             <pc:docMk/>
             <pc:sldMk cId="3057123245" sldId="272"/>
@@ -5500,7 +5506,7 @@
           </ac:inkMkLst>
         </pc:inkChg>
         <pc:inkChg chg="add del">
-          <ac:chgData name="Mansur He" userId="2cd3e99d6a3c3959" providerId="LiveId" clId="{16CB9BD3-0FD0-435F-BA63-C692E6031789}" dt="2017-11-18T05:43:56.288" v="14439"/>
+          <ac:chgData name="Mansur He" userId="2cd3e99d6a3c3959" providerId="LiveId" clId="{16CB9BD3-0FD0-435F-BA63-C692E6031789}" dt="2017-11-18T05:43:56.288" v="14439" actId="14100"/>
           <ac:inkMkLst>
             <pc:docMk/>
             <pc:sldMk cId="3057123245" sldId="272"/>
@@ -5508,7 +5514,7 @@
           </ac:inkMkLst>
         </pc:inkChg>
         <pc:inkChg chg="add del">
-          <ac:chgData name="Mansur He" userId="2cd3e99d6a3c3959" providerId="LiveId" clId="{16CB9BD3-0FD0-435F-BA63-C692E6031789}" dt="2017-11-18T05:43:56.288" v="14439"/>
+          <ac:chgData name="Mansur He" userId="2cd3e99d6a3c3959" providerId="LiveId" clId="{16CB9BD3-0FD0-435F-BA63-C692E6031789}" dt="2017-11-18T05:43:56.288" v="14439" actId="14100"/>
           <ac:inkMkLst>
             <pc:docMk/>
             <pc:sldMk cId="3057123245" sldId="272"/>
@@ -5516,7 +5522,7 @@
           </ac:inkMkLst>
         </pc:inkChg>
         <pc:inkChg chg="add del">
-          <ac:chgData name="Mansur He" userId="2cd3e99d6a3c3959" providerId="LiveId" clId="{16CB9BD3-0FD0-435F-BA63-C692E6031789}" dt="2017-11-18T05:43:58.924" v="14441"/>
+          <ac:chgData name="Mansur He" userId="2cd3e99d6a3c3959" providerId="LiveId" clId="{16CB9BD3-0FD0-435F-BA63-C692E6031789}" dt="2017-11-18T05:43:58.924" v="14441" actId="14100"/>
           <ac:inkMkLst>
             <pc:docMk/>
             <pc:sldMk cId="3057123245" sldId="272"/>
@@ -5524,7 +5530,7 @@
           </ac:inkMkLst>
         </pc:inkChg>
         <pc:inkChg chg="add del">
-          <ac:chgData name="Mansur He" userId="2cd3e99d6a3c3959" providerId="LiveId" clId="{16CB9BD3-0FD0-435F-BA63-C692E6031789}" dt="2017-11-18T05:43:58.924" v="14441"/>
+          <ac:chgData name="Mansur He" userId="2cd3e99d6a3c3959" providerId="LiveId" clId="{16CB9BD3-0FD0-435F-BA63-C692E6031789}" dt="2017-11-18T05:43:58.924" v="14441" actId="14100"/>
           <ac:inkMkLst>
             <pc:docMk/>
             <pc:sldMk cId="3057123245" sldId="272"/>
@@ -5532,7 +5538,7 @@
           </ac:inkMkLst>
         </pc:inkChg>
         <pc:inkChg chg="add del">
-          <ac:chgData name="Mansur He" userId="2cd3e99d6a3c3959" providerId="LiveId" clId="{16CB9BD3-0FD0-435F-BA63-C692E6031789}" dt="2017-11-18T05:43:59.504" v="14443"/>
+          <ac:chgData name="Mansur He" userId="2cd3e99d6a3c3959" providerId="LiveId" clId="{16CB9BD3-0FD0-435F-BA63-C692E6031789}" dt="2017-11-18T05:43:59.504" v="14443" actId="14100"/>
           <ac:inkMkLst>
             <pc:docMk/>
             <pc:sldMk cId="3057123245" sldId="272"/>
@@ -5540,7 +5546,7 @@
           </ac:inkMkLst>
         </pc:inkChg>
         <pc:inkChg chg="add del">
-          <ac:chgData name="Mansur He" userId="2cd3e99d6a3c3959" providerId="LiveId" clId="{16CB9BD3-0FD0-435F-BA63-C692E6031789}" dt="2017-11-18T05:43:59.504" v="14443"/>
+          <ac:chgData name="Mansur He" userId="2cd3e99d6a3c3959" providerId="LiveId" clId="{16CB9BD3-0FD0-435F-BA63-C692E6031789}" dt="2017-11-18T05:43:59.504" v="14443" actId="14100"/>
           <ac:inkMkLst>
             <pc:docMk/>
             <pc:sldMk cId="3057123245" sldId="272"/>
@@ -5548,7 +5554,7 @@
           </ac:inkMkLst>
         </pc:inkChg>
         <pc:inkChg chg="add del">
-          <ac:chgData name="Mansur He" userId="2cd3e99d6a3c3959" providerId="LiveId" clId="{16CB9BD3-0FD0-435F-BA63-C692E6031789}" dt="2017-11-18T05:44:00.425" v="14445"/>
+          <ac:chgData name="Mansur He" userId="2cd3e99d6a3c3959" providerId="LiveId" clId="{16CB9BD3-0FD0-435F-BA63-C692E6031789}" dt="2017-11-18T05:44:00.425" v="14445" actId="14100"/>
           <ac:inkMkLst>
             <pc:docMk/>
             <pc:sldMk cId="3057123245" sldId="272"/>
@@ -5556,7 +5562,7 @@
           </ac:inkMkLst>
         </pc:inkChg>
         <pc:inkChg chg="add del">
-          <ac:chgData name="Mansur He" userId="2cd3e99d6a3c3959" providerId="LiveId" clId="{16CB9BD3-0FD0-435F-BA63-C692E6031789}" dt="2017-11-18T05:44:00.425" v="14445"/>
+          <ac:chgData name="Mansur He" userId="2cd3e99d6a3c3959" providerId="LiveId" clId="{16CB9BD3-0FD0-435F-BA63-C692E6031789}" dt="2017-11-18T05:44:00.425" v="14445" actId="14100"/>
           <ac:inkMkLst>
             <pc:docMk/>
             <pc:sldMk cId="3057123245" sldId="272"/>
@@ -5564,7 +5570,7 @@
           </ac:inkMkLst>
         </pc:inkChg>
         <pc:inkChg chg="add del">
-          <ac:chgData name="Mansur He" userId="2cd3e99d6a3c3959" providerId="LiveId" clId="{16CB9BD3-0FD0-435F-BA63-C692E6031789}" dt="2017-11-18T05:44:01.441" v="14448"/>
+          <ac:chgData name="Mansur He" userId="2cd3e99d6a3c3959" providerId="LiveId" clId="{16CB9BD3-0FD0-435F-BA63-C692E6031789}" dt="2017-11-18T05:44:01.441" v="14448" actId="14100"/>
           <ac:inkMkLst>
             <pc:docMk/>
             <pc:sldMk cId="3057123245" sldId="272"/>
@@ -5572,7 +5578,7 @@
           </ac:inkMkLst>
         </pc:inkChg>
         <pc:inkChg chg="add del">
-          <ac:chgData name="Mansur He" userId="2cd3e99d6a3c3959" providerId="LiveId" clId="{16CB9BD3-0FD0-435F-BA63-C692E6031789}" dt="2017-11-18T05:44:01.441" v="14448"/>
+          <ac:chgData name="Mansur He" userId="2cd3e99d6a3c3959" providerId="LiveId" clId="{16CB9BD3-0FD0-435F-BA63-C692E6031789}" dt="2017-11-18T05:44:01.441" v="14448" actId="14100"/>
           <ac:inkMkLst>
             <pc:docMk/>
             <pc:sldMk cId="3057123245" sldId="272"/>
@@ -5580,7 +5586,7 @@
           </ac:inkMkLst>
         </pc:inkChg>
         <pc:inkChg chg="add del">
-          <ac:chgData name="Mansur He" userId="2cd3e99d6a3c3959" providerId="LiveId" clId="{16CB9BD3-0FD0-435F-BA63-C692E6031789}" dt="2017-11-18T05:44:01.441" v="14448"/>
+          <ac:chgData name="Mansur He" userId="2cd3e99d6a3c3959" providerId="LiveId" clId="{16CB9BD3-0FD0-435F-BA63-C692E6031789}" dt="2017-11-18T05:44:01.441" v="14448" actId="14100"/>
           <ac:inkMkLst>
             <pc:docMk/>
             <pc:sldMk cId="3057123245" sldId="272"/>
@@ -5588,7 +5594,7 @@
           </ac:inkMkLst>
         </pc:inkChg>
         <pc:inkChg chg="add del">
-          <ac:chgData name="Mansur He" userId="2cd3e99d6a3c3959" providerId="LiveId" clId="{16CB9BD3-0FD0-435F-BA63-C692E6031789}" dt="2017-11-18T05:44:04.074" v="14452"/>
+          <ac:chgData name="Mansur He" userId="2cd3e99d6a3c3959" providerId="LiveId" clId="{16CB9BD3-0FD0-435F-BA63-C692E6031789}" dt="2017-11-18T05:44:04.074" v="14452" actId="14100"/>
           <ac:inkMkLst>
             <pc:docMk/>
             <pc:sldMk cId="3057123245" sldId="272"/>
@@ -5596,7 +5602,7 @@
           </ac:inkMkLst>
         </pc:inkChg>
         <pc:inkChg chg="add del">
-          <ac:chgData name="Mansur He" userId="2cd3e99d6a3c3959" providerId="LiveId" clId="{16CB9BD3-0FD0-435F-BA63-C692E6031789}" dt="2017-11-18T05:44:02.673" v="14450"/>
+          <ac:chgData name="Mansur He" userId="2cd3e99d6a3c3959" providerId="LiveId" clId="{16CB9BD3-0FD0-435F-BA63-C692E6031789}" dt="2017-11-18T05:44:02.673" v="14450" actId="14100"/>
           <ac:inkMkLst>
             <pc:docMk/>
             <pc:sldMk cId="3057123245" sldId="272"/>
@@ -5604,7 +5610,7 @@
           </ac:inkMkLst>
         </pc:inkChg>
         <pc:inkChg chg="add del">
-          <ac:chgData name="Mansur He" userId="2cd3e99d6a3c3959" providerId="LiveId" clId="{16CB9BD3-0FD0-435F-BA63-C692E6031789}" dt="2017-11-18T05:44:04.074" v="14452"/>
+          <ac:chgData name="Mansur He" userId="2cd3e99d6a3c3959" providerId="LiveId" clId="{16CB9BD3-0FD0-435F-BA63-C692E6031789}" dt="2017-11-18T05:44:04.074" v="14452" actId="14100"/>
           <ac:inkMkLst>
             <pc:docMk/>
             <pc:sldMk cId="3057123245" sldId="272"/>
@@ -5612,7 +5618,7 @@
           </ac:inkMkLst>
         </pc:inkChg>
         <pc:inkChg chg="add del">
-          <ac:chgData name="Mansur He" userId="2cd3e99d6a3c3959" providerId="LiveId" clId="{16CB9BD3-0FD0-435F-BA63-C692E6031789}" dt="2017-11-18T05:44:13.437" v="14454"/>
+          <ac:chgData name="Mansur He" userId="2cd3e99d6a3c3959" providerId="LiveId" clId="{16CB9BD3-0FD0-435F-BA63-C692E6031789}" dt="2017-11-18T05:44:13.437" v="14454" actId="14100"/>
           <ac:inkMkLst>
             <pc:docMk/>
             <pc:sldMk cId="3057123245" sldId="272"/>
@@ -5620,7 +5626,7 @@
           </ac:inkMkLst>
         </pc:inkChg>
         <pc:inkChg chg="add del">
-          <ac:chgData name="Mansur He" userId="2cd3e99d6a3c3959" providerId="LiveId" clId="{16CB9BD3-0FD0-435F-BA63-C692E6031789}" dt="2017-11-18T05:44:13.437" v="14454"/>
+          <ac:chgData name="Mansur He" userId="2cd3e99d6a3c3959" providerId="LiveId" clId="{16CB9BD3-0FD0-435F-BA63-C692E6031789}" dt="2017-11-18T05:44:13.437" v="14454" actId="14100"/>
           <ac:inkMkLst>
             <pc:docMk/>
             <pc:sldMk cId="3057123245" sldId="272"/>
@@ -5628,7 +5634,7 @@
           </ac:inkMkLst>
         </pc:inkChg>
         <pc:inkChg chg="add del">
-          <ac:chgData name="Mansur He" userId="2cd3e99d6a3c3959" providerId="LiveId" clId="{16CB9BD3-0FD0-435F-BA63-C692E6031789}" dt="2017-11-18T05:44:14.085" v="14456"/>
+          <ac:chgData name="Mansur He" userId="2cd3e99d6a3c3959" providerId="LiveId" clId="{16CB9BD3-0FD0-435F-BA63-C692E6031789}" dt="2017-11-18T05:44:14.085" v="14456" actId="14100"/>
           <ac:inkMkLst>
             <pc:docMk/>
             <pc:sldMk cId="3057123245" sldId="272"/>
@@ -5636,7 +5642,7 @@
           </ac:inkMkLst>
         </pc:inkChg>
         <pc:inkChg chg="add del">
-          <ac:chgData name="Mansur He" userId="2cd3e99d6a3c3959" providerId="LiveId" clId="{16CB9BD3-0FD0-435F-BA63-C692E6031789}" dt="2017-11-18T05:44:14.085" v="14456"/>
+          <ac:chgData name="Mansur He" userId="2cd3e99d6a3c3959" providerId="LiveId" clId="{16CB9BD3-0FD0-435F-BA63-C692E6031789}" dt="2017-11-18T05:44:14.085" v="14456" actId="14100"/>
           <ac:inkMkLst>
             <pc:docMk/>
             <pc:sldMk cId="3057123245" sldId="272"/>
@@ -5644,7 +5650,7 @@
           </ac:inkMkLst>
         </pc:inkChg>
         <pc:inkChg chg="add del">
-          <ac:chgData name="Mansur He" userId="2cd3e99d6a3c3959" providerId="LiveId" clId="{16CB9BD3-0FD0-435F-BA63-C692E6031789}" dt="2017-11-18T05:44:14.918" v="14458"/>
+          <ac:chgData name="Mansur He" userId="2cd3e99d6a3c3959" providerId="LiveId" clId="{16CB9BD3-0FD0-435F-BA63-C692E6031789}" dt="2017-11-18T05:44:14.918" v="14458" actId="14100"/>
           <ac:inkMkLst>
             <pc:docMk/>
             <pc:sldMk cId="3057123245" sldId="272"/>
@@ -5652,7 +5658,7 @@
           </ac:inkMkLst>
         </pc:inkChg>
         <pc:inkChg chg="add del">
-          <ac:chgData name="Mansur He" userId="2cd3e99d6a3c3959" providerId="LiveId" clId="{16CB9BD3-0FD0-435F-BA63-C692E6031789}" dt="2017-11-18T05:44:14.918" v="14458"/>
+          <ac:chgData name="Mansur He" userId="2cd3e99d6a3c3959" providerId="LiveId" clId="{16CB9BD3-0FD0-435F-BA63-C692E6031789}" dt="2017-11-18T05:44:14.918" v="14458" actId="14100"/>
           <ac:inkMkLst>
             <pc:docMk/>
             <pc:sldMk cId="3057123245" sldId="272"/>
@@ -5660,7 +5666,7 @@
           </ac:inkMkLst>
         </pc:inkChg>
         <pc:inkChg chg="add del">
-          <ac:chgData name="Mansur He" userId="2cd3e99d6a3c3959" providerId="LiveId" clId="{16CB9BD3-0FD0-435F-BA63-C692E6031789}" dt="2017-11-18T05:44:19.745" v="14460"/>
+          <ac:chgData name="Mansur He" userId="2cd3e99d6a3c3959" providerId="LiveId" clId="{16CB9BD3-0FD0-435F-BA63-C692E6031789}" dt="2017-11-18T05:44:19.745" v="14460" actId="14100"/>
           <ac:inkMkLst>
             <pc:docMk/>
             <pc:sldMk cId="3057123245" sldId="272"/>
@@ -5668,7 +5674,7 @@
           </ac:inkMkLst>
         </pc:inkChg>
         <pc:inkChg chg="add del">
-          <ac:chgData name="Mansur He" userId="2cd3e99d6a3c3959" providerId="LiveId" clId="{16CB9BD3-0FD0-435F-BA63-C692E6031789}" dt="2017-11-18T05:44:19.745" v="14460"/>
+          <ac:chgData name="Mansur He" userId="2cd3e99d6a3c3959" providerId="LiveId" clId="{16CB9BD3-0FD0-435F-BA63-C692E6031789}" dt="2017-11-18T05:44:19.745" v="14460" actId="14100"/>
           <ac:inkMkLst>
             <pc:docMk/>
             <pc:sldMk cId="3057123245" sldId="272"/>
@@ -5676,7 +5682,7 @@
           </ac:inkMkLst>
         </pc:inkChg>
         <pc:inkChg chg="add del">
-          <ac:chgData name="Mansur He" userId="2cd3e99d6a3c3959" providerId="LiveId" clId="{16CB9BD3-0FD0-435F-BA63-C692E6031789}" dt="2017-11-18T05:44:20.277" v="14462"/>
+          <ac:chgData name="Mansur He" userId="2cd3e99d6a3c3959" providerId="LiveId" clId="{16CB9BD3-0FD0-435F-BA63-C692E6031789}" dt="2017-11-18T05:44:20.277" v="14462" actId="14100"/>
           <ac:inkMkLst>
             <pc:docMk/>
             <pc:sldMk cId="3057123245" sldId="272"/>
@@ -5684,7 +5690,7 @@
           </ac:inkMkLst>
         </pc:inkChg>
         <pc:inkChg chg="add del">
-          <ac:chgData name="Mansur He" userId="2cd3e99d6a3c3959" providerId="LiveId" clId="{16CB9BD3-0FD0-435F-BA63-C692E6031789}" dt="2017-11-18T05:44:20.277" v="14462"/>
+          <ac:chgData name="Mansur He" userId="2cd3e99d6a3c3959" providerId="LiveId" clId="{16CB9BD3-0FD0-435F-BA63-C692E6031789}" dt="2017-11-18T05:44:20.277" v="14462" actId="14100"/>
           <ac:inkMkLst>
             <pc:docMk/>
             <pc:sldMk cId="3057123245" sldId="272"/>
@@ -5692,7 +5698,7 @@
           </ac:inkMkLst>
         </pc:inkChg>
         <pc:inkChg chg="add del">
-          <ac:chgData name="Mansur He" userId="2cd3e99d6a3c3959" providerId="LiveId" clId="{16CB9BD3-0FD0-435F-BA63-C692E6031789}" dt="2017-11-18T05:44:23.048" v="14464"/>
+          <ac:chgData name="Mansur He" userId="2cd3e99d6a3c3959" providerId="LiveId" clId="{16CB9BD3-0FD0-435F-BA63-C692E6031789}" dt="2017-11-18T05:44:23.048" v="14464" actId="14100"/>
           <ac:inkMkLst>
             <pc:docMk/>
             <pc:sldMk cId="3057123245" sldId="272"/>
@@ -5700,7 +5706,7 @@
           </ac:inkMkLst>
         </pc:inkChg>
         <pc:inkChg chg="add del">
-          <ac:chgData name="Mansur He" userId="2cd3e99d6a3c3959" providerId="LiveId" clId="{16CB9BD3-0FD0-435F-BA63-C692E6031789}" dt="2017-11-18T05:44:23.048" v="14464"/>
+          <ac:chgData name="Mansur He" userId="2cd3e99d6a3c3959" providerId="LiveId" clId="{16CB9BD3-0FD0-435F-BA63-C692E6031789}" dt="2017-11-18T05:44:23.048" v="14464" actId="14100"/>
           <ac:inkMkLst>
             <pc:docMk/>
             <pc:sldMk cId="3057123245" sldId="272"/>
@@ -5708,7 +5714,7 @@
           </ac:inkMkLst>
         </pc:inkChg>
         <pc:inkChg chg="add del">
-          <ac:chgData name="Mansur He" userId="2cd3e99d6a3c3959" providerId="LiveId" clId="{16CB9BD3-0FD0-435F-BA63-C692E6031789}" dt="2017-11-18T05:44:46.769" v="14472"/>
+          <ac:chgData name="Mansur He" userId="2cd3e99d6a3c3959" providerId="LiveId" clId="{16CB9BD3-0FD0-435F-BA63-C692E6031789}" dt="2017-11-18T05:44:46.769" v="14472" actId="14100"/>
           <ac:inkMkLst>
             <pc:docMk/>
             <pc:sldMk cId="3057123245" sldId="272"/>
@@ -5716,7 +5722,7 @@
           </ac:inkMkLst>
         </pc:inkChg>
         <pc:inkChg chg="add del">
-          <ac:chgData name="Mansur He" userId="2cd3e99d6a3c3959" providerId="LiveId" clId="{16CB9BD3-0FD0-435F-BA63-C692E6031789}" dt="2017-11-18T05:44:26.554" v="14466"/>
+          <ac:chgData name="Mansur He" userId="2cd3e99d6a3c3959" providerId="LiveId" clId="{16CB9BD3-0FD0-435F-BA63-C692E6031789}" dt="2017-11-18T05:44:26.554" v="14466" actId="14100"/>
           <ac:inkMkLst>
             <pc:docMk/>
             <pc:sldMk cId="3057123245" sldId="272"/>
@@ -5724,7 +5730,7 @@
           </ac:inkMkLst>
         </pc:inkChg>
         <pc:inkChg chg="add del">
-          <ac:chgData name="Mansur He" userId="2cd3e99d6a3c3959" providerId="LiveId" clId="{16CB9BD3-0FD0-435F-BA63-C692E6031789}" dt="2017-11-18T05:44:29.842" v="14468"/>
+          <ac:chgData name="Mansur He" userId="2cd3e99d6a3c3959" providerId="LiveId" clId="{16CB9BD3-0FD0-435F-BA63-C692E6031789}" dt="2017-11-18T05:44:29.842" v="14468" actId="14100"/>
           <ac:inkMkLst>
             <pc:docMk/>
             <pc:sldMk cId="3057123245" sldId="272"/>
@@ -5732,7 +5738,7 @@
           </ac:inkMkLst>
         </pc:inkChg>
         <pc:inkChg chg="add del">
-          <ac:chgData name="Mansur He" userId="2cd3e99d6a3c3959" providerId="LiveId" clId="{16CB9BD3-0FD0-435F-BA63-C692E6031789}" dt="2017-11-18T05:44:31.197" v="14470"/>
+          <ac:chgData name="Mansur He" userId="2cd3e99d6a3c3959" providerId="LiveId" clId="{16CB9BD3-0FD0-435F-BA63-C692E6031789}" dt="2017-11-18T05:44:31.197" v="14470" actId="14100"/>
           <ac:inkMkLst>
             <pc:docMk/>
             <pc:sldMk cId="3057123245" sldId="272"/>
@@ -5740,7 +5746,7 @@
           </ac:inkMkLst>
         </pc:inkChg>
         <pc:inkChg chg="add del">
-          <ac:chgData name="Mansur He" userId="2cd3e99d6a3c3959" providerId="LiveId" clId="{16CB9BD3-0FD0-435F-BA63-C692E6031789}" dt="2017-11-18T05:44:46.769" v="14472"/>
+          <ac:chgData name="Mansur He" userId="2cd3e99d6a3c3959" providerId="LiveId" clId="{16CB9BD3-0FD0-435F-BA63-C692E6031789}" dt="2017-11-18T05:44:46.769" v="14472" actId="14100"/>
           <ac:inkMkLst>
             <pc:docMk/>
             <pc:sldMk cId="3057123245" sldId="272"/>
@@ -5748,7 +5754,7 @@
           </ac:inkMkLst>
         </pc:inkChg>
         <pc:inkChg chg="add del">
-          <ac:chgData name="Mansur He" userId="2cd3e99d6a3c3959" providerId="LiveId" clId="{16CB9BD3-0FD0-435F-BA63-C692E6031789}" dt="2017-11-18T05:44:47.318" v="14474"/>
+          <ac:chgData name="Mansur He" userId="2cd3e99d6a3c3959" providerId="LiveId" clId="{16CB9BD3-0FD0-435F-BA63-C692E6031789}" dt="2017-11-18T05:44:47.318" v="14474" actId="14100"/>
           <ac:inkMkLst>
             <pc:docMk/>
             <pc:sldMk cId="3057123245" sldId="272"/>
@@ -5756,7 +5762,7 @@
           </ac:inkMkLst>
         </pc:inkChg>
         <pc:inkChg chg="add del">
-          <ac:chgData name="Mansur He" userId="2cd3e99d6a3c3959" providerId="LiveId" clId="{16CB9BD3-0FD0-435F-BA63-C692E6031789}" dt="2017-11-18T05:44:47.318" v="14474"/>
+          <ac:chgData name="Mansur He" userId="2cd3e99d6a3c3959" providerId="LiveId" clId="{16CB9BD3-0FD0-435F-BA63-C692E6031789}" dt="2017-11-18T05:44:47.318" v="14474" actId="14100"/>
           <ac:inkMkLst>
             <pc:docMk/>
             <pc:sldMk cId="3057123245" sldId="272"/>
@@ -5764,7 +5770,7 @@
           </ac:inkMkLst>
         </pc:inkChg>
         <pc:inkChg chg="add del">
-          <ac:chgData name="Mansur He" userId="2cd3e99d6a3c3959" providerId="LiveId" clId="{16CB9BD3-0FD0-435F-BA63-C692E6031789}" dt="2017-11-18T05:44:50.205" v="14476"/>
+          <ac:chgData name="Mansur He" userId="2cd3e99d6a3c3959" providerId="LiveId" clId="{16CB9BD3-0FD0-435F-BA63-C692E6031789}" dt="2017-11-18T05:44:50.205" v="14476" actId="14100"/>
           <ac:inkMkLst>
             <pc:docMk/>
             <pc:sldMk cId="3057123245" sldId="272"/>
@@ -5772,7 +5778,7 @@
           </ac:inkMkLst>
         </pc:inkChg>
         <pc:inkChg chg="add del">
-          <ac:chgData name="Mansur He" userId="2cd3e99d6a3c3959" providerId="LiveId" clId="{16CB9BD3-0FD0-435F-BA63-C692E6031789}" dt="2017-11-18T05:44:50.205" v="14476"/>
+          <ac:chgData name="Mansur He" userId="2cd3e99d6a3c3959" providerId="LiveId" clId="{16CB9BD3-0FD0-435F-BA63-C692E6031789}" dt="2017-11-18T05:44:50.205" v="14476" actId="14100"/>
           <ac:inkMkLst>
             <pc:docMk/>
             <pc:sldMk cId="3057123245" sldId="272"/>
@@ -5780,7 +5786,7 @@
           </ac:inkMkLst>
         </pc:inkChg>
         <pc:inkChg chg="add del">
-          <ac:chgData name="Mansur He" userId="2cd3e99d6a3c3959" providerId="LiveId" clId="{16CB9BD3-0FD0-435F-BA63-C692E6031789}" dt="2017-11-18T05:44:57.410" v="14478"/>
+          <ac:chgData name="Mansur He" userId="2cd3e99d6a3c3959" providerId="LiveId" clId="{16CB9BD3-0FD0-435F-BA63-C692E6031789}" dt="2017-11-18T05:44:57.410" v="14478" actId="14100"/>
           <ac:inkMkLst>
             <pc:docMk/>
             <pc:sldMk cId="3057123245" sldId="272"/>
@@ -5788,7 +5794,7 @@
           </ac:inkMkLst>
         </pc:inkChg>
         <pc:inkChg chg="add del">
-          <ac:chgData name="Mansur He" userId="2cd3e99d6a3c3959" providerId="LiveId" clId="{16CB9BD3-0FD0-435F-BA63-C692E6031789}" dt="2017-11-18T05:44:57.410" v="14478"/>
+          <ac:chgData name="Mansur He" userId="2cd3e99d6a3c3959" providerId="LiveId" clId="{16CB9BD3-0FD0-435F-BA63-C692E6031789}" dt="2017-11-18T05:44:57.410" v="14478" actId="14100"/>
           <ac:inkMkLst>
             <pc:docMk/>
             <pc:sldMk cId="3057123245" sldId="272"/>
@@ -5796,7 +5802,7 @@
           </ac:inkMkLst>
         </pc:inkChg>
         <pc:inkChg chg="add del">
-          <ac:chgData name="Mansur He" userId="2cd3e99d6a3c3959" providerId="LiveId" clId="{16CB9BD3-0FD0-435F-BA63-C692E6031789}" dt="2017-11-18T05:44:58.474" v="14480"/>
+          <ac:chgData name="Mansur He" userId="2cd3e99d6a3c3959" providerId="LiveId" clId="{16CB9BD3-0FD0-435F-BA63-C692E6031789}" dt="2017-11-18T05:44:58.474" v="14480" actId="14100"/>
           <ac:inkMkLst>
             <pc:docMk/>
             <pc:sldMk cId="3057123245" sldId="272"/>
@@ -5804,7 +5810,7 @@
           </ac:inkMkLst>
         </pc:inkChg>
         <pc:inkChg chg="add del">
-          <ac:chgData name="Mansur He" userId="2cd3e99d6a3c3959" providerId="LiveId" clId="{16CB9BD3-0FD0-435F-BA63-C692E6031789}" dt="2017-11-18T05:44:58.474" v="14480"/>
+          <ac:chgData name="Mansur He" userId="2cd3e99d6a3c3959" providerId="LiveId" clId="{16CB9BD3-0FD0-435F-BA63-C692E6031789}" dt="2017-11-18T05:44:58.474" v="14480" actId="14100"/>
           <ac:inkMkLst>
             <pc:docMk/>
             <pc:sldMk cId="3057123245" sldId="272"/>
@@ -5812,7 +5818,7 @@
           </ac:inkMkLst>
         </pc:inkChg>
         <pc:inkChg chg="add del">
-          <ac:chgData name="Mansur He" userId="2cd3e99d6a3c3959" providerId="LiveId" clId="{16CB9BD3-0FD0-435F-BA63-C692E6031789}" dt="2017-11-18T05:45:15.907" v="14485"/>
+          <ac:chgData name="Mansur He" userId="2cd3e99d6a3c3959" providerId="LiveId" clId="{16CB9BD3-0FD0-435F-BA63-C692E6031789}" dt="2017-11-18T05:45:15.907" v="14485" actId="14100"/>
           <ac:inkMkLst>
             <pc:docMk/>
             <pc:sldMk cId="3057123245" sldId="272"/>
@@ -5820,7 +5826,7 @@
           </ac:inkMkLst>
         </pc:inkChg>
         <pc:inkChg chg="add del">
-          <ac:chgData name="Mansur He" userId="2cd3e99d6a3c3959" providerId="LiveId" clId="{16CB9BD3-0FD0-435F-BA63-C692E6031789}" dt="2017-11-18T05:45:13.603" v="14482"/>
+          <ac:chgData name="Mansur He" userId="2cd3e99d6a3c3959" providerId="LiveId" clId="{16CB9BD3-0FD0-435F-BA63-C692E6031789}" dt="2017-11-18T05:45:13.603" v="14482" actId="14100"/>
           <ac:inkMkLst>
             <pc:docMk/>
             <pc:sldMk cId="3057123245" sldId="272"/>
@@ -5828,7 +5834,7 @@
           </ac:inkMkLst>
         </pc:inkChg>
         <pc:inkChg chg="add del">
-          <ac:chgData name="Mansur He" userId="2cd3e99d6a3c3959" providerId="LiveId" clId="{16CB9BD3-0FD0-435F-BA63-C692E6031789}" dt="2017-11-18T05:45:15.907" v="14485"/>
+          <ac:chgData name="Mansur He" userId="2cd3e99d6a3c3959" providerId="LiveId" clId="{16CB9BD3-0FD0-435F-BA63-C692E6031789}" dt="2017-11-18T05:45:15.907" v="14485" actId="14100"/>
           <ac:inkMkLst>
             <pc:docMk/>
             <pc:sldMk cId="3057123245" sldId="272"/>
@@ -5836,7 +5842,7 @@
           </ac:inkMkLst>
         </pc:inkChg>
         <pc:inkChg chg="add del">
-          <ac:chgData name="Mansur He" userId="2cd3e99d6a3c3959" providerId="LiveId" clId="{16CB9BD3-0FD0-435F-BA63-C692E6031789}" dt="2017-11-18T05:45:15.907" v="14485"/>
+          <ac:chgData name="Mansur He" userId="2cd3e99d6a3c3959" providerId="LiveId" clId="{16CB9BD3-0FD0-435F-BA63-C692E6031789}" dt="2017-11-18T05:45:15.907" v="14485" actId="14100"/>
           <ac:inkMkLst>
             <pc:docMk/>
             <pc:sldMk cId="3057123245" sldId="272"/>
@@ -5844,7 +5850,7 @@
           </ac:inkMkLst>
         </pc:inkChg>
         <pc:inkChg chg="add del">
-          <ac:chgData name="Mansur He" userId="2cd3e99d6a3c3959" providerId="LiveId" clId="{16CB9BD3-0FD0-435F-BA63-C692E6031789}" dt="2017-11-18T05:46:17.990" v="14517"/>
+          <ac:chgData name="Mansur He" userId="2cd3e99d6a3c3959" providerId="LiveId" clId="{16CB9BD3-0FD0-435F-BA63-C692E6031789}" dt="2017-11-18T05:46:17.990" v="14517" actId="14100"/>
           <ac:inkMkLst>
             <pc:docMk/>
             <pc:sldMk cId="3057123245" sldId="272"/>
@@ -5852,7 +5858,7 @@
           </ac:inkMkLst>
         </pc:inkChg>
         <pc:inkChg chg="add del">
-          <ac:chgData name="Mansur He" userId="2cd3e99d6a3c3959" providerId="LiveId" clId="{16CB9BD3-0FD0-435F-BA63-C692E6031789}" dt="2017-11-18T05:45:23.716" v="14488"/>
+          <ac:chgData name="Mansur He" userId="2cd3e99d6a3c3959" providerId="LiveId" clId="{16CB9BD3-0FD0-435F-BA63-C692E6031789}" dt="2017-11-18T05:45:23.716" v="14488" actId="14100"/>
           <ac:inkMkLst>
             <pc:docMk/>
             <pc:sldMk cId="3057123245" sldId="272"/>
@@ -5860,7 +5866,7 @@
           </ac:inkMkLst>
         </pc:inkChg>
         <pc:inkChg chg="add del">
-          <ac:chgData name="Mansur He" userId="2cd3e99d6a3c3959" providerId="LiveId" clId="{16CB9BD3-0FD0-435F-BA63-C692E6031789}" dt="2017-11-18T05:45:23.716" v="14488"/>
+          <ac:chgData name="Mansur He" userId="2cd3e99d6a3c3959" providerId="LiveId" clId="{16CB9BD3-0FD0-435F-BA63-C692E6031789}" dt="2017-11-18T05:45:23.716" v="14488" actId="14100"/>
           <ac:inkMkLst>
             <pc:docMk/>
             <pc:sldMk cId="3057123245" sldId="272"/>
@@ -5868,7 +5874,7 @@
           </ac:inkMkLst>
         </pc:inkChg>
         <pc:inkChg chg="add del">
-          <ac:chgData name="Mansur He" userId="2cd3e99d6a3c3959" providerId="LiveId" clId="{16CB9BD3-0FD0-435F-BA63-C692E6031789}" dt="2017-11-18T05:45:45.575" v="14495"/>
+          <ac:chgData name="Mansur He" userId="2cd3e99d6a3c3959" providerId="LiveId" clId="{16CB9BD3-0FD0-435F-BA63-C692E6031789}" dt="2017-11-18T05:45:45.575" v="14495" actId="14100"/>
           <ac:inkMkLst>
             <pc:docMk/>
             <pc:sldMk cId="3057123245" sldId="272"/>
@@ -5876,7 +5882,7 @@
           </ac:inkMkLst>
         </pc:inkChg>
         <pc:inkChg chg="add del">
-          <ac:chgData name="Mansur He" userId="2cd3e99d6a3c3959" providerId="LiveId" clId="{16CB9BD3-0FD0-435F-BA63-C692E6031789}" dt="2017-11-18T05:45:39.909" v="14491"/>
+          <ac:chgData name="Mansur He" userId="2cd3e99d6a3c3959" providerId="LiveId" clId="{16CB9BD3-0FD0-435F-BA63-C692E6031789}" dt="2017-11-18T05:45:39.909" v="14491" actId="14100"/>
           <ac:inkMkLst>
             <pc:docMk/>
             <pc:sldMk cId="3057123245" sldId="272"/>
@@ -5884,7 +5890,7 @@
           </ac:inkMkLst>
         </pc:inkChg>
         <pc:inkChg chg="add del">
-          <ac:chgData name="Mansur He" userId="2cd3e99d6a3c3959" providerId="LiveId" clId="{16CB9BD3-0FD0-435F-BA63-C692E6031789}" dt="2017-11-18T05:45:39.910" v="14492"/>
+          <ac:chgData name="Mansur He" userId="2cd3e99d6a3c3959" providerId="LiveId" clId="{16CB9BD3-0FD0-435F-BA63-C692E6031789}" dt="2017-11-18T05:45:39.910" v="14492" actId="14100"/>
           <ac:inkMkLst>
             <pc:docMk/>
             <pc:sldMk cId="3057123245" sldId="272"/>
@@ -5892,7 +5898,7 @@
           </ac:inkMkLst>
         </pc:inkChg>
         <pc:inkChg chg="add del">
-          <ac:chgData name="Mansur He" userId="2cd3e99d6a3c3959" providerId="LiveId" clId="{16CB9BD3-0FD0-435F-BA63-C692E6031789}" dt="2017-11-18T05:45:45.575" v="14495"/>
+          <ac:chgData name="Mansur He" userId="2cd3e99d6a3c3959" providerId="LiveId" clId="{16CB9BD3-0FD0-435F-BA63-C692E6031789}" dt="2017-11-18T05:45:45.575" v="14495" actId="14100"/>
           <ac:inkMkLst>
             <pc:docMk/>
             <pc:sldMk cId="3057123245" sldId="272"/>
@@ -5900,7 +5906,7 @@
           </ac:inkMkLst>
         </pc:inkChg>
         <pc:inkChg chg="add del">
-          <ac:chgData name="Mansur He" userId="2cd3e99d6a3c3959" providerId="LiveId" clId="{16CB9BD3-0FD0-435F-BA63-C692E6031789}" dt="2017-11-18T05:45:45.575" v="14495"/>
+          <ac:chgData name="Mansur He" userId="2cd3e99d6a3c3959" providerId="LiveId" clId="{16CB9BD3-0FD0-435F-BA63-C692E6031789}" dt="2017-11-18T05:45:45.575" v="14495" actId="14100"/>
           <ac:inkMkLst>
             <pc:docMk/>
             <pc:sldMk cId="3057123245" sldId="272"/>
@@ -5908,7 +5914,7 @@
           </ac:inkMkLst>
         </pc:inkChg>
         <pc:inkChg chg="add del">
-          <ac:chgData name="Mansur He" userId="2cd3e99d6a3c3959" providerId="LiveId" clId="{16CB9BD3-0FD0-435F-BA63-C692E6031789}" dt="2017-11-18T05:45:48.093" v="14497"/>
+          <ac:chgData name="Mansur He" userId="2cd3e99d6a3c3959" providerId="LiveId" clId="{16CB9BD3-0FD0-435F-BA63-C692E6031789}" dt="2017-11-18T05:45:48.093" v="14497" actId="14100"/>
           <ac:inkMkLst>
             <pc:docMk/>
             <pc:sldMk cId="3057123245" sldId="272"/>
@@ -5916,7 +5922,7 @@
           </ac:inkMkLst>
         </pc:inkChg>
         <pc:inkChg chg="add del">
-          <ac:chgData name="Mansur He" userId="2cd3e99d6a3c3959" providerId="LiveId" clId="{16CB9BD3-0FD0-435F-BA63-C692E6031789}" dt="2017-11-18T05:45:48.093" v="14497"/>
+          <ac:chgData name="Mansur He" userId="2cd3e99d6a3c3959" providerId="LiveId" clId="{16CB9BD3-0FD0-435F-BA63-C692E6031789}" dt="2017-11-18T05:45:48.093" v="14497" actId="14100"/>
           <ac:inkMkLst>
             <pc:docMk/>
             <pc:sldMk cId="3057123245" sldId="272"/>
@@ -5924,7 +5930,7 @@
           </ac:inkMkLst>
         </pc:inkChg>
         <pc:inkChg chg="add del">
-          <ac:chgData name="Mansur He" userId="2cd3e99d6a3c3959" providerId="LiveId" clId="{16CB9BD3-0FD0-435F-BA63-C692E6031789}" dt="2017-11-18T05:45:59.827" v="14504"/>
+          <ac:chgData name="Mansur He" userId="2cd3e99d6a3c3959" providerId="LiveId" clId="{16CB9BD3-0FD0-435F-BA63-C692E6031789}" dt="2017-11-18T05:45:59.827" v="14504" actId="14100"/>
           <ac:inkMkLst>
             <pc:docMk/>
             <pc:sldMk cId="3057123245" sldId="272"/>
@@ -5932,7 +5938,7 @@
           </ac:inkMkLst>
         </pc:inkChg>
         <pc:inkChg chg="add del">
-          <ac:chgData name="Mansur He" userId="2cd3e99d6a3c3959" providerId="LiveId" clId="{16CB9BD3-0FD0-435F-BA63-C692E6031789}" dt="2017-11-18T05:45:59.827" v="14504"/>
+          <ac:chgData name="Mansur He" userId="2cd3e99d6a3c3959" providerId="LiveId" clId="{16CB9BD3-0FD0-435F-BA63-C692E6031789}" dt="2017-11-18T05:45:59.827" v="14504" actId="14100"/>
           <ac:inkMkLst>
             <pc:docMk/>
             <pc:sldMk cId="3057123245" sldId="272"/>
@@ -5940,7 +5946,7 @@
           </ac:inkMkLst>
         </pc:inkChg>
         <pc:inkChg chg="add del">
-          <ac:chgData name="Mansur He" userId="2cd3e99d6a3c3959" providerId="LiveId" clId="{16CB9BD3-0FD0-435F-BA63-C692E6031789}" dt="2017-11-18T05:45:53.322" v="14500"/>
+          <ac:chgData name="Mansur He" userId="2cd3e99d6a3c3959" providerId="LiveId" clId="{16CB9BD3-0FD0-435F-BA63-C692E6031789}" dt="2017-11-18T05:45:53.322" v="14500" actId="14100"/>
           <ac:inkMkLst>
             <pc:docMk/>
             <pc:sldMk cId="3057123245" sldId="272"/>
@@ -5948,7 +5954,7 @@
           </ac:inkMkLst>
         </pc:inkChg>
         <pc:inkChg chg="add del">
-          <ac:chgData name="Mansur He" userId="2cd3e99d6a3c3959" providerId="LiveId" clId="{16CB9BD3-0FD0-435F-BA63-C692E6031789}" dt="2017-11-18T05:45:54.679" v="14502"/>
+          <ac:chgData name="Mansur He" userId="2cd3e99d6a3c3959" providerId="LiveId" clId="{16CB9BD3-0FD0-435F-BA63-C692E6031789}" dt="2017-11-18T05:45:54.679" v="14502" actId="14100"/>
           <ac:inkMkLst>
             <pc:docMk/>
             <pc:sldMk cId="3057123245" sldId="272"/>
@@ -5956,7 +5962,7 @@
           </ac:inkMkLst>
         </pc:inkChg>
         <pc:inkChg chg="add del">
-          <ac:chgData name="Mansur He" userId="2cd3e99d6a3c3959" providerId="LiveId" clId="{16CB9BD3-0FD0-435F-BA63-C692E6031789}" dt="2017-11-18T05:45:59.827" v="14504"/>
+          <ac:chgData name="Mansur He" userId="2cd3e99d6a3c3959" providerId="LiveId" clId="{16CB9BD3-0FD0-435F-BA63-C692E6031789}" dt="2017-11-18T05:45:59.827" v="14504" actId="14100"/>
           <ac:inkMkLst>
             <pc:docMk/>
             <pc:sldMk cId="3057123245" sldId="272"/>
@@ -5964,7 +5970,7 @@
           </ac:inkMkLst>
         </pc:inkChg>
         <pc:inkChg chg="add del">
-          <ac:chgData name="Mansur He" userId="2cd3e99d6a3c3959" providerId="LiveId" clId="{16CB9BD3-0FD0-435F-BA63-C692E6031789}" dt="2017-11-18T05:46:01.365" v="14506"/>
+          <ac:chgData name="Mansur He" userId="2cd3e99d6a3c3959" providerId="LiveId" clId="{16CB9BD3-0FD0-435F-BA63-C692E6031789}" dt="2017-11-18T05:46:01.365" v="14506" actId="14100"/>
           <ac:inkMkLst>
             <pc:docMk/>
             <pc:sldMk cId="3057123245" sldId="272"/>
@@ -5972,7 +5978,7 @@
           </ac:inkMkLst>
         </pc:inkChg>
         <pc:inkChg chg="add del">
-          <ac:chgData name="Mansur He" userId="2cd3e99d6a3c3959" providerId="LiveId" clId="{16CB9BD3-0FD0-435F-BA63-C692E6031789}" dt="2017-11-18T05:46:01.365" v="14506"/>
+          <ac:chgData name="Mansur He" userId="2cd3e99d6a3c3959" providerId="LiveId" clId="{16CB9BD3-0FD0-435F-BA63-C692E6031789}" dt="2017-11-18T05:46:01.365" v="14506" actId="14100"/>
           <ac:inkMkLst>
             <pc:docMk/>
             <pc:sldMk cId="3057123245" sldId="272"/>
@@ -5980,7 +5986,7 @@
           </ac:inkMkLst>
         </pc:inkChg>
         <pc:inkChg chg="add del">
-          <ac:chgData name="Mansur He" userId="2cd3e99d6a3c3959" providerId="LiveId" clId="{16CB9BD3-0FD0-435F-BA63-C692E6031789}" dt="2017-11-18T05:46:07.093" v="14508"/>
+          <ac:chgData name="Mansur He" userId="2cd3e99d6a3c3959" providerId="LiveId" clId="{16CB9BD3-0FD0-435F-BA63-C692E6031789}" dt="2017-11-18T05:46:07.093" v="14508" actId="14100"/>
           <ac:inkMkLst>
             <pc:docMk/>
             <pc:sldMk cId="3057123245" sldId="272"/>
@@ -5988,7 +5994,7 @@
           </ac:inkMkLst>
         </pc:inkChg>
         <pc:inkChg chg="add del">
-          <ac:chgData name="Mansur He" userId="2cd3e99d6a3c3959" providerId="LiveId" clId="{16CB9BD3-0FD0-435F-BA63-C692E6031789}" dt="2017-11-18T05:46:07.093" v="14508"/>
+          <ac:chgData name="Mansur He" userId="2cd3e99d6a3c3959" providerId="LiveId" clId="{16CB9BD3-0FD0-435F-BA63-C692E6031789}" dt="2017-11-18T05:46:07.093" v="14508" actId="14100"/>
           <ac:inkMkLst>
             <pc:docMk/>
             <pc:sldMk cId="3057123245" sldId="272"/>
@@ -5996,7 +6002,7 @@
           </ac:inkMkLst>
         </pc:inkChg>
         <pc:inkChg chg="add del">
-          <ac:chgData name="Mansur He" userId="2cd3e99d6a3c3959" providerId="LiveId" clId="{16CB9BD3-0FD0-435F-BA63-C692E6031789}" dt="2017-11-18T05:46:08.725" v="14510"/>
+          <ac:chgData name="Mansur He" userId="2cd3e99d6a3c3959" providerId="LiveId" clId="{16CB9BD3-0FD0-435F-BA63-C692E6031789}" dt="2017-11-18T05:46:08.725" v="14510" actId="14100"/>
           <ac:inkMkLst>
             <pc:docMk/>
             <pc:sldMk cId="3057123245" sldId="272"/>
@@ -6004,7 +6010,7 @@
           </ac:inkMkLst>
         </pc:inkChg>
         <pc:inkChg chg="add del">
-          <ac:chgData name="Mansur He" userId="2cd3e99d6a3c3959" providerId="LiveId" clId="{16CB9BD3-0FD0-435F-BA63-C692E6031789}" dt="2017-11-18T05:46:08.725" v="14510"/>
+          <ac:chgData name="Mansur He" userId="2cd3e99d6a3c3959" providerId="LiveId" clId="{16CB9BD3-0FD0-435F-BA63-C692E6031789}" dt="2017-11-18T05:46:08.725" v="14510" actId="14100"/>
           <ac:inkMkLst>
             <pc:docMk/>
             <pc:sldMk cId="3057123245" sldId="272"/>
@@ -6012,7 +6018,7 @@
           </ac:inkMkLst>
         </pc:inkChg>
         <pc:inkChg chg="add del">
-          <ac:chgData name="Mansur He" userId="2cd3e99d6a3c3959" providerId="LiveId" clId="{16CB9BD3-0FD0-435F-BA63-C692E6031789}" dt="2017-11-18T05:46:13.785" v="14513"/>
+          <ac:chgData name="Mansur He" userId="2cd3e99d6a3c3959" providerId="LiveId" clId="{16CB9BD3-0FD0-435F-BA63-C692E6031789}" dt="2017-11-18T05:46:13.785" v="14513" actId="14100"/>
           <ac:inkMkLst>
             <pc:docMk/>
             <pc:sldMk cId="3057123245" sldId="272"/>
@@ -6020,7 +6026,7 @@
           </ac:inkMkLst>
         </pc:inkChg>
         <pc:inkChg chg="add del">
-          <ac:chgData name="Mansur He" userId="2cd3e99d6a3c3959" providerId="LiveId" clId="{16CB9BD3-0FD0-435F-BA63-C692E6031789}" dt="2017-11-18T05:46:13.785" v="14513"/>
+          <ac:chgData name="Mansur He" userId="2cd3e99d6a3c3959" providerId="LiveId" clId="{16CB9BD3-0FD0-435F-BA63-C692E6031789}" dt="2017-11-18T05:46:13.785" v="14513" actId="14100"/>
           <ac:inkMkLst>
             <pc:docMk/>
             <pc:sldMk cId="3057123245" sldId="272"/>
@@ -6028,7 +6034,7 @@
           </ac:inkMkLst>
         </pc:inkChg>
         <pc:inkChg chg="add del">
-          <ac:chgData name="Mansur He" userId="2cd3e99d6a3c3959" providerId="LiveId" clId="{16CB9BD3-0FD0-435F-BA63-C692E6031789}" dt="2017-11-18T05:46:13.785" v="14513"/>
+          <ac:chgData name="Mansur He" userId="2cd3e99d6a3c3959" providerId="LiveId" clId="{16CB9BD3-0FD0-435F-BA63-C692E6031789}" dt="2017-11-18T05:46:13.785" v="14513" actId="14100"/>
           <ac:inkMkLst>
             <pc:docMk/>
             <pc:sldMk cId="3057123245" sldId="272"/>
@@ -6036,7 +6042,7 @@
           </ac:inkMkLst>
         </pc:inkChg>
         <pc:inkChg chg="add del">
-          <ac:chgData name="Mansur He" userId="2cd3e99d6a3c3959" providerId="LiveId" clId="{16CB9BD3-0FD0-435F-BA63-C692E6031789}" dt="2017-11-18T05:46:14.365" v="14515"/>
+          <ac:chgData name="Mansur He" userId="2cd3e99d6a3c3959" providerId="LiveId" clId="{16CB9BD3-0FD0-435F-BA63-C692E6031789}" dt="2017-11-18T05:46:14.365" v="14515" actId="14100"/>
           <ac:inkMkLst>
             <pc:docMk/>
             <pc:sldMk cId="3057123245" sldId="272"/>
@@ -6044,7 +6050,7 @@
           </ac:inkMkLst>
         </pc:inkChg>
         <pc:inkChg chg="add del">
-          <ac:chgData name="Mansur He" userId="2cd3e99d6a3c3959" providerId="LiveId" clId="{16CB9BD3-0FD0-435F-BA63-C692E6031789}" dt="2017-11-18T05:46:14.365" v="14515"/>
+          <ac:chgData name="Mansur He" userId="2cd3e99d6a3c3959" providerId="LiveId" clId="{16CB9BD3-0FD0-435F-BA63-C692E6031789}" dt="2017-11-18T05:46:14.365" v="14515" actId="14100"/>
           <ac:inkMkLst>
             <pc:docMk/>
             <pc:sldMk cId="3057123245" sldId="272"/>
@@ -6052,7 +6058,7 @@
           </ac:inkMkLst>
         </pc:inkChg>
         <pc:inkChg chg="add">
-          <ac:chgData name="Mansur He" userId="2cd3e99d6a3c3959" providerId="LiveId" clId="{16CB9BD3-0FD0-435F-BA63-C692E6031789}" dt="2017-11-18T05:46:14.365" v="14515"/>
+          <ac:chgData name="Mansur He" userId="2cd3e99d6a3c3959" providerId="LiveId" clId="{16CB9BD3-0FD0-435F-BA63-C692E6031789}" dt="2017-11-18T05:46:14.365" v="14515" actId="14100"/>
           <ac:inkMkLst>
             <pc:docMk/>
             <pc:sldMk cId="3057123245" sldId="272"/>
@@ -6060,7 +6066,7 @@
           </ac:inkMkLst>
         </pc:inkChg>
         <pc:inkChg chg="add del">
-          <ac:chgData name="Mansur He" userId="2cd3e99d6a3c3959" providerId="LiveId" clId="{16CB9BD3-0FD0-435F-BA63-C692E6031789}" dt="2017-11-18T05:46:17.990" v="14517"/>
+          <ac:chgData name="Mansur He" userId="2cd3e99d6a3c3959" providerId="LiveId" clId="{16CB9BD3-0FD0-435F-BA63-C692E6031789}" dt="2017-11-18T05:46:17.990" v="14517" actId="14100"/>
           <ac:inkMkLst>
             <pc:docMk/>
             <pc:sldMk cId="3057123245" sldId="272"/>
@@ -6068,7 +6074,7 @@
           </ac:inkMkLst>
         </pc:inkChg>
         <pc:inkChg chg="add">
-          <ac:chgData name="Mansur He" userId="2cd3e99d6a3c3959" providerId="LiveId" clId="{16CB9BD3-0FD0-435F-BA63-C692E6031789}" dt="2017-11-18T05:46:17.990" v="14517"/>
+          <ac:chgData name="Mansur He" userId="2cd3e99d6a3c3959" providerId="LiveId" clId="{16CB9BD3-0FD0-435F-BA63-C692E6031789}" dt="2017-11-18T05:46:17.990" v="14517" actId="14100"/>
           <ac:inkMkLst>
             <pc:docMk/>
             <pc:sldMk cId="3057123245" sldId="272"/>
@@ -6170,6 +6176,14 @@
             <ac:spMk id="17" creationId="{83D2A8E5-9962-4F06-A493-F2F97A694C78}"/>
           </ac:spMkLst>
         </pc:spChg>
+        <pc:spChg chg="add mod">
+          <ac:chgData name="Mansur He" userId="2cd3e99d6a3c3959" providerId="LiveId" clId="{16CB9BD3-0FD0-435F-BA63-C692E6031789}" dt="2017-11-18T02:12:39.715" v="9315" actId="1076"/>
+          <ac:spMkLst>
+            <pc:docMk/>
+            <pc:sldMk cId="524861586" sldId="273"/>
+            <ac:spMk id="18" creationId="{6BD9C976-C53E-44E6-A442-FA9ABD387F64}"/>
+          </ac:spMkLst>
+        </pc:spChg>
         <pc:spChg chg="add del mod">
           <ac:chgData name="Mansur He" userId="2cd3e99d6a3c3959" providerId="LiveId" clId="{16CB9BD3-0FD0-435F-BA63-C692E6031789}" dt="2017-11-18T01:23:35.935" v="7976" actId="478"/>
           <ac:spMkLst>
@@ -6178,12 +6192,20 @@
             <ac:spMk id="18" creationId="{847B8112-F198-4753-AB29-76AA574ADE9F}"/>
           </ac:spMkLst>
         </pc:spChg>
-        <pc:spChg chg="add mod">
-          <ac:chgData name="Mansur He" userId="2cd3e99d6a3c3959" providerId="LiveId" clId="{16CB9BD3-0FD0-435F-BA63-C692E6031789}" dt="2017-11-18T02:12:39.715" v="9315" actId="1076"/>
+        <pc:spChg chg="add del mod">
+          <ac:chgData name="Mansur He" userId="2cd3e99d6a3c3959" providerId="LiveId" clId="{16CB9BD3-0FD0-435F-BA63-C692E6031789}" dt="2017-11-18T02:21:59.284" v="9467" actId="478"/>
           <ac:spMkLst>
             <pc:docMk/>
             <pc:sldMk cId="524861586" sldId="273"/>
-            <ac:spMk id="18" creationId="{6BD9C976-C53E-44E6-A442-FA9ABD387F64}"/>
+            <ac:spMk id="19" creationId="{C5AF34C8-5B93-45AB-861D-724C84050F72}"/>
+          </ac:spMkLst>
+        </pc:spChg>
+        <pc:spChg chg="add del mod">
+          <ac:chgData name="Mansur He" userId="2cd3e99d6a3c3959" providerId="LiveId" clId="{16CB9BD3-0FD0-435F-BA63-C692E6031789}" dt="2017-11-18T01:23:46.571" v="7980" actId="478"/>
+          <ac:spMkLst>
+            <pc:docMk/>
+            <pc:sldMk cId="524861586" sldId="273"/>
+            <ac:spMk id="19" creationId="{7569D26F-8DA7-448B-BBF7-516D2D76024A}"/>
           </ac:spMkLst>
         </pc:spChg>
         <pc:spChg chg="add mod">
@@ -6194,22 +6216,6 @@
             <ac:spMk id="19" creationId="{896CA5B0-419B-4DDC-A952-975678319FC1}"/>
           </ac:spMkLst>
         </pc:spChg>
-        <pc:spChg chg="add del mod">
-          <ac:chgData name="Mansur He" userId="2cd3e99d6a3c3959" providerId="LiveId" clId="{16CB9BD3-0FD0-435F-BA63-C692E6031789}" dt="2017-11-18T02:21:59.284" v="9467" actId="478"/>
-          <ac:spMkLst>
-            <pc:docMk/>
-            <pc:sldMk cId="524861586" sldId="273"/>
-            <ac:spMk id="19" creationId="{C5AF34C8-5B93-45AB-861D-724C84050F72}"/>
-          </ac:spMkLst>
-        </pc:spChg>
-        <pc:spChg chg="add del mod">
-          <ac:chgData name="Mansur He" userId="2cd3e99d6a3c3959" providerId="LiveId" clId="{16CB9BD3-0FD0-435F-BA63-C692E6031789}" dt="2017-11-18T01:23:46.571" v="7980" actId="478"/>
-          <ac:spMkLst>
-            <pc:docMk/>
-            <pc:sldMk cId="524861586" sldId="273"/>
-            <ac:spMk id="19" creationId="{7569D26F-8DA7-448B-BBF7-516D2D76024A}"/>
-          </ac:spMkLst>
-        </pc:spChg>
         <pc:spChg chg="add mod">
           <ac:chgData name="Mansur He" userId="2cd3e99d6a3c3959" providerId="LiveId" clId="{16CB9BD3-0FD0-435F-BA63-C692E6031789}" dt="2017-11-18T01:45:29.788" v="8191" actId="164"/>
           <ac:spMkLst>
@@ -6227,6 +6233,14 @@
           </ac:spMkLst>
         </pc:spChg>
         <pc:spChg chg="add del mod">
+          <ac:chgData name="Mansur He" userId="2cd3e99d6a3c3959" providerId="LiveId" clId="{16CB9BD3-0FD0-435F-BA63-C692E6031789}" dt="2017-11-18T05:51:54.902" v="14624" actId="11529"/>
+          <ac:spMkLst>
+            <pc:docMk/>
+            <pc:sldMk cId="524861586" sldId="273"/>
+            <ac:spMk id="22" creationId="{C91AF26E-25D8-49DF-B2CF-5BD4C20DE41D}"/>
+          </ac:spMkLst>
+        </pc:spChg>
+        <pc:spChg chg="add del mod">
           <ac:chgData name="Mansur He" userId="2cd3e99d6a3c3959" providerId="LiveId" clId="{16CB9BD3-0FD0-435F-BA63-C692E6031789}" dt="2017-11-18T02:22:07.521" v="9469" actId="11529"/>
           <ac:spMkLst>
             <pc:docMk/>
@@ -6235,14 +6249,6 @@
           </ac:spMkLst>
         </pc:spChg>
         <pc:spChg chg="add del mod">
-          <ac:chgData name="Mansur He" userId="2cd3e99d6a3c3959" providerId="LiveId" clId="{16CB9BD3-0FD0-435F-BA63-C692E6031789}" dt="2017-11-18T05:51:54.902" v="14624" actId="11529"/>
-          <ac:spMkLst>
-            <pc:docMk/>
-            <pc:sldMk cId="524861586" sldId="273"/>
-            <ac:spMk id="22" creationId="{C91AF26E-25D8-49DF-B2CF-5BD4C20DE41D}"/>
-          </ac:spMkLst>
-        </pc:spChg>
-        <pc:spChg chg="add del mod">
           <ac:chgData name="Mansur He" userId="2cd3e99d6a3c3959" providerId="LiveId" clId="{16CB9BD3-0FD0-435F-BA63-C692E6031789}" dt="2017-11-18T02:22:45.181" v="9474" actId="478"/>
           <ac:spMkLst>
             <pc:docMk/>
@@ -6395,7 +6401,7 @@
           </ac:spMkLst>
         </pc:spChg>
         <pc:spChg chg="add del mod">
-          <ac:chgData name="Mansur He" userId="2cd3e99d6a3c3959" providerId="LiveId" clId="{16CB9BD3-0FD0-435F-BA63-C692E6031789}" dt="2017-11-18T05:47:10.772" v="14519"/>
+          <ac:chgData name="Mansur He" userId="2cd3e99d6a3c3959" providerId="LiveId" clId="{16CB9BD3-0FD0-435F-BA63-C692E6031789}" dt="2017-11-18T05:47:10.772" v="14519" actId="20577"/>
           <ac:spMkLst>
             <pc:docMk/>
             <pc:sldMk cId="524861586" sldId="273"/>
@@ -6635,7 +6641,7 @@
           </ac:inkMkLst>
         </pc:inkChg>
         <pc:inkChg chg="add del">
-          <ac:chgData name="Mansur He" userId="2cd3e99d6a3c3959" providerId="LiveId" clId="{16CB9BD3-0FD0-435F-BA63-C692E6031789}" dt="2017-11-18T05:54:24.036" v="14658"/>
+          <ac:chgData name="Mansur He" userId="2cd3e99d6a3c3959" providerId="LiveId" clId="{16CB9BD3-0FD0-435F-BA63-C692E6031789}" dt="2017-11-18T05:54:24.036" v="14658" actId="20577"/>
           <ac:inkMkLst>
             <pc:docMk/>
             <pc:sldMk cId="524861586" sldId="273"/>
@@ -6643,7 +6649,7 @@
           </ac:inkMkLst>
         </pc:inkChg>
         <pc:inkChg chg="add del">
-          <ac:chgData name="Mansur He" userId="2cd3e99d6a3c3959" providerId="LiveId" clId="{16CB9BD3-0FD0-435F-BA63-C692E6031789}" dt="2017-11-18T05:54:24.036" v="14658"/>
+          <ac:chgData name="Mansur He" userId="2cd3e99d6a3c3959" providerId="LiveId" clId="{16CB9BD3-0FD0-435F-BA63-C692E6031789}" dt="2017-11-18T05:54:24.036" v="14658" actId="20577"/>
           <ac:inkMkLst>
             <pc:docMk/>
             <pc:sldMk cId="524861586" sldId="273"/>
@@ -6651,7 +6657,7 @@
           </ac:inkMkLst>
         </pc:inkChg>
         <pc:inkChg chg="add del">
-          <ac:chgData name="Mansur He" userId="2cd3e99d6a3c3959" providerId="LiveId" clId="{16CB9BD3-0FD0-435F-BA63-C692E6031789}" dt="2017-11-18T05:54:25.074" v="14660"/>
+          <ac:chgData name="Mansur He" userId="2cd3e99d6a3c3959" providerId="LiveId" clId="{16CB9BD3-0FD0-435F-BA63-C692E6031789}" dt="2017-11-18T05:54:25.074" v="14660" actId="20577"/>
           <ac:inkMkLst>
             <pc:docMk/>
             <pc:sldMk cId="524861586" sldId="273"/>
@@ -6659,7 +6665,7 @@
           </ac:inkMkLst>
         </pc:inkChg>
         <pc:inkChg chg="add del">
-          <ac:chgData name="Mansur He" userId="2cd3e99d6a3c3959" providerId="LiveId" clId="{16CB9BD3-0FD0-435F-BA63-C692E6031789}" dt="2017-11-18T05:54:25.074" v="14660"/>
+          <ac:chgData name="Mansur He" userId="2cd3e99d6a3c3959" providerId="LiveId" clId="{16CB9BD3-0FD0-435F-BA63-C692E6031789}" dt="2017-11-18T05:54:25.074" v="14660" actId="20577"/>
           <ac:inkMkLst>
             <pc:docMk/>
             <pc:sldMk cId="524861586" sldId="273"/>
@@ -6667,7 +6673,7 @@
           </ac:inkMkLst>
         </pc:inkChg>
         <pc:inkChg chg="add del">
-          <ac:chgData name="Mansur He" userId="2cd3e99d6a3c3959" providerId="LiveId" clId="{16CB9BD3-0FD0-435F-BA63-C692E6031789}" dt="2017-11-18T05:54:26.638" v="14661"/>
+          <ac:chgData name="Mansur He" userId="2cd3e99d6a3c3959" providerId="LiveId" clId="{16CB9BD3-0FD0-435F-BA63-C692E6031789}" dt="2017-11-18T05:54:26.638" v="14661" actId="20577"/>
           <ac:inkMkLst>
             <pc:docMk/>
             <pc:sldMk cId="524861586" sldId="273"/>
@@ -6675,7 +6681,7 @@
           </ac:inkMkLst>
         </pc:inkChg>
         <pc:inkChg chg="add del">
-          <ac:chgData name="Mansur He" userId="2cd3e99d6a3c3959" providerId="LiveId" clId="{16CB9BD3-0FD0-435F-BA63-C692E6031789}" dt="2017-11-18T05:54:29.923" v="14664"/>
+          <ac:chgData name="Mansur He" userId="2cd3e99d6a3c3959" providerId="LiveId" clId="{16CB9BD3-0FD0-435F-BA63-C692E6031789}" dt="2017-11-18T05:54:29.923" v="14664" actId="20577"/>
           <ac:inkMkLst>
             <pc:docMk/>
             <pc:sldMk cId="524861586" sldId="273"/>
@@ -6683,7 +6689,7 @@
           </ac:inkMkLst>
         </pc:inkChg>
         <pc:inkChg chg="add del">
-          <ac:chgData name="Mansur He" userId="2cd3e99d6a3c3959" providerId="LiveId" clId="{16CB9BD3-0FD0-435F-BA63-C692E6031789}" dt="2017-11-18T05:54:29.923" v="14664"/>
+          <ac:chgData name="Mansur He" userId="2cd3e99d6a3c3959" providerId="LiveId" clId="{16CB9BD3-0FD0-435F-BA63-C692E6031789}" dt="2017-11-18T05:54:29.923" v="14664" actId="20577"/>
           <ac:inkMkLst>
             <pc:docMk/>
             <pc:sldMk cId="524861586" sldId="273"/>
@@ -6691,7 +6697,7 @@
           </ac:inkMkLst>
         </pc:inkChg>
         <pc:inkChg chg="add del">
-          <ac:chgData name="Mansur He" userId="2cd3e99d6a3c3959" providerId="LiveId" clId="{16CB9BD3-0FD0-435F-BA63-C692E6031789}" dt="2017-11-18T05:54:30.691" v="14666"/>
+          <ac:chgData name="Mansur He" userId="2cd3e99d6a3c3959" providerId="LiveId" clId="{16CB9BD3-0FD0-435F-BA63-C692E6031789}" dt="2017-11-18T05:54:30.691" v="14666" actId="20577"/>
           <ac:inkMkLst>
             <pc:docMk/>
             <pc:sldMk cId="524861586" sldId="273"/>
@@ -6699,7 +6705,7 @@
           </ac:inkMkLst>
         </pc:inkChg>
         <pc:inkChg chg="add del">
-          <ac:chgData name="Mansur He" userId="2cd3e99d6a3c3959" providerId="LiveId" clId="{16CB9BD3-0FD0-435F-BA63-C692E6031789}" dt="2017-11-18T05:54:30.691" v="14666"/>
+          <ac:chgData name="Mansur He" userId="2cd3e99d6a3c3959" providerId="LiveId" clId="{16CB9BD3-0FD0-435F-BA63-C692E6031789}" dt="2017-11-18T05:54:30.691" v="14666" actId="20577"/>
           <ac:inkMkLst>
             <pc:docMk/>
             <pc:sldMk cId="524861586" sldId="273"/>
@@ -6707,7 +6713,7 @@
           </ac:inkMkLst>
         </pc:inkChg>
         <pc:inkChg chg="add del">
-          <ac:chgData name="Mansur He" userId="2cd3e99d6a3c3959" providerId="LiveId" clId="{16CB9BD3-0FD0-435F-BA63-C692E6031789}" dt="2017-11-18T05:54:31.508" v="14667"/>
+          <ac:chgData name="Mansur He" userId="2cd3e99d6a3c3959" providerId="LiveId" clId="{16CB9BD3-0FD0-435F-BA63-C692E6031789}" dt="2017-11-18T05:54:31.508" v="14667" actId="20577"/>
           <ac:inkMkLst>
             <pc:docMk/>
             <pc:sldMk cId="524861586" sldId="273"/>
@@ -6715,7 +6721,7 @@
           </ac:inkMkLst>
         </pc:inkChg>
         <pc:inkChg chg="add del">
-          <ac:chgData name="Mansur He" userId="2cd3e99d6a3c3959" providerId="LiveId" clId="{16CB9BD3-0FD0-435F-BA63-C692E6031789}" dt="2017-11-18T05:54:34.095" v="14670"/>
+          <ac:chgData name="Mansur He" userId="2cd3e99d6a3c3959" providerId="LiveId" clId="{16CB9BD3-0FD0-435F-BA63-C692E6031789}" dt="2017-11-18T05:54:34.095" v="14670" actId="20577"/>
           <ac:inkMkLst>
             <pc:docMk/>
             <pc:sldMk cId="524861586" sldId="273"/>
@@ -6723,7 +6729,7 @@
           </ac:inkMkLst>
         </pc:inkChg>
         <pc:inkChg chg="add del">
-          <ac:chgData name="Mansur He" userId="2cd3e99d6a3c3959" providerId="LiveId" clId="{16CB9BD3-0FD0-435F-BA63-C692E6031789}" dt="2017-11-18T05:54:34.095" v="14670"/>
+          <ac:chgData name="Mansur He" userId="2cd3e99d6a3c3959" providerId="LiveId" clId="{16CB9BD3-0FD0-435F-BA63-C692E6031789}" dt="2017-11-18T05:54:34.095" v="14670" actId="20577"/>
           <ac:inkMkLst>
             <pc:docMk/>
             <pc:sldMk cId="524861586" sldId="273"/>
@@ -6731,7 +6737,7 @@
           </ac:inkMkLst>
         </pc:inkChg>
         <pc:inkChg chg="add del">
-          <ac:chgData name="Mansur He" userId="2cd3e99d6a3c3959" providerId="LiveId" clId="{16CB9BD3-0FD0-435F-BA63-C692E6031789}" dt="2017-11-18T05:54:34.911" v="14672"/>
+          <ac:chgData name="Mansur He" userId="2cd3e99d6a3c3959" providerId="LiveId" clId="{16CB9BD3-0FD0-435F-BA63-C692E6031789}" dt="2017-11-18T05:54:34.911" v="14672" actId="20577"/>
           <ac:inkMkLst>
             <pc:docMk/>
             <pc:sldMk cId="524861586" sldId="273"/>
@@ -6739,7 +6745,7 @@
           </ac:inkMkLst>
         </pc:inkChg>
         <pc:inkChg chg="add del">
-          <ac:chgData name="Mansur He" userId="2cd3e99d6a3c3959" providerId="LiveId" clId="{16CB9BD3-0FD0-435F-BA63-C692E6031789}" dt="2017-11-18T05:54:34.911" v="14672"/>
+          <ac:chgData name="Mansur He" userId="2cd3e99d6a3c3959" providerId="LiveId" clId="{16CB9BD3-0FD0-435F-BA63-C692E6031789}" dt="2017-11-18T05:54:34.911" v="14672" actId="20577"/>
           <ac:inkMkLst>
             <pc:docMk/>
             <pc:sldMk cId="524861586" sldId="273"/>
@@ -6747,7 +6753,7 @@
           </ac:inkMkLst>
         </pc:inkChg>
         <pc:inkChg chg="add del">
-          <ac:chgData name="Mansur He" userId="2cd3e99d6a3c3959" providerId="LiveId" clId="{16CB9BD3-0FD0-435F-BA63-C692E6031789}" dt="2017-11-18T05:54:35.559" v="14674"/>
+          <ac:chgData name="Mansur He" userId="2cd3e99d6a3c3959" providerId="LiveId" clId="{16CB9BD3-0FD0-435F-BA63-C692E6031789}" dt="2017-11-18T05:54:35.559" v="14674" actId="20577"/>
           <ac:inkMkLst>
             <pc:docMk/>
             <pc:sldMk cId="524861586" sldId="273"/>
@@ -6755,7 +6761,7 @@
           </ac:inkMkLst>
         </pc:inkChg>
         <pc:inkChg chg="add del">
-          <ac:chgData name="Mansur He" userId="2cd3e99d6a3c3959" providerId="LiveId" clId="{16CB9BD3-0FD0-435F-BA63-C692E6031789}" dt="2017-11-18T05:54:35.559" v="14674"/>
+          <ac:chgData name="Mansur He" userId="2cd3e99d6a3c3959" providerId="LiveId" clId="{16CB9BD3-0FD0-435F-BA63-C692E6031789}" dt="2017-11-18T05:54:35.559" v="14674" actId="20577"/>
           <ac:inkMkLst>
             <pc:docMk/>
             <pc:sldMk cId="524861586" sldId="273"/>
@@ -6763,7 +6769,7 @@
           </ac:inkMkLst>
         </pc:inkChg>
         <pc:inkChg chg="add del">
-          <ac:chgData name="Mansur He" userId="2cd3e99d6a3c3959" providerId="LiveId" clId="{16CB9BD3-0FD0-435F-BA63-C692E6031789}" dt="2017-11-18T05:54:37.282" v="14675"/>
+          <ac:chgData name="Mansur He" userId="2cd3e99d6a3c3959" providerId="LiveId" clId="{16CB9BD3-0FD0-435F-BA63-C692E6031789}" dt="2017-11-18T05:54:37.282" v="14675" actId="20577"/>
           <ac:inkMkLst>
             <pc:docMk/>
             <pc:sldMk cId="524861586" sldId="273"/>
@@ -6771,7 +6777,7 @@
           </ac:inkMkLst>
         </pc:inkChg>
         <pc:inkChg chg="add del">
-          <ac:chgData name="Mansur He" userId="2cd3e99d6a3c3959" providerId="LiveId" clId="{16CB9BD3-0FD0-435F-BA63-C692E6031789}" dt="2017-11-18T05:54:41.865" v="14678"/>
+          <ac:chgData name="Mansur He" userId="2cd3e99d6a3c3959" providerId="LiveId" clId="{16CB9BD3-0FD0-435F-BA63-C692E6031789}" dt="2017-11-18T05:54:41.865" v="14678" actId="20577"/>
           <ac:inkMkLst>
             <pc:docMk/>
             <pc:sldMk cId="524861586" sldId="273"/>
@@ -6779,7 +6785,7 @@
           </ac:inkMkLst>
         </pc:inkChg>
         <pc:inkChg chg="add del">
-          <ac:chgData name="Mansur He" userId="2cd3e99d6a3c3959" providerId="LiveId" clId="{16CB9BD3-0FD0-435F-BA63-C692E6031789}" dt="2017-11-18T05:54:41.865" v="14678"/>
+          <ac:chgData name="Mansur He" userId="2cd3e99d6a3c3959" providerId="LiveId" clId="{16CB9BD3-0FD0-435F-BA63-C692E6031789}" dt="2017-11-18T05:54:41.865" v="14678" actId="20577"/>
           <ac:inkMkLst>
             <pc:docMk/>
             <pc:sldMk cId="524861586" sldId="273"/>
@@ -6787,7 +6793,7 @@
           </ac:inkMkLst>
         </pc:inkChg>
         <pc:inkChg chg="add del">
-          <ac:chgData name="Mansur He" userId="2cd3e99d6a3c3959" providerId="LiveId" clId="{16CB9BD3-0FD0-435F-BA63-C692E6031789}" dt="2017-11-18T05:54:44.721" v="14680"/>
+          <ac:chgData name="Mansur He" userId="2cd3e99d6a3c3959" providerId="LiveId" clId="{16CB9BD3-0FD0-435F-BA63-C692E6031789}" dt="2017-11-18T05:54:44.721" v="14680" actId="20577"/>
           <ac:inkMkLst>
             <pc:docMk/>
             <pc:sldMk cId="524861586" sldId="273"/>
@@ -6795,7 +6801,7 @@
           </ac:inkMkLst>
         </pc:inkChg>
         <pc:inkChg chg="add del">
-          <ac:chgData name="Mansur He" userId="2cd3e99d6a3c3959" providerId="LiveId" clId="{16CB9BD3-0FD0-435F-BA63-C692E6031789}" dt="2017-11-18T05:54:44.721" v="14680"/>
+          <ac:chgData name="Mansur He" userId="2cd3e99d6a3c3959" providerId="LiveId" clId="{16CB9BD3-0FD0-435F-BA63-C692E6031789}" dt="2017-11-18T05:54:44.721" v="14680" actId="20577"/>
           <ac:inkMkLst>
             <pc:docMk/>
             <pc:sldMk cId="524861586" sldId="273"/>
@@ -6803,7 +6809,7 @@
           </ac:inkMkLst>
         </pc:inkChg>
         <pc:inkChg chg="add del">
-          <ac:chgData name="Mansur He" userId="2cd3e99d6a3c3959" providerId="LiveId" clId="{16CB9BD3-0FD0-435F-BA63-C692E6031789}" dt="2017-11-18T05:54:46.353" v="14681"/>
+          <ac:chgData name="Mansur He" userId="2cd3e99d6a3c3959" providerId="LiveId" clId="{16CB9BD3-0FD0-435F-BA63-C692E6031789}" dt="2017-11-18T05:54:46.353" v="14681" actId="20577"/>
           <ac:inkMkLst>
             <pc:docMk/>
             <pc:sldMk cId="524861586" sldId="273"/>
@@ -6811,7 +6817,7 @@
           </ac:inkMkLst>
         </pc:inkChg>
         <pc:inkChg chg="add del">
-          <ac:chgData name="Mansur He" userId="2cd3e99d6a3c3959" providerId="LiveId" clId="{16CB9BD3-0FD0-435F-BA63-C692E6031789}" dt="2017-11-18T05:54:49.110" v="14684"/>
+          <ac:chgData name="Mansur He" userId="2cd3e99d6a3c3959" providerId="LiveId" clId="{16CB9BD3-0FD0-435F-BA63-C692E6031789}" dt="2017-11-18T05:54:49.110" v="14684" actId="20577"/>
           <ac:inkMkLst>
             <pc:docMk/>
             <pc:sldMk cId="524861586" sldId="273"/>
@@ -6819,7 +6825,7 @@
           </ac:inkMkLst>
         </pc:inkChg>
         <pc:inkChg chg="add del">
-          <ac:chgData name="Mansur He" userId="2cd3e99d6a3c3959" providerId="LiveId" clId="{16CB9BD3-0FD0-435F-BA63-C692E6031789}" dt="2017-11-18T05:54:49.110" v="14684"/>
+          <ac:chgData name="Mansur He" userId="2cd3e99d6a3c3959" providerId="LiveId" clId="{16CB9BD3-0FD0-435F-BA63-C692E6031789}" dt="2017-11-18T05:54:49.110" v="14684" actId="20577"/>
           <ac:inkMkLst>
             <pc:docMk/>
             <pc:sldMk cId="524861586" sldId="273"/>
@@ -6970,20 +6976,20 @@
             <ac:cxnSpMk id="49" creationId="{A2438F01-B106-44FE-93E5-C532EC436961}"/>
           </ac:cxnSpMkLst>
         </pc:cxnChg>
+        <pc:cxnChg chg="add mod">
+          <ac:chgData name="Mansur He" userId="2cd3e99d6a3c3959" providerId="LiveId" clId="{16CB9BD3-0FD0-435F-BA63-C692E6031789}" dt="2017-11-18T03:12:23.029" v="10739" actId="1582"/>
+          <ac:cxnSpMkLst>
+            <pc:docMk/>
+            <pc:sldMk cId="524861586" sldId="273"/>
+            <ac:cxnSpMk id="54" creationId="{7B0783DE-2653-4661-BB61-A7CEE386F9D5}"/>
+          </ac:cxnSpMkLst>
+        </pc:cxnChg>
         <pc:cxnChg chg="add del mod">
           <ac:chgData name="Mansur He" userId="2cd3e99d6a3c3959" providerId="LiveId" clId="{16CB9BD3-0FD0-435F-BA63-C692E6031789}" dt="2017-11-18T01:39:15.873" v="8116" actId="11529"/>
           <ac:cxnSpMkLst>
             <pc:docMk/>
             <pc:sldMk cId="524861586" sldId="273"/>
             <ac:cxnSpMk id="54" creationId="{808BA4C5-5552-4D14-8C13-AC712AA000C8}"/>
-          </ac:cxnSpMkLst>
-        </pc:cxnChg>
-        <pc:cxnChg chg="add mod">
-          <ac:chgData name="Mansur He" userId="2cd3e99d6a3c3959" providerId="LiveId" clId="{16CB9BD3-0FD0-435F-BA63-C692E6031789}" dt="2017-11-18T03:12:23.029" v="10739" actId="1582"/>
-          <ac:cxnSpMkLst>
-            <pc:docMk/>
-            <pc:sldMk cId="524861586" sldId="273"/>
-            <ac:cxnSpMk id="54" creationId="{7B0783DE-2653-4661-BB61-A7CEE386F9D5}"/>
           </ac:cxnSpMkLst>
         </pc:cxnChg>
         <pc:cxnChg chg="add del mod">
@@ -7583,6 +7589,615 @@
             <ac:picMk id="11" creationId="{0006AE50-6809-482F-87A5-7DDA35D1C93A}"/>
           </ac:picMkLst>
         </pc:picChg>
+      </pc:sldChg>
+      <pc:sldChg chg="delSp add del">
+        <pc:chgData name="Mansur He" userId="2cd3e99d6a3c3959" providerId="LiveId" clId="{16CB9BD3-0FD0-435F-BA63-C692E6031789}" dt="2017-12-01T00:36:17.120" v="15941" actId="2696"/>
+        <pc:sldMkLst>
+          <pc:docMk/>
+          <pc:sldMk cId="1897796531" sldId="277"/>
+        </pc:sldMkLst>
+        <pc:spChg chg="del">
+          <ac:chgData name="Mansur He" userId="2cd3e99d6a3c3959" providerId="LiveId" clId="{16CB9BD3-0FD0-435F-BA63-C692E6031789}" dt="2017-12-01T00:35:23.884" v="15926" actId="478"/>
+          <ac:spMkLst>
+            <pc:docMk/>
+            <pc:sldMk cId="1897796531" sldId="277"/>
+            <ac:spMk id="2" creationId="{073F9285-A94F-494B-9744-12912C0DCAB7}"/>
+          </ac:spMkLst>
+        </pc:spChg>
+        <pc:spChg chg="del">
+          <ac:chgData name="Mansur He" userId="2cd3e99d6a3c3959" providerId="LiveId" clId="{16CB9BD3-0FD0-435F-BA63-C692E6031789}" dt="2017-12-01T00:35:23.884" v="15926" actId="478"/>
+          <ac:spMkLst>
+            <pc:docMk/>
+            <pc:sldMk cId="1897796531" sldId="277"/>
+            <ac:spMk id="3" creationId="{FB235765-250C-4117-943D-789D29DC72D4}"/>
+          </ac:spMkLst>
+        </pc:spChg>
+      </pc:sldChg>
+      <pc:sldChg chg="add del">
+        <pc:chgData name="Mansur He" userId="2cd3e99d6a3c3959" providerId="LiveId" clId="{16CB9BD3-0FD0-435F-BA63-C692E6031789}" dt="2017-12-01T00:35:15.331" v="15924"/>
+        <pc:sldMkLst>
+          <pc:docMk/>
+          <pc:sldMk cId="4093868794" sldId="277"/>
+        </pc:sldMkLst>
+      </pc:sldChg>
+      <pc:sldChg chg="modSp add">
+        <pc:chgData name="Mansur He" userId="2cd3e99d6a3c3959" providerId="LiveId" clId="{16CB9BD3-0FD0-435F-BA63-C692E6031789}" dt="2017-12-01T00:49:20.279" v="16206" actId="1076"/>
+        <pc:sldMkLst>
+          <pc:docMk/>
+          <pc:sldMk cId="3208485499" sldId="278"/>
+        </pc:sldMkLst>
+        <pc:spChg chg="mod">
+          <ac:chgData name="Mansur He" userId="2cd3e99d6a3c3959" providerId="LiveId" clId="{16CB9BD3-0FD0-435F-BA63-C692E6031789}" dt="2017-12-01T00:48:54.934" v="16200"/>
+          <ac:spMkLst>
+            <pc:docMk/>
+            <pc:sldMk cId="3208485499" sldId="278"/>
+            <ac:spMk id="2" creationId="{8144C1EB-4564-4853-93E8-C47F5147377A}"/>
+          </ac:spMkLst>
+        </pc:spChg>
+        <pc:spChg chg="mod">
+          <ac:chgData name="Mansur He" userId="2cd3e99d6a3c3959" providerId="LiveId" clId="{16CB9BD3-0FD0-435F-BA63-C692E6031789}" dt="2017-12-01T00:48:49.453" v="16198"/>
+          <ac:spMkLst>
+            <pc:docMk/>
+            <pc:sldMk cId="3208485499" sldId="278"/>
+            <ac:spMk id="5" creationId="{C2C794D6-1DAF-4A32-94FA-9B645C9E1A6F}"/>
+          </ac:spMkLst>
+        </pc:spChg>
+        <pc:spChg chg="mod">
+          <ac:chgData name="Mansur He" userId="2cd3e99d6a3c3959" providerId="LiveId" clId="{16CB9BD3-0FD0-435F-BA63-C692E6031789}" dt="2017-12-01T00:48:36.100" v="16196" actId="14100"/>
+          <ac:spMkLst>
+            <pc:docMk/>
+            <pc:sldMk cId="3208485499" sldId="278"/>
+            <ac:spMk id="7" creationId="{FD5433B8-AF23-4AFC-8DFB-B50C6DDF6F7E}"/>
+          </ac:spMkLst>
+        </pc:spChg>
+        <pc:spChg chg="mod">
+          <ac:chgData name="Mansur He" userId="2cd3e99d6a3c3959" providerId="LiveId" clId="{16CB9BD3-0FD0-435F-BA63-C692E6031789}" dt="2017-12-01T00:48:43.186" v="16197"/>
+          <ac:spMkLst>
+            <pc:docMk/>
+            <pc:sldMk cId="3208485499" sldId="278"/>
+            <ac:spMk id="9" creationId="{EE3F8A20-F91E-4E3A-967F-8E9F6DAB1D3E}"/>
+          </ac:spMkLst>
+        </pc:spChg>
+        <pc:grpChg chg="mod">
+          <ac:chgData name="Mansur He" userId="2cd3e99d6a3c3959" providerId="LiveId" clId="{16CB9BD3-0FD0-435F-BA63-C692E6031789}" dt="2017-12-01T00:48:51.651" v="16199"/>
+          <ac:grpSpMkLst>
+            <pc:docMk/>
+            <pc:sldMk cId="3208485499" sldId="278"/>
+            <ac:grpSpMk id="8" creationId="{A2D8DB4A-696B-4A0F-ACCF-B597377B7131}"/>
+          </ac:grpSpMkLst>
+        </pc:grpChg>
+        <pc:graphicFrameChg chg="mod">
+          <ac:chgData name="Mansur He" userId="2cd3e99d6a3c3959" providerId="LiveId" clId="{16CB9BD3-0FD0-435F-BA63-C692E6031789}" dt="2017-12-01T00:49:20.279" v="16206" actId="1076"/>
+          <ac:graphicFrameMkLst>
+            <pc:docMk/>
+            <pc:sldMk cId="3208485499" sldId="278"/>
+            <ac:graphicFrameMk id="10" creationId="{700F5B8C-1D25-439D-A0DC-52012B413F03}"/>
+          </ac:graphicFrameMkLst>
+        </pc:graphicFrameChg>
+      </pc:sldChg>
+      <pc:sldChg chg="delSp add del">
+        <pc:chgData name="Mansur He" userId="2cd3e99d6a3c3959" providerId="LiveId" clId="{16CB9BD3-0FD0-435F-BA63-C692E6031789}" dt="2017-12-01T00:36:43.507" v="15963" actId="2696"/>
+        <pc:sldMkLst>
+          <pc:docMk/>
+          <pc:sldMk cId="190980810" sldId="279"/>
+        </pc:sldMkLst>
+        <pc:spChg chg="del">
+          <ac:chgData name="Mansur He" userId="2cd3e99d6a3c3959" providerId="LiveId" clId="{16CB9BD3-0FD0-435F-BA63-C692E6031789}" dt="2017-12-01T00:36:28.180" v="15943" actId="478"/>
+          <ac:spMkLst>
+            <pc:docMk/>
+            <pc:sldMk cId="190980810" sldId="279"/>
+            <ac:spMk id="2" creationId="{248919F2-7CBD-41FB-8254-BEB56755B56A}"/>
+          </ac:spMkLst>
+        </pc:spChg>
+        <pc:spChg chg="del">
+          <ac:chgData name="Mansur He" userId="2cd3e99d6a3c3959" providerId="LiveId" clId="{16CB9BD3-0FD0-435F-BA63-C692E6031789}" dt="2017-12-01T00:36:28.180" v="15943" actId="478"/>
+          <ac:spMkLst>
+            <pc:docMk/>
+            <pc:sldMk cId="190980810" sldId="279"/>
+            <ac:spMk id="3" creationId="{A8A49A9F-1CB6-4330-997E-EF00F865F39E}"/>
+          </ac:spMkLst>
+        </pc:spChg>
+      </pc:sldChg>
+      <pc:sldChg chg="addSp delSp modSp add">
+        <pc:chgData name="Mansur He" userId="2cd3e99d6a3c3959" providerId="LiveId" clId="{16CB9BD3-0FD0-435F-BA63-C692E6031789}" dt="2017-12-01T00:42:17.361" v="16084" actId="20577"/>
+        <pc:sldMkLst>
+          <pc:docMk/>
+          <pc:sldMk cId="2901235726" sldId="280"/>
+        </pc:sldMkLst>
+        <pc:spChg chg="add mod">
+          <ac:chgData name="Mansur He" userId="2cd3e99d6a3c3959" providerId="LiveId" clId="{16CB9BD3-0FD0-435F-BA63-C692E6031789}" dt="2017-12-01T00:42:12.605" v="16071" actId="20577"/>
+          <ac:spMkLst>
+            <pc:docMk/>
+            <pc:sldMk cId="2901235726" sldId="280"/>
+            <ac:spMk id="2" creationId="{4610B3EE-8E92-44E5-8EAB-8E13C7F0419A}"/>
+          </ac:spMkLst>
+        </pc:spChg>
+        <pc:spChg chg="mod">
+          <ac:chgData name="Mansur He" userId="2cd3e99d6a3c3959" providerId="LiveId" clId="{16CB9BD3-0FD0-435F-BA63-C692E6031789}" dt="2017-12-01T00:36:36.597" v="15961" actId="20577"/>
+          <ac:spMkLst>
+            <pc:docMk/>
+            <pc:sldMk cId="2901235726" sldId="280"/>
+            <ac:spMk id="4" creationId="{25007B00-97D3-4EA5-8578-6C8DD490F41C}"/>
+          </ac:spMkLst>
+        </pc:spChg>
+        <pc:spChg chg="add mod">
+          <ac:chgData name="Mansur He" userId="2cd3e99d6a3c3959" providerId="LiveId" clId="{16CB9BD3-0FD0-435F-BA63-C692E6031789}" dt="2017-12-01T00:42:17.361" v="16084" actId="20577"/>
+          <ac:spMkLst>
+            <pc:docMk/>
+            <pc:sldMk cId="2901235726" sldId="280"/>
+            <ac:spMk id="6" creationId="{E29588A7-DC27-4A2F-918D-822068486C41}"/>
+          </ac:spMkLst>
+        </pc:spChg>
+        <pc:spChg chg="del">
+          <ac:chgData name="Mansur He" userId="2cd3e99d6a3c3959" providerId="LiveId" clId="{16CB9BD3-0FD0-435F-BA63-C692E6031789}" dt="2017-12-01T00:36:32.768" v="15945" actId="478"/>
+          <ac:spMkLst>
+            <pc:docMk/>
+            <pc:sldMk cId="2901235726" sldId="280"/>
+            <ac:spMk id="24" creationId="{FA391727-6AB1-45B1-9A54-3BCCE59EA9D3}"/>
+          </ac:spMkLst>
+        </pc:spChg>
+        <pc:spChg chg="del">
+          <ac:chgData name="Mansur He" userId="2cd3e99d6a3c3959" providerId="LiveId" clId="{16CB9BD3-0FD0-435F-BA63-C692E6031789}" dt="2017-12-01T00:36:40.503" v="15962" actId="478"/>
+          <ac:spMkLst>
+            <pc:docMk/>
+            <pc:sldMk cId="2901235726" sldId="280"/>
+            <ac:spMk id="80" creationId="{3CDB3DF6-B1E4-449F-B9CE-3F090A7F15EE}"/>
+          </ac:spMkLst>
+        </pc:spChg>
+        <pc:spChg chg="del">
+          <ac:chgData name="Mansur He" userId="2cd3e99d6a3c3959" providerId="LiveId" clId="{16CB9BD3-0FD0-435F-BA63-C692E6031789}" dt="2017-12-01T00:36:40.503" v="15962" actId="478"/>
+          <ac:spMkLst>
+            <pc:docMk/>
+            <pc:sldMk cId="2901235726" sldId="280"/>
+            <ac:spMk id="81" creationId="{3FB136C8-AED0-4D23-9D4B-19428E72BAD1}"/>
+          </ac:spMkLst>
+        </pc:spChg>
+        <pc:spChg chg="del">
+          <ac:chgData name="Mansur He" userId="2cd3e99d6a3c3959" providerId="LiveId" clId="{16CB9BD3-0FD0-435F-BA63-C692E6031789}" dt="2017-12-01T00:36:40.503" v="15962" actId="478"/>
+          <ac:spMkLst>
+            <pc:docMk/>
+            <pc:sldMk cId="2901235726" sldId="280"/>
+            <ac:spMk id="82" creationId="{D202F78E-9A05-423F-8064-2BEB8F86768A}"/>
+          </ac:spMkLst>
+        </pc:spChg>
+        <pc:spChg chg="del">
+          <ac:chgData name="Mansur He" userId="2cd3e99d6a3c3959" providerId="LiveId" clId="{16CB9BD3-0FD0-435F-BA63-C692E6031789}" dt="2017-12-01T00:36:40.503" v="15962" actId="478"/>
+          <ac:spMkLst>
+            <pc:docMk/>
+            <pc:sldMk cId="2901235726" sldId="280"/>
+            <ac:spMk id="83" creationId="{4A6FF94D-62DA-4921-9B64-D9BEB41487E5}"/>
+          </ac:spMkLst>
+        </pc:spChg>
+        <pc:spChg chg="del">
+          <ac:chgData name="Mansur He" userId="2cd3e99d6a3c3959" providerId="LiveId" clId="{16CB9BD3-0FD0-435F-BA63-C692E6031789}" dt="2017-12-01T00:36:40.503" v="15962" actId="478"/>
+          <ac:spMkLst>
+            <pc:docMk/>
+            <pc:sldMk cId="2901235726" sldId="280"/>
+            <ac:spMk id="84" creationId="{6B5F2C4E-5591-480E-A3A0-5B65F0640B2C}"/>
+          </ac:spMkLst>
+        </pc:spChg>
+        <pc:spChg chg="del">
+          <ac:chgData name="Mansur He" userId="2cd3e99d6a3c3959" providerId="LiveId" clId="{16CB9BD3-0FD0-435F-BA63-C692E6031789}" dt="2017-12-01T00:36:40.503" v="15962" actId="478"/>
+          <ac:spMkLst>
+            <pc:docMk/>
+            <pc:sldMk cId="2901235726" sldId="280"/>
+            <ac:spMk id="85" creationId="{A4BD2E5D-3997-4EE8-BC5A-3534CDE8F75A}"/>
+          </ac:spMkLst>
+        </pc:spChg>
+        <pc:grpChg chg="del">
+          <ac:chgData name="Mansur He" userId="2cd3e99d6a3c3959" providerId="LiveId" clId="{16CB9BD3-0FD0-435F-BA63-C692E6031789}" dt="2017-12-01T00:36:32.768" v="15945" actId="478"/>
+          <ac:grpSpMkLst>
+            <pc:docMk/>
+            <pc:sldMk cId="2901235726" sldId="280"/>
+            <ac:grpSpMk id="34" creationId="{84C8EB7A-DA35-4737-885A-BF0DF4A71E00}"/>
+          </ac:grpSpMkLst>
+        </pc:grpChg>
+        <pc:graphicFrameChg chg="del">
+          <ac:chgData name="Mansur He" userId="2cd3e99d6a3c3959" providerId="LiveId" clId="{16CB9BD3-0FD0-435F-BA63-C692E6031789}" dt="2017-12-01T00:36:32.768" v="15945" actId="478"/>
+          <ac:graphicFrameMkLst>
+            <pc:docMk/>
+            <pc:sldMk cId="2901235726" sldId="280"/>
+            <ac:graphicFrameMk id="37" creationId="{FF610DAB-14F9-41A5-A7FE-D734E35ACA94}"/>
+          </ac:graphicFrameMkLst>
+        </pc:graphicFrameChg>
+        <pc:cxnChg chg="del mod">
+          <ac:chgData name="Mansur He" userId="2cd3e99d6a3c3959" providerId="LiveId" clId="{16CB9BD3-0FD0-435F-BA63-C692E6031789}" dt="2017-12-01T00:36:32.768" v="15945" actId="478"/>
+          <ac:cxnSpMkLst>
+            <pc:docMk/>
+            <pc:sldMk cId="2901235726" sldId="280"/>
+            <ac:cxnSpMk id="5" creationId="{2041AB5A-8125-4A65-BAFA-583CCB2B0EF3}"/>
+          </ac:cxnSpMkLst>
+        </pc:cxnChg>
+        <pc:cxnChg chg="del mod">
+          <ac:chgData name="Mansur He" userId="2cd3e99d6a3c3959" providerId="LiveId" clId="{16CB9BD3-0FD0-435F-BA63-C692E6031789}" dt="2017-12-01T00:36:32.768" v="15945" actId="478"/>
+          <ac:cxnSpMkLst>
+            <pc:docMk/>
+            <pc:sldMk cId="2901235726" sldId="280"/>
+            <ac:cxnSpMk id="12" creationId="{CDD3A02C-181D-4C3D-93D1-3E44B7AD6045}"/>
+          </ac:cxnSpMkLst>
+        </pc:cxnChg>
+        <pc:cxnChg chg="mod">
+          <ac:chgData name="Mansur He" userId="2cd3e99d6a3c3959" providerId="LiveId" clId="{16CB9BD3-0FD0-435F-BA63-C692E6031789}" dt="2017-12-01T00:36:32.768" v="15945" actId="478"/>
+          <ac:cxnSpMkLst>
+            <pc:docMk/>
+            <pc:sldMk cId="2901235726" sldId="280"/>
+            <ac:cxnSpMk id="21" creationId="{D3EC3EAA-4BDA-4CD3-AA7C-9A8E7F66106D}"/>
+          </ac:cxnSpMkLst>
+        </pc:cxnChg>
+        <pc:cxnChg chg="mod">
+          <ac:chgData name="Mansur He" userId="2cd3e99d6a3c3959" providerId="LiveId" clId="{16CB9BD3-0FD0-435F-BA63-C692E6031789}" dt="2017-12-01T00:36:32.768" v="15945" actId="478"/>
+          <ac:cxnSpMkLst>
+            <pc:docMk/>
+            <pc:sldMk cId="2901235726" sldId="280"/>
+            <ac:cxnSpMk id="23" creationId="{154A862D-E192-494C-93A9-3FD394020360}"/>
+          </ac:cxnSpMkLst>
+        </pc:cxnChg>
+        <pc:cxnChg chg="mod">
+          <ac:chgData name="Mansur He" userId="2cd3e99d6a3c3959" providerId="LiveId" clId="{16CB9BD3-0FD0-435F-BA63-C692E6031789}" dt="2017-12-01T00:36:32.768" v="15945" actId="478"/>
+          <ac:cxnSpMkLst>
+            <pc:docMk/>
+            <pc:sldMk cId="2901235726" sldId="280"/>
+            <ac:cxnSpMk id="25" creationId="{21448B75-4E02-4FC9-AEEF-8B9B91FF021A}"/>
+          </ac:cxnSpMkLst>
+        </pc:cxnChg>
+        <pc:cxnChg chg="mod">
+          <ac:chgData name="Mansur He" userId="2cd3e99d6a3c3959" providerId="LiveId" clId="{16CB9BD3-0FD0-435F-BA63-C692E6031789}" dt="2017-12-01T00:36:32.768" v="15945" actId="478"/>
+          <ac:cxnSpMkLst>
+            <pc:docMk/>
+            <pc:sldMk cId="2901235726" sldId="280"/>
+            <ac:cxnSpMk id="27" creationId="{09F1EA72-9035-47DA-A712-05C79BA42183}"/>
+          </ac:cxnSpMkLst>
+        </pc:cxnChg>
+        <pc:cxnChg chg="mod">
+          <ac:chgData name="Mansur He" userId="2cd3e99d6a3c3959" providerId="LiveId" clId="{16CB9BD3-0FD0-435F-BA63-C692E6031789}" dt="2017-12-01T00:36:32.768" v="15945" actId="478"/>
+          <ac:cxnSpMkLst>
+            <pc:docMk/>
+            <pc:sldMk cId="2901235726" sldId="280"/>
+            <ac:cxnSpMk id="31" creationId="{7956BF42-F52F-42DD-8FBF-07C204899AE7}"/>
+          </ac:cxnSpMkLst>
+        </pc:cxnChg>
+      </pc:sldChg>
+      <pc:sldChg chg="addSp delSp modSp add">
+        <pc:chgData name="Mansur He" userId="2cd3e99d6a3c3959" providerId="LiveId" clId="{16CB9BD3-0FD0-435F-BA63-C692E6031789}" dt="2017-12-01T00:42:34.927" v="16093" actId="1076"/>
+        <pc:sldMkLst>
+          <pc:docMk/>
+          <pc:sldMk cId="136331766" sldId="281"/>
+        </pc:sldMkLst>
+        <pc:spChg chg="del">
+          <ac:chgData name="Mansur He" userId="2cd3e99d6a3c3959" providerId="LiveId" clId="{16CB9BD3-0FD0-435F-BA63-C692E6031789}" dt="2017-12-01T00:37:15.611" v="15965" actId="478"/>
+          <ac:spMkLst>
+            <pc:docMk/>
+            <pc:sldMk cId="136331766" sldId="281"/>
+            <ac:spMk id="2" creationId="{E63B03D3-13A6-4F28-9220-95D3AF32626B}"/>
+          </ac:spMkLst>
+        </pc:spChg>
+        <pc:spChg chg="del">
+          <ac:chgData name="Mansur He" userId="2cd3e99d6a3c3959" providerId="LiveId" clId="{16CB9BD3-0FD0-435F-BA63-C692E6031789}" dt="2017-12-01T00:37:15.611" v="15965" actId="478"/>
+          <ac:spMkLst>
+            <pc:docMk/>
+            <pc:sldMk cId="136331766" sldId="281"/>
+            <ac:spMk id="3" creationId="{F76EE903-4AF8-44ED-A46E-BB5414B49647}"/>
+          </ac:spMkLst>
+        </pc:spChg>
+        <pc:spChg chg="add mod">
+          <ac:chgData name="Mansur He" userId="2cd3e99d6a3c3959" providerId="LiveId" clId="{16CB9BD3-0FD0-435F-BA63-C692E6031789}" dt="2017-12-01T00:40:33.650" v="15991" actId="1076"/>
+          <ac:spMkLst>
+            <pc:docMk/>
+            <pc:sldMk cId="136331766" sldId="281"/>
+            <ac:spMk id="4" creationId="{26FC9639-B390-488D-8378-A043F3332431}"/>
+          </ac:spMkLst>
+        </pc:spChg>
+        <pc:spChg chg="add mod">
+          <ac:chgData name="Mansur He" userId="2cd3e99d6a3c3959" providerId="LiveId" clId="{16CB9BD3-0FD0-435F-BA63-C692E6031789}" dt="2017-12-01T00:42:34.927" v="16093" actId="1076"/>
+          <ac:spMkLst>
+            <pc:docMk/>
+            <pc:sldMk cId="136331766" sldId="281"/>
+            <ac:spMk id="5" creationId="{6F6073D7-E557-4EB9-9AAB-065916D0CE95}"/>
+          </ac:spMkLst>
+        </pc:spChg>
+        <pc:spChg chg="add mod">
+          <ac:chgData name="Mansur He" userId="2cd3e99d6a3c3959" providerId="LiveId" clId="{16CB9BD3-0FD0-435F-BA63-C692E6031789}" dt="2017-12-01T00:40:37.994" v="15992" actId="13822"/>
+          <ac:spMkLst>
+            <pc:docMk/>
+            <pc:sldMk cId="136331766" sldId="281"/>
+            <ac:spMk id="6" creationId="{CCC9E418-6E82-4031-9FD4-8A588347090A}"/>
+          </ac:spMkLst>
+        </pc:spChg>
+        <pc:spChg chg="add mod">
+          <ac:chgData name="Mansur He" userId="2cd3e99d6a3c3959" providerId="LiveId" clId="{16CB9BD3-0FD0-435F-BA63-C692E6031789}" dt="2017-12-01T00:41:53.897" v="16018" actId="20577"/>
+          <ac:spMkLst>
+            <pc:docMk/>
+            <pc:sldMk cId="136331766" sldId="281"/>
+            <ac:spMk id="7" creationId="{A892A02C-4C53-4000-85A9-33EEC39BFE6B}"/>
+          </ac:spMkLst>
+        </pc:spChg>
+        <pc:spChg chg="add mod">
+          <ac:chgData name="Mansur He" userId="2cd3e99d6a3c3959" providerId="LiveId" clId="{16CB9BD3-0FD0-435F-BA63-C692E6031789}" dt="2017-12-01T00:42:01.649" v="16043" actId="20577"/>
+          <ac:spMkLst>
+            <pc:docMk/>
+            <pc:sldMk cId="136331766" sldId="281"/>
+            <ac:spMk id="8" creationId="{15D81BFD-8C72-4197-A389-21AF5B022A10}"/>
+          </ac:spMkLst>
+        </pc:spChg>
+        <pc:spChg chg="add mod">
+          <ac:chgData name="Mansur He" userId="2cd3e99d6a3c3959" providerId="LiveId" clId="{16CB9BD3-0FD0-435F-BA63-C692E6031789}" dt="2017-12-01T00:42:06.247" v="16054" actId="20577"/>
+          <ac:spMkLst>
+            <pc:docMk/>
+            <pc:sldMk cId="136331766" sldId="281"/>
+            <ac:spMk id="9" creationId="{32BFBDD3-3CB8-4FFA-A721-7E2C38266803}"/>
+          </ac:spMkLst>
+        </pc:spChg>
+      </pc:sldChg>
+      <pc:sldChg chg="add del">
+        <pc:chgData name="Mansur He" userId="2cd3e99d6a3c3959" providerId="LiveId" clId="{16CB9BD3-0FD0-435F-BA63-C692E6031789}" dt="2017-12-01T00:37:19.165" v="15967"/>
+        <pc:sldMkLst>
+          <pc:docMk/>
+          <pc:sldMk cId="1131359913" sldId="282"/>
+        </pc:sldMkLst>
+      </pc:sldChg>
+      <pc:sldChg chg="addSp delSp modSp add">
+        <pc:chgData name="Mansur He" userId="2cd3e99d6a3c3959" providerId="LiveId" clId="{16CB9BD3-0FD0-435F-BA63-C692E6031789}" dt="2017-12-01T00:50:25.246" v="16255"/>
+        <pc:sldMkLst>
+          <pc:docMk/>
+          <pc:sldMk cId="1284418725" sldId="282"/>
+        </pc:sldMkLst>
+        <pc:spChg chg="del">
+          <ac:chgData name="Mansur He" userId="2cd3e99d6a3c3959" providerId="LiveId" clId="{16CB9BD3-0FD0-435F-BA63-C692E6031789}" dt="2017-12-01T00:43:51.072" v="16095" actId="478"/>
+          <ac:spMkLst>
+            <pc:docMk/>
+            <pc:sldMk cId="1284418725" sldId="282"/>
+            <ac:spMk id="2" creationId="{D752BBC1-29B9-497E-82E5-0A2D73F9BFCC}"/>
+          </ac:spMkLst>
+        </pc:spChg>
+        <pc:spChg chg="del">
+          <ac:chgData name="Mansur He" userId="2cd3e99d6a3c3959" providerId="LiveId" clId="{16CB9BD3-0FD0-435F-BA63-C692E6031789}" dt="2017-12-01T00:43:51.072" v="16095" actId="478"/>
+          <ac:spMkLst>
+            <pc:docMk/>
+            <pc:sldMk cId="1284418725" sldId="282"/>
+            <ac:spMk id="3" creationId="{BDF1129B-6145-4D89-8152-E1DFF032B16B}"/>
+          </ac:spMkLst>
+        </pc:spChg>
+        <pc:spChg chg="add mod">
+          <ac:chgData name="Mansur He" userId="2cd3e99d6a3c3959" providerId="LiveId" clId="{16CB9BD3-0FD0-435F-BA63-C692E6031789}" dt="2017-12-01T00:44:33.632" v="16105" actId="1076"/>
+          <ac:spMkLst>
+            <pc:docMk/>
+            <pc:sldMk cId="1284418725" sldId="282"/>
+            <ac:spMk id="4" creationId="{2E406D6A-6BBB-46D4-8C98-EA21FFD1FE24}"/>
+          </ac:spMkLst>
+        </pc:spChg>
+        <pc:spChg chg="add mod">
+          <ac:chgData name="Mansur He" userId="2cd3e99d6a3c3959" providerId="LiveId" clId="{16CB9BD3-0FD0-435F-BA63-C692E6031789}" dt="2017-12-01T00:44:45.758" v="16127" actId="1076"/>
+          <ac:spMkLst>
+            <pc:docMk/>
+            <pc:sldMk cId="1284418725" sldId="282"/>
+            <ac:spMk id="5" creationId="{42950528-0A08-4DA8-B4BE-290AFFFB25E7}"/>
+          </ac:spMkLst>
+        </pc:spChg>
+        <pc:spChg chg="add mod">
+          <ac:chgData name="Mansur He" userId="2cd3e99d6a3c3959" providerId="LiveId" clId="{16CB9BD3-0FD0-435F-BA63-C692E6031789}" dt="2017-12-01T00:49:59.745" v="16235" actId="20577"/>
+          <ac:spMkLst>
+            <pc:docMk/>
+            <pc:sldMk cId="1284418725" sldId="282"/>
+            <ac:spMk id="6" creationId="{EB322D47-0C66-4F04-84DE-895AFEDA1E8B}"/>
+          </ac:spMkLst>
+        </pc:spChg>
+        <pc:spChg chg="add del mod">
+          <ac:chgData name="Mansur He" userId="2cd3e99d6a3c3959" providerId="LiveId" clId="{16CB9BD3-0FD0-435F-BA63-C692E6031789}" dt="2017-12-01T00:50:25.246" v="16255"/>
+          <ac:spMkLst>
+            <pc:docMk/>
+            <pc:sldMk cId="1284418725" sldId="282"/>
+            <ac:spMk id="7" creationId="{CB65DB41-11DC-40F7-801A-0221C163C6EC}"/>
+          </ac:spMkLst>
+        </pc:spChg>
+        <pc:spChg chg="add del mod">
+          <ac:chgData name="Mansur He" userId="2cd3e99d6a3c3959" providerId="LiveId" clId="{16CB9BD3-0FD0-435F-BA63-C692E6031789}" dt="2017-12-01T00:50:17.225" v="16251" actId="478"/>
+          <ac:spMkLst>
+            <pc:docMk/>
+            <pc:sldMk cId="1284418725" sldId="282"/>
+            <ac:spMk id="8" creationId="{9F5A9015-E983-4FE6-8136-2F00C2C14F20}"/>
+          </ac:spMkLst>
+        </pc:spChg>
+        <pc:spChg chg="add mod">
+          <ac:chgData name="Mansur He" userId="2cd3e99d6a3c3959" providerId="LiveId" clId="{16CB9BD3-0FD0-435F-BA63-C692E6031789}" dt="2017-12-01T00:50:23.428" v="16254" actId="1076"/>
+          <ac:spMkLst>
+            <pc:docMk/>
+            <pc:sldMk cId="1284418725" sldId="282"/>
+            <ac:spMk id="9" creationId="{F65D8A17-E0F8-4F07-AADA-BFB459A56FB9}"/>
+          </ac:spMkLst>
+        </pc:spChg>
+      </pc:sldChg>
+      <pc:sldChg chg="add del">
+        <pc:chgData name="Mansur He" userId="2cd3e99d6a3c3959" providerId="LiveId" clId="{16CB9BD3-0FD0-435F-BA63-C692E6031789}" dt="2017-12-01T00:37:19.165" v="15967"/>
+        <pc:sldMkLst>
+          <pc:docMk/>
+          <pc:sldMk cId="814459342" sldId="283"/>
+        </pc:sldMkLst>
+      </pc:sldChg>
+      <pc:sldChg chg="addSp delSp modSp add">
+        <pc:chgData name="Mansur He" userId="2cd3e99d6a3c3959" providerId="LiveId" clId="{16CB9BD3-0FD0-435F-BA63-C692E6031789}" dt="2017-12-01T00:50:38.234" v="16278" actId="1076"/>
+        <pc:sldMkLst>
+          <pc:docMk/>
+          <pc:sldMk cId="1248312717" sldId="283"/>
+        </pc:sldMkLst>
+        <pc:spChg chg="del">
+          <ac:chgData name="Mansur He" userId="2cd3e99d6a3c3959" providerId="LiveId" clId="{16CB9BD3-0FD0-435F-BA63-C692E6031789}" dt="2017-12-01T00:44:57.839" v="16129" actId="478"/>
+          <ac:spMkLst>
+            <pc:docMk/>
+            <pc:sldMk cId="1248312717" sldId="283"/>
+            <ac:spMk id="2" creationId="{E4637569-F830-4794-B017-D749733993FC}"/>
+          </ac:spMkLst>
+        </pc:spChg>
+        <pc:spChg chg="del">
+          <ac:chgData name="Mansur He" userId="2cd3e99d6a3c3959" providerId="LiveId" clId="{16CB9BD3-0FD0-435F-BA63-C692E6031789}" dt="2017-12-01T00:44:57.839" v="16129" actId="478"/>
+          <ac:spMkLst>
+            <pc:docMk/>
+            <pc:sldMk cId="1248312717" sldId="283"/>
+            <ac:spMk id="3" creationId="{888A6220-2CFA-44A3-86BD-A37EBBC0863E}"/>
+          </ac:spMkLst>
+        </pc:spChg>
+        <pc:spChg chg="add mod">
+          <ac:chgData name="Mansur He" userId="2cd3e99d6a3c3959" providerId="LiveId" clId="{16CB9BD3-0FD0-435F-BA63-C692E6031789}" dt="2017-12-01T00:47:55.578" v="16157" actId="1076"/>
+          <ac:spMkLst>
+            <pc:docMk/>
+            <pc:sldMk cId="1248312717" sldId="283"/>
+            <ac:spMk id="4" creationId="{38BAEF1D-3CEF-4DA5-AE9A-61B501E5DBC1}"/>
+          </ac:spMkLst>
+        </pc:spChg>
+        <pc:spChg chg="add mod">
+          <ac:chgData name="Mansur He" userId="2cd3e99d6a3c3959" providerId="LiveId" clId="{16CB9BD3-0FD0-435F-BA63-C692E6031789}" dt="2017-12-01T00:49:50.275" v="16207" actId="1076"/>
+          <ac:spMkLst>
+            <pc:docMk/>
+            <pc:sldMk cId="1248312717" sldId="283"/>
+            <ac:spMk id="5" creationId="{06780871-83D6-4B5B-AE25-1EF5FE5AA44A}"/>
+          </ac:spMkLst>
+        </pc:spChg>
+        <pc:spChg chg="add del mod">
+          <ac:chgData name="Mansur He" userId="2cd3e99d6a3c3959" providerId="LiveId" clId="{16CB9BD3-0FD0-435F-BA63-C692E6031789}" dt="2017-12-01T00:50:19.848" v="16252"/>
+          <ac:spMkLst>
+            <pc:docMk/>
+            <pc:sldMk cId="1248312717" sldId="283"/>
+            <ac:spMk id="6" creationId="{BDC6BF56-860E-4EE5-8E55-FCE0DEFE7033}"/>
+          </ac:spMkLst>
+        </pc:spChg>
+        <pc:spChg chg="add mod">
+          <ac:chgData name="Mansur He" userId="2cd3e99d6a3c3959" providerId="LiveId" clId="{16CB9BD3-0FD0-435F-BA63-C692E6031789}" dt="2017-12-01T00:50:28.378" v="16257" actId="1076"/>
+          <ac:spMkLst>
+            <pc:docMk/>
+            <pc:sldMk cId="1248312717" sldId="283"/>
+            <ac:spMk id="7" creationId="{99DB5DE5-B200-41A8-9B9A-3EF8AB0CABF6}"/>
+          </ac:spMkLst>
+        </pc:spChg>
+        <pc:spChg chg="add mod">
+          <ac:chgData name="Mansur He" userId="2cd3e99d6a3c3959" providerId="LiveId" clId="{16CB9BD3-0FD0-435F-BA63-C692E6031789}" dt="2017-12-01T00:50:38.234" v="16278" actId="1076"/>
+          <ac:spMkLst>
+            <pc:docMk/>
+            <pc:sldMk cId="1248312717" sldId="283"/>
+            <ac:spMk id="8" creationId="{63D43FB1-71F9-4CC7-B3A0-A76D80A188AA}"/>
+          </ac:spMkLst>
+        </pc:spChg>
+      </pc:sldChg>
+      <pc:sldChg chg="add del">
+        <pc:chgData name="Mansur He" userId="2cd3e99d6a3c3959" providerId="LiveId" clId="{16CB9BD3-0FD0-435F-BA63-C692E6031789}" dt="2017-12-01T00:37:19.165" v="15967"/>
+        <pc:sldMkLst>
+          <pc:docMk/>
+          <pc:sldMk cId="585231216" sldId="284"/>
+        </pc:sldMkLst>
+      </pc:sldChg>
+      <pc:sldChg chg="addSp delSp modSp add ord">
+        <pc:chgData name="Mansur He" userId="2cd3e99d6a3c3959" providerId="LiveId" clId="{16CB9BD3-0FD0-435F-BA63-C692E6031789}" dt="2017-12-01T00:51:54.632" v="16315" actId="14100"/>
+        <pc:sldMkLst>
+          <pc:docMk/>
+          <pc:sldMk cId="2464528041" sldId="284"/>
+        </pc:sldMkLst>
+        <pc:spChg chg="del">
+          <ac:chgData name="Mansur He" userId="2cd3e99d6a3c3959" providerId="LiveId" clId="{16CB9BD3-0FD0-435F-BA63-C692E6031789}" dt="2017-12-01T00:50:44.093" v="16281" actId="478"/>
+          <ac:spMkLst>
+            <pc:docMk/>
+            <pc:sldMk cId="2464528041" sldId="284"/>
+            <ac:spMk id="2" creationId="{104FBCF5-8D76-45BE-90BD-D4322461F7AF}"/>
+          </ac:spMkLst>
+        </pc:spChg>
+        <pc:spChg chg="del">
+          <ac:chgData name="Mansur He" userId="2cd3e99d6a3c3959" providerId="LiveId" clId="{16CB9BD3-0FD0-435F-BA63-C692E6031789}" dt="2017-12-01T00:50:44.093" v="16281" actId="478"/>
+          <ac:spMkLst>
+            <pc:docMk/>
+            <pc:sldMk cId="2464528041" sldId="284"/>
+            <ac:spMk id="3" creationId="{55938E7F-DB89-439D-98C1-8F658AD32428}"/>
+          </ac:spMkLst>
+        </pc:spChg>
+        <pc:spChg chg="add mod">
+          <ac:chgData name="Mansur He" userId="2cd3e99d6a3c3959" providerId="LiveId" clId="{16CB9BD3-0FD0-435F-BA63-C692E6031789}" dt="2017-12-01T00:51:54.632" v="16315" actId="14100"/>
+          <ac:spMkLst>
+            <pc:docMk/>
+            <pc:sldMk cId="2464528041" sldId="284"/>
+            <ac:spMk id="4" creationId="{E444A861-36EB-490F-95B9-39B5A3042E4A}"/>
+          </ac:spMkLst>
+        </pc:spChg>
+        <pc:spChg chg="add mod">
+          <ac:chgData name="Mansur He" userId="2cd3e99d6a3c3959" providerId="LiveId" clId="{16CB9BD3-0FD0-435F-BA63-C692E6031789}" dt="2017-12-01T00:51:48.816" v="16313" actId="1076"/>
+          <ac:spMkLst>
+            <pc:docMk/>
+            <pc:sldMk cId="2464528041" sldId="284"/>
+            <ac:spMk id="5" creationId="{C0BFD7B5-30DA-4D00-8F1C-F80B4B1A7110}"/>
+          </ac:spMkLst>
+        </pc:spChg>
+      </pc:sldChg>
+      <pc:sldChg chg="add del">
+        <pc:chgData name="Mansur He" userId="2cd3e99d6a3c3959" providerId="LiveId" clId="{16CB9BD3-0FD0-435F-BA63-C692E6031789}" dt="2017-12-01T00:37:19.165" v="15967"/>
+        <pc:sldMkLst>
+          <pc:docMk/>
+          <pc:sldMk cId="430534325" sldId="285"/>
+        </pc:sldMkLst>
+      </pc:sldChg>
+      <pc:sldChg chg="add del">
+        <pc:chgData name="Mansur He" userId="2cd3e99d6a3c3959" providerId="LiveId" clId="{16CB9BD3-0FD0-435F-BA63-C692E6031789}" dt="2017-12-01T00:37:19.165" v="15967"/>
+        <pc:sldMkLst>
+          <pc:docMk/>
+          <pc:sldMk cId="2245357467" sldId="286"/>
+        </pc:sldMkLst>
+      </pc:sldChg>
+      <pc:sldChg chg="add del">
+        <pc:chgData name="Mansur He" userId="2cd3e99d6a3c3959" providerId="LiveId" clId="{16CB9BD3-0FD0-435F-BA63-C692E6031789}" dt="2017-12-01T00:37:19.165" v="15967"/>
+        <pc:sldMkLst>
+          <pc:docMk/>
+          <pc:sldMk cId="1745280155" sldId="287"/>
+        </pc:sldMkLst>
+      </pc:sldChg>
+      <pc:sldChg chg="add del">
+        <pc:chgData name="Mansur He" userId="2cd3e99d6a3c3959" providerId="LiveId" clId="{16CB9BD3-0FD0-435F-BA63-C692E6031789}" dt="2017-12-01T00:37:19.165" v="15967"/>
+        <pc:sldMkLst>
+          <pc:docMk/>
+          <pc:sldMk cId="591714305" sldId="288"/>
+        </pc:sldMkLst>
+      </pc:sldChg>
+      <pc:sldChg chg="add del">
+        <pc:chgData name="Mansur He" userId="2cd3e99d6a3c3959" providerId="LiveId" clId="{16CB9BD3-0FD0-435F-BA63-C692E6031789}" dt="2017-12-01T00:37:19.165" v="15967"/>
+        <pc:sldMkLst>
+          <pc:docMk/>
+          <pc:sldMk cId="4249456157" sldId="289"/>
+        </pc:sldMkLst>
+      </pc:sldChg>
+      <pc:sldChg chg="add del">
+        <pc:chgData name="Mansur He" userId="2cd3e99d6a3c3959" providerId="LiveId" clId="{16CB9BD3-0FD0-435F-BA63-C692E6031789}" dt="2017-12-01T00:37:19.165" v="15967"/>
+        <pc:sldMkLst>
+          <pc:docMk/>
+          <pc:sldMk cId="3071218911" sldId="290"/>
+        </pc:sldMkLst>
+      </pc:sldChg>
+      <pc:sldChg chg="add del">
+        <pc:chgData name="Mansur He" userId="2cd3e99d6a3c3959" providerId="LiveId" clId="{16CB9BD3-0FD0-435F-BA63-C692E6031789}" dt="2017-12-01T00:37:19.165" v="15967"/>
+        <pc:sldMkLst>
+          <pc:docMk/>
+          <pc:sldMk cId="1103521401" sldId="291"/>
+        </pc:sldMkLst>
+      </pc:sldChg>
+      <pc:sldChg chg="add del">
+        <pc:chgData name="Mansur He" userId="2cd3e99d6a3c3959" providerId="LiveId" clId="{16CB9BD3-0FD0-435F-BA63-C692E6031789}" dt="2017-12-01T00:37:19.165" v="15967"/>
+        <pc:sldMkLst>
+          <pc:docMk/>
+          <pc:sldMk cId="1453981853" sldId="292"/>
+        </pc:sldMkLst>
+      </pc:sldChg>
+      <pc:sldChg chg="add del">
+        <pc:chgData name="Mansur He" userId="2cd3e99d6a3c3959" providerId="LiveId" clId="{16CB9BD3-0FD0-435F-BA63-C692E6031789}" dt="2017-12-01T00:37:19.165" v="15967"/>
+        <pc:sldMkLst>
+          <pc:docMk/>
+          <pc:sldMk cId="4180361267" sldId="293"/>
+        </pc:sldMkLst>
+      </pc:sldChg>
+      <pc:sldChg chg="add del">
+        <pc:chgData name="Mansur He" userId="2cd3e99d6a3c3959" providerId="LiveId" clId="{16CB9BD3-0FD0-435F-BA63-C692E6031789}" dt="2017-12-01T00:37:19.165" v="15967"/>
+        <pc:sldMkLst>
+          <pc:docMk/>
+          <pc:sldMk cId="1754585910" sldId="294"/>
+        </pc:sldMkLst>
+      </pc:sldChg>
+      <pc:sldChg chg="add del">
+        <pc:chgData name="Mansur He" userId="2cd3e99d6a3c3959" providerId="LiveId" clId="{16CB9BD3-0FD0-435F-BA63-C692E6031789}" dt="2017-12-01T00:37:19.165" v="15967"/>
+        <pc:sldMkLst>
+          <pc:docMk/>
+          <pc:sldMk cId="809016287" sldId="295"/>
+        </pc:sldMkLst>
       </pc:sldChg>
       <pc:sldMasterChg chg="setBg modSldLayout">
         <pc:chgData name="Mansur He" userId="2cd3e99d6a3c3959" providerId="LiveId" clId="{16CB9BD3-0FD0-435F-BA63-C692E6031789}" dt="2017-11-15T19:22:35.187" v="1582" actId="20577"/>
@@ -7752,22 +8367,22 @@
   </inkml:definitions>
   <inkml:trace contextRef="#ctx0" brushRef="#br0">5307 291 1024,'0'0'0,"0"-26"384,0 26 128,0-26 2944,0 26 0,0 0-3456,0 0 128,0-27 256,27 27 128,-27 0-128,0-26 128,0 26 128,0-27 0,-27 1-256,1-1 0,-1 27 384,-26-26 128,1-1-896,-28 27 128,27-26-128,-26 26 0,0 0 896,26 0 0,-27 0-896,1 0 0,-1-27 0,1 54 0,-27-27 511,27 0 129,-27 26-256,-26-26 0,-1 53-512,1-26 128,0 26 0,0 0 128,-1-1 640,27 1 0,27 27-1280,-27-27 128,0 26 768,1-26 0,-1 0-384,0 26 0,27-26-128,-1 27 0,1-1 128,-1 0 0,28 27 0,-28-27 0,1 1 0,26-1 128,-27-26-256,1 27 0,0-1 128,52 0 0,-26-26 0,27 27 128,-1-1-256,1-26 0,-27 26 384,27-26 0,-1 0-256,1 26 0,26 1 0,-53-1 0,0 27 128,0 0 0,0 0 0,27 0 128,-1-1-256,1-25 0,-1-27-128,27 0 0,-26-1 128,26 28 0,0-27 384,0 0 128,0 26-768,0-26 128,-27 0 0,27 0 128,0 0-128,0-27 0,0 1 384,0-1 128,0 1-1664,27-1 0,-27-26 2560,0 26 0,0-26-1408,0 0 128,0 27-128,0-27 128,0 0-1408,0 0 128,0 0 384,0 0 129,0 0-4097,0-27 128,0 1 1408</inkml:trace>
   <inkml:trace contextRef="#ctx0" brushRef="#br0" timeOffset="1186.5626">730 2778 7296,'33'33'0,"0"0"0,-33-33 128,0 0 896,0 0 0,0-33-384,0 66 0,0 33-512,33 1 128,0-1 128,0 66 0,0-33 0,1 34 128,32-1-384,-33 33 128,0 1 128,0-67 128,0-33-128,0-33 0,0 33-384,-33-66 0,0 33-128,0-33 128,0 0-1152,0-33 128,-33 0-4224,33-66 0,0 33 5504</inkml:trace>
-  <inkml:trace contextRef="#ctx0" brushRef="#br0" timeOffset="1371.4334">730 2831 5888,'26'0'0,"1"27"128,-27-27 128,-27 0 512,27-27 0,-26 27-384,26 0 0,26 0-384,1 0 128,26 0 256,0 0 0,-27 0-256,54 0 128,-27 0-256,0-26 0,26 26 0,0 0 128,1 0-128,-27 0 0,26-26 0,0 26 0,-26 0 128,0 0 0,0-27-128,0 27 0,-26 0 128,-1 0 0,0 0-128,1 27 0,-27-27 128,26 0 128,-26 0-128,0 26 0,0-26-128,0 26 0,0-26 128,0 0 0,0 27-128,0-27 0,-26 0 0,26 0 0,0 26 0,0 1 128,-27-1-128,1-26 0,0 27 256,26-1 0,-27 1-128,1 26 0,-1-27-128,1 27 128,-1 0 0,-26 0 128,0 0-128,0 26 128,27 1 128,-27-1 128,27 0-256,-1-26 0,1 0-256,-1-26 0,27-1 0,0 1 0,0-1 0,0-26 0,0-26-1024,27 26 128,-1-27-2176,-26 1 128,27-27-896</inkml:trace>
+  <inkml:trace contextRef="#ctx0" brushRef="#br0" timeOffset="1371.4333">730 2831 5888,'26'0'0,"1"27"128,-27-27 128,-27 0 512,27-27 0,-26 27-384,26 0 0,26 0-384,1 0 128,26 0 256,0 0 0,-27 0-256,54 0 128,-27 0-256,0-26 0,26 26 0,0 0 128,1 0-128,-27 0 0,26-26 0,0 26 0,-26 0 128,0 0 0,0-27-128,0 27 0,-26 0 128,-1 0 0,0 0-128,1 27 0,-27-27 128,26 0 128,-26 0-128,0 26 0,0-26-128,0 26 0,0-26 128,0 0 0,0 27-128,0-27 0,-26 0 0,26 0 0,0 26 0,0 1 128,-27-1-128,1-26 0,0 27 256,26-1 0,-27 1-128,1 26 0,-1-27-128,1 27 128,-1 0 0,-26 0 128,0 0-128,0 26 128,27 1 128,-27-1 128,27 0-256,-1-26 0,1 0-256,-1-26 0,27-1 0,0 1 0,0-1 0,0-26 0,0-26-1024,27 26 128,-1-27-2176,-26 1 128,27-27-896</inkml:trace>
   <inkml:trace contextRef="#ctx0" brushRef="#br0" timeOffset="3219.3454">1021 3043 1280,'27'26'0,"-1"1"128,-26-27 0,0-27 768,0 27 128,-26 0-512,26 0 128,-27-26-512,27 26 128,0 0 256,0 0 128,0 0-384,0 0 0,0 0-256,0 0 0,0 0 384,0 0 128,0 0-384,0 0 0,0 0 0,0 0 128,27 0-256,-27-27 128,0 27-128,26-26 128,-26-1 0,27 1 128,-1 26 128,-26 0 128,27-27-256,-27 27 0,26 0 128,-26 0 0,27 0-256,-27 0 0,26 0 256,-26 0 128,0 0-384,0 0 128,27 0-128,-54 27 0,27-27 0,0 26 128,-26 1-128,26-1 128,-27 1-256,1-1 128,26 1 256,-27-1 0,27-26-384,-26 27 128,26-27-128,0 0 0,26 0 384,1-27 0,-1 1-256,27-1 0,-26 1-256,-1-27 128,27 26 128,-26 1 0,-1 26-128,1-27 0,-1 27 0,-26 0 0,0 27 0,0-1 128,-26 1-128,26 26 0,-27-27 128,1 27 128,-1-26-256,1 26 0,-1-27-128,1 1 0,26-27 0,0 0 128,0 0 0,26 0 0,1-27-128,-1 1 128,1-1 0,26 1 0,-27-1 0,1 1 0,-27 26-128,26-27 128,-26 27-128,0 0 128,27 0 0,-27 27 128,-27-1 0,1 1 0,26-1-128,-53 27 0,26-26 0,1 26 0,-1-1 128,1-25 0,26 26-256,0-53 0,0-53 128,53 0 0,-27 0-128,27 0 128,0 0 0,0 0 0,-27 0 0,1 0 0,-1 27 0,1-1 0,-27 27 0,0 0 0,0 0 0,0 27 0,0-1 0,-27 1 0,-26-1 0,27 27 128,-27 0-256,27 0 128,-27-26 0,26 26 0,1-27 0,-1-26 0,1 26 0,26-52 0,-27 26 0,1-26 0,-1-1 0,27 1 0,-26-1 0,26 1 128,-27 26-128,1-27 0,-1 1 0,27-1 0,-26 27-128,-1-26 0,1-1 128,26 1 0,-27-1 0,1 1 0,26-1 128,-27 27 0,1-26-128,26 26 0,-27 0 0,27 0 0,0 26-128,0 1 128,0-1 0,27 1 0,-27-1 0,26 27 0,-26 27 0,27-27 0,-1 26-128,-26 0 0,27 27 128,-1-26 0,1 26-128,-1-27 128,1 0 0,-1 1 0,-26-27 0,27 0 0,-27 26 0,26-52 0,-26 26 0,0-27 0,0 1 0,27-1 0,-27-26 0,0 0 0,0 26-128,0-52 128,26 0 0,-26-1 0,0 1-128,0-1 128,27-26 0,-27 27 0,0-1 0,0 1 0,26-1 0,-26 1 0,0-27-128,27 26 128,-27 1-128,26-27 0,1 0 0,-1 0 128,1 0-128,-1-26 128,1 26-128,-1 0 128,0-27-128,1 27 0,-1 1 128,1-1 0,26 0-128,-27 26 128,-26 1-128,27-27 128,-27 26 0,26 1 0,-26 26 0,27-27 0,-27 1 0,0 26 0,0-27 0,0 27 0,26 0-128,-26 0 128,0 0-2944,0 0 128,0 0-2048</inkml:trace>
   <inkml:trace contextRef="#ctx0" brushRef="#br1" timeOffset="13769.6438">2952 2515 3584,'27'-27'0,"26"1"128,-53 26 0,0 0 512,-27 0 128,1 0 128,-1-27 0,27 1-256,0-1 0,27-26-256,-27 27 0,26-27 0,1 0 0,-1 0-384,0 0 128,1-26 0,26 26 128,-27-27 128,1 27 128,26-26-256,0 0 0,0 26-384,-1 0 128,28 0 0,-27 0 0,0 26 0,26-26 0,0 0 0,-26 27 128,27-27 0,-27 27 0,0-27 0,0 26 128,26 1-384,-26-1 0,26-26 128,-26 27 0,0 26-128,0-27 0,-26 1 128,25-1 0,1 1 0,-26 26 0,26-26 128,-27-1 0,27 27-128,-26 0 0,26-26 0,-27 26 128,27 0-256,-27 0 0,1 0 128,-1 0 0,1 0 0,-1 0 0,1 0 0,-27 0 128,0 0-128,0 0 128,26 0-128,-26 0 0,0 0-2688,0 0 0,0 0-1408</inkml:trace>
   <inkml:trace contextRef="#ctx0" brushRef="#br1" timeOffset="14848.2566">4673 748 2688,'33'0'0,"0"33"640,-33-33 128,-33-33 384,33 33 128,-33-34-384,33 34 0,-33 0-512,33 0 128,0 0 512,0 34 0,0-1-640,-33 33 128,33 0-384,0 0 128,0 33-128,0-33 128,0 1-256,0-34 128,0 0 0,0 0 0,0 0-128,0-33 128,33-33-128,-33 0 128,33 33-128,0-33 0,0 0 0,0-1 128,0-32-128,0 33 0,0-33 0,33 33 0,0 0 0,1 33 0,-1-33 0,0 0 0,-33 33 0,33 0 0,-33-33 0,0 33 0,0 0 0,0-33 0,-33 33 128,0 0 0,0 0-128,0 0 128,-33 33-128,0-33 0,0 0 0,-33 0 0,33 0 0,0 0 128,-33 0-128,0 0 128,32 0-128,-32 0 128,33 0-128,-33 0 0,0 0 0,33 0 128,0 0-128,0 0 0,0 0 0,33 0 128,0 0-128,0 0 0,0 0 0,0 0 0,0 0 0,0 0 0,0 0 0,0 0 0,0 0 0,0 0 0,0 0 0,0 0 0,0 0 0,0 0 0,0 0 0,0 0 0,-33 0 0,33 0 128,0 0-128,0 0 0,0 0 128,0 0 0,0 0-128,0 0 0,0 0 0,0 0 0,-33 0 0,33 0 0,0 0 0,0 0 0,-34-33-128,1 33 128,0 0 0,0 0 0,0 0 0,0 0 0,0 0 0,33 0 0,-33 0 0,0 0 0,33 0-128,-33 0 128,33 0 0,0 0 0,0 0 0,0 0 0,0 0 0,0 0 0,0 0 0,0 0 0,0 0 0,0 0 0,0 0 0,0 0 0,0 0 0,0 0 0,0 0 0,0 0 0,0 0 0,0 0 0,0 0 0,0 0 0,0 33 0,33-33 128,-33 33-128,33 0 128,0 0-128,0 0 0,0 33 0,0-66 128,0 33-128,0 0 0,0 0 0,1 0 0,-34-33 0,33 34 0,-33-1 0,0-33 0,33 33-2176,-33-33 128,0 0-5248</inkml:trace>
   <inkml:trace contextRef="#ctx0" brushRef="#br1" timeOffset="16101.2466">4593 1185 5504,'33'0'0,"-33"-33"128,0 33 128,0-34 512,0 34 0,33 0-640,-33 0 0,0-33 0,0 33 0,33-33 0,0 33 128,0-33 0,33 0 0,0 33-128,-33 0 0,34-33-256,-34 33 128,0 0-640,0 0 128,0 33-4736</inkml:trace>
   <inkml:trace contextRef="#ctx0" brushRef="#br2" timeOffset="25541.9375">3693 3043 5760,'27'-26'0,"26"-27"384,-53 53 128,0 0-128,0 0 0,-27 26 128,27-26 128,-26 0-256,52-26 128,-26-1 0,27 1 128,-27-27-128,26 26 0,0-52-256,1 26 0,26 0-128,0-26 0,0 26-128,0-27 128,26 27-128,0-26 128,1 0-128,26-1 128,0-26-128,-1 27 128,1 26-128,-26-26 128,-1 52-128,0-26 0,27 0 0,-26 0 128,-54 27-128,27 0 0,0-1 0,0 1 0,0 26 0,-27-27 0,27 1 0,0-1 0,-26 27 0,26 0 0,-27-26 0,27 26 128,-26 0-128,-1 0 0,27 0 0,-27-27 128,27 27-128,-26 0 0,-1 0 0,1 0 0,-1 0 0,-26 0 128,27 0-128,-27 0 0,0 0 0,0 0 0,0 0 0,0 0 128,0 0-128,0 0 0,0 0-128,0 0 0,0 0-3328,0 0 0,0 0-128</inkml:trace>
   <inkml:trace contextRef="#ctx0" brushRef="#br2" timeOffset="26757.9189">5175 1535 8064,'53'0'0,"27"0"128,-80 0 0,-27 0 128,1 26 0,26 1 640,-27 26 0,27-27-256,0 27 0,0-26-384,0 25 0,27-25-128,-27-1 128,26 1-128,-26-1 0,0-26 0,0 27 0,0-27-128,0 0 128,0 0-128,0 0 0,0-27 0,0 1 128,27 26-128,-27-27 128,26 1-128,0-1 0,1 1 0,-1 0 0,27-27 0,0 26 0,27-26 0,-27 27 0,26-1 0,-26 1 0,0 26 0,0-27 0,0 1 0,-27 26 0,1-27 0,-1 27 0,-26 0 128,27 0 0,-27 0 0,0 0 0,0 0-128,0 0 128,0 0-128,-27 0 0,1 0 128,-1 0 0,-26 0-128,0 0 0,0 0 0,1 0 0,-1 0 0,0 0 128,-27 0-128,27 0 0,0 0 128,0 0 0,0 0-128,27 0 0,-27 0 0,0 0 0,27 0 0,-1 0 0,1 0 0,-1 0 0,1 0 0,26 0 0,-27 27 0,27-27 128,0 0-128,0 0 0,0 0 0,0 0 128,0 0-128,0 0 0,-26 0 0,26 0 0,-27 0 0,1 0 0,26 0 0,-27 0 0,27 0 0,0 0 0,-26 0-128,26 0 128,0 0 128,0 0 0,-27 0-128,27 0 128,0 0-128,0 0 128,0 0-256,0 0 128,0 0 0,0 0 128,0 0-256,0 0 128,0 0 0,0 0 128,0 0-128,0 0 0,0 0 0,0 0 0,27 26 256,-1 1 0,1-1-384,26 1 128,-27-1 0,27 1 0,0-1 0,-26 1 128,-1-27 383,1 26 1,-1 1-640,1-1 128,-1-26-384,-26 0 1,0 26-4353,0-26 0,0 0 1280</inkml:trace>
-  <inkml:trace contextRef="#ctx0" brushRef="#br3" timeOffset="33799.7016">4487 3811 1792,'0'-26'0,"0"26"1280,0 0 128,-27 0-512,27 0 128,0 0-128,0 0 0,0 0-384,0 0 128,0 0-512,0 0 128,0 0 0,0 0 0,0 0-256,0-27 0,0 1 640,27 26 0,-27-53-512,26 26 0,1-26 0,-1 0 128,1 0-128,-1 0 128,1 0-128,-1 1 128,27-28-128,0 27 128,26-26-128,-26-1 0,27 27 0,-1 1 0,-26-28-128,26 1 128,27-1-128,-53 27 128,0 0 0,27 27 0,-27 0 0,-1-1 0,28 1-128,-27-1 0,0 1 0,0 26 0,0-27 0,0 1 0,-27 26 0,0-27 0,27 1 0,-26-1 128,-1 27-128,1-26 0,-27-1 0,26 27 128,1 0-128,-1-26 0,-26 26 0,0 0 128,27 0-128,-1-27 0,1 27 0,-27 0 0,26 0 0,-26 0 0,27 0 0,-27 0 0,0 0-128,0 0 128,0 0-384,0 0 0,0 0-1152,0 0 0,0 0-3456,0 0 0,0 0 5888</inkml:trace>
+  <inkml:trace contextRef="#ctx0" brushRef="#br3" timeOffset="33799.7015">4487 3811 1792,'0'-26'0,"0"26"1280,0 0 128,-27 0-512,27 0 128,0 0-128,0 0 0,0 0-384,0 0 128,0 0-512,0 0 128,0 0 0,0 0 0,0 0-256,0-27 0,0 1 640,27 26 0,-27-53-512,26 26 0,1-26 0,-1 0 128,1 0-128,-1 0 128,1 0-128,-1 1 128,27-28-128,0 27 128,26-26-128,-26-1 0,27 27 0,-1 1 0,-26-28-128,26 1 128,27-1-128,-53 27 128,0 0 0,27 27 0,-27 0 0,-1-1 0,28 1-128,-27-1 0,0 1 0,0 26 0,0-27 0,0 1 0,-27 26 0,0-27 0,27 1 0,-26-1 128,-1 27-128,1-26 0,-27-1 0,26 27 128,1 0-128,-1-26 0,-26 26 0,0 0 128,27 0-128,-1-27 0,1 27 0,-27 0 0,26 0 0,-26 0 0,27 0 0,-27 0 0,0 0-128,0 0 128,0 0-384,0 0 0,0 0-1152,0 0 0,0 0-3456,0 0 0,0 0 5888</inkml:trace>
   <inkml:trace contextRef="#ctx0" brushRef="#br3" timeOffset="37689.8134">5625 2170 6528,'0'0'0,"0"34"0,0-34 0,0 0 384,0 33 0,33 33 128,-33 0 0,33 0-256,33 0 128,-33 0-256,33-33 0,-33 0 0,33 34 128,-33-34-128,0 0 128,0-33-256,-33 33 128,34-33-384,-34-33 0,0 0-1664,0 0 0,-34 0-1536</inkml:trace>
-  <inkml:trace contextRef="#ctx0" brushRef="#br3" timeOffset="38369.1915">5658 2230 5632,'0'33'0,"0"0"384,0-33 0,0-33 1024,0 33 0,-33 0-1024,33 0 128,0-33 128,0 33 0,33 0-640,33 0 128,-33 0 128,66 0 0,-33 0-128,33 0 128,1-33-256,-1 33 0,0 0 0,0 0 128,0 0 0,1 0 0,-34 0-128,0 0 128,0 0-128,0 0 128,-33 0 0,0 0 0,1 0 128,-68 0 0,1 33-256,33-33 128,0 0-128,0 0 0,0 0 128,0 0 128,-33 0-256,0 0 0,0 0 0,0 33 128,0-33-128,-33 0 0,0 33 128,0 0 0,-1 0-128,1 0 128,0 0-128,33 0 0,0 0 0,-33 0 0,33 0 128,0-33 128,0 33-256,33-33 0,-33 0 0,33 0 0,-34 33-128,34-33 128,0 0 0,0 0 0,0 0 0,0 0 0,0 0 0,0 0 0,0 0 0,0 0 0,34 0 128,-34 0 128,0 0-384,0 0 128,33-33 0,-33 33 0,0 0-128,0 0 0,0 0-3072,33-33 128,0 0-2304</inkml:trace>
+  <inkml:trace contextRef="#ctx0" brushRef="#br3" timeOffset="38369.1914">5658 2230 5632,'0'33'0,"0"0"384,0-33 0,0-33 1024,0 33 0,-33 0-1024,33 0 128,0-33 128,0 33 0,33 0-640,33 0 128,-33 0 128,66 0 0,-33 0-128,33 0 128,1-33-256,-1 33 0,0 0 0,0 0 128,0 0 0,1 0 0,-34 0-128,0 0 128,0 0-128,0 0 128,-33 0 0,0 0 0,1 0 128,-68 0 0,1 33-256,33-33 128,0 0-128,0 0 0,0 0 128,0 0 128,-33 0-256,0 0 0,0 0 0,0 33 128,0-33-128,-33 0 0,0 33 128,0 0 0,-1 0-128,1 0 128,0 0-128,33 0 0,0 0 0,-33 0 0,33 0 128,0-33 128,0 33-256,33-33 0,-33 0 0,33 0 0,-34 33-128,34-33 128,0 0 0,0 0 0,0 0 0,0 0 0,0 0 0,0 0 0,0 0 0,0 0 0,34 0 128,-34 0 128,0 0-384,0 0 128,33-33 0,-33 33 0,0 0-128,0 0 0,0 0-3072,33-33 128,0 0-2304</inkml:trace>
   <inkml:trace contextRef="#ctx0" brushRef="#br4" timeOffset="290428.0542">4819 4298 5120,'0'-18'0,"18"-19"256,-18 37 128,0-18 384,-18 18 0,18-18 768,18-18 0,-18-1-896,18 1 128,0-36-512,18 17 128,1-17-256,17-19 128,19 18-128,-19 19 128,-18 18-128,1 17 0,-19 1-512,0 18 0,-18 18-3840,0 19 0,0-19 2560</inkml:trace>
-  <inkml:trace contextRef="#ctx0" brushRef="#br4" timeOffset="296354.5177">5316 3985 6528,'0'0'0,"-18"18"256,18-18 0,0 0 1024,0 0 128,0 0-1152,-18 18 0,-19-18 256,1 18 128,-18 1-256,17-19 0,1 0-256,0 18 128,-1-36-256,19 18 128,-18-19-128,18 19 0,18-18 0,0 0 0,0 18 0,0 0 128,0-18-128,0 18 0,0 0 0,0 18 0,0-18 0,18 36 0,-18-17 0,18 17 128,0 0-128,0 0 128,-18 1 0,19-1 0,-1 18-128,-18-17 128,18-1 0,-18 0 0,18-18 0,-18 1 128,0-1-256,0 0 0,0-18-1792,0 0 128,0 0-5504</inkml:trace>
+  <inkml:trace contextRef="#ctx0" brushRef="#br4" timeOffset="296354.5176">5316 3985 6528,'0'0'0,"-18"18"256,18-18 0,0 0 1024,0 0 128,0 0-1152,-18 18 0,-19-18 256,1 18 128,-18 1-256,17-19 0,1 0-256,0 18 128,-1-36-256,19 18 128,-18-19-128,18 19 0,18-18 0,0 0 0,0 18 0,0 0 128,0-18-128,0 18 0,0 0 0,0 18 0,0-18 0,18 36 0,-18-17 0,18 17 128,0 0-128,0 0 128,-18 1 0,19-1 0,-1 18-128,-18-17 128,18-1 0,-18 0 0,18-18 0,-18 1 128,0-1-256,0 0 0,0-18-1792,0 0 128,0 0-5504</inkml:trace>
   <inkml:trace contextRef="#ctx0" brushRef="#br4" timeOffset="297155.5613">5312 4420 2432,'0'0'0,"0"0"640,0 0 0,-18 18 0,0-18 0,0 19 1024,0 17 128,0 0-1408,-1 0 0,19 1 256,-18-1 128,18 18-384,-18-17 128,18-1-384,18-18 0,-18 0-128,18-18 128,19-18-128,-1 0 0,-18-18 0,0 18 0,19-37 0,-19 19 0,0 0 0,-18-19 128,0 37 0,-18-18 0,0 18-128,18-1 128,-19 19-256,1 0 128,0 19-1792,0-19 128,0 18-4096</inkml:trace>
-  <inkml:trace contextRef="#ctx0" brushRef="#br5" timeOffset="308088.3987">2406 2621 7168,'18'0'0,"18"0"256,-18 18 128,1-18 896,-19 18 0,18-18-640,0 18 0,0 0-384,18 0 0,1 0 0,-1-18 0,0 19-256,0-1 128,1-18-128,-1 0 128,-18 18-128,0-18 0,-18 0 0,0 0 0,0-18-640,-18 18 128,0 0 384,-18-18 128,18 18 0,-1 0 0,1 0-128,0 0 128,0 0 0,18 18 0,-18 0 0,18 18 0,0-18-128,0 37 128,18-19 0,-18 18 0,0-17 128,0 17 0,-18 1 128,0-19 0,0 18 128,-1-17 0,-17-1 0,18-18 128,-18-18-512,-1 0 128,1-18-128,18 18 128,-18-36 0,18 17 0,-1 1-256,19 0 128,0 0-1408,0 0 0,0 0-6400</inkml:trace>
+  <inkml:trace contextRef="#ctx0" brushRef="#br5" timeOffset="308088.3986">2406 2621 7168,'18'0'0,"18"0"256,-18 18 128,1-18 896,-19 18 0,18-18-640,0 18 0,0 0-384,18 0 0,1 0 0,-1-18 0,0 19-256,0-1 128,1-18-128,-1 0 128,-18 18-128,0-18 0,-18 0 0,0 0 0,0-18-640,-18 18 128,0 0 384,-18-18 128,18 18 0,-1 0 0,1 0-128,0 0 128,0 0 0,18 18 0,-18 0 0,18 18 0,0-18-128,0 37 128,18-19 0,-18 18 0,0-17 128,0 17 0,-18 1 128,0-19 0,0 18 128,-1-17 0,-17-1 0,18-18 128,-18-18-512,-1 0 128,1-18-128,18 18 128,-18-36 0,18 17 0,-1 1-256,19 0 128,0 0-1408,0 0 0,0 0-6400</inkml:trace>
   <inkml:trace contextRef="#ctx0" brushRef="#br5" timeOffset="309620.8736">2845 3216 2432,'0'0'0,"-18"19"640,18-19 0,0 0 0,0 0 0,0 0-384,-18 36 0,0 0 512,18 0 0,-18 1 0,18-1 128,0 0-768,0-18 0,0 1 0,18-1 0,0 0-128,0-18 0,0-18 128,18 18 128,-17-37-256,-1 19 0,-18-18 0,18 0 0,-18-1 128,-18 19 0,18-18 256,-18 18 0,-1 18-384,1 0 0,0 18 0,0-18 0,0 18-4352,18 0 0,-18 0 4480</inkml:trace>
-  <inkml:trace contextRef="#ctx0" brushRef="#br6" timeOffset="314598.0727">3360 3288 3328,'18'18'0,"1"19"512,-19-37 0,0 0 768,0 0 128,-19 0-640,19 18 0,-18 18 0,18 0 128,0 19-256,-18 17 0,18 1-384,0-1 128,0 1-256,-18-19 128,18-17-256,0-19 128,0 18-128,0-36 0,0 0-1664,0 0 128,0-36-2048,18 18 0,-18-19 3200</inkml:trace>
+  <inkml:trace contextRef="#ctx0" brushRef="#br6" timeOffset="314598.0726">3360 3288 3328,'18'18'0,"1"19"512,-19-37 0,0 0 768,0 0 128,-19 0-640,19 18 0,-18 18 0,18 0 128,0 19-256,-18 17 0,18 1-384,0-1 128,0 1-256,-18-19 128,18-17-256,0-19 128,0 18-128,0-36 0,0 0-1664,0 0 128,0-36-2048,18 18 0,-18-19 3200</inkml:trace>
   <inkml:trace contextRef="#ctx0" brushRef="#br6" timeOffset="315900.9612">3324 3332 3328,'0'15'0,"0"14"768,0-29 0,15 0 128,-15-29 0,14 0-768,1 14 0,-1-14 0,15 15 128,0 14 640,0 0 128,1 0-1024,-1 14 0,0 15 0,-15-14 128,1 14-128,-1 14 128,-28-14-128,-1 0 128,-14 15 256,0-15 0,0 0-384,0 0 0,0-14 128,0-15 0,14 0-128,1 0 0,-1 0 0,15 0 0,0 0-128,15 0 0,-1 0 0,15 0 128,0 14 0,0 1 0,1 14 0,-16 0 0,1 0 0,-1 0 0,-28 14 0,-1-14 0,1 0 0,-16 0 128,1 0 256,0-14 128,-14 0-384,14-1 128,14-14-256,-14 0 0,14-14-128,15-1 128,0 0-4864,0-14 0,15 15 5120</inkml:trace>
   <inkml:trace contextRef="#ctx0" brushRef="#br6" timeOffset="315901.9612">3717 3768 5248,'0'0'0,"-15"14"640,15-14 0,-15 15-512,15-15 128,-14 14 768,-1 1 128,15 14-512,0 0 0,-14 0 0,14 0 0,14 15-512,-14-15 128,15-15-256,-15 1 128,29-15-128,-14-15 128,-1 1-128,15-15 128,-14 0-128,-1 0 0,1-1 0,-15 1 128,-15 0 0,1 15 0,-1-1-128,1 15 128,-1-14-256,1 28 128,14-14-2176,-15 0 0,15 15-3200</inkml:trace>
   <inkml:trace contextRef="#ctx0" brushRef="#br7" timeOffset="320102.6532">15 4421 7552,'0'0'0,"0"0"384,0 0 128,-15-29 384,15 0 128,0-14-640,15 13 128,-15-13-128,29-1 128,-15 15-256,15 0 128,0 14 0,0 30 0,1 14-256,13-14 128,1 14 1280,14 0 127,-15 0-1663,30-29 0,0 0 640,-15-15 0,0-14-896,-15 0 0,-14 15-1919,-14-1-1,0 0-3712,-30 1 128,15-1 6144</inkml:trace>
@@ -7836,32 +8451,32 @@
     </inkml:brush>
   </inkml:definitions>
   <inkml:trace contextRef="#ctx0" brushRef="#br0">2334 4863 5632,'0'-26'0,"0"-1"640,0 27 0,27 0 0,-27-26 128,0 26-256,26-27 128,-26-26-512,0 1 128,0-28 640,0 27 128,-26-26-640,26-27 0,-27 0 128,1 0 0,-1 0-128,-26-26 0,-26-27-256,-1 0 128,1-26-128,-27 26 0,27 27 256,-27 0 0,0-1-384,27 1 0,-27 26 128,0 27 0,27 0 128,26 26-1,-27 0-382,28 0-1,-1 0 128,0 26 128,0 27-128,26-26 0,1 26-128,-1-27 128,27 27 0,-26 0 128,0 0-128,26 27 0,-27-27-256,27 0 128,0 0 128,0 0 0,0 0-128,0 0 0,27 26 0,-27-26 0,26 0 128,-26 27 0,26-27 0,-26 0 0,0 0-128,0 0 128,0 0-128,0 0 128,0 0-128,0 0 128,0 0-128,0 0 128,0 0-128,0 0 128,0 0-256,0 0 128,0 0-768,0 0 128,27 0-256,-27 0 0,0 26-3200,0-26 128,0 0 3712</inkml:trace>
-  <inkml:trace contextRef="#ctx0" brushRef="#br0" timeOffset="1471.6193">899 2257 3584,'-34'0'0,"1"0"512,0-33 0,33 33 1152,0 0 128,0-33-1408,0 33 128,0 0 128,0 33 0,0-33 0,33 33 128,-33 0-640,33 33 128,1 33 0,32 0 0,-33 1 128,0-1 0,33 0-256,-33 0 0,0-33-128,0 1 0,0-34 128,0 0 0,-33-33-128,0 33 0,33-33 0,-33 0 128,0 0-128,0-33 128,-33 33 0,33-33 0,0 0-128,33-34 0,-33 34 0,33-33 0,1 0 0,32 33 0,-33-33 0,33 0 0,0 33 0,-33-33 0,66 32 0,-66 1 0,1 0 0,-1 0 0,-33 33 0,0 0 0,0 0 0,0 0 0,0 0 0,-33 0 128,-1 0 0,1 0 0,-33 0-128,33 0 128,-33-33-128,0 33 0,0-33 128,0 0 0,-1 33-256,1-33 128,0 0 0,0 33 128,33-33-128,0 33 0,0-33 0,33 33 128,-33-33-256,33 33 128,-33 0 0,33 0 0,-33 0 0,33 0 0,0 0 0,0 0 0,0 0 0,0 0 0,0 0 0,0 0 0,0 0 0,0 0 128,0 0-256,0 0 128,0 0 0,0 0 0,0 0-128,0 0 128,0 0 0,0 0 0,33 0 0,-33 33 0,66-33-128,-33 33 128,33-33 0,0 33 0,0 0 0,0-33 0,-33 33 0,34-33 0,-34 33 0,0-33 0,0 0 0,-33 0 0,33 0 0,-33 0 128,0 33-128,0-33 0,-33 0 0,33 33 128,-66 33-128,33-33 0,0 34 0,-1-34 128,1 33-128,0-33 0,0 0 0,0 0 0,33 0 0,0-33 0,0 0-128,0 0 128,0-33-128,0 0 128,33 0 0,0 0 0,0 0 0,0 0 0,1 33 0,-1-33 0,-33 33 0,33 0 0,-33-33 0,33 33 0,-33 0 0,0 0 0,0 33 128,0-33 0,0 0-128,0 0 0,0 0 0,0 0 0,0 0-640,0 0 128,0 0-3840,0 0 0,0 0 1792</inkml:trace>
+  <inkml:trace contextRef="#ctx0" brushRef="#br0" timeOffset="1471.6192">899 2257 3584,'-34'0'0,"1"0"512,0-33 0,33 33 1152,0 0 128,0-33-1408,0 33 128,0 0 128,0 33 0,0-33 0,33 33 128,-33 0-640,33 33 128,1 33 0,32 0 0,-33 1 128,0-1 0,33 0-256,-33 0 0,0-33-128,0 1 0,0-34 128,0 0 0,-33-33-128,0 33 0,33-33 0,-33 0 128,0 0-128,0-33 128,-33 33 0,33-33 0,0 0-128,33-34 0,-33 34 0,33-33 0,1 0 0,32 33 0,-33-33 0,33 0 0,0 33 0,-33-33 0,66 32 0,-66 1 0,1 0 0,-1 0 0,-33 33 0,0 0 0,0 0 0,0 0 0,0 0 0,-33 0 128,-1 0 0,1 0 0,-33 0-128,33 0 128,-33-33-128,0 33 0,0-33 128,0 0 0,-1 33-256,1-33 128,0 0 0,0 33 128,33-33-128,0 33 0,0-33 0,33 33 128,-33-33-256,33 33 128,-33 0 0,33 0 0,-33 0 0,33 0 0,0 0 0,0 0 0,0 0 0,0 0 0,0 0 0,0 0 0,0 0 0,0 0 128,0 0-256,0 0 128,0 0 0,0 0 0,0 0-128,0 0 128,0 0 0,0 0 0,33 0 0,-33 33 0,66-33-128,-33 33 128,33-33 0,0 33 0,0 0 0,0-33 0,-33 33 0,34-33 0,-34 33 0,0-33 0,0 0 0,-33 0 0,33 0 0,-33 0 128,0 33-128,0-33 0,-33 0 0,33 33 128,-66 33-128,33-33 0,0 34 0,-1-34 128,1 33-128,0-33 0,0 0 0,0 0 0,33 0 0,0-33 0,0 0-128,0 0 128,0-33-128,0 0 128,33 0 0,0 0 0,0 0 0,0 0 0,1 33 0,-1-33 0,-33 33 0,33 0 0,-33-33 0,33 33 0,-33 0 0,0 0 0,0 33 128,0-33 0,0 0-128,0 0 0,0 0 0,0 0 0,0 0-640,0 0 128,0 0-3840,0 0 0,0 0 1792</inkml:trace>
   <inkml:trace contextRef="#ctx0" brushRef="#br0" timeOffset="2735.3578">985 2296 6144,'33'0'0,"0"33"512,0-33 128,-33 33 0,33-33 0,-33 66-640,33-33 128,-33 33 128,33 34 0,0-34 256,0 0 0,0 0-128,1 0 0,-1-33-384,-33 0 128,0-33 0,0 0 0,0 0 0,0-33 0,-33 0-128,33 0 0,-34-33 0,34 33 0,-33-33 128,0 33 0,33 0-128,-33 0 0,33 0 0,0-1 0,0 34 0,0-33 0,0 33 0,0 0 0,0-33 0,33 33 0,0 33 0,-33-33 0,33 33 0,1 1 0,-34-34 0,0 0 0,33 0 0,-33 0 0,0 0 0,0 0 128,0 0-384,0 0 128,0 0-896,0 0 128,0 0-256,0 0 128,0 0-3968</inkml:trace>
   <inkml:trace contextRef="#ctx0" brushRef="#br1" timeOffset="52754.2552">1461 1210 7424,'27'26'0,"-27"1"128,26-27 0,1 26 128,-1-26 0,0 0-128,27 53 0,-26-26 0,52 25 128,-26 1 128,27 27 128,-1-1-384,27 27 0,0 53 0,0-53 0,-27 26-128,-26-26 128,0-27 256,0-26 0,-53-27-512,26 1 128,-26-1-1920,0-26 0,0 0-2560</inkml:trace>
   <inkml:trace contextRef="#ctx0" brushRef="#br1" timeOffset="53539.5407">2254 2380 5504,'33'-33'0,"0"33"384,-33 0 128,0 0 128,-33 0 0,33 0-384,0 33 0,33 0 640,34 33 0,-1 1-512,0 32 128,0-33-384,0 33 0,33 0 0,-32-33 0,-1 1-128,-33-1 0,0-33 0,0 0 0,0 0-1664,-33-33 0,-33-66-1408,0 33 128,0 0 2560</inkml:trace>
   <inkml:trace contextRef="#ctx0" brushRef="#br1" timeOffset="53840.012">2334 2453 5888,'33'33'0,"0"33"128,-33-66 0,0-33 128,0 0 128,0 0 128,0 0 0,0 33-512,0-33 0,33 0 256,-33 0 0,33 0-256,-33 0 0,33 33 0,0-33 0,-33 33 0,33-33 0,-33 33 256,0 0 0,0 0-128,33 33 0,0 0-128,-33 0 128,33 33 0,0 0 128,0 33 512,0 1 0,34 32-512,-34-33 0,0 0-128,-33-33 128,33 1-128,-33-34 0,33 0-256,-33 0 0,0-33-1024,0 0 0,0 0-5376</inkml:trace>
   <inkml:trace contextRef="#ctx0" brushRef="#br1" timeOffset="55726.2645">2545 2374 4608,'0'0'0,"0"0"640,0 0 0,0 0-256,0 0 0,0 0 384,0 0 128,0 0-384,0 0 0,0 0-384,0 33 0,33 0 256,0 0 0,-33 0-256,33 1 128,0 32-128,0-33 128,1 0-256,-34 0 128,33 0-512,-33-33 0,0 0-6912</inkml:trace>
   <inkml:trace contextRef="#ctx0" brushRef="#br2" timeOffset="61750.618">1964 926 5376,'33'0'0,"0"33"384,-33-33 0,0-33 768,0 33 128,-33-33-384,33 33 0,33 0-512,0 0 0,33 33-384,0 0 0,0 0 128,0 0 0,34 67-128,-34-34 128,0 33 0,33-33 0,-33 33 128,33 34 0,34-1-256,-67-33 0,33 33 128,-66-65 0,33-1-128,-33 0 0,0-33 0,-33 0 128,34 0-384,-34-33 0,0 33-896,0-33 0,0 0-768,0 0 0,0 0-1664</inkml:trace>
-  <inkml:trace contextRef="#ctx0" brushRef="#br2" timeOffset="62266.7051">2942 2116 4096,'33'-33'0,"-33"33"768,0 0 128,0 0-256,0 0 0,0 0-256,0 0 128,0 0-384,33 0 0,-33 33 384,33 34 128,1-1 0,-1-33 0,33 33-640,-33 0 0,33-33 128,-33 33 128,0 0-256,0 1 0,0-1 0,0-33 0,0 0 128,-33 0 0,33-33-256,-33 33 128,0-33-640,0 0 0,0-33-2304,-33 0 128,33 0 896</inkml:trace>
+  <inkml:trace contextRef="#ctx0" brushRef="#br2" timeOffset="62266.705">2942 2116 4096,'33'-33'0,"-33"33"768,0 0 128,0 0-256,0 0 0,0 0-256,0 0 128,0 0-384,33 0 0,-33 33 384,33 34 128,1-1 0,-1-33 0,33 33-640,-33 0 0,33-33 128,-33 33 128,0 0-256,0 1 0,0-1 0,0-33 0,0 0 128,-33 0 0,33-33-256,-33 33 128,0-33-640,0 0 0,0-33-2304,-33 0 128,33 0 896</inkml:trace>
   <inkml:trace contextRef="#ctx0" brushRef="#br2" timeOffset="62851.5793">2889 2189 3968,'33'0'0,"33"34"640,-66-34 0,-33 0-256,33 0 128,-33 0-128,33 0 0,-33 0-256,33 0 0,0-34 0,33 1 128,0 0-128,0 0 0,0 0 128,0 0 0,-33-33-256,34 66 128,-1-33-128,-33 0 0,33 0 0,-33 0 0,33 33 128,-33 0 0,0-33-128,0 33 0,0 0 0,0 0 0,0 0 0,0 0 128,33 33-128,-33 0 0,0-33 128,0 33 0,0 0-128,33 0 128,-33 0-128,0 0 0,0 0 0,0 33 128,33-33-128,-33 0 0,33 34 384,0-1 128,0-33-128,-33 33 128,33 33-384,0-33 128,-33 0 0,33 1 0,34-1-128,-67 0 128,33-33-128,-33 0 0,33 0-128,-33-33 128,0 33-640,0-66 128,0 33-8064</inkml:trace>
-  <inkml:trace contextRef="#ctx0" brushRef="#br3" timeOffset="67541.8666">2731 549 3456,'33'0'0,"0"33"384,-33-33 128,33 0 128,-33 0 0,0 0 640,0 0 0,0 0-896,0 0 128,66 66 768,-33-33-1024,33 0 128,0 34-384,34-1 128,-34 0 128,33 33 128,0-33-384,0 34 0,1-34 0,-34 33 128,0-33 0,0 0 128,-33-33-128,0 33 128,-66-66-256,33 33 0,33-33-768,-33 0 128,33 0-3840,-33-33 128,0 0 4096</inkml:trace>
+  <inkml:trace contextRef="#ctx0" brushRef="#br3" timeOffset="67541.8665">2731 549 3456,'33'0'0,"0"33"384,-33-33 128,33 0 128,-33 0 0,0 0 640,0 0 0,0 0-896,0 0 128,66 66 768,-33-33-1024,33 0 128,0 34-384,34-1 128,-34 0 128,33 33 128,0-33-384,0 34 0,1-34 0,-34 33 128,0-33 0,0 0 128,-33-33-128,0 33 128,-66-66-256,33 33 0,33-33-768,-33 0 128,33 0-3840,-33-33 128,0 0 4096</inkml:trace>
   <inkml:trace contextRef="#ctx0" brushRef="#br3" timeOffset="68506.5541">3525 1634 6784,'33'0'0,"0"0"384,0 0 128,-33 0 384,0 0 128,0 0-384,33 33 0,0 33-256,33-33 128,0 34-128,-32 32 128,32-33-256,0 33 0,0-33 128,-33-33 0,0 34-384,0-34 128,-33-33-128,0 0 0,0 0-640,0-33 0,-33-1-2304,0 1 128,0 0-1280</inkml:trace>
   <inkml:trace contextRef="#ctx0" brushRef="#br3" timeOffset="68991.8838">3630 1693 8064,'33'33'0,"0"0"256,-33-33 0,-33 0 512,0 0 0,33 0-640,0 0 128,0-33-256,33 0 0,0 0 0,0 33 128,0-33 0,0 0 0,34-33 0,-34 33 128,-33 0-256,33 0 0,0 33 0,-33-34 128,33 34-128,0 0 0,-33 0 128,0 0 0,0 34-128,0-1 128,33 0 0,-33 33 0,0 0 0,33 0 128,-33 33 128,0-33 0,33 34-256,0-1 0,-33-33-128,33 33 128,-33-66 0,33 0 128,-33 1-256,34-1 0,-34 0 0,0-33 128,33 33-128,-33-33 128,0 0-128,0 0 0,0 0-1024,0 0 128,0 0-4480,-33-66 128,33 33 5760</inkml:trace>
-  <inkml:trace contextRef="#ctx0" brushRef="#br3" timeOffset="70363.8828">3762 1733 5632,'0'0'0,"0"-66"128,0 66 0,0-33 512,0 33 0,0 0-256,0 0 128,0 33-128,34-33 128,-1 33-384,-33 0 128,33-33 128,-33 33 128,33 0-384,-33-33 0,0 34 128,0-34 0,33 33-1408,-33-33 0,0 0-4608</inkml:trace>
+  <inkml:trace contextRef="#ctx0" brushRef="#br3" timeOffset="70363.8827">3762 1733 5632,'0'0'0,"0"-66"128,0 66 0,0-33 512,0 33 0,0 0-256,0 0 128,0 33-128,34-33 128,-1 33-384,-33 0 128,33-33 128,-33 33 128,33 0-384,-33-33 0,0 34 128,0-34 0,33 33-1408,-33-33 0,0 0-4608</inkml:trace>
   <inkml:trace contextRef="#ctx0" brushRef="#br4" timeOffset="128462.5397">3497 567 1024,'0'0'0,"17"17"384,-17-17 0,0 0 896,0 0 0,0-17-384,0 17 0,-17-17-512,17 17 128,0 0 896,0 0 0,0-17-640,17 34 128,0 0-640,17 0 0,0 17-128,18 18 128,-18-18-128,17 17 128,-17 0 0,17 0 0,-17 1-128,1-18 0,-1 17 128,-17-34 128,0 17-384,0-17 0,0-17 0,0 17 0,-17-17-1920,0-17 128,0 0-5248</inkml:trace>
-  <inkml:trace contextRef="#ctx0" brushRef="#br4" timeOffset="129308.7476">3882 533 6016,'0'17'0,"0"17"256,0-17 128,0-17 256,0 0 128,0 0-640,0 17 128,-17 0-128,17 18 128,-17-18-128,17 17 128,-17 0 384,17-17 0,-17 17-256,17-17 0,0 0-384,-17-17 0,17 17 0,0-17 0,0 0 0,0 0 128,0 0-256,0-17 128,17 17-128,0-17 128,0 0 0,17 17 128,-17 0-128,17 0 0,0 0 0,17 17 0,-16 0 128,-1-17 0,0 0 0,-17 17 128,17-17-256,-17 0 0,0 0-256,-17 0 0,0-17-1536,0 17 128,0 0-3456</inkml:trace>
+  <inkml:trace contextRef="#ctx0" brushRef="#br4" timeOffset="129308.7475">3882 533 6016,'0'17'0,"0"17"256,0-17 128,0-17 256,0 0 128,0 0-640,0 17 128,-17 0-128,17 18 128,-17-18-128,17 17 128,-17 0 384,17-17 0,-17 17-256,17-17 0,0 0-384,-17-17 0,17 17 0,0-17 0,0 0 0,0 0 128,0 0-256,0-17 128,17 17-128,0-17 128,0 0 0,17 17 128,-17 0-128,17 0 0,0 0 0,17 17 0,-16 0 128,-1-17 0,0 0 0,-17 17 128,17-17-256,-17 0 0,0 0-256,-17 0 0,0-17-1536,0 17 128,0 0-3456</inkml:trace>
   <inkml:trace contextRef="#ctx0" brushRef="#br4" timeOffset="130224.9852">4248 660 3328,'17'0'0,"0"0"128,-17 0 128,0 0 1408,0 0 0,-17-17-1408,17 17 0,0 0 0,17 17 0,0 0 128,-17 0 128,17 17 0,17 0 128,-17 0-128,17 0 128,-16 0-256,-1 1 0,0-18-256,0 0 0,0 0-384,-17 0 128,0-17-4096,0 0 128,0 0 2816</inkml:trace>
   <inkml:trace contextRef="#ctx0" brushRef="#br4" timeOffset="131243.487">4429 503 5760,'0'0'0,"-17"0"128,17 0 0,0 0 0,0 0 128,0 0 384,0 0 0,17-17 384,-17 17 0,34-18-640,-17 1 128,0 0-512,17 0 128,-17-17-128,0 17 0,17 17 256,-17-17 128,-17 0-512,18 17 128,-18-17-896,0 17 128,17 0-2048,-17 0 0,0 0 1024</inkml:trace>
-  <inkml:trace contextRef="#ctx0" brushRef="#br4" timeOffset="131594.3765">4480 659 5888,'17'-17'0,"0"-34"0,-17 51 0,0 17 384,0-17 0,0 17 768,0-17 128,0 0-1280,0 0 128,17-17 384,0 0 128,0 0-640,17 0 0,-16 0 128,16 0 128,0-17-256,-17 17 128,17 0 0,-17 17 128,0-18-384,-17 18 0,17 0-2048,-17 0 128,0 0-2048</inkml:trace>
+  <inkml:trace contextRef="#ctx0" brushRef="#br4" timeOffset="131594.3764">4480 659 5888,'17'-17'0,"0"-34"0,-17 51 0,0 17 384,0-17 0,0 17 768,0-17 128,0 0-1280,0 0 128,17-17 384,0 0 128,0 0-640,17 0 0,-16 0 128,16 0 128,0-17-256,-17 17 128,17 0 0,-17 17 128,0-18-384,-17 18 0,17 0-2048,-17 0 128,0 0-2048</inkml:trace>
   <inkml:trace contextRef="#ctx0" brushRef="#br4" timeOffset="133864.9389">4910 103 3712,'0'0'0,"0"0"0,0 0 128,0 0 640,0 0 128,-17 0 384,17 0 128,0 0-768,0 0 0,-17 17-640,17-17 128,0 17 256,0 17 0,17 0-128,-17 17 128,17 1-256,-17-18 0,34 17-128,-17 0 0,0-17 256,18 0 0,-18-17-128,17-17 128,0 0-128,0 0 0,0-17-128,0 0 128,-17-17-128,0 17 128,-17-34-128,18 17 0,-1 0 128,-34-1 0,-1-16-128,1 17 0,0 0 0,-17 0 0,17 0 0,-17 0 128,0-1-128,0 18 128,0 0-128,17 17 128,-18 0-128,18 17 0,0 0 0,0 0 0,0-17-1408,0 18 128,17-1-5888</inkml:trace>
   <inkml:trace contextRef="#ctx0" brushRef="#br5" timeOffset="143190.2926">3742 3381 3200,'0'0'0,"0"-18"1664,0 18 0,0 0-896,0 0 128,0-17 256,0 17 0,0 0-1152,0 0 128,0 0 512,0 0 0,0 17-512,17 18 0,-17-1 128,17 0 128,0 17 0,1 0 128,-1 1-512,0-1 128,0 0-128,-17-17 128,17 0 128,-17-17 0,17 0-256,-17 0 0,0 0-128,0-17 0,0-17-2432,0 0 0,0 0 768,0 0 128,0 0-1664</inkml:trace>
   <inkml:trace contextRef="#ctx0" brushRef="#br5" timeOffset="143906.5152">3715 3452 4608,'17'0'0,"17"0"256,-34 0 0,0 0 512,0 0 0,-17 0-512,17 0 0,-17 0-256,34 0 128,-17-17 256,17-18 0,0 18-384,0-17 128,1 0-128,-1 0 128,17 17 256,-17-17 128,17 0-384,-17 16 0,17 1-128,-17 0 0,0 17 0,0-17 0,0 34 384,0-17 128,-17 17-512,0 18 0,0-1 0,0 0 0,-17 0 128,17 17 128,-17-17-128,-17 0 128,17 1-256,0-1 128,0-17-128,0 0 0,17 0 0,-17 0 0,17-17-128,0 0 0,0 0 128,0 0 0,17-17-128,0 0 0,0 17 0,17-17 0,-17 0 128,17 0 0,1 17 0,-1-17 0,-17 17-256,17 0 128,-34 17 0,0 0 128,0 0 0,0 17 0,-17 0 0,0 0 0,0 0 0,-17 18 0,16-18 128,-16 17 0,17-17-128,0-17 0,0 17 0,0-17 0,17 0 0,-17-17 0,17 0-1152,0 0 128,0 0-4352</inkml:trace>
   <inkml:trace contextRef="#ctx0" brushRef="#br5" timeOffset="144706.9502">4302 3401 2944,'0'0'0,"0"17"512,0-17 0,0 0 512,0 0 128,0 0-384,0 0 0,0 0-384,0 0 128,0 0 384,0 0 0,17 17-256,-17 0 0,17 17-640,-17-17 128,17 17 0,-17-17 0,17 17 0,-17-16 0,0-18-128,0 17 0,17-17-384,-17 0 128,0 17-4224,0-34 128,0 17 3712</inkml:trace>
   <inkml:trace contextRef="#ctx0" brushRef="#br6" timeOffset="187209.7588">2841 3869 4224,'17'-17'0,"-17"17"1024,0 0 0,0-17-768,0 17 128,0 0 256,0 0 0,17 0 128,0-17 128,17 17-896,0-17 0,0-1 0,0 1 128,-17 0-128,18-17 0,-18 17 256,0 0 0,-17 0-256,17 0 128,-17 17 384,0 0 0,0 0-512,0 0 128,-17 17-128,17 0 0,-17 0 0,17 0 128,-17 0-128,17 17 128,0-17-128,0 18 0,17-1 0,0 0 0,0 17 0,0 0 0,17-17 0,-17 18 128,0-1-128,0-17 0,0 0 0,-17 17 128,-17-34 0,0 18 0,-17-18-128,17 0 0,0 0 0,-17 0 128,17 0-128,-17-17 0,16 0 0,1 0 0,0-17-1408,17 0 128,-17 0-2048,34-17 0,-17 17 2048</inkml:trace>
   <inkml:trace contextRef="#ctx0" brushRef="#br6" timeOffset="188279.8633">3400 3892 4352,'0'17'0,"18"-17"256,-18 0 128,0 0 128,0 0 128,0 0-256,0 17 128,0 0 0,17 0 128,-17 18 0,17-1 128,0 0-384,0 0 128,-17-17-512,17 0 0,-17 0 128,0 0 0,17-17-768,-17 0 128,0 0-6144</inkml:trace>
-  <inkml:trace contextRef="#ctx0" brushRef="#br7" timeOffset="205661.1805">0 1441 4736,'17'-17'0,"17"-17"896,-34 34 128,0 0-384,0 0 0,-17-17 0,17 0 0,0 0-128,0 0 128,17-17-256,-17 0 0,17 16 0,0 1 128,1 17-384,16 0 0,0 17 128,0 1 0,0 16-128,0 0 128,17 0 384,-16-17 0,-1 17-256,0-34 128,0-17-512,0 0 0,-17-17 0,0 0 0,0 0-256,-17-1 128,17 1-2688,-17 17 0,0 0-512,0 0 0,0 0 2560</inkml:trace>
-  <inkml:trace contextRef="#ctx0" brushRef="#br7" timeOffset="205976.381">246 1257 2688,'0'0'0,"17"0"640,-17 17 0,0 0 384,0 34 128,-17 0-256,17 18 128,17-1 128,-17-17 0,17 17-512,1-16 0,-1-1-640,17-17 0,-17-17 128,17-17 0,0 0-128,-17-17 128,0 0-1408,0 0 128,0 0-5376</inkml:trace>
+  <inkml:trace contextRef="#ctx0" brushRef="#br7" timeOffset="205661.1804">0 1441 4736,'17'-17'0,"17"-17"896,-34 34 128,0 0-384,0 0 0,-17-17 0,17 0 0,0 0-128,0 0 128,17-17-256,-17 0 0,17 16 0,0 1 128,1 17-384,16 0 0,0 17 128,0 1 0,0 16-128,0 0 128,17 0 384,-16-17 0,-1 17-256,0-34 128,0-17-512,0 0 0,-17-17 0,0 0 0,0 0-256,-17-1 128,17 1-2688,-17 17 0,0 0-512,0 0 0,0 0 2560</inkml:trace>
+  <inkml:trace contextRef="#ctx0" brushRef="#br7" timeOffset="205976.3809">246 1257 2688,'0'0'0,"17"0"640,-17 17 0,0 0 384,0 34 128,-17 0-256,17 18 128,17-1 128,-17-17 0,17 17-512,1-16 0,-1-1-640,17-17 0,-17-17 128,17-17 0,0 0-128,-17-17 128,0 0-1408,0 0 128,0 0-5376</inkml:trace>
   <inkml:trace contextRef="#ctx0" brushRef="#br7" timeOffset="267790.3703">631 1581 4736,'0'0'0,"0"0"128,0 0 0,0 0 384,0 0 0,0 0 128,0 0 0,0 0 512,0 0 0,0 0-768,0 0 0,18 18-128,-18 19 0,19-1 0,-19-18 128,0 18-256,0 1 128,0-1-256,0-18 128,18 0-128,-18 0 128,0 1-128,0-1 128,18-18 0,-18 0 128,0 18-640,0-36 0,0 18-8064</inkml:trace>
 </inkml:ink>
 </file>
@@ -7890,7 +8505,7 @@
     </inkml:brush>
   </inkml:definitions>
   <inkml:trace contextRef="#ctx0" brushRef="#br0">112 195 9728,'0'0'0,"-10"0"256,10-10 0,10 1-256,-1-9 0,10 8 0,8-8 0,1-1 384,9 1 0,10 8-384,8 20 0,10-1 128,10 19 0,-11 18 128,1 10 0,0-1-256,-9 1 0,-19 9 384,-9-9 0,-9 9 0,-10-19 0,-9 0-128,0-9 128,-9-9-768,-1-9 0,1-19-5376,0-19 128,-1 1 6144</inkml:trace>
-  <inkml:trace contextRef="#ctx0" brushRef="#br0" timeOffset="1286.2732">81 23 5120,'0'0'0,"0"24"384,0-24 0,0-24 640,0 24 128,12-11 0,-12 11 128,0-12-896,0 24 128,-12-1-128,1 13 128,-1-1-384,0 11 128,12 1-128,-11 0 128,-1 11-128,1-11 0,11 0 0,-12-12 0,12 0 256,0-11 0,0-1-384,0-11 0,0 0 128,12-11 128,11-1-256,-12-11 0,13 11 0,-1-11 128,12 12-128,-12-1 0,0 0 0,0 1 128,0 11 0,-11-12 0,-1 12-128,1-11 0,0 11 128,-12 0 0,0 0 256,-12 0 0,0 0-384,-11 0 0,12-12 0,-13 12 0,13-11 128,-12-13 127,11 13-383,-11-12 1,11-1 254,1 13 1,-1-12-128,12 11 0,-11 12 0,11-11 0,0 11-255,0 0-1,-12-12-768,12 12 0,0 0-1536,0 0 128,0 0-3328</inkml:trace>
+  <inkml:trace contextRef="#ctx0" brushRef="#br0" timeOffset="1286.2731">81 23 5120,'0'0'0,"0"24"384,0-24 0,0-24 640,0 24 128,12-11 0,-12 11 128,0-12-896,0 24 128,-12-1-128,1 13 128,-1-1-384,0 11 128,12 1-128,-11 0 128,-1 11-128,1-11 0,11 0 0,-12-12 0,12 0 256,0-11 0,0-1-384,0-11 0,0 0 128,12-11 128,11-1-256,-12-11 0,13 11 0,-1-11 128,12 12-128,-12-1 0,0 0 0,0 1 128,0 11 0,-11-12 0,-1 12-128,1-11 0,0 11 128,-12 0 0,0 0 256,-12 0 0,0 0-384,-11 0 0,12-12 0,-13 12 0,13-11 128,-12-13 127,11 13-383,-11-12 1,11-1 254,1 13 1,-1-12-128,12 11 0,-11 12 0,11-11 0,0 11-255,0 0-1,-12-12-768,12 12 0,0 0-1536,0 0 128,0 0-3328</inkml:trace>
 </inkml:ink>
 </file>
 
@@ -8025,7 +8640,7 @@
           <a:p>
             <a:fld id="{E6EB3096-FC29-47A4-99F1-5746391635D3}" type="datetimeFigureOut">
               <a:rPr lang="en-CA" smtClean="0"/>
-              <a:t>2017-11-17</a:t>
+              <a:t>2017-11-30</a:t>
             </a:fld>
             <a:endParaRPr lang="en-CA"/>
           </a:p>
@@ -8195,7 +8810,7 @@
           <a:p>
             <a:fld id="{E6EB3096-FC29-47A4-99F1-5746391635D3}" type="datetimeFigureOut">
               <a:rPr lang="en-CA" smtClean="0"/>
-              <a:t>2017-11-17</a:t>
+              <a:t>2017-11-30</a:t>
             </a:fld>
             <a:endParaRPr lang="en-CA"/>
           </a:p>
@@ -8375,7 +8990,7 @@
           <a:p>
             <a:fld id="{E6EB3096-FC29-47A4-99F1-5746391635D3}" type="datetimeFigureOut">
               <a:rPr lang="en-CA" smtClean="0"/>
-              <a:t>2017-11-17</a:t>
+              <a:t>2017-11-30</a:t>
             </a:fld>
             <a:endParaRPr lang="en-CA"/>
           </a:p>
@@ -8545,7 +9160,7 @@
           <a:p>
             <a:fld id="{E6EB3096-FC29-47A4-99F1-5746391635D3}" type="datetimeFigureOut">
               <a:rPr lang="en-CA" smtClean="0"/>
-              <a:t>2017-11-17</a:t>
+              <a:t>2017-11-30</a:t>
             </a:fld>
             <a:endParaRPr lang="en-CA"/>
           </a:p>
@@ -8791,7 +9406,7 @@
           <a:p>
             <a:fld id="{E6EB3096-FC29-47A4-99F1-5746391635D3}" type="datetimeFigureOut">
               <a:rPr lang="en-CA" smtClean="0"/>
-              <a:t>2017-11-17</a:t>
+              <a:t>2017-11-30</a:t>
             </a:fld>
             <a:endParaRPr lang="en-CA"/>
           </a:p>
@@ -9023,7 +9638,7 @@
           <a:p>
             <a:fld id="{E6EB3096-FC29-47A4-99F1-5746391635D3}" type="datetimeFigureOut">
               <a:rPr lang="en-CA" smtClean="0"/>
-              <a:t>2017-11-17</a:t>
+              <a:t>2017-11-30</a:t>
             </a:fld>
             <a:endParaRPr lang="en-CA"/>
           </a:p>
@@ -9390,7 +10005,7 @@
           <a:p>
             <a:fld id="{E6EB3096-FC29-47A4-99F1-5746391635D3}" type="datetimeFigureOut">
               <a:rPr lang="en-CA" smtClean="0"/>
-              <a:t>2017-11-17</a:t>
+              <a:t>2017-11-30</a:t>
             </a:fld>
             <a:endParaRPr lang="en-CA"/>
           </a:p>
@@ -9508,7 +10123,7 @@
           <a:p>
             <a:fld id="{E6EB3096-FC29-47A4-99F1-5746391635D3}" type="datetimeFigureOut">
               <a:rPr lang="en-CA" smtClean="0"/>
-              <a:t>2017-11-17</a:t>
+              <a:t>2017-11-30</a:t>
             </a:fld>
             <a:endParaRPr lang="en-CA"/>
           </a:p>
@@ -9603,7 +10218,7 @@
           <a:p>
             <a:fld id="{E6EB3096-FC29-47A4-99F1-5746391635D3}" type="datetimeFigureOut">
               <a:rPr lang="en-CA" smtClean="0"/>
-              <a:t>2017-11-17</a:t>
+              <a:t>2017-11-30</a:t>
             </a:fld>
             <a:endParaRPr lang="en-CA"/>
           </a:p>
@@ -9880,7 +10495,7 @@
           <a:p>
             <a:fld id="{E6EB3096-FC29-47A4-99F1-5746391635D3}" type="datetimeFigureOut">
               <a:rPr lang="en-CA" smtClean="0"/>
-              <a:t>2017-11-17</a:t>
+              <a:t>2017-11-30</a:t>
             </a:fld>
             <a:endParaRPr lang="en-CA"/>
           </a:p>
@@ -10137,7 +10752,7 @@
           <a:p>
             <a:fld id="{E6EB3096-FC29-47A4-99F1-5746391635D3}" type="datetimeFigureOut">
               <a:rPr lang="en-CA" smtClean="0"/>
-              <a:t>2017-11-17</a:t>
+              <a:t>2017-11-30</a:t>
             </a:fld>
             <a:endParaRPr lang="en-CA"/>
           </a:p>
@@ -10350,7 +10965,7 @@
           <a:p>
             <a:fld id="{E6EB3096-FC29-47A4-99F1-5746391635D3}" type="datetimeFigureOut">
               <a:rPr lang="en-CA" smtClean="0"/>
-              <a:t>2017-11-17</a:t>
+              <a:t>2017-11-30</a:t>
             </a:fld>
             <a:endParaRPr lang="en-CA"/>
           </a:p>
@@ -11024,8 +11639,8 @@
           </a:p>
         </p:txBody>
       </p:sp>
-      <mc:AlternateContent xmlns:mc="http://schemas.openxmlformats.org/markup-compatibility/2006">
-        <mc:Choice xmlns:am3d="http://schemas.microsoft.com/office/drawing/2017/model3d" Requires="am3d">
+      <mc:AlternateContent xmlns:mc="http://schemas.openxmlformats.org/markup-compatibility/2006" xmlns:am3d="http://schemas.microsoft.com/office/drawing/2017/model3d">
+        <mc:Choice Requires="am3d">
           <p:graphicFrame>
             <p:nvGraphicFramePr>
               <p:cNvPr id="10" name="3D Model 9">
@@ -11115,7 +11730,7 @@
             </a:graphic>
           </p:graphicFrame>
         </mc:Choice>
-        <mc:Fallback>
+        <mc:Fallback xmlns="">
           <p:pic>
             <p:nvPicPr>
               <p:cNvPr id="10" name="3D Model 9">
@@ -11131,7 +11746,7 @@
               <p:nvPr/>
             </p:nvPicPr>
             <p:blipFill>
-              <a:blip r:embed="rId3"/>
+              <a:blip r:embed="rId4"/>
               <a:stretch>
                 <a:fillRect/>
               </a:stretch>
@@ -13028,6 +13643,1426 @@
 </p:sld>
 </file>
 
+<file path=ppt/slides/slide12.xml><?xml version="1.0" encoding="utf-8"?>
+<p:sld xmlns:a="http://schemas.openxmlformats.org/drawingml/2006/main" xmlns:r="http://schemas.openxmlformats.org/officeDocument/2006/relationships" xmlns:p="http://schemas.openxmlformats.org/presentationml/2006/main">
+  <p:cSld>
+    <p:spTree>
+      <p:nvGrpSpPr>
+        <p:cNvPr id="1" name=""/>
+        <p:cNvGrpSpPr/>
+        <p:nvPr/>
+      </p:nvGrpSpPr>
+      <p:grpSpPr>
+        <a:xfrm>
+          <a:off x="0" y="0"/>
+          <a:ext cx="0" cy="0"/>
+          <a:chOff x="0" y="0"/>
+          <a:chExt cx="0" cy="0"/>
+        </a:xfrm>
+      </p:grpSpPr>
+      <p:sp>
+        <p:nvSpPr>
+          <p:cNvPr id="7" name="Rectangle 6">
+            <a:extLst>
+              <a:ext uri="{FF2B5EF4-FFF2-40B4-BE49-F238E27FC236}">
+                <a16:creationId xmlns:a16="http://schemas.microsoft.com/office/drawing/2014/main" id="{FD5433B8-AF23-4AFC-8DFB-B50C6DDF6F7E}"/>
+              </a:ext>
+            </a:extLst>
+          </p:cNvPr>
+          <p:cNvSpPr/>
+          <p:nvPr/>
+        </p:nvSpPr>
+        <p:spPr>
+          <a:xfrm rot="20501147">
+            <a:off x="2201558" y="-2135591"/>
+            <a:ext cx="11058958" cy="10516698"/>
+          </a:xfrm>
+          <a:prstGeom prst="rect">
+            <a:avLst/>
+          </a:prstGeom>
+          <a:solidFill>
+            <a:schemeClr val="tx1">
+              <a:lumMod val="85000"/>
+              <a:lumOff val="15000"/>
+            </a:schemeClr>
+          </a:solidFill>
+          <a:ln>
+            <a:noFill/>
+          </a:ln>
+        </p:spPr>
+        <p:style>
+          <a:lnRef idx="2">
+            <a:schemeClr val="dk1">
+              <a:shade val="50000"/>
+            </a:schemeClr>
+          </a:lnRef>
+          <a:fillRef idx="1">
+            <a:schemeClr val="dk1"/>
+          </a:fillRef>
+          <a:effectRef idx="0">
+            <a:schemeClr val="dk1"/>
+          </a:effectRef>
+          <a:fontRef idx="minor">
+            <a:schemeClr val="lt1"/>
+          </a:fontRef>
+        </p:style>
+        <p:txBody>
+          <a:bodyPr rtlCol="0" anchor="ctr"/>
+          <a:lstStyle/>
+          <a:p>
+            <a:pPr algn="ctr"/>
+            <a:endParaRPr lang="en-CA" dirty="0"/>
+          </a:p>
+        </p:txBody>
+      </p:sp>
+      <p:sp>
+        <p:nvSpPr>
+          <p:cNvPr id="2" name="Title 1">
+            <a:extLst>
+              <a:ext uri="{FF2B5EF4-FFF2-40B4-BE49-F238E27FC236}">
+                <a16:creationId xmlns:a16="http://schemas.microsoft.com/office/drawing/2014/main" id="{8144C1EB-4564-4853-93E8-C47F5147377A}"/>
+              </a:ext>
+            </a:extLst>
+          </p:cNvPr>
+          <p:cNvSpPr>
+            <a:spLocks noGrp="1"/>
+          </p:cNvSpPr>
+          <p:nvPr>
+            <p:ph type="ctrTitle"/>
+          </p:nvPr>
+        </p:nvSpPr>
+        <p:spPr>
+          <a:xfrm>
+            <a:off x="0" y="1359878"/>
+            <a:ext cx="12192000" cy="601885"/>
+          </a:xfrm>
+        </p:spPr>
+        <p:txBody>
+          <a:bodyPr anchor="ctr">
+            <a:normAutofit fontScale="90000"/>
+          </a:bodyPr>
+          <a:lstStyle/>
+          <a:p>
+            <a:pPr algn="r"/>
+            <a:r>
+              <a:rPr lang="en-CA" sz="4400" dirty="0">
+                <a:solidFill>
+                  <a:schemeClr val="bg1"/>
+                </a:solidFill>
+                <a:latin typeface="Segoe UI Light" panose="020B0502040204020203" pitchFamily="34" charset="0"/>
+                <a:cs typeface="Segoe UI Light" panose="020B0502040204020203" pitchFamily="34" charset="0"/>
+              </a:rPr>
+              <a:t>Selective Laser Sintering 3D Printer</a:t>
+            </a:r>
+          </a:p>
+        </p:txBody>
+      </p:sp>
+      <p:grpSp>
+        <p:nvGrpSpPr>
+          <p:cNvPr id="8" name="Group 7">
+            <a:extLst>
+              <a:ext uri="{FF2B5EF4-FFF2-40B4-BE49-F238E27FC236}">
+                <a16:creationId xmlns:a16="http://schemas.microsoft.com/office/drawing/2014/main" id="{A2D8DB4A-696B-4A0F-ACCF-B597377B7131}"/>
+              </a:ext>
+            </a:extLst>
+          </p:cNvPr>
+          <p:cNvGrpSpPr/>
+          <p:nvPr/>
+        </p:nvGrpSpPr>
+        <p:grpSpPr>
+          <a:xfrm>
+            <a:off x="-11573" y="60621"/>
+            <a:ext cx="12203573" cy="6898697"/>
+            <a:chOff x="-11573" y="60621"/>
+            <a:chExt cx="12203573" cy="6898697"/>
+          </a:xfrm>
+        </p:grpSpPr>
+        <p:sp>
+          <p:nvSpPr>
+            <p:cNvPr id="5" name="TextBox 4">
+              <a:extLst>
+                <a:ext uri="{FF2B5EF4-FFF2-40B4-BE49-F238E27FC236}">
+                  <a16:creationId xmlns:a16="http://schemas.microsoft.com/office/drawing/2014/main" id="{C2C794D6-1DAF-4A32-94FA-9B645C9E1A6F}"/>
+                </a:ext>
+              </a:extLst>
+            </p:cNvPr>
+            <p:cNvSpPr txBox="1"/>
+            <p:nvPr/>
+          </p:nvSpPr>
+          <p:spPr>
+            <a:xfrm>
+              <a:off x="-11573" y="5097270"/>
+              <a:ext cx="12192000" cy="1862048"/>
+            </a:xfrm>
+            <a:prstGeom prst="rect">
+              <a:avLst/>
+            </a:prstGeom>
+            <a:noFill/>
+          </p:spPr>
+          <p:txBody>
+            <a:bodyPr wrap="square" rtlCol="0">
+              <a:spAutoFit/>
+            </a:bodyPr>
+            <a:lstStyle/>
+            <a:p>
+              <a:pPr algn="r"/>
+              <a:r>
+                <a:rPr lang="en-CA" sz="11500" dirty="0">
+                  <a:solidFill>
+                    <a:schemeClr val="bg1"/>
+                  </a:solidFill>
+                  <a:latin typeface="Segoe UI Light" panose="020B0502040204020203" pitchFamily="34" charset="0"/>
+                  <a:cs typeface="Segoe UI Light" panose="020B0502040204020203" pitchFamily="34" charset="0"/>
+                </a:rPr>
+                <a:t>Part 2</a:t>
+              </a:r>
+            </a:p>
+          </p:txBody>
+        </p:sp>
+        <p:sp>
+          <p:nvSpPr>
+            <p:cNvPr id="4" name="TextBox 3">
+              <a:extLst>
+                <a:ext uri="{FF2B5EF4-FFF2-40B4-BE49-F238E27FC236}">
+                  <a16:creationId xmlns:a16="http://schemas.microsoft.com/office/drawing/2014/main" id="{89A9E5FF-DE6D-4304-A6C4-FCE5B7AF1953}"/>
+                </a:ext>
+              </a:extLst>
+            </p:cNvPr>
+            <p:cNvSpPr txBox="1"/>
+            <p:nvPr/>
+          </p:nvSpPr>
+          <p:spPr>
+            <a:xfrm>
+              <a:off x="0" y="60621"/>
+              <a:ext cx="12192000" cy="1323439"/>
+            </a:xfrm>
+            <a:prstGeom prst="rect">
+              <a:avLst/>
+            </a:prstGeom>
+            <a:noFill/>
+          </p:spPr>
+          <p:txBody>
+            <a:bodyPr wrap="square" rtlCol="0">
+              <a:spAutoFit/>
+            </a:bodyPr>
+            <a:lstStyle/>
+            <a:p>
+              <a:pPr algn="r"/>
+              <a:r>
+                <a:rPr lang="en-CA" sz="8000" dirty="0">
+                  <a:solidFill>
+                    <a:schemeClr val="bg1"/>
+                  </a:solidFill>
+                  <a:latin typeface="Segoe UI" panose="020B0502040204020203" pitchFamily="34" charset="0"/>
+                  <a:ea typeface="Segoe UI Black" panose="020B0A02040204020203" pitchFamily="34" charset="0"/>
+                  <a:cs typeface="Segoe UI" panose="020B0502040204020203" pitchFamily="34" charset="0"/>
+                </a:rPr>
+                <a:t>ELEC 341 </a:t>
+              </a:r>
+              <a:r>
+                <a:rPr lang="en-CA" sz="8000" dirty="0">
+                  <a:solidFill>
+                    <a:schemeClr val="bg1"/>
+                  </a:solidFill>
+                  <a:latin typeface="Segoe UI Light" panose="020B0502040204020203" pitchFamily="34" charset="0"/>
+                  <a:cs typeface="Segoe UI Light" panose="020B0502040204020203" pitchFamily="34" charset="0"/>
+                </a:rPr>
+                <a:t>Design Project</a:t>
+              </a:r>
+            </a:p>
+          </p:txBody>
+        </p:sp>
+      </p:grpSp>
+      <p:sp>
+        <p:nvSpPr>
+          <p:cNvPr id="9" name="TextBox 8">
+            <a:extLst>
+              <a:ext uri="{FF2B5EF4-FFF2-40B4-BE49-F238E27FC236}">
+                <a16:creationId xmlns:a16="http://schemas.microsoft.com/office/drawing/2014/main" id="{EE3F8A20-F91E-4E3A-967F-8E9F6DAB1D3E}"/>
+              </a:ext>
+            </a:extLst>
+          </p:cNvPr>
+          <p:cNvSpPr txBox="1"/>
+          <p:nvPr/>
+        </p:nvSpPr>
+        <p:spPr>
+          <a:xfrm>
+            <a:off x="127323" y="5912547"/>
+            <a:ext cx="2595582" cy="707886"/>
+          </a:xfrm>
+          <a:prstGeom prst="rect">
+            <a:avLst/>
+          </a:prstGeom>
+          <a:noFill/>
+        </p:spPr>
+        <p:txBody>
+          <a:bodyPr wrap="none" rtlCol="0">
+            <a:spAutoFit/>
+          </a:bodyPr>
+          <a:lstStyle/>
+          <a:p>
+            <a:r>
+              <a:rPr lang="en-CA" sz="2000" dirty="0">
+                <a:latin typeface="Segoe UI Light" panose="020B0502040204020203" pitchFamily="34" charset="0"/>
+                <a:cs typeface="Segoe UI Light" panose="020B0502040204020203" pitchFamily="34" charset="0"/>
+              </a:rPr>
+              <a:t>Muchen He	44638154</a:t>
+            </a:r>
+          </a:p>
+          <a:p>
+            <a:r>
+              <a:rPr lang="en-CA" sz="2000" dirty="0" err="1">
+                <a:latin typeface="Segoe UI Light" panose="020B0502040204020203" pitchFamily="34" charset="0"/>
+                <a:cs typeface="Segoe UI Light" panose="020B0502040204020203" pitchFamily="34" charset="0"/>
+              </a:rPr>
+              <a:t>Ou</a:t>
+            </a:r>
+            <a:r>
+              <a:rPr lang="en-CA" sz="2000" dirty="0">
+                <a:latin typeface="Segoe UI Light" panose="020B0502040204020203" pitchFamily="34" charset="0"/>
+                <a:cs typeface="Segoe UI Light" panose="020B0502040204020203" pitchFamily="34" charset="0"/>
+              </a:rPr>
+              <a:t> Liu		18800152</a:t>
+            </a:r>
+          </a:p>
+        </p:txBody>
+      </p:sp>
+      <mc:AlternateContent xmlns:mc="http://schemas.openxmlformats.org/markup-compatibility/2006">
+        <mc:Choice xmlns:am3d="http://schemas.microsoft.com/office/drawing/2017/model3d" Requires="am3d">
+          <p:graphicFrame>
+            <p:nvGraphicFramePr>
+              <p:cNvPr id="10" name="3D Model 9">
+                <a:extLst>
+                  <a:ext uri="{FF2B5EF4-FFF2-40B4-BE49-F238E27FC236}">
+                    <a16:creationId xmlns:a16="http://schemas.microsoft.com/office/drawing/2014/main" id="{700F5B8C-1D25-439D-A0DC-52012B413F03}"/>
+                  </a:ext>
+                </a:extLst>
+              </p:cNvPr>
+              <p:cNvGraphicFramePr>
+                <a:graphicFrameLocks noChangeAspect="1"/>
+              </p:cNvGraphicFramePr>
+              <p:nvPr>
+                <p:extLst>
+                  <p:ext uri="{D42A27DB-BD31-4B8C-83A1-F6EECF244321}">
+                    <p14:modId xmlns:p14="http://schemas.microsoft.com/office/powerpoint/2010/main" val="2913455780"/>
+                  </p:ext>
+                </p:extLst>
+              </p:nvPr>
+            </p:nvGraphicFramePr>
+            <p:xfrm>
+              <a:off x="3107300" y="1508760"/>
+              <a:ext cx="5977399" cy="5834708"/>
+            </p:xfrm>
+            <a:graphic>
+              <a:graphicData uri="http://schemas.microsoft.com/office/drawing/2017/model3d">
+                <am3d:model3d r:embed="rId2">
+                  <am3d:spPr>
+                    <a:xfrm>
+                      <a:off x="0" y="0"/>
+                      <a:ext cx="5977399" cy="5834708"/>
+                    </a:xfrm>
+                    <a:prstGeom prst="rect">
+                      <a:avLst/>
+                    </a:prstGeom>
+                  </am3d:spPr>
+                  <am3d:camera>
+                    <am3d:pos x="0" y="0" z="74425249"/>
+                    <am3d:up dx="0" dy="36000000" dz="0"/>
+                    <am3d:lookAt x="0" y="0" z="0"/>
+                    <am3d:perspective fov="2700000"/>
+                  </am3d:camera>
+                  <am3d:trans>
+                    <am3d:meterPerModelUnit n="11927622" d="1000000"/>
+                    <am3d:preTrans dx="-2234349" dy="-12774472" dz="7883917"/>
+                    <am3d:scale>
+                      <am3d:sx n="1000000" d="1000000"/>
+                      <am3d:sy n="1000000" d="1000000"/>
+                      <am3d:sz n="1000000" d="1000000"/>
+                    </am3d:scale>
+                    <am3d:rot ax="2784865" ay="-1083885" az="-1082734"/>
+                    <am3d:postTrans dx="0" dy="0" dz="0"/>
+                  </am3d:trans>
+                  <am3d:raster rName="Office3DRenderer" rVer="16.0.8326">
+                    <am3d:blip r:embed="rId3"/>
+                  </am3d:raster>
+                  <am3d:objViewport viewportSz="6175312"/>
+                  <am3d:ambientLight>
+                    <am3d:clr>
+                      <a:scrgbClr r="50000" g="50000" b="50000"/>
+                    </am3d:clr>
+                    <am3d:illuminance n="500000" d="1000000"/>
+                  </am3d:ambientLight>
+                  <am3d:ptLight rad="0">
+                    <am3d:clr>
+                      <a:scrgbClr r="100000" g="75000" b="50000"/>
+                    </am3d:clr>
+                    <am3d:intensity n="9765625" d="1000000"/>
+                    <am3d:pos x="21959998" y="70920001" z="16344003"/>
+                  </am3d:ptLight>
+                  <am3d:ptLight rad="0">
+                    <am3d:clr>
+                      <a:scrgbClr r="40000" g="60000" b="95000"/>
+                    </am3d:clr>
+                    <am3d:intensity n="12250000" d="1000000"/>
+                    <am3d:pos x="-37964106" y="51130435" z="57631972"/>
+                  </am3d:ptLight>
+                  <am3d:ptLight rad="0">
+                    <am3d:clr>
+                      <a:scrgbClr r="86837" g="72700" b="100000"/>
+                    </am3d:clr>
+                    <am3d:intensity n="3125000" d="1000000"/>
+                    <am3d:pos x="-37739122" y="58056624" z="-34769649"/>
+                  </am3d:ptLight>
+                </am3d:model3d>
+              </a:graphicData>
+            </a:graphic>
+          </p:graphicFrame>
+        </mc:Choice>
+        <mc:Fallback>
+          <p:pic>
+            <p:nvPicPr>
+              <p:cNvPr id="10" name="3D Model 9">
+                <a:extLst>
+                  <a:ext uri="{FF2B5EF4-FFF2-40B4-BE49-F238E27FC236}">
+                    <a16:creationId xmlns:a16="http://schemas.microsoft.com/office/drawing/2014/main" id="{700F5B8C-1D25-439D-A0DC-52012B413F03}"/>
+                  </a:ext>
+                </a:extLst>
+              </p:cNvPr>
+              <p:cNvPicPr>
+                <a:picLocks noGrp="1" noRot="1" noChangeAspect="1" noMove="1" noResize="1" noEditPoints="1" noAdjustHandles="1" noChangeArrowheads="1" noChangeShapeType="1" noCrop="1"/>
+              </p:cNvPicPr>
+              <p:nvPr/>
+            </p:nvPicPr>
+            <p:blipFill>
+              <a:blip r:embed="rId3"/>
+              <a:stretch>
+                <a:fillRect/>
+              </a:stretch>
+            </p:blipFill>
+            <p:spPr>
+              <a:xfrm>
+                <a:off x="3107300" y="1508760"/>
+                <a:ext cx="5977399" cy="5834708"/>
+              </a:xfrm>
+              <a:prstGeom prst="rect">
+                <a:avLst/>
+              </a:prstGeom>
+            </p:spPr>
+          </p:pic>
+        </mc:Fallback>
+      </mc:AlternateContent>
+    </p:spTree>
+    <p:extLst>
+      <p:ext uri="{BB962C8B-B14F-4D97-AF65-F5344CB8AC3E}">
+        <p14:creationId xmlns:p14="http://schemas.microsoft.com/office/powerpoint/2010/main" val="3208485499"/>
+      </p:ext>
+    </p:extLst>
+  </p:cSld>
+  <p:clrMapOvr>
+    <a:masterClrMapping/>
+  </p:clrMapOvr>
+</p:sld>
+</file>
+
+<file path=ppt/slides/slide13.xml><?xml version="1.0" encoding="utf-8"?>
+<p:sld xmlns:a="http://schemas.openxmlformats.org/drawingml/2006/main" xmlns:r="http://schemas.openxmlformats.org/officeDocument/2006/relationships" xmlns:p="http://schemas.openxmlformats.org/presentationml/2006/main">
+  <p:cSld>
+    <p:spTree>
+      <p:nvGrpSpPr>
+        <p:cNvPr id="1" name=""/>
+        <p:cNvGrpSpPr/>
+        <p:nvPr/>
+      </p:nvGrpSpPr>
+      <p:grpSpPr>
+        <a:xfrm>
+          <a:off x="0" y="0"/>
+          <a:ext cx="0" cy="0"/>
+          <a:chOff x="0" y="0"/>
+          <a:chExt cx="0" cy="0"/>
+        </a:xfrm>
+      </p:grpSpPr>
+      <p:sp>
+        <p:nvSpPr>
+          <p:cNvPr id="38" name="Rectangle 37">
+            <a:extLst>
+              <a:ext uri="{FF2B5EF4-FFF2-40B4-BE49-F238E27FC236}">
+                <a16:creationId xmlns:a16="http://schemas.microsoft.com/office/drawing/2014/main" id="{8E5451CE-79D5-4AEF-A594-EFA0C26F09DA}"/>
+              </a:ext>
+            </a:extLst>
+          </p:cNvPr>
+          <p:cNvSpPr/>
+          <p:nvPr/>
+        </p:nvSpPr>
+        <p:spPr>
+          <a:xfrm rot="20947668">
+            <a:off x="6924779" y="-1028639"/>
+            <a:ext cx="6847719" cy="8569557"/>
+          </a:xfrm>
+          <a:prstGeom prst="rect">
+            <a:avLst/>
+          </a:prstGeom>
+          <a:solidFill>
+            <a:schemeClr val="tx1">
+              <a:lumMod val="85000"/>
+              <a:lumOff val="15000"/>
+            </a:schemeClr>
+          </a:solidFill>
+          <a:ln>
+            <a:noFill/>
+          </a:ln>
+        </p:spPr>
+        <p:style>
+          <a:lnRef idx="2">
+            <a:schemeClr val="dk1">
+              <a:shade val="50000"/>
+            </a:schemeClr>
+          </a:lnRef>
+          <a:fillRef idx="1">
+            <a:schemeClr val="dk1"/>
+          </a:fillRef>
+          <a:effectRef idx="0">
+            <a:schemeClr val="dk1"/>
+          </a:effectRef>
+          <a:fontRef idx="minor">
+            <a:schemeClr val="lt1"/>
+          </a:fontRef>
+        </p:style>
+        <p:txBody>
+          <a:bodyPr rtlCol="0" anchor="ctr"/>
+          <a:lstStyle/>
+          <a:p>
+            <a:pPr algn="ctr"/>
+            <a:endParaRPr lang="en-CA" dirty="0"/>
+          </a:p>
+        </p:txBody>
+      </p:sp>
+      <p:sp>
+        <p:nvSpPr>
+          <p:cNvPr id="4" name="TextBox 3">
+            <a:extLst>
+              <a:ext uri="{FF2B5EF4-FFF2-40B4-BE49-F238E27FC236}">
+                <a16:creationId xmlns:a16="http://schemas.microsoft.com/office/drawing/2014/main" id="{25007B00-97D3-4EA5-8578-6C8DD490F41C}"/>
+              </a:ext>
+            </a:extLst>
+          </p:cNvPr>
+          <p:cNvSpPr txBox="1"/>
+          <p:nvPr/>
+        </p:nvSpPr>
+        <p:spPr>
+          <a:xfrm>
+            <a:off x="7336272" y="223520"/>
+            <a:ext cx="4311501" cy="769441"/>
+          </a:xfrm>
+          <a:prstGeom prst="rect">
+            <a:avLst/>
+          </a:prstGeom>
+          <a:noFill/>
+        </p:spPr>
+        <p:txBody>
+          <a:bodyPr wrap="none" rtlCol="0">
+            <a:spAutoFit/>
+          </a:bodyPr>
+          <a:lstStyle/>
+          <a:p>
+            <a:r>
+              <a:rPr lang="en-CA" sz="4400" dirty="0">
+                <a:solidFill>
+                  <a:schemeClr val="bg1"/>
+                </a:solidFill>
+                <a:latin typeface="Segoe UI Light" panose="020B0502040204020203" pitchFamily="34" charset="0"/>
+                <a:cs typeface="Segoe UI Light" panose="020B0502040204020203" pitchFamily="34" charset="0"/>
+              </a:rPr>
+              <a:t>Control Overview</a:t>
+            </a:r>
+          </a:p>
+        </p:txBody>
+      </p:sp>
+      <p:sp>
+        <p:nvSpPr>
+          <p:cNvPr id="2" name="TextBox 1">
+            <a:extLst>
+              <a:ext uri="{FF2B5EF4-FFF2-40B4-BE49-F238E27FC236}">
+                <a16:creationId xmlns:a16="http://schemas.microsoft.com/office/drawing/2014/main" id="{4610B3EE-8E92-44E5-8EAB-8E13C7F0419A}"/>
+              </a:ext>
+            </a:extLst>
+          </p:cNvPr>
+          <p:cNvSpPr txBox="1"/>
+          <p:nvPr/>
+        </p:nvSpPr>
+        <p:spPr>
+          <a:xfrm>
+            <a:off x="2148840" y="2286000"/>
+            <a:ext cx="1507016" cy="369332"/>
+          </a:xfrm>
+          <a:prstGeom prst="rect">
+            <a:avLst/>
+          </a:prstGeom>
+          <a:noFill/>
+        </p:spPr>
+        <p:txBody>
+          <a:bodyPr wrap="none" rtlCol="0">
+            <a:spAutoFit/>
+          </a:bodyPr>
+          <a:lstStyle/>
+          <a:p>
+            <a:r>
+              <a:rPr lang="en-CA" dirty="0"/>
+              <a:t>PID overview</a:t>
+            </a:r>
+          </a:p>
+        </p:txBody>
+      </p:sp>
+      <p:sp>
+        <p:nvSpPr>
+          <p:cNvPr id="6" name="TextBox 5">
+            <a:extLst>
+              <a:ext uri="{FF2B5EF4-FFF2-40B4-BE49-F238E27FC236}">
+                <a16:creationId xmlns:a16="http://schemas.microsoft.com/office/drawing/2014/main" id="{E29588A7-DC27-4A2F-918D-822068486C41}"/>
+              </a:ext>
+            </a:extLst>
+          </p:cNvPr>
+          <p:cNvSpPr txBox="1"/>
+          <p:nvPr/>
+        </p:nvSpPr>
+        <p:spPr>
+          <a:xfrm>
+            <a:off x="2834640" y="3429000"/>
+            <a:ext cx="1418786" cy="369332"/>
+          </a:xfrm>
+          <a:prstGeom prst="rect">
+            <a:avLst/>
+          </a:prstGeom>
+          <a:noFill/>
+        </p:spPr>
+        <p:txBody>
+          <a:bodyPr wrap="none" rtlCol="0">
+            <a:spAutoFit/>
+          </a:bodyPr>
+          <a:lstStyle/>
+          <a:p>
+            <a:r>
+              <a:rPr lang="en-CA" dirty="0"/>
+              <a:t>PID strategy</a:t>
+            </a:r>
+          </a:p>
+        </p:txBody>
+      </p:sp>
+    </p:spTree>
+    <p:extLst>
+      <p:ext uri="{BB962C8B-B14F-4D97-AF65-F5344CB8AC3E}">
+        <p14:creationId xmlns:p14="http://schemas.microsoft.com/office/powerpoint/2010/main" val="2901235726"/>
+      </p:ext>
+    </p:extLst>
+  </p:cSld>
+  <p:clrMapOvr>
+    <a:masterClrMapping/>
+  </p:clrMapOvr>
+</p:sld>
+</file>
+
+<file path=ppt/slides/slide14.xml><?xml version="1.0" encoding="utf-8"?>
+<p:sld xmlns:a="http://schemas.openxmlformats.org/drawingml/2006/main" xmlns:r="http://schemas.openxmlformats.org/officeDocument/2006/relationships" xmlns:p="http://schemas.openxmlformats.org/presentationml/2006/main">
+  <p:cSld>
+    <p:spTree>
+      <p:nvGrpSpPr>
+        <p:cNvPr id="1" name=""/>
+        <p:cNvGrpSpPr/>
+        <p:nvPr/>
+      </p:nvGrpSpPr>
+      <p:grpSpPr>
+        <a:xfrm>
+          <a:off x="0" y="0"/>
+          <a:ext cx="0" cy="0"/>
+          <a:chOff x="0" y="0"/>
+          <a:chExt cx="0" cy="0"/>
+        </a:xfrm>
+      </p:grpSpPr>
+      <p:sp>
+        <p:nvSpPr>
+          <p:cNvPr id="4" name="Rectangle 3">
+            <a:extLst>
+              <a:ext uri="{FF2B5EF4-FFF2-40B4-BE49-F238E27FC236}">
+                <a16:creationId xmlns:a16="http://schemas.microsoft.com/office/drawing/2014/main" id="{26FC9639-B390-488D-8378-A043F3332431}"/>
+              </a:ext>
+            </a:extLst>
+          </p:cNvPr>
+          <p:cNvSpPr/>
+          <p:nvPr/>
+        </p:nvSpPr>
+        <p:spPr>
+          <a:xfrm rot="735977">
+            <a:off x="6498058" y="-855778"/>
+            <a:ext cx="6847719" cy="8569557"/>
+          </a:xfrm>
+          <a:prstGeom prst="rect">
+            <a:avLst/>
+          </a:prstGeom>
+          <a:solidFill>
+            <a:schemeClr val="tx1">
+              <a:lumMod val="85000"/>
+              <a:lumOff val="15000"/>
+            </a:schemeClr>
+          </a:solidFill>
+          <a:ln>
+            <a:noFill/>
+          </a:ln>
+        </p:spPr>
+        <p:style>
+          <a:lnRef idx="2">
+            <a:schemeClr val="dk1">
+              <a:shade val="50000"/>
+            </a:schemeClr>
+          </a:lnRef>
+          <a:fillRef idx="1">
+            <a:schemeClr val="dk1"/>
+          </a:fillRef>
+          <a:effectRef idx="0">
+            <a:schemeClr val="dk1"/>
+          </a:effectRef>
+          <a:fontRef idx="minor">
+            <a:schemeClr val="lt1"/>
+          </a:fontRef>
+        </p:style>
+        <p:txBody>
+          <a:bodyPr rtlCol="0" anchor="ctr"/>
+          <a:lstStyle/>
+          <a:p>
+            <a:pPr algn="ctr"/>
+            <a:endParaRPr lang="en-CA" dirty="0"/>
+          </a:p>
+        </p:txBody>
+      </p:sp>
+      <p:sp>
+        <p:nvSpPr>
+          <p:cNvPr id="5" name="TextBox 4">
+            <a:extLst>
+              <a:ext uri="{FF2B5EF4-FFF2-40B4-BE49-F238E27FC236}">
+                <a16:creationId xmlns:a16="http://schemas.microsoft.com/office/drawing/2014/main" id="{6F6073D7-E557-4EB9-9AAB-065916D0CE95}"/>
+              </a:ext>
+            </a:extLst>
+          </p:cNvPr>
+          <p:cNvSpPr txBox="1"/>
+          <p:nvPr/>
+        </p:nvSpPr>
+        <p:spPr>
+          <a:xfrm>
+            <a:off x="7855764" y="121920"/>
+            <a:ext cx="3648756" cy="769441"/>
+          </a:xfrm>
+          <a:prstGeom prst="rect">
+            <a:avLst/>
+          </a:prstGeom>
+          <a:noFill/>
+        </p:spPr>
+        <p:txBody>
+          <a:bodyPr wrap="none" rtlCol="0">
+            <a:spAutoFit/>
+          </a:bodyPr>
+          <a:lstStyle/>
+          <a:p>
+            <a:r>
+              <a:rPr lang="en-CA" sz="4400" dirty="0">
+                <a:solidFill>
+                  <a:schemeClr val="bg1"/>
+                </a:solidFill>
+                <a:latin typeface="Segoe UI Light" panose="020B0502040204020203" pitchFamily="34" charset="0"/>
+                <a:cs typeface="Segoe UI Light" panose="020B0502040204020203" pitchFamily="34" charset="0"/>
+              </a:rPr>
+              <a:t>System Review</a:t>
+            </a:r>
+          </a:p>
+        </p:txBody>
+      </p:sp>
+      <p:sp>
+        <p:nvSpPr>
+          <p:cNvPr id="6" name="Rectangle 5">
+            <a:extLst>
+              <a:ext uri="{FF2B5EF4-FFF2-40B4-BE49-F238E27FC236}">
+                <a16:creationId xmlns:a16="http://schemas.microsoft.com/office/drawing/2014/main" id="{CCC9E418-6E82-4031-9FD4-8A588347090A}"/>
+              </a:ext>
+            </a:extLst>
+          </p:cNvPr>
+          <p:cNvSpPr/>
+          <p:nvPr/>
+        </p:nvSpPr>
+        <p:spPr>
+          <a:xfrm>
+            <a:off x="12192000" y="-1729220"/>
+            <a:ext cx="2103120" cy="9471140"/>
+          </a:xfrm>
+          <a:prstGeom prst="rect">
+            <a:avLst/>
+          </a:prstGeom>
+        </p:spPr>
+        <p:style>
+          <a:lnRef idx="2">
+            <a:schemeClr val="dk1">
+              <a:shade val="50000"/>
+            </a:schemeClr>
+          </a:lnRef>
+          <a:fillRef idx="1">
+            <a:schemeClr val="dk1"/>
+          </a:fillRef>
+          <a:effectRef idx="0">
+            <a:schemeClr val="dk1"/>
+          </a:effectRef>
+          <a:fontRef idx="minor">
+            <a:schemeClr val="lt1"/>
+          </a:fontRef>
+        </p:style>
+        <p:txBody>
+          <a:bodyPr rtlCol="0" anchor="ctr"/>
+          <a:lstStyle/>
+          <a:p>
+            <a:pPr algn="ctr"/>
+            <a:endParaRPr lang="en-CA"/>
+          </a:p>
+        </p:txBody>
+      </p:sp>
+      <p:sp>
+        <p:nvSpPr>
+          <p:cNvPr id="7" name="TextBox 6">
+            <a:extLst>
+              <a:ext uri="{FF2B5EF4-FFF2-40B4-BE49-F238E27FC236}">
+                <a16:creationId xmlns:a16="http://schemas.microsoft.com/office/drawing/2014/main" id="{A892A02C-4C53-4000-85A9-33EEC39BFE6B}"/>
+              </a:ext>
+            </a:extLst>
+          </p:cNvPr>
+          <p:cNvSpPr txBox="1"/>
+          <p:nvPr/>
+        </p:nvSpPr>
+        <p:spPr>
+          <a:xfrm>
+            <a:off x="2164080" y="1524000"/>
+            <a:ext cx="1883016" cy="369332"/>
+          </a:xfrm>
+          <a:prstGeom prst="rect">
+            <a:avLst/>
+          </a:prstGeom>
+          <a:noFill/>
+        </p:spPr>
+        <p:txBody>
+          <a:bodyPr wrap="none" rtlCol="0">
+            <a:spAutoFit/>
+          </a:bodyPr>
+          <a:lstStyle/>
+          <a:p>
+            <a:r>
+              <a:rPr lang="en-CA" dirty="0"/>
+              <a:t>Transfer function</a:t>
+            </a:r>
+          </a:p>
+        </p:txBody>
+      </p:sp>
+      <p:sp>
+        <p:nvSpPr>
+          <p:cNvPr id="8" name="TextBox 7">
+            <a:extLst>
+              <a:ext uri="{FF2B5EF4-FFF2-40B4-BE49-F238E27FC236}">
+                <a16:creationId xmlns:a16="http://schemas.microsoft.com/office/drawing/2014/main" id="{15D81BFD-8C72-4197-A389-21AF5B022A10}"/>
+              </a:ext>
+            </a:extLst>
+          </p:cNvPr>
+          <p:cNvSpPr txBox="1"/>
+          <p:nvPr/>
+        </p:nvSpPr>
+        <p:spPr>
+          <a:xfrm>
+            <a:off x="1980523" y="3764280"/>
+            <a:ext cx="1877052" cy="369332"/>
+          </a:xfrm>
+          <a:prstGeom prst="rect">
+            <a:avLst/>
+          </a:prstGeom>
+          <a:noFill/>
+        </p:spPr>
+        <p:txBody>
+          <a:bodyPr wrap="none" rtlCol="0">
+            <a:spAutoFit/>
+          </a:bodyPr>
+          <a:lstStyle/>
+          <a:p>
+            <a:r>
+              <a:rPr lang="en-CA" dirty="0"/>
+              <a:t>Poles and zeroes</a:t>
+            </a:r>
+          </a:p>
+        </p:txBody>
+      </p:sp>
+      <p:sp>
+        <p:nvSpPr>
+          <p:cNvPr id="9" name="TextBox 8">
+            <a:extLst>
+              <a:ext uri="{FF2B5EF4-FFF2-40B4-BE49-F238E27FC236}">
+                <a16:creationId xmlns:a16="http://schemas.microsoft.com/office/drawing/2014/main" id="{32BFBDD3-3CB8-4FFA-A721-7E2C38266803}"/>
+              </a:ext>
+            </a:extLst>
+          </p:cNvPr>
+          <p:cNvSpPr txBox="1"/>
+          <p:nvPr/>
+        </p:nvSpPr>
+        <p:spPr>
+          <a:xfrm>
+            <a:off x="2331720" y="5196840"/>
+            <a:ext cx="1304909" cy="369332"/>
+          </a:xfrm>
+          <a:prstGeom prst="rect">
+            <a:avLst/>
+          </a:prstGeom>
+          <a:noFill/>
+        </p:spPr>
+        <p:txBody>
+          <a:bodyPr wrap="none" rtlCol="0">
+            <a:spAutoFit/>
+          </a:bodyPr>
+          <a:lstStyle/>
+          <a:p>
+            <a:r>
+              <a:rPr lang="en-CA" dirty="0"/>
+              <a:t>Root Locus</a:t>
+            </a:r>
+          </a:p>
+        </p:txBody>
+      </p:sp>
+    </p:spTree>
+    <p:extLst>
+      <p:ext uri="{BB962C8B-B14F-4D97-AF65-F5344CB8AC3E}">
+        <p14:creationId xmlns:p14="http://schemas.microsoft.com/office/powerpoint/2010/main" val="136331766"/>
+      </p:ext>
+    </p:extLst>
+  </p:cSld>
+  <p:clrMapOvr>
+    <a:masterClrMapping/>
+  </p:clrMapOvr>
+</p:sld>
+</file>
+
+<file path=ppt/slides/slide15.xml><?xml version="1.0" encoding="utf-8"?>
+<p:sld xmlns:a="http://schemas.openxmlformats.org/drawingml/2006/main" xmlns:r="http://schemas.openxmlformats.org/officeDocument/2006/relationships" xmlns:p="http://schemas.openxmlformats.org/presentationml/2006/main">
+  <p:cSld>
+    <p:spTree>
+      <p:nvGrpSpPr>
+        <p:cNvPr id="1" name=""/>
+        <p:cNvGrpSpPr/>
+        <p:nvPr/>
+      </p:nvGrpSpPr>
+      <p:grpSpPr>
+        <a:xfrm>
+          <a:off x="0" y="0"/>
+          <a:ext cx="0" cy="0"/>
+          <a:chOff x="0" y="0"/>
+          <a:chExt cx="0" cy="0"/>
+        </a:xfrm>
+      </p:grpSpPr>
+      <p:sp>
+        <p:nvSpPr>
+          <p:cNvPr id="4" name="Rectangle 3">
+            <a:extLst>
+              <a:ext uri="{FF2B5EF4-FFF2-40B4-BE49-F238E27FC236}">
+                <a16:creationId xmlns:a16="http://schemas.microsoft.com/office/drawing/2014/main" id="{E444A861-36EB-490F-95B9-39B5A3042E4A}"/>
+              </a:ext>
+            </a:extLst>
+          </p:cNvPr>
+          <p:cNvSpPr/>
+          <p:nvPr/>
+        </p:nvSpPr>
+        <p:spPr>
+          <a:xfrm rot="21295920">
+            <a:off x="-259115" y="-338146"/>
+            <a:ext cx="4773383" cy="1591994"/>
+          </a:xfrm>
+          <a:prstGeom prst="rect">
+            <a:avLst/>
+          </a:prstGeom>
+          <a:solidFill>
+            <a:schemeClr val="accent4"/>
+          </a:solidFill>
+          <a:ln>
+            <a:noFill/>
+          </a:ln>
+        </p:spPr>
+        <p:style>
+          <a:lnRef idx="2">
+            <a:schemeClr val="accent1">
+              <a:shade val="50000"/>
+            </a:schemeClr>
+          </a:lnRef>
+          <a:fillRef idx="1">
+            <a:schemeClr val="accent1"/>
+          </a:fillRef>
+          <a:effectRef idx="0">
+            <a:schemeClr val="accent1"/>
+          </a:effectRef>
+          <a:fontRef idx="minor">
+            <a:schemeClr val="lt1"/>
+          </a:fontRef>
+        </p:style>
+        <p:txBody>
+          <a:bodyPr rtlCol="0" anchor="ctr"/>
+          <a:lstStyle/>
+          <a:p>
+            <a:pPr algn="ctr"/>
+            <a:endParaRPr lang="en-CA"/>
+          </a:p>
+        </p:txBody>
+      </p:sp>
+      <p:sp>
+        <p:nvSpPr>
+          <p:cNvPr id="5" name="TextBox 4">
+            <a:extLst>
+              <a:ext uri="{FF2B5EF4-FFF2-40B4-BE49-F238E27FC236}">
+                <a16:creationId xmlns:a16="http://schemas.microsoft.com/office/drawing/2014/main" id="{C0BFD7B5-30DA-4D00-8F1C-F80B4B1A7110}"/>
+              </a:ext>
+            </a:extLst>
+          </p:cNvPr>
+          <p:cNvSpPr txBox="1"/>
+          <p:nvPr/>
+        </p:nvSpPr>
+        <p:spPr>
+          <a:xfrm>
+            <a:off x="266244" y="152769"/>
+            <a:ext cx="3911648" cy="769441"/>
+          </a:xfrm>
+          <a:prstGeom prst="rect">
+            <a:avLst/>
+          </a:prstGeom>
+          <a:noFill/>
+        </p:spPr>
+        <p:txBody>
+          <a:bodyPr wrap="none" rtlCol="0">
+            <a:spAutoFit/>
+          </a:bodyPr>
+          <a:lstStyle/>
+          <a:p>
+            <a:r>
+              <a:rPr lang="en-CA" sz="4400" dirty="0">
+                <a:solidFill>
+                  <a:schemeClr val="bg1"/>
+                </a:solidFill>
+                <a:latin typeface="Segoe UI Light" panose="020B0502040204020203" pitchFamily="34" charset="0"/>
+                <a:cs typeface="Segoe UI Light" panose="020B0502040204020203" pitchFamily="34" charset="0"/>
+              </a:rPr>
+              <a:t>Motor Selection</a:t>
+            </a:r>
+          </a:p>
+        </p:txBody>
+      </p:sp>
+    </p:spTree>
+    <p:extLst>
+      <p:ext uri="{BB962C8B-B14F-4D97-AF65-F5344CB8AC3E}">
+        <p14:creationId xmlns:p14="http://schemas.microsoft.com/office/powerpoint/2010/main" val="2464528041"/>
+      </p:ext>
+    </p:extLst>
+  </p:cSld>
+  <p:clrMapOvr>
+    <a:masterClrMapping/>
+  </p:clrMapOvr>
+</p:sld>
+</file>
+
+<file path=ppt/slides/slide16.xml><?xml version="1.0" encoding="utf-8"?>
+<p:sld xmlns:a="http://schemas.openxmlformats.org/drawingml/2006/main" xmlns:r="http://schemas.openxmlformats.org/officeDocument/2006/relationships" xmlns:p="http://schemas.openxmlformats.org/presentationml/2006/main">
+  <p:cSld>
+    <p:spTree>
+      <p:nvGrpSpPr>
+        <p:cNvPr id="1" name=""/>
+        <p:cNvGrpSpPr/>
+        <p:nvPr/>
+      </p:nvGrpSpPr>
+      <p:grpSpPr>
+        <a:xfrm>
+          <a:off x="0" y="0"/>
+          <a:ext cx="0" cy="0"/>
+          <a:chOff x="0" y="0"/>
+          <a:chExt cx="0" cy="0"/>
+        </a:xfrm>
+      </p:grpSpPr>
+      <p:sp>
+        <p:nvSpPr>
+          <p:cNvPr id="4" name="Rectangle 3">
+            <a:extLst>
+              <a:ext uri="{FF2B5EF4-FFF2-40B4-BE49-F238E27FC236}">
+                <a16:creationId xmlns:a16="http://schemas.microsoft.com/office/drawing/2014/main" id="{2E406D6A-6BBB-46D4-8C98-EA21FFD1FE24}"/>
+              </a:ext>
+            </a:extLst>
+          </p:cNvPr>
+          <p:cNvSpPr/>
+          <p:nvPr/>
+        </p:nvSpPr>
+        <p:spPr>
+          <a:xfrm rot="735977">
+            <a:off x="-2280183" y="-855779"/>
+            <a:ext cx="6847719" cy="8569557"/>
+          </a:xfrm>
+          <a:prstGeom prst="rect">
+            <a:avLst/>
+          </a:prstGeom>
+          <a:solidFill>
+            <a:schemeClr val="accent2">
+              <a:lumMod val="75000"/>
+            </a:schemeClr>
+          </a:solidFill>
+          <a:ln>
+            <a:noFill/>
+          </a:ln>
+        </p:spPr>
+        <p:style>
+          <a:lnRef idx="2">
+            <a:schemeClr val="dk1">
+              <a:shade val="50000"/>
+            </a:schemeClr>
+          </a:lnRef>
+          <a:fillRef idx="1">
+            <a:schemeClr val="dk1"/>
+          </a:fillRef>
+          <a:effectRef idx="0">
+            <a:schemeClr val="dk1"/>
+          </a:effectRef>
+          <a:fontRef idx="minor">
+            <a:schemeClr val="lt1"/>
+          </a:fontRef>
+        </p:style>
+        <p:txBody>
+          <a:bodyPr rtlCol="0" anchor="ctr"/>
+          <a:lstStyle/>
+          <a:p>
+            <a:pPr algn="ctr"/>
+            <a:endParaRPr lang="en-CA" dirty="0"/>
+          </a:p>
+        </p:txBody>
+      </p:sp>
+      <p:sp>
+        <p:nvSpPr>
+          <p:cNvPr id="5" name="TextBox 4">
+            <a:extLst>
+              <a:ext uri="{FF2B5EF4-FFF2-40B4-BE49-F238E27FC236}">
+                <a16:creationId xmlns:a16="http://schemas.microsoft.com/office/drawing/2014/main" id="{42950528-0A08-4DA8-B4BE-290AFFFB25E7}"/>
+              </a:ext>
+            </a:extLst>
+          </p:cNvPr>
+          <p:cNvSpPr txBox="1"/>
+          <p:nvPr/>
+        </p:nvSpPr>
+        <p:spPr>
+          <a:xfrm>
+            <a:off x="677724" y="243840"/>
+            <a:ext cx="3494867" cy="769441"/>
+          </a:xfrm>
+          <a:prstGeom prst="rect">
+            <a:avLst/>
+          </a:prstGeom>
+          <a:noFill/>
+        </p:spPr>
+        <p:txBody>
+          <a:bodyPr wrap="none" rtlCol="0">
+            <a:spAutoFit/>
+          </a:bodyPr>
+          <a:lstStyle/>
+          <a:p>
+            <a:r>
+              <a:rPr lang="en-CA" sz="4400" dirty="0">
+                <a:solidFill>
+                  <a:schemeClr val="bg1"/>
+                </a:solidFill>
+                <a:latin typeface="Segoe UI Light" panose="020B0502040204020203" pitchFamily="34" charset="0"/>
+                <a:cs typeface="Segoe UI Light" panose="020B0502040204020203" pitchFamily="34" charset="0"/>
+              </a:rPr>
+              <a:t>Obtaining PID</a:t>
+            </a:r>
+          </a:p>
+        </p:txBody>
+      </p:sp>
+      <p:sp>
+        <p:nvSpPr>
+          <p:cNvPr id="6" name="TextBox 5">
+            <a:extLst>
+              <a:ext uri="{FF2B5EF4-FFF2-40B4-BE49-F238E27FC236}">
+                <a16:creationId xmlns:a16="http://schemas.microsoft.com/office/drawing/2014/main" id="{EB322D47-0C66-4F04-84DE-895AFEDA1E8B}"/>
+              </a:ext>
+            </a:extLst>
+          </p:cNvPr>
+          <p:cNvSpPr txBox="1"/>
+          <p:nvPr/>
+        </p:nvSpPr>
+        <p:spPr>
+          <a:xfrm>
+            <a:off x="7162800" y="2072640"/>
+            <a:ext cx="1633973" cy="369332"/>
+          </a:xfrm>
+          <a:prstGeom prst="rect">
+            <a:avLst/>
+          </a:prstGeom>
+          <a:noFill/>
+        </p:spPr>
+        <p:txBody>
+          <a:bodyPr wrap="none" rtlCol="0">
+            <a:spAutoFit/>
+          </a:bodyPr>
+          <a:lstStyle/>
+          <a:p>
+            <a:r>
+              <a:rPr lang="en-CA" dirty="0"/>
+              <a:t>Placing zeroes</a:t>
+            </a:r>
+          </a:p>
+        </p:txBody>
+      </p:sp>
+      <p:sp>
+        <p:nvSpPr>
+          <p:cNvPr id="9" name="TextBox 8">
+            <a:extLst>
+              <a:ext uri="{FF2B5EF4-FFF2-40B4-BE49-F238E27FC236}">
+                <a16:creationId xmlns:a16="http://schemas.microsoft.com/office/drawing/2014/main" id="{F65D8A17-E0F8-4F07-AADA-BFB459A56FB9}"/>
+              </a:ext>
+            </a:extLst>
+          </p:cNvPr>
+          <p:cNvSpPr txBox="1"/>
+          <p:nvPr/>
+        </p:nvSpPr>
+        <p:spPr>
+          <a:xfrm>
+            <a:off x="6461760" y="4785360"/>
+            <a:ext cx="3431389" cy="369332"/>
+          </a:xfrm>
+          <a:prstGeom prst="rect">
+            <a:avLst/>
+          </a:prstGeom>
+          <a:noFill/>
+        </p:spPr>
+        <p:txBody>
+          <a:bodyPr wrap="none" rtlCol="0">
+            <a:spAutoFit/>
+          </a:bodyPr>
+          <a:lstStyle/>
+          <a:p>
+            <a:r>
+              <a:rPr lang="en-CA" dirty="0"/>
+              <a:t>How we obtained </a:t>
+            </a:r>
+            <a:r>
+              <a:rPr lang="en-CA" dirty="0" err="1"/>
+              <a:t>Kp</a:t>
+            </a:r>
+            <a:r>
+              <a:rPr lang="en-CA" dirty="0"/>
+              <a:t>, Ki, and </a:t>
+            </a:r>
+            <a:r>
+              <a:rPr lang="en-CA" dirty="0" err="1"/>
+              <a:t>Kd</a:t>
+            </a:r>
+            <a:endParaRPr lang="en-CA" dirty="0"/>
+          </a:p>
+        </p:txBody>
+      </p:sp>
+    </p:spTree>
+    <p:extLst>
+      <p:ext uri="{BB962C8B-B14F-4D97-AF65-F5344CB8AC3E}">
+        <p14:creationId xmlns:p14="http://schemas.microsoft.com/office/powerpoint/2010/main" val="1284418725"/>
+      </p:ext>
+    </p:extLst>
+  </p:cSld>
+  <p:clrMapOvr>
+    <a:masterClrMapping/>
+  </p:clrMapOvr>
+</p:sld>
+</file>
+
+<file path=ppt/slides/slide17.xml><?xml version="1.0" encoding="utf-8"?>
+<p:sld xmlns:a="http://schemas.openxmlformats.org/drawingml/2006/main" xmlns:r="http://schemas.openxmlformats.org/officeDocument/2006/relationships" xmlns:p="http://schemas.openxmlformats.org/presentationml/2006/main">
+  <p:cSld>
+    <p:spTree>
+      <p:nvGrpSpPr>
+        <p:cNvPr id="1" name=""/>
+        <p:cNvGrpSpPr/>
+        <p:nvPr/>
+      </p:nvGrpSpPr>
+      <p:grpSpPr>
+        <a:xfrm>
+          <a:off x="0" y="0"/>
+          <a:ext cx="0" cy="0"/>
+          <a:chOff x="0" y="0"/>
+          <a:chExt cx="0" cy="0"/>
+        </a:xfrm>
+      </p:grpSpPr>
+      <p:sp>
+        <p:nvSpPr>
+          <p:cNvPr id="4" name="Rectangle 3">
+            <a:extLst>
+              <a:ext uri="{FF2B5EF4-FFF2-40B4-BE49-F238E27FC236}">
+                <a16:creationId xmlns:a16="http://schemas.microsoft.com/office/drawing/2014/main" id="{38BAEF1D-3CEF-4DA5-AE9A-61B501E5DBC1}"/>
+              </a:ext>
+            </a:extLst>
+          </p:cNvPr>
+          <p:cNvSpPr/>
+          <p:nvPr/>
+        </p:nvSpPr>
+        <p:spPr>
+          <a:xfrm rot="20841941">
+            <a:off x="-2239965" y="-855778"/>
+            <a:ext cx="6847719" cy="8569557"/>
+          </a:xfrm>
+          <a:prstGeom prst="rect">
+            <a:avLst/>
+          </a:prstGeom>
+          <a:solidFill>
+            <a:schemeClr val="accent2">
+              <a:lumMod val="75000"/>
+            </a:schemeClr>
+          </a:solidFill>
+          <a:ln>
+            <a:noFill/>
+          </a:ln>
+        </p:spPr>
+        <p:style>
+          <a:lnRef idx="2">
+            <a:schemeClr val="dk1">
+              <a:shade val="50000"/>
+            </a:schemeClr>
+          </a:lnRef>
+          <a:fillRef idx="1">
+            <a:schemeClr val="dk1"/>
+          </a:fillRef>
+          <a:effectRef idx="0">
+            <a:schemeClr val="dk1"/>
+          </a:effectRef>
+          <a:fontRef idx="minor">
+            <a:schemeClr val="lt1"/>
+          </a:fontRef>
+        </p:style>
+        <p:txBody>
+          <a:bodyPr rtlCol="0" anchor="ctr"/>
+          <a:lstStyle/>
+          <a:p>
+            <a:pPr algn="ctr"/>
+            <a:endParaRPr lang="en-CA" dirty="0"/>
+          </a:p>
+        </p:txBody>
+      </p:sp>
+      <p:sp>
+        <p:nvSpPr>
+          <p:cNvPr id="5" name="TextBox 4">
+            <a:extLst>
+              <a:ext uri="{FF2B5EF4-FFF2-40B4-BE49-F238E27FC236}">
+                <a16:creationId xmlns:a16="http://schemas.microsoft.com/office/drawing/2014/main" id="{06780871-83D6-4B5B-AE25-1EF5FE5AA44A}"/>
+              </a:ext>
+            </a:extLst>
+          </p:cNvPr>
+          <p:cNvSpPr txBox="1"/>
+          <p:nvPr/>
+        </p:nvSpPr>
+        <p:spPr>
+          <a:xfrm>
+            <a:off x="357684" y="182880"/>
+            <a:ext cx="2444900" cy="769441"/>
+          </a:xfrm>
+          <a:prstGeom prst="rect">
+            <a:avLst/>
+          </a:prstGeom>
+          <a:noFill/>
+        </p:spPr>
+        <p:txBody>
+          <a:bodyPr wrap="none" rtlCol="0">
+            <a:spAutoFit/>
+          </a:bodyPr>
+          <a:lstStyle/>
+          <a:p>
+            <a:r>
+              <a:rPr lang="en-CA" sz="4400" dirty="0">
+                <a:solidFill>
+                  <a:schemeClr val="bg1"/>
+                </a:solidFill>
+                <a:latin typeface="Segoe UI Light" panose="020B0502040204020203" pitchFamily="34" charset="0"/>
+                <a:cs typeface="Segoe UI Light" panose="020B0502040204020203" pitchFamily="34" charset="0"/>
+              </a:rPr>
+              <a:t>PID Gains</a:t>
+            </a:r>
+          </a:p>
+        </p:txBody>
+      </p:sp>
+      <p:sp>
+        <p:nvSpPr>
+          <p:cNvPr id="7" name="TextBox 6">
+            <a:extLst>
+              <a:ext uri="{FF2B5EF4-FFF2-40B4-BE49-F238E27FC236}">
+                <a16:creationId xmlns:a16="http://schemas.microsoft.com/office/drawing/2014/main" id="{99DB5DE5-B200-41A8-9B9A-3EF8AB0CABF6}"/>
+              </a:ext>
+            </a:extLst>
+          </p:cNvPr>
+          <p:cNvSpPr txBox="1"/>
+          <p:nvPr/>
+        </p:nvSpPr>
+        <p:spPr>
+          <a:xfrm>
+            <a:off x="6309360" y="1463040"/>
+            <a:ext cx="1540293" cy="369332"/>
+          </a:xfrm>
+          <a:prstGeom prst="rect">
+            <a:avLst/>
+          </a:prstGeom>
+          <a:noFill/>
+        </p:spPr>
+        <p:txBody>
+          <a:bodyPr wrap="none" rtlCol="0">
+            <a:spAutoFit/>
+          </a:bodyPr>
+          <a:lstStyle/>
+          <a:p>
+            <a:r>
+              <a:rPr lang="en-CA" dirty="0"/>
+              <a:t>KGH with PID</a:t>
+            </a:r>
+          </a:p>
+        </p:txBody>
+      </p:sp>
+      <p:sp>
+        <p:nvSpPr>
+          <p:cNvPr id="8" name="TextBox 7">
+            <a:extLst>
+              <a:ext uri="{FF2B5EF4-FFF2-40B4-BE49-F238E27FC236}">
+                <a16:creationId xmlns:a16="http://schemas.microsoft.com/office/drawing/2014/main" id="{63D43FB1-71F9-4CC7-B3A0-A76D80A188AA}"/>
+              </a:ext>
+            </a:extLst>
+          </p:cNvPr>
+          <p:cNvSpPr txBox="1"/>
+          <p:nvPr/>
+        </p:nvSpPr>
+        <p:spPr>
+          <a:xfrm>
+            <a:off x="7849653" y="3244334"/>
+            <a:ext cx="2160913" cy="369332"/>
+          </a:xfrm>
+          <a:prstGeom prst="rect">
+            <a:avLst/>
+          </a:prstGeom>
+          <a:noFill/>
+        </p:spPr>
+        <p:txBody>
+          <a:bodyPr wrap="none" rtlCol="0">
+            <a:spAutoFit/>
+          </a:bodyPr>
+          <a:lstStyle/>
+          <a:p>
+            <a:r>
+              <a:rPr lang="en-CA" dirty="0"/>
+              <a:t>Root locus with PID</a:t>
+            </a:r>
+          </a:p>
+        </p:txBody>
+      </p:sp>
+    </p:spTree>
+    <p:extLst>
+      <p:ext uri="{BB962C8B-B14F-4D97-AF65-F5344CB8AC3E}">
+        <p14:creationId xmlns:p14="http://schemas.microsoft.com/office/powerpoint/2010/main" val="1248312717"/>
+      </p:ext>
+    </p:extLst>
+  </p:cSld>
+  <p:clrMapOvr>
+    <a:masterClrMapping/>
+  </p:clrMapOvr>
+</p:sld>
+</file>
+
 <file path=ppt/slides/slide2.xml><?xml version="1.0" encoding="utf-8"?>
 <p:sld xmlns:a="http://schemas.openxmlformats.org/drawingml/2006/main" xmlns:r="http://schemas.openxmlformats.org/officeDocument/2006/relationships" xmlns:p="http://schemas.openxmlformats.org/presentationml/2006/main">
   <p:cSld>
@@ -13635,8 +15670,8 @@
           </p:txBody>
         </p:sp>
       </p:grpSp>
-      <mc:AlternateContent xmlns:mc="http://schemas.openxmlformats.org/markup-compatibility/2006">
-        <mc:Choice xmlns:am3d="http://schemas.microsoft.com/office/drawing/2017/model3d" Requires="am3d">
+      <mc:AlternateContent xmlns:mc="http://schemas.openxmlformats.org/markup-compatibility/2006" xmlns:am3d="http://schemas.microsoft.com/office/drawing/2017/model3d">
+        <mc:Choice Requires="am3d">
           <p:graphicFrame>
             <p:nvGraphicFramePr>
               <p:cNvPr id="37" name="3D Model 36">
@@ -13726,7 +15761,7 @@
             </a:graphic>
           </p:graphicFrame>
         </mc:Choice>
-        <mc:Fallback>
+        <mc:Fallback xmlns="">
           <p:pic>
             <p:nvPicPr>
               <p:cNvPr id="37" name="3D Model 36">
@@ -13742,7 +15777,7 @@
               <p:nvPr/>
             </p:nvPicPr>
             <p:blipFill>
-              <a:blip r:embed="rId3"/>
+              <a:blip r:embed="rId4"/>
               <a:stretch>
                 <a:fillRect/>
               </a:stretch>
@@ -19557,8 +21592,8 @@
           </a:p>
         </p:txBody>
       </p:sp>
-      <mc:AlternateContent xmlns:mc="http://schemas.openxmlformats.org/markup-compatibility/2006">
-        <mc:Choice xmlns:a14="http://schemas.microsoft.com/office/drawing/2010/main" Requires="a14">
+      <mc:AlternateContent xmlns:mc="http://schemas.openxmlformats.org/markup-compatibility/2006" xmlns:a14="http://schemas.microsoft.com/office/drawing/2010/main">
+        <mc:Choice Requires="a14">
           <p:sp>
             <p:nvSpPr>
               <p:cNvPr id="31" name="TextBox 30">
@@ -20103,7 +22138,7 @@
             </p:txBody>
           </p:sp>
         </mc:Choice>
-        <mc:Fallback>
+        <mc:Fallback xmlns="">
           <p:sp>
             <p:nvSpPr>
               <p:cNvPr id="31" name="TextBox 30">
@@ -20148,8 +22183,8 @@
           </p:sp>
         </mc:Fallback>
       </mc:AlternateContent>
-      <mc:AlternateContent xmlns:mc="http://schemas.openxmlformats.org/markup-compatibility/2006">
-        <mc:Choice xmlns:a14="http://schemas.microsoft.com/office/drawing/2010/main" Requires="a14">
+      <mc:AlternateContent xmlns:mc="http://schemas.openxmlformats.org/markup-compatibility/2006" xmlns:a14="http://schemas.microsoft.com/office/drawing/2010/main">
+        <mc:Choice Requires="a14">
           <p:sp>
             <p:nvSpPr>
               <p:cNvPr id="32" name="TextBox 31">
@@ -20741,7 +22776,7 @@
             </p:txBody>
           </p:sp>
         </mc:Choice>
-        <mc:Fallback>
+        <mc:Fallback xmlns="">
           <p:sp>
             <p:nvSpPr>
               <p:cNvPr id="32" name="TextBox 31">
@@ -23584,8 +25619,8 @@
               </a:p>
             </p:txBody>
           </p:sp>
-          <mc:AlternateContent xmlns:mc="http://schemas.openxmlformats.org/markup-compatibility/2006">
-            <mc:Choice xmlns:a14="http://schemas.microsoft.com/office/drawing/2010/main" Requires="a14">
+          <mc:AlternateContent xmlns:mc="http://schemas.openxmlformats.org/markup-compatibility/2006" xmlns:a14="http://schemas.microsoft.com/office/drawing/2010/main">
+            <mc:Choice Requires="a14">
               <p:sp>
                 <p:nvSpPr>
                   <p:cNvPr id="58" name="TextBox 57">
@@ -23645,7 +25680,7 @@
                 </p:txBody>
               </p:sp>
             </mc:Choice>
-            <mc:Fallback>
+            <mc:Fallback xmlns="">
               <p:sp>
                 <p:nvSpPr>
                   <p:cNvPr id="58" name="TextBox 57">
@@ -23939,8 +25974,8 @@
               </a:p>
             </p:txBody>
           </p:sp>
-          <mc:AlternateContent xmlns:mc="http://schemas.openxmlformats.org/markup-compatibility/2006">
-            <mc:Choice xmlns:a14="http://schemas.microsoft.com/office/drawing/2010/main" Requires="a14">
+          <mc:AlternateContent xmlns:mc="http://schemas.openxmlformats.org/markup-compatibility/2006" xmlns:a14="http://schemas.microsoft.com/office/drawing/2010/main">
+            <mc:Choice Requires="a14">
               <p:sp>
                 <p:nvSpPr>
                   <p:cNvPr id="48" name="TextBox 47">
@@ -24000,7 +26035,7 @@
                 </p:txBody>
               </p:sp>
             </mc:Choice>
-            <mc:Fallback>
+            <mc:Fallback xmlns="">
               <p:sp>
                 <p:nvSpPr>
                   <p:cNvPr id="48" name="TextBox 47">
@@ -24045,8 +26080,8 @@
               </p:sp>
             </mc:Fallback>
           </mc:AlternateContent>
-          <mc:AlternateContent xmlns:mc="http://schemas.openxmlformats.org/markup-compatibility/2006">
-            <mc:Choice xmlns:a14="http://schemas.microsoft.com/office/drawing/2010/main" Requires="a14">
+          <mc:AlternateContent xmlns:mc="http://schemas.openxmlformats.org/markup-compatibility/2006" xmlns:a14="http://schemas.microsoft.com/office/drawing/2010/main">
+            <mc:Choice Requires="a14">
               <p:sp>
                 <p:nvSpPr>
                   <p:cNvPr id="49" name="TextBox 48">
@@ -24106,7 +26141,7 @@
                 </p:txBody>
               </p:sp>
             </mc:Choice>
-            <mc:Fallback>
+            <mc:Fallback xmlns="">
               <p:sp>
                 <p:nvSpPr>
                   <p:cNvPr id="49" name="TextBox 48">
@@ -24183,8 +26218,8 @@
           </p:spPr>
         </p:pic>
       </p:grpSp>
-      <mc:AlternateContent xmlns:mc="http://schemas.openxmlformats.org/markup-compatibility/2006">
-        <mc:Choice xmlns:a14="http://schemas.microsoft.com/office/drawing/2010/main" Requires="a14">
+      <mc:AlternateContent xmlns:mc="http://schemas.openxmlformats.org/markup-compatibility/2006" xmlns:a14="http://schemas.microsoft.com/office/drawing/2010/main">
+        <mc:Choice Requires="a14">
           <p:sp>
             <p:nvSpPr>
               <p:cNvPr id="51" name="TextBox 50">
@@ -24213,6 +26248,7 @@
               </a:bodyPr>
               <a:lstStyle/>
               <a:p>
+                <a:pPr/>
                 <a14:m>
                   <m:oMathPara xmlns:m="http://schemas.openxmlformats.org/officeDocument/2006/math">
                     <m:oMathParaPr>
@@ -24397,7 +26433,7 @@
             </p:txBody>
           </p:sp>
         </mc:Choice>
-        <mc:Fallback>
+        <mc:Fallback xmlns="">
           <p:sp>
             <p:nvSpPr>
               <p:cNvPr id="51" name="TextBox 50">
@@ -24718,8 +26754,8 @@
           </a:p>
         </p:txBody>
       </p:sp>
-      <mc:AlternateContent xmlns:mc="http://schemas.openxmlformats.org/markup-compatibility/2006">
-        <mc:Choice xmlns:a14="http://schemas.microsoft.com/office/drawing/2010/main" Requires="a14">
+      <mc:AlternateContent xmlns:mc="http://schemas.openxmlformats.org/markup-compatibility/2006" xmlns:a14="http://schemas.microsoft.com/office/drawing/2010/main">
+        <mc:Choice Requires="a14">
           <p:sp>
             <p:nvSpPr>
               <p:cNvPr id="5" name="TextBox 4">
@@ -25013,7 +27049,7 @@
             </p:txBody>
           </p:sp>
         </mc:Choice>
-        <mc:Fallback>
+        <mc:Fallback xmlns="">
           <p:sp>
             <p:nvSpPr>
               <p:cNvPr id="5" name="TextBox 4">
@@ -25739,8 +27775,8 @@
           </a:p>
         </p:txBody>
       </p:sp>
-      <mc:AlternateContent xmlns:mc="http://schemas.openxmlformats.org/markup-compatibility/2006">
-        <mc:Choice xmlns:a14="http://schemas.microsoft.com/office/drawing/2010/main" Requires="a14">
+      <mc:AlternateContent xmlns:mc="http://schemas.openxmlformats.org/markup-compatibility/2006" xmlns:a14="http://schemas.microsoft.com/office/drawing/2010/main">
+        <mc:Choice Requires="a14">
           <p:sp>
             <p:nvSpPr>
               <p:cNvPr id="23" name="Rectangle 22">
@@ -25953,7 +27989,7 @@
             </p:txBody>
           </p:sp>
         </mc:Choice>
-        <mc:Fallback>
+        <mc:Fallback xmlns="">
           <p:sp>
             <p:nvSpPr>
               <p:cNvPr id="23" name="Rectangle 22">
@@ -26049,8 +28085,8 @@
           </a:p>
         </p:txBody>
       </p:sp>
-      <mc:AlternateContent xmlns:mc="http://schemas.openxmlformats.org/markup-compatibility/2006">
-        <mc:Choice xmlns:a14="http://schemas.microsoft.com/office/drawing/2010/main" Requires="a14">
+      <mc:AlternateContent xmlns:mc="http://schemas.openxmlformats.org/markup-compatibility/2006" xmlns:a14="http://schemas.microsoft.com/office/drawing/2010/main">
+        <mc:Choice Requires="a14">
           <p:sp>
             <p:nvSpPr>
               <p:cNvPr id="25" name="TextBox 24">
@@ -26157,7 +28193,7 @@
             </p:txBody>
           </p:sp>
         </mc:Choice>
-        <mc:Fallback>
+        <mc:Fallback xmlns="">
           <p:sp>
             <p:nvSpPr>
               <p:cNvPr id="25" name="TextBox 24">
@@ -26202,8 +28238,8 @@
           </p:sp>
         </mc:Fallback>
       </mc:AlternateContent>
-      <mc:AlternateContent xmlns:mc="http://schemas.openxmlformats.org/markup-compatibility/2006">
-        <mc:Choice xmlns:p14="http://schemas.microsoft.com/office/powerpoint/2010/main" Requires="p14">
+      <mc:AlternateContent xmlns:mc="http://schemas.openxmlformats.org/markup-compatibility/2006" xmlns:p14="http://schemas.microsoft.com/office/powerpoint/2010/main">
+        <mc:Choice Requires="p14">
           <p:contentPart p14:bwMode="auto" r:id="rId13">
             <p14:nvContentPartPr>
               <p14:cNvPr id="210" name="Ink 209">
@@ -26222,7 +28258,7 @@
             </p14:xfrm>
           </p:contentPart>
         </mc:Choice>
-        <mc:Fallback>
+        <mc:Fallback xmlns="">
           <p:pic>
             <p:nvPicPr>
               <p:cNvPr id="210" name="Ink 209">
@@ -26253,8 +28289,8 @@
           </p:pic>
         </mc:Fallback>
       </mc:AlternateContent>
-      <mc:AlternateContent xmlns:mc="http://schemas.openxmlformats.org/markup-compatibility/2006">
-        <mc:Choice xmlns:p14="http://schemas.microsoft.com/office/powerpoint/2010/main" Requires="p14">
+      <mc:AlternateContent xmlns:mc="http://schemas.openxmlformats.org/markup-compatibility/2006" xmlns:p14="http://schemas.microsoft.com/office/powerpoint/2010/main">
+        <mc:Choice Requires="p14">
           <p:contentPart p14:bwMode="auto" r:id="rId15">
             <p14:nvContentPartPr>
               <p14:cNvPr id="212" name="Ink 211">
@@ -26273,7 +28309,7 @@
             </p14:xfrm>
           </p:contentPart>
         </mc:Choice>
-        <mc:Fallback>
+        <mc:Fallback xmlns="">
           <p:pic>
             <p:nvPicPr>
               <p:cNvPr id="212" name="Ink 211">
@@ -26304,8 +28340,8 @@
           </p:pic>
         </mc:Fallback>
       </mc:AlternateContent>
-      <mc:AlternateContent xmlns:mc="http://schemas.openxmlformats.org/markup-compatibility/2006">
-        <mc:Choice xmlns:a14="http://schemas.microsoft.com/office/drawing/2010/main" Requires="a14">
+      <mc:AlternateContent xmlns:mc="http://schemas.openxmlformats.org/markup-compatibility/2006" xmlns:a14="http://schemas.microsoft.com/office/drawing/2010/main">
+        <mc:Choice Requires="a14">
           <p:sp>
             <p:nvSpPr>
               <p:cNvPr id="213" name="Rectangle 212">
@@ -26469,7 +28505,7 @@
             </p:txBody>
           </p:sp>
         </mc:Choice>
-        <mc:Fallback>
+        <mc:Fallback xmlns="">
           <p:sp>
             <p:nvSpPr>
               <p:cNvPr id="213" name="Rectangle 212">
@@ -27236,8 +29272,8 @@
               </a:fontRef>
             </p:style>
           </p:cxnSp>
-          <mc:AlternateContent xmlns:mc="http://schemas.openxmlformats.org/markup-compatibility/2006">
-            <mc:Choice xmlns:a14="http://schemas.microsoft.com/office/drawing/2010/main" Requires="a14">
+          <mc:AlternateContent xmlns:mc="http://schemas.openxmlformats.org/markup-compatibility/2006" xmlns:a14="http://schemas.microsoft.com/office/drawing/2010/main">
+            <mc:Choice Requires="a14">
               <p:sp>
                 <p:nvSpPr>
                   <p:cNvPr id="36" name="TextBox 35">
@@ -27309,7 +29345,7 @@
                 </p:txBody>
               </p:sp>
             </mc:Choice>
-            <mc:Fallback>
+            <mc:Fallback xmlns="">
               <p:sp>
                 <p:nvSpPr>
                   <p:cNvPr id="36" name="TextBox 35">
@@ -27354,8 +29390,8 @@
               </p:sp>
             </mc:Fallback>
           </mc:AlternateContent>
-          <mc:AlternateContent xmlns:mc="http://schemas.openxmlformats.org/markup-compatibility/2006">
-            <mc:Choice xmlns:a14="http://schemas.microsoft.com/office/drawing/2010/main" Requires="a14">
+          <mc:AlternateContent xmlns:mc="http://schemas.openxmlformats.org/markup-compatibility/2006" xmlns:a14="http://schemas.microsoft.com/office/drawing/2010/main">
+            <mc:Choice Requires="a14">
               <p:sp>
                 <p:nvSpPr>
                   <p:cNvPr id="37" name="TextBox 36">
@@ -27427,7 +29463,7 @@
                 </p:txBody>
               </p:sp>
             </mc:Choice>
-            <mc:Fallback>
+            <mc:Fallback xmlns="">
               <p:sp>
                 <p:nvSpPr>
                   <p:cNvPr id="37" name="TextBox 36">
@@ -28443,8 +30479,8 @@
             <a:chExt cx="5575011" cy="861388"/>
           </a:xfrm>
         </p:grpSpPr>
-        <mc:AlternateContent xmlns:mc="http://schemas.openxmlformats.org/markup-compatibility/2006">
-          <mc:Choice xmlns:a14="http://schemas.microsoft.com/office/drawing/2010/main" Requires="a14">
+        <mc:AlternateContent xmlns:mc="http://schemas.openxmlformats.org/markup-compatibility/2006" xmlns:a14="http://schemas.microsoft.com/office/drawing/2010/main">
+          <mc:Choice Requires="a14">
             <p:sp>
               <p:nvSpPr>
                 <p:cNvPr id="75" name="Rectangle 74">
@@ -28861,7 +30897,7 @@
               </p:txBody>
             </p:sp>
           </mc:Choice>
-          <mc:Fallback>
+          <mc:Fallback xmlns="">
             <p:sp>
               <p:nvSpPr>
                 <p:cNvPr id="75" name="Rectangle 74">
@@ -28965,8 +31001,8 @@
           </p:txBody>
         </p:sp>
       </p:grpSp>
-      <mc:AlternateContent xmlns:mc="http://schemas.openxmlformats.org/markup-compatibility/2006">
-        <mc:Choice xmlns:a14="http://schemas.microsoft.com/office/drawing/2010/main" Requires="a14">
+      <mc:AlternateContent xmlns:mc="http://schemas.openxmlformats.org/markup-compatibility/2006" xmlns:a14="http://schemas.microsoft.com/office/drawing/2010/main">
+        <mc:Choice Requires="a14">
           <p:sp>
             <p:nvSpPr>
               <p:cNvPr id="2" name="TextBox 1">
@@ -29186,7 +31222,7 @@
             </p:txBody>
           </p:sp>
         </mc:Choice>
-        <mc:Fallback>
+        <mc:Fallback xmlns="">
           <p:sp>
             <p:nvSpPr>
               <p:cNvPr id="2" name="TextBox 1">
@@ -29851,8 +31887,8 @@
               <a:chExt cx="1876266" cy="1490347"/>
             </a:xfrm>
           </p:grpSpPr>
-          <mc:AlternateContent xmlns:mc="http://schemas.openxmlformats.org/markup-compatibility/2006">
-            <mc:Choice xmlns:am3d="http://schemas.microsoft.com/office/drawing/2017/model3d" Requires="am3d">
+          <mc:AlternateContent xmlns:mc="http://schemas.openxmlformats.org/markup-compatibility/2006" xmlns:am3d="http://schemas.microsoft.com/office/drawing/2017/model3d">
+            <mc:Choice Requires="am3d">
               <p:graphicFrame>
                 <p:nvGraphicFramePr>
                   <p:cNvPr id="24" name="3D Model 23">
@@ -29942,7 +31978,7 @@
                 </a:graphic>
               </p:graphicFrame>
             </mc:Choice>
-            <mc:Fallback>
+            <mc:Fallback xmlns="">
               <p:pic>
                 <p:nvPicPr>
                   <p:cNvPr id="24" name="3D Model 23">
@@ -29958,7 +31994,7 @@
                   <p:nvPr/>
                 </p:nvPicPr>
                 <p:blipFill>
-                  <a:blip r:embed="rId23"/>
+                  <a:blip r:embed="rId24"/>
                   <a:stretch>
                     <a:fillRect/>
                   </a:stretch>
@@ -30517,9 +32553,9 @@
               </a:p>
             </p:txBody>
           </p:sp>
-          <mc:AlternateContent xmlns:mc="http://schemas.openxmlformats.org/markup-compatibility/2006">
-            <mc:Choice xmlns:p14="http://schemas.microsoft.com/office/powerpoint/2010/main" Requires="p14">
-              <p:contentPart p14:bwMode="auto" r:id="rId24">
+          <mc:AlternateContent xmlns:mc="http://schemas.openxmlformats.org/markup-compatibility/2006" xmlns:p14="http://schemas.microsoft.com/office/powerpoint/2010/main">
+            <mc:Choice Requires="p14">
+              <p:contentPart p14:bwMode="auto" r:id="rId25">
                 <p14:nvContentPartPr>
                   <p14:cNvPr id="87" name="Ink 86">
                     <a:extLst>
@@ -30537,7 +32573,7 @@
                 </p14:xfrm>
               </p:contentPart>
             </mc:Choice>
-            <mc:Fallback>
+            <mc:Fallback xmlns="">
               <p:pic>
                 <p:nvPicPr>
                   <p:cNvPr id="87" name="Ink 86">
@@ -30551,7 +32587,7 @@
                   <p:nvPr/>
                 </p:nvPicPr>
                 <p:blipFill>
-                  <a:blip r:embed="rId25"/>
+                  <a:blip r:embed="rId26"/>
                   <a:stretch>
                     <a:fillRect/>
                   </a:stretch>
@@ -30874,8 +32910,8 @@
             </a:p>
           </p:txBody>
         </p:sp>
-        <mc:AlternateContent xmlns:mc="http://schemas.openxmlformats.org/markup-compatibility/2006">
-          <mc:Choice xmlns:a14="http://schemas.microsoft.com/office/drawing/2010/main" Requires="a14">
+        <mc:AlternateContent xmlns:mc="http://schemas.openxmlformats.org/markup-compatibility/2006" xmlns:a14="http://schemas.microsoft.com/office/drawing/2010/main">
+          <mc:Choice Requires="a14">
             <p:sp>
               <p:nvSpPr>
                 <p:cNvPr id="67" name="Rectangle 66">
@@ -31170,7 +33206,7 @@
               </p:txBody>
             </p:sp>
           </mc:Choice>
-          <mc:Fallback>
+          <mc:Fallback xmlns="">
             <p:sp>
               <p:nvSpPr>
                 <p:cNvPr id="67" name="Rectangle 66">
@@ -31194,7 +33230,7 @@
                   <a:avLst/>
                 </a:prstGeom>
                 <a:blipFill>
-                  <a:blip r:embed="rId26"/>
+                  <a:blip r:embed="rId27"/>
                   <a:stretch>
                     <a:fillRect b="-7353"/>
                   </a:stretch>
@@ -31293,8 +33329,8 @@
             </a:p>
           </p:txBody>
         </p:sp>
-        <mc:AlternateContent xmlns:mc="http://schemas.openxmlformats.org/markup-compatibility/2006">
-          <mc:Choice xmlns:a14="http://schemas.microsoft.com/office/drawing/2010/main" Requires="a14">
+        <mc:AlternateContent xmlns:mc="http://schemas.openxmlformats.org/markup-compatibility/2006" xmlns:a14="http://schemas.microsoft.com/office/drawing/2010/main">
+          <mc:Choice Requires="a14">
             <p:sp>
               <p:nvSpPr>
                 <p:cNvPr id="10" name="Rectangle 9">
@@ -31322,6 +33358,7 @@
                 </a:bodyPr>
                 <a:lstStyle/>
                 <a:p>
+                  <a:pPr/>
                   <a14:m>
                     <m:oMathPara xmlns:m="http://schemas.openxmlformats.org/officeDocument/2006/math">
                       <m:oMathParaPr>
@@ -31557,7 +33594,7 @@
               </p:txBody>
             </p:sp>
           </mc:Choice>
-          <mc:Fallback>
+          <mc:Fallback xmlns="">
             <p:sp>
               <p:nvSpPr>
                 <p:cNvPr id="10" name="Rectangle 9">
@@ -31581,7 +33618,7 @@
                   <a:avLst/>
                 </a:prstGeom>
                 <a:blipFill>
-                  <a:blip r:embed="rId27"/>
+                  <a:blip r:embed="rId28"/>
                   <a:stretch>
                     <a:fillRect b="-8475"/>
                   </a:stretch>
@@ -31930,8 +33967,8 @@
           </a:p>
         </p:txBody>
       </p:sp>
-      <mc:AlternateContent xmlns:mc="http://schemas.openxmlformats.org/markup-compatibility/2006">
-        <mc:Choice xmlns:a14="http://schemas.microsoft.com/office/drawing/2010/main" Requires="a14">
+      <mc:AlternateContent xmlns:mc="http://schemas.openxmlformats.org/markup-compatibility/2006" xmlns:a14="http://schemas.microsoft.com/office/drawing/2010/main">
+        <mc:Choice Requires="a14">
           <p:sp>
             <p:nvSpPr>
               <p:cNvPr id="44" name="TextBox 43">
@@ -32213,20 +34250,7 @@
                           <a:latin typeface="Cambria Math" panose="02040503050406030204" pitchFamily="18" charset="0"/>
                           <a:ea typeface="Cambria Math" panose="02040503050406030204" pitchFamily="18" charset="0"/>
                         </a:rPr>
-                        <m:t>m</m:t>
-                      </m:r>
-                      <m:r>
-                        <m:rPr>
-                          <m:sty m:val="p"/>
-                        </m:rPr>
-                        <a:rPr lang="en-CA" sz="1400" b="0" i="0" smtClean="0">
-                          <a:solidFill>
-                            <a:schemeClr val="bg1"/>
-                          </a:solidFill>
-                          <a:latin typeface="Cambria Math" panose="02040503050406030204" pitchFamily="18" charset="0"/>
-                          <a:ea typeface="Cambria Math" panose="02040503050406030204" pitchFamily="18" charset="0"/>
-                        </a:rPr>
-                        <m:t>as</m:t>
+                        <m:t>mas</m:t>
                       </m:r>
                       <m:sSub>
                         <m:sSubPr>
@@ -32305,20 +34329,7 @@
                               <a:latin typeface="Cambria Math" panose="02040503050406030204" pitchFamily="18" charset="0"/>
                               <a:ea typeface="Cambria Math" panose="02040503050406030204" pitchFamily="18" charset="0"/>
                             </a:rPr>
-                            <m:t>m</m:t>
-                          </m:r>
-                          <m:r>
-                            <m:rPr>
-                              <m:sty m:val="p"/>
-                            </m:rPr>
-                            <a:rPr lang="en-CA" sz="1400" b="0" i="0" smtClean="0">
-                              <a:solidFill>
-                                <a:schemeClr val="bg1"/>
-                              </a:solidFill>
-                              <a:latin typeface="Cambria Math" panose="02040503050406030204" pitchFamily="18" charset="0"/>
-                              <a:ea typeface="Cambria Math" panose="02040503050406030204" pitchFamily="18" charset="0"/>
-                            </a:rPr>
-                            <m:t>ass</m:t>
+                            <m:t>mass</m:t>
                           </m:r>
                         </m:e>
                         <m:sub>
@@ -32381,20 +34392,7 @@
                               <a:latin typeface="Cambria Math" panose="02040503050406030204" pitchFamily="18" charset="0"/>
                               <a:ea typeface="Cambria Math" panose="02040503050406030204" pitchFamily="18" charset="0"/>
                             </a:rPr>
-                            <m:t>m</m:t>
-                          </m:r>
-                          <m:r>
-                            <m:rPr>
-                              <m:sty m:val="p"/>
-                            </m:rPr>
-                            <a:rPr lang="en-CA" sz="1400" b="0" i="0" smtClean="0">
-                              <a:solidFill>
-                                <a:schemeClr val="bg1"/>
-                              </a:solidFill>
-                              <a:latin typeface="Cambria Math" panose="02040503050406030204" pitchFamily="18" charset="0"/>
-                              <a:ea typeface="Cambria Math" panose="02040503050406030204" pitchFamily="18" charset="0"/>
-                            </a:rPr>
-                            <m:t>ass</m:t>
+                            <m:t>mass</m:t>
                           </m:r>
                         </m:e>
                         <m:sub>
@@ -32466,7 +34464,7 @@
             </p:txBody>
           </p:sp>
         </mc:Choice>
-        <mc:Fallback>
+        <mc:Fallback xmlns="">
           <p:sp>
             <p:nvSpPr>
               <p:cNvPr id="44" name="TextBox 43">
@@ -32562,8 +34560,8 @@
           </a:p>
         </p:txBody>
       </p:sp>
-      <mc:AlternateContent xmlns:mc="http://schemas.openxmlformats.org/markup-compatibility/2006">
-        <mc:Choice xmlns:a14="http://schemas.microsoft.com/office/drawing/2010/main" Requires="a14">
+      <mc:AlternateContent xmlns:mc="http://schemas.openxmlformats.org/markup-compatibility/2006" xmlns:a14="http://schemas.microsoft.com/office/drawing/2010/main">
+        <mc:Choice Requires="a14">
           <p:sp>
             <p:nvSpPr>
               <p:cNvPr id="46" name="TextBox 45">
@@ -32683,7 +34681,7 @@
             </p:txBody>
           </p:sp>
         </mc:Choice>
-        <mc:Fallback>
+        <mc:Fallback xmlns="">
           <p:sp>
             <p:nvSpPr>
               <p:cNvPr id="46" name="TextBox 45">
@@ -32935,8 +34933,8 @@
           </a:p>
         </p:txBody>
       </p:sp>
-      <mc:AlternateContent xmlns:mc="http://schemas.openxmlformats.org/markup-compatibility/2006">
-        <mc:Choice xmlns:a14="http://schemas.microsoft.com/office/drawing/2010/main" Requires="a14">
+      <mc:AlternateContent xmlns:mc="http://schemas.openxmlformats.org/markup-compatibility/2006" xmlns:a14="http://schemas.microsoft.com/office/drawing/2010/main">
+        <mc:Choice Requires="a14">
           <p:sp>
             <p:nvSpPr>
               <p:cNvPr id="53" name="TextBox 52">
@@ -33144,7 +35142,7 @@
             </p:txBody>
           </p:sp>
         </mc:Choice>
-        <mc:Fallback>
+        <mc:Fallback xmlns="">
           <p:sp>
             <p:nvSpPr>
               <p:cNvPr id="53" name="TextBox 52">
@@ -33524,8 +35522,8 @@
           </a:p>
         </p:txBody>
       </p:sp>
-      <mc:AlternateContent xmlns:mc="http://schemas.openxmlformats.org/markup-compatibility/2006">
-        <mc:Choice xmlns:am3d="http://schemas.microsoft.com/office/drawing/2017/model3d" Requires="am3d">
+      <mc:AlternateContent xmlns:mc="http://schemas.openxmlformats.org/markup-compatibility/2006" xmlns:am3d="http://schemas.microsoft.com/office/drawing/2017/model3d">
+        <mc:Choice Requires="am3d">
           <p:graphicFrame>
             <p:nvGraphicFramePr>
               <p:cNvPr id="63" name="3D Model 62">
@@ -33615,7 +35613,7 @@
             </a:graphic>
           </p:graphicFrame>
         </mc:Choice>
-        <mc:Fallback>
+        <mc:Fallback xmlns="">
           <p:pic>
             <p:nvPicPr>
               <p:cNvPr id="63" name="3D Model 62">
@@ -33631,7 +35629,7 @@
               <p:nvPr/>
             </p:nvPicPr>
             <p:blipFill>
-              <a:blip r:embed="rId8"/>
+              <a:blip r:embed="rId9"/>
               <a:stretch>
                 <a:fillRect/>
               </a:stretch>
@@ -33668,8 +35666,8 @@
             <a:chExt cx="3933951" cy="2351399"/>
           </a:xfrm>
         </p:grpSpPr>
-        <mc:AlternateContent xmlns:mc="http://schemas.openxmlformats.org/markup-compatibility/2006">
-          <mc:Choice xmlns:a14="http://schemas.microsoft.com/office/drawing/2010/main" Requires="a14">
+        <mc:AlternateContent xmlns:mc="http://schemas.openxmlformats.org/markup-compatibility/2006" xmlns:a14="http://schemas.microsoft.com/office/drawing/2010/main">
+          <mc:Choice Requires="a14">
             <p:sp>
               <p:nvSpPr>
                 <p:cNvPr id="60" name="TextBox 59">
@@ -33754,7 +35752,7 @@
               </p:txBody>
             </p:sp>
           </mc:Choice>
-          <mc:Fallback>
+          <mc:Fallback xmlns="">
             <p:sp>
               <p:nvSpPr>
                 <p:cNvPr id="60" name="TextBox 59">
@@ -33778,7 +35776,7 @@
                   <a:avLst/>
                 </a:prstGeom>
                 <a:blipFill>
-                  <a:blip r:embed="rId9"/>
+                  <a:blip r:embed="rId10"/>
                   <a:stretch>
                     <a:fillRect l="-962" t="-4000" b="-20000"/>
                   </a:stretch>
@@ -34024,8 +36022,8 @@
             </a:p>
           </p:txBody>
         </p:sp>
-        <mc:AlternateContent xmlns:mc="http://schemas.openxmlformats.org/markup-compatibility/2006">
-          <mc:Choice xmlns:a14="http://schemas.microsoft.com/office/drawing/2010/main" Requires="a14">
+        <mc:AlternateContent xmlns:mc="http://schemas.openxmlformats.org/markup-compatibility/2006" xmlns:a14="http://schemas.microsoft.com/office/drawing/2010/main">
+          <mc:Choice Requires="a14">
             <p:sp>
               <p:nvSpPr>
                 <p:cNvPr id="69" name="TextBox 68">
@@ -34082,7 +36080,7 @@
               </p:txBody>
             </p:sp>
           </mc:Choice>
-          <mc:Fallback>
+          <mc:Fallback xmlns="">
             <p:sp>
               <p:nvSpPr>
                 <p:cNvPr id="69" name="TextBox 68">
@@ -34106,7 +36104,7 @@
                   <a:avLst/>
                 </a:prstGeom>
                 <a:blipFill>
-                  <a:blip r:embed="rId10"/>
+                  <a:blip r:embed="rId11"/>
                   <a:stretch>
                     <a:fillRect t="-6000" r="-3077" b="-18000"/>
                   </a:stretch>
@@ -34127,8 +36125,8 @@
             </p:sp>
           </mc:Fallback>
         </mc:AlternateContent>
-        <mc:AlternateContent xmlns:mc="http://schemas.openxmlformats.org/markup-compatibility/2006">
-          <mc:Choice xmlns:a14="http://schemas.microsoft.com/office/drawing/2010/main" Requires="a14">
+        <mc:AlternateContent xmlns:mc="http://schemas.openxmlformats.org/markup-compatibility/2006" xmlns:a14="http://schemas.microsoft.com/office/drawing/2010/main">
+          <mc:Choice Requires="a14">
             <p:sp>
               <p:nvSpPr>
                 <p:cNvPr id="70" name="TextBox 69">
@@ -34189,7 +36187,7 @@
               </p:txBody>
             </p:sp>
           </mc:Choice>
-          <mc:Fallback>
+          <mc:Fallback xmlns="">
             <p:sp>
               <p:nvSpPr>
                 <p:cNvPr id="70" name="TextBox 69">
@@ -34213,7 +36211,7 @@
                   <a:avLst/>
                 </a:prstGeom>
                 <a:blipFill>
-                  <a:blip r:embed="rId11"/>
+                  <a:blip r:embed="rId12"/>
                   <a:stretch>
                     <a:fillRect t="-6000" r="-2299" b="-18000"/>
                   </a:stretch>
@@ -34288,8 +36286,8 @@
             </a:p>
           </p:txBody>
         </p:sp>
-        <mc:AlternateContent xmlns:mc="http://schemas.openxmlformats.org/markup-compatibility/2006">
-          <mc:Choice xmlns:a14="http://schemas.microsoft.com/office/drawing/2010/main" Requires="a14">
+        <mc:AlternateContent xmlns:mc="http://schemas.openxmlformats.org/markup-compatibility/2006" xmlns:a14="http://schemas.microsoft.com/office/drawing/2010/main">
+          <mc:Choice Requires="a14">
             <p:sp>
               <p:nvSpPr>
                 <p:cNvPr id="72" name="TextBox 71">
@@ -34379,7 +36377,7 @@
               </p:txBody>
             </p:sp>
           </mc:Choice>
-          <mc:Fallback>
+          <mc:Fallback xmlns="">
             <p:sp>
               <p:nvSpPr>
                 <p:cNvPr id="72" name="TextBox 71">
@@ -34403,7 +36401,7 @@
                   <a:avLst/>
                 </a:prstGeom>
                 <a:blipFill>
-                  <a:blip r:embed="rId12"/>
+                  <a:blip r:embed="rId13"/>
                   <a:stretch>
                     <a:fillRect b="-1316"/>
                   </a:stretch>
@@ -34424,8 +36422,8 @@
             </p:sp>
           </mc:Fallback>
         </mc:AlternateContent>
-        <mc:AlternateContent xmlns:mc="http://schemas.openxmlformats.org/markup-compatibility/2006">
-          <mc:Choice xmlns:a14="http://schemas.microsoft.com/office/drawing/2010/main" Requires="a14">
+        <mc:AlternateContent xmlns:mc="http://schemas.openxmlformats.org/markup-compatibility/2006" xmlns:a14="http://schemas.microsoft.com/office/drawing/2010/main">
+          <mc:Choice Requires="a14">
             <p:sp>
               <p:nvSpPr>
                 <p:cNvPr id="73" name="TextBox 72">
@@ -34482,7 +36480,7 @@
               </p:txBody>
             </p:sp>
           </mc:Choice>
-          <mc:Fallback>
+          <mc:Fallback xmlns="">
             <p:sp>
               <p:nvSpPr>
                 <p:cNvPr id="73" name="TextBox 72">
@@ -34506,7 +36504,7 @@
                   <a:avLst/>
                 </a:prstGeom>
                 <a:blipFill>
-                  <a:blip r:embed="rId13"/>
+                  <a:blip r:embed="rId14"/>
                   <a:stretch>
                     <a:fillRect/>
                   </a:stretch>
@@ -36038,76 +38036,16 @@
         <a:srgbClr val="954F72"/>
       </a:folHlink>
     </a:clrScheme>
-    <a:fontScheme name="Office Theme">
+    <a:fontScheme name="UI">
       <a:majorFont>
-        <a:latin typeface="Calibri Light" panose="020F0302020204030204"/>
+        <a:latin typeface="Segoe UI Light"/>
         <a:ea typeface=""/>
         <a:cs typeface=""/>
-        <a:font script="Jpan" typeface="游ゴシック Light"/>
-        <a:font script="Hang" typeface="맑은 고딕"/>
-        <a:font script="Hans" typeface="等线 Light"/>
-        <a:font script="Hant" typeface="新細明體"/>
-        <a:font script="Arab" typeface="Times New Roman"/>
-        <a:font script="Hebr" typeface="Times New Roman"/>
-        <a:font script="Thai" typeface="Angsana New"/>
-        <a:font script="Ethi" typeface="Nyala"/>
-        <a:font script="Beng" typeface="Vrinda"/>
-        <a:font script="Gujr" typeface="Shruti"/>
-        <a:font script="Khmr" typeface="MoolBoran"/>
-        <a:font script="Knda" typeface="Tunga"/>
-        <a:font script="Guru" typeface="Raavi"/>
-        <a:font script="Cans" typeface="Euphemia"/>
-        <a:font script="Cher" typeface="Plantagenet Cherokee"/>
-        <a:font script="Yiii" typeface="Microsoft Yi Baiti"/>
-        <a:font script="Tibt" typeface="Microsoft Himalaya"/>
-        <a:font script="Thaa" typeface="MV Boli"/>
-        <a:font script="Deva" typeface="Mangal"/>
-        <a:font script="Telu" typeface="Gautami"/>
-        <a:font script="Taml" typeface="Latha"/>
-        <a:font script="Syrc" typeface="Estrangelo Edessa"/>
-        <a:font script="Orya" typeface="Kalinga"/>
-        <a:font script="Mlym" typeface="Kartika"/>
-        <a:font script="Laoo" typeface="DokChampa"/>
-        <a:font script="Sinh" typeface="Iskoola Pota"/>
-        <a:font script="Mong" typeface="Mongolian Baiti"/>
-        <a:font script="Viet" typeface="Times New Roman"/>
-        <a:font script="Uigh" typeface="Microsoft Uighur"/>
-        <a:font script="Geor" typeface="Sylfaen"/>
       </a:majorFont>
       <a:minorFont>
-        <a:latin typeface="Calibri" panose="020F0502020204030204"/>
+        <a:latin typeface="Segoe UI"/>
         <a:ea typeface=""/>
         <a:cs typeface=""/>
-        <a:font script="Jpan" typeface="游ゴシック"/>
-        <a:font script="Hang" typeface="맑은 고딕"/>
-        <a:font script="Hans" typeface="等线"/>
-        <a:font script="Hant" typeface="新細明體"/>
-        <a:font script="Arab" typeface="Arial"/>
-        <a:font script="Hebr" typeface="Arial"/>
-        <a:font script="Thai" typeface="Cordia New"/>
-        <a:font script="Ethi" typeface="Nyala"/>
-        <a:font script="Beng" typeface="Vrinda"/>
-        <a:font script="Gujr" typeface="Shruti"/>
-        <a:font script="Khmr" typeface="DaunPenh"/>
-        <a:font script="Knda" typeface="Tunga"/>
-        <a:font script="Guru" typeface="Raavi"/>
-        <a:font script="Cans" typeface="Euphemia"/>
-        <a:font script="Cher" typeface="Plantagenet Cherokee"/>
-        <a:font script="Yiii" typeface="Microsoft Yi Baiti"/>
-        <a:font script="Tibt" typeface="Microsoft Himalaya"/>
-        <a:font script="Thaa" typeface="MV Boli"/>
-        <a:font script="Deva" typeface="Mangal"/>
-        <a:font script="Telu" typeface="Gautami"/>
-        <a:font script="Taml" typeface="Latha"/>
-        <a:font script="Syrc" typeface="Estrangelo Edessa"/>
-        <a:font script="Orya" typeface="Kalinga"/>
-        <a:font script="Mlym" typeface="Kartika"/>
-        <a:font script="Laoo" typeface="DokChampa"/>
-        <a:font script="Sinh" typeface="Iskoola Pota"/>
-        <a:font script="Mong" typeface="Mongolian Baiti"/>
-        <a:font script="Viet" typeface="Arial"/>
-        <a:font script="Uigh" typeface="Microsoft Uighur"/>
-        <a:font script="Geor" typeface="Sylfaen"/>
       </a:minorFont>
     </a:fontScheme>
     <a:fmtScheme name="Office Theme">
